--- a/FSharp.pptx
+++ b/FSharp.pptx
@@ -5,7 +5,7 @@
     <p:sldMasterId id="2147483648" r:id="rId1"/>
   </p:sldMasterIdLst>
   <p:notesMasterIdLst>
-    <p:notesMasterId r:id="rId31"/>
+    <p:notesMasterId r:id="rId35"/>
   </p:notesMasterIdLst>
   <p:sldIdLst>
     <p:sldId id="256" r:id="rId2"/>
@@ -25,18 +25,22 @@
     <p:sldId id="267" r:id="rId16"/>
     <p:sldId id="268" r:id="rId17"/>
     <p:sldId id="298" r:id="rId18"/>
-    <p:sldId id="297" r:id="rId19"/>
-    <p:sldId id="299" r:id="rId20"/>
-    <p:sldId id="300" r:id="rId21"/>
-    <p:sldId id="294" r:id="rId22"/>
-    <p:sldId id="265" r:id="rId23"/>
-    <p:sldId id="270" r:id="rId24"/>
-    <p:sldId id="273" r:id="rId25"/>
-    <p:sldId id="276" r:id="rId26"/>
-    <p:sldId id="278" r:id="rId27"/>
-    <p:sldId id="280" r:id="rId28"/>
-    <p:sldId id="281" r:id="rId29"/>
-    <p:sldId id="283" r:id="rId30"/>
+    <p:sldId id="301" r:id="rId19"/>
+    <p:sldId id="297" r:id="rId20"/>
+    <p:sldId id="299" r:id="rId21"/>
+    <p:sldId id="300" r:id="rId22"/>
+    <p:sldId id="302" r:id="rId23"/>
+    <p:sldId id="303" r:id="rId24"/>
+    <p:sldId id="304" r:id="rId25"/>
+    <p:sldId id="294" r:id="rId26"/>
+    <p:sldId id="265" r:id="rId27"/>
+    <p:sldId id="270" r:id="rId28"/>
+    <p:sldId id="273" r:id="rId29"/>
+    <p:sldId id="276" r:id="rId30"/>
+    <p:sldId id="278" r:id="rId31"/>
+    <p:sldId id="280" r:id="rId32"/>
+    <p:sldId id="281" r:id="rId33"/>
+    <p:sldId id="283" r:id="rId34"/>
   </p:sldIdLst>
   <p:sldSz cx="9144000" cy="6858000" type="screen4x3"/>
   <p:notesSz cx="6858000" cy="9144000"/>
@@ -1864,7 +1868,7 @@
           <a:p>
             <a:fld id="{4775FDF9-2A53-4261-A0AF-3B6A9698D365}" type="slidenum">
               <a:rPr lang="en-US" smtClean="0"/>
-              <a:t>18</a:t>
+              <a:t>19</a:t>
             </a:fld>
             <a:endParaRPr lang="en-US"/>
           </a:p>
@@ -2005,7 +2009,7 @@
           <a:p>
             <a:fld id="{4775FDF9-2A53-4261-A0AF-3B6A9698D365}" type="slidenum">
               <a:rPr lang="en-US" smtClean="0"/>
-              <a:t>19</a:t>
+              <a:t>20</a:t>
             </a:fld>
             <a:endParaRPr lang="en-US"/>
           </a:p>
@@ -2146,7 +2150,7 @@
           <a:p>
             <a:fld id="{4775FDF9-2A53-4261-A0AF-3B6A9698D365}" type="slidenum">
               <a:rPr lang="en-US" smtClean="0"/>
-              <a:t>20</a:t>
+              <a:t>21</a:t>
             </a:fld>
             <a:endParaRPr lang="en-US"/>
           </a:p>
@@ -2330,7 +2334,7 @@
           <a:p>
             <a:fld id="{4775FDF9-2A53-4261-A0AF-3B6A9698D365}" type="slidenum">
               <a:rPr lang="en-US" smtClean="0"/>
-              <a:t>21</a:t>
+              <a:t>25</a:t>
             </a:fld>
             <a:endParaRPr lang="en-US"/>
           </a:p>
@@ -2422,7 +2426,7 @@
           <a:p>
             <a:fld id="{4775FDF9-2A53-4261-A0AF-3B6A9698D365}" type="slidenum">
               <a:rPr lang="en-US" smtClean="0"/>
-              <a:t>22</a:t>
+              <a:t>26</a:t>
             </a:fld>
             <a:endParaRPr lang="en-US"/>
           </a:p>
@@ -2514,7 +2518,7 @@
           <a:p>
             <a:fld id="{4775FDF9-2A53-4261-A0AF-3B6A9698D365}" type="slidenum">
               <a:rPr lang="en-US" smtClean="0"/>
-              <a:t>23</a:t>
+              <a:t>27</a:t>
             </a:fld>
             <a:endParaRPr lang="en-US"/>
           </a:p>
@@ -2642,7 +2646,7 @@
           <a:p>
             <a:fld id="{4775FDF9-2A53-4261-A0AF-3B6A9698D365}" type="slidenum">
               <a:rPr lang="en-US" smtClean="0"/>
-              <a:t>24</a:t>
+              <a:t>28</a:t>
             </a:fld>
             <a:endParaRPr lang="en-US"/>
           </a:p>
@@ -2840,7 +2844,7 @@
           <a:p>
             <a:fld id="{4775FDF9-2A53-4261-A0AF-3B6A9698D365}" type="slidenum">
               <a:rPr lang="en-US" smtClean="0"/>
-              <a:t>25</a:t>
+              <a:t>29</a:t>
             </a:fld>
             <a:endParaRPr lang="en-US"/>
           </a:p>
@@ -2940,7 +2944,7 @@
           <a:p>
             <a:fld id="{4775FDF9-2A53-4261-A0AF-3B6A9698D365}" type="slidenum">
               <a:rPr lang="en-US" smtClean="0"/>
-              <a:t>26</a:t>
+              <a:t>30</a:t>
             </a:fld>
             <a:endParaRPr lang="en-US"/>
           </a:p>
@@ -3056,7 +3060,7 @@
           <a:p>
             <a:fld id="{4775FDF9-2A53-4261-A0AF-3B6A9698D365}" type="slidenum">
               <a:rPr lang="en-US" smtClean="0"/>
-              <a:t>27</a:t>
+              <a:t>31</a:t>
             </a:fld>
             <a:endParaRPr lang="en-US"/>
           </a:p>
@@ -3197,7 +3201,7 @@
           <a:p>
             <a:fld id="{4775FDF9-2A53-4261-A0AF-3B6A9698D365}" type="slidenum">
               <a:rPr lang="en-US" smtClean="0"/>
-              <a:t>28</a:t>
+              <a:t>32</a:t>
             </a:fld>
             <a:endParaRPr lang="en-US"/>
           </a:p>
@@ -3306,7 +3310,7 @@
           <a:p>
             <a:fld id="{4775FDF9-2A53-4261-A0AF-3B6A9698D365}" type="slidenum">
               <a:rPr lang="en-US" smtClean="0"/>
-              <a:t>29</a:t>
+              <a:t>33</a:t>
             </a:fld>
             <a:endParaRPr lang="en-US"/>
           </a:p>
@@ -11166,6 +11170,106 @@
       </p:grpSpPr>
       <p:sp>
         <p:nvSpPr>
+          <p:cNvPr id="2" name="Titel 1"/>
+          <p:cNvSpPr>
+            <a:spLocks noGrp="1"/>
+          </p:cNvSpPr>
+          <p:nvPr>
+            <p:ph type="title"/>
+          </p:nvPr>
+        </p:nvSpPr>
+        <p:spPr/>
+        <p:txBody>
+          <a:bodyPr/>
+          <a:lstStyle/>
+          <a:p>
+            <a:r>
+              <a:rPr lang="de-DE" dirty="0"/>
+              <a:t>F#: Voraussetzungen</a:t>
+            </a:r>
+          </a:p>
+        </p:txBody>
+      </p:sp>
+      <p:sp>
+        <p:nvSpPr>
+          <p:cNvPr id="3" name="Inhaltsplatzhalter 2"/>
+          <p:cNvSpPr>
+            <a:spLocks noGrp="1"/>
+          </p:cNvSpPr>
+          <p:nvPr>
+            <p:ph idx="1"/>
+          </p:nvPr>
+        </p:nvSpPr>
+        <p:spPr/>
+        <p:txBody>
+          <a:bodyPr/>
+          <a:lstStyle/>
+          <a:p>
+            <a:r>
+              <a:rPr lang="de-DE" dirty="0"/>
+              <a:t>Visual Studio 2015 Community Edition</a:t>
+            </a:r>
+          </a:p>
+          <a:p>
+            <a:r>
+              <a:rPr lang="de-DE" dirty="0" err="1"/>
+              <a:t>Öffene</a:t>
+            </a:r>
+            <a:r>
+              <a:rPr lang="de-DE" dirty="0"/>
+              <a:t> das Solution im Hauptverzeichnis</a:t>
+            </a:r>
+          </a:p>
+          <a:p>
+            <a:r>
+              <a:rPr lang="de-DE" dirty="0"/>
+              <a:t>Kompiliere. Abhängigkeiten werden ermittelt und gegebenenfalls heruntergeladen</a:t>
+            </a:r>
+          </a:p>
+          <a:p>
+            <a:r>
+              <a:rPr lang="de-DE" dirty="0" err="1"/>
+              <a:t>Öffene</a:t>
+            </a:r>
+            <a:endParaRPr lang="de-DE" dirty="0"/>
+          </a:p>
+          <a:p>
+            <a:endParaRPr lang="de-DE" dirty="0"/>
+          </a:p>
+        </p:txBody>
+      </p:sp>
+    </p:spTree>
+    <p:extLst>
+      <p:ext uri="{BB962C8B-B14F-4D97-AF65-F5344CB8AC3E}">
+        <p14:creationId xmlns:p14="http://schemas.microsoft.com/office/powerpoint/2010/main" val="3241066381"/>
+      </p:ext>
+    </p:extLst>
+  </p:cSld>
+  <p:clrMapOvr>
+    <a:masterClrMapping/>
+  </p:clrMapOvr>
+</p:sld>
+</file>
+
+<file path=ppt/slides/slide19.xml><?xml version="1.0" encoding="utf-8"?>
+<p:sld xmlns:a="http://schemas.openxmlformats.org/drawingml/2006/main" xmlns:r="http://schemas.openxmlformats.org/officeDocument/2006/relationships" xmlns:p="http://schemas.openxmlformats.org/presentationml/2006/main">
+  <p:cSld>
+    <p:spTree>
+      <p:nvGrpSpPr>
+        <p:cNvPr id="1" name=""/>
+        <p:cNvGrpSpPr/>
+        <p:nvPr/>
+      </p:nvGrpSpPr>
+      <p:grpSpPr>
+        <a:xfrm>
+          <a:off x="0" y="0"/>
+          <a:ext cx="0" cy="0"/>
+          <a:chOff x="0" y="0"/>
+          <a:chExt cx="0" cy="0"/>
+        </a:xfrm>
+      </p:grpSpPr>
+      <p:sp>
+        <p:nvSpPr>
           <p:cNvPr id="2" name="Title 1"/>
           <p:cNvSpPr>
             <a:spLocks noGrp="1"/>
@@ -11237,14 +11341,6 @@
             <a:r>
               <a:rPr lang="en-US" dirty="0"/>
               <a:t> </a:t>
-            </a:r>
-            <a:r>
-              <a:rPr lang="en-US" dirty="0" err="1"/>
-              <a:t>mit</a:t>
-            </a:r>
-            <a:r>
-              <a:rPr lang="en-US" dirty="0"/>
-              <a:t> White Space </a:t>
             </a:r>
             <a:r>
               <a:rPr lang="en-US" dirty="0" err="1"/>
@@ -11506,402 +11602,6 @@
                                           <p:spTgt spid="3">
                                             <p:txEl>
                                               <p:pRg st="4" end="4"/>
-                                            </p:txEl>
-                                          </p:spTgt>
-                                        </p:tgtEl>
-                                        <p:attrNameLst>
-                                          <p:attrName>style.visibility</p:attrName>
-                                        </p:attrNameLst>
-                                      </p:cBhvr>
-                                      <p:to>
-                                        <p:strVal val="visible"/>
-                                      </p:to>
-                                    </p:set>
-                                  </p:childTnLst>
-                                </p:cTn>
-                              </p:par>
-                            </p:childTnLst>
-                          </p:cTn>
-                        </p:par>
-                      </p:childTnLst>
-                    </p:cTn>
-                  </p:par>
-                </p:childTnLst>
-              </p:cTn>
-              <p:prevCondLst>
-                <p:cond evt="onPrev" delay="0">
-                  <p:tgtEl>
-                    <p:sldTgt/>
-                  </p:tgtEl>
-                </p:cond>
-              </p:prevCondLst>
-              <p:nextCondLst>
-                <p:cond evt="onNext" delay="0">
-                  <p:tgtEl>
-                    <p:sldTgt/>
-                  </p:tgtEl>
-                </p:cond>
-              </p:nextCondLst>
-            </p:seq>
-          </p:childTnLst>
-        </p:cTn>
-      </p:par>
-    </p:tnLst>
-    <p:bldLst>
-      <p:bldP spid="3" grpId="0" build="p"/>
-    </p:bldLst>
-  </p:timing>
-</p:sld>
-</file>
-
-<file path=ppt/slides/slide19.xml><?xml version="1.0" encoding="utf-8"?>
-<p:sld xmlns:a="http://schemas.openxmlformats.org/drawingml/2006/main" xmlns:r="http://schemas.openxmlformats.org/officeDocument/2006/relationships" xmlns:p="http://schemas.openxmlformats.org/presentationml/2006/main">
-  <p:cSld>
-    <p:spTree>
-      <p:nvGrpSpPr>
-        <p:cNvPr id="1" name=""/>
-        <p:cNvGrpSpPr/>
-        <p:nvPr/>
-      </p:nvGrpSpPr>
-      <p:grpSpPr>
-        <a:xfrm>
-          <a:off x="0" y="0"/>
-          <a:ext cx="0" cy="0"/>
-          <a:chOff x="0" y="0"/>
-          <a:chExt cx="0" cy="0"/>
-        </a:xfrm>
-      </p:grpSpPr>
-      <p:sp>
-        <p:nvSpPr>
-          <p:cNvPr id="2" name="Title 1"/>
-          <p:cNvSpPr>
-            <a:spLocks noGrp="1"/>
-          </p:cNvSpPr>
-          <p:nvPr>
-            <p:ph type="title"/>
-          </p:nvPr>
-        </p:nvSpPr>
-        <p:spPr/>
-        <p:txBody>
-          <a:bodyPr/>
-          <a:lstStyle/>
-          <a:p>
-            <a:r>
-              <a:rPr lang="de-DE" dirty="0"/>
-              <a:t>F#: Laufen lassen</a:t>
-            </a:r>
-            <a:endParaRPr lang="en-US" dirty="0"/>
-          </a:p>
-        </p:txBody>
-      </p:sp>
-      <p:sp>
-        <p:nvSpPr>
-          <p:cNvPr id="3" name="Content Placeholder 2"/>
-          <p:cNvSpPr>
-            <a:spLocks noGrp="1"/>
-          </p:cNvSpPr>
-          <p:nvPr>
-            <p:ph idx="1"/>
-          </p:nvPr>
-        </p:nvSpPr>
-        <p:spPr>
-          <a:xfrm>
-            <a:off x="457200" y="1600200"/>
-            <a:ext cx="8229600" cy="4525963"/>
-          </a:xfrm>
-        </p:spPr>
-        <p:txBody>
-          <a:bodyPr>
-            <a:normAutofit/>
-          </a:bodyPr>
-          <a:lstStyle/>
-          <a:p>
-            <a:r>
-              <a:rPr lang="de-DE" dirty="0"/>
-              <a:t>Erste Möglichkeit: </a:t>
-            </a:r>
-          </a:p>
-          <a:p>
-            <a:pPr lvl="1"/>
-            <a:r>
-              <a:rPr lang="de-DE" dirty="0"/>
-              <a:t>Source als Datei speichern (*.</a:t>
-            </a:r>
-            <a:r>
-              <a:rPr lang="de-DE" dirty="0" err="1"/>
-              <a:t>fs</a:t>
-            </a:r>
-            <a:r>
-              <a:rPr lang="de-DE" dirty="0"/>
-              <a:t>)</a:t>
-            </a:r>
-          </a:p>
-          <a:p>
-            <a:pPr lvl="1"/>
-            <a:r>
-              <a:rPr lang="de-DE" dirty="0"/>
-              <a:t>Source in einen </a:t>
-            </a:r>
-            <a:r>
-              <a:rPr lang="de-DE" dirty="0" err="1"/>
-              <a:t>Assembly</a:t>
-            </a:r>
-            <a:r>
-              <a:rPr lang="de-DE" dirty="0"/>
-              <a:t> kompilieren</a:t>
-            </a:r>
-          </a:p>
-          <a:p>
-            <a:r>
-              <a:rPr lang="de-DE" dirty="0"/>
-              <a:t>Zweite Möglichkeit: </a:t>
-            </a:r>
-          </a:p>
-          <a:p>
-            <a:pPr lvl="1"/>
-            <a:r>
-              <a:rPr lang="de-DE" dirty="0"/>
-              <a:t>Code als Script bearbeiten und speichern (*.</a:t>
-            </a:r>
-            <a:r>
-              <a:rPr lang="de-DE" dirty="0" err="1"/>
-              <a:t>fsx</a:t>
-            </a:r>
-            <a:r>
-              <a:rPr lang="de-DE" dirty="0"/>
-              <a:t>)</a:t>
-            </a:r>
-          </a:p>
-          <a:p>
-            <a:pPr lvl="1"/>
-            <a:r>
-              <a:rPr lang="de-DE" dirty="0"/>
-              <a:t>Script ausführen lassen</a:t>
-            </a:r>
-            <a:endParaRPr lang="en-US" dirty="0"/>
-          </a:p>
-        </p:txBody>
-      </p:sp>
-    </p:spTree>
-    <p:extLst>
-      <p:ext uri="{BB962C8B-B14F-4D97-AF65-F5344CB8AC3E}">
-        <p14:creationId xmlns:p14="http://schemas.microsoft.com/office/powerpoint/2010/main" val="498450771"/>
-      </p:ext>
-    </p:extLst>
-  </p:cSld>
-  <p:clrMapOvr>
-    <a:masterClrMapping/>
-  </p:clrMapOvr>
-  <p:timing>
-    <p:tnLst>
-      <p:par>
-        <p:cTn id="1" dur="indefinite" restart="never" nodeType="tmRoot">
-          <p:childTnLst>
-            <p:seq concurrent="1" nextAc="seek">
-              <p:cTn id="2" dur="indefinite" nodeType="mainSeq">
-                <p:childTnLst>
-                  <p:par>
-                    <p:cTn id="3" fill="hold">
-                      <p:stCondLst>
-                        <p:cond delay="indefinite"/>
-                      </p:stCondLst>
-                      <p:childTnLst>
-                        <p:par>
-                          <p:cTn id="4" fill="hold">
-                            <p:stCondLst>
-                              <p:cond delay="0"/>
-                            </p:stCondLst>
-                            <p:childTnLst>
-                              <p:par>
-                                <p:cTn id="5" presetID="1" presetClass="entr" presetSubtype="0" fill="hold" grpId="0" nodeType="clickEffect">
-                                  <p:stCondLst>
-                                    <p:cond delay="0"/>
-                                  </p:stCondLst>
-                                  <p:childTnLst>
-                                    <p:set>
-                                      <p:cBhvr>
-                                        <p:cTn id="6" dur="1" fill="hold">
-                                          <p:stCondLst>
-                                            <p:cond delay="0"/>
-                                          </p:stCondLst>
-                                        </p:cTn>
-                                        <p:tgtEl>
-                                          <p:spTgt spid="3">
-                                            <p:txEl>
-                                              <p:pRg st="0" end="0"/>
-                                            </p:txEl>
-                                          </p:spTgt>
-                                        </p:tgtEl>
-                                        <p:attrNameLst>
-                                          <p:attrName>style.visibility</p:attrName>
-                                        </p:attrNameLst>
-                                      </p:cBhvr>
-                                      <p:to>
-                                        <p:strVal val="visible"/>
-                                      </p:to>
-                                    </p:set>
-                                  </p:childTnLst>
-                                </p:cTn>
-                              </p:par>
-                              <p:par>
-                                <p:cTn id="7" presetID="1" presetClass="entr" presetSubtype="0" fill="hold" grpId="0" nodeType="withEffect">
-                                  <p:stCondLst>
-                                    <p:cond delay="0"/>
-                                  </p:stCondLst>
-                                  <p:childTnLst>
-                                    <p:set>
-                                      <p:cBhvr>
-                                        <p:cTn id="8" dur="1" fill="hold">
-                                          <p:stCondLst>
-                                            <p:cond delay="0"/>
-                                          </p:stCondLst>
-                                        </p:cTn>
-                                        <p:tgtEl>
-                                          <p:spTgt spid="3">
-                                            <p:txEl>
-                                              <p:pRg st="1" end="1"/>
-                                            </p:txEl>
-                                          </p:spTgt>
-                                        </p:tgtEl>
-                                        <p:attrNameLst>
-                                          <p:attrName>style.visibility</p:attrName>
-                                        </p:attrNameLst>
-                                      </p:cBhvr>
-                                      <p:to>
-                                        <p:strVal val="visible"/>
-                                      </p:to>
-                                    </p:set>
-                                  </p:childTnLst>
-                                </p:cTn>
-                              </p:par>
-                              <p:par>
-                                <p:cTn id="9" presetID="1" presetClass="entr" presetSubtype="0" fill="hold" grpId="0" nodeType="withEffect">
-                                  <p:stCondLst>
-                                    <p:cond delay="0"/>
-                                  </p:stCondLst>
-                                  <p:childTnLst>
-                                    <p:set>
-                                      <p:cBhvr>
-                                        <p:cTn id="10" dur="1" fill="hold">
-                                          <p:stCondLst>
-                                            <p:cond delay="0"/>
-                                          </p:stCondLst>
-                                        </p:cTn>
-                                        <p:tgtEl>
-                                          <p:spTgt spid="3">
-                                            <p:txEl>
-                                              <p:pRg st="2" end="2"/>
-                                            </p:txEl>
-                                          </p:spTgt>
-                                        </p:tgtEl>
-                                        <p:attrNameLst>
-                                          <p:attrName>style.visibility</p:attrName>
-                                        </p:attrNameLst>
-                                      </p:cBhvr>
-                                      <p:to>
-                                        <p:strVal val="visible"/>
-                                      </p:to>
-                                    </p:set>
-                                  </p:childTnLst>
-                                </p:cTn>
-                              </p:par>
-                            </p:childTnLst>
-                          </p:cTn>
-                        </p:par>
-                      </p:childTnLst>
-                    </p:cTn>
-                  </p:par>
-                  <p:par>
-                    <p:cTn id="11" fill="hold">
-                      <p:stCondLst>
-                        <p:cond delay="indefinite"/>
-                      </p:stCondLst>
-                      <p:childTnLst>
-                        <p:par>
-                          <p:cTn id="12" fill="hold">
-                            <p:stCondLst>
-                              <p:cond delay="0"/>
-                            </p:stCondLst>
-                            <p:childTnLst>
-                              <p:par>
-                                <p:cTn id="13" presetID="1" presetClass="entr" presetSubtype="0" fill="hold" grpId="0" nodeType="clickEffect">
-                                  <p:stCondLst>
-                                    <p:cond delay="0"/>
-                                  </p:stCondLst>
-                                  <p:childTnLst>
-                                    <p:set>
-                                      <p:cBhvr>
-                                        <p:cTn id="14" dur="1" fill="hold">
-                                          <p:stCondLst>
-                                            <p:cond delay="0"/>
-                                          </p:stCondLst>
-                                        </p:cTn>
-                                        <p:tgtEl>
-                                          <p:spTgt spid="3">
-                                            <p:txEl>
-                                              <p:pRg st="3" end="3"/>
-                                            </p:txEl>
-                                          </p:spTgt>
-                                        </p:tgtEl>
-                                        <p:attrNameLst>
-                                          <p:attrName>style.visibility</p:attrName>
-                                        </p:attrNameLst>
-                                      </p:cBhvr>
-                                      <p:to>
-                                        <p:strVal val="visible"/>
-                                      </p:to>
-                                    </p:set>
-                                  </p:childTnLst>
-                                </p:cTn>
-                              </p:par>
-                              <p:par>
-                                <p:cTn id="15" presetID="1" presetClass="entr" presetSubtype="0" fill="hold" grpId="0" nodeType="withEffect">
-                                  <p:stCondLst>
-                                    <p:cond delay="0"/>
-                                  </p:stCondLst>
-                                  <p:childTnLst>
-                                    <p:set>
-                                      <p:cBhvr>
-                                        <p:cTn id="16" dur="1" fill="hold">
-                                          <p:stCondLst>
-                                            <p:cond delay="0"/>
-                                          </p:stCondLst>
-                                        </p:cTn>
-                                        <p:tgtEl>
-                                          <p:spTgt spid="3">
-                                            <p:txEl>
-                                              <p:pRg st="4" end="4"/>
-                                            </p:txEl>
-                                          </p:spTgt>
-                                        </p:tgtEl>
-                                        <p:attrNameLst>
-                                          <p:attrName>style.visibility</p:attrName>
-                                        </p:attrNameLst>
-                                      </p:cBhvr>
-                                      <p:to>
-                                        <p:strVal val="visible"/>
-                                      </p:to>
-                                    </p:set>
-                                  </p:childTnLst>
-                                </p:cTn>
-                              </p:par>
-                              <p:par>
-                                <p:cTn id="17" presetID="1" presetClass="entr" presetSubtype="0" fill="hold" grpId="0" nodeType="withEffect">
-                                  <p:stCondLst>
-                                    <p:cond delay="0"/>
-                                  </p:stCondLst>
-                                  <p:childTnLst>
-                                    <p:set>
-                                      <p:cBhvr>
-                                        <p:cTn id="18" dur="1" fill="hold">
-                                          <p:stCondLst>
-                                            <p:cond delay="0"/>
-                                          </p:stCondLst>
-                                        </p:cTn>
-                                        <p:tgtEl>
-                                          <p:spTgt spid="3">
-                                            <p:txEl>
-                                              <p:pRg st="5" end="5"/>
                                             </p:txEl>
                                           </p:spTgt>
                                         </p:tgtEl>
@@ -12449,6 +12149,411 @@
           <a:p>
             <a:r>
               <a:rPr lang="de-DE" dirty="0"/>
+              <a:t>F#: Laufen lassen</a:t>
+            </a:r>
+            <a:endParaRPr lang="en-US" dirty="0"/>
+          </a:p>
+        </p:txBody>
+      </p:sp>
+      <p:sp>
+        <p:nvSpPr>
+          <p:cNvPr id="3" name="Content Placeholder 2"/>
+          <p:cNvSpPr>
+            <a:spLocks noGrp="1"/>
+          </p:cNvSpPr>
+          <p:nvPr>
+            <p:ph idx="1"/>
+          </p:nvPr>
+        </p:nvSpPr>
+        <p:spPr>
+          <a:xfrm>
+            <a:off x="457200" y="1600200"/>
+            <a:ext cx="8229600" cy="4525963"/>
+          </a:xfrm>
+        </p:spPr>
+        <p:txBody>
+          <a:bodyPr>
+            <a:normAutofit/>
+          </a:bodyPr>
+          <a:lstStyle/>
+          <a:p>
+            <a:r>
+              <a:rPr lang="de-DE" dirty="0"/>
+              <a:t>Erste Möglichkeit: </a:t>
+            </a:r>
+          </a:p>
+          <a:p>
+            <a:pPr lvl="1"/>
+            <a:r>
+              <a:rPr lang="de-DE" dirty="0"/>
+              <a:t>Source als Datei speichern (*.</a:t>
+            </a:r>
+            <a:r>
+              <a:rPr lang="de-DE" dirty="0" err="1"/>
+              <a:t>fs</a:t>
+            </a:r>
+            <a:r>
+              <a:rPr lang="de-DE" dirty="0"/>
+              <a:t>)</a:t>
+            </a:r>
+          </a:p>
+          <a:p>
+            <a:pPr lvl="1"/>
+            <a:r>
+              <a:rPr lang="de-DE" dirty="0"/>
+              <a:t>Source in einen </a:t>
+            </a:r>
+            <a:r>
+              <a:rPr lang="de-DE" dirty="0" err="1"/>
+              <a:t>Assembly</a:t>
+            </a:r>
+            <a:r>
+              <a:rPr lang="de-DE" dirty="0"/>
+              <a:t> kompilieren</a:t>
+            </a:r>
+          </a:p>
+          <a:p>
+            <a:r>
+              <a:rPr lang="de-DE" dirty="0"/>
+              <a:t>Zweite Möglichkeit: </a:t>
+            </a:r>
+          </a:p>
+          <a:p>
+            <a:pPr lvl="1"/>
+            <a:r>
+              <a:rPr lang="de-DE" dirty="0"/>
+              <a:t>Code als Script bearbeiten und speichern (*.</a:t>
+            </a:r>
+            <a:r>
+              <a:rPr lang="de-DE" dirty="0" err="1"/>
+              <a:t>fsx</a:t>
+            </a:r>
+            <a:r>
+              <a:rPr lang="de-DE" dirty="0"/>
+              <a:t>)</a:t>
+            </a:r>
+          </a:p>
+          <a:p>
+            <a:pPr lvl="1"/>
+            <a:r>
+              <a:rPr lang="de-DE" dirty="0"/>
+              <a:t>Script ausführen lassen</a:t>
+            </a:r>
+            <a:endParaRPr lang="en-US" dirty="0"/>
+          </a:p>
+        </p:txBody>
+      </p:sp>
+    </p:spTree>
+    <p:extLst>
+      <p:ext uri="{BB962C8B-B14F-4D97-AF65-F5344CB8AC3E}">
+        <p14:creationId xmlns:p14="http://schemas.microsoft.com/office/powerpoint/2010/main" val="498450771"/>
+      </p:ext>
+    </p:extLst>
+  </p:cSld>
+  <p:clrMapOvr>
+    <a:masterClrMapping/>
+  </p:clrMapOvr>
+  <p:timing>
+    <p:tnLst>
+      <p:par>
+        <p:cTn id="1" dur="indefinite" restart="never" nodeType="tmRoot">
+          <p:childTnLst>
+            <p:seq concurrent="1" nextAc="seek">
+              <p:cTn id="2" dur="indefinite" nodeType="mainSeq">
+                <p:childTnLst>
+                  <p:par>
+                    <p:cTn id="3" fill="hold">
+                      <p:stCondLst>
+                        <p:cond delay="indefinite"/>
+                      </p:stCondLst>
+                      <p:childTnLst>
+                        <p:par>
+                          <p:cTn id="4" fill="hold">
+                            <p:stCondLst>
+                              <p:cond delay="0"/>
+                            </p:stCondLst>
+                            <p:childTnLst>
+                              <p:par>
+                                <p:cTn id="5" presetID="1" presetClass="entr" presetSubtype="0" fill="hold" grpId="0" nodeType="clickEffect">
+                                  <p:stCondLst>
+                                    <p:cond delay="0"/>
+                                  </p:stCondLst>
+                                  <p:childTnLst>
+                                    <p:set>
+                                      <p:cBhvr>
+                                        <p:cTn id="6" dur="1" fill="hold">
+                                          <p:stCondLst>
+                                            <p:cond delay="0"/>
+                                          </p:stCondLst>
+                                        </p:cTn>
+                                        <p:tgtEl>
+                                          <p:spTgt spid="3">
+                                            <p:txEl>
+                                              <p:pRg st="0" end="0"/>
+                                            </p:txEl>
+                                          </p:spTgt>
+                                        </p:tgtEl>
+                                        <p:attrNameLst>
+                                          <p:attrName>style.visibility</p:attrName>
+                                        </p:attrNameLst>
+                                      </p:cBhvr>
+                                      <p:to>
+                                        <p:strVal val="visible"/>
+                                      </p:to>
+                                    </p:set>
+                                  </p:childTnLst>
+                                </p:cTn>
+                              </p:par>
+                            </p:childTnLst>
+                          </p:cTn>
+                        </p:par>
+                        <p:par>
+                          <p:cTn id="7" fill="hold">
+                            <p:stCondLst>
+                              <p:cond delay="0"/>
+                            </p:stCondLst>
+                            <p:childTnLst>
+                              <p:par>
+                                <p:cTn id="8" presetID="1" presetClass="entr" presetSubtype="0" fill="hold" grpId="0" nodeType="afterEffect">
+                                  <p:stCondLst>
+                                    <p:cond delay="0"/>
+                                  </p:stCondLst>
+                                  <p:childTnLst>
+                                    <p:set>
+                                      <p:cBhvr>
+                                        <p:cTn id="9" dur="1" fill="hold">
+                                          <p:stCondLst>
+                                            <p:cond delay="0"/>
+                                          </p:stCondLst>
+                                        </p:cTn>
+                                        <p:tgtEl>
+                                          <p:spTgt spid="3">
+                                            <p:txEl>
+                                              <p:pRg st="1" end="1"/>
+                                            </p:txEl>
+                                          </p:spTgt>
+                                        </p:tgtEl>
+                                        <p:attrNameLst>
+                                          <p:attrName>style.visibility</p:attrName>
+                                        </p:attrNameLst>
+                                      </p:cBhvr>
+                                      <p:to>
+                                        <p:strVal val="visible"/>
+                                      </p:to>
+                                    </p:set>
+                                  </p:childTnLst>
+                                </p:cTn>
+                              </p:par>
+                              <p:par>
+                                <p:cTn id="10" presetID="1" presetClass="entr" presetSubtype="0" fill="hold" grpId="0" nodeType="withEffect">
+                                  <p:stCondLst>
+                                    <p:cond delay="0"/>
+                                  </p:stCondLst>
+                                  <p:childTnLst>
+                                    <p:set>
+                                      <p:cBhvr>
+                                        <p:cTn id="11" dur="1" fill="hold">
+                                          <p:stCondLst>
+                                            <p:cond delay="0"/>
+                                          </p:stCondLst>
+                                        </p:cTn>
+                                        <p:tgtEl>
+                                          <p:spTgt spid="3">
+                                            <p:txEl>
+                                              <p:pRg st="2" end="2"/>
+                                            </p:txEl>
+                                          </p:spTgt>
+                                        </p:tgtEl>
+                                        <p:attrNameLst>
+                                          <p:attrName>style.visibility</p:attrName>
+                                        </p:attrNameLst>
+                                      </p:cBhvr>
+                                      <p:to>
+                                        <p:strVal val="visible"/>
+                                      </p:to>
+                                    </p:set>
+                                  </p:childTnLst>
+                                </p:cTn>
+                              </p:par>
+                            </p:childTnLst>
+                          </p:cTn>
+                        </p:par>
+                      </p:childTnLst>
+                    </p:cTn>
+                  </p:par>
+                  <p:par>
+                    <p:cTn id="12" fill="hold">
+                      <p:stCondLst>
+                        <p:cond delay="indefinite"/>
+                      </p:stCondLst>
+                      <p:childTnLst>
+                        <p:par>
+                          <p:cTn id="13" fill="hold">
+                            <p:stCondLst>
+                              <p:cond delay="0"/>
+                            </p:stCondLst>
+                            <p:childTnLst>
+                              <p:par>
+                                <p:cTn id="14" presetID="1" presetClass="entr" presetSubtype="0" fill="hold" grpId="0" nodeType="clickEffect">
+                                  <p:stCondLst>
+                                    <p:cond delay="0"/>
+                                  </p:stCondLst>
+                                  <p:childTnLst>
+                                    <p:set>
+                                      <p:cBhvr>
+                                        <p:cTn id="15" dur="1" fill="hold">
+                                          <p:stCondLst>
+                                            <p:cond delay="0"/>
+                                          </p:stCondLst>
+                                        </p:cTn>
+                                        <p:tgtEl>
+                                          <p:spTgt spid="3">
+                                            <p:txEl>
+                                              <p:pRg st="3" end="3"/>
+                                            </p:txEl>
+                                          </p:spTgt>
+                                        </p:tgtEl>
+                                        <p:attrNameLst>
+                                          <p:attrName>style.visibility</p:attrName>
+                                        </p:attrNameLst>
+                                      </p:cBhvr>
+                                      <p:to>
+                                        <p:strVal val="visible"/>
+                                      </p:to>
+                                    </p:set>
+                                  </p:childTnLst>
+                                </p:cTn>
+                              </p:par>
+                              <p:par>
+                                <p:cTn id="16" presetID="1" presetClass="entr" presetSubtype="0" fill="hold" grpId="0" nodeType="withEffect">
+                                  <p:stCondLst>
+                                    <p:cond delay="0"/>
+                                  </p:stCondLst>
+                                  <p:childTnLst>
+                                    <p:set>
+                                      <p:cBhvr>
+                                        <p:cTn id="17" dur="1" fill="hold">
+                                          <p:stCondLst>
+                                            <p:cond delay="0"/>
+                                          </p:stCondLst>
+                                        </p:cTn>
+                                        <p:tgtEl>
+                                          <p:spTgt spid="3">
+                                            <p:txEl>
+                                              <p:pRg st="4" end="4"/>
+                                            </p:txEl>
+                                          </p:spTgt>
+                                        </p:tgtEl>
+                                        <p:attrNameLst>
+                                          <p:attrName>style.visibility</p:attrName>
+                                        </p:attrNameLst>
+                                      </p:cBhvr>
+                                      <p:to>
+                                        <p:strVal val="visible"/>
+                                      </p:to>
+                                    </p:set>
+                                  </p:childTnLst>
+                                </p:cTn>
+                              </p:par>
+                              <p:par>
+                                <p:cTn id="18" presetID="1" presetClass="entr" presetSubtype="0" fill="hold" grpId="0" nodeType="withEffect">
+                                  <p:stCondLst>
+                                    <p:cond delay="0"/>
+                                  </p:stCondLst>
+                                  <p:childTnLst>
+                                    <p:set>
+                                      <p:cBhvr>
+                                        <p:cTn id="19" dur="1" fill="hold">
+                                          <p:stCondLst>
+                                            <p:cond delay="0"/>
+                                          </p:stCondLst>
+                                        </p:cTn>
+                                        <p:tgtEl>
+                                          <p:spTgt spid="3">
+                                            <p:txEl>
+                                              <p:pRg st="5" end="5"/>
+                                            </p:txEl>
+                                          </p:spTgt>
+                                        </p:tgtEl>
+                                        <p:attrNameLst>
+                                          <p:attrName>style.visibility</p:attrName>
+                                        </p:attrNameLst>
+                                      </p:cBhvr>
+                                      <p:to>
+                                        <p:strVal val="visible"/>
+                                      </p:to>
+                                    </p:set>
+                                  </p:childTnLst>
+                                </p:cTn>
+                              </p:par>
+                            </p:childTnLst>
+                          </p:cTn>
+                        </p:par>
+                      </p:childTnLst>
+                    </p:cTn>
+                  </p:par>
+                </p:childTnLst>
+              </p:cTn>
+              <p:prevCondLst>
+                <p:cond evt="onPrev" delay="0">
+                  <p:tgtEl>
+                    <p:sldTgt/>
+                  </p:tgtEl>
+                </p:cond>
+              </p:prevCondLst>
+              <p:nextCondLst>
+                <p:cond evt="onNext" delay="0">
+                  <p:tgtEl>
+                    <p:sldTgt/>
+                  </p:tgtEl>
+                </p:cond>
+              </p:nextCondLst>
+            </p:seq>
+          </p:childTnLst>
+        </p:cTn>
+      </p:par>
+    </p:tnLst>
+    <p:bldLst>
+      <p:bldP spid="3" grpId="0" uiExpand="1" build="p"/>
+    </p:bldLst>
+  </p:timing>
+</p:sld>
+</file>
+
+<file path=ppt/slides/slide21.xml><?xml version="1.0" encoding="utf-8"?>
+<p:sld xmlns:a="http://schemas.openxmlformats.org/drawingml/2006/main" xmlns:r="http://schemas.openxmlformats.org/officeDocument/2006/relationships" xmlns:p="http://schemas.openxmlformats.org/presentationml/2006/main">
+  <p:cSld>
+    <p:spTree>
+      <p:nvGrpSpPr>
+        <p:cNvPr id="1" name=""/>
+        <p:cNvGrpSpPr/>
+        <p:nvPr/>
+      </p:nvGrpSpPr>
+      <p:grpSpPr>
+        <a:xfrm>
+          <a:off x="0" y="0"/>
+          <a:ext cx="0" cy="0"/>
+          <a:chOff x="0" y="0"/>
+          <a:chExt cx="0" cy="0"/>
+        </a:xfrm>
+      </p:grpSpPr>
+      <p:sp>
+        <p:nvSpPr>
+          <p:cNvPr id="2" name="Title 1"/>
+          <p:cNvSpPr>
+            <a:spLocks noGrp="1"/>
+          </p:cNvSpPr>
+          <p:nvPr>
+            <p:ph type="title"/>
+          </p:nvPr>
+        </p:nvSpPr>
+        <p:spPr/>
+        <p:txBody>
+          <a:bodyPr/>
+          <a:lstStyle/>
+          <a:p>
+            <a:r>
+              <a:rPr lang="de-DE" dirty="0"/>
               <a:t>F#: REPL</a:t>
             </a:r>
             <a:endParaRPr lang="en-US" dirty="0"/>
@@ -12746,7 +12851,682 @@
 </p:sld>
 </file>
 
-<file path=ppt/slides/slide21.xml><?xml version="1.0" encoding="utf-8"?>
+<file path=ppt/slides/slide22.xml><?xml version="1.0" encoding="utf-8"?>
+<p:sld xmlns:a="http://schemas.openxmlformats.org/drawingml/2006/main" xmlns:r="http://schemas.openxmlformats.org/officeDocument/2006/relationships" xmlns:p="http://schemas.openxmlformats.org/presentationml/2006/main">
+  <p:cSld>
+    <p:spTree>
+      <p:nvGrpSpPr>
+        <p:cNvPr id="1" name=""/>
+        <p:cNvGrpSpPr/>
+        <p:nvPr/>
+      </p:nvGrpSpPr>
+      <p:grpSpPr>
+        <a:xfrm>
+          <a:off x="0" y="0"/>
+          <a:ext cx="0" cy="0"/>
+          <a:chOff x="0" y="0"/>
+          <a:chExt cx="0" cy="0"/>
+        </a:xfrm>
+      </p:grpSpPr>
+      <p:sp>
+        <p:nvSpPr>
+          <p:cNvPr id="2" name="Titel 1"/>
+          <p:cNvSpPr>
+            <a:spLocks noGrp="1"/>
+          </p:cNvSpPr>
+          <p:nvPr>
+            <p:ph type="title"/>
+          </p:nvPr>
+        </p:nvSpPr>
+        <p:spPr/>
+        <p:txBody>
+          <a:bodyPr/>
+          <a:lstStyle/>
+          <a:p>
+            <a:r>
+              <a:rPr lang="de-DE" dirty="0"/>
+              <a:t>Modul 1: Kommentare</a:t>
+            </a:r>
+          </a:p>
+        </p:txBody>
+      </p:sp>
+      <p:sp>
+        <p:nvSpPr>
+          <p:cNvPr id="3" name="Inhaltsplatzhalter 2"/>
+          <p:cNvSpPr>
+            <a:spLocks noGrp="1"/>
+          </p:cNvSpPr>
+          <p:nvPr>
+            <p:ph idx="1"/>
+          </p:nvPr>
+        </p:nvSpPr>
+        <p:spPr/>
+        <p:txBody>
+          <a:bodyPr/>
+          <a:lstStyle/>
+          <a:p>
+            <a:pPr marL="0" indent="0">
+              <a:buNone/>
+            </a:pPr>
+            <a:r>
+              <a:rPr lang="de-DE" dirty="0"/>
+              <a:t>Zu aller erst:</a:t>
+            </a:r>
+          </a:p>
+          <a:p>
+            <a:pPr marL="0" indent="0">
+              <a:buNone/>
+            </a:pPr>
+            <a:r>
+              <a:rPr lang="de-DE" dirty="0"/>
+              <a:t>Wie kommentiere ich in F#?</a:t>
+            </a:r>
+          </a:p>
+          <a:p>
+            <a:pPr marL="0" indent="0">
+              <a:buNone/>
+            </a:pPr>
+            <a:endParaRPr lang="de-DE" dirty="0"/>
+          </a:p>
+        </p:txBody>
+      </p:sp>
+    </p:spTree>
+    <p:extLst>
+      <p:ext uri="{BB962C8B-B14F-4D97-AF65-F5344CB8AC3E}">
+        <p14:creationId xmlns:p14="http://schemas.microsoft.com/office/powerpoint/2010/main" val="950853032"/>
+      </p:ext>
+    </p:extLst>
+  </p:cSld>
+  <p:clrMapOvr>
+    <a:masterClrMapping/>
+  </p:clrMapOvr>
+</p:sld>
+</file>
+
+<file path=ppt/slides/slide23.xml><?xml version="1.0" encoding="utf-8"?>
+<p:sld xmlns:a="http://schemas.openxmlformats.org/drawingml/2006/main" xmlns:r="http://schemas.openxmlformats.org/officeDocument/2006/relationships" xmlns:p="http://schemas.openxmlformats.org/presentationml/2006/main">
+  <p:cSld>
+    <p:spTree>
+      <p:nvGrpSpPr>
+        <p:cNvPr id="1" name=""/>
+        <p:cNvGrpSpPr/>
+        <p:nvPr/>
+      </p:nvGrpSpPr>
+      <p:grpSpPr>
+        <a:xfrm>
+          <a:off x="0" y="0"/>
+          <a:ext cx="0" cy="0"/>
+          <a:chOff x="0" y="0"/>
+          <a:chExt cx="0" cy="0"/>
+        </a:xfrm>
+      </p:grpSpPr>
+      <p:sp>
+        <p:nvSpPr>
+          <p:cNvPr id="2" name="Titel 1"/>
+          <p:cNvSpPr>
+            <a:spLocks noGrp="1"/>
+          </p:cNvSpPr>
+          <p:nvPr>
+            <p:ph type="title"/>
+          </p:nvPr>
+        </p:nvSpPr>
+        <p:spPr/>
+        <p:txBody>
+          <a:bodyPr/>
+          <a:lstStyle/>
+          <a:p>
+            <a:r>
+              <a:rPr lang="de-DE" dirty="0"/>
+              <a:t>Modul 1: Ausdrücke</a:t>
+            </a:r>
+          </a:p>
+        </p:txBody>
+      </p:sp>
+      <p:sp>
+        <p:nvSpPr>
+          <p:cNvPr id="3" name="Inhaltsplatzhalter 2"/>
+          <p:cNvSpPr>
+            <a:spLocks noGrp="1"/>
+          </p:cNvSpPr>
+          <p:nvPr>
+            <p:ph idx="1"/>
+          </p:nvPr>
+        </p:nvSpPr>
+        <p:spPr/>
+        <p:txBody>
+          <a:bodyPr/>
+          <a:lstStyle/>
+          <a:p>
+            <a:r>
+              <a:rPr lang="de-DE" dirty="0"/>
+              <a:t>Definiert mit dem Schlüsselwort </a:t>
+            </a:r>
+            <a:r>
+              <a:rPr lang="de-DE" dirty="0" err="1"/>
+              <a:t>let</a:t>
+            </a:r>
+            <a:endParaRPr lang="de-DE" dirty="0"/>
+          </a:p>
+          <a:p>
+            <a:r>
+              <a:rPr lang="de-DE" dirty="0"/>
+              <a:t>Sind per Default nicht änderbar (</a:t>
+            </a:r>
+            <a:r>
+              <a:rPr lang="de-DE" dirty="0" err="1"/>
+              <a:t>immutable</a:t>
+            </a:r>
+            <a:r>
+              <a:rPr lang="de-DE" dirty="0"/>
+              <a:t>)</a:t>
+            </a:r>
+          </a:p>
+          <a:p>
+            <a:r>
+              <a:rPr lang="de-DE" dirty="0"/>
+              <a:t>Compiler </a:t>
+            </a:r>
+            <a:r>
+              <a:rPr lang="de-DE" dirty="0" err="1"/>
+              <a:t>ermittlet</a:t>
+            </a:r>
+            <a:r>
+              <a:rPr lang="de-DE" dirty="0"/>
+              <a:t> den Typ (</a:t>
+            </a:r>
+            <a:r>
+              <a:rPr lang="de-DE" dirty="0" err="1"/>
+              <a:t>var</a:t>
+            </a:r>
+            <a:r>
+              <a:rPr lang="de-DE" dirty="0"/>
+              <a:t> in </a:t>
+            </a:r>
+            <a:r>
+              <a:rPr lang="de-DE" dirty="0" err="1"/>
+              <a:t>c#</a:t>
+            </a:r>
+            <a:r>
+              <a:rPr lang="de-DE" dirty="0"/>
+              <a:t>)</a:t>
+            </a:r>
+          </a:p>
+          <a:p>
+            <a:pPr marL="0" indent="0">
+              <a:buNone/>
+            </a:pPr>
+            <a:endParaRPr lang="de-DE" dirty="0"/>
+          </a:p>
+        </p:txBody>
+      </p:sp>
+    </p:spTree>
+    <p:extLst>
+      <p:ext uri="{BB962C8B-B14F-4D97-AF65-F5344CB8AC3E}">
+        <p14:creationId xmlns:p14="http://schemas.microsoft.com/office/powerpoint/2010/main" val="1986635844"/>
+      </p:ext>
+    </p:extLst>
+  </p:cSld>
+  <p:clrMapOvr>
+    <a:masterClrMapping/>
+  </p:clrMapOvr>
+  <p:timing>
+    <p:tnLst>
+      <p:par>
+        <p:cTn id="1" dur="indefinite" restart="never" nodeType="tmRoot">
+          <p:childTnLst>
+            <p:seq concurrent="1" nextAc="seek">
+              <p:cTn id="2" dur="indefinite" nodeType="mainSeq">
+                <p:childTnLst>
+                  <p:par>
+                    <p:cTn id="3" fill="hold">
+                      <p:stCondLst>
+                        <p:cond delay="indefinite"/>
+                      </p:stCondLst>
+                      <p:childTnLst>
+                        <p:par>
+                          <p:cTn id="4" fill="hold">
+                            <p:stCondLst>
+                              <p:cond delay="0"/>
+                            </p:stCondLst>
+                            <p:childTnLst>
+                              <p:par>
+                                <p:cTn id="5" presetID="1" presetClass="entr" presetSubtype="0" fill="hold" grpId="0" nodeType="clickEffect">
+                                  <p:stCondLst>
+                                    <p:cond delay="0"/>
+                                  </p:stCondLst>
+                                  <p:childTnLst>
+                                    <p:set>
+                                      <p:cBhvr>
+                                        <p:cTn id="6" dur="1" fill="hold">
+                                          <p:stCondLst>
+                                            <p:cond delay="0"/>
+                                          </p:stCondLst>
+                                        </p:cTn>
+                                        <p:tgtEl>
+                                          <p:spTgt spid="3">
+                                            <p:txEl>
+                                              <p:pRg st="0" end="0"/>
+                                            </p:txEl>
+                                          </p:spTgt>
+                                        </p:tgtEl>
+                                        <p:attrNameLst>
+                                          <p:attrName>style.visibility</p:attrName>
+                                        </p:attrNameLst>
+                                      </p:cBhvr>
+                                      <p:to>
+                                        <p:strVal val="visible"/>
+                                      </p:to>
+                                    </p:set>
+                                  </p:childTnLst>
+                                </p:cTn>
+                              </p:par>
+                            </p:childTnLst>
+                          </p:cTn>
+                        </p:par>
+                      </p:childTnLst>
+                    </p:cTn>
+                  </p:par>
+                  <p:par>
+                    <p:cTn id="7" fill="hold">
+                      <p:stCondLst>
+                        <p:cond delay="indefinite"/>
+                      </p:stCondLst>
+                      <p:childTnLst>
+                        <p:par>
+                          <p:cTn id="8" fill="hold">
+                            <p:stCondLst>
+                              <p:cond delay="0"/>
+                            </p:stCondLst>
+                            <p:childTnLst>
+                              <p:par>
+                                <p:cTn id="9" presetID="1" presetClass="entr" presetSubtype="0" fill="hold" grpId="0" nodeType="clickEffect">
+                                  <p:stCondLst>
+                                    <p:cond delay="0"/>
+                                  </p:stCondLst>
+                                  <p:childTnLst>
+                                    <p:set>
+                                      <p:cBhvr>
+                                        <p:cTn id="10" dur="1" fill="hold">
+                                          <p:stCondLst>
+                                            <p:cond delay="0"/>
+                                          </p:stCondLst>
+                                        </p:cTn>
+                                        <p:tgtEl>
+                                          <p:spTgt spid="3">
+                                            <p:txEl>
+                                              <p:pRg st="1" end="1"/>
+                                            </p:txEl>
+                                          </p:spTgt>
+                                        </p:tgtEl>
+                                        <p:attrNameLst>
+                                          <p:attrName>style.visibility</p:attrName>
+                                        </p:attrNameLst>
+                                      </p:cBhvr>
+                                      <p:to>
+                                        <p:strVal val="visible"/>
+                                      </p:to>
+                                    </p:set>
+                                  </p:childTnLst>
+                                </p:cTn>
+                              </p:par>
+                            </p:childTnLst>
+                          </p:cTn>
+                        </p:par>
+                      </p:childTnLst>
+                    </p:cTn>
+                  </p:par>
+                  <p:par>
+                    <p:cTn id="11" fill="hold">
+                      <p:stCondLst>
+                        <p:cond delay="indefinite"/>
+                      </p:stCondLst>
+                      <p:childTnLst>
+                        <p:par>
+                          <p:cTn id="12" fill="hold">
+                            <p:stCondLst>
+                              <p:cond delay="0"/>
+                            </p:stCondLst>
+                            <p:childTnLst>
+                              <p:par>
+                                <p:cTn id="13" presetID="1" presetClass="entr" presetSubtype="0" fill="hold" grpId="0" nodeType="clickEffect">
+                                  <p:stCondLst>
+                                    <p:cond delay="0"/>
+                                  </p:stCondLst>
+                                  <p:childTnLst>
+                                    <p:set>
+                                      <p:cBhvr>
+                                        <p:cTn id="14" dur="1" fill="hold">
+                                          <p:stCondLst>
+                                            <p:cond delay="0"/>
+                                          </p:stCondLst>
+                                        </p:cTn>
+                                        <p:tgtEl>
+                                          <p:spTgt spid="3">
+                                            <p:txEl>
+                                              <p:pRg st="2" end="2"/>
+                                            </p:txEl>
+                                          </p:spTgt>
+                                        </p:tgtEl>
+                                        <p:attrNameLst>
+                                          <p:attrName>style.visibility</p:attrName>
+                                        </p:attrNameLst>
+                                      </p:cBhvr>
+                                      <p:to>
+                                        <p:strVal val="visible"/>
+                                      </p:to>
+                                    </p:set>
+                                  </p:childTnLst>
+                                </p:cTn>
+                              </p:par>
+                            </p:childTnLst>
+                          </p:cTn>
+                        </p:par>
+                      </p:childTnLst>
+                    </p:cTn>
+                  </p:par>
+                </p:childTnLst>
+              </p:cTn>
+              <p:prevCondLst>
+                <p:cond evt="onPrev" delay="0">
+                  <p:tgtEl>
+                    <p:sldTgt/>
+                  </p:tgtEl>
+                </p:cond>
+              </p:prevCondLst>
+              <p:nextCondLst>
+                <p:cond evt="onNext" delay="0">
+                  <p:tgtEl>
+                    <p:sldTgt/>
+                  </p:tgtEl>
+                </p:cond>
+              </p:nextCondLst>
+            </p:seq>
+          </p:childTnLst>
+        </p:cTn>
+      </p:par>
+    </p:tnLst>
+    <p:bldLst>
+      <p:bldP spid="3" grpId="0" build="p"/>
+    </p:bldLst>
+  </p:timing>
+</p:sld>
+</file>
+
+<file path=ppt/slides/slide24.xml><?xml version="1.0" encoding="utf-8"?>
+<p:sld xmlns:a="http://schemas.openxmlformats.org/drawingml/2006/main" xmlns:r="http://schemas.openxmlformats.org/officeDocument/2006/relationships" xmlns:p="http://schemas.openxmlformats.org/presentationml/2006/main">
+  <p:cSld>
+    <p:spTree>
+      <p:nvGrpSpPr>
+        <p:cNvPr id="1" name=""/>
+        <p:cNvGrpSpPr/>
+        <p:nvPr/>
+      </p:nvGrpSpPr>
+      <p:grpSpPr>
+        <a:xfrm>
+          <a:off x="0" y="0"/>
+          <a:ext cx="0" cy="0"/>
+          <a:chOff x="0" y="0"/>
+          <a:chExt cx="0" cy="0"/>
+        </a:xfrm>
+      </p:grpSpPr>
+      <p:sp>
+        <p:nvSpPr>
+          <p:cNvPr id="2" name="Titel 1"/>
+          <p:cNvSpPr>
+            <a:spLocks noGrp="1"/>
+          </p:cNvSpPr>
+          <p:nvPr>
+            <p:ph type="title"/>
+          </p:nvPr>
+        </p:nvSpPr>
+        <p:spPr/>
+        <p:txBody>
+          <a:bodyPr/>
+          <a:lstStyle/>
+          <a:p>
+            <a:r>
+              <a:rPr lang="de-DE" dirty="0"/>
+              <a:t>Modul 1: REPL</a:t>
+            </a:r>
+          </a:p>
+        </p:txBody>
+      </p:sp>
+      <p:sp>
+        <p:nvSpPr>
+          <p:cNvPr id="3" name="Inhaltsplatzhalter 2"/>
+          <p:cNvSpPr>
+            <a:spLocks noGrp="1"/>
+          </p:cNvSpPr>
+          <p:nvPr>
+            <p:ph idx="1"/>
+          </p:nvPr>
+        </p:nvSpPr>
+        <p:spPr/>
+        <p:txBody>
+          <a:bodyPr/>
+          <a:lstStyle/>
+          <a:p>
+            <a:r>
+              <a:rPr lang="de-DE" dirty="0"/>
+              <a:t>Ist das F# Interactive Fenster offen?</a:t>
+            </a:r>
+          </a:p>
+          <a:p>
+            <a:r>
+              <a:rPr lang="de-DE" dirty="0"/>
+              <a:t>Markiere eine Zeile Code </a:t>
+            </a:r>
+          </a:p>
+          <a:p>
+            <a:r>
+              <a:rPr lang="de-DE" dirty="0"/>
+              <a:t>Alt </a:t>
+            </a:r>
+            <a:r>
+              <a:rPr lang="de-DE"/>
+              <a:t>+ Enter</a:t>
+            </a:r>
+            <a:endParaRPr lang="de-DE" dirty="0"/>
+          </a:p>
+          <a:p>
+            <a:endParaRPr lang="de-DE" dirty="0"/>
+          </a:p>
+        </p:txBody>
+      </p:sp>
+    </p:spTree>
+    <p:extLst>
+      <p:ext uri="{BB962C8B-B14F-4D97-AF65-F5344CB8AC3E}">
+        <p14:creationId xmlns:p14="http://schemas.microsoft.com/office/powerpoint/2010/main" val="2413476098"/>
+      </p:ext>
+    </p:extLst>
+  </p:cSld>
+  <p:clrMapOvr>
+    <a:masterClrMapping/>
+  </p:clrMapOvr>
+  <p:timing>
+    <p:tnLst>
+      <p:par>
+        <p:cTn id="1" dur="indefinite" restart="never" nodeType="tmRoot">
+          <p:childTnLst>
+            <p:seq concurrent="1" nextAc="seek">
+              <p:cTn id="2" dur="indefinite" nodeType="mainSeq">
+                <p:childTnLst>
+                  <p:par>
+                    <p:cTn id="3" fill="hold">
+                      <p:stCondLst>
+                        <p:cond delay="indefinite"/>
+                      </p:stCondLst>
+                      <p:childTnLst>
+                        <p:par>
+                          <p:cTn id="4" fill="hold">
+                            <p:stCondLst>
+                              <p:cond delay="0"/>
+                            </p:stCondLst>
+                            <p:childTnLst>
+                              <p:par>
+                                <p:cTn id="5" presetID="1" presetClass="entr" presetSubtype="0" fill="hold" grpId="0" nodeType="clickEffect">
+                                  <p:stCondLst>
+                                    <p:cond delay="0"/>
+                                  </p:stCondLst>
+                                  <p:childTnLst>
+                                    <p:set>
+                                      <p:cBhvr>
+                                        <p:cTn id="6" dur="1" fill="hold">
+                                          <p:stCondLst>
+                                            <p:cond delay="0"/>
+                                          </p:stCondLst>
+                                        </p:cTn>
+                                        <p:tgtEl>
+                                          <p:spTgt spid="3">
+                                            <p:txEl>
+                                              <p:pRg st="0" end="0"/>
+                                            </p:txEl>
+                                          </p:spTgt>
+                                        </p:tgtEl>
+                                        <p:attrNameLst>
+                                          <p:attrName>style.visibility</p:attrName>
+                                        </p:attrNameLst>
+                                      </p:cBhvr>
+                                      <p:to>
+                                        <p:strVal val="visible"/>
+                                      </p:to>
+                                    </p:set>
+                                  </p:childTnLst>
+                                </p:cTn>
+                              </p:par>
+                            </p:childTnLst>
+                          </p:cTn>
+                        </p:par>
+                      </p:childTnLst>
+                    </p:cTn>
+                  </p:par>
+                  <p:par>
+                    <p:cTn id="7" fill="hold">
+                      <p:stCondLst>
+                        <p:cond delay="indefinite"/>
+                      </p:stCondLst>
+                      <p:childTnLst>
+                        <p:par>
+                          <p:cTn id="8" fill="hold">
+                            <p:stCondLst>
+                              <p:cond delay="0"/>
+                            </p:stCondLst>
+                            <p:childTnLst>
+                              <p:par>
+                                <p:cTn id="9" presetID="1" presetClass="entr" presetSubtype="0" fill="hold" grpId="0" nodeType="clickEffect">
+                                  <p:stCondLst>
+                                    <p:cond delay="0"/>
+                                  </p:stCondLst>
+                                  <p:childTnLst>
+                                    <p:set>
+                                      <p:cBhvr>
+                                        <p:cTn id="10" dur="1" fill="hold">
+                                          <p:stCondLst>
+                                            <p:cond delay="0"/>
+                                          </p:stCondLst>
+                                        </p:cTn>
+                                        <p:tgtEl>
+                                          <p:spTgt spid="3">
+                                            <p:txEl>
+                                              <p:pRg st="1" end="1"/>
+                                            </p:txEl>
+                                          </p:spTgt>
+                                        </p:tgtEl>
+                                        <p:attrNameLst>
+                                          <p:attrName>style.visibility</p:attrName>
+                                        </p:attrNameLst>
+                                      </p:cBhvr>
+                                      <p:to>
+                                        <p:strVal val="visible"/>
+                                      </p:to>
+                                    </p:set>
+                                  </p:childTnLst>
+                                </p:cTn>
+                              </p:par>
+                            </p:childTnLst>
+                          </p:cTn>
+                        </p:par>
+                      </p:childTnLst>
+                    </p:cTn>
+                  </p:par>
+                  <p:par>
+                    <p:cTn id="11" fill="hold">
+                      <p:stCondLst>
+                        <p:cond delay="indefinite"/>
+                      </p:stCondLst>
+                      <p:childTnLst>
+                        <p:par>
+                          <p:cTn id="12" fill="hold">
+                            <p:stCondLst>
+                              <p:cond delay="0"/>
+                            </p:stCondLst>
+                            <p:childTnLst>
+                              <p:par>
+                                <p:cTn id="13" presetID="1" presetClass="entr" presetSubtype="0" fill="hold" grpId="0" nodeType="clickEffect">
+                                  <p:stCondLst>
+                                    <p:cond delay="0"/>
+                                  </p:stCondLst>
+                                  <p:childTnLst>
+                                    <p:set>
+                                      <p:cBhvr>
+                                        <p:cTn id="14" dur="1" fill="hold">
+                                          <p:stCondLst>
+                                            <p:cond delay="0"/>
+                                          </p:stCondLst>
+                                        </p:cTn>
+                                        <p:tgtEl>
+                                          <p:spTgt spid="3">
+                                            <p:txEl>
+                                              <p:pRg st="2" end="2"/>
+                                            </p:txEl>
+                                          </p:spTgt>
+                                        </p:tgtEl>
+                                        <p:attrNameLst>
+                                          <p:attrName>style.visibility</p:attrName>
+                                        </p:attrNameLst>
+                                      </p:cBhvr>
+                                      <p:to>
+                                        <p:strVal val="visible"/>
+                                      </p:to>
+                                    </p:set>
+                                  </p:childTnLst>
+                                </p:cTn>
+                              </p:par>
+                            </p:childTnLst>
+                          </p:cTn>
+                        </p:par>
+                      </p:childTnLst>
+                    </p:cTn>
+                  </p:par>
+                </p:childTnLst>
+              </p:cTn>
+              <p:prevCondLst>
+                <p:cond evt="onPrev" delay="0">
+                  <p:tgtEl>
+                    <p:sldTgt/>
+                  </p:tgtEl>
+                </p:cond>
+              </p:prevCondLst>
+              <p:nextCondLst>
+                <p:cond evt="onNext" delay="0">
+                  <p:tgtEl>
+                    <p:sldTgt/>
+                  </p:tgtEl>
+                </p:cond>
+              </p:nextCondLst>
+            </p:seq>
+          </p:childTnLst>
+        </p:cTn>
+      </p:par>
+    </p:tnLst>
+    <p:bldLst>
+      <p:bldP spid="3" grpId="0" build="p"/>
+    </p:bldLst>
+  </p:timing>
+</p:sld>
+</file>
+
+<file path=ppt/slides/slide25.xml><?xml version="1.0" encoding="utf-8"?>
 <p:sld xmlns:a="http://schemas.openxmlformats.org/drawingml/2006/main" xmlns:r="http://schemas.openxmlformats.org/officeDocument/2006/relationships" xmlns:p="http://schemas.openxmlformats.org/presentationml/2006/main">
   <p:cSld>
     <p:spTree>
@@ -13052,1049 +13832,6 @@
 </p:sld>
 </file>
 
-<file path=ppt/slides/slide22.xml><?xml version="1.0" encoding="utf-8"?>
-<p:sld xmlns:a="http://schemas.openxmlformats.org/drawingml/2006/main" xmlns:r="http://schemas.openxmlformats.org/officeDocument/2006/relationships" xmlns:p="http://schemas.openxmlformats.org/presentationml/2006/main">
-  <p:cSld>
-    <p:spTree>
-      <p:nvGrpSpPr>
-        <p:cNvPr id="1" name=""/>
-        <p:cNvGrpSpPr/>
-        <p:nvPr/>
-      </p:nvGrpSpPr>
-      <p:grpSpPr>
-        <a:xfrm>
-          <a:off x="0" y="0"/>
-          <a:ext cx="0" cy="0"/>
-          <a:chOff x="0" y="0"/>
-          <a:chExt cx="0" cy="0"/>
-        </a:xfrm>
-      </p:grpSpPr>
-      <p:sp>
-        <p:nvSpPr>
-          <p:cNvPr id="2" name="Title 1"/>
-          <p:cNvSpPr>
-            <a:spLocks noGrp="1"/>
-          </p:cNvSpPr>
-          <p:nvPr>
-            <p:ph type="title"/>
-          </p:nvPr>
-        </p:nvSpPr>
-        <p:spPr/>
-        <p:txBody>
-          <a:bodyPr/>
-          <a:lstStyle/>
-          <a:p>
-            <a:r>
-              <a:rPr lang="de-DE" dirty="0" err="1"/>
-              <a:t>Tuple</a:t>
-            </a:r>
-            <a:r>
-              <a:rPr lang="de-DE" dirty="0"/>
-              <a:t>: Wofür</a:t>
-            </a:r>
-            <a:endParaRPr lang="en-US" dirty="0"/>
-          </a:p>
-        </p:txBody>
-      </p:sp>
-      <p:sp>
-        <p:nvSpPr>
-          <p:cNvPr id="3" name="Content Placeholder 2"/>
-          <p:cNvSpPr>
-            <a:spLocks noGrp="1"/>
-          </p:cNvSpPr>
-          <p:nvPr>
-            <p:ph idx="1"/>
-          </p:nvPr>
-        </p:nvSpPr>
-        <p:spPr/>
-        <p:txBody>
-          <a:bodyPr>
-            <a:normAutofit fontScale="92500"/>
-          </a:bodyPr>
-          <a:lstStyle/>
-          <a:p>
-            <a:pPr marL="0" indent="0">
-              <a:buNone/>
-            </a:pPr>
-            <a:r>
-              <a:rPr lang="de-DE" dirty="0"/>
-              <a:t>Nutzung: </a:t>
-            </a:r>
-            <a:r>
-              <a:rPr lang="de-DE" dirty="0" err="1"/>
-              <a:t>Tuples</a:t>
-            </a:r>
-            <a:r>
-              <a:rPr lang="de-DE" dirty="0"/>
-              <a:t> werden meistens nicht übergeben, dienen zur temporären Haltung von Daten</a:t>
-            </a:r>
-          </a:p>
-          <a:p>
-            <a:pPr marL="0" indent="0">
-              <a:buNone/>
-            </a:pPr>
-            <a:r>
-              <a:rPr lang="de-DE" dirty="0"/>
-              <a:t>Bedenke: ALLES kann als </a:t>
-            </a:r>
-            <a:r>
-              <a:rPr lang="de-DE" dirty="0" err="1"/>
-              <a:t>tuple</a:t>
-            </a:r>
-            <a:r>
-              <a:rPr lang="de-DE" dirty="0"/>
-              <a:t> definiert werden:</a:t>
-            </a:r>
-          </a:p>
-          <a:p>
-            <a:pPr>
-              <a:buFontTx/>
-              <a:buChar char="-"/>
-            </a:pPr>
-            <a:r>
-              <a:rPr lang="de-DE" dirty="0"/>
-              <a:t>Werte (</a:t>
-            </a:r>
-            <a:r>
-              <a:rPr lang="de-DE" dirty="0" err="1"/>
-              <a:t>int</a:t>
-            </a:r>
-            <a:r>
-              <a:rPr lang="de-DE" dirty="0"/>
-              <a:t>, etc.)</a:t>
-            </a:r>
-          </a:p>
-          <a:p>
-            <a:pPr>
-              <a:buFontTx/>
-              <a:buChar char="-"/>
-            </a:pPr>
-            <a:r>
-              <a:rPr lang="de-DE" dirty="0"/>
-              <a:t>ADTs</a:t>
-            </a:r>
-          </a:p>
-          <a:p>
-            <a:pPr>
-              <a:buFontTx/>
-              <a:buChar char="-"/>
-            </a:pPr>
-            <a:r>
-              <a:rPr lang="de-DE" dirty="0"/>
-              <a:t>Funktionen</a:t>
-            </a:r>
-          </a:p>
-          <a:p>
-            <a:pPr marL="0" indent="0">
-              <a:buNone/>
-            </a:pPr>
-            <a:r>
-              <a:rPr lang="de-DE" dirty="0"/>
-              <a:t>Funktion mit zwei (oder mehreren) Rückgabewerten </a:t>
-            </a:r>
-          </a:p>
-        </p:txBody>
-      </p:sp>
-    </p:spTree>
-    <p:extLst>
-      <p:ext uri="{BB962C8B-B14F-4D97-AF65-F5344CB8AC3E}">
-        <p14:creationId xmlns:p14="http://schemas.microsoft.com/office/powerpoint/2010/main" val="2657218075"/>
-      </p:ext>
-    </p:extLst>
-  </p:cSld>
-  <p:clrMapOvr>
-    <a:masterClrMapping/>
-  </p:clrMapOvr>
-</p:sld>
-</file>
-
-<file path=ppt/slides/slide23.xml><?xml version="1.0" encoding="utf-8"?>
-<p:sld xmlns:a="http://schemas.openxmlformats.org/drawingml/2006/main" xmlns:r="http://schemas.openxmlformats.org/officeDocument/2006/relationships" xmlns:p="http://schemas.openxmlformats.org/presentationml/2006/main">
-  <p:cSld>
-    <p:spTree>
-      <p:nvGrpSpPr>
-        <p:cNvPr id="1" name=""/>
-        <p:cNvGrpSpPr/>
-        <p:nvPr/>
-      </p:nvGrpSpPr>
-      <p:grpSpPr>
-        <a:xfrm>
-          <a:off x="0" y="0"/>
-          <a:ext cx="0" cy="0"/>
-          <a:chOff x="0" y="0"/>
-          <a:chExt cx="0" cy="0"/>
-        </a:xfrm>
-      </p:grpSpPr>
-      <p:sp>
-        <p:nvSpPr>
-          <p:cNvPr id="2" name="Title 1"/>
-          <p:cNvSpPr>
-            <a:spLocks noGrp="1"/>
-          </p:cNvSpPr>
-          <p:nvPr>
-            <p:ph type="title"/>
-          </p:nvPr>
-        </p:nvSpPr>
-        <p:spPr/>
-        <p:txBody>
-          <a:bodyPr/>
-          <a:lstStyle/>
-          <a:p>
-            <a:r>
-              <a:rPr lang="de-DE" dirty="0" err="1"/>
-              <a:t>Record</a:t>
-            </a:r>
-            <a:r>
-              <a:rPr lang="de-DE" dirty="0"/>
-              <a:t>: Definition</a:t>
-            </a:r>
-            <a:endParaRPr lang="en-US" dirty="0"/>
-          </a:p>
-        </p:txBody>
-      </p:sp>
-      <p:sp>
-        <p:nvSpPr>
-          <p:cNvPr id="3" name="Content Placeholder 2"/>
-          <p:cNvSpPr>
-            <a:spLocks noGrp="1"/>
-          </p:cNvSpPr>
-          <p:nvPr>
-            <p:ph idx="1"/>
-          </p:nvPr>
-        </p:nvSpPr>
-        <p:spPr/>
-        <p:txBody>
-          <a:bodyPr>
-            <a:normAutofit/>
-          </a:bodyPr>
-          <a:lstStyle/>
-          <a:p>
-            <a:pPr marL="0" indent="0">
-              <a:buNone/>
-            </a:pPr>
-            <a:r>
-              <a:rPr lang="de-DE" dirty="0"/>
-              <a:t>Keine </a:t>
-            </a:r>
-            <a:r>
-              <a:rPr lang="de-DE" dirty="0" err="1"/>
-              <a:t>Adhoc</a:t>
-            </a:r>
-            <a:r>
-              <a:rPr lang="de-DE" dirty="0"/>
-              <a:t> Erstellung</a:t>
-            </a:r>
-          </a:p>
-          <a:p>
-            <a:pPr marL="0" indent="0">
-              <a:buNone/>
-            </a:pPr>
-            <a:r>
-              <a:rPr lang="de-DE" dirty="0" err="1"/>
-              <a:t>Labeled</a:t>
-            </a:r>
-            <a:r>
-              <a:rPr lang="de-DE" dirty="0"/>
-              <a:t> </a:t>
-            </a:r>
-            <a:r>
-              <a:rPr lang="de-DE" dirty="0" err="1"/>
-              <a:t>tuple</a:t>
-            </a:r>
-            <a:endParaRPr lang="de-DE" dirty="0"/>
-          </a:p>
-          <a:p>
-            <a:pPr marL="0" indent="0">
-              <a:buNone/>
-            </a:pPr>
-            <a:r>
-              <a:rPr lang="en-US" sz="2800" b="1" dirty="0"/>
-              <a:t>type</a:t>
-            </a:r>
-            <a:r>
-              <a:rPr lang="en-US" sz="2800" dirty="0"/>
-              <a:t> </a:t>
-            </a:r>
-            <a:r>
-              <a:rPr lang="en-US" sz="2800" b="1" dirty="0" err="1"/>
-              <a:t>ComplexNumber</a:t>
-            </a:r>
-            <a:r>
-              <a:rPr lang="en-US" sz="2800" dirty="0"/>
-              <a:t> = { real: float; imaginary: float }</a:t>
-            </a:r>
-            <a:endParaRPr lang="de-DE" sz="2800" dirty="0"/>
-          </a:p>
-          <a:p>
-            <a:pPr marL="0" indent="0">
-              <a:buNone/>
-            </a:pPr>
-            <a:r>
-              <a:rPr lang="en-US" sz="2800" b="1" dirty="0"/>
-              <a:t>type</a:t>
-            </a:r>
-            <a:r>
-              <a:rPr lang="en-US" sz="2800" dirty="0"/>
-              <a:t> </a:t>
-            </a:r>
-            <a:r>
-              <a:rPr lang="en-US" sz="2800" b="1" dirty="0" err="1"/>
-              <a:t>GeoCoord</a:t>
-            </a:r>
-            <a:r>
-              <a:rPr lang="en-US" sz="2800" dirty="0"/>
-              <a:t> = { </a:t>
-            </a:r>
-            <a:r>
-              <a:rPr lang="en-US" sz="2800" dirty="0" err="1"/>
-              <a:t>lat</a:t>
-            </a:r>
-            <a:r>
-              <a:rPr lang="en-US" sz="2800" dirty="0"/>
-              <a:t>: float; long: float }</a:t>
-            </a:r>
-          </a:p>
-          <a:p>
-            <a:pPr marL="0" indent="0">
-              <a:buNone/>
-            </a:pPr>
-            <a:endParaRPr lang="de-DE" sz="2800" dirty="0"/>
-          </a:p>
-          <a:p>
-            <a:pPr marL="0" indent="0">
-              <a:buNone/>
-            </a:pPr>
-            <a:r>
-              <a:rPr lang="de-DE" dirty="0"/>
-              <a:t>Andere Records, Funktionen</a:t>
-            </a:r>
-          </a:p>
-          <a:p>
-            <a:pPr marL="0" indent="0">
-              <a:buNone/>
-            </a:pPr>
-            <a:r>
-              <a:rPr lang="en-US" sz="2800" b="1" dirty="0"/>
-              <a:t>type S</a:t>
-            </a:r>
-            <a:r>
-              <a:rPr lang="en-US" dirty="0"/>
-              <a:t> = </a:t>
-            </a:r>
-            <a:r>
-              <a:rPr lang="en-US" sz="2800" dirty="0"/>
-              <a:t>{ </a:t>
-            </a:r>
-            <a:r>
-              <a:rPr lang="en-US" sz="2800" dirty="0" err="1"/>
-              <a:t>Coord</a:t>
-            </a:r>
-            <a:r>
-              <a:rPr lang="en-US" sz="2800" dirty="0"/>
-              <a:t> : </a:t>
-            </a:r>
-            <a:r>
-              <a:rPr lang="en-US" sz="2800" dirty="0" err="1"/>
-              <a:t>GeoCoord</a:t>
-            </a:r>
-            <a:r>
-              <a:rPr lang="en-US" sz="2800" dirty="0"/>
-              <a:t>; </a:t>
-            </a:r>
-            <a:r>
-              <a:rPr lang="en-US" sz="2800" dirty="0" err="1"/>
-              <a:t>Tun</a:t>
-            </a:r>
-            <a:r>
-              <a:rPr lang="en-US" sz="2800" dirty="0"/>
-              <a:t> : string -&gt; string; }</a:t>
-            </a:r>
-          </a:p>
-        </p:txBody>
-      </p:sp>
-    </p:spTree>
-    <p:extLst>
-      <p:ext uri="{BB962C8B-B14F-4D97-AF65-F5344CB8AC3E}">
-        <p14:creationId xmlns:p14="http://schemas.microsoft.com/office/powerpoint/2010/main" val="1545968842"/>
-      </p:ext>
-    </p:extLst>
-  </p:cSld>
-  <p:clrMapOvr>
-    <a:masterClrMapping/>
-  </p:clrMapOvr>
-</p:sld>
-</file>
-
-<file path=ppt/slides/slide24.xml><?xml version="1.0" encoding="utf-8"?>
-<p:sld xmlns:a="http://schemas.openxmlformats.org/drawingml/2006/main" xmlns:r="http://schemas.openxmlformats.org/officeDocument/2006/relationships" xmlns:p="http://schemas.openxmlformats.org/presentationml/2006/main">
-  <p:cSld>
-    <p:spTree>
-      <p:nvGrpSpPr>
-        <p:cNvPr id="1" name=""/>
-        <p:cNvGrpSpPr/>
-        <p:nvPr/>
-      </p:nvGrpSpPr>
-      <p:grpSpPr>
-        <a:xfrm>
-          <a:off x="0" y="0"/>
-          <a:ext cx="0" cy="0"/>
-          <a:chOff x="0" y="0"/>
-          <a:chExt cx="0" cy="0"/>
-        </a:xfrm>
-      </p:grpSpPr>
-      <p:sp>
-        <p:nvSpPr>
-          <p:cNvPr id="2" name="Title 1"/>
-          <p:cNvSpPr>
-            <a:spLocks noGrp="1"/>
-          </p:cNvSpPr>
-          <p:nvPr>
-            <p:ph type="title"/>
-          </p:nvPr>
-        </p:nvSpPr>
-        <p:spPr/>
-        <p:txBody>
-          <a:bodyPr/>
-          <a:lstStyle/>
-          <a:p>
-            <a:r>
-              <a:rPr lang="de-DE" dirty="0" err="1"/>
-              <a:t>Record</a:t>
-            </a:r>
-            <a:r>
-              <a:rPr lang="de-DE" dirty="0"/>
-              <a:t>: </a:t>
-            </a:r>
-            <a:r>
-              <a:rPr lang="de-DE" dirty="0" err="1"/>
-              <a:t>Structural</a:t>
-            </a:r>
-            <a:r>
-              <a:rPr lang="de-DE" dirty="0"/>
-              <a:t> </a:t>
-            </a:r>
-            <a:r>
-              <a:rPr lang="de-DE" dirty="0" err="1"/>
-              <a:t>Equality</a:t>
-            </a:r>
-            <a:endParaRPr lang="en-US" dirty="0"/>
-          </a:p>
-        </p:txBody>
-      </p:sp>
-      <p:sp>
-        <p:nvSpPr>
-          <p:cNvPr id="3" name="Content Placeholder 2"/>
-          <p:cNvSpPr>
-            <a:spLocks noGrp="1"/>
-          </p:cNvSpPr>
-          <p:nvPr>
-            <p:ph idx="1"/>
-          </p:nvPr>
-        </p:nvSpPr>
-        <p:spPr/>
-        <p:txBody>
-          <a:bodyPr/>
-          <a:lstStyle/>
-          <a:p>
-            <a:pPr marL="0" indent="0">
-              <a:buNone/>
-            </a:pPr>
-            <a:r>
-              <a:rPr lang="de-DE" dirty="0"/>
-              <a:t>Zwei </a:t>
-            </a:r>
-            <a:r>
-              <a:rPr lang="de-DE" dirty="0" err="1"/>
-              <a:t>Record</a:t>
-            </a:r>
-            <a:r>
-              <a:rPr lang="de-DE" dirty="0"/>
-              <a:t> </a:t>
-            </a:r>
-            <a:r>
-              <a:rPr lang="de-DE" dirty="0" err="1"/>
-              <a:t>Types</a:t>
-            </a:r>
-            <a:r>
-              <a:rPr lang="de-DE" dirty="0"/>
-              <a:t> sind gleich wenn beide die gleichen</a:t>
-            </a:r>
-          </a:p>
-          <a:p>
-            <a:pPr>
-              <a:buFontTx/>
-              <a:buChar char="-"/>
-            </a:pPr>
-            <a:r>
-              <a:rPr lang="de-DE" dirty="0"/>
-              <a:t>Type</a:t>
-            </a:r>
-          </a:p>
-          <a:p>
-            <a:pPr>
-              <a:buFontTx/>
-              <a:buChar char="-"/>
-            </a:pPr>
-            <a:r>
-              <a:rPr lang="de-DE" dirty="0"/>
-              <a:t>Werte</a:t>
-            </a:r>
-          </a:p>
-          <a:p>
-            <a:pPr marL="0" indent="0">
-              <a:buNone/>
-            </a:pPr>
-            <a:r>
-              <a:rPr lang="de-DE" dirty="0"/>
-              <a:t>Im gleichen „Slot“ haben</a:t>
-            </a:r>
-          </a:p>
-          <a:p>
-            <a:pPr marL="0" indent="0">
-              <a:buNone/>
-            </a:pPr>
-            <a:r>
-              <a:rPr lang="de-DE" dirty="0"/>
-              <a:t>ACHTUNG: zwei </a:t>
-            </a:r>
-            <a:r>
-              <a:rPr lang="de-DE" dirty="0" err="1"/>
-              <a:t>Record</a:t>
-            </a:r>
-            <a:r>
-              <a:rPr lang="de-DE" dirty="0"/>
-              <a:t> typen mit unterschiedlichen Namen können nicht gleich sein! F# ist hier nominal!</a:t>
-            </a:r>
-            <a:endParaRPr lang="en-US" dirty="0"/>
-          </a:p>
-        </p:txBody>
-      </p:sp>
-    </p:spTree>
-    <p:extLst>
-      <p:ext uri="{BB962C8B-B14F-4D97-AF65-F5344CB8AC3E}">
-        <p14:creationId xmlns:p14="http://schemas.microsoft.com/office/powerpoint/2010/main" val="3594240934"/>
-      </p:ext>
-    </p:extLst>
-  </p:cSld>
-  <p:clrMapOvr>
-    <a:masterClrMapping/>
-  </p:clrMapOvr>
-</p:sld>
-</file>
-
-<file path=ppt/slides/slide25.xml><?xml version="1.0" encoding="utf-8"?>
-<p:sld xmlns:a="http://schemas.openxmlformats.org/drawingml/2006/main" xmlns:r="http://schemas.openxmlformats.org/officeDocument/2006/relationships" xmlns:p="http://schemas.openxmlformats.org/presentationml/2006/main">
-  <p:cSld>
-    <p:spTree>
-      <p:nvGrpSpPr>
-        <p:cNvPr id="1" name=""/>
-        <p:cNvGrpSpPr/>
-        <p:nvPr/>
-      </p:nvGrpSpPr>
-      <p:grpSpPr>
-        <a:xfrm>
-          <a:off x="0" y="0"/>
-          <a:ext cx="0" cy="0"/>
-          <a:chOff x="0" y="0"/>
-          <a:chExt cx="0" cy="0"/>
-        </a:xfrm>
-      </p:grpSpPr>
-      <p:sp>
-        <p:nvSpPr>
-          <p:cNvPr id="2" name="Title 1"/>
-          <p:cNvSpPr>
-            <a:spLocks noGrp="1"/>
-          </p:cNvSpPr>
-          <p:nvPr>
-            <p:ph type="title"/>
-          </p:nvPr>
-        </p:nvSpPr>
-        <p:spPr/>
-        <p:txBody>
-          <a:bodyPr>
-            <a:normAutofit fontScale="90000"/>
-          </a:bodyPr>
-          <a:lstStyle/>
-          <a:p>
-            <a:r>
-              <a:rPr lang="de-DE" dirty="0"/>
-              <a:t>DU</a:t>
-            </a:r>
-            <a:br>
-              <a:rPr lang="de-DE" dirty="0"/>
-            </a:br>
-            <a:r>
-              <a:rPr lang="de-DE" dirty="0" err="1"/>
-              <a:t>Discriminated</a:t>
-            </a:r>
-            <a:r>
-              <a:rPr lang="de-DE" dirty="0"/>
-              <a:t> Union</a:t>
-            </a:r>
-            <a:endParaRPr lang="en-US" dirty="0"/>
-          </a:p>
-        </p:txBody>
-      </p:sp>
-      <p:sp>
-        <p:nvSpPr>
-          <p:cNvPr id="3" name="Content Placeholder 2"/>
-          <p:cNvSpPr>
-            <a:spLocks noGrp="1"/>
-          </p:cNvSpPr>
-          <p:nvPr>
-            <p:ph idx="1"/>
-          </p:nvPr>
-        </p:nvSpPr>
-        <p:spPr/>
-        <p:txBody>
-          <a:bodyPr>
-            <a:normAutofit/>
-          </a:bodyPr>
-          <a:lstStyle/>
-          <a:p>
-            <a:pPr marL="0" indent="0">
-              <a:buNone/>
-            </a:pPr>
-            <a:r>
-              <a:rPr lang="de-DE" dirty="0"/>
-              <a:t>Unterscheidungs-Union auf deutsch</a:t>
-            </a:r>
-          </a:p>
-          <a:p>
-            <a:pPr marL="0" indent="0">
-              <a:buNone/>
-            </a:pPr>
-            <a:r>
-              <a:rPr lang="de-DE" dirty="0"/>
-              <a:t>Besteht aus einer Anzahl von benannten Fällen</a:t>
-            </a:r>
-          </a:p>
-          <a:p>
-            <a:pPr marL="0" indent="0">
-              <a:buNone/>
-            </a:pPr>
-            <a:r>
-              <a:rPr lang="de-DE" dirty="0"/>
-              <a:t>Nur eines ist gültig für einen Ausdruck</a:t>
-            </a:r>
-          </a:p>
-          <a:p>
-            <a:pPr marL="0" indent="0">
-              <a:buNone/>
-            </a:pPr>
-            <a:r>
-              <a:rPr lang="en-US" sz="2200" dirty="0">
-                <a:solidFill>
-                  <a:srgbClr val="0000FF"/>
-                </a:solidFill>
-                <a:highlight>
-                  <a:srgbClr val="FFFFFF"/>
-                </a:highlight>
-                <a:latin typeface="Consolas"/>
-              </a:rPr>
-              <a:t>type</a:t>
-            </a:r>
-            <a:r>
-              <a:rPr lang="en-US" sz="2200" dirty="0">
-                <a:solidFill>
-                  <a:srgbClr val="000000"/>
-                </a:solidFill>
-                <a:highlight>
-                  <a:srgbClr val="FFFFFF"/>
-                </a:highlight>
-                <a:latin typeface="Consolas"/>
-              </a:rPr>
-              <a:t> </a:t>
-            </a:r>
-            <a:r>
-              <a:rPr lang="en-US" sz="2200" dirty="0">
-                <a:solidFill>
-                  <a:srgbClr val="4EC9B0"/>
-                </a:solidFill>
-                <a:highlight>
-                  <a:srgbClr val="FFFFFF"/>
-                </a:highlight>
-                <a:latin typeface="Consolas"/>
-              </a:rPr>
-              <a:t>Shape</a:t>
-            </a:r>
-            <a:r>
-              <a:rPr lang="en-US" sz="2200" dirty="0">
-                <a:solidFill>
-                  <a:srgbClr val="000000"/>
-                </a:solidFill>
-                <a:highlight>
-                  <a:srgbClr val="FFFFFF"/>
-                </a:highlight>
-                <a:latin typeface="Consolas"/>
-              </a:rPr>
-              <a:t> </a:t>
-            </a:r>
-            <a:r>
-              <a:rPr lang="en-US" sz="2200" dirty="0">
-                <a:solidFill>
-                  <a:srgbClr val="DCDCDC"/>
-                </a:solidFill>
-                <a:highlight>
-                  <a:srgbClr val="FFFFFF"/>
-                </a:highlight>
-                <a:latin typeface="Consolas"/>
-              </a:rPr>
-              <a:t>=</a:t>
-            </a:r>
-            <a:endParaRPr lang="en-US" sz="2200" dirty="0">
-              <a:solidFill>
-                <a:srgbClr val="000000"/>
-              </a:solidFill>
-              <a:highlight>
-                <a:srgbClr val="FFFFFF"/>
-              </a:highlight>
-              <a:latin typeface="Consolas"/>
-            </a:endParaRPr>
-          </a:p>
-          <a:p>
-            <a:pPr marL="0" indent="0">
-              <a:buNone/>
-            </a:pPr>
-            <a:r>
-              <a:rPr lang="en-US" sz="2200" dirty="0">
-                <a:solidFill>
-                  <a:srgbClr val="000000"/>
-                </a:solidFill>
-                <a:highlight>
-                  <a:srgbClr val="FFFFFF"/>
-                </a:highlight>
-                <a:latin typeface="Consolas"/>
-              </a:rPr>
-              <a:t>| </a:t>
-            </a:r>
-            <a:r>
-              <a:rPr lang="en-US" sz="2200" dirty="0">
-                <a:solidFill>
-                  <a:schemeClr val="accent2">
-                    <a:lumMod val="75000"/>
-                  </a:schemeClr>
-                </a:solidFill>
-                <a:highlight>
-                  <a:srgbClr val="FFFFFF"/>
-                </a:highlight>
-                <a:latin typeface="Consolas"/>
-              </a:rPr>
-              <a:t>Rectangle</a:t>
-            </a:r>
-            <a:r>
-              <a:rPr lang="en-US" sz="2200" dirty="0">
-                <a:solidFill>
-                  <a:srgbClr val="000000"/>
-                </a:solidFill>
-                <a:highlight>
-                  <a:srgbClr val="FFFFFF"/>
-                </a:highlight>
-                <a:latin typeface="Consolas"/>
-              </a:rPr>
-              <a:t> </a:t>
-            </a:r>
-            <a:r>
-              <a:rPr lang="en-US" sz="2200" dirty="0">
-                <a:solidFill>
-                  <a:srgbClr val="0000FF"/>
-                </a:solidFill>
-                <a:highlight>
-                  <a:srgbClr val="FFFFFF"/>
-                </a:highlight>
-                <a:latin typeface="Consolas"/>
-              </a:rPr>
-              <a:t>of</a:t>
-            </a:r>
-            <a:r>
-              <a:rPr lang="en-US" sz="2200" dirty="0">
-                <a:solidFill>
-                  <a:srgbClr val="000000"/>
-                </a:solidFill>
-                <a:highlight>
-                  <a:srgbClr val="FFFFFF"/>
-                </a:highlight>
-                <a:latin typeface="Consolas"/>
-              </a:rPr>
-              <a:t> width : </a:t>
-            </a:r>
-            <a:r>
-              <a:rPr lang="en-US" sz="2200" dirty="0">
-                <a:solidFill>
-                  <a:srgbClr val="4EC9B0"/>
-                </a:solidFill>
-                <a:highlight>
-                  <a:srgbClr val="FFFFFF"/>
-                </a:highlight>
-                <a:latin typeface="Consolas"/>
-              </a:rPr>
-              <a:t>float</a:t>
-            </a:r>
-            <a:r>
-              <a:rPr lang="en-US" sz="2200" dirty="0">
-                <a:solidFill>
-                  <a:srgbClr val="000000"/>
-                </a:solidFill>
-                <a:highlight>
-                  <a:srgbClr val="FFFFFF"/>
-                </a:highlight>
-                <a:latin typeface="Consolas"/>
-              </a:rPr>
-              <a:t> * length : </a:t>
-            </a:r>
-            <a:r>
-              <a:rPr lang="en-US" sz="2200" dirty="0">
-                <a:solidFill>
-                  <a:srgbClr val="4EC9B0"/>
-                </a:solidFill>
-                <a:highlight>
-                  <a:srgbClr val="FFFFFF"/>
-                </a:highlight>
-                <a:latin typeface="Consolas"/>
-              </a:rPr>
-              <a:t>float</a:t>
-            </a:r>
-            <a:endParaRPr lang="en-US" sz="2200" dirty="0">
-              <a:solidFill>
-                <a:srgbClr val="000000"/>
-              </a:solidFill>
-              <a:highlight>
-                <a:srgbClr val="FFFFFF"/>
-              </a:highlight>
-              <a:latin typeface="Consolas"/>
-            </a:endParaRPr>
-          </a:p>
-          <a:p>
-            <a:pPr marL="0" indent="0">
-              <a:buNone/>
-            </a:pPr>
-            <a:r>
-              <a:rPr lang="en-US" sz="2200" dirty="0">
-                <a:solidFill>
-                  <a:srgbClr val="000000"/>
-                </a:solidFill>
-                <a:highlight>
-                  <a:srgbClr val="FFFFFF"/>
-                </a:highlight>
-                <a:latin typeface="Consolas"/>
-              </a:rPr>
-              <a:t>| </a:t>
-            </a:r>
-            <a:r>
-              <a:rPr lang="en-US" sz="2200" dirty="0">
-                <a:solidFill>
-                  <a:schemeClr val="accent2">
-                    <a:lumMod val="75000"/>
-                  </a:schemeClr>
-                </a:solidFill>
-                <a:highlight>
-                  <a:srgbClr val="FFFFFF"/>
-                </a:highlight>
-                <a:latin typeface="Consolas"/>
-              </a:rPr>
-              <a:t>Circle</a:t>
-            </a:r>
-            <a:r>
-              <a:rPr lang="en-US" sz="2200" dirty="0">
-                <a:solidFill>
-                  <a:srgbClr val="000000"/>
-                </a:solidFill>
-                <a:highlight>
-                  <a:srgbClr val="FFFFFF"/>
-                </a:highlight>
-                <a:latin typeface="Consolas"/>
-              </a:rPr>
-              <a:t> </a:t>
-            </a:r>
-            <a:r>
-              <a:rPr lang="en-US" sz="2200" dirty="0">
-                <a:solidFill>
-                  <a:srgbClr val="0000FF"/>
-                </a:solidFill>
-                <a:highlight>
-                  <a:srgbClr val="FFFFFF"/>
-                </a:highlight>
-                <a:latin typeface="Consolas"/>
-              </a:rPr>
-              <a:t>of</a:t>
-            </a:r>
-            <a:r>
-              <a:rPr lang="en-US" sz="2200" dirty="0">
-                <a:solidFill>
-                  <a:srgbClr val="000000"/>
-                </a:solidFill>
-                <a:highlight>
-                  <a:srgbClr val="FFFFFF"/>
-                </a:highlight>
-                <a:latin typeface="Consolas"/>
-              </a:rPr>
-              <a:t> radius : </a:t>
-            </a:r>
-            <a:r>
-              <a:rPr lang="en-US" sz="2200" dirty="0">
-                <a:solidFill>
-                  <a:srgbClr val="4EC9B0"/>
-                </a:solidFill>
-                <a:highlight>
-                  <a:srgbClr val="FFFFFF"/>
-                </a:highlight>
-                <a:latin typeface="Consolas"/>
-              </a:rPr>
-              <a:t>float</a:t>
-            </a:r>
-            <a:endParaRPr lang="en-US" sz="2200" dirty="0">
-              <a:solidFill>
-                <a:srgbClr val="000000"/>
-              </a:solidFill>
-              <a:highlight>
-                <a:srgbClr val="FFFFFF"/>
-              </a:highlight>
-              <a:latin typeface="Consolas"/>
-            </a:endParaRPr>
-          </a:p>
-          <a:p>
-            <a:pPr marL="0" indent="0">
-              <a:buNone/>
-            </a:pPr>
-            <a:r>
-              <a:rPr lang="en-US" sz="2200" dirty="0">
-                <a:solidFill>
-                  <a:srgbClr val="000000"/>
-                </a:solidFill>
-                <a:highlight>
-                  <a:srgbClr val="FFFFFF"/>
-                </a:highlight>
-                <a:latin typeface="Consolas"/>
-              </a:rPr>
-              <a:t>| </a:t>
-            </a:r>
-            <a:r>
-              <a:rPr lang="en-US" sz="2200" dirty="0">
-                <a:solidFill>
-                  <a:schemeClr val="accent2">
-                    <a:lumMod val="75000"/>
-                  </a:schemeClr>
-                </a:solidFill>
-                <a:highlight>
-                  <a:srgbClr val="FFFFFF"/>
-                </a:highlight>
-                <a:latin typeface="Consolas"/>
-              </a:rPr>
-              <a:t>Prism</a:t>
-            </a:r>
-            <a:r>
-              <a:rPr lang="en-US" sz="2200" dirty="0">
-                <a:solidFill>
-                  <a:srgbClr val="000000"/>
-                </a:solidFill>
-                <a:highlight>
-                  <a:srgbClr val="FFFFFF"/>
-                </a:highlight>
-                <a:latin typeface="Consolas"/>
-              </a:rPr>
-              <a:t> </a:t>
-            </a:r>
-            <a:r>
-              <a:rPr lang="en-US" sz="2200" dirty="0">
-                <a:solidFill>
-                  <a:srgbClr val="0000FF"/>
-                </a:solidFill>
-                <a:highlight>
-                  <a:srgbClr val="FFFFFF"/>
-                </a:highlight>
-                <a:latin typeface="Consolas"/>
-              </a:rPr>
-              <a:t>of</a:t>
-            </a:r>
-            <a:r>
-              <a:rPr lang="en-US" sz="2200" dirty="0">
-                <a:solidFill>
-                  <a:srgbClr val="000000"/>
-                </a:solidFill>
-                <a:highlight>
-                  <a:srgbClr val="FFFFFF"/>
-                </a:highlight>
-                <a:latin typeface="Consolas"/>
-              </a:rPr>
-              <a:t> width : </a:t>
-            </a:r>
-            <a:r>
-              <a:rPr lang="en-US" sz="2200" dirty="0">
-                <a:solidFill>
-                  <a:srgbClr val="4EC9B0"/>
-                </a:solidFill>
-                <a:highlight>
-                  <a:srgbClr val="FFFFFF"/>
-                </a:highlight>
-                <a:latin typeface="Consolas"/>
-              </a:rPr>
-              <a:t>float</a:t>
-            </a:r>
-            <a:r>
-              <a:rPr lang="en-US" sz="2200" dirty="0">
-                <a:solidFill>
-                  <a:srgbClr val="000000"/>
-                </a:solidFill>
-                <a:highlight>
-                  <a:srgbClr val="FFFFFF"/>
-                </a:highlight>
-                <a:latin typeface="Consolas"/>
-              </a:rPr>
-              <a:t> * </a:t>
-            </a:r>
-            <a:r>
-              <a:rPr lang="en-US" sz="2200" dirty="0">
-                <a:solidFill>
-                  <a:srgbClr val="4EC9B0"/>
-                </a:solidFill>
-                <a:highlight>
-                  <a:srgbClr val="FFFFFF"/>
-                </a:highlight>
-                <a:latin typeface="Consolas"/>
-              </a:rPr>
-              <a:t>float</a:t>
-            </a:r>
-            <a:r>
-              <a:rPr lang="en-US" sz="2200" dirty="0">
-                <a:solidFill>
-                  <a:srgbClr val="000000"/>
-                </a:solidFill>
-                <a:highlight>
-                  <a:srgbClr val="FFFFFF"/>
-                </a:highlight>
-                <a:latin typeface="Consolas"/>
-              </a:rPr>
-              <a:t> * height : </a:t>
-            </a:r>
-            <a:r>
-              <a:rPr lang="en-US" sz="2200" dirty="0">
-                <a:solidFill>
-                  <a:srgbClr val="4EC9B0"/>
-                </a:solidFill>
-                <a:highlight>
-                  <a:srgbClr val="FFFFFF"/>
-                </a:highlight>
-                <a:latin typeface="Consolas"/>
-              </a:rPr>
-              <a:t>float</a:t>
-            </a:r>
-            <a:endParaRPr lang="en-US" sz="2200" dirty="0"/>
-          </a:p>
-        </p:txBody>
-      </p:sp>
-    </p:spTree>
-    <p:extLst>
-      <p:ext uri="{BB962C8B-B14F-4D97-AF65-F5344CB8AC3E}">
-        <p14:creationId xmlns:p14="http://schemas.microsoft.com/office/powerpoint/2010/main" val="3184996216"/>
-      </p:ext>
-    </p:extLst>
-  </p:cSld>
-  <p:clrMapOvr>
-    <a:masterClrMapping/>
-  </p:clrMapOvr>
-</p:sld>
-</file>
-
 <file path=ppt/slides/slide26.xml><?xml version="1.0" encoding="utf-8"?>
 <p:sld xmlns:a="http://schemas.openxmlformats.org/drawingml/2006/main" xmlns:r="http://schemas.openxmlformats.org/officeDocument/2006/relationships" xmlns:p="http://schemas.openxmlformats.org/presentationml/2006/main">
   <p:cSld>
@@ -14128,8 +13865,12 @@
           <a:lstStyle/>
           <a:p>
             <a:r>
-              <a:rPr lang="de-DE" dirty="0"/>
-              <a:t>DU: Single Case</a:t>
+              <a:rPr lang="de-DE" dirty="0" err="1"/>
+              <a:t>Tuple</a:t>
+            </a:r>
+            <a:r>
+              <a:rPr lang="de-DE" dirty="0"/>
+              <a:t>: Wofür</a:t>
             </a:r>
             <a:endParaRPr lang="en-US" dirty="0"/>
           </a:p>
@@ -14148,7 +13889,7 @@
         <p:spPr/>
         <p:txBody>
           <a:bodyPr>
-            <a:normAutofit lnSpcReduction="10000"/>
+            <a:normAutofit fontScale="92500"/>
           </a:bodyPr>
           <a:lstStyle/>
           <a:p>
@@ -14156,760 +13897,88 @@
               <a:buNone/>
             </a:pPr>
             <a:r>
-              <a:rPr lang="en-US" dirty="0">
-                <a:solidFill>
-                  <a:srgbClr val="0000FF"/>
-                </a:solidFill>
-                <a:highlight>
-                  <a:srgbClr val="FFFFFF"/>
-                </a:highlight>
-                <a:latin typeface="Consolas"/>
-              </a:rPr>
-              <a:t>type</a:t>
-            </a:r>
-            <a:r>
-              <a:rPr lang="en-US" dirty="0">
-                <a:solidFill>
-                  <a:srgbClr val="000000"/>
-                </a:solidFill>
-                <a:highlight>
-                  <a:srgbClr val="FFFFFF"/>
-                </a:highlight>
-                <a:latin typeface="Consolas"/>
-              </a:rPr>
-              <a:t> </a:t>
-            </a:r>
-            <a:r>
-              <a:rPr lang="en-US" dirty="0" err="1">
-                <a:solidFill>
-                  <a:srgbClr val="4EC9B0"/>
-                </a:solidFill>
-                <a:highlight>
-                  <a:srgbClr val="FFFFFF"/>
-                </a:highlight>
-                <a:latin typeface="Consolas"/>
-              </a:rPr>
-              <a:t>CustomerId</a:t>
-            </a:r>
-            <a:r>
-              <a:rPr lang="en-US" dirty="0">
-                <a:solidFill>
-                  <a:srgbClr val="000000"/>
-                </a:solidFill>
-                <a:highlight>
-                  <a:srgbClr val="FFFFFF"/>
-                </a:highlight>
-                <a:latin typeface="Consolas"/>
-              </a:rPr>
-              <a:t> </a:t>
-            </a:r>
-            <a:r>
-              <a:rPr lang="en-US" dirty="0">
-                <a:solidFill>
-                  <a:srgbClr val="DCDCDC"/>
-                </a:solidFill>
-                <a:highlight>
-                  <a:srgbClr val="FFFFFF"/>
-                </a:highlight>
-                <a:latin typeface="Consolas"/>
-              </a:rPr>
-              <a:t>=</a:t>
-            </a:r>
-            <a:r>
-              <a:rPr lang="en-US" dirty="0">
-                <a:solidFill>
-                  <a:srgbClr val="000000"/>
-                </a:solidFill>
-                <a:highlight>
-                  <a:srgbClr val="FFFFFF"/>
-                </a:highlight>
-                <a:latin typeface="Consolas"/>
-              </a:rPr>
-              <a:t> </a:t>
-            </a:r>
-            <a:r>
-              <a:rPr lang="en-US" dirty="0" err="1">
-                <a:solidFill>
-                  <a:srgbClr val="DCDCDC"/>
-                </a:solidFill>
-                <a:highlight>
-                  <a:srgbClr val="FFFFFF"/>
-                </a:highlight>
-                <a:latin typeface="Consolas"/>
-              </a:rPr>
-              <a:t>CustomerId</a:t>
-            </a:r>
-            <a:r>
-              <a:rPr lang="en-US" dirty="0">
-                <a:solidFill>
-                  <a:srgbClr val="000000"/>
-                </a:solidFill>
-                <a:highlight>
-                  <a:srgbClr val="FFFFFF"/>
-                </a:highlight>
-                <a:latin typeface="Consolas"/>
-              </a:rPr>
-              <a:t> </a:t>
-            </a:r>
-            <a:r>
-              <a:rPr lang="en-US" dirty="0">
-                <a:solidFill>
-                  <a:srgbClr val="0000FF"/>
-                </a:solidFill>
-                <a:highlight>
-                  <a:srgbClr val="FFFFFF"/>
-                </a:highlight>
-                <a:latin typeface="Consolas"/>
-              </a:rPr>
-              <a:t>of</a:t>
-            </a:r>
-            <a:r>
-              <a:rPr lang="en-US" dirty="0">
-                <a:solidFill>
-                  <a:srgbClr val="000000"/>
-                </a:solidFill>
-                <a:highlight>
-                  <a:srgbClr val="FFFFFF"/>
-                </a:highlight>
-                <a:latin typeface="Consolas"/>
-              </a:rPr>
-              <a:t> </a:t>
-            </a:r>
-            <a:r>
-              <a:rPr lang="en-US" dirty="0" err="1">
-                <a:solidFill>
-                  <a:srgbClr val="4EC9B0"/>
-                </a:solidFill>
-                <a:highlight>
-                  <a:srgbClr val="FFFFFF"/>
-                </a:highlight>
-                <a:latin typeface="Consolas"/>
-              </a:rPr>
-              <a:t>int</a:t>
-            </a:r>
-            <a:endParaRPr lang="en-US" dirty="0">
-              <a:solidFill>
-                <a:srgbClr val="000000"/>
-              </a:solidFill>
-              <a:highlight>
-                <a:srgbClr val="FFFFFF"/>
-              </a:highlight>
-              <a:latin typeface="Consolas"/>
-            </a:endParaRPr>
+              <a:rPr lang="de-DE" dirty="0"/>
+              <a:t>Nutzung: </a:t>
+            </a:r>
+            <a:r>
+              <a:rPr lang="de-DE" dirty="0" err="1"/>
+              <a:t>Tuples</a:t>
+            </a:r>
+            <a:r>
+              <a:rPr lang="de-DE" dirty="0"/>
+              <a:t> werden meistens nicht übergeben, dienen zur temporären Haltung von Daten</a:t>
+            </a:r>
           </a:p>
           <a:p>
             <a:pPr marL="0" indent="0">
               <a:buNone/>
             </a:pPr>
             <a:r>
-              <a:rPr lang="en-US" dirty="0">
-                <a:solidFill>
-                  <a:srgbClr val="0000FF"/>
-                </a:solidFill>
-                <a:highlight>
-                  <a:srgbClr val="FFFFFF"/>
-                </a:highlight>
-                <a:latin typeface="Consolas"/>
-              </a:rPr>
-              <a:t>type</a:t>
-            </a:r>
-            <a:r>
-              <a:rPr lang="en-US" dirty="0">
-                <a:solidFill>
-                  <a:srgbClr val="000000"/>
-                </a:solidFill>
-                <a:highlight>
-                  <a:srgbClr val="FFFFFF"/>
-                </a:highlight>
-                <a:latin typeface="Consolas"/>
-              </a:rPr>
-              <a:t> </a:t>
-            </a:r>
-            <a:r>
-              <a:rPr lang="en-US" dirty="0" err="1">
-                <a:solidFill>
-                  <a:srgbClr val="4EC9B0"/>
-                </a:solidFill>
-                <a:highlight>
-                  <a:srgbClr val="FFFFFF"/>
-                </a:highlight>
-                <a:latin typeface="Consolas"/>
-              </a:rPr>
-              <a:t>OrderId</a:t>
-            </a:r>
-            <a:r>
-              <a:rPr lang="en-US" dirty="0">
-                <a:solidFill>
-                  <a:srgbClr val="000000"/>
-                </a:solidFill>
-                <a:highlight>
-                  <a:srgbClr val="FFFFFF"/>
-                </a:highlight>
-                <a:latin typeface="Consolas"/>
-              </a:rPr>
-              <a:t> </a:t>
-            </a:r>
-            <a:r>
-              <a:rPr lang="en-US" dirty="0">
-                <a:solidFill>
-                  <a:srgbClr val="DCDCDC"/>
-                </a:solidFill>
-                <a:highlight>
-                  <a:srgbClr val="FFFFFF"/>
-                </a:highlight>
-                <a:latin typeface="Consolas"/>
-              </a:rPr>
-              <a:t>=</a:t>
-            </a:r>
-            <a:r>
-              <a:rPr lang="en-US" dirty="0">
-                <a:solidFill>
-                  <a:srgbClr val="000000"/>
-                </a:solidFill>
-                <a:highlight>
-                  <a:srgbClr val="FFFFFF"/>
-                </a:highlight>
-                <a:latin typeface="Consolas"/>
-              </a:rPr>
-              <a:t> </a:t>
-            </a:r>
-            <a:r>
-              <a:rPr lang="en-US" dirty="0" err="1">
-                <a:solidFill>
-                  <a:srgbClr val="DCDCDC"/>
-                </a:solidFill>
-                <a:highlight>
-                  <a:srgbClr val="FFFFFF"/>
-                </a:highlight>
-                <a:latin typeface="Consolas"/>
-              </a:rPr>
-              <a:t>OrderId</a:t>
-            </a:r>
-            <a:r>
-              <a:rPr lang="en-US" dirty="0">
-                <a:solidFill>
-                  <a:srgbClr val="000000"/>
-                </a:solidFill>
-                <a:highlight>
-                  <a:srgbClr val="FFFFFF"/>
-                </a:highlight>
-                <a:latin typeface="Consolas"/>
-              </a:rPr>
-              <a:t> </a:t>
-            </a:r>
-            <a:r>
-              <a:rPr lang="en-US" dirty="0">
-                <a:solidFill>
-                  <a:srgbClr val="0000FF"/>
-                </a:solidFill>
-                <a:highlight>
-                  <a:srgbClr val="FFFFFF"/>
-                </a:highlight>
-                <a:latin typeface="Consolas"/>
-              </a:rPr>
-              <a:t>of</a:t>
-            </a:r>
-            <a:r>
-              <a:rPr lang="en-US" dirty="0">
-                <a:solidFill>
-                  <a:srgbClr val="000000"/>
-                </a:solidFill>
-                <a:highlight>
-                  <a:srgbClr val="FFFFFF"/>
-                </a:highlight>
-                <a:latin typeface="Consolas"/>
-              </a:rPr>
-              <a:t> </a:t>
-            </a:r>
-            <a:r>
-              <a:rPr lang="en-US" dirty="0" err="1">
-                <a:solidFill>
-                  <a:srgbClr val="4EC9B0"/>
-                </a:solidFill>
-                <a:highlight>
-                  <a:srgbClr val="FFFFFF"/>
-                </a:highlight>
-                <a:latin typeface="Consolas"/>
-              </a:rPr>
+              <a:rPr lang="de-DE" dirty="0"/>
+              <a:t>Bedenke: ALLES kann als </a:t>
+            </a:r>
+            <a:r>
+              <a:rPr lang="de-DE" dirty="0" err="1"/>
+              <a:t>tuple</a:t>
+            </a:r>
+            <a:r>
+              <a:rPr lang="de-DE" dirty="0"/>
+              <a:t> definiert werden:</a:t>
+            </a:r>
+          </a:p>
+          <a:p>
+            <a:pPr>
+              <a:buFontTx/>
+              <a:buChar char="-"/>
+            </a:pPr>
+            <a:r>
+              <a:rPr lang="de-DE" dirty="0"/>
+              <a:t>Werte (</a:t>
+            </a:r>
+            <a:r>
+              <a:rPr lang="de-DE" dirty="0" err="1"/>
               <a:t>int</a:t>
             </a:r>
-            <a:endParaRPr lang="en-US" dirty="0">
-              <a:solidFill>
-                <a:srgbClr val="000000"/>
-              </a:solidFill>
-              <a:highlight>
-                <a:srgbClr val="FFFFFF"/>
-              </a:highlight>
-              <a:latin typeface="Consolas"/>
-            </a:endParaRPr>
-          </a:p>
-          <a:p>
-            <a:endParaRPr lang="en-US" dirty="0">
-              <a:solidFill>
-                <a:srgbClr val="000000"/>
-              </a:solidFill>
-              <a:highlight>
-                <a:srgbClr val="FFFFFF"/>
-              </a:highlight>
-              <a:latin typeface="Consolas"/>
-            </a:endParaRPr>
+            <a:r>
+              <a:rPr lang="de-DE" dirty="0"/>
+              <a:t>, etc.)</a:t>
+            </a:r>
+          </a:p>
+          <a:p>
+            <a:pPr>
+              <a:buFontTx/>
+              <a:buChar char="-"/>
+            </a:pPr>
+            <a:r>
+              <a:rPr lang="de-DE" dirty="0"/>
+              <a:t>ADTs</a:t>
+            </a:r>
+          </a:p>
+          <a:p>
+            <a:pPr>
+              <a:buFontTx/>
+              <a:buChar char="-"/>
+            </a:pPr>
+            <a:r>
+              <a:rPr lang="de-DE" dirty="0"/>
+              <a:t>Funktionen</a:t>
+            </a:r>
           </a:p>
           <a:p>
             <a:pPr marL="0" indent="0">
               <a:buNone/>
             </a:pPr>
             <a:r>
-              <a:rPr lang="en-US" dirty="0">
-                <a:solidFill>
-                  <a:srgbClr val="0000FF"/>
-                </a:solidFill>
-                <a:highlight>
-                  <a:srgbClr val="FFFFFF"/>
-                </a:highlight>
-                <a:latin typeface="Consolas"/>
-              </a:rPr>
-              <a:t>let</a:t>
-            </a:r>
-            <a:r>
-              <a:rPr lang="en-US" dirty="0">
-                <a:solidFill>
-                  <a:srgbClr val="000000"/>
-                </a:solidFill>
-                <a:highlight>
-                  <a:srgbClr val="FFFFFF"/>
-                </a:highlight>
-                <a:latin typeface="Consolas"/>
-              </a:rPr>
-              <a:t> </a:t>
-            </a:r>
-            <a:r>
-              <a:rPr lang="en-US" dirty="0" err="1">
-                <a:solidFill>
-                  <a:srgbClr val="000000"/>
-                </a:solidFill>
-                <a:highlight>
-                  <a:srgbClr val="FFFFFF"/>
-                </a:highlight>
-                <a:latin typeface="Consolas"/>
-              </a:rPr>
-              <a:t>cid</a:t>
-            </a:r>
-            <a:r>
-              <a:rPr lang="en-US" dirty="0">
-                <a:solidFill>
-                  <a:srgbClr val="000000"/>
-                </a:solidFill>
-                <a:highlight>
-                  <a:srgbClr val="FFFFFF"/>
-                </a:highlight>
-                <a:latin typeface="Consolas"/>
-              </a:rPr>
-              <a:t> </a:t>
-            </a:r>
-            <a:r>
-              <a:rPr lang="en-US" dirty="0">
-                <a:solidFill>
-                  <a:srgbClr val="DCDCDC"/>
-                </a:solidFill>
-                <a:highlight>
-                  <a:srgbClr val="FFFFFF"/>
-                </a:highlight>
-                <a:latin typeface="Consolas"/>
-              </a:rPr>
-              <a:t>=</a:t>
-            </a:r>
-            <a:r>
-              <a:rPr lang="en-US" dirty="0">
-                <a:solidFill>
-                  <a:srgbClr val="000000"/>
-                </a:solidFill>
-                <a:highlight>
-                  <a:srgbClr val="FFFFFF"/>
-                </a:highlight>
-                <a:latin typeface="Consolas"/>
-              </a:rPr>
-              <a:t> </a:t>
-            </a:r>
-            <a:r>
-              <a:rPr lang="en-US" dirty="0" err="1">
-                <a:solidFill>
-                  <a:srgbClr val="DCDCDC"/>
-                </a:solidFill>
-                <a:highlight>
-                  <a:srgbClr val="FFFFFF"/>
-                </a:highlight>
-                <a:latin typeface="Consolas"/>
-              </a:rPr>
-              <a:t>CustomerId</a:t>
-            </a:r>
-            <a:r>
-              <a:rPr lang="en-US" dirty="0">
-                <a:solidFill>
-                  <a:srgbClr val="000000"/>
-                </a:solidFill>
-                <a:highlight>
-                  <a:srgbClr val="FFFFFF"/>
-                </a:highlight>
-                <a:latin typeface="Consolas"/>
-              </a:rPr>
-              <a:t>(15)</a:t>
-            </a:r>
-          </a:p>
-          <a:p>
-            <a:pPr marL="0" indent="0">
-              <a:buNone/>
-            </a:pPr>
-            <a:r>
-              <a:rPr lang="en-US" dirty="0">
-                <a:solidFill>
-                  <a:srgbClr val="0000FF"/>
-                </a:solidFill>
-                <a:highlight>
-                  <a:srgbClr val="FFFFFF"/>
-                </a:highlight>
-                <a:latin typeface="Consolas"/>
-              </a:rPr>
-              <a:t>let</a:t>
-            </a:r>
-            <a:r>
-              <a:rPr lang="en-US" dirty="0">
-                <a:solidFill>
-                  <a:srgbClr val="000000"/>
-                </a:solidFill>
-                <a:highlight>
-                  <a:srgbClr val="FFFFFF"/>
-                </a:highlight>
-                <a:latin typeface="Consolas"/>
-              </a:rPr>
-              <a:t> </a:t>
-            </a:r>
-            <a:r>
-              <a:rPr lang="en-US" dirty="0" err="1">
-                <a:solidFill>
-                  <a:srgbClr val="000000"/>
-                </a:solidFill>
-                <a:highlight>
-                  <a:srgbClr val="FFFFFF"/>
-                </a:highlight>
-                <a:latin typeface="Consolas"/>
-              </a:rPr>
-              <a:t>oid</a:t>
-            </a:r>
-            <a:r>
-              <a:rPr lang="en-US" dirty="0">
-                <a:solidFill>
-                  <a:srgbClr val="000000"/>
-                </a:solidFill>
-                <a:highlight>
-                  <a:srgbClr val="FFFFFF"/>
-                </a:highlight>
-                <a:latin typeface="Consolas"/>
-              </a:rPr>
-              <a:t> </a:t>
-            </a:r>
-            <a:r>
-              <a:rPr lang="en-US" dirty="0">
-                <a:solidFill>
-                  <a:srgbClr val="DCDCDC"/>
-                </a:solidFill>
-                <a:highlight>
-                  <a:srgbClr val="FFFFFF"/>
-                </a:highlight>
-                <a:latin typeface="Consolas"/>
-              </a:rPr>
-              <a:t>=</a:t>
-            </a:r>
-            <a:r>
-              <a:rPr lang="en-US" dirty="0">
-                <a:solidFill>
-                  <a:srgbClr val="000000"/>
-                </a:solidFill>
-                <a:highlight>
-                  <a:srgbClr val="FFFFFF"/>
-                </a:highlight>
-                <a:latin typeface="Consolas"/>
-              </a:rPr>
-              <a:t> </a:t>
-            </a:r>
-            <a:r>
-              <a:rPr lang="en-US" dirty="0" err="1">
-                <a:solidFill>
-                  <a:srgbClr val="DCDCDC"/>
-                </a:solidFill>
-                <a:highlight>
-                  <a:srgbClr val="FFFFFF"/>
-                </a:highlight>
-                <a:latin typeface="Consolas"/>
-              </a:rPr>
-              <a:t>OrderId</a:t>
-            </a:r>
-            <a:r>
-              <a:rPr lang="en-US" dirty="0">
-                <a:solidFill>
-                  <a:srgbClr val="000000"/>
-                </a:solidFill>
-                <a:highlight>
-                  <a:srgbClr val="FFFFFF"/>
-                </a:highlight>
-                <a:latin typeface="Consolas"/>
-              </a:rPr>
-              <a:t>(15)</a:t>
-            </a:r>
-          </a:p>
-          <a:p>
-            <a:pPr marL="0" indent="0">
-              <a:buNone/>
-            </a:pPr>
-            <a:endParaRPr lang="en-US" dirty="0">
-              <a:solidFill>
-                <a:srgbClr val="000000"/>
-              </a:solidFill>
-              <a:highlight>
-                <a:srgbClr val="FFFFFF"/>
-              </a:highlight>
-              <a:latin typeface="Consolas"/>
-            </a:endParaRPr>
-          </a:p>
-          <a:p>
-            <a:pPr marL="0" indent="0">
-              <a:buNone/>
-            </a:pPr>
-            <a:r>
-              <a:rPr lang="en-US" dirty="0">
-                <a:solidFill>
-                  <a:srgbClr val="0000FF"/>
-                </a:solidFill>
-                <a:highlight>
-                  <a:srgbClr val="FFFFFF"/>
-                </a:highlight>
-                <a:latin typeface="Consolas"/>
-              </a:rPr>
-              <a:t>let</a:t>
-            </a:r>
-            <a:r>
-              <a:rPr lang="en-US" dirty="0">
-                <a:solidFill>
-                  <a:srgbClr val="000000"/>
-                </a:solidFill>
-                <a:highlight>
-                  <a:srgbClr val="FFFFFF"/>
-                </a:highlight>
-                <a:latin typeface="Consolas"/>
-              </a:rPr>
-              <a:t> t </a:t>
-            </a:r>
-            <a:r>
-              <a:rPr lang="en-US" dirty="0">
-                <a:solidFill>
-                  <a:srgbClr val="DCDCDC"/>
-                </a:solidFill>
-                <a:highlight>
-                  <a:srgbClr val="FFFFFF"/>
-                </a:highlight>
-                <a:latin typeface="Consolas"/>
-              </a:rPr>
-              <a:t>=</a:t>
-            </a:r>
-            <a:r>
-              <a:rPr lang="en-US" dirty="0">
-                <a:solidFill>
-                  <a:srgbClr val="000000"/>
-                </a:solidFill>
-                <a:highlight>
-                  <a:srgbClr val="FFFFFF"/>
-                </a:highlight>
-                <a:latin typeface="Consolas"/>
-              </a:rPr>
-              <a:t> </a:t>
-            </a:r>
-            <a:r>
-              <a:rPr lang="en-US" dirty="0" err="1">
-                <a:solidFill>
-                  <a:srgbClr val="000000"/>
-                </a:solidFill>
-                <a:highlight>
-                  <a:srgbClr val="FFFFFF"/>
-                </a:highlight>
-                <a:latin typeface="Consolas"/>
-              </a:rPr>
-              <a:t>cid</a:t>
-            </a:r>
-            <a:r>
-              <a:rPr lang="en-US" dirty="0">
-                <a:solidFill>
-                  <a:srgbClr val="000000"/>
-                </a:solidFill>
-                <a:highlight>
-                  <a:srgbClr val="FFFFFF"/>
-                </a:highlight>
-                <a:latin typeface="Consolas"/>
-              </a:rPr>
-              <a:t> </a:t>
-            </a:r>
-            <a:r>
-              <a:rPr lang="en-US" dirty="0">
-                <a:solidFill>
-                  <a:srgbClr val="DCDCDC"/>
-                </a:solidFill>
-                <a:highlight>
-                  <a:srgbClr val="FFFFFF"/>
-                </a:highlight>
-                <a:latin typeface="Consolas"/>
-              </a:rPr>
-              <a:t>=</a:t>
-            </a:r>
-            <a:r>
-              <a:rPr lang="en-US" dirty="0">
-                <a:solidFill>
-                  <a:srgbClr val="000000"/>
-                </a:solidFill>
-                <a:highlight>
-                  <a:srgbClr val="FFFFFF"/>
-                </a:highlight>
-                <a:latin typeface="Consolas"/>
-              </a:rPr>
-              <a:t> </a:t>
-            </a:r>
-            <a:r>
-              <a:rPr lang="en-US" dirty="0" err="1">
-                <a:solidFill>
-                  <a:srgbClr val="000000"/>
-                </a:solidFill>
-                <a:highlight>
-                  <a:srgbClr val="FFFFFF"/>
-                </a:highlight>
-                <a:latin typeface="Consolas"/>
-              </a:rPr>
-              <a:t>oid</a:t>
-            </a:r>
-            <a:r>
-              <a:rPr lang="en-US" dirty="0">
-                <a:solidFill>
-                  <a:srgbClr val="000000"/>
-                </a:solidFill>
-                <a:highlight>
-                  <a:srgbClr val="FFFFFF"/>
-                </a:highlight>
-                <a:latin typeface="Consolas"/>
-              </a:rPr>
-              <a:t> // ERROR </a:t>
-            </a:r>
-            <a:r>
-              <a:rPr lang="en-US" dirty="0" err="1">
-                <a:solidFill>
-                  <a:srgbClr val="000000"/>
-                </a:solidFill>
-                <a:highlight>
-                  <a:srgbClr val="FFFFFF"/>
-                </a:highlight>
-                <a:latin typeface="Consolas"/>
-              </a:rPr>
-              <a:t>Typen</a:t>
-            </a:r>
-            <a:r>
-              <a:rPr lang="en-US" dirty="0">
-                <a:solidFill>
-                  <a:srgbClr val="000000"/>
-                </a:solidFill>
-                <a:highlight>
-                  <a:srgbClr val="FFFFFF"/>
-                </a:highlight>
-                <a:latin typeface="Consolas"/>
-              </a:rPr>
-              <a:t> </a:t>
-            </a:r>
-            <a:r>
-              <a:rPr lang="en-US" dirty="0" err="1">
-                <a:solidFill>
-                  <a:srgbClr val="000000"/>
-                </a:solidFill>
-                <a:highlight>
-                  <a:srgbClr val="FFFFFF"/>
-                </a:highlight>
-                <a:latin typeface="Consolas"/>
-              </a:rPr>
-              <a:t>nicht</a:t>
-            </a:r>
-            <a:r>
-              <a:rPr lang="en-US" dirty="0">
-                <a:solidFill>
-                  <a:srgbClr val="000000"/>
-                </a:solidFill>
-                <a:highlight>
-                  <a:srgbClr val="FFFFFF"/>
-                </a:highlight>
-                <a:latin typeface="Consolas"/>
-              </a:rPr>
-              <a:t> </a:t>
-            </a:r>
-            <a:r>
-              <a:rPr lang="en-US" dirty="0" err="1">
-                <a:solidFill>
-                  <a:srgbClr val="000000"/>
-                </a:solidFill>
-                <a:highlight>
-                  <a:srgbClr val="FFFFFF"/>
-                </a:highlight>
-                <a:latin typeface="Consolas"/>
-              </a:rPr>
-              <a:t>gleich</a:t>
-            </a:r>
-            <a:r>
-              <a:rPr lang="en-US" dirty="0">
-                <a:solidFill>
-                  <a:srgbClr val="000000"/>
-                </a:solidFill>
-                <a:highlight>
-                  <a:srgbClr val="FFFFFF"/>
-                </a:highlight>
-                <a:latin typeface="Consolas"/>
-              </a:rPr>
-              <a:t>, </a:t>
-            </a:r>
-            <a:r>
-              <a:rPr lang="en-US" dirty="0" err="1">
-                <a:solidFill>
-                  <a:srgbClr val="000000"/>
-                </a:solidFill>
-                <a:highlight>
-                  <a:srgbClr val="FFFFFF"/>
-                </a:highlight>
-                <a:latin typeface="Consolas"/>
-              </a:rPr>
-              <a:t>kein</a:t>
-            </a:r>
-            <a:r>
-              <a:rPr lang="en-US" dirty="0">
-                <a:solidFill>
-                  <a:srgbClr val="000000"/>
-                </a:solidFill>
-                <a:highlight>
-                  <a:srgbClr val="FFFFFF"/>
-                </a:highlight>
-                <a:latin typeface="Consolas"/>
-              </a:rPr>
-              <a:t> </a:t>
-            </a:r>
-            <a:r>
-              <a:rPr lang="en-US" dirty="0" err="1">
-                <a:solidFill>
-                  <a:srgbClr val="000000"/>
-                </a:solidFill>
-                <a:highlight>
-                  <a:srgbClr val="FFFFFF"/>
-                </a:highlight>
-                <a:latin typeface="Consolas"/>
-              </a:rPr>
-              <a:t>Vergleich</a:t>
-            </a:r>
-            <a:endParaRPr lang="en-US" dirty="0"/>
+              <a:rPr lang="de-DE" dirty="0"/>
+              <a:t>Funktion mit zwei (oder mehreren) Rückgabewerten </a:t>
+            </a:r>
           </a:p>
         </p:txBody>
       </p:sp>
     </p:spTree>
     <p:extLst>
       <p:ext uri="{BB962C8B-B14F-4D97-AF65-F5344CB8AC3E}">
-        <p14:creationId xmlns:p14="http://schemas.microsoft.com/office/powerpoint/2010/main" val="2193518562"/>
+        <p14:creationId xmlns:p14="http://schemas.microsoft.com/office/powerpoint/2010/main" val="2657218075"/>
       </p:ext>
     </p:extLst>
   </p:cSld>
@@ -14952,8 +14021,12 @@
           <a:lstStyle/>
           <a:p>
             <a:r>
-              <a:rPr lang="de-DE" dirty="0"/>
-              <a:t>Option</a:t>
+              <a:rPr lang="de-DE" dirty="0" err="1"/>
+              <a:t>Record</a:t>
+            </a:r>
+            <a:r>
+              <a:rPr lang="de-DE" dirty="0"/>
+              <a:t>: Definition</a:t>
             </a:r>
             <a:endParaRPr lang="en-US" dirty="0"/>
           </a:p>
@@ -14971,7 +14044,9 @@
         </p:nvSpPr>
         <p:spPr/>
         <p:txBody>
-          <a:bodyPr/>
+          <a:bodyPr>
+            <a:normAutofit/>
+          </a:bodyPr>
           <a:lstStyle/>
           <a:p>
             <a:pPr marL="0" indent="0">
@@ -14979,7 +14054,15 @@
             </a:pPr>
             <a:r>
               <a:rPr lang="de-DE" dirty="0"/>
-              <a:t>Besondere Form des DU</a:t>
+              <a:t>Keine </a:t>
+            </a:r>
+            <a:r>
+              <a:rPr lang="de-DE" dirty="0" err="1"/>
+              <a:t>Adhoc</a:t>
+            </a:r>
+            <a:r>
+              <a:rPr lang="de-DE" dirty="0"/>
+              <a:t> Erstellung</a:t>
             </a:r>
           </a:p>
           <a:p>
@@ -14987,192 +14070,132 @@
               <a:buNone/>
             </a:pPr>
             <a:r>
-              <a:rPr lang="en-US" b="1" dirty="0">
-                <a:solidFill>
-                  <a:srgbClr val="008000"/>
-                </a:solidFill>
-              </a:rPr>
-              <a:t>type</a:t>
-            </a:r>
-            <a:r>
-              <a:rPr lang="en-US" dirty="0"/>
+              <a:rPr lang="de-DE" dirty="0" err="1"/>
+              <a:t>Labeled</a:t>
+            </a:r>
+            <a:r>
+              <a:rPr lang="de-DE" dirty="0"/>
               <a:t> </a:t>
             </a:r>
             <a:r>
-              <a:rPr lang="en-US" b="1" dirty="0">
-                <a:solidFill>
-                  <a:srgbClr val="0000FF"/>
-                </a:solidFill>
-              </a:rPr>
-              <a:t>Option</a:t>
-            </a:r>
-            <a:r>
-              <a:rPr lang="en-US" dirty="0">
-                <a:solidFill>
-                  <a:srgbClr val="666666"/>
-                </a:solidFill>
-              </a:rPr>
-              <a:t>&lt;</a:t>
-            </a:r>
-            <a:r>
-              <a:rPr lang="en-US" b="1" dirty="0">
-                <a:solidFill>
-                  <a:srgbClr val="008000"/>
-                </a:solidFill>
-              </a:rPr>
-              <a:t>'</a:t>
-            </a:r>
-            <a:r>
-              <a:rPr lang="en-US" dirty="0"/>
-              <a:t>a</a:t>
-            </a:r>
-            <a:r>
-              <a:rPr lang="en-US" dirty="0">
-                <a:solidFill>
-                  <a:srgbClr val="666666"/>
-                </a:solidFill>
-              </a:rPr>
-              <a:t>&gt;</a:t>
-            </a:r>
-            <a:r>
-              <a:rPr lang="en-US" dirty="0"/>
-              <a:t> </a:t>
-            </a:r>
-            <a:r>
-              <a:rPr lang="en-US" dirty="0">
-                <a:solidFill>
-                  <a:srgbClr val="666666"/>
-                </a:solidFill>
-              </a:rPr>
-              <a:t>=</a:t>
-            </a:r>
-            <a:r>
-              <a:rPr lang="en-US" dirty="0"/>
-              <a:t> </a:t>
-            </a:r>
-            <a:r>
-              <a:rPr lang="en-US" i="1" dirty="0">
-                <a:solidFill>
-                  <a:srgbClr val="408080"/>
-                </a:solidFill>
-              </a:rPr>
-              <a:t>// use a generic definition </a:t>
-            </a:r>
+              <a:rPr lang="de-DE" dirty="0" err="1"/>
+              <a:t>tuple</a:t>
+            </a:r>
+            <a:endParaRPr lang="de-DE" dirty="0"/>
           </a:p>
           <a:p>
             <a:pPr marL="0" indent="0">
               <a:buNone/>
             </a:pPr>
             <a:r>
-              <a:rPr lang="en-US" dirty="0">
-                <a:solidFill>
-                  <a:srgbClr val="666666"/>
-                </a:solidFill>
-              </a:rPr>
-              <a:t>|</a:t>
-            </a:r>
-            <a:r>
-              <a:rPr lang="en-US" dirty="0"/>
+              <a:rPr lang="en-US" sz="2800" b="1" dirty="0"/>
+              <a:t>type</a:t>
+            </a:r>
+            <a:r>
+              <a:rPr lang="en-US" sz="2800" dirty="0"/>
               <a:t> </a:t>
             </a:r>
             <a:r>
-              <a:rPr lang="en-US" b="1" dirty="0">
-                <a:solidFill>
-                  <a:srgbClr val="0000FF"/>
-                </a:solidFill>
-              </a:rPr>
-              <a:t>Some</a:t>
-            </a:r>
-            <a:r>
-              <a:rPr lang="en-US" dirty="0"/>
-              <a:t> </a:t>
-            </a:r>
-            <a:r>
-              <a:rPr lang="en-US" b="1" dirty="0">
-                <a:solidFill>
-                  <a:srgbClr val="008000"/>
-                </a:solidFill>
-              </a:rPr>
-              <a:t>of</a:t>
-            </a:r>
-            <a:r>
-              <a:rPr lang="en-US" dirty="0"/>
-              <a:t> </a:t>
-            </a:r>
-            <a:r>
-              <a:rPr lang="en-US" b="1" dirty="0">
-                <a:solidFill>
-                  <a:srgbClr val="008000"/>
-                </a:solidFill>
-              </a:rPr>
-              <a:t>'</a:t>
-            </a:r>
-            <a:r>
-              <a:rPr lang="en-US" dirty="0"/>
-              <a:t>a </a:t>
-            </a:r>
-            <a:r>
-              <a:rPr lang="en-US" i="1" dirty="0">
-                <a:solidFill>
-                  <a:srgbClr val="408080"/>
-                </a:solidFill>
-              </a:rPr>
-              <a:t>// valid value</a:t>
-            </a:r>
-            <a:r>
-              <a:rPr lang="en-US" dirty="0"/>
-              <a:t> </a:t>
-            </a:r>
+              <a:rPr lang="en-US" sz="2800" b="1" dirty="0" err="1"/>
+              <a:t>ComplexNumber</a:t>
+            </a:r>
+            <a:r>
+              <a:rPr lang="en-US" sz="2800" dirty="0"/>
+              <a:t> = { real: float; imaginary: float }</a:t>
+            </a:r>
+            <a:endParaRPr lang="de-DE" sz="2800" dirty="0"/>
           </a:p>
           <a:p>
             <a:pPr marL="0" indent="0">
               <a:buNone/>
             </a:pPr>
             <a:r>
-              <a:rPr lang="en-US" dirty="0">
-                <a:solidFill>
-                  <a:srgbClr val="666666"/>
-                </a:solidFill>
-              </a:rPr>
-              <a:t>|</a:t>
-            </a:r>
-            <a:r>
-              <a:rPr lang="en-US" dirty="0"/>
+              <a:rPr lang="en-US" sz="2800" b="1" dirty="0"/>
+              <a:t>type</a:t>
+            </a:r>
+            <a:r>
+              <a:rPr lang="en-US" sz="2800" dirty="0"/>
               <a:t> </a:t>
             </a:r>
             <a:r>
-              <a:rPr lang="en-US" b="1" dirty="0">
-                <a:solidFill>
-                  <a:srgbClr val="0000FF"/>
-                </a:solidFill>
-              </a:rPr>
-              <a:t>None</a:t>
-            </a:r>
-            <a:r>
-              <a:rPr lang="en-US" dirty="0"/>
-              <a:t> </a:t>
-            </a:r>
-            <a:r>
-              <a:rPr lang="en-US" i="1" dirty="0">
-                <a:solidFill>
-                  <a:srgbClr val="408080"/>
-                </a:solidFill>
-              </a:rPr>
-              <a:t>// missing</a:t>
+              <a:rPr lang="en-US" sz="2800" b="1" dirty="0" err="1"/>
+              <a:t>GeoCoord</a:t>
+            </a:r>
+            <a:r>
+              <a:rPr lang="en-US" sz="2800" dirty="0"/>
+              <a:t> = { </a:t>
+            </a:r>
+            <a:r>
+              <a:rPr lang="en-US" sz="2800" dirty="0" err="1"/>
+              <a:t>lat</a:t>
+            </a:r>
+            <a:r>
+              <a:rPr lang="en-US" sz="2800" dirty="0"/>
+              <a:t>: float; long: float }</a:t>
             </a:r>
           </a:p>
           <a:p>
             <a:pPr marL="0" indent="0">
               <a:buNone/>
             </a:pPr>
-            <a:endParaRPr lang="en-US" dirty="0"/>
+            <a:endParaRPr lang="de-DE" sz="2800" dirty="0"/>
+          </a:p>
+          <a:p>
+            <a:pPr marL="0" indent="0">
+              <a:buNone/>
+            </a:pPr>
+            <a:r>
+              <a:rPr lang="de-DE" dirty="0"/>
+              <a:t>Andere Records, Funktionen</a:t>
+            </a:r>
+          </a:p>
+          <a:p>
+            <a:pPr marL="0" indent="0">
+              <a:buNone/>
+            </a:pPr>
+            <a:r>
+              <a:rPr lang="en-US" sz="2800" b="1" dirty="0"/>
+              <a:t>type S</a:t>
+            </a:r>
+            <a:r>
+              <a:rPr lang="en-US" dirty="0"/>
+              <a:t> = </a:t>
+            </a:r>
+            <a:r>
+              <a:rPr lang="en-US" sz="2800" dirty="0"/>
+              <a:t>{ </a:t>
+            </a:r>
+            <a:r>
+              <a:rPr lang="en-US" sz="2800" dirty="0" err="1"/>
+              <a:t>Coord</a:t>
+            </a:r>
+            <a:r>
+              <a:rPr lang="en-US" sz="2800" dirty="0"/>
+              <a:t> : </a:t>
+            </a:r>
+            <a:r>
+              <a:rPr lang="en-US" sz="2800" dirty="0" err="1"/>
+              <a:t>GeoCoord</a:t>
+            </a:r>
+            <a:r>
+              <a:rPr lang="en-US" sz="2800" dirty="0"/>
+              <a:t>; </a:t>
+            </a:r>
+            <a:r>
+              <a:rPr lang="en-US" sz="2800" dirty="0" err="1"/>
+              <a:t>Tun</a:t>
+            </a:r>
+            <a:r>
+              <a:rPr lang="en-US" sz="2800" dirty="0"/>
+              <a:t> : string -&gt; string; }</a:t>
+            </a:r>
           </a:p>
         </p:txBody>
       </p:sp>
     </p:spTree>
     <p:extLst>
       <p:ext uri="{BB962C8B-B14F-4D97-AF65-F5344CB8AC3E}">
-        <p14:creationId xmlns:p14="http://schemas.microsoft.com/office/powerpoint/2010/main" val="1673819925"/>
+        <p14:creationId xmlns:p14="http://schemas.microsoft.com/office/powerpoint/2010/main" val="1545968842"/>
       </p:ext>
     </p:extLst>
   </p:cSld>
@@ -15211,26 +14234,28 @@
         </p:nvSpPr>
         <p:spPr/>
         <p:txBody>
-          <a:bodyPr>
-            <a:normAutofit/>
-          </a:bodyPr>
+          <a:bodyPr/>
           <a:lstStyle/>
           <a:p>
             <a:r>
-              <a:rPr lang="de-DE" dirty="0"/>
-              <a:t>Option </a:t>
-            </a:r>
-            <a:r>
               <a:rPr lang="de-DE" dirty="0" err="1"/>
-              <a:t>vs</a:t>
-            </a:r>
-            <a:r>
-              <a:rPr lang="de-DE" dirty="0"/>
-              <a:t> Null : Type </a:t>
+              <a:t>Record</a:t>
+            </a:r>
+            <a:r>
+              <a:rPr lang="de-DE" dirty="0"/>
+              <a:t>: </a:t>
             </a:r>
             <a:r>
               <a:rPr lang="de-DE" dirty="0" err="1"/>
-              <a:t>Safety</a:t>
+              <a:t>Structural</a:t>
+            </a:r>
+            <a:r>
+              <a:rPr lang="de-DE" dirty="0"/>
+              <a:t> </a:t>
+            </a:r>
+            <a:r>
+              <a:rPr lang="de-DE" dirty="0" err="1"/>
+              <a:t>Equality</a:t>
             </a:r>
             <a:endParaRPr lang="en-US" dirty="0"/>
           </a:p>
@@ -15255,52 +14280,44 @@
               <a:buNone/>
             </a:pPr>
             <a:r>
-              <a:rPr lang="en-US" dirty="0">
-                <a:solidFill>
-                  <a:srgbClr val="0000FF"/>
-                </a:solidFill>
-                <a:highlight>
-                  <a:srgbClr val="FFFFFF"/>
-                </a:highlight>
-                <a:latin typeface="Consolas"/>
-              </a:rPr>
-              <a:t>string</a:t>
-            </a:r>
-            <a:r>
-              <a:rPr lang="en-US" dirty="0">
-                <a:solidFill>
-                  <a:srgbClr val="000000"/>
-                </a:solidFill>
-                <a:highlight>
-                  <a:srgbClr val="FFFFFF"/>
-                </a:highlight>
-                <a:latin typeface="Consolas"/>
-              </a:rPr>
-              <a:t> s2 = </a:t>
-            </a:r>
-            <a:r>
-              <a:rPr lang="en-US" dirty="0">
-                <a:solidFill>
-                  <a:srgbClr val="0000FF"/>
-                </a:solidFill>
-                <a:highlight>
-                  <a:srgbClr val="FFFFFF"/>
-                </a:highlight>
-                <a:latin typeface="Consolas"/>
-              </a:rPr>
-              <a:t>null</a:t>
-            </a:r>
-            <a:r>
-              <a:rPr lang="en-US" dirty="0">
-                <a:solidFill>
-                  <a:srgbClr val="000000"/>
-                </a:solidFill>
-                <a:highlight>
-                  <a:srgbClr val="FFFFFF"/>
-                </a:highlight>
-                <a:latin typeface="Consolas"/>
-              </a:rPr>
-              <a:t>;</a:t>
+              <a:rPr lang="de-DE" dirty="0"/>
+              <a:t>Zwei </a:t>
+            </a:r>
+            <a:r>
+              <a:rPr lang="de-DE" dirty="0" err="1"/>
+              <a:t>Record</a:t>
+            </a:r>
+            <a:r>
+              <a:rPr lang="de-DE" dirty="0"/>
+              <a:t> </a:t>
+            </a:r>
+            <a:r>
+              <a:rPr lang="de-DE" dirty="0" err="1"/>
+              <a:t>Types</a:t>
+            </a:r>
+            <a:r>
+              <a:rPr lang="de-DE" dirty="0"/>
+              <a:t> sind gleich wenn beide die gleichen</a:t>
+            </a:r>
+          </a:p>
+          <a:p>
+            <a:pPr>
+              <a:buFontTx/>
+              <a:buChar char="-"/>
+            </a:pPr>
+            <a:r>
+              <a:rPr lang="de-DE" dirty="0"/>
+              <a:t>Type</a:t>
+            </a:r>
+          </a:p>
+          <a:p>
+            <a:pPr>
+              <a:buFontTx/>
+              <a:buChar char="-"/>
+            </a:pPr>
+            <a:r>
+              <a:rPr lang="de-DE" dirty="0"/>
+              <a:t>Werte</a:t>
             </a:r>
           </a:p>
           <a:p>
@@ -15308,28 +14325,8 @@
               <a:buNone/>
             </a:pPr>
             <a:r>
-              <a:rPr lang="en-US" dirty="0" err="1">
-                <a:solidFill>
-                  <a:srgbClr val="0000FF"/>
-                </a:solidFill>
-                <a:highlight>
-                  <a:srgbClr val="FFFFFF"/>
-                </a:highlight>
-                <a:latin typeface="Consolas"/>
-              </a:rPr>
-              <a:t>var</a:t>
-            </a:r>
-            <a:r>
-              <a:rPr lang="en-US" dirty="0">
-                <a:solidFill>
-                  <a:srgbClr val="000000"/>
-                </a:solidFill>
-                <a:highlight>
-                  <a:srgbClr val="FFFFFF"/>
-                </a:highlight>
-                <a:latin typeface="Consolas"/>
-              </a:rPr>
-              <a:t> len2 = s2.Length; </a:t>
+              <a:rPr lang="de-DE" dirty="0"/>
+              <a:t>Im gleichen „Slot“ haben</a:t>
             </a:r>
           </a:p>
           <a:p>
@@ -15337,35 +14334,25 @@
               <a:buNone/>
             </a:pPr>
             <a:r>
-              <a:rPr lang="de-DE" dirty="0">
-                <a:solidFill>
-                  <a:srgbClr val="000000"/>
-                </a:solidFill>
-                <a:highlight>
-                  <a:srgbClr val="FFFFFF"/>
-                </a:highlight>
-                <a:latin typeface="Consolas"/>
-              </a:rPr>
-              <a:t>// WIR wissen dass s2 null ist, der Compiler nicht</a:t>
-            </a:r>
-            <a:endParaRPr lang="en-US" dirty="0">
-              <a:highlight>
-                <a:srgbClr val="FFFFFF"/>
-              </a:highlight>
-            </a:endParaRPr>
-          </a:p>
-          <a:p>
-            <a:pPr marL="0" indent="0">
-              <a:buNone/>
-            </a:pPr>
-            <a:endParaRPr lang="de-DE" dirty="0"/>
+              <a:rPr lang="de-DE" dirty="0"/>
+              <a:t>ACHTUNG: zwei </a:t>
+            </a:r>
+            <a:r>
+              <a:rPr lang="de-DE" dirty="0" err="1"/>
+              <a:t>Record</a:t>
+            </a:r>
+            <a:r>
+              <a:rPr lang="de-DE" dirty="0"/>
+              <a:t> typen mit unterschiedlichen Namen können nicht gleich sein! F# ist hier nominal!</a:t>
+            </a:r>
+            <a:endParaRPr lang="en-US" dirty="0"/>
           </a:p>
         </p:txBody>
       </p:sp>
     </p:spTree>
     <p:extLst>
       <p:ext uri="{BB962C8B-B14F-4D97-AF65-F5344CB8AC3E}">
-        <p14:creationId xmlns:p14="http://schemas.microsoft.com/office/powerpoint/2010/main" val="1684138351"/>
+        <p14:creationId xmlns:p14="http://schemas.microsoft.com/office/powerpoint/2010/main" val="3594240934"/>
       </p:ext>
     </p:extLst>
   </p:cSld>
@@ -15405,50 +14392,78 @@
         <p:spPr/>
         <p:txBody>
           <a:bodyPr>
+            <a:normAutofit fontScale="90000"/>
+          </a:bodyPr>
+          <a:lstStyle/>
+          <a:p>
+            <a:r>
+              <a:rPr lang="de-DE" dirty="0"/>
+              <a:t>DU</a:t>
+            </a:r>
+            <a:br>
+              <a:rPr lang="de-DE" dirty="0"/>
+            </a:br>
+            <a:r>
+              <a:rPr lang="de-DE" dirty="0" err="1"/>
+              <a:t>Discriminated</a:t>
+            </a:r>
+            <a:r>
+              <a:rPr lang="de-DE" dirty="0"/>
+              <a:t> Union</a:t>
+            </a:r>
+            <a:endParaRPr lang="en-US" dirty="0"/>
+          </a:p>
+        </p:txBody>
+      </p:sp>
+      <p:sp>
+        <p:nvSpPr>
+          <p:cNvPr id="3" name="Content Placeholder 2"/>
+          <p:cNvSpPr>
+            <a:spLocks noGrp="1"/>
+          </p:cNvSpPr>
+          <p:nvPr>
+            <p:ph idx="1"/>
+          </p:nvPr>
+        </p:nvSpPr>
+        <p:spPr/>
+        <p:txBody>
+          <a:bodyPr>
             <a:normAutofit/>
           </a:bodyPr>
           <a:lstStyle/>
           <a:p>
-            <a:r>
-              <a:rPr lang="de-DE" dirty="0"/>
-              <a:t>Option </a:t>
-            </a:r>
-            <a:r>
-              <a:rPr lang="de-DE" dirty="0" err="1"/>
-              <a:t>vs</a:t>
-            </a:r>
-            <a:r>
-              <a:rPr lang="de-DE" dirty="0"/>
-              <a:t> Null : Type </a:t>
-            </a:r>
-            <a:r>
-              <a:rPr lang="de-DE" dirty="0" err="1"/>
-              <a:t>Safety</a:t>
-            </a:r>
-            <a:endParaRPr lang="en-US" dirty="0"/>
-          </a:p>
-        </p:txBody>
-      </p:sp>
-      <p:sp>
-        <p:nvSpPr>
-          <p:cNvPr id="3" name="Content Placeholder 2"/>
-          <p:cNvSpPr>
-            <a:spLocks noGrp="1"/>
-          </p:cNvSpPr>
-          <p:nvPr>
-            <p:ph idx="1"/>
-          </p:nvPr>
-        </p:nvSpPr>
-        <p:spPr/>
-        <p:txBody>
-          <a:bodyPr/>
-          <a:lstStyle/>
-          <a:p>
             <a:pPr marL="0" indent="0">
               <a:buNone/>
             </a:pPr>
             <a:r>
-              <a:rPr lang="en-US" dirty="0">
+              <a:rPr lang="de-DE" dirty="0"/>
+              <a:t>Unterscheidungs-Union auf deutsch</a:t>
+            </a:r>
+          </a:p>
+          <a:p>
+            <a:pPr marL="0" indent="0">
+              <a:buNone/>
+            </a:pPr>
+            <a:r>
+              <a:rPr lang="de-DE" dirty="0"/>
+              <a:t>Besteht aus einer Anzahl von benannten Fällen</a:t>
+            </a:r>
+          </a:p>
+          <a:p>
+            <a:pPr marL="0" indent="0">
+              <a:buNone/>
+            </a:pPr>
+            <a:r>
+              <a:rPr lang="de-DE" dirty="0"/>
+              <a:t>Nur eines ist gültig für einen Ausdruck</a:t>
+            </a:r>
+          </a:p>
+          <a:p>
+            <a:pPr marL="0" indent="0">
+              <a:buNone/>
+            </a:pPr>
+            <a:r>
+              <a:rPr lang="en-US" sz="2200" dirty="0">
                 <a:solidFill>
                   <a:srgbClr val="0000FF"/>
                 </a:solidFill>
@@ -15457,10 +14472,10 @@
                 </a:highlight>
                 <a:latin typeface="Consolas"/>
               </a:rPr>
-              <a:t>let</a:t>
-            </a:r>
-            <a:r>
-              <a:rPr lang="en-US" dirty="0">
+              <a:t>type</a:t>
+            </a:r>
+            <a:r>
+              <a:rPr lang="en-US" sz="2200" dirty="0">
                 <a:solidFill>
                   <a:srgbClr val="000000"/>
                 </a:solidFill>
@@ -15469,10 +14484,34 @@
                 </a:highlight>
                 <a:latin typeface="Consolas"/>
               </a:rPr>
-              <a:t> s </a:t>
-            </a:r>
-            <a:r>
-              <a:rPr lang="en-US" dirty="0">
+              <a:t> </a:t>
+            </a:r>
+            <a:r>
+              <a:rPr lang="en-US" sz="2200" dirty="0">
+                <a:solidFill>
+                  <a:srgbClr val="4EC9B0"/>
+                </a:solidFill>
+                <a:highlight>
+                  <a:srgbClr val="FFFFFF"/>
+                </a:highlight>
+                <a:latin typeface="Consolas"/>
+              </a:rPr>
+              <a:t>Shape</a:t>
+            </a:r>
+            <a:r>
+              <a:rPr lang="en-US" sz="2200" dirty="0">
+                <a:solidFill>
+                  <a:srgbClr val="000000"/>
+                </a:solidFill>
+                <a:highlight>
+                  <a:srgbClr val="FFFFFF"/>
+                </a:highlight>
+                <a:latin typeface="Consolas"/>
+              </a:rPr>
+              <a:t> </a:t>
+            </a:r>
+            <a:r>
+              <a:rPr lang="en-US" sz="2200" dirty="0">
                 <a:solidFill>
                   <a:srgbClr val="DCDCDC"/>
                 </a:solidFill>
@@ -15483,31 +14522,7 @@
               </a:rPr>
               <a:t>=</a:t>
             </a:r>
-            <a:r>
-              <a:rPr lang="en-US" dirty="0">
-                <a:solidFill>
-                  <a:srgbClr val="000000"/>
-                </a:solidFill>
-                <a:highlight>
-                  <a:srgbClr val="FFFFFF"/>
-                </a:highlight>
-                <a:latin typeface="Consolas"/>
-              </a:rPr>
-              <a:t> </a:t>
-            </a:r>
-            <a:r>
-              <a:rPr lang="en-US" dirty="0">
-                <a:solidFill>
-                  <a:srgbClr val="A31515"/>
-                </a:solidFill>
-                <a:highlight>
-                  <a:srgbClr val="FFFFFF"/>
-                </a:highlight>
-                <a:latin typeface="Consolas"/>
-              </a:rPr>
-              <a:t>"string"</a:t>
-            </a:r>
-            <a:endParaRPr lang="en-US" dirty="0">
+            <a:endParaRPr lang="en-US" sz="2200" dirty="0">
               <a:solidFill>
                 <a:srgbClr val="000000"/>
               </a:solidFill>
@@ -15522,43 +14537,33 @@
               <a:buNone/>
             </a:pPr>
             <a:r>
-              <a:rPr lang="en-US" dirty="0">
-                <a:solidFill>
-                  <a:srgbClr val="0000FF"/>
+              <a:rPr lang="en-US" sz="2200" dirty="0">
+                <a:solidFill>
+                  <a:srgbClr val="000000"/>
                 </a:solidFill>
                 <a:highlight>
                   <a:srgbClr val="FFFFFF"/>
                 </a:highlight>
                 <a:latin typeface="Consolas"/>
               </a:rPr>
-              <a:t>let</a:t>
-            </a:r>
-            <a:r>
-              <a:rPr lang="en-US" dirty="0">
-                <a:solidFill>
-                  <a:srgbClr val="000000"/>
+              <a:t>| </a:t>
+            </a:r>
+            <a:r>
+              <a:rPr lang="en-US" sz="2200" dirty="0">
+                <a:solidFill>
+                  <a:schemeClr val="accent2">
+                    <a:lumMod val="75000"/>
+                  </a:schemeClr>
                 </a:solidFill>
                 <a:highlight>
                   <a:srgbClr val="FFFFFF"/>
                 </a:highlight>
                 <a:latin typeface="Consolas"/>
               </a:rPr>
-              <a:t> length </a:t>
-            </a:r>
-            <a:r>
-              <a:rPr lang="en-US" dirty="0">
-                <a:solidFill>
-                  <a:srgbClr val="DCDCDC"/>
-                </a:solidFill>
-                <a:highlight>
-                  <a:srgbClr val="FFFFFF"/>
-                </a:highlight>
-                <a:latin typeface="Consolas"/>
-              </a:rPr>
-              <a:t>=</a:t>
-            </a:r>
-            <a:r>
-              <a:rPr lang="en-US" dirty="0">
+              <a:t>Rectangle</a:t>
+            </a:r>
+            <a:r>
+              <a:rPr lang="en-US" sz="2200" dirty="0">
                 <a:solidFill>
                   <a:srgbClr val="000000"/>
                 </a:solidFill>
@@ -15570,18 +14575,66 @@
               <a:t> </a:t>
             </a:r>
             <a:r>
-              <a:rPr lang="en-US" dirty="0" err="1">
-                <a:solidFill>
-                  <a:srgbClr val="000000"/>
+              <a:rPr lang="en-US" sz="2200" dirty="0">
+                <a:solidFill>
+                  <a:srgbClr val="0000FF"/>
                 </a:solidFill>
                 <a:highlight>
                   <a:srgbClr val="FFFFFF"/>
                 </a:highlight>
                 <a:latin typeface="Consolas"/>
               </a:rPr>
-              <a:t>s.Length</a:t>
-            </a:r>
-            <a:endParaRPr lang="en-US" dirty="0">
+              <a:t>of</a:t>
+            </a:r>
+            <a:r>
+              <a:rPr lang="en-US" sz="2200" dirty="0">
+                <a:solidFill>
+                  <a:srgbClr val="000000"/>
+                </a:solidFill>
+                <a:highlight>
+                  <a:srgbClr val="FFFFFF"/>
+                </a:highlight>
+                <a:latin typeface="Consolas"/>
+              </a:rPr>
+              <a:t> width : </a:t>
+            </a:r>
+            <a:r>
+              <a:rPr lang="en-US" sz="2200" dirty="0">
+                <a:solidFill>
+                  <a:srgbClr val="4EC9B0"/>
+                </a:solidFill>
+                <a:highlight>
+                  <a:srgbClr val="FFFFFF"/>
+                </a:highlight>
+                <a:latin typeface="Consolas"/>
+              </a:rPr>
+              <a:t>float</a:t>
+            </a:r>
+            <a:r>
+              <a:rPr lang="en-US" sz="2200" dirty="0">
+                <a:solidFill>
+                  <a:srgbClr val="000000"/>
+                </a:solidFill>
+                <a:highlight>
+                  <a:srgbClr val="FFFFFF"/>
+                </a:highlight>
+                <a:latin typeface="Consolas"/>
+              </a:rPr>
+              <a:t> * length : </a:t>
+            </a:r>
+            <a:r>
+              <a:rPr lang="en-US" sz="2200" dirty="0">
+                <a:solidFill>
+                  <a:srgbClr val="4EC9B0"/>
+                </a:solidFill>
+                <a:highlight>
+                  <a:srgbClr val="FFFFFF"/>
+                </a:highlight>
+                <a:latin typeface="Consolas"/>
+              </a:rPr>
+              <a:t>float</a:t>
+            </a:r>
+            <a:endParaRPr lang="en-US" sz="2200" dirty="0">
               <a:solidFill>
                 <a:srgbClr val="000000"/>
               </a:solidFill>
@@ -15596,43 +14649,33 @@
               <a:buNone/>
             </a:pPr>
             <a:r>
-              <a:rPr lang="en-US" dirty="0">
-                <a:solidFill>
-                  <a:srgbClr val="0000FF"/>
+              <a:rPr lang="en-US" sz="2200" dirty="0">
+                <a:solidFill>
+                  <a:srgbClr val="000000"/>
                 </a:solidFill>
                 <a:highlight>
                   <a:srgbClr val="FFFFFF"/>
                 </a:highlight>
                 <a:latin typeface="Consolas"/>
               </a:rPr>
-              <a:t>let</a:t>
-            </a:r>
-            <a:r>
-              <a:rPr lang="en-US" dirty="0">
-                <a:solidFill>
-                  <a:srgbClr val="000000"/>
+              <a:t>| </a:t>
+            </a:r>
+            <a:r>
+              <a:rPr lang="en-US" sz="2200" dirty="0">
+                <a:solidFill>
+                  <a:schemeClr val="accent2">
+                    <a:lumMod val="75000"/>
+                  </a:schemeClr>
                 </a:solidFill>
                 <a:highlight>
                   <a:srgbClr val="FFFFFF"/>
                 </a:highlight>
                 <a:latin typeface="Consolas"/>
               </a:rPr>
-              <a:t> s' </a:t>
-            </a:r>
-            <a:r>
-              <a:rPr lang="en-US" dirty="0">
-                <a:solidFill>
-                  <a:srgbClr val="DCDCDC"/>
-                </a:solidFill>
-                <a:highlight>
-                  <a:srgbClr val="FFFFFF"/>
-                </a:highlight>
-                <a:latin typeface="Consolas"/>
-              </a:rPr>
-              <a:t>=</a:t>
-            </a:r>
-            <a:r>
-              <a:rPr lang="en-US" dirty="0">
+              <a:t>Circle</a:t>
+            </a:r>
+            <a:r>
+              <a:rPr lang="en-US" sz="2200" dirty="0">
                 <a:solidFill>
                   <a:srgbClr val="000000"/>
                 </a:solidFill>
@@ -15644,19 +14687,19 @@
               <a:t> </a:t>
             </a:r>
             <a:r>
-              <a:rPr lang="en-US" dirty="0">
-                <a:solidFill>
-                  <a:srgbClr val="4EC9B0"/>
+              <a:rPr lang="en-US" sz="2200" dirty="0">
+                <a:solidFill>
+                  <a:srgbClr val="0000FF"/>
                 </a:solidFill>
                 <a:highlight>
                   <a:srgbClr val="FFFFFF"/>
                 </a:highlight>
                 <a:latin typeface="Consolas"/>
               </a:rPr>
-              <a:t>Option</a:t>
-            </a:r>
-            <a:r>
-              <a:rPr lang="en-US" dirty="0">
+              <a:t>of</a:t>
+            </a:r>
+            <a:r>
+              <a:rPr lang="en-US" sz="2200" dirty="0">
                 <a:solidFill>
                   <a:srgbClr val="000000"/>
                 </a:solidFill>
@@ -15665,10 +14708,10 @@
                 </a:highlight>
                 <a:latin typeface="Consolas"/>
               </a:rPr>
-              <a:t>&lt;</a:t>
-            </a:r>
-            <a:r>
-              <a:rPr lang="en-US" dirty="0">
+              <a:t> radius : </a:t>
+            </a:r>
+            <a:r>
+              <a:rPr lang="en-US" sz="2200" dirty="0">
                 <a:solidFill>
                   <a:srgbClr val="4EC9B0"/>
                 </a:solidFill>
@@ -15677,33 +14720,9 @@
                 </a:highlight>
                 <a:latin typeface="Consolas"/>
               </a:rPr>
-              <a:t>string</a:t>
-            </a:r>
-            <a:r>
-              <a:rPr lang="en-US" dirty="0">
-                <a:solidFill>
-                  <a:srgbClr val="000000"/>
-                </a:solidFill>
-                <a:highlight>
-                  <a:srgbClr val="FFFFFF"/>
-                </a:highlight>
-                <a:latin typeface="Consolas"/>
-              </a:rPr>
-              <a:t>&gt;.</a:t>
-            </a:r>
-            <a:r>
-              <a:rPr lang="en-US" dirty="0">
-                <a:solidFill>
-                  <a:srgbClr val="DCDCDC"/>
-                </a:solidFill>
-                <a:highlight>
-                  <a:srgbClr val="FFFFFF"/>
-                </a:highlight>
-                <a:latin typeface="Consolas"/>
-              </a:rPr>
-              <a:t>None</a:t>
-            </a:r>
-            <a:endParaRPr lang="en-US" dirty="0">
+              <a:t>float</a:t>
+            </a:r>
+            <a:endParaRPr lang="en-US" sz="2200" dirty="0">
               <a:solidFill>
                 <a:srgbClr val="000000"/>
               </a:solidFill>
@@ -15718,43 +14737,33 @@
               <a:buNone/>
             </a:pPr>
             <a:r>
-              <a:rPr lang="en-US" dirty="0">
-                <a:solidFill>
-                  <a:srgbClr val="0000FF"/>
+              <a:rPr lang="en-US" sz="2200" dirty="0">
+                <a:solidFill>
+                  <a:srgbClr val="000000"/>
                 </a:solidFill>
                 <a:highlight>
                   <a:srgbClr val="FFFFFF"/>
                 </a:highlight>
                 <a:latin typeface="Consolas"/>
               </a:rPr>
-              <a:t>let</a:t>
-            </a:r>
-            <a:r>
-              <a:rPr lang="en-US" dirty="0">
-                <a:solidFill>
-                  <a:srgbClr val="000000"/>
+              <a:t>| </a:t>
+            </a:r>
+            <a:r>
+              <a:rPr lang="en-US" sz="2200" dirty="0">
+                <a:solidFill>
+                  <a:schemeClr val="accent2">
+                    <a:lumMod val="75000"/>
+                  </a:schemeClr>
                 </a:solidFill>
                 <a:highlight>
                   <a:srgbClr val="FFFFFF"/>
                 </a:highlight>
                 <a:latin typeface="Consolas"/>
               </a:rPr>
-              <a:t> length' </a:t>
-            </a:r>
-            <a:r>
-              <a:rPr lang="en-US" dirty="0">
-                <a:solidFill>
-                  <a:srgbClr val="DCDCDC"/>
-                </a:solidFill>
-                <a:highlight>
-                  <a:srgbClr val="FFFFFF"/>
-                </a:highlight>
-                <a:latin typeface="Consolas"/>
-              </a:rPr>
-              <a:t>=</a:t>
-            </a:r>
-            <a:r>
-              <a:rPr lang="en-US" dirty="0">
+              <a:t>Prism</a:t>
+            </a:r>
+            <a:r>
+              <a:rPr lang="en-US" sz="2200" dirty="0">
                 <a:solidFill>
                   <a:srgbClr val="000000"/>
                 </a:solidFill>
@@ -15766,19 +14775,19 @@
               <a:t> </a:t>
             </a:r>
             <a:r>
-              <a:rPr lang="en-US" dirty="0" err="1">
-                <a:solidFill>
-                  <a:srgbClr val="000000"/>
+              <a:rPr lang="en-US" sz="2200" dirty="0">
+                <a:solidFill>
+                  <a:srgbClr val="0000FF"/>
                 </a:solidFill>
                 <a:highlight>
                   <a:srgbClr val="FFFFFF"/>
                 </a:highlight>
                 <a:latin typeface="Consolas"/>
               </a:rPr>
-              <a:t>s'.Length</a:t>
-            </a:r>
-            <a:r>
-              <a:rPr lang="en-US" dirty="0">
+              <a:t>of</a:t>
+            </a:r>
+            <a:r>
+              <a:rPr lang="en-US" sz="2200" dirty="0">
                 <a:solidFill>
                   <a:srgbClr val="000000"/>
                 </a:solidFill>
@@ -15787,16 +14796,76 @@
                 </a:highlight>
                 <a:latin typeface="Consolas"/>
               </a:rPr>
-              <a:t> // ERROR</a:t>
-            </a:r>
-            <a:endParaRPr lang="de-DE" dirty="0"/>
+              <a:t> width : </a:t>
+            </a:r>
+            <a:r>
+              <a:rPr lang="en-US" sz="2200" dirty="0">
+                <a:solidFill>
+                  <a:srgbClr val="4EC9B0"/>
+                </a:solidFill>
+                <a:highlight>
+                  <a:srgbClr val="FFFFFF"/>
+                </a:highlight>
+                <a:latin typeface="Consolas"/>
+              </a:rPr>
+              <a:t>float</a:t>
+            </a:r>
+            <a:r>
+              <a:rPr lang="en-US" sz="2200" dirty="0">
+                <a:solidFill>
+                  <a:srgbClr val="000000"/>
+                </a:solidFill>
+                <a:highlight>
+                  <a:srgbClr val="FFFFFF"/>
+                </a:highlight>
+                <a:latin typeface="Consolas"/>
+              </a:rPr>
+              <a:t> * </a:t>
+            </a:r>
+            <a:r>
+              <a:rPr lang="en-US" sz="2200" dirty="0">
+                <a:solidFill>
+                  <a:srgbClr val="4EC9B0"/>
+                </a:solidFill>
+                <a:highlight>
+                  <a:srgbClr val="FFFFFF"/>
+                </a:highlight>
+                <a:latin typeface="Consolas"/>
+              </a:rPr>
+              <a:t>float</a:t>
+            </a:r>
+            <a:r>
+              <a:rPr lang="en-US" sz="2200" dirty="0">
+                <a:solidFill>
+                  <a:srgbClr val="000000"/>
+                </a:solidFill>
+                <a:highlight>
+                  <a:srgbClr val="FFFFFF"/>
+                </a:highlight>
+                <a:latin typeface="Consolas"/>
+              </a:rPr>
+              <a:t> * height : </a:t>
+            </a:r>
+            <a:r>
+              <a:rPr lang="en-US" sz="2200" dirty="0">
+                <a:solidFill>
+                  <a:srgbClr val="4EC9B0"/>
+                </a:solidFill>
+                <a:highlight>
+                  <a:srgbClr val="FFFFFF"/>
+                </a:highlight>
+                <a:latin typeface="Consolas"/>
+              </a:rPr>
+              <a:t>float</a:t>
+            </a:r>
+            <a:endParaRPr lang="en-US" sz="2200" dirty="0"/>
           </a:p>
         </p:txBody>
       </p:sp>
     </p:spTree>
     <p:extLst>
       <p:ext uri="{BB962C8B-B14F-4D97-AF65-F5344CB8AC3E}">
-        <p14:creationId xmlns:p14="http://schemas.microsoft.com/office/powerpoint/2010/main" val="1731058063"/>
+        <p14:creationId xmlns:p14="http://schemas.microsoft.com/office/powerpoint/2010/main" val="3184996216"/>
       </p:ext>
     </p:extLst>
   </p:cSld>
@@ -15850,6 +14919,1717 @@
     <p:extLst>
       <p:ext uri="{BB962C8B-B14F-4D97-AF65-F5344CB8AC3E}">
         <p14:creationId xmlns:p14="http://schemas.microsoft.com/office/powerpoint/2010/main" val="2665407636"/>
+      </p:ext>
+    </p:extLst>
+  </p:cSld>
+  <p:clrMapOvr>
+    <a:masterClrMapping/>
+  </p:clrMapOvr>
+</p:sld>
+</file>
+
+<file path=ppt/slides/slide30.xml><?xml version="1.0" encoding="utf-8"?>
+<p:sld xmlns:a="http://schemas.openxmlformats.org/drawingml/2006/main" xmlns:r="http://schemas.openxmlformats.org/officeDocument/2006/relationships" xmlns:p="http://schemas.openxmlformats.org/presentationml/2006/main">
+  <p:cSld>
+    <p:spTree>
+      <p:nvGrpSpPr>
+        <p:cNvPr id="1" name=""/>
+        <p:cNvGrpSpPr/>
+        <p:nvPr/>
+      </p:nvGrpSpPr>
+      <p:grpSpPr>
+        <a:xfrm>
+          <a:off x="0" y="0"/>
+          <a:ext cx="0" cy="0"/>
+          <a:chOff x="0" y="0"/>
+          <a:chExt cx="0" cy="0"/>
+        </a:xfrm>
+      </p:grpSpPr>
+      <p:sp>
+        <p:nvSpPr>
+          <p:cNvPr id="2" name="Title 1"/>
+          <p:cNvSpPr>
+            <a:spLocks noGrp="1"/>
+          </p:cNvSpPr>
+          <p:nvPr>
+            <p:ph type="title"/>
+          </p:nvPr>
+        </p:nvSpPr>
+        <p:spPr/>
+        <p:txBody>
+          <a:bodyPr/>
+          <a:lstStyle/>
+          <a:p>
+            <a:r>
+              <a:rPr lang="de-DE" dirty="0"/>
+              <a:t>DU: Single Case</a:t>
+            </a:r>
+            <a:endParaRPr lang="en-US" dirty="0"/>
+          </a:p>
+        </p:txBody>
+      </p:sp>
+      <p:sp>
+        <p:nvSpPr>
+          <p:cNvPr id="3" name="Content Placeholder 2"/>
+          <p:cNvSpPr>
+            <a:spLocks noGrp="1"/>
+          </p:cNvSpPr>
+          <p:nvPr>
+            <p:ph idx="1"/>
+          </p:nvPr>
+        </p:nvSpPr>
+        <p:spPr/>
+        <p:txBody>
+          <a:bodyPr>
+            <a:normAutofit lnSpcReduction="10000"/>
+          </a:bodyPr>
+          <a:lstStyle/>
+          <a:p>
+            <a:pPr marL="0" indent="0">
+              <a:buNone/>
+            </a:pPr>
+            <a:r>
+              <a:rPr lang="en-US" dirty="0">
+                <a:solidFill>
+                  <a:srgbClr val="0000FF"/>
+                </a:solidFill>
+                <a:highlight>
+                  <a:srgbClr val="FFFFFF"/>
+                </a:highlight>
+                <a:latin typeface="Consolas"/>
+              </a:rPr>
+              <a:t>type</a:t>
+            </a:r>
+            <a:r>
+              <a:rPr lang="en-US" dirty="0">
+                <a:solidFill>
+                  <a:srgbClr val="000000"/>
+                </a:solidFill>
+                <a:highlight>
+                  <a:srgbClr val="FFFFFF"/>
+                </a:highlight>
+                <a:latin typeface="Consolas"/>
+              </a:rPr>
+              <a:t> </a:t>
+            </a:r>
+            <a:r>
+              <a:rPr lang="en-US" dirty="0" err="1">
+                <a:solidFill>
+                  <a:srgbClr val="4EC9B0"/>
+                </a:solidFill>
+                <a:highlight>
+                  <a:srgbClr val="FFFFFF"/>
+                </a:highlight>
+                <a:latin typeface="Consolas"/>
+              </a:rPr>
+              <a:t>CustomerId</a:t>
+            </a:r>
+            <a:r>
+              <a:rPr lang="en-US" dirty="0">
+                <a:solidFill>
+                  <a:srgbClr val="000000"/>
+                </a:solidFill>
+                <a:highlight>
+                  <a:srgbClr val="FFFFFF"/>
+                </a:highlight>
+                <a:latin typeface="Consolas"/>
+              </a:rPr>
+              <a:t> </a:t>
+            </a:r>
+            <a:r>
+              <a:rPr lang="en-US" dirty="0">
+                <a:solidFill>
+                  <a:srgbClr val="DCDCDC"/>
+                </a:solidFill>
+                <a:highlight>
+                  <a:srgbClr val="FFFFFF"/>
+                </a:highlight>
+                <a:latin typeface="Consolas"/>
+              </a:rPr>
+              <a:t>=</a:t>
+            </a:r>
+            <a:r>
+              <a:rPr lang="en-US" dirty="0">
+                <a:solidFill>
+                  <a:srgbClr val="000000"/>
+                </a:solidFill>
+                <a:highlight>
+                  <a:srgbClr val="FFFFFF"/>
+                </a:highlight>
+                <a:latin typeface="Consolas"/>
+              </a:rPr>
+              <a:t> </a:t>
+            </a:r>
+            <a:r>
+              <a:rPr lang="en-US" dirty="0" err="1">
+                <a:solidFill>
+                  <a:srgbClr val="DCDCDC"/>
+                </a:solidFill>
+                <a:highlight>
+                  <a:srgbClr val="FFFFFF"/>
+                </a:highlight>
+                <a:latin typeface="Consolas"/>
+              </a:rPr>
+              <a:t>CustomerId</a:t>
+            </a:r>
+            <a:r>
+              <a:rPr lang="en-US" dirty="0">
+                <a:solidFill>
+                  <a:srgbClr val="000000"/>
+                </a:solidFill>
+                <a:highlight>
+                  <a:srgbClr val="FFFFFF"/>
+                </a:highlight>
+                <a:latin typeface="Consolas"/>
+              </a:rPr>
+              <a:t> </a:t>
+            </a:r>
+            <a:r>
+              <a:rPr lang="en-US" dirty="0">
+                <a:solidFill>
+                  <a:srgbClr val="0000FF"/>
+                </a:solidFill>
+                <a:highlight>
+                  <a:srgbClr val="FFFFFF"/>
+                </a:highlight>
+                <a:latin typeface="Consolas"/>
+              </a:rPr>
+              <a:t>of</a:t>
+            </a:r>
+            <a:r>
+              <a:rPr lang="en-US" dirty="0">
+                <a:solidFill>
+                  <a:srgbClr val="000000"/>
+                </a:solidFill>
+                <a:highlight>
+                  <a:srgbClr val="FFFFFF"/>
+                </a:highlight>
+                <a:latin typeface="Consolas"/>
+              </a:rPr>
+              <a:t> </a:t>
+            </a:r>
+            <a:r>
+              <a:rPr lang="en-US" dirty="0" err="1">
+                <a:solidFill>
+                  <a:srgbClr val="4EC9B0"/>
+                </a:solidFill>
+                <a:highlight>
+                  <a:srgbClr val="FFFFFF"/>
+                </a:highlight>
+                <a:latin typeface="Consolas"/>
+              </a:rPr>
+              <a:t>int</a:t>
+            </a:r>
+            <a:endParaRPr lang="en-US" dirty="0">
+              <a:solidFill>
+                <a:srgbClr val="000000"/>
+              </a:solidFill>
+              <a:highlight>
+                <a:srgbClr val="FFFFFF"/>
+              </a:highlight>
+              <a:latin typeface="Consolas"/>
+            </a:endParaRPr>
+          </a:p>
+          <a:p>
+            <a:pPr marL="0" indent="0">
+              <a:buNone/>
+            </a:pPr>
+            <a:r>
+              <a:rPr lang="en-US" dirty="0">
+                <a:solidFill>
+                  <a:srgbClr val="0000FF"/>
+                </a:solidFill>
+                <a:highlight>
+                  <a:srgbClr val="FFFFFF"/>
+                </a:highlight>
+                <a:latin typeface="Consolas"/>
+              </a:rPr>
+              <a:t>type</a:t>
+            </a:r>
+            <a:r>
+              <a:rPr lang="en-US" dirty="0">
+                <a:solidFill>
+                  <a:srgbClr val="000000"/>
+                </a:solidFill>
+                <a:highlight>
+                  <a:srgbClr val="FFFFFF"/>
+                </a:highlight>
+                <a:latin typeface="Consolas"/>
+              </a:rPr>
+              <a:t> </a:t>
+            </a:r>
+            <a:r>
+              <a:rPr lang="en-US" dirty="0" err="1">
+                <a:solidFill>
+                  <a:srgbClr val="4EC9B0"/>
+                </a:solidFill>
+                <a:highlight>
+                  <a:srgbClr val="FFFFFF"/>
+                </a:highlight>
+                <a:latin typeface="Consolas"/>
+              </a:rPr>
+              <a:t>OrderId</a:t>
+            </a:r>
+            <a:r>
+              <a:rPr lang="en-US" dirty="0">
+                <a:solidFill>
+                  <a:srgbClr val="000000"/>
+                </a:solidFill>
+                <a:highlight>
+                  <a:srgbClr val="FFFFFF"/>
+                </a:highlight>
+                <a:latin typeface="Consolas"/>
+              </a:rPr>
+              <a:t> </a:t>
+            </a:r>
+            <a:r>
+              <a:rPr lang="en-US" dirty="0">
+                <a:solidFill>
+                  <a:srgbClr val="DCDCDC"/>
+                </a:solidFill>
+                <a:highlight>
+                  <a:srgbClr val="FFFFFF"/>
+                </a:highlight>
+                <a:latin typeface="Consolas"/>
+              </a:rPr>
+              <a:t>=</a:t>
+            </a:r>
+            <a:r>
+              <a:rPr lang="en-US" dirty="0">
+                <a:solidFill>
+                  <a:srgbClr val="000000"/>
+                </a:solidFill>
+                <a:highlight>
+                  <a:srgbClr val="FFFFFF"/>
+                </a:highlight>
+                <a:latin typeface="Consolas"/>
+              </a:rPr>
+              <a:t> </a:t>
+            </a:r>
+            <a:r>
+              <a:rPr lang="en-US" dirty="0" err="1">
+                <a:solidFill>
+                  <a:srgbClr val="DCDCDC"/>
+                </a:solidFill>
+                <a:highlight>
+                  <a:srgbClr val="FFFFFF"/>
+                </a:highlight>
+                <a:latin typeface="Consolas"/>
+              </a:rPr>
+              <a:t>OrderId</a:t>
+            </a:r>
+            <a:r>
+              <a:rPr lang="en-US" dirty="0">
+                <a:solidFill>
+                  <a:srgbClr val="000000"/>
+                </a:solidFill>
+                <a:highlight>
+                  <a:srgbClr val="FFFFFF"/>
+                </a:highlight>
+                <a:latin typeface="Consolas"/>
+              </a:rPr>
+              <a:t> </a:t>
+            </a:r>
+            <a:r>
+              <a:rPr lang="en-US" dirty="0">
+                <a:solidFill>
+                  <a:srgbClr val="0000FF"/>
+                </a:solidFill>
+                <a:highlight>
+                  <a:srgbClr val="FFFFFF"/>
+                </a:highlight>
+                <a:latin typeface="Consolas"/>
+              </a:rPr>
+              <a:t>of</a:t>
+            </a:r>
+            <a:r>
+              <a:rPr lang="en-US" dirty="0">
+                <a:solidFill>
+                  <a:srgbClr val="000000"/>
+                </a:solidFill>
+                <a:highlight>
+                  <a:srgbClr val="FFFFFF"/>
+                </a:highlight>
+                <a:latin typeface="Consolas"/>
+              </a:rPr>
+              <a:t> </a:t>
+            </a:r>
+            <a:r>
+              <a:rPr lang="en-US" dirty="0" err="1">
+                <a:solidFill>
+                  <a:srgbClr val="4EC9B0"/>
+                </a:solidFill>
+                <a:highlight>
+                  <a:srgbClr val="FFFFFF"/>
+                </a:highlight>
+                <a:latin typeface="Consolas"/>
+              </a:rPr>
+              <a:t>int</a:t>
+            </a:r>
+            <a:endParaRPr lang="en-US" dirty="0">
+              <a:solidFill>
+                <a:srgbClr val="000000"/>
+              </a:solidFill>
+              <a:highlight>
+                <a:srgbClr val="FFFFFF"/>
+              </a:highlight>
+              <a:latin typeface="Consolas"/>
+            </a:endParaRPr>
+          </a:p>
+          <a:p>
+            <a:endParaRPr lang="en-US" dirty="0">
+              <a:solidFill>
+                <a:srgbClr val="000000"/>
+              </a:solidFill>
+              <a:highlight>
+                <a:srgbClr val="FFFFFF"/>
+              </a:highlight>
+              <a:latin typeface="Consolas"/>
+            </a:endParaRPr>
+          </a:p>
+          <a:p>
+            <a:pPr marL="0" indent="0">
+              <a:buNone/>
+            </a:pPr>
+            <a:r>
+              <a:rPr lang="en-US" dirty="0">
+                <a:solidFill>
+                  <a:srgbClr val="0000FF"/>
+                </a:solidFill>
+                <a:highlight>
+                  <a:srgbClr val="FFFFFF"/>
+                </a:highlight>
+                <a:latin typeface="Consolas"/>
+              </a:rPr>
+              <a:t>let</a:t>
+            </a:r>
+            <a:r>
+              <a:rPr lang="en-US" dirty="0">
+                <a:solidFill>
+                  <a:srgbClr val="000000"/>
+                </a:solidFill>
+                <a:highlight>
+                  <a:srgbClr val="FFFFFF"/>
+                </a:highlight>
+                <a:latin typeface="Consolas"/>
+              </a:rPr>
+              <a:t> </a:t>
+            </a:r>
+            <a:r>
+              <a:rPr lang="en-US" dirty="0" err="1">
+                <a:solidFill>
+                  <a:srgbClr val="000000"/>
+                </a:solidFill>
+                <a:highlight>
+                  <a:srgbClr val="FFFFFF"/>
+                </a:highlight>
+                <a:latin typeface="Consolas"/>
+              </a:rPr>
+              <a:t>cid</a:t>
+            </a:r>
+            <a:r>
+              <a:rPr lang="en-US" dirty="0">
+                <a:solidFill>
+                  <a:srgbClr val="000000"/>
+                </a:solidFill>
+                <a:highlight>
+                  <a:srgbClr val="FFFFFF"/>
+                </a:highlight>
+                <a:latin typeface="Consolas"/>
+              </a:rPr>
+              <a:t> </a:t>
+            </a:r>
+            <a:r>
+              <a:rPr lang="en-US" dirty="0">
+                <a:solidFill>
+                  <a:srgbClr val="DCDCDC"/>
+                </a:solidFill>
+                <a:highlight>
+                  <a:srgbClr val="FFFFFF"/>
+                </a:highlight>
+                <a:latin typeface="Consolas"/>
+              </a:rPr>
+              <a:t>=</a:t>
+            </a:r>
+            <a:r>
+              <a:rPr lang="en-US" dirty="0">
+                <a:solidFill>
+                  <a:srgbClr val="000000"/>
+                </a:solidFill>
+                <a:highlight>
+                  <a:srgbClr val="FFFFFF"/>
+                </a:highlight>
+                <a:latin typeface="Consolas"/>
+              </a:rPr>
+              <a:t> </a:t>
+            </a:r>
+            <a:r>
+              <a:rPr lang="en-US" dirty="0" err="1">
+                <a:solidFill>
+                  <a:srgbClr val="DCDCDC"/>
+                </a:solidFill>
+                <a:highlight>
+                  <a:srgbClr val="FFFFFF"/>
+                </a:highlight>
+                <a:latin typeface="Consolas"/>
+              </a:rPr>
+              <a:t>CustomerId</a:t>
+            </a:r>
+            <a:r>
+              <a:rPr lang="en-US" dirty="0">
+                <a:solidFill>
+                  <a:srgbClr val="000000"/>
+                </a:solidFill>
+                <a:highlight>
+                  <a:srgbClr val="FFFFFF"/>
+                </a:highlight>
+                <a:latin typeface="Consolas"/>
+              </a:rPr>
+              <a:t>(15)</a:t>
+            </a:r>
+          </a:p>
+          <a:p>
+            <a:pPr marL="0" indent="0">
+              <a:buNone/>
+            </a:pPr>
+            <a:r>
+              <a:rPr lang="en-US" dirty="0">
+                <a:solidFill>
+                  <a:srgbClr val="0000FF"/>
+                </a:solidFill>
+                <a:highlight>
+                  <a:srgbClr val="FFFFFF"/>
+                </a:highlight>
+                <a:latin typeface="Consolas"/>
+              </a:rPr>
+              <a:t>let</a:t>
+            </a:r>
+            <a:r>
+              <a:rPr lang="en-US" dirty="0">
+                <a:solidFill>
+                  <a:srgbClr val="000000"/>
+                </a:solidFill>
+                <a:highlight>
+                  <a:srgbClr val="FFFFFF"/>
+                </a:highlight>
+                <a:latin typeface="Consolas"/>
+              </a:rPr>
+              <a:t> </a:t>
+            </a:r>
+            <a:r>
+              <a:rPr lang="en-US" dirty="0" err="1">
+                <a:solidFill>
+                  <a:srgbClr val="000000"/>
+                </a:solidFill>
+                <a:highlight>
+                  <a:srgbClr val="FFFFFF"/>
+                </a:highlight>
+                <a:latin typeface="Consolas"/>
+              </a:rPr>
+              <a:t>oid</a:t>
+            </a:r>
+            <a:r>
+              <a:rPr lang="en-US" dirty="0">
+                <a:solidFill>
+                  <a:srgbClr val="000000"/>
+                </a:solidFill>
+                <a:highlight>
+                  <a:srgbClr val="FFFFFF"/>
+                </a:highlight>
+                <a:latin typeface="Consolas"/>
+              </a:rPr>
+              <a:t> </a:t>
+            </a:r>
+            <a:r>
+              <a:rPr lang="en-US" dirty="0">
+                <a:solidFill>
+                  <a:srgbClr val="DCDCDC"/>
+                </a:solidFill>
+                <a:highlight>
+                  <a:srgbClr val="FFFFFF"/>
+                </a:highlight>
+                <a:latin typeface="Consolas"/>
+              </a:rPr>
+              <a:t>=</a:t>
+            </a:r>
+            <a:r>
+              <a:rPr lang="en-US" dirty="0">
+                <a:solidFill>
+                  <a:srgbClr val="000000"/>
+                </a:solidFill>
+                <a:highlight>
+                  <a:srgbClr val="FFFFFF"/>
+                </a:highlight>
+                <a:latin typeface="Consolas"/>
+              </a:rPr>
+              <a:t> </a:t>
+            </a:r>
+            <a:r>
+              <a:rPr lang="en-US" dirty="0" err="1">
+                <a:solidFill>
+                  <a:srgbClr val="DCDCDC"/>
+                </a:solidFill>
+                <a:highlight>
+                  <a:srgbClr val="FFFFFF"/>
+                </a:highlight>
+                <a:latin typeface="Consolas"/>
+              </a:rPr>
+              <a:t>OrderId</a:t>
+            </a:r>
+            <a:r>
+              <a:rPr lang="en-US" dirty="0">
+                <a:solidFill>
+                  <a:srgbClr val="000000"/>
+                </a:solidFill>
+                <a:highlight>
+                  <a:srgbClr val="FFFFFF"/>
+                </a:highlight>
+                <a:latin typeface="Consolas"/>
+              </a:rPr>
+              <a:t>(15)</a:t>
+            </a:r>
+          </a:p>
+          <a:p>
+            <a:pPr marL="0" indent="0">
+              <a:buNone/>
+            </a:pPr>
+            <a:endParaRPr lang="en-US" dirty="0">
+              <a:solidFill>
+                <a:srgbClr val="000000"/>
+              </a:solidFill>
+              <a:highlight>
+                <a:srgbClr val="FFFFFF"/>
+              </a:highlight>
+              <a:latin typeface="Consolas"/>
+            </a:endParaRPr>
+          </a:p>
+          <a:p>
+            <a:pPr marL="0" indent="0">
+              <a:buNone/>
+            </a:pPr>
+            <a:r>
+              <a:rPr lang="en-US" dirty="0">
+                <a:solidFill>
+                  <a:srgbClr val="0000FF"/>
+                </a:solidFill>
+                <a:highlight>
+                  <a:srgbClr val="FFFFFF"/>
+                </a:highlight>
+                <a:latin typeface="Consolas"/>
+              </a:rPr>
+              <a:t>let</a:t>
+            </a:r>
+            <a:r>
+              <a:rPr lang="en-US" dirty="0">
+                <a:solidFill>
+                  <a:srgbClr val="000000"/>
+                </a:solidFill>
+                <a:highlight>
+                  <a:srgbClr val="FFFFFF"/>
+                </a:highlight>
+                <a:latin typeface="Consolas"/>
+              </a:rPr>
+              <a:t> t </a:t>
+            </a:r>
+            <a:r>
+              <a:rPr lang="en-US" dirty="0">
+                <a:solidFill>
+                  <a:srgbClr val="DCDCDC"/>
+                </a:solidFill>
+                <a:highlight>
+                  <a:srgbClr val="FFFFFF"/>
+                </a:highlight>
+                <a:latin typeface="Consolas"/>
+              </a:rPr>
+              <a:t>=</a:t>
+            </a:r>
+            <a:r>
+              <a:rPr lang="en-US" dirty="0">
+                <a:solidFill>
+                  <a:srgbClr val="000000"/>
+                </a:solidFill>
+                <a:highlight>
+                  <a:srgbClr val="FFFFFF"/>
+                </a:highlight>
+                <a:latin typeface="Consolas"/>
+              </a:rPr>
+              <a:t> </a:t>
+            </a:r>
+            <a:r>
+              <a:rPr lang="en-US" dirty="0" err="1">
+                <a:solidFill>
+                  <a:srgbClr val="000000"/>
+                </a:solidFill>
+                <a:highlight>
+                  <a:srgbClr val="FFFFFF"/>
+                </a:highlight>
+                <a:latin typeface="Consolas"/>
+              </a:rPr>
+              <a:t>cid</a:t>
+            </a:r>
+            <a:r>
+              <a:rPr lang="en-US" dirty="0">
+                <a:solidFill>
+                  <a:srgbClr val="000000"/>
+                </a:solidFill>
+                <a:highlight>
+                  <a:srgbClr val="FFFFFF"/>
+                </a:highlight>
+                <a:latin typeface="Consolas"/>
+              </a:rPr>
+              <a:t> </a:t>
+            </a:r>
+            <a:r>
+              <a:rPr lang="en-US" dirty="0">
+                <a:solidFill>
+                  <a:srgbClr val="DCDCDC"/>
+                </a:solidFill>
+                <a:highlight>
+                  <a:srgbClr val="FFFFFF"/>
+                </a:highlight>
+                <a:latin typeface="Consolas"/>
+              </a:rPr>
+              <a:t>=</a:t>
+            </a:r>
+            <a:r>
+              <a:rPr lang="en-US" dirty="0">
+                <a:solidFill>
+                  <a:srgbClr val="000000"/>
+                </a:solidFill>
+                <a:highlight>
+                  <a:srgbClr val="FFFFFF"/>
+                </a:highlight>
+                <a:latin typeface="Consolas"/>
+              </a:rPr>
+              <a:t> </a:t>
+            </a:r>
+            <a:r>
+              <a:rPr lang="en-US" dirty="0" err="1">
+                <a:solidFill>
+                  <a:srgbClr val="000000"/>
+                </a:solidFill>
+                <a:highlight>
+                  <a:srgbClr val="FFFFFF"/>
+                </a:highlight>
+                <a:latin typeface="Consolas"/>
+              </a:rPr>
+              <a:t>oid</a:t>
+            </a:r>
+            <a:r>
+              <a:rPr lang="en-US" dirty="0">
+                <a:solidFill>
+                  <a:srgbClr val="000000"/>
+                </a:solidFill>
+                <a:highlight>
+                  <a:srgbClr val="FFFFFF"/>
+                </a:highlight>
+                <a:latin typeface="Consolas"/>
+              </a:rPr>
+              <a:t> // ERROR </a:t>
+            </a:r>
+            <a:r>
+              <a:rPr lang="en-US" dirty="0" err="1">
+                <a:solidFill>
+                  <a:srgbClr val="000000"/>
+                </a:solidFill>
+                <a:highlight>
+                  <a:srgbClr val="FFFFFF"/>
+                </a:highlight>
+                <a:latin typeface="Consolas"/>
+              </a:rPr>
+              <a:t>Typen</a:t>
+            </a:r>
+            <a:r>
+              <a:rPr lang="en-US" dirty="0">
+                <a:solidFill>
+                  <a:srgbClr val="000000"/>
+                </a:solidFill>
+                <a:highlight>
+                  <a:srgbClr val="FFFFFF"/>
+                </a:highlight>
+                <a:latin typeface="Consolas"/>
+              </a:rPr>
+              <a:t> </a:t>
+            </a:r>
+            <a:r>
+              <a:rPr lang="en-US" dirty="0" err="1">
+                <a:solidFill>
+                  <a:srgbClr val="000000"/>
+                </a:solidFill>
+                <a:highlight>
+                  <a:srgbClr val="FFFFFF"/>
+                </a:highlight>
+                <a:latin typeface="Consolas"/>
+              </a:rPr>
+              <a:t>nicht</a:t>
+            </a:r>
+            <a:r>
+              <a:rPr lang="en-US" dirty="0">
+                <a:solidFill>
+                  <a:srgbClr val="000000"/>
+                </a:solidFill>
+                <a:highlight>
+                  <a:srgbClr val="FFFFFF"/>
+                </a:highlight>
+                <a:latin typeface="Consolas"/>
+              </a:rPr>
+              <a:t> </a:t>
+            </a:r>
+            <a:r>
+              <a:rPr lang="en-US" dirty="0" err="1">
+                <a:solidFill>
+                  <a:srgbClr val="000000"/>
+                </a:solidFill>
+                <a:highlight>
+                  <a:srgbClr val="FFFFFF"/>
+                </a:highlight>
+                <a:latin typeface="Consolas"/>
+              </a:rPr>
+              <a:t>gleich</a:t>
+            </a:r>
+            <a:r>
+              <a:rPr lang="en-US" dirty="0">
+                <a:solidFill>
+                  <a:srgbClr val="000000"/>
+                </a:solidFill>
+                <a:highlight>
+                  <a:srgbClr val="FFFFFF"/>
+                </a:highlight>
+                <a:latin typeface="Consolas"/>
+              </a:rPr>
+              <a:t>, </a:t>
+            </a:r>
+            <a:r>
+              <a:rPr lang="en-US" dirty="0" err="1">
+                <a:solidFill>
+                  <a:srgbClr val="000000"/>
+                </a:solidFill>
+                <a:highlight>
+                  <a:srgbClr val="FFFFFF"/>
+                </a:highlight>
+                <a:latin typeface="Consolas"/>
+              </a:rPr>
+              <a:t>kein</a:t>
+            </a:r>
+            <a:r>
+              <a:rPr lang="en-US" dirty="0">
+                <a:solidFill>
+                  <a:srgbClr val="000000"/>
+                </a:solidFill>
+                <a:highlight>
+                  <a:srgbClr val="FFFFFF"/>
+                </a:highlight>
+                <a:latin typeface="Consolas"/>
+              </a:rPr>
+              <a:t> </a:t>
+            </a:r>
+            <a:r>
+              <a:rPr lang="en-US" dirty="0" err="1">
+                <a:solidFill>
+                  <a:srgbClr val="000000"/>
+                </a:solidFill>
+                <a:highlight>
+                  <a:srgbClr val="FFFFFF"/>
+                </a:highlight>
+                <a:latin typeface="Consolas"/>
+              </a:rPr>
+              <a:t>Vergleich</a:t>
+            </a:r>
+            <a:endParaRPr lang="en-US" dirty="0"/>
+          </a:p>
+        </p:txBody>
+      </p:sp>
+    </p:spTree>
+    <p:extLst>
+      <p:ext uri="{BB962C8B-B14F-4D97-AF65-F5344CB8AC3E}">
+        <p14:creationId xmlns:p14="http://schemas.microsoft.com/office/powerpoint/2010/main" val="2193518562"/>
+      </p:ext>
+    </p:extLst>
+  </p:cSld>
+  <p:clrMapOvr>
+    <a:masterClrMapping/>
+  </p:clrMapOvr>
+</p:sld>
+</file>
+
+<file path=ppt/slides/slide31.xml><?xml version="1.0" encoding="utf-8"?>
+<p:sld xmlns:a="http://schemas.openxmlformats.org/drawingml/2006/main" xmlns:r="http://schemas.openxmlformats.org/officeDocument/2006/relationships" xmlns:p="http://schemas.openxmlformats.org/presentationml/2006/main">
+  <p:cSld>
+    <p:spTree>
+      <p:nvGrpSpPr>
+        <p:cNvPr id="1" name=""/>
+        <p:cNvGrpSpPr/>
+        <p:nvPr/>
+      </p:nvGrpSpPr>
+      <p:grpSpPr>
+        <a:xfrm>
+          <a:off x="0" y="0"/>
+          <a:ext cx="0" cy="0"/>
+          <a:chOff x="0" y="0"/>
+          <a:chExt cx="0" cy="0"/>
+        </a:xfrm>
+      </p:grpSpPr>
+      <p:sp>
+        <p:nvSpPr>
+          <p:cNvPr id="2" name="Title 1"/>
+          <p:cNvSpPr>
+            <a:spLocks noGrp="1"/>
+          </p:cNvSpPr>
+          <p:nvPr>
+            <p:ph type="title"/>
+          </p:nvPr>
+        </p:nvSpPr>
+        <p:spPr/>
+        <p:txBody>
+          <a:bodyPr/>
+          <a:lstStyle/>
+          <a:p>
+            <a:r>
+              <a:rPr lang="de-DE" dirty="0"/>
+              <a:t>Option</a:t>
+            </a:r>
+            <a:endParaRPr lang="en-US" dirty="0"/>
+          </a:p>
+        </p:txBody>
+      </p:sp>
+      <p:sp>
+        <p:nvSpPr>
+          <p:cNvPr id="3" name="Content Placeholder 2"/>
+          <p:cNvSpPr>
+            <a:spLocks noGrp="1"/>
+          </p:cNvSpPr>
+          <p:nvPr>
+            <p:ph idx="1"/>
+          </p:nvPr>
+        </p:nvSpPr>
+        <p:spPr/>
+        <p:txBody>
+          <a:bodyPr/>
+          <a:lstStyle/>
+          <a:p>
+            <a:pPr marL="0" indent="0">
+              <a:buNone/>
+            </a:pPr>
+            <a:r>
+              <a:rPr lang="de-DE" dirty="0"/>
+              <a:t>Besondere Form des DU</a:t>
+            </a:r>
+          </a:p>
+          <a:p>
+            <a:pPr marL="0" indent="0">
+              <a:buNone/>
+            </a:pPr>
+            <a:r>
+              <a:rPr lang="en-US" b="1" dirty="0">
+                <a:solidFill>
+                  <a:srgbClr val="008000"/>
+                </a:solidFill>
+              </a:rPr>
+              <a:t>type</a:t>
+            </a:r>
+            <a:r>
+              <a:rPr lang="en-US" dirty="0"/>
+              <a:t> </a:t>
+            </a:r>
+            <a:r>
+              <a:rPr lang="en-US" b="1" dirty="0">
+                <a:solidFill>
+                  <a:srgbClr val="0000FF"/>
+                </a:solidFill>
+              </a:rPr>
+              <a:t>Option</a:t>
+            </a:r>
+            <a:r>
+              <a:rPr lang="en-US" dirty="0">
+                <a:solidFill>
+                  <a:srgbClr val="666666"/>
+                </a:solidFill>
+              </a:rPr>
+              <a:t>&lt;</a:t>
+            </a:r>
+            <a:r>
+              <a:rPr lang="en-US" b="1" dirty="0">
+                <a:solidFill>
+                  <a:srgbClr val="008000"/>
+                </a:solidFill>
+              </a:rPr>
+              <a:t>'</a:t>
+            </a:r>
+            <a:r>
+              <a:rPr lang="en-US" dirty="0"/>
+              <a:t>a</a:t>
+            </a:r>
+            <a:r>
+              <a:rPr lang="en-US" dirty="0">
+                <a:solidFill>
+                  <a:srgbClr val="666666"/>
+                </a:solidFill>
+              </a:rPr>
+              <a:t>&gt;</a:t>
+            </a:r>
+            <a:r>
+              <a:rPr lang="en-US" dirty="0"/>
+              <a:t> </a:t>
+            </a:r>
+            <a:r>
+              <a:rPr lang="en-US" dirty="0">
+                <a:solidFill>
+                  <a:srgbClr val="666666"/>
+                </a:solidFill>
+              </a:rPr>
+              <a:t>=</a:t>
+            </a:r>
+            <a:r>
+              <a:rPr lang="en-US" dirty="0"/>
+              <a:t> </a:t>
+            </a:r>
+            <a:r>
+              <a:rPr lang="en-US" i="1" dirty="0">
+                <a:solidFill>
+                  <a:srgbClr val="408080"/>
+                </a:solidFill>
+              </a:rPr>
+              <a:t>// use a generic definition </a:t>
+            </a:r>
+          </a:p>
+          <a:p>
+            <a:pPr marL="0" indent="0">
+              <a:buNone/>
+            </a:pPr>
+            <a:r>
+              <a:rPr lang="en-US" dirty="0">
+                <a:solidFill>
+                  <a:srgbClr val="666666"/>
+                </a:solidFill>
+              </a:rPr>
+              <a:t>|</a:t>
+            </a:r>
+            <a:r>
+              <a:rPr lang="en-US" dirty="0"/>
+              <a:t> </a:t>
+            </a:r>
+            <a:r>
+              <a:rPr lang="en-US" b="1" dirty="0">
+                <a:solidFill>
+                  <a:srgbClr val="0000FF"/>
+                </a:solidFill>
+              </a:rPr>
+              <a:t>Some</a:t>
+            </a:r>
+            <a:r>
+              <a:rPr lang="en-US" dirty="0"/>
+              <a:t> </a:t>
+            </a:r>
+            <a:r>
+              <a:rPr lang="en-US" b="1" dirty="0">
+                <a:solidFill>
+                  <a:srgbClr val="008000"/>
+                </a:solidFill>
+              </a:rPr>
+              <a:t>of</a:t>
+            </a:r>
+            <a:r>
+              <a:rPr lang="en-US" dirty="0"/>
+              <a:t> </a:t>
+            </a:r>
+            <a:r>
+              <a:rPr lang="en-US" b="1" dirty="0">
+                <a:solidFill>
+                  <a:srgbClr val="008000"/>
+                </a:solidFill>
+              </a:rPr>
+              <a:t>'</a:t>
+            </a:r>
+            <a:r>
+              <a:rPr lang="en-US" dirty="0"/>
+              <a:t>a </a:t>
+            </a:r>
+            <a:r>
+              <a:rPr lang="en-US" i="1" dirty="0">
+                <a:solidFill>
+                  <a:srgbClr val="408080"/>
+                </a:solidFill>
+              </a:rPr>
+              <a:t>// valid value</a:t>
+            </a:r>
+            <a:r>
+              <a:rPr lang="en-US" dirty="0"/>
+              <a:t> </a:t>
+            </a:r>
+          </a:p>
+          <a:p>
+            <a:pPr marL="0" indent="0">
+              <a:buNone/>
+            </a:pPr>
+            <a:r>
+              <a:rPr lang="en-US" dirty="0">
+                <a:solidFill>
+                  <a:srgbClr val="666666"/>
+                </a:solidFill>
+              </a:rPr>
+              <a:t>|</a:t>
+            </a:r>
+            <a:r>
+              <a:rPr lang="en-US" dirty="0"/>
+              <a:t> </a:t>
+            </a:r>
+            <a:r>
+              <a:rPr lang="en-US" b="1" dirty="0">
+                <a:solidFill>
+                  <a:srgbClr val="0000FF"/>
+                </a:solidFill>
+              </a:rPr>
+              <a:t>None</a:t>
+            </a:r>
+            <a:r>
+              <a:rPr lang="en-US" dirty="0"/>
+              <a:t> </a:t>
+            </a:r>
+            <a:r>
+              <a:rPr lang="en-US" i="1" dirty="0">
+                <a:solidFill>
+                  <a:srgbClr val="408080"/>
+                </a:solidFill>
+              </a:rPr>
+              <a:t>// missing</a:t>
+            </a:r>
+          </a:p>
+          <a:p>
+            <a:pPr marL="0" indent="0">
+              <a:buNone/>
+            </a:pPr>
+            <a:endParaRPr lang="en-US" dirty="0"/>
+          </a:p>
+        </p:txBody>
+      </p:sp>
+    </p:spTree>
+    <p:extLst>
+      <p:ext uri="{BB962C8B-B14F-4D97-AF65-F5344CB8AC3E}">
+        <p14:creationId xmlns:p14="http://schemas.microsoft.com/office/powerpoint/2010/main" val="1673819925"/>
+      </p:ext>
+    </p:extLst>
+  </p:cSld>
+  <p:clrMapOvr>
+    <a:masterClrMapping/>
+  </p:clrMapOvr>
+</p:sld>
+</file>
+
+<file path=ppt/slides/slide32.xml><?xml version="1.0" encoding="utf-8"?>
+<p:sld xmlns:a="http://schemas.openxmlformats.org/drawingml/2006/main" xmlns:r="http://schemas.openxmlformats.org/officeDocument/2006/relationships" xmlns:p="http://schemas.openxmlformats.org/presentationml/2006/main">
+  <p:cSld>
+    <p:spTree>
+      <p:nvGrpSpPr>
+        <p:cNvPr id="1" name=""/>
+        <p:cNvGrpSpPr/>
+        <p:nvPr/>
+      </p:nvGrpSpPr>
+      <p:grpSpPr>
+        <a:xfrm>
+          <a:off x="0" y="0"/>
+          <a:ext cx="0" cy="0"/>
+          <a:chOff x="0" y="0"/>
+          <a:chExt cx="0" cy="0"/>
+        </a:xfrm>
+      </p:grpSpPr>
+      <p:sp>
+        <p:nvSpPr>
+          <p:cNvPr id="2" name="Title 1"/>
+          <p:cNvSpPr>
+            <a:spLocks noGrp="1"/>
+          </p:cNvSpPr>
+          <p:nvPr>
+            <p:ph type="title"/>
+          </p:nvPr>
+        </p:nvSpPr>
+        <p:spPr/>
+        <p:txBody>
+          <a:bodyPr>
+            <a:normAutofit/>
+          </a:bodyPr>
+          <a:lstStyle/>
+          <a:p>
+            <a:r>
+              <a:rPr lang="de-DE" dirty="0"/>
+              <a:t>Option </a:t>
+            </a:r>
+            <a:r>
+              <a:rPr lang="de-DE" dirty="0" err="1"/>
+              <a:t>vs</a:t>
+            </a:r>
+            <a:r>
+              <a:rPr lang="de-DE" dirty="0"/>
+              <a:t> Null : Type </a:t>
+            </a:r>
+            <a:r>
+              <a:rPr lang="de-DE" dirty="0" err="1"/>
+              <a:t>Safety</a:t>
+            </a:r>
+            <a:endParaRPr lang="en-US" dirty="0"/>
+          </a:p>
+        </p:txBody>
+      </p:sp>
+      <p:sp>
+        <p:nvSpPr>
+          <p:cNvPr id="3" name="Content Placeholder 2"/>
+          <p:cNvSpPr>
+            <a:spLocks noGrp="1"/>
+          </p:cNvSpPr>
+          <p:nvPr>
+            <p:ph idx="1"/>
+          </p:nvPr>
+        </p:nvSpPr>
+        <p:spPr/>
+        <p:txBody>
+          <a:bodyPr/>
+          <a:lstStyle/>
+          <a:p>
+            <a:pPr marL="0" indent="0">
+              <a:buNone/>
+            </a:pPr>
+            <a:r>
+              <a:rPr lang="en-US" dirty="0">
+                <a:solidFill>
+                  <a:srgbClr val="0000FF"/>
+                </a:solidFill>
+                <a:highlight>
+                  <a:srgbClr val="FFFFFF"/>
+                </a:highlight>
+                <a:latin typeface="Consolas"/>
+              </a:rPr>
+              <a:t>string</a:t>
+            </a:r>
+            <a:r>
+              <a:rPr lang="en-US" dirty="0">
+                <a:solidFill>
+                  <a:srgbClr val="000000"/>
+                </a:solidFill>
+                <a:highlight>
+                  <a:srgbClr val="FFFFFF"/>
+                </a:highlight>
+                <a:latin typeface="Consolas"/>
+              </a:rPr>
+              <a:t> s2 = </a:t>
+            </a:r>
+            <a:r>
+              <a:rPr lang="en-US" dirty="0">
+                <a:solidFill>
+                  <a:srgbClr val="0000FF"/>
+                </a:solidFill>
+                <a:highlight>
+                  <a:srgbClr val="FFFFFF"/>
+                </a:highlight>
+                <a:latin typeface="Consolas"/>
+              </a:rPr>
+              <a:t>null</a:t>
+            </a:r>
+            <a:r>
+              <a:rPr lang="en-US" dirty="0">
+                <a:solidFill>
+                  <a:srgbClr val="000000"/>
+                </a:solidFill>
+                <a:highlight>
+                  <a:srgbClr val="FFFFFF"/>
+                </a:highlight>
+                <a:latin typeface="Consolas"/>
+              </a:rPr>
+              <a:t>;</a:t>
+            </a:r>
+          </a:p>
+          <a:p>
+            <a:pPr marL="0" indent="0">
+              <a:buNone/>
+            </a:pPr>
+            <a:r>
+              <a:rPr lang="en-US" dirty="0" err="1">
+                <a:solidFill>
+                  <a:srgbClr val="0000FF"/>
+                </a:solidFill>
+                <a:highlight>
+                  <a:srgbClr val="FFFFFF"/>
+                </a:highlight>
+                <a:latin typeface="Consolas"/>
+              </a:rPr>
+              <a:t>var</a:t>
+            </a:r>
+            <a:r>
+              <a:rPr lang="en-US" dirty="0">
+                <a:solidFill>
+                  <a:srgbClr val="000000"/>
+                </a:solidFill>
+                <a:highlight>
+                  <a:srgbClr val="FFFFFF"/>
+                </a:highlight>
+                <a:latin typeface="Consolas"/>
+              </a:rPr>
+              <a:t> len2 = s2.Length; </a:t>
+            </a:r>
+          </a:p>
+          <a:p>
+            <a:pPr marL="0" indent="0">
+              <a:buNone/>
+            </a:pPr>
+            <a:r>
+              <a:rPr lang="de-DE" dirty="0">
+                <a:solidFill>
+                  <a:srgbClr val="000000"/>
+                </a:solidFill>
+                <a:highlight>
+                  <a:srgbClr val="FFFFFF"/>
+                </a:highlight>
+                <a:latin typeface="Consolas"/>
+              </a:rPr>
+              <a:t>// WIR wissen dass s2 null ist, der Compiler nicht</a:t>
+            </a:r>
+            <a:endParaRPr lang="en-US" dirty="0">
+              <a:highlight>
+                <a:srgbClr val="FFFFFF"/>
+              </a:highlight>
+            </a:endParaRPr>
+          </a:p>
+          <a:p>
+            <a:pPr marL="0" indent="0">
+              <a:buNone/>
+            </a:pPr>
+            <a:endParaRPr lang="de-DE" dirty="0"/>
+          </a:p>
+        </p:txBody>
+      </p:sp>
+    </p:spTree>
+    <p:extLst>
+      <p:ext uri="{BB962C8B-B14F-4D97-AF65-F5344CB8AC3E}">
+        <p14:creationId xmlns:p14="http://schemas.microsoft.com/office/powerpoint/2010/main" val="1684138351"/>
+      </p:ext>
+    </p:extLst>
+  </p:cSld>
+  <p:clrMapOvr>
+    <a:masterClrMapping/>
+  </p:clrMapOvr>
+</p:sld>
+</file>
+
+<file path=ppt/slides/slide33.xml><?xml version="1.0" encoding="utf-8"?>
+<p:sld xmlns:a="http://schemas.openxmlformats.org/drawingml/2006/main" xmlns:r="http://schemas.openxmlformats.org/officeDocument/2006/relationships" xmlns:p="http://schemas.openxmlformats.org/presentationml/2006/main">
+  <p:cSld>
+    <p:spTree>
+      <p:nvGrpSpPr>
+        <p:cNvPr id="1" name=""/>
+        <p:cNvGrpSpPr/>
+        <p:nvPr/>
+      </p:nvGrpSpPr>
+      <p:grpSpPr>
+        <a:xfrm>
+          <a:off x="0" y="0"/>
+          <a:ext cx="0" cy="0"/>
+          <a:chOff x="0" y="0"/>
+          <a:chExt cx="0" cy="0"/>
+        </a:xfrm>
+      </p:grpSpPr>
+      <p:sp>
+        <p:nvSpPr>
+          <p:cNvPr id="2" name="Title 1"/>
+          <p:cNvSpPr>
+            <a:spLocks noGrp="1"/>
+          </p:cNvSpPr>
+          <p:nvPr>
+            <p:ph type="title"/>
+          </p:nvPr>
+        </p:nvSpPr>
+        <p:spPr/>
+        <p:txBody>
+          <a:bodyPr>
+            <a:normAutofit/>
+          </a:bodyPr>
+          <a:lstStyle/>
+          <a:p>
+            <a:r>
+              <a:rPr lang="de-DE" dirty="0"/>
+              <a:t>Option </a:t>
+            </a:r>
+            <a:r>
+              <a:rPr lang="de-DE" dirty="0" err="1"/>
+              <a:t>vs</a:t>
+            </a:r>
+            <a:r>
+              <a:rPr lang="de-DE" dirty="0"/>
+              <a:t> Null : Type </a:t>
+            </a:r>
+            <a:r>
+              <a:rPr lang="de-DE" dirty="0" err="1"/>
+              <a:t>Safety</a:t>
+            </a:r>
+            <a:endParaRPr lang="en-US" dirty="0"/>
+          </a:p>
+        </p:txBody>
+      </p:sp>
+      <p:sp>
+        <p:nvSpPr>
+          <p:cNvPr id="3" name="Content Placeholder 2"/>
+          <p:cNvSpPr>
+            <a:spLocks noGrp="1"/>
+          </p:cNvSpPr>
+          <p:nvPr>
+            <p:ph idx="1"/>
+          </p:nvPr>
+        </p:nvSpPr>
+        <p:spPr/>
+        <p:txBody>
+          <a:bodyPr/>
+          <a:lstStyle/>
+          <a:p>
+            <a:pPr marL="0" indent="0">
+              <a:buNone/>
+            </a:pPr>
+            <a:r>
+              <a:rPr lang="en-US" dirty="0">
+                <a:solidFill>
+                  <a:srgbClr val="0000FF"/>
+                </a:solidFill>
+                <a:highlight>
+                  <a:srgbClr val="FFFFFF"/>
+                </a:highlight>
+                <a:latin typeface="Consolas"/>
+              </a:rPr>
+              <a:t>let</a:t>
+            </a:r>
+            <a:r>
+              <a:rPr lang="en-US" dirty="0">
+                <a:solidFill>
+                  <a:srgbClr val="000000"/>
+                </a:solidFill>
+                <a:highlight>
+                  <a:srgbClr val="FFFFFF"/>
+                </a:highlight>
+                <a:latin typeface="Consolas"/>
+              </a:rPr>
+              <a:t> s </a:t>
+            </a:r>
+            <a:r>
+              <a:rPr lang="en-US" dirty="0">
+                <a:solidFill>
+                  <a:srgbClr val="DCDCDC"/>
+                </a:solidFill>
+                <a:highlight>
+                  <a:srgbClr val="FFFFFF"/>
+                </a:highlight>
+                <a:latin typeface="Consolas"/>
+              </a:rPr>
+              <a:t>=</a:t>
+            </a:r>
+            <a:r>
+              <a:rPr lang="en-US" dirty="0">
+                <a:solidFill>
+                  <a:srgbClr val="000000"/>
+                </a:solidFill>
+                <a:highlight>
+                  <a:srgbClr val="FFFFFF"/>
+                </a:highlight>
+                <a:latin typeface="Consolas"/>
+              </a:rPr>
+              <a:t> </a:t>
+            </a:r>
+            <a:r>
+              <a:rPr lang="en-US" dirty="0">
+                <a:solidFill>
+                  <a:srgbClr val="A31515"/>
+                </a:solidFill>
+                <a:highlight>
+                  <a:srgbClr val="FFFFFF"/>
+                </a:highlight>
+                <a:latin typeface="Consolas"/>
+              </a:rPr>
+              <a:t>"string"</a:t>
+            </a:r>
+            <a:endParaRPr lang="en-US" dirty="0">
+              <a:solidFill>
+                <a:srgbClr val="000000"/>
+              </a:solidFill>
+              <a:highlight>
+                <a:srgbClr val="FFFFFF"/>
+              </a:highlight>
+              <a:latin typeface="Consolas"/>
+            </a:endParaRPr>
+          </a:p>
+          <a:p>
+            <a:pPr marL="0" indent="0">
+              <a:buNone/>
+            </a:pPr>
+            <a:r>
+              <a:rPr lang="en-US" dirty="0">
+                <a:solidFill>
+                  <a:srgbClr val="0000FF"/>
+                </a:solidFill>
+                <a:highlight>
+                  <a:srgbClr val="FFFFFF"/>
+                </a:highlight>
+                <a:latin typeface="Consolas"/>
+              </a:rPr>
+              <a:t>let</a:t>
+            </a:r>
+            <a:r>
+              <a:rPr lang="en-US" dirty="0">
+                <a:solidFill>
+                  <a:srgbClr val="000000"/>
+                </a:solidFill>
+                <a:highlight>
+                  <a:srgbClr val="FFFFFF"/>
+                </a:highlight>
+                <a:latin typeface="Consolas"/>
+              </a:rPr>
+              <a:t> length </a:t>
+            </a:r>
+            <a:r>
+              <a:rPr lang="en-US" dirty="0">
+                <a:solidFill>
+                  <a:srgbClr val="DCDCDC"/>
+                </a:solidFill>
+                <a:highlight>
+                  <a:srgbClr val="FFFFFF"/>
+                </a:highlight>
+                <a:latin typeface="Consolas"/>
+              </a:rPr>
+              <a:t>=</a:t>
+            </a:r>
+            <a:r>
+              <a:rPr lang="en-US" dirty="0">
+                <a:solidFill>
+                  <a:srgbClr val="000000"/>
+                </a:solidFill>
+                <a:highlight>
+                  <a:srgbClr val="FFFFFF"/>
+                </a:highlight>
+                <a:latin typeface="Consolas"/>
+              </a:rPr>
+              <a:t> </a:t>
+            </a:r>
+            <a:r>
+              <a:rPr lang="en-US" dirty="0" err="1">
+                <a:solidFill>
+                  <a:srgbClr val="000000"/>
+                </a:solidFill>
+                <a:highlight>
+                  <a:srgbClr val="FFFFFF"/>
+                </a:highlight>
+                <a:latin typeface="Consolas"/>
+              </a:rPr>
+              <a:t>s.Length</a:t>
+            </a:r>
+            <a:endParaRPr lang="en-US" dirty="0">
+              <a:solidFill>
+                <a:srgbClr val="000000"/>
+              </a:solidFill>
+              <a:highlight>
+                <a:srgbClr val="FFFFFF"/>
+              </a:highlight>
+              <a:latin typeface="Consolas"/>
+            </a:endParaRPr>
+          </a:p>
+          <a:p>
+            <a:pPr marL="0" indent="0">
+              <a:buNone/>
+            </a:pPr>
+            <a:r>
+              <a:rPr lang="en-US" dirty="0">
+                <a:solidFill>
+                  <a:srgbClr val="0000FF"/>
+                </a:solidFill>
+                <a:highlight>
+                  <a:srgbClr val="FFFFFF"/>
+                </a:highlight>
+                <a:latin typeface="Consolas"/>
+              </a:rPr>
+              <a:t>let</a:t>
+            </a:r>
+            <a:r>
+              <a:rPr lang="en-US" dirty="0">
+                <a:solidFill>
+                  <a:srgbClr val="000000"/>
+                </a:solidFill>
+                <a:highlight>
+                  <a:srgbClr val="FFFFFF"/>
+                </a:highlight>
+                <a:latin typeface="Consolas"/>
+              </a:rPr>
+              <a:t> s' </a:t>
+            </a:r>
+            <a:r>
+              <a:rPr lang="en-US" dirty="0">
+                <a:solidFill>
+                  <a:srgbClr val="DCDCDC"/>
+                </a:solidFill>
+                <a:highlight>
+                  <a:srgbClr val="FFFFFF"/>
+                </a:highlight>
+                <a:latin typeface="Consolas"/>
+              </a:rPr>
+              <a:t>=</a:t>
+            </a:r>
+            <a:r>
+              <a:rPr lang="en-US" dirty="0">
+                <a:solidFill>
+                  <a:srgbClr val="000000"/>
+                </a:solidFill>
+                <a:highlight>
+                  <a:srgbClr val="FFFFFF"/>
+                </a:highlight>
+                <a:latin typeface="Consolas"/>
+              </a:rPr>
+              <a:t> </a:t>
+            </a:r>
+            <a:r>
+              <a:rPr lang="en-US" dirty="0">
+                <a:solidFill>
+                  <a:srgbClr val="4EC9B0"/>
+                </a:solidFill>
+                <a:highlight>
+                  <a:srgbClr val="FFFFFF"/>
+                </a:highlight>
+                <a:latin typeface="Consolas"/>
+              </a:rPr>
+              <a:t>Option</a:t>
+            </a:r>
+            <a:r>
+              <a:rPr lang="en-US" dirty="0">
+                <a:solidFill>
+                  <a:srgbClr val="000000"/>
+                </a:solidFill>
+                <a:highlight>
+                  <a:srgbClr val="FFFFFF"/>
+                </a:highlight>
+                <a:latin typeface="Consolas"/>
+              </a:rPr>
+              <a:t>&lt;</a:t>
+            </a:r>
+            <a:r>
+              <a:rPr lang="en-US" dirty="0">
+                <a:solidFill>
+                  <a:srgbClr val="4EC9B0"/>
+                </a:solidFill>
+                <a:highlight>
+                  <a:srgbClr val="FFFFFF"/>
+                </a:highlight>
+                <a:latin typeface="Consolas"/>
+              </a:rPr>
+              <a:t>string</a:t>
+            </a:r>
+            <a:r>
+              <a:rPr lang="en-US" dirty="0">
+                <a:solidFill>
+                  <a:srgbClr val="000000"/>
+                </a:solidFill>
+                <a:highlight>
+                  <a:srgbClr val="FFFFFF"/>
+                </a:highlight>
+                <a:latin typeface="Consolas"/>
+              </a:rPr>
+              <a:t>&gt;.</a:t>
+            </a:r>
+            <a:r>
+              <a:rPr lang="en-US" dirty="0">
+                <a:solidFill>
+                  <a:srgbClr val="DCDCDC"/>
+                </a:solidFill>
+                <a:highlight>
+                  <a:srgbClr val="FFFFFF"/>
+                </a:highlight>
+                <a:latin typeface="Consolas"/>
+              </a:rPr>
+              <a:t>None</a:t>
+            </a:r>
+            <a:endParaRPr lang="en-US" dirty="0">
+              <a:solidFill>
+                <a:srgbClr val="000000"/>
+              </a:solidFill>
+              <a:highlight>
+                <a:srgbClr val="FFFFFF"/>
+              </a:highlight>
+              <a:latin typeface="Consolas"/>
+            </a:endParaRPr>
+          </a:p>
+          <a:p>
+            <a:pPr marL="0" indent="0">
+              <a:buNone/>
+            </a:pPr>
+            <a:r>
+              <a:rPr lang="en-US" dirty="0">
+                <a:solidFill>
+                  <a:srgbClr val="0000FF"/>
+                </a:solidFill>
+                <a:highlight>
+                  <a:srgbClr val="FFFFFF"/>
+                </a:highlight>
+                <a:latin typeface="Consolas"/>
+              </a:rPr>
+              <a:t>let</a:t>
+            </a:r>
+            <a:r>
+              <a:rPr lang="en-US" dirty="0">
+                <a:solidFill>
+                  <a:srgbClr val="000000"/>
+                </a:solidFill>
+                <a:highlight>
+                  <a:srgbClr val="FFFFFF"/>
+                </a:highlight>
+                <a:latin typeface="Consolas"/>
+              </a:rPr>
+              <a:t> length' </a:t>
+            </a:r>
+            <a:r>
+              <a:rPr lang="en-US" dirty="0">
+                <a:solidFill>
+                  <a:srgbClr val="DCDCDC"/>
+                </a:solidFill>
+                <a:highlight>
+                  <a:srgbClr val="FFFFFF"/>
+                </a:highlight>
+                <a:latin typeface="Consolas"/>
+              </a:rPr>
+              <a:t>=</a:t>
+            </a:r>
+            <a:r>
+              <a:rPr lang="en-US" dirty="0">
+                <a:solidFill>
+                  <a:srgbClr val="000000"/>
+                </a:solidFill>
+                <a:highlight>
+                  <a:srgbClr val="FFFFFF"/>
+                </a:highlight>
+                <a:latin typeface="Consolas"/>
+              </a:rPr>
+              <a:t> </a:t>
+            </a:r>
+            <a:r>
+              <a:rPr lang="en-US" dirty="0" err="1">
+                <a:solidFill>
+                  <a:srgbClr val="000000"/>
+                </a:solidFill>
+                <a:highlight>
+                  <a:srgbClr val="FFFFFF"/>
+                </a:highlight>
+                <a:latin typeface="Consolas"/>
+              </a:rPr>
+              <a:t>s'.Length</a:t>
+            </a:r>
+            <a:r>
+              <a:rPr lang="en-US" dirty="0">
+                <a:solidFill>
+                  <a:srgbClr val="000000"/>
+                </a:solidFill>
+                <a:highlight>
+                  <a:srgbClr val="FFFFFF"/>
+                </a:highlight>
+                <a:latin typeface="Consolas"/>
+              </a:rPr>
+              <a:t> // ERROR</a:t>
+            </a:r>
+            <a:endParaRPr lang="de-DE" dirty="0"/>
+          </a:p>
+        </p:txBody>
+      </p:sp>
+    </p:spTree>
+    <p:extLst>
+      <p:ext uri="{BB962C8B-B14F-4D97-AF65-F5344CB8AC3E}">
+        <p14:creationId xmlns:p14="http://schemas.microsoft.com/office/powerpoint/2010/main" val="1731058063"/>
       </p:ext>
     </p:extLst>
   </p:cSld>

--- a/FSharp.pptx
+++ b/FSharp.pptx
@@ -13320,13 +13320,18 @@
           <a:p>
             <a:r>
               <a:rPr lang="de-DE" dirty="0"/>
-              <a:t>Alt </a:t>
-            </a:r>
-            <a:r>
-              <a:rPr lang="de-DE"/>
-              <a:t>+ Enter</a:t>
-            </a:r>
-            <a:endParaRPr lang="de-DE" dirty="0"/>
+              <a:t>Alt + Enter</a:t>
+            </a:r>
+          </a:p>
+          <a:p>
+            <a:r>
+              <a:rPr lang="de-DE" dirty="0" err="1"/>
+              <a:t>Reset</a:t>
+            </a:r>
+            <a:r>
+              <a:rPr lang="de-DE" dirty="0"/>
+              <a:t> setzt zurück</a:t>
+            </a:r>
           </a:p>
           <a:p>
             <a:endParaRPr lang="de-DE" dirty="0"/>
@@ -13478,6 +13483,55 @@
                                           <p:spTgt spid="3">
                                             <p:txEl>
                                               <p:pRg st="2" end="2"/>
+                                            </p:txEl>
+                                          </p:spTgt>
+                                        </p:tgtEl>
+                                        <p:attrNameLst>
+                                          <p:attrName>style.visibility</p:attrName>
+                                        </p:attrNameLst>
+                                      </p:cBhvr>
+                                      <p:to>
+                                        <p:strVal val="visible"/>
+                                      </p:to>
+                                    </p:set>
+                                  </p:childTnLst>
+                                </p:cTn>
+                              </p:par>
+                            </p:childTnLst>
+                          </p:cTn>
+                        </p:par>
+                      </p:childTnLst>
+                    </p:cTn>
+                  </p:par>
+                  <p:par>
+                    <p:cTn id="15" fill="hold">
+                      <p:stCondLst>
+                        <p:cond delay="indefinite"/>
+                      </p:stCondLst>
+                      <p:childTnLst>
+                        <p:par>
+                          <p:cTn id="16" fill="hold">
+                            <p:stCondLst>
+                              <p:cond delay="0"/>
+                            </p:stCondLst>
+                            <p:childTnLst>
+                              <p:par>
+                                <p:cTn id="17" presetID="1" presetClass="entr" presetSubtype="0" fill="hold" grpId="0" nodeType="clickEffect">
+                                  <p:stCondLst>
+                                    <p:cond delay="0"/>
+                                  </p:stCondLst>
+                                  <p:childTnLst>
+                                    <p:set>
+                                      <p:cBhvr>
+                                        <p:cTn id="18" dur="1" fill="hold">
+                                          <p:stCondLst>
+                                            <p:cond delay="0"/>
+                                          </p:stCondLst>
+                                        </p:cTn>
+                                        <p:tgtEl>
+                                          <p:spTgt spid="3">
+                                            <p:txEl>
+                                              <p:pRg st="3" end="3"/>
                                             </p:txEl>
                                           </p:spTgt>
                                         </p:tgtEl>

--- a/FSharp.pptx
+++ b/FSharp.pptx
@@ -5,7 +5,7 @@
     <p:sldMasterId id="2147483648" r:id="rId1"/>
   </p:sldMasterIdLst>
   <p:notesMasterIdLst>
-    <p:notesMasterId r:id="rId35"/>
+    <p:notesMasterId r:id="rId41"/>
   </p:notesMasterIdLst>
   <p:sldIdLst>
     <p:sldId id="256" r:id="rId2"/>
@@ -32,15 +32,21 @@
     <p:sldId id="302" r:id="rId23"/>
     <p:sldId id="303" r:id="rId24"/>
     <p:sldId id="304" r:id="rId25"/>
-    <p:sldId id="294" r:id="rId26"/>
-    <p:sldId id="265" r:id="rId27"/>
-    <p:sldId id="270" r:id="rId28"/>
-    <p:sldId id="273" r:id="rId29"/>
-    <p:sldId id="276" r:id="rId30"/>
-    <p:sldId id="278" r:id="rId31"/>
-    <p:sldId id="280" r:id="rId32"/>
-    <p:sldId id="281" r:id="rId33"/>
-    <p:sldId id="283" r:id="rId34"/>
+    <p:sldId id="305" r:id="rId26"/>
+    <p:sldId id="306" r:id="rId27"/>
+    <p:sldId id="309" r:id="rId28"/>
+    <p:sldId id="307" r:id="rId29"/>
+    <p:sldId id="308" r:id="rId30"/>
+    <p:sldId id="310" r:id="rId31"/>
+    <p:sldId id="294" r:id="rId32"/>
+    <p:sldId id="265" r:id="rId33"/>
+    <p:sldId id="270" r:id="rId34"/>
+    <p:sldId id="273" r:id="rId35"/>
+    <p:sldId id="276" r:id="rId36"/>
+    <p:sldId id="278" r:id="rId37"/>
+    <p:sldId id="280" r:id="rId38"/>
+    <p:sldId id="281" r:id="rId39"/>
+    <p:sldId id="283" r:id="rId40"/>
   </p:sldIdLst>
   <p:sldSz cx="9144000" cy="6858000" type="screen4x3"/>
   <p:notesSz cx="6858000" cy="9144000"/>
@@ -2276,7 +2282,7 @@
       </p:grpSpPr>
       <p:sp>
         <p:nvSpPr>
-          <p:cNvPr id="2" name="Slide Image Placeholder 1"/>
+          <p:cNvPr id="2" name="Folienbildplatzhalter 1"/>
           <p:cNvSpPr>
             <a:spLocks noGrp="1" noRot="1" noChangeAspect="1"/>
           </p:cNvSpPr>
@@ -2288,7 +2294,7 @@
       </p:sp>
       <p:sp>
         <p:nvSpPr>
-          <p:cNvPr id="3" name="Notes Placeholder 2"/>
+          <p:cNvPr id="3" name="Notizenplatzhalter 2"/>
           <p:cNvSpPr>
             <a:spLocks noGrp="1"/>
           </p:cNvSpPr>
@@ -2303,23 +2309,14 @@
           <a:p>
             <a:r>
               <a:rPr lang="de-DE" dirty="0"/>
-              <a:t>Pattern </a:t>
-            </a:r>
-            <a:r>
-              <a:rPr lang="de-DE" dirty="0" err="1"/>
-              <a:t>Matching</a:t>
-            </a:r>
-            <a:r>
-              <a:rPr lang="de-DE" dirty="0"/>
-              <a:t> wird angedacht für C# 7.0.</a:t>
-            </a:r>
-            <a:endParaRPr lang="en-US" dirty="0"/>
+              <a:t>Modul 1, Übung Kommentare</a:t>
+            </a:r>
           </a:p>
         </p:txBody>
       </p:sp>
       <p:sp>
         <p:nvSpPr>
-          <p:cNvPr id="4" name="Slide Number Placeholder 3"/>
+          <p:cNvPr id="4" name="Foliennummernplatzhalter 3"/>
           <p:cNvSpPr>
             <a:spLocks noGrp="1"/>
           </p:cNvSpPr>
@@ -2334,7 +2331,7 @@
           <a:p>
             <a:fld id="{4775FDF9-2A53-4261-A0AF-3B6A9698D365}" type="slidenum">
               <a:rPr lang="en-US" smtClean="0"/>
-              <a:t>25</a:t>
+              <a:t>22</a:t>
             </a:fld>
             <a:endParaRPr lang="en-US"/>
           </a:p>
@@ -2343,7 +2340,7 @@
     </p:spTree>
     <p:extLst>
       <p:ext uri="{BB962C8B-B14F-4D97-AF65-F5344CB8AC3E}">
-        <p14:creationId xmlns:p14="http://schemas.microsoft.com/office/powerpoint/2010/main" val="1056229856"/>
+        <p14:creationId xmlns:p14="http://schemas.microsoft.com/office/powerpoint/2010/main" val="1033141563"/>
       </p:ext>
     </p:extLst>
   </p:cSld>
@@ -2372,7 +2369,7 @@
       </p:grpSpPr>
       <p:sp>
         <p:nvSpPr>
-          <p:cNvPr id="2" name="Slide Image Placeholder 1"/>
+          <p:cNvPr id="2" name="Folienbildplatzhalter 1"/>
           <p:cNvSpPr>
             <a:spLocks noGrp="1" noRot="1" noChangeAspect="1"/>
           </p:cNvSpPr>
@@ -2384,7 +2381,7 @@
       </p:sp>
       <p:sp>
         <p:nvSpPr>
-          <p:cNvPr id="3" name="Notes Placeholder 2"/>
+          <p:cNvPr id="3" name="Notizenplatzhalter 2"/>
           <p:cNvSpPr>
             <a:spLocks noGrp="1"/>
           </p:cNvSpPr>
@@ -2397,21 +2394,36 @@
           <a:bodyPr/>
           <a:lstStyle/>
           <a:p>
-            <a:r>
-              <a:rPr lang="de-DE" dirty="0" err="1"/>
-              <a:t>Adhoc</a:t>
-            </a:r>
-            <a:r>
-              <a:rPr lang="de-DE" dirty="0"/>
-              <a:t> Data Type.</a:t>
-            </a:r>
-            <a:endParaRPr lang="en-US" dirty="0"/>
+            <a:pPr marL="0" marR="0" lvl="0" indent="0" algn="l" defTabSz="914400" rtl="0" eaLnBrk="1" fontAlgn="auto" latinLnBrk="0" hangingPunct="1">
+              <a:lnSpc>
+                <a:spcPct val="100000"/>
+              </a:lnSpc>
+              <a:spcBef>
+                <a:spcPts val="0"/>
+              </a:spcBef>
+              <a:spcAft>
+                <a:spcPts val="0"/>
+              </a:spcAft>
+              <a:buClrTx/>
+              <a:buSzTx/>
+              <a:buFontTx/>
+              <a:buNone/>
+              <a:tabLst/>
+              <a:defRPr/>
+            </a:pPr>
+            <a:r>
+              <a:rPr lang="de-DE" dirty="0"/>
+              <a:t>Modul 1, Übung Ausdrücke</a:t>
+            </a:r>
+          </a:p>
+          <a:p>
+            <a:endParaRPr lang="de-DE" dirty="0"/>
           </a:p>
         </p:txBody>
       </p:sp>
       <p:sp>
         <p:nvSpPr>
-          <p:cNvPr id="4" name="Slide Number Placeholder 3"/>
+          <p:cNvPr id="4" name="Foliennummernplatzhalter 3"/>
           <p:cNvSpPr>
             <a:spLocks noGrp="1"/>
           </p:cNvSpPr>
@@ -2426,7 +2438,7 @@
           <a:p>
             <a:fld id="{4775FDF9-2A53-4261-A0AF-3B6A9698D365}" type="slidenum">
               <a:rPr lang="en-US" smtClean="0"/>
-              <a:t>26</a:t>
+              <a:t>23</a:t>
             </a:fld>
             <a:endParaRPr lang="en-US"/>
           </a:p>
@@ -2435,7 +2447,7 @@
     </p:spTree>
     <p:extLst>
       <p:ext uri="{BB962C8B-B14F-4D97-AF65-F5344CB8AC3E}">
-        <p14:creationId xmlns:p14="http://schemas.microsoft.com/office/powerpoint/2010/main" val="3351844412"/>
+        <p14:creationId xmlns:p14="http://schemas.microsoft.com/office/powerpoint/2010/main" val="68488265"/>
       </p:ext>
     </p:extLst>
   </p:cSld>
@@ -2464,7 +2476,7 @@
       </p:grpSpPr>
       <p:sp>
         <p:nvSpPr>
-          <p:cNvPr id="2" name="Slide Image Placeholder 1"/>
+          <p:cNvPr id="2" name="Folienbildplatzhalter 1"/>
           <p:cNvSpPr>
             <a:spLocks noGrp="1" noRot="1" noChangeAspect="1"/>
           </p:cNvSpPr>
@@ -2476,7 +2488,7 @@
       </p:sp>
       <p:sp>
         <p:nvSpPr>
-          <p:cNvPr id="3" name="Notes Placeholder 2"/>
+          <p:cNvPr id="3" name="Notizenplatzhalter 2"/>
           <p:cNvSpPr>
             <a:spLocks noGrp="1"/>
           </p:cNvSpPr>
@@ -2489,21 +2501,36 @@
           <a:bodyPr/>
           <a:lstStyle/>
           <a:p>
-            <a:r>
-              <a:rPr lang="de-DE" dirty="0"/>
-              <a:t>Ich kann pro Deklaration</a:t>
-            </a:r>
-            <a:r>
-              <a:rPr lang="de-DE" baseline="0" dirty="0"/>
-              <a:t> eine andere Funktion angeben.  Reihenfolge der Deklarationen ist nicht relevant.</a:t>
-            </a:r>
-            <a:endParaRPr lang="en-US" dirty="0"/>
+            <a:pPr marL="0" marR="0" lvl="0" indent="0" algn="l" defTabSz="914400" rtl="0" eaLnBrk="1" fontAlgn="auto" latinLnBrk="0" hangingPunct="1">
+              <a:lnSpc>
+                <a:spcPct val="100000"/>
+              </a:lnSpc>
+              <a:spcBef>
+                <a:spcPts val="0"/>
+              </a:spcBef>
+              <a:spcAft>
+                <a:spcPts val="0"/>
+              </a:spcAft>
+              <a:buClrTx/>
+              <a:buSzTx/>
+              <a:buFontTx/>
+              <a:buNone/>
+              <a:tabLst/>
+              <a:defRPr/>
+            </a:pPr>
+            <a:r>
+              <a:rPr lang="de-DE" dirty="0"/>
+              <a:t>Modul 1, Übung Interactive</a:t>
+            </a:r>
+          </a:p>
+          <a:p>
+            <a:endParaRPr lang="de-DE" dirty="0"/>
           </a:p>
         </p:txBody>
       </p:sp>
       <p:sp>
         <p:nvSpPr>
-          <p:cNvPr id="4" name="Slide Number Placeholder 3"/>
+          <p:cNvPr id="4" name="Foliennummernplatzhalter 3"/>
           <p:cNvSpPr>
             <a:spLocks noGrp="1"/>
           </p:cNvSpPr>
@@ -2518,7 +2545,7 @@
           <a:p>
             <a:fld id="{4775FDF9-2A53-4261-A0AF-3B6A9698D365}" type="slidenum">
               <a:rPr lang="en-US" smtClean="0"/>
-              <a:t>27</a:t>
+              <a:t>24</a:t>
             </a:fld>
             <a:endParaRPr lang="en-US"/>
           </a:p>
@@ -2527,7 +2554,7 @@
     </p:spTree>
     <p:extLst>
       <p:ext uri="{BB962C8B-B14F-4D97-AF65-F5344CB8AC3E}">
-        <p14:creationId xmlns:p14="http://schemas.microsoft.com/office/powerpoint/2010/main" val="827611547"/>
+        <p14:creationId xmlns:p14="http://schemas.microsoft.com/office/powerpoint/2010/main" val="3993141596"/>
       </p:ext>
     </p:extLst>
   </p:cSld>
@@ -2556,7 +2583,7 @@
       </p:grpSpPr>
       <p:sp>
         <p:nvSpPr>
-          <p:cNvPr id="2" name="Slide Image Placeholder 1"/>
+          <p:cNvPr id="2" name="Folienbildplatzhalter 1"/>
           <p:cNvSpPr>
             <a:spLocks noGrp="1" noRot="1" noChangeAspect="1"/>
           </p:cNvSpPr>
@@ -2568,7 +2595,7 @@
       </p:sp>
       <p:sp>
         <p:nvSpPr>
-          <p:cNvPr id="3" name="Notes Placeholder 2"/>
+          <p:cNvPr id="3" name="Notizenplatzhalter 2"/>
           <p:cNvSpPr>
             <a:spLocks noGrp="1"/>
           </p:cNvSpPr>
@@ -2581,57 +2608,198 @@
           <a:bodyPr/>
           <a:lstStyle/>
           <a:p>
-            <a:r>
-              <a:rPr lang="de-DE" dirty="0"/>
-              <a:t>Zwei </a:t>
-            </a:r>
-            <a:r>
-              <a:rPr lang="de-DE" dirty="0" err="1"/>
-              <a:t>named</a:t>
-            </a:r>
-            <a:r>
-              <a:rPr lang="de-DE" dirty="0"/>
-              <a:t> </a:t>
-            </a:r>
-            <a:r>
-              <a:rPr lang="de-DE" dirty="0" err="1"/>
-              <a:t>tuples</a:t>
-            </a:r>
-            <a:r>
-              <a:rPr lang="de-DE" dirty="0"/>
-              <a:t> (also </a:t>
-            </a:r>
-            <a:r>
-              <a:rPr lang="de-DE" dirty="0" err="1"/>
-              <a:t>record</a:t>
+            <a:pPr marL="0" marR="0" lvl="0" indent="0" algn="l" defTabSz="914400" rtl="0" eaLnBrk="1" fontAlgn="auto" latinLnBrk="0" hangingPunct="1">
+              <a:lnSpc>
+                <a:spcPct val="100000"/>
+              </a:lnSpc>
+              <a:spcBef>
+                <a:spcPts val="0"/>
+              </a:spcBef>
+              <a:spcAft>
+                <a:spcPts val="0"/>
+              </a:spcAft>
+              <a:buClrTx/>
+              <a:buSzTx/>
+              <a:buFontTx/>
+              <a:buNone/>
+              <a:tabLst/>
+              <a:defRPr/>
+            </a:pPr>
+            <a:r>
+              <a:rPr lang="de-DE" dirty="0"/>
+              <a:t>Modul 1, Übung Eine Funktion</a:t>
+            </a:r>
+          </a:p>
+          <a:p>
+            <a:pPr marL="0" marR="0" lvl="0" indent="0" algn="l" defTabSz="914400" rtl="0" eaLnBrk="1" fontAlgn="auto" latinLnBrk="0" hangingPunct="1">
+              <a:lnSpc>
+                <a:spcPct val="100000"/>
+              </a:lnSpc>
+              <a:spcBef>
+                <a:spcPts val="0"/>
+              </a:spcBef>
+              <a:spcAft>
+                <a:spcPts val="0"/>
+              </a:spcAft>
+              <a:buClrTx/>
+              <a:buSzTx/>
+              <a:buFontTx/>
+              <a:buNone/>
+              <a:tabLst/>
+              <a:defRPr/>
+            </a:pPr>
+            <a:r>
+              <a:rPr lang="de-DE" dirty="0"/>
+              <a:t>Modul 1, Übung </a:t>
+            </a:r>
+          </a:p>
+          <a:p>
+            <a:pPr marL="0" marR="0" lvl="0" indent="0" algn="l" defTabSz="914400" rtl="0" eaLnBrk="1" fontAlgn="auto" latinLnBrk="0" hangingPunct="1">
+              <a:lnSpc>
+                <a:spcPct val="100000"/>
+              </a:lnSpc>
+              <a:spcBef>
+                <a:spcPts val="0"/>
+              </a:spcBef>
+              <a:spcAft>
+                <a:spcPts val="0"/>
+              </a:spcAft>
+              <a:buClrTx/>
+              <a:buSzTx/>
+              <a:buFontTx/>
+              <a:buNone/>
+              <a:tabLst/>
+              <a:defRPr/>
+            </a:pPr>
+            <a:endParaRPr lang="de-DE" dirty="0">
+              <a:solidFill>
+                <a:srgbClr val="000000"/>
+              </a:solidFill>
+              <a:latin typeface="Consolas" panose="020B0609020204030204" pitchFamily="49" charset="0"/>
+            </a:endParaRPr>
+          </a:p>
+          <a:p>
+            <a:pPr marL="0" marR="0" lvl="0" indent="0" algn="l" defTabSz="914400" rtl="0" eaLnBrk="1" fontAlgn="auto" latinLnBrk="0" hangingPunct="1">
+              <a:lnSpc>
+                <a:spcPct val="100000"/>
+              </a:lnSpc>
+              <a:spcBef>
+                <a:spcPts val="0"/>
+              </a:spcBef>
+              <a:spcAft>
+                <a:spcPts val="0"/>
+              </a:spcAft>
+              <a:buClrTx/>
+              <a:buSzTx/>
+              <a:buFontTx/>
+              <a:buNone/>
+              <a:tabLst/>
+              <a:defRPr/>
+            </a:pPr>
+            <a:r>
+              <a:rPr lang="de-DE" dirty="0" err="1">
+                <a:solidFill>
+                  <a:srgbClr val="000000"/>
+                </a:solidFill>
+                <a:latin typeface="Consolas" panose="020B0609020204030204" pitchFamily="49" charset="0"/>
+              </a:rPr>
+              <a:t>val</a:t>
+            </a:r>
+            <a:r>
+              <a:rPr lang="de-DE" dirty="0">
+                <a:solidFill>
+                  <a:srgbClr val="000000"/>
+                </a:solidFill>
+                <a:latin typeface="Consolas" panose="020B0609020204030204" pitchFamily="49" charset="0"/>
+              </a:rPr>
+              <a:t> add1 : x:int -&gt; </a:t>
+            </a:r>
+            <a:r>
+              <a:rPr lang="de-DE" dirty="0" err="1">
+                <a:solidFill>
+                  <a:srgbClr val="000000"/>
+                </a:solidFill>
+                <a:latin typeface="Consolas" panose="020B0609020204030204" pitchFamily="49" charset="0"/>
+              </a:rPr>
+              <a:t>int</a:t>
+            </a:r>
+            <a:endParaRPr lang="de-DE" dirty="0">
+              <a:solidFill>
+                <a:srgbClr val="000000"/>
+              </a:solidFill>
+              <a:latin typeface="Consolas" panose="020B0609020204030204" pitchFamily="49" charset="0"/>
+            </a:endParaRPr>
+          </a:p>
+          <a:p>
+            <a:pPr marL="0" indent="0">
+              <a:buNone/>
+            </a:pPr>
+            <a:r>
+              <a:rPr lang="de-DE" dirty="0"/>
+              <a:t>Signatur trennt einzelne Parameter und Ergebnis durch -&gt;</a:t>
+            </a:r>
+          </a:p>
+          <a:p>
+            <a:pPr marL="0" indent="0">
+              <a:buNone/>
+            </a:pPr>
+            <a:r>
+              <a:rPr lang="de-DE" dirty="0"/>
+              <a:t>Name und Typ sind durch : getrennt</a:t>
+            </a:r>
+          </a:p>
+          <a:p>
+            <a:endParaRPr lang="de-DE" dirty="0"/>
+          </a:p>
+          <a:p>
+            <a:r>
+              <a:rPr lang="de-DE" dirty="0"/>
+              <a:t>Wiederholen:</a:t>
             </a:r>
             <a:r>
               <a:rPr lang="de-DE" baseline="0" dirty="0"/>
               <a:t> </a:t>
             </a:r>
-            <a:r>
-              <a:rPr lang="de-DE" baseline="0" dirty="0" err="1"/>
-              <a:t>types</a:t>
-            </a:r>
+          </a:p>
+          <a:p>
+            <a:pPr marL="171450" indent="-171450">
+              <a:buFont typeface="Arial" panose="020B0604020202020204" pitchFamily="34" charset="0"/>
+              <a:buChar char="•"/>
+            </a:pPr>
             <a:r>
               <a:rPr lang="de-DE" baseline="0" dirty="0"/>
-              <a:t>)</a:t>
-            </a:r>
-            <a:r>
-              <a:rPr lang="de-DE" dirty="0"/>
-              <a:t> können nur dann vergleichbar</a:t>
-            </a:r>
+              <a:t>Keine Begrenzung durch Klammern / Begin und End</a:t>
+            </a:r>
+          </a:p>
+          <a:p>
+            <a:pPr marL="171450" indent="-171450">
+              <a:buFont typeface="Arial" panose="020B0604020202020204" pitchFamily="34" charset="0"/>
+              <a:buChar char="•"/>
+            </a:pPr>
             <a:r>
               <a:rPr lang="de-DE" baseline="0" dirty="0"/>
-              <a:t> sein wenn diese den gleichen Namen haben UND über die gleichen Werte verfüge</a:t>
-            </a:r>
-            <a:endParaRPr lang="en-US" dirty="0"/>
+              <a:t>Kein Return, der letzte Wert wird zurück gegeben</a:t>
+            </a:r>
+          </a:p>
+          <a:p>
+            <a:pPr marL="171450" indent="-171450">
+              <a:buFont typeface="Arial" panose="020B0604020202020204" pitchFamily="34" charset="0"/>
+              <a:buChar char="•"/>
+            </a:pPr>
+            <a:endParaRPr lang="de-DE" baseline="0" dirty="0"/>
+          </a:p>
+          <a:p>
+            <a:pPr marL="171450" indent="-171450">
+              <a:buFont typeface="Arial" panose="020B0604020202020204" pitchFamily="34" charset="0"/>
+              <a:buChar char="•"/>
+            </a:pPr>
+            <a:endParaRPr lang="de-DE" dirty="0"/>
           </a:p>
         </p:txBody>
       </p:sp>
       <p:sp>
         <p:nvSpPr>
-          <p:cNvPr id="4" name="Slide Number Placeholder 3"/>
+          <p:cNvPr id="4" name="Foliennummernplatzhalter 3"/>
           <p:cNvSpPr>
             <a:spLocks noGrp="1"/>
           </p:cNvSpPr>
@@ -2646,7 +2814,7 @@
           <a:p>
             <a:fld id="{4775FDF9-2A53-4261-A0AF-3B6A9698D365}" type="slidenum">
               <a:rPr lang="en-US" smtClean="0"/>
-              <a:t>28</a:t>
+              <a:t>25</a:t>
             </a:fld>
             <a:endParaRPr lang="en-US"/>
           </a:p>
@@ -2655,7 +2823,7 @@
     </p:spTree>
     <p:extLst>
       <p:ext uri="{BB962C8B-B14F-4D97-AF65-F5344CB8AC3E}">
-        <p14:creationId xmlns:p14="http://schemas.microsoft.com/office/powerpoint/2010/main" val="3235457770"/>
+        <p14:creationId xmlns:p14="http://schemas.microsoft.com/office/powerpoint/2010/main" val="2527136602"/>
       </p:ext>
     </p:extLst>
   </p:cSld>
@@ -2684,7 +2852,7 @@
       </p:grpSpPr>
       <p:sp>
         <p:nvSpPr>
-          <p:cNvPr id="2" name="Slide Image Placeholder 1"/>
+          <p:cNvPr id="2" name="Folienbildplatzhalter 1"/>
           <p:cNvSpPr>
             <a:spLocks noGrp="1" noRot="1" noChangeAspect="1"/>
           </p:cNvSpPr>
@@ -2696,7 +2864,7 @@
       </p:sp>
       <p:sp>
         <p:nvSpPr>
-          <p:cNvPr id="3" name="Notes Placeholder 2"/>
+          <p:cNvPr id="3" name="Notizenplatzhalter 2"/>
           <p:cNvSpPr>
             <a:spLocks noGrp="1"/>
           </p:cNvSpPr>
@@ -2709,127 +2877,53 @@
           <a:bodyPr/>
           <a:lstStyle/>
           <a:p>
-            <a:r>
-              <a:rPr lang="de-DE" dirty="0"/>
-              <a:t>Und da Ausdrucke </a:t>
-            </a:r>
-            <a:r>
-              <a:rPr lang="de-DE" dirty="0" err="1"/>
-              <a:t>immutable</a:t>
-            </a:r>
-            <a:r>
-              <a:rPr lang="de-DE" dirty="0"/>
-              <a:t> sind, ändert sich der Wert nicht.  Bitte nicht mit einem Variant (vb.net) verwechseln</a:t>
-            </a:r>
-          </a:p>
-          <a:p>
-            <a:r>
-              <a:rPr lang="de-DE" dirty="0"/>
-              <a:t>DU ist das ganze.  Die einzelnen möglichen Werte heißen Union</a:t>
-            </a:r>
-            <a:r>
-              <a:rPr lang="de-DE" baseline="0" dirty="0"/>
-              <a:t> Case</a:t>
-            </a:r>
-          </a:p>
-          <a:p>
-            <a:r>
-              <a:rPr lang="de-DE" baseline="0" dirty="0"/>
-              <a:t>Empty Case </a:t>
-            </a:r>
-            <a:r>
-              <a:rPr lang="de-DE" baseline="0" dirty="0" err="1"/>
-              <a:t>is</a:t>
-            </a:r>
-            <a:r>
-              <a:rPr lang="de-DE" baseline="0" dirty="0"/>
-              <a:t> </a:t>
-            </a:r>
-            <a:r>
-              <a:rPr lang="de-DE" baseline="0" dirty="0" err="1"/>
-              <a:t>possible</a:t>
-            </a:r>
-            <a:r>
-              <a:rPr lang="de-DE" baseline="0" dirty="0"/>
-              <a:t>.  Wenn es nur Empty </a:t>
-            </a:r>
-            <a:r>
-              <a:rPr lang="de-DE" baseline="0" dirty="0" err="1"/>
-              <a:t>cases</a:t>
-            </a:r>
-            <a:r>
-              <a:rPr lang="de-DE" baseline="0" dirty="0"/>
-              <a:t> gibt, dann handelt es sich um einen „</a:t>
-            </a:r>
-            <a:r>
-              <a:rPr lang="de-DE" baseline="0" dirty="0" err="1"/>
-              <a:t>Enum</a:t>
-            </a:r>
-            <a:r>
-              <a:rPr lang="de-DE" baseline="0" dirty="0"/>
-              <a:t> Style“ DU.  Ein „Echter“ </a:t>
-            </a:r>
-            <a:r>
-              <a:rPr lang="de-DE" baseline="0" dirty="0" err="1"/>
-              <a:t>Enum</a:t>
-            </a:r>
-            <a:r>
-              <a:rPr lang="de-DE" baseline="0" dirty="0"/>
-              <a:t> aber muss anders definiert werden um das gleiche zu erhalten was das IL darstellt wenn ich in C# einen </a:t>
-            </a:r>
-            <a:r>
-              <a:rPr lang="de-DE" baseline="0" dirty="0" err="1"/>
-              <a:t>Enum</a:t>
-            </a:r>
-            <a:r>
-              <a:rPr lang="de-DE" baseline="0" dirty="0"/>
-              <a:t> definiere</a:t>
-            </a:r>
-          </a:p>
-          <a:p>
-            <a:r>
-              <a:rPr lang="de-DE" baseline="0" dirty="0"/>
-              <a:t>Single Case gibt es auch und sind sehr schön zu verwenden um Werte die eine bestimmte Funktion in meinem Domain haben darzustellen.  Z.B. </a:t>
-            </a:r>
-            <a:r>
-              <a:rPr lang="de-DE" baseline="0" dirty="0" err="1"/>
-              <a:t>int</a:t>
-            </a:r>
-            <a:r>
-              <a:rPr lang="de-DE" baseline="0" dirty="0"/>
-              <a:t> als </a:t>
-            </a:r>
-            <a:r>
-              <a:rPr lang="de-DE" baseline="0" dirty="0" err="1"/>
-              <a:t>KundeID</a:t>
-            </a:r>
-            <a:r>
-              <a:rPr lang="de-DE" baseline="0" dirty="0"/>
-              <a:t> und </a:t>
-            </a:r>
-            <a:r>
-              <a:rPr lang="de-DE" baseline="0" dirty="0" err="1"/>
-              <a:t>ProduktID</a:t>
-            </a:r>
-            <a:r>
-              <a:rPr lang="de-DE" baseline="0" dirty="0"/>
-              <a:t>.  Dann ist es kein </a:t>
-            </a:r>
-            <a:r>
-              <a:rPr lang="de-DE" baseline="0" dirty="0" err="1"/>
-              <a:t>int</a:t>
-            </a:r>
-            <a:r>
-              <a:rPr lang="de-DE" baseline="0" dirty="0"/>
-              <a:t> mehr sondern das genannte typ und ich kann diese z.B. nicht mehr vergleichen</a:t>
-            </a:r>
-            <a:endParaRPr lang="en-US" dirty="0"/>
+            <a:pPr marL="0" marR="0" lvl="0" indent="0" algn="l" defTabSz="914400" rtl="0" eaLnBrk="1" fontAlgn="auto" latinLnBrk="0" hangingPunct="1">
+              <a:lnSpc>
+                <a:spcPct val="100000"/>
+              </a:lnSpc>
+              <a:spcBef>
+                <a:spcPts val="0"/>
+              </a:spcBef>
+              <a:spcAft>
+                <a:spcPts val="0"/>
+              </a:spcAft>
+              <a:buClrTx/>
+              <a:buSzTx/>
+              <a:buFontTx/>
+              <a:buNone/>
+              <a:tabLst/>
+              <a:defRPr/>
+            </a:pPr>
+            <a:r>
+              <a:rPr lang="de-DE" dirty="0"/>
+              <a:t>Modul 1, Übung 4</a:t>
+            </a:r>
+          </a:p>
+          <a:p>
+            <a:pPr marL="0" marR="0" lvl="0" indent="0" algn="l" defTabSz="914400" rtl="0" eaLnBrk="1" fontAlgn="auto" latinLnBrk="0" hangingPunct="1">
+              <a:lnSpc>
+                <a:spcPct val="100000"/>
+              </a:lnSpc>
+              <a:spcBef>
+                <a:spcPts val="0"/>
+              </a:spcBef>
+              <a:spcAft>
+                <a:spcPts val="0"/>
+              </a:spcAft>
+              <a:buClrTx/>
+              <a:buSzTx/>
+              <a:buFontTx/>
+              <a:buNone/>
+              <a:tabLst/>
+              <a:defRPr/>
+            </a:pPr>
+            <a:endParaRPr lang="de-DE" dirty="0"/>
           </a:p>
         </p:txBody>
       </p:sp>
       <p:sp>
         <p:nvSpPr>
-          <p:cNvPr id="4" name="Slide Number Placeholder 3"/>
+          <p:cNvPr id="4" name="Foliennummernplatzhalter 3"/>
           <p:cNvSpPr>
             <a:spLocks noGrp="1"/>
           </p:cNvSpPr>
@@ -2844,7 +2938,7 @@
           <a:p>
             <a:fld id="{4775FDF9-2A53-4261-A0AF-3B6A9698D365}" type="slidenum">
               <a:rPr lang="en-US" smtClean="0"/>
-              <a:t>29</a:t>
+              <a:t>26</a:t>
             </a:fld>
             <a:endParaRPr lang="en-US"/>
           </a:p>
@@ -2853,7 +2947,7 @@
     </p:spTree>
     <p:extLst>
       <p:ext uri="{BB962C8B-B14F-4D97-AF65-F5344CB8AC3E}">
-        <p14:creationId xmlns:p14="http://schemas.microsoft.com/office/powerpoint/2010/main" val="3285654297"/>
+        <p14:creationId xmlns:p14="http://schemas.microsoft.com/office/powerpoint/2010/main" val="3253596813"/>
       </p:ext>
     </p:extLst>
   </p:cSld>
@@ -2882,7 +2976,7 @@
       </p:grpSpPr>
       <p:sp>
         <p:nvSpPr>
-          <p:cNvPr id="2" name="Slide Image Placeholder 1"/>
+          <p:cNvPr id="2" name="Folienbildplatzhalter 1"/>
           <p:cNvSpPr>
             <a:spLocks noGrp="1" noRot="1" noChangeAspect="1"/>
           </p:cNvSpPr>
@@ -2894,7 +2988,7 @@
       </p:sp>
       <p:sp>
         <p:nvSpPr>
-          <p:cNvPr id="3" name="Notes Placeholder 2"/>
+          <p:cNvPr id="3" name="Notizenplatzhalter 2"/>
           <p:cNvSpPr>
             <a:spLocks noGrp="1"/>
           </p:cNvSpPr>
@@ -2909,27 +3003,308 @@
           <a:p>
             <a:r>
               <a:rPr lang="de-DE" dirty="0"/>
-              <a:t>In DDD (Domain </a:t>
-            </a:r>
-            <a:r>
-              <a:rPr lang="de-DE" dirty="0" err="1"/>
-              <a:t>Driven</a:t>
-            </a:r>
-            <a:r>
-              <a:rPr lang="de-DE" dirty="0"/>
-              <a:t> Design) spielen diese oft eine wichtige Rolle.  Z.B. kann ich dadurch Primitives</a:t>
-            </a:r>
-            <a:r>
-              <a:rPr lang="de-DE" baseline="0" dirty="0"/>
-              <a:t> so definieren dass diese untereinander nicht „kompatibel“ sind, auch wenn diese vom gleichen Typ sind.</a:t>
-            </a:r>
-            <a:endParaRPr lang="en-US" dirty="0"/>
+              <a:t>Modul 1 Übung 5</a:t>
+            </a:r>
+          </a:p>
+          <a:p>
+            <a:endParaRPr lang="de-DE" dirty="0"/>
+          </a:p>
+          <a:p>
+            <a:pPr marL="0" marR="0" lvl="0" indent="0" algn="l" defTabSz="914400" rtl="0" eaLnBrk="1" fontAlgn="auto" latinLnBrk="0" hangingPunct="1">
+              <a:lnSpc>
+                <a:spcPct val="100000"/>
+              </a:lnSpc>
+              <a:spcBef>
+                <a:spcPts val="0"/>
+              </a:spcBef>
+              <a:spcAft>
+                <a:spcPts val="0"/>
+              </a:spcAft>
+              <a:buClrTx/>
+              <a:buSzTx/>
+              <a:buFontTx/>
+              <a:buNone/>
+              <a:tabLst/>
+              <a:defRPr/>
+            </a:pPr>
+            <a:r>
+              <a:rPr lang="de-DE" sz="1200" kern="1200" dirty="0" err="1">
+                <a:solidFill>
+                  <a:schemeClr val="tx1"/>
+                </a:solidFill>
+                <a:effectLst/>
+                <a:latin typeface="+mn-lt"/>
+                <a:ea typeface="+mn-ea"/>
+                <a:cs typeface="+mn-cs"/>
+              </a:rPr>
+              <a:t>val</a:t>
+            </a:r>
+            <a:r>
+              <a:rPr lang="de-DE" sz="1200" kern="1200" dirty="0">
+                <a:solidFill>
+                  <a:schemeClr val="tx1"/>
+                </a:solidFill>
+                <a:effectLst/>
+                <a:latin typeface="+mn-lt"/>
+                <a:ea typeface="+mn-ea"/>
+                <a:cs typeface="+mn-cs"/>
+              </a:rPr>
+              <a:t> </a:t>
+            </a:r>
+            <a:r>
+              <a:rPr lang="de-DE" sz="1200" kern="1200" dirty="0" err="1">
+                <a:solidFill>
+                  <a:schemeClr val="tx1"/>
+                </a:solidFill>
+                <a:effectLst/>
+                <a:latin typeface="+mn-lt"/>
+                <a:ea typeface="+mn-ea"/>
+                <a:cs typeface="+mn-cs"/>
+              </a:rPr>
+              <a:t>filter</a:t>
+            </a:r>
+            <a:r>
+              <a:rPr lang="de-DE" sz="1200" kern="1200" dirty="0">
+                <a:solidFill>
+                  <a:schemeClr val="tx1"/>
+                </a:solidFill>
+                <a:effectLst/>
+                <a:latin typeface="+mn-lt"/>
+                <a:ea typeface="+mn-ea"/>
+                <a:cs typeface="+mn-cs"/>
+              </a:rPr>
+              <a:t> : </a:t>
+            </a:r>
+            <a:r>
+              <a:rPr lang="de-DE" sz="1200" kern="1200" dirty="0" err="1">
+                <a:solidFill>
+                  <a:schemeClr val="tx1"/>
+                </a:solidFill>
+                <a:effectLst/>
+                <a:latin typeface="+mn-lt"/>
+                <a:ea typeface="+mn-ea"/>
+                <a:cs typeface="+mn-cs"/>
+              </a:rPr>
+              <a:t>predicate</a:t>
+            </a:r>
+            <a:r>
+              <a:rPr lang="de-DE" sz="1200" kern="1200" dirty="0">
+                <a:solidFill>
+                  <a:schemeClr val="tx1"/>
+                </a:solidFill>
+                <a:effectLst/>
+                <a:latin typeface="+mn-lt"/>
+                <a:ea typeface="+mn-ea"/>
+                <a:cs typeface="+mn-cs"/>
+              </a:rPr>
+              <a:t>:('T -&gt; </a:t>
+            </a:r>
+            <a:r>
+              <a:rPr lang="de-DE" sz="1200" kern="1200" dirty="0" err="1">
+                <a:solidFill>
+                  <a:schemeClr val="tx1"/>
+                </a:solidFill>
+                <a:effectLst/>
+                <a:latin typeface="+mn-lt"/>
+                <a:ea typeface="+mn-ea"/>
+                <a:cs typeface="+mn-cs"/>
+              </a:rPr>
+              <a:t>bool</a:t>
+            </a:r>
+            <a:r>
+              <a:rPr lang="de-DE" sz="1200" kern="1200" dirty="0">
+                <a:solidFill>
+                  <a:schemeClr val="tx1"/>
+                </a:solidFill>
+                <a:effectLst/>
+                <a:latin typeface="+mn-lt"/>
+                <a:ea typeface="+mn-ea"/>
+                <a:cs typeface="+mn-cs"/>
+              </a:rPr>
+              <a:t>) -&gt; </a:t>
+            </a:r>
+            <a:r>
+              <a:rPr lang="de-DE" sz="1200" kern="1200" dirty="0" err="1">
+                <a:solidFill>
+                  <a:schemeClr val="tx1"/>
+                </a:solidFill>
+                <a:effectLst/>
+                <a:latin typeface="+mn-lt"/>
+                <a:ea typeface="+mn-ea"/>
+                <a:cs typeface="+mn-cs"/>
+              </a:rPr>
+              <a:t>list</a:t>
+            </a:r>
+            <a:r>
+              <a:rPr lang="de-DE" sz="1200" kern="1200" dirty="0">
+                <a:solidFill>
+                  <a:schemeClr val="tx1"/>
+                </a:solidFill>
+                <a:effectLst/>
+                <a:latin typeface="+mn-lt"/>
+                <a:ea typeface="+mn-ea"/>
+                <a:cs typeface="+mn-cs"/>
+              </a:rPr>
+              <a:t>:'T </a:t>
+            </a:r>
+            <a:r>
+              <a:rPr lang="de-DE" sz="1200" kern="1200" dirty="0" err="1">
+                <a:solidFill>
+                  <a:schemeClr val="tx1"/>
+                </a:solidFill>
+                <a:effectLst/>
+                <a:latin typeface="+mn-lt"/>
+                <a:ea typeface="+mn-ea"/>
+                <a:cs typeface="+mn-cs"/>
+              </a:rPr>
+              <a:t>list</a:t>
+            </a:r>
+            <a:r>
+              <a:rPr lang="de-DE" sz="1200" kern="1200" dirty="0">
+                <a:solidFill>
+                  <a:schemeClr val="tx1"/>
+                </a:solidFill>
+                <a:effectLst/>
+                <a:latin typeface="+mn-lt"/>
+                <a:ea typeface="+mn-ea"/>
+                <a:cs typeface="+mn-cs"/>
+              </a:rPr>
+              <a:t> -&gt; 'T </a:t>
+            </a:r>
+            <a:r>
+              <a:rPr lang="de-DE" sz="1200" kern="1200" dirty="0" err="1">
+                <a:solidFill>
+                  <a:schemeClr val="tx1"/>
+                </a:solidFill>
+                <a:effectLst/>
+                <a:latin typeface="+mn-lt"/>
+                <a:ea typeface="+mn-ea"/>
+                <a:cs typeface="+mn-cs"/>
+              </a:rPr>
+              <a:t>list</a:t>
+            </a:r>
+            <a:endParaRPr lang="de-DE" sz="1200" kern="1200" dirty="0">
+              <a:solidFill>
+                <a:schemeClr val="tx1"/>
+              </a:solidFill>
+              <a:effectLst/>
+              <a:latin typeface="+mn-lt"/>
+              <a:ea typeface="+mn-ea"/>
+              <a:cs typeface="+mn-cs"/>
+            </a:endParaRPr>
+          </a:p>
+          <a:p>
+            <a:pPr marL="0" marR="0" lvl="0" indent="0" algn="l" defTabSz="914400" rtl="0" eaLnBrk="1" fontAlgn="auto" latinLnBrk="0" hangingPunct="1">
+              <a:lnSpc>
+                <a:spcPct val="100000"/>
+              </a:lnSpc>
+              <a:spcBef>
+                <a:spcPts val="0"/>
+              </a:spcBef>
+              <a:spcAft>
+                <a:spcPts val="0"/>
+              </a:spcAft>
+              <a:buClrTx/>
+              <a:buSzTx/>
+              <a:buFontTx/>
+              <a:buNone/>
+              <a:tabLst/>
+              <a:defRPr/>
+            </a:pPr>
+            <a:endParaRPr lang="de-DE" sz="1200" kern="1200" dirty="0">
+              <a:solidFill>
+                <a:schemeClr val="tx1"/>
+              </a:solidFill>
+              <a:effectLst/>
+              <a:latin typeface="+mn-lt"/>
+              <a:ea typeface="+mn-ea"/>
+              <a:cs typeface="+mn-cs"/>
+            </a:endParaRPr>
+          </a:p>
+          <a:p>
+            <a:pPr marL="0" marR="0" lvl="0" indent="0" algn="l" defTabSz="914400" rtl="0" eaLnBrk="1" fontAlgn="auto" latinLnBrk="0" hangingPunct="1">
+              <a:lnSpc>
+                <a:spcPct val="100000"/>
+              </a:lnSpc>
+              <a:spcBef>
+                <a:spcPts val="0"/>
+              </a:spcBef>
+              <a:spcAft>
+                <a:spcPts val="0"/>
+              </a:spcAft>
+              <a:buClrTx/>
+              <a:buSzTx/>
+              <a:buFontTx/>
+              <a:buNone/>
+              <a:tabLst/>
+              <a:defRPr/>
+            </a:pPr>
+            <a:r>
+              <a:rPr lang="de-DE" sz="1200" kern="1200" dirty="0">
+                <a:solidFill>
+                  <a:schemeClr val="tx1"/>
+                </a:solidFill>
+                <a:effectLst/>
+                <a:latin typeface="+mn-lt"/>
+                <a:ea typeface="+mn-ea"/>
+                <a:cs typeface="+mn-cs"/>
+              </a:rPr>
+              <a:t>Wieder betonen: </a:t>
+            </a:r>
+            <a:r>
+              <a:rPr lang="de-DE" sz="1200" kern="1200" dirty="0" err="1">
+                <a:solidFill>
+                  <a:schemeClr val="tx1"/>
+                </a:solidFill>
+                <a:effectLst/>
+                <a:latin typeface="+mn-lt"/>
+                <a:ea typeface="+mn-ea"/>
+                <a:cs typeface="+mn-cs"/>
+              </a:rPr>
+              <a:t>Name:Typ</a:t>
+            </a:r>
+            <a:r>
+              <a:rPr lang="de-DE" sz="1200" kern="1200" dirty="0">
+                <a:solidFill>
+                  <a:schemeClr val="tx1"/>
+                </a:solidFill>
+                <a:effectLst/>
+                <a:latin typeface="+mn-lt"/>
+                <a:ea typeface="+mn-ea"/>
+                <a:cs typeface="+mn-cs"/>
+              </a:rPr>
+              <a:t> -&gt; Typ des </a:t>
+            </a:r>
+            <a:r>
+              <a:rPr lang="de-DE" sz="1200" kern="1200" dirty="0" err="1">
+                <a:solidFill>
+                  <a:schemeClr val="tx1"/>
+                </a:solidFill>
+                <a:effectLst/>
+                <a:latin typeface="+mn-lt"/>
+                <a:ea typeface="+mn-ea"/>
+                <a:cs typeface="+mn-cs"/>
+              </a:rPr>
+              <a:t>Ergebnises</a:t>
+            </a:r>
+            <a:endParaRPr lang="de-DE" sz="1200" kern="1200" dirty="0">
+              <a:solidFill>
+                <a:schemeClr val="tx1"/>
+              </a:solidFill>
+              <a:effectLst/>
+              <a:latin typeface="+mn-lt"/>
+              <a:ea typeface="+mn-ea"/>
+              <a:cs typeface="+mn-cs"/>
+            </a:endParaRPr>
+          </a:p>
+          <a:p>
+            <a:endParaRPr lang="de-DE" dirty="0"/>
           </a:p>
         </p:txBody>
       </p:sp>
       <p:sp>
         <p:nvSpPr>
-          <p:cNvPr id="4" name="Slide Number Placeholder 3"/>
+          <p:cNvPr id="4" name="Foliennummernplatzhalter 3"/>
           <p:cNvSpPr>
             <a:spLocks noGrp="1"/>
           </p:cNvSpPr>
@@ -2944,7 +3319,7 @@
           <a:p>
             <a:fld id="{4775FDF9-2A53-4261-A0AF-3B6A9698D365}" type="slidenum">
               <a:rPr lang="en-US" smtClean="0"/>
-              <a:t>30</a:t>
+              <a:t>27</a:t>
             </a:fld>
             <a:endParaRPr lang="en-US"/>
           </a:p>
@@ -2953,7 +3328,7 @@
     </p:spTree>
     <p:extLst>
       <p:ext uri="{BB962C8B-B14F-4D97-AF65-F5344CB8AC3E}">
-        <p14:creationId xmlns:p14="http://schemas.microsoft.com/office/powerpoint/2010/main" val="2117330388"/>
+        <p14:creationId xmlns:p14="http://schemas.microsoft.com/office/powerpoint/2010/main" val="2960897087"/>
       </p:ext>
     </p:extLst>
   </p:cSld>
@@ -2982,7 +3357,7 @@
       </p:grpSpPr>
       <p:sp>
         <p:nvSpPr>
-          <p:cNvPr id="2" name="Slide Image Placeholder 1"/>
+          <p:cNvPr id="2" name="Folienbildplatzhalter 1"/>
           <p:cNvSpPr>
             <a:spLocks noGrp="1" noRot="1" noChangeAspect="1"/>
           </p:cNvSpPr>
@@ -2994,7 +3369,7 @@
       </p:sp>
       <p:sp>
         <p:nvSpPr>
-          <p:cNvPr id="3" name="Notes Placeholder 2"/>
+          <p:cNvPr id="3" name="Notizenplatzhalter 2"/>
           <p:cNvSpPr>
             <a:spLocks noGrp="1"/>
           </p:cNvSpPr>
@@ -3009,43 +3384,149 @@
           <a:p>
             <a:r>
               <a:rPr lang="de-DE" dirty="0"/>
-              <a:t>In </a:t>
+              <a:t>Modul 1 Übung 7</a:t>
+            </a:r>
+          </a:p>
+          <a:p>
+            <a:endParaRPr lang="de-DE" dirty="0"/>
+          </a:p>
+          <a:p>
+            <a:r>
+              <a:rPr lang="de-DE" dirty="0"/>
+              <a:t>Verwendung:</a:t>
+            </a:r>
+            <a:r>
+              <a:rPr lang="de-DE" baseline="0" dirty="0"/>
+              <a:t> Ergebnis eines Aufrufs als das </a:t>
+            </a:r>
+            <a:r>
+              <a:rPr lang="de-DE" baseline="0" dirty="0" err="1"/>
+              <a:t>Paramter</a:t>
+            </a:r>
+            <a:r>
+              <a:rPr lang="de-DE" baseline="0" dirty="0"/>
+              <a:t> des nächsten verwenden</a:t>
+            </a:r>
+            <a:endParaRPr lang="de-DE" dirty="0"/>
+          </a:p>
+          <a:p>
+            <a:r>
+              <a:rPr lang="de-DE" dirty="0"/>
+              <a:t> </a:t>
+            </a:r>
+            <a:r>
+              <a:rPr lang="de-DE" dirty="0">
+                <a:solidFill>
+                  <a:srgbClr val="000000"/>
+                </a:solidFill>
+                <a:latin typeface="Consolas" panose="020B0609020204030204" pitchFamily="49" charset="0"/>
+              </a:rPr>
+              <a:t>' </a:t>
+            </a:r>
+            <a:r>
+              <a:rPr lang="de-DE" dirty="0"/>
+              <a:t>vor einem </a:t>
             </a:r>
             <a:r>
               <a:rPr lang="de-DE" dirty="0" err="1"/>
-              <a:t>Haskel</a:t>
-            </a:r>
-            <a:r>
-              <a:rPr lang="de-DE" dirty="0"/>
-              <a:t> heißt dieser Typ </a:t>
-            </a:r>
-            <a:r>
-              <a:rPr lang="de-DE" dirty="0" err="1"/>
-              <a:t>Maybe</a:t>
-            </a:r>
-            <a:r>
-              <a:rPr lang="de-DE" dirty="0"/>
-              <a:t>, in Scala heißt</a:t>
+              <a:t>Paramter</a:t>
+            </a:r>
+            <a:r>
+              <a:rPr lang="de-DE" dirty="0"/>
+              <a:t> zeigt dass es sich um einen generischen Parameter</a:t>
             </a:r>
             <a:r>
               <a:rPr lang="de-DE" baseline="0" dirty="0"/>
-              <a:t> es auch </a:t>
-            </a:r>
-            <a:r>
-              <a:rPr lang="de-DE" baseline="0" dirty="0" err="1"/>
-              <a:t>option</a:t>
-            </a:r>
+              <a:t> handelt</a:t>
+            </a:r>
+          </a:p>
+          <a:p>
             <a:r>
               <a:rPr lang="de-DE" baseline="0" dirty="0"/>
-              <a:t>.</a:t>
-            </a:r>
-            <a:endParaRPr lang="en-US" dirty="0"/>
+              <a:t>In diesem Fall </a:t>
+            </a:r>
+          </a:p>
+          <a:p>
+            <a:r>
+              <a:rPr lang="de-DE" dirty="0">
+                <a:solidFill>
+                  <a:srgbClr val="000000"/>
+                </a:solidFill>
+                <a:latin typeface="Consolas" panose="020B0609020204030204" pitchFamily="49" charset="0"/>
+              </a:rPr>
+              <a:t>x:'a  x ist ein Eingabe</a:t>
+            </a:r>
+            <a:r>
+              <a:rPr lang="de-DE" baseline="0" dirty="0">
+                <a:solidFill>
+                  <a:srgbClr val="000000"/>
+                </a:solidFill>
+                <a:latin typeface="Consolas" panose="020B0609020204030204" pitchFamily="49" charset="0"/>
+              </a:rPr>
+              <a:t> </a:t>
+            </a:r>
+            <a:r>
+              <a:rPr lang="de-DE" baseline="0" dirty="0" err="1">
+                <a:solidFill>
+                  <a:srgbClr val="000000"/>
+                </a:solidFill>
+                <a:latin typeface="Consolas" panose="020B0609020204030204" pitchFamily="49" charset="0"/>
+              </a:rPr>
+              <a:t>Paramter</a:t>
+            </a:r>
+            <a:endParaRPr lang="de-DE" baseline="0" dirty="0">
+              <a:solidFill>
+                <a:srgbClr val="000000"/>
+              </a:solidFill>
+              <a:latin typeface="Consolas" panose="020B0609020204030204" pitchFamily="49" charset="0"/>
+            </a:endParaRPr>
+          </a:p>
+          <a:p>
+            <a:r>
+              <a:rPr lang="de-DE" dirty="0">
+                <a:solidFill>
+                  <a:srgbClr val="000000"/>
+                </a:solidFill>
+                <a:latin typeface="Consolas" panose="020B0609020204030204" pitchFamily="49" charset="0"/>
+              </a:rPr>
+              <a:t>f:('a -&gt; 'b) f ist eine Funktion die einen </a:t>
+            </a:r>
+            <a:r>
+              <a:rPr lang="de-DE" dirty="0" err="1">
+                <a:solidFill>
+                  <a:srgbClr val="000000"/>
+                </a:solidFill>
+                <a:latin typeface="Consolas" panose="020B0609020204030204" pitchFamily="49" charset="0"/>
+              </a:rPr>
+              <a:t>Paramter</a:t>
+            </a:r>
+            <a:r>
+              <a:rPr lang="de-DE" dirty="0">
+                <a:solidFill>
+                  <a:srgbClr val="000000"/>
+                </a:solidFill>
+                <a:latin typeface="Consolas" panose="020B0609020204030204" pitchFamily="49" charset="0"/>
+              </a:rPr>
+              <a:t> vom Typ 'a entgegen nimmt und einen von Typ 'b zurück gibt</a:t>
+            </a:r>
+          </a:p>
+          <a:p>
+            <a:r>
+              <a:rPr lang="de-DE" dirty="0">
+                <a:solidFill>
+                  <a:srgbClr val="000000"/>
+                </a:solidFill>
+                <a:latin typeface="Consolas" panose="020B0609020204030204" pitchFamily="49" charset="0"/>
+              </a:rPr>
+              <a:t>Ergebnis ist ein Wert vom Typ 'b</a:t>
+            </a:r>
+            <a:endParaRPr lang="de-DE" dirty="0"/>
           </a:p>
         </p:txBody>
       </p:sp>
       <p:sp>
         <p:nvSpPr>
-          <p:cNvPr id="4" name="Slide Number Placeholder 3"/>
+          <p:cNvPr id="4" name="Foliennummernplatzhalter 3"/>
           <p:cNvSpPr>
             <a:spLocks noGrp="1"/>
           </p:cNvSpPr>
@@ -3060,7 +3541,7 @@
           <a:p>
             <a:fld id="{4775FDF9-2A53-4261-A0AF-3B6A9698D365}" type="slidenum">
               <a:rPr lang="en-US" smtClean="0"/>
-              <a:t>31</a:t>
+              <a:t>28</a:t>
             </a:fld>
             <a:endParaRPr lang="en-US"/>
           </a:p>
@@ -3069,7 +3550,7 @@
     </p:spTree>
     <p:extLst>
       <p:ext uri="{BB962C8B-B14F-4D97-AF65-F5344CB8AC3E}">
-        <p14:creationId xmlns:p14="http://schemas.microsoft.com/office/powerpoint/2010/main" val="1558731010"/>
+        <p14:creationId xmlns:p14="http://schemas.microsoft.com/office/powerpoint/2010/main" val="3906409183"/>
       </p:ext>
     </p:extLst>
   </p:cSld>
@@ -3098,7 +3579,7 @@
       </p:grpSpPr>
       <p:sp>
         <p:nvSpPr>
-          <p:cNvPr id="2" name="Slide Image Placeholder 1"/>
+          <p:cNvPr id="2" name="Folienbildplatzhalter 1"/>
           <p:cNvSpPr>
             <a:spLocks noGrp="1" noRot="1" noChangeAspect="1"/>
           </p:cNvSpPr>
@@ -3110,7 +3591,7 @@
       </p:sp>
       <p:sp>
         <p:nvSpPr>
-          <p:cNvPr id="3" name="Notes Placeholder 2"/>
+          <p:cNvPr id="3" name="Notizenplatzhalter 2"/>
           <p:cNvSpPr>
             <a:spLocks noGrp="1"/>
           </p:cNvSpPr>
@@ -3123,17 +3604,7 @@
           <a:bodyPr/>
           <a:lstStyle/>
           <a:p>
-            <a:r>
-              <a:rPr lang="de-DE" dirty="0"/>
-              <a:t>null</a:t>
-            </a:r>
-            <a:r>
-              <a:rPr lang="de-DE" baseline="0" dirty="0"/>
-              <a:t> ist eine Reference zu einem nicht-vorhandenen Objekt</a:t>
-            </a:r>
-          </a:p>
-          <a:p>
-            <a:pPr marL="0" marR="0" indent="0" algn="l" defTabSz="914400" rtl="0" eaLnBrk="1" fontAlgn="auto" latinLnBrk="0" hangingPunct="1">
+            <a:pPr marL="0" marR="0" lvl="0" indent="0" algn="l" defTabSz="914400" rtl="0" eaLnBrk="1" fontAlgn="auto" latinLnBrk="0" hangingPunct="1">
               <a:lnSpc>
                 <a:spcPct val="100000"/>
               </a:lnSpc>
@@ -3152,41 +3623,17 @@
             </a:pPr>
             <a:r>
               <a:rPr lang="de-DE" dirty="0"/>
-              <a:t>null</a:t>
-            </a:r>
-            <a:r>
-              <a:rPr lang="de-DE" baseline="0" dirty="0"/>
-              <a:t> hat den gleichen Typ, ich kann </a:t>
-            </a:r>
-            <a:r>
-              <a:rPr lang="de-DE" baseline="0" dirty="0" err="1">
-                <a:solidFill>
-                  <a:schemeClr val="accent2">
-                    <a:lumMod val="75000"/>
-                  </a:schemeClr>
-                </a:solidFill>
-              </a:rPr>
-              <a:t>Length</a:t>
-            </a:r>
-            <a:r>
-              <a:rPr lang="de-DE" baseline="0" dirty="0">
-                <a:solidFill>
-                  <a:schemeClr val="accent2">
-                    <a:lumMod val="75000"/>
-                  </a:schemeClr>
-                </a:solidFill>
-              </a:rPr>
-              <a:t> aufrufen auf einen Reference zu Nichts!</a:t>
-            </a:r>
-          </a:p>
-          <a:p>
-            <a:endParaRPr lang="en-US" dirty="0"/>
+              <a:t>Modul 1 Übung 5 </a:t>
+            </a:r>
+          </a:p>
+          <a:p>
+            <a:endParaRPr lang="de-DE" dirty="0"/>
           </a:p>
         </p:txBody>
       </p:sp>
       <p:sp>
         <p:nvSpPr>
-          <p:cNvPr id="4" name="Slide Number Placeholder 3"/>
+          <p:cNvPr id="4" name="Foliennummernplatzhalter 3"/>
           <p:cNvSpPr>
             <a:spLocks noGrp="1"/>
           </p:cNvSpPr>
@@ -3201,7 +3648,7 @@
           <a:p>
             <a:fld id="{4775FDF9-2A53-4261-A0AF-3B6A9698D365}" type="slidenum">
               <a:rPr lang="en-US" smtClean="0"/>
-              <a:t>32</a:t>
+              <a:t>29</a:t>
             </a:fld>
             <a:endParaRPr lang="en-US"/>
           </a:p>
@@ -3210,7 +3657,7 @@
     </p:spTree>
     <p:extLst>
       <p:ext uri="{BB962C8B-B14F-4D97-AF65-F5344CB8AC3E}">
-        <p14:creationId xmlns:p14="http://schemas.microsoft.com/office/powerpoint/2010/main" val="2749551638"/>
+        <p14:creationId xmlns:p14="http://schemas.microsoft.com/office/powerpoint/2010/main" val="2072827091"/>
       </p:ext>
     </p:extLst>
   </p:cSld>
@@ -3239,7 +3686,7 @@
       </p:grpSpPr>
       <p:sp>
         <p:nvSpPr>
-          <p:cNvPr id="2" name="Slide Image Placeholder 1"/>
+          <p:cNvPr id="2" name="Folienbildplatzhalter 1"/>
           <p:cNvSpPr>
             <a:spLocks noGrp="1" noRot="1" noChangeAspect="1"/>
           </p:cNvSpPr>
@@ -3251,7 +3698,7 @@
       </p:sp>
       <p:sp>
         <p:nvSpPr>
-          <p:cNvPr id="3" name="Notes Placeholder 2"/>
+          <p:cNvPr id="3" name="Notizenplatzhalter 2"/>
           <p:cNvSpPr>
             <a:spLocks noGrp="1"/>
           </p:cNvSpPr>
@@ -3265,37 +3712,16 @@
           <a:lstStyle/>
           <a:p>
             <a:r>
-              <a:rPr lang="de-DE" dirty="0"/>
-              <a:t>Der Compiler erkennt einen Aufruf zu einem None</a:t>
-            </a:r>
-            <a:r>
-              <a:rPr lang="de-DE" baseline="0" dirty="0"/>
-              <a:t> als solches und verhindert diesen Aufruf zur </a:t>
-            </a:r>
-            <a:r>
-              <a:rPr lang="de-DE" baseline="0" dirty="0" err="1"/>
-              <a:t>Compile</a:t>
-            </a:r>
-            <a:r>
-              <a:rPr lang="de-DE" baseline="0" dirty="0"/>
-              <a:t>-Zeit</a:t>
-            </a:r>
-            <a:endParaRPr lang="de-DE" baseline="0" dirty="0">
-              <a:solidFill>
-                <a:schemeClr val="accent2">
-                  <a:lumMod val="75000"/>
-                </a:schemeClr>
-              </a:solidFill>
-            </a:endParaRPr>
-          </a:p>
-          <a:p>
-            <a:endParaRPr lang="en-US" dirty="0"/>
+              <a:rPr lang="de-DE"/>
+              <a:t>Übung Verketten</a:t>
+            </a:r>
+            <a:endParaRPr lang="de-DE" dirty="0"/>
           </a:p>
         </p:txBody>
       </p:sp>
       <p:sp>
         <p:nvSpPr>
-          <p:cNvPr id="4" name="Slide Number Placeholder 3"/>
+          <p:cNvPr id="4" name="Foliennummernplatzhalter 3"/>
           <p:cNvSpPr>
             <a:spLocks noGrp="1"/>
           </p:cNvSpPr>
@@ -3310,7 +3736,7 @@
           <a:p>
             <a:fld id="{4775FDF9-2A53-4261-A0AF-3B6A9698D365}" type="slidenum">
               <a:rPr lang="en-US" smtClean="0"/>
-              <a:t>33</a:t>
+              <a:t>30</a:t>
             </a:fld>
             <a:endParaRPr lang="en-US"/>
           </a:p>
@@ -3319,7 +3745,103 @@
     </p:spTree>
     <p:extLst>
       <p:ext uri="{BB962C8B-B14F-4D97-AF65-F5344CB8AC3E}">
-        <p14:creationId xmlns:p14="http://schemas.microsoft.com/office/powerpoint/2010/main" val="2749551638"/>
+        <p14:creationId xmlns:p14="http://schemas.microsoft.com/office/powerpoint/2010/main" val="860166558"/>
+      </p:ext>
+    </p:extLst>
+  </p:cSld>
+  <p:clrMapOvr>
+    <a:masterClrMapping/>
+  </p:clrMapOvr>
+</p:notes>
+</file>
+
+<file path=ppt/notesSlides/notesSlide29.xml><?xml version="1.0" encoding="utf-8"?>
+<p:notes xmlns:a="http://schemas.openxmlformats.org/drawingml/2006/main" xmlns:r="http://schemas.openxmlformats.org/officeDocument/2006/relationships" xmlns:p="http://schemas.openxmlformats.org/presentationml/2006/main">
+  <p:cSld>
+    <p:spTree>
+      <p:nvGrpSpPr>
+        <p:cNvPr id="1" name=""/>
+        <p:cNvGrpSpPr/>
+        <p:nvPr/>
+      </p:nvGrpSpPr>
+      <p:grpSpPr>
+        <a:xfrm>
+          <a:off x="0" y="0"/>
+          <a:ext cx="0" cy="0"/>
+          <a:chOff x="0" y="0"/>
+          <a:chExt cx="0" cy="0"/>
+        </a:xfrm>
+      </p:grpSpPr>
+      <p:sp>
+        <p:nvSpPr>
+          <p:cNvPr id="2" name="Slide Image Placeholder 1"/>
+          <p:cNvSpPr>
+            <a:spLocks noGrp="1" noRot="1" noChangeAspect="1"/>
+          </p:cNvSpPr>
+          <p:nvPr>
+            <p:ph type="sldImg"/>
+          </p:nvPr>
+        </p:nvSpPr>
+        <p:spPr/>
+      </p:sp>
+      <p:sp>
+        <p:nvSpPr>
+          <p:cNvPr id="3" name="Notes Placeholder 2"/>
+          <p:cNvSpPr>
+            <a:spLocks noGrp="1"/>
+          </p:cNvSpPr>
+          <p:nvPr>
+            <p:ph type="body" idx="1"/>
+          </p:nvPr>
+        </p:nvSpPr>
+        <p:spPr/>
+        <p:txBody>
+          <a:bodyPr/>
+          <a:lstStyle/>
+          <a:p>
+            <a:r>
+              <a:rPr lang="de-DE" dirty="0"/>
+              <a:t>Pattern </a:t>
+            </a:r>
+            <a:r>
+              <a:rPr lang="de-DE" dirty="0" err="1"/>
+              <a:t>Matching</a:t>
+            </a:r>
+            <a:r>
+              <a:rPr lang="de-DE" dirty="0"/>
+              <a:t> wird angedacht für C# 7.0.</a:t>
+            </a:r>
+            <a:endParaRPr lang="en-US" dirty="0"/>
+          </a:p>
+        </p:txBody>
+      </p:sp>
+      <p:sp>
+        <p:nvSpPr>
+          <p:cNvPr id="4" name="Slide Number Placeholder 3"/>
+          <p:cNvSpPr>
+            <a:spLocks noGrp="1"/>
+          </p:cNvSpPr>
+          <p:nvPr>
+            <p:ph type="sldNum" sz="quarter" idx="10"/>
+          </p:nvPr>
+        </p:nvSpPr>
+        <p:spPr/>
+        <p:txBody>
+          <a:bodyPr/>
+          <a:lstStyle/>
+          <a:p>
+            <a:fld id="{4775FDF9-2A53-4261-A0AF-3B6A9698D365}" type="slidenum">
+              <a:rPr lang="en-US" smtClean="0"/>
+              <a:t>31</a:t>
+            </a:fld>
+            <a:endParaRPr lang="en-US"/>
+          </a:p>
+        </p:txBody>
+      </p:sp>
+    </p:spTree>
+    <p:extLst>
+      <p:ext uri="{BB962C8B-B14F-4D97-AF65-F5344CB8AC3E}">
+        <p14:creationId xmlns:p14="http://schemas.microsoft.com/office/powerpoint/2010/main" val="1056229856"/>
       </p:ext>
     </p:extLst>
   </p:cSld>
@@ -3500,6 +4022,982 @@
     <p:extLst>
       <p:ext uri="{BB962C8B-B14F-4D97-AF65-F5344CB8AC3E}">
         <p14:creationId xmlns:p14="http://schemas.microsoft.com/office/powerpoint/2010/main" val="3915220771"/>
+      </p:ext>
+    </p:extLst>
+  </p:cSld>
+  <p:clrMapOvr>
+    <a:masterClrMapping/>
+  </p:clrMapOvr>
+</p:notes>
+</file>
+
+<file path=ppt/notesSlides/notesSlide30.xml><?xml version="1.0" encoding="utf-8"?>
+<p:notes xmlns:a="http://schemas.openxmlformats.org/drawingml/2006/main" xmlns:r="http://schemas.openxmlformats.org/officeDocument/2006/relationships" xmlns:p="http://schemas.openxmlformats.org/presentationml/2006/main">
+  <p:cSld>
+    <p:spTree>
+      <p:nvGrpSpPr>
+        <p:cNvPr id="1" name=""/>
+        <p:cNvGrpSpPr/>
+        <p:nvPr/>
+      </p:nvGrpSpPr>
+      <p:grpSpPr>
+        <a:xfrm>
+          <a:off x="0" y="0"/>
+          <a:ext cx="0" cy="0"/>
+          <a:chOff x="0" y="0"/>
+          <a:chExt cx="0" cy="0"/>
+        </a:xfrm>
+      </p:grpSpPr>
+      <p:sp>
+        <p:nvSpPr>
+          <p:cNvPr id="2" name="Slide Image Placeholder 1"/>
+          <p:cNvSpPr>
+            <a:spLocks noGrp="1" noRot="1" noChangeAspect="1"/>
+          </p:cNvSpPr>
+          <p:nvPr>
+            <p:ph type="sldImg"/>
+          </p:nvPr>
+        </p:nvSpPr>
+        <p:spPr/>
+      </p:sp>
+      <p:sp>
+        <p:nvSpPr>
+          <p:cNvPr id="3" name="Notes Placeholder 2"/>
+          <p:cNvSpPr>
+            <a:spLocks noGrp="1"/>
+          </p:cNvSpPr>
+          <p:nvPr>
+            <p:ph type="body" idx="1"/>
+          </p:nvPr>
+        </p:nvSpPr>
+        <p:spPr/>
+        <p:txBody>
+          <a:bodyPr/>
+          <a:lstStyle/>
+          <a:p>
+            <a:r>
+              <a:rPr lang="de-DE" dirty="0" err="1"/>
+              <a:t>Adhoc</a:t>
+            </a:r>
+            <a:r>
+              <a:rPr lang="de-DE" dirty="0"/>
+              <a:t> Data Type.</a:t>
+            </a:r>
+            <a:endParaRPr lang="en-US" dirty="0"/>
+          </a:p>
+        </p:txBody>
+      </p:sp>
+      <p:sp>
+        <p:nvSpPr>
+          <p:cNvPr id="4" name="Slide Number Placeholder 3"/>
+          <p:cNvSpPr>
+            <a:spLocks noGrp="1"/>
+          </p:cNvSpPr>
+          <p:nvPr>
+            <p:ph type="sldNum" sz="quarter" idx="10"/>
+          </p:nvPr>
+        </p:nvSpPr>
+        <p:spPr/>
+        <p:txBody>
+          <a:bodyPr/>
+          <a:lstStyle/>
+          <a:p>
+            <a:fld id="{4775FDF9-2A53-4261-A0AF-3B6A9698D365}" type="slidenum">
+              <a:rPr lang="en-US" smtClean="0"/>
+              <a:t>32</a:t>
+            </a:fld>
+            <a:endParaRPr lang="en-US"/>
+          </a:p>
+        </p:txBody>
+      </p:sp>
+    </p:spTree>
+    <p:extLst>
+      <p:ext uri="{BB962C8B-B14F-4D97-AF65-F5344CB8AC3E}">
+        <p14:creationId xmlns:p14="http://schemas.microsoft.com/office/powerpoint/2010/main" val="3351844412"/>
+      </p:ext>
+    </p:extLst>
+  </p:cSld>
+  <p:clrMapOvr>
+    <a:masterClrMapping/>
+  </p:clrMapOvr>
+</p:notes>
+</file>
+
+<file path=ppt/notesSlides/notesSlide31.xml><?xml version="1.0" encoding="utf-8"?>
+<p:notes xmlns:a="http://schemas.openxmlformats.org/drawingml/2006/main" xmlns:r="http://schemas.openxmlformats.org/officeDocument/2006/relationships" xmlns:p="http://schemas.openxmlformats.org/presentationml/2006/main">
+  <p:cSld>
+    <p:spTree>
+      <p:nvGrpSpPr>
+        <p:cNvPr id="1" name=""/>
+        <p:cNvGrpSpPr/>
+        <p:nvPr/>
+      </p:nvGrpSpPr>
+      <p:grpSpPr>
+        <a:xfrm>
+          <a:off x="0" y="0"/>
+          <a:ext cx="0" cy="0"/>
+          <a:chOff x="0" y="0"/>
+          <a:chExt cx="0" cy="0"/>
+        </a:xfrm>
+      </p:grpSpPr>
+      <p:sp>
+        <p:nvSpPr>
+          <p:cNvPr id="2" name="Slide Image Placeholder 1"/>
+          <p:cNvSpPr>
+            <a:spLocks noGrp="1" noRot="1" noChangeAspect="1"/>
+          </p:cNvSpPr>
+          <p:nvPr>
+            <p:ph type="sldImg"/>
+          </p:nvPr>
+        </p:nvSpPr>
+        <p:spPr/>
+      </p:sp>
+      <p:sp>
+        <p:nvSpPr>
+          <p:cNvPr id="3" name="Notes Placeholder 2"/>
+          <p:cNvSpPr>
+            <a:spLocks noGrp="1"/>
+          </p:cNvSpPr>
+          <p:nvPr>
+            <p:ph type="body" idx="1"/>
+          </p:nvPr>
+        </p:nvSpPr>
+        <p:spPr/>
+        <p:txBody>
+          <a:bodyPr/>
+          <a:lstStyle/>
+          <a:p>
+            <a:r>
+              <a:rPr lang="de-DE" dirty="0"/>
+              <a:t>Ich kann pro Deklaration</a:t>
+            </a:r>
+            <a:r>
+              <a:rPr lang="de-DE" baseline="0" dirty="0"/>
+              <a:t> eine andere Funktion angeben.  Reihenfolge der Deklarationen ist nicht relevant.</a:t>
+            </a:r>
+            <a:endParaRPr lang="en-US" dirty="0"/>
+          </a:p>
+        </p:txBody>
+      </p:sp>
+      <p:sp>
+        <p:nvSpPr>
+          <p:cNvPr id="4" name="Slide Number Placeholder 3"/>
+          <p:cNvSpPr>
+            <a:spLocks noGrp="1"/>
+          </p:cNvSpPr>
+          <p:nvPr>
+            <p:ph type="sldNum" sz="quarter" idx="10"/>
+          </p:nvPr>
+        </p:nvSpPr>
+        <p:spPr/>
+        <p:txBody>
+          <a:bodyPr/>
+          <a:lstStyle/>
+          <a:p>
+            <a:fld id="{4775FDF9-2A53-4261-A0AF-3B6A9698D365}" type="slidenum">
+              <a:rPr lang="en-US" smtClean="0"/>
+              <a:t>33</a:t>
+            </a:fld>
+            <a:endParaRPr lang="en-US"/>
+          </a:p>
+        </p:txBody>
+      </p:sp>
+    </p:spTree>
+    <p:extLst>
+      <p:ext uri="{BB962C8B-B14F-4D97-AF65-F5344CB8AC3E}">
+        <p14:creationId xmlns:p14="http://schemas.microsoft.com/office/powerpoint/2010/main" val="827611547"/>
+      </p:ext>
+    </p:extLst>
+  </p:cSld>
+  <p:clrMapOvr>
+    <a:masterClrMapping/>
+  </p:clrMapOvr>
+</p:notes>
+</file>
+
+<file path=ppt/notesSlides/notesSlide32.xml><?xml version="1.0" encoding="utf-8"?>
+<p:notes xmlns:a="http://schemas.openxmlformats.org/drawingml/2006/main" xmlns:r="http://schemas.openxmlformats.org/officeDocument/2006/relationships" xmlns:p="http://schemas.openxmlformats.org/presentationml/2006/main">
+  <p:cSld>
+    <p:spTree>
+      <p:nvGrpSpPr>
+        <p:cNvPr id="1" name=""/>
+        <p:cNvGrpSpPr/>
+        <p:nvPr/>
+      </p:nvGrpSpPr>
+      <p:grpSpPr>
+        <a:xfrm>
+          <a:off x="0" y="0"/>
+          <a:ext cx="0" cy="0"/>
+          <a:chOff x="0" y="0"/>
+          <a:chExt cx="0" cy="0"/>
+        </a:xfrm>
+      </p:grpSpPr>
+      <p:sp>
+        <p:nvSpPr>
+          <p:cNvPr id="2" name="Slide Image Placeholder 1"/>
+          <p:cNvSpPr>
+            <a:spLocks noGrp="1" noRot="1" noChangeAspect="1"/>
+          </p:cNvSpPr>
+          <p:nvPr>
+            <p:ph type="sldImg"/>
+          </p:nvPr>
+        </p:nvSpPr>
+        <p:spPr/>
+      </p:sp>
+      <p:sp>
+        <p:nvSpPr>
+          <p:cNvPr id="3" name="Notes Placeholder 2"/>
+          <p:cNvSpPr>
+            <a:spLocks noGrp="1"/>
+          </p:cNvSpPr>
+          <p:nvPr>
+            <p:ph type="body" idx="1"/>
+          </p:nvPr>
+        </p:nvSpPr>
+        <p:spPr/>
+        <p:txBody>
+          <a:bodyPr/>
+          <a:lstStyle/>
+          <a:p>
+            <a:r>
+              <a:rPr lang="de-DE" dirty="0"/>
+              <a:t>Zwei </a:t>
+            </a:r>
+            <a:r>
+              <a:rPr lang="de-DE" dirty="0" err="1"/>
+              <a:t>named</a:t>
+            </a:r>
+            <a:r>
+              <a:rPr lang="de-DE" dirty="0"/>
+              <a:t> </a:t>
+            </a:r>
+            <a:r>
+              <a:rPr lang="de-DE" dirty="0" err="1"/>
+              <a:t>tuples</a:t>
+            </a:r>
+            <a:r>
+              <a:rPr lang="de-DE" dirty="0"/>
+              <a:t> (also </a:t>
+            </a:r>
+            <a:r>
+              <a:rPr lang="de-DE" dirty="0" err="1"/>
+              <a:t>record</a:t>
+            </a:r>
+            <a:r>
+              <a:rPr lang="de-DE" baseline="0" dirty="0"/>
+              <a:t> </a:t>
+            </a:r>
+            <a:r>
+              <a:rPr lang="de-DE" baseline="0" dirty="0" err="1"/>
+              <a:t>types</a:t>
+            </a:r>
+            <a:r>
+              <a:rPr lang="de-DE" baseline="0" dirty="0"/>
+              <a:t>)</a:t>
+            </a:r>
+            <a:r>
+              <a:rPr lang="de-DE" dirty="0"/>
+              <a:t> können nur dann vergleichbar</a:t>
+            </a:r>
+            <a:r>
+              <a:rPr lang="de-DE" baseline="0" dirty="0"/>
+              <a:t> sein wenn diese den gleichen Namen haben UND über die gleichen Werte verfüge</a:t>
+            </a:r>
+            <a:endParaRPr lang="en-US" dirty="0"/>
+          </a:p>
+        </p:txBody>
+      </p:sp>
+      <p:sp>
+        <p:nvSpPr>
+          <p:cNvPr id="4" name="Slide Number Placeholder 3"/>
+          <p:cNvSpPr>
+            <a:spLocks noGrp="1"/>
+          </p:cNvSpPr>
+          <p:nvPr>
+            <p:ph type="sldNum" sz="quarter" idx="10"/>
+          </p:nvPr>
+        </p:nvSpPr>
+        <p:spPr/>
+        <p:txBody>
+          <a:bodyPr/>
+          <a:lstStyle/>
+          <a:p>
+            <a:fld id="{4775FDF9-2A53-4261-A0AF-3B6A9698D365}" type="slidenum">
+              <a:rPr lang="en-US" smtClean="0"/>
+              <a:t>34</a:t>
+            </a:fld>
+            <a:endParaRPr lang="en-US"/>
+          </a:p>
+        </p:txBody>
+      </p:sp>
+    </p:spTree>
+    <p:extLst>
+      <p:ext uri="{BB962C8B-B14F-4D97-AF65-F5344CB8AC3E}">
+        <p14:creationId xmlns:p14="http://schemas.microsoft.com/office/powerpoint/2010/main" val="3235457770"/>
+      </p:ext>
+    </p:extLst>
+  </p:cSld>
+  <p:clrMapOvr>
+    <a:masterClrMapping/>
+  </p:clrMapOvr>
+</p:notes>
+</file>
+
+<file path=ppt/notesSlides/notesSlide33.xml><?xml version="1.0" encoding="utf-8"?>
+<p:notes xmlns:a="http://schemas.openxmlformats.org/drawingml/2006/main" xmlns:r="http://schemas.openxmlformats.org/officeDocument/2006/relationships" xmlns:p="http://schemas.openxmlformats.org/presentationml/2006/main">
+  <p:cSld>
+    <p:spTree>
+      <p:nvGrpSpPr>
+        <p:cNvPr id="1" name=""/>
+        <p:cNvGrpSpPr/>
+        <p:nvPr/>
+      </p:nvGrpSpPr>
+      <p:grpSpPr>
+        <a:xfrm>
+          <a:off x="0" y="0"/>
+          <a:ext cx="0" cy="0"/>
+          <a:chOff x="0" y="0"/>
+          <a:chExt cx="0" cy="0"/>
+        </a:xfrm>
+      </p:grpSpPr>
+      <p:sp>
+        <p:nvSpPr>
+          <p:cNvPr id="2" name="Slide Image Placeholder 1"/>
+          <p:cNvSpPr>
+            <a:spLocks noGrp="1" noRot="1" noChangeAspect="1"/>
+          </p:cNvSpPr>
+          <p:nvPr>
+            <p:ph type="sldImg"/>
+          </p:nvPr>
+        </p:nvSpPr>
+        <p:spPr/>
+      </p:sp>
+      <p:sp>
+        <p:nvSpPr>
+          <p:cNvPr id="3" name="Notes Placeholder 2"/>
+          <p:cNvSpPr>
+            <a:spLocks noGrp="1"/>
+          </p:cNvSpPr>
+          <p:nvPr>
+            <p:ph type="body" idx="1"/>
+          </p:nvPr>
+        </p:nvSpPr>
+        <p:spPr/>
+        <p:txBody>
+          <a:bodyPr/>
+          <a:lstStyle/>
+          <a:p>
+            <a:r>
+              <a:rPr lang="de-DE" dirty="0"/>
+              <a:t>Und da Ausdrucke </a:t>
+            </a:r>
+            <a:r>
+              <a:rPr lang="de-DE" dirty="0" err="1"/>
+              <a:t>immutable</a:t>
+            </a:r>
+            <a:r>
+              <a:rPr lang="de-DE" dirty="0"/>
+              <a:t> sind, ändert sich der Wert nicht.  Bitte nicht mit einem Variant (vb.net) verwechseln</a:t>
+            </a:r>
+          </a:p>
+          <a:p>
+            <a:r>
+              <a:rPr lang="de-DE" dirty="0"/>
+              <a:t>DU ist das ganze.  Die einzelnen möglichen Werte heißen Union</a:t>
+            </a:r>
+            <a:r>
+              <a:rPr lang="de-DE" baseline="0" dirty="0"/>
+              <a:t> Case</a:t>
+            </a:r>
+          </a:p>
+          <a:p>
+            <a:r>
+              <a:rPr lang="de-DE" baseline="0" dirty="0"/>
+              <a:t>Empty Case </a:t>
+            </a:r>
+            <a:r>
+              <a:rPr lang="de-DE" baseline="0" dirty="0" err="1"/>
+              <a:t>is</a:t>
+            </a:r>
+            <a:r>
+              <a:rPr lang="de-DE" baseline="0" dirty="0"/>
+              <a:t> </a:t>
+            </a:r>
+            <a:r>
+              <a:rPr lang="de-DE" baseline="0" dirty="0" err="1"/>
+              <a:t>possible</a:t>
+            </a:r>
+            <a:r>
+              <a:rPr lang="de-DE" baseline="0" dirty="0"/>
+              <a:t>.  Wenn es nur Empty </a:t>
+            </a:r>
+            <a:r>
+              <a:rPr lang="de-DE" baseline="0" dirty="0" err="1"/>
+              <a:t>cases</a:t>
+            </a:r>
+            <a:r>
+              <a:rPr lang="de-DE" baseline="0" dirty="0"/>
+              <a:t> gibt, dann handelt es sich um einen „</a:t>
+            </a:r>
+            <a:r>
+              <a:rPr lang="de-DE" baseline="0" dirty="0" err="1"/>
+              <a:t>Enum</a:t>
+            </a:r>
+            <a:r>
+              <a:rPr lang="de-DE" baseline="0" dirty="0"/>
+              <a:t> Style“ DU.  Ein „Echter“ </a:t>
+            </a:r>
+            <a:r>
+              <a:rPr lang="de-DE" baseline="0" dirty="0" err="1"/>
+              <a:t>Enum</a:t>
+            </a:r>
+            <a:r>
+              <a:rPr lang="de-DE" baseline="0" dirty="0"/>
+              <a:t> aber muss anders definiert werden um das gleiche zu erhalten was das IL darstellt wenn ich in C# einen </a:t>
+            </a:r>
+            <a:r>
+              <a:rPr lang="de-DE" baseline="0" dirty="0" err="1"/>
+              <a:t>Enum</a:t>
+            </a:r>
+            <a:r>
+              <a:rPr lang="de-DE" baseline="0" dirty="0"/>
+              <a:t> definiere</a:t>
+            </a:r>
+          </a:p>
+          <a:p>
+            <a:r>
+              <a:rPr lang="de-DE" baseline="0" dirty="0"/>
+              <a:t>Single Case gibt es auch und sind sehr schön zu verwenden um Werte die eine bestimmte Funktion in meinem Domain haben darzustellen.  Z.B. </a:t>
+            </a:r>
+            <a:r>
+              <a:rPr lang="de-DE" baseline="0" dirty="0" err="1"/>
+              <a:t>int</a:t>
+            </a:r>
+            <a:r>
+              <a:rPr lang="de-DE" baseline="0" dirty="0"/>
+              <a:t> als </a:t>
+            </a:r>
+            <a:r>
+              <a:rPr lang="de-DE" baseline="0" dirty="0" err="1"/>
+              <a:t>KundeID</a:t>
+            </a:r>
+            <a:r>
+              <a:rPr lang="de-DE" baseline="0" dirty="0"/>
+              <a:t> und </a:t>
+            </a:r>
+            <a:r>
+              <a:rPr lang="de-DE" baseline="0" dirty="0" err="1"/>
+              <a:t>ProduktID</a:t>
+            </a:r>
+            <a:r>
+              <a:rPr lang="de-DE" baseline="0" dirty="0"/>
+              <a:t>.  Dann ist es kein </a:t>
+            </a:r>
+            <a:r>
+              <a:rPr lang="de-DE" baseline="0" dirty="0" err="1"/>
+              <a:t>int</a:t>
+            </a:r>
+            <a:r>
+              <a:rPr lang="de-DE" baseline="0" dirty="0"/>
+              <a:t> mehr sondern das genannte typ und ich kann diese z.B. nicht mehr vergleichen</a:t>
+            </a:r>
+            <a:endParaRPr lang="en-US" dirty="0"/>
+          </a:p>
+        </p:txBody>
+      </p:sp>
+      <p:sp>
+        <p:nvSpPr>
+          <p:cNvPr id="4" name="Slide Number Placeholder 3"/>
+          <p:cNvSpPr>
+            <a:spLocks noGrp="1"/>
+          </p:cNvSpPr>
+          <p:nvPr>
+            <p:ph type="sldNum" sz="quarter" idx="10"/>
+          </p:nvPr>
+        </p:nvSpPr>
+        <p:spPr/>
+        <p:txBody>
+          <a:bodyPr/>
+          <a:lstStyle/>
+          <a:p>
+            <a:fld id="{4775FDF9-2A53-4261-A0AF-3B6A9698D365}" type="slidenum">
+              <a:rPr lang="en-US" smtClean="0"/>
+              <a:t>35</a:t>
+            </a:fld>
+            <a:endParaRPr lang="en-US"/>
+          </a:p>
+        </p:txBody>
+      </p:sp>
+    </p:spTree>
+    <p:extLst>
+      <p:ext uri="{BB962C8B-B14F-4D97-AF65-F5344CB8AC3E}">
+        <p14:creationId xmlns:p14="http://schemas.microsoft.com/office/powerpoint/2010/main" val="3285654297"/>
+      </p:ext>
+    </p:extLst>
+  </p:cSld>
+  <p:clrMapOvr>
+    <a:masterClrMapping/>
+  </p:clrMapOvr>
+</p:notes>
+</file>
+
+<file path=ppt/notesSlides/notesSlide34.xml><?xml version="1.0" encoding="utf-8"?>
+<p:notes xmlns:a="http://schemas.openxmlformats.org/drawingml/2006/main" xmlns:r="http://schemas.openxmlformats.org/officeDocument/2006/relationships" xmlns:p="http://schemas.openxmlformats.org/presentationml/2006/main">
+  <p:cSld>
+    <p:spTree>
+      <p:nvGrpSpPr>
+        <p:cNvPr id="1" name=""/>
+        <p:cNvGrpSpPr/>
+        <p:nvPr/>
+      </p:nvGrpSpPr>
+      <p:grpSpPr>
+        <a:xfrm>
+          <a:off x="0" y="0"/>
+          <a:ext cx="0" cy="0"/>
+          <a:chOff x="0" y="0"/>
+          <a:chExt cx="0" cy="0"/>
+        </a:xfrm>
+      </p:grpSpPr>
+      <p:sp>
+        <p:nvSpPr>
+          <p:cNvPr id="2" name="Slide Image Placeholder 1"/>
+          <p:cNvSpPr>
+            <a:spLocks noGrp="1" noRot="1" noChangeAspect="1"/>
+          </p:cNvSpPr>
+          <p:nvPr>
+            <p:ph type="sldImg"/>
+          </p:nvPr>
+        </p:nvSpPr>
+        <p:spPr/>
+      </p:sp>
+      <p:sp>
+        <p:nvSpPr>
+          <p:cNvPr id="3" name="Notes Placeholder 2"/>
+          <p:cNvSpPr>
+            <a:spLocks noGrp="1"/>
+          </p:cNvSpPr>
+          <p:nvPr>
+            <p:ph type="body" idx="1"/>
+          </p:nvPr>
+        </p:nvSpPr>
+        <p:spPr/>
+        <p:txBody>
+          <a:bodyPr/>
+          <a:lstStyle/>
+          <a:p>
+            <a:r>
+              <a:rPr lang="de-DE" dirty="0"/>
+              <a:t>In DDD (Domain </a:t>
+            </a:r>
+            <a:r>
+              <a:rPr lang="de-DE" dirty="0" err="1"/>
+              <a:t>Driven</a:t>
+            </a:r>
+            <a:r>
+              <a:rPr lang="de-DE" dirty="0"/>
+              <a:t> Design) spielen diese oft eine wichtige Rolle.  Z.B. kann ich dadurch Primitives</a:t>
+            </a:r>
+            <a:r>
+              <a:rPr lang="de-DE" baseline="0" dirty="0"/>
+              <a:t> so definieren dass diese untereinander nicht „kompatibel“ sind, auch wenn diese vom gleichen Typ sind.</a:t>
+            </a:r>
+            <a:endParaRPr lang="en-US" dirty="0"/>
+          </a:p>
+        </p:txBody>
+      </p:sp>
+      <p:sp>
+        <p:nvSpPr>
+          <p:cNvPr id="4" name="Slide Number Placeholder 3"/>
+          <p:cNvSpPr>
+            <a:spLocks noGrp="1"/>
+          </p:cNvSpPr>
+          <p:nvPr>
+            <p:ph type="sldNum" sz="quarter" idx="10"/>
+          </p:nvPr>
+        </p:nvSpPr>
+        <p:spPr/>
+        <p:txBody>
+          <a:bodyPr/>
+          <a:lstStyle/>
+          <a:p>
+            <a:fld id="{4775FDF9-2A53-4261-A0AF-3B6A9698D365}" type="slidenum">
+              <a:rPr lang="en-US" smtClean="0"/>
+              <a:t>36</a:t>
+            </a:fld>
+            <a:endParaRPr lang="en-US"/>
+          </a:p>
+        </p:txBody>
+      </p:sp>
+    </p:spTree>
+    <p:extLst>
+      <p:ext uri="{BB962C8B-B14F-4D97-AF65-F5344CB8AC3E}">
+        <p14:creationId xmlns:p14="http://schemas.microsoft.com/office/powerpoint/2010/main" val="2117330388"/>
+      </p:ext>
+    </p:extLst>
+  </p:cSld>
+  <p:clrMapOvr>
+    <a:masterClrMapping/>
+  </p:clrMapOvr>
+</p:notes>
+</file>
+
+<file path=ppt/notesSlides/notesSlide35.xml><?xml version="1.0" encoding="utf-8"?>
+<p:notes xmlns:a="http://schemas.openxmlformats.org/drawingml/2006/main" xmlns:r="http://schemas.openxmlformats.org/officeDocument/2006/relationships" xmlns:p="http://schemas.openxmlformats.org/presentationml/2006/main">
+  <p:cSld>
+    <p:spTree>
+      <p:nvGrpSpPr>
+        <p:cNvPr id="1" name=""/>
+        <p:cNvGrpSpPr/>
+        <p:nvPr/>
+      </p:nvGrpSpPr>
+      <p:grpSpPr>
+        <a:xfrm>
+          <a:off x="0" y="0"/>
+          <a:ext cx="0" cy="0"/>
+          <a:chOff x="0" y="0"/>
+          <a:chExt cx="0" cy="0"/>
+        </a:xfrm>
+      </p:grpSpPr>
+      <p:sp>
+        <p:nvSpPr>
+          <p:cNvPr id="2" name="Slide Image Placeholder 1"/>
+          <p:cNvSpPr>
+            <a:spLocks noGrp="1" noRot="1" noChangeAspect="1"/>
+          </p:cNvSpPr>
+          <p:nvPr>
+            <p:ph type="sldImg"/>
+          </p:nvPr>
+        </p:nvSpPr>
+        <p:spPr/>
+      </p:sp>
+      <p:sp>
+        <p:nvSpPr>
+          <p:cNvPr id="3" name="Notes Placeholder 2"/>
+          <p:cNvSpPr>
+            <a:spLocks noGrp="1"/>
+          </p:cNvSpPr>
+          <p:nvPr>
+            <p:ph type="body" idx="1"/>
+          </p:nvPr>
+        </p:nvSpPr>
+        <p:spPr/>
+        <p:txBody>
+          <a:bodyPr/>
+          <a:lstStyle/>
+          <a:p>
+            <a:r>
+              <a:rPr lang="de-DE" dirty="0"/>
+              <a:t>In </a:t>
+            </a:r>
+            <a:r>
+              <a:rPr lang="de-DE" dirty="0" err="1"/>
+              <a:t>Haskel</a:t>
+            </a:r>
+            <a:r>
+              <a:rPr lang="de-DE" dirty="0"/>
+              <a:t> heißt dieser Typ </a:t>
+            </a:r>
+            <a:r>
+              <a:rPr lang="de-DE" dirty="0" err="1"/>
+              <a:t>Maybe</a:t>
+            </a:r>
+            <a:r>
+              <a:rPr lang="de-DE" dirty="0"/>
+              <a:t>, in Scala heißt</a:t>
+            </a:r>
+            <a:r>
+              <a:rPr lang="de-DE" baseline="0" dirty="0"/>
+              <a:t> es auch </a:t>
+            </a:r>
+            <a:r>
+              <a:rPr lang="de-DE" baseline="0" dirty="0" err="1"/>
+              <a:t>option</a:t>
+            </a:r>
+            <a:r>
+              <a:rPr lang="de-DE" baseline="0" dirty="0"/>
+              <a:t>.</a:t>
+            </a:r>
+            <a:endParaRPr lang="en-US" dirty="0"/>
+          </a:p>
+        </p:txBody>
+      </p:sp>
+      <p:sp>
+        <p:nvSpPr>
+          <p:cNvPr id="4" name="Slide Number Placeholder 3"/>
+          <p:cNvSpPr>
+            <a:spLocks noGrp="1"/>
+          </p:cNvSpPr>
+          <p:nvPr>
+            <p:ph type="sldNum" sz="quarter" idx="10"/>
+          </p:nvPr>
+        </p:nvSpPr>
+        <p:spPr/>
+        <p:txBody>
+          <a:bodyPr/>
+          <a:lstStyle/>
+          <a:p>
+            <a:fld id="{4775FDF9-2A53-4261-A0AF-3B6A9698D365}" type="slidenum">
+              <a:rPr lang="en-US" smtClean="0"/>
+              <a:t>37</a:t>
+            </a:fld>
+            <a:endParaRPr lang="en-US"/>
+          </a:p>
+        </p:txBody>
+      </p:sp>
+    </p:spTree>
+    <p:extLst>
+      <p:ext uri="{BB962C8B-B14F-4D97-AF65-F5344CB8AC3E}">
+        <p14:creationId xmlns:p14="http://schemas.microsoft.com/office/powerpoint/2010/main" val="1558731010"/>
+      </p:ext>
+    </p:extLst>
+  </p:cSld>
+  <p:clrMapOvr>
+    <a:masterClrMapping/>
+  </p:clrMapOvr>
+</p:notes>
+</file>
+
+<file path=ppt/notesSlides/notesSlide36.xml><?xml version="1.0" encoding="utf-8"?>
+<p:notes xmlns:a="http://schemas.openxmlformats.org/drawingml/2006/main" xmlns:r="http://schemas.openxmlformats.org/officeDocument/2006/relationships" xmlns:p="http://schemas.openxmlformats.org/presentationml/2006/main">
+  <p:cSld>
+    <p:spTree>
+      <p:nvGrpSpPr>
+        <p:cNvPr id="1" name=""/>
+        <p:cNvGrpSpPr/>
+        <p:nvPr/>
+      </p:nvGrpSpPr>
+      <p:grpSpPr>
+        <a:xfrm>
+          <a:off x="0" y="0"/>
+          <a:ext cx="0" cy="0"/>
+          <a:chOff x="0" y="0"/>
+          <a:chExt cx="0" cy="0"/>
+        </a:xfrm>
+      </p:grpSpPr>
+      <p:sp>
+        <p:nvSpPr>
+          <p:cNvPr id="2" name="Slide Image Placeholder 1"/>
+          <p:cNvSpPr>
+            <a:spLocks noGrp="1" noRot="1" noChangeAspect="1"/>
+          </p:cNvSpPr>
+          <p:nvPr>
+            <p:ph type="sldImg"/>
+          </p:nvPr>
+        </p:nvSpPr>
+        <p:spPr/>
+      </p:sp>
+      <p:sp>
+        <p:nvSpPr>
+          <p:cNvPr id="3" name="Notes Placeholder 2"/>
+          <p:cNvSpPr>
+            <a:spLocks noGrp="1"/>
+          </p:cNvSpPr>
+          <p:nvPr>
+            <p:ph type="body" idx="1"/>
+          </p:nvPr>
+        </p:nvSpPr>
+        <p:spPr/>
+        <p:txBody>
+          <a:bodyPr/>
+          <a:lstStyle/>
+          <a:p>
+            <a:r>
+              <a:rPr lang="de-DE" dirty="0"/>
+              <a:t>null</a:t>
+            </a:r>
+            <a:r>
+              <a:rPr lang="de-DE" baseline="0" dirty="0"/>
+              <a:t> ist eine Reference zu einem nicht-vorhandenen Objekt</a:t>
+            </a:r>
+          </a:p>
+          <a:p>
+            <a:pPr marL="0" marR="0" indent="0" algn="l" defTabSz="914400" rtl="0" eaLnBrk="1" fontAlgn="auto" latinLnBrk="0" hangingPunct="1">
+              <a:lnSpc>
+                <a:spcPct val="100000"/>
+              </a:lnSpc>
+              <a:spcBef>
+                <a:spcPts val="0"/>
+              </a:spcBef>
+              <a:spcAft>
+                <a:spcPts val="0"/>
+              </a:spcAft>
+              <a:buClrTx/>
+              <a:buSzTx/>
+              <a:buFontTx/>
+              <a:buNone/>
+              <a:tabLst/>
+              <a:defRPr/>
+            </a:pPr>
+            <a:r>
+              <a:rPr lang="de-DE" dirty="0"/>
+              <a:t>null</a:t>
+            </a:r>
+            <a:r>
+              <a:rPr lang="de-DE" baseline="0" dirty="0"/>
+              <a:t> hat den gleichen Typ, ich kann </a:t>
+            </a:r>
+            <a:r>
+              <a:rPr lang="de-DE" baseline="0" dirty="0" err="1">
+                <a:solidFill>
+                  <a:schemeClr val="accent2">
+                    <a:lumMod val="75000"/>
+                  </a:schemeClr>
+                </a:solidFill>
+              </a:rPr>
+              <a:t>Length</a:t>
+            </a:r>
+            <a:r>
+              <a:rPr lang="de-DE" baseline="0" dirty="0">
+                <a:solidFill>
+                  <a:schemeClr val="accent2">
+                    <a:lumMod val="75000"/>
+                  </a:schemeClr>
+                </a:solidFill>
+              </a:rPr>
+              <a:t> aufrufen auf einen Reference zu Nichts!</a:t>
+            </a:r>
+          </a:p>
+          <a:p>
+            <a:endParaRPr lang="en-US" dirty="0"/>
+          </a:p>
+        </p:txBody>
+      </p:sp>
+      <p:sp>
+        <p:nvSpPr>
+          <p:cNvPr id="4" name="Slide Number Placeholder 3"/>
+          <p:cNvSpPr>
+            <a:spLocks noGrp="1"/>
+          </p:cNvSpPr>
+          <p:nvPr>
+            <p:ph type="sldNum" sz="quarter" idx="10"/>
+          </p:nvPr>
+        </p:nvSpPr>
+        <p:spPr/>
+        <p:txBody>
+          <a:bodyPr/>
+          <a:lstStyle/>
+          <a:p>
+            <a:fld id="{4775FDF9-2A53-4261-A0AF-3B6A9698D365}" type="slidenum">
+              <a:rPr lang="en-US" smtClean="0"/>
+              <a:t>38</a:t>
+            </a:fld>
+            <a:endParaRPr lang="en-US"/>
+          </a:p>
+        </p:txBody>
+      </p:sp>
+    </p:spTree>
+    <p:extLst>
+      <p:ext uri="{BB962C8B-B14F-4D97-AF65-F5344CB8AC3E}">
+        <p14:creationId xmlns:p14="http://schemas.microsoft.com/office/powerpoint/2010/main" val="2749551638"/>
+      </p:ext>
+    </p:extLst>
+  </p:cSld>
+  <p:clrMapOvr>
+    <a:masterClrMapping/>
+  </p:clrMapOvr>
+</p:notes>
+</file>
+
+<file path=ppt/notesSlides/notesSlide37.xml><?xml version="1.0" encoding="utf-8"?>
+<p:notes xmlns:a="http://schemas.openxmlformats.org/drawingml/2006/main" xmlns:r="http://schemas.openxmlformats.org/officeDocument/2006/relationships" xmlns:p="http://schemas.openxmlformats.org/presentationml/2006/main">
+  <p:cSld>
+    <p:spTree>
+      <p:nvGrpSpPr>
+        <p:cNvPr id="1" name=""/>
+        <p:cNvGrpSpPr/>
+        <p:nvPr/>
+      </p:nvGrpSpPr>
+      <p:grpSpPr>
+        <a:xfrm>
+          <a:off x="0" y="0"/>
+          <a:ext cx="0" cy="0"/>
+          <a:chOff x="0" y="0"/>
+          <a:chExt cx="0" cy="0"/>
+        </a:xfrm>
+      </p:grpSpPr>
+      <p:sp>
+        <p:nvSpPr>
+          <p:cNvPr id="2" name="Slide Image Placeholder 1"/>
+          <p:cNvSpPr>
+            <a:spLocks noGrp="1" noRot="1" noChangeAspect="1"/>
+          </p:cNvSpPr>
+          <p:nvPr>
+            <p:ph type="sldImg"/>
+          </p:nvPr>
+        </p:nvSpPr>
+        <p:spPr/>
+      </p:sp>
+      <p:sp>
+        <p:nvSpPr>
+          <p:cNvPr id="3" name="Notes Placeholder 2"/>
+          <p:cNvSpPr>
+            <a:spLocks noGrp="1"/>
+          </p:cNvSpPr>
+          <p:nvPr>
+            <p:ph type="body" idx="1"/>
+          </p:nvPr>
+        </p:nvSpPr>
+        <p:spPr/>
+        <p:txBody>
+          <a:bodyPr/>
+          <a:lstStyle/>
+          <a:p>
+            <a:r>
+              <a:rPr lang="de-DE" dirty="0"/>
+              <a:t>Der Compiler erkennt einen Aufruf zu einem None</a:t>
+            </a:r>
+            <a:r>
+              <a:rPr lang="de-DE" baseline="0" dirty="0"/>
+              <a:t> als solches und verhindert diesen Aufruf zur </a:t>
+            </a:r>
+            <a:r>
+              <a:rPr lang="de-DE" baseline="0" dirty="0" err="1"/>
+              <a:t>Compile</a:t>
+            </a:r>
+            <a:r>
+              <a:rPr lang="de-DE" baseline="0" dirty="0"/>
+              <a:t>-Zeit</a:t>
+            </a:r>
+            <a:endParaRPr lang="de-DE" baseline="0" dirty="0">
+              <a:solidFill>
+                <a:schemeClr val="accent2">
+                  <a:lumMod val="75000"/>
+                </a:schemeClr>
+              </a:solidFill>
+            </a:endParaRPr>
+          </a:p>
+          <a:p>
+            <a:endParaRPr lang="en-US" dirty="0"/>
+          </a:p>
+        </p:txBody>
+      </p:sp>
+      <p:sp>
+        <p:nvSpPr>
+          <p:cNvPr id="4" name="Slide Number Placeholder 3"/>
+          <p:cNvSpPr>
+            <a:spLocks noGrp="1"/>
+          </p:cNvSpPr>
+          <p:nvPr>
+            <p:ph type="sldNum" sz="quarter" idx="10"/>
+          </p:nvPr>
+        </p:nvSpPr>
+        <p:spPr/>
+        <p:txBody>
+          <a:bodyPr/>
+          <a:lstStyle/>
+          <a:p>
+            <a:fld id="{4775FDF9-2A53-4261-A0AF-3B6A9698D365}" type="slidenum">
+              <a:rPr lang="en-US" smtClean="0"/>
+              <a:t>39</a:t>
+            </a:fld>
+            <a:endParaRPr lang="en-US"/>
+          </a:p>
+        </p:txBody>
+      </p:sp>
+    </p:spTree>
+    <p:extLst>
+      <p:ext uri="{BB962C8B-B14F-4D97-AF65-F5344CB8AC3E}">
+        <p14:creationId xmlns:p14="http://schemas.microsoft.com/office/powerpoint/2010/main" val="2749551638"/>
       </p:ext>
     </p:extLst>
   </p:cSld>
@@ -13599,6 +15097,1794 @@
       </p:grpSpPr>
       <p:sp>
         <p:nvSpPr>
+          <p:cNvPr id="2" name="Titel 1"/>
+          <p:cNvSpPr>
+            <a:spLocks noGrp="1"/>
+          </p:cNvSpPr>
+          <p:nvPr>
+            <p:ph type="title"/>
+          </p:nvPr>
+        </p:nvSpPr>
+        <p:spPr/>
+        <p:txBody>
+          <a:bodyPr/>
+          <a:lstStyle/>
+          <a:p>
+            <a:r>
+              <a:rPr lang="de-DE" dirty="0"/>
+              <a:t>Modul 1: Funktion</a:t>
+            </a:r>
+          </a:p>
+        </p:txBody>
+      </p:sp>
+      <p:sp>
+        <p:nvSpPr>
+          <p:cNvPr id="3" name="Inhaltsplatzhalter 2"/>
+          <p:cNvSpPr>
+            <a:spLocks noGrp="1"/>
+          </p:cNvSpPr>
+          <p:nvPr>
+            <p:ph idx="1"/>
+          </p:nvPr>
+        </p:nvSpPr>
+        <p:spPr/>
+        <p:txBody>
+          <a:bodyPr/>
+          <a:lstStyle/>
+          <a:p>
+            <a:r>
+              <a:rPr lang="de-DE" dirty="0"/>
+              <a:t>Mit </a:t>
+            </a:r>
+            <a:r>
+              <a:rPr lang="de-DE" dirty="0" err="1"/>
+              <a:t>let</a:t>
+            </a:r>
+            <a:r>
+              <a:rPr lang="de-DE" dirty="0"/>
+              <a:t> deklariert</a:t>
+            </a:r>
+          </a:p>
+          <a:p>
+            <a:r>
+              <a:rPr lang="de-DE" dirty="0"/>
+              <a:t>Kein Return: der letzte Ausdruck ist das Ergebnis</a:t>
+            </a:r>
+          </a:p>
+          <a:p>
+            <a:r>
+              <a:rPr lang="de-DE" dirty="0"/>
+              <a:t>Eine Funktion ist ein Mapping zwischen einer zulässigen Eingabe und einem Ergebnis</a:t>
+            </a:r>
+          </a:p>
+          <a:p>
+            <a:r>
+              <a:rPr lang="de-DE" dirty="0"/>
+              <a:t>Signatur beschreibt die Funktion</a:t>
+            </a:r>
+          </a:p>
+          <a:p>
+            <a:endParaRPr lang="de-DE" dirty="0"/>
+          </a:p>
+        </p:txBody>
+      </p:sp>
+    </p:spTree>
+    <p:extLst>
+      <p:ext uri="{BB962C8B-B14F-4D97-AF65-F5344CB8AC3E}">
+        <p14:creationId xmlns:p14="http://schemas.microsoft.com/office/powerpoint/2010/main" val="495954732"/>
+      </p:ext>
+    </p:extLst>
+  </p:cSld>
+  <p:clrMapOvr>
+    <a:masterClrMapping/>
+  </p:clrMapOvr>
+  <p:timing>
+    <p:tnLst>
+      <p:par>
+        <p:cTn id="1" dur="indefinite" restart="never" nodeType="tmRoot">
+          <p:childTnLst>
+            <p:seq concurrent="1" nextAc="seek">
+              <p:cTn id="2" dur="indefinite" nodeType="mainSeq">
+                <p:childTnLst>
+                  <p:par>
+                    <p:cTn id="3" fill="hold">
+                      <p:stCondLst>
+                        <p:cond delay="indefinite"/>
+                      </p:stCondLst>
+                      <p:childTnLst>
+                        <p:par>
+                          <p:cTn id="4" fill="hold">
+                            <p:stCondLst>
+                              <p:cond delay="0"/>
+                            </p:stCondLst>
+                            <p:childTnLst>
+                              <p:par>
+                                <p:cTn id="5" presetID="1" presetClass="entr" presetSubtype="0" fill="hold" grpId="0" nodeType="clickEffect">
+                                  <p:stCondLst>
+                                    <p:cond delay="0"/>
+                                  </p:stCondLst>
+                                  <p:childTnLst>
+                                    <p:set>
+                                      <p:cBhvr>
+                                        <p:cTn id="6" dur="1" fill="hold">
+                                          <p:stCondLst>
+                                            <p:cond delay="0"/>
+                                          </p:stCondLst>
+                                        </p:cTn>
+                                        <p:tgtEl>
+                                          <p:spTgt spid="3">
+                                            <p:txEl>
+                                              <p:pRg st="0" end="0"/>
+                                            </p:txEl>
+                                          </p:spTgt>
+                                        </p:tgtEl>
+                                        <p:attrNameLst>
+                                          <p:attrName>style.visibility</p:attrName>
+                                        </p:attrNameLst>
+                                      </p:cBhvr>
+                                      <p:to>
+                                        <p:strVal val="visible"/>
+                                      </p:to>
+                                    </p:set>
+                                  </p:childTnLst>
+                                </p:cTn>
+                              </p:par>
+                            </p:childTnLst>
+                          </p:cTn>
+                        </p:par>
+                      </p:childTnLst>
+                    </p:cTn>
+                  </p:par>
+                  <p:par>
+                    <p:cTn id="7" fill="hold">
+                      <p:stCondLst>
+                        <p:cond delay="indefinite"/>
+                      </p:stCondLst>
+                      <p:childTnLst>
+                        <p:par>
+                          <p:cTn id="8" fill="hold">
+                            <p:stCondLst>
+                              <p:cond delay="0"/>
+                            </p:stCondLst>
+                            <p:childTnLst>
+                              <p:par>
+                                <p:cTn id="9" presetID="1" presetClass="entr" presetSubtype="0" fill="hold" grpId="0" nodeType="clickEffect">
+                                  <p:stCondLst>
+                                    <p:cond delay="0"/>
+                                  </p:stCondLst>
+                                  <p:childTnLst>
+                                    <p:set>
+                                      <p:cBhvr>
+                                        <p:cTn id="10" dur="1" fill="hold">
+                                          <p:stCondLst>
+                                            <p:cond delay="0"/>
+                                          </p:stCondLst>
+                                        </p:cTn>
+                                        <p:tgtEl>
+                                          <p:spTgt spid="3">
+                                            <p:txEl>
+                                              <p:pRg st="1" end="1"/>
+                                            </p:txEl>
+                                          </p:spTgt>
+                                        </p:tgtEl>
+                                        <p:attrNameLst>
+                                          <p:attrName>style.visibility</p:attrName>
+                                        </p:attrNameLst>
+                                      </p:cBhvr>
+                                      <p:to>
+                                        <p:strVal val="visible"/>
+                                      </p:to>
+                                    </p:set>
+                                  </p:childTnLst>
+                                </p:cTn>
+                              </p:par>
+                            </p:childTnLst>
+                          </p:cTn>
+                        </p:par>
+                      </p:childTnLst>
+                    </p:cTn>
+                  </p:par>
+                  <p:par>
+                    <p:cTn id="11" fill="hold">
+                      <p:stCondLst>
+                        <p:cond delay="indefinite"/>
+                      </p:stCondLst>
+                      <p:childTnLst>
+                        <p:par>
+                          <p:cTn id="12" fill="hold">
+                            <p:stCondLst>
+                              <p:cond delay="0"/>
+                            </p:stCondLst>
+                            <p:childTnLst>
+                              <p:par>
+                                <p:cTn id="13" presetID="1" presetClass="entr" presetSubtype="0" fill="hold" grpId="0" nodeType="clickEffect">
+                                  <p:stCondLst>
+                                    <p:cond delay="0"/>
+                                  </p:stCondLst>
+                                  <p:childTnLst>
+                                    <p:set>
+                                      <p:cBhvr>
+                                        <p:cTn id="14" dur="1" fill="hold">
+                                          <p:stCondLst>
+                                            <p:cond delay="0"/>
+                                          </p:stCondLst>
+                                        </p:cTn>
+                                        <p:tgtEl>
+                                          <p:spTgt spid="3">
+                                            <p:txEl>
+                                              <p:pRg st="2" end="2"/>
+                                            </p:txEl>
+                                          </p:spTgt>
+                                        </p:tgtEl>
+                                        <p:attrNameLst>
+                                          <p:attrName>style.visibility</p:attrName>
+                                        </p:attrNameLst>
+                                      </p:cBhvr>
+                                      <p:to>
+                                        <p:strVal val="visible"/>
+                                      </p:to>
+                                    </p:set>
+                                  </p:childTnLst>
+                                </p:cTn>
+                              </p:par>
+                            </p:childTnLst>
+                          </p:cTn>
+                        </p:par>
+                      </p:childTnLst>
+                    </p:cTn>
+                  </p:par>
+                  <p:par>
+                    <p:cTn id="15" fill="hold">
+                      <p:stCondLst>
+                        <p:cond delay="indefinite"/>
+                      </p:stCondLst>
+                      <p:childTnLst>
+                        <p:par>
+                          <p:cTn id="16" fill="hold">
+                            <p:stCondLst>
+                              <p:cond delay="0"/>
+                            </p:stCondLst>
+                            <p:childTnLst>
+                              <p:par>
+                                <p:cTn id="17" presetID="1" presetClass="entr" presetSubtype="0" fill="hold" grpId="0" nodeType="clickEffect">
+                                  <p:stCondLst>
+                                    <p:cond delay="0"/>
+                                  </p:stCondLst>
+                                  <p:childTnLst>
+                                    <p:set>
+                                      <p:cBhvr>
+                                        <p:cTn id="18" dur="1" fill="hold">
+                                          <p:stCondLst>
+                                            <p:cond delay="0"/>
+                                          </p:stCondLst>
+                                        </p:cTn>
+                                        <p:tgtEl>
+                                          <p:spTgt spid="3">
+                                            <p:txEl>
+                                              <p:pRg st="3" end="3"/>
+                                            </p:txEl>
+                                          </p:spTgt>
+                                        </p:tgtEl>
+                                        <p:attrNameLst>
+                                          <p:attrName>style.visibility</p:attrName>
+                                        </p:attrNameLst>
+                                      </p:cBhvr>
+                                      <p:to>
+                                        <p:strVal val="visible"/>
+                                      </p:to>
+                                    </p:set>
+                                  </p:childTnLst>
+                                </p:cTn>
+                              </p:par>
+                            </p:childTnLst>
+                          </p:cTn>
+                        </p:par>
+                      </p:childTnLst>
+                    </p:cTn>
+                  </p:par>
+                </p:childTnLst>
+              </p:cTn>
+              <p:prevCondLst>
+                <p:cond evt="onPrev" delay="0">
+                  <p:tgtEl>
+                    <p:sldTgt/>
+                  </p:tgtEl>
+                </p:cond>
+              </p:prevCondLst>
+              <p:nextCondLst>
+                <p:cond evt="onNext" delay="0">
+                  <p:tgtEl>
+                    <p:sldTgt/>
+                  </p:tgtEl>
+                </p:cond>
+              </p:nextCondLst>
+            </p:seq>
+          </p:childTnLst>
+        </p:cTn>
+      </p:par>
+    </p:tnLst>
+    <p:bldLst>
+      <p:bldP spid="3" grpId="0" build="p"/>
+    </p:bldLst>
+  </p:timing>
+</p:sld>
+</file>
+
+<file path=ppt/slides/slide26.xml><?xml version="1.0" encoding="utf-8"?>
+<p:sld xmlns:a="http://schemas.openxmlformats.org/drawingml/2006/main" xmlns:r="http://schemas.openxmlformats.org/officeDocument/2006/relationships" xmlns:p="http://schemas.openxmlformats.org/presentationml/2006/main">
+  <p:cSld>
+    <p:spTree>
+      <p:nvGrpSpPr>
+        <p:cNvPr id="1" name=""/>
+        <p:cNvGrpSpPr/>
+        <p:nvPr/>
+      </p:nvGrpSpPr>
+      <p:grpSpPr>
+        <a:xfrm>
+          <a:off x="0" y="0"/>
+          <a:ext cx="0" cy="0"/>
+          <a:chOff x="0" y="0"/>
+          <a:chExt cx="0" cy="0"/>
+        </a:xfrm>
+      </p:grpSpPr>
+      <p:sp>
+        <p:nvSpPr>
+          <p:cNvPr id="2" name="Titel 1"/>
+          <p:cNvSpPr>
+            <a:spLocks noGrp="1"/>
+          </p:cNvSpPr>
+          <p:nvPr>
+            <p:ph type="title"/>
+          </p:nvPr>
+        </p:nvSpPr>
+        <p:spPr/>
+        <p:txBody>
+          <a:bodyPr/>
+          <a:lstStyle/>
+          <a:p>
+            <a:r>
+              <a:rPr lang="de-DE" dirty="0"/>
+              <a:t>Modul 1: Script</a:t>
+            </a:r>
+          </a:p>
+        </p:txBody>
+      </p:sp>
+      <p:sp>
+        <p:nvSpPr>
+          <p:cNvPr id="3" name="Inhaltsplatzhalter 2"/>
+          <p:cNvSpPr>
+            <a:spLocks noGrp="1"/>
+          </p:cNvSpPr>
+          <p:nvPr>
+            <p:ph idx="1"/>
+          </p:nvPr>
+        </p:nvSpPr>
+        <p:spPr/>
+        <p:txBody>
+          <a:bodyPr/>
+          <a:lstStyle/>
+          <a:p>
+            <a:r>
+              <a:rPr lang="de-DE" dirty="0"/>
+              <a:t>Code Dateien „laden“</a:t>
+            </a:r>
+          </a:p>
+          <a:p>
+            <a:r>
+              <a:rPr lang="de-DE" dirty="0"/>
+              <a:t>Weitere </a:t>
+            </a:r>
+            <a:r>
+              <a:rPr lang="de-DE" dirty="0" err="1"/>
+              <a:t>Scripte</a:t>
+            </a:r>
+            <a:r>
+              <a:rPr lang="de-DE" dirty="0"/>
+              <a:t> ebenfalls laden</a:t>
+            </a:r>
+          </a:p>
+          <a:p>
+            <a:r>
+              <a:rPr lang="de-DE" dirty="0"/>
+              <a:t>Direkt im Interactive Code ausführen, gefolgt von ;;</a:t>
+            </a:r>
+          </a:p>
+          <a:p>
+            <a:r>
+              <a:rPr lang="de-DE" dirty="0"/>
+              <a:t>So ist ein </a:t>
+            </a:r>
+            <a:r>
+              <a:rPr lang="de-DE" dirty="0" err="1"/>
+              <a:t>interactives</a:t>
+            </a:r>
+            <a:r>
+              <a:rPr lang="de-DE" dirty="0"/>
+              <a:t> Testen von Code möglich ohne Debuggen</a:t>
+            </a:r>
+          </a:p>
+          <a:p>
+            <a:pPr marL="0" indent="0">
+              <a:buNone/>
+            </a:pPr>
+            <a:endParaRPr lang="de-DE" dirty="0"/>
+          </a:p>
+        </p:txBody>
+      </p:sp>
+    </p:spTree>
+    <p:extLst>
+      <p:ext uri="{BB962C8B-B14F-4D97-AF65-F5344CB8AC3E}">
+        <p14:creationId xmlns:p14="http://schemas.microsoft.com/office/powerpoint/2010/main" val="1781961805"/>
+      </p:ext>
+    </p:extLst>
+  </p:cSld>
+  <p:clrMapOvr>
+    <a:masterClrMapping/>
+  </p:clrMapOvr>
+  <p:timing>
+    <p:tnLst>
+      <p:par>
+        <p:cTn id="1" dur="indefinite" restart="never" nodeType="tmRoot">
+          <p:childTnLst>
+            <p:seq concurrent="1" nextAc="seek">
+              <p:cTn id="2" dur="indefinite" nodeType="mainSeq">
+                <p:childTnLst>
+                  <p:par>
+                    <p:cTn id="3" fill="hold">
+                      <p:stCondLst>
+                        <p:cond delay="indefinite"/>
+                      </p:stCondLst>
+                      <p:childTnLst>
+                        <p:par>
+                          <p:cTn id="4" fill="hold">
+                            <p:stCondLst>
+                              <p:cond delay="0"/>
+                            </p:stCondLst>
+                            <p:childTnLst>
+                              <p:par>
+                                <p:cTn id="5" presetID="1" presetClass="entr" presetSubtype="0" fill="hold" grpId="0" nodeType="clickEffect">
+                                  <p:stCondLst>
+                                    <p:cond delay="0"/>
+                                  </p:stCondLst>
+                                  <p:childTnLst>
+                                    <p:set>
+                                      <p:cBhvr>
+                                        <p:cTn id="6" dur="1" fill="hold">
+                                          <p:stCondLst>
+                                            <p:cond delay="0"/>
+                                          </p:stCondLst>
+                                        </p:cTn>
+                                        <p:tgtEl>
+                                          <p:spTgt spid="3">
+                                            <p:txEl>
+                                              <p:pRg st="0" end="0"/>
+                                            </p:txEl>
+                                          </p:spTgt>
+                                        </p:tgtEl>
+                                        <p:attrNameLst>
+                                          <p:attrName>style.visibility</p:attrName>
+                                        </p:attrNameLst>
+                                      </p:cBhvr>
+                                      <p:to>
+                                        <p:strVal val="visible"/>
+                                      </p:to>
+                                    </p:set>
+                                  </p:childTnLst>
+                                </p:cTn>
+                              </p:par>
+                            </p:childTnLst>
+                          </p:cTn>
+                        </p:par>
+                      </p:childTnLst>
+                    </p:cTn>
+                  </p:par>
+                  <p:par>
+                    <p:cTn id="7" fill="hold">
+                      <p:stCondLst>
+                        <p:cond delay="indefinite"/>
+                      </p:stCondLst>
+                      <p:childTnLst>
+                        <p:par>
+                          <p:cTn id="8" fill="hold">
+                            <p:stCondLst>
+                              <p:cond delay="0"/>
+                            </p:stCondLst>
+                            <p:childTnLst>
+                              <p:par>
+                                <p:cTn id="9" presetID="1" presetClass="entr" presetSubtype="0" fill="hold" grpId="0" nodeType="clickEffect">
+                                  <p:stCondLst>
+                                    <p:cond delay="0"/>
+                                  </p:stCondLst>
+                                  <p:childTnLst>
+                                    <p:set>
+                                      <p:cBhvr>
+                                        <p:cTn id="10" dur="1" fill="hold">
+                                          <p:stCondLst>
+                                            <p:cond delay="0"/>
+                                          </p:stCondLst>
+                                        </p:cTn>
+                                        <p:tgtEl>
+                                          <p:spTgt spid="3">
+                                            <p:txEl>
+                                              <p:pRg st="1" end="1"/>
+                                            </p:txEl>
+                                          </p:spTgt>
+                                        </p:tgtEl>
+                                        <p:attrNameLst>
+                                          <p:attrName>style.visibility</p:attrName>
+                                        </p:attrNameLst>
+                                      </p:cBhvr>
+                                      <p:to>
+                                        <p:strVal val="visible"/>
+                                      </p:to>
+                                    </p:set>
+                                  </p:childTnLst>
+                                </p:cTn>
+                              </p:par>
+                            </p:childTnLst>
+                          </p:cTn>
+                        </p:par>
+                      </p:childTnLst>
+                    </p:cTn>
+                  </p:par>
+                  <p:par>
+                    <p:cTn id="11" fill="hold">
+                      <p:stCondLst>
+                        <p:cond delay="indefinite"/>
+                      </p:stCondLst>
+                      <p:childTnLst>
+                        <p:par>
+                          <p:cTn id="12" fill="hold">
+                            <p:stCondLst>
+                              <p:cond delay="0"/>
+                            </p:stCondLst>
+                            <p:childTnLst>
+                              <p:par>
+                                <p:cTn id="13" presetID="1" presetClass="entr" presetSubtype="0" fill="hold" grpId="0" nodeType="clickEffect">
+                                  <p:stCondLst>
+                                    <p:cond delay="0"/>
+                                  </p:stCondLst>
+                                  <p:childTnLst>
+                                    <p:set>
+                                      <p:cBhvr>
+                                        <p:cTn id="14" dur="1" fill="hold">
+                                          <p:stCondLst>
+                                            <p:cond delay="0"/>
+                                          </p:stCondLst>
+                                        </p:cTn>
+                                        <p:tgtEl>
+                                          <p:spTgt spid="3">
+                                            <p:txEl>
+                                              <p:pRg st="2" end="2"/>
+                                            </p:txEl>
+                                          </p:spTgt>
+                                        </p:tgtEl>
+                                        <p:attrNameLst>
+                                          <p:attrName>style.visibility</p:attrName>
+                                        </p:attrNameLst>
+                                      </p:cBhvr>
+                                      <p:to>
+                                        <p:strVal val="visible"/>
+                                      </p:to>
+                                    </p:set>
+                                  </p:childTnLst>
+                                </p:cTn>
+                              </p:par>
+                            </p:childTnLst>
+                          </p:cTn>
+                        </p:par>
+                      </p:childTnLst>
+                    </p:cTn>
+                  </p:par>
+                  <p:par>
+                    <p:cTn id="15" fill="hold">
+                      <p:stCondLst>
+                        <p:cond delay="indefinite"/>
+                      </p:stCondLst>
+                      <p:childTnLst>
+                        <p:par>
+                          <p:cTn id="16" fill="hold">
+                            <p:stCondLst>
+                              <p:cond delay="0"/>
+                            </p:stCondLst>
+                            <p:childTnLst>
+                              <p:par>
+                                <p:cTn id="17" presetID="1" presetClass="entr" presetSubtype="0" fill="hold" grpId="0" nodeType="clickEffect">
+                                  <p:stCondLst>
+                                    <p:cond delay="0"/>
+                                  </p:stCondLst>
+                                  <p:childTnLst>
+                                    <p:set>
+                                      <p:cBhvr>
+                                        <p:cTn id="18" dur="1" fill="hold">
+                                          <p:stCondLst>
+                                            <p:cond delay="0"/>
+                                          </p:stCondLst>
+                                        </p:cTn>
+                                        <p:tgtEl>
+                                          <p:spTgt spid="3">
+                                            <p:txEl>
+                                              <p:pRg st="3" end="3"/>
+                                            </p:txEl>
+                                          </p:spTgt>
+                                        </p:tgtEl>
+                                        <p:attrNameLst>
+                                          <p:attrName>style.visibility</p:attrName>
+                                        </p:attrNameLst>
+                                      </p:cBhvr>
+                                      <p:to>
+                                        <p:strVal val="visible"/>
+                                      </p:to>
+                                    </p:set>
+                                  </p:childTnLst>
+                                </p:cTn>
+                              </p:par>
+                            </p:childTnLst>
+                          </p:cTn>
+                        </p:par>
+                      </p:childTnLst>
+                    </p:cTn>
+                  </p:par>
+                </p:childTnLst>
+              </p:cTn>
+              <p:prevCondLst>
+                <p:cond evt="onPrev" delay="0">
+                  <p:tgtEl>
+                    <p:sldTgt/>
+                  </p:tgtEl>
+                </p:cond>
+              </p:prevCondLst>
+              <p:nextCondLst>
+                <p:cond evt="onNext" delay="0">
+                  <p:tgtEl>
+                    <p:sldTgt/>
+                  </p:tgtEl>
+                </p:cond>
+              </p:nextCondLst>
+            </p:seq>
+          </p:childTnLst>
+        </p:cTn>
+      </p:par>
+    </p:tnLst>
+    <p:bldLst>
+      <p:bldP spid="3" grpId="0" build="p"/>
+    </p:bldLst>
+  </p:timing>
+</p:sld>
+</file>
+
+<file path=ppt/slides/slide27.xml><?xml version="1.0" encoding="utf-8"?>
+<p:sld xmlns:a="http://schemas.openxmlformats.org/drawingml/2006/main" xmlns:r="http://schemas.openxmlformats.org/officeDocument/2006/relationships" xmlns:p="http://schemas.openxmlformats.org/presentationml/2006/main">
+  <p:cSld>
+    <p:spTree>
+      <p:nvGrpSpPr>
+        <p:cNvPr id="1" name=""/>
+        <p:cNvGrpSpPr/>
+        <p:nvPr/>
+      </p:nvGrpSpPr>
+      <p:grpSpPr>
+        <a:xfrm>
+          <a:off x="0" y="0"/>
+          <a:ext cx="0" cy="0"/>
+          <a:chOff x="0" y="0"/>
+          <a:chExt cx="0" cy="0"/>
+        </a:xfrm>
+      </p:grpSpPr>
+      <p:sp>
+        <p:nvSpPr>
+          <p:cNvPr id="2" name="Titel 1"/>
+          <p:cNvSpPr>
+            <a:spLocks noGrp="1"/>
+          </p:cNvSpPr>
+          <p:nvPr>
+            <p:ph type="title"/>
+          </p:nvPr>
+        </p:nvSpPr>
+        <p:spPr/>
+        <p:txBody>
+          <a:bodyPr/>
+          <a:lstStyle/>
+          <a:p>
+            <a:r>
+              <a:rPr lang="de-DE" dirty="0"/>
+              <a:t>Modul 1: List</a:t>
+            </a:r>
+          </a:p>
+        </p:txBody>
+      </p:sp>
+      <p:sp>
+        <p:nvSpPr>
+          <p:cNvPr id="3" name="Inhaltsplatzhalter 2"/>
+          <p:cNvSpPr>
+            <a:spLocks noGrp="1"/>
+          </p:cNvSpPr>
+          <p:nvPr>
+            <p:ph idx="1"/>
+          </p:nvPr>
+        </p:nvSpPr>
+        <p:spPr/>
+        <p:txBody>
+          <a:bodyPr/>
+          <a:lstStyle/>
+          <a:p>
+            <a:r>
+              <a:rPr lang="de-DE" dirty="0"/>
+              <a:t>List in F# implementiert fiele Funktionen</a:t>
+            </a:r>
+          </a:p>
+          <a:p>
+            <a:r>
+              <a:rPr lang="de-DE" dirty="0"/>
+              <a:t>Signatur kann verraten was die Funktion leistet</a:t>
+            </a:r>
+          </a:p>
+          <a:p>
+            <a:r>
+              <a:rPr lang="de-DE" dirty="0"/>
+              <a:t>Wir untersuchen </a:t>
+            </a:r>
+          </a:p>
+          <a:p>
+            <a:pPr lvl="1"/>
+            <a:r>
+              <a:rPr lang="de-DE" dirty="0" err="1"/>
+              <a:t>filter</a:t>
+            </a:r>
+            <a:endParaRPr lang="de-DE" dirty="0"/>
+          </a:p>
+          <a:p>
+            <a:pPr lvl="1"/>
+            <a:r>
+              <a:rPr lang="de-DE" dirty="0" err="1"/>
+              <a:t>map</a:t>
+            </a:r>
+            <a:endParaRPr lang="de-DE" dirty="0"/>
+          </a:p>
+        </p:txBody>
+      </p:sp>
+    </p:spTree>
+    <p:extLst>
+      <p:ext uri="{BB962C8B-B14F-4D97-AF65-F5344CB8AC3E}">
+        <p14:creationId xmlns:p14="http://schemas.microsoft.com/office/powerpoint/2010/main" val="1013080900"/>
+      </p:ext>
+    </p:extLst>
+  </p:cSld>
+  <p:clrMapOvr>
+    <a:masterClrMapping/>
+  </p:clrMapOvr>
+  <p:timing>
+    <p:tnLst>
+      <p:par>
+        <p:cTn id="1" dur="indefinite" restart="never" nodeType="tmRoot">
+          <p:childTnLst>
+            <p:seq concurrent="1" nextAc="seek">
+              <p:cTn id="2" dur="indefinite" nodeType="mainSeq">
+                <p:childTnLst>
+                  <p:par>
+                    <p:cTn id="3" fill="hold">
+                      <p:stCondLst>
+                        <p:cond delay="indefinite"/>
+                      </p:stCondLst>
+                      <p:childTnLst>
+                        <p:par>
+                          <p:cTn id="4" fill="hold">
+                            <p:stCondLst>
+                              <p:cond delay="0"/>
+                            </p:stCondLst>
+                            <p:childTnLst>
+                              <p:par>
+                                <p:cTn id="5" presetID="1" presetClass="entr" presetSubtype="0" fill="hold" grpId="0" nodeType="clickEffect">
+                                  <p:stCondLst>
+                                    <p:cond delay="0"/>
+                                  </p:stCondLst>
+                                  <p:childTnLst>
+                                    <p:set>
+                                      <p:cBhvr>
+                                        <p:cTn id="6" dur="1" fill="hold">
+                                          <p:stCondLst>
+                                            <p:cond delay="0"/>
+                                          </p:stCondLst>
+                                        </p:cTn>
+                                        <p:tgtEl>
+                                          <p:spTgt spid="3">
+                                            <p:txEl>
+                                              <p:pRg st="0" end="0"/>
+                                            </p:txEl>
+                                          </p:spTgt>
+                                        </p:tgtEl>
+                                        <p:attrNameLst>
+                                          <p:attrName>style.visibility</p:attrName>
+                                        </p:attrNameLst>
+                                      </p:cBhvr>
+                                      <p:to>
+                                        <p:strVal val="visible"/>
+                                      </p:to>
+                                    </p:set>
+                                  </p:childTnLst>
+                                </p:cTn>
+                              </p:par>
+                            </p:childTnLst>
+                          </p:cTn>
+                        </p:par>
+                      </p:childTnLst>
+                    </p:cTn>
+                  </p:par>
+                  <p:par>
+                    <p:cTn id="7" fill="hold">
+                      <p:stCondLst>
+                        <p:cond delay="indefinite"/>
+                      </p:stCondLst>
+                      <p:childTnLst>
+                        <p:par>
+                          <p:cTn id="8" fill="hold">
+                            <p:stCondLst>
+                              <p:cond delay="0"/>
+                            </p:stCondLst>
+                            <p:childTnLst>
+                              <p:par>
+                                <p:cTn id="9" presetID="1" presetClass="entr" presetSubtype="0" fill="hold" grpId="0" nodeType="clickEffect">
+                                  <p:stCondLst>
+                                    <p:cond delay="0"/>
+                                  </p:stCondLst>
+                                  <p:childTnLst>
+                                    <p:set>
+                                      <p:cBhvr>
+                                        <p:cTn id="10" dur="1" fill="hold">
+                                          <p:stCondLst>
+                                            <p:cond delay="0"/>
+                                          </p:stCondLst>
+                                        </p:cTn>
+                                        <p:tgtEl>
+                                          <p:spTgt spid="3">
+                                            <p:txEl>
+                                              <p:pRg st="1" end="1"/>
+                                            </p:txEl>
+                                          </p:spTgt>
+                                        </p:tgtEl>
+                                        <p:attrNameLst>
+                                          <p:attrName>style.visibility</p:attrName>
+                                        </p:attrNameLst>
+                                      </p:cBhvr>
+                                      <p:to>
+                                        <p:strVal val="visible"/>
+                                      </p:to>
+                                    </p:set>
+                                  </p:childTnLst>
+                                </p:cTn>
+                              </p:par>
+                            </p:childTnLst>
+                          </p:cTn>
+                        </p:par>
+                      </p:childTnLst>
+                    </p:cTn>
+                  </p:par>
+                  <p:par>
+                    <p:cTn id="11" fill="hold">
+                      <p:stCondLst>
+                        <p:cond delay="indefinite"/>
+                      </p:stCondLst>
+                      <p:childTnLst>
+                        <p:par>
+                          <p:cTn id="12" fill="hold">
+                            <p:stCondLst>
+                              <p:cond delay="0"/>
+                            </p:stCondLst>
+                            <p:childTnLst>
+                              <p:par>
+                                <p:cTn id="13" presetID="1" presetClass="entr" presetSubtype="0" fill="hold" grpId="0" nodeType="clickEffect">
+                                  <p:stCondLst>
+                                    <p:cond delay="0"/>
+                                  </p:stCondLst>
+                                  <p:childTnLst>
+                                    <p:set>
+                                      <p:cBhvr>
+                                        <p:cTn id="14" dur="1" fill="hold">
+                                          <p:stCondLst>
+                                            <p:cond delay="0"/>
+                                          </p:stCondLst>
+                                        </p:cTn>
+                                        <p:tgtEl>
+                                          <p:spTgt spid="3">
+                                            <p:txEl>
+                                              <p:pRg st="2" end="2"/>
+                                            </p:txEl>
+                                          </p:spTgt>
+                                        </p:tgtEl>
+                                        <p:attrNameLst>
+                                          <p:attrName>style.visibility</p:attrName>
+                                        </p:attrNameLst>
+                                      </p:cBhvr>
+                                      <p:to>
+                                        <p:strVal val="visible"/>
+                                      </p:to>
+                                    </p:set>
+                                  </p:childTnLst>
+                                </p:cTn>
+                              </p:par>
+                              <p:par>
+                                <p:cTn id="15" presetID="1" presetClass="entr" presetSubtype="0" fill="hold" grpId="0" nodeType="withEffect">
+                                  <p:stCondLst>
+                                    <p:cond delay="0"/>
+                                  </p:stCondLst>
+                                  <p:childTnLst>
+                                    <p:set>
+                                      <p:cBhvr>
+                                        <p:cTn id="16" dur="1" fill="hold">
+                                          <p:stCondLst>
+                                            <p:cond delay="0"/>
+                                          </p:stCondLst>
+                                        </p:cTn>
+                                        <p:tgtEl>
+                                          <p:spTgt spid="3">
+                                            <p:txEl>
+                                              <p:pRg st="3" end="3"/>
+                                            </p:txEl>
+                                          </p:spTgt>
+                                        </p:tgtEl>
+                                        <p:attrNameLst>
+                                          <p:attrName>style.visibility</p:attrName>
+                                        </p:attrNameLst>
+                                      </p:cBhvr>
+                                      <p:to>
+                                        <p:strVal val="visible"/>
+                                      </p:to>
+                                    </p:set>
+                                  </p:childTnLst>
+                                </p:cTn>
+                              </p:par>
+                              <p:par>
+                                <p:cTn id="17" presetID="1" presetClass="entr" presetSubtype="0" fill="hold" grpId="0" nodeType="withEffect">
+                                  <p:stCondLst>
+                                    <p:cond delay="0"/>
+                                  </p:stCondLst>
+                                  <p:childTnLst>
+                                    <p:set>
+                                      <p:cBhvr>
+                                        <p:cTn id="18" dur="1" fill="hold">
+                                          <p:stCondLst>
+                                            <p:cond delay="0"/>
+                                          </p:stCondLst>
+                                        </p:cTn>
+                                        <p:tgtEl>
+                                          <p:spTgt spid="3">
+                                            <p:txEl>
+                                              <p:pRg st="4" end="4"/>
+                                            </p:txEl>
+                                          </p:spTgt>
+                                        </p:tgtEl>
+                                        <p:attrNameLst>
+                                          <p:attrName>style.visibility</p:attrName>
+                                        </p:attrNameLst>
+                                      </p:cBhvr>
+                                      <p:to>
+                                        <p:strVal val="visible"/>
+                                      </p:to>
+                                    </p:set>
+                                  </p:childTnLst>
+                                </p:cTn>
+                              </p:par>
+                            </p:childTnLst>
+                          </p:cTn>
+                        </p:par>
+                      </p:childTnLst>
+                    </p:cTn>
+                  </p:par>
+                </p:childTnLst>
+              </p:cTn>
+              <p:prevCondLst>
+                <p:cond evt="onPrev" delay="0">
+                  <p:tgtEl>
+                    <p:sldTgt/>
+                  </p:tgtEl>
+                </p:cond>
+              </p:prevCondLst>
+              <p:nextCondLst>
+                <p:cond evt="onNext" delay="0">
+                  <p:tgtEl>
+                    <p:sldTgt/>
+                  </p:tgtEl>
+                </p:cond>
+              </p:nextCondLst>
+            </p:seq>
+          </p:childTnLst>
+        </p:cTn>
+      </p:par>
+    </p:tnLst>
+    <p:bldLst>
+      <p:bldP spid="3" grpId="0" build="p"/>
+    </p:bldLst>
+  </p:timing>
+</p:sld>
+</file>
+
+<file path=ppt/slides/slide28.xml><?xml version="1.0" encoding="utf-8"?>
+<p:sld xmlns:a="http://schemas.openxmlformats.org/drawingml/2006/main" xmlns:r="http://schemas.openxmlformats.org/officeDocument/2006/relationships" xmlns:p="http://schemas.openxmlformats.org/presentationml/2006/main">
+  <p:cSld>
+    <p:spTree>
+      <p:nvGrpSpPr>
+        <p:cNvPr id="1" name=""/>
+        <p:cNvGrpSpPr/>
+        <p:nvPr/>
+      </p:nvGrpSpPr>
+      <p:grpSpPr>
+        <a:xfrm>
+          <a:off x="0" y="0"/>
+          <a:ext cx="0" cy="0"/>
+          <a:chOff x="0" y="0"/>
+          <a:chExt cx="0" cy="0"/>
+        </a:xfrm>
+      </p:grpSpPr>
+      <p:sp>
+        <p:nvSpPr>
+          <p:cNvPr id="2" name="Titel 1"/>
+          <p:cNvSpPr>
+            <a:spLocks noGrp="1"/>
+          </p:cNvSpPr>
+          <p:nvPr>
+            <p:ph type="title"/>
+          </p:nvPr>
+        </p:nvSpPr>
+        <p:spPr/>
+        <p:txBody>
+          <a:bodyPr/>
+          <a:lstStyle/>
+          <a:p>
+            <a:r>
+              <a:rPr lang="de-DE" dirty="0"/>
+              <a:t>Modul 1: Verketten</a:t>
+            </a:r>
+          </a:p>
+        </p:txBody>
+      </p:sp>
+      <p:sp>
+        <p:nvSpPr>
+          <p:cNvPr id="3" name="Inhaltsplatzhalter 2"/>
+          <p:cNvSpPr>
+            <a:spLocks noGrp="1"/>
+          </p:cNvSpPr>
+          <p:nvPr>
+            <p:ph idx="1"/>
+          </p:nvPr>
+        </p:nvSpPr>
+        <p:spPr/>
+        <p:txBody>
+          <a:bodyPr/>
+          <a:lstStyle/>
+          <a:p>
+            <a:r>
+              <a:rPr lang="de-DE" dirty="0"/>
+              <a:t>Pipe Operator |&gt;</a:t>
+            </a:r>
+          </a:p>
+          <a:p>
+            <a:r>
+              <a:rPr lang="de-DE" dirty="0"/>
+              <a:t>Deklariert als </a:t>
+            </a:r>
+            <a:br>
+              <a:rPr lang="de-DE" dirty="0"/>
+            </a:br>
+            <a:r>
+              <a:rPr lang="da-DK" dirty="0">
+                <a:solidFill>
+                  <a:srgbClr val="0000FF"/>
+                </a:solidFill>
+                <a:latin typeface="Consolas" panose="020B0609020204030204" pitchFamily="49" charset="0"/>
+              </a:rPr>
+              <a:t>let</a:t>
+            </a:r>
+            <a:r>
+              <a:rPr lang="da-DK" dirty="0">
+                <a:solidFill>
+                  <a:srgbClr val="000000"/>
+                </a:solidFill>
+                <a:latin typeface="Consolas" panose="020B0609020204030204" pitchFamily="49" charset="0"/>
+              </a:rPr>
+              <a:t> (|&gt;) x f = f x</a:t>
+            </a:r>
+          </a:p>
+          <a:p>
+            <a:r>
+              <a:rPr lang="de-DE" dirty="0"/>
+              <a:t>Signatur ist</a:t>
+            </a:r>
+            <a:br>
+              <a:rPr lang="da-DK" dirty="0">
+                <a:solidFill>
+                  <a:srgbClr val="000000"/>
+                </a:solidFill>
+                <a:latin typeface="Consolas" panose="020B0609020204030204" pitchFamily="49" charset="0"/>
+              </a:rPr>
+            </a:br>
+            <a:r>
+              <a:rPr lang="de-DE" dirty="0">
+                <a:solidFill>
+                  <a:srgbClr val="000000"/>
+                </a:solidFill>
+                <a:latin typeface="Consolas" panose="020B0609020204030204" pitchFamily="49" charset="0"/>
+              </a:rPr>
+              <a:t>x:'a -&gt; f:('a -&gt; 'b) -&gt; 'b</a:t>
+            </a:r>
+            <a:endParaRPr lang="de-DE" dirty="0"/>
+          </a:p>
+        </p:txBody>
+      </p:sp>
+    </p:spTree>
+    <p:extLst>
+      <p:ext uri="{BB962C8B-B14F-4D97-AF65-F5344CB8AC3E}">
+        <p14:creationId xmlns:p14="http://schemas.microsoft.com/office/powerpoint/2010/main" val="2328810760"/>
+      </p:ext>
+    </p:extLst>
+  </p:cSld>
+  <p:clrMapOvr>
+    <a:masterClrMapping/>
+  </p:clrMapOvr>
+  <p:timing>
+    <p:tnLst>
+      <p:par>
+        <p:cTn id="1" dur="indefinite" restart="never" nodeType="tmRoot">
+          <p:childTnLst>
+            <p:seq concurrent="1" nextAc="seek">
+              <p:cTn id="2" dur="indefinite" nodeType="mainSeq">
+                <p:childTnLst>
+                  <p:par>
+                    <p:cTn id="3" fill="hold">
+                      <p:stCondLst>
+                        <p:cond delay="indefinite"/>
+                      </p:stCondLst>
+                      <p:childTnLst>
+                        <p:par>
+                          <p:cTn id="4" fill="hold">
+                            <p:stCondLst>
+                              <p:cond delay="0"/>
+                            </p:stCondLst>
+                            <p:childTnLst>
+                              <p:par>
+                                <p:cTn id="5" presetID="1" presetClass="entr" presetSubtype="0" fill="hold" grpId="0" nodeType="clickEffect">
+                                  <p:stCondLst>
+                                    <p:cond delay="0"/>
+                                  </p:stCondLst>
+                                  <p:childTnLst>
+                                    <p:set>
+                                      <p:cBhvr>
+                                        <p:cTn id="6" dur="1" fill="hold">
+                                          <p:stCondLst>
+                                            <p:cond delay="0"/>
+                                          </p:stCondLst>
+                                        </p:cTn>
+                                        <p:tgtEl>
+                                          <p:spTgt spid="3">
+                                            <p:txEl>
+                                              <p:pRg st="0" end="0"/>
+                                            </p:txEl>
+                                          </p:spTgt>
+                                        </p:tgtEl>
+                                        <p:attrNameLst>
+                                          <p:attrName>style.visibility</p:attrName>
+                                        </p:attrNameLst>
+                                      </p:cBhvr>
+                                      <p:to>
+                                        <p:strVal val="visible"/>
+                                      </p:to>
+                                    </p:set>
+                                  </p:childTnLst>
+                                </p:cTn>
+                              </p:par>
+                            </p:childTnLst>
+                          </p:cTn>
+                        </p:par>
+                      </p:childTnLst>
+                    </p:cTn>
+                  </p:par>
+                  <p:par>
+                    <p:cTn id="7" fill="hold">
+                      <p:stCondLst>
+                        <p:cond delay="indefinite"/>
+                      </p:stCondLst>
+                      <p:childTnLst>
+                        <p:par>
+                          <p:cTn id="8" fill="hold">
+                            <p:stCondLst>
+                              <p:cond delay="0"/>
+                            </p:stCondLst>
+                            <p:childTnLst>
+                              <p:par>
+                                <p:cTn id="9" presetID="1" presetClass="entr" presetSubtype="0" fill="hold" grpId="0" nodeType="clickEffect">
+                                  <p:stCondLst>
+                                    <p:cond delay="0"/>
+                                  </p:stCondLst>
+                                  <p:childTnLst>
+                                    <p:set>
+                                      <p:cBhvr>
+                                        <p:cTn id="10" dur="1" fill="hold">
+                                          <p:stCondLst>
+                                            <p:cond delay="0"/>
+                                          </p:stCondLst>
+                                        </p:cTn>
+                                        <p:tgtEl>
+                                          <p:spTgt spid="3">
+                                            <p:txEl>
+                                              <p:pRg st="1" end="1"/>
+                                            </p:txEl>
+                                          </p:spTgt>
+                                        </p:tgtEl>
+                                        <p:attrNameLst>
+                                          <p:attrName>style.visibility</p:attrName>
+                                        </p:attrNameLst>
+                                      </p:cBhvr>
+                                      <p:to>
+                                        <p:strVal val="visible"/>
+                                      </p:to>
+                                    </p:set>
+                                  </p:childTnLst>
+                                </p:cTn>
+                              </p:par>
+                            </p:childTnLst>
+                          </p:cTn>
+                        </p:par>
+                      </p:childTnLst>
+                    </p:cTn>
+                  </p:par>
+                  <p:par>
+                    <p:cTn id="11" fill="hold">
+                      <p:stCondLst>
+                        <p:cond delay="indefinite"/>
+                      </p:stCondLst>
+                      <p:childTnLst>
+                        <p:par>
+                          <p:cTn id="12" fill="hold">
+                            <p:stCondLst>
+                              <p:cond delay="0"/>
+                            </p:stCondLst>
+                            <p:childTnLst>
+                              <p:par>
+                                <p:cTn id="13" presetID="1" presetClass="entr" presetSubtype="0" fill="hold" grpId="0" nodeType="clickEffect">
+                                  <p:stCondLst>
+                                    <p:cond delay="0"/>
+                                  </p:stCondLst>
+                                  <p:childTnLst>
+                                    <p:set>
+                                      <p:cBhvr>
+                                        <p:cTn id="14" dur="1" fill="hold">
+                                          <p:stCondLst>
+                                            <p:cond delay="0"/>
+                                          </p:stCondLst>
+                                        </p:cTn>
+                                        <p:tgtEl>
+                                          <p:spTgt spid="3">
+                                            <p:txEl>
+                                              <p:pRg st="2" end="2"/>
+                                            </p:txEl>
+                                          </p:spTgt>
+                                        </p:tgtEl>
+                                        <p:attrNameLst>
+                                          <p:attrName>style.visibility</p:attrName>
+                                        </p:attrNameLst>
+                                      </p:cBhvr>
+                                      <p:to>
+                                        <p:strVal val="visible"/>
+                                      </p:to>
+                                    </p:set>
+                                  </p:childTnLst>
+                                </p:cTn>
+                              </p:par>
+                            </p:childTnLst>
+                          </p:cTn>
+                        </p:par>
+                      </p:childTnLst>
+                    </p:cTn>
+                  </p:par>
+                </p:childTnLst>
+              </p:cTn>
+              <p:prevCondLst>
+                <p:cond evt="onPrev" delay="0">
+                  <p:tgtEl>
+                    <p:sldTgt/>
+                  </p:tgtEl>
+                </p:cond>
+              </p:prevCondLst>
+              <p:nextCondLst>
+                <p:cond evt="onNext" delay="0">
+                  <p:tgtEl>
+                    <p:sldTgt/>
+                  </p:tgtEl>
+                </p:cond>
+              </p:nextCondLst>
+            </p:seq>
+          </p:childTnLst>
+        </p:cTn>
+      </p:par>
+    </p:tnLst>
+    <p:bldLst>
+      <p:bldP spid="3" grpId="0" build="p"/>
+    </p:bldLst>
+  </p:timing>
+</p:sld>
+</file>
+
+<file path=ppt/slides/slide29.xml><?xml version="1.0" encoding="utf-8"?>
+<p:sld xmlns:a="http://schemas.openxmlformats.org/drawingml/2006/main" xmlns:r="http://schemas.openxmlformats.org/officeDocument/2006/relationships" xmlns:p="http://schemas.openxmlformats.org/presentationml/2006/main">
+  <p:cSld>
+    <p:spTree>
+      <p:nvGrpSpPr>
+        <p:cNvPr id="1" name=""/>
+        <p:cNvGrpSpPr/>
+        <p:nvPr/>
+      </p:nvGrpSpPr>
+      <p:grpSpPr>
+        <a:xfrm>
+          <a:off x="0" y="0"/>
+          <a:ext cx="0" cy="0"/>
+          <a:chOff x="0" y="0"/>
+          <a:chExt cx="0" cy="0"/>
+        </a:xfrm>
+      </p:grpSpPr>
+      <p:sp>
+        <p:nvSpPr>
+          <p:cNvPr id="2" name="Titel 1"/>
+          <p:cNvSpPr>
+            <a:spLocks noGrp="1"/>
+          </p:cNvSpPr>
+          <p:nvPr>
+            <p:ph type="title"/>
+          </p:nvPr>
+        </p:nvSpPr>
+        <p:spPr/>
+        <p:txBody>
+          <a:bodyPr/>
+          <a:lstStyle/>
+          <a:p>
+            <a:r>
+              <a:rPr lang="de-DE" dirty="0"/>
+              <a:t>Modul 1: Verketten</a:t>
+            </a:r>
+          </a:p>
+        </p:txBody>
+      </p:sp>
+      <p:sp>
+        <p:nvSpPr>
+          <p:cNvPr id="3" name="Inhaltsplatzhalter 2"/>
+          <p:cNvSpPr>
+            <a:spLocks noGrp="1"/>
+          </p:cNvSpPr>
+          <p:nvPr>
+            <p:ph idx="1"/>
+          </p:nvPr>
+        </p:nvSpPr>
+        <p:spPr/>
+        <p:txBody>
+          <a:bodyPr/>
+          <a:lstStyle/>
+          <a:p>
+            <a:r>
+              <a:rPr lang="de-DE" dirty="0"/>
+              <a:t>Die Übung Verketten machen</a:t>
+            </a:r>
+          </a:p>
+        </p:txBody>
+      </p:sp>
+    </p:spTree>
+    <p:extLst>
+      <p:ext uri="{BB962C8B-B14F-4D97-AF65-F5344CB8AC3E}">
+        <p14:creationId xmlns:p14="http://schemas.microsoft.com/office/powerpoint/2010/main" val="1245132831"/>
+      </p:ext>
+    </p:extLst>
+  </p:cSld>
+  <p:clrMapOvr>
+    <a:masterClrMapping/>
+  </p:clrMapOvr>
+</p:sld>
+</file>
+
+<file path=ppt/slides/slide3.xml><?xml version="1.0" encoding="utf-8"?>
+<p:sld xmlns:a="http://schemas.openxmlformats.org/drawingml/2006/main" xmlns:r="http://schemas.openxmlformats.org/officeDocument/2006/relationships" xmlns:p="http://schemas.openxmlformats.org/presentationml/2006/main">
+  <p:cSld>
+    <p:spTree>
+      <p:nvGrpSpPr>
+        <p:cNvPr id="1" name=""/>
+        <p:cNvGrpSpPr/>
+        <p:nvPr/>
+      </p:nvGrpSpPr>
+      <p:grpSpPr>
+        <a:xfrm>
+          <a:off x="0" y="0"/>
+          <a:ext cx="0" cy="0"/>
+          <a:chOff x="0" y="0"/>
+          <a:chExt cx="0" cy="0"/>
+        </a:xfrm>
+      </p:grpSpPr>
+      <p:sp>
+        <p:nvSpPr>
+          <p:cNvPr id="2" name="Title 1"/>
+          <p:cNvSpPr>
+            <a:spLocks noGrp="1"/>
+          </p:cNvSpPr>
+          <p:nvPr>
+            <p:ph type="title"/>
+          </p:nvPr>
+        </p:nvSpPr>
+        <p:spPr/>
+        <p:txBody>
+          <a:bodyPr/>
+          <a:lstStyle/>
+          <a:p>
+            <a:r>
+              <a:rPr lang="de-DE" dirty="0"/>
+              <a:t>Funktional ist kein Trend</a:t>
+            </a:r>
+            <a:endParaRPr lang="en-US" dirty="0"/>
+          </a:p>
+        </p:txBody>
+      </p:sp>
+    </p:spTree>
+    <p:extLst>
+      <p:ext uri="{BB962C8B-B14F-4D97-AF65-F5344CB8AC3E}">
+        <p14:creationId xmlns:p14="http://schemas.microsoft.com/office/powerpoint/2010/main" val="2665407636"/>
+      </p:ext>
+    </p:extLst>
+  </p:cSld>
+  <p:clrMapOvr>
+    <a:masterClrMapping/>
+  </p:clrMapOvr>
+</p:sld>
+</file>
+
+<file path=ppt/slides/slide30.xml><?xml version="1.0" encoding="utf-8"?>
+<p:sld xmlns:a="http://schemas.openxmlformats.org/drawingml/2006/main" xmlns:r="http://schemas.openxmlformats.org/officeDocument/2006/relationships" xmlns:p="http://schemas.openxmlformats.org/presentationml/2006/main">
+  <p:cSld>
+    <p:spTree>
+      <p:nvGrpSpPr>
+        <p:cNvPr id="1" name=""/>
+        <p:cNvGrpSpPr/>
+        <p:nvPr/>
+      </p:nvGrpSpPr>
+      <p:grpSpPr>
+        <a:xfrm>
+          <a:off x="0" y="0"/>
+          <a:ext cx="0" cy="0"/>
+          <a:chOff x="0" y="0"/>
+          <a:chExt cx="0" cy="0"/>
+        </a:xfrm>
+      </p:grpSpPr>
+      <p:sp>
+        <p:nvSpPr>
+          <p:cNvPr id="2" name="Titel 1"/>
+          <p:cNvSpPr>
+            <a:spLocks noGrp="1"/>
+          </p:cNvSpPr>
+          <p:nvPr>
+            <p:ph type="title"/>
+          </p:nvPr>
+        </p:nvSpPr>
+        <p:spPr/>
+        <p:txBody>
+          <a:bodyPr/>
+          <a:lstStyle/>
+          <a:p>
+            <a:r>
+              <a:rPr lang="de-DE" dirty="0"/>
+              <a:t>Modul 1: F# ist streng!</a:t>
+            </a:r>
+          </a:p>
+        </p:txBody>
+      </p:sp>
+      <p:sp>
+        <p:nvSpPr>
+          <p:cNvPr id="3" name="Inhaltsplatzhalter 2"/>
+          <p:cNvSpPr>
+            <a:spLocks noGrp="1"/>
+          </p:cNvSpPr>
+          <p:nvPr>
+            <p:ph idx="1"/>
+          </p:nvPr>
+        </p:nvSpPr>
+        <p:spPr/>
+        <p:txBody>
+          <a:bodyPr/>
+          <a:lstStyle/>
+          <a:p>
+            <a:r>
+              <a:rPr lang="de-DE" dirty="0"/>
+              <a:t>Die </a:t>
+            </a:r>
+            <a:r>
+              <a:rPr lang="de-DE" dirty="0" err="1"/>
+              <a:t>Reihnfolge</a:t>
+            </a:r>
+            <a:r>
+              <a:rPr lang="de-DE" dirty="0"/>
+              <a:t> der Dateien in VS ist </a:t>
+            </a:r>
+            <a:r>
+              <a:rPr lang="de-DE" b="1" dirty="0"/>
+              <a:t>nicht egal</a:t>
+            </a:r>
+            <a:r>
+              <a:rPr lang="de-DE" dirty="0"/>
+              <a:t>!</a:t>
+            </a:r>
+          </a:p>
+          <a:p>
+            <a:r>
+              <a:rPr lang="de-DE" dirty="0"/>
+              <a:t>Die Struktur der einzelnen Code Dateien muss die Hierarchie der Aufrufe entsprechen</a:t>
+            </a:r>
+          </a:p>
+          <a:p>
+            <a:r>
+              <a:rPr lang="de-DE" dirty="0"/>
+              <a:t>VS erzwingt die Einhaltung dieser Regel</a:t>
+            </a:r>
+          </a:p>
+          <a:p>
+            <a:r>
+              <a:rPr lang="de-DE" dirty="0"/>
+              <a:t>VS erlaubt die Positionierung von Code Dateien</a:t>
+            </a:r>
+          </a:p>
+        </p:txBody>
+      </p:sp>
+    </p:spTree>
+    <p:extLst>
+      <p:ext uri="{BB962C8B-B14F-4D97-AF65-F5344CB8AC3E}">
+        <p14:creationId xmlns:p14="http://schemas.microsoft.com/office/powerpoint/2010/main" val="1243818592"/>
+      </p:ext>
+    </p:extLst>
+  </p:cSld>
+  <p:clrMapOvr>
+    <a:masterClrMapping/>
+  </p:clrMapOvr>
+  <p:timing>
+    <p:tnLst>
+      <p:par>
+        <p:cTn id="1" dur="indefinite" restart="never" nodeType="tmRoot">
+          <p:childTnLst>
+            <p:seq concurrent="1" nextAc="seek">
+              <p:cTn id="2" dur="indefinite" nodeType="mainSeq">
+                <p:childTnLst>
+                  <p:par>
+                    <p:cTn id="3" fill="hold">
+                      <p:stCondLst>
+                        <p:cond delay="indefinite"/>
+                      </p:stCondLst>
+                      <p:childTnLst>
+                        <p:par>
+                          <p:cTn id="4" fill="hold">
+                            <p:stCondLst>
+                              <p:cond delay="0"/>
+                            </p:stCondLst>
+                            <p:childTnLst>
+                              <p:par>
+                                <p:cTn id="5" presetID="1" presetClass="entr" presetSubtype="0" fill="hold" grpId="0" nodeType="clickEffect">
+                                  <p:stCondLst>
+                                    <p:cond delay="0"/>
+                                  </p:stCondLst>
+                                  <p:childTnLst>
+                                    <p:set>
+                                      <p:cBhvr>
+                                        <p:cTn id="6" dur="1" fill="hold">
+                                          <p:stCondLst>
+                                            <p:cond delay="0"/>
+                                          </p:stCondLst>
+                                        </p:cTn>
+                                        <p:tgtEl>
+                                          <p:spTgt spid="3">
+                                            <p:txEl>
+                                              <p:pRg st="0" end="0"/>
+                                            </p:txEl>
+                                          </p:spTgt>
+                                        </p:tgtEl>
+                                        <p:attrNameLst>
+                                          <p:attrName>style.visibility</p:attrName>
+                                        </p:attrNameLst>
+                                      </p:cBhvr>
+                                      <p:to>
+                                        <p:strVal val="visible"/>
+                                      </p:to>
+                                    </p:set>
+                                  </p:childTnLst>
+                                </p:cTn>
+                              </p:par>
+                            </p:childTnLst>
+                          </p:cTn>
+                        </p:par>
+                      </p:childTnLst>
+                    </p:cTn>
+                  </p:par>
+                  <p:par>
+                    <p:cTn id="7" fill="hold">
+                      <p:stCondLst>
+                        <p:cond delay="indefinite"/>
+                      </p:stCondLst>
+                      <p:childTnLst>
+                        <p:par>
+                          <p:cTn id="8" fill="hold">
+                            <p:stCondLst>
+                              <p:cond delay="0"/>
+                            </p:stCondLst>
+                            <p:childTnLst>
+                              <p:par>
+                                <p:cTn id="9" presetID="1" presetClass="entr" presetSubtype="0" fill="hold" grpId="0" nodeType="clickEffect">
+                                  <p:stCondLst>
+                                    <p:cond delay="0"/>
+                                  </p:stCondLst>
+                                  <p:childTnLst>
+                                    <p:set>
+                                      <p:cBhvr>
+                                        <p:cTn id="10" dur="1" fill="hold">
+                                          <p:stCondLst>
+                                            <p:cond delay="0"/>
+                                          </p:stCondLst>
+                                        </p:cTn>
+                                        <p:tgtEl>
+                                          <p:spTgt spid="3">
+                                            <p:txEl>
+                                              <p:pRg st="1" end="1"/>
+                                            </p:txEl>
+                                          </p:spTgt>
+                                        </p:tgtEl>
+                                        <p:attrNameLst>
+                                          <p:attrName>style.visibility</p:attrName>
+                                        </p:attrNameLst>
+                                      </p:cBhvr>
+                                      <p:to>
+                                        <p:strVal val="visible"/>
+                                      </p:to>
+                                    </p:set>
+                                  </p:childTnLst>
+                                </p:cTn>
+                              </p:par>
+                            </p:childTnLst>
+                          </p:cTn>
+                        </p:par>
+                      </p:childTnLst>
+                    </p:cTn>
+                  </p:par>
+                  <p:par>
+                    <p:cTn id="11" fill="hold">
+                      <p:stCondLst>
+                        <p:cond delay="indefinite"/>
+                      </p:stCondLst>
+                      <p:childTnLst>
+                        <p:par>
+                          <p:cTn id="12" fill="hold">
+                            <p:stCondLst>
+                              <p:cond delay="0"/>
+                            </p:stCondLst>
+                            <p:childTnLst>
+                              <p:par>
+                                <p:cTn id="13" presetID="1" presetClass="entr" presetSubtype="0" fill="hold" grpId="0" nodeType="clickEffect">
+                                  <p:stCondLst>
+                                    <p:cond delay="0"/>
+                                  </p:stCondLst>
+                                  <p:childTnLst>
+                                    <p:set>
+                                      <p:cBhvr>
+                                        <p:cTn id="14" dur="1" fill="hold">
+                                          <p:stCondLst>
+                                            <p:cond delay="0"/>
+                                          </p:stCondLst>
+                                        </p:cTn>
+                                        <p:tgtEl>
+                                          <p:spTgt spid="3">
+                                            <p:txEl>
+                                              <p:pRg st="2" end="2"/>
+                                            </p:txEl>
+                                          </p:spTgt>
+                                        </p:tgtEl>
+                                        <p:attrNameLst>
+                                          <p:attrName>style.visibility</p:attrName>
+                                        </p:attrNameLst>
+                                      </p:cBhvr>
+                                      <p:to>
+                                        <p:strVal val="visible"/>
+                                      </p:to>
+                                    </p:set>
+                                  </p:childTnLst>
+                                </p:cTn>
+                              </p:par>
+                            </p:childTnLst>
+                          </p:cTn>
+                        </p:par>
+                      </p:childTnLst>
+                    </p:cTn>
+                  </p:par>
+                  <p:par>
+                    <p:cTn id="15" fill="hold">
+                      <p:stCondLst>
+                        <p:cond delay="indefinite"/>
+                      </p:stCondLst>
+                      <p:childTnLst>
+                        <p:par>
+                          <p:cTn id="16" fill="hold">
+                            <p:stCondLst>
+                              <p:cond delay="0"/>
+                            </p:stCondLst>
+                            <p:childTnLst>
+                              <p:par>
+                                <p:cTn id="17" presetID="1" presetClass="entr" presetSubtype="0" fill="hold" grpId="0" nodeType="clickEffect">
+                                  <p:stCondLst>
+                                    <p:cond delay="0"/>
+                                  </p:stCondLst>
+                                  <p:childTnLst>
+                                    <p:set>
+                                      <p:cBhvr>
+                                        <p:cTn id="18" dur="1" fill="hold">
+                                          <p:stCondLst>
+                                            <p:cond delay="0"/>
+                                          </p:stCondLst>
+                                        </p:cTn>
+                                        <p:tgtEl>
+                                          <p:spTgt spid="3">
+                                            <p:txEl>
+                                              <p:pRg st="3" end="3"/>
+                                            </p:txEl>
+                                          </p:spTgt>
+                                        </p:tgtEl>
+                                        <p:attrNameLst>
+                                          <p:attrName>style.visibility</p:attrName>
+                                        </p:attrNameLst>
+                                      </p:cBhvr>
+                                      <p:to>
+                                        <p:strVal val="visible"/>
+                                      </p:to>
+                                    </p:set>
+                                  </p:childTnLst>
+                                </p:cTn>
+                              </p:par>
+                            </p:childTnLst>
+                          </p:cTn>
+                        </p:par>
+                      </p:childTnLst>
+                    </p:cTn>
+                  </p:par>
+                </p:childTnLst>
+              </p:cTn>
+              <p:prevCondLst>
+                <p:cond evt="onPrev" delay="0">
+                  <p:tgtEl>
+                    <p:sldTgt/>
+                  </p:tgtEl>
+                </p:cond>
+              </p:prevCondLst>
+              <p:nextCondLst>
+                <p:cond evt="onNext" delay="0">
+                  <p:tgtEl>
+                    <p:sldTgt/>
+                  </p:tgtEl>
+                </p:cond>
+              </p:nextCondLst>
+            </p:seq>
+          </p:childTnLst>
+        </p:cTn>
+      </p:par>
+    </p:tnLst>
+    <p:bldLst>
+      <p:bldP spid="3" grpId="0" build="p"/>
+    </p:bldLst>
+  </p:timing>
+</p:sld>
+</file>
+
+<file path=ppt/slides/slide31.xml><?xml version="1.0" encoding="utf-8"?>
+<p:sld xmlns:a="http://schemas.openxmlformats.org/drawingml/2006/main" xmlns:r="http://schemas.openxmlformats.org/officeDocument/2006/relationships" xmlns:p="http://schemas.openxmlformats.org/presentationml/2006/main">
+  <p:cSld>
+    <p:spTree>
+      <p:nvGrpSpPr>
+        <p:cNvPr id="1" name=""/>
+        <p:cNvGrpSpPr/>
+        <p:nvPr/>
+      </p:nvGrpSpPr>
+      <p:grpSpPr>
+        <a:xfrm>
+          <a:off x="0" y="0"/>
+          <a:ext cx="0" cy="0"/>
+          <a:chOff x="0" y="0"/>
+          <a:chExt cx="0" cy="0"/>
+        </a:xfrm>
+      </p:grpSpPr>
+      <p:sp>
+        <p:nvSpPr>
           <p:cNvPr id="2" name="Title 1"/>
           <p:cNvSpPr>
             <a:spLocks noGrp="1"/>
@@ -13886,2189 +17172,6 @@
 </p:sld>
 </file>
 
-<file path=ppt/slides/slide26.xml><?xml version="1.0" encoding="utf-8"?>
-<p:sld xmlns:a="http://schemas.openxmlformats.org/drawingml/2006/main" xmlns:r="http://schemas.openxmlformats.org/officeDocument/2006/relationships" xmlns:p="http://schemas.openxmlformats.org/presentationml/2006/main">
-  <p:cSld>
-    <p:spTree>
-      <p:nvGrpSpPr>
-        <p:cNvPr id="1" name=""/>
-        <p:cNvGrpSpPr/>
-        <p:nvPr/>
-      </p:nvGrpSpPr>
-      <p:grpSpPr>
-        <a:xfrm>
-          <a:off x="0" y="0"/>
-          <a:ext cx="0" cy="0"/>
-          <a:chOff x="0" y="0"/>
-          <a:chExt cx="0" cy="0"/>
-        </a:xfrm>
-      </p:grpSpPr>
-      <p:sp>
-        <p:nvSpPr>
-          <p:cNvPr id="2" name="Title 1"/>
-          <p:cNvSpPr>
-            <a:spLocks noGrp="1"/>
-          </p:cNvSpPr>
-          <p:nvPr>
-            <p:ph type="title"/>
-          </p:nvPr>
-        </p:nvSpPr>
-        <p:spPr/>
-        <p:txBody>
-          <a:bodyPr/>
-          <a:lstStyle/>
-          <a:p>
-            <a:r>
-              <a:rPr lang="de-DE" dirty="0" err="1"/>
-              <a:t>Tuple</a:t>
-            </a:r>
-            <a:r>
-              <a:rPr lang="de-DE" dirty="0"/>
-              <a:t>: Wofür</a:t>
-            </a:r>
-            <a:endParaRPr lang="en-US" dirty="0"/>
-          </a:p>
-        </p:txBody>
-      </p:sp>
-      <p:sp>
-        <p:nvSpPr>
-          <p:cNvPr id="3" name="Content Placeholder 2"/>
-          <p:cNvSpPr>
-            <a:spLocks noGrp="1"/>
-          </p:cNvSpPr>
-          <p:nvPr>
-            <p:ph idx="1"/>
-          </p:nvPr>
-        </p:nvSpPr>
-        <p:spPr/>
-        <p:txBody>
-          <a:bodyPr>
-            <a:normAutofit fontScale="92500"/>
-          </a:bodyPr>
-          <a:lstStyle/>
-          <a:p>
-            <a:pPr marL="0" indent="0">
-              <a:buNone/>
-            </a:pPr>
-            <a:r>
-              <a:rPr lang="de-DE" dirty="0"/>
-              <a:t>Nutzung: </a:t>
-            </a:r>
-            <a:r>
-              <a:rPr lang="de-DE" dirty="0" err="1"/>
-              <a:t>Tuples</a:t>
-            </a:r>
-            <a:r>
-              <a:rPr lang="de-DE" dirty="0"/>
-              <a:t> werden meistens nicht übergeben, dienen zur temporären Haltung von Daten</a:t>
-            </a:r>
-          </a:p>
-          <a:p>
-            <a:pPr marL="0" indent="0">
-              <a:buNone/>
-            </a:pPr>
-            <a:r>
-              <a:rPr lang="de-DE" dirty="0"/>
-              <a:t>Bedenke: ALLES kann als </a:t>
-            </a:r>
-            <a:r>
-              <a:rPr lang="de-DE" dirty="0" err="1"/>
-              <a:t>tuple</a:t>
-            </a:r>
-            <a:r>
-              <a:rPr lang="de-DE" dirty="0"/>
-              <a:t> definiert werden:</a:t>
-            </a:r>
-          </a:p>
-          <a:p>
-            <a:pPr>
-              <a:buFontTx/>
-              <a:buChar char="-"/>
-            </a:pPr>
-            <a:r>
-              <a:rPr lang="de-DE" dirty="0"/>
-              <a:t>Werte (</a:t>
-            </a:r>
-            <a:r>
-              <a:rPr lang="de-DE" dirty="0" err="1"/>
-              <a:t>int</a:t>
-            </a:r>
-            <a:r>
-              <a:rPr lang="de-DE" dirty="0"/>
-              <a:t>, etc.)</a:t>
-            </a:r>
-          </a:p>
-          <a:p>
-            <a:pPr>
-              <a:buFontTx/>
-              <a:buChar char="-"/>
-            </a:pPr>
-            <a:r>
-              <a:rPr lang="de-DE" dirty="0"/>
-              <a:t>ADTs</a:t>
-            </a:r>
-          </a:p>
-          <a:p>
-            <a:pPr>
-              <a:buFontTx/>
-              <a:buChar char="-"/>
-            </a:pPr>
-            <a:r>
-              <a:rPr lang="de-DE" dirty="0"/>
-              <a:t>Funktionen</a:t>
-            </a:r>
-          </a:p>
-          <a:p>
-            <a:pPr marL="0" indent="0">
-              <a:buNone/>
-            </a:pPr>
-            <a:r>
-              <a:rPr lang="de-DE" dirty="0"/>
-              <a:t>Funktion mit zwei (oder mehreren) Rückgabewerten </a:t>
-            </a:r>
-          </a:p>
-        </p:txBody>
-      </p:sp>
-    </p:spTree>
-    <p:extLst>
-      <p:ext uri="{BB962C8B-B14F-4D97-AF65-F5344CB8AC3E}">
-        <p14:creationId xmlns:p14="http://schemas.microsoft.com/office/powerpoint/2010/main" val="2657218075"/>
-      </p:ext>
-    </p:extLst>
-  </p:cSld>
-  <p:clrMapOvr>
-    <a:masterClrMapping/>
-  </p:clrMapOvr>
-</p:sld>
-</file>
-
-<file path=ppt/slides/slide27.xml><?xml version="1.0" encoding="utf-8"?>
-<p:sld xmlns:a="http://schemas.openxmlformats.org/drawingml/2006/main" xmlns:r="http://schemas.openxmlformats.org/officeDocument/2006/relationships" xmlns:p="http://schemas.openxmlformats.org/presentationml/2006/main">
-  <p:cSld>
-    <p:spTree>
-      <p:nvGrpSpPr>
-        <p:cNvPr id="1" name=""/>
-        <p:cNvGrpSpPr/>
-        <p:nvPr/>
-      </p:nvGrpSpPr>
-      <p:grpSpPr>
-        <a:xfrm>
-          <a:off x="0" y="0"/>
-          <a:ext cx="0" cy="0"/>
-          <a:chOff x="0" y="0"/>
-          <a:chExt cx="0" cy="0"/>
-        </a:xfrm>
-      </p:grpSpPr>
-      <p:sp>
-        <p:nvSpPr>
-          <p:cNvPr id="2" name="Title 1"/>
-          <p:cNvSpPr>
-            <a:spLocks noGrp="1"/>
-          </p:cNvSpPr>
-          <p:nvPr>
-            <p:ph type="title"/>
-          </p:nvPr>
-        </p:nvSpPr>
-        <p:spPr/>
-        <p:txBody>
-          <a:bodyPr/>
-          <a:lstStyle/>
-          <a:p>
-            <a:r>
-              <a:rPr lang="de-DE" dirty="0" err="1"/>
-              <a:t>Record</a:t>
-            </a:r>
-            <a:r>
-              <a:rPr lang="de-DE" dirty="0"/>
-              <a:t>: Definition</a:t>
-            </a:r>
-            <a:endParaRPr lang="en-US" dirty="0"/>
-          </a:p>
-        </p:txBody>
-      </p:sp>
-      <p:sp>
-        <p:nvSpPr>
-          <p:cNvPr id="3" name="Content Placeholder 2"/>
-          <p:cNvSpPr>
-            <a:spLocks noGrp="1"/>
-          </p:cNvSpPr>
-          <p:nvPr>
-            <p:ph idx="1"/>
-          </p:nvPr>
-        </p:nvSpPr>
-        <p:spPr/>
-        <p:txBody>
-          <a:bodyPr>
-            <a:normAutofit/>
-          </a:bodyPr>
-          <a:lstStyle/>
-          <a:p>
-            <a:pPr marL="0" indent="0">
-              <a:buNone/>
-            </a:pPr>
-            <a:r>
-              <a:rPr lang="de-DE" dirty="0"/>
-              <a:t>Keine </a:t>
-            </a:r>
-            <a:r>
-              <a:rPr lang="de-DE" dirty="0" err="1"/>
-              <a:t>Adhoc</a:t>
-            </a:r>
-            <a:r>
-              <a:rPr lang="de-DE" dirty="0"/>
-              <a:t> Erstellung</a:t>
-            </a:r>
-          </a:p>
-          <a:p>
-            <a:pPr marL="0" indent="0">
-              <a:buNone/>
-            </a:pPr>
-            <a:r>
-              <a:rPr lang="de-DE" dirty="0" err="1"/>
-              <a:t>Labeled</a:t>
-            </a:r>
-            <a:r>
-              <a:rPr lang="de-DE" dirty="0"/>
-              <a:t> </a:t>
-            </a:r>
-            <a:r>
-              <a:rPr lang="de-DE" dirty="0" err="1"/>
-              <a:t>tuple</a:t>
-            </a:r>
-            <a:endParaRPr lang="de-DE" dirty="0"/>
-          </a:p>
-          <a:p>
-            <a:pPr marL="0" indent="0">
-              <a:buNone/>
-            </a:pPr>
-            <a:r>
-              <a:rPr lang="en-US" sz="2800" b="1" dirty="0"/>
-              <a:t>type</a:t>
-            </a:r>
-            <a:r>
-              <a:rPr lang="en-US" sz="2800" dirty="0"/>
-              <a:t> </a:t>
-            </a:r>
-            <a:r>
-              <a:rPr lang="en-US" sz="2800" b="1" dirty="0" err="1"/>
-              <a:t>ComplexNumber</a:t>
-            </a:r>
-            <a:r>
-              <a:rPr lang="en-US" sz="2800" dirty="0"/>
-              <a:t> = { real: float; imaginary: float }</a:t>
-            </a:r>
-            <a:endParaRPr lang="de-DE" sz="2800" dirty="0"/>
-          </a:p>
-          <a:p>
-            <a:pPr marL="0" indent="0">
-              <a:buNone/>
-            </a:pPr>
-            <a:r>
-              <a:rPr lang="en-US" sz="2800" b="1" dirty="0"/>
-              <a:t>type</a:t>
-            </a:r>
-            <a:r>
-              <a:rPr lang="en-US" sz="2800" dirty="0"/>
-              <a:t> </a:t>
-            </a:r>
-            <a:r>
-              <a:rPr lang="en-US" sz="2800" b="1" dirty="0" err="1"/>
-              <a:t>GeoCoord</a:t>
-            </a:r>
-            <a:r>
-              <a:rPr lang="en-US" sz="2800" dirty="0"/>
-              <a:t> = { </a:t>
-            </a:r>
-            <a:r>
-              <a:rPr lang="en-US" sz="2800" dirty="0" err="1"/>
-              <a:t>lat</a:t>
-            </a:r>
-            <a:r>
-              <a:rPr lang="en-US" sz="2800" dirty="0"/>
-              <a:t>: float; long: float }</a:t>
-            </a:r>
-          </a:p>
-          <a:p>
-            <a:pPr marL="0" indent="0">
-              <a:buNone/>
-            </a:pPr>
-            <a:endParaRPr lang="de-DE" sz="2800" dirty="0"/>
-          </a:p>
-          <a:p>
-            <a:pPr marL="0" indent="0">
-              <a:buNone/>
-            </a:pPr>
-            <a:r>
-              <a:rPr lang="de-DE" dirty="0"/>
-              <a:t>Andere Records, Funktionen</a:t>
-            </a:r>
-          </a:p>
-          <a:p>
-            <a:pPr marL="0" indent="0">
-              <a:buNone/>
-            </a:pPr>
-            <a:r>
-              <a:rPr lang="en-US" sz="2800" b="1" dirty="0"/>
-              <a:t>type S</a:t>
-            </a:r>
-            <a:r>
-              <a:rPr lang="en-US" dirty="0"/>
-              <a:t> = </a:t>
-            </a:r>
-            <a:r>
-              <a:rPr lang="en-US" sz="2800" dirty="0"/>
-              <a:t>{ </a:t>
-            </a:r>
-            <a:r>
-              <a:rPr lang="en-US" sz="2800" dirty="0" err="1"/>
-              <a:t>Coord</a:t>
-            </a:r>
-            <a:r>
-              <a:rPr lang="en-US" sz="2800" dirty="0"/>
-              <a:t> : </a:t>
-            </a:r>
-            <a:r>
-              <a:rPr lang="en-US" sz="2800" dirty="0" err="1"/>
-              <a:t>GeoCoord</a:t>
-            </a:r>
-            <a:r>
-              <a:rPr lang="en-US" sz="2800" dirty="0"/>
-              <a:t>; </a:t>
-            </a:r>
-            <a:r>
-              <a:rPr lang="en-US" sz="2800" dirty="0" err="1"/>
-              <a:t>Tun</a:t>
-            </a:r>
-            <a:r>
-              <a:rPr lang="en-US" sz="2800" dirty="0"/>
-              <a:t> : string -&gt; string; }</a:t>
-            </a:r>
-          </a:p>
-        </p:txBody>
-      </p:sp>
-    </p:spTree>
-    <p:extLst>
-      <p:ext uri="{BB962C8B-B14F-4D97-AF65-F5344CB8AC3E}">
-        <p14:creationId xmlns:p14="http://schemas.microsoft.com/office/powerpoint/2010/main" val="1545968842"/>
-      </p:ext>
-    </p:extLst>
-  </p:cSld>
-  <p:clrMapOvr>
-    <a:masterClrMapping/>
-  </p:clrMapOvr>
-</p:sld>
-</file>
-
-<file path=ppt/slides/slide28.xml><?xml version="1.0" encoding="utf-8"?>
-<p:sld xmlns:a="http://schemas.openxmlformats.org/drawingml/2006/main" xmlns:r="http://schemas.openxmlformats.org/officeDocument/2006/relationships" xmlns:p="http://schemas.openxmlformats.org/presentationml/2006/main">
-  <p:cSld>
-    <p:spTree>
-      <p:nvGrpSpPr>
-        <p:cNvPr id="1" name=""/>
-        <p:cNvGrpSpPr/>
-        <p:nvPr/>
-      </p:nvGrpSpPr>
-      <p:grpSpPr>
-        <a:xfrm>
-          <a:off x="0" y="0"/>
-          <a:ext cx="0" cy="0"/>
-          <a:chOff x="0" y="0"/>
-          <a:chExt cx="0" cy="0"/>
-        </a:xfrm>
-      </p:grpSpPr>
-      <p:sp>
-        <p:nvSpPr>
-          <p:cNvPr id="2" name="Title 1"/>
-          <p:cNvSpPr>
-            <a:spLocks noGrp="1"/>
-          </p:cNvSpPr>
-          <p:nvPr>
-            <p:ph type="title"/>
-          </p:nvPr>
-        </p:nvSpPr>
-        <p:spPr/>
-        <p:txBody>
-          <a:bodyPr/>
-          <a:lstStyle/>
-          <a:p>
-            <a:r>
-              <a:rPr lang="de-DE" dirty="0" err="1"/>
-              <a:t>Record</a:t>
-            </a:r>
-            <a:r>
-              <a:rPr lang="de-DE" dirty="0"/>
-              <a:t>: </a:t>
-            </a:r>
-            <a:r>
-              <a:rPr lang="de-DE" dirty="0" err="1"/>
-              <a:t>Structural</a:t>
-            </a:r>
-            <a:r>
-              <a:rPr lang="de-DE" dirty="0"/>
-              <a:t> </a:t>
-            </a:r>
-            <a:r>
-              <a:rPr lang="de-DE" dirty="0" err="1"/>
-              <a:t>Equality</a:t>
-            </a:r>
-            <a:endParaRPr lang="en-US" dirty="0"/>
-          </a:p>
-        </p:txBody>
-      </p:sp>
-      <p:sp>
-        <p:nvSpPr>
-          <p:cNvPr id="3" name="Content Placeholder 2"/>
-          <p:cNvSpPr>
-            <a:spLocks noGrp="1"/>
-          </p:cNvSpPr>
-          <p:nvPr>
-            <p:ph idx="1"/>
-          </p:nvPr>
-        </p:nvSpPr>
-        <p:spPr/>
-        <p:txBody>
-          <a:bodyPr/>
-          <a:lstStyle/>
-          <a:p>
-            <a:pPr marL="0" indent="0">
-              <a:buNone/>
-            </a:pPr>
-            <a:r>
-              <a:rPr lang="de-DE" dirty="0"/>
-              <a:t>Zwei </a:t>
-            </a:r>
-            <a:r>
-              <a:rPr lang="de-DE" dirty="0" err="1"/>
-              <a:t>Record</a:t>
-            </a:r>
-            <a:r>
-              <a:rPr lang="de-DE" dirty="0"/>
-              <a:t> </a:t>
-            </a:r>
-            <a:r>
-              <a:rPr lang="de-DE" dirty="0" err="1"/>
-              <a:t>Types</a:t>
-            </a:r>
-            <a:r>
-              <a:rPr lang="de-DE" dirty="0"/>
-              <a:t> sind gleich wenn beide die gleichen</a:t>
-            </a:r>
-          </a:p>
-          <a:p>
-            <a:pPr>
-              <a:buFontTx/>
-              <a:buChar char="-"/>
-            </a:pPr>
-            <a:r>
-              <a:rPr lang="de-DE" dirty="0"/>
-              <a:t>Type</a:t>
-            </a:r>
-          </a:p>
-          <a:p>
-            <a:pPr>
-              <a:buFontTx/>
-              <a:buChar char="-"/>
-            </a:pPr>
-            <a:r>
-              <a:rPr lang="de-DE" dirty="0"/>
-              <a:t>Werte</a:t>
-            </a:r>
-          </a:p>
-          <a:p>
-            <a:pPr marL="0" indent="0">
-              <a:buNone/>
-            </a:pPr>
-            <a:r>
-              <a:rPr lang="de-DE" dirty="0"/>
-              <a:t>Im gleichen „Slot“ haben</a:t>
-            </a:r>
-          </a:p>
-          <a:p>
-            <a:pPr marL="0" indent="0">
-              <a:buNone/>
-            </a:pPr>
-            <a:r>
-              <a:rPr lang="de-DE" dirty="0"/>
-              <a:t>ACHTUNG: zwei </a:t>
-            </a:r>
-            <a:r>
-              <a:rPr lang="de-DE" dirty="0" err="1"/>
-              <a:t>Record</a:t>
-            </a:r>
-            <a:r>
-              <a:rPr lang="de-DE" dirty="0"/>
-              <a:t> typen mit unterschiedlichen Namen können nicht gleich sein! F# ist hier nominal!</a:t>
-            </a:r>
-            <a:endParaRPr lang="en-US" dirty="0"/>
-          </a:p>
-        </p:txBody>
-      </p:sp>
-    </p:spTree>
-    <p:extLst>
-      <p:ext uri="{BB962C8B-B14F-4D97-AF65-F5344CB8AC3E}">
-        <p14:creationId xmlns:p14="http://schemas.microsoft.com/office/powerpoint/2010/main" val="3594240934"/>
-      </p:ext>
-    </p:extLst>
-  </p:cSld>
-  <p:clrMapOvr>
-    <a:masterClrMapping/>
-  </p:clrMapOvr>
-</p:sld>
-</file>
-
-<file path=ppt/slides/slide29.xml><?xml version="1.0" encoding="utf-8"?>
-<p:sld xmlns:a="http://schemas.openxmlformats.org/drawingml/2006/main" xmlns:r="http://schemas.openxmlformats.org/officeDocument/2006/relationships" xmlns:p="http://schemas.openxmlformats.org/presentationml/2006/main">
-  <p:cSld>
-    <p:spTree>
-      <p:nvGrpSpPr>
-        <p:cNvPr id="1" name=""/>
-        <p:cNvGrpSpPr/>
-        <p:nvPr/>
-      </p:nvGrpSpPr>
-      <p:grpSpPr>
-        <a:xfrm>
-          <a:off x="0" y="0"/>
-          <a:ext cx="0" cy="0"/>
-          <a:chOff x="0" y="0"/>
-          <a:chExt cx="0" cy="0"/>
-        </a:xfrm>
-      </p:grpSpPr>
-      <p:sp>
-        <p:nvSpPr>
-          <p:cNvPr id="2" name="Title 1"/>
-          <p:cNvSpPr>
-            <a:spLocks noGrp="1"/>
-          </p:cNvSpPr>
-          <p:nvPr>
-            <p:ph type="title"/>
-          </p:nvPr>
-        </p:nvSpPr>
-        <p:spPr/>
-        <p:txBody>
-          <a:bodyPr>
-            <a:normAutofit fontScale="90000"/>
-          </a:bodyPr>
-          <a:lstStyle/>
-          <a:p>
-            <a:r>
-              <a:rPr lang="de-DE" dirty="0"/>
-              <a:t>DU</a:t>
-            </a:r>
-            <a:br>
-              <a:rPr lang="de-DE" dirty="0"/>
-            </a:br>
-            <a:r>
-              <a:rPr lang="de-DE" dirty="0" err="1"/>
-              <a:t>Discriminated</a:t>
-            </a:r>
-            <a:r>
-              <a:rPr lang="de-DE" dirty="0"/>
-              <a:t> Union</a:t>
-            </a:r>
-            <a:endParaRPr lang="en-US" dirty="0"/>
-          </a:p>
-        </p:txBody>
-      </p:sp>
-      <p:sp>
-        <p:nvSpPr>
-          <p:cNvPr id="3" name="Content Placeholder 2"/>
-          <p:cNvSpPr>
-            <a:spLocks noGrp="1"/>
-          </p:cNvSpPr>
-          <p:nvPr>
-            <p:ph idx="1"/>
-          </p:nvPr>
-        </p:nvSpPr>
-        <p:spPr/>
-        <p:txBody>
-          <a:bodyPr>
-            <a:normAutofit/>
-          </a:bodyPr>
-          <a:lstStyle/>
-          <a:p>
-            <a:pPr marL="0" indent="0">
-              <a:buNone/>
-            </a:pPr>
-            <a:r>
-              <a:rPr lang="de-DE" dirty="0"/>
-              <a:t>Unterscheidungs-Union auf deutsch</a:t>
-            </a:r>
-          </a:p>
-          <a:p>
-            <a:pPr marL="0" indent="0">
-              <a:buNone/>
-            </a:pPr>
-            <a:r>
-              <a:rPr lang="de-DE" dirty="0"/>
-              <a:t>Besteht aus einer Anzahl von benannten Fällen</a:t>
-            </a:r>
-          </a:p>
-          <a:p>
-            <a:pPr marL="0" indent="0">
-              <a:buNone/>
-            </a:pPr>
-            <a:r>
-              <a:rPr lang="de-DE" dirty="0"/>
-              <a:t>Nur eines ist gültig für einen Ausdruck</a:t>
-            </a:r>
-          </a:p>
-          <a:p>
-            <a:pPr marL="0" indent="0">
-              <a:buNone/>
-            </a:pPr>
-            <a:r>
-              <a:rPr lang="en-US" sz="2200" dirty="0">
-                <a:solidFill>
-                  <a:srgbClr val="0000FF"/>
-                </a:solidFill>
-                <a:highlight>
-                  <a:srgbClr val="FFFFFF"/>
-                </a:highlight>
-                <a:latin typeface="Consolas"/>
-              </a:rPr>
-              <a:t>type</a:t>
-            </a:r>
-            <a:r>
-              <a:rPr lang="en-US" sz="2200" dirty="0">
-                <a:solidFill>
-                  <a:srgbClr val="000000"/>
-                </a:solidFill>
-                <a:highlight>
-                  <a:srgbClr val="FFFFFF"/>
-                </a:highlight>
-                <a:latin typeface="Consolas"/>
-              </a:rPr>
-              <a:t> </a:t>
-            </a:r>
-            <a:r>
-              <a:rPr lang="en-US" sz="2200" dirty="0">
-                <a:solidFill>
-                  <a:srgbClr val="4EC9B0"/>
-                </a:solidFill>
-                <a:highlight>
-                  <a:srgbClr val="FFFFFF"/>
-                </a:highlight>
-                <a:latin typeface="Consolas"/>
-              </a:rPr>
-              <a:t>Shape</a:t>
-            </a:r>
-            <a:r>
-              <a:rPr lang="en-US" sz="2200" dirty="0">
-                <a:solidFill>
-                  <a:srgbClr val="000000"/>
-                </a:solidFill>
-                <a:highlight>
-                  <a:srgbClr val="FFFFFF"/>
-                </a:highlight>
-                <a:latin typeface="Consolas"/>
-              </a:rPr>
-              <a:t> </a:t>
-            </a:r>
-            <a:r>
-              <a:rPr lang="en-US" sz="2200" dirty="0">
-                <a:solidFill>
-                  <a:srgbClr val="DCDCDC"/>
-                </a:solidFill>
-                <a:highlight>
-                  <a:srgbClr val="FFFFFF"/>
-                </a:highlight>
-                <a:latin typeface="Consolas"/>
-              </a:rPr>
-              <a:t>=</a:t>
-            </a:r>
-            <a:endParaRPr lang="en-US" sz="2200" dirty="0">
-              <a:solidFill>
-                <a:srgbClr val="000000"/>
-              </a:solidFill>
-              <a:highlight>
-                <a:srgbClr val="FFFFFF"/>
-              </a:highlight>
-              <a:latin typeface="Consolas"/>
-            </a:endParaRPr>
-          </a:p>
-          <a:p>
-            <a:pPr marL="0" indent="0">
-              <a:buNone/>
-            </a:pPr>
-            <a:r>
-              <a:rPr lang="en-US" sz="2200" dirty="0">
-                <a:solidFill>
-                  <a:srgbClr val="000000"/>
-                </a:solidFill>
-                <a:highlight>
-                  <a:srgbClr val="FFFFFF"/>
-                </a:highlight>
-                <a:latin typeface="Consolas"/>
-              </a:rPr>
-              <a:t>| </a:t>
-            </a:r>
-            <a:r>
-              <a:rPr lang="en-US" sz="2200" dirty="0">
-                <a:solidFill>
-                  <a:schemeClr val="accent2">
-                    <a:lumMod val="75000"/>
-                  </a:schemeClr>
-                </a:solidFill>
-                <a:highlight>
-                  <a:srgbClr val="FFFFFF"/>
-                </a:highlight>
-                <a:latin typeface="Consolas"/>
-              </a:rPr>
-              <a:t>Rectangle</a:t>
-            </a:r>
-            <a:r>
-              <a:rPr lang="en-US" sz="2200" dirty="0">
-                <a:solidFill>
-                  <a:srgbClr val="000000"/>
-                </a:solidFill>
-                <a:highlight>
-                  <a:srgbClr val="FFFFFF"/>
-                </a:highlight>
-                <a:latin typeface="Consolas"/>
-              </a:rPr>
-              <a:t> </a:t>
-            </a:r>
-            <a:r>
-              <a:rPr lang="en-US" sz="2200" dirty="0">
-                <a:solidFill>
-                  <a:srgbClr val="0000FF"/>
-                </a:solidFill>
-                <a:highlight>
-                  <a:srgbClr val="FFFFFF"/>
-                </a:highlight>
-                <a:latin typeface="Consolas"/>
-              </a:rPr>
-              <a:t>of</a:t>
-            </a:r>
-            <a:r>
-              <a:rPr lang="en-US" sz="2200" dirty="0">
-                <a:solidFill>
-                  <a:srgbClr val="000000"/>
-                </a:solidFill>
-                <a:highlight>
-                  <a:srgbClr val="FFFFFF"/>
-                </a:highlight>
-                <a:latin typeface="Consolas"/>
-              </a:rPr>
-              <a:t> width : </a:t>
-            </a:r>
-            <a:r>
-              <a:rPr lang="en-US" sz="2200" dirty="0">
-                <a:solidFill>
-                  <a:srgbClr val="4EC9B0"/>
-                </a:solidFill>
-                <a:highlight>
-                  <a:srgbClr val="FFFFFF"/>
-                </a:highlight>
-                <a:latin typeface="Consolas"/>
-              </a:rPr>
-              <a:t>float</a:t>
-            </a:r>
-            <a:r>
-              <a:rPr lang="en-US" sz="2200" dirty="0">
-                <a:solidFill>
-                  <a:srgbClr val="000000"/>
-                </a:solidFill>
-                <a:highlight>
-                  <a:srgbClr val="FFFFFF"/>
-                </a:highlight>
-                <a:latin typeface="Consolas"/>
-              </a:rPr>
-              <a:t> * length : </a:t>
-            </a:r>
-            <a:r>
-              <a:rPr lang="en-US" sz="2200" dirty="0">
-                <a:solidFill>
-                  <a:srgbClr val="4EC9B0"/>
-                </a:solidFill>
-                <a:highlight>
-                  <a:srgbClr val="FFFFFF"/>
-                </a:highlight>
-                <a:latin typeface="Consolas"/>
-              </a:rPr>
-              <a:t>float</a:t>
-            </a:r>
-            <a:endParaRPr lang="en-US" sz="2200" dirty="0">
-              <a:solidFill>
-                <a:srgbClr val="000000"/>
-              </a:solidFill>
-              <a:highlight>
-                <a:srgbClr val="FFFFFF"/>
-              </a:highlight>
-              <a:latin typeface="Consolas"/>
-            </a:endParaRPr>
-          </a:p>
-          <a:p>
-            <a:pPr marL="0" indent="0">
-              <a:buNone/>
-            </a:pPr>
-            <a:r>
-              <a:rPr lang="en-US" sz="2200" dirty="0">
-                <a:solidFill>
-                  <a:srgbClr val="000000"/>
-                </a:solidFill>
-                <a:highlight>
-                  <a:srgbClr val="FFFFFF"/>
-                </a:highlight>
-                <a:latin typeface="Consolas"/>
-              </a:rPr>
-              <a:t>| </a:t>
-            </a:r>
-            <a:r>
-              <a:rPr lang="en-US" sz="2200" dirty="0">
-                <a:solidFill>
-                  <a:schemeClr val="accent2">
-                    <a:lumMod val="75000"/>
-                  </a:schemeClr>
-                </a:solidFill>
-                <a:highlight>
-                  <a:srgbClr val="FFFFFF"/>
-                </a:highlight>
-                <a:latin typeface="Consolas"/>
-              </a:rPr>
-              <a:t>Circle</a:t>
-            </a:r>
-            <a:r>
-              <a:rPr lang="en-US" sz="2200" dirty="0">
-                <a:solidFill>
-                  <a:srgbClr val="000000"/>
-                </a:solidFill>
-                <a:highlight>
-                  <a:srgbClr val="FFFFFF"/>
-                </a:highlight>
-                <a:latin typeface="Consolas"/>
-              </a:rPr>
-              <a:t> </a:t>
-            </a:r>
-            <a:r>
-              <a:rPr lang="en-US" sz="2200" dirty="0">
-                <a:solidFill>
-                  <a:srgbClr val="0000FF"/>
-                </a:solidFill>
-                <a:highlight>
-                  <a:srgbClr val="FFFFFF"/>
-                </a:highlight>
-                <a:latin typeface="Consolas"/>
-              </a:rPr>
-              <a:t>of</a:t>
-            </a:r>
-            <a:r>
-              <a:rPr lang="en-US" sz="2200" dirty="0">
-                <a:solidFill>
-                  <a:srgbClr val="000000"/>
-                </a:solidFill>
-                <a:highlight>
-                  <a:srgbClr val="FFFFFF"/>
-                </a:highlight>
-                <a:latin typeface="Consolas"/>
-              </a:rPr>
-              <a:t> radius : </a:t>
-            </a:r>
-            <a:r>
-              <a:rPr lang="en-US" sz="2200" dirty="0">
-                <a:solidFill>
-                  <a:srgbClr val="4EC9B0"/>
-                </a:solidFill>
-                <a:highlight>
-                  <a:srgbClr val="FFFFFF"/>
-                </a:highlight>
-                <a:latin typeface="Consolas"/>
-              </a:rPr>
-              <a:t>float</a:t>
-            </a:r>
-            <a:endParaRPr lang="en-US" sz="2200" dirty="0">
-              <a:solidFill>
-                <a:srgbClr val="000000"/>
-              </a:solidFill>
-              <a:highlight>
-                <a:srgbClr val="FFFFFF"/>
-              </a:highlight>
-              <a:latin typeface="Consolas"/>
-            </a:endParaRPr>
-          </a:p>
-          <a:p>
-            <a:pPr marL="0" indent="0">
-              <a:buNone/>
-            </a:pPr>
-            <a:r>
-              <a:rPr lang="en-US" sz="2200" dirty="0">
-                <a:solidFill>
-                  <a:srgbClr val="000000"/>
-                </a:solidFill>
-                <a:highlight>
-                  <a:srgbClr val="FFFFFF"/>
-                </a:highlight>
-                <a:latin typeface="Consolas"/>
-              </a:rPr>
-              <a:t>| </a:t>
-            </a:r>
-            <a:r>
-              <a:rPr lang="en-US" sz="2200" dirty="0">
-                <a:solidFill>
-                  <a:schemeClr val="accent2">
-                    <a:lumMod val="75000"/>
-                  </a:schemeClr>
-                </a:solidFill>
-                <a:highlight>
-                  <a:srgbClr val="FFFFFF"/>
-                </a:highlight>
-                <a:latin typeface="Consolas"/>
-              </a:rPr>
-              <a:t>Prism</a:t>
-            </a:r>
-            <a:r>
-              <a:rPr lang="en-US" sz="2200" dirty="0">
-                <a:solidFill>
-                  <a:srgbClr val="000000"/>
-                </a:solidFill>
-                <a:highlight>
-                  <a:srgbClr val="FFFFFF"/>
-                </a:highlight>
-                <a:latin typeface="Consolas"/>
-              </a:rPr>
-              <a:t> </a:t>
-            </a:r>
-            <a:r>
-              <a:rPr lang="en-US" sz="2200" dirty="0">
-                <a:solidFill>
-                  <a:srgbClr val="0000FF"/>
-                </a:solidFill>
-                <a:highlight>
-                  <a:srgbClr val="FFFFFF"/>
-                </a:highlight>
-                <a:latin typeface="Consolas"/>
-              </a:rPr>
-              <a:t>of</a:t>
-            </a:r>
-            <a:r>
-              <a:rPr lang="en-US" sz="2200" dirty="0">
-                <a:solidFill>
-                  <a:srgbClr val="000000"/>
-                </a:solidFill>
-                <a:highlight>
-                  <a:srgbClr val="FFFFFF"/>
-                </a:highlight>
-                <a:latin typeface="Consolas"/>
-              </a:rPr>
-              <a:t> width : </a:t>
-            </a:r>
-            <a:r>
-              <a:rPr lang="en-US" sz="2200" dirty="0">
-                <a:solidFill>
-                  <a:srgbClr val="4EC9B0"/>
-                </a:solidFill>
-                <a:highlight>
-                  <a:srgbClr val="FFFFFF"/>
-                </a:highlight>
-                <a:latin typeface="Consolas"/>
-              </a:rPr>
-              <a:t>float</a:t>
-            </a:r>
-            <a:r>
-              <a:rPr lang="en-US" sz="2200" dirty="0">
-                <a:solidFill>
-                  <a:srgbClr val="000000"/>
-                </a:solidFill>
-                <a:highlight>
-                  <a:srgbClr val="FFFFFF"/>
-                </a:highlight>
-                <a:latin typeface="Consolas"/>
-              </a:rPr>
-              <a:t> * </a:t>
-            </a:r>
-            <a:r>
-              <a:rPr lang="en-US" sz="2200" dirty="0">
-                <a:solidFill>
-                  <a:srgbClr val="4EC9B0"/>
-                </a:solidFill>
-                <a:highlight>
-                  <a:srgbClr val="FFFFFF"/>
-                </a:highlight>
-                <a:latin typeface="Consolas"/>
-              </a:rPr>
-              <a:t>float</a:t>
-            </a:r>
-            <a:r>
-              <a:rPr lang="en-US" sz="2200" dirty="0">
-                <a:solidFill>
-                  <a:srgbClr val="000000"/>
-                </a:solidFill>
-                <a:highlight>
-                  <a:srgbClr val="FFFFFF"/>
-                </a:highlight>
-                <a:latin typeface="Consolas"/>
-              </a:rPr>
-              <a:t> * height : </a:t>
-            </a:r>
-            <a:r>
-              <a:rPr lang="en-US" sz="2200" dirty="0">
-                <a:solidFill>
-                  <a:srgbClr val="4EC9B0"/>
-                </a:solidFill>
-                <a:highlight>
-                  <a:srgbClr val="FFFFFF"/>
-                </a:highlight>
-                <a:latin typeface="Consolas"/>
-              </a:rPr>
-              <a:t>float</a:t>
-            </a:r>
-            <a:endParaRPr lang="en-US" sz="2200" dirty="0"/>
-          </a:p>
-        </p:txBody>
-      </p:sp>
-    </p:spTree>
-    <p:extLst>
-      <p:ext uri="{BB962C8B-B14F-4D97-AF65-F5344CB8AC3E}">
-        <p14:creationId xmlns:p14="http://schemas.microsoft.com/office/powerpoint/2010/main" val="3184996216"/>
-      </p:ext>
-    </p:extLst>
-  </p:cSld>
-  <p:clrMapOvr>
-    <a:masterClrMapping/>
-  </p:clrMapOvr>
-</p:sld>
-</file>
-
-<file path=ppt/slides/slide3.xml><?xml version="1.0" encoding="utf-8"?>
-<p:sld xmlns:a="http://schemas.openxmlformats.org/drawingml/2006/main" xmlns:r="http://schemas.openxmlformats.org/officeDocument/2006/relationships" xmlns:p="http://schemas.openxmlformats.org/presentationml/2006/main">
-  <p:cSld>
-    <p:spTree>
-      <p:nvGrpSpPr>
-        <p:cNvPr id="1" name=""/>
-        <p:cNvGrpSpPr/>
-        <p:nvPr/>
-      </p:nvGrpSpPr>
-      <p:grpSpPr>
-        <a:xfrm>
-          <a:off x="0" y="0"/>
-          <a:ext cx="0" cy="0"/>
-          <a:chOff x="0" y="0"/>
-          <a:chExt cx="0" cy="0"/>
-        </a:xfrm>
-      </p:grpSpPr>
-      <p:sp>
-        <p:nvSpPr>
-          <p:cNvPr id="2" name="Title 1"/>
-          <p:cNvSpPr>
-            <a:spLocks noGrp="1"/>
-          </p:cNvSpPr>
-          <p:nvPr>
-            <p:ph type="title"/>
-          </p:nvPr>
-        </p:nvSpPr>
-        <p:spPr/>
-        <p:txBody>
-          <a:bodyPr/>
-          <a:lstStyle/>
-          <a:p>
-            <a:r>
-              <a:rPr lang="de-DE" dirty="0"/>
-              <a:t>Funktional ist kein Trend</a:t>
-            </a:r>
-            <a:endParaRPr lang="en-US" dirty="0"/>
-          </a:p>
-        </p:txBody>
-      </p:sp>
-    </p:spTree>
-    <p:extLst>
-      <p:ext uri="{BB962C8B-B14F-4D97-AF65-F5344CB8AC3E}">
-        <p14:creationId xmlns:p14="http://schemas.microsoft.com/office/powerpoint/2010/main" val="2665407636"/>
-      </p:ext>
-    </p:extLst>
-  </p:cSld>
-  <p:clrMapOvr>
-    <a:masterClrMapping/>
-  </p:clrMapOvr>
-</p:sld>
-</file>
-
-<file path=ppt/slides/slide30.xml><?xml version="1.0" encoding="utf-8"?>
-<p:sld xmlns:a="http://schemas.openxmlformats.org/drawingml/2006/main" xmlns:r="http://schemas.openxmlformats.org/officeDocument/2006/relationships" xmlns:p="http://schemas.openxmlformats.org/presentationml/2006/main">
-  <p:cSld>
-    <p:spTree>
-      <p:nvGrpSpPr>
-        <p:cNvPr id="1" name=""/>
-        <p:cNvGrpSpPr/>
-        <p:nvPr/>
-      </p:nvGrpSpPr>
-      <p:grpSpPr>
-        <a:xfrm>
-          <a:off x="0" y="0"/>
-          <a:ext cx="0" cy="0"/>
-          <a:chOff x="0" y="0"/>
-          <a:chExt cx="0" cy="0"/>
-        </a:xfrm>
-      </p:grpSpPr>
-      <p:sp>
-        <p:nvSpPr>
-          <p:cNvPr id="2" name="Title 1"/>
-          <p:cNvSpPr>
-            <a:spLocks noGrp="1"/>
-          </p:cNvSpPr>
-          <p:nvPr>
-            <p:ph type="title"/>
-          </p:nvPr>
-        </p:nvSpPr>
-        <p:spPr/>
-        <p:txBody>
-          <a:bodyPr/>
-          <a:lstStyle/>
-          <a:p>
-            <a:r>
-              <a:rPr lang="de-DE" dirty="0"/>
-              <a:t>DU: Single Case</a:t>
-            </a:r>
-            <a:endParaRPr lang="en-US" dirty="0"/>
-          </a:p>
-        </p:txBody>
-      </p:sp>
-      <p:sp>
-        <p:nvSpPr>
-          <p:cNvPr id="3" name="Content Placeholder 2"/>
-          <p:cNvSpPr>
-            <a:spLocks noGrp="1"/>
-          </p:cNvSpPr>
-          <p:nvPr>
-            <p:ph idx="1"/>
-          </p:nvPr>
-        </p:nvSpPr>
-        <p:spPr/>
-        <p:txBody>
-          <a:bodyPr>
-            <a:normAutofit lnSpcReduction="10000"/>
-          </a:bodyPr>
-          <a:lstStyle/>
-          <a:p>
-            <a:pPr marL="0" indent="0">
-              <a:buNone/>
-            </a:pPr>
-            <a:r>
-              <a:rPr lang="en-US" dirty="0">
-                <a:solidFill>
-                  <a:srgbClr val="0000FF"/>
-                </a:solidFill>
-                <a:highlight>
-                  <a:srgbClr val="FFFFFF"/>
-                </a:highlight>
-                <a:latin typeface="Consolas"/>
-              </a:rPr>
-              <a:t>type</a:t>
-            </a:r>
-            <a:r>
-              <a:rPr lang="en-US" dirty="0">
-                <a:solidFill>
-                  <a:srgbClr val="000000"/>
-                </a:solidFill>
-                <a:highlight>
-                  <a:srgbClr val="FFFFFF"/>
-                </a:highlight>
-                <a:latin typeface="Consolas"/>
-              </a:rPr>
-              <a:t> </a:t>
-            </a:r>
-            <a:r>
-              <a:rPr lang="en-US" dirty="0" err="1">
-                <a:solidFill>
-                  <a:srgbClr val="4EC9B0"/>
-                </a:solidFill>
-                <a:highlight>
-                  <a:srgbClr val="FFFFFF"/>
-                </a:highlight>
-                <a:latin typeface="Consolas"/>
-              </a:rPr>
-              <a:t>CustomerId</a:t>
-            </a:r>
-            <a:r>
-              <a:rPr lang="en-US" dirty="0">
-                <a:solidFill>
-                  <a:srgbClr val="000000"/>
-                </a:solidFill>
-                <a:highlight>
-                  <a:srgbClr val="FFFFFF"/>
-                </a:highlight>
-                <a:latin typeface="Consolas"/>
-              </a:rPr>
-              <a:t> </a:t>
-            </a:r>
-            <a:r>
-              <a:rPr lang="en-US" dirty="0">
-                <a:solidFill>
-                  <a:srgbClr val="DCDCDC"/>
-                </a:solidFill>
-                <a:highlight>
-                  <a:srgbClr val="FFFFFF"/>
-                </a:highlight>
-                <a:latin typeface="Consolas"/>
-              </a:rPr>
-              <a:t>=</a:t>
-            </a:r>
-            <a:r>
-              <a:rPr lang="en-US" dirty="0">
-                <a:solidFill>
-                  <a:srgbClr val="000000"/>
-                </a:solidFill>
-                <a:highlight>
-                  <a:srgbClr val="FFFFFF"/>
-                </a:highlight>
-                <a:latin typeface="Consolas"/>
-              </a:rPr>
-              <a:t> </a:t>
-            </a:r>
-            <a:r>
-              <a:rPr lang="en-US" dirty="0" err="1">
-                <a:solidFill>
-                  <a:srgbClr val="DCDCDC"/>
-                </a:solidFill>
-                <a:highlight>
-                  <a:srgbClr val="FFFFFF"/>
-                </a:highlight>
-                <a:latin typeface="Consolas"/>
-              </a:rPr>
-              <a:t>CustomerId</a:t>
-            </a:r>
-            <a:r>
-              <a:rPr lang="en-US" dirty="0">
-                <a:solidFill>
-                  <a:srgbClr val="000000"/>
-                </a:solidFill>
-                <a:highlight>
-                  <a:srgbClr val="FFFFFF"/>
-                </a:highlight>
-                <a:latin typeface="Consolas"/>
-              </a:rPr>
-              <a:t> </a:t>
-            </a:r>
-            <a:r>
-              <a:rPr lang="en-US" dirty="0">
-                <a:solidFill>
-                  <a:srgbClr val="0000FF"/>
-                </a:solidFill>
-                <a:highlight>
-                  <a:srgbClr val="FFFFFF"/>
-                </a:highlight>
-                <a:latin typeface="Consolas"/>
-              </a:rPr>
-              <a:t>of</a:t>
-            </a:r>
-            <a:r>
-              <a:rPr lang="en-US" dirty="0">
-                <a:solidFill>
-                  <a:srgbClr val="000000"/>
-                </a:solidFill>
-                <a:highlight>
-                  <a:srgbClr val="FFFFFF"/>
-                </a:highlight>
-                <a:latin typeface="Consolas"/>
-              </a:rPr>
-              <a:t> </a:t>
-            </a:r>
-            <a:r>
-              <a:rPr lang="en-US" dirty="0" err="1">
-                <a:solidFill>
-                  <a:srgbClr val="4EC9B0"/>
-                </a:solidFill>
-                <a:highlight>
-                  <a:srgbClr val="FFFFFF"/>
-                </a:highlight>
-                <a:latin typeface="Consolas"/>
-              </a:rPr>
-              <a:t>int</a:t>
-            </a:r>
-            <a:endParaRPr lang="en-US" dirty="0">
-              <a:solidFill>
-                <a:srgbClr val="000000"/>
-              </a:solidFill>
-              <a:highlight>
-                <a:srgbClr val="FFFFFF"/>
-              </a:highlight>
-              <a:latin typeface="Consolas"/>
-            </a:endParaRPr>
-          </a:p>
-          <a:p>
-            <a:pPr marL="0" indent="0">
-              <a:buNone/>
-            </a:pPr>
-            <a:r>
-              <a:rPr lang="en-US" dirty="0">
-                <a:solidFill>
-                  <a:srgbClr val="0000FF"/>
-                </a:solidFill>
-                <a:highlight>
-                  <a:srgbClr val="FFFFFF"/>
-                </a:highlight>
-                <a:latin typeface="Consolas"/>
-              </a:rPr>
-              <a:t>type</a:t>
-            </a:r>
-            <a:r>
-              <a:rPr lang="en-US" dirty="0">
-                <a:solidFill>
-                  <a:srgbClr val="000000"/>
-                </a:solidFill>
-                <a:highlight>
-                  <a:srgbClr val="FFFFFF"/>
-                </a:highlight>
-                <a:latin typeface="Consolas"/>
-              </a:rPr>
-              <a:t> </a:t>
-            </a:r>
-            <a:r>
-              <a:rPr lang="en-US" dirty="0" err="1">
-                <a:solidFill>
-                  <a:srgbClr val="4EC9B0"/>
-                </a:solidFill>
-                <a:highlight>
-                  <a:srgbClr val="FFFFFF"/>
-                </a:highlight>
-                <a:latin typeface="Consolas"/>
-              </a:rPr>
-              <a:t>OrderId</a:t>
-            </a:r>
-            <a:r>
-              <a:rPr lang="en-US" dirty="0">
-                <a:solidFill>
-                  <a:srgbClr val="000000"/>
-                </a:solidFill>
-                <a:highlight>
-                  <a:srgbClr val="FFFFFF"/>
-                </a:highlight>
-                <a:latin typeface="Consolas"/>
-              </a:rPr>
-              <a:t> </a:t>
-            </a:r>
-            <a:r>
-              <a:rPr lang="en-US" dirty="0">
-                <a:solidFill>
-                  <a:srgbClr val="DCDCDC"/>
-                </a:solidFill>
-                <a:highlight>
-                  <a:srgbClr val="FFFFFF"/>
-                </a:highlight>
-                <a:latin typeface="Consolas"/>
-              </a:rPr>
-              <a:t>=</a:t>
-            </a:r>
-            <a:r>
-              <a:rPr lang="en-US" dirty="0">
-                <a:solidFill>
-                  <a:srgbClr val="000000"/>
-                </a:solidFill>
-                <a:highlight>
-                  <a:srgbClr val="FFFFFF"/>
-                </a:highlight>
-                <a:latin typeface="Consolas"/>
-              </a:rPr>
-              <a:t> </a:t>
-            </a:r>
-            <a:r>
-              <a:rPr lang="en-US" dirty="0" err="1">
-                <a:solidFill>
-                  <a:srgbClr val="DCDCDC"/>
-                </a:solidFill>
-                <a:highlight>
-                  <a:srgbClr val="FFFFFF"/>
-                </a:highlight>
-                <a:latin typeface="Consolas"/>
-              </a:rPr>
-              <a:t>OrderId</a:t>
-            </a:r>
-            <a:r>
-              <a:rPr lang="en-US" dirty="0">
-                <a:solidFill>
-                  <a:srgbClr val="000000"/>
-                </a:solidFill>
-                <a:highlight>
-                  <a:srgbClr val="FFFFFF"/>
-                </a:highlight>
-                <a:latin typeface="Consolas"/>
-              </a:rPr>
-              <a:t> </a:t>
-            </a:r>
-            <a:r>
-              <a:rPr lang="en-US" dirty="0">
-                <a:solidFill>
-                  <a:srgbClr val="0000FF"/>
-                </a:solidFill>
-                <a:highlight>
-                  <a:srgbClr val="FFFFFF"/>
-                </a:highlight>
-                <a:latin typeface="Consolas"/>
-              </a:rPr>
-              <a:t>of</a:t>
-            </a:r>
-            <a:r>
-              <a:rPr lang="en-US" dirty="0">
-                <a:solidFill>
-                  <a:srgbClr val="000000"/>
-                </a:solidFill>
-                <a:highlight>
-                  <a:srgbClr val="FFFFFF"/>
-                </a:highlight>
-                <a:latin typeface="Consolas"/>
-              </a:rPr>
-              <a:t> </a:t>
-            </a:r>
-            <a:r>
-              <a:rPr lang="en-US" dirty="0" err="1">
-                <a:solidFill>
-                  <a:srgbClr val="4EC9B0"/>
-                </a:solidFill>
-                <a:highlight>
-                  <a:srgbClr val="FFFFFF"/>
-                </a:highlight>
-                <a:latin typeface="Consolas"/>
-              </a:rPr>
-              <a:t>int</a:t>
-            </a:r>
-            <a:endParaRPr lang="en-US" dirty="0">
-              <a:solidFill>
-                <a:srgbClr val="000000"/>
-              </a:solidFill>
-              <a:highlight>
-                <a:srgbClr val="FFFFFF"/>
-              </a:highlight>
-              <a:latin typeface="Consolas"/>
-            </a:endParaRPr>
-          </a:p>
-          <a:p>
-            <a:endParaRPr lang="en-US" dirty="0">
-              <a:solidFill>
-                <a:srgbClr val="000000"/>
-              </a:solidFill>
-              <a:highlight>
-                <a:srgbClr val="FFFFFF"/>
-              </a:highlight>
-              <a:latin typeface="Consolas"/>
-            </a:endParaRPr>
-          </a:p>
-          <a:p>
-            <a:pPr marL="0" indent="0">
-              <a:buNone/>
-            </a:pPr>
-            <a:r>
-              <a:rPr lang="en-US" dirty="0">
-                <a:solidFill>
-                  <a:srgbClr val="0000FF"/>
-                </a:solidFill>
-                <a:highlight>
-                  <a:srgbClr val="FFFFFF"/>
-                </a:highlight>
-                <a:latin typeface="Consolas"/>
-              </a:rPr>
-              <a:t>let</a:t>
-            </a:r>
-            <a:r>
-              <a:rPr lang="en-US" dirty="0">
-                <a:solidFill>
-                  <a:srgbClr val="000000"/>
-                </a:solidFill>
-                <a:highlight>
-                  <a:srgbClr val="FFFFFF"/>
-                </a:highlight>
-                <a:latin typeface="Consolas"/>
-              </a:rPr>
-              <a:t> </a:t>
-            </a:r>
-            <a:r>
-              <a:rPr lang="en-US" dirty="0" err="1">
-                <a:solidFill>
-                  <a:srgbClr val="000000"/>
-                </a:solidFill>
-                <a:highlight>
-                  <a:srgbClr val="FFFFFF"/>
-                </a:highlight>
-                <a:latin typeface="Consolas"/>
-              </a:rPr>
-              <a:t>cid</a:t>
-            </a:r>
-            <a:r>
-              <a:rPr lang="en-US" dirty="0">
-                <a:solidFill>
-                  <a:srgbClr val="000000"/>
-                </a:solidFill>
-                <a:highlight>
-                  <a:srgbClr val="FFFFFF"/>
-                </a:highlight>
-                <a:latin typeface="Consolas"/>
-              </a:rPr>
-              <a:t> </a:t>
-            </a:r>
-            <a:r>
-              <a:rPr lang="en-US" dirty="0">
-                <a:solidFill>
-                  <a:srgbClr val="DCDCDC"/>
-                </a:solidFill>
-                <a:highlight>
-                  <a:srgbClr val="FFFFFF"/>
-                </a:highlight>
-                <a:latin typeface="Consolas"/>
-              </a:rPr>
-              <a:t>=</a:t>
-            </a:r>
-            <a:r>
-              <a:rPr lang="en-US" dirty="0">
-                <a:solidFill>
-                  <a:srgbClr val="000000"/>
-                </a:solidFill>
-                <a:highlight>
-                  <a:srgbClr val="FFFFFF"/>
-                </a:highlight>
-                <a:latin typeface="Consolas"/>
-              </a:rPr>
-              <a:t> </a:t>
-            </a:r>
-            <a:r>
-              <a:rPr lang="en-US" dirty="0" err="1">
-                <a:solidFill>
-                  <a:srgbClr val="DCDCDC"/>
-                </a:solidFill>
-                <a:highlight>
-                  <a:srgbClr val="FFFFFF"/>
-                </a:highlight>
-                <a:latin typeface="Consolas"/>
-              </a:rPr>
-              <a:t>CustomerId</a:t>
-            </a:r>
-            <a:r>
-              <a:rPr lang="en-US" dirty="0">
-                <a:solidFill>
-                  <a:srgbClr val="000000"/>
-                </a:solidFill>
-                <a:highlight>
-                  <a:srgbClr val="FFFFFF"/>
-                </a:highlight>
-                <a:latin typeface="Consolas"/>
-              </a:rPr>
-              <a:t>(15)</a:t>
-            </a:r>
-          </a:p>
-          <a:p>
-            <a:pPr marL="0" indent="0">
-              <a:buNone/>
-            </a:pPr>
-            <a:r>
-              <a:rPr lang="en-US" dirty="0">
-                <a:solidFill>
-                  <a:srgbClr val="0000FF"/>
-                </a:solidFill>
-                <a:highlight>
-                  <a:srgbClr val="FFFFFF"/>
-                </a:highlight>
-                <a:latin typeface="Consolas"/>
-              </a:rPr>
-              <a:t>let</a:t>
-            </a:r>
-            <a:r>
-              <a:rPr lang="en-US" dirty="0">
-                <a:solidFill>
-                  <a:srgbClr val="000000"/>
-                </a:solidFill>
-                <a:highlight>
-                  <a:srgbClr val="FFFFFF"/>
-                </a:highlight>
-                <a:latin typeface="Consolas"/>
-              </a:rPr>
-              <a:t> </a:t>
-            </a:r>
-            <a:r>
-              <a:rPr lang="en-US" dirty="0" err="1">
-                <a:solidFill>
-                  <a:srgbClr val="000000"/>
-                </a:solidFill>
-                <a:highlight>
-                  <a:srgbClr val="FFFFFF"/>
-                </a:highlight>
-                <a:latin typeface="Consolas"/>
-              </a:rPr>
-              <a:t>oid</a:t>
-            </a:r>
-            <a:r>
-              <a:rPr lang="en-US" dirty="0">
-                <a:solidFill>
-                  <a:srgbClr val="000000"/>
-                </a:solidFill>
-                <a:highlight>
-                  <a:srgbClr val="FFFFFF"/>
-                </a:highlight>
-                <a:latin typeface="Consolas"/>
-              </a:rPr>
-              <a:t> </a:t>
-            </a:r>
-            <a:r>
-              <a:rPr lang="en-US" dirty="0">
-                <a:solidFill>
-                  <a:srgbClr val="DCDCDC"/>
-                </a:solidFill>
-                <a:highlight>
-                  <a:srgbClr val="FFFFFF"/>
-                </a:highlight>
-                <a:latin typeface="Consolas"/>
-              </a:rPr>
-              <a:t>=</a:t>
-            </a:r>
-            <a:r>
-              <a:rPr lang="en-US" dirty="0">
-                <a:solidFill>
-                  <a:srgbClr val="000000"/>
-                </a:solidFill>
-                <a:highlight>
-                  <a:srgbClr val="FFFFFF"/>
-                </a:highlight>
-                <a:latin typeface="Consolas"/>
-              </a:rPr>
-              <a:t> </a:t>
-            </a:r>
-            <a:r>
-              <a:rPr lang="en-US" dirty="0" err="1">
-                <a:solidFill>
-                  <a:srgbClr val="DCDCDC"/>
-                </a:solidFill>
-                <a:highlight>
-                  <a:srgbClr val="FFFFFF"/>
-                </a:highlight>
-                <a:latin typeface="Consolas"/>
-              </a:rPr>
-              <a:t>OrderId</a:t>
-            </a:r>
-            <a:r>
-              <a:rPr lang="en-US" dirty="0">
-                <a:solidFill>
-                  <a:srgbClr val="000000"/>
-                </a:solidFill>
-                <a:highlight>
-                  <a:srgbClr val="FFFFFF"/>
-                </a:highlight>
-                <a:latin typeface="Consolas"/>
-              </a:rPr>
-              <a:t>(15)</a:t>
-            </a:r>
-          </a:p>
-          <a:p>
-            <a:pPr marL="0" indent="0">
-              <a:buNone/>
-            </a:pPr>
-            <a:endParaRPr lang="en-US" dirty="0">
-              <a:solidFill>
-                <a:srgbClr val="000000"/>
-              </a:solidFill>
-              <a:highlight>
-                <a:srgbClr val="FFFFFF"/>
-              </a:highlight>
-              <a:latin typeface="Consolas"/>
-            </a:endParaRPr>
-          </a:p>
-          <a:p>
-            <a:pPr marL="0" indent="0">
-              <a:buNone/>
-            </a:pPr>
-            <a:r>
-              <a:rPr lang="en-US" dirty="0">
-                <a:solidFill>
-                  <a:srgbClr val="0000FF"/>
-                </a:solidFill>
-                <a:highlight>
-                  <a:srgbClr val="FFFFFF"/>
-                </a:highlight>
-                <a:latin typeface="Consolas"/>
-              </a:rPr>
-              <a:t>let</a:t>
-            </a:r>
-            <a:r>
-              <a:rPr lang="en-US" dirty="0">
-                <a:solidFill>
-                  <a:srgbClr val="000000"/>
-                </a:solidFill>
-                <a:highlight>
-                  <a:srgbClr val="FFFFFF"/>
-                </a:highlight>
-                <a:latin typeface="Consolas"/>
-              </a:rPr>
-              <a:t> t </a:t>
-            </a:r>
-            <a:r>
-              <a:rPr lang="en-US" dirty="0">
-                <a:solidFill>
-                  <a:srgbClr val="DCDCDC"/>
-                </a:solidFill>
-                <a:highlight>
-                  <a:srgbClr val="FFFFFF"/>
-                </a:highlight>
-                <a:latin typeface="Consolas"/>
-              </a:rPr>
-              <a:t>=</a:t>
-            </a:r>
-            <a:r>
-              <a:rPr lang="en-US" dirty="0">
-                <a:solidFill>
-                  <a:srgbClr val="000000"/>
-                </a:solidFill>
-                <a:highlight>
-                  <a:srgbClr val="FFFFFF"/>
-                </a:highlight>
-                <a:latin typeface="Consolas"/>
-              </a:rPr>
-              <a:t> </a:t>
-            </a:r>
-            <a:r>
-              <a:rPr lang="en-US" dirty="0" err="1">
-                <a:solidFill>
-                  <a:srgbClr val="000000"/>
-                </a:solidFill>
-                <a:highlight>
-                  <a:srgbClr val="FFFFFF"/>
-                </a:highlight>
-                <a:latin typeface="Consolas"/>
-              </a:rPr>
-              <a:t>cid</a:t>
-            </a:r>
-            <a:r>
-              <a:rPr lang="en-US" dirty="0">
-                <a:solidFill>
-                  <a:srgbClr val="000000"/>
-                </a:solidFill>
-                <a:highlight>
-                  <a:srgbClr val="FFFFFF"/>
-                </a:highlight>
-                <a:latin typeface="Consolas"/>
-              </a:rPr>
-              <a:t> </a:t>
-            </a:r>
-            <a:r>
-              <a:rPr lang="en-US" dirty="0">
-                <a:solidFill>
-                  <a:srgbClr val="DCDCDC"/>
-                </a:solidFill>
-                <a:highlight>
-                  <a:srgbClr val="FFFFFF"/>
-                </a:highlight>
-                <a:latin typeface="Consolas"/>
-              </a:rPr>
-              <a:t>=</a:t>
-            </a:r>
-            <a:r>
-              <a:rPr lang="en-US" dirty="0">
-                <a:solidFill>
-                  <a:srgbClr val="000000"/>
-                </a:solidFill>
-                <a:highlight>
-                  <a:srgbClr val="FFFFFF"/>
-                </a:highlight>
-                <a:latin typeface="Consolas"/>
-              </a:rPr>
-              <a:t> </a:t>
-            </a:r>
-            <a:r>
-              <a:rPr lang="en-US" dirty="0" err="1">
-                <a:solidFill>
-                  <a:srgbClr val="000000"/>
-                </a:solidFill>
-                <a:highlight>
-                  <a:srgbClr val="FFFFFF"/>
-                </a:highlight>
-                <a:latin typeface="Consolas"/>
-              </a:rPr>
-              <a:t>oid</a:t>
-            </a:r>
-            <a:r>
-              <a:rPr lang="en-US" dirty="0">
-                <a:solidFill>
-                  <a:srgbClr val="000000"/>
-                </a:solidFill>
-                <a:highlight>
-                  <a:srgbClr val="FFFFFF"/>
-                </a:highlight>
-                <a:latin typeface="Consolas"/>
-              </a:rPr>
-              <a:t> // ERROR </a:t>
-            </a:r>
-            <a:r>
-              <a:rPr lang="en-US" dirty="0" err="1">
-                <a:solidFill>
-                  <a:srgbClr val="000000"/>
-                </a:solidFill>
-                <a:highlight>
-                  <a:srgbClr val="FFFFFF"/>
-                </a:highlight>
-                <a:latin typeface="Consolas"/>
-              </a:rPr>
-              <a:t>Typen</a:t>
-            </a:r>
-            <a:r>
-              <a:rPr lang="en-US" dirty="0">
-                <a:solidFill>
-                  <a:srgbClr val="000000"/>
-                </a:solidFill>
-                <a:highlight>
-                  <a:srgbClr val="FFFFFF"/>
-                </a:highlight>
-                <a:latin typeface="Consolas"/>
-              </a:rPr>
-              <a:t> </a:t>
-            </a:r>
-            <a:r>
-              <a:rPr lang="en-US" dirty="0" err="1">
-                <a:solidFill>
-                  <a:srgbClr val="000000"/>
-                </a:solidFill>
-                <a:highlight>
-                  <a:srgbClr val="FFFFFF"/>
-                </a:highlight>
-                <a:latin typeface="Consolas"/>
-              </a:rPr>
-              <a:t>nicht</a:t>
-            </a:r>
-            <a:r>
-              <a:rPr lang="en-US" dirty="0">
-                <a:solidFill>
-                  <a:srgbClr val="000000"/>
-                </a:solidFill>
-                <a:highlight>
-                  <a:srgbClr val="FFFFFF"/>
-                </a:highlight>
-                <a:latin typeface="Consolas"/>
-              </a:rPr>
-              <a:t> </a:t>
-            </a:r>
-            <a:r>
-              <a:rPr lang="en-US" dirty="0" err="1">
-                <a:solidFill>
-                  <a:srgbClr val="000000"/>
-                </a:solidFill>
-                <a:highlight>
-                  <a:srgbClr val="FFFFFF"/>
-                </a:highlight>
-                <a:latin typeface="Consolas"/>
-              </a:rPr>
-              <a:t>gleich</a:t>
-            </a:r>
-            <a:r>
-              <a:rPr lang="en-US" dirty="0">
-                <a:solidFill>
-                  <a:srgbClr val="000000"/>
-                </a:solidFill>
-                <a:highlight>
-                  <a:srgbClr val="FFFFFF"/>
-                </a:highlight>
-                <a:latin typeface="Consolas"/>
-              </a:rPr>
-              <a:t>, </a:t>
-            </a:r>
-            <a:r>
-              <a:rPr lang="en-US" dirty="0" err="1">
-                <a:solidFill>
-                  <a:srgbClr val="000000"/>
-                </a:solidFill>
-                <a:highlight>
-                  <a:srgbClr val="FFFFFF"/>
-                </a:highlight>
-                <a:latin typeface="Consolas"/>
-              </a:rPr>
-              <a:t>kein</a:t>
-            </a:r>
-            <a:r>
-              <a:rPr lang="en-US" dirty="0">
-                <a:solidFill>
-                  <a:srgbClr val="000000"/>
-                </a:solidFill>
-                <a:highlight>
-                  <a:srgbClr val="FFFFFF"/>
-                </a:highlight>
-                <a:latin typeface="Consolas"/>
-              </a:rPr>
-              <a:t> </a:t>
-            </a:r>
-            <a:r>
-              <a:rPr lang="en-US" dirty="0" err="1">
-                <a:solidFill>
-                  <a:srgbClr val="000000"/>
-                </a:solidFill>
-                <a:highlight>
-                  <a:srgbClr val="FFFFFF"/>
-                </a:highlight>
-                <a:latin typeface="Consolas"/>
-              </a:rPr>
-              <a:t>Vergleich</a:t>
-            </a:r>
-            <a:endParaRPr lang="en-US" dirty="0"/>
-          </a:p>
-        </p:txBody>
-      </p:sp>
-    </p:spTree>
-    <p:extLst>
-      <p:ext uri="{BB962C8B-B14F-4D97-AF65-F5344CB8AC3E}">
-        <p14:creationId xmlns:p14="http://schemas.microsoft.com/office/powerpoint/2010/main" val="2193518562"/>
-      </p:ext>
-    </p:extLst>
-  </p:cSld>
-  <p:clrMapOvr>
-    <a:masterClrMapping/>
-  </p:clrMapOvr>
-</p:sld>
-</file>
-
-<file path=ppt/slides/slide31.xml><?xml version="1.0" encoding="utf-8"?>
-<p:sld xmlns:a="http://schemas.openxmlformats.org/drawingml/2006/main" xmlns:r="http://schemas.openxmlformats.org/officeDocument/2006/relationships" xmlns:p="http://schemas.openxmlformats.org/presentationml/2006/main">
-  <p:cSld>
-    <p:spTree>
-      <p:nvGrpSpPr>
-        <p:cNvPr id="1" name=""/>
-        <p:cNvGrpSpPr/>
-        <p:nvPr/>
-      </p:nvGrpSpPr>
-      <p:grpSpPr>
-        <a:xfrm>
-          <a:off x="0" y="0"/>
-          <a:ext cx="0" cy="0"/>
-          <a:chOff x="0" y="0"/>
-          <a:chExt cx="0" cy="0"/>
-        </a:xfrm>
-      </p:grpSpPr>
-      <p:sp>
-        <p:nvSpPr>
-          <p:cNvPr id="2" name="Title 1"/>
-          <p:cNvSpPr>
-            <a:spLocks noGrp="1"/>
-          </p:cNvSpPr>
-          <p:nvPr>
-            <p:ph type="title"/>
-          </p:nvPr>
-        </p:nvSpPr>
-        <p:spPr/>
-        <p:txBody>
-          <a:bodyPr/>
-          <a:lstStyle/>
-          <a:p>
-            <a:r>
-              <a:rPr lang="de-DE" dirty="0"/>
-              <a:t>Option</a:t>
-            </a:r>
-            <a:endParaRPr lang="en-US" dirty="0"/>
-          </a:p>
-        </p:txBody>
-      </p:sp>
-      <p:sp>
-        <p:nvSpPr>
-          <p:cNvPr id="3" name="Content Placeholder 2"/>
-          <p:cNvSpPr>
-            <a:spLocks noGrp="1"/>
-          </p:cNvSpPr>
-          <p:nvPr>
-            <p:ph idx="1"/>
-          </p:nvPr>
-        </p:nvSpPr>
-        <p:spPr/>
-        <p:txBody>
-          <a:bodyPr/>
-          <a:lstStyle/>
-          <a:p>
-            <a:pPr marL="0" indent="0">
-              <a:buNone/>
-            </a:pPr>
-            <a:r>
-              <a:rPr lang="de-DE" dirty="0"/>
-              <a:t>Besondere Form des DU</a:t>
-            </a:r>
-          </a:p>
-          <a:p>
-            <a:pPr marL="0" indent="0">
-              <a:buNone/>
-            </a:pPr>
-            <a:r>
-              <a:rPr lang="en-US" b="1" dirty="0">
-                <a:solidFill>
-                  <a:srgbClr val="008000"/>
-                </a:solidFill>
-              </a:rPr>
-              <a:t>type</a:t>
-            </a:r>
-            <a:r>
-              <a:rPr lang="en-US" dirty="0"/>
-              <a:t> </a:t>
-            </a:r>
-            <a:r>
-              <a:rPr lang="en-US" b="1" dirty="0">
-                <a:solidFill>
-                  <a:srgbClr val="0000FF"/>
-                </a:solidFill>
-              </a:rPr>
-              <a:t>Option</a:t>
-            </a:r>
-            <a:r>
-              <a:rPr lang="en-US" dirty="0">
-                <a:solidFill>
-                  <a:srgbClr val="666666"/>
-                </a:solidFill>
-              </a:rPr>
-              <a:t>&lt;</a:t>
-            </a:r>
-            <a:r>
-              <a:rPr lang="en-US" b="1" dirty="0">
-                <a:solidFill>
-                  <a:srgbClr val="008000"/>
-                </a:solidFill>
-              </a:rPr>
-              <a:t>'</a:t>
-            </a:r>
-            <a:r>
-              <a:rPr lang="en-US" dirty="0"/>
-              <a:t>a</a:t>
-            </a:r>
-            <a:r>
-              <a:rPr lang="en-US" dirty="0">
-                <a:solidFill>
-                  <a:srgbClr val="666666"/>
-                </a:solidFill>
-              </a:rPr>
-              <a:t>&gt;</a:t>
-            </a:r>
-            <a:r>
-              <a:rPr lang="en-US" dirty="0"/>
-              <a:t> </a:t>
-            </a:r>
-            <a:r>
-              <a:rPr lang="en-US" dirty="0">
-                <a:solidFill>
-                  <a:srgbClr val="666666"/>
-                </a:solidFill>
-              </a:rPr>
-              <a:t>=</a:t>
-            </a:r>
-            <a:r>
-              <a:rPr lang="en-US" dirty="0"/>
-              <a:t> </a:t>
-            </a:r>
-            <a:r>
-              <a:rPr lang="en-US" i="1" dirty="0">
-                <a:solidFill>
-                  <a:srgbClr val="408080"/>
-                </a:solidFill>
-              </a:rPr>
-              <a:t>// use a generic definition </a:t>
-            </a:r>
-          </a:p>
-          <a:p>
-            <a:pPr marL="0" indent="0">
-              <a:buNone/>
-            </a:pPr>
-            <a:r>
-              <a:rPr lang="en-US" dirty="0">
-                <a:solidFill>
-                  <a:srgbClr val="666666"/>
-                </a:solidFill>
-              </a:rPr>
-              <a:t>|</a:t>
-            </a:r>
-            <a:r>
-              <a:rPr lang="en-US" dirty="0"/>
-              <a:t> </a:t>
-            </a:r>
-            <a:r>
-              <a:rPr lang="en-US" b="1" dirty="0">
-                <a:solidFill>
-                  <a:srgbClr val="0000FF"/>
-                </a:solidFill>
-              </a:rPr>
-              <a:t>Some</a:t>
-            </a:r>
-            <a:r>
-              <a:rPr lang="en-US" dirty="0"/>
-              <a:t> </a:t>
-            </a:r>
-            <a:r>
-              <a:rPr lang="en-US" b="1" dirty="0">
-                <a:solidFill>
-                  <a:srgbClr val="008000"/>
-                </a:solidFill>
-              </a:rPr>
-              <a:t>of</a:t>
-            </a:r>
-            <a:r>
-              <a:rPr lang="en-US" dirty="0"/>
-              <a:t> </a:t>
-            </a:r>
-            <a:r>
-              <a:rPr lang="en-US" b="1" dirty="0">
-                <a:solidFill>
-                  <a:srgbClr val="008000"/>
-                </a:solidFill>
-              </a:rPr>
-              <a:t>'</a:t>
-            </a:r>
-            <a:r>
-              <a:rPr lang="en-US" dirty="0"/>
-              <a:t>a </a:t>
-            </a:r>
-            <a:r>
-              <a:rPr lang="en-US" i="1" dirty="0">
-                <a:solidFill>
-                  <a:srgbClr val="408080"/>
-                </a:solidFill>
-              </a:rPr>
-              <a:t>// valid value</a:t>
-            </a:r>
-            <a:r>
-              <a:rPr lang="en-US" dirty="0"/>
-              <a:t> </a:t>
-            </a:r>
-          </a:p>
-          <a:p>
-            <a:pPr marL="0" indent="0">
-              <a:buNone/>
-            </a:pPr>
-            <a:r>
-              <a:rPr lang="en-US" dirty="0">
-                <a:solidFill>
-                  <a:srgbClr val="666666"/>
-                </a:solidFill>
-              </a:rPr>
-              <a:t>|</a:t>
-            </a:r>
-            <a:r>
-              <a:rPr lang="en-US" dirty="0"/>
-              <a:t> </a:t>
-            </a:r>
-            <a:r>
-              <a:rPr lang="en-US" b="1" dirty="0">
-                <a:solidFill>
-                  <a:srgbClr val="0000FF"/>
-                </a:solidFill>
-              </a:rPr>
-              <a:t>None</a:t>
-            </a:r>
-            <a:r>
-              <a:rPr lang="en-US" dirty="0"/>
-              <a:t> </a:t>
-            </a:r>
-            <a:r>
-              <a:rPr lang="en-US" i="1" dirty="0">
-                <a:solidFill>
-                  <a:srgbClr val="408080"/>
-                </a:solidFill>
-              </a:rPr>
-              <a:t>// missing</a:t>
-            </a:r>
-          </a:p>
-          <a:p>
-            <a:pPr marL="0" indent="0">
-              <a:buNone/>
-            </a:pPr>
-            <a:endParaRPr lang="en-US" dirty="0"/>
-          </a:p>
-        </p:txBody>
-      </p:sp>
-    </p:spTree>
-    <p:extLst>
-      <p:ext uri="{BB962C8B-B14F-4D97-AF65-F5344CB8AC3E}">
-        <p14:creationId xmlns:p14="http://schemas.microsoft.com/office/powerpoint/2010/main" val="1673819925"/>
-      </p:ext>
-    </p:extLst>
-  </p:cSld>
-  <p:clrMapOvr>
-    <a:masterClrMapping/>
-  </p:clrMapOvr>
-</p:sld>
-</file>
-
 <file path=ppt/slides/slide32.xml><?xml version="1.0" encoding="utf-8"?>
 <p:sld xmlns:a="http://schemas.openxmlformats.org/drawingml/2006/main" xmlns:r="http://schemas.openxmlformats.org/officeDocument/2006/relationships" xmlns:p="http://schemas.openxmlformats.org/presentationml/2006/main">
   <p:cSld>
@@ -16098,6 +17201,2136 @@
         </p:nvSpPr>
         <p:spPr/>
         <p:txBody>
+          <a:bodyPr/>
+          <a:lstStyle/>
+          <a:p>
+            <a:r>
+              <a:rPr lang="de-DE" dirty="0" err="1"/>
+              <a:t>Tuple</a:t>
+            </a:r>
+            <a:r>
+              <a:rPr lang="de-DE" dirty="0"/>
+              <a:t>: Wofür</a:t>
+            </a:r>
+            <a:endParaRPr lang="en-US" dirty="0"/>
+          </a:p>
+        </p:txBody>
+      </p:sp>
+      <p:sp>
+        <p:nvSpPr>
+          <p:cNvPr id="3" name="Content Placeholder 2"/>
+          <p:cNvSpPr>
+            <a:spLocks noGrp="1"/>
+          </p:cNvSpPr>
+          <p:nvPr>
+            <p:ph idx="1"/>
+          </p:nvPr>
+        </p:nvSpPr>
+        <p:spPr/>
+        <p:txBody>
+          <a:bodyPr>
+            <a:normAutofit fontScale="92500"/>
+          </a:bodyPr>
+          <a:lstStyle/>
+          <a:p>
+            <a:pPr marL="0" indent="0">
+              <a:buNone/>
+            </a:pPr>
+            <a:r>
+              <a:rPr lang="de-DE" dirty="0"/>
+              <a:t>Nutzung: </a:t>
+            </a:r>
+            <a:r>
+              <a:rPr lang="de-DE" dirty="0" err="1"/>
+              <a:t>Tuples</a:t>
+            </a:r>
+            <a:r>
+              <a:rPr lang="de-DE" dirty="0"/>
+              <a:t> werden meistens nicht übergeben, dienen zur temporären Haltung von Daten</a:t>
+            </a:r>
+          </a:p>
+          <a:p>
+            <a:pPr marL="0" indent="0">
+              <a:buNone/>
+            </a:pPr>
+            <a:r>
+              <a:rPr lang="de-DE" dirty="0"/>
+              <a:t>Bedenke: ALLES kann als </a:t>
+            </a:r>
+            <a:r>
+              <a:rPr lang="de-DE" dirty="0" err="1"/>
+              <a:t>tuple</a:t>
+            </a:r>
+            <a:r>
+              <a:rPr lang="de-DE" dirty="0"/>
+              <a:t> definiert werden:</a:t>
+            </a:r>
+          </a:p>
+          <a:p>
+            <a:pPr>
+              <a:buFontTx/>
+              <a:buChar char="-"/>
+            </a:pPr>
+            <a:r>
+              <a:rPr lang="de-DE" dirty="0"/>
+              <a:t>Werte (</a:t>
+            </a:r>
+            <a:r>
+              <a:rPr lang="de-DE" dirty="0" err="1"/>
+              <a:t>int</a:t>
+            </a:r>
+            <a:r>
+              <a:rPr lang="de-DE" dirty="0"/>
+              <a:t>, etc.)</a:t>
+            </a:r>
+          </a:p>
+          <a:p>
+            <a:pPr>
+              <a:buFontTx/>
+              <a:buChar char="-"/>
+            </a:pPr>
+            <a:r>
+              <a:rPr lang="de-DE" dirty="0"/>
+              <a:t>ADTs</a:t>
+            </a:r>
+          </a:p>
+          <a:p>
+            <a:pPr>
+              <a:buFontTx/>
+              <a:buChar char="-"/>
+            </a:pPr>
+            <a:r>
+              <a:rPr lang="de-DE" dirty="0"/>
+              <a:t>Funktionen</a:t>
+            </a:r>
+          </a:p>
+          <a:p>
+            <a:pPr marL="0" indent="0">
+              <a:buNone/>
+            </a:pPr>
+            <a:r>
+              <a:rPr lang="de-DE" dirty="0"/>
+              <a:t>Funktion mit zwei (oder mehreren) Rückgabewerten </a:t>
+            </a:r>
+          </a:p>
+        </p:txBody>
+      </p:sp>
+    </p:spTree>
+    <p:extLst>
+      <p:ext uri="{BB962C8B-B14F-4D97-AF65-F5344CB8AC3E}">
+        <p14:creationId xmlns:p14="http://schemas.microsoft.com/office/powerpoint/2010/main" val="2657218075"/>
+      </p:ext>
+    </p:extLst>
+  </p:cSld>
+  <p:clrMapOvr>
+    <a:masterClrMapping/>
+  </p:clrMapOvr>
+</p:sld>
+</file>
+
+<file path=ppt/slides/slide33.xml><?xml version="1.0" encoding="utf-8"?>
+<p:sld xmlns:a="http://schemas.openxmlformats.org/drawingml/2006/main" xmlns:r="http://schemas.openxmlformats.org/officeDocument/2006/relationships" xmlns:p="http://schemas.openxmlformats.org/presentationml/2006/main">
+  <p:cSld>
+    <p:spTree>
+      <p:nvGrpSpPr>
+        <p:cNvPr id="1" name=""/>
+        <p:cNvGrpSpPr/>
+        <p:nvPr/>
+      </p:nvGrpSpPr>
+      <p:grpSpPr>
+        <a:xfrm>
+          <a:off x="0" y="0"/>
+          <a:ext cx="0" cy="0"/>
+          <a:chOff x="0" y="0"/>
+          <a:chExt cx="0" cy="0"/>
+        </a:xfrm>
+      </p:grpSpPr>
+      <p:sp>
+        <p:nvSpPr>
+          <p:cNvPr id="2" name="Title 1"/>
+          <p:cNvSpPr>
+            <a:spLocks noGrp="1"/>
+          </p:cNvSpPr>
+          <p:nvPr>
+            <p:ph type="title"/>
+          </p:nvPr>
+        </p:nvSpPr>
+        <p:spPr/>
+        <p:txBody>
+          <a:bodyPr/>
+          <a:lstStyle/>
+          <a:p>
+            <a:r>
+              <a:rPr lang="de-DE" dirty="0" err="1"/>
+              <a:t>Record</a:t>
+            </a:r>
+            <a:r>
+              <a:rPr lang="de-DE" dirty="0"/>
+              <a:t>: Definition</a:t>
+            </a:r>
+            <a:endParaRPr lang="en-US" dirty="0"/>
+          </a:p>
+        </p:txBody>
+      </p:sp>
+      <p:sp>
+        <p:nvSpPr>
+          <p:cNvPr id="3" name="Content Placeholder 2"/>
+          <p:cNvSpPr>
+            <a:spLocks noGrp="1"/>
+          </p:cNvSpPr>
+          <p:nvPr>
+            <p:ph idx="1"/>
+          </p:nvPr>
+        </p:nvSpPr>
+        <p:spPr/>
+        <p:txBody>
+          <a:bodyPr>
+            <a:normAutofit/>
+          </a:bodyPr>
+          <a:lstStyle/>
+          <a:p>
+            <a:pPr marL="0" indent="0">
+              <a:buNone/>
+            </a:pPr>
+            <a:r>
+              <a:rPr lang="de-DE" dirty="0"/>
+              <a:t>Keine </a:t>
+            </a:r>
+            <a:r>
+              <a:rPr lang="de-DE" dirty="0" err="1"/>
+              <a:t>Adhoc</a:t>
+            </a:r>
+            <a:r>
+              <a:rPr lang="de-DE" dirty="0"/>
+              <a:t> Erstellung</a:t>
+            </a:r>
+          </a:p>
+          <a:p>
+            <a:pPr marL="0" indent="0">
+              <a:buNone/>
+            </a:pPr>
+            <a:r>
+              <a:rPr lang="de-DE" dirty="0" err="1"/>
+              <a:t>Labeled</a:t>
+            </a:r>
+            <a:r>
+              <a:rPr lang="de-DE" dirty="0"/>
+              <a:t> </a:t>
+            </a:r>
+            <a:r>
+              <a:rPr lang="de-DE" dirty="0" err="1"/>
+              <a:t>tuple</a:t>
+            </a:r>
+            <a:endParaRPr lang="de-DE" dirty="0"/>
+          </a:p>
+          <a:p>
+            <a:pPr marL="0" indent="0">
+              <a:buNone/>
+            </a:pPr>
+            <a:r>
+              <a:rPr lang="en-US" sz="2800" b="1" dirty="0"/>
+              <a:t>type</a:t>
+            </a:r>
+            <a:r>
+              <a:rPr lang="en-US" sz="2800" dirty="0"/>
+              <a:t> </a:t>
+            </a:r>
+            <a:r>
+              <a:rPr lang="en-US" sz="2800" b="1" dirty="0" err="1"/>
+              <a:t>ComplexNumber</a:t>
+            </a:r>
+            <a:r>
+              <a:rPr lang="en-US" sz="2800" dirty="0"/>
+              <a:t> = { real: float; imaginary: float }</a:t>
+            </a:r>
+            <a:endParaRPr lang="de-DE" sz="2800" dirty="0"/>
+          </a:p>
+          <a:p>
+            <a:pPr marL="0" indent="0">
+              <a:buNone/>
+            </a:pPr>
+            <a:r>
+              <a:rPr lang="en-US" sz="2800" b="1" dirty="0"/>
+              <a:t>type</a:t>
+            </a:r>
+            <a:r>
+              <a:rPr lang="en-US" sz="2800" dirty="0"/>
+              <a:t> </a:t>
+            </a:r>
+            <a:r>
+              <a:rPr lang="en-US" sz="2800" b="1" dirty="0" err="1"/>
+              <a:t>GeoCoord</a:t>
+            </a:r>
+            <a:r>
+              <a:rPr lang="en-US" sz="2800" dirty="0"/>
+              <a:t> = { </a:t>
+            </a:r>
+            <a:r>
+              <a:rPr lang="en-US" sz="2800" dirty="0" err="1"/>
+              <a:t>lat</a:t>
+            </a:r>
+            <a:r>
+              <a:rPr lang="en-US" sz="2800" dirty="0"/>
+              <a:t>: float; long: float }</a:t>
+            </a:r>
+          </a:p>
+          <a:p>
+            <a:pPr marL="0" indent="0">
+              <a:buNone/>
+            </a:pPr>
+            <a:endParaRPr lang="de-DE" sz="2800" dirty="0"/>
+          </a:p>
+          <a:p>
+            <a:pPr marL="0" indent="0">
+              <a:buNone/>
+            </a:pPr>
+            <a:r>
+              <a:rPr lang="de-DE" dirty="0"/>
+              <a:t>Andere Records, Funktionen</a:t>
+            </a:r>
+          </a:p>
+          <a:p>
+            <a:pPr marL="0" indent="0">
+              <a:buNone/>
+            </a:pPr>
+            <a:r>
+              <a:rPr lang="en-US" sz="2800" b="1" dirty="0"/>
+              <a:t>type S</a:t>
+            </a:r>
+            <a:r>
+              <a:rPr lang="en-US" dirty="0"/>
+              <a:t> = </a:t>
+            </a:r>
+            <a:r>
+              <a:rPr lang="en-US" sz="2800" dirty="0"/>
+              <a:t>{ </a:t>
+            </a:r>
+            <a:r>
+              <a:rPr lang="en-US" sz="2800" dirty="0" err="1"/>
+              <a:t>Coord</a:t>
+            </a:r>
+            <a:r>
+              <a:rPr lang="en-US" sz="2800" dirty="0"/>
+              <a:t> : </a:t>
+            </a:r>
+            <a:r>
+              <a:rPr lang="en-US" sz="2800" dirty="0" err="1"/>
+              <a:t>GeoCoord</a:t>
+            </a:r>
+            <a:r>
+              <a:rPr lang="en-US" sz="2800" dirty="0"/>
+              <a:t>; </a:t>
+            </a:r>
+            <a:r>
+              <a:rPr lang="en-US" sz="2800" dirty="0" err="1"/>
+              <a:t>Tun</a:t>
+            </a:r>
+            <a:r>
+              <a:rPr lang="en-US" sz="2800" dirty="0"/>
+              <a:t> : string -&gt; string; }</a:t>
+            </a:r>
+          </a:p>
+        </p:txBody>
+      </p:sp>
+    </p:spTree>
+    <p:extLst>
+      <p:ext uri="{BB962C8B-B14F-4D97-AF65-F5344CB8AC3E}">
+        <p14:creationId xmlns:p14="http://schemas.microsoft.com/office/powerpoint/2010/main" val="1545968842"/>
+      </p:ext>
+    </p:extLst>
+  </p:cSld>
+  <p:clrMapOvr>
+    <a:masterClrMapping/>
+  </p:clrMapOvr>
+</p:sld>
+</file>
+
+<file path=ppt/slides/slide34.xml><?xml version="1.0" encoding="utf-8"?>
+<p:sld xmlns:a="http://schemas.openxmlformats.org/drawingml/2006/main" xmlns:r="http://schemas.openxmlformats.org/officeDocument/2006/relationships" xmlns:p="http://schemas.openxmlformats.org/presentationml/2006/main">
+  <p:cSld>
+    <p:spTree>
+      <p:nvGrpSpPr>
+        <p:cNvPr id="1" name=""/>
+        <p:cNvGrpSpPr/>
+        <p:nvPr/>
+      </p:nvGrpSpPr>
+      <p:grpSpPr>
+        <a:xfrm>
+          <a:off x="0" y="0"/>
+          <a:ext cx="0" cy="0"/>
+          <a:chOff x="0" y="0"/>
+          <a:chExt cx="0" cy="0"/>
+        </a:xfrm>
+      </p:grpSpPr>
+      <p:sp>
+        <p:nvSpPr>
+          <p:cNvPr id="2" name="Title 1"/>
+          <p:cNvSpPr>
+            <a:spLocks noGrp="1"/>
+          </p:cNvSpPr>
+          <p:nvPr>
+            <p:ph type="title"/>
+          </p:nvPr>
+        </p:nvSpPr>
+        <p:spPr/>
+        <p:txBody>
+          <a:bodyPr/>
+          <a:lstStyle/>
+          <a:p>
+            <a:r>
+              <a:rPr lang="de-DE" dirty="0" err="1"/>
+              <a:t>Record</a:t>
+            </a:r>
+            <a:r>
+              <a:rPr lang="de-DE" dirty="0"/>
+              <a:t>: </a:t>
+            </a:r>
+            <a:r>
+              <a:rPr lang="de-DE" dirty="0" err="1"/>
+              <a:t>Structural</a:t>
+            </a:r>
+            <a:r>
+              <a:rPr lang="de-DE" dirty="0"/>
+              <a:t> </a:t>
+            </a:r>
+            <a:r>
+              <a:rPr lang="de-DE" dirty="0" err="1"/>
+              <a:t>Equality</a:t>
+            </a:r>
+            <a:endParaRPr lang="en-US" dirty="0"/>
+          </a:p>
+        </p:txBody>
+      </p:sp>
+      <p:sp>
+        <p:nvSpPr>
+          <p:cNvPr id="3" name="Content Placeholder 2"/>
+          <p:cNvSpPr>
+            <a:spLocks noGrp="1"/>
+          </p:cNvSpPr>
+          <p:nvPr>
+            <p:ph idx="1"/>
+          </p:nvPr>
+        </p:nvSpPr>
+        <p:spPr/>
+        <p:txBody>
+          <a:bodyPr/>
+          <a:lstStyle/>
+          <a:p>
+            <a:pPr marL="0" indent="0">
+              <a:buNone/>
+            </a:pPr>
+            <a:r>
+              <a:rPr lang="de-DE" dirty="0"/>
+              <a:t>Zwei </a:t>
+            </a:r>
+            <a:r>
+              <a:rPr lang="de-DE" dirty="0" err="1"/>
+              <a:t>Record</a:t>
+            </a:r>
+            <a:r>
+              <a:rPr lang="de-DE" dirty="0"/>
+              <a:t> </a:t>
+            </a:r>
+            <a:r>
+              <a:rPr lang="de-DE" dirty="0" err="1"/>
+              <a:t>Types</a:t>
+            </a:r>
+            <a:r>
+              <a:rPr lang="de-DE" dirty="0"/>
+              <a:t> sind gleich wenn beide die gleichen</a:t>
+            </a:r>
+          </a:p>
+          <a:p>
+            <a:pPr>
+              <a:buFontTx/>
+              <a:buChar char="-"/>
+            </a:pPr>
+            <a:r>
+              <a:rPr lang="de-DE" dirty="0"/>
+              <a:t>Type</a:t>
+            </a:r>
+          </a:p>
+          <a:p>
+            <a:pPr>
+              <a:buFontTx/>
+              <a:buChar char="-"/>
+            </a:pPr>
+            <a:r>
+              <a:rPr lang="de-DE" dirty="0"/>
+              <a:t>Werte</a:t>
+            </a:r>
+          </a:p>
+          <a:p>
+            <a:pPr marL="0" indent="0">
+              <a:buNone/>
+            </a:pPr>
+            <a:r>
+              <a:rPr lang="de-DE" dirty="0"/>
+              <a:t>Im gleichen „Slot“ haben</a:t>
+            </a:r>
+          </a:p>
+          <a:p>
+            <a:pPr marL="0" indent="0">
+              <a:buNone/>
+            </a:pPr>
+            <a:r>
+              <a:rPr lang="de-DE" dirty="0"/>
+              <a:t>ACHTUNG: zwei </a:t>
+            </a:r>
+            <a:r>
+              <a:rPr lang="de-DE" dirty="0" err="1"/>
+              <a:t>Record</a:t>
+            </a:r>
+            <a:r>
+              <a:rPr lang="de-DE" dirty="0"/>
+              <a:t> typen mit unterschiedlichen Namen können nicht gleich sein! F# ist hier nominal!</a:t>
+            </a:r>
+            <a:endParaRPr lang="en-US" dirty="0"/>
+          </a:p>
+        </p:txBody>
+      </p:sp>
+    </p:spTree>
+    <p:extLst>
+      <p:ext uri="{BB962C8B-B14F-4D97-AF65-F5344CB8AC3E}">
+        <p14:creationId xmlns:p14="http://schemas.microsoft.com/office/powerpoint/2010/main" val="3594240934"/>
+      </p:ext>
+    </p:extLst>
+  </p:cSld>
+  <p:clrMapOvr>
+    <a:masterClrMapping/>
+  </p:clrMapOvr>
+</p:sld>
+</file>
+
+<file path=ppt/slides/slide35.xml><?xml version="1.0" encoding="utf-8"?>
+<p:sld xmlns:a="http://schemas.openxmlformats.org/drawingml/2006/main" xmlns:r="http://schemas.openxmlformats.org/officeDocument/2006/relationships" xmlns:p="http://schemas.openxmlformats.org/presentationml/2006/main">
+  <p:cSld>
+    <p:spTree>
+      <p:nvGrpSpPr>
+        <p:cNvPr id="1" name=""/>
+        <p:cNvGrpSpPr/>
+        <p:nvPr/>
+      </p:nvGrpSpPr>
+      <p:grpSpPr>
+        <a:xfrm>
+          <a:off x="0" y="0"/>
+          <a:ext cx="0" cy="0"/>
+          <a:chOff x="0" y="0"/>
+          <a:chExt cx="0" cy="0"/>
+        </a:xfrm>
+      </p:grpSpPr>
+      <p:sp>
+        <p:nvSpPr>
+          <p:cNvPr id="2" name="Title 1"/>
+          <p:cNvSpPr>
+            <a:spLocks noGrp="1"/>
+          </p:cNvSpPr>
+          <p:nvPr>
+            <p:ph type="title"/>
+          </p:nvPr>
+        </p:nvSpPr>
+        <p:spPr/>
+        <p:txBody>
+          <a:bodyPr>
+            <a:normAutofit fontScale="90000"/>
+          </a:bodyPr>
+          <a:lstStyle/>
+          <a:p>
+            <a:r>
+              <a:rPr lang="de-DE" dirty="0"/>
+              <a:t>DU</a:t>
+            </a:r>
+            <a:br>
+              <a:rPr lang="de-DE" dirty="0"/>
+            </a:br>
+            <a:r>
+              <a:rPr lang="de-DE" dirty="0" err="1"/>
+              <a:t>Discriminated</a:t>
+            </a:r>
+            <a:r>
+              <a:rPr lang="de-DE" dirty="0"/>
+              <a:t> Union</a:t>
+            </a:r>
+            <a:endParaRPr lang="en-US" dirty="0"/>
+          </a:p>
+        </p:txBody>
+      </p:sp>
+      <p:sp>
+        <p:nvSpPr>
+          <p:cNvPr id="3" name="Content Placeholder 2"/>
+          <p:cNvSpPr>
+            <a:spLocks noGrp="1"/>
+          </p:cNvSpPr>
+          <p:nvPr>
+            <p:ph idx="1"/>
+          </p:nvPr>
+        </p:nvSpPr>
+        <p:spPr/>
+        <p:txBody>
+          <a:bodyPr>
+            <a:normAutofit/>
+          </a:bodyPr>
+          <a:lstStyle/>
+          <a:p>
+            <a:pPr marL="0" indent="0">
+              <a:buNone/>
+            </a:pPr>
+            <a:r>
+              <a:rPr lang="de-DE" dirty="0"/>
+              <a:t>Unterscheidungs-Union auf deutsch</a:t>
+            </a:r>
+          </a:p>
+          <a:p>
+            <a:pPr marL="0" indent="0">
+              <a:buNone/>
+            </a:pPr>
+            <a:r>
+              <a:rPr lang="de-DE" dirty="0"/>
+              <a:t>Besteht aus einer Anzahl von benannten Fällen</a:t>
+            </a:r>
+          </a:p>
+          <a:p>
+            <a:pPr marL="0" indent="0">
+              <a:buNone/>
+            </a:pPr>
+            <a:r>
+              <a:rPr lang="de-DE" dirty="0"/>
+              <a:t>Nur eines ist gültig für einen Ausdruck</a:t>
+            </a:r>
+          </a:p>
+          <a:p>
+            <a:pPr marL="0" indent="0">
+              <a:buNone/>
+            </a:pPr>
+            <a:r>
+              <a:rPr lang="en-US" sz="2200" dirty="0">
+                <a:solidFill>
+                  <a:srgbClr val="0000FF"/>
+                </a:solidFill>
+                <a:highlight>
+                  <a:srgbClr val="FFFFFF"/>
+                </a:highlight>
+                <a:latin typeface="Consolas"/>
+              </a:rPr>
+              <a:t>type</a:t>
+            </a:r>
+            <a:r>
+              <a:rPr lang="en-US" sz="2200" dirty="0">
+                <a:solidFill>
+                  <a:srgbClr val="000000"/>
+                </a:solidFill>
+                <a:highlight>
+                  <a:srgbClr val="FFFFFF"/>
+                </a:highlight>
+                <a:latin typeface="Consolas"/>
+              </a:rPr>
+              <a:t> </a:t>
+            </a:r>
+            <a:r>
+              <a:rPr lang="en-US" sz="2200" dirty="0">
+                <a:solidFill>
+                  <a:srgbClr val="4EC9B0"/>
+                </a:solidFill>
+                <a:highlight>
+                  <a:srgbClr val="FFFFFF"/>
+                </a:highlight>
+                <a:latin typeface="Consolas"/>
+              </a:rPr>
+              <a:t>Shape</a:t>
+            </a:r>
+            <a:r>
+              <a:rPr lang="en-US" sz="2200" dirty="0">
+                <a:solidFill>
+                  <a:srgbClr val="000000"/>
+                </a:solidFill>
+                <a:highlight>
+                  <a:srgbClr val="FFFFFF"/>
+                </a:highlight>
+                <a:latin typeface="Consolas"/>
+              </a:rPr>
+              <a:t> </a:t>
+            </a:r>
+            <a:r>
+              <a:rPr lang="en-US" sz="2200" dirty="0">
+                <a:solidFill>
+                  <a:srgbClr val="DCDCDC"/>
+                </a:solidFill>
+                <a:highlight>
+                  <a:srgbClr val="FFFFFF"/>
+                </a:highlight>
+                <a:latin typeface="Consolas"/>
+              </a:rPr>
+              <a:t>=</a:t>
+            </a:r>
+            <a:endParaRPr lang="en-US" sz="2200" dirty="0">
+              <a:solidFill>
+                <a:srgbClr val="000000"/>
+              </a:solidFill>
+              <a:highlight>
+                <a:srgbClr val="FFFFFF"/>
+              </a:highlight>
+              <a:latin typeface="Consolas"/>
+            </a:endParaRPr>
+          </a:p>
+          <a:p>
+            <a:pPr marL="0" indent="0">
+              <a:buNone/>
+            </a:pPr>
+            <a:r>
+              <a:rPr lang="en-US" sz="2200" dirty="0">
+                <a:solidFill>
+                  <a:srgbClr val="000000"/>
+                </a:solidFill>
+                <a:highlight>
+                  <a:srgbClr val="FFFFFF"/>
+                </a:highlight>
+                <a:latin typeface="Consolas"/>
+              </a:rPr>
+              <a:t>| </a:t>
+            </a:r>
+            <a:r>
+              <a:rPr lang="en-US" sz="2200" dirty="0">
+                <a:solidFill>
+                  <a:schemeClr val="accent2">
+                    <a:lumMod val="75000"/>
+                  </a:schemeClr>
+                </a:solidFill>
+                <a:highlight>
+                  <a:srgbClr val="FFFFFF"/>
+                </a:highlight>
+                <a:latin typeface="Consolas"/>
+              </a:rPr>
+              <a:t>Rectangle</a:t>
+            </a:r>
+            <a:r>
+              <a:rPr lang="en-US" sz="2200" dirty="0">
+                <a:solidFill>
+                  <a:srgbClr val="000000"/>
+                </a:solidFill>
+                <a:highlight>
+                  <a:srgbClr val="FFFFFF"/>
+                </a:highlight>
+                <a:latin typeface="Consolas"/>
+              </a:rPr>
+              <a:t> </a:t>
+            </a:r>
+            <a:r>
+              <a:rPr lang="en-US" sz="2200" dirty="0">
+                <a:solidFill>
+                  <a:srgbClr val="0000FF"/>
+                </a:solidFill>
+                <a:highlight>
+                  <a:srgbClr val="FFFFFF"/>
+                </a:highlight>
+                <a:latin typeface="Consolas"/>
+              </a:rPr>
+              <a:t>of</a:t>
+            </a:r>
+            <a:r>
+              <a:rPr lang="en-US" sz="2200" dirty="0">
+                <a:solidFill>
+                  <a:srgbClr val="000000"/>
+                </a:solidFill>
+                <a:highlight>
+                  <a:srgbClr val="FFFFFF"/>
+                </a:highlight>
+                <a:latin typeface="Consolas"/>
+              </a:rPr>
+              <a:t> width : </a:t>
+            </a:r>
+            <a:r>
+              <a:rPr lang="en-US" sz="2200" dirty="0">
+                <a:solidFill>
+                  <a:srgbClr val="4EC9B0"/>
+                </a:solidFill>
+                <a:highlight>
+                  <a:srgbClr val="FFFFFF"/>
+                </a:highlight>
+                <a:latin typeface="Consolas"/>
+              </a:rPr>
+              <a:t>float</a:t>
+            </a:r>
+            <a:r>
+              <a:rPr lang="en-US" sz="2200" dirty="0">
+                <a:solidFill>
+                  <a:srgbClr val="000000"/>
+                </a:solidFill>
+                <a:highlight>
+                  <a:srgbClr val="FFFFFF"/>
+                </a:highlight>
+                <a:latin typeface="Consolas"/>
+              </a:rPr>
+              <a:t> * length : </a:t>
+            </a:r>
+            <a:r>
+              <a:rPr lang="en-US" sz="2200" dirty="0">
+                <a:solidFill>
+                  <a:srgbClr val="4EC9B0"/>
+                </a:solidFill>
+                <a:highlight>
+                  <a:srgbClr val="FFFFFF"/>
+                </a:highlight>
+                <a:latin typeface="Consolas"/>
+              </a:rPr>
+              <a:t>float</a:t>
+            </a:r>
+            <a:endParaRPr lang="en-US" sz="2200" dirty="0">
+              <a:solidFill>
+                <a:srgbClr val="000000"/>
+              </a:solidFill>
+              <a:highlight>
+                <a:srgbClr val="FFFFFF"/>
+              </a:highlight>
+              <a:latin typeface="Consolas"/>
+            </a:endParaRPr>
+          </a:p>
+          <a:p>
+            <a:pPr marL="0" indent="0">
+              <a:buNone/>
+            </a:pPr>
+            <a:r>
+              <a:rPr lang="en-US" sz="2200" dirty="0">
+                <a:solidFill>
+                  <a:srgbClr val="000000"/>
+                </a:solidFill>
+                <a:highlight>
+                  <a:srgbClr val="FFFFFF"/>
+                </a:highlight>
+                <a:latin typeface="Consolas"/>
+              </a:rPr>
+              <a:t>| </a:t>
+            </a:r>
+            <a:r>
+              <a:rPr lang="en-US" sz="2200" dirty="0">
+                <a:solidFill>
+                  <a:schemeClr val="accent2">
+                    <a:lumMod val="75000"/>
+                  </a:schemeClr>
+                </a:solidFill>
+                <a:highlight>
+                  <a:srgbClr val="FFFFFF"/>
+                </a:highlight>
+                <a:latin typeface="Consolas"/>
+              </a:rPr>
+              <a:t>Circle</a:t>
+            </a:r>
+            <a:r>
+              <a:rPr lang="en-US" sz="2200" dirty="0">
+                <a:solidFill>
+                  <a:srgbClr val="000000"/>
+                </a:solidFill>
+                <a:highlight>
+                  <a:srgbClr val="FFFFFF"/>
+                </a:highlight>
+                <a:latin typeface="Consolas"/>
+              </a:rPr>
+              <a:t> </a:t>
+            </a:r>
+            <a:r>
+              <a:rPr lang="en-US" sz="2200" dirty="0">
+                <a:solidFill>
+                  <a:srgbClr val="0000FF"/>
+                </a:solidFill>
+                <a:highlight>
+                  <a:srgbClr val="FFFFFF"/>
+                </a:highlight>
+                <a:latin typeface="Consolas"/>
+              </a:rPr>
+              <a:t>of</a:t>
+            </a:r>
+            <a:r>
+              <a:rPr lang="en-US" sz="2200" dirty="0">
+                <a:solidFill>
+                  <a:srgbClr val="000000"/>
+                </a:solidFill>
+                <a:highlight>
+                  <a:srgbClr val="FFFFFF"/>
+                </a:highlight>
+                <a:latin typeface="Consolas"/>
+              </a:rPr>
+              <a:t> radius : </a:t>
+            </a:r>
+            <a:r>
+              <a:rPr lang="en-US" sz="2200" dirty="0">
+                <a:solidFill>
+                  <a:srgbClr val="4EC9B0"/>
+                </a:solidFill>
+                <a:highlight>
+                  <a:srgbClr val="FFFFFF"/>
+                </a:highlight>
+                <a:latin typeface="Consolas"/>
+              </a:rPr>
+              <a:t>float</a:t>
+            </a:r>
+            <a:endParaRPr lang="en-US" sz="2200" dirty="0">
+              <a:solidFill>
+                <a:srgbClr val="000000"/>
+              </a:solidFill>
+              <a:highlight>
+                <a:srgbClr val="FFFFFF"/>
+              </a:highlight>
+              <a:latin typeface="Consolas"/>
+            </a:endParaRPr>
+          </a:p>
+          <a:p>
+            <a:pPr marL="0" indent="0">
+              <a:buNone/>
+            </a:pPr>
+            <a:r>
+              <a:rPr lang="en-US" sz="2200" dirty="0">
+                <a:solidFill>
+                  <a:srgbClr val="000000"/>
+                </a:solidFill>
+                <a:highlight>
+                  <a:srgbClr val="FFFFFF"/>
+                </a:highlight>
+                <a:latin typeface="Consolas"/>
+              </a:rPr>
+              <a:t>| </a:t>
+            </a:r>
+            <a:r>
+              <a:rPr lang="en-US" sz="2200" dirty="0">
+                <a:solidFill>
+                  <a:schemeClr val="accent2">
+                    <a:lumMod val="75000"/>
+                  </a:schemeClr>
+                </a:solidFill>
+                <a:highlight>
+                  <a:srgbClr val="FFFFFF"/>
+                </a:highlight>
+                <a:latin typeface="Consolas"/>
+              </a:rPr>
+              <a:t>Prism</a:t>
+            </a:r>
+            <a:r>
+              <a:rPr lang="en-US" sz="2200" dirty="0">
+                <a:solidFill>
+                  <a:srgbClr val="000000"/>
+                </a:solidFill>
+                <a:highlight>
+                  <a:srgbClr val="FFFFFF"/>
+                </a:highlight>
+                <a:latin typeface="Consolas"/>
+              </a:rPr>
+              <a:t> </a:t>
+            </a:r>
+            <a:r>
+              <a:rPr lang="en-US" sz="2200" dirty="0">
+                <a:solidFill>
+                  <a:srgbClr val="0000FF"/>
+                </a:solidFill>
+                <a:highlight>
+                  <a:srgbClr val="FFFFFF"/>
+                </a:highlight>
+                <a:latin typeface="Consolas"/>
+              </a:rPr>
+              <a:t>of</a:t>
+            </a:r>
+            <a:r>
+              <a:rPr lang="en-US" sz="2200" dirty="0">
+                <a:solidFill>
+                  <a:srgbClr val="000000"/>
+                </a:solidFill>
+                <a:highlight>
+                  <a:srgbClr val="FFFFFF"/>
+                </a:highlight>
+                <a:latin typeface="Consolas"/>
+              </a:rPr>
+              <a:t> width : </a:t>
+            </a:r>
+            <a:r>
+              <a:rPr lang="en-US" sz="2200" dirty="0">
+                <a:solidFill>
+                  <a:srgbClr val="4EC9B0"/>
+                </a:solidFill>
+                <a:highlight>
+                  <a:srgbClr val="FFFFFF"/>
+                </a:highlight>
+                <a:latin typeface="Consolas"/>
+              </a:rPr>
+              <a:t>float</a:t>
+            </a:r>
+            <a:r>
+              <a:rPr lang="en-US" sz="2200" dirty="0">
+                <a:solidFill>
+                  <a:srgbClr val="000000"/>
+                </a:solidFill>
+                <a:highlight>
+                  <a:srgbClr val="FFFFFF"/>
+                </a:highlight>
+                <a:latin typeface="Consolas"/>
+              </a:rPr>
+              <a:t> * </a:t>
+            </a:r>
+            <a:r>
+              <a:rPr lang="en-US" sz="2200" dirty="0">
+                <a:solidFill>
+                  <a:srgbClr val="4EC9B0"/>
+                </a:solidFill>
+                <a:highlight>
+                  <a:srgbClr val="FFFFFF"/>
+                </a:highlight>
+                <a:latin typeface="Consolas"/>
+              </a:rPr>
+              <a:t>float</a:t>
+            </a:r>
+            <a:r>
+              <a:rPr lang="en-US" sz="2200" dirty="0">
+                <a:solidFill>
+                  <a:srgbClr val="000000"/>
+                </a:solidFill>
+                <a:highlight>
+                  <a:srgbClr val="FFFFFF"/>
+                </a:highlight>
+                <a:latin typeface="Consolas"/>
+              </a:rPr>
+              <a:t> * height : </a:t>
+            </a:r>
+            <a:r>
+              <a:rPr lang="en-US" sz="2200" dirty="0">
+                <a:solidFill>
+                  <a:srgbClr val="4EC9B0"/>
+                </a:solidFill>
+                <a:highlight>
+                  <a:srgbClr val="FFFFFF"/>
+                </a:highlight>
+                <a:latin typeface="Consolas"/>
+              </a:rPr>
+              <a:t>float</a:t>
+            </a:r>
+            <a:endParaRPr lang="en-US" sz="2200" dirty="0"/>
+          </a:p>
+        </p:txBody>
+      </p:sp>
+    </p:spTree>
+    <p:extLst>
+      <p:ext uri="{BB962C8B-B14F-4D97-AF65-F5344CB8AC3E}">
+        <p14:creationId xmlns:p14="http://schemas.microsoft.com/office/powerpoint/2010/main" val="3184996216"/>
+      </p:ext>
+    </p:extLst>
+  </p:cSld>
+  <p:clrMapOvr>
+    <a:masterClrMapping/>
+  </p:clrMapOvr>
+</p:sld>
+</file>
+
+<file path=ppt/slides/slide36.xml><?xml version="1.0" encoding="utf-8"?>
+<p:sld xmlns:a="http://schemas.openxmlformats.org/drawingml/2006/main" xmlns:r="http://schemas.openxmlformats.org/officeDocument/2006/relationships" xmlns:p="http://schemas.openxmlformats.org/presentationml/2006/main">
+  <p:cSld>
+    <p:spTree>
+      <p:nvGrpSpPr>
+        <p:cNvPr id="1" name=""/>
+        <p:cNvGrpSpPr/>
+        <p:nvPr/>
+      </p:nvGrpSpPr>
+      <p:grpSpPr>
+        <a:xfrm>
+          <a:off x="0" y="0"/>
+          <a:ext cx="0" cy="0"/>
+          <a:chOff x="0" y="0"/>
+          <a:chExt cx="0" cy="0"/>
+        </a:xfrm>
+      </p:grpSpPr>
+      <p:sp>
+        <p:nvSpPr>
+          <p:cNvPr id="2" name="Title 1"/>
+          <p:cNvSpPr>
+            <a:spLocks noGrp="1"/>
+          </p:cNvSpPr>
+          <p:nvPr>
+            <p:ph type="title"/>
+          </p:nvPr>
+        </p:nvSpPr>
+        <p:spPr/>
+        <p:txBody>
+          <a:bodyPr/>
+          <a:lstStyle/>
+          <a:p>
+            <a:r>
+              <a:rPr lang="de-DE" dirty="0"/>
+              <a:t>DU: Single Case</a:t>
+            </a:r>
+            <a:endParaRPr lang="en-US" dirty="0"/>
+          </a:p>
+        </p:txBody>
+      </p:sp>
+      <p:sp>
+        <p:nvSpPr>
+          <p:cNvPr id="3" name="Content Placeholder 2"/>
+          <p:cNvSpPr>
+            <a:spLocks noGrp="1"/>
+          </p:cNvSpPr>
+          <p:nvPr>
+            <p:ph idx="1"/>
+          </p:nvPr>
+        </p:nvSpPr>
+        <p:spPr/>
+        <p:txBody>
+          <a:bodyPr>
+            <a:normAutofit lnSpcReduction="10000"/>
+          </a:bodyPr>
+          <a:lstStyle/>
+          <a:p>
+            <a:pPr marL="0" indent="0">
+              <a:buNone/>
+            </a:pPr>
+            <a:r>
+              <a:rPr lang="en-US" dirty="0">
+                <a:solidFill>
+                  <a:srgbClr val="0000FF"/>
+                </a:solidFill>
+                <a:highlight>
+                  <a:srgbClr val="FFFFFF"/>
+                </a:highlight>
+                <a:latin typeface="Consolas"/>
+              </a:rPr>
+              <a:t>type</a:t>
+            </a:r>
+            <a:r>
+              <a:rPr lang="en-US" dirty="0">
+                <a:solidFill>
+                  <a:srgbClr val="000000"/>
+                </a:solidFill>
+                <a:highlight>
+                  <a:srgbClr val="FFFFFF"/>
+                </a:highlight>
+                <a:latin typeface="Consolas"/>
+              </a:rPr>
+              <a:t> </a:t>
+            </a:r>
+            <a:r>
+              <a:rPr lang="en-US" dirty="0" err="1">
+                <a:solidFill>
+                  <a:srgbClr val="4EC9B0"/>
+                </a:solidFill>
+                <a:highlight>
+                  <a:srgbClr val="FFFFFF"/>
+                </a:highlight>
+                <a:latin typeface="Consolas"/>
+              </a:rPr>
+              <a:t>CustomerId</a:t>
+            </a:r>
+            <a:r>
+              <a:rPr lang="en-US" dirty="0">
+                <a:solidFill>
+                  <a:srgbClr val="000000"/>
+                </a:solidFill>
+                <a:highlight>
+                  <a:srgbClr val="FFFFFF"/>
+                </a:highlight>
+                <a:latin typeface="Consolas"/>
+              </a:rPr>
+              <a:t> </a:t>
+            </a:r>
+            <a:r>
+              <a:rPr lang="en-US" dirty="0">
+                <a:solidFill>
+                  <a:srgbClr val="DCDCDC"/>
+                </a:solidFill>
+                <a:highlight>
+                  <a:srgbClr val="FFFFFF"/>
+                </a:highlight>
+                <a:latin typeface="Consolas"/>
+              </a:rPr>
+              <a:t>=</a:t>
+            </a:r>
+            <a:r>
+              <a:rPr lang="en-US" dirty="0">
+                <a:solidFill>
+                  <a:srgbClr val="000000"/>
+                </a:solidFill>
+                <a:highlight>
+                  <a:srgbClr val="FFFFFF"/>
+                </a:highlight>
+                <a:latin typeface="Consolas"/>
+              </a:rPr>
+              <a:t> </a:t>
+            </a:r>
+            <a:r>
+              <a:rPr lang="en-US" dirty="0" err="1">
+                <a:solidFill>
+                  <a:srgbClr val="DCDCDC"/>
+                </a:solidFill>
+                <a:highlight>
+                  <a:srgbClr val="FFFFFF"/>
+                </a:highlight>
+                <a:latin typeface="Consolas"/>
+              </a:rPr>
+              <a:t>CustomerId</a:t>
+            </a:r>
+            <a:r>
+              <a:rPr lang="en-US" dirty="0">
+                <a:solidFill>
+                  <a:srgbClr val="000000"/>
+                </a:solidFill>
+                <a:highlight>
+                  <a:srgbClr val="FFFFFF"/>
+                </a:highlight>
+                <a:latin typeface="Consolas"/>
+              </a:rPr>
+              <a:t> </a:t>
+            </a:r>
+            <a:r>
+              <a:rPr lang="en-US" dirty="0">
+                <a:solidFill>
+                  <a:srgbClr val="0000FF"/>
+                </a:solidFill>
+                <a:highlight>
+                  <a:srgbClr val="FFFFFF"/>
+                </a:highlight>
+                <a:latin typeface="Consolas"/>
+              </a:rPr>
+              <a:t>of</a:t>
+            </a:r>
+            <a:r>
+              <a:rPr lang="en-US" dirty="0">
+                <a:solidFill>
+                  <a:srgbClr val="000000"/>
+                </a:solidFill>
+                <a:highlight>
+                  <a:srgbClr val="FFFFFF"/>
+                </a:highlight>
+                <a:latin typeface="Consolas"/>
+              </a:rPr>
+              <a:t> </a:t>
+            </a:r>
+            <a:r>
+              <a:rPr lang="en-US" dirty="0" err="1">
+                <a:solidFill>
+                  <a:srgbClr val="4EC9B0"/>
+                </a:solidFill>
+                <a:highlight>
+                  <a:srgbClr val="FFFFFF"/>
+                </a:highlight>
+                <a:latin typeface="Consolas"/>
+              </a:rPr>
+              <a:t>int</a:t>
+            </a:r>
+            <a:endParaRPr lang="en-US" dirty="0">
+              <a:solidFill>
+                <a:srgbClr val="000000"/>
+              </a:solidFill>
+              <a:highlight>
+                <a:srgbClr val="FFFFFF"/>
+              </a:highlight>
+              <a:latin typeface="Consolas"/>
+            </a:endParaRPr>
+          </a:p>
+          <a:p>
+            <a:pPr marL="0" indent="0">
+              <a:buNone/>
+            </a:pPr>
+            <a:r>
+              <a:rPr lang="en-US" dirty="0">
+                <a:solidFill>
+                  <a:srgbClr val="0000FF"/>
+                </a:solidFill>
+                <a:highlight>
+                  <a:srgbClr val="FFFFFF"/>
+                </a:highlight>
+                <a:latin typeface="Consolas"/>
+              </a:rPr>
+              <a:t>type</a:t>
+            </a:r>
+            <a:r>
+              <a:rPr lang="en-US" dirty="0">
+                <a:solidFill>
+                  <a:srgbClr val="000000"/>
+                </a:solidFill>
+                <a:highlight>
+                  <a:srgbClr val="FFFFFF"/>
+                </a:highlight>
+                <a:latin typeface="Consolas"/>
+              </a:rPr>
+              <a:t> </a:t>
+            </a:r>
+            <a:r>
+              <a:rPr lang="en-US" dirty="0" err="1">
+                <a:solidFill>
+                  <a:srgbClr val="4EC9B0"/>
+                </a:solidFill>
+                <a:highlight>
+                  <a:srgbClr val="FFFFFF"/>
+                </a:highlight>
+                <a:latin typeface="Consolas"/>
+              </a:rPr>
+              <a:t>OrderId</a:t>
+            </a:r>
+            <a:r>
+              <a:rPr lang="en-US" dirty="0">
+                <a:solidFill>
+                  <a:srgbClr val="000000"/>
+                </a:solidFill>
+                <a:highlight>
+                  <a:srgbClr val="FFFFFF"/>
+                </a:highlight>
+                <a:latin typeface="Consolas"/>
+              </a:rPr>
+              <a:t> </a:t>
+            </a:r>
+            <a:r>
+              <a:rPr lang="en-US" dirty="0">
+                <a:solidFill>
+                  <a:srgbClr val="DCDCDC"/>
+                </a:solidFill>
+                <a:highlight>
+                  <a:srgbClr val="FFFFFF"/>
+                </a:highlight>
+                <a:latin typeface="Consolas"/>
+              </a:rPr>
+              <a:t>=</a:t>
+            </a:r>
+            <a:r>
+              <a:rPr lang="en-US" dirty="0">
+                <a:solidFill>
+                  <a:srgbClr val="000000"/>
+                </a:solidFill>
+                <a:highlight>
+                  <a:srgbClr val="FFFFFF"/>
+                </a:highlight>
+                <a:latin typeface="Consolas"/>
+              </a:rPr>
+              <a:t> </a:t>
+            </a:r>
+            <a:r>
+              <a:rPr lang="en-US" dirty="0" err="1">
+                <a:solidFill>
+                  <a:srgbClr val="DCDCDC"/>
+                </a:solidFill>
+                <a:highlight>
+                  <a:srgbClr val="FFFFFF"/>
+                </a:highlight>
+                <a:latin typeface="Consolas"/>
+              </a:rPr>
+              <a:t>OrderId</a:t>
+            </a:r>
+            <a:r>
+              <a:rPr lang="en-US" dirty="0">
+                <a:solidFill>
+                  <a:srgbClr val="000000"/>
+                </a:solidFill>
+                <a:highlight>
+                  <a:srgbClr val="FFFFFF"/>
+                </a:highlight>
+                <a:latin typeface="Consolas"/>
+              </a:rPr>
+              <a:t> </a:t>
+            </a:r>
+            <a:r>
+              <a:rPr lang="en-US" dirty="0">
+                <a:solidFill>
+                  <a:srgbClr val="0000FF"/>
+                </a:solidFill>
+                <a:highlight>
+                  <a:srgbClr val="FFFFFF"/>
+                </a:highlight>
+                <a:latin typeface="Consolas"/>
+              </a:rPr>
+              <a:t>of</a:t>
+            </a:r>
+            <a:r>
+              <a:rPr lang="en-US" dirty="0">
+                <a:solidFill>
+                  <a:srgbClr val="000000"/>
+                </a:solidFill>
+                <a:highlight>
+                  <a:srgbClr val="FFFFFF"/>
+                </a:highlight>
+                <a:latin typeface="Consolas"/>
+              </a:rPr>
+              <a:t> </a:t>
+            </a:r>
+            <a:r>
+              <a:rPr lang="en-US" dirty="0" err="1">
+                <a:solidFill>
+                  <a:srgbClr val="4EC9B0"/>
+                </a:solidFill>
+                <a:highlight>
+                  <a:srgbClr val="FFFFFF"/>
+                </a:highlight>
+                <a:latin typeface="Consolas"/>
+              </a:rPr>
+              <a:t>int</a:t>
+            </a:r>
+            <a:endParaRPr lang="en-US" dirty="0">
+              <a:solidFill>
+                <a:srgbClr val="000000"/>
+              </a:solidFill>
+              <a:highlight>
+                <a:srgbClr val="FFFFFF"/>
+              </a:highlight>
+              <a:latin typeface="Consolas"/>
+            </a:endParaRPr>
+          </a:p>
+          <a:p>
+            <a:endParaRPr lang="en-US" dirty="0">
+              <a:solidFill>
+                <a:srgbClr val="000000"/>
+              </a:solidFill>
+              <a:highlight>
+                <a:srgbClr val="FFFFFF"/>
+              </a:highlight>
+              <a:latin typeface="Consolas"/>
+            </a:endParaRPr>
+          </a:p>
+          <a:p>
+            <a:pPr marL="0" indent="0">
+              <a:buNone/>
+            </a:pPr>
+            <a:r>
+              <a:rPr lang="en-US" dirty="0">
+                <a:solidFill>
+                  <a:srgbClr val="0000FF"/>
+                </a:solidFill>
+                <a:highlight>
+                  <a:srgbClr val="FFFFFF"/>
+                </a:highlight>
+                <a:latin typeface="Consolas"/>
+              </a:rPr>
+              <a:t>let</a:t>
+            </a:r>
+            <a:r>
+              <a:rPr lang="en-US" dirty="0">
+                <a:solidFill>
+                  <a:srgbClr val="000000"/>
+                </a:solidFill>
+                <a:highlight>
+                  <a:srgbClr val="FFFFFF"/>
+                </a:highlight>
+                <a:latin typeface="Consolas"/>
+              </a:rPr>
+              <a:t> </a:t>
+            </a:r>
+            <a:r>
+              <a:rPr lang="en-US" dirty="0" err="1">
+                <a:solidFill>
+                  <a:srgbClr val="000000"/>
+                </a:solidFill>
+                <a:highlight>
+                  <a:srgbClr val="FFFFFF"/>
+                </a:highlight>
+                <a:latin typeface="Consolas"/>
+              </a:rPr>
+              <a:t>cid</a:t>
+            </a:r>
+            <a:r>
+              <a:rPr lang="en-US" dirty="0">
+                <a:solidFill>
+                  <a:srgbClr val="000000"/>
+                </a:solidFill>
+                <a:highlight>
+                  <a:srgbClr val="FFFFFF"/>
+                </a:highlight>
+                <a:latin typeface="Consolas"/>
+              </a:rPr>
+              <a:t> </a:t>
+            </a:r>
+            <a:r>
+              <a:rPr lang="en-US" dirty="0">
+                <a:solidFill>
+                  <a:srgbClr val="DCDCDC"/>
+                </a:solidFill>
+                <a:highlight>
+                  <a:srgbClr val="FFFFFF"/>
+                </a:highlight>
+                <a:latin typeface="Consolas"/>
+              </a:rPr>
+              <a:t>=</a:t>
+            </a:r>
+            <a:r>
+              <a:rPr lang="en-US" dirty="0">
+                <a:solidFill>
+                  <a:srgbClr val="000000"/>
+                </a:solidFill>
+                <a:highlight>
+                  <a:srgbClr val="FFFFFF"/>
+                </a:highlight>
+                <a:latin typeface="Consolas"/>
+              </a:rPr>
+              <a:t> </a:t>
+            </a:r>
+            <a:r>
+              <a:rPr lang="en-US" dirty="0" err="1">
+                <a:solidFill>
+                  <a:srgbClr val="DCDCDC"/>
+                </a:solidFill>
+                <a:highlight>
+                  <a:srgbClr val="FFFFFF"/>
+                </a:highlight>
+                <a:latin typeface="Consolas"/>
+              </a:rPr>
+              <a:t>CustomerId</a:t>
+            </a:r>
+            <a:r>
+              <a:rPr lang="en-US" dirty="0">
+                <a:solidFill>
+                  <a:srgbClr val="000000"/>
+                </a:solidFill>
+                <a:highlight>
+                  <a:srgbClr val="FFFFFF"/>
+                </a:highlight>
+                <a:latin typeface="Consolas"/>
+              </a:rPr>
+              <a:t>(15)</a:t>
+            </a:r>
+          </a:p>
+          <a:p>
+            <a:pPr marL="0" indent="0">
+              <a:buNone/>
+            </a:pPr>
+            <a:r>
+              <a:rPr lang="en-US" dirty="0">
+                <a:solidFill>
+                  <a:srgbClr val="0000FF"/>
+                </a:solidFill>
+                <a:highlight>
+                  <a:srgbClr val="FFFFFF"/>
+                </a:highlight>
+                <a:latin typeface="Consolas"/>
+              </a:rPr>
+              <a:t>let</a:t>
+            </a:r>
+            <a:r>
+              <a:rPr lang="en-US" dirty="0">
+                <a:solidFill>
+                  <a:srgbClr val="000000"/>
+                </a:solidFill>
+                <a:highlight>
+                  <a:srgbClr val="FFFFFF"/>
+                </a:highlight>
+                <a:latin typeface="Consolas"/>
+              </a:rPr>
+              <a:t> </a:t>
+            </a:r>
+            <a:r>
+              <a:rPr lang="en-US" dirty="0" err="1">
+                <a:solidFill>
+                  <a:srgbClr val="000000"/>
+                </a:solidFill>
+                <a:highlight>
+                  <a:srgbClr val="FFFFFF"/>
+                </a:highlight>
+                <a:latin typeface="Consolas"/>
+              </a:rPr>
+              <a:t>oid</a:t>
+            </a:r>
+            <a:r>
+              <a:rPr lang="en-US" dirty="0">
+                <a:solidFill>
+                  <a:srgbClr val="000000"/>
+                </a:solidFill>
+                <a:highlight>
+                  <a:srgbClr val="FFFFFF"/>
+                </a:highlight>
+                <a:latin typeface="Consolas"/>
+              </a:rPr>
+              <a:t> </a:t>
+            </a:r>
+            <a:r>
+              <a:rPr lang="en-US" dirty="0">
+                <a:solidFill>
+                  <a:srgbClr val="DCDCDC"/>
+                </a:solidFill>
+                <a:highlight>
+                  <a:srgbClr val="FFFFFF"/>
+                </a:highlight>
+                <a:latin typeface="Consolas"/>
+              </a:rPr>
+              <a:t>=</a:t>
+            </a:r>
+            <a:r>
+              <a:rPr lang="en-US" dirty="0">
+                <a:solidFill>
+                  <a:srgbClr val="000000"/>
+                </a:solidFill>
+                <a:highlight>
+                  <a:srgbClr val="FFFFFF"/>
+                </a:highlight>
+                <a:latin typeface="Consolas"/>
+              </a:rPr>
+              <a:t> </a:t>
+            </a:r>
+            <a:r>
+              <a:rPr lang="en-US" dirty="0" err="1">
+                <a:solidFill>
+                  <a:srgbClr val="DCDCDC"/>
+                </a:solidFill>
+                <a:highlight>
+                  <a:srgbClr val="FFFFFF"/>
+                </a:highlight>
+                <a:latin typeface="Consolas"/>
+              </a:rPr>
+              <a:t>OrderId</a:t>
+            </a:r>
+            <a:r>
+              <a:rPr lang="en-US" dirty="0">
+                <a:solidFill>
+                  <a:srgbClr val="000000"/>
+                </a:solidFill>
+                <a:highlight>
+                  <a:srgbClr val="FFFFFF"/>
+                </a:highlight>
+                <a:latin typeface="Consolas"/>
+              </a:rPr>
+              <a:t>(15)</a:t>
+            </a:r>
+          </a:p>
+          <a:p>
+            <a:pPr marL="0" indent="0">
+              <a:buNone/>
+            </a:pPr>
+            <a:endParaRPr lang="en-US" dirty="0">
+              <a:solidFill>
+                <a:srgbClr val="000000"/>
+              </a:solidFill>
+              <a:highlight>
+                <a:srgbClr val="FFFFFF"/>
+              </a:highlight>
+              <a:latin typeface="Consolas"/>
+            </a:endParaRPr>
+          </a:p>
+          <a:p>
+            <a:pPr marL="0" indent="0">
+              <a:buNone/>
+            </a:pPr>
+            <a:r>
+              <a:rPr lang="en-US" dirty="0">
+                <a:solidFill>
+                  <a:srgbClr val="0000FF"/>
+                </a:solidFill>
+                <a:highlight>
+                  <a:srgbClr val="FFFFFF"/>
+                </a:highlight>
+                <a:latin typeface="Consolas"/>
+              </a:rPr>
+              <a:t>let</a:t>
+            </a:r>
+            <a:r>
+              <a:rPr lang="en-US" dirty="0">
+                <a:solidFill>
+                  <a:srgbClr val="000000"/>
+                </a:solidFill>
+                <a:highlight>
+                  <a:srgbClr val="FFFFFF"/>
+                </a:highlight>
+                <a:latin typeface="Consolas"/>
+              </a:rPr>
+              <a:t> t </a:t>
+            </a:r>
+            <a:r>
+              <a:rPr lang="en-US" dirty="0">
+                <a:solidFill>
+                  <a:srgbClr val="DCDCDC"/>
+                </a:solidFill>
+                <a:highlight>
+                  <a:srgbClr val="FFFFFF"/>
+                </a:highlight>
+                <a:latin typeface="Consolas"/>
+              </a:rPr>
+              <a:t>=</a:t>
+            </a:r>
+            <a:r>
+              <a:rPr lang="en-US" dirty="0">
+                <a:solidFill>
+                  <a:srgbClr val="000000"/>
+                </a:solidFill>
+                <a:highlight>
+                  <a:srgbClr val="FFFFFF"/>
+                </a:highlight>
+                <a:latin typeface="Consolas"/>
+              </a:rPr>
+              <a:t> </a:t>
+            </a:r>
+            <a:r>
+              <a:rPr lang="en-US" dirty="0" err="1">
+                <a:solidFill>
+                  <a:srgbClr val="000000"/>
+                </a:solidFill>
+                <a:highlight>
+                  <a:srgbClr val="FFFFFF"/>
+                </a:highlight>
+                <a:latin typeface="Consolas"/>
+              </a:rPr>
+              <a:t>cid</a:t>
+            </a:r>
+            <a:r>
+              <a:rPr lang="en-US" dirty="0">
+                <a:solidFill>
+                  <a:srgbClr val="000000"/>
+                </a:solidFill>
+                <a:highlight>
+                  <a:srgbClr val="FFFFFF"/>
+                </a:highlight>
+                <a:latin typeface="Consolas"/>
+              </a:rPr>
+              <a:t> </a:t>
+            </a:r>
+            <a:r>
+              <a:rPr lang="en-US" dirty="0">
+                <a:solidFill>
+                  <a:srgbClr val="DCDCDC"/>
+                </a:solidFill>
+                <a:highlight>
+                  <a:srgbClr val="FFFFFF"/>
+                </a:highlight>
+                <a:latin typeface="Consolas"/>
+              </a:rPr>
+              <a:t>=</a:t>
+            </a:r>
+            <a:r>
+              <a:rPr lang="en-US" dirty="0">
+                <a:solidFill>
+                  <a:srgbClr val="000000"/>
+                </a:solidFill>
+                <a:highlight>
+                  <a:srgbClr val="FFFFFF"/>
+                </a:highlight>
+                <a:latin typeface="Consolas"/>
+              </a:rPr>
+              <a:t> </a:t>
+            </a:r>
+            <a:r>
+              <a:rPr lang="en-US" dirty="0" err="1">
+                <a:solidFill>
+                  <a:srgbClr val="000000"/>
+                </a:solidFill>
+                <a:highlight>
+                  <a:srgbClr val="FFFFFF"/>
+                </a:highlight>
+                <a:latin typeface="Consolas"/>
+              </a:rPr>
+              <a:t>oid</a:t>
+            </a:r>
+            <a:r>
+              <a:rPr lang="en-US" dirty="0">
+                <a:solidFill>
+                  <a:srgbClr val="000000"/>
+                </a:solidFill>
+                <a:highlight>
+                  <a:srgbClr val="FFFFFF"/>
+                </a:highlight>
+                <a:latin typeface="Consolas"/>
+              </a:rPr>
+              <a:t> // ERROR </a:t>
+            </a:r>
+            <a:r>
+              <a:rPr lang="en-US" dirty="0" err="1">
+                <a:solidFill>
+                  <a:srgbClr val="000000"/>
+                </a:solidFill>
+                <a:highlight>
+                  <a:srgbClr val="FFFFFF"/>
+                </a:highlight>
+                <a:latin typeface="Consolas"/>
+              </a:rPr>
+              <a:t>Typen</a:t>
+            </a:r>
+            <a:r>
+              <a:rPr lang="en-US" dirty="0">
+                <a:solidFill>
+                  <a:srgbClr val="000000"/>
+                </a:solidFill>
+                <a:highlight>
+                  <a:srgbClr val="FFFFFF"/>
+                </a:highlight>
+                <a:latin typeface="Consolas"/>
+              </a:rPr>
+              <a:t> </a:t>
+            </a:r>
+            <a:r>
+              <a:rPr lang="en-US" dirty="0" err="1">
+                <a:solidFill>
+                  <a:srgbClr val="000000"/>
+                </a:solidFill>
+                <a:highlight>
+                  <a:srgbClr val="FFFFFF"/>
+                </a:highlight>
+                <a:latin typeface="Consolas"/>
+              </a:rPr>
+              <a:t>nicht</a:t>
+            </a:r>
+            <a:r>
+              <a:rPr lang="en-US" dirty="0">
+                <a:solidFill>
+                  <a:srgbClr val="000000"/>
+                </a:solidFill>
+                <a:highlight>
+                  <a:srgbClr val="FFFFFF"/>
+                </a:highlight>
+                <a:latin typeface="Consolas"/>
+              </a:rPr>
+              <a:t> </a:t>
+            </a:r>
+            <a:r>
+              <a:rPr lang="en-US" dirty="0" err="1">
+                <a:solidFill>
+                  <a:srgbClr val="000000"/>
+                </a:solidFill>
+                <a:highlight>
+                  <a:srgbClr val="FFFFFF"/>
+                </a:highlight>
+                <a:latin typeface="Consolas"/>
+              </a:rPr>
+              <a:t>gleich</a:t>
+            </a:r>
+            <a:r>
+              <a:rPr lang="en-US" dirty="0">
+                <a:solidFill>
+                  <a:srgbClr val="000000"/>
+                </a:solidFill>
+                <a:highlight>
+                  <a:srgbClr val="FFFFFF"/>
+                </a:highlight>
+                <a:latin typeface="Consolas"/>
+              </a:rPr>
+              <a:t>, </a:t>
+            </a:r>
+            <a:r>
+              <a:rPr lang="en-US" dirty="0" err="1">
+                <a:solidFill>
+                  <a:srgbClr val="000000"/>
+                </a:solidFill>
+                <a:highlight>
+                  <a:srgbClr val="FFFFFF"/>
+                </a:highlight>
+                <a:latin typeface="Consolas"/>
+              </a:rPr>
+              <a:t>kein</a:t>
+            </a:r>
+            <a:r>
+              <a:rPr lang="en-US" dirty="0">
+                <a:solidFill>
+                  <a:srgbClr val="000000"/>
+                </a:solidFill>
+                <a:highlight>
+                  <a:srgbClr val="FFFFFF"/>
+                </a:highlight>
+                <a:latin typeface="Consolas"/>
+              </a:rPr>
+              <a:t> </a:t>
+            </a:r>
+            <a:r>
+              <a:rPr lang="en-US" dirty="0" err="1">
+                <a:solidFill>
+                  <a:srgbClr val="000000"/>
+                </a:solidFill>
+                <a:highlight>
+                  <a:srgbClr val="FFFFFF"/>
+                </a:highlight>
+                <a:latin typeface="Consolas"/>
+              </a:rPr>
+              <a:t>Vergleich</a:t>
+            </a:r>
+            <a:endParaRPr lang="en-US" dirty="0"/>
+          </a:p>
+        </p:txBody>
+      </p:sp>
+    </p:spTree>
+    <p:extLst>
+      <p:ext uri="{BB962C8B-B14F-4D97-AF65-F5344CB8AC3E}">
+        <p14:creationId xmlns:p14="http://schemas.microsoft.com/office/powerpoint/2010/main" val="2193518562"/>
+      </p:ext>
+    </p:extLst>
+  </p:cSld>
+  <p:clrMapOvr>
+    <a:masterClrMapping/>
+  </p:clrMapOvr>
+</p:sld>
+</file>
+
+<file path=ppt/slides/slide37.xml><?xml version="1.0" encoding="utf-8"?>
+<p:sld xmlns:a="http://schemas.openxmlformats.org/drawingml/2006/main" xmlns:r="http://schemas.openxmlformats.org/officeDocument/2006/relationships" xmlns:p="http://schemas.openxmlformats.org/presentationml/2006/main">
+  <p:cSld>
+    <p:spTree>
+      <p:nvGrpSpPr>
+        <p:cNvPr id="1" name=""/>
+        <p:cNvGrpSpPr/>
+        <p:nvPr/>
+      </p:nvGrpSpPr>
+      <p:grpSpPr>
+        <a:xfrm>
+          <a:off x="0" y="0"/>
+          <a:ext cx="0" cy="0"/>
+          <a:chOff x="0" y="0"/>
+          <a:chExt cx="0" cy="0"/>
+        </a:xfrm>
+      </p:grpSpPr>
+      <p:sp>
+        <p:nvSpPr>
+          <p:cNvPr id="2" name="Title 1"/>
+          <p:cNvSpPr>
+            <a:spLocks noGrp="1"/>
+          </p:cNvSpPr>
+          <p:nvPr>
+            <p:ph type="title"/>
+          </p:nvPr>
+        </p:nvSpPr>
+        <p:spPr/>
+        <p:txBody>
+          <a:bodyPr/>
+          <a:lstStyle/>
+          <a:p>
+            <a:r>
+              <a:rPr lang="de-DE" dirty="0"/>
+              <a:t>Option</a:t>
+            </a:r>
+            <a:endParaRPr lang="en-US" dirty="0"/>
+          </a:p>
+        </p:txBody>
+      </p:sp>
+      <p:sp>
+        <p:nvSpPr>
+          <p:cNvPr id="3" name="Content Placeholder 2"/>
+          <p:cNvSpPr>
+            <a:spLocks noGrp="1"/>
+          </p:cNvSpPr>
+          <p:nvPr>
+            <p:ph idx="1"/>
+          </p:nvPr>
+        </p:nvSpPr>
+        <p:spPr/>
+        <p:txBody>
+          <a:bodyPr/>
+          <a:lstStyle/>
+          <a:p>
+            <a:pPr marL="0" indent="0">
+              <a:buNone/>
+            </a:pPr>
+            <a:r>
+              <a:rPr lang="de-DE" dirty="0"/>
+              <a:t>Besondere Form des DU</a:t>
+            </a:r>
+          </a:p>
+          <a:p>
+            <a:pPr marL="0" indent="0">
+              <a:buNone/>
+            </a:pPr>
+            <a:r>
+              <a:rPr lang="en-US" b="1" dirty="0">
+                <a:solidFill>
+                  <a:srgbClr val="008000"/>
+                </a:solidFill>
+              </a:rPr>
+              <a:t>type</a:t>
+            </a:r>
+            <a:r>
+              <a:rPr lang="en-US" dirty="0"/>
+              <a:t> </a:t>
+            </a:r>
+            <a:r>
+              <a:rPr lang="en-US" b="1" dirty="0">
+                <a:solidFill>
+                  <a:srgbClr val="0000FF"/>
+                </a:solidFill>
+              </a:rPr>
+              <a:t>Option</a:t>
+            </a:r>
+            <a:r>
+              <a:rPr lang="en-US" dirty="0">
+                <a:solidFill>
+                  <a:srgbClr val="666666"/>
+                </a:solidFill>
+              </a:rPr>
+              <a:t>&lt;</a:t>
+            </a:r>
+            <a:r>
+              <a:rPr lang="en-US" b="1" dirty="0">
+                <a:solidFill>
+                  <a:srgbClr val="008000"/>
+                </a:solidFill>
+              </a:rPr>
+              <a:t>'</a:t>
+            </a:r>
+            <a:r>
+              <a:rPr lang="en-US" dirty="0"/>
+              <a:t>a</a:t>
+            </a:r>
+            <a:r>
+              <a:rPr lang="en-US" dirty="0">
+                <a:solidFill>
+                  <a:srgbClr val="666666"/>
+                </a:solidFill>
+              </a:rPr>
+              <a:t>&gt;</a:t>
+            </a:r>
+            <a:r>
+              <a:rPr lang="en-US" dirty="0"/>
+              <a:t> </a:t>
+            </a:r>
+            <a:r>
+              <a:rPr lang="en-US" dirty="0">
+                <a:solidFill>
+                  <a:srgbClr val="666666"/>
+                </a:solidFill>
+              </a:rPr>
+              <a:t>=</a:t>
+            </a:r>
+            <a:r>
+              <a:rPr lang="en-US" dirty="0"/>
+              <a:t> </a:t>
+            </a:r>
+            <a:r>
+              <a:rPr lang="en-US" i="1" dirty="0">
+                <a:solidFill>
+                  <a:srgbClr val="408080"/>
+                </a:solidFill>
+              </a:rPr>
+              <a:t>// use a generic definition </a:t>
+            </a:r>
+          </a:p>
+          <a:p>
+            <a:pPr marL="0" indent="0">
+              <a:buNone/>
+            </a:pPr>
+            <a:r>
+              <a:rPr lang="en-US" dirty="0">
+                <a:solidFill>
+                  <a:srgbClr val="666666"/>
+                </a:solidFill>
+              </a:rPr>
+              <a:t>|</a:t>
+            </a:r>
+            <a:r>
+              <a:rPr lang="en-US" dirty="0"/>
+              <a:t> </a:t>
+            </a:r>
+            <a:r>
+              <a:rPr lang="en-US" b="1" dirty="0">
+                <a:solidFill>
+                  <a:srgbClr val="0000FF"/>
+                </a:solidFill>
+              </a:rPr>
+              <a:t>Some</a:t>
+            </a:r>
+            <a:r>
+              <a:rPr lang="en-US" dirty="0"/>
+              <a:t> </a:t>
+            </a:r>
+            <a:r>
+              <a:rPr lang="en-US" b="1" dirty="0">
+                <a:solidFill>
+                  <a:srgbClr val="008000"/>
+                </a:solidFill>
+              </a:rPr>
+              <a:t>of</a:t>
+            </a:r>
+            <a:r>
+              <a:rPr lang="en-US" dirty="0"/>
+              <a:t> </a:t>
+            </a:r>
+            <a:r>
+              <a:rPr lang="en-US" b="1" dirty="0">
+                <a:solidFill>
+                  <a:srgbClr val="008000"/>
+                </a:solidFill>
+              </a:rPr>
+              <a:t>'</a:t>
+            </a:r>
+            <a:r>
+              <a:rPr lang="en-US" dirty="0"/>
+              <a:t>a </a:t>
+            </a:r>
+            <a:r>
+              <a:rPr lang="en-US" i="1" dirty="0">
+                <a:solidFill>
+                  <a:srgbClr val="408080"/>
+                </a:solidFill>
+              </a:rPr>
+              <a:t>// valid value</a:t>
+            </a:r>
+            <a:r>
+              <a:rPr lang="en-US" dirty="0"/>
+              <a:t> </a:t>
+            </a:r>
+          </a:p>
+          <a:p>
+            <a:pPr marL="0" indent="0">
+              <a:buNone/>
+            </a:pPr>
+            <a:r>
+              <a:rPr lang="en-US" dirty="0">
+                <a:solidFill>
+                  <a:srgbClr val="666666"/>
+                </a:solidFill>
+              </a:rPr>
+              <a:t>|</a:t>
+            </a:r>
+            <a:r>
+              <a:rPr lang="en-US" dirty="0"/>
+              <a:t> </a:t>
+            </a:r>
+            <a:r>
+              <a:rPr lang="en-US" b="1" dirty="0">
+                <a:solidFill>
+                  <a:srgbClr val="0000FF"/>
+                </a:solidFill>
+              </a:rPr>
+              <a:t>None</a:t>
+            </a:r>
+            <a:r>
+              <a:rPr lang="en-US" dirty="0"/>
+              <a:t> </a:t>
+            </a:r>
+            <a:r>
+              <a:rPr lang="en-US" i="1" dirty="0">
+                <a:solidFill>
+                  <a:srgbClr val="408080"/>
+                </a:solidFill>
+              </a:rPr>
+              <a:t>// missing</a:t>
+            </a:r>
+          </a:p>
+          <a:p>
+            <a:pPr marL="0" indent="0">
+              <a:buNone/>
+            </a:pPr>
+            <a:endParaRPr lang="en-US" dirty="0"/>
+          </a:p>
+        </p:txBody>
+      </p:sp>
+    </p:spTree>
+    <p:extLst>
+      <p:ext uri="{BB962C8B-B14F-4D97-AF65-F5344CB8AC3E}">
+        <p14:creationId xmlns:p14="http://schemas.microsoft.com/office/powerpoint/2010/main" val="1673819925"/>
+      </p:ext>
+    </p:extLst>
+  </p:cSld>
+  <p:clrMapOvr>
+    <a:masterClrMapping/>
+  </p:clrMapOvr>
+</p:sld>
+</file>
+
+<file path=ppt/slides/slide38.xml><?xml version="1.0" encoding="utf-8"?>
+<p:sld xmlns:a="http://schemas.openxmlformats.org/drawingml/2006/main" xmlns:r="http://schemas.openxmlformats.org/officeDocument/2006/relationships" xmlns:p="http://schemas.openxmlformats.org/presentationml/2006/main">
+  <p:cSld>
+    <p:spTree>
+      <p:nvGrpSpPr>
+        <p:cNvPr id="1" name=""/>
+        <p:cNvGrpSpPr/>
+        <p:nvPr/>
+      </p:nvGrpSpPr>
+      <p:grpSpPr>
+        <a:xfrm>
+          <a:off x="0" y="0"/>
+          <a:ext cx="0" cy="0"/>
+          <a:chOff x="0" y="0"/>
+          <a:chExt cx="0" cy="0"/>
+        </a:xfrm>
+      </p:grpSpPr>
+      <p:sp>
+        <p:nvSpPr>
+          <p:cNvPr id="2" name="Title 1"/>
+          <p:cNvSpPr>
+            <a:spLocks noGrp="1"/>
+          </p:cNvSpPr>
+          <p:nvPr>
+            <p:ph type="title"/>
+          </p:nvPr>
+        </p:nvSpPr>
+        <p:spPr/>
+        <p:txBody>
           <a:bodyPr>
             <a:normAutofit/>
           </a:bodyPr>
@@ -16262,7 +19495,7 @@
 </p:sld>
 </file>
 
-<file path=ppt/slides/slide33.xml><?xml version="1.0" encoding="utf-8"?>
+<file path=ppt/slides/slide39.xml><?xml version="1.0" encoding="utf-8"?>
 <p:sld xmlns:a="http://schemas.openxmlformats.org/drawingml/2006/main" xmlns:r="http://schemas.openxmlformats.org/officeDocument/2006/relationships" xmlns:p="http://schemas.openxmlformats.org/presentationml/2006/main">
   <p:cSld>
     <p:spTree>

--- a/FSharp.pptx
+++ b/FSharp.pptx
@@ -31,7 +31,7 @@
     <p:sldId id="300" r:id="rId22"/>
     <p:sldId id="302" r:id="rId23"/>
     <p:sldId id="303" r:id="rId24"/>
-    <p:sldId id="304" r:id="rId25"/>
+    <p:sldId id="311" r:id="rId25"/>
     <p:sldId id="305" r:id="rId26"/>
     <p:sldId id="306" r:id="rId27"/>
     <p:sldId id="309" r:id="rId28"/>
@@ -246,7 +246,7 @@
           <a:p>
             <a:fld id="{8583A242-7230-4070-B2AF-A33EB304C08D}" type="datetimeFigureOut">
               <a:rPr lang="en-US" smtClean="0"/>
-              <a:t>3/10/2017</a:t>
+              <a:t>3/11/2017</a:t>
             </a:fld>
             <a:endParaRPr lang="en-US"/>
           </a:p>
@@ -1938,49 +1938,40 @@
           <a:lstStyle/>
           <a:p>
             <a:r>
-              <a:rPr lang="de-DE" dirty="0"/>
-              <a:t>Die wichtigsten Keywords</a:t>
-            </a:r>
-          </a:p>
-          <a:p>
-            <a:r>
-              <a:rPr lang="de-DE" dirty="0"/>
-              <a:t>Mit</a:t>
-            </a:r>
-            <a:r>
-              <a:rPr lang="de-DE" baseline="0" dirty="0"/>
+              <a:rPr lang="en-US" dirty="0" err="1"/>
+              <a:t>Dritte</a:t>
+            </a:r>
+            <a:r>
+              <a:rPr lang="en-US" dirty="0"/>
               <a:t> </a:t>
             </a:r>
             <a:r>
-              <a:rPr lang="de-DE" baseline="0" dirty="0" err="1"/>
-              <a:t>let</a:t>
-            </a:r>
-            <a:r>
-              <a:rPr lang="de-DE" baseline="0" dirty="0"/>
-              <a:t> wird ein Ausdruck gesetzt</a:t>
-            </a:r>
-          </a:p>
-          <a:p>
-            <a:r>
-              <a:rPr lang="de-DE" baseline="0" dirty="0"/>
-              <a:t>Mit type wird ein Typ deklariert</a:t>
-            </a:r>
-          </a:p>
-          <a:p>
-            <a:endParaRPr lang="en-US" dirty="0"/>
-          </a:p>
-          <a:p>
-            <a:r>
               <a:rPr lang="en-US" dirty="0" err="1"/>
-              <a:t>Einrückung</a:t>
-            </a:r>
-            <a:r>
-              <a:rPr lang="en-US" baseline="0" dirty="0"/>
-              <a:t> so </a:t>
-            </a:r>
-            <a:r>
-              <a:rPr lang="en-US" baseline="0" dirty="0" err="1"/>
-              <a:t>verwenden</a:t>
+              <a:t>Möglichkeit</a:t>
+            </a:r>
+            <a:r>
+              <a:rPr lang="en-US" dirty="0"/>
+              <a:t> warden </a:t>
+            </a:r>
+            <a:r>
+              <a:rPr lang="en-US" dirty="0" err="1"/>
+              <a:t>wir</a:t>
+            </a:r>
+            <a:r>
+              <a:rPr lang="en-US" dirty="0"/>
+              <a:t> </a:t>
+            </a:r>
+            <a:r>
+              <a:rPr lang="en-US" dirty="0" err="1"/>
+              <a:t>noch</a:t>
+            </a:r>
+            <a:r>
+              <a:rPr lang="en-US" dirty="0"/>
+              <a:t> </a:t>
+            </a:r>
+            <a:r>
+              <a:rPr lang="en-US" dirty="0" err="1"/>
+              <a:t>gesondert</a:t>
             </a:r>
             <a:r>
               <a:rPr lang="en-US" baseline="0" dirty="0"/>
@@ -1988,11 +1979,7 @@
             </a:r>
             <a:r>
               <a:rPr lang="en-US" baseline="0" dirty="0" err="1"/>
-              <a:t>wie</a:t>
-            </a:r>
-            <a:r>
-              <a:rPr lang="en-US" baseline="0" dirty="0"/>
-              <a:t> Python</a:t>
+              <a:t>behandeln</a:t>
             </a:r>
             <a:endParaRPr lang="en-US" dirty="0"/>
           </a:p>
@@ -2080,62 +2067,60 @@
           <a:p>
             <a:r>
               <a:rPr lang="de-DE" dirty="0"/>
-              <a:t>Die wichtigsten Keywords</a:t>
-            </a:r>
-          </a:p>
-          <a:p>
-            <a:r>
-              <a:rPr lang="de-DE" dirty="0"/>
-              <a:t>Mit</a:t>
+              <a:t>Viele Sprachen haben diese Möglichkeit</a:t>
+            </a:r>
+          </a:p>
+          <a:p>
+            <a:endParaRPr lang="de-DE" dirty="0"/>
+          </a:p>
+          <a:p>
+            <a:r>
+              <a:rPr lang="de-DE" dirty="0"/>
+              <a:t>Es sind drei Funktionen!</a:t>
+            </a:r>
+          </a:p>
+          <a:p>
+            <a:endParaRPr lang="de-DE" dirty="0"/>
+          </a:p>
+          <a:p>
+            <a:r>
+              <a:rPr lang="de-DE" dirty="0"/>
+              <a:t>READ: Liest die Eingabe und parst diese in einer</a:t>
             </a:r>
             <a:r>
               <a:rPr lang="de-DE" baseline="0" dirty="0"/>
-              <a:t> </a:t>
-            </a:r>
-            <a:r>
-              <a:rPr lang="de-DE" baseline="0" dirty="0" err="1"/>
-              <a:t>let</a:t>
-            </a:r>
+              <a:t> Datenstruktur im Speicher.  </a:t>
+            </a:r>
+          </a:p>
+          <a:p>
             <a:r>
               <a:rPr lang="de-DE" baseline="0" dirty="0"/>
-              <a:t> wird ein Ausdruck gesetzt</a:t>
-            </a:r>
-          </a:p>
-          <a:p>
+              <a:t>EVAL: Der Ausdruck aus READ wird jetzt als Aufruf materialisiert. </a:t>
+            </a:r>
             <a:r>
               <a:rPr lang="de-DE" baseline="0" dirty="0"/>
-              <a:t>Mit type wird ein Typ deklariert</a:t>
-            </a:r>
-          </a:p>
-          <a:p>
-            <a:endParaRPr lang="en-US" dirty="0"/>
-          </a:p>
-          <a:p>
-            <a:r>
-              <a:rPr lang="en-US" dirty="0" err="1"/>
-              <a:t>Einrückung</a:t>
-            </a:r>
-            <a:r>
-              <a:rPr lang="en-US" baseline="0" dirty="0"/>
-              <a:t> so </a:t>
-            </a:r>
-            <a:r>
-              <a:rPr lang="en-US" baseline="0" dirty="0" err="1"/>
-              <a:t>verwenden</a:t>
-            </a:r>
-            <a:r>
-              <a:rPr lang="en-US" baseline="0" dirty="0"/>
-              <a:t> </a:t>
-            </a:r>
-            <a:r>
-              <a:rPr lang="en-US" baseline="0" dirty="0" err="1"/>
-              <a:t>wie</a:t>
-            </a:r>
-            <a:r>
-              <a:rPr lang="en-US" baseline="0" dirty="0"/>
-              <a:t> Python</a:t>
-            </a:r>
-            <a:endParaRPr lang="en-US" dirty="0"/>
+              <a:t>Wenn ich einen benannten Ausdruck definiere steht dieser unter dem Namen zur Verfügung.</a:t>
+            </a:r>
+          </a:p>
+          <a:p>
+            <a:r>
+              <a:rPr lang="de-DE" baseline="0" dirty="0"/>
+              <a:t>PRINT: Ausgabe des eben evaluierten Wertes.</a:t>
+            </a:r>
+          </a:p>
+          <a:p>
+            <a:endParaRPr lang="de-DE" baseline="0" dirty="0"/>
+          </a:p>
+          <a:p>
+            <a:r>
+              <a:rPr lang="de-DE" baseline="0" dirty="0"/>
+              <a:t>Im Interaktiven Fenster kann man gut Funktionen aufrufen </a:t>
+            </a:r>
+            <a:r>
+              <a:rPr lang="de-DE" baseline="0"/>
+              <a:t>und testen.</a:t>
+            </a:r>
+            <a:endParaRPr lang="de-DE" baseline="0" dirty="0"/>
           </a:p>
         </p:txBody>
       </p:sp>
@@ -2419,6 +2404,16 @@
           <a:p>
             <a:endParaRPr lang="de-DE" dirty="0"/>
           </a:p>
+          <a:p>
+            <a:r>
+              <a:rPr lang="de-DE" dirty="0" err="1"/>
+              <a:t>Complier</a:t>
+            </a:r>
+            <a:r>
+              <a:rPr lang="de-DE" dirty="0"/>
+              <a:t> Ermittlung erfolgt so weit dies möglich ist</a:t>
+            </a:r>
+          </a:p>
         </p:txBody>
       </p:sp>
       <p:sp>
@@ -2501,29 +2496,6 @@
           <a:bodyPr/>
           <a:lstStyle/>
           <a:p>
-            <a:pPr marL="0" marR="0" lvl="0" indent="0" algn="l" defTabSz="914400" rtl="0" eaLnBrk="1" fontAlgn="auto" latinLnBrk="0" hangingPunct="1">
-              <a:lnSpc>
-                <a:spcPct val="100000"/>
-              </a:lnSpc>
-              <a:spcBef>
-                <a:spcPts val="0"/>
-              </a:spcBef>
-              <a:spcAft>
-                <a:spcPts val="0"/>
-              </a:spcAft>
-              <a:buClrTx/>
-              <a:buSzTx/>
-              <a:buFontTx/>
-              <a:buNone/>
-              <a:tabLst/>
-              <a:defRPr/>
-            </a:pPr>
-            <a:r>
-              <a:rPr lang="de-DE" dirty="0"/>
-              <a:t>Modul 1, Übung Interactive</a:t>
-            </a:r>
-          </a:p>
-          <a:p>
             <a:endParaRPr lang="de-DE" dirty="0"/>
           </a:p>
         </p:txBody>
@@ -2554,7 +2526,7 @@
     </p:spTree>
     <p:extLst>
       <p:ext uri="{BB962C8B-B14F-4D97-AF65-F5344CB8AC3E}">
-        <p14:creationId xmlns:p14="http://schemas.microsoft.com/office/powerpoint/2010/main" val="3993141596"/>
+        <p14:creationId xmlns:p14="http://schemas.microsoft.com/office/powerpoint/2010/main" val="3368434510"/>
       </p:ext>
     </p:extLst>
   </p:cSld>
@@ -6831,7 +6803,7 @@
           <a:p>
             <a:fld id="{28CA3B8B-C56F-4663-93D1-BECEDA7EAF67}" type="datetimeFigureOut">
               <a:rPr lang="en-US" smtClean="0"/>
-              <a:t>3/10/2017</a:t>
+              <a:t>3/11/2017</a:t>
             </a:fld>
             <a:endParaRPr lang="en-US"/>
           </a:p>
@@ -6999,7 +6971,7 @@
           <a:p>
             <a:fld id="{28CA3B8B-C56F-4663-93D1-BECEDA7EAF67}" type="datetimeFigureOut">
               <a:rPr lang="en-US" smtClean="0"/>
-              <a:t>3/10/2017</a:t>
+              <a:t>3/11/2017</a:t>
             </a:fld>
             <a:endParaRPr lang="en-US"/>
           </a:p>
@@ -7177,7 +7149,7 @@
           <a:p>
             <a:fld id="{28CA3B8B-C56F-4663-93D1-BECEDA7EAF67}" type="datetimeFigureOut">
               <a:rPr lang="en-US" smtClean="0"/>
-              <a:t>3/10/2017</a:t>
+              <a:t>3/11/2017</a:t>
             </a:fld>
             <a:endParaRPr lang="en-US"/>
           </a:p>
@@ -7345,7 +7317,7 @@
           <a:p>
             <a:fld id="{28CA3B8B-C56F-4663-93D1-BECEDA7EAF67}" type="datetimeFigureOut">
               <a:rPr lang="en-US" smtClean="0"/>
-              <a:t>3/10/2017</a:t>
+              <a:t>3/11/2017</a:t>
             </a:fld>
             <a:endParaRPr lang="en-US"/>
           </a:p>
@@ -7590,7 +7562,7 @@
           <a:p>
             <a:fld id="{28CA3B8B-C56F-4663-93D1-BECEDA7EAF67}" type="datetimeFigureOut">
               <a:rPr lang="en-US" smtClean="0"/>
-              <a:t>3/10/2017</a:t>
+              <a:t>3/11/2017</a:t>
             </a:fld>
             <a:endParaRPr lang="en-US"/>
           </a:p>
@@ -7875,7 +7847,7 @@
           <a:p>
             <a:fld id="{28CA3B8B-C56F-4663-93D1-BECEDA7EAF67}" type="datetimeFigureOut">
               <a:rPr lang="en-US" smtClean="0"/>
-              <a:t>3/10/2017</a:t>
+              <a:t>3/11/2017</a:t>
             </a:fld>
             <a:endParaRPr lang="en-US"/>
           </a:p>
@@ -8294,7 +8266,7 @@
           <a:p>
             <a:fld id="{28CA3B8B-C56F-4663-93D1-BECEDA7EAF67}" type="datetimeFigureOut">
               <a:rPr lang="en-US" smtClean="0"/>
-              <a:t>3/10/2017</a:t>
+              <a:t>3/11/2017</a:t>
             </a:fld>
             <a:endParaRPr lang="en-US"/>
           </a:p>
@@ -8411,7 +8383,7 @@
           <a:p>
             <a:fld id="{28CA3B8B-C56F-4663-93D1-BECEDA7EAF67}" type="datetimeFigureOut">
               <a:rPr lang="en-US" smtClean="0"/>
-              <a:t>3/10/2017</a:t>
+              <a:t>3/11/2017</a:t>
             </a:fld>
             <a:endParaRPr lang="en-US"/>
           </a:p>
@@ -8506,7 +8478,7 @@
           <a:p>
             <a:fld id="{28CA3B8B-C56F-4663-93D1-BECEDA7EAF67}" type="datetimeFigureOut">
               <a:rPr lang="en-US" smtClean="0"/>
-              <a:t>3/10/2017</a:t>
+              <a:t>3/11/2017</a:t>
             </a:fld>
             <a:endParaRPr lang="en-US"/>
           </a:p>
@@ -8781,7 +8753,7 @@
           <a:p>
             <a:fld id="{28CA3B8B-C56F-4663-93D1-BECEDA7EAF67}" type="datetimeFigureOut">
               <a:rPr lang="en-US" smtClean="0"/>
-              <a:t>3/10/2017</a:t>
+              <a:t>3/11/2017</a:t>
             </a:fld>
             <a:endParaRPr lang="en-US"/>
           </a:p>
@@ -9033,7 +9005,7 @@
           <a:p>
             <a:fld id="{28CA3B8B-C56F-4663-93D1-BECEDA7EAF67}" type="datetimeFigureOut">
               <a:rPr lang="en-US" smtClean="0"/>
-              <a:t>3/10/2017</a:t>
+              <a:t>3/11/2017</a:t>
             </a:fld>
             <a:endParaRPr lang="en-US"/>
           </a:p>
@@ -9244,7 +9216,7 @@
           <a:p>
             <a:fld id="{28CA3B8B-C56F-4663-93D1-BECEDA7EAF67}" type="datetimeFigureOut">
               <a:rPr lang="en-US" smtClean="0"/>
-              <a:t>3/10/2017</a:t>
+              <a:t>3/11/2017</a:t>
             </a:fld>
             <a:endParaRPr lang="en-US"/>
           </a:p>
@@ -13737,6 +13709,19 @@
               <a:rPr lang="de-DE" dirty="0"/>
               <a:t>Script ausführen lassen</a:t>
             </a:r>
+          </a:p>
+          <a:p>
+            <a:r>
+              <a:rPr lang="de-DE" dirty="0"/>
+              <a:t>Dritte Möglichkeit</a:t>
+            </a:r>
+          </a:p>
+          <a:p>
+            <a:pPr lvl="1"/>
+            <a:r>
+              <a:rPr lang="de-DE" dirty="0"/>
+              <a:t>Interaktiv</a:t>
+            </a:r>
             <a:endParaRPr lang="en-US" dirty="0"/>
           </a:p>
         </p:txBody>
@@ -13990,6 +13975,86 @@
                       </p:childTnLst>
                     </p:cTn>
                   </p:par>
+                  <p:par>
+                    <p:cTn id="20" fill="hold">
+                      <p:stCondLst>
+                        <p:cond delay="indefinite"/>
+                      </p:stCondLst>
+                      <p:childTnLst>
+                        <p:par>
+                          <p:cTn id="21" fill="hold">
+                            <p:stCondLst>
+                              <p:cond delay="0"/>
+                            </p:stCondLst>
+                            <p:childTnLst>
+                              <p:par>
+                                <p:cTn id="22" presetID="1" presetClass="entr" presetSubtype="0" fill="hold" grpId="0" nodeType="clickEffect">
+                                  <p:stCondLst>
+                                    <p:cond delay="0"/>
+                                  </p:stCondLst>
+                                  <p:childTnLst>
+                                    <p:set>
+                                      <p:cBhvr>
+                                        <p:cTn id="23" dur="1" fill="hold">
+                                          <p:stCondLst>
+                                            <p:cond delay="0"/>
+                                          </p:stCondLst>
+                                        </p:cTn>
+                                        <p:tgtEl>
+                                          <p:spTgt spid="3">
+                                            <p:txEl>
+                                              <p:pRg st="6" end="6"/>
+                                            </p:txEl>
+                                          </p:spTgt>
+                                        </p:tgtEl>
+                                        <p:attrNameLst>
+                                          <p:attrName>style.visibility</p:attrName>
+                                        </p:attrNameLst>
+                                      </p:cBhvr>
+                                      <p:to>
+                                        <p:strVal val="visible"/>
+                                      </p:to>
+                                    </p:set>
+                                  </p:childTnLst>
+                                </p:cTn>
+                              </p:par>
+                              <p:par>
+                                <p:cTn id="24" presetID="1" presetClass="entr" presetSubtype="0" fill="hold" grpId="0" nodeType="withEffect">
+                                  <p:stCondLst>
+                                    <p:cond delay="0"/>
+                                  </p:stCondLst>
+                                  <p:childTnLst>
+                                    <p:set>
+                                      <p:cBhvr>
+                                        <p:cTn id="25" dur="1" fill="hold">
+                                          <p:stCondLst>
+                                            <p:cond delay="0"/>
+                                          </p:stCondLst>
+                                        </p:cTn>
+                                        <p:tgtEl>
+                                          <p:spTgt spid="3">
+                                            <p:txEl>
+                                              <p:pRg st="7" end="7"/>
+                                            </p:txEl>
+                                          </p:spTgt>
+                                        </p:tgtEl>
+                                        <p:attrNameLst>
+                                          <p:attrName>style.visibility</p:attrName>
+                                        </p:attrNameLst>
+                                      </p:cBhvr>
+                                      <p:to>
+                                        <p:strVal val="visible"/>
+                                      </p:to>
+                                    </p:set>
+                                  </p:childTnLst>
+                                </p:cTn>
+                              </p:par>
+                            </p:childTnLst>
+                          </p:cTn>
+                        </p:par>
+                      </p:childTnLst>
+                    </p:cTn>
+                  </p:par>
                 </p:childTnLst>
               </p:cTn>
               <p:prevCondLst>
@@ -14099,11 +14164,13 @@
             </a:r>
           </a:p>
           <a:p>
-            <a:r>
-              <a:rPr lang="de-DE"/>
+            <a:pPr marL="0" indent="0">
+              <a:buNone/>
+            </a:pPr>
+            <a:r>
+              <a:rPr lang="de-DE" dirty="0"/>
               <a:t>Loop</a:t>
             </a:r>
-            <a:endParaRPr lang="de-DE" dirty="0"/>
           </a:p>
         </p:txBody>
       </p:sp>
@@ -14806,29 +14873,16 @@
           <a:p>
             <a:r>
               <a:rPr lang="de-DE" dirty="0"/>
-              <a:t>Ist das F# Interactive Fenster offen?</a:t>
-            </a:r>
-          </a:p>
-          <a:p>
-            <a:r>
-              <a:rPr lang="de-DE" dirty="0"/>
-              <a:t>Markiere eine Zeile Code </a:t>
-            </a:r>
-          </a:p>
-          <a:p>
-            <a:r>
-              <a:rPr lang="de-DE" dirty="0"/>
-              <a:t>Alt + Enter</a:t>
-            </a:r>
-          </a:p>
-          <a:p>
-            <a:r>
-              <a:rPr lang="de-DE" dirty="0" err="1"/>
-              <a:t>Reset</a:t>
-            </a:r>
-            <a:r>
-              <a:rPr lang="de-DE" dirty="0"/>
-              <a:t> setzt zurück</a:t>
+              <a:t>Alt + Enter Schickt den Ausdruck zum REPL</a:t>
+            </a:r>
+          </a:p>
+          <a:p>
+            <a:endParaRPr lang="de-DE" dirty="0"/>
+          </a:p>
+          <a:p>
+            <a:r>
+              <a:rPr lang="de-DE" dirty="0"/>
+              <a:t>Reset setzt zurück</a:t>
             </a:r>
           </a:p>
           <a:p>
@@ -14839,7 +14893,7 @@
     </p:spTree>
     <p:extLst>
       <p:ext uri="{BB962C8B-B14F-4D97-AF65-F5344CB8AC3E}">
-        <p14:creationId xmlns:p14="http://schemas.microsoft.com/office/powerpoint/2010/main" val="2413476098"/>
+        <p14:creationId xmlns:p14="http://schemas.microsoft.com/office/powerpoint/2010/main" val="1146460567"/>
       </p:ext>
     </p:extLst>
   </p:cSld>
@@ -14931,105 +14985,7 @@
                                         <p:tgtEl>
                                           <p:spTgt spid="3">
                                             <p:txEl>
-                                              <p:pRg st="1" end="1"/>
-                                            </p:txEl>
-                                          </p:spTgt>
-                                        </p:tgtEl>
-                                        <p:attrNameLst>
-                                          <p:attrName>style.visibility</p:attrName>
-                                        </p:attrNameLst>
-                                      </p:cBhvr>
-                                      <p:to>
-                                        <p:strVal val="visible"/>
-                                      </p:to>
-                                    </p:set>
-                                  </p:childTnLst>
-                                </p:cTn>
-                              </p:par>
-                            </p:childTnLst>
-                          </p:cTn>
-                        </p:par>
-                      </p:childTnLst>
-                    </p:cTn>
-                  </p:par>
-                  <p:par>
-                    <p:cTn id="11" fill="hold">
-                      <p:stCondLst>
-                        <p:cond delay="indefinite"/>
-                      </p:stCondLst>
-                      <p:childTnLst>
-                        <p:par>
-                          <p:cTn id="12" fill="hold">
-                            <p:stCondLst>
-                              <p:cond delay="0"/>
-                            </p:stCondLst>
-                            <p:childTnLst>
-                              <p:par>
-                                <p:cTn id="13" presetID="1" presetClass="entr" presetSubtype="0" fill="hold" grpId="0" nodeType="clickEffect">
-                                  <p:stCondLst>
-                                    <p:cond delay="0"/>
-                                  </p:stCondLst>
-                                  <p:childTnLst>
-                                    <p:set>
-                                      <p:cBhvr>
-                                        <p:cTn id="14" dur="1" fill="hold">
-                                          <p:stCondLst>
-                                            <p:cond delay="0"/>
-                                          </p:stCondLst>
-                                        </p:cTn>
-                                        <p:tgtEl>
-                                          <p:spTgt spid="3">
-                                            <p:txEl>
                                               <p:pRg st="2" end="2"/>
-                                            </p:txEl>
-                                          </p:spTgt>
-                                        </p:tgtEl>
-                                        <p:attrNameLst>
-                                          <p:attrName>style.visibility</p:attrName>
-                                        </p:attrNameLst>
-                                      </p:cBhvr>
-                                      <p:to>
-                                        <p:strVal val="visible"/>
-                                      </p:to>
-                                    </p:set>
-                                  </p:childTnLst>
-                                </p:cTn>
-                              </p:par>
-                            </p:childTnLst>
-                          </p:cTn>
-                        </p:par>
-                      </p:childTnLst>
-                    </p:cTn>
-                  </p:par>
-                  <p:par>
-                    <p:cTn id="15" fill="hold">
-                      <p:stCondLst>
-                        <p:cond delay="indefinite"/>
-                      </p:stCondLst>
-                      <p:childTnLst>
-                        <p:par>
-                          <p:cTn id="16" fill="hold">
-                            <p:stCondLst>
-                              <p:cond delay="0"/>
-                            </p:stCondLst>
-                            <p:childTnLst>
-                              <p:par>
-                                <p:cTn id="17" presetID="1" presetClass="entr" presetSubtype="0" fill="hold" grpId="0" nodeType="clickEffect">
-                                  <p:stCondLst>
-                                    <p:cond delay="0"/>
-                                  </p:stCondLst>
-                                  <p:childTnLst>
-                                    <p:set>
-                                      <p:cBhvr>
-                                        <p:cTn id="18" dur="1" fill="hold">
-                                          <p:stCondLst>
-                                            <p:cond delay="0"/>
-                                          </p:stCondLst>
-                                        </p:cTn>
-                                        <p:tgtEl>
-                                          <p:spTgt spid="3">
-                                            <p:txEl>
-                                              <p:pRg st="3" end="3"/>
                                             </p:txEl>
                                           </p:spTgt>
                                         </p:tgtEl>

--- a/FSharp.pptx
+++ b/FSharp.pptx
@@ -29,16 +29,16 @@
     <p:sldId id="297" r:id="rId20"/>
     <p:sldId id="299" r:id="rId21"/>
     <p:sldId id="300" r:id="rId22"/>
-    <p:sldId id="302" r:id="rId23"/>
-    <p:sldId id="303" r:id="rId24"/>
-    <p:sldId id="311" r:id="rId25"/>
+    <p:sldId id="312" r:id="rId23"/>
+    <p:sldId id="302" r:id="rId24"/>
+    <p:sldId id="303" r:id="rId25"/>
     <p:sldId id="305" r:id="rId26"/>
     <p:sldId id="306" r:id="rId27"/>
     <p:sldId id="309" r:id="rId28"/>
     <p:sldId id="307" r:id="rId29"/>
-    <p:sldId id="308" r:id="rId30"/>
-    <p:sldId id="310" r:id="rId31"/>
-    <p:sldId id="294" r:id="rId32"/>
+    <p:sldId id="310" r:id="rId30"/>
+    <p:sldId id="313" r:id="rId31"/>
+    <p:sldId id="314" r:id="rId32"/>
     <p:sldId id="265" r:id="rId33"/>
     <p:sldId id="270" r:id="rId34"/>
     <p:sldId id="273" r:id="rId35"/>
@@ -2114,13 +2114,8 @@
           <a:p>
             <a:r>
               <a:rPr lang="de-DE" baseline="0" dirty="0"/>
-              <a:t>Im Interaktiven Fenster kann man gut Funktionen aufrufen </a:t>
-            </a:r>
-            <a:r>
-              <a:rPr lang="de-DE" baseline="0"/>
-              <a:t>und testen.</a:t>
-            </a:r>
-            <a:endParaRPr lang="de-DE" baseline="0" dirty="0"/>
+              <a:t>Im Interaktiven Fenster kann man gut Funktionen aufrufen und testen.</a:t>
+            </a:r>
           </a:p>
         </p:txBody>
       </p:sp>
@@ -2267,7 +2262,7 @@
       </p:grpSpPr>
       <p:sp>
         <p:nvSpPr>
-          <p:cNvPr id="2" name="Folienbildplatzhalter 1"/>
+          <p:cNvPr id="2" name="Slide Image Placeholder 1"/>
           <p:cNvSpPr>
             <a:spLocks noGrp="1" noRot="1" noChangeAspect="1"/>
           </p:cNvSpPr>
@@ -2279,7 +2274,7 @@
       </p:sp>
       <p:sp>
         <p:nvSpPr>
-          <p:cNvPr id="3" name="Notizenplatzhalter 2"/>
+          <p:cNvPr id="3" name="Notes Placeholder 2"/>
           <p:cNvSpPr>
             <a:spLocks noGrp="1"/>
           </p:cNvSpPr>
@@ -2292,16 +2287,13 @@
           <a:bodyPr/>
           <a:lstStyle/>
           <a:p>
-            <a:r>
-              <a:rPr lang="de-DE" dirty="0"/>
-              <a:t>Modul 1, Übung Kommentare</a:t>
-            </a:r>
+            <a:endParaRPr lang="de-DE" baseline="0" dirty="0"/>
           </a:p>
         </p:txBody>
       </p:sp>
       <p:sp>
         <p:nvSpPr>
-          <p:cNvPr id="4" name="Foliennummernplatzhalter 3"/>
+          <p:cNvPr id="4" name="Slide Number Placeholder 3"/>
           <p:cNvSpPr>
             <a:spLocks noGrp="1"/>
           </p:cNvSpPr>
@@ -2325,7 +2317,7 @@
     </p:spTree>
     <p:extLst>
       <p:ext uri="{BB962C8B-B14F-4D97-AF65-F5344CB8AC3E}">
-        <p14:creationId xmlns:p14="http://schemas.microsoft.com/office/powerpoint/2010/main" val="1033141563"/>
+        <p14:creationId xmlns:p14="http://schemas.microsoft.com/office/powerpoint/2010/main" val="3385752124"/>
       </p:ext>
     </p:extLst>
   </p:cSld>
@@ -2379,39 +2371,9 @@
           <a:bodyPr/>
           <a:lstStyle/>
           <a:p>
-            <a:pPr marL="0" marR="0" lvl="0" indent="0" algn="l" defTabSz="914400" rtl="0" eaLnBrk="1" fontAlgn="auto" latinLnBrk="0" hangingPunct="1">
-              <a:lnSpc>
-                <a:spcPct val="100000"/>
-              </a:lnSpc>
-              <a:spcBef>
-                <a:spcPts val="0"/>
-              </a:spcBef>
-              <a:spcAft>
-                <a:spcPts val="0"/>
-              </a:spcAft>
-              <a:buClrTx/>
-              <a:buSzTx/>
-              <a:buFontTx/>
-              <a:buNone/>
-              <a:tabLst/>
-              <a:defRPr/>
-            </a:pPr>
-            <a:r>
-              <a:rPr lang="de-DE" dirty="0"/>
-              <a:t>Modul 1, Übung Ausdrücke</a:t>
-            </a:r>
-          </a:p>
-          <a:p>
-            <a:endParaRPr lang="de-DE" dirty="0"/>
-          </a:p>
-          <a:p>
-            <a:r>
-              <a:rPr lang="de-DE" dirty="0" err="1"/>
-              <a:t>Complier</a:t>
-            </a:r>
-            <a:r>
-              <a:rPr lang="de-DE" dirty="0"/>
-              <a:t> Ermittlung erfolgt so weit dies möglich ist</a:t>
+            <a:r>
+              <a:rPr lang="de-DE" dirty="0"/>
+              <a:t>Modul 1, Übung Kommentare</a:t>
             </a:r>
           </a:p>
         </p:txBody>
@@ -2442,7 +2404,7 @@
     </p:spTree>
     <p:extLst>
       <p:ext uri="{BB962C8B-B14F-4D97-AF65-F5344CB8AC3E}">
-        <p14:creationId xmlns:p14="http://schemas.microsoft.com/office/powerpoint/2010/main" val="68488265"/>
+        <p14:creationId xmlns:p14="http://schemas.microsoft.com/office/powerpoint/2010/main" val="1033141563"/>
       </p:ext>
     </p:extLst>
   </p:cSld>
@@ -2496,7 +2458,40 @@
           <a:bodyPr/>
           <a:lstStyle/>
           <a:p>
+            <a:pPr marL="0" marR="0" lvl="0" indent="0" algn="l" defTabSz="914400" rtl="0" eaLnBrk="1" fontAlgn="auto" latinLnBrk="0" hangingPunct="1">
+              <a:lnSpc>
+                <a:spcPct val="100000"/>
+              </a:lnSpc>
+              <a:spcBef>
+                <a:spcPts val="0"/>
+              </a:spcBef>
+              <a:spcAft>
+                <a:spcPts val="0"/>
+              </a:spcAft>
+              <a:buClrTx/>
+              <a:buSzTx/>
+              <a:buFontTx/>
+              <a:buNone/>
+              <a:tabLst/>
+              <a:defRPr/>
+            </a:pPr>
+            <a:r>
+              <a:rPr lang="de-DE" dirty="0"/>
+              <a:t>Modul 1, Übung Ausdrücke</a:t>
+            </a:r>
+          </a:p>
+          <a:p>
             <a:endParaRPr lang="de-DE" dirty="0"/>
+          </a:p>
+          <a:p>
+            <a:r>
+              <a:rPr lang="de-DE" dirty="0" err="1"/>
+              <a:t>Complier</a:t>
+            </a:r>
+            <a:r>
+              <a:rPr lang="de-DE" dirty="0"/>
+              <a:t> Ermittlung erfolgt so weit dies möglich ist</a:t>
+            </a:r>
           </a:p>
         </p:txBody>
       </p:sp>
@@ -2526,7 +2521,7 @@
     </p:spTree>
     <p:extLst>
       <p:ext uri="{BB962C8B-B14F-4D97-AF65-F5344CB8AC3E}">
-        <p14:creationId xmlns:p14="http://schemas.microsoft.com/office/powerpoint/2010/main" val="3368434510"/>
+        <p14:creationId xmlns:p14="http://schemas.microsoft.com/office/powerpoint/2010/main" val="68488265"/>
       </p:ext>
     </p:extLst>
   </p:cSld>
@@ -2718,6 +2713,15 @@
             <a:r>
               <a:rPr lang="de-DE" dirty="0"/>
               <a:t>Name und Typ sind durch : getrennt</a:t>
+            </a:r>
+          </a:p>
+          <a:p>
+            <a:pPr marL="0" indent="0">
+              <a:buNone/>
+            </a:pPr>
+            <a:r>
+              <a:rPr lang="de-DE" dirty="0"/>
+              <a:t>Klammer definieren zusammen hängende Werte/Funktionen</a:t>
             </a:r>
           </a:p>
           <a:p>
@@ -2868,8 +2872,13 @@
             </a:pPr>
             <a:r>
               <a:rPr lang="de-DE" dirty="0"/>
-              <a:t>Modul 1, Übung 4</a:t>
-            </a:r>
+              <a:t>Modul 1, Übung Script</a:t>
+            </a:r>
+            <a:r>
+              <a:rPr lang="de-DE" baseline="0" dirty="0"/>
+              <a:t> und REPL</a:t>
+            </a:r>
+            <a:endParaRPr lang="de-DE" dirty="0"/>
           </a:p>
           <a:p>
             <a:pPr marL="0" marR="0" lvl="0" indent="0" algn="l" defTabSz="914400" rtl="0" eaLnBrk="1" fontAlgn="auto" latinLnBrk="0" hangingPunct="1">
@@ -2975,8 +2984,13 @@
           <a:p>
             <a:r>
               <a:rPr lang="de-DE" dirty="0"/>
-              <a:t>Modul 1 Übung 5</a:t>
-            </a:r>
+              <a:t>Modul 1 Übung Listen</a:t>
+            </a:r>
+            <a:r>
+              <a:rPr lang="de-DE" baseline="0" dirty="0"/>
+              <a:t> Funktionen</a:t>
+            </a:r>
+            <a:endParaRPr lang="de-DE" dirty="0"/>
           </a:p>
           <a:p>
             <a:endParaRPr lang="de-DE" dirty="0"/>
@@ -3356,7 +3370,7 @@
           <a:p>
             <a:r>
               <a:rPr lang="de-DE" dirty="0"/>
-              <a:t>Modul 1 Übung 7</a:t>
+              <a:t>Modul 1 Übung Verketten</a:t>
             </a:r>
           </a:p>
           <a:p>
@@ -3491,6 +3505,53 @@
                 <a:latin typeface="Consolas" panose="020B0609020204030204" pitchFamily="49" charset="0"/>
               </a:rPr>
               <a:t>Ergebnis ist ein Wert vom Typ 'b</a:t>
+            </a:r>
+          </a:p>
+          <a:p>
+            <a:endParaRPr lang="de-DE" dirty="0">
+              <a:solidFill>
+                <a:srgbClr val="000000"/>
+              </a:solidFill>
+              <a:latin typeface="Consolas" panose="020B0609020204030204" pitchFamily="49" charset="0"/>
+            </a:endParaRPr>
+          </a:p>
+          <a:p>
+            <a:r>
+              <a:rPr lang="de-DE" dirty="0">
+                <a:solidFill>
+                  <a:srgbClr val="000000"/>
+                </a:solidFill>
+                <a:latin typeface="Consolas" panose="020B0609020204030204" pitchFamily="49" charset="0"/>
+              </a:rPr>
+              <a:t>Solche Operatoren lassen sich gut in F# definieren.</a:t>
+            </a:r>
+            <a:r>
+              <a:rPr lang="de-DE" baseline="0" dirty="0">
+                <a:solidFill>
+                  <a:srgbClr val="000000"/>
+                </a:solidFill>
+                <a:latin typeface="Consolas" panose="020B0609020204030204" pitchFamily="49" charset="0"/>
+              </a:rPr>
+              <a:t> Finden auch häufig Verwendung.</a:t>
+            </a:r>
+          </a:p>
+          <a:p>
+            <a:endParaRPr lang="de-DE" baseline="0" dirty="0">
+              <a:solidFill>
+                <a:srgbClr val="000000"/>
+              </a:solidFill>
+              <a:latin typeface="Consolas" panose="020B0609020204030204" pitchFamily="49" charset="0"/>
+            </a:endParaRPr>
+          </a:p>
+          <a:p>
+            <a:r>
+              <a:rPr lang="de-DE" baseline="0" dirty="0">
+                <a:solidFill>
+                  <a:srgbClr val="000000"/>
+                </a:solidFill>
+                <a:latin typeface="Consolas" panose="020B0609020204030204" pitchFamily="49" charset="0"/>
+              </a:rPr>
+              <a:t>Wenn der Compiler nichts weiter weiß, wird generisches angenommen</a:t>
             </a:r>
             <a:endParaRPr lang="de-DE" dirty="0"/>
           </a:p>
@@ -3576,29 +3637,10 @@
           <a:bodyPr/>
           <a:lstStyle/>
           <a:p>
-            <a:pPr marL="0" marR="0" lvl="0" indent="0" algn="l" defTabSz="914400" rtl="0" eaLnBrk="1" fontAlgn="auto" latinLnBrk="0" hangingPunct="1">
-              <a:lnSpc>
-                <a:spcPct val="100000"/>
-              </a:lnSpc>
-              <a:spcBef>
-                <a:spcPts val="0"/>
-              </a:spcBef>
-              <a:spcAft>
-                <a:spcPts val="0"/>
-              </a:spcAft>
-              <a:buClrTx/>
-              <a:buSzTx/>
-              <a:buFontTx/>
-              <a:buNone/>
-              <a:tabLst/>
-              <a:defRPr/>
-            </a:pPr>
-            <a:r>
-              <a:rPr lang="de-DE" dirty="0"/>
-              <a:t>Modul 1 Übung 5 </a:t>
-            </a:r>
-          </a:p>
-          <a:p>
+            <a:r>
+              <a:rPr lang="de-DE"/>
+              <a:t>Übung Verketten</a:t>
+            </a:r>
             <a:endParaRPr lang="de-DE" dirty="0"/>
           </a:p>
         </p:txBody>
@@ -3629,7 +3671,7 @@
     </p:spTree>
     <p:extLst>
       <p:ext uri="{BB962C8B-B14F-4D97-AF65-F5344CB8AC3E}">
-        <p14:creationId xmlns:p14="http://schemas.microsoft.com/office/powerpoint/2010/main" val="2072827091"/>
+        <p14:creationId xmlns:p14="http://schemas.microsoft.com/office/powerpoint/2010/main" val="860166558"/>
       </p:ext>
     </p:extLst>
   </p:cSld>
@@ -3684,10 +3726,18 @@
           <a:lstStyle/>
           <a:p>
             <a:r>
-              <a:rPr lang="de-DE"/>
+              <a:rPr lang="de-DE" dirty="0"/>
               <a:t>Übung Verketten</a:t>
             </a:r>
+          </a:p>
+          <a:p>
             <a:endParaRPr lang="de-DE" dirty="0"/>
+          </a:p>
+          <a:p>
+            <a:r>
+              <a:rPr lang="de-DE" dirty="0"/>
+              <a:t>Eine bessere Welt ist möglich</a:t>
+            </a:r>
           </a:p>
         </p:txBody>
       </p:sp>
@@ -3717,7 +3767,7 @@
     </p:spTree>
     <p:extLst>
       <p:ext uri="{BB962C8B-B14F-4D97-AF65-F5344CB8AC3E}">
-        <p14:creationId xmlns:p14="http://schemas.microsoft.com/office/powerpoint/2010/main" val="860166558"/>
+        <p14:creationId xmlns:p14="http://schemas.microsoft.com/office/powerpoint/2010/main" val="564011088"/>
       </p:ext>
     </p:extLst>
   </p:cSld>
@@ -3781,7 +3831,29 @@
             </a:r>
             <a:r>
               <a:rPr lang="de-DE" dirty="0"/>
-              <a:t> wird angedacht für C# 7.0.</a:t>
+              <a:t> (in etwa) kommt angedacht für C# 7.0.</a:t>
+            </a:r>
+          </a:p>
+          <a:p>
+            <a:r>
+              <a:rPr lang="de-DE" dirty="0"/>
+              <a:t>F# Pattern </a:t>
+            </a:r>
+            <a:r>
+              <a:rPr lang="de-DE" dirty="0" err="1"/>
+              <a:t>Matching</a:t>
+            </a:r>
+            <a:r>
+              <a:rPr lang="de-DE" dirty="0"/>
+              <a:t> ist aber </a:t>
+            </a:r>
+            <a:r>
+              <a:rPr lang="de-DE" dirty="0"/>
+              <a:t>erschöpfend.  Oft</a:t>
+            </a:r>
+            <a:r>
+              <a:rPr lang="de-DE" baseline="0" dirty="0"/>
+              <a:t> erkennt der Compiler dass ein Fall nicht berücksichtigt wurde und benennt Beispiele dafür.</a:t>
             </a:r>
             <a:endParaRPr lang="en-US" dirty="0"/>
           </a:p>
@@ -3813,7 +3885,7 @@
     </p:spTree>
     <p:extLst>
       <p:ext uri="{BB962C8B-B14F-4D97-AF65-F5344CB8AC3E}">
-        <p14:creationId xmlns:p14="http://schemas.microsoft.com/office/powerpoint/2010/main" val="1056229856"/>
+        <p14:creationId xmlns:p14="http://schemas.microsoft.com/office/powerpoint/2010/main" val="3097003923"/>
       </p:ext>
     </p:extLst>
   </p:cSld>
@@ -14435,7 +14507,7 @@
       </p:grpSpPr>
       <p:sp>
         <p:nvSpPr>
-          <p:cNvPr id="2" name="Titel 1"/>
+          <p:cNvPr id="2" name="Title 1"/>
           <p:cNvSpPr>
             <a:spLocks noGrp="1"/>
           </p:cNvSpPr>
@@ -14450,14 +14522,15 @@
           <a:p>
             <a:r>
               <a:rPr lang="de-DE" dirty="0"/>
-              <a:t>Modul 1: Kommentare</a:t>
-            </a:r>
+              <a:t>F#: REPL</a:t>
+            </a:r>
+            <a:endParaRPr lang="en-US" dirty="0"/>
           </a:p>
         </p:txBody>
       </p:sp>
       <p:sp>
         <p:nvSpPr>
-          <p:cNvPr id="3" name="Inhaltsplatzhalter 2"/>
+          <p:cNvPr id="3" name="Content Placeholder 2"/>
           <p:cNvSpPr>
             <a:spLocks noGrp="1"/>
           </p:cNvSpPr>
@@ -14465,169 +14538,49 @@
             <p:ph idx="1"/>
           </p:nvPr>
         </p:nvSpPr>
-        <p:spPr/>
+        <p:spPr>
+          <a:xfrm>
+            <a:off x="457200" y="1600200"/>
+            <a:ext cx="8229600" cy="4525963"/>
+          </a:xfrm>
+        </p:spPr>
         <p:txBody>
-          <a:bodyPr/>
+          <a:bodyPr>
+            <a:normAutofit/>
+          </a:bodyPr>
           <a:lstStyle/>
           <a:p>
-            <a:pPr marL="0" indent="0">
-              <a:buNone/>
-            </a:pPr>
-            <a:r>
-              <a:rPr lang="de-DE" dirty="0"/>
-              <a:t>Zu aller erst:</a:t>
-            </a:r>
-          </a:p>
-          <a:p>
-            <a:pPr marL="0" indent="0">
-              <a:buNone/>
-            </a:pPr>
-            <a:r>
-              <a:rPr lang="de-DE" dirty="0"/>
-              <a:t>Wie kommentiere ich in F#?</a:t>
-            </a:r>
-          </a:p>
-          <a:p>
-            <a:pPr marL="0" indent="0">
-              <a:buNone/>
-            </a:pPr>
-            <a:endParaRPr lang="de-DE" dirty="0"/>
+            <a:r>
+              <a:rPr lang="de-DE" dirty="0"/>
+              <a:t>Mit </a:t>
+            </a:r>
+            <a:r>
+              <a:rPr lang="de-DE" dirty="0" err="1"/>
+              <a:t>alt+enter</a:t>
+            </a:r>
+            <a:r>
+              <a:rPr lang="de-DE" dirty="0"/>
+              <a:t> Inhalte aus einer Code/Script Datei zum REPL „schicken“</a:t>
+            </a:r>
+          </a:p>
+          <a:p>
+            <a:r>
+              <a:rPr lang="de-DE" dirty="0"/>
+              <a:t>;; veranlasst die Ausführung im REPL</a:t>
+            </a:r>
+          </a:p>
+          <a:p>
+            <a:r>
+              <a:rPr lang="de-DE" dirty="0"/>
+              <a:t>Reset setzt das REPL zurück</a:t>
+            </a:r>
           </a:p>
         </p:txBody>
       </p:sp>
     </p:spTree>
     <p:extLst>
       <p:ext uri="{BB962C8B-B14F-4D97-AF65-F5344CB8AC3E}">
-        <p14:creationId xmlns:p14="http://schemas.microsoft.com/office/powerpoint/2010/main" val="950853032"/>
-      </p:ext>
-    </p:extLst>
-  </p:cSld>
-  <p:clrMapOvr>
-    <a:masterClrMapping/>
-  </p:clrMapOvr>
-</p:sld>
-</file>
-
-<file path=ppt/slides/slide23.xml><?xml version="1.0" encoding="utf-8"?>
-<p:sld xmlns:a="http://schemas.openxmlformats.org/drawingml/2006/main" xmlns:r="http://schemas.openxmlformats.org/officeDocument/2006/relationships" xmlns:p="http://schemas.openxmlformats.org/presentationml/2006/main">
-  <p:cSld>
-    <p:spTree>
-      <p:nvGrpSpPr>
-        <p:cNvPr id="1" name=""/>
-        <p:cNvGrpSpPr/>
-        <p:nvPr/>
-      </p:nvGrpSpPr>
-      <p:grpSpPr>
-        <a:xfrm>
-          <a:off x="0" y="0"/>
-          <a:ext cx="0" cy="0"/>
-          <a:chOff x="0" y="0"/>
-          <a:chExt cx="0" cy="0"/>
-        </a:xfrm>
-      </p:grpSpPr>
-      <p:sp>
-        <p:nvSpPr>
-          <p:cNvPr id="2" name="Titel 1"/>
-          <p:cNvSpPr>
-            <a:spLocks noGrp="1"/>
-          </p:cNvSpPr>
-          <p:nvPr>
-            <p:ph type="title"/>
-          </p:nvPr>
-        </p:nvSpPr>
-        <p:spPr/>
-        <p:txBody>
-          <a:bodyPr/>
-          <a:lstStyle/>
-          <a:p>
-            <a:r>
-              <a:rPr lang="de-DE" dirty="0"/>
-              <a:t>Modul 1: Ausdrücke</a:t>
-            </a:r>
-          </a:p>
-        </p:txBody>
-      </p:sp>
-      <p:sp>
-        <p:nvSpPr>
-          <p:cNvPr id="3" name="Inhaltsplatzhalter 2"/>
-          <p:cNvSpPr>
-            <a:spLocks noGrp="1"/>
-          </p:cNvSpPr>
-          <p:nvPr>
-            <p:ph idx="1"/>
-          </p:nvPr>
-        </p:nvSpPr>
-        <p:spPr/>
-        <p:txBody>
-          <a:bodyPr/>
-          <a:lstStyle/>
-          <a:p>
-            <a:r>
-              <a:rPr lang="de-DE" dirty="0"/>
-              <a:t>Definiert mit dem Schlüsselwort </a:t>
-            </a:r>
-            <a:r>
-              <a:rPr lang="de-DE" dirty="0" err="1"/>
-              <a:t>let</a:t>
-            </a:r>
-            <a:endParaRPr lang="de-DE" dirty="0"/>
-          </a:p>
-          <a:p>
-            <a:r>
-              <a:rPr lang="de-DE" dirty="0"/>
-              <a:t>Sind per Default nicht änderbar (</a:t>
-            </a:r>
-            <a:r>
-              <a:rPr lang="de-DE" dirty="0" err="1"/>
-              <a:t>immutable</a:t>
-            </a:r>
-            <a:r>
-              <a:rPr lang="de-DE" dirty="0"/>
-              <a:t>)</a:t>
-            </a:r>
-          </a:p>
-          <a:p>
-            <a:r>
-              <a:rPr lang="de-DE" dirty="0"/>
-              <a:t>Compiler </a:t>
-            </a:r>
-            <a:r>
-              <a:rPr lang="de-DE" dirty="0" err="1"/>
-              <a:t>ermittlet</a:t>
-            </a:r>
-            <a:r>
-              <a:rPr lang="de-DE" dirty="0"/>
-              <a:t> den Typ (</a:t>
-            </a:r>
-            <a:r>
-              <a:rPr lang="de-DE" dirty="0" err="1"/>
-              <a:t>var</a:t>
-            </a:r>
-            <a:r>
-              <a:rPr lang="de-DE" dirty="0"/>
-              <a:t> in </a:t>
-            </a:r>
-            <a:r>
-              <a:rPr lang="de-DE" dirty="0" err="1"/>
-              <a:t>c#</a:t>
-            </a:r>
-            <a:r>
-              <a:rPr lang="de-DE" dirty="0"/>
-              <a:t>)</a:t>
-            </a:r>
-          </a:p>
-          <a:p>
-            <a:pPr marL="0" indent="0">
-              <a:buNone/>
-            </a:pPr>
-            <a:endParaRPr lang="de-DE" dirty="0"/>
-          </a:p>
-        </p:txBody>
-      </p:sp>
-    </p:spTree>
-    <p:extLst>
-      <p:ext uri="{BB962C8B-B14F-4D97-AF65-F5344CB8AC3E}">
-        <p14:creationId xmlns:p14="http://schemas.microsoft.com/office/powerpoint/2010/main" val="1986635844"/>
+        <p14:creationId xmlns:p14="http://schemas.microsoft.com/office/powerpoint/2010/main" val="1915571413"/>
       </p:ext>
     </p:extLst>
   </p:cSld>
@@ -14817,6 +14770,98 @@
 </p:sld>
 </file>
 
+<file path=ppt/slides/slide23.xml><?xml version="1.0" encoding="utf-8"?>
+<p:sld xmlns:a="http://schemas.openxmlformats.org/drawingml/2006/main" xmlns:r="http://schemas.openxmlformats.org/officeDocument/2006/relationships" xmlns:p="http://schemas.openxmlformats.org/presentationml/2006/main">
+  <p:cSld>
+    <p:spTree>
+      <p:nvGrpSpPr>
+        <p:cNvPr id="1" name=""/>
+        <p:cNvGrpSpPr/>
+        <p:nvPr/>
+      </p:nvGrpSpPr>
+      <p:grpSpPr>
+        <a:xfrm>
+          <a:off x="0" y="0"/>
+          <a:ext cx="0" cy="0"/>
+          <a:chOff x="0" y="0"/>
+          <a:chExt cx="0" cy="0"/>
+        </a:xfrm>
+      </p:grpSpPr>
+      <p:sp>
+        <p:nvSpPr>
+          <p:cNvPr id="2" name="Titel 1"/>
+          <p:cNvSpPr>
+            <a:spLocks noGrp="1"/>
+          </p:cNvSpPr>
+          <p:nvPr>
+            <p:ph type="title"/>
+          </p:nvPr>
+        </p:nvSpPr>
+        <p:spPr/>
+        <p:txBody>
+          <a:bodyPr/>
+          <a:lstStyle/>
+          <a:p>
+            <a:r>
+              <a:rPr lang="de-DE" dirty="0"/>
+              <a:t>Modul 1: Kommentare</a:t>
+            </a:r>
+          </a:p>
+        </p:txBody>
+      </p:sp>
+      <p:sp>
+        <p:nvSpPr>
+          <p:cNvPr id="3" name="Inhaltsplatzhalter 2"/>
+          <p:cNvSpPr>
+            <a:spLocks noGrp="1"/>
+          </p:cNvSpPr>
+          <p:nvPr>
+            <p:ph idx="1"/>
+          </p:nvPr>
+        </p:nvSpPr>
+        <p:spPr/>
+        <p:txBody>
+          <a:bodyPr/>
+          <a:lstStyle/>
+          <a:p>
+            <a:pPr marL="0" indent="0">
+              <a:buNone/>
+            </a:pPr>
+            <a:r>
+              <a:rPr lang="de-DE" dirty="0"/>
+              <a:t>Zu aller erst:</a:t>
+            </a:r>
+          </a:p>
+          <a:p>
+            <a:pPr marL="0" indent="0">
+              <a:buNone/>
+            </a:pPr>
+            <a:r>
+              <a:rPr lang="de-DE" dirty="0"/>
+              <a:t>Wie kommentiere ich in F#?</a:t>
+            </a:r>
+          </a:p>
+          <a:p>
+            <a:pPr marL="0" indent="0">
+              <a:buNone/>
+            </a:pPr>
+            <a:endParaRPr lang="de-DE" dirty="0"/>
+          </a:p>
+        </p:txBody>
+      </p:sp>
+    </p:spTree>
+    <p:extLst>
+      <p:ext uri="{BB962C8B-B14F-4D97-AF65-F5344CB8AC3E}">
+        <p14:creationId xmlns:p14="http://schemas.microsoft.com/office/powerpoint/2010/main" val="950853032"/>
+      </p:ext>
+    </p:extLst>
+  </p:cSld>
+  <p:clrMapOvr>
+    <a:masterClrMapping/>
+  </p:clrMapOvr>
+</p:sld>
+</file>
+
 <file path=ppt/slides/slide24.xml><?xml version="1.0" encoding="utf-8"?>
 <p:sld xmlns:a="http://schemas.openxmlformats.org/drawingml/2006/main" xmlns:r="http://schemas.openxmlformats.org/officeDocument/2006/relationships" xmlns:p="http://schemas.openxmlformats.org/presentationml/2006/main">
   <p:cSld>
@@ -14851,7 +14896,7 @@
           <a:p>
             <a:r>
               <a:rPr lang="de-DE" dirty="0"/>
-              <a:t>Modul 1: REPL</a:t>
+              <a:t>Modul 1: Ausdrücke</a:t>
             </a:r>
           </a:p>
         </p:txBody>
@@ -14873,19 +14918,62 @@
           <a:p>
             <a:r>
               <a:rPr lang="de-DE" dirty="0"/>
-              <a:t>Alt + Enter Schickt den Ausdruck zum REPL</a:t>
-            </a:r>
-          </a:p>
-          <a:p>
+              <a:t>Definiert mit dem Schlüsselwort </a:t>
+            </a:r>
+            <a:r>
+              <a:rPr lang="de-DE" dirty="0" err="1"/>
+              <a:t>let</a:t>
+            </a:r>
             <a:endParaRPr lang="de-DE" dirty="0"/>
           </a:p>
           <a:p>
             <a:r>
               <a:rPr lang="de-DE" dirty="0"/>
-              <a:t>Reset setzt zurück</a:t>
-            </a:r>
-          </a:p>
-          <a:p>
+              <a:t>Sind per Default nicht änderbar (</a:t>
+            </a:r>
+            <a:r>
+              <a:rPr lang="de-DE" dirty="0" err="1"/>
+              <a:t>immutable</a:t>
+            </a:r>
+            <a:r>
+              <a:rPr lang="de-DE" dirty="0"/>
+              <a:t>)</a:t>
+            </a:r>
+          </a:p>
+          <a:p>
+            <a:r>
+              <a:rPr lang="de-DE" dirty="0"/>
+              <a:t>Compiler </a:t>
+            </a:r>
+            <a:r>
+              <a:rPr lang="de-DE" dirty="0" err="1"/>
+              <a:t>ermittlet</a:t>
+            </a:r>
+            <a:r>
+              <a:rPr lang="de-DE" dirty="0"/>
+              <a:t> den Typ (</a:t>
+            </a:r>
+            <a:r>
+              <a:rPr lang="de-DE" dirty="0" err="1"/>
+              <a:t>var</a:t>
+            </a:r>
+            <a:r>
+              <a:rPr lang="de-DE" dirty="0"/>
+              <a:t> in </a:t>
+            </a:r>
+            <a:r>
+              <a:rPr lang="de-DE" dirty="0" err="1"/>
+              <a:t>c#</a:t>
+            </a:r>
+            <a:r>
+              <a:rPr lang="de-DE" dirty="0"/>
+              <a:t>)</a:t>
+            </a:r>
+          </a:p>
+          <a:p>
+            <a:pPr marL="0" indent="0">
+              <a:buNone/>
+            </a:pPr>
             <a:endParaRPr lang="de-DE" dirty="0"/>
           </a:p>
         </p:txBody>
@@ -14893,7 +14981,7 @@
     </p:spTree>
     <p:extLst>
       <p:ext uri="{BB962C8B-B14F-4D97-AF65-F5344CB8AC3E}">
-        <p14:creationId xmlns:p14="http://schemas.microsoft.com/office/powerpoint/2010/main" val="1146460567"/>
+        <p14:creationId xmlns:p14="http://schemas.microsoft.com/office/powerpoint/2010/main" val="1986635844"/>
       </p:ext>
     </p:extLst>
   </p:cSld>
@@ -14978,6 +15066,55 @@
                                     <p:set>
                                       <p:cBhvr>
                                         <p:cTn id="10" dur="1" fill="hold">
+                                          <p:stCondLst>
+                                            <p:cond delay="0"/>
+                                          </p:stCondLst>
+                                        </p:cTn>
+                                        <p:tgtEl>
+                                          <p:spTgt spid="3">
+                                            <p:txEl>
+                                              <p:pRg st="1" end="1"/>
+                                            </p:txEl>
+                                          </p:spTgt>
+                                        </p:tgtEl>
+                                        <p:attrNameLst>
+                                          <p:attrName>style.visibility</p:attrName>
+                                        </p:attrNameLst>
+                                      </p:cBhvr>
+                                      <p:to>
+                                        <p:strVal val="visible"/>
+                                      </p:to>
+                                    </p:set>
+                                  </p:childTnLst>
+                                </p:cTn>
+                              </p:par>
+                            </p:childTnLst>
+                          </p:cTn>
+                        </p:par>
+                      </p:childTnLst>
+                    </p:cTn>
+                  </p:par>
+                  <p:par>
+                    <p:cTn id="11" fill="hold">
+                      <p:stCondLst>
+                        <p:cond delay="indefinite"/>
+                      </p:stCondLst>
+                      <p:childTnLst>
+                        <p:par>
+                          <p:cTn id="12" fill="hold">
+                            <p:stCondLst>
+                              <p:cond delay="0"/>
+                            </p:stCondLst>
+                            <p:childTnLst>
+                              <p:par>
+                                <p:cTn id="13" presetID="1" presetClass="entr" presetSubtype="0" fill="hold" grpId="0" nodeType="clickEffect">
+                                  <p:stCondLst>
+                                    <p:cond delay="0"/>
+                                  </p:stCondLst>
+                                  <p:childTnLst>
+                                    <p:set>
+                                      <p:cBhvr>
+                                        <p:cTn id="14" dur="1" fill="hold">
                                           <p:stCondLst>
                                             <p:cond delay="0"/>
                                           </p:stCondLst>
@@ -15765,7 +15902,7 @@
           <a:p>
             <a:r>
               <a:rPr lang="de-DE" dirty="0"/>
-              <a:t>List in F# implementiert fiele Funktionen</a:t>
+              <a:t>List in F# implementiert viele Funktionen</a:t>
             </a:r>
           </a:p>
           <a:p>
@@ -16392,133 +16529,6 @@
           <a:p>
             <a:r>
               <a:rPr lang="de-DE" dirty="0"/>
-              <a:t>Modul 1: Verketten</a:t>
-            </a:r>
-          </a:p>
-        </p:txBody>
-      </p:sp>
-      <p:sp>
-        <p:nvSpPr>
-          <p:cNvPr id="3" name="Inhaltsplatzhalter 2"/>
-          <p:cNvSpPr>
-            <a:spLocks noGrp="1"/>
-          </p:cNvSpPr>
-          <p:nvPr>
-            <p:ph idx="1"/>
-          </p:nvPr>
-        </p:nvSpPr>
-        <p:spPr/>
-        <p:txBody>
-          <a:bodyPr/>
-          <a:lstStyle/>
-          <a:p>
-            <a:r>
-              <a:rPr lang="de-DE" dirty="0"/>
-              <a:t>Die Übung Verketten machen</a:t>
-            </a:r>
-          </a:p>
-        </p:txBody>
-      </p:sp>
-    </p:spTree>
-    <p:extLst>
-      <p:ext uri="{BB962C8B-B14F-4D97-AF65-F5344CB8AC3E}">
-        <p14:creationId xmlns:p14="http://schemas.microsoft.com/office/powerpoint/2010/main" val="1245132831"/>
-      </p:ext>
-    </p:extLst>
-  </p:cSld>
-  <p:clrMapOvr>
-    <a:masterClrMapping/>
-  </p:clrMapOvr>
-</p:sld>
-</file>
-
-<file path=ppt/slides/slide3.xml><?xml version="1.0" encoding="utf-8"?>
-<p:sld xmlns:a="http://schemas.openxmlformats.org/drawingml/2006/main" xmlns:r="http://schemas.openxmlformats.org/officeDocument/2006/relationships" xmlns:p="http://schemas.openxmlformats.org/presentationml/2006/main">
-  <p:cSld>
-    <p:spTree>
-      <p:nvGrpSpPr>
-        <p:cNvPr id="1" name=""/>
-        <p:cNvGrpSpPr/>
-        <p:nvPr/>
-      </p:nvGrpSpPr>
-      <p:grpSpPr>
-        <a:xfrm>
-          <a:off x="0" y="0"/>
-          <a:ext cx="0" cy="0"/>
-          <a:chOff x="0" y="0"/>
-          <a:chExt cx="0" cy="0"/>
-        </a:xfrm>
-      </p:grpSpPr>
-      <p:sp>
-        <p:nvSpPr>
-          <p:cNvPr id="2" name="Title 1"/>
-          <p:cNvSpPr>
-            <a:spLocks noGrp="1"/>
-          </p:cNvSpPr>
-          <p:nvPr>
-            <p:ph type="title"/>
-          </p:nvPr>
-        </p:nvSpPr>
-        <p:spPr/>
-        <p:txBody>
-          <a:bodyPr/>
-          <a:lstStyle/>
-          <a:p>
-            <a:r>
-              <a:rPr lang="de-DE" dirty="0"/>
-              <a:t>Funktional ist kein Trend</a:t>
-            </a:r>
-            <a:endParaRPr lang="en-US" dirty="0"/>
-          </a:p>
-        </p:txBody>
-      </p:sp>
-    </p:spTree>
-    <p:extLst>
-      <p:ext uri="{BB962C8B-B14F-4D97-AF65-F5344CB8AC3E}">
-        <p14:creationId xmlns:p14="http://schemas.microsoft.com/office/powerpoint/2010/main" val="2665407636"/>
-      </p:ext>
-    </p:extLst>
-  </p:cSld>
-  <p:clrMapOvr>
-    <a:masterClrMapping/>
-  </p:clrMapOvr>
-</p:sld>
-</file>
-
-<file path=ppt/slides/slide30.xml><?xml version="1.0" encoding="utf-8"?>
-<p:sld xmlns:a="http://schemas.openxmlformats.org/drawingml/2006/main" xmlns:r="http://schemas.openxmlformats.org/officeDocument/2006/relationships" xmlns:p="http://schemas.openxmlformats.org/presentationml/2006/main">
-  <p:cSld>
-    <p:spTree>
-      <p:nvGrpSpPr>
-        <p:cNvPr id="1" name=""/>
-        <p:cNvGrpSpPr/>
-        <p:nvPr/>
-      </p:nvGrpSpPr>
-      <p:grpSpPr>
-        <a:xfrm>
-          <a:off x="0" y="0"/>
-          <a:ext cx="0" cy="0"/>
-          <a:chOff x="0" y="0"/>
-          <a:chExt cx="0" cy="0"/>
-        </a:xfrm>
-      </p:grpSpPr>
-      <p:sp>
-        <p:nvSpPr>
-          <p:cNvPr id="2" name="Titel 1"/>
-          <p:cNvSpPr>
-            <a:spLocks noGrp="1"/>
-          </p:cNvSpPr>
-          <p:nvPr>
-            <p:ph type="title"/>
-          </p:nvPr>
-        </p:nvSpPr>
-        <p:spPr/>
-        <p:txBody>
-          <a:bodyPr/>
-          <a:lstStyle/>
-          <a:p>
-            <a:r>
-              <a:rPr lang="de-DE" dirty="0"/>
               <a:t>Modul 1: F# ist streng!</a:t>
             </a:r>
           </a:p>
@@ -16822,6 +16832,238 @@
 </p:sld>
 </file>
 
+<file path=ppt/slides/slide3.xml><?xml version="1.0" encoding="utf-8"?>
+<p:sld xmlns:a="http://schemas.openxmlformats.org/drawingml/2006/main" xmlns:r="http://schemas.openxmlformats.org/officeDocument/2006/relationships" xmlns:p="http://schemas.openxmlformats.org/presentationml/2006/main">
+  <p:cSld>
+    <p:spTree>
+      <p:nvGrpSpPr>
+        <p:cNvPr id="1" name=""/>
+        <p:cNvGrpSpPr/>
+        <p:nvPr/>
+      </p:nvGrpSpPr>
+      <p:grpSpPr>
+        <a:xfrm>
+          <a:off x="0" y="0"/>
+          <a:ext cx="0" cy="0"/>
+          <a:chOff x="0" y="0"/>
+          <a:chExt cx="0" cy="0"/>
+        </a:xfrm>
+      </p:grpSpPr>
+      <p:sp>
+        <p:nvSpPr>
+          <p:cNvPr id="2" name="Title 1"/>
+          <p:cNvSpPr>
+            <a:spLocks noGrp="1"/>
+          </p:cNvSpPr>
+          <p:nvPr>
+            <p:ph type="title"/>
+          </p:nvPr>
+        </p:nvSpPr>
+        <p:spPr/>
+        <p:txBody>
+          <a:bodyPr/>
+          <a:lstStyle/>
+          <a:p>
+            <a:r>
+              <a:rPr lang="de-DE" dirty="0"/>
+              <a:t>Funktional ist kein Trend</a:t>
+            </a:r>
+            <a:endParaRPr lang="en-US" dirty="0"/>
+          </a:p>
+        </p:txBody>
+      </p:sp>
+    </p:spTree>
+    <p:extLst>
+      <p:ext uri="{BB962C8B-B14F-4D97-AF65-F5344CB8AC3E}">
+        <p14:creationId xmlns:p14="http://schemas.microsoft.com/office/powerpoint/2010/main" val="2665407636"/>
+      </p:ext>
+    </p:extLst>
+  </p:cSld>
+  <p:clrMapOvr>
+    <a:masterClrMapping/>
+  </p:clrMapOvr>
+</p:sld>
+</file>
+
+<file path=ppt/slides/slide30.xml><?xml version="1.0" encoding="utf-8"?>
+<p:sld xmlns:a="http://schemas.openxmlformats.org/drawingml/2006/main" xmlns:r="http://schemas.openxmlformats.org/officeDocument/2006/relationships" xmlns:p="http://schemas.openxmlformats.org/presentationml/2006/main">
+  <p:cSld>
+    <p:spTree>
+      <p:nvGrpSpPr>
+        <p:cNvPr id="1" name=""/>
+        <p:cNvGrpSpPr/>
+        <p:nvPr/>
+      </p:nvGrpSpPr>
+      <p:grpSpPr>
+        <a:xfrm>
+          <a:off x="0" y="0"/>
+          <a:ext cx="0" cy="0"/>
+          <a:chOff x="0" y="0"/>
+          <a:chExt cx="0" cy="0"/>
+        </a:xfrm>
+      </p:grpSpPr>
+      <p:sp>
+        <p:nvSpPr>
+          <p:cNvPr id="2" name="Titel 1"/>
+          <p:cNvSpPr>
+            <a:spLocks noGrp="1"/>
+          </p:cNvSpPr>
+          <p:nvPr>
+            <p:ph type="title"/>
+          </p:nvPr>
+        </p:nvSpPr>
+        <p:spPr/>
+        <p:txBody>
+          <a:bodyPr/>
+          <a:lstStyle/>
+          <a:p>
+            <a:r>
+              <a:rPr lang="de-DE" dirty="0"/>
+              <a:t>Modul 1: F# ist streng!</a:t>
+            </a:r>
+          </a:p>
+        </p:txBody>
+      </p:sp>
+      <p:sp>
+        <p:nvSpPr>
+          <p:cNvPr id="3" name="Inhaltsplatzhalter 2"/>
+          <p:cNvSpPr>
+            <a:spLocks noGrp="1"/>
+          </p:cNvSpPr>
+          <p:nvPr>
+            <p:ph idx="1"/>
+          </p:nvPr>
+        </p:nvSpPr>
+        <p:spPr/>
+        <p:txBody>
+          <a:bodyPr/>
+          <a:lstStyle/>
+          <a:p>
+            <a:pPr marL="0" indent="0" algn="ctr">
+              <a:buNone/>
+            </a:pPr>
+            <a:endParaRPr lang="de-DE" dirty="0"/>
+          </a:p>
+          <a:p>
+            <a:pPr marL="0" indent="0" algn="ctr">
+              <a:buNone/>
+            </a:pPr>
+            <a:endParaRPr lang="de-DE" dirty="0"/>
+          </a:p>
+          <a:p>
+            <a:pPr marL="0" indent="0" algn="ctr">
+              <a:buNone/>
+            </a:pPr>
+            <a:r>
+              <a:rPr lang="de-DE" dirty="0"/>
+              <a:t>Eine Welt mit viel </a:t>
+            </a:r>
+            <a:r>
+              <a:rPr lang="de-DE" dirty="0" err="1"/>
+              <a:t>viel</a:t>
+            </a:r>
+            <a:r>
+              <a:rPr lang="de-DE" dirty="0"/>
+              <a:t> weniger zyklische Referenzen ist möglich</a:t>
+            </a:r>
+          </a:p>
+        </p:txBody>
+      </p:sp>
+    </p:spTree>
+    <p:extLst>
+      <p:ext uri="{BB962C8B-B14F-4D97-AF65-F5344CB8AC3E}">
+        <p14:creationId xmlns:p14="http://schemas.microsoft.com/office/powerpoint/2010/main" val="1128692498"/>
+      </p:ext>
+    </p:extLst>
+  </p:cSld>
+  <p:clrMapOvr>
+    <a:masterClrMapping/>
+  </p:clrMapOvr>
+  <p:timing>
+    <p:tnLst>
+      <p:par>
+        <p:cTn id="1" dur="indefinite" restart="never" nodeType="tmRoot">
+          <p:childTnLst>
+            <p:seq concurrent="1" nextAc="seek">
+              <p:cTn id="2" dur="indefinite" nodeType="mainSeq">
+                <p:childTnLst>
+                  <p:par>
+                    <p:cTn id="3" fill="hold">
+                      <p:stCondLst>
+                        <p:cond delay="indefinite"/>
+                      </p:stCondLst>
+                      <p:childTnLst>
+                        <p:par>
+                          <p:cTn id="4" fill="hold">
+                            <p:stCondLst>
+                              <p:cond delay="0"/>
+                            </p:stCondLst>
+                            <p:childTnLst>
+                              <p:par>
+                                <p:cTn id="5" presetID="1" presetClass="entr" presetSubtype="0" fill="hold" grpId="0" nodeType="clickEffect">
+                                  <p:stCondLst>
+                                    <p:cond delay="0"/>
+                                  </p:stCondLst>
+                                  <p:childTnLst>
+                                    <p:set>
+                                      <p:cBhvr>
+                                        <p:cTn id="6" dur="1" fill="hold">
+                                          <p:stCondLst>
+                                            <p:cond delay="0"/>
+                                          </p:stCondLst>
+                                        </p:cTn>
+                                        <p:tgtEl>
+                                          <p:spTgt spid="3">
+                                            <p:txEl>
+                                              <p:pRg st="2" end="2"/>
+                                            </p:txEl>
+                                          </p:spTgt>
+                                        </p:tgtEl>
+                                        <p:attrNameLst>
+                                          <p:attrName>style.visibility</p:attrName>
+                                        </p:attrNameLst>
+                                      </p:cBhvr>
+                                      <p:to>
+                                        <p:strVal val="visible"/>
+                                      </p:to>
+                                    </p:set>
+                                  </p:childTnLst>
+                                </p:cTn>
+                              </p:par>
+                            </p:childTnLst>
+                          </p:cTn>
+                        </p:par>
+                      </p:childTnLst>
+                    </p:cTn>
+                  </p:par>
+                </p:childTnLst>
+              </p:cTn>
+              <p:prevCondLst>
+                <p:cond evt="onPrev" delay="0">
+                  <p:tgtEl>
+                    <p:sldTgt/>
+                  </p:tgtEl>
+                </p:cond>
+              </p:prevCondLst>
+              <p:nextCondLst>
+                <p:cond evt="onNext" delay="0">
+                  <p:tgtEl>
+                    <p:sldTgt/>
+                  </p:tgtEl>
+                </p:cond>
+              </p:nextCondLst>
+            </p:seq>
+          </p:childTnLst>
+        </p:cTn>
+      </p:par>
+    </p:tnLst>
+    <p:bldLst>
+      <p:bldP spid="3" grpId="0" build="p"/>
+    </p:bldLst>
+  </p:timing>
+</p:sld>
+</file>
+
 <file path=ppt/slides/slide31.xml><?xml version="1.0" encoding="utf-8"?>
 <p:sld xmlns:a="http://schemas.openxmlformats.org/drawingml/2006/main" xmlns:r="http://schemas.openxmlformats.org/officeDocument/2006/relationships" xmlns:p="http://schemas.openxmlformats.org/presentationml/2006/main">
   <p:cSld>
@@ -16883,7 +17125,7 @@
         <p:spPr>
           <a:xfrm>
             <a:off x="971599" y="4005064"/>
-            <a:ext cx="7409849" cy="1569660"/>
+            <a:ext cx="7409849" cy="2308324"/>
           </a:xfrm>
           <a:prstGeom prst="rect">
             <a:avLst/>
@@ -16902,15 +17144,11 @@
             </a:pPr>
             <a:r>
               <a:rPr lang="de-DE" sz="2400" dirty="0"/>
-              <a:t>Gibt einen Wert zurück (kann </a:t>
-            </a:r>
-            <a:r>
-              <a:rPr lang="de-DE" sz="2400" dirty="0" err="1"/>
-              <a:t>switch</a:t>
-            </a:r>
-            <a:r>
-              <a:rPr lang="de-DE" sz="2400" dirty="0"/>
-              <a:t> nicht)</a:t>
+              <a:t>Wiki: </a:t>
+            </a:r>
+            <a:r>
+              <a:rPr lang="de-DE" sz="2400" i="1" dirty="0"/>
+              <a:t>Daten anhand ihrer Struktur zu verarbeiten</a:t>
             </a:r>
           </a:p>
           <a:p>
@@ -16920,7 +17158,15 @@
             </a:pPr>
             <a:r>
               <a:rPr lang="de-DE" sz="2400" dirty="0"/>
-              <a:t>Erlaubt die Extraktion von Werten aus Datentypen auch</a:t>
+              <a:t>Gibt einen Wert zurück (kann </a:t>
+            </a:r>
+            <a:r>
+              <a:rPr lang="de-DE" sz="2400" dirty="0" err="1"/>
+              <a:t>switch</a:t>
+            </a:r>
+            <a:r>
+              <a:rPr lang="de-DE" sz="2400" dirty="0"/>
+              <a:t> nicht)</a:t>
             </a:r>
           </a:p>
           <a:p>
@@ -16930,6 +17176,26 @@
             </a:pPr>
             <a:r>
               <a:rPr lang="de-DE" sz="2400" dirty="0"/>
+              <a:t>Erlaubt die Extraktion von Werten aus Datentypen auch</a:t>
+            </a:r>
+          </a:p>
+          <a:p>
+            <a:pPr marL="285750" indent="-285750">
+              <a:buFont typeface="Arial" panose="020B0604020202020204" pitchFamily="34" charset="0"/>
+              <a:buChar char="•"/>
+            </a:pPr>
+            <a:r>
+              <a:rPr lang="de-DE" sz="2400" dirty="0"/>
+              <a:t>Entweder ausschöpfend oder mit Fall _</a:t>
+            </a:r>
+          </a:p>
+          <a:p>
+            <a:pPr marL="285750" indent="-285750">
+              <a:buFont typeface="Arial" panose="020B0604020202020204" pitchFamily="34" charset="0"/>
+              <a:buChar char="•"/>
+            </a:pPr>
+            <a:r>
+              <a:rPr lang="de-DE" sz="2400" dirty="0"/>
               <a:t>Angepasst für die F# Datentypen, weniger für OO</a:t>
             </a:r>
           </a:p>
@@ -16940,7 +17206,7 @@
       </p:sp>
       <p:pic>
         <p:nvPicPr>
-          <p:cNvPr id="1028" name="Picture 4"/>
+          <p:cNvPr id="7" name="Picture 4"/>
           <p:cNvPicPr>
             <a:picLocks noChangeAspect="1" noChangeArrowheads="1"/>
           </p:cNvPicPr>
@@ -16961,8 +17227,8 @@
         </p:blipFill>
         <p:spPr bwMode="auto">
           <a:xfrm>
-            <a:off x="971600" y="1484784"/>
-            <a:ext cx="5543550" cy="2343150"/>
+            <a:off x="1115616" y="1600423"/>
+            <a:ext cx="5256584" cy="2221855"/>
           </a:xfrm>
           <a:prstGeom prst="rect">
             <a:avLst/>
@@ -16995,7 +17261,7 @@
     </p:spTree>
     <p:extLst>
       <p:ext uri="{BB962C8B-B14F-4D97-AF65-F5344CB8AC3E}">
-        <p14:creationId xmlns:p14="http://schemas.microsoft.com/office/powerpoint/2010/main" val="1724980946"/>
+        <p14:creationId xmlns:p14="http://schemas.microsoft.com/office/powerpoint/2010/main" val="234320493"/>
       </p:ext>
     </p:extLst>
   </p:cSld>
@@ -17036,7 +17302,7 @@
                                           </p:stCondLst>
                                         </p:cTn>
                                         <p:tgtEl>
-                                          <p:spTgt spid="1028"/>
+                                          <p:spTgt spid="7"/>
                                         </p:tgtEl>
                                         <p:attrNameLst>
                                           <p:attrName>style.visibility</p:attrName>
@@ -17081,7 +17347,207 @@
                                           </p:stCondLst>
                                         </p:cTn>
                                         <p:tgtEl>
-                                          <p:spTgt spid="4"/>
+                                          <p:spTgt spid="4">
+                                            <p:txEl>
+                                              <p:pRg st="0" end="0"/>
+                                            </p:txEl>
+                                          </p:spTgt>
+                                        </p:tgtEl>
+                                        <p:attrNameLst>
+                                          <p:attrName>style.visibility</p:attrName>
+                                        </p:attrNameLst>
+                                      </p:cBhvr>
+                                      <p:to>
+                                        <p:strVal val="visible"/>
+                                      </p:to>
+                                    </p:set>
+                                  </p:childTnLst>
+                                </p:cTn>
+                              </p:par>
+                            </p:childTnLst>
+                          </p:cTn>
+                        </p:par>
+                      </p:childTnLst>
+                    </p:cTn>
+                  </p:par>
+                  <p:par>
+                    <p:cTn id="11" fill="hold">
+                      <p:stCondLst>
+                        <p:cond delay="indefinite"/>
+                      </p:stCondLst>
+                      <p:childTnLst>
+                        <p:par>
+                          <p:cTn id="12" fill="hold">
+                            <p:stCondLst>
+                              <p:cond delay="0"/>
+                            </p:stCondLst>
+                            <p:childTnLst>
+                              <p:par>
+                                <p:cTn id="13" presetID="1" presetClass="entr" presetSubtype="0" fill="hold" grpId="0" nodeType="clickEffect">
+                                  <p:stCondLst>
+                                    <p:cond delay="0"/>
+                                  </p:stCondLst>
+                                  <p:childTnLst>
+                                    <p:set>
+                                      <p:cBhvr>
+                                        <p:cTn id="14" dur="1" fill="hold">
+                                          <p:stCondLst>
+                                            <p:cond delay="0"/>
+                                          </p:stCondLst>
+                                        </p:cTn>
+                                        <p:tgtEl>
+                                          <p:spTgt spid="4">
+                                            <p:txEl>
+                                              <p:pRg st="1" end="1"/>
+                                            </p:txEl>
+                                          </p:spTgt>
+                                        </p:tgtEl>
+                                        <p:attrNameLst>
+                                          <p:attrName>style.visibility</p:attrName>
+                                        </p:attrNameLst>
+                                      </p:cBhvr>
+                                      <p:to>
+                                        <p:strVal val="visible"/>
+                                      </p:to>
+                                    </p:set>
+                                  </p:childTnLst>
+                                </p:cTn>
+                              </p:par>
+                            </p:childTnLst>
+                          </p:cTn>
+                        </p:par>
+                      </p:childTnLst>
+                    </p:cTn>
+                  </p:par>
+                  <p:par>
+                    <p:cTn id="15" fill="hold">
+                      <p:stCondLst>
+                        <p:cond delay="indefinite"/>
+                      </p:stCondLst>
+                      <p:childTnLst>
+                        <p:par>
+                          <p:cTn id="16" fill="hold">
+                            <p:stCondLst>
+                              <p:cond delay="0"/>
+                            </p:stCondLst>
+                            <p:childTnLst>
+                              <p:par>
+                                <p:cTn id="17" presetID="1" presetClass="entr" presetSubtype="0" fill="hold" grpId="0" nodeType="clickEffect">
+                                  <p:stCondLst>
+                                    <p:cond delay="0"/>
+                                  </p:stCondLst>
+                                  <p:childTnLst>
+                                    <p:set>
+                                      <p:cBhvr>
+                                        <p:cTn id="18" dur="1" fill="hold">
+                                          <p:stCondLst>
+                                            <p:cond delay="0"/>
+                                          </p:stCondLst>
+                                        </p:cTn>
+                                        <p:tgtEl>
+                                          <p:spTgt spid="4">
+                                            <p:txEl>
+                                              <p:pRg st="2" end="2"/>
+                                            </p:txEl>
+                                          </p:spTgt>
+                                        </p:tgtEl>
+                                        <p:attrNameLst>
+                                          <p:attrName>style.visibility</p:attrName>
+                                        </p:attrNameLst>
+                                      </p:cBhvr>
+                                      <p:to>
+                                        <p:strVal val="visible"/>
+                                      </p:to>
+                                    </p:set>
+                                  </p:childTnLst>
+                                </p:cTn>
+                              </p:par>
+                            </p:childTnLst>
+                          </p:cTn>
+                        </p:par>
+                      </p:childTnLst>
+                    </p:cTn>
+                  </p:par>
+                  <p:par>
+                    <p:cTn id="19" fill="hold">
+                      <p:stCondLst>
+                        <p:cond delay="indefinite"/>
+                      </p:stCondLst>
+                      <p:childTnLst>
+                        <p:par>
+                          <p:cTn id="20" fill="hold">
+                            <p:stCondLst>
+                              <p:cond delay="0"/>
+                            </p:stCondLst>
+                            <p:childTnLst>
+                              <p:par>
+                                <p:cTn id="21" presetID="1" presetClass="entr" presetSubtype="0" fill="hold" grpId="0" nodeType="clickEffect">
+                                  <p:stCondLst>
+                                    <p:cond delay="0"/>
+                                  </p:stCondLst>
+                                  <p:childTnLst>
+                                    <p:set>
+                                      <p:cBhvr>
+                                        <p:cTn id="22" dur="1" fill="hold">
+                                          <p:stCondLst>
+                                            <p:cond delay="0"/>
+                                          </p:stCondLst>
+                                        </p:cTn>
+                                        <p:tgtEl>
+                                          <p:spTgt spid="4">
+                                            <p:txEl>
+                                              <p:pRg st="3" end="3"/>
+                                            </p:txEl>
+                                          </p:spTgt>
+                                        </p:tgtEl>
+                                        <p:attrNameLst>
+                                          <p:attrName>style.visibility</p:attrName>
+                                        </p:attrNameLst>
+                                      </p:cBhvr>
+                                      <p:to>
+                                        <p:strVal val="visible"/>
+                                      </p:to>
+                                    </p:set>
+                                  </p:childTnLst>
+                                </p:cTn>
+                              </p:par>
+                            </p:childTnLst>
+                          </p:cTn>
+                        </p:par>
+                      </p:childTnLst>
+                    </p:cTn>
+                  </p:par>
+                  <p:par>
+                    <p:cTn id="23" fill="hold">
+                      <p:stCondLst>
+                        <p:cond delay="indefinite"/>
+                      </p:stCondLst>
+                      <p:childTnLst>
+                        <p:par>
+                          <p:cTn id="24" fill="hold">
+                            <p:stCondLst>
+                              <p:cond delay="0"/>
+                            </p:stCondLst>
+                            <p:childTnLst>
+                              <p:par>
+                                <p:cTn id="25" presetID="1" presetClass="entr" presetSubtype="0" fill="hold" grpId="0" nodeType="clickEffect">
+                                  <p:stCondLst>
+                                    <p:cond delay="0"/>
+                                  </p:stCondLst>
+                                  <p:childTnLst>
+                                    <p:set>
+                                      <p:cBhvr>
+                                        <p:cTn id="26" dur="1" fill="hold">
+                                          <p:stCondLst>
+                                            <p:cond delay="0"/>
+                                          </p:stCondLst>
+                                        </p:cTn>
+                                        <p:tgtEl>
+                                          <p:spTgt spid="4">
+                                            <p:txEl>
+                                              <p:pRg st="4" end="4"/>
+                                            </p:txEl>
+                                          </p:spTgt>
                                         </p:tgtEl>
                                         <p:attrNameLst>
                                           <p:attrName>style.visibility</p:attrName>
@@ -17122,7 +17588,7 @@
       </p:par>
     </p:tnLst>
     <p:bldLst>
-      <p:bldP spid="4" grpId="0"/>
+      <p:bldP spid="4" grpId="0" uiExpand="1" build="p"/>
     </p:bldLst>
   </p:timing>
 </p:sld>

--- a/FSharp.pptx
+++ b/FSharp.pptx
@@ -5,7 +5,7 @@
     <p:sldMasterId id="2147483648" r:id="rId1"/>
   </p:sldMasterIdLst>
   <p:notesMasterIdLst>
-    <p:notesMasterId r:id="rId41"/>
+    <p:notesMasterId r:id="rId42"/>
   </p:notesMasterIdLst>
   <p:sldIdLst>
     <p:sldId id="256" r:id="rId2"/>
@@ -34,19 +34,20 @@
     <p:sldId id="303" r:id="rId25"/>
     <p:sldId id="305" r:id="rId26"/>
     <p:sldId id="306" r:id="rId27"/>
-    <p:sldId id="309" r:id="rId28"/>
-    <p:sldId id="307" r:id="rId29"/>
-    <p:sldId id="310" r:id="rId30"/>
-    <p:sldId id="313" r:id="rId31"/>
-    <p:sldId id="314" r:id="rId32"/>
-    <p:sldId id="265" r:id="rId33"/>
-    <p:sldId id="270" r:id="rId34"/>
-    <p:sldId id="273" r:id="rId35"/>
-    <p:sldId id="276" r:id="rId36"/>
-    <p:sldId id="278" r:id="rId37"/>
-    <p:sldId id="280" r:id="rId38"/>
-    <p:sldId id="281" r:id="rId39"/>
-    <p:sldId id="283" r:id="rId40"/>
+    <p:sldId id="315" r:id="rId28"/>
+    <p:sldId id="309" r:id="rId29"/>
+    <p:sldId id="307" r:id="rId30"/>
+    <p:sldId id="310" r:id="rId31"/>
+    <p:sldId id="313" r:id="rId32"/>
+    <p:sldId id="314" r:id="rId33"/>
+    <p:sldId id="265" r:id="rId34"/>
+    <p:sldId id="270" r:id="rId35"/>
+    <p:sldId id="273" r:id="rId36"/>
+    <p:sldId id="276" r:id="rId37"/>
+    <p:sldId id="278" r:id="rId38"/>
+    <p:sldId id="280" r:id="rId39"/>
+    <p:sldId id="281" r:id="rId40"/>
+    <p:sldId id="283" r:id="rId41"/>
   </p:sldIdLst>
   <p:sldSz cx="9144000" cy="6858000" type="screen4x3"/>
   <p:notesSz cx="6858000" cy="9144000"/>
@@ -2878,6 +2879,107 @@
               <a:rPr lang="de-DE" baseline="0" dirty="0"/>
               <a:t> und REPL</a:t>
             </a:r>
+          </a:p>
+          <a:p>
+            <a:pPr marL="0" marR="0" lvl="0" indent="0" algn="l" defTabSz="914400" rtl="0" eaLnBrk="1" fontAlgn="auto" latinLnBrk="0" hangingPunct="1">
+              <a:lnSpc>
+                <a:spcPct val="100000"/>
+              </a:lnSpc>
+              <a:spcBef>
+                <a:spcPts val="0"/>
+              </a:spcBef>
+              <a:spcAft>
+                <a:spcPts val="0"/>
+              </a:spcAft>
+              <a:buClrTx/>
+              <a:buSzTx/>
+              <a:buFontTx/>
+              <a:buNone/>
+              <a:tabLst/>
+              <a:defRPr/>
+            </a:pPr>
+            <a:endParaRPr lang="de-DE" baseline="0" dirty="0"/>
+          </a:p>
+          <a:p>
+            <a:pPr marL="0" marR="0" lvl="0" indent="0" algn="l" defTabSz="914400" rtl="0" eaLnBrk="1" fontAlgn="auto" latinLnBrk="0" hangingPunct="1">
+              <a:lnSpc>
+                <a:spcPct val="100000"/>
+              </a:lnSpc>
+              <a:spcBef>
+                <a:spcPts val="0"/>
+              </a:spcBef>
+              <a:spcAft>
+                <a:spcPts val="0"/>
+              </a:spcAft>
+              <a:buClrTx/>
+              <a:buSzTx/>
+              <a:buFontTx/>
+              <a:buNone/>
+              <a:tabLst/>
+              <a:defRPr/>
+            </a:pPr>
+            <a:r>
+              <a:rPr lang="de-DE" baseline="0" dirty="0"/>
+              <a:t>Modul 1, Übung Script und FSI</a:t>
+            </a:r>
+          </a:p>
+          <a:p>
+            <a:pPr marL="0" marR="0" lvl="0" indent="0" algn="l" defTabSz="914400" rtl="0" eaLnBrk="1" fontAlgn="auto" latinLnBrk="0" hangingPunct="1">
+              <a:lnSpc>
+                <a:spcPct val="100000"/>
+              </a:lnSpc>
+              <a:spcBef>
+                <a:spcPts val="0"/>
+              </a:spcBef>
+              <a:spcAft>
+                <a:spcPts val="0"/>
+              </a:spcAft>
+              <a:buClrTx/>
+              <a:buSzTx/>
+              <a:buFontTx/>
+              <a:buNone/>
+              <a:tabLst/>
+              <a:defRPr/>
+            </a:pPr>
+            <a:r>
+              <a:rPr lang="de-DE" baseline="0" dirty="0"/>
+              <a:t>FSI kann in einem </a:t>
+            </a:r>
+            <a:r>
+              <a:rPr lang="de-DE" baseline="0" dirty="0" err="1"/>
+              <a:t>cmd</a:t>
+            </a:r>
+            <a:r>
+              <a:rPr lang="de-DE" baseline="0" dirty="0"/>
+              <a:t> angegeben werden. Voraussetzung ist dass </a:t>
+            </a:r>
+            <a:r>
+              <a:rPr lang="de-DE" baseline="0" dirty="0" err="1"/>
+              <a:t>fsi</a:t>
+            </a:r>
+            <a:r>
+              <a:rPr lang="de-DE" baseline="0" dirty="0"/>
+              <a:t> im PATH ist.</a:t>
+            </a:r>
+          </a:p>
+          <a:p>
+            <a:pPr marL="0" marR="0" lvl="0" indent="0" algn="l" defTabSz="914400" rtl="0" eaLnBrk="1" fontAlgn="auto" latinLnBrk="0" hangingPunct="1">
+              <a:lnSpc>
+                <a:spcPct val="100000"/>
+              </a:lnSpc>
+              <a:spcBef>
+                <a:spcPts val="0"/>
+              </a:spcBef>
+              <a:spcAft>
+                <a:spcPts val="0"/>
+              </a:spcAft>
+              <a:buClrTx/>
+              <a:buSzTx/>
+              <a:buFontTx/>
+              <a:buNone/>
+              <a:tabLst/>
+              <a:defRPr/>
+            </a:pPr>
             <a:endParaRPr lang="de-DE" dirty="0"/>
           </a:p>
           <a:p>
@@ -2982,6 +3084,236 @@
           <a:bodyPr/>
           <a:lstStyle/>
           <a:p>
+            <a:pPr marL="0" marR="0" lvl="0" indent="0" algn="l" defTabSz="914400" rtl="0" eaLnBrk="1" fontAlgn="auto" latinLnBrk="0" hangingPunct="1">
+              <a:lnSpc>
+                <a:spcPct val="100000"/>
+              </a:lnSpc>
+              <a:spcBef>
+                <a:spcPts val="0"/>
+              </a:spcBef>
+              <a:spcAft>
+                <a:spcPts val="0"/>
+              </a:spcAft>
+              <a:buClrTx/>
+              <a:buSzTx/>
+              <a:buFontTx/>
+              <a:buNone/>
+              <a:tabLst/>
+              <a:defRPr/>
+            </a:pPr>
+            <a:r>
+              <a:rPr lang="de-DE" dirty="0"/>
+              <a:t>Modul 1, Übung Script</a:t>
+            </a:r>
+            <a:r>
+              <a:rPr lang="de-DE" baseline="0" dirty="0"/>
+              <a:t> und REPL</a:t>
+            </a:r>
+          </a:p>
+          <a:p>
+            <a:pPr marL="0" marR="0" lvl="0" indent="0" algn="l" defTabSz="914400" rtl="0" eaLnBrk="1" fontAlgn="auto" latinLnBrk="0" hangingPunct="1">
+              <a:lnSpc>
+                <a:spcPct val="100000"/>
+              </a:lnSpc>
+              <a:spcBef>
+                <a:spcPts val="0"/>
+              </a:spcBef>
+              <a:spcAft>
+                <a:spcPts val="0"/>
+              </a:spcAft>
+              <a:buClrTx/>
+              <a:buSzTx/>
+              <a:buFontTx/>
+              <a:buNone/>
+              <a:tabLst/>
+              <a:defRPr/>
+            </a:pPr>
+            <a:endParaRPr lang="de-DE" baseline="0" dirty="0"/>
+          </a:p>
+          <a:p>
+            <a:pPr marL="0" marR="0" lvl="0" indent="0" algn="l" defTabSz="914400" rtl="0" eaLnBrk="1" fontAlgn="auto" latinLnBrk="0" hangingPunct="1">
+              <a:lnSpc>
+                <a:spcPct val="100000"/>
+              </a:lnSpc>
+              <a:spcBef>
+                <a:spcPts val="0"/>
+              </a:spcBef>
+              <a:spcAft>
+                <a:spcPts val="0"/>
+              </a:spcAft>
+              <a:buClrTx/>
+              <a:buSzTx/>
+              <a:buFontTx/>
+              <a:buNone/>
+              <a:tabLst/>
+              <a:defRPr/>
+            </a:pPr>
+            <a:r>
+              <a:rPr lang="de-DE" baseline="0" dirty="0"/>
+              <a:t>Modul 1, Übung Script und FSI</a:t>
+            </a:r>
+          </a:p>
+          <a:p>
+            <a:pPr marL="0" marR="0" lvl="0" indent="0" algn="l" defTabSz="914400" rtl="0" eaLnBrk="1" fontAlgn="auto" latinLnBrk="0" hangingPunct="1">
+              <a:lnSpc>
+                <a:spcPct val="100000"/>
+              </a:lnSpc>
+              <a:spcBef>
+                <a:spcPts val="0"/>
+              </a:spcBef>
+              <a:spcAft>
+                <a:spcPts val="0"/>
+              </a:spcAft>
+              <a:buClrTx/>
+              <a:buSzTx/>
+              <a:buFontTx/>
+              <a:buNone/>
+              <a:tabLst/>
+              <a:defRPr/>
+            </a:pPr>
+            <a:r>
+              <a:rPr lang="de-DE" baseline="0" dirty="0"/>
+              <a:t>FSI kann in einem </a:t>
+            </a:r>
+            <a:r>
+              <a:rPr lang="de-DE" baseline="0" dirty="0" err="1"/>
+              <a:t>cmd</a:t>
+            </a:r>
+            <a:r>
+              <a:rPr lang="de-DE" baseline="0" dirty="0"/>
+              <a:t> angegeben werden. Voraussetzung ist dass </a:t>
+            </a:r>
+            <a:r>
+              <a:rPr lang="de-DE" baseline="0" dirty="0" err="1"/>
+              <a:t>fsi</a:t>
+            </a:r>
+            <a:r>
+              <a:rPr lang="de-DE" baseline="0" dirty="0"/>
+              <a:t> im PATH ist.</a:t>
+            </a:r>
+          </a:p>
+          <a:p>
+            <a:pPr marL="0" marR="0" lvl="0" indent="0" algn="l" defTabSz="914400" rtl="0" eaLnBrk="1" fontAlgn="auto" latinLnBrk="0" hangingPunct="1">
+              <a:lnSpc>
+                <a:spcPct val="100000"/>
+              </a:lnSpc>
+              <a:spcBef>
+                <a:spcPts val="0"/>
+              </a:spcBef>
+              <a:spcAft>
+                <a:spcPts val="0"/>
+              </a:spcAft>
+              <a:buClrTx/>
+              <a:buSzTx/>
+              <a:buFontTx/>
+              <a:buNone/>
+              <a:tabLst/>
+              <a:defRPr/>
+            </a:pPr>
+            <a:endParaRPr lang="de-DE" dirty="0"/>
+          </a:p>
+          <a:p>
+            <a:pPr marL="0" marR="0" lvl="0" indent="0" algn="l" defTabSz="914400" rtl="0" eaLnBrk="1" fontAlgn="auto" latinLnBrk="0" hangingPunct="1">
+              <a:lnSpc>
+                <a:spcPct val="100000"/>
+              </a:lnSpc>
+              <a:spcBef>
+                <a:spcPts val="0"/>
+              </a:spcBef>
+              <a:spcAft>
+                <a:spcPts val="0"/>
+              </a:spcAft>
+              <a:buClrTx/>
+              <a:buSzTx/>
+              <a:buFontTx/>
+              <a:buNone/>
+              <a:tabLst/>
+              <a:defRPr/>
+            </a:pPr>
+            <a:endParaRPr lang="de-DE" dirty="0"/>
+          </a:p>
+        </p:txBody>
+      </p:sp>
+      <p:sp>
+        <p:nvSpPr>
+          <p:cNvPr id="4" name="Foliennummernplatzhalter 3"/>
+          <p:cNvSpPr>
+            <a:spLocks noGrp="1"/>
+          </p:cNvSpPr>
+          <p:nvPr>
+            <p:ph type="sldNum" sz="quarter" idx="10"/>
+          </p:nvPr>
+        </p:nvSpPr>
+        <p:spPr/>
+        <p:txBody>
+          <a:bodyPr/>
+          <a:lstStyle/>
+          <a:p>
+            <a:fld id="{4775FDF9-2A53-4261-A0AF-3B6A9698D365}" type="slidenum">
+              <a:rPr lang="en-US" smtClean="0"/>
+              <a:t>27</a:t>
+            </a:fld>
+            <a:endParaRPr lang="en-US"/>
+          </a:p>
+        </p:txBody>
+      </p:sp>
+    </p:spTree>
+    <p:extLst>
+      <p:ext uri="{BB962C8B-B14F-4D97-AF65-F5344CB8AC3E}">
+        <p14:creationId xmlns:p14="http://schemas.microsoft.com/office/powerpoint/2010/main" val="2094228428"/>
+      </p:ext>
+    </p:extLst>
+  </p:cSld>
+  <p:clrMapOvr>
+    <a:masterClrMapping/>
+  </p:clrMapOvr>
+</p:notes>
+</file>
+
+<file path=ppt/notesSlides/notesSlide26.xml><?xml version="1.0" encoding="utf-8"?>
+<p:notes xmlns:a="http://schemas.openxmlformats.org/drawingml/2006/main" xmlns:r="http://schemas.openxmlformats.org/officeDocument/2006/relationships" xmlns:p="http://schemas.openxmlformats.org/presentationml/2006/main">
+  <p:cSld>
+    <p:spTree>
+      <p:nvGrpSpPr>
+        <p:cNvPr id="1" name=""/>
+        <p:cNvGrpSpPr/>
+        <p:nvPr/>
+      </p:nvGrpSpPr>
+      <p:grpSpPr>
+        <a:xfrm>
+          <a:off x="0" y="0"/>
+          <a:ext cx="0" cy="0"/>
+          <a:chOff x="0" y="0"/>
+          <a:chExt cx="0" cy="0"/>
+        </a:xfrm>
+      </p:grpSpPr>
+      <p:sp>
+        <p:nvSpPr>
+          <p:cNvPr id="2" name="Folienbildplatzhalter 1"/>
+          <p:cNvSpPr>
+            <a:spLocks noGrp="1" noRot="1" noChangeAspect="1"/>
+          </p:cNvSpPr>
+          <p:nvPr>
+            <p:ph type="sldImg"/>
+          </p:nvPr>
+        </p:nvSpPr>
+        <p:spPr/>
+      </p:sp>
+      <p:sp>
+        <p:nvSpPr>
+          <p:cNvPr id="3" name="Notizenplatzhalter 2"/>
+          <p:cNvSpPr>
+            <a:spLocks noGrp="1"/>
+          </p:cNvSpPr>
+          <p:nvPr>
+            <p:ph type="body" idx="1"/>
+          </p:nvPr>
+        </p:nvSpPr>
+        <p:spPr/>
+        <p:txBody>
+          <a:bodyPr/>
+          <a:lstStyle/>
+          <a:p>
             <a:r>
               <a:rPr lang="de-DE" dirty="0"/>
               <a:t>Modul 1 Übung Listen</a:t>
@@ -3305,7 +3637,7 @@
           <a:p>
             <a:fld id="{4775FDF9-2A53-4261-A0AF-3B6A9698D365}" type="slidenum">
               <a:rPr lang="en-US" smtClean="0"/>
-              <a:t>27</a:t>
+              <a:t>28</a:t>
             </a:fld>
             <a:endParaRPr lang="en-US"/>
           </a:p>
@@ -3315,275 +3647,6 @@
     <p:extLst>
       <p:ext uri="{BB962C8B-B14F-4D97-AF65-F5344CB8AC3E}">
         <p14:creationId xmlns:p14="http://schemas.microsoft.com/office/powerpoint/2010/main" val="2960897087"/>
-      </p:ext>
-    </p:extLst>
-  </p:cSld>
-  <p:clrMapOvr>
-    <a:masterClrMapping/>
-  </p:clrMapOvr>
-</p:notes>
-</file>
-
-<file path=ppt/notesSlides/notesSlide26.xml><?xml version="1.0" encoding="utf-8"?>
-<p:notes xmlns:a="http://schemas.openxmlformats.org/drawingml/2006/main" xmlns:r="http://schemas.openxmlformats.org/officeDocument/2006/relationships" xmlns:p="http://schemas.openxmlformats.org/presentationml/2006/main">
-  <p:cSld>
-    <p:spTree>
-      <p:nvGrpSpPr>
-        <p:cNvPr id="1" name=""/>
-        <p:cNvGrpSpPr/>
-        <p:nvPr/>
-      </p:nvGrpSpPr>
-      <p:grpSpPr>
-        <a:xfrm>
-          <a:off x="0" y="0"/>
-          <a:ext cx="0" cy="0"/>
-          <a:chOff x="0" y="0"/>
-          <a:chExt cx="0" cy="0"/>
-        </a:xfrm>
-      </p:grpSpPr>
-      <p:sp>
-        <p:nvSpPr>
-          <p:cNvPr id="2" name="Folienbildplatzhalter 1"/>
-          <p:cNvSpPr>
-            <a:spLocks noGrp="1" noRot="1" noChangeAspect="1"/>
-          </p:cNvSpPr>
-          <p:nvPr>
-            <p:ph type="sldImg"/>
-          </p:nvPr>
-        </p:nvSpPr>
-        <p:spPr/>
-      </p:sp>
-      <p:sp>
-        <p:nvSpPr>
-          <p:cNvPr id="3" name="Notizenplatzhalter 2"/>
-          <p:cNvSpPr>
-            <a:spLocks noGrp="1"/>
-          </p:cNvSpPr>
-          <p:nvPr>
-            <p:ph type="body" idx="1"/>
-          </p:nvPr>
-        </p:nvSpPr>
-        <p:spPr/>
-        <p:txBody>
-          <a:bodyPr/>
-          <a:lstStyle/>
-          <a:p>
-            <a:r>
-              <a:rPr lang="de-DE" dirty="0"/>
-              <a:t>Modul 1 Übung Verketten</a:t>
-            </a:r>
-          </a:p>
-          <a:p>
-            <a:endParaRPr lang="de-DE" dirty="0"/>
-          </a:p>
-          <a:p>
-            <a:r>
-              <a:rPr lang="de-DE" dirty="0"/>
-              <a:t>Verwendung:</a:t>
-            </a:r>
-            <a:r>
-              <a:rPr lang="de-DE" baseline="0" dirty="0"/>
-              <a:t> Ergebnis eines Aufrufs als das </a:t>
-            </a:r>
-            <a:r>
-              <a:rPr lang="de-DE" baseline="0" dirty="0" err="1"/>
-              <a:t>Paramter</a:t>
-            </a:r>
-            <a:r>
-              <a:rPr lang="de-DE" baseline="0" dirty="0"/>
-              <a:t> des nächsten verwenden</a:t>
-            </a:r>
-            <a:endParaRPr lang="de-DE" dirty="0"/>
-          </a:p>
-          <a:p>
-            <a:r>
-              <a:rPr lang="de-DE" dirty="0"/>
-              <a:t> </a:t>
-            </a:r>
-            <a:r>
-              <a:rPr lang="de-DE" dirty="0">
-                <a:solidFill>
-                  <a:srgbClr val="000000"/>
-                </a:solidFill>
-                <a:latin typeface="Consolas" panose="020B0609020204030204" pitchFamily="49" charset="0"/>
-              </a:rPr>
-              <a:t>' </a:t>
-            </a:r>
-            <a:r>
-              <a:rPr lang="de-DE" dirty="0"/>
-              <a:t>vor einem </a:t>
-            </a:r>
-            <a:r>
-              <a:rPr lang="de-DE" dirty="0" err="1"/>
-              <a:t>Paramter</a:t>
-            </a:r>
-            <a:r>
-              <a:rPr lang="de-DE" dirty="0"/>
-              <a:t> zeigt dass es sich um einen generischen Parameter</a:t>
-            </a:r>
-            <a:r>
-              <a:rPr lang="de-DE" baseline="0" dirty="0"/>
-              <a:t> handelt</a:t>
-            </a:r>
-          </a:p>
-          <a:p>
-            <a:r>
-              <a:rPr lang="de-DE" baseline="0" dirty="0"/>
-              <a:t>In diesem Fall </a:t>
-            </a:r>
-          </a:p>
-          <a:p>
-            <a:r>
-              <a:rPr lang="de-DE" dirty="0">
-                <a:solidFill>
-                  <a:srgbClr val="000000"/>
-                </a:solidFill>
-                <a:latin typeface="Consolas" panose="020B0609020204030204" pitchFamily="49" charset="0"/>
-              </a:rPr>
-              <a:t>x:'a  x ist ein Eingabe</a:t>
-            </a:r>
-            <a:r>
-              <a:rPr lang="de-DE" baseline="0" dirty="0">
-                <a:solidFill>
-                  <a:srgbClr val="000000"/>
-                </a:solidFill>
-                <a:latin typeface="Consolas" panose="020B0609020204030204" pitchFamily="49" charset="0"/>
-              </a:rPr>
-              <a:t> </a:t>
-            </a:r>
-            <a:r>
-              <a:rPr lang="de-DE" baseline="0" dirty="0" err="1">
-                <a:solidFill>
-                  <a:srgbClr val="000000"/>
-                </a:solidFill>
-                <a:latin typeface="Consolas" panose="020B0609020204030204" pitchFamily="49" charset="0"/>
-              </a:rPr>
-              <a:t>Paramter</a:t>
-            </a:r>
-            <a:endParaRPr lang="de-DE" baseline="0" dirty="0">
-              <a:solidFill>
-                <a:srgbClr val="000000"/>
-              </a:solidFill>
-              <a:latin typeface="Consolas" panose="020B0609020204030204" pitchFamily="49" charset="0"/>
-            </a:endParaRPr>
-          </a:p>
-          <a:p>
-            <a:r>
-              <a:rPr lang="de-DE" dirty="0">
-                <a:solidFill>
-                  <a:srgbClr val="000000"/>
-                </a:solidFill>
-                <a:latin typeface="Consolas" panose="020B0609020204030204" pitchFamily="49" charset="0"/>
-              </a:rPr>
-              <a:t>f:('a -&gt; 'b) f ist eine Funktion die einen </a:t>
-            </a:r>
-            <a:r>
-              <a:rPr lang="de-DE" dirty="0" err="1">
-                <a:solidFill>
-                  <a:srgbClr val="000000"/>
-                </a:solidFill>
-                <a:latin typeface="Consolas" panose="020B0609020204030204" pitchFamily="49" charset="0"/>
-              </a:rPr>
-              <a:t>Paramter</a:t>
-            </a:r>
-            <a:r>
-              <a:rPr lang="de-DE" dirty="0">
-                <a:solidFill>
-                  <a:srgbClr val="000000"/>
-                </a:solidFill>
-                <a:latin typeface="Consolas" panose="020B0609020204030204" pitchFamily="49" charset="0"/>
-              </a:rPr>
-              <a:t> vom Typ 'a entgegen nimmt und einen von Typ 'b zurück gibt</a:t>
-            </a:r>
-          </a:p>
-          <a:p>
-            <a:r>
-              <a:rPr lang="de-DE" dirty="0">
-                <a:solidFill>
-                  <a:srgbClr val="000000"/>
-                </a:solidFill>
-                <a:latin typeface="Consolas" panose="020B0609020204030204" pitchFamily="49" charset="0"/>
-              </a:rPr>
-              <a:t>Ergebnis ist ein Wert vom Typ 'b</a:t>
-            </a:r>
-          </a:p>
-          <a:p>
-            <a:endParaRPr lang="de-DE" dirty="0">
-              <a:solidFill>
-                <a:srgbClr val="000000"/>
-              </a:solidFill>
-              <a:latin typeface="Consolas" panose="020B0609020204030204" pitchFamily="49" charset="0"/>
-            </a:endParaRPr>
-          </a:p>
-          <a:p>
-            <a:r>
-              <a:rPr lang="de-DE" dirty="0">
-                <a:solidFill>
-                  <a:srgbClr val="000000"/>
-                </a:solidFill>
-                <a:latin typeface="Consolas" panose="020B0609020204030204" pitchFamily="49" charset="0"/>
-              </a:rPr>
-              <a:t>Solche Operatoren lassen sich gut in F# definieren.</a:t>
-            </a:r>
-            <a:r>
-              <a:rPr lang="de-DE" baseline="0" dirty="0">
-                <a:solidFill>
-                  <a:srgbClr val="000000"/>
-                </a:solidFill>
-                <a:latin typeface="Consolas" panose="020B0609020204030204" pitchFamily="49" charset="0"/>
-              </a:rPr>
-              <a:t> Finden auch häufig Verwendung.</a:t>
-            </a:r>
-          </a:p>
-          <a:p>
-            <a:endParaRPr lang="de-DE" baseline="0" dirty="0">
-              <a:solidFill>
-                <a:srgbClr val="000000"/>
-              </a:solidFill>
-              <a:latin typeface="Consolas" panose="020B0609020204030204" pitchFamily="49" charset="0"/>
-            </a:endParaRPr>
-          </a:p>
-          <a:p>
-            <a:r>
-              <a:rPr lang="de-DE" baseline="0" dirty="0">
-                <a:solidFill>
-                  <a:srgbClr val="000000"/>
-                </a:solidFill>
-                <a:latin typeface="Consolas" panose="020B0609020204030204" pitchFamily="49" charset="0"/>
-              </a:rPr>
-              <a:t>Wenn der Compiler nichts weiter weiß, wird generisches angenommen</a:t>
-            </a:r>
-            <a:endParaRPr lang="de-DE" dirty="0"/>
-          </a:p>
-        </p:txBody>
-      </p:sp>
-      <p:sp>
-        <p:nvSpPr>
-          <p:cNvPr id="4" name="Foliennummernplatzhalter 3"/>
-          <p:cNvSpPr>
-            <a:spLocks noGrp="1"/>
-          </p:cNvSpPr>
-          <p:nvPr>
-            <p:ph type="sldNum" sz="quarter" idx="10"/>
-          </p:nvPr>
-        </p:nvSpPr>
-        <p:spPr/>
-        <p:txBody>
-          <a:bodyPr/>
-          <a:lstStyle/>
-          <a:p>
-            <a:fld id="{4775FDF9-2A53-4261-A0AF-3B6A9698D365}" type="slidenum">
-              <a:rPr lang="en-US" smtClean="0"/>
-              <a:t>28</a:t>
-            </a:fld>
-            <a:endParaRPr lang="en-US"/>
-          </a:p>
-        </p:txBody>
-      </p:sp>
-    </p:spTree>
-    <p:extLst>
-      <p:ext uri="{BB962C8B-B14F-4D97-AF65-F5344CB8AC3E}">
-        <p14:creationId xmlns:p14="http://schemas.microsoft.com/office/powerpoint/2010/main" val="3906409183"/>
       </p:ext>
     </p:extLst>
   </p:cSld>
@@ -3638,8 +3701,189 @@
           <a:lstStyle/>
           <a:p>
             <a:r>
-              <a:rPr lang="de-DE"/>
-              <a:t>Übung Verketten</a:t>
+              <a:rPr lang="de-DE" dirty="0"/>
+              <a:t>Modul 1 Übung Verketten</a:t>
+            </a:r>
+          </a:p>
+          <a:p>
+            <a:endParaRPr lang="de-DE" dirty="0"/>
+          </a:p>
+          <a:p>
+            <a:r>
+              <a:rPr lang="de-DE" dirty="0"/>
+              <a:t>Verwendung:</a:t>
+            </a:r>
+            <a:r>
+              <a:rPr lang="de-DE" baseline="0" dirty="0"/>
+              <a:t> Ergebnis eines Aufrufs als das </a:t>
+            </a:r>
+            <a:r>
+              <a:rPr lang="de-DE" baseline="0" dirty="0" err="1"/>
+              <a:t>Paramter</a:t>
+            </a:r>
+            <a:r>
+              <a:rPr lang="de-DE" baseline="0" dirty="0"/>
+              <a:t> des nächsten verwenden</a:t>
+            </a:r>
+            <a:endParaRPr lang="de-DE" dirty="0"/>
+          </a:p>
+          <a:p>
+            <a:r>
+              <a:rPr lang="de-DE" dirty="0"/>
+              <a:t> </a:t>
+            </a:r>
+            <a:r>
+              <a:rPr lang="de-DE" dirty="0">
+                <a:solidFill>
+                  <a:srgbClr val="000000"/>
+                </a:solidFill>
+                <a:latin typeface="Consolas" panose="020B0609020204030204" pitchFamily="49" charset="0"/>
+              </a:rPr>
+              <a:t>' </a:t>
+            </a:r>
+            <a:r>
+              <a:rPr lang="de-DE" dirty="0"/>
+              <a:t>vor einem </a:t>
+            </a:r>
+            <a:r>
+              <a:rPr lang="de-DE" dirty="0" err="1"/>
+              <a:t>Paramter</a:t>
+            </a:r>
+            <a:r>
+              <a:rPr lang="de-DE" dirty="0"/>
+              <a:t> zeigt dass es sich um einen generischen Parameter</a:t>
+            </a:r>
+            <a:r>
+              <a:rPr lang="de-DE" baseline="0" dirty="0"/>
+              <a:t> handelt</a:t>
+            </a:r>
+          </a:p>
+          <a:p>
+            <a:r>
+              <a:rPr lang="de-DE" baseline="0" dirty="0"/>
+              <a:t>In diesem Fall </a:t>
+            </a:r>
+          </a:p>
+          <a:p>
+            <a:r>
+              <a:rPr lang="de-DE" dirty="0">
+                <a:solidFill>
+                  <a:srgbClr val="000000"/>
+                </a:solidFill>
+                <a:latin typeface="Consolas" panose="020B0609020204030204" pitchFamily="49" charset="0"/>
+              </a:rPr>
+              <a:t>x:'a  x ist ein Eingabe</a:t>
+            </a:r>
+            <a:r>
+              <a:rPr lang="de-DE" baseline="0" dirty="0">
+                <a:solidFill>
+                  <a:srgbClr val="000000"/>
+                </a:solidFill>
+                <a:latin typeface="Consolas" panose="020B0609020204030204" pitchFamily="49" charset="0"/>
+              </a:rPr>
+              <a:t> </a:t>
+            </a:r>
+            <a:r>
+              <a:rPr lang="de-DE" baseline="0" dirty="0" err="1">
+                <a:solidFill>
+                  <a:srgbClr val="000000"/>
+                </a:solidFill>
+                <a:latin typeface="Consolas" panose="020B0609020204030204" pitchFamily="49" charset="0"/>
+              </a:rPr>
+              <a:t>Paramter</a:t>
+            </a:r>
+            <a:endParaRPr lang="de-DE" baseline="0" dirty="0">
+              <a:solidFill>
+                <a:srgbClr val="000000"/>
+              </a:solidFill>
+              <a:latin typeface="Consolas" panose="020B0609020204030204" pitchFamily="49" charset="0"/>
+            </a:endParaRPr>
+          </a:p>
+          <a:p>
+            <a:r>
+              <a:rPr lang="de-DE" dirty="0">
+                <a:solidFill>
+                  <a:srgbClr val="000000"/>
+                </a:solidFill>
+                <a:latin typeface="Consolas" panose="020B0609020204030204" pitchFamily="49" charset="0"/>
+              </a:rPr>
+              <a:t>f:('a -&gt; 'b) f ist eine Funktion die einen </a:t>
+            </a:r>
+            <a:r>
+              <a:rPr lang="de-DE" dirty="0" err="1">
+                <a:solidFill>
+                  <a:srgbClr val="000000"/>
+                </a:solidFill>
+                <a:latin typeface="Consolas" panose="020B0609020204030204" pitchFamily="49" charset="0"/>
+              </a:rPr>
+              <a:t>Paramter</a:t>
+            </a:r>
+            <a:r>
+              <a:rPr lang="de-DE" dirty="0">
+                <a:solidFill>
+                  <a:srgbClr val="000000"/>
+                </a:solidFill>
+                <a:latin typeface="Consolas" panose="020B0609020204030204" pitchFamily="49" charset="0"/>
+              </a:rPr>
+              <a:t> vom Typ 'a entgegen nimmt und einen von Typ 'b zurück gibt</a:t>
+            </a:r>
+          </a:p>
+          <a:p>
+            <a:r>
+              <a:rPr lang="de-DE" dirty="0">
+                <a:solidFill>
+                  <a:srgbClr val="000000"/>
+                </a:solidFill>
+                <a:latin typeface="Consolas" panose="020B0609020204030204" pitchFamily="49" charset="0"/>
+              </a:rPr>
+              <a:t>Ergebnis ist ein Wert vom Typ 'b</a:t>
+            </a:r>
+          </a:p>
+          <a:p>
+            <a:endParaRPr lang="de-DE" dirty="0">
+              <a:solidFill>
+                <a:srgbClr val="000000"/>
+              </a:solidFill>
+              <a:latin typeface="Consolas" panose="020B0609020204030204" pitchFamily="49" charset="0"/>
+            </a:endParaRPr>
+          </a:p>
+          <a:p>
+            <a:r>
+              <a:rPr lang="de-DE" dirty="0">
+                <a:solidFill>
+                  <a:srgbClr val="000000"/>
+                </a:solidFill>
+                <a:latin typeface="Consolas" panose="020B0609020204030204" pitchFamily="49" charset="0"/>
+              </a:rPr>
+              <a:t>Solche Operatoren lassen sich gut in F# definieren.</a:t>
+            </a:r>
+            <a:r>
+              <a:rPr lang="de-DE" baseline="0" dirty="0">
+                <a:solidFill>
+                  <a:srgbClr val="000000"/>
+                </a:solidFill>
+                <a:latin typeface="Consolas" panose="020B0609020204030204" pitchFamily="49" charset="0"/>
+              </a:rPr>
+              <a:t> Finden auch häufig Verwendung.</a:t>
+            </a:r>
+          </a:p>
+          <a:p>
+            <a:endParaRPr lang="de-DE" baseline="0" dirty="0">
+              <a:solidFill>
+                <a:srgbClr val="000000"/>
+              </a:solidFill>
+              <a:latin typeface="Consolas" panose="020B0609020204030204" pitchFamily="49" charset="0"/>
+            </a:endParaRPr>
+          </a:p>
+          <a:p>
+            <a:r>
+              <a:rPr lang="de-DE" baseline="0" dirty="0">
+                <a:solidFill>
+                  <a:srgbClr val="000000"/>
+                </a:solidFill>
+                <a:latin typeface="Consolas" panose="020B0609020204030204" pitchFamily="49" charset="0"/>
+              </a:rPr>
+              <a:t>Wenn der Compiler nichts weiter weiß, wird generisches angenommen</a:t>
             </a:r>
             <a:endParaRPr lang="de-DE" dirty="0"/>
           </a:p>
@@ -3671,7 +3915,7 @@
     </p:spTree>
     <p:extLst>
       <p:ext uri="{BB962C8B-B14F-4D97-AF65-F5344CB8AC3E}">
-        <p14:creationId xmlns:p14="http://schemas.microsoft.com/office/powerpoint/2010/main" val="860166558"/>
+        <p14:creationId xmlns:p14="http://schemas.microsoft.com/office/powerpoint/2010/main" val="3906409183"/>
       </p:ext>
     </p:extLst>
   </p:cSld>
@@ -3726,18 +3970,10 @@
           <a:lstStyle/>
           <a:p>
             <a:r>
-              <a:rPr lang="de-DE" dirty="0"/>
+              <a:rPr lang="de-DE"/>
               <a:t>Übung Verketten</a:t>
             </a:r>
-          </a:p>
-          <a:p>
             <a:endParaRPr lang="de-DE" dirty="0"/>
-          </a:p>
-          <a:p>
-            <a:r>
-              <a:rPr lang="de-DE" dirty="0"/>
-              <a:t>Eine bessere Welt ist möglich</a:t>
-            </a:r>
           </a:p>
         </p:txBody>
       </p:sp>
@@ -3767,7 +4003,7 @@
     </p:spTree>
     <p:extLst>
       <p:ext uri="{BB962C8B-B14F-4D97-AF65-F5344CB8AC3E}">
-        <p14:creationId xmlns:p14="http://schemas.microsoft.com/office/powerpoint/2010/main" val="564011088"/>
+        <p14:creationId xmlns:p14="http://schemas.microsoft.com/office/powerpoint/2010/main" val="860166558"/>
       </p:ext>
     </p:extLst>
   </p:cSld>
@@ -3796,7 +4032,7 @@
       </p:grpSpPr>
       <p:sp>
         <p:nvSpPr>
-          <p:cNvPr id="2" name="Slide Image Placeholder 1"/>
+          <p:cNvPr id="2" name="Folienbildplatzhalter 1"/>
           <p:cNvSpPr>
             <a:spLocks noGrp="1" noRot="1" noChangeAspect="1"/>
           </p:cNvSpPr>
@@ -3808,7 +4044,7 @@
       </p:sp>
       <p:sp>
         <p:nvSpPr>
-          <p:cNvPr id="3" name="Notes Placeholder 2"/>
+          <p:cNvPr id="3" name="Notizenplatzhalter 2"/>
           <p:cNvSpPr>
             <a:spLocks noGrp="1"/>
           </p:cNvSpPr>
@@ -3823,45 +4059,23 @@
           <a:p>
             <a:r>
               <a:rPr lang="de-DE" dirty="0"/>
-              <a:t>Pattern </a:t>
-            </a:r>
-            <a:r>
-              <a:rPr lang="de-DE" dirty="0" err="1"/>
-              <a:t>Matching</a:t>
-            </a:r>
-            <a:r>
-              <a:rPr lang="de-DE" dirty="0"/>
-              <a:t> (in etwa) kommt angedacht für C# 7.0.</a:t>
-            </a:r>
-          </a:p>
-          <a:p>
-            <a:r>
-              <a:rPr lang="de-DE" dirty="0"/>
-              <a:t>F# Pattern </a:t>
-            </a:r>
-            <a:r>
-              <a:rPr lang="de-DE" dirty="0" err="1"/>
-              <a:t>Matching</a:t>
-            </a:r>
-            <a:r>
-              <a:rPr lang="de-DE" dirty="0"/>
-              <a:t> ist aber </a:t>
-            </a:r>
-            <a:r>
-              <a:rPr lang="de-DE" dirty="0"/>
-              <a:t>erschöpfend.  Oft</a:t>
-            </a:r>
-            <a:r>
-              <a:rPr lang="de-DE" baseline="0" dirty="0"/>
-              <a:t> erkennt der Compiler dass ein Fall nicht berücksichtigt wurde und benennt Beispiele dafür.</a:t>
-            </a:r>
-            <a:endParaRPr lang="en-US" dirty="0"/>
+              <a:t>Übung Verketten</a:t>
+            </a:r>
+          </a:p>
+          <a:p>
+            <a:endParaRPr lang="de-DE" dirty="0"/>
+          </a:p>
+          <a:p>
+            <a:r>
+              <a:rPr lang="de-DE" dirty="0"/>
+              <a:t>Eine bessere Welt ist möglich</a:t>
+            </a:r>
           </a:p>
         </p:txBody>
       </p:sp>
       <p:sp>
         <p:nvSpPr>
-          <p:cNvPr id="4" name="Slide Number Placeholder 3"/>
+          <p:cNvPr id="4" name="Foliennummernplatzhalter 3"/>
           <p:cNvSpPr>
             <a:spLocks noGrp="1"/>
           </p:cNvSpPr>
@@ -3885,7 +4099,7 @@
     </p:spTree>
     <p:extLst>
       <p:ext uri="{BB962C8B-B14F-4D97-AF65-F5344CB8AC3E}">
-        <p14:creationId xmlns:p14="http://schemas.microsoft.com/office/powerpoint/2010/main" val="3097003923"/>
+        <p14:creationId xmlns:p14="http://schemas.microsoft.com/office/powerpoint/2010/main" val="564011088"/>
       </p:ext>
     </p:extLst>
   </p:cSld>
@@ -4120,12 +4334,38 @@
           <a:lstStyle/>
           <a:p>
             <a:r>
+              <a:rPr lang="de-DE" dirty="0"/>
+              <a:t>Pattern </a:t>
+            </a:r>
+            <a:r>
               <a:rPr lang="de-DE" dirty="0" err="1"/>
-              <a:t>Adhoc</a:t>
-            </a:r>
-            <a:r>
-              <a:rPr lang="de-DE" dirty="0"/>
-              <a:t> Data Type.</a:t>
+              <a:t>Matching</a:t>
+            </a:r>
+            <a:r>
+              <a:rPr lang="de-DE" dirty="0"/>
+              <a:t> (in etwa) kommt angedacht für C# 7.0.</a:t>
+            </a:r>
+          </a:p>
+          <a:p>
+            <a:r>
+              <a:rPr lang="de-DE" dirty="0"/>
+              <a:t>F# Pattern </a:t>
+            </a:r>
+            <a:r>
+              <a:rPr lang="de-DE" dirty="0" err="1"/>
+              <a:t>Matching</a:t>
+            </a:r>
+            <a:r>
+              <a:rPr lang="de-DE" dirty="0"/>
+              <a:t> ist aber </a:t>
+            </a:r>
+            <a:r>
+              <a:rPr lang="de-DE" dirty="0"/>
+              <a:t>erschöpfend.  Oft</a:t>
+            </a:r>
+            <a:r>
+              <a:rPr lang="de-DE" baseline="0" dirty="0"/>
+              <a:t> erkennt der Compiler dass ein Fall nicht berücksichtigt wurde und benennt Beispiele dafür.</a:t>
             </a:r>
             <a:endParaRPr lang="en-US" dirty="0"/>
           </a:p>
@@ -4157,7 +4397,7 @@
     </p:spTree>
     <p:extLst>
       <p:ext uri="{BB962C8B-B14F-4D97-AF65-F5344CB8AC3E}">
-        <p14:creationId xmlns:p14="http://schemas.microsoft.com/office/powerpoint/2010/main" val="3351844412"/>
+        <p14:creationId xmlns:p14="http://schemas.microsoft.com/office/powerpoint/2010/main" val="3097003923"/>
       </p:ext>
     </p:extLst>
   </p:cSld>
@@ -4212,12 +4452,12 @@
           <a:lstStyle/>
           <a:p>
             <a:r>
-              <a:rPr lang="de-DE" dirty="0"/>
-              <a:t>Ich kann pro Deklaration</a:t>
-            </a:r>
-            <a:r>
-              <a:rPr lang="de-DE" baseline="0" dirty="0"/>
-              <a:t> eine andere Funktion angeben.  Reihenfolge der Deklarationen ist nicht relevant.</a:t>
+              <a:rPr lang="de-DE" dirty="0" err="1"/>
+              <a:t>Adhoc</a:t>
+            </a:r>
+            <a:r>
+              <a:rPr lang="de-DE" dirty="0"/>
+              <a:t> Data Type.</a:t>
             </a:r>
             <a:endParaRPr lang="en-US" dirty="0"/>
           </a:p>
@@ -4249,7 +4489,7 @@
     </p:spTree>
     <p:extLst>
       <p:ext uri="{BB962C8B-B14F-4D97-AF65-F5344CB8AC3E}">
-        <p14:creationId xmlns:p14="http://schemas.microsoft.com/office/powerpoint/2010/main" val="827611547"/>
+        <p14:creationId xmlns:p14="http://schemas.microsoft.com/office/powerpoint/2010/main" val="3351844412"/>
       </p:ext>
     </p:extLst>
   </p:cSld>
@@ -4305,47 +4545,11 @@
           <a:p>
             <a:r>
               <a:rPr lang="de-DE" dirty="0"/>
-              <a:t>Zwei </a:t>
-            </a:r>
-            <a:r>
-              <a:rPr lang="de-DE" dirty="0" err="1"/>
-              <a:t>named</a:t>
-            </a:r>
-            <a:r>
-              <a:rPr lang="de-DE" dirty="0"/>
-              <a:t> </a:t>
-            </a:r>
-            <a:r>
-              <a:rPr lang="de-DE" dirty="0" err="1"/>
-              <a:t>tuples</a:t>
-            </a:r>
-            <a:r>
-              <a:rPr lang="de-DE" dirty="0"/>
-              <a:t> (also </a:t>
-            </a:r>
-            <a:r>
-              <a:rPr lang="de-DE" dirty="0" err="1"/>
-              <a:t>record</a:t>
+              <a:t>Ich kann pro Deklaration</a:t>
             </a:r>
             <a:r>
               <a:rPr lang="de-DE" baseline="0" dirty="0"/>
-              <a:t> </a:t>
-            </a:r>
-            <a:r>
-              <a:rPr lang="de-DE" baseline="0" dirty="0" err="1"/>
-              <a:t>types</a:t>
-            </a:r>
-            <a:r>
-              <a:rPr lang="de-DE" baseline="0" dirty="0"/>
-              <a:t>)</a:t>
-            </a:r>
-            <a:r>
-              <a:rPr lang="de-DE" dirty="0"/>
-              <a:t> können nur dann vergleichbar</a:t>
-            </a:r>
-            <a:r>
-              <a:rPr lang="de-DE" baseline="0" dirty="0"/>
-              <a:t> sein wenn diese den gleichen Namen haben UND über die gleichen Werte verfüge</a:t>
+              <a:t> eine andere Funktion angeben.  Reihenfolge der Deklarationen ist nicht relevant.</a:t>
             </a:r>
             <a:endParaRPr lang="en-US" dirty="0"/>
           </a:p>
@@ -4377,7 +4581,7 @@
     </p:spTree>
     <p:extLst>
       <p:ext uri="{BB962C8B-B14F-4D97-AF65-F5344CB8AC3E}">
-        <p14:creationId xmlns:p14="http://schemas.microsoft.com/office/powerpoint/2010/main" val="3235457770"/>
+        <p14:creationId xmlns:p14="http://schemas.microsoft.com/office/powerpoint/2010/main" val="827611547"/>
       </p:ext>
     </p:extLst>
   </p:cSld>
@@ -4433,35 +4637,27 @@
           <a:p>
             <a:r>
               <a:rPr lang="de-DE" dirty="0"/>
-              <a:t>Und da Ausdrucke </a:t>
+              <a:t>Zwei </a:t>
             </a:r>
             <a:r>
               <a:rPr lang="de-DE" dirty="0" err="1"/>
-              <a:t>immutable</a:t>
-            </a:r>
-            <a:r>
-              <a:rPr lang="de-DE" dirty="0"/>
-              <a:t> sind, ändert sich der Wert nicht.  Bitte nicht mit einem Variant (vb.net) verwechseln</a:t>
-            </a:r>
-          </a:p>
-          <a:p>
-            <a:r>
-              <a:rPr lang="de-DE" dirty="0"/>
-              <a:t>DU ist das ganze.  Die einzelnen möglichen Werte heißen Union</a:t>
-            </a:r>
-            <a:r>
-              <a:rPr lang="de-DE" baseline="0" dirty="0"/>
-              <a:t> Case</a:t>
-            </a:r>
-          </a:p>
-          <a:p>
-            <a:r>
-              <a:rPr lang="de-DE" baseline="0" dirty="0"/>
-              <a:t>Empty Case </a:t>
-            </a:r>
-            <a:r>
-              <a:rPr lang="de-DE" baseline="0" dirty="0" err="1"/>
-              <a:t>is</a:t>
+              <a:t>named</a:t>
+            </a:r>
+            <a:r>
+              <a:rPr lang="de-DE" dirty="0"/>
+              <a:t> </a:t>
+            </a:r>
+            <a:r>
+              <a:rPr lang="de-DE" dirty="0" err="1"/>
+              <a:t>tuples</a:t>
+            </a:r>
+            <a:r>
+              <a:rPr lang="de-DE" dirty="0"/>
+              <a:t> (also </a:t>
+            </a:r>
+            <a:r>
+              <a:rPr lang="de-DE" dirty="0" err="1"/>
+              <a:t>record</a:t>
             </a:r>
             <a:r>
               <a:rPr lang="de-DE" baseline="0" dirty="0"/>
@@ -4469,81 +4665,19 @@
             </a:r>
             <a:r>
               <a:rPr lang="de-DE" baseline="0" dirty="0" err="1"/>
-              <a:t>possible</a:t>
+              <a:t>types</a:t>
             </a:r>
             <a:r>
               <a:rPr lang="de-DE" baseline="0" dirty="0"/>
-              <a:t>.  Wenn es nur Empty </a:t>
-            </a:r>
-            <a:r>
-              <a:rPr lang="de-DE" baseline="0" dirty="0" err="1"/>
-              <a:t>cases</a:t>
+              <a:t>)</a:t>
+            </a:r>
+            <a:r>
+              <a:rPr lang="de-DE" dirty="0"/>
+              <a:t> können nur dann vergleichbar</a:t>
             </a:r>
             <a:r>
               <a:rPr lang="de-DE" baseline="0" dirty="0"/>
-              <a:t> gibt, dann handelt es sich um einen „</a:t>
-            </a:r>
-            <a:r>
-              <a:rPr lang="de-DE" baseline="0" dirty="0" err="1"/>
-              <a:t>Enum</a:t>
-            </a:r>
-            <a:r>
-              <a:rPr lang="de-DE" baseline="0" dirty="0"/>
-              <a:t> Style“ DU.  Ein „Echter“ </a:t>
-            </a:r>
-            <a:r>
-              <a:rPr lang="de-DE" baseline="0" dirty="0" err="1"/>
-              <a:t>Enum</a:t>
-            </a:r>
-            <a:r>
-              <a:rPr lang="de-DE" baseline="0" dirty="0"/>
-              <a:t> aber muss anders definiert werden um das gleiche zu erhalten was das IL darstellt wenn ich in C# einen </a:t>
-            </a:r>
-            <a:r>
-              <a:rPr lang="de-DE" baseline="0" dirty="0" err="1"/>
-              <a:t>Enum</a:t>
-            </a:r>
-            <a:r>
-              <a:rPr lang="de-DE" baseline="0" dirty="0"/>
-              <a:t> definiere</a:t>
-            </a:r>
-          </a:p>
-          <a:p>
-            <a:r>
-              <a:rPr lang="de-DE" baseline="0" dirty="0"/>
-              <a:t>Single Case gibt es auch und sind sehr schön zu verwenden um Werte die eine bestimmte Funktion in meinem Domain haben darzustellen.  Z.B. </a:t>
-            </a:r>
-            <a:r>
-              <a:rPr lang="de-DE" baseline="0" dirty="0" err="1"/>
-              <a:t>int</a:t>
-            </a:r>
-            <a:r>
-              <a:rPr lang="de-DE" baseline="0" dirty="0"/>
-              <a:t> als </a:t>
-            </a:r>
-            <a:r>
-              <a:rPr lang="de-DE" baseline="0" dirty="0" err="1"/>
-              <a:t>KundeID</a:t>
-            </a:r>
-            <a:r>
-              <a:rPr lang="de-DE" baseline="0" dirty="0"/>
-              <a:t> und </a:t>
-            </a:r>
-            <a:r>
-              <a:rPr lang="de-DE" baseline="0" dirty="0" err="1"/>
-              <a:t>ProduktID</a:t>
-            </a:r>
-            <a:r>
-              <a:rPr lang="de-DE" baseline="0" dirty="0"/>
-              <a:t>.  Dann ist es kein </a:t>
-            </a:r>
-            <a:r>
-              <a:rPr lang="de-DE" baseline="0" dirty="0" err="1"/>
-              <a:t>int</a:t>
-            </a:r>
-            <a:r>
-              <a:rPr lang="de-DE" baseline="0" dirty="0"/>
-              <a:t> mehr sondern das genannte typ und ich kann diese z.B. nicht mehr vergleichen</a:t>
+              <a:t> sein wenn diese den gleichen Namen haben UND über die gleichen Werte verfüge</a:t>
             </a:r>
             <a:endParaRPr lang="en-US" dirty="0"/>
           </a:p>
@@ -4575,7 +4709,7 @@
     </p:spTree>
     <p:extLst>
       <p:ext uri="{BB962C8B-B14F-4D97-AF65-F5344CB8AC3E}">
-        <p14:creationId xmlns:p14="http://schemas.microsoft.com/office/powerpoint/2010/main" val="3285654297"/>
+        <p14:creationId xmlns:p14="http://schemas.microsoft.com/office/powerpoint/2010/main" val="3235457770"/>
       </p:ext>
     </p:extLst>
   </p:cSld>
@@ -4631,19 +4765,117 @@
           <a:p>
             <a:r>
               <a:rPr lang="de-DE" dirty="0"/>
-              <a:t>In DDD (Domain </a:t>
+              <a:t>Und da Ausdrucke </a:t>
             </a:r>
             <a:r>
               <a:rPr lang="de-DE" dirty="0" err="1"/>
-              <a:t>Driven</a:t>
-            </a:r>
-            <a:r>
-              <a:rPr lang="de-DE" dirty="0"/>
-              <a:t> Design) spielen diese oft eine wichtige Rolle.  Z.B. kann ich dadurch Primitives</a:t>
+              <a:t>immutable</a:t>
+            </a:r>
+            <a:r>
+              <a:rPr lang="de-DE" dirty="0"/>
+              <a:t> sind, ändert sich der Wert nicht.  Bitte nicht mit einem Variant (vb.net) verwechseln</a:t>
+            </a:r>
+          </a:p>
+          <a:p>
+            <a:r>
+              <a:rPr lang="de-DE" dirty="0"/>
+              <a:t>DU ist das ganze.  Die einzelnen möglichen Werte heißen Union</a:t>
             </a:r>
             <a:r>
               <a:rPr lang="de-DE" baseline="0" dirty="0"/>
-              <a:t> so definieren dass diese untereinander nicht „kompatibel“ sind, auch wenn diese vom gleichen Typ sind.</a:t>
+              <a:t> Case</a:t>
+            </a:r>
+          </a:p>
+          <a:p>
+            <a:r>
+              <a:rPr lang="de-DE" baseline="0" dirty="0"/>
+              <a:t>Empty Case </a:t>
+            </a:r>
+            <a:r>
+              <a:rPr lang="de-DE" baseline="0" dirty="0" err="1"/>
+              <a:t>is</a:t>
+            </a:r>
+            <a:r>
+              <a:rPr lang="de-DE" baseline="0" dirty="0"/>
+              <a:t> </a:t>
+            </a:r>
+            <a:r>
+              <a:rPr lang="de-DE" baseline="0" dirty="0" err="1"/>
+              <a:t>possible</a:t>
+            </a:r>
+            <a:r>
+              <a:rPr lang="de-DE" baseline="0" dirty="0"/>
+              <a:t>.  Wenn es nur Empty </a:t>
+            </a:r>
+            <a:r>
+              <a:rPr lang="de-DE" baseline="0" dirty="0" err="1"/>
+              <a:t>cases</a:t>
+            </a:r>
+            <a:r>
+              <a:rPr lang="de-DE" baseline="0" dirty="0"/>
+              <a:t> gibt, dann handelt es sich um einen „</a:t>
+            </a:r>
+            <a:r>
+              <a:rPr lang="de-DE" baseline="0" dirty="0" err="1"/>
+              <a:t>Enum</a:t>
+            </a:r>
+            <a:r>
+              <a:rPr lang="de-DE" baseline="0" dirty="0"/>
+              <a:t> Style“ DU.  Ein „Echter“ </a:t>
+            </a:r>
+            <a:r>
+              <a:rPr lang="de-DE" baseline="0" dirty="0" err="1"/>
+              <a:t>Enum</a:t>
+            </a:r>
+            <a:r>
+              <a:rPr lang="de-DE" baseline="0" dirty="0"/>
+              <a:t> aber muss anders definiert werden um das gleiche zu erhalten was das IL darstellt wenn ich in C# einen </a:t>
+            </a:r>
+            <a:r>
+              <a:rPr lang="de-DE" baseline="0" dirty="0" err="1"/>
+              <a:t>Enum</a:t>
+            </a:r>
+            <a:r>
+              <a:rPr lang="de-DE" baseline="0" dirty="0"/>
+              <a:t> definiere</a:t>
+            </a:r>
+          </a:p>
+          <a:p>
+            <a:r>
+              <a:rPr lang="de-DE" baseline="0" dirty="0"/>
+              <a:t>Single Case gibt es auch und sind sehr schön zu verwenden um Werte die eine bestimmte Funktion in meinem Domain haben darzustellen.  Z.B. </a:t>
+            </a:r>
+            <a:r>
+              <a:rPr lang="de-DE" baseline="0" dirty="0" err="1"/>
+              <a:t>int</a:t>
+            </a:r>
+            <a:r>
+              <a:rPr lang="de-DE" baseline="0" dirty="0"/>
+              <a:t> als </a:t>
+            </a:r>
+            <a:r>
+              <a:rPr lang="de-DE" baseline="0" dirty="0" err="1"/>
+              <a:t>KundeID</a:t>
+            </a:r>
+            <a:r>
+              <a:rPr lang="de-DE" baseline="0" dirty="0"/>
+              <a:t> und </a:t>
+            </a:r>
+            <a:r>
+              <a:rPr lang="de-DE" baseline="0" dirty="0" err="1"/>
+              <a:t>ProduktID</a:t>
+            </a:r>
+            <a:r>
+              <a:rPr lang="de-DE" baseline="0" dirty="0"/>
+              <a:t>.  Dann ist es kein </a:t>
+            </a:r>
+            <a:r>
+              <a:rPr lang="de-DE" baseline="0" dirty="0" err="1"/>
+              <a:t>int</a:t>
+            </a:r>
+            <a:r>
+              <a:rPr lang="de-DE" baseline="0" dirty="0"/>
+              <a:t> mehr sondern das genannte typ und ich kann diese z.B. nicht mehr vergleichen</a:t>
             </a:r>
             <a:endParaRPr lang="en-US" dirty="0"/>
           </a:p>
@@ -4675,7 +4907,7 @@
     </p:spTree>
     <p:extLst>
       <p:ext uri="{BB962C8B-B14F-4D97-AF65-F5344CB8AC3E}">
-        <p14:creationId xmlns:p14="http://schemas.microsoft.com/office/powerpoint/2010/main" val="2117330388"/>
+        <p14:creationId xmlns:p14="http://schemas.microsoft.com/office/powerpoint/2010/main" val="3285654297"/>
       </p:ext>
     </p:extLst>
   </p:cSld>
@@ -4731,35 +4963,19 @@
           <a:p>
             <a:r>
               <a:rPr lang="de-DE" dirty="0"/>
-              <a:t>In </a:t>
+              <a:t>In DDD (Domain </a:t>
             </a:r>
             <a:r>
               <a:rPr lang="de-DE" dirty="0" err="1"/>
-              <a:t>Haskel</a:t>
-            </a:r>
-            <a:r>
-              <a:rPr lang="de-DE" dirty="0"/>
-              <a:t> heißt dieser Typ </a:t>
-            </a:r>
-            <a:r>
-              <a:rPr lang="de-DE" dirty="0" err="1"/>
-              <a:t>Maybe</a:t>
-            </a:r>
-            <a:r>
-              <a:rPr lang="de-DE" dirty="0"/>
-              <a:t>, in Scala heißt</a:t>
+              <a:t>Driven</a:t>
+            </a:r>
+            <a:r>
+              <a:rPr lang="de-DE" dirty="0"/>
+              <a:t> Design) spielen diese oft eine wichtige Rolle.  Z.B. kann ich dadurch Primitives</a:t>
             </a:r>
             <a:r>
               <a:rPr lang="de-DE" baseline="0" dirty="0"/>
-              <a:t> es auch </a:t>
-            </a:r>
-            <a:r>
-              <a:rPr lang="de-DE" baseline="0" dirty="0" err="1"/>
-              <a:t>option</a:t>
-            </a:r>
-            <a:r>
-              <a:rPr lang="de-DE" baseline="0" dirty="0"/>
-              <a:t>.</a:t>
+              <a:t> so definieren dass diese untereinander nicht „kompatibel“ sind, auch wenn diese vom gleichen Typ sind.</a:t>
             </a:r>
             <a:endParaRPr lang="en-US" dirty="0"/>
           </a:p>
@@ -4791,7 +5007,7 @@
     </p:spTree>
     <p:extLst>
       <p:ext uri="{BB962C8B-B14F-4D97-AF65-F5344CB8AC3E}">
-        <p14:creationId xmlns:p14="http://schemas.microsoft.com/office/powerpoint/2010/main" val="1558731010"/>
+        <p14:creationId xmlns:p14="http://schemas.microsoft.com/office/powerpoint/2010/main" val="2117330388"/>
       </p:ext>
     </p:extLst>
   </p:cSld>
@@ -4847,61 +5063,36 @@
           <a:p>
             <a:r>
               <a:rPr lang="de-DE" dirty="0"/>
-              <a:t>null</a:t>
+              <a:t>In </a:t>
+            </a:r>
+            <a:r>
+              <a:rPr lang="de-DE" dirty="0" err="1"/>
+              <a:t>Haskel</a:t>
+            </a:r>
+            <a:r>
+              <a:rPr lang="de-DE" dirty="0"/>
+              <a:t> heißt dieser Typ </a:t>
+            </a:r>
+            <a:r>
+              <a:rPr lang="de-DE" dirty="0" err="1"/>
+              <a:t>Maybe</a:t>
+            </a:r>
+            <a:r>
+              <a:rPr lang="de-DE" dirty="0"/>
+              <a:t>, in Scala heißt</a:t>
             </a:r>
             <a:r>
               <a:rPr lang="de-DE" baseline="0" dirty="0"/>
-              <a:t> ist eine Reference zu einem nicht-vorhandenen Objekt</a:t>
-            </a:r>
-          </a:p>
-          <a:p>
-            <a:pPr marL="0" marR="0" indent="0" algn="l" defTabSz="914400" rtl="0" eaLnBrk="1" fontAlgn="auto" latinLnBrk="0" hangingPunct="1">
-              <a:lnSpc>
-                <a:spcPct val="100000"/>
-              </a:lnSpc>
-              <a:spcBef>
-                <a:spcPts val="0"/>
-              </a:spcBef>
-              <a:spcAft>
-                <a:spcPts val="0"/>
-              </a:spcAft>
-              <a:buClrTx/>
-              <a:buSzTx/>
-              <a:buFontTx/>
-              <a:buNone/>
-              <a:tabLst/>
-              <a:defRPr/>
-            </a:pPr>
-            <a:r>
-              <a:rPr lang="de-DE" dirty="0"/>
-              <a:t>null</a:t>
+              <a:t> es auch </a:t>
+            </a:r>
+            <a:r>
+              <a:rPr lang="de-DE" baseline="0" dirty="0" err="1"/>
+              <a:t>option</a:t>
             </a:r>
             <a:r>
               <a:rPr lang="de-DE" baseline="0" dirty="0"/>
-              <a:t> hat den gleichen Typ, ich kann </a:t>
-            </a:r>
-            <a:r>
-              <a:rPr lang="de-DE" baseline="0" dirty="0" err="1">
-                <a:solidFill>
-                  <a:schemeClr val="accent2">
-                    <a:lumMod val="75000"/>
-                  </a:schemeClr>
-                </a:solidFill>
-              </a:rPr>
-              <a:t>Length</a:t>
-            </a:r>
-            <a:r>
-              <a:rPr lang="de-DE" baseline="0" dirty="0">
-                <a:solidFill>
-                  <a:schemeClr val="accent2">
-                    <a:lumMod val="75000"/>
-                  </a:schemeClr>
-                </a:solidFill>
-              </a:rPr>
-              <a:t> aufrufen auf einen Reference zu Nichts!</a:t>
-            </a:r>
-          </a:p>
-          <a:p>
+              <a:t>.</a:t>
+            </a:r>
             <a:endParaRPr lang="en-US" dirty="0"/>
           </a:p>
         </p:txBody>
@@ -4932,7 +5123,7 @@
     </p:spTree>
     <p:extLst>
       <p:ext uri="{BB962C8B-B14F-4D97-AF65-F5344CB8AC3E}">
-        <p14:creationId xmlns:p14="http://schemas.microsoft.com/office/powerpoint/2010/main" val="2749551638"/>
+        <p14:creationId xmlns:p14="http://schemas.microsoft.com/office/powerpoint/2010/main" val="1558731010"/>
       </p:ext>
     </p:extLst>
   </p:cSld>
@@ -4988,6 +5179,147 @@
           <a:p>
             <a:r>
               <a:rPr lang="de-DE" dirty="0"/>
+              <a:t>null</a:t>
+            </a:r>
+            <a:r>
+              <a:rPr lang="de-DE" baseline="0" dirty="0"/>
+              <a:t> ist eine Reference zu einem nicht-vorhandenen Objekt</a:t>
+            </a:r>
+          </a:p>
+          <a:p>
+            <a:pPr marL="0" marR="0" indent="0" algn="l" defTabSz="914400" rtl="0" eaLnBrk="1" fontAlgn="auto" latinLnBrk="0" hangingPunct="1">
+              <a:lnSpc>
+                <a:spcPct val="100000"/>
+              </a:lnSpc>
+              <a:spcBef>
+                <a:spcPts val="0"/>
+              </a:spcBef>
+              <a:spcAft>
+                <a:spcPts val="0"/>
+              </a:spcAft>
+              <a:buClrTx/>
+              <a:buSzTx/>
+              <a:buFontTx/>
+              <a:buNone/>
+              <a:tabLst/>
+              <a:defRPr/>
+            </a:pPr>
+            <a:r>
+              <a:rPr lang="de-DE" dirty="0"/>
+              <a:t>null</a:t>
+            </a:r>
+            <a:r>
+              <a:rPr lang="de-DE" baseline="0" dirty="0"/>
+              <a:t> hat den gleichen Typ, ich kann </a:t>
+            </a:r>
+            <a:r>
+              <a:rPr lang="de-DE" baseline="0" dirty="0" err="1">
+                <a:solidFill>
+                  <a:schemeClr val="accent2">
+                    <a:lumMod val="75000"/>
+                  </a:schemeClr>
+                </a:solidFill>
+              </a:rPr>
+              <a:t>Length</a:t>
+            </a:r>
+            <a:r>
+              <a:rPr lang="de-DE" baseline="0" dirty="0">
+                <a:solidFill>
+                  <a:schemeClr val="accent2">
+                    <a:lumMod val="75000"/>
+                  </a:schemeClr>
+                </a:solidFill>
+              </a:rPr>
+              <a:t> aufrufen auf einen Reference zu Nichts!</a:t>
+            </a:r>
+          </a:p>
+          <a:p>
+            <a:endParaRPr lang="en-US" dirty="0"/>
+          </a:p>
+        </p:txBody>
+      </p:sp>
+      <p:sp>
+        <p:nvSpPr>
+          <p:cNvPr id="4" name="Slide Number Placeholder 3"/>
+          <p:cNvSpPr>
+            <a:spLocks noGrp="1"/>
+          </p:cNvSpPr>
+          <p:nvPr>
+            <p:ph type="sldNum" sz="quarter" idx="10"/>
+          </p:nvPr>
+        </p:nvSpPr>
+        <p:spPr/>
+        <p:txBody>
+          <a:bodyPr/>
+          <a:lstStyle/>
+          <a:p>
+            <a:fld id="{4775FDF9-2A53-4261-A0AF-3B6A9698D365}" type="slidenum">
+              <a:rPr lang="en-US" smtClean="0"/>
+              <a:t>39</a:t>
+            </a:fld>
+            <a:endParaRPr lang="en-US"/>
+          </a:p>
+        </p:txBody>
+      </p:sp>
+    </p:spTree>
+    <p:extLst>
+      <p:ext uri="{BB962C8B-B14F-4D97-AF65-F5344CB8AC3E}">
+        <p14:creationId xmlns:p14="http://schemas.microsoft.com/office/powerpoint/2010/main" val="2749551638"/>
+      </p:ext>
+    </p:extLst>
+  </p:cSld>
+  <p:clrMapOvr>
+    <a:masterClrMapping/>
+  </p:clrMapOvr>
+</p:notes>
+</file>
+
+<file path=ppt/notesSlides/notesSlide38.xml><?xml version="1.0" encoding="utf-8"?>
+<p:notes xmlns:a="http://schemas.openxmlformats.org/drawingml/2006/main" xmlns:r="http://schemas.openxmlformats.org/officeDocument/2006/relationships" xmlns:p="http://schemas.openxmlformats.org/presentationml/2006/main">
+  <p:cSld>
+    <p:spTree>
+      <p:nvGrpSpPr>
+        <p:cNvPr id="1" name=""/>
+        <p:cNvGrpSpPr/>
+        <p:nvPr/>
+      </p:nvGrpSpPr>
+      <p:grpSpPr>
+        <a:xfrm>
+          <a:off x="0" y="0"/>
+          <a:ext cx="0" cy="0"/>
+          <a:chOff x="0" y="0"/>
+          <a:chExt cx="0" cy="0"/>
+        </a:xfrm>
+      </p:grpSpPr>
+      <p:sp>
+        <p:nvSpPr>
+          <p:cNvPr id="2" name="Slide Image Placeholder 1"/>
+          <p:cNvSpPr>
+            <a:spLocks noGrp="1" noRot="1" noChangeAspect="1"/>
+          </p:cNvSpPr>
+          <p:nvPr>
+            <p:ph type="sldImg"/>
+          </p:nvPr>
+        </p:nvSpPr>
+        <p:spPr/>
+      </p:sp>
+      <p:sp>
+        <p:nvSpPr>
+          <p:cNvPr id="3" name="Notes Placeholder 2"/>
+          <p:cNvSpPr>
+            <a:spLocks noGrp="1"/>
+          </p:cNvSpPr>
+          <p:nvPr>
+            <p:ph type="body" idx="1"/>
+          </p:nvPr>
+        </p:nvSpPr>
+        <p:spPr/>
+        <p:txBody>
+          <a:bodyPr/>
+          <a:lstStyle/>
+          <a:p>
+            <a:r>
+              <a:rPr lang="de-DE" dirty="0"/>
               <a:t>Der Compiler erkennt einen Aufruf zu einem None</a:t>
             </a:r>
             <a:r>
@@ -5032,7 +5364,7 @@
           <a:p>
             <a:fld id="{4775FDF9-2A53-4261-A0AF-3B6A9698D365}" type="slidenum">
               <a:rPr lang="en-US" smtClean="0"/>
-              <a:t>39</a:t>
+              <a:t>40</a:t>
             </a:fld>
             <a:endParaRPr lang="en-US"/>
           </a:p>
@@ -15597,6 +15929,24 @@
             </a:r>
           </a:p>
           <a:p>
+            <a:r>
+              <a:rPr lang="de-DE" dirty="0" err="1"/>
+              <a:t>Scripte</a:t>
+            </a:r>
+            <a:r>
+              <a:rPr lang="de-DE" dirty="0"/>
+              <a:t> können mit </a:t>
+            </a:r>
+            <a:r>
+              <a:rPr lang="de-DE" dirty="0" err="1"/>
+              <a:t>fsi</a:t>
+            </a:r>
+            <a:r>
+              <a:rPr lang="de-DE" dirty="0"/>
+              <a:t> im Batch aufgerufen werden</a:t>
+            </a:r>
+          </a:p>
+          <a:p>
             <a:pPr marL="0" indent="0">
               <a:buNone/>
             </a:pPr>
@@ -15818,6 +16168,55 @@
                       </p:childTnLst>
                     </p:cTn>
                   </p:par>
+                  <p:par>
+                    <p:cTn id="19" fill="hold">
+                      <p:stCondLst>
+                        <p:cond delay="indefinite"/>
+                      </p:stCondLst>
+                      <p:childTnLst>
+                        <p:par>
+                          <p:cTn id="20" fill="hold">
+                            <p:stCondLst>
+                              <p:cond delay="0"/>
+                            </p:stCondLst>
+                            <p:childTnLst>
+                              <p:par>
+                                <p:cTn id="21" presetID="1" presetClass="entr" presetSubtype="0" fill="hold" grpId="0" nodeType="clickEffect">
+                                  <p:stCondLst>
+                                    <p:cond delay="0"/>
+                                  </p:stCondLst>
+                                  <p:childTnLst>
+                                    <p:set>
+                                      <p:cBhvr>
+                                        <p:cTn id="22" dur="1" fill="hold">
+                                          <p:stCondLst>
+                                            <p:cond delay="0"/>
+                                          </p:stCondLst>
+                                        </p:cTn>
+                                        <p:tgtEl>
+                                          <p:spTgt spid="3">
+                                            <p:txEl>
+                                              <p:pRg st="4" end="4"/>
+                                            </p:txEl>
+                                          </p:spTgt>
+                                        </p:tgtEl>
+                                        <p:attrNameLst>
+                                          <p:attrName>style.visibility</p:attrName>
+                                        </p:attrNameLst>
+                                      </p:cBhvr>
+                                      <p:to>
+                                        <p:strVal val="visible"/>
+                                      </p:to>
+                                    </p:set>
+                                  </p:childTnLst>
+                                </p:cTn>
+                              </p:par>
+                            </p:childTnLst>
+                          </p:cTn>
+                        </p:par>
+                      </p:childTnLst>
+                    </p:cTn>
+                  </p:par>
                 </p:childTnLst>
               </p:cTn>
               <p:prevCondLst>
@@ -15847,6 +16246,240 @@
 </file>
 
 <file path=ppt/slides/slide27.xml><?xml version="1.0" encoding="utf-8"?>
+<p:sld xmlns:a="http://schemas.openxmlformats.org/drawingml/2006/main" xmlns:r="http://schemas.openxmlformats.org/officeDocument/2006/relationships" xmlns:p="http://schemas.openxmlformats.org/presentationml/2006/main">
+  <p:cSld>
+    <p:spTree>
+      <p:nvGrpSpPr>
+        <p:cNvPr id="1" name=""/>
+        <p:cNvGrpSpPr/>
+        <p:nvPr/>
+      </p:nvGrpSpPr>
+      <p:grpSpPr>
+        <a:xfrm>
+          <a:off x="0" y="0"/>
+          <a:ext cx="0" cy="0"/>
+          <a:chOff x="0" y="0"/>
+          <a:chExt cx="0" cy="0"/>
+        </a:xfrm>
+      </p:grpSpPr>
+      <p:sp>
+        <p:nvSpPr>
+          <p:cNvPr id="2" name="Titel 1"/>
+          <p:cNvSpPr>
+            <a:spLocks noGrp="1"/>
+          </p:cNvSpPr>
+          <p:nvPr>
+            <p:ph type="title"/>
+          </p:nvPr>
+        </p:nvSpPr>
+        <p:spPr/>
+        <p:txBody>
+          <a:bodyPr/>
+          <a:lstStyle/>
+          <a:p>
+            <a:r>
+              <a:rPr lang="de-DE" dirty="0"/>
+              <a:t>Modul 1: Script</a:t>
+            </a:r>
+          </a:p>
+        </p:txBody>
+      </p:sp>
+      <p:sp>
+        <p:nvSpPr>
+          <p:cNvPr id="3" name="Inhaltsplatzhalter 2"/>
+          <p:cNvSpPr>
+            <a:spLocks noGrp="1"/>
+          </p:cNvSpPr>
+          <p:nvPr>
+            <p:ph idx="1"/>
+          </p:nvPr>
+        </p:nvSpPr>
+        <p:spPr/>
+        <p:txBody>
+          <a:bodyPr/>
+          <a:lstStyle/>
+          <a:p>
+            <a:r>
+              <a:rPr lang="de-DE" dirty="0" err="1"/>
+              <a:t>Scripte</a:t>
+            </a:r>
+            <a:r>
+              <a:rPr lang="de-DE" dirty="0"/>
+              <a:t> können mit </a:t>
+            </a:r>
+            <a:r>
+              <a:rPr lang="de-DE" dirty="0" err="1"/>
+              <a:t>fsi</a:t>
+            </a:r>
+            <a:r>
+              <a:rPr lang="de-DE" dirty="0"/>
+              <a:t> im Batch aufgerufen werden</a:t>
+            </a:r>
+          </a:p>
+          <a:p>
+            <a:r>
+              <a:rPr lang="de-DE" dirty="0"/>
+              <a:t>F# ist eine großartige </a:t>
+            </a:r>
+            <a:r>
+              <a:rPr lang="de-DE"/>
+              <a:t>Scripting Sprache!</a:t>
+            </a:r>
+            <a:endParaRPr lang="de-DE" dirty="0"/>
+          </a:p>
+          <a:p>
+            <a:pPr marL="0" indent="0">
+              <a:buNone/>
+            </a:pPr>
+            <a:endParaRPr lang="de-DE" dirty="0"/>
+          </a:p>
+        </p:txBody>
+      </p:sp>
+    </p:spTree>
+    <p:extLst>
+      <p:ext uri="{BB962C8B-B14F-4D97-AF65-F5344CB8AC3E}">
+        <p14:creationId xmlns:p14="http://schemas.microsoft.com/office/powerpoint/2010/main" val="1971112205"/>
+      </p:ext>
+    </p:extLst>
+  </p:cSld>
+  <p:clrMapOvr>
+    <a:masterClrMapping/>
+  </p:clrMapOvr>
+  <p:timing>
+    <p:tnLst>
+      <p:par>
+        <p:cTn id="1" dur="indefinite" restart="never" nodeType="tmRoot">
+          <p:childTnLst>
+            <p:seq concurrent="1" nextAc="seek">
+              <p:cTn id="2" dur="indefinite" nodeType="mainSeq">
+                <p:childTnLst>
+                  <p:par>
+                    <p:cTn id="3" fill="hold">
+                      <p:stCondLst>
+                        <p:cond delay="indefinite"/>
+                      </p:stCondLst>
+                      <p:childTnLst>
+                        <p:par>
+                          <p:cTn id="4" fill="hold">
+                            <p:stCondLst>
+                              <p:cond delay="0"/>
+                            </p:stCondLst>
+                            <p:childTnLst>
+                              <p:par>
+                                <p:cTn id="5" presetID="1" presetClass="entr" presetSubtype="0" fill="hold" grpId="0" nodeType="clickEffect">
+                                  <p:stCondLst>
+                                    <p:cond delay="0"/>
+                                  </p:stCondLst>
+                                  <p:childTnLst>
+                                    <p:set>
+                                      <p:cBhvr>
+                                        <p:cTn id="6" dur="1" fill="hold">
+                                          <p:stCondLst>
+                                            <p:cond delay="0"/>
+                                          </p:stCondLst>
+                                        </p:cTn>
+                                        <p:tgtEl>
+                                          <p:spTgt spid="3">
+                                            <p:txEl>
+                                              <p:pRg st="0" end="0"/>
+                                            </p:txEl>
+                                          </p:spTgt>
+                                        </p:tgtEl>
+                                        <p:attrNameLst>
+                                          <p:attrName>style.visibility</p:attrName>
+                                        </p:attrNameLst>
+                                      </p:cBhvr>
+                                      <p:to>
+                                        <p:strVal val="visible"/>
+                                      </p:to>
+                                    </p:set>
+                                  </p:childTnLst>
+                                </p:cTn>
+                              </p:par>
+                            </p:childTnLst>
+                          </p:cTn>
+                        </p:par>
+                      </p:childTnLst>
+                    </p:cTn>
+                  </p:par>
+                  <p:par>
+                    <p:cTn id="7" fill="hold">
+                      <p:stCondLst>
+                        <p:cond delay="indefinite"/>
+                      </p:stCondLst>
+                      <p:childTnLst>
+                        <p:par>
+                          <p:cTn id="8" fill="hold">
+                            <p:stCondLst>
+                              <p:cond delay="0"/>
+                            </p:stCondLst>
+                            <p:childTnLst>
+                              <p:par>
+                                <p:cTn id="9" presetID="1" presetClass="entr" presetSubtype="0" fill="hold" grpId="0" nodeType="clickEffect">
+                                  <p:stCondLst>
+                                    <p:cond delay="0"/>
+                                  </p:stCondLst>
+                                  <p:childTnLst>
+                                    <p:set>
+                                      <p:cBhvr>
+                                        <p:cTn id="10" dur="1" fill="hold">
+                                          <p:stCondLst>
+                                            <p:cond delay="0"/>
+                                          </p:stCondLst>
+                                        </p:cTn>
+                                        <p:tgtEl>
+                                          <p:spTgt spid="3">
+                                            <p:txEl>
+                                              <p:pRg st="1" end="1"/>
+                                            </p:txEl>
+                                          </p:spTgt>
+                                        </p:tgtEl>
+                                        <p:attrNameLst>
+                                          <p:attrName>style.visibility</p:attrName>
+                                        </p:attrNameLst>
+                                      </p:cBhvr>
+                                      <p:to>
+                                        <p:strVal val="visible"/>
+                                      </p:to>
+                                    </p:set>
+                                  </p:childTnLst>
+                                </p:cTn>
+                              </p:par>
+                            </p:childTnLst>
+                          </p:cTn>
+                        </p:par>
+                      </p:childTnLst>
+                    </p:cTn>
+                  </p:par>
+                </p:childTnLst>
+              </p:cTn>
+              <p:prevCondLst>
+                <p:cond evt="onPrev" delay="0">
+                  <p:tgtEl>
+                    <p:sldTgt/>
+                  </p:tgtEl>
+                </p:cond>
+              </p:prevCondLst>
+              <p:nextCondLst>
+                <p:cond evt="onNext" delay="0">
+                  <p:tgtEl>
+                    <p:sldTgt/>
+                  </p:tgtEl>
+                </p:cond>
+              </p:nextCondLst>
+            </p:seq>
+          </p:childTnLst>
+        </p:cTn>
+      </p:par>
+    </p:tnLst>
+    <p:bldLst>
+      <p:bldP spid="3" grpId="0" build="p"/>
+    </p:bldLst>
+  </p:timing>
+</p:sld>
+</file>
+
+<file path=ppt/slides/slide28.xml><?xml version="1.0" encoding="utf-8"?>
 <p:sld xmlns:a="http://schemas.openxmlformats.org/drawingml/2006/main" xmlns:r="http://schemas.openxmlformats.org/officeDocument/2006/relationships" xmlns:p="http://schemas.openxmlformats.org/presentationml/2006/main">
   <p:cSld>
     <p:spTree>
@@ -16190,7 +16823,7 @@
 </p:sld>
 </file>
 
-<file path=ppt/slides/slide28.xml><?xml version="1.0" encoding="utf-8"?>
+<file path=ppt/slides/slide29.xml><?xml version="1.0" encoding="utf-8"?>
 <p:sld xmlns:a="http://schemas.openxmlformats.org/drawingml/2006/main" xmlns:r="http://schemas.openxmlformats.org/officeDocument/2006/relationships" xmlns:p="http://schemas.openxmlformats.org/presentationml/2006/main">
   <p:cSld>
     <p:spTree>
@@ -16495,7 +17128,60 @@
 </p:sld>
 </file>
 
-<file path=ppt/slides/slide29.xml><?xml version="1.0" encoding="utf-8"?>
+<file path=ppt/slides/slide3.xml><?xml version="1.0" encoding="utf-8"?>
+<p:sld xmlns:a="http://schemas.openxmlformats.org/drawingml/2006/main" xmlns:r="http://schemas.openxmlformats.org/officeDocument/2006/relationships" xmlns:p="http://schemas.openxmlformats.org/presentationml/2006/main">
+  <p:cSld>
+    <p:spTree>
+      <p:nvGrpSpPr>
+        <p:cNvPr id="1" name=""/>
+        <p:cNvGrpSpPr/>
+        <p:nvPr/>
+      </p:nvGrpSpPr>
+      <p:grpSpPr>
+        <a:xfrm>
+          <a:off x="0" y="0"/>
+          <a:ext cx="0" cy="0"/>
+          <a:chOff x="0" y="0"/>
+          <a:chExt cx="0" cy="0"/>
+        </a:xfrm>
+      </p:grpSpPr>
+      <p:sp>
+        <p:nvSpPr>
+          <p:cNvPr id="2" name="Title 1"/>
+          <p:cNvSpPr>
+            <a:spLocks noGrp="1"/>
+          </p:cNvSpPr>
+          <p:nvPr>
+            <p:ph type="title"/>
+          </p:nvPr>
+        </p:nvSpPr>
+        <p:spPr/>
+        <p:txBody>
+          <a:bodyPr/>
+          <a:lstStyle/>
+          <a:p>
+            <a:r>
+              <a:rPr lang="de-DE" dirty="0"/>
+              <a:t>Funktional ist kein Trend</a:t>
+            </a:r>
+            <a:endParaRPr lang="en-US" dirty="0"/>
+          </a:p>
+        </p:txBody>
+      </p:sp>
+    </p:spTree>
+    <p:extLst>
+      <p:ext uri="{BB962C8B-B14F-4D97-AF65-F5344CB8AC3E}">
+        <p14:creationId xmlns:p14="http://schemas.microsoft.com/office/powerpoint/2010/main" val="2665407636"/>
+      </p:ext>
+    </p:extLst>
+  </p:cSld>
+  <p:clrMapOvr>
+    <a:masterClrMapping/>
+  </p:clrMapOvr>
+</p:sld>
+</file>
+
+<file path=ppt/slides/slide30.xml><?xml version="1.0" encoding="utf-8"?>
 <p:sld xmlns:a="http://schemas.openxmlformats.org/drawingml/2006/main" xmlns:r="http://schemas.openxmlformats.org/officeDocument/2006/relationships" xmlns:p="http://schemas.openxmlformats.org/presentationml/2006/main">
   <p:cSld>
     <p:spTree>
@@ -16832,60 +17518,7 @@
 </p:sld>
 </file>
 
-<file path=ppt/slides/slide3.xml><?xml version="1.0" encoding="utf-8"?>
-<p:sld xmlns:a="http://schemas.openxmlformats.org/drawingml/2006/main" xmlns:r="http://schemas.openxmlformats.org/officeDocument/2006/relationships" xmlns:p="http://schemas.openxmlformats.org/presentationml/2006/main">
-  <p:cSld>
-    <p:spTree>
-      <p:nvGrpSpPr>
-        <p:cNvPr id="1" name=""/>
-        <p:cNvGrpSpPr/>
-        <p:nvPr/>
-      </p:nvGrpSpPr>
-      <p:grpSpPr>
-        <a:xfrm>
-          <a:off x="0" y="0"/>
-          <a:ext cx="0" cy="0"/>
-          <a:chOff x="0" y="0"/>
-          <a:chExt cx="0" cy="0"/>
-        </a:xfrm>
-      </p:grpSpPr>
-      <p:sp>
-        <p:nvSpPr>
-          <p:cNvPr id="2" name="Title 1"/>
-          <p:cNvSpPr>
-            <a:spLocks noGrp="1"/>
-          </p:cNvSpPr>
-          <p:nvPr>
-            <p:ph type="title"/>
-          </p:nvPr>
-        </p:nvSpPr>
-        <p:spPr/>
-        <p:txBody>
-          <a:bodyPr/>
-          <a:lstStyle/>
-          <a:p>
-            <a:r>
-              <a:rPr lang="de-DE" dirty="0"/>
-              <a:t>Funktional ist kein Trend</a:t>
-            </a:r>
-            <a:endParaRPr lang="en-US" dirty="0"/>
-          </a:p>
-        </p:txBody>
-      </p:sp>
-    </p:spTree>
-    <p:extLst>
-      <p:ext uri="{BB962C8B-B14F-4D97-AF65-F5344CB8AC3E}">
-        <p14:creationId xmlns:p14="http://schemas.microsoft.com/office/powerpoint/2010/main" val="2665407636"/>
-      </p:ext>
-    </p:extLst>
-  </p:cSld>
-  <p:clrMapOvr>
-    <a:masterClrMapping/>
-  </p:clrMapOvr>
-</p:sld>
-</file>
-
-<file path=ppt/slides/slide30.xml><?xml version="1.0" encoding="utf-8"?>
+<file path=ppt/slides/slide31.xml><?xml version="1.0" encoding="utf-8"?>
 <p:sld xmlns:a="http://schemas.openxmlformats.org/drawingml/2006/main" xmlns:r="http://schemas.openxmlformats.org/officeDocument/2006/relationships" xmlns:p="http://schemas.openxmlformats.org/presentationml/2006/main">
   <p:cSld>
     <p:spTree>
@@ -17064,7 +17697,7 @@
 </p:sld>
 </file>
 
-<file path=ppt/slides/slide31.xml><?xml version="1.0" encoding="utf-8"?>
+<file path=ppt/slides/slide32.xml><?xml version="1.0" encoding="utf-8"?>
 <p:sld xmlns:a="http://schemas.openxmlformats.org/drawingml/2006/main" xmlns:r="http://schemas.openxmlformats.org/officeDocument/2006/relationships" xmlns:p="http://schemas.openxmlformats.org/presentationml/2006/main">
   <p:cSld>
     <p:spTree>
@@ -17594,162 +18227,6 @@
 </p:sld>
 </file>
 
-<file path=ppt/slides/slide32.xml><?xml version="1.0" encoding="utf-8"?>
-<p:sld xmlns:a="http://schemas.openxmlformats.org/drawingml/2006/main" xmlns:r="http://schemas.openxmlformats.org/officeDocument/2006/relationships" xmlns:p="http://schemas.openxmlformats.org/presentationml/2006/main">
-  <p:cSld>
-    <p:spTree>
-      <p:nvGrpSpPr>
-        <p:cNvPr id="1" name=""/>
-        <p:cNvGrpSpPr/>
-        <p:nvPr/>
-      </p:nvGrpSpPr>
-      <p:grpSpPr>
-        <a:xfrm>
-          <a:off x="0" y="0"/>
-          <a:ext cx="0" cy="0"/>
-          <a:chOff x="0" y="0"/>
-          <a:chExt cx="0" cy="0"/>
-        </a:xfrm>
-      </p:grpSpPr>
-      <p:sp>
-        <p:nvSpPr>
-          <p:cNvPr id="2" name="Title 1"/>
-          <p:cNvSpPr>
-            <a:spLocks noGrp="1"/>
-          </p:cNvSpPr>
-          <p:nvPr>
-            <p:ph type="title"/>
-          </p:nvPr>
-        </p:nvSpPr>
-        <p:spPr/>
-        <p:txBody>
-          <a:bodyPr/>
-          <a:lstStyle/>
-          <a:p>
-            <a:r>
-              <a:rPr lang="de-DE" dirty="0" err="1"/>
-              <a:t>Tuple</a:t>
-            </a:r>
-            <a:r>
-              <a:rPr lang="de-DE" dirty="0"/>
-              <a:t>: Wofür</a:t>
-            </a:r>
-            <a:endParaRPr lang="en-US" dirty="0"/>
-          </a:p>
-        </p:txBody>
-      </p:sp>
-      <p:sp>
-        <p:nvSpPr>
-          <p:cNvPr id="3" name="Content Placeholder 2"/>
-          <p:cNvSpPr>
-            <a:spLocks noGrp="1"/>
-          </p:cNvSpPr>
-          <p:nvPr>
-            <p:ph idx="1"/>
-          </p:nvPr>
-        </p:nvSpPr>
-        <p:spPr/>
-        <p:txBody>
-          <a:bodyPr>
-            <a:normAutofit fontScale="92500"/>
-          </a:bodyPr>
-          <a:lstStyle/>
-          <a:p>
-            <a:pPr marL="0" indent="0">
-              <a:buNone/>
-            </a:pPr>
-            <a:r>
-              <a:rPr lang="de-DE" dirty="0"/>
-              <a:t>Nutzung: </a:t>
-            </a:r>
-            <a:r>
-              <a:rPr lang="de-DE" dirty="0" err="1"/>
-              <a:t>Tuples</a:t>
-            </a:r>
-            <a:r>
-              <a:rPr lang="de-DE" dirty="0"/>
-              <a:t> werden meistens nicht übergeben, dienen zur temporären Haltung von Daten</a:t>
-            </a:r>
-          </a:p>
-          <a:p>
-            <a:pPr marL="0" indent="0">
-              <a:buNone/>
-            </a:pPr>
-            <a:r>
-              <a:rPr lang="de-DE" dirty="0"/>
-              <a:t>Bedenke: ALLES kann als </a:t>
-            </a:r>
-            <a:r>
-              <a:rPr lang="de-DE" dirty="0" err="1"/>
-              <a:t>tuple</a:t>
-            </a:r>
-            <a:r>
-              <a:rPr lang="de-DE" dirty="0"/>
-              <a:t> definiert werden:</a:t>
-            </a:r>
-          </a:p>
-          <a:p>
-            <a:pPr>
-              <a:buFontTx/>
-              <a:buChar char="-"/>
-            </a:pPr>
-            <a:r>
-              <a:rPr lang="de-DE" dirty="0"/>
-              <a:t>Werte (</a:t>
-            </a:r>
-            <a:r>
-              <a:rPr lang="de-DE" dirty="0" err="1"/>
-              <a:t>int</a:t>
-            </a:r>
-            <a:r>
-              <a:rPr lang="de-DE" dirty="0"/>
-              <a:t>, etc.)</a:t>
-            </a:r>
-          </a:p>
-          <a:p>
-            <a:pPr>
-              <a:buFontTx/>
-              <a:buChar char="-"/>
-            </a:pPr>
-            <a:r>
-              <a:rPr lang="de-DE" dirty="0"/>
-              <a:t>ADTs</a:t>
-            </a:r>
-          </a:p>
-          <a:p>
-            <a:pPr>
-              <a:buFontTx/>
-              <a:buChar char="-"/>
-            </a:pPr>
-            <a:r>
-              <a:rPr lang="de-DE" dirty="0"/>
-              <a:t>Funktionen</a:t>
-            </a:r>
-          </a:p>
-          <a:p>
-            <a:pPr marL="0" indent="0">
-              <a:buNone/>
-            </a:pPr>
-            <a:r>
-              <a:rPr lang="de-DE" dirty="0"/>
-              <a:t>Funktion mit zwei (oder mehreren) Rückgabewerten </a:t>
-            </a:r>
-          </a:p>
-        </p:txBody>
-      </p:sp>
-    </p:spTree>
-    <p:extLst>
-      <p:ext uri="{BB962C8B-B14F-4D97-AF65-F5344CB8AC3E}">
-        <p14:creationId xmlns:p14="http://schemas.microsoft.com/office/powerpoint/2010/main" val="2657218075"/>
-      </p:ext>
-    </p:extLst>
-  </p:cSld>
-  <p:clrMapOvr>
-    <a:masterClrMapping/>
-  </p:clrMapOvr>
-</p:sld>
-</file>
-
 <file path=ppt/slides/slide33.xml><?xml version="1.0" encoding="utf-8"?>
 <p:sld xmlns:a="http://schemas.openxmlformats.org/drawingml/2006/main" xmlns:r="http://schemas.openxmlformats.org/officeDocument/2006/relationships" xmlns:p="http://schemas.openxmlformats.org/presentationml/2006/main">
   <p:cSld>
@@ -17784,11 +18261,11 @@
           <a:p>
             <a:r>
               <a:rPr lang="de-DE" dirty="0" err="1"/>
-              <a:t>Record</a:t>
-            </a:r>
-            <a:r>
-              <a:rPr lang="de-DE" dirty="0"/>
-              <a:t>: Definition</a:t>
+              <a:t>Tuple</a:t>
+            </a:r>
+            <a:r>
+              <a:rPr lang="de-DE" dirty="0"/>
+              <a:t>: Wofür</a:t>
             </a:r>
             <a:endParaRPr lang="en-US" dirty="0"/>
           </a:p>
@@ -17807,7 +18284,7 @@
         <p:spPr/>
         <p:txBody>
           <a:bodyPr>
-            <a:normAutofit/>
+            <a:normAutofit fontScale="92500"/>
           </a:bodyPr>
           <a:lstStyle/>
           <a:p>
@@ -17816,15 +18293,15 @@
             </a:pPr>
             <a:r>
               <a:rPr lang="de-DE" dirty="0"/>
-              <a:t>Keine </a:t>
+              <a:t>Nutzung: </a:t>
             </a:r>
             <a:r>
               <a:rPr lang="de-DE" dirty="0" err="1"/>
-              <a:t>Adhoc</a:t>
-            </a:r>
-            <a:r>
-              <a:rPr lang="de-DE" dirty="0"/>
-              <a:t> Erstellung</a:t>
+              <a:t>Tuples</a:t>
+            </a:r>
+            <a:r>
+              <a:rPr lang="de-DE" dirty="0"/>
+              <a:t> werden meistens nicht übergeben, dienen zur temporären Haltung von Daten</a:t>
             </a:r>
           </a:p>
           <a:p>
@@ -17832,124 +18309,63 @@
               <a:buNone/>
             </a:pPr>
             <a:r>
-              <a:rPr lang="de-DE" dirty="0" err="1"/>
-              <a:t>Labeled</a:t>
-            </a:r>
-            <a:r>
-              <a:rPr lang="de-DE" dirty="0"/>
-              <a:t> </a:t>
+              <a:rPr lang="de-DE" dirty="0"/>
+              <a:t>Bedenke: ALLES kann als </a:t>
             </a:r>
             <a:r>
               <a:rPr lang="de-DE" dirty="0" err="1"/>
               <a:t>tuple</a:t>
             </a:r>
-            <a:endParaRPr lang="de-DE" dirty="0"/>
+            <a:r>
+              <a:rPr lang="de-DE" dirty="0"/>
+              <a:t> definiert werden:</a:t>
+            </a:r>
+          </a:p>
+          <a:p>
+            <a:pPr>
+              <a:buFontTx/>
+              <a:buChar char="-"/>
+            </a:pPr>
+            <a:r>
+              <a:rPr lang="de-DE" dirty="0"/>
+              <a:t>Werte (</a:t>
+            </a:r>
+            <a:r>
+              <a:rPr lang="de-DE" dirty="0" err="1"/>
+              <a:t>int</a:t>
+            </a:r>
+            <a:r>
+              <a:rPr lang="de-DE" dirty="0"/>
+              <a:t>, etc.)</a:t>
+            </a:r>
+          </a:p>
+          <a:p>
+            <a:pPr>
+              <a:buFontTx/>
+              <a:buChar char="-"/>
+            </a:pPr>
+            <a:r>
+              <a:rPr lang="de-DE" dirty="0"/>
+              <a:t>ADTs</a:t>
+            </a:r>
+          </a:p>
+          <a:p>
+            <a:pPr>
+              <a:buFontTx/>
+              <a:buChar char="-"/>
+            </a:pPr>
+            <a:r>
+              <a:rPr lang="de-DE" dirty="0"/>
+              <a:t>Funktionen</a:t>
+            </a:r>
           </a:p>
           <a:p>
             <a:pPr marL="0" indent="0">
               <a:buNone/>
             </a:pPr>
             <a:r>
-              <a:rPr lang="en-US" sz="2800" b="1" dirty="0"/>
-              <a:t>type</a:t>
-            </a:r>
-            <a:r>
-              <a:rPr lang="en-US" sz="2800" dirty="0"/>
-              <a:t> </a:t>
-            </a:r>
-            <a:r>
-              <a:rPr lang="en-US" sz="2800" b="1" dirty="0" err="1"/>
-              <a:t>ComplexNumber</a:t>
-            </a:r>
-            <a:r>
-              <a:rPr lang="en-US" sz="2800" dirty="0"/>
-              <a:t> = { real: float; imaginary: float }</a:t>
-            </a:r>
-            <a:endParaRPr lang="de-DE" sz="2800" dirty="0"/>
-          </a:p>
-          <a:p>
-            <a:pPr marL="0" indent="0">
-              <a:buNone/>
-            </a:pPr>
-            <a:r>
-              <a:rPr lang="en-US" sz="2800" b="1" dirty="0"/>
-              <a:t>type</a:t>
-            </a:r>
-            <a:r>
-              <a:rPr lang="en-US" sz="2800" dirty="0"/>
-              <a:t> </a:t>
-            </a:r>
-            <a:r>
-              <a:rPr lang="en-US" sz="2800" b="1" dirty="0" err="1"/>
-              <a:t>GeoCoord</a:t>
-            </a:r>
-            <a:r>
-              <a:rPr lang="en-US" sz="2800" dirty="0"/>
-              <a:t> = { </a:t>
-            </a:r>
-            <a:r>
-              <a:rPr lang="en-US" sz="2800" dirty="0" err="1"/>
-              <a:t>lat</a:t>
-            </a:r>
-            <a:r>
-              <a:rPr lang="en-US" sz="2800" dirty="0"/>
-              <a:t>: float; long: float }</a:t>
-            </a:r>
-          </a:p>
-          <a:p>
-            <a:pPr marL="0" indent="0">
-              <a:buNone/>
-            </a:pPr>
-            <a:endParaRPr lang="de-DE" sz="2800" dirty="0"/>
-          </a:p>
-          <a:p>
-            <a:pPr marL="0" indent="0">
-              <a:buNone/>
-            </a:pPr>
-            <a:r>
-              <a:rPr lang="de-DE" dirty="0"/>
-              <a:t>Andere Records, Funktionen</a:t>
-            </a:r>
-          </a:p>
-          <a:p>
-            <a:pPr marL="0" indent="0">
-              <a:buNone/>
-            </a:pPr>
-            <a:r>
-              <a:rPr lang="en-US" sz="2800" b="1" dirty="0"/>
-              <a:t>type S</a:t>
-            </a:r>
-            <a:r>
-              <a:rPr lang="en-US" dirty="0"/>
-              <a:t> = </a:t>
-            </a:r>
-            <a:r>
-              <a:rPr lang="en-US" sz="2800" dirty="0"/>
-              <a:t>{ </a:t>
-            </a:r>
-            <a:r>
-              <a:rPr lang="en-US" sz="2800" dirty="0" err="1"/>
-              <a:t>Coord</a:t>
-            </a:r>
-            <a:r>
-              <a:rPr lang="en-US" sz="2800" dirty="0"/>
-              <a:t> : </a:t>
-            </a:r>
-            <a:r>
-              <a:rPr lang="en-US" sz="2800" dirty="0" err="1"/>
-              <a:t>GeoCoord</a:t>
-            </a:r>
-            <a:r>
-              <a:rPr lang="en-US" sz="2800" dirty="0"/>
-              <a:t>; </a:t>
-            </a:r>
-            <a:r>
-              <a:rPr lang="en-US" sz="2800" dirty="0" err="1"/>
-              <a:t>Tun</a:t>
-            </a:r>
-            <a:r>
-              <a:rPr lang="en-US" sz="2800" dirty="0"/>
-              <a:t> : string -&gt; string; }</a:t>
+              <a:rPr lang="de-DE" dirty="0"/>
+              <a:t>Funktion mit zwei (oder mehreren) Rückgabewerten </a:t>
             </a:r>
           </a:p>
         </p:txBody>
@@ -17957,7 +18373,7 @@
     </p:spTree>
     <p:extLst>
       <p:ext uri="{BB962C8B-B14F-4D97-AF65-F5344CB8AC3E}">
-        <p14:creationId xmlns:p14="http://schemas.microsoft.com/office/powerpoint/2010/main" val="1545968842"/>
+        <p14:creationId xmlns:p14="http://schemas.microsoft.com/office/powerpoint/2010/main" val="2657218075"/>
       </p:ext>
     </p:extLst>
   </p:cSld>
@@ -18005,19 +18421,7 @@
             </a:r>
             <a:r>
               <a:rPr lang="de-DE" dirty="0"/>
-              <a:t>: </a:t>
-            </a:r>
-            <a:r>
-              <a:rPr lang="de-DE" dirty="0" err="1"/>
-              <a:t>Structural</a:t>
-            </a:r>
-            <a:r>
-              <a:rPr lang="de-DE" dirty="0"/>
-              <a:t> </a:t>
-            </a:r>
-            <a:r>
-              <a:rPr lang="de-DE" dirty="0" err="1"/>
-              <a:t>Equality</a:t>
+              <a:t>: Definition</a:t>
             </a:r>
             <a:endParaRPr lang="en-US" dirty="0"/>
           </a:p>
@@ -18035,7 +18439,9 @@
         </p:nvSpPr>
         <p:spPr/>
         <p:txBody>
-          <a:bodyPr/>
+          <a:bodyPr>
+            <a:normAutofit/>
+          </a:bodyPr>
           <a:lstStyle/>
           <a:p>
             <a:pPr marL="0" indent="0">
@@ -18043,43 +18449,15 @@
             </a:pPr>
             <a:r>
               <a:rPr lang="de-DE" dirty="0"/>
-              <a:t>Zwei </a:t>
+              <a:t>Keine </a:t>
             </a:r>
             <a:r>
               <a:rPr lang="de-DE" dirty="0" err="1"/>
-              <a:t>Record</a:t>
-            </a:r>
-            <a:r>
-              <a:rPr lang="de-DE" dirty="0"/>
-              <a:t> </a:t>
-            </a:r>
-            <a:r>
-              <a:rPr lang="de-DE" dirty="0" err="1"/>
-              <a:t>Types</a:t>
-            </a:r>
-            <a:r>
-              <a:rPr lang="de-DE" dirty="0"/>
-              <a:t> sind gleich wenn beide die gleichen</a:t>
-            </a:r>
-          </a:p>
-          <a:p>
-            <a:pPr>
-              <a:buFontTx/>
-              <a:buChar char="-"/>
-            </a:pPr>
-            <a:r>
-              <a:rPr lang="de-DE" dirty="0"/>
-              <a:t>Type</a:t>
-            </a:r>
-          </a:p>
-          <a:p>
-            <a:pPr>
-              <a:buFontTx/>
-              <a:buChar char="-"/>
-            </a:pPr>
-            <a:r>
-              <a:rPr lang="de-DE" dirty="0"/>
-              <a:t>Werte</a:t>
+              <a:t>Adhoc</a:t>
+            </a:r>
+            <a:r>
+              <a:rPr lang="de-DE" dirty="0"/>
+              <a:t> Erstellung</a:t>
             </a:r>
           </a:p>
           <a:p>
@@ -18087,34 +18465,132 @@
               <a:buNone/>
             </a:pPr>
             <a:r>
-              <a:rPr lang="de-DE" dirty="0"/>
-              <a:t>Im gleichen „Slot“ haben</a:t>
-            </a:r>
+              <a:rPr lang="de-DE" dirty="0" err="1"/>
+              <a:t>Labeled</a:t>
+            </a:r>
+            <a:r>
+              <a:rPr lang="de-DE" dirty="0"/>
+              <a:t> </a:t>
+            </a:r>
+            <a:r>
+              <a:rPr lang="de-DE" dirty="0" err="1"/>
+              <a:t>tuple</a:t>
+            </a:r>
+            <a:endParaRPr lang="de-DE" dirty="0"/>
           </a:p>
           <a:p>
             <a:pPr marL="0" indent="0">
               <a:buNone/>
             </a:pPr>
             <a:r>
-              <a:rPr lang="de-DE" dirty="0"/>
-              <a:t>ACHTUNG: zwei </a:t>
-            </a:r>
-            <a:r>
-              <a:rPr lang="de-DE" dirty="0" err="1"/>
-              <a:t>Record</a:t>
-            </a:r>
-            <a:r>
-              <a:rPr lang="de-DE" dirty="0"/>
-              <a:t> typen mit unterschiedlichen Namen können nicht gleich sein! F# ist hier nominal!</a:t>
-            </a:r>
-            <a:endParaRPr lang="en-US" dirty="0"/>
+              <a:rPr lang="en-US" sz="2800" b="1" dirty="0"/>
+              <a:t>type</a:t>
+            </a:r>
+            <a:r>
+              <a:rPr lang="en-US" sz="2800" dirty="0"/>
+              <a:t> </a:t>
+            </a:r>
+            <a:r>
+              <a:rPr lang="en-US" sz="2800" b="1" dirty="0" err="1"/>
+              <a:t>ComplexNumber</a:t>
+            </a:r>
+            <a:r>
+              <a:rPr lang="en-US" sz="2800" dirty="0"/>
+              <a:t> = { real: float; imaginary: float }</a:t>
+            </a:r>
+            <a:endParaRPr lang="de-DE" sz="2800" dirty="0"/>
+          </a:p>
+          <a:p>
+            <a:pPr marL="0" indent="0">
+              <a:buNone/>
+            </a:pPr>
+            <a:r>
+              <a:rPr lang="en-US" sz="2800" b="1" dirty="0"/>
+              <a:t>type</a:t>
+            </a:r>
+            <a:r>
+              <a:rPr lang="en-US" sz="2800" dirty="0"/>
+              <a:t> </a:t>
+            </a:r>
+            <a:r>
+              <a:rPr lang="en-US" sz="2800" b="1" dirty="0" err="1"/>
+              <a:t>GeoCoord</a:t>
+            </a:r>
+            <a:r>
+              <a:rPr lang="en-US" sz="2800" dirty="0"/>
+              <a:t> = { </a:t>
+            </a:r>
+            <a:r>
+              <a:rPr lang="en-US" sz="2800" dirty="0" err="1"/>
+              <a:t>lat</a:t>
+            </a:r>
+            <a:r>
+              <a:rPr lang="en-US" sz="2800" dirty="0"/>
+              <a:t>: float; long: float }</a:t>
+            </a:r>
+          </a:p>
+          <a:p>
+            <a:pPr marL="0" indent="0">
+              <a:buNone/>
+            </a:pPr>
+            <a:endParaRPr lang="de-DE" sz="2800" dirty="0"/>
+          </a:p>
+          <a:p>
+            <a:pPr marL="0" indent="0">
+              <a:buNone/>
+            </a:pPr>
+            <a:r>
+              <a:rPr lang="de-DE" dirty="0"/>
+              <a:t>Andere Records, Funktionen</a:t>
+            </a:r>
+          </a:p>
+          <a:p>
+            <a:pPr marL="0" indent="0">
+              <a:buNone/>
+            </a:pPr>
+            <a:r>
+              <a:rPr lang="en-US" sz="2800" b="1" dirty="0"/>
+              <a:t>type S</a:t>
+            </a:r>
+            <a:r>
+              <a:rPr lang="en-US" dirty="0"/>
+              <a:t> = </a:t>
+            </a:r>
+            <a:r>
+              <a:rPr lang="en-US" sz="2800" dirty="0"/>
+              <a:t>{ </a:t>
+            </a:r>
+            <a:r>
+              <a:rPr lang="en-US" sz="2800" dirty="0" err="1"/>
+              <a:t>Coord</a:t>
+            </a:r>
+            <a:r>
+              <a:rPr lang="en-US" sz="2800" dirty="0"/>
+              <a:t> : </a:t>
+            </a:r>
+            <a:r>
+              <a:rPr lang="en-US" sz="2800" dirty="0" err="1"/>
+              <a:t>GeoCoord</a:t>
+            </a:r>
+            <a:r>
+              <a:rPr lang="en-US" sz="2800" dirty="0"/>
+              <a:t>; </a:t>
+            </a:r>
+            <a:r>
+              <a:rPr lang="en-US" sz="2800" dirty="0" err="1"/>
+              <a:t>Tun</a:t>
+            </a:r>
+            <a:r>
+              <a:rPr lang="en-US" sz="2800" dirty="0"/>
+              <a:t> : string -&gt; string; }</a:t>
+            </a:r>
           </a:p>
         </p:txBody>
       </p:sp>
     </p:spTree>
     <p:extLst>
       <p:ext uri="{BB962C8B-B14F-4D97-AF65-F5344CB8AC3E}">
-        <p14:creationId xmlns:p14="http://schemas.microsoft.com/office/powerpoint/2010/main" val="3594240934"/>
+        <p14:creationId xmlns:p14="http://schemas.microsoft.com/office/powerpoint/2010/main" val="1545968842"/>
       </p:ext>
     </p:extLst>
   </p:cSld>
@@ -18153,25 +18629,28 @@
         </p:nvSpPr>
         <p:spPr/>
         <p:txBody>
-          <a:bodyPr>
-            <a:normAutofit fontScale="90000"/>
-          </a:bodyPr>
+          <a:bodyPr/>
           <a:lstStyle/>
           <a:p>
             <a:r>
-              <a:rPr lang="de-DE" dirty="0"/>
-              <a:t>DU</a:t>
-            </a:r>
-            <a:br>
-              <a:rPr lang="de-DE" dirty="0"/>
-            </a:br>
-            <a:r>
               <a:rPr lang="de-DE" dirty="0" err="1"/>
-              <a:t>Discriminated</a:t>
-            </a:r>
-            <a:r>
-              <a:rPr lang="de-DE" dirty="0"/>
-              <a:t> Union</a:t>
+              <a:t>Record</a:t>
+            </a:r>
+            <a:r>
+              <a:rPr lang="de-DE" dirty="0"/>
+              <a:t>: </a:t>
+            </a:r>
+            <a:r>
+              <a:rPr lang="de-DE" dirty="0" err="1"/>
+              <a:t>Structural</a:t>
+            </a:r>
+            <a:r>
+              <a:rPr lang="de-DE" dirty="0"/>
+              <a:t> </a:t>
+            </a:r>
+            <a:r>
+              <a:rPr lang="de-DE" dirty="0" err="1"/>
+              <a:t>Equality</a:t>
             </a:r>
             <a:endParaRPr lang="en-US" dirty="0"/>
           </a:p>
@@ -18189,9 +18668,7 @@
         </p:nvSpPr>
         <p:spPr/>
         <p:txBody>
-          <a:bodyPr>
-            <a:normAutofit/>
-          </a:bodyPr>
+          <a:bodyPr/>
           <a:lstStyle/>
           <a:p>
             <a:pPr marL="0" indent="0">
@@ -18199,7 +18676,43 @@
             </a:pPr>
             <a:r>
               <a:rPr lang="de-DE" dirty="0"/>
-              <a:t>Unterscheidungs-Union auf deutsch</a:t>
+              <a:t>Zwei </a:t>
+            </a:r>
+            <a:r>
+              <a:rPr lang="de-DE" dirty="0" err="1"/>
+              <a:t>Record</a:t>
+            </a:r>
+            <a:r>
+              <a:rPr lang="de-DE" dirty="0"/>
+              <a:t> </a:t>
+            </a:r>
+            <a:r>
+              <a:rPr lang="de-DE" dirty="0" err="1"/>
+              <a:t>Types</a:t>
+            </a:r>
+            <a:r>
+              <a:rPr lang="de-DE" dirty="0"/>
+              <a:t> sind gleich wenn beide die gleichen</a:t>
+            </a:r>
+          </a:p>
+          <a:p>
+            <a:pPr>
+              <a:buFontTx/>
+              <a:buChar char="-"/>
+            </a:pPr>
+            <a:r>
+              <a:rPr lang="de-DE" dirty="0"/>
+              <a:t>Type</a:t>
+            </a:r>
+          </a:p>
+          <a:p>
+            <a:pPr>
+              <a:buFontTx/>
+              <a:buChar char="-"/>
+            </a:pPr>
+            <a:r>
+              <a:rPr lang="de-DE" dirty="0"/>
+              <a:t>Werte</a:t>
             </a:r>
           </a:p>
           <a:p>
@@ -18208,7 +18721,7 @@
             </a:pPr>
             <a:r>
               <a:rPr lang="de-DE" dirty="0"/>
-              <a:t>Besteht aus einer Anzahl von benannten Fällen</a:t>
+              <a:t>Im gleichen „Slot“ haben</a:t>
             </a:r>
           </a:p>
           <a:p>
@@ -18217,417 +18730,24 @@
             </a:pPr>
             <a:r>
               <a:rPr lang="de-DE" dirty="0"/>
-              <a:t>Nur eines ist gültig für einen Ausdruck</a:t>
-            </a:r>
-          </a:p>
-          <a:p>
-            <a:pPr marL="0" indent="0">
-              <a:buNone/>
-            </a:pPr>
-            <a:r>
-              <a:rPr lang="en-US" sz="2200" dirty="0">
-                <a:solidFill>
-                  <a:srgbClr val="0000FF"/>
-                </a:solidFill>
-                <a:highlight>
-                  <a:srgbClr val="FFFFFF"/>
-                </a:highlight>
-                <a:latin typeface="Consolas"/>
-              </a:rPr>
-              <a:t>type</a:t>
-            </a:r>
-            <a:r>
-              <a:rPr lang="en-US" sz="2200" dirty="0">
-                <a:solidFill>
-                  <a:srgbClr val="000000"/>
-                </a:solidFill>
-                <a:highlight>
-                  <a:srgbClr val="FFFFFF"/>
-                </a:highlight>
-                <a:latin typeface="Consolas"/>
-              </a:rPr>
-              <a:t> </a:t>
-            </a:r>
-            <a:r>
-              <a:rPr lang="en-US" sz="2200" dirty="0">
-                <a:solidFill>
-                  <a:srgbClr val="4EC9B0"/>
-                </a:solidFill>
-                <a:highlight>
-                  <a:srgbClr val="FFFFFF"/>
-                </a:highlight>
-                <a:latin typeface="Consolas"/>
-              </a:rPr>
-              <a:t>Shape</a:t>
-            </a:r>
-            <a:r>
-              <a:rPr lang="en-US" sz="2200" dirty="0">
-                <a:solidFill>
-                  <a:srgbClr val="000000"/>
-                </a:solidFill>
-                <a:highlight>
-                  <a:srgbClr val="FFFFFF"/>
-                </a:highlight>
-                <a:latin typeface="Consolas"/>
-              </a:rPr>
-              <a:t> </a:t>
-            </a:r>
-            <a:r>
-              <a:rPr lang="en-US" sz="2200" dirty="0">
-                <a:solidFill>
-                  <a:srgbClr val="DCDCDC"/>
-                </a:solidFill>
-                <a:highlight>
-                  <a:srgbClr val="FFFFFF"/>
-                </a:highlight>
-                <a:latin typeface="Consolas"/>
-              </a:rPr>
-              <a:t>=</a:t>
-            </a:r>
-            <a:endParaRPr lang="en-US" sz="2200" dirty="0">
-              <a:solidFill>
-                <a:srgbClr val="000000"/>
-              </a:solidFill>
-              <a:highlight>
-                <a:srgbClr val="FFFFFF"/>
-              </a:highlight>
-              <a:latin typeface="Consolas"/>
-            </a:endParaRPr>
-          </a:p>
-          <a:p>
-            <a:pPr marL="0" indent="0">
-              <a:buNone/>
-            </a:pPr>
-            <a:r>
-              <a:rPr lang="en-US" sz="2200" dirty="0">
-                <a:solidFill>
-                  <a:srgbClr val="000000"/>
-                </a:solidFill>
-                <a:highlight>
-                  <a:srgbClr val="FFFFFF"/>
-                </a:highlight>
-                <a:latin typeface="Consolas"/>
-              </a:rPr>
-              <a:t>| </a:t>
-            </a:r>
-            <a:r>
-              <a:rPr lang="en-US" sz="2200" dirty="0">
-                <a:solidFill>
-                  <a:schemeClr val="accent2">
-                    <a:lumMod val="75000"/>
-                  </a:schemeClr>
-                </a:solidFill>
-                <a:highlight>
-                  <a:srgbClr val="FFFFFF"/>
-                </a:highlight>
-                <a:latin typeface="Consolas"/>
-              </a:rPr>
-              <a:t>Rectangle</a:t>
-            </a:r>
-            <a:r>
-              <a:rPr lang="en-US" sz="2200" dirty="0">
-                <a:solidFill>
-                  <a:srgbClr val="000000"/>
-                </a:solidFill>
-                <a:highlight>
-                  <a:srgbClr val="FFFFFF"/>
-                </a:highlight>
-                <a:latin typeface="Consolas"/>
-              </a:rPr>
-              <a:t> </a:t>
-            </a:r>
-            <a:r>
-              <a:rPr lang="en-US" sz="2200" dirty="0">
-                <a:solidFill>
-                  <a:srgbClr val="0000FF"/>
-                </a:solidFill>
-                <a:highlight>
-                  <a:srgbClr val="FFFFFF"/>
-                </a:highlight>
-                <a:latin typeface="Consolas"/>
-              </a:rPr>
-              <a:t>of</a:t>
-            </a:r>
-            <a:r>
-              <a:rPr lang="en-US" sz="2200" dirty="0">
-                <a:solidFill>
-                  <a:srgbClr val="000000"/>
-                </a:solidFill>
-                <a:highlight>
-                  <a:srgbClr val="FFFFFF"/>
-                </a:highlight>
-                <a:latin typeface="Consolas"/>
-              </a:rPr>
-              <a:t> width : </a:t>
-            </a:r>
-            <a:r>
-              <a:rPr lang="en-US" sz="2200" dirty="0">
-                <a:solidFill>
-                  <a:srgbClr val="4EC9B0"/>
-                </a:solidFill>
-                <a:highlight>
-                  <a:srgbClr val="FFFFFF"/>
-                </a:highlight>
-                <a:latin typeface="Consolas"/>
-              </a:rPr>
-              <a:t>float</a:t>
-            </a:r>
-            <a:r>
-              <a:rPr lang="en-US" sz="2200" dirty="0">
-                <a:solidFill>
-                  <a:srgbClr val="000000"/>
-                </a:solidFill>
-                <a:highlight>
-                  <a:srgbClr val="FFFFFF"/>
-                </a:highlight>
-                <a:latin typeface="Consolas"/>
-              </a:rPr>
-              <a:t> * length : </a:t>
-            </a:r>
-            <a:r>
-              <a:rPr lang="en-US" sz="2200" dirty="0">
-                <a:solidFill>
-                  <a:srgbClr val="4EC9B0"/>
-                </a:solidFill>
-                <a:highlight>
-                  <a:srgbClr val="FFFFFF"/>
-                </a:highlight>
-                <a:latin typeface="Consolas"/>
-              </a:rPr>
-              <a:t>float</a:t>
-            </a:r>
-            <a:endParaRPr lang="en-US" sz="2200" dirty="0">
-              <a:solidFill>
-                <a:srgbClr val="000000"/>
-              </a:solidFill>
-              <a:highlight>
-                <a:srgbClr val="FFFFFF"/>
-              </a:highlight>
-              <a:latin typeface="Consolas"/>
-            </a:endParaRPr>
-          </a:p>
-          <a:p>
-            <a:pPr marL="0" indent="0">
-              <a:buNone/>
-            </a:pPr>
-            <a:r>
-              <a:rPr lang="en-US" sz="2200" dirty="0">
-                <a:solidFill>
-                  <a:srgbClr val="000000"/>
-                </a:solidFill>
-                <a:highlight>
-                  <a:srgbClr val="FFFFFF"/>
-                </a:highlight>
-                <a:latin typeface="Consolas"/>
-              </a:rPr>
-              <a:t>| </a:t>
-            </a:r>
-            <a:r>
-              <a:rPr lang="en-US" sz="2200" dirty="0">
-                <a:solidFill>
-                  <a:schemeClr val="accent2">
-                    <a:lumMod val="75000"/>
-                  </a:schemeClr>
-                </a:solidFill>
-                <a:highlight>
-                  <a:srgbClr val="FFFFFF"/>
-                </a:highlight>
-                <a:latin typeface="Consolas"/>
-              </a:rPr>
-              <a:t>Circle</a:t>
-            </a:r>
-            <a:r>
-              <a:rPr lang="en-US" sz="2200" dirty="0">
-                <a:solidFill>
-                  <a:srgbClr val="000000"/>
-                </a:solidFill>
-                <a:highlight>
-                  <a:srgbClr val="FFFFFF"/>
-                </a:highlight>
-                <a:latin typeface="Consolas"/>
-              </a:rPr>
-              <a:t> </a:t>
-            </a:r>
-            <a:r>
-              <a:rPr lang="en-US" sz="2200" dirty="0">
-                <a:solidFill>
-                  <a:srgbClr val="0000FF"/>
-                </a:solidFill>
-                <a:highlight>
-                  <a:srgbClr val="FFFFFF"/>
-                </a:highlight>
-                <a:latin typeface="Consolas"/>
-              </a:rPr>
-              <a:t>of</a:t>
-            </a:r>
-            <a:r>
-              <a:rPr lang="en-US" sz="2200" dirty="0">
-                <a:solidFill>
-                  <a:srgbClr val="000000"/>
-                </a:solidFill>
-                <a:highlight>
-                  <a:srgbClr val="FFFFFF"/>
-                </a:highlight>
-                <a:latin typeface="Consolas"/>
-              </a:rPr>
-              <a:t> radius : </a:t>
-            </a:r>
-            <a:r>
-              <a:rPr lang="en-US" sz="2200" dirty="0">
-                <a:solidFill>
-                  <a:srgbClr val="4EC9B0"/>
-                </a:solidFill>
-                <a:highlight>
-                  <a:srgbClr val="FFFFFF"/>
-                </a:highlight>
-                <a:latin typeface="Consolas"/>
-              </a:rPr>
-              <a:t>float</a:t>
-            </a:r>
-            <a:endParaRPr lang="en-US" sz="2200" dirty="0">
-              <a:solidFill>
-                <a:srgbClr val="000000"/>
-              </a:solidFill>
-              <a:highlight>
-                <a:srgbClr val="FFFFFF"/>
-              </a:highlight>
-              <a:latin typeface="Consolas"/>
-            </a:endParaRPr>
-          </a:p>
-          <a:p>
-            <a:pPr marL="0" indent="0">
-              <a:buNone/>
-            </a:pPr>
-            <a:r>
-              <a:rPr lang="en-US" sz="2200" dirty="0">
-                <a:solidFill>
-                  <a:srgbClr val="000000"/>
-                </a:solidFill>
-                <a:highlight>
-                  <a:srgbClr val="FFFFFF"/>
-                </a:highlight>
-                <a:latin typeface="Consolas"/>
-              </a:rPr>
-              <a:t>| </a:t>
-            </a:r>
-            <a:r>
-              <a:rPr lang="en-US" sz="2200" dirty="0">
-                <a:solidFill>
-                  <a:schemeClr val="accent2">
-                    <a:lumMod val="75000"/>
-                  </a:schemeClr>
-                </a:solidFill>
-                <a:highlight>
-                  <a:srgbClr val="FFFFFF"/>
-                </a:highlight>
-                <a:latin typeface="Consolas"/>
-              </a:rPr>
-              <a:t>Prism</a:t>
-            </a:r>
-            <a:r>
-              <a:rPr lang="en-US" sz="2200" dirty="0">
-                <a:solidFill>
-                  <a:srgbClr val="000000"/>
-                </a:solidFill>
-                <a:highlight>
-                  <a:srgbClr val="FFFFFF"/>
-                </a:highlight>
-                <a:latin typeface="Consolas"/>
-              </a:rPr>
-              <a:t> </a:t>
-            </a:r>
-            <a:r>
-              <a:rPr lang="en-US" sz="2200" dirty="0">
-                <a:solidFill>
-                  <a:srgbClr val="0000FF"/>
-                </a:solidFill>
-                <a:highlight>
-                  <a:srgbClr val="FFFFFF"/>
-                </a:highlight>
-                <a:latin typeface="Consolas"/>
-              </a:rPr>
-              <a:t>of</a:t>
-            </a:r>
-            <a:r>
-              <a:rPr lang="en-US" sz="2200" dirty="0">
-                <a:solidFill>
-                  <a:srgbClr val="000000"/>
-                </a:solidFill>
-                <a:highlight>
-                  <a:srgbClr val="FFFFFF"/>
-                </a:highlight>
-                <a:latin typeface="Consolas"/>
-              </a:rPr>
-              <a:t> width : </a:t>
-            </a:r>
-            <a:r>
-              <a:rPr lang="en-US" sz="2200" dirty="0">
-                <a:solidFill>
-                  <a:srgbClr val="4EC9B0"/>
-                </a:solidFill>
-                <a:highlight>
-                  <a:srgbClr val="FFFFFF"/>
-                </a:highlight>
-                <a:latin typeface="Consolas"/>
-              </a:rPr>
-              <a:t>float</a:t>
-            </a:r>
-            <a:r>
-              <a:rPr lang="en-US" sz="2200" dirty="0">
-                <a:solidFill>
-                  <a:srgbClr val="000000"/>
-                </a:solidFill>
-                <a:highlight>
-                  <a:srgbClr val="FFFFFF"/>
-                </a:highlight>
-                <a:latin typeface="Consolas"/>
-              </a:rPr>
-              <a:t> * </a:t>
-            </a:r>
-            <a:r>
-              <a:rPr lang="en-US" sz="2200" dirty="0">
-                <a:solidFill>
-                  <a:srgbClr val="4EC9B0"/>
-                </a:solidFill>
-                <a:highlight>
-                  <a:srgbClr val="FFFFFF"/>
-                </a:highlight>
-                <a:latin typeface="Consolas"/>
-              </a:rPr>
-              <a:t>float</a:t>
-            </a:r>
-            <a:r>
-              <a:rPr lang="en-US" sz="2200" dirty="0">
-                <a:solidFill>
-                  <a:srgbClr val="000000"/>
-                </a:solidFill>
-                <a:highlight>
-                  <a:srgbClr val="FFFFFF"/>
-                </a:highlight>
-                <a:latin typeface="Consolas"/>
-              </a:rPr>
-              <a:t> * height : </a:t>
-            </a:r>
-            <a:r>
-              <a:rPr lang="en-US" sz="2200" dirty="0">
-                <a:solidFill>
-                  <a:srgbClr val="4EC9B0"/>
-                </a:solidFill>
-                <a:highlight>
-                  <a:srgbClr val="FFFFFF"/>
-                </a:highlight>
-                <a:latin typeface="Consolas"/>
-              </a:rPr>
-              <a:t>float</a:t>
-            </a:r>
-            <a:endParaRPr lang="en-US" sz="2200" dirty="0"/>
+              <a:t>ACHTUNG: zwei </a:t>
+            </a:r>
+            <a:r>
+              <a:rPr lang="de-DE" dirty="0" err="1"/>
+              <a:t>Record</a:t>
+            </a:r>
+            <a:r>
+              <a:rPr lang="de-DE" dirty="0"/>
+              <a:t> typen mit unterschiedlichen Namen können nicht gleich sein! F# ist hier nominal!</a:t>
+            </a:r>
+            <a:endParaRPr lang="en-US" dirty="0"/>
           </a:p>
         </p:txBody>
       </p:sp>
     </p:spTree>
     <p:extLst>
       <p:ext uri="{BB962C8B-B14F-4D97-AF65-F5344CB8AC3E}">
-        <p14:creationId xmlns:p14="http://schemas.microsoft.com/office/powerpoint/2010/main" val="3184996216"/>
+        <p14:creationId xmlns:p14="http://schemas.microsoft.com/office/powerpoint/2010/main" val="3594240934"/>
       </p:ext>
     </p:extLst>
   </p:cSld>
@@ -18666,12 +18786,25 @@
         </p:nvSpPr>
         <p:spPr/>
         <p:txBody>
-          <a:bodyPr/>
+          <a:bodyPr>
+            <a:normAutofit fontScale="90000"/>
+          </a:bodyPr>
           <a:lstStyle/>
           <a:p>
             <a:r>
               <a:rPr lang="de-DE" dirty="0"/>
-              <a:t>DU: Single Case</a:t>
+              <a:t>DU</a:t>
+            </a:r>
+            <a:br>
+              <a:rPr lang="de-DE" dirty="0"/>
+            </a:br>
+            <a:r>
+              <a:rPr lang="de-DE" dirty="0" err="1"/>
+              <a:t>Discriminated</a:t>
+            </a:r>
+            <a:r>
+              <a:rPr lang="de-DE" dirty="0"/>
+              <a:t> Union</a:t>
             </a:r>
             <a:endParaRPr lang="en-US" dirty="0"/>
           </a:p>
@@ -18690,7 +18823,7 @@
         <p:spPr/>
         <p:txBody>
           <a:bodyPr>
-            <a:normAutofit lnSpcReduction="10000"/>
+            <a:normAutofit/>
           </a:bodyPr>
           <a:lstStyle/>
           <a:p>
@@ -18698,7 +18831,34 @@
               <a:buNone/>
             </a:pPr>
             <a:r>
-              <a:rPr lang="en-US" dirty="0">
+              <a:rPr lang="de-DE" dirty="0"/>
+              <a:t>Unterscheidungs-Union auf deutsch</a:t>
+            </a:r>
+          </a:p>
+          <a:p>
+            <a:pPr marL="0" indent="0">
+              <a:buNone/>
+            </a:pPr>
+            <a:r>
+              <a:rPr lang="de-DE" dirty="0"/>
+              <a:t>Besteht aus einer Anzahl von benannten Fällen</a:t>
+            </a:r>
+          </a:p>
+          <a:p>
+            <a:pPr marL="0" indent="0">
+              <a:buNone/>
+            </a:pPr>
+            <a:r>
+              <a:rPr lang="de-DE" dirty="0"/>
+              <a:t>Nur eines ist gültig für einen Ausdruck</a:t>
+            </a:r>
+          </a:p>
+          <a:p>
+            <a:pPr marL="0" indent="0">
+              <a:buNone/>
+            </a:pPr>
+            <a:r>
+              <a:rPr lang="en-US" sz="2200" dirty="0">
                 <a:solidFill>
                   <a:srgbClr val="0000FF"/>
                 </a:solidFill>
@@ -18710,7 +18870,7 @@
               <a:t>type</a:t>
             </a:r>
             <a:r>
-              <a:rPr lang="en-US" dirty="0">
+              <a:rPr lang="en-US" sz="2200" dirty="0">
                 <a:solidFill>
                   <a:srgbClr val="000000"/>
                 </a:solidFill>
@@ -18722,7 +18882,7 @@
               <a:t> </a:t>
             </a:r>
             <a:r>
-              <a:rPr lang="en-US" dirty="0" err="1">
+              <a:rPr lang="en-US" sz="2200" dirty="0">
                 <a:solidFill>
                   <a:srgbClr val="4EC9B0"/>
                 </a:solidFill>
@@ -18731,10 +18891,10 @@
                 </a:highlight>
                 <a:latin typeface="Consolas"/>
               </a:rPr>
-              <a:t>CustomerId</a:t>
-            </a:r>
-            <a:r>
-              <a:rPr lang="en-US" dirty="0">
+              <a:t>Shape</a:t>
+            </a:r>
+            <a:r>
+              <a:rPr lang="en-US" sz="2200" dirty="0">
                 <a:solidFill>
                   <a:srgbClr val="000000"/>
                 </a:solidFill>
@@ -18746,7 +18906,7 @@
               <a:t> </a:t>
             </a:r>
             <a:r>
-              <a:rPr lang="en-US" dirty="0">
+              <a:rPr lang="en-US" sz="2200" dirty="0">
                 <a:solidFill>
                   <a:srgbClr val="DCDCDC"/>
                 </a:solidFill>
@@ -18757,8 +18917,48 @@
               </a:rPr>
               <a:t>=</a:t>
             </a:r>
-            <a:r>
-              <a:rPr lang="en-US" dirty="0">
+            <a:endParaRPr lang="en-US" sz="2200" dirty="0">
+              <a:solidFill>
+                <a:srgbClr val="000000"/>
+              </a:solidFill>
+              <a:highlight>
+                <a:srgbClr val="FFFFFF"/>
+              </a:highlight>
+              <a:latin typeface="Consolas"/>
+            </a:endParaRPr>
+          </a:p>
+          <a:p>
+            <a:pPr marL="0" indent="0">
+              <a:buNone/>
+            </a:pPr>
+            <a:r>
+              <a:rPr lang="en-US" sz="2200" dirty="0">
+                <a:solidFill>
+                  <a:srgbClr val="000000"/>
+                </a:solidFill>
+                <a:highlight>
+                  <a:srgbClr val="FFFFFF"/>
+                </a:highlight>
+                <a:latin typeface="Consolas"/>
+              </a:rPr>
+              <a:t>| </a:t>
+            </a:r>
+            <a:r>
+              <a:rPr lang="en-US" sz="2200" dirty="0">
+                <a:solidFill>
+                  <a:schemeClr val="accent2">
+                    <a:lumMod val="75000"/>
+                  </a:schemeClr>
+                </a:solidFill>
+                <a:highlight>
+                  <a:srgbClr val="FFFFFF"/>
+                </a:highlight>
+                <a:latin typeface="Consolas"/>
+              </a:rPr>
+              <a:t>Rectangle</a:t>
+            </a:r>
+            <a:r>
+              <a:rPr lang="en-US" sz="2200" dirty="0">
                 <a:solidFill>
                   <a:srgbClr val="000000"/>
                 </a:solidFill>
@@ -18770,19 +18970,107 @@
               <a:t> </a:t>
             </a:r>
             <a:r>
-              <a:rPr lang="en-US" dirty="0" err="1">
+              <a:rPr lang="en-US" sz="2200" dirty="0">
                 <a:solidFill>
-                  <a:srgbClr val="DCDCDC"/>
+                  <a:srgbClr val="0000FF"/>
                 </a:solidFill>
                 <a:highlight>
                   <a:srgbClr val="FFFFFF"/>
                 </a:highlight>
                 <a:latin typeface="Consolas"/>
               </a:rPr>
-              <a:t>CustomerId</a:t>
-            </a:r>
-            <a:r>
-              <a:rPr lang="en-US" dirty="0">
+              <a:t>of</a:t>
+            </a:r>
+            <a:r>
+              <a:rPr lang="en-US" sz="2200" dirty="0">
+                <a:solidFill>
+                  <a:srgbClr val="000000"/>
+                </a:solidFill>
+                <a:highlight>
+                  <a:srgbClr val="FFFFFF"/>
+                </a:highlight>
+                <a:latin typeface="Consolas"/>
+              </a:rPr>
+              <a:t> width : </a:t>
+            </a:r>
+            <a:r>
+              <a:rPr lang="en-US" sz="2200" dirty="0">
+                <a:solidFill>
+                  <a:srgbClr val="4EC9B0"/>
+                </a:solidFill>
+                <a:highlight>
+                  <a:srgbClr val="FFFFFF"/>
+                </a:highlight>
+                <a:latin typeface="Consolas"/>
+              </a:rPr>
+              <a:t>float</a:t>
+            </a:r>
+            <a:r>
+              <a:rPr lang="en-US" sz="2200" dirty="0">
+                <a:solidFill>
+                  <a:srgbClr val="000000"/>
+                </a:solidFill>
+                <a:highlight>
+                  <a:srgbClr val="FFFFFF"/>
+                </a:highlight>
+                <a:latin typeface="Consolas"/>
+              </a:rPr>
+              <a:t> * length : </a:t>
+            </a:r>
+            <a:r>
+              <a:rPr lang="en-US" sz="2200" dirty="0">
+                <a:solidFill>
+                  <a:srgbClr val="4EC9B0"/>
+                </a:solidFill>
+                <a:highlight>
+                  <a:srgbClr val="FFFFFF"/>
+                </a:highlight>
+                <a:latin typeface="Consolas"/>
+              </a:rPr>
+              <a:t>float</a:t>
+            </a:r>
+            <a:endParaRPr lang="en-US" sz="2200" dirty="0">
+              <a:solidFill>
+                <a:srgbClr val="000000"/>
+              </a:solidFill>
+              <a:highlight>
+                <a:srgbClr val="FFFFFF"/>
+              </a:highlight>
+              <a:latin typeface="Consolas"/>
+            </a:endParaRPr>
+          </a:p>
+          <a:p>
+            <a:pPr marL="0" indent="0">
+              <a:buNone/>
+            </a:pPr>
+            <a:r>
+              <a:rPr lang="en-US" sz="2200" dirty="0">
+                <a:solidFill>
+                  <a:srgbClr val="000000"/>
+                </a:solidFill>
+                <a:highlight>
+                  <a:srgbClr val="FFFFFF"/>
+                </a:highlight>
+                <a:latin typeface="Consolas"/>
+              </a:rPr>
+              <a:t>| </a:t>
+            </a:r>
+            <a:r>
+              <a:rPr lang="en-US" sz="2200" dirty="0">
+                <a:solidFill>
+                  <a:schemeClr val="accent2">
+                    <a:lumMod val="75000"/>
+                  </a:schemeClr>
+                </a:solidFill>
+                <a:highlight>
+                  <a:srgbClr val="FFFFFF"/>
+                </a:highlight>
+                <a:latin typeface="Consolas"/>
+              </a:rPr>
+              <a:t>Circle</a:t>
+            </a:r>
+            <a:r>
+              <a:rPr lang="en-US" sz="2200" dirty="0">
                 <a:solidFill>
                   <a:srgbClr val="000000"/>
                 </a:solidFill>
@@ -18794,7 +19082,7 @@
               <a:t> </a:t>
             </a:r>
             <a:r>
-              <a:rPr lang="en-US" dirty="0">
+              <a:rPr lang="en-US" sz="2200" dirty="0">
                 <a:solidFill>
                   <a:srgbClr val="0000FF"/>
                 </a:solidFill>
@@ -18806,7 +19094,71 @@
               <a:t>of</a:t>
             </a:r>
             <a:r>
-              <a:rPr lang="en-US" dirty="0">
+              <a:rPr lang="en-US" sz="2200" dirty="0">
+                <a:solidFill>
+                  <a:srgbClr val="000000"/>
+                </a:solidFill>
+                <a:highlight>
+                  <a:srgbClr val="FFFFFF"/>
+                </a:highlight>
+                <a:latin typeface="Consolas"/>
+              </a:rPr>
+              <a:t> radius : </a:t>
+            </a:r>
+            <a:r>
+              <a:rPr lang="en-US" sz="2200" dirty="0">
+                <a:solidFill>
+                  <a:srgbClr val="4EC9B0"/>
+                </a:solidFill>
+                <a:highlight>
+                  <a:srgbClr val="FFFFFF"/>
+                </a:highlight>
+                <a:latin typeface="Consolas"/>
+              </a:rPr>
+              <a:t>float</a:t>
+            </a:r>
+            <a:endParaRPr lang="en-US" sz="2200" dirty="0">
+              <a:solidFill>
+                <a:srgbClr val="000000"/>
+              </a:solidFill>
+              <a:highlight>
+                <a:srgbClr val="FFFFFF"/>
+              </a:highlight>
+              <a:latin typeface="Consolas"/>
+            </a:endParaRPr>
+          </a:p>
+          <a:p>
+            <a:pPr marL="0" indent="0">
+              <a:buNone/>
+            </a:pPr>
+            <a:r>
+              <a:rPr lang="en-US" sz="2200" dirty="0">
+                <a:solidFill>
+                  <a:srgbClr val="000000"/>
+                </a:solidFill>
+                <a:highlight>
+                  <a:srgbClr val="FFFFFF"/>
+                </a:highlight>
+                <a:latin typeface="Consolas"/>
+              </a:rPr>
+              <a:t>| </a:t>
+            </a:r>
+            <a:r>
+              <a:rPr lang="en-US" sz="2200" dirty="0">
+                <a:solidFill>
+                  <a:schemeClr val="accent2">
+                    <a:lumMod val="75000"/>
+                  </a:schemeClr>
+                </a:solidFill>
+                <a:highlight>
+                  <a:srgbClr val="FFFFFF"/>
+                </a:highlight>
+                <a:latin typeface="Consolas"/>
+              </a:rPr>
+              <a:t>Prism</a:t>
+            </a:r>
+            <a:r>
+              <a:rPr lang="en-US" sz="2200" dirty="0">
                 <a:solidFill>
                   <a:srgbClr val="000000"/>
                 </a:solidFill>
@@ -18818,129 +19170,7 @@
               <a:t> </a:t>
             </a:r>
             <a:r>
-              <a:rPr lang="en-US" dirty="0" err="1">
-                <a:solidFill>
-                  <a:srgbClr val="4EC9B0"/>
-                </a:solidFill>
-                <a:highlight>
-                  <a:srgbClr val="FFFFFF"/>
-                </a:highlight>
-                <a:latin typeface="Consolas"/>
-              </a:rPr>
-              <a:t>int</a:t>
-            </a:r>
-            <a:endParaRPr lang="en-US" dirty="0">
-              <a:solidFill>
-                <a:srgbClr val="000000"/>
-              </a:solidFill>
-              <a:highlight>
-                <a:srgbClr val="FFFFFF"/>
-              </a:highlight>
-              <a:latin typeface="Consolas"/>
-            </a:endParaRPr>
-          </a:p>
-          <a:p>
-            <a:pPr marL="0" indent="0">
-              <a:buNone/>
-            </a:pPr>
-            <a:r>
-              <a:rPr lang="en-US" dirty="0">
-                <a:solidFill>
-                  <a:srgbClr val="0000FF"/>
-                </a:solidFill>
-                <a:highlight>
-                  <a:srgbClr val="FFFFFF"/>
-                </a:highlight>
-                <a:latin typeface="Consolas"/>
-              </a:rPr>
-              <a:t>type</a:t>
-            </a:r>
-            <a:r>
-              <a:rPr lang="en-US" dirty="0">
-                <a:solidFill>
-                  <a:srgbClr val="000000"/>
-                </a:solidFill>
-                <a:highlight>
-                  <a:srgbClr val="FFFFFF"/>
-                </a:highlight>
-                <a:latin typeface="Consolas"/>
-              </a:rPr>
-              <a:t> </a:t>
-            </a:r>
-            <a:r>
-              <a:rPr lang="en-US" dirty="0" err="1">
-                <a:solidFill>
-                  <a:srgbClr val="4EC9B0"/>
-                </a:solidFill>
-                <a:highlight>
-                  <a:srgbClr val="FFFFFF"/>
-                </a:highlight>
-                <a:latin typeface="Consolas"/>
-              </a:rPr>
-              <a:t>OrderId</a:t>
-            </a:r>
-            <a:r>
-              <a:rPr lang="en-US" dirty="0">
-                <a:solidFill>
-                  <a:srgbClr val="000000"/>
-                </a:solidFill>
-                <a:highlight>
-                  <a:srgbClr val="FFFFFF"/>
-                </a:highlight>
-                <a:latin typeface="Consolas"/>
-              </a:rPr>
-              <a:t> </a:t>
-            </a:r>
-            <a:r>
-              <a:rPr lang="en-US" dirty="0">
-                <a:solidFill>
-                  <a:srgbClr val="DCDCDC"/>
-                </a:solidFill>
-                <a:highlight>
-                  <a:srgbClr val="FFFFFF"/>
-                </a:highlight>
-                <a:latin typeface="Consolas"/>
-              </a:rPr>
-              <a:t>=</a:t>
-            </a:r>
-            <a:r>
-              <a:rPr lang="en-US" dirty="0">
-                <a:solidFill>
-                  <a:srgbClr val="000000"/>
-                </a:solidFill>
-                <a:highlight>
-                  <a:srgbClr val="FFFFFF"/>
-                </a:highlight>
-                <a:latin typeface="Consolas"/>
-              </a:rPr>
-              <a:t> </a:t>
-            </a:r>
-            <a:r>
-              <a:rPr lang="en-US" dirty="0" err="1">
-                <a:solidFill>
-                  <a:srgbClr val="DCDCDC"/>
-                </a:solidFill>
-                <a:highlight>
-                  <a:srgbClr val="FFFFFF"/>
-                </a:highlight>
-                <a:latin typeface="Consolas"/>
-              </a:rPr>
-              <a:t>OrderId</a:t>
-            </a:r>
-            <a:r>
-              <a:rPr lang="en-US" dirty="0">
-                <a:solidFill>
-                  <a:srgbClr val="000000"/>
-                </a:solidFill>
-                <a:highlight>
-                  <a:srgbClr val="FFFFFF"/>
-                </a:highlight>
-                <a:latin typeface="Consolas"/>
-              </a:rPr>
-              <a:t> </a:t>
-            </a:r>
-            <a:r>
-              <a:rPr lang="en-US" dirty="0">
+              <a:rPr lang="en-US" sz="2200" dirty="0">
                 <a:solidFill>
                   <a:srgbClr val="0000FF"/>
                 </a:solidFill>
@@ -18952,7 +19182,7 @@
               <a:t>of</a:t>
             </a:r>
             <a:r>
-              <a:rPr lang="en-US" dirty="0">
+              <a:rPr lang="en-US" sz="2200" dirty="0">
                 <a:solidFill>
                   <a:srgbClr val="000000"/>
                 </a:solidFill>
@@ -18961,10 +19191,10 @@
                 </a:highlight>
                 <a:latin typeface="Consolas"/>
               </a:rPr>
-              <a:t> </a:t>
-            </a:r>
-            <a:r>
-              <a:rPr lang="en-US" dirty="0" err="1">
+              <a:t> width : </a:t>
+            </a:r>
+            <a:r>
+              <a:rPr lang="en-US" sz="2200" dirty="0">
                 <a:solidFill>
                   <a:srgbClr val="4EC9B0"/>
                 </a:solidFill>
@@ -18973,47 +19203,10 @@
                 </a:highlight>
                 <a:latin typeface="Consolas"/>
               </a:rPr>
-              <a:t>int</a:t>
-            </a:r>
-            <a:endParaRPr lang="en-US" dirty="0">
-              <a:solidFill>
-                <a:srgbClr val="000000"/>
-              </a:solidFill>
-              <a:highlight>
-                <a:srgbClr val="FFFFFF"/>
-              </a:highlight>
-              <a:latin typeface="Consolas"/>
-            </a:endParaRPr>
-          </a:p>
-          <a:p>
-            <a:endParaRPr lang="en-US" dirty="0">
-              <a:solidFill>
-                <a:srgbClr val="000000"/>
-              </a:solidFill>
-              <a:highlight>
-                <a:srgbClr val="FFFFFF"/>
-              </a:highlight>
-              <a:latin typeface="Consolas"/>
-            </a:endParaRPr>
-          </a:p>
-          <a:p>
-            <a:pPr marL="0" indent="0">
-              <a:buNone/>
-            </a:pPr>
-            <a:r>
-              <a:rPr lang="en-US" dirty="0">
-                <a:solidFill>
-                  <a:srgbClr val="0000FF"/>
-                </a:solidFill>
-                <a:highlight>
-                  <a:srgbClr val="FFFFFF"/>
-                </a:highlight>
-                <a:latin typeface="Consolas"/>
-              </a:rPr>
-              <a:t>let</a:t>
-            </a:r>
-            <a:r>
-              <a:rPr lang="en-US" dirty="0">
+              <a:t>float</a:t>
+            </a:r>
+            <a:r>
+              <a:rPr lang="en-US" sz="2200" dirty="0">
                 <a:solidFill>
                   <a:srgbClr val="000000"/>
                 </a:solidFill>
@@ -19022,10 +19215,22 @@
                 </a:highlight>
                 <a:latin typeface="Consolas"/>
               </a:rPr>
-              <a:t> </a:t>
-            </a:r>
-            <a:r>
-              <a:rPr lang="en-US" dirty="0" err="1">
+              <a:t> * </a:t>
+            </a:r>
+            <a:r>
+              <a:rPr lang="en-US" sz="2200" dirty="0">
+                <a:solidFill>
+                  <a:srgbClr val="4EC9B0"/>
+                </a:solidFill>
+                <a:highlight>
+                  <a:srgbClr val="FFFFFF"/>
+                </a:highlight>
+                <a:latin typeface="Consolas"/>
+              </a:rPr>
+              <a:t>float</a:t>
+            </a:r>
+            <a:r>
+              <a:rPr lang="en-US" sz="2200" dirty="0">
                 <a:solidFill>
                   <a:srgbClr val="000000"/>
                 </a:solidFill>
@@ -19034,424 +19239,28 @@
                 </a:highlight>
                 <a:latin typeface="Consolas"/>
               </a:rPr>
-              <a:t>cid</a:t>
-            </a:r>
-            <a:r>
-              <a:rPr lang="en-US" dirty="0">
+              <a:t> * height : </a:t>
+            </a:r>
+            <a:r>
+              <a:rPr lang="en-US" sz="2200" dirty="0">
                 <a:solidFill>
-                  <a:srgbClr val="000000"/>
+                  <a:srgbClr val="4EC9B0"/>
                 </a:solidFill>
                 <a:highlight>
                   <a:srgbClr val="FFFFFF"/>
                 </a:highlight>
                 <a:latin typeface="Consolas"/>
               </a:rPr>
-              <a:t> </a:t>
-            </a:r>
-            <a:r>
-              <a:rPr lang="en-US" dirty="0">
-                <a:solidFill>
-                  <a:srgbClr val="DCDCDC"/>
-                </a:solidFill>
-                <a:highlight>
-                  <a:srgbClr val="FFFFFF"/>
-                </a:highlight>
-                <a:latin typeface="Consolas"/>
-              </a:rPr>
-              <a:t>=</a:t>
-            </a:r>
-            <a:r>
-              <a:rPr lang="en-US" dirty="0">
-                <a:solidFill>
-                  <a:srgbClr val="000000"/>
-                </a:solidFill>
-                <a:highlight>
-                  <a:srgbClr val="FFFFFF"/>
-                </a:highlight>
-                <a:latin typeface="Consolas"/>
-              </a:rPr>
-              <a:t> </a:t>
-            </a:r>
-            <a:r>
-              <a:rPr lang="en-US" dirty="0" err="1">
-                <a:solidFill>
-                  <a:srgbClr val="DCDCDC"/>
-                </a:solidFill>
-                <a:highlight>
-                  <a:srgbClr val="FFFFFF"/>
-                </a:highlight>
-                <a:latin typeface="Consolas"/>
-              </a:rPr>
-              <a:t>CustomerId</a:t>
-            </a:r>
-            <a:r>
-              <a:rPr lang="en-US" dirty="0">
-                <a:solidFill>
-                  <a:srgbClr val="000000"/>
-                </a:solidFill>
-                <a:highlight>
-                  <a:srgbClr val="FFFFFF"/>
-                </a:highlight>
-                <a:latin typeface="Consolas"/>
-              </a:rPr>
-              <a:t>(15)</a:t>
-            </a:r>
-          </a:p>
-          <a:p>
-            <a:pPr marL="0" indent="0">
-              <a:buNone/>
-            </a:pPr>
-            <a:r>
-              <a:rPr lang="en-US" dirty="0">
-                <a:solidFill>
-                  <a:srgbClr val="0000FF"/>
-                </a:solidFill>
-                <a:highlight>
-                  <a:srgbClr val="FFFFFF"/>
-                </a:highlight>
-                <a:latin typeface="Consolas"/>
-              </a:rPr>
-              <a:t>let</a:t>
-            </a:r>
-            <a:r>
-              <a:rPr lang="en-US" dirty="0">
-                <a:solidFill>
-                  <a:srgbClr val="000000"/>
-                </a:solidFill>
-                <a:highlight>
-                  <a:srgbClr val="FFFFFF"/>
-                </a:highlight>
-                <a:latin typeface="Consolas"/>
-              </a:rPr>
-              <a:t> </a:t>
-            </a:r>
-            <a:r>
-              <a:rPr lang="en-US" dirty="0" err="1">
-                <a:solidFill>
-                  <a:srgbClr val="000000"/>
-                </a:solidFill>
-                <a:highlight>
-                  <a:srgbClr val="FFFFFF"/>
-                </a:highlight>
-                <a:latin typeface="Consolas"/>
-              </a:rPr>
-              <a:t>oid</a:t>
-            </a:r>
-            <a:r>
-              <a:rPr lang="en-US" dirty="0">
-                <a:solidFill>
-                  <a:srgbClr val="000000"/>
-                </a:solidFill>
-                <a:highlight>
-                  <a:srgbClr val="FFFFFF"/>
-                </a:highlight>
-                <a:latin typeface="Consolas"/>
-              </a:rPr>
-              <a:t> </a:t>
-            </a:r>
-            <a:r>
-              <a:rPr lang="en-US" dirty="0">
-                <a:solidFill>
-                  <a:srgbClr val="DCDCDC"/>
-                </a:solidFill>
-                <a:highlight>
-                  <a:srgbClr val="FFFFFF"/>
-                </a:highlight>
-                <a:latin typeface="Consolas"/>
-              </a:rPr>
-              <a:t>=</a:t>
-            </a:r>
-            <a:r>
-              <a:rPr lang="en-US" dirty="0">
-                <a:solidFill>
-                  <a:srgbClr val="000000"/>
-                </a:solidFill>
-                <a:highlight>
-                  <a:srgbClr val="FFFFFF"/>
-                </a:highlight>
-                <a:latin typeface="Consolas"/>
-              </a:rPr>
-              <a:t> </a:t>
-            </a:r>
-            <a:r>
-              <a:rPr lang="en-US" dirty="0" err="1">
-                <a:solidFill>
-                  <a:srgbClr val="DCDCDC"/>
-                </a:solidFill>
-                <a:highlight>
-                  <a:srgbClr val="FFFFFF"/>
-                </a:highlight>
-                <a:latin typeface="Consolas"/>
-              </a:rPr>
-              <a:t>OrderId</a:t>
-            </a:r>
-            <a:r>
-              <a:rPr lang="en-US" dirty="0">
-                <a:solidFill>
-                  <a:srgbClr val="000000"/>
-                </a:solidFill>
-                <a:highlight>
-                  <a:srgbClr val="FFFFFF"/>
-                </a:highlight>
-                <a:latin typeface="Consolas"/>
-              </a:rPr>
-              <a:t>(15)</a:t>
-            </a:r>
-          </a:p>
-          <a:p>
-            <a:pPr marL="0" indent="0">
-              <a:buNone/>
-            </a:pPr>
-            <a:endParaRPr lang="en-US" dirty="0">
-              <a:solidFill>
-                <a:srgbClr val="000000"/>
-              </a:solidFill>
-              <a:highlight>
-                <a:srgbClr val="FFFFFF"/>
-              </a:highlight>
-              <a:latin typeface="Consolas"/>
-            </a:endParaRPr>
-          </a:p>
-          <a:p>
-            <a:pPr marL="0" indent="0">
-              <a:buNone/>
-            </a:pPr>
-            <a:r>
-              <a:rPr lang="en-US" dirty="0">
-                <a:solidFill>
-                  <a:srgbClr val="0000FF"/>
-                </a:solidFill>
-                <a:highlight>
-                  <a:srgbClr val="FFFFFF"/>
-                </a:highlight>
-                <a:latin typeface="Consolas"/>
-              </a:rPr>
-              <a:t>let</a:t>
-            </a:r>
-            <a:r>
-              <a:rPr lang="en-US" dirty="0">
-                <a:solidFill>
-                  <a:srgbClr val="000000"/>
-                </a:solidFill>
-                <a:highlight>
-                  <a:srgbClr val="FFFFFF"/>
-                </a:highlight>
-                <a:latin typeface="Consolas"/>
-              </a:rPr>
-              <a:t> t </a:t>
-            </a:r>
-            <a:r>
-              <a:rPr lang="en-US" dirty="0">
-                <a:solidFill>
-                  <a:srgbClr val="DCDCDC"/>
-                </a:solidFill>
-                <a:highlight>
-                  <a:srgbClr val="FFFFFF"/>
-                </a:highlight>
-                <a:latin typeface="Consolas"/>
-              </a:rPr>
-              <a:t>=</a:t>
-            </a:r>
-            <a:r>
-              <a:rPr lang="en-US" dirty="0">
-                <a:solidFill>
-                  <a:srgbClr val="000000"/>
-                </a:solidFill>
-                <a:highlight>
-                  <a:srgbClr val="FFFFFF"/>
-                </a:highlight>
-                <a:latin typeface="Consolas"/>
-              </a:rPr>
-              <a:t> </a:t>
-            </a:r>
-            <a:r>
-              <a:rPr lang="en-US" dirty="0" err="1">
-                <a:solidFill>
-                  <a:srgbClr val="000000"/>
-                </a:solidFill>
-                <a:highlight>
-                  <a:srgbClr val="FFFFFF"/>
-                </a:highlight>
-                <a:latin typeface="Consolas"/>
-              </a:rPr>
-              <a:t>cid</a:t>
-            </a:r>
-            <a:r>
-              <a:rPr lang="en-US" dirty="0">
-                <a:solidFill>
-                  <a:srgbClr val="000000"/>
-                </a:solidFill>
-                <a:highlight>
-                  <a:srgbClr val="FFFFFF"/>
-                </a:highlight>
-                <a:latin typeface="Consolas"/>
-              </a:rPr>
-              <a:t> </a:t>
-            </a:r>
-            <a:r>
-              <a:rPr lang="en-US" dirty="0">
-                <a:solidFill>
-                  <a:srgbClr val="DCDCDC"/>
-                </a:solidFill>
-                <a:highlight>
-                  <a:srgbClr val="FFFFFF"/>
-                </a:highlight>
-                <a:latin typeface="Consolas"/>
-              </a:rPr>
-              <a:t>=</a:t>
-            </a:r>
-            <a:r>
-              <a:rPr lang="en-US" dirty="0">
-                <a:solidFill>
-                  <a:srgbClr val="000000"/>
-                </a:solidFill>
-                <a:highlight>
-                  <a:srgbClr val="FFFFFF"/>
-                </a:highlight>
-                <a:latin typeface="Consolas"/>
-              </a:rPr>
-              <a:t> </a:t>
-            </a:r>
-            <a:r>
-              <a:rPr lang="en-US" dirty="0" err="1">
-                <a:solidFill>
-                  <a:srgbClr val="000000"/>
-                </a:solidFill>
-                <a:highlight>
-                  <a:srgbClr val="FFFFFF"/>
-                </a:highlight>
-                <a:latin typeface="Consolas"/>
-              </a:rPr>
-              <a:t>oid</a:t>
-            </a:r>
-            <a:r>
-              <a:rPr lang="en-US" dirty="0">
-                <a:solidFill>
-                  <a:srgbClr val="000000"/>
-                </a:solidFill>
-                <a:highlight>
-                  <a:srgbClr val="FFFFFF"/>
-                </a:highlight>
-                <a:latin typeface="Consolas"/>
-              </a:rPr>
-              <a:t> // ERROR </a:t>
-            </a:r>
-            <a:r>
-              <a:rPr lang="en-US" dirty="0" err="1">
-                <a:solidFill>
-                  <a:srgbClr val="000000"/>
-                </a:solidFill>
-                <a:highlight>
-                  <a:srgbClr val="FFFFFF"/>
-                </a:highlight>
-                <a:latin typeface="Consolas"/>
-              </a:rPr>
-              <a:t>Typen</a:t>
-            </a:r>
-            <a:r>
-              <a:rPr lang="en-US" dirty="0">
-                <a:solidFill>
-                  <a:srgbClr val="000000"/>
-                </a:solidFill>
-                <a:highlight>
-                  <a:srgbClr val="FFFFFF"/>
-                </a:highlight>
-                <a:latin typeface="Consolas"/>
-              </a:rPr>
-              <a:t> </a:t>
-            </a:r>
-            <a:r>
-              <a:rPr lang="en-US" dirty="0" err="1">
-                <a:solidFill>
-                  <a:srgbClr val="000000"/>
-                </a:solidFill>
-                <a:highlight>
-                  <a:srgbClr val="FFFFFF"/>
-                </a:highlight>
-                <a:latin typeface="Consolas"/>
-              </a:rPr>
-              <a:t>nicht</a:t>
-            </a:r>
-            <a:r>
-              <a:rPr lang="en-US" dirty="0">
-                <a:solidFill>
-                  <a:srgbClr val="000000"/>
-                </a:solidFill>
-                <a:highlight>
-                  <a:srgbClr val="FFFFFF"/>
-                </a:highlight>
-                <a:latin typeface="Consolas"/>
-              </a:rPr>
-              <a:t> </a:t>
-            </a:r>
-            <a:r>
-              <a:rPr lang="en-US" dirty="0" err="1">
-                <a:solidFill>
-                  <a:srgbClr val="000000"/>
-                </a:solidFill>
-                <a:highlight>
-                  <a:srgbClr val="FFFFFF"/>
-                </a:highlight>
-                <a:latin typeface="Consolas"/>
-              </a:rPr>
-              <a:t>gleich</a:t>
-            </a:r>
-            <a:r>
-              <a:rPr lang="en-US" dirty="0">
-                <a:solidFill>
-                  <a:srgbClr val="000000"/>
-                </a:solidFill>
-                <a:highlight>
-                  <a:srgbClr val="FFFFFF"/>
-                </a:highlight>
-                <a:latin typeface="Consolas"/>
-              </a:rPr>
-              <a:t>, </a:t>
-            </a:r>
-            <a:r>
-              <a:rPr lang="en-US" dirty="0" err="1">
-                <a:solidFill>
-                  <a:srgbClr val="000000"/>
-                </a:solidFill>
-                <a:highlight>
-                  <a:srgbClr val="FFFFFF"/>
-                </a:highlight>
-                <a:latin typeface="Consolas"/>
-              </a:rPr>
-              <a:t>kein</a:t>
-            </a:r>
-            <a:r>
-              <a:rPr lang="en-US" dirty="0">
-                <a:solidFill>
-                  <a:srgbClr val="000000"/>
-                </a:solidFill>
-                <a:highlight>
-                  <a:srgbClr val="FFFFFF"/>
-                </a:highlight>
-                <a:latin typeface="Consolas"/>
-              </a:rPr>
-              <a:t> </a:t>
-            </a:r>
-            <a:r>
-              <a:rPr lang="en-US" dirty="0" err="1">
-                <a:solidFill>
-                  <a:srgbClr val="000000"/>
-                </a:solidFill>
-                <a:highlight>
-                  <a:srgbClr val="FFFFFF"/>
-                </a:highlight>
-                <a:latin typeface="Consolas"/>
-              </a:rPr>
-              <a:t>Vergleich</a:t>
-            </a:r>
-            <a:endParaRPr lang="en-US" dirty="0"/>
+              <a:t>float</a:t>
+            </a:r>
+            <a:endParaRPr lang="en-US" sz="2200" dirty="0"/>
           </a:p>
         </p:txBody>
       </p:sp>
     </p:spTree>
     <p:extLst>
       <p:ext uri="{BB962C8B-B14F-4D97-AF65-F5344CB8AC3E}">
-        <p14:creationId xmlns:p14="http://schemas.microsoft.com/office/powerpoint/2010/main" val="2193518562"/>
+        <p14:creationId xmlns:p14="http://schemas.microsoft.com/office/powerpoint/2010/main" val="3184996216"/>
       </p:ext>
     </p:extLst>
   </p:cSld>
@@ -19495,7 +19304,7 @@
           <a:p>
             <a:r>
               <a:rPr lang="de-DE" dirty="0"/>
-              <a:t>Option</a:t>
+              <a:t>DU: Single Case</a:t>
             </a:r>
             <a:endParaRPr lang="en-US" dirty="0"/>
           </a:p>
@@ -19513,93 +19322,312 @@
         </p:nvSpPr>
         <p:spPr/>
         <p:txBody>
-          <a:bodyPr/>
+          <a:bodyPr>
+            <a:normAutofit lnSpcReduction="10000"/>
+          </a:bodyPr>
           <a:lstStyle/>
           <a:p>
             <a:pPr marL="0" indent="0">
               <a:buNone/>
             </a:pPr>
             <a:r>
-              <a:rPr lang="de-DE" dirty="0"/>
-              <a:t>Besondere Form des DU</a:t>
-            </a:r>
+              <a:rPr lang="en-US" dirty="0">
+                <a:solidFill>
+                  <a:srgbClr val="0000FF"/>
+                </a:solidFill>
+                <a:highlight>
+                  <a:srgbClr val="FFFFFF"/>
+                </a:highlight>
+                <a:latin typeface="Consolas"/>
+              </a:rPr>
+              <a:t>type</a:t>
+            </a:r>
+            <a:r>
+              <a:rPr lang="en-US" dirty="0">
+                <a:solidFill>
+                  <a:srgbClr val="000000"/>
+                </a:solidFill>
+                <a:highlight>
+                  <a:srgbClr val="FFFFFF"/>
+                </a:highlight>
+                <a:latin typeface="Consolas"/>
+              </a:rPr>
+              <a:t> </a:t>
+            </a:r>
+            <a:r>
+              <a:rPr lang="en-US" dirty="0" err="1">
+                <a:solidFill>
+                  <a:srgbClr val="4EC9B0"/>
+                </a:solidFill>
+                <a:highlight>
+                  <a:srgbClr val="FFFFFF"/>
+                </a:highlight>
+                <a:latin typeface="Consolas"/>
+              </a:rPr>
+              <a:t>CustomerId</a:t>
+            </a:r>
+            <a:r>
+              <a:rPr lang="en-US" dirty="0">
+                <a:solidFill>
+                  <a:srgbClr val="000000"/>
+                </a:solidFill>
+                <a:highlight>
+                  <a:srgbClr val="FFFFFF"/>
+                </a:highlight>
+                <a:latin typeface="Consolas"/>
+              </a:rPr>
+              <a:t> </a:t>
+            </a:r>
+            <a:r>
+              <a:rPr lang="en-US" dirty="0">
+                <a:solidFill>
+                  <a:srgbClr val="DCDCDC"/>
+                </a:solidFill>
+                <a:highlight>
+                  <a:srgbClr val="FFFFFF"/>
+                </a:highlight>
+                <a:latin typeface="Consolas"/>
+              </a:rPr>
+              <a:t>=</a:t>
+            </a:r>
+            <a:r>
+              <a:rPr lang="en-US" dirty="0">
+                <a:solidFill>
+                  <a:srgbClr val="000000"/>
+                </a:solidFill>
+                <a:highlight>
+                  <a:srgbClr val="FFFFFF"/>
+                </a:highlight>
+                <a:latin typeface="Consolas"/>
+              </a:rPr>
+              <a:t> </a:t>
+            </a:r>
+            <a:r>
+              <a:rPr lang="en-US" dirty="0" err="1">
+                <a:solidFill>
+                  <a:srgbClr val="DCDCDC"/>
+                </a:solidFill>
+                <a:highlight>
+                  <a:srgbClr val="FFFFFF"/>
+                </a:highlight>
+                <a:latin typeface="Consolas"/>
+              </a:rPr>
+              <a:t>CustomerId</a:t>
+            </a:r>
+            <a:r>
+              <a:rPr lang="en-US" dirty="0">
+                <a:solidFill>
+                  <a:srgbClr val="000000"/>
+                </a:solidFill>
+                <a:highlight>
+                  <a:srgbClr val="FFFFFF"/>
+                </a:highlight>
+                <a:latin typeface="Consolas"/>
+              </a:rPr>
+              <a:t> </a:t>
+            </a:r>
+            <a:r>
+              <a:rPr lang="en-US" dirty="0">
+                <a:solidFill>
+                  <a:srgbClr val="0000FF"/>
+                </a:solidFill>
+                <a:highlight>
+                  <a:srgbClr val="FFFFFF"/>
+                </a:highlight>
+                <a:latin typeface="Consolas"/>
+              </a:rPr>
+              <a:t>of</a:t>
+            </a:r>
+            <a:r>
+              <a:rPr lang="en-US" dirty="0">
+                <a:solidFill>
+                  <a:srgbClr val="000000"/>
+                </a:solidFill>
+                <a:highlight>
+                  <a:srgbClr val="FFFFFF"/>
+                </a:highlight>
+                <a:latin typeface="Consolas"/>
+              </a:rPr>
+              <a:t> </a:t>
+            </a:r>
+            <a:r>
+              <a:rPr lang="en-US" dirty="0" err="1">
+                <a:solidFill>
+                  <a:srgbClr val="4EC9B0"/>
+                </a:solidFill>
+                <a:highlight>
+                  <a:srgbClr val="FFFFFF"/>
+                </a:highlight>
+                <a:latin typeface="Consolas"/>
+              </a:rPr>
+              <a:t>int</a:t>
+            </a:r>
+            <a:endParaRPr lang="en-US" dirty="0">
+              <a:solidFill>
+                <a:srgbClr val="000000"/>
+              </a:solidFill>
+              <a:highlight>
+                <a:srgbClr val="FFFFFF"/>
+              </a:highlight>
+              <a:latin typeface="Consolas"/>
+            </a:endParaRPr>
           </a:p>
           <a:p>
             <a:pPr marL="0" indent="0">
               <a:buNone/>
             </a:pPr>
             <a:r>
-              <a:rPr lang="en-US" b="1" dirty="0">
-                <a:solidFill>
-                  <a:srgbClr val="008000"/>
-                </a:solidFill>
-              </a:rPr>
-              <a:t>type</a:t>
-            </a:r>
-            <a:r>
-              <a:rPr lang="en-US" dirty="0"/>
-              <a:t> </a:t>
-            </a:r>
-            <a:r>
-              <a:rPr lang="en-US" b="1" dirty="0">
+              <a:rPr lang="en-US" dirty="0">
                 <a:solidFill>
                   <a:srgbClr val="0000FF"/>
                 </a:solidFill>
+                <a:highlight>
+                  <a:srgbClr val="FFFFFF"/>
+                </a:highlight>
+                <a:latin typeface="Consolas"/>
               </a:rPr>
-              <a:t>Option</a:t>
+              <a:t>type</a:t>
             </a:r>
             <a:r>
               <a:rPr lang="en-US" dirty="0">
                 <a:solidFill>
-                  <a:srgbClr val="666666"/>
+                  <a:srgbClr val="000000"/>
                 </a:solidFill>
+                <a:highlight>
+                  <a:srgbClr val="FFFFFF"/>
+                </a:highlight>
+                <a:latin typeface="Consolas"/>
               </a:rPr>
-              <a:t>&lt;</a:t>
-            </a:r>
-            <a:r>
-              <a:rPr lang="en-US" b="1" dirty="0">
+              <a:t> </a:t>
+            </a:r>
+            <a:r>
+              <a:rPr lang="en-US" dirty="0" err="1">
                 <a:solidFill>
-                  <a:srgbClr val="008000"/>
+                  <a:srgbClr val="4EC9B0"/>
                 </a:solidFill>
+                <a:highlight>
+                  <a:srgbClr val="FFFFFF"/>
+                </a:highlight>
+                <a:latin typeface="Consolas"/>
               </a:rPr>
-              <a:t>'</a:t>
-            </a:r>
-            <a:r>
-              <a:rPr lang="en-US" dirty="0"/>
-              <a:t>a</a:t>
+              <a:t>OrderId</a:t>
             </a:r>
             <a:r>
               <a:rPr lang="en-US" dirty="0">
                 <a:solidFill>
-                  <a:srgbClr val="666666"/>
+                  <a:srgbClr val="000000"/>
                 </a:solidFill>
+                <a:highlight>
+                  <a:srgbClr val="FFFFFF"/>
+                </a:highlight>
+                <a:latin typeface="Consolas"/>
               </a:rPr>
-              <a:t>&gt;</a:t>
-            </a:r>
-            <a:r>
-              <a:rPr lang="en-US" dirty="0"/>
               <a:t> </a:t>
             </a:r>
             <a:r>
               <a:rPr lang="en-US" dirty="0">
                 <a:solidFill>
-                  <a:srgbClr val="666666"/>
+                  <a:srgbClr val="DCDCDC"/>
                 </a:solidFill>
+                <a:highlight>
+                  <a:srgbClr val="FFFFFF"/>
+                </a:highlight>
+                <a:latin typeface="Consolas"/>
               </a:rPr>
               <a:t>=</a:t>
             </a:r>
             <a:r>
-              <a:rPr lang="en-US" dirty="0"/>
+              <a:rPr lang="en-US" dirty="0">
+                <a:solidFill>
+                  <a:srgbClr val="000000"/>
+                </a:solidFill>
+                <a:highlight>
+                  <a:srgbClr val="FFFFFF"/>
+                </a:highlight>
+                <a:latin typeface="Consolas"/>
+              </a:rPr>
               <a:t> </a:t>
             </a:r>
             <a:r>
-              <a:rPr lang="en-US" i="1" dirty="0">
+              <a:rPr lang="en-US" dirty="0" err="1">
                 <a:solidFill>
-                  <a:srgbClr val="408080"/>
+                  <a:srgbClr val="DCDCDC"/>
                 </a:solidFill>
+                <a:highlight>
+                  <a:srgbClr val="FFFFFF"/>
+                </a:highlight>
+                <a:latin typeface="Consolas"/>
               </a:rPr>
-              <a:t>// use a generic definition </a:t>
-            </a:r>
+              <a:t>OrderId</a:t>
+            </a:r>
+            <a:r>
+              <a:rPr lang="en-US" dirty="0">
+                <a:solidFill>
+                  <a:srgbClr val="000000"/>
+                </a:solidFill>
+                <a:highlight>
+                  <a:srgbClr val="FFFFFF"/>
+                </a:highlight>
+                <a:latin typeface="Consolas"/>
+              </a:rPr>
+              <a:t> </a:t>
+            </a:r>
+            <a:r>
+              <a:rPr lang="en-US" dirty="0">
+                <a:solidFill>
+                  <a:srgbClr val="0000FF"/>
+                </a:solidFill>
+                <a:highlight>
+                  <a:srgbClr val="FFFFFF"/>
+                </a:highlight>
+                <a:latin typeface="Consolas"/>
+              </a:rPr>
+              <a:t>of</a:t>
+            </a:r>
+            <a:r>
+              <a:rPr lang="en-US" dirty="0">
+                <a:solidFill>
+                  <a:srgbClr val="000000"/>
+                </a:solidFill>
+                <a:highlight>
+                  <a:srgbClr val="FFFFFF"/>
+                </a:highlight>
+                <a:latin typeface="Consolas"/>
+              </a:rPr>
+              <a:t> </a:t>
+            </a:r>
+            <a:r>
+              <a:rPr lang="en-US" dirty="0" err="1">
+                <a:solidFill>
+                  <a:srgbClr val="4EC9B0"/>
+                </a:solidFill>
+                <a:highlight>
+                  <a:srgbClr val="FFFFFF"/>
+                </a:highlight>
+                <a:latin typeface="Consolas"/>
+              </a:rPr>
+              <a:t>int</a:t>
+            </a:r>
+            <a:endParaRPr lang="en-US" dirty="0">
+              <a:solidFill>
+                <a:srgbClr val="000000"/>
+              </a:solidFill>
+              <a:highlight>
+                <a:srgbClr val="FFFFFF"/>
+              </a:highlight>
+              <a:latin typeface="Consolas"/>
+            </a:endParaRPr>
+          </a:p>
+          <a:p>
+            <a:endParaRPr lang="en-US" dirty="0">
+              <a:solidFill>
+                <a:srgbClr val="000000"/>
+              </a:solidFill>
+              <a:highlight>
+                <a:srgbClr val="FFFFFF"/>
+              </a:highlight>
+              <a:latin typeface="Consolas"/>
+            </a:endParaRPr>
           </a:p>
           <a:p>
             <a:pPr marL="0" indent="0">
@@ -19608,105 +19636,447 @@
             <a:r>
               <a:rPr lang="en-US" dirty="0">
                 <a:solidFill>
-                  <a:srgbClr val="666666"/>
+                  <a:srgbClr val="0000FF"/>
                 </a:solidFill>
+                <a:highlight>
+                  <a:srgbClr val="FFFFFF"/>
+                </a:highlight>
+                <a:latin typeface="Consolas"/>
               </a:rPr>
-              <a:t>|</a:t>
-            </a:r>
-            <a:r>
-              <a:rPr lang="en-US" dirty="0"/>
+              <a:t>let</a:t>
+            </a:r>
+            <a:r>
+              <a:rPr lang="en-US" dirty="0">
+                <a:solidFill>
+                  <a:srgbClr val="000000"/>
+                </a:solidFill>
+                <a:highlight>
+                  <a:srgbClr val="FFFFFF"/>
+                </a:highlight>
+                <a:latin typeface="Consolas"/>
+              </a:rPr>
               <a:t> </a:t>
             </a:r>
             <a:r>
-              <a:rPr lang="en-US" b="1" dirty="0">
+              <a:rPr lang="en-US" dirty="0" err="1">
+                <a:solidFill>
+                  <a:srgbClr val="000000"/>
+                </a:solidFill>
+                <a:highlight>
+                  <a:srgbClr val="FFFFFF"/>
+                </a:highlight>
+                <a:latin typeface="Consolas"/>
+              </a:rPr>
+              <a:t>cid</a:t>
+            </a:r>
+            <a:r>
+              <a:rPr lang="en-US" dirty="0">
+                <a:solidFill>
+                  <a:srgbClr val="000000"/>
+                </a:solidFill>
+                <a:highlight>
+                  <a:srgbClr val="FFFFFF"/>
+                </a:highlight>
+                <a:latin typeface="Consolas"/>
+              </a:rPr>
+              <a:t> </a:t>
+            </a:r>
+            <a:r>
+              <a:rPr lang="en-US" dirty="0">
+                <a:solidFill>
+                  <a:srgbClr val="DCDCDC"/>
+                </a:solidFill>
+                <a:highlight>
+                  <a:srgbClr val="FFFFFF"/>
+                </a:highlight>
+                <a:latin typeface="Consolas"/>
+              </a:rPr>
+              <a:t>=</a:t>
+            </a:r>
+            <a:r>
+              <a:rPr lang="en-US" dirty="0">
+                <a:solidFill>
+                  <a:srgbClr val="000000"/>
+                </a:solidFill>
+                <a:highlight>
+                  <a:srgbClr val="FFFFFF"/>
+                </a:highlight>
+                <a:latin typeface="Consolas"/>
+              </a:rPr>
+              <a:t> </a:t>
+            </a:r>
+            <a:r>
+              <a:rPr lang="en-US" dirty="0" err="1">
+                <a:solidFill>
+                  <a:srgbClr val="DCDCDC"/>
+                </a:solidFill>
+                <a:highlight>
+                  <a:srgbClr val="FFFFFF"/>
+                </a:highlight>
+                <a:latin typeface="Consolas"/>
+              </a:rPr>
+              <a:t>CustomerId</a:t>
+            </a:r>
+            <a:r>
+              <a:rPr lang="en-US" dirty="0">
+                <a:solidFill>
+                  <a:srgbClr val="000000"/>
+                </a:solidFill>
+                <a:highlight>
+                  <a:srgbClr val="FFFFFF"/>
+                </a:highlight>
+                <a:latin typeface="Consolas"/>
+              </a:rPr>
+              <a:t>(15)</a:t>
+            </a:r>
+          </a:p>
+          <a:p>
+            <a:pPr marL="0" indent="0">
+              <a:buNone/>
+            </a:pPr>
+            <a:r>
+              <a:rPr lang="en-US" dirty="0">
                 <a:solidFill>
                   <a:srgbClr val="0000FF"/>
                 </a:solidFill>
+                <a:highlight>
+                  <a:srgbClr val="FFFFFF"/>
+                </a:highlight>
+                <a:latin typeface="Consolas"/>
               </a:rPr>
-              <a:t>Some</a:t>
-            </a:r>
-            <a:r>
-              <a:rPr lang="en-US" dirty="0"/>
+              <a:t>let</a:t>
+            </a:r>
+            <a:r>
+              <a:rPr lang="en-US" dirty="0">
+                <a:solidFill>
+                  <a:srgbClr val="000000"/>
+                </a:solidFill>
+                <a:highlight>
+                  <a:srgbClr val="FFFFFF"/>
+                </a:highlight>
+                <a:latin typeface="Consolas"/>
+              </a:rPr>
               <a:t> </a:t>
             </a:r>
             <a:r>
-              <a:rPr lang="en-US" b="1" dirty="0">
+              <a:rPr lang="en-US" dirty="0" err="1">
                 <a:solidFill>
-                  <a:srgbClr val="008000"/>
+                  <a:srgbClr val="000000"/>
                 </a:solidFill>
+                <a:highlight>
+                  <a:srgbClr val="FFFFFF"/>
+                </a:highlight>
+                <a:latin typeface="Consolas"/>
               </a:rPr>
-              <a:t>of</a:t>
-            </a:r>
-            <a:r>
-              <a:rPr lang="en-US" dirty="0"/>
+              <a:t>oid</a:t>
+            </a:r>
+            <a:r>
+              <a:rPr lang="en-US" dirty="0">
+                <a:solidFill>
+                  <a:srgbClr val="000000"/>
+                </a:solidFill>
+                <a:highlight>
+                  <a:srgbClr val="FFFFFF"/>
+                </a:highlight>
+                <a:latin typeface="Consolas"/>
+              </a:rPr>
               <a:t> </a:t>
             </a:r>
             <a:r>
-              <a:rPr lang="en-US" b="1" dirty="0">
+              <a:rPr lang="en-US" dirty="0">
                 <a:solidFill>
-                  <a:srgbClr val="008000"/>
+                  <a:srgbClr val="DCDCDC"/>
                 </a:solidFill>
+                <a:highlight>
+                  <a:srgbClr val="FFFFFF"/>
+                </a:highlight>
+                <a:latin typeface="Consolas"/>
               </a:rPr>
-              <a:t>'</a:t>
-            </a:r>
-            <a:r>
-              <a:rPr lang="en-US" dirty="0"/>
-              <a:t>a </a:t>
-            </a:r>
-            <a:r>
-              <a:rPr lang="en-US" i="1" dirty="0">
+              <a:t>=</a:t>
+            </a:r>
+            <a:r>
+              <a:rPr lang="en-US" dirty="0">
                 <a:solidFill>
-                  <a:srgbClr val="408080"/>
+                  <a:srgbClr val="000000"/>
                 </a:solidFill>
+                <a:highlight>
+                  <a:srgbClr val="FFFFFF"/>
+                </a:highlight>
+                <a:latin typeface="Consolas"/>
               </a:rPr>
-              <a:t>// valid value</a:t>
-            </a:r>
-            <a:r>
-              <a:rPr lang="en-US" dirty="0"/>
               <a:t> </a:t>
+            </a:r>
+            <a:r>
+              <a:rPr lang="en-US" dirty="0" err="1">
+                <a:solidFill>
+                  <a:srgbClr val="DCDCDC"/>
+                </a:solidFill>
+                <a:highlight>
+                  <a:srgbClr val="FFFFFF"/>
+                </a:highlight>
+                <a:latin typeface="Consolas"/>
+              </a:rPr>
+              <a:t>OrderId</a:t>
+            </a:r>
+            <a:r>
+              <a:rPr lang="en-US" dirty="0">
+                <a:solidFill>
+                  <a:srgbClr val="000000"/>
+                </a:solidFill>
+                <a:highlight>
+                  <a:srgbClr val="FFFFFF"/>
+                </a:highlight>
+                <a:latin typeface="Consolas"/>
+              </a:rPr>
+              <a:t>(15)</a:t>
             </a:r>
           </a:p>
           <a:p>
             <a:pPr marL="0" indent="0">
               <a:buNone/>
             </a:pPr>
+            <a:endParaRPr lang="en-US" dirty="0">
+              <a:solidFill>
+                <a:srgbClr val="000000"/>
+              </a:solidFill>
+              <a:highlight>
+                <a:srgbClr val="FFFFFF"/>
+              </a:highlight>
+              <a:latin typeface="Consolas"/>
+            </a:endParaRPr>
+          </a:p>
+          <a:p>
+            <a:pPr marL="0" indent="0">
+              <a:buNone/>
+            </a:pPr>
             <a:r>
               <a:rPr lang="en-US" dirty="0">
-                <a:solidFill>
-                  <a:srgbClr val="666666"/>
-                </a:solidFill>
-              </a:rPr>
-              <a:t>|</a:t>
-            </a:r>
-            <a:r>
-              <a:rPr lang="en-US" dirty="0"/>
-              <a:t> </a:t>
-            </a:r>
-            <a:r>
-              <a:rPr lang="en-US" b="1" dirty="0">
                 <a:solidFill>
                   <a:srgbClr val="0000FF"/>
                 </a:solidFill>
+                <a:highlight>
+                  <a:srgbClr val="FFFFFF"/>
+                </a:highlight>
+                <a:latin typeface="Consolas"/>
               </a:rPr>
-              <a:t>None</a:t>
-            </a:r>
-            <a:r>
-              <a:rPr lang="en-US" dirty="0"/>
+              <a:t>let</a:t>
+            </a:r>
+            <a:r>
+              <a:rPr lang="en-US" dirty="0">
+                <a:solidFill>
+                  <a:srgbClr val="000000"/>
+                </a:solidFill>
+                <a:highlight>
+                  <a:srgbClr val="FFFFFF"/>
+                </a:highlight>
+                <a:latin typeface="Consolas"/>
+              </a:rPr>
+              <a:t> t </a:t>
+            </a:r>
+            <a:r>
+              <a:rPr lang="en-US" dirty="0">
+                <a:solidFill>
+                  <a:srgbClr val="DCDCDC"/>
+                </a:solidFill>
+                <a:highlight>
+                  <a:srgbClr val="FFFFFF"/>
+                </a:highlight>
+                <a:latin typeface="Consolas"/>
+              </a:rPr>
+              <a:t>=</a:t>
+            </a:r>
+            <a:r>
+              <a:rPr lang="en-US" dirty="0">
+                <a:solidFill>
+                  <a:srgbClr val="000000"/>
+                </a:solidFill>
+                <a:highlight>
+                  <a:srgbClr val="FFFFFF"/>
+                </a:highlight>
+                <a:latin typeface="Consolas"/>
+              </a:rPr>
               <a:t> </a:t>
             </a:r>
             <a:r>
-              <a:rPr lang="en-US" i="1" dirty="0">
+              <a:rPr lang="en-US" dirty="0" err="1">
                 <a:solidFill>
-                  <a:srgbClr val="408080"/>
+                  <a:srgbClr val="000000"/>
                 </a:solidFill>
+                <a:highlight>
+                  <a:srgbClr val="FFFFFF"/>
+                </a:highlight>
+                <a:latin typeface="Consolas"/>
               </a:rPr>
-              <a:t>// missing</a:t>
-            </a:r>
-          </a:p>
-          <a:p>
-            <a:pPr marL="0" indent="0">
-              <a:buNone/>
-            </a:pPr>
+              <a:t>cid</a:t>
+            </a:r>
+            <a:r>
+              <a:rPr lang="en-US" dirty="0">
+                <a:solidFill>
+                  <a:srgbClr val="000000"/>
+                </a:solidFill>
+                <a:highlight>
+                  <a:srgbClr val="FFFFFF"/>
+                </a:highlight>
+                <a:latin typeface="Consolas"/>
+              </a:rPr>
+              <a:t> </a:t>
+            </a:r>
+            <a:r>
+              <a:rPr lang="en-US" dirty="0">
+                <a:solidFill>
+                  <a:srgbClr val="DCDCDC"/>
+                </a:solidFill>
+                <a:highlight>
+                  <a:srgbClr val="FFFFFF"/>
+                </a:highlight>
+                <a:latin typeface="Consolas"/>
+              </a:rPr>
+              <a:t>=</a:t>
+            </a:r>
+            <a:r>
+              <a:rPr lang="en-US" dirty="0">
+                <a:solidFill>
+                  <a:srgbClr val="000000"/>
+                </a:solidFill>
+                <a:highlight>
+                  <a:srgbClr val="FFFFFF"/>
+                </a:highlight>
+                <a:latin typeface="Consolas"/>
+              </a:rPr>
+              <a:t> </a:t>
+            </a:r>
+            <a:r>
+              <a:rPr lang="en-US" dirty="0" err="1">
+                <a:solidFill>
+                  <a:srgbClr val="000000"/>
+                </a:solidFill>
+                <a:highlight>
+                  <a:srgbClr val="FFFFFF"/>
+                </a:highlight>
+                <a:latin typeface="Consolas"/>
+              </a:rPr>
+              <a:t>oid</a:t>
+            </a:r>
+            <a:r>
+              <a:rPr lang="en-US" dirty="0">
+                <a:solidFill>
+                  <a:srgbClr val="000000"/>
+                </a:solidFill>
+                <a:highlight>
+                  <a:srgbClr val="FFFFFF"/>
+                </a:highlight>
+                <a:latin typeface="Consolas"/>
+              </a:rPr>
+              <a:t> // ERROR </a:t>
+            </a:r>
+            <a:r>
+              <a:rPr lang="en-US" dirty="0" err="1">
+                <a:solidFill>
+                  <a:srgbClr val="000000"/>
+                </a:solidFill>
+                <a:highlight>
+                  <a:srgbClr val="FFFFFF"/>
+                </a:highlight>
+                <a:latin typeface="Consolas"/>
+              </a:rPr>
+              <a:t>Typen</a:t>
+            </a:r>
+            <a:r>
+              <a:rPr lang="en-US" dirty="0">
+                <a:solidFill>
+                  <a:srgbClr val="000000"/>
+                </a:solidFill>
+                <a:highlight>
+                  <a:srgbClr val="FFFFFF"/>
+                </a:highlight>
+                <a:latin typeface="Consolas"/>
+              </a:rPr>
+              <a:t> </a:t>
+            </a:r>
+            <a:r>
+              <a:rPr lang="en-US" dirty="0" err="1">
+                <a:solidFill>
+                  <a:srgbClr val="000000"/>
+                </a:solidFill>
+                <a:highlight>
+                  <a:srgbClr val="FFFFFF"/>
+                </a:highlight>
+                <a:latin typeface="Consolas"/>
+              </a:rPr>
+              <a:t>nicht</a:t>
+            </a:r>
+            <a:r>
+              <a:rPr lang="en-US" dirty="0">
+                <a:solidFill>
+                  <a:srgbClr val="000000"/>
+                </a:solidFill>
+                <a:highlight>
+                  <a:srgbClr val="FFFFFF"/>
+                </a:highlight>
+                <a:latin typeface="Consolas"/>
+              </a:rPr>
+              <a:t> </a:t>
+            </a:r>
+            <a:r>
+              <a:rPr lang="en-US" dirty="0" err="1">
+                <a:solidFill>
+                  <a:srgbClr val="000000"/>
+                </a:solidFill>
+                <a:highlight>
+                  <a:srgbClr val="FFFFFF"/>
+                </a:highlight>
+                <a:latin typeface="Consolas"/>
+              </a:rPr>
+              <a:t>gleich</a:t>
+            </a:r>
+            <a:r>
+              <a:rPr lang="en-US" dirty="0">
+                <a:solidFill>
+                  <a:srgbClr val="000000"/>
+                </a:solidFill>
+                <a:highlight>
+                  <a:srgbClr val="FFFFFF"/>
+                </a:highlight>
+                <a:latin typeface="Consolas"/>
+              </a:rPr>
+              <a:t>, </a:t>
+            </a:r>
+            <a:r>
+              <a:rPr lang="en-US" dirty="0" err="1">
+                <a:solidFill>
+                  <a:srgbClr val="000000"/>
+                </a:solidFill>
+                <a:highlight>
+                  <a:srgbClr val="FFFFFF"/>
+                </a:highlight>
+                <a:latin typeface="Consolas"/>
+              </a:rPr>
+              <a:t>kein</a:t>
+            </a:r>
+            <a:r>
+              <a:rPr lang="en-US" dirty="0">
+                <a:solidFill>
+                  <a:srgbClr val="000000"/>
+                </a:solidFill>
+                <a:highlight>
+                  <a:srgbClr val="FFFFFF"/>
+                </a:highlight>
+                <a:latin typeface="Consolas"/>
+              </a:rPr>
+              <a:t> </a:t>
+            </a:r>
+            <a:r>
+              <a:rPr lang="en-US" dirty="0" err="1">
+                <a:solidFill>
+                  <a:srgbClr val="000000"/>
+                </a:solidFill>
+                <a:highlight>
+                  <a:srgbClr val="FFFFFF"/>
+                </a:highlight>
+                <a:latin typeface="Consolas"/>
+              </a:rPr>
+              <a:t>Vergleich</a:t>
+            </a:r>
             <a:endParaRPr lang="en-US" dirty="0"/>
           </a:p>
         </p:txBody>
@@ -19714,7 +20084,7 @@
     </p:spTree>
     <p:extLst>
       <p:ext uri="{BB962C8B-B14F-4D97-AF65-F5344CB8AC3E}">
-        <p14:creationId xmlns:p14="http://schemas.microsoft.com/office/powerpoint/2010/main" val="1673819925"/>
+        <p14:creationId xmlns:p14="http://schemas.microsoft.com/office/powerpoint/2010/main" val="2193518562"/>
       </p:ext>
     </p:extLst>
   </p:cSld>
@@ -19753,26 +20123,12 @@
         </p:nvSpPr>
         <p:spPr/>
         <p:txBody>
-          <a:bodyPr>
-            <a:normAutofit/>
-          </a:bodyPr>
+          <a:bodyPr/>
           <a:lstStyle/>
           <a:p>
             <a:r>
               <a:rPr lang="de-DE" dirty="0"/>
-              <a:t>Option </a:t>
-            </a:r>
-            <a:r>
-              <a:rPr lang="de-DE" dirty="0" err="1"/>
-              <a:t>vs</a:t>
-            </a:r>
-            <a:r>
-              <a:rPr lang="de-DE" dirty="0"/>
-              <a:t> Null : Type </a:t>
-            </a:r>
-            <a:r>
-              <a:rPr lang="de-DE" dirty="0" err="1"/>
-              <a:t>Safety</a:t>
+              <a:t>Option</a:t>
             </a:r>
             <a:endParaRPr lang="en-US" dirty="0"/>
           </a:p>
@@ -19797,52 +20153,150 @@
               <a:buNone/>
             </a:pPr>
             <a:r>
-              <a:rPr lang="en-US" dirty="0">
+              <a:rPr lang="de-DE" dirty="0"/>
+              <a:t>Besondere Form des DU</a:t>
+            </a:r>
+          </a:p>
+          <a:p>
+            <a:pPr marL="0" indent="0">
+              <a:buNone/>
+            </a:pPr>
+            <a:r>
+              <a:rPr lang="en-US" b="1" dirty="0">
+                <a:solidFill>
+                  <a:srgbClr val="008000"/>
+                </a:solidFill>
+              </a:rPr>
+              <a:t>type</a:t>
+            </a:r>
+            <a:r>
+              <a:rPr lang="en-US" dirty="0"/>
+              <a:t> </a:t>
+            </a:r>
+            <a:r>
+              <a:rPr lang="en-US" b="1" dirty="0">
                 <a:solidFill>
                   <a:srgbClr val="0000FF"/>
                 </a:solidFill>
-                <a:highlight>
-                  <a:srgbClr val="FFFFFF"/>
-                </a:highlight>
-                <a:latin typeface="Consolas"/>
               </a:rPr>
-              <a:t>string</a:t>
+              <a:t>Option</a:t>
             </a:r>
             <a:r>
               <a:rPr lang="en-US" dirty="0">
                 <a:solidFill>
-                  <a:srgbClr val="000000"/>
+                  <a:srgbClr val="666666"/>
                 </a:solidFill>
-                <a:highlight>
-                  <a:srgbClr val="FFFFFF"/>
-                </a:highlight>
-                <a:latin typeface="Consolas"/>
               </a:rPr>
-              <a:t> s2 = </a:t>
+              <a:t>&lt;</a:t>
+            </a:r>
+            <a:r>
+              <a:rPr lang="en-US" b="1" dirty="0">
+                <a:solidFill>
+                  <a:srgbClr val="008000"/>
+                </a:solidFill>
+              </a:rPr>
+              <a:t>'</a:t>
+            </a:r>
+            <a:r>
+              <a:rPr lang="en-US" dirty="0"/>
+              <a:t>a</a:t>
             </a:r>
             <a:r>
               <a:rPr lang="en-US" dirty="0">
+                <a:solidFill>
+                  <a:srgbClr val="666666"/>
+                </a:solidFill>
+              </a:rPr>
+              <a:t>&gt;</a:t>
+            </a:r>
+            <a:r>
+              <a:rPr lang="en-US" dirty="0"/>
+              <a:t> </a:t>
+            </a:r>
+            <a:r>
+              <a:rPr lang="en-US" dirty="0">
+                <a:solidFill>
+                  <a:srgbClr val="666666"/>
+                </a:solidFill>
+              </a:rPr>
+              <a:t>=</a:t>
+            </a:r>
+            <a:r>
+              <a:rPr lang="en-US" dirty="0"/>
+              <a:t> </a:t>
+            </a:r>
+            <a:r>
+              <a:rPr lang="en-US" i="1" dirty="0">
+                <a:solidFill>
+                  <a:srgbClr val="408080"/>
+                </a:solidFill>
+              </a:rPr>
+              <a:t>// use a generic definition </a:t>
+            </a:r>
+          </a:p>
+          <a:p>
+            <a:pPr marL="0" indent="0">
+              <a:buNone/>
+            </a:pPr>
+            <a:r>
+              <a:rPr lang="en-US" dirty="0">
+                <a:solidFill>
+                  <a:srgbClr val="666666"/>
+                </a:solidFill>
+              </a:rPr>
+              <a:t>|</a:t>
+            </a:r>
+            <a:r>
+              <a:rPr lang="en-US" dirty="0"/>
+              <a:t> </a:t>
+            </a:r>
+            <a:r>
+              <a:rPr lang="en-US" b="1" dirty="0">
                 <a:solidFill>
                   <a:srgbClr val="0000FF"/>
                 </a:solidFill>
-                <a:highlight>
-                  <a:srgbClr val="FFFFFF"/>
-                </a:highlight>
-                <a:latin typeface="Consolas"/>
               </a:rPr>
-              <a:t>null</a:t>
-            </a:r>
-            <a:r>
-              <a:rPr lang="en-US" dirty="0">
+              <a:t>Some</a:t>
+            </a:r>
+            <a:r>
+              <a:rPr lang="en-US" dirty="0"/>
+              <a:t> </a:t>
+            </a:r>
+            <a:r>
+              <a:rPr lang="en-US" b="1" dirty="0">
                 <a:solidFill>
-                  <a:srgbClr val="000000"/>
+                  <a:srgbClr val="008000"/>
                 </a:solidFill>
-                <a:highlight>
-                  <a:srgbClr val="FFFFFF"/>
-                </a:highlight>
-                <a:latin typeface="Consolas"/>
               </a:rPr>
-              <a:t>;</a:t>
+              <a:t>of</a:t>
+            </a:r>
+            <a:r>
+              <a:rPr lang="en-US" dirty="0"/>
+              <a:t> </a:t>
+            </a:r>
+            <a:r>
+              <a:rPr lang="en-US" b="1" dirty="0">
+                <a:solidFill>
+                  <a:srgbClr val="008000"/>
+                </a:solidFill>
+              </a:rPr>
+              <a:t>'</a:t>
+            </a:r>
+            <a:r>
+              <a:rPr lang="en-US" dirty="0"/>
+              <a:t>a </a:t>
+            </a:r>
+            <a:r>
+              <a:rPr lang="en-US" i="1" dirty="0">
+                <a:solidFill>
+                  <a:srgbClr val="408080"/>
+                </a:solidFill>
+              </a:rPr>
+              <a:t>// valid value</a:t>
+            </a:r>
+            <a:r>
+              <a:rPr lang="en-US" dirty="0"/>
+              <a:t> </a:t>
             </a:r>
           </a:p>
           <a:p>
@@ -19850,64 +20304,50 @@
               <a:buNone/>
             </a:pPr>
             <a:r>
-              <a:rPr lang="en-US" dirty="0" err="1">
+              <a:rPr lang="en-US" dirty="0">
+                <a:solidFill>
+                  <a:srgbClr val="666666"/>
+                </a:solidFill>
+              </a:rPr>
+              <a:t>|</a:t>
+            </a:r>
+            <a:r>
+              <a:rPr lang="en-US" dirty="0"/>
+              <a:t> </a:t>
+            </a:r>
+            <a:r>
+              <a:rPr lang="en-US" b="1" dirty="0">
                 <a:solidFill>
                   <a:srgbClr val="0000FF"/>
                 </a:solidFill>
-                <a:highlight>
-                  <a:srgbClr val="FFFFFF"/>
-                </a:highlight>
-                <a:latin typeface="Consolas"/>
               </a:rPr>
-              <a:t>var</a:t>
-            </a:r>
-            <a:r>
-              <a:rPr lang="en-US" dirty="0">
+              <a:t>None</a:t>
+            </a:r>
+            <a:r>
+              <a:rPr lang="en-US" dirty="0"/>
+              <a:t> </a:t>
+            </a:r>
+            <a:r>
+              <a:rPr lang="en-US" i="1" dirty="0">
                 <a:solidFill>
-                  <a:srgbClr val="000000"/>
+                  <a:srgbClr val="408080"/>
                 </a:solidFill>
-                <a:highlight>
-                  <a:srgbClr val="FFFFFF"/>
-                </a:highlight>
-                <a:latin typeface="Consolas"/>
               </a:rPr>
-              <a:t> len2 = s2.Length; </a:t>
+              <a:t>// missing</a:t>
             </a:r>
           </a:p>
           <a:p>
             <a:pPr marL="0" indent="0">
               <a:buNone/>
             </a:pPr>
-            <a:r>
-              <a:rPr lang="de-DE" dirty="0">
-                <a:solidFill>
-                  <a:srgbClr val="000000"/>
-                </a:solidFill>
-                <a:highlight>
-                  <a:srgbClr val="FFFFFF"/>
-                </a:highlight>
-                <a:latin typeface="Consolas"/>
-              </a:rPr>
-              <a:t>// WIR wissen dass s2 null ist, der Compiler nicht</a:t>
-            </a:r>
-            <a:endParaRPr lang="en-US" dirty="0">
-              <a:highlight>
-                <a:srgbClr val="FFFFFF"/>
-              </a:highlight>
-            </a:endParaRPr>
-          </a:p>
-          <a:p>
-            <a:pPr marL="0" indent="0">
-              <a:buNone/>
-            </a:pPr>
-            <a:endParaRPr lang="de-DE" dirty="0"/>
+            <a:endParaRPr lang="en-US" dirty="0"/>
           </a:p>
         </p:txBody>
       </p:sp>
     </p:spTree>
     <p:extLst>
       <p:ext uri="{BB962C8B-B14F-4D97-AF65-F5344CB8AC3E}">
-        <p14:creationId xmlns:p14="http://schemas.microsoft.com/office/powerpoint/2010/main" val="1684138351"/>
+        <p14:creationId xmlns:p14="http://schemas.microsoft.com/office/powerpoint/2010/main" val="1673819925"/>
       </p:ext>
     </p:extLst>
   </p:cSld>
@@ -19999,7 +20439,7 @@
                 </a:highlight>
                 <a:latin typeface="Consolas"/>
               </a:rPr>
-              <a:t>let</a:t>
+              <a:t>string</a:t>
             </a:r>
             <a:r>
               <a:rPr lang="en-US" dirty="0">
@@ -20011,19 +20451,19 @@
                 </a:highlight>
                 <a:latin typeface="Consolas"/>
               </a:rPr>
-              <a:t> s </a:t>
+              <a:t> s2 = </a:t>
             </a:r>
             <a:r>
               <a:rPr lang="en-US" dirty="0">
                 <a:solidFill>
-                  <a:srgbClr val="DCDCDC"/>
+                  <a:srgbClr val="0000FF"/>
                 </a:solidFill>
                 <a:highlight>
                   <a:srgbClr val="FFFFFF"/>
                 </a:highlight>
                 <a:latin typeface="Consolas"/>
               </a:rPr>
-              <a:t>=</a:t>
+              <a:t>null</a:t>
             </a:r>
             <a:r>
               <a:rPr lang="en-US" dirty="0">
@@ -20035,36 +20475,15 @@
                 </a:highlight>
                 <a:latin typeface="Consolas"/>
               </a:rPr>
-              <a:t> </a:t>
-            </a:r>
-            <a:r>
-              <a:rPr lang="en-US" dirty="0">
-                <a:solidFill>
-                  <a:srgbClr val="A31515"/>
-                </a:solidFill>
-                <a:highlight>
-                  <a:srgbClr val="FFFFFF"/>
-                </a:highlight>
-                <a:latin typeface="Consolas"/>
-              </a:rPr>
-              <a:t>"string"</a:t>
-            </a:r>
-            <a:endParaRPr lang="en-US" dirty="0">
-              <a:solidFill>
-                <a:srgbClr val="000000"/>
-              </a:solidFill>
-              <a:highlight>
-                <a:srgbClr val="FFFFFF"/>
-              </a:highlight>
-              <a:latin typeface="Consolas"/>
-            </a:endParaRPr>
+              <a:t>;</a:t>
+            </a:r>
           </a:p>
           <a:p>
             <a:pPr marL="0" indent="0">
               <a:buNone/>
             </a:pPr>
             <a:r>
-              <a:rPr lang="en-US" dirty="0">
+              <a:rPr lang="en-US" dirty="0" err="1">
                 <a:solidFill>
                   <a:srgbClr val="0000FF"/>
                 </a:solidFill>
@@ -20073,7 +20492,7 @@
                 </a:highlight>
                 <a:latin typeface="Consolas"/>
               </a:rPr>
-              <a:t>let</a:t>
+              <a:t>var</a:t>
             </a:r>
             <a:r>
               <a:rPr lang="en-US" dirty="0">
@@ -20085,22 +20504,15 @@
                 </a:highlight>
                 <a:latin typeface="Consolas"/>
               </a:rPr>
-              <a:t> length </a:t>
-            </a:r>
-            <a:r>
-              <a:rPr lang="en-US" dirty="0">
-                <a:solidFill>
-                  <a:srgbClr val="DCDCDC"/>
-                </a:solidFill>
-                <a:highlight>
-                  <a:srgbClr val="FFFFFF"/>
-                </a:highlight>
-                <a:latin typeface="Consolas"/>
-              </a:rPr>
-              <a:t>=</a:t>
-            </a:r>
-            <a:r>
-              <a:rPr lang="en-US" dirty="0">
+              <a:t> len2 = s2.Length; </a:t>
+            </a:r>
+          </a:p>
+          <a:p>
+            <a:pPr marL="0" indent="0">
+              <a:buNone/>
+            </a:pPr>
+            <a:r>
+              <a:rPr lang="de-DE" dirty="0">
                 <a:solidFill>
                   <a:srgbClr val="000000"/>
                 </a:solidFill>
@@ -20109,228 +20521,18 @@
                 </a:highlight>
                 <a:latin typeface="Consolas"/>
               </a:rPr>
-              <a:t> </a:t>
-            </a:r>
-            <a:r>
-              <a:rPr lang="en-US" dirty="0" err="1">
-                <a:solidFill>
-                  <a:srgbClr val="000000"/>
-                </a:solidFill>
-                <a:highlight>
-                  <a:srgbClr val="FFFFFF"/>
-                </a:highlight>
-                <a:latin typeface="Consolas"/>
-              </a:rPr>
-              <a:t>s.Length</a:t>
+              <a:t>// WIR wissen dass s2 null ist, der Compiler nicht</a:t>
             </a:r>
             <a:endParaRPr lang="en-US" dirty="0">
-              <a:solidFill>
-                <a:srgbClr val="000000"/>
-              </a:solidFill>
               <a:highlight>
                 <a:srgbClr val="FFFFFF"/>
               </a:highlight>
-              <a:latin typeface="Consolas"/>
             </a:endParaRPr>
           </a:p>
           <a:p>
             <a:pPr marL="0" indent="0">
               <a:buNone/>
             </a:pPr>
-            <a:r>
-              <a:rPr lang="en-US" dirty="0">
-                <a:solidFill>
-                  <a:srgbClr val="0000FF"/>
-                </a:solidFill>
-                <a:highlight>
-                  <a:srgbClr val="FFFFFF"/>
-                </a:highlight>
-                <a:latin typeface="Consolas"/>
-              </a:rPr>
-              <a:t>let</a:t>
-            </a:r>
-            <a:r>
-              <a:rPr lang="en-US" dirty="0">
-                <a:solidFill>
-                  <a:srgbClr val="000000"/>
-                </a:solidFill>
-                <a:highlight>
-                  <a:srgbClr val="FFFFFF"/>
-                </a:highlight>
-                <a:latin typeface="Consolas"/>
-              </a:rPr>
-              <a:t> s' </a:t>
-            </a:r>
-            <a:r>
-              <a:rPr lang="en-US" dirty="0">
-                <a:solidFill>
-                  <a:srgbClr val="DCDCDC"/>
-                </a:solidFill>
-                <a:highlight>
-                  <a:srgbClr val="FFFFFF"/>
-                </a:highlight>
-                <a:latin typeface="Consolas"/>
-              </a:rPr>
-              <a:t>=</a:t>
-            </a:r>
-            <a:r>
-              <a:rPr lang="en-US" dirty="0">
-                <a:solidFill>
-                  <a:srgbClr val="000000"/>
-                </a:solidFill>
-                <a:highlight>
-                  <a:srgbClr val="FFFFFF"/>
-                </a:highlight>
-                <a:latin typeface="Consolas"/>
-              </a:rPr>
-              <a:t> </a:t>
-            </a:r>
-            <a:r>
-              <a:rPr lang="en-US" dirty="0">
-                <a:solidFill>
-                  <a:srgbClr val="4EC9B0"/>
-                </a:solidFill>
-                <a:highlight>
-                  <a:srgbClr val="FFFFFF"/>
-                </a:highlight>
-                <a:latin typeface="Consolas"/>
-              </a:rPr>
-              <a:t>Option</a:t>
-            </a:r>
-            <a:r>
-              <a:rPr lang="en-US" dirty="0">
-                <a:solidFill>
-                  <a:srgbClr val="000000"/>
-                </a:solidFill>
-                <a:highlight>
-                  <a:srgbClr val="FFFFFF"/>
-                </a:highlight>
-                <a:latin typeface="Consolas"/>
-              </a:rPr>
-              <a:t>&lt;</a:t>
-            </a:r>
-            <a:r>
-              <a:rPr lang="en-US" dirty="0">
-                <a:solidFill>
-                  <a:srgbClr val="4EC9B0"/>
-                </a:solidFill>
-                <a:highlight>
-                  <a:srgbClr val="FFFFFF"/>
-                </a:highlight>
-                <a:latin typeface="Consolas"/>
-              </a:rPr>
-              <a:t>string</a:t>
-            </a:r>
-            <a:r>
-              <a:rPr lang="en-US" dirty="0">
-                <a:solidFill>
-                  <a:srgbClr val="000000"/>
-                </a:solidFill>
-                <a:highlight>
-                  <a:srgbClr val="FFFFFF"/>
-                </a:highlight>
-                <a:latin typeface="Consolas"/>
-              </a:rPr>
-              <a:t>&gt;.</a:t>
-            </a:r>
-            <a:r>
-              <a:rPr lang="en-US" dirty="0">
-                <a:solidFill>
-                  <a:srgbClr val="DCDCDC"/>
-                </a:solidFill>
-                <a:highlight>
-                  <a:srgbClr val="FFFFFF"/>
-                </a:highlight>
-                <a:latin typeface="Consolas"/>
-              </a:rPr>
-              <a:t>None</a:t>
-            </a:r>
-            <a:endParaRPr lang="en-US" dirty="0">
-              <a:solidFill>
-                <a:srgbClr val="000000"/>
-              </a:solidFill>
-              <a:highlight>
-                <a:srgbClr val="FFFFFF"/>
-              </a:highlight>
-              <a:latin typeface="Consolas"/>
-            </a:endParaRPr>
-          </a:p>
-          <a:p>
-            <a:pPr marL="0" indent="0">
-              <a:buNone/>
-            </a:pPr>
-            <a:r>
-              <a:rPr lang="en-US" dirty="0">
-                <a:solidFill>
-                  <a:srgbClr val="0000FF"/>
-                </a:solidFill>
-                <a:highlight>
-                  <a:srgbClr val="FFFFFF"/>
-                </a:highlight>
-                <a:latin typeface="Consolas"/>
-              </a:rPr>
-              <a:t>let</a:t>
-            </a:r>
-            <a:r>
-              <a:rPr lang="en-US" dirty="0">
-                <a:solidFill>
-                  <a:srgbClr val="000000"/>
-                </a:solidFill>
-                <a:highlight>
-                  <a:srgbClr val="FFFFFF"/>
-                </a:highlight>
-                <a:latin typeface="Consolas"/>
-              </a:rPr>
-              <a:t> length' </a:t>
-            </a:r>
-            <a:r>
-              <a:rPr lang="en-US" dirty="0">
-                <a:solidFill>
-                  <a:srgbClr val="DCDCDC"/>
-                </a:solidFill>
-                <a:highlight>
-                  <a:srgbClr val="FFFFFF"/>
-                </a:highlight>
-                <a:latin typeface="Consolas"/>
-              </a:rPr>
-              <a:t>=</a:t>
-            </a:r>
-            <a:r>
-              <a:rPr lang="en-US" dirty="0">
-                <a:solidFill>
-                  <a:srgbClr val="000000"/>
-                </a:solidFill>
-                <a:highlight>
-                  <a:srgbClr val="FFFFFF"/>
-                </a:highlight>
-                <a:latin typeface="Consolas"/>
-              </a:rPr>
-              <a:t> </a:t>
-            </a:r>
-            <a:r>
-              <a:rPr lang="en-US" dirty="0" err="1">
-                <a:solidFill>
-                  <a:srgbClr val="000000"/>
-                </a:solidFill>
-                <a:highlight>
-                  <a:srgbClr val="FFFFFF"/>
-                </a:highlight>
-                <a:latin typeface="Consolas"/>
-              </a:rPr>
-              <a:t>s'.Length</a:t>
-            </a:r>
-            <a:r>
-              <a:rPr lang="en-US" dirty="0">
-                <a:solidFill>
-                  <a:srgbClr val="000000"/>
-                </a:solidFill>
-                <a:highlight>
-                  <a:srgbClr val="FFFFFF"/>
-                </a:highlight>
-                <a:latin typeface="Consolas"/>
-              </a:rPr>
-              <a:t> // ERROR</a:t>
-            </a:r>
             <a:endParaRPr lang="de-DE" dirty="0"/>
           </a:p>
         </p:txBody>
@@ -20338,7 +20540,7 @@
     </p:spTree>
     <p:extLst>
       <p:ext uri="{BB962C8B-B14F-4D97-AF65-F5344CB8AC3E}">
-        <p14:creationId xmlns:p14="http://schemas.microsoft.com/office/powerpoint/2010/main" val="1731058063"/>
+        <p14:creationId xmlns:p14="http://schemas.microsoft.com/office/powerpoint/2010/main" val="1684138351"/>
       </p:ext>
     </p:extLst>
   </p:cSld>
@@ -20422,6 +20624,437 @@
     <p:extLst>
       <p:ext uri="{BB962C8B-B14F-4D97-AF65-F5344CB8AC3E}">
         <p14:creationId xmlns:p14="http://schemas.microsoft.com/office/powerpoint/2010/main" val="1452978565"/>
+      </p:ext>
+    </p:extLst>
+  </p:cSld>
+  <p:clrMapOvr>
+    <a:masterClrMapping/>
+  </p:clrMapOvr>
+</p:sld>
+</file>
+
+<file path=ppt/slides/slide40.xml><?xml version="1.0" encoding="utf-8"?>
+<p:sld xmlns:a="http://schemas.openxmlformats.org/drawingml/2006/main" xmlns:r="http://schemas.openxmlformats.org/officeDocument/2006/relationships" xmlns:p="http://schemas.openxmlformats.org/presentationml/2006/main">
+  <p:cSld>
+    <p:spTree>
+      <p:nvGrpSpPr>
+        <p:cNvPr id="1" name=""/>
+        <p:cNvGrpSpPr/>
+        <p:nvPr/>
+      </p:nvGrpSpPr>
+      <p:grpSpPr>
+        <a:xfrm>
+          <a:off x="0" y="0"/>
+          <a:ext cx="0" cy="0"/>
+          <a:chOff x="0" y="0"/>
+          <a:chExt cx="0" cy="0"/>
+        </a:xfrm>
+      </p:grpSpPr>
+      <p:sp>
+        <p:nvSpPr>
+          <p:cNvPr id="2" name="Title 1"/>
+          <p:cNvSpPr>
+            <a:spLocks noGrp="1"/>
+          </p:cNvSpPr>
+          <p:nvPr>
+            <p:ph type="title"/>
+          </p:nvPr>
+        </p:nvSpPr>
+        <p:spPr/>
+        <p:txBody>
+          <a:bodyPr>
+            <a:normAutofit/>
+          </a:bodyPr>
+          <a:lstStyle/>
+          <a:p>
+            <a:r>
+              <a:rPr lang="de-DE" dirty="0"/>
+              <a:t>Option </a:t>
+            </a:r>
+            <a:r>
+              <a:rPr lang="de-DE" dirty="0" err="1"/>
+              <a:t>vs</a:t>
+            </a:r>
+            <a:r>
+              <a:rPr lang="de-DE" dirty="0"/>
+              <a:t> Null : Type </a:t>
+            </a:r>
+            <a:r>
+              <a:rPr lang="de-DE" dirty="0" err="1"/>
+              <a:t>Safety</a:t>
+            </a:r>
+            <a:endParaRPr lang="en-US" dirty="0"/>
+          </a:p>
+        </p:txBody>
+      </p:sp>
+      <p:sp>
+        <p:nvSpPr>
+          <p:cNvPr id="3" name="Content Placeholder 2"/>
+          <p:cNvSpPr>
+            <a:spLocks noGrp="1"/>
+          </p:cNvSpPr>
+          <p:nvPr>
+            <p:ph idx="1"/>
+          </p:nvPr>
+        </p:nvSpPr>
+        <p:spPr/>
+        <p:txBody>
+          <a:bodyPr/>
+          <a:lstStyle/>
+          <a:p>
+            <a:pPr marL="0" indent="0">
+              <a:buNone/>
+            </a:pPr>
+            <a:r>
+              <a:rPr lang="en-US" dirty="0">
+                <a:solidFill>
+                  <a:srgbClr val="0000FF"/>
+                </a:solidFill>
+                <a:highlight>
+                  <a:srgbClr val="FFFFFF"/>
+                </a:highlight>
+                <a:latin typeface="Consolas"/>
+              </a:rPr>
+              <a:t>let</a:t>
+            </a:r>
+            <a:r>
+              <a:rPr lang="en-US" dirty="0">
+                <a:solidFill>
+                  <a:srgbClr val="000000"/>
+                </a:solidFill>
+                <a:highlight>
+                  <a:srgbClr val="FFFFFF"/>
+                </a:highlight>
+                <a:latin typeface="Consolas"/>
+              </a:rPr>
+              <a:t> s </a:t>
+            </a:r>
+            <a:r>
+              <a:rPr lang="en-US" dirty="0">
+                <a:solidFill>
+                  <a:srgbClr val="DCDCDC"/>
+                </a:solidFill>
+                <a:highlight>
+                  <a:srgbClr val="FFFFFF"/>
+                </a:highlight>
+                <a:latin typeface="Consolas"/>
+              </a:rPr>
+              <a:t>=</a:t>
+            </a:r>
+            <a:r>
+              <a:rPr lang="en-US" dirty="0">
+                <a:solidFill>
+                  <a:srgbClr val="000000"/>
+                </a:solidFill>
+                <a:highlight>
+                  <a:srgbClr val="FFFFFF"/>
+                </a:highlight>
+                <a:latin typeface="Consolas"/>
+              </a:rPr>
+              <a:t> </a:t>
+            </a:r>
+            <a:r>
+              <a:rPr lang="en-US" dirty="0">
+                <a:solidFill>
+                  <a:srgbClr val="A31515"/>
+                </a:solidFill>
+                <a:highlight>
+                  <a:srgbClr val="FFFFFF"/>
+                </a:highlight>
+                <a:latin typeface="Consolas"/>
+              </a:rPr>
+              <a:t>"string"</a:t>
+            </a:r>
+            <a:endParaRPr lang="en-US" dirty="0">
+              <a:solidFill>
+                <a:srgbClr val="000000"/>
+              </a:solidFill>
+              <a:highlight>
+                <a:srgbClr val="FFFFFF"/>
+              </a:highlight>
+              <a:latin typeface="Consolas"/>
+            </a:endParaRPr>
+          </a:p>
+          <a:p>
+            <a:pPr marL="0" indent="0">
+              <a:buNone/>
+            </a:pPr>
+            <a:r>
+              <a:rPr lang="en-US" dirty="0">
+                <a:solidFill>
+                  <a:srgbClr val="0000FF"/>
+                </a:solidFill>
+                <a:highlight>
+                  <a:srgbClr val="FFFFFF"/>
+                </a:highlight>
+                <a:latin typeface="Consolas"/>
+              </a:rPr>
+              <a:t>let</a:t>
+            </a:r>
+            <a:r>
+              <a:rPr lang="en-US" dirty="0">
+                <a:solidFill>
+                  <a:srgbClr val="000000"/>
+                </a:solidFill>
+                <a:highlight>
+                  <a:srgbClr val="FFFFFF"/>
+                </a:highlight>
+                <a:latin typeface="Consolas"/>
+              </a:rPr>
+              <a:t> length </a:t>
+            </a:r>
+            <a:r>
+              <a:rPr lang="en-US" dirty="0">
+                <a:solidFill>
+                  <a:srgbClr val="DCDCDC"/>
+                </a:solidFill>
+                <a:highlight>
+                  <a:srgbClr val="FFFFFF"/>
+                </a:highlight>
+                <a:latin typeface="Consolas"/>
+              </a:rPr>
+              <a:t>=</a:t>
+            </a:r>
+            <a:r>
+              <a:rPr lang="en-US" dirty="0">
+                <a:solidFill>
+                  <a:srgbClr val="000000"/>
+                </a:solidFill>
+                <a:highlight>
+                  <a:srgbClr val="FFFFFF"/>
+                </a:highlight>
+                <a:latin typeface="Consolas"/>
+              </a:rPr>
+              <a:t> </a:t>
+            </a:r>
+            <a:r>
+              <a:rPr lang="en-US" dirty="0" err="1">
+                <a:solidFill>
+                  <a:srgbClr val="000000"/>
+                </a:solidFill>
+                <a:highlight>
+                  <a:srgbClr val="FFFFFF"/>
+                </a:highlight>
+                <a:latin typeface="Consolas"/>
+              </a:rPr>
+              <a:t>s.Length</a:t>
+            </a:r>
+            <a:endParaRPr lang="en-US" dirty="0">
+              <a:solidFill>
+                <a:srgbClr val="000000"/>
+              </a:solidFill>
+              <a:highlight>
+                <a:srgbClr val="FFFFFF"/>
+              </a:highlight>
+              <a:latin typeface="Consolas"/>
+            </a:endParaRPr>
+          </a:p>
+          <a:p>
+            <a:pPr marL="0" indent="0">
+              <a:buNone/>
+            </a:pPr>
+            <a:r>
+              <a:rPr lang="en-US" dirty="0">
+                <a:solidFill>
+                  <a:srgbClr val="0000FF"/>
+                </a:solidFill>
+                <a:highlight>
+                  <a:srgbClr val="FFFFFF"/>
+                </a:highlight>
+                <a:latin typeface="Consolas"/>
+              </a:rPr>
+              <a:t>let</a:t>
+            </a:r>
+            <a:r>
+              <a:rPr lang="en-US" dirty="0">
+                <a:solidFill>
+                  <a:srgbClr val="000000"/>
+                </a:solidFill>
+                <a:highlight>
+                  <a:srgbClr val="FFFFFF"/>
+                </a:highlight>
+                <a:latin typeface="Consolas"/>
+              </a:rPr>
+              <a:t> s' </a:t>
+            </a:r>
+            <a:r>
+              <a:rPr lang="en-US" dirty="0">
+                <a:solidFill>
+                  <a:srgbClr val="DCDCDC"/>
+                </a:solidFill>
+                <a:highlight>
+                  <a:srgbClr val="FFFFFF"/>
+                </a:highlight>
+                <a:latin typeface="Consolas"/>
+              </a:rPr>
+              <a:t>=</a:t>
+            </a:r>
+            <a:r>
+              <a:rPr lang="en-US" dirty="0">
+                <a:solidFill>
+                  <a:srgbClr val="000000"/>
+                </a:solidFill>
+                <a:highlight>
+                  <a:srgbClr val="FFFFFF"/>
+                </a:highlight>
+                <a:latin typeface="Consolas"/>
+              </a:rPr>
+              <a:t> </a:t>
+            </a:r>
+            <a:r>
+              <a:rPr lang="en-US" dirty="0">
+                <a:solidFill>
+                  <a:srgbClr val="4EC9B0"/>
+                </a:solidFill>
+                <a:highlight>
+                  <a:srgbClr val="FFFFFF"/>
+                </a:highlight>
+                <a:latin typeface="Consolas"/>
+              </a:rPr>
+              <a:t>Option</a:t>
+            </a:r>
+            <a:r>
+              <a:rPr lang="en-US" dirty="0">
+                <a:solidFill>
+                  <a:srgbClr val="000000"/>
+                </a:solidFill>
+                <a:highlight>
+                  <a:srgbClr val="FFFFFF"/>
+                </a:highlight>
+                <a:latin typeface="Consolas"/>
+              </a:rPr>
+              <a:t>&lt;</a:t>
+            </a:r>
+            <a:r>
+              <a:rPr lang="en-US" dirty="0">
+                <a:solidFill>
+                  <a:srgbClr val="4EC9B0"/>
+                </a:solidFill>
+                <a:highlight>
+                  <a:srgbClr val="FFFFFF"/>
+                </a:highlight>
+                <a:latin typeface="Consolas"/>
+              </a:rPr>
+              <a:t>string</a:t>
+            </a:r>
+            <a:r>
+              <a:rPr lang="en-US" dirty="0">
+                <a:solidFill>
+                  <a:srgbClr val="000000"/>
+                </a:solidFill>
+                <a:highlight>
+                  <a:srgbClr val="FFFFFF"/>
+                </a:highlight>
+                <a:latin typeface="Consolas"/>
+              </a:rPr>
+              <a:t>&gt;.</a:t>
+            </a:r>
+            <a:r>
+              <a:rPr lang="en-US" dirty="0">
+                <a:solidFill>
+                  <a:srgbClr val="DCDCDC"/>
+                </a:solidFill>
+                <a:highlight>
+                  <a:srgbClr val="FFFFFF"/>
+                </a:highlight>
+                <a:latin typeface="Consolas"/>
+              </a:rPr>
+              <a:t>None</a:t>
+            </a:r>
+            <a:endParaRPr lang="en-US" dirty="0">
+              <a:solidFill>
+                <a:srgbClr val="000000"/>
+              </a:solidFill>
+              <a:highlight>
+                <a:srgbClr val="FFFFFF"/>
+              </a:highlight>
+              <a:latin typeface="Consolas"/>
+            </a:endParaRPr>
+          </a:p>
+          <a:p>
+            <a:pPr marL="0" indent="0">
+              <a:buNone/>
+            </a:pPr>
+            <a:r>
+              <a:rPr lang="en-US" dirty="0">
+                <a:solidFill>
+                  <a:srgbClr val="0000FF"/>
+                </a:solidFill>
+                <a:highlight>
+                  <a:srgbClr val="FFFFFF"/>
+                </a:highlight>
+                <a:latin typeface="Consolas"/>
+              </a:rPr>
+              <a:t>let</a:t>
+            </a:r>
+            <a:r>
+              <a:rPr lang="en-US" dirty="0">
+                <a:solidFill>
+                  <a:srgbClr val="000000"/>
+                </a:solidFill>
+                <a:highlight>
+                  <a:srgbClr val="FFFFFF"/>
+                </a:highlight>
+                <a:latin typeface="Consolas"/>
+              </a:rPr>
+              <a:t> length' </a:t>
+            </a:r>
+            <a:r>
+              <a:rPr lang="en-US" dirty="0">
+                <a:solidFill>
+                  <a:srgbClr val="DCDCDC"/>
+                </a:solidFill>
+                <a:highlight>
+                  <a:srgbClr val="FFFFFF"/>
+                </a:highlight>
+                <a:latin typeface="Consolas"/>
+              </a:rPr>
+              <a:t>=</a:t>
+            </a:r>
+            <a:r>
+              <a:rPr lang="en-US" dirty="0">
+                <a:solidFill>
+                  <a:srgbClr val="000000"/>
+                </a:solidFill>
+                <a:highlight>
+                  <a:srgbClr val="FFFFFF"/>
+                </a:highlight>
+                <a:latin typeface="Consolas"/>
+              </a:rPr>
+              <a:t> </a:t>
+            </a:r>
+            <a:r>
+              <a:rPr lang="en-US" dirty="0" err="1">
+                <a:solidFill>
+                  <a:srgbClr val="000000"/>
+                </a:solidFill>
+                <a:highlight>
+                  <a:srgbClr val="FFFFFF"/>
+                </a:highlight>
+                <a:latin typeface="Consolas"/>
+              </a:rPr>
+              <a:t>s'.Length</a:t>
+            </a:r>
+            <a:r>
+              <a:rPr lang="en-US" dirty="0">
+                <a:solidFill>
+                  <a:srgbClr val="000000"/>
+                </a:solidFill>
+                <a:highlight>
+                  <a:srgbClr val="FFFFFF"/>
+                </a:highlight>
+                <a:latin typeface="Consolas"/>
+              </a:rPr>
+              <a:t> // ERROR</a:t>
+            </a:r>
+            <a:endParaRPr lang="de-DE" dirty="0"/>
+          </a:p>
+        </p:txBody>
+      </p:sp>
+    </p:spTree>
+    <p:extLst>
+      <p:ext uri="{BB962C8B-B14F-4D97-AF65-F5344CB8AC3E}">
+        <p14:creationId xmlns:p14="http://schemas.microsoft.com/office/powerpoint/2010/main" val="1731058063"/>
       </p:ext>
     </p:extLst>
   </p:cSld>

--- a/FSharp.pptx
+++ b/FSharp.pptx
@@ -5,7 +5,7 @@
     <p:sldMasterId id="2147483648" r:id="rId1"/>
   </p:sldMasterIdLst>
   <p:notesMasterIdLst>
-    <p:notesMasterId r:id="rId50"/>
+    <p:notesMasterId r:id="rId53"/>
   </p:notesMasterIdLst>
   <p:sldIdLst>
     <p:sldId id="256" r:id="rId2"/>
@@ -50,12 +50,15 @@
     <p:sldId id="323" r:id="rId41"/>
     <p:sldId id="319" r:id="rId42"/>
     <p:sldId id="270" r:id="rId43"/>
-    <p:sldId id="273" r:id="rId44"/>
-    <p:sldId id="276" r:id="rId45"/>
-    <p:sldId id="278" r:id="rId46"/>
-    <p:sldId id="280" r:id="rId47"/>
-    <p:sldId id="281" r:id="rId48"/>
-    <p:sldId id="283" r:id="rId49"/>
+    <p:sldId id="324" r:id="rId44"/>
+    <p:sldId id="327" r:id="rId45"/>
+    <p:sldId id="325" r:id="rId46"/>
+    <p:sldId id="326" r:id="rId47"/>
+    <p:sldId id="276" r:id="rId48"/>
+    <p:sldId id="278" r:id="rId49"/>
+    <p:sldId id="280" r:id="rId50"/>
+    <p:sldId id="281" r:id="rId51"/>
+    <p:sldId id="283" r:id="rId52"/>
   </p:sldIdLst>
   <p:sldSz cx="9144000" cy="6858000" type="screen4x3"/>
   <p:notesSz cx="6858000" cy="9144000"/>
@@ -5379,7 +5382,7 @@
               <a:t>Tuple</a:t>
             </a:r>
             <a:r>
-              <a:rPr lang="de-DE" sz="1200" b="1" kern="1200">
+              <a:rPr lang="de-DE" sz="1200" b="1" kern="1200" dirty="0">
                 <a:solidFill>
                   <a:schemeClr val="tx1"/>
                 </a:solidFill>
@@ -5598,6 +5601,82 @@
           <a:p>
             <a:r>
               <a:rPr lang="de-DE" dirty="0"/>
+              <a:t>Übung Modul 2: </a:t>
+            </a:r>
+            <a:r>
+              <a:rPr lang="en-US" sz="1200" kern="1200" dirty="0">
+                <a:solidFill>
+                  <a:schemeClr val="tx1"/>
+                </a:solidFill>
+                <a:effectLst/>
+                <a:latin typeface="+mn-lt"/>
+                <a:ea typeface="+mn-ea"/>
+                <a:cs typeface="+mn-cs"/>
+              </a:rPr>
+              <a:t>Record </a:t>
+            </a:r>
+            <a:r>
+              <a:rPr lang="en-US" sz="1200" kern="1200" dirty="0" err="1">
+                <a:solidFill>
+                  <a:schemeClr val="tx1"/>
+                </a:solidFill>
+                <a:effectLst/>
+                <a:latin typeface="+mn-lt"/>
+                <a:ea typeface="+mn-ea"/>
+                <a:cs typeface="+mn-cs"/>
+              </a:rPr>
+              <a:t>Deklaration</a:t>
+            </a:r>
+            <a:r>
+              <a:rPr lang="en-US" sz="1200" kern="1200" dirty="0">
+                <a:solidFill>
+                  <a:schemeClr val="tx1"/>
+                </a:solidFill>
+                <a:effectLst/>
+                <a:latin typeface="+mn-lt"/>
+                <a:ea typeface="+mn-ea"/>
+                <a:cs typeface="+mn-cs"/>
+              </a:rPr>
+              <a:t> und Construction</a:t>
+            </a:r>
+          </a:p>
+          <a:p>
+            <a:pPr marL="0" marR="0" lvl="0" indent="0" algn="l" defTabSz="914400" rtl="0" eaLnBrk="1" fontAlgn="auto" latinLnBrk="0" hangingPunct="1">
+              <a:lnSpc>
+                <a:spcPct val="100000"/>
+              </a:lnSpc>
+              <a:spcBef>
+                <a:spcPts val="0"/>
+              </a:spcBef>
+              <a:spcAft>
+                <a:spcPts val="0"/>
+              </a:spcAft>
+              <a:buClrTx/>
+              <a:buSzTx/>
+              <a:buFontTx/>
+              <a:buNone/>
+              <a:tabLst/>
+              <a:defRPr/>
+            </a:pPr>
+            <a:r>
+              <a:rPr lang="de-DE" dirty="0"/>
+              <a:t>Keine </a:t>
+            </a:r>
+            <a:r>
+              <a:rPr lang="de-DE" dirty="0" err="1"/>
+              <a:t>Adhoc</a:t>
+            </a:r>
+            <a:r>
+              <a:rPr lang="de-DE" dirty="0"/>
+              <a:t> Erstellung</a:t>
+            </a:r>
+          </a:p>
+          <a:p>
+            <a:endParaRPr lang="de-DE" dirty="0"/>
+          </a:p>
+          <a:p>
+            <a:r>
+              <a:rPr lang="de-DE" dirty="0"/>
               <a:t>Ich kann pro Deklaration</a:t>
             </a:r>
             <a:r>
@@ -5690,47 +5769,54 @@
           <a:p>
             <a:r>
               <a:rPr lang="de-DE" dirty="0"/>
-              <a:t>Zwei </a:t>
-            </a:r>
-            <a:r>
-              <a:rPr lang="de-DE" dirty="0" err="1"/>
-              <a:t>named</a:t>
-            </a:r>
-            <a:r>
-              <a:rPr lang="de-DE" dirty="0"/>
-              <a:t> </a:t>
-            </a:r>
-            <a:r>
-              <a:rPr lang="de-DE" dirty="0" err="1"/>
-              <a:t>tuples</a:t>
-            </a:r>
-            <a:r>
-              <a:rPr lang="de-DE" dirty="0"/>
-              <a:t> (also </a:t>
-            </a:r>
-            <a:r>
-              <a:rPr lang="de-DE" dirty="0" err="1"/>
-              <a:t>record</a:t>
+              <a:t>Übung Modul 2: </a:t>
+            </a:r>
+            <a:r>
+              <a:rPr lang="en-US" sz="1200" kern="1200" dirty="0">
+                <a:solidFill>
+                  <a:schemeClr val="tx1"/>
+                </a:solidFill>
+                <a:effectLst/>
+                <a:latin typeface="+mn-lt"/>
+                <a:ea typeface="+mn-ea"/>
+                <a:cs typeface="+mn-cs"/>
+              </a:rPr>
+              <a:t>Record </a:t>
+            </a:r>
+            <a:r>
+              <a:rPr lang="en-US" sz="1200" kern="1200" dirty="0" err="1">
+                <a:solidFill>
+                  <a:schemeClr val="tx1"/>
+                </a:solidFill>
+                <a:effectLst/>
+                <a:latin typeface="+mn-lt"/>
+                <a:ea typeface="+mn-ea"/>
+                <a:cs typeface="+mn-cs"/>
+              </a:rPr>
+              <a:t>Deklaration</a:t>
+            </a:r>
+            <a:r>
+              <a:rPr lang="en-US" sz="1200" kern="1200" dirty="0">
+                <a:solidFill>
+                  <a:schemeClr val="tx1"/>
+                </a:solidFill>
+                <a:effectLst/>
+                <a:latin typeface="+mn-lt"/>
+                <a:ea typeface="+mn-ea"/>
+                <a:cs typeface="+mn-cs"/>
+              </a:rPr>
+              <a:t> und Construction</a:t>
+            </a:r>
+            <a:endParaRPr lang="de-DE" dirty="0"/>
+          </a:p>
+          <a:p>
+            <a:r>
+              <a:rPr lang="de-DE" dirty="0"/>
+              <a:t>Ich kann pro Deklaration</a:t>
             </a:r>
             <a:r>
               <a:rPr lang="de-DE" baseline="0" dirty="0"/>
-              <a:t> </a:t>
-            </a:r>
-            <a:r>
-              <a:rPr lang="de-DE" baseline="0" dirty="0" err="1"/>
-              <a:t>types</a:t>
-            </a:r>
-            <a:r>
-              <a:rPr lang="de-DE" baseline="0" dirty="0"/>
-              <a:t>)</a:t>
-            </a:r>
-            <a:r>
-              <a:rPr lang="de-DE" dirty="0"/>
-              <a:t> können nur dann vergleichbar</a:t>
-            </a:r>
-            <a:r>
-              <a:rPr lang="de-DE" baseline="0" dirty="0"/>
-              <a:t> sein wenn diese den gleichen Namen haben UND über die gleichen Werte verfüge</a:t>
+              <a:t> eine andere Funktion angeben.  Reihenfolge der Deklarationen ist nicht relevant.</a:t>
             </a:r>
             <a:endParaRPr lang="en-US" dirty="0"/>
           </a:p>
@@ -5762,7 +5848,7 @@
     </p:spTree>
     <p:extLst>
       <p:ext uri="{BB962C8B-B14F-4D97-AF65-F5344CB8AC3E}">
-        <p14:creationId xmlns:p14="http://schemas.microsoft.com/office/powerpoint/2010/main" val="3235457770"/>
+        <p14:creationId xmlns:p14="http://schemas.microsoft.com/office/powerpoint/2010/main" val="4249111469"/>
       </p:ext>
     </p:extLst>
   </p:cSld>
@@ -5818,117 +5904,54 @@
           <a:p>
             <a:r>
               <a:rPr lang="de-DE" dirty="0"/>
-              <a:t>Und da Ausdrucke </a:t>
-            </a:r>
-            <a:r>
-              <a:rPr lang="de-DE" dirty="0" err="1"/>
-              <a:t>immutable</a:t>
-            </a:r>
-            <a:r>
-              <a:rPr lang="de-DE" dirty="0"/>
-              <a:t> sind, ändert sich der Wert nicht.  Bitte nicht mit einem Variant (vb.net) verwechseln</a:t>
-            </a:r>
-          </a:p>
-          <a:p>
-            <a:r>
-              <a:rPr lang="de-DE" dirty="0"/>
-              <a:t>DU ist das ganze.  Die einzelnen möglichen Werte heißen Union</a:t>
+              <a:t>Übung Modul 2: </a:t>
+            </a:r>
+            <a:r>
+              <a:rPr lang="en-US" sz="1200" kern="1200" dirty="0">
+                <a:solidFill>
+                  <a:schemeClr val="tx1"/>
+                </a:solidFill>
+                <a:effectLst/>
+                <a:latin typeface="+mn-lt"/>
+                <a:ea typeface="+mn-ea"/>
+                <a:cs typeface="+mn-cs"/>
+              </a:rPr>
+              <a:t>Record </a:t>
+            </a:r>
+            <a:r>
+              <a:rPr lang="en-US" sz="1200" kern="1200" dirty="0" err="1">
+                <a:solidFill>
+                  <a:schemeClr val="tx1"/>
+                </a:solidFill>
+                <a:effectLst/>
+                <a:latin typeface="+mn-lt"/>
+                <a:ea typeface="+mn-ea"/>
+                <a:cs typeface="+mn-cs"/>
+              </a:rPr>
+              <a:t>Deklaration</a:t>
+            </a:r>
+            <a:r>
+              <a:rPr lang="en-US" sz="1200" kern="1200" dirty="0">
+                <a:solidFill>
+                  <a:schemeClr val="tx1"/>
+                </a:solidFill>
+                <a:effectLst/>
+                <a:latin typeface="+mn-lt"/>
+                <a:ea typeface="+mn-ea"/>
+                <a:cs typeface="+mn-cs"/>
+              </a:rPr>
+              <a:t> und Construction</a:t>
+            </a:r>
+            <a:endParaRPr lang="de-DE" dirty="0"/>
+          </a:p>
+          <a:p>
+            <a:r>
+              <a:rPr lang="de-DE" dirty="0"/>
+              <a:t>Ich kann pro Deklaration</a:t>
             </a:r>
             <a:r>
               <a:rPr lang="de-DE" baseline="0" dirty="0"/>
-              <a:t> Case</a:t>
-            </a:r>
-          </a:p>
-          <a:p>
-            <a:r>
-              <a:rPr lang="de-DE" baseline="0" dirty="0"/>
-              <a:t>Empty Case </a:t>
-            </a:r>
-            <a:r>
-              <a:rPr lang="de-DE" baseline="0" dirty="0" err="1"/>
-              <a:t>is</a:t>
-            </a:r>
-            <a:r>
-              <a:rPr lang="de-DE" baseline="0" dirty="0"/>
-              <a:t> </a:t>
-            </a:r>
-            <a:r>
-              <a:rPr lang="de-DE" baseline="0" dirty="0" err="1"/>
-              <a:t>possible</a:t>
-            </a:r>
-            <a:r>
-              <a:rPr lang="de-DE" baseline="0" dirty="0"/>
-              <a:t>.  Wenn es nur Empty </a:t>
-            </a:r>
-            <a:r>
-              <a:rPr lang="de-DE" baseline="0" dirty="0" err="1"/>
-              <a:t>cases</a:t>
-            </a:r>
-            <a:r>
-              <a:rPr lang="de-DE" baseline="0" dirty="0"/>
-              <a:t> gibt, dann handelt es sich um einen „</a:t>
-            </a:r>
-            <a:r>
-              <a:rPr lang="de-DE" baseline="0" dirty="0" err="1"/>
-              <a:t>Enum</a:t>
-            </a:r>
-            <a:r>
-              <a:rPr lang="de-DE" baseline="0" dirty="0"/>
-              <a:t> Style“ DU.  Ein „Echter“ </a:t>
-            </a:r>
-            <a:r>
-              <a:rPr lang="de-DE" baseline="0" dirty="0" err="1"/>
-              <a:t>Enum</a:t>
-            </a:r>
-            <a:r>
-              <a:rPr lang="de-DE" baseline="0" dirty="0"/>
-              <a:t> aber muss anders definiert werden um das gleiche zu erhalten was das IL darstellt wenn ich in C# einen </a:t>
-            </a:r>
-            <a:r>
-              <a:rPr lang="de-DE" baseline="0" dirty="0" err="1"/>
-              <a:t>Enum</a:t>
-            </a:r>
-            <a:r>
-              <a:rPr lang="de-DE" baseline="0" dirty="0"/>
-              <a:t> definiere</a:t>
-            </a:r>
-          </a:p>
-          <a:p>
-            <a:r>
-              <a:rPr lang="de-DE" baseline="0" dirty="0"/>
-              <a:t>Single Case gibt es auch und sind sehr schön zu verwenden um Werte die eine bestimmte Funktion in meinem Domain haben darzustellen.  Z.B. </a:t>
-            </a:r>
-            <a:r>
-              <a:rPr lang="de-DE" baseline="0" dirty="0" err="1"/>
-              <a:t>int</a:t>
-            </a:r>
-            <a:r>
-              <a:rPr lang="de-DE" baseline="0" dirty="0"/>
-              <a:t> als </a:t>
-            </a:r>
-            <a:r>
-              <a:rPr lang="de-DE" baseline="0" dirty="0" err="1"/>
-              <a:t>KundeID</a:t>
-            </a:r>
-            <a:r>
-              <a:rPr lang="de-DE" baseline="0" dirty="0"/>
-              <a:t> und </a:t>
-            </a:r>
-            <a:r>
-              <a:rPr lang="de-DE" baseline="0" dirty="0" err="1"/>
-              <a:t>ProduktID</a:t>
-            </a:r>
-            <a:r>
-              <a:rPr lang="de-DE" baseline="0" dirty="0"/>
-              <a:t>.  Dann ist es kein </a:t>
-            </a:r>
-            <a:r>
-              <a:rPr lang="de-DE" baseline="0" dirty="0" err="1"/>
-              <a:t>int</a:t>
-            </a:r>
-            <a:r>
-              <a:rPr lang="de-DE" baseline="0" dirty="0"/>
-              <a:t> mehr sondern das genannte typ und ich kann diese z.B. nicht mehr vergleichen</a:t>
+              <a:t> eine andere Funktion angeben.  Reihenfolge der Deklarationen ist nicht relevant.</a:t>
             </a:r>
             <a:endParaRPr lang="en-US" dirty="0"/>
           </a:p>
@@ -5960,7 +5983,7 @@
     </p:spTree>
     <p:extLst>
       <p:ext uri="{BB962C8B-B14F-4D97-AF65-F5344CB8AC3E}">
-        <p14:creationId xmlns:p14="http://schemas.microsoft.com/office/powerpoint/2010/main" val="3285654297"/>
+        <p14:creationId xmlns:p14="http://schemas.microsoft.com/office/powerpoint/2010/main" val="404333598"/>
       </p:ext>
     </p:extLst>
   </p:cSld>
@@ -6016,19 +6039,42 @@
           <a:p>
             <a:r>
               <a:rPr lang="de-DE" dirty="0"/>
-              <a:t>In DDD (Domain </a:t>
-            </a:r>
-            <a:r>
-              <a:rPr lang="de-DE" dirty="0" err="1"/>
-              <a:t>Driven</a:t>
-            </a:r>
-            <a:r>
-              <a:rPr lang="de-DE" dirty="0"/>
-              <a:t> Design) spielen diese oft eine wichtige Rolle.  Z.B. kann ich dadurch Primitives</a:t>
+              <a:t>Übung Modul 2: </a:t>
+            </a:r>
+            <a:r>
+              <a:rPr lang="de-DE" sz="1200" kern="1200" dirty="0" err="1">
+                <a:solidFill>
+                  <a:schemeClr val="tx1"/>
+                </a:solidFill>
+                <a:effectLst/>
+                <a:latin typeface="+mn-lt"/>
+                <a:ea typeface="+mn-ea"/>
+                <a:cs typeface="+mn-cs"/>
+              </a:rPr>
+              <a:t>Record</a:t>
+            </a:r>
+            <a:r>
+              <a:rPr lang="de-DE" sz="1200" kern="1200" dirty="0">
+                <a:solidFill>
+                  <a:schemeClr val="tx1"/>
+                </a:solidFill>
+                <a:effectLst/>
+                <a:latin typeface="+mn-lt"/>
+                <a:ea typeface="+mn-ea"/>
+                <a:cs typeface="+mn-cs"/>
+              </a:rPr>
+              <a:t> Zerlegung und Klonen</a:t>
+            </a:r>
+            <a:endParaRPr lang="de-DE" dirty="0"/>
+          </a:p>
+          <a:p>
+            <a:r>
+              <a:rPr lang="de-DE" dirty="0"/>
+              <a:t>Ich kann pro Deklaration</a:t>
             </a:r>
             <a:r>
               <a:rPr lang="de-DE" baseline="0" dirty="0"/>
-              <a:t> so definieren dass diese untereinander nicht „kompatibel“ sind, auch wenn diese vom gleichen Typ sind.</a:t>
+              <a:t> eine andere Funktion angeben.  Reihenfolge der Deklarationen ist nicht relevant.</a:t>
             </a:r>
             <a:endParaRPr lang="en-US" dirty="0"/>
           </a:p>
@@ -6060,7 +6106,7 @@
     </p:spTree>
     <p:extLst>
       <p:ext uri="{BB962C8B-B14F-4D97-AF65-F5344CB8AC3E}">
-        <p14:creationId xmlns:p14="http://schemas.microsoft.com/office/powerpoint/2010/main" val="2117330388"/>
+        <p14:creationId xmlns:p14="http://schemas.microsoft.com/office/powerpoint/2010/main" val="250556038"/>
       </p:ext>
     </p:extLst>
   </p:cSld>
@@ -6115,38 +6161,54 @@
           <a:lstStyle/>
           <a:p>
             <a:r>
-              <a:rPr lang="de-DE" dirty="0"/>
-              <a:t>In </a:t>
-            </a:r>
-            <a:r>
-              <a:rPr lang="de-DE" dirty="0" err="1"/>
-              <a:t>Haskel</a:t>
-            </a:r>
-            <a:r>
-              <a:rPr lang="de-DE" dirty="0"/>
-              <a:t> heißt dieser Typ </a:t>
-            </a:r>
-            <a:r>
-              <a:rPr lang="de-DE" dirty="0" err="1"/>
-              <a:t>Maybe</a:t>
-            </a:r>
-            <a:r>
-              <a:rPr lang="de-DE" dirty="0"/>
-              <a:t>, in Scala heißt</a:t>
-            </a:r>
-            <a:r>
-              <a:rPr lang="de-DE" baseline="0" dirty="0"/>
-              <a:t> es auch </a:t>
-            </a:r>
-            <a:r>
-              <a:rPr lang="de-DE" baseline="0" dirty="0" err="1"/>
-              <a:t>option</a:t>
-            </a:r>
-            <a:r>
-              <a:rPr lang="de-DE" baseline="0" dirty="0"/>
-              <a:t>.</a:t>
-            </a:r>
-            <a:endParaRPr lang="en-US" dirty="0"/>
+              <a:rPr lang="de-DE" sz="1200" kern="1200" dirty="0">
+                <a:solidFill>
+                  <a:schemeClr val="tx1"/>
+                </a:solidFill>
+                <a:effectLst/>
+                <a:latin typeface="+mn-lt"/>
+                <a:ea typeface="+mn-ea"/>
+                <a:cs typeface="+mn-cs"/>
+              </a:rPr>
+              <a:t>Übung Modul 2: </a:t>
+            </a:r>
+            <a:r>
+              <a:rPr lang="de-DE" sz="1200" kern="1200" dirty="0" err="1">
+                <a:solidFill>
+                  <a:schemeClr val="tx1"/>
+                </a:solidFill>
+                <a:effectLst/>
+                <a:latin typeface="+mn-lt"/>
+                <a:ea typeface="+mn-ea"/>
+                <a:cs typeface="+mn-cs"/>
+              </a:rPr>
+              <a:t>Record</a:t>
+            </a:r>
+            <a:r>
+              <a:rPr lang="de-DE" sz="1200" kern="1200" dirty="0">
+                <a:solidFill>
+                  <a:schemeClr val="tx1"/>
+                </a:solidFill>
+                <a:effectLst/>
+                <a:latin typeface="+mn-lt"/>
+                <a:ea typeface="+mn-ea"/>
+                <a:cs typeface="+mn-cs"/>
+              </a:rPr>
+              <a:t> Pattern </a:t>
+            </a:r>
+            <a:r>
+              <a:rPr lang="de-DE" sz="1200" kern="1200" dirty="0" err="1">
+                <a:solidFill>
+                  <a:schemeClr val="tx1"/>
+                </a:solidFill>
+                <a:effectLst/>
+                <a:latin typeface="+mn-lt"/>
+                <a:ea typeface="+mn-ea"/>
+                <a:cs typeface="+mn-cs"/>
+              </a:rPr>
+              <a:t>Matching</a:t>
+            </a:r>
+            <a:endParaRPr lang="de-DE" dirty="0"/>
           </a:p>
         </p:txBody>
       </p:sp>
@@ -6176,7 +6238,7 @@
     </p:spTree>
     <p:extLst>
       <p:ext uri="{BB962C8B-B14F-4D97-AF65-F5344CB8AC3E}">
-        <p14:creationId xmlns:p14="http://schemas.microsoft.com/office/powerpoint/2010/main" val="1558731010"/>
+        <p14:creationId xmlns:p14="http://schemas.microsoft.com/office/powerpoint/2010/main" val="2002878727"/>
       </p:ext>
     </p:extLst>
   </p:cSld>
@@ -6232,61 +6294,118 @@
           <a:p>
             <a:r>
               <a:rPr lang="de-DE" dirty="0"/>
-              <a:t>null</a:t>
+              <a:t>Und da Ausdrucke </a:t>
+            </a:r>
+            <a:r>
+              <a:rPr lang="de-DE" dirty="0" err="1"/>
+              <a:t>immutable</a:t>
+            </a:r>
+            <a:r>
+              <a:rPr lang="de-DE" dirty="0"/>
+              <a:t> sind, ändert sich der Wert nicht.  Bitte nicht mit einem Variant (vb.net) verwechseln</a:t>
+            </a:r>
+          </a:p>
+          <a:p>
+            <a:r>
+              <a:rPr lang="de-DE" dirty="0"/>
+              <a:t>DU ist das ganze.  Die einzelnen möglichen Werte heißen Union</a:t>
             </a:r>
             <a:r>
               <a:rPr lang="de-DE" baseline="0" dirty="0"/>
-              <a:t> ist eine Reference zu einem nicht-vorhandenen Objekt</a:t>
-            </a:r>
-          </a:p>
-          <a:p>
-            <a:pPr marL="0" marR="0" indent="0" algn="l" defTabSz="914400" rtl="0" eaLnBrk="1" fontAlgn="auto" latinLnBrk="0" hangingPunct="1">
-              <a:lnSpc>
-                <a:spcPct val="100000"/>
-              </a:lnSpc>
-              <a:spcBef>
-                <a:spcPts val="0"/>
-              </a:spcBef>
-              <a:spcAft>
-                <a:spcPts val="0"/>
-              </a:spcAft>
-              <a:buClrTx/>
-              <a:buSzTx/>
-              <a:buFontTx/>
-              <a:buNone/>
-              <a:tabLst/>
-              <a:defRPr/>
-            </a:pPr>
-            <a:r>
-              <a:rPr lang="de-DE" dirty="0"/>
-              <a:t>null</a:t>
-            </a:r>
+              <a:t> Case</a:t>
+            </a:r>
+          </a:p>
+          <a:p>
             <a:r>
               <a:rPr lang="de-DE" baseline="0" dirty="0"/>
-              <a:t> hat den gleichen Typ, ich kann </a:t>
-            </a:r>
-            <a:r>
-              <a:rPr lang="de-DE" baseline="0" dirty="0" err="1">
-                <a:solidFill>
-                  <a:schemeClr val="accent2">
-                    <a:lumMod val="75000"/>
-                  </a:schemeClr>
-                </a:solidFill>
-              </a:rPr>
-              <a:t>Length</a:t>
-            </a:r>
-            <a:r>
-              <a:rPr lang="de-DE" baseline="0" dirty="0">
-                <a:solidFill>
-                  <a:schemeClr val="accent2">
-                    <a:lumMod val="75000"/>
-                  </a:schemeClr>
-                </a:solidFill>
-              </a:rPr>
-              <a:t> aufrufen auf einen Reference zu Nichts!</a:t>
-            </a:r>
-          </a:p>
-          <a:p>
+              <a:t>Empty Case </a:t>
+            </a:r>
+            <a:r>
+              <a:rPr lang="de-DE" baseline="0" dirty="0" err="1"/>
+              <a:t>is</a:t>
+            </a:r>
+            <a:r>
+              <a:rPr lang="de-DE" baseline="0" dirty="0"/>
+              <a:t> </a:t>
+            </a:r>
+            <a:r>
+              <a:rPr lang="de-DE" baseline="0" dirty="0" err="1"/>
+              <a:t>possible</a:t>
+            </a:r>
+            <a:r>
+              <a:rPr lang="de-DE" baseline="0" dirty="0"/>
+              <a:t>.  Wenn es nur Empty </a:t>
+            </a:r>
+            <a:r>
+              <a:rPr lang="de-DE" baseline="0" dirty="0" err="1"/>
+              <a:t>cases</a:t>
+            </a:r>
+            <a:r>
+              <a:rPr lang="de-DE" baseline="0" dirty="0"/>
+              <a:t> gibt, dann handelt es sich um einen „</a:t>
+            </a:r>
+            <a:r>
+              <a:rPr lang="de-DE" baseline="0" dirty="0" err="1"/>
+              <a:t>Enum</a:t>
+            </a:r>
+            <a:r>
+              <a:rPr lang="de-DE" baseline="0" dirty="0"/>
+              <a:t> Style“ DU.  Ein „Echter“ </a:t>
+            </a:r>
+            <a:r>
+              <a:rPr lang="de-DE" baseline="0" dirty="0" err="1"/>
+              <a:t>Enum</a:t>
+            </a:r>
+            <a:r>
+              <a:rPr lang="de-DE" baseline="0" dirty="0"/>
+              <a:t> aber muss anders definiert werden um das gleiche zu erhalten was das IL darstellt wenn ich in C# einen </a:t>
+            </a:r>
+            <a:r>
+              <a:rPr lang="de-DE" baseline="0" dirty="0" err="1"/>
+              <a:t>Enum</a:t>
+            </a:r>
+            <a:r>
+              <a:rPr lang="de-DE" baseline="0" dirty="0"/>
+              <a:t> definiere</a:t>
+            </a:r>
+          </a:p>
+          <a:p>
+            <a:r>
+              <a:rPr lang="de-DE" baseline="0" dirty="0"/>
+              <a:t>Single Case gibt es auch und sind sehr schön zu verwenden um Werte die eine bestimmte Funktion in meinem Domain haben darzustellen.  Z.B. </a:t>
+            </a:r>
+            <a:r>
+              <a:rPr lang="de-DE" baseline="0" dirty="0" err="1"/>
+              <a:t>int</a:t>
+            </a:r>
+            <a:r>
+              <a:rPr lang="de-DE" baseline="0" dirty="0"/>
+              <a:t> als </a:t>
+            </a:r>
+            <a:r>
+              <a:rPr lang="de-DE" baseline="0" dirty="0" err="1"/>
+              <a:t>KundeID</a:t>
+            </a:r>
+            <a:r>
+              <a:rPr lang="de-DE" baseline="0" dirty="0"/>
+              <a:t> und </a:t>
+            </a:r>
+            <a:r>
+              <a:rPr lang="de-DE" baseline="0" dirty="0" err="1"/>
+              <a:t>ProduktID</a:t>
+            </a:r>
+            <a:r>
+              <a:rPr lang="de-DE" baseline="0" dirty="0"/>
+              <a:t>.  Dann ist es kein </a:t>
+            </a:r>
+            <a:r>
+              <a:rPr lang="de-DE" baseline="0" dirty="0" err="1"/>
+              <a:t>int</a:t>
+            </a:r>
+            <a:r>
+              <a:rPr lang="de-DE" baseline="0" dirty="0"/>
+              <a:t> mehr sondern das genannte typ und ich kann diese z.B. nicht mehr vergleichen</a:t>
+            </a:r>
             <a:endParaRPr lang="en-US" dirty="0"/>
           </a:p>
         </p:txBody>
@@ -6317,7 +6436,7 @@
     </p:spTree>
     <p:extLst>
       <p:ext uri="{BB962C8B-B14F-4D97-AF65-F5344CB8AC3E}">
-        <p14:creationId xmlns:p14="http://schemas.microsoft.com/office/powerpoint/2010/main" val="2749551638"/>
+        <p14:creationId xmlns:p14="http://schemas.microsoft.com/office/powerpoint/2010/main" val="3285654297"/>
       </p:ext>
     </p:extLst>
   </p:cSld>
@@ -6373,6 +6492,363 @@
           <a:p>
             <a:r>
               <a:rPr lang="de-DE" dirty="0"/>
+              <a:t>In DDD (Domain </a:t>
+            </a:r>
+            <a:r>
+              <a:rPr lang="de-DE" dirty="0" err="1"/>
+              <a:t>Driven</a:t>
+            </a:r>
+            <a:r>
+              <a:rPr lang="de-DE" dirty="0"/>
+              <a:t> Design) spielen diese oft eine wichtige Rolle.  Z.B. kann ich dadurch Primitives</a:t>
+            </a:r>
+            <a:r>
+              <a:rPr lang="de-DE" baseline="0" dirty="0"/>
+              <a:t> so definieren dass diese untereinander nicht „kompatibel“ sind, auch wenn diese vom gleichen Typ sind.</a:t>
+            </a:r>
+            <a:endParaRPr lang="en-US" dirty="0"/>
+          </a:p>
+        </p:txBody>
+      </p:sp>
+      <p:sp>
+        <p:nvSpPr>
+          <p:cNvPr id="4" name="Slide Number Placeholder 3"/>
+          <p:cNvSpPr>
+            <a:spLocks noGrp="1"/>
+          </p:cNvSpPr>
+          <p:nvPr>
+            <p:ph type="sldNum" sz="quarter" idx="10"/>
+          </p:nvPr>
+        </p:nvSpPr>
+        <p:spPr/>
+        <p:txBody>
+          <a:bodyPr/>
+          <a:lstStyle/>
+          <a:p>
+            <a:fld id="{4775FDF9-2A53-4261-A0AF-3B6A9698D365}" type="slidenum">
+              <a:rPr lang="en-US" smtClean="0"/>
+              <a:t>48</a:t>
+            </a:fld>
+            <a:endParaRPr lang="en-US"/>
+          </a:p>
+        </p:txBody>
+      </p:sp>
+    </p:spTree>
+    <p:extLst>
+      <p:ext uri="{BB962C8B-B14F-4D97-AF65-F5344CB8AC3E}">
+        <p14:creationId xmlns:p14="http://schemas.microsoft.com/office/powerpoint/2010/main" val="2117330388"/>
+      </p:ext>
+    </p:extLst>
+  </p:cSld>
+  <p:clrMapOvr>
+    <a:masterClrMapping/>
+  </p:clrMapOvr>
+</p:notes>
+</file>
+
+<file path=ppt/notesSlides/notesSlide47.xml><?xml version="1.0" encoding="utf-8"?>
+<p:notes xmlns:a="http://schemas.openxmlformats.org/drawingml/2006/main" xmlns:r="http://schemas.openxmlformats.org/officeDocument/2006/relationships" xmlns:p="http://schemas.openxmlformats.org/presentationml/2006/main">
+  <p:cSld>
+    <p:spTree>
+      <p:nvGrpSpPr>
+        <p:cNvPr id="1" name=""/>
+        <p:cNvGrpSpPr/>
+        <p:nvPr/>
+      </p:nvGrpSpPr>
+      <p:grpSpPr>
+        <a:xfrm>
+          <a:off x="0" y="0"/>
+          <a:ext cx="0" cy="0"/>
+          <a:chOff x="0" y="0"/>
+          <a:chExt cx="0" cy="0"/>
+        </a:xfrm>
+      </p:grpSpPr>
+      <p:sp>
+        <p:nvSpPr>
+          <p:cNvPr id="2" name="Slide Image Placeholder 1"/>
+          <p:cNvSpPr>
+            <a:spLocks noGrp="1" noRot="1" noChangeAspect="1"/>
+          </p:cNvSpPr>
+          <p:nvPr>
+            <p:ph type="sldImg"/>
+          </p:nvPr>
+        </p:nvSpPr>
+        <p:spPr/>
+      </p:sp>
+      <p:sp>
+        <p:nvSpPr>
+          <p:cNvPr id="3" name="Notes Placeholder 2"/>
+          <p:cNvSpPr>
+            <a:spLocks noGrp="1"/>
+          </p:cNvSpPr>
+          <p:nvPr>
+            <p:ph type="body" idx="1"/>
+          </p:nvPr>
+        </p:nvSpPr>
+        <p:spPr/>
+        <p:txBody>
+          <a:bodyPr/>
+          <a:lstStyle/>
+          <a:p>
+            <a:r>
+              <a:rPr lang="de-DE" dirty="0"/>
+              <a:t>In </a:t>
+            </a:r>
+            <a:r>
+              <a:rPr lang="de-DE" dirty="0" err="1"/>
+              <a:t>Haskel</a:t>
+            </a:r>
+            <a:r>
+              <a:rPr lang="de-DE" dirty="0"/>
+              <a:t> heißt dieser Typ </a:t>
+            </a:r>
+            <a:r>
+              <a:rPr lang="de-DE" dirty="0" err="1"/>
+              <a:t>Maybe</a:t>
+            </a:r>
+            <a:r>
+              <a:rPr lang="de-DE" dirty="0"/>
+              <a:t>, in Scala heißt</a:t>
+            </a:r>
+            <a:r>
+              <a:rPr lang="de-DE" baseline="0" dirty="0"/>
+              <a:t> es auch </a:t>
+            </a:r>
+            <a:r>
+              <a:rPr lang="de-DE" baseline="0" dirty="0" err="1"/>
+              <a:t>option</a:t>
+            </a:r>
+            <a:r>
+              <a:rPr lang="de-DE" baseline="0" dirty="0"/>
+              <a:t>.</a:t>
+            </a:r>
+            <a:endParaRPr lang="en-US" dirty="0"/>
+          </a:p>
+        </p:txBody>
+      </p:sp>
+      <p:sp>
+        <p:nvSpPr>
+          <p:cNvPr id="4" name="Slide Number Placeholder 3"/>
+          <p:cNvSpPr>
+            <a:spLocks noGrp="1"/>
+          </p:cNvSpPr>
+          <p:nvPr>
+            <p:ph type="sldNum" sz="quarter" idx="10"/>
+          </p:nvPr>
+        </p:nvSpPr>
+        <p:spPr/>
+        <p:txBody>
+          <a:bodyPr/>
+          <a:lstStyle/>
+          <a:p>
+            <a:fld id="{4775FDF9-2A53-4261-A0AF-3B6A9698D365}" type="slidenum">
+              <a:rPr lang="en-US" smtClean="0"/>
+              <a:t>49</a:t>
+            </a:fld>
+            <a:endParaRPr lang="en-US"/>
+          </a:p>
+        </p:txBody>
+      </p:sp>
+    </p:spTree>
+    <p:extLst>
+      <p:ext uri="{BB962C8B-B14F-4D97-AF65-F5344CB8AC3E}">
+        <p14:creationId xmlns:p14="http://schemas.microsoft.com/office/powerpoint/2010/main" val="1558731010"/>
+      </p:ext>
+    </p:extLst>
+  </p:cSld>
+  <p:clrMapOvr>
+    <a:masterClrMapping/>
+  </p:clrMapOvr>
+</p:notes>
+</file>
+
+<file path=ppt/notesSlides/notesSlide48.xml><?xml version="1.0" encoding="utf-8"?>
+<p:notes xmlns:a="http://schemas.openxmlformats.org/drawingml/2006/main" xmlns:r="http://schemas.openxmlformats.org/officeDocument/2006/relationships" xmlns:p="http://schemas.openxmlformats.org/presentationml/2006/main">
+  <p:cSld>
+    <p:spTree>
+      <p:nvGrpSpPr>
+        <p:cNvPr id="1" name=""/>
+        <p:cNvGrpSpPr/>
+        <p:nvPr/>
+      </p:nvGrpSpPr>
+      <p:grpSpPr>
+        <a:xfrm>
+          <a:off x="0" y="0"/>
+          <a:ext cx="0" cy="0"/>
+          <a:chOff x="0" y="0"/>
+          <a:chExt cx="0" cy="0"/>
+        </a:xfrm>
+      </p:grpSpPr>
+      <p:sp>
+        <p:nvSpPr>
+          <p:cNvPr id="2" name="Slide Image Placeholder 1"/>
+          <p:cNvSpPr>
+            <a:spLocks noGrp="1" noRot="1" noChangeAspect="1"/>
+          </p:cNvSpPr>
+          <p:nvPr>
+            <p:ph type="sldImg"/>
+          </p:nvPr>
+        </p:nvSpPr>
+        <p:spPr/>
+      </p:sp>
+      <p:sp>
+        <p:nvSpPr>
+          <p:cNvPr id="3" name="Notes Placeholder 2"/>
+          <p:cNvSpPr>
+            <a:spLocks noGrp="1"/>
+          </p:cNvSpPr>
+          <p:nvPr>
+            <p:ph type="body" idx="1"/>
+          </p:nvPr>
+        </p:nvSpPr>
+        <p:spPr/>
+        <p:txBody>
+          <a:bodyPr/>
+          <a:lstStyle/>
+          <a:p>
+            <a:r>
+              <a:rPr lang="de-DE" dirty="0"/>
+              <a:t>null</a:t>
+            </a:r>
+            <a:r>
+              <a:rPr lang="de-DE" baseline="0" dirty="0"/>
+              <a:t> ist eine Reference zu einem nicht-vorhandenen Objekt</a:t>
+            </a:r>
+          </a:p>
+          <a:p>
+            <a:pPr marL="0" marR="0" indent="0" algn="l" defTabSz="914400" rtl="0" eaLnBrk="1" fontAlgn="auto" latinLnBrk="0" hangingPunct="1">
+              <a:lnSpc>
+                <a:spcPct val="100000"/>
+              </a:lnSpc>
+              <a:spcBef>
+                <a:spcPts val="0"/>
+              </a:spcBef>
+              <a:spcAft>
+                <a:spcPts val="0"/>
+              </a:spcAft>
+              <a:buClrTx/>
+              <a:buSzTx/>
+              <a:buFontTx/>
+              <a:buNone/>
+              <a:tabLst/>
+              <a:defRPr/>
+            </a:pPr>
+            <a:r>
+              <a:rPr lang="de-DE" dirty="0"/>
+              <a:t>null</a:t>
+            </a:r>
+            <a:r>
+              <a:rPr lang="de-DE" baseline="0" dirty="0"/>
+              <a:t> hat den gleichen Typ, ich kann </a:t>
+            </a:r>
+            <a:r>
+              <a:rPr lang="de-DE" baseline="0" dirty="0" err="1">
+                <a:solidFill>
+                  <a:schemeClr val="accent2">
+                    <a:lumMod val="75000"/>
+                  </a:schemeClr>
+                </a:solidFill>
+              </a:rPr>
+              <a:t>Length</a:t>
+            </a:r>
+            <a:r>
+              <a:rPr lang="de-DE" baseline="0" dirty="0">
+                <a:solidFill>
+                  <a:schemeClr val="accent2">
+                    <a:lumMod val="75000"/>
+                  </a:schemeClr>
+                </a:solidFill>
+              </a:rPr>
+              <a:t> aufrufen auf einen Reference zu Nichts!</a:t>
+            </a:r>
+          </a:p>
+          <a:p>
+            <a:endParaRPr lang="en-US" dirty="0"/>
+          </a:p>
+        </p:txBody>
+      </p:sp>
+      <p:sp>
+        <p:nvSpPr>
+          <p:cNvPr id="4" name="Slide Number Placeholder 3"/>
+          <p:cNvSpPr>
+            <a:spLocks noGrp="1"/>
+          </p:cNvSpPr>
+          <p:nvPr>
+            <p:ph type="sldNum" sz="quarter" idx="10"/>
+          </p:nvPr>
+        </p:nvSpPr>
+        <p:spPr/>
+        <p:txBody>
+          <a:bodyPr/>
+          <a:lstStyle/>
+          <a:p>
+            <a:fld id="{4775FDF9-2A53-4261-A0AF-3B6A9698D365}" type="slidenum">
+              <a:rPr lang="en-US" smtClean="0"/>
+              <a:t>50</a:t>
+            </a:fld>
+            <a:endParaRPr lang="en-US"/>
+          </a:p>
+        </p:txBody>
+      </p:sp>
+    </p:spTree>
+    <p:extLst>
+      <p:ext uri="{BB962C8B-B14F-4D97-AF65-F5344CB8AC3E}">
+        <p14:creationId xmlns:p14="http://schemas.microsoft.com/office/powerpoint/2010/main" val="2749551638"/>
+      </p:ext>
+    </p:extLst>
+  </p:cSld>
+  <p:clrMapOvr>
+    <a:masterClrMapping/>
+  </p:clrMapOvr>
+</p:notes>
+</file>
+
+<file path=ppt/notesSlides/notesSlide49.xml><?xml version="1.0" encoding="utf-8"?>
+<p:notes xmlns:a="http://schemas.openxmlformats.org/drawingml/2006/main" xmlns:r="http://schemas.openxmlformats.org/officeDocument/2006/relationships" xmlns:p="http://schemas.openxmlformats.org/presentationml/2006/main">
+  <p:cSld>
+    <p:spTree>
+      <p:nvGrpSpPr>
+        <p:cNvPr id="1" name=""/>
+        <p:cNvGrpSpPr/>
+        <p:nvPr/>
+      </p:nvGrpSpPr>
+      <p:grpSpPr>
+        <a:xfrm>
+          <a:off x="0" y="0"/>
+          <a:ext cx="0" cy="0"/>
+          <a:chOff x="0" y="0"/>
+          <a:chExt cx="0" cy="0"/>
+        </a:xfrm>
+      </p:grpSpPr>
+      <p:sp>
+        <p:nvSpPr>
+          <p:cNvPr id="2" name="Slide Image Placeholder 1"/>
+          <p:cNvSpPr>
+            <a:spLocks noGrp="1" noRot="1" noChangeAspect="1"/>
+          </p:cNvSpPr>
+          <p:nvPr>
+            <p:ph type="sldImg"/>
+          </p:nvPr>
+        </p:nvSpPr>
+        <p:spPr/>
+      </p:sp>
+      <p:sp>
+        <p:nvSpPr>
+          <p:cNvPr id="3" name="Notes Placeholder 2"/>
+          <p:cNvSpPr>
+            <a:spLocks noGrp="1"/>
+          </p:cNvSpPr>
+          <p:nvPr>
+            <p:ph type="body" idx="1"/>
+          </p:nvPr>
+        </p:nvSpPr>
+        <p:spPr/>
+        <p:txBody>
+          <a:bodyPr/>
+          <a:lstStyle/>
+          <a:p>
+            <a:r>
+              <a:rPr lang="de-DE" dirty="0"/>
               <a:t>Der Compiler erkennt einen Aufruf zu einem None</a:t>
             </a:r>
             <a:r>
@@ -6417,7 +6893,7 @@
           <a:p>
             <a:fld id="{4775FDF9-2A53-4261-A0AF-3B6A9698D365}" type="slidenum">
               <a:rPr lang="en-US" smtClean="0"/>
-              <a:t>48</a:t>
+              <a:t>51</a:t>
             </a:fld>
             <a:endParaRPr lang="en-US"/>
           </a:p>
@@ -14192,6 +14668,40 @@
               <a:t> Return</a:t>
             </a:r>
           </a:p>
+          <a:p>
+            <a:r>
+              <a:rPr lang="en-US" dirty="0" err="1"/>
+              <a:t>Typen</a:t>
+            </a:r>
+            <a:r>
+              <a:rPr lang="en-US" dirty="0"/>
+              <a:t> </a:t>
+            </a:r>
+            <a:r>
+              <a:rPr lang="en-US" dirty="0" err="1"/>
+              <a:t>fangen</a:t>
+            </a:r>
+            <a:r>
+              <a:rPr lang="en-US" dirty="0"/>
+              <a:t> </a:t>
+            </a:r>
+            <a:r>
+              <a:rPr lang="en-US" dirty="0" err="1"/>
+              <a:t>mit</a:t>
+            </a:r>
+            <a:r>
+              <a:rPr lang="en-US" dirty="0"/>
+              <a:t> </a:t>
+            </a:r>
+            <a:r>
+              <a:rPr lang="en-US" dirty="0" err="1"/>
+              <a:t>Großbuchstaben</a:t>
+            </a:r>
+            <a:r>
+              <a:rPr lang="en-US" dirty="0"/>
+              <a:t> an</a:t>
+            </a:r>
+          </a:p>
         </p:txBody>
       </p:sp>
     </p:spTree>
@@ -14432,6 +14942,55 @@
                                           <p:spTgt spid="3">
                                             <p:txEl>
                                               <p:pRg st="5" end="5"/>
+                                            </p:txEl>
+                                          </p:spTgt>
+                                        </p:tgtEl>
+                                        <p:attrNameLst>
+                                          <p:attrName>style.visibility</p:attrName>
+                                        </p:attrNameLst>
+                                      </p:cBhvr>
+                                      <p:to>
+                                        <p:strVal val="visible"/>
+                                      </p:to>
+                                    </p:set>
+                                  </p:childTnLst>
+                                </p:cTn>
+                              </p:par>
+                            </p:childTnLst>
+                          </p:cTn>
+                        </p:par>
+                      </p:childTnLst>
+                    </p:cTn>
+                  </p:par>
+                  <p:par>
+                    <p:cTn id="21" fill="hold">
+                      <p:stCondLst>
+                        <p:cond delay="indefinite"/>
+                      </p:stCondLst>
+                      <p:childTnLst>
+                        <p:par>
+                          <p:cTn id="22" fill="hold">
+                            <p:stCondLst>
+                              <p:cond delay="0"/>
+                            </p:stCondLst>
+                            <p:childTnLst>
+                              <p:par>
+                                <p:cTn id="23" presetID="1" presetClass="entr" presetSubtype="0" fill="hold" grpId="0" nodeType="clickEffect">
+                                  <p:stCondLst>
+                                    <p:cond delay="0"/>
+                                  </p:stCondLst>
+                                  <p:childTnLst>
+                                    <p:set>
+                                      <p:cBhvr>
+                                        <p:cTn id="24" dur="1" fill="hold">
+                                          <p:stCondLst>
+                                            <p:cond delay="0"/>
+                                          </p:stCondLst>
+                                        </p:cTn>
+                                        <p:tgtEl>
+                                          <p:spTgt spid="3">
+                                            <p:txEl>
+                                              <p:pRg st="6" end="6"/>
                                             </p:txEl>
                                           </p:spTgt>
                                         </p:tgtEl>
@@ -22637,146 +23196,85 @@
           </a:bodyPr>
           <a:lstStyle/>
           <a:p>
+            <a:r>
+              <a:rPr lang="de-DE" dirty="0"/>
+              <a:t>Eine </a:t>
+            </a:r>
+            <a:r>
+              <a:rPr lang="de-DE" dirty="0" err="1"/>
+              <a:t>bennante</a:t>
+            </a:r>
+            <a:r>
+              <a:rPr lang="de-DE" dirty="0"/>
+              <a:t> Menge von </a:t>
+            </a:r>
+            <a:r>
+              <a:rPr lang="de-DE" dirty="0" err="1"/>
+              <a:t>bennanten</a:t>
+            </a:r>
+            <a:r>
+              <a:rPr lang="de-DE" dirty="0"/>
+              <a:t> Elementen (</a:t>
+            </a:r>
+            <a:r>
+              <a:rPr lang="de-DE" dirty="0" err="1"/>
+              <a:t>tuple</a:t>
+            </a:r>
+            <a:r>
+              <a:rPr lang="de-DE" dirty="0"/>
+              <a:t> mit </a:t>
+            </a:r>
+            <a:r>
+              <a:rPr lang="de-DE" dirty="0" err="1"/>
+              <a:t>labeln</a:t>
+            </a:r>
+            <a:r>
+              <a:rPr lang="de-DE" dirty="0"/>
+              <a:t>)</a:t>
+            </a:r>
+          </a:p>
+          <a:p>
+            <a:r>
+              <a:rPr lang="en-US" dirty="0" err="1"/>
+              <a:t>Alle</a:t>
+            </a:r>
+            <a:r>
+              <a:rPr lang="en-US" dirty="0"/>
+              <a:t> </a:t>
+            </a:r>
+            <a:r>
+              <a:rPr lang="en-US" dirty="0" err="1"/>
+              <a:t>Werte</a:t>
+            </a:r>
+            <a:r>
+              <a:rPr lang="en-US" dirty="0"/>
+              <a:t> </a:t>
+            </a:r>
+            <a:r>
+              <a:rPr lang="en-US" dirty="0" err="1"/>
+              <a:t>müssen</a:t>
+            </a:r>
+            <a:r>
+              <a:rPr lang="en-US" dirty="0"/>
+              <a:t> </a:t>
+            </a:r>
+            <a:r>
+              <a:rPr lang="en-US" dirty="0" err="1"/>
+              <a:t>angegeben</a:t>
+            </a:r>
+            <a:r>
+              <a:rPr lang="en-US" dirty="0"/>
+              <a:t> warden</a:t>
+            </a:r>
+          </a:p>
+          <a:p>
             <a:pPr marL="0" indent="0">
               <a:buNone/>
             </a:pPr>
-            <a:r>
-              <a:rPr lang="de-DE" dirty="0"/>
-              <a:t>Keine </a:t>
-            </a:r>
-            <a:r>
-              <a:rPr lang="de-DE" dirty="0" err="1"/>
-              <a:t>Adhoc</a:t>
-            </a:r>
-            <a:r>
-              <a:rPr lang="de-DE" dirty="0"/>
-              <a:t> Erstellung</a:t>
-            </a:r>
-          </a:p>
-          <a:p>
-            <a:pPr marL="0" indent="0">
-              <a:buNone/>
-            </a:pPr>
-            <a:r>
-              <a:rPr lang="de-DE" dirty="0" err="1"/>
-              <a:t>Labeled</a:t>
-            </a:r>
-            <a:r>
-              <a:rPr lang="de-DE" dirty="0"/>
-              <a:t> </a:t>
-            </a:r>
-            <a:r>
-              <a:rPr lang="de-DE" dirty="0" err="1"/>
-              <a:t>tuple</a:t>
-            </a:r>
             <a:endParaRPr lang="de-DE" dirty="0"/>
           </a:p>
           <a:p>
-            <a:pPr marL="0" indent="0">
-              <a:buNone/>
-            </a:pPr>
-            <a:r>
-              <a:rPr lang="en-US" sz="2800" b="1" dirty="0"/>
-              <a:t>type</a:t>
-            </a:r>
-            <a:r>
-              <a:rPr lang="en-US" sz="2800" dirty="0"/>
-              <a:t> </a:t>
-            </a:r>
-            <a:r>
-              <a:rPr lang="en-US" sz="2800" b="1" dirty="0" err="1"/>
-              <a:t>ComplexNumber</a:t>
-            </a:r>
-            <a:r>
-              <a:rPr lang="en-US" sz="2800" dirty="0"/>
-              <a:t> = { real: float; imaginary: float }</a:t>
-            </a:r>
-            <a:endParaRPr lang="de-DE" sz="2800" dirty="0"/>
-          </a:p>
-          <a:p>
-            <a:pPr marL="0" indent="0">
-              <a:buNone/>
-            </a:pPr>
-            <a:r>
-              <a:rPr lang="en-US" sz="2800" b="1" dirty="0"/>
-              <a:t>type</a:t>
-            </a:r>
-            <a:r>
-              <a:rPr lang="en-US" sz="2800" dirty="0"/>
-              <a:t> </a:t>
-            </a:r>
-            <a:r>
-              <a:rPr lang="en-US" sz="2800" b="1" dirty="0" err="1"/>
-              <a:t>GeoCoord</a:t>
-            </a:r>
-            <a:r>
-              <a:rPr lang="en-US" sz="2800" dirty="0"/>
-              <a:t> = { </a:t>
-            </a:r>
-            <a:r>
-              <a:rPr lang="en-US" sz="2800" dirty="0" err="1"/>
-              <a:t>lat</a:t>
-            </a:r>
-            <a:r>
-              <a:rPr lang="en-US" sz="2800" dirty="0"/>
-              <a:t>: float; long: float }</a:t>
-            </a:r>
-          </a:p>
-          <a:p>
-            <a:pPr marL="0" indent="0">
-              <a:buNone/>
-            </a:pPr>
-            <a:endParaRPr lang="de-DE" sz="2800" dirty="0"/>
-          </a:p>
-          <a:p>
-            <a:pPr marL="0" indent="0">
-              <a:buNone/>
-            </a:pPr>
-            <a:r>
-              <a:rPr lang="de-DE" dirty="0"/>
-              <a:t>Andere Records, Funktionen</a:t>
-            </a:r>
-          </a:p>
-          <a:p>
-            <a:pPr marL="0" indent="0">
-              <a:buNone/>
-            </a:pPr>
-            <a:r>
-              <a:rPr lang="en-US" sz="2800" b="1" dirty="0"/>
-              <a:t>type S</a:t>
-            </a:r>
-            <a:r>
-              <a:rPr lang="en-US" dirty="0"/>
-              <a:t> = </a:t>
-            </a:r>
-            <a:r>
-              <a:rPr lang="en-US" sz="2800" dirty="0"/>
-              <a:t>{ </a:t>
-            </a:r>
-            <a:r>
-              <a:rPr lang="en-US" sz="2800" dirty="0" err="1"/>
-              <a:t>Coord</a:t>
-            </a:r>
-            <a:r>
-              <a:rPr lang="en-US" sz="2800" dirty="0"/>
-              <a:t> : </a:t>
-            </a:r>
-            <a:r>
-              <a:rPr lang="en-US" sz="2800" dirty="0" err="1"/>
-              <a:t>GeoCoord</a:t>
-            </a:r>
-            <a:r>
-              <a:rPr lang="en-US" sz="2800" dirty="0"/>
-              <a:t>; </a:t>
-            </a:r>
-            <a:r>
-              <a:rPr lang="en-US" sz="2800" dirty="0" err="1"/>
-              <a:t>Tun</a:t>
-            </a:r>
-            <a:r>
-              <a:rPr lang="en-US" sz="2800" dirty="0"/>
-              <a:t> : string -&gt; string; }</a:t>
-            </a:r>
+            <a:endParaRPr lang="de-DE" dirty="0"/>
           </a:p>
         </p:txBody>
       </p:sp>
@@ -22784,6 +23282,1500 @@
     <p:extLst>
       <p:ext uri="{BB962C8B-B14F-4D97-AF65-F5344CB8AC3E}">
         <p14:creationId xmlns:p14="http://schemas.microsoft.com/office/powerpoint/2010/main" val="1545968842"/>
+      </p:ext>
+    </p:extLst>
+  </p:cSld>
+  <p:clrMapOvr>
+    <a:masterClrMapping/>
+  </p:clrMapOvr>
+  <p:timing>
+    <p:tnLst>
+      <p:par>
+        <p:cTn id="1" dur="indefinite" restart="never" nodeType="tmRoot">
+          <p:childTnLst>
+            <p:seq concurrent="1" nextAc="seek">
+              <p:cTn id="2" dur="indefinite" nodeType="mainSeq">
+                <p:childTnLst>
+                  <p:par>
+                    <p:cTn id="3" fill="hold">
+                      <p:stCondLst>
+                        <p:cond delay="indefinite"/>
+                      </p:stCondLst>
+                      <p:childTnLst>
+                        <p:par>
+                          <p:cTn id="4" fill="hold">
+                            <p:stCondLst>
+                              <p:cond delay="0"/>
+                            </p:stCondLst>
+                            <p:childTnLst>
+                              <p:par>
+                                <p:cTn id="5" presetID="1" presetClass="entr" presetSubtype="0" fill="hold" grpId="0" nodeType="clickEffect">
+                                  <p:stCondLst>
+                                    <p:cond delay="0"/>
+                                  </p:stCondLst>
+                                  <p:childTnLst>
+                                    <p:set>
+                                      <p:cBhvr>
+                                        <p:cTn id="6" dur="1" fill="hold">
+                                          <p:stCondLst>
+                                            <p:cond delay="0"/>
+                                          </p:stCondLst>
+                                        </p:cTn>
+                                        <p:tgtEl>
+                                          <p:spTgt spid="3">
+                                            <p:txEl>
+                                              <p:pRg st="0" end="0"/>
+                                            </p:txEl>
+                                          </p:spTgt>
+                                        </p:tgtEl>
+                                        <p:attrNameLst>
+                                          <p:attrName>style.visibility</p:attrName>
+                                        </p:attrNameLst>
+                                      </p:cBhvr>
+                                      <p:to>
+                                        <p:strVal val="visible"/>
+                                      </p:to>
+                                    </p:set>
+                                  </p:childTnLst>
+                                </p:cTn>
+                              </p:par>
+                            </p:childTnLst>
+                          </p:cTn>
+                        </p:par>
+                      </p:childTnLst>
+                    </p:cTn>
+                  </p:par>
+                  <p:par>
+                    <p:cTn id="7" fill="hold">
+                      <p:stCondLst>
+                        <p:cond delay="indefinite"/>
+                      </p:stCondLst>
+                      <p:childTnLst>
+                        <p:par>
+                          <p:cTn id="8" fill="hold">
+                            <p:stCondLst>
+                              <p:cond delay="0"/>
+                            </p:stCondLst>
+                            <p:childTnLst>
+                              <p:par>
+                                <p:cTn id="9" presetID="1" presetClass="entr" presetSubtype="0" fill="hold" grpId="0" nodeType="clickEffect">
+                                  <p:stCondLst>
+                                    <p:cond delay="0"/>
+                                  </p:stCondLst>
+                                  <p:childTnLst>
+                                    <p:set>
+                                      <p:cBhvr>
+                                        <p:cTn id="10" dur="1" fill="hold">
+                                          <p:stCondLst>
+                                            <p:cond delay="0"/>
+                                          </p:stCondLst>
+                                        </p:cTn>
+                                        <p:tgtEl>
+                                          <p:spTgt spid="3">
+                                            <p:txEl>
+                                              <p:pRg st="1" end="1"/>
+                                            </p:txEl>
+                                          </p:spTgt>
+                                        </p:tgtEl>
+                                        <p:attrNameLst>
+                                          <p:attrName>style.visibility</p:attrName>
+                                        </p:attrNameLst>
+                                      </p:cBhvr>
+                                      <p:to>
+                                        <p:strVal val="visible"/>
+                                      </p:to>
+                                    </p:set>
+                                  </p:childTnLst>
+                                </p:cTn>
+                              </p:par>
+                            </p:childTnLst>
+                          </p:cTn>
+                        </p:par>
+                      </p:childTnLst>
+                    </p:cTn>
+                  </p:par>
+                </p:childTnLst>
+              </p:cTn>
+              <p:prevCondLst>
+                <p:cond evt="onPrev" delay="0">
+                  <p:tgtEl>
+                    <p:sldTgt/>
+                  </p:tgtEl>
+                </p:cond>
+              </p:prevCondLst>
+              <p:nextCondLst>
+                <p:cond evt="onNext" delay="0">
+                  <p:tgtEl>
+                    <p:sldTgt/>
+                  </p:tgtEl>
+                </p:cond>
+              </p:nextCondLst>
+            </p:seq>
+          </p:childTnLst>
+        </p:cTn>
+      </p:par>
+    </p:tnLst>
+    <p:bldLst>
+      <p:bldP spid="3" grpId="0" build="p"/>
+    </p:bldLst>
+  </p:timing>
+</p:sld>
+</file>
+
+<file path=ppt/slides/slide43.xml><?xml version="1.0" encoding="utf-8"?>
+<p:sld xmlns:a="http://schemas.openxmlformats.org/drawingml/2006/main" xmlns:r="http://schemas.openxmlformats.org/officeDocument/2006/relationships" xmlns:p="http://schemas.openxmlformats.org/presentationml/2006/main">
+  <p:cSld>
+    <p:spTree>
+      <p:nvGrpSpPr>
+        <p:cNvPr id="1" name=""/>
+        <p:cNvGrpSpPr/>
+        <p:nvPr/>
+      </p:nvGrpSpPr>
+      <p:grpSpPr>
+        <a:xfrm>
+          <a:off x="0" y="0"/>
+          <a:ext cx="0" cy="0"/>
+          <a:chOff x="0" y="0"/>
+          <a:chExt cx="0" cy="0"/>
+        </a:xfrm>
+      </p:grpSpPr>
+      <p:sp>
+        <p:nvSpPr>
+          <p:cNvPr id="2" name="Title 1"/>
+          <p:cNvSpPr>
+            <a:spLocks noGrp="1"/>
+          </p:cNvSpPr>
+          <p:nvPr>
+            <p:ph type="title"/>
+          </p:nvPr>
+        </p:nvSpPr>
+        <p:spPr/>
+        <p:txBody>
+          <a:bodyPr/>
+          <a:lstStyle/>
+          <a:p>
+            <a:r>
+              <a:rPr lang="de-DE" dirty="0"/>
+              <a:t>Modul 2: </a:t>
+            </a:r>
+            <a:r>
+              <a:rPr lang="de-DE" dirty="0" err="1"/>
+              <a:t>Record</a:t>
+            </a:r>
+            <a:r>
+              <a:rPr lang="de-DE" dirty="0"/>
+              <a:t> </a:t>
+            </a:r>
+            <a:endParaRPr lang="en-US" dirty="0"/>
+          </a:p>
+        </p:txBody>
+      </p:sp>
+      <p:sp>
+        <p:nvSpPr>
+          <p:cNvPr id="3" name="Content Placeholder 2"/>
+          <p:cNvSpPr>
+            <a:spLocks noGrp="1"/>
+          </p:cNvSpPr>
+          <p:nvPr>
+            <p:ph idx="1"/>
+          </p:nvPr>
+        </p:nvSpPr>
+        <p:spPr/>
+        <p:txBody>
+          <a:bodyPr>
+            <a:normAutofit/>
+          </a:bodyPr>
+          <a:lstStyle/>
+          <a:p>
+            <a:pPr marL="0" indent="0">
+              <a:buNone/>
+            </a:pPr>
+            <a:r>
+              <a:rPr lang="de-DE" dirty="0"/>
+              <a:t>Deklaration</a:t>
+            </a:r>
+          </a:p>
+          <a:p>
+            <a:r>
+              <a:rPr lang="en-US" sz="2800" dirty="0" err="1"/>
+              <a:t>Begrenzung</a:t>
+            </a:r>
+            <a:r>
+              <a:rPr lang="en-US" sz="2800" dirty="0"/>
+              <a:t> </a:t>
+            </a:r>
+            <a:r>
+              <a:rPr lang="en-US" sz="2800" dirty="0" err="1"/>
+              <a:t>duruch</a:t>
+            </a:r>
+            <a:r>
+              <a:rPr lang="en-US" sz="2800" dirty="0"/>
+              <a:t> {}</a:t>
+            </a:r>
+          </a:p>
+          <a:p>
+            <a:r>
+              <a:rPr lang="en-US" sz="2800" dirty="0" err="1"/>
+              <a:t>Einzelne</a:t>
+            </a:r>
+            <a:r>
+              <a:rPr lang="en-US" sz="2800" dirty="0"/>
+              <a:t> </a:t>
+            </a:r>
+            <a:r>
+              <a:rPr lang="en-US" sz="2800" dirty="0" err="1"/>
+              <a:t>Bestandteile</a:t>
+            </a:r>
+            <a:r>
+              <a:rPr lang="en-US" sz="2800" dirty="0"/>
+              <a:t> </a:t>
+            </a:r>
+            <a:r>
+              <a:rPr lang="en-US" sz="2800" dirty="0" err="1"/>
+              <a:t>durch</a:t>
+            </a:r>
+            <a:r>
+              <a:rPr lang="en-US" sz="2800" dirty="0"/>
+              <a:t> ; </a:t>
+            </a:r>
+            <a:r>
+              <a:rPr lang="en-US" sz="2800" dirty="0" err="1"/>
+              <a:t>getrennt</a:t>
+            </a:r>
+            <a:endParaRPr lang="en-US" sz="2800" dirty="0"/>
+          </a:p>
+          <a:p>
+            <a:r>
+              <a:rPr lang="en-US" sz="2800" dirty="0" err="1"/>
+              <a:t>Alle</a:t>
+            </a:r>
+            <a:r>
+              <a:rPr lang="en-US" sz="2800" dirty="0"/>
+              <a:t> </a:t>
+            </a:r>
+            <a:r>
+              <a:rPr lang="en-US" sz="2800" dirty="0" err="1"/>
+              <a:t>Bestandteile</a:t>
+            </a:r>
+            <a:r>
+              <a:rPr lang="en-US" sz="2800" dirty="0"/>
+              <a:t> </a:t>
+            </a:r>
+            <a:r>
+              <a:rPr lang="en-US" sz="2800" dirty="0" err="1"/>
+              <a:t>benannt</a:t>
+            </a:r>
+            <a:endParaRPr lang="en-US" sz="2800" dirty="0"/>
+          </a:p>
+          <a:p>
+            <a:endParaRPr lang="en-US" sz="2800" dirty="0"/>
+          </a:p>
+          <a:p>
+            <a:pPr marL="0" indent="0">
+              <a:buNone/>
+            </a:pPr>
+            <a:endParaRPr lang="en-US" sz="2800" dirty="0"/>
+          </a:p>
+        </p:txBody>
+      </p:sp>
+    </p:spTree>
+    <p:extLst>
+      <p:ext uri="{BB962C8B-B14F-4D97-AF65-F5344CB8AC3E}">
+        <p14:creationId xmlns:p14="http://schemas.microsoft.com/office/powerpoint/2010/main" val="1553873765"/>
+      </p:ext>
+    </p:extLst>
+  </p:cSld>
+  <p:clrMapOvr>
+    <a:masterClrMapping/>
+  </p:clrMapOvr>
+  <p:timing>
+    <p:tnLst>
+      <p:par>
+        <p:cTn id="1" dur="indefinite" restart="never" nodeType="tmRoot">
+          <p:childTnLst>
+            <p:seq concurrent="1" nextAc="seek">
+              <p:cTn id="2" dur="indefinite" nodeType="mainSeq">
+                <p:childTnLst>
+                  <p:par>
+                    <p:cTn id="3" fill="hold">
+                      <p:stCondLst>
+                        <p:cond delay="indefinite"/>
+                      </p:stCondLst>
+                      <p:childTnLst>
+                        <p:par>
+                          <p:cTn id="4" fill="hold">
+                            <p:stCondLst>
+                              <p:cond delay="0"/>
+                            </p:stCondLst>
+                            <p:childTnLst>
+                              <p:par>
+                                <p:cTn id="5" presetID="1" presetClass="entr" presetSubtype="0" fill="hold" grpId="0" nodeType="clickEffect">
+                                  <p:stCondLst>
+                                    <p:cond delay="0"/>
+                                  </p:stCondLst>
+                                  <p:childTnLst>
+                                    <p:set>
+                                      <p:cBhvr>
+                                        <p:cTn id="6" dur="1" fill="hold">
+                                          <p:stCondLst>
+                                            <p:cond delay="0"/>
+                                          </p:stCondLst>
+                                        </p:cTn>
+                                        <p:tgtEl>
+                                          <p:spTgt spid="3">
+                                            <p:txEl>
+                                              <p:pRg st="0" end="0"/>
+                                            </p:txEl>
+                                          </p:spTgt>
+                                        </p:tgtEl>
+                                        <p:attrNameLst>
+                                          <p:attrName>style.visibility</p:attrName>
+                                        </p:attrNameLst>
+                                      </p:cBhvr>
+                                      <p:to>
+                                        <p:strVal val="visible"/>
+                                      </p:to>
+                                    </p:set>
+                                  </p:childTnLst>
+                                </p:cTn>
+                              </p:par>
+                            </p:childTnLst>
+                          </p:cTn>
+                        </p:par>
+                      </p:childTnLst>
+                    </p:cTn>
+                  </p:par>
+                  <p:par>
+                    <p:cTn id="7" fill="hold">
+                      <p:stCondLst>
+                        <p:cond delay="indefinite"/>
+                      </p:stCondLst>
+                      <p:childTnLst>
+                        <p:par>
+                          <p:cTn id="8" fill="hold">
+                            <p:stCondLst>
+                              <p:cond delay="0"/>
+                            </p:stCondLst>
+                            <p:childTnLst>
+                              <p:par>
+                                <p:cTn id="9" presetID="1" presetClass="entr" presetSubtype="0" fill="hold" grpId="0" nodeType="clickEffect">
+                                  <p:stCondLst>
+                                    <p:cond delay="0"/>
+                                  </p:stCondLst>
+                                  <p:childTnLst>
+                                    <p:set>
+                                      <p:cBhvr>
+                                        <p:cTn id="10" dur="1" fill="hold">
+                                          <p:stCondLst>
+                                            <p:cond delay="0"/>
+                                          </p:stCondLst>
+                                        </p:cTn>
+                                        <p:tgtEl>
+                                          <p:spTgt spid="3">
+                                            <p:txEl>
+                                              <p:pRg st="1" end="1"/>
+                                            </p:txEl>
+                                          </p:spTgt>
+                                        </p:tgtEl>
+                                        <p:attrNameLst>
+                                          <p:attrName>style.visibility</p:attrName>
+                                        </p:attrNameLst>
+                                      </p:cBhvr>
+                                      <p:to>
+                                        <p:strVal val="visible"/>
+                                      </p:to>
+                                    </p:set>
+                                  </p:childTnLst>
+                                </p:cTn>
+                              </p:par>
+                            </p:childTnLst>
+                          </p:cTn>
+                        </p:par>
+                      </p:childTnLst>
+                    </p:cTn>
+                  </p:par>
+                  <p:par>
+                    <p:cTn id="11" fill="hold">
+                      <p:stCondLst>
+                        <p:cond delay="indefinite"/>
+                      </p:stCondLst>
+                      <p:childTnLst>
+                        <p:par>
+                          <p:cTn id="12" fill="hold">
+                            <p:stCondLst>
+                              <p:cond delay="0"/>
+                            </p:stCondLst>
+                            <p:childTnLst>
+                              <p:par>
+                                <p:cTn id="13" presetID="1" presetClass="entr" presetSubtype="0" fill="hold" grpId="0" nodeType="clickEffect">
+                                  <p:stCondLst>
+                                    <p:cond delay="0"/>
+                                  </p:stCondLst>
+                                  <p:childTnLst>
+                                    <p:set>
+                                      <p:cBhvr>
+                                        <p:cTn id="14" dur="1" fill="hold">
+                                          <p:stCondLst>
+                                            <p:cond delay="0"/>
+                                          </p:stCondLst>
+                                        </p:cTn>
+                                        <p:tgtEl>
+                                          <p:spTgt spid="3">
+                                            <p:txEl>
+                                              <p:pRg st="2" end="2"/>
+                                            </p:txEl>
+                                          </p:spTgt>
+                                        </p:tgtEl>
+                                        <p:attrNameLst>
+                                          <p:attrName>style.visibility</p:attrName>
+                                        </p:attrNameLst>
+                                      </p:cBhvr>
+                                      <p:to>
+                                        <p:strVal val="visible"/>
+                                      </p:to>
+                                    </p:set>
+                                  </p:childTnLst>
+                                </p:cTn>
+                              </p:par>
+                            </p:childTnLst>
+                          </p:cTn>
+                        </p:par>
+                      </p:childTnLst>
+                    </p:cTn>
+                  </p:par>
+                  <p:par>
+                    <p:cTn id="15" fill="hold">
+                      <p:stCondLst>
+                        <p:cond delay="indefinite"/>
+                      </p:stCondLst>
+                      <p:childTnLst>
+                        <p:par>
+                          <p:cTn id="16" fill="hold">
+                            <p:stCondLst>
+                              <p:cond delay="0"/>
+                            </p:stCondLst>
+                            <p:childTnLst>
+                              <p:par>
+                                <p:cTn id="17" presetID="1" presetClass="entr" presetSubtype="0" fill="hold" grpId="0" nodeType="clickEffect">
+                                  <p:stCondLst>
+                                    <p:cond delay="0"/>
+                                  </p:stCondLst>
+                                  <p:childTnLst>
+                                    <p:set>
+                                      <p:cBhvr>
+                                        <p:cTn id="18" dur="1" fill="hold">
+                                          <p:stCondLst>
+                                            <p:cond delay="0"/>
+                                          </p:stCondLst>
+                                        </p:cTn>
+                                        <p:tgtEl>
+                                          <p:spTgt spid="3">
+                                            <p:txEl>
+                                              <p:pRg st="3" end="3"/>
+                                            </p:txEl>
+                                          </p:spTgt>
+                                        </p:tgtEl>
+                                        <p:attrNameLst>
+                                          <p:attrName>style.visibility</p:attrName>
+                                        </p:attrNameLst>
+                                      </p:cBhvr>
+                                      <p:to>
+                                        <p:strVal val="visible"/>
+                                      </p:to>
+                                    </p:set>
+                                  </p:childTnLst>
+                                </p:cTn>
+                              </p:par>
+                            </p:childTnLst>
+                          </p:cTn>
+                        </p:par>
+                      </p:childTnLst>
+                    </p:cTn>
+                  </p:par>
+                </p:childTnLst>
+              </p:cTn>
+              <p:prevCondLst>
+                <p:cond evt="onPrev" delay="0">
+                  <p:tgtEl>
+                    <p:sldTgt/>
+                  </p:tgtEl>
+                </p:cond>
+              </p:prevCondLst>
+              <p:nextCondLst>
+                <p:cond evt="onNext" delay="0">
+                  <p:tgtEl>
+                    <p:sldTgt/>
+                  </p:tgtEl>
+                </p:cond>
+              </p:nextCondLst>
+            </p:seq>
+          </p:childTnLst>
+        </p:cTn>
+      </p:par>
+    </p:tnLst>
+    <p:bldLst>
+      <p:bldP spid="3" grpId="0" build="p"/>
+    </p:bldLst>
+  </p:timing>
+</p:sld>
+</file>
+
+<file path=ppt/slides/slide44.xml><?xml version="1.0" encoding="utf-8"?>
+<p:sld xmlns:a="http://schemas.openxmlformats.org/drawingml/2006/main" xmlns:r="http://schemas.openxmlformats.org/officeDocument/2006/relationships" xmlns:p="http://schemas.openxmlformats.org/presentationml/2006/main">
+  <p:cSld>
+    <p:spTree>
+      <p:nvGrpSpPr>
+        <p:cNvPr id="1" name=""/>
+        <p:cNvGrpSpPr/>
+        <p:nvPr/>
+      </p:nvGrpSpPr>
+      <p:grpSpPr>
+        <a:xfrm>
+          <a:off x="0" y="0"/>
+          <a:ext cx="0" cy="0"/>
+          <a:chOff x="0" y="0"/>
+          <a:chExt cx="0" cy="0"/>
+        </a:xfrm>
+      </p:grpSpPr>
+      <p:sp>
+        <p:nvSpPr>
+          <p:cNvPr id="2" name="Title 1"/>
+          <p:cNvSpPr>
+            <a:spLocks noGrp="1"/>
+          </p:cNvSpPr>
+          <p:nvPr>
+            <p:ph type="title"/>
+          </p:nvPr>
+        </p:nvSpPr>
+        <p:spPr/>
+        <p:txBody>
+          <a:bodyPr/>
+          <a:lstStyle/>
+          <a:p>
+            <a:r>
+              <a:rPr lang="de-DE" dirty="0"/>
+              <a:t>Modul 2: </a:t>
+            </a:r>
+            <a:r>
+              <a:rPr lang="de-DE" dirty="0" err="1"/>
+              <a:t>Record</a:t>
+            </a:r>
+            <a:r>
+              <a:rPr lang="de-DE" dirty="0"/>
+              <a:t> </a:t>
+            </a:r>
+            <a:endParaRPr lang="en-US" dirty="0"/>
+          </a:p>
+        </p:txBody>
+      </p:sp>
+      <p:sp>
+        <p:nvSpPr>
+          <p:cNvPr id="3" name="Content Placeholder 2"/>
+          <p:cNvSpPr>
+            <a:spLocks noGrp="1"/>
+          </p:cNvSpPr>
+          <p:nvPr>
+            <p:ph idx="1"/>
+          </p:nvPr>
+        </p:nvSpPr>
+        <p:spPr/>
+        <p:txBody>
+          <a:bodyPr>
+            <a:normAutofit/>
+          </a:bodyPr>
+          <a:lstStyle/>
+          <a:p>
+            <a:pPr marL="0" indent="0">
+              <a:buNone/>
+            </a:pPr>
+            <a:r>
+              <a:rPr lang="de-DE" dirty="0"/>
+              <a:t>Konstruktion</a:t>
+            </a:r>
+          </a:p>
+          <a:p>
+            <a:r>
+              <a:rPr lang="en-US" sz="2800" dirty="0" err="1"/>
+              <a:t>Zuweisung</a:t>
+            </a:r>
+            <a:r>
+              <a:rPr lang="en-US" sz="2800" dirty="0"/>
+              <a:t> der </a:t>
+            </a:r>
+            <a:r>
+              <a:rPr lang="en-US" sz="2800" dirty="0" err="1"/>
+              <a:t>Werte</a:t>
+            </a:r>
+            <a:r>
+              <a:rPr lang="en-US" sz="2800" dirty="0"/>
+              <a:t> </a:t>
+            </a:r>
+            <a:r>
+              <a:rPr lang="en-US" sz="2800" dirty="0" err="1"/>
+              <a:t>nach</a:t>
+            </a:r>
+            <a:r>
+              <a:rPr lang="en-US" sz="2800" dirty="0"/>
+              <a:t> </a:t>
+            </a:r>
+            <a:r>
+              <a:rPr lang="en-US" sz="2800" dirty="0" err="1"/>
+              <a:t>Namen</a:t>
+            </a:r>
+            <a:endParaRPr lang="en-US" sz="2800" dirty="0"/>
+          </a:p>
+          <a:p>
+            <a:r>
+              <a:rPr lang="en-US" sz="2800" dirty="0"/>
+              <a:t>Compiler </a:t>
+            </a:r>
+            <a:r>
+              <a:rPr lang="en-US" sz="2800" dirty="0" err="1"/>
+              <a:t>unterstüzt</a:t>
+            </a:r>
+            <a:r>
+              <a:rPr lang="en-US" sz="2800" dirty="0"/>
+              <a:t> die </a:t>
+            </a:r>
+            <a:r>
+              <a:rPr lang="en-US" sz="2800" dirty="0" err="1"/>
+              <a:t>Konstruktion</a:t>
+            </a:r>
+            <a:r>
+              <a:rPr lang="en-US" sz="2800" dirty="0"/>
+              <a:t> in </a:t>
+            </a:r>
+            <a:r>
+              <a:rPr lang="en-US" sz="2800" dirty="0" err="1"/>
+              <a:t>dem</a:t>
+            </a:r>
+            <a:r>
+              <a:rPr lang="en-US" sz="2800" dirty="0"/>
+              <a:t> der </a:t>
+            </a:r>
+            <a:r>
+              <a:rPr lang="en-US" sz="2800" dirty="0" err="1"/>
+              <a:t>Typ</a:t>
+            </a:r>
+            <a:r>
+              <a:rPr lang="en-US" sz="2800" dirty="0"/>
+              <a:t> </a:t>
+            </a:r>
+            <a:r>
+              <a:rPr lang="en-US" sz="2800" dirty="0" err="1"/>
+              <a:t>ermittelt</a:t>
+            </a:r>
+            <a:r>
+              <a:rPr lang="en-US" sz="2800" dirty="0"/>
+              <a:t> </a:t>
+            </a:r>
+            <a:r>
+              <a:rPr lang="en-US" sz="2800" dirty="0" err="1"/>
+              <a:t>wird</a:t>
+            </a:r>
+            <a:r>
+              <a:rPr lang="en-US" sz="2800"/>
+              <a:t>.</a:t>
+            </a:r>
+            <a:endParaRPr lang="en-US" sz="2800" dirty="0"/>
+          </a:p>
+          <a:p>
+            <a:endParaRPr lang="en-US" sz="2800" dirty="0"/>
+          </a:p>
+          <a:p>
+            <a:pPr marL="0" indent="0">
+              <a:buNone/>
+            </a:pPr>
+            <a:endParaRPr lang="en-US" sz="2800" dirty="0"/>
+          </a:p>
+        </p:txBody>
+      </p:sp>
+    </p:spTree>
+    <p:extLst>
+      <p:ext uri="{BB962C8B-B14F-4D97-AF65-F5344CB8AC3E}">
+        <p14:creationId xmlns:p14="http://schemas.microsoft.com/office/powerpoint/2010/main" val="1808667170"/>
+      </p:ext>
+    </p:extLst>
+  </p:cSld>
+  <p:clrMapOvr>
+    <a:masterClrMapping/>
+  </p:clrMapOvr>
+  <p:timing>
+    <p:tnLst>
+      <p:par>
+        <p:cTn id="1" dur="indefinite" restart="never" nodeType="tmRoot">
+          <p:childTnLst>
+            <p:seq concurrent="1" nextAc="seek">
+              <p:cTn id="2" dur="indefinite" nodeType="mainSeq">
+                <p:childTnLst>
+                  <p:par>
+                    <p:cTn id="3" fill="hold">
+                      <p:stCondLst>
+                        <p:cond delay="indefinite"/>
+                      </p:stCondLst>
+                      <p:childTnLst>
+                        <p:par>
+                          <p:cTn id="4" fill="hold">
+                            <p:stCondLst>
+                              <p:cond delay="0"/>
+                            </p:stCondLst>
+                            <p:childTnLst>
+                              <p:par>
+                                <p:cTn id="5" presetID="1" presetClass="entr" presetSubtype="0" fill="hold" grpId="0" nodeType="clickEffect">
+                                  <p:stCondLst>
+                                    <p:cond delay="0"/>
+                                  </p:stCondLst>
+                                  <p:childTnLst>
+                                    <p:set>
+                                      <p:cBhvr>
+                                        <p:cTn id="6" dur="1" fill="hold">
+                                          <p:stCondLst>
+                                            <p:cond delay="0"/>
+                                          </p:stCondLst>
+                                        </p:cTn>
+                                        <p:tgtEl>
+                                          <p:spTgt spid="3">
+                                            <p:txEl>
+                                              <p:pRg st="0" end="0"/>
+                                            </p:txEl>
+                                          </p:spTgt>
+                                        </p:tgtEl>
+                                        <p:attrNameLst>
+                                          <p:attrName>style.visibility</p:attrName>
+                                        </p:attrNameLst>
+                                      </p:cBhvr>
+                                      <p:to>
+                                        <p:strVal val="visible"/>
+                                      </p:to>
+                                    </p:set>
+                                  </p:childTnLst>
+                                </p:cTn>
+                              </p:par>
+                            </p:childTnLst>
+                          </p:cTn>
+                        </p:par>
+                      </p:childTnLst>
+                    </p:cTn>
+                  </p:par>
+                  <p:par>
+                    <p:cTn id="7" fill="hold">
+                      <p:stCondLst>
+                        <p:cond delay="indefinite"/>
+                      </p:stCondLst>
+                      <p:childTnLst>
+                        <p:par>
+                          <p:cTn id="8" fill="hold">
+                            <p:stCondLst>
+                              <p:cond delay="0"/>
+                            </p:stCondLst>
+                            <p:childTnLst>
+                              <p:par>
+                                <p:cTn id="9" presetID="1" presetClass="entr" presetSubtype="0" fill="hold" grpId="0" nodeType="clickEffect">
+                                  <p:stCondLst>
+                                    <p:cond delay="0"/>
+                                  </p:stCondLst>
+                                  <p:childTnLst>
+                                    <p:set>
+                                      <p:cBhvr>
+                                        <p:cTn id="10" dur="1" fill="hold">
+                                          <p:stCondLst>
+                                            <p:cond delay="0"/>
+                                          </p:stCondLst>
+                                        </p:cTn>
+                                        <p:tgtEl>
+                                          <p:spTgt spid="3">
+                                            <p:txEl>
+                                              <p:pRg st="1" end="1"/>
+                                            </p:txEl>
+                                          </p:spTgt>
+                                        </p:tgtEl>
+                                        <p:attrNameLst>
+                                          <p:attrName>style.visibility</p:attrName>
+                                        </p:attrNameLst>
+                                      </p:cBhvr>
+                                      <p:to>
+                                        <p:strVal val="visible"/>
+                                      </p:to>
+                                    </p:set>
+                                  </p:childTnLst>
+                                </p:cTn>
+                              </p:par>
+                            </p:childTnLst>
+                          </p:cTn>
+                        </p:par>
+                      </p:childTnLst>
+                    </p:cTn>
+                  </p:par>
+                  <p:par>
+                    <p:cTn id="11" fill="hold">
+                      <p:stCondLst>
+                        <p:cond delay="indefinite"/>
+                      </p:stCondLst>
+                      <p:childTnLst>
+                        <p:par>
+                          <p:cTn id="12" fill="hold">
+                            <p:stCondLst>
+                              <p:cond delay="0"/>
+                            </p:stCondLst>
+                            <p:childTnLst>
+                              <p:par>
+                                <p:cTn id="13" presetID="1" presetClass="entr" presetSubtype="0" fill="hold" grpId="0" nodeType="clickEffect">
+                                  <p:stCondLst>
+                                    <p:cond delay="0"/>
+                                  </p:stCondLst>
+                                  <p:childTnLst>
+                                    <p:set>
+                                      <p:cBhvr>
+                                        <p:cTn id="14" dur="1" fill="hold">
+                                          <p:stCondLst>
+                                            <p:cond delay="0"/>
+                                          </p:stCondLst>
+                                        </p:cTn>
+                                        <p:tgtEl>
+                                          <p:spTgt spid="3">
+                                            <p:txEl>
+                                              <p:pRg st="2" end="2"/>
+                                            </p:txEl>
+                                          </p:spTgt>
+                                        </p:tgtEl>
+                                        <p:attrNameLst>
+                                          <p:attrName>style.visibility</p:attrName>
+                                        </p:attrNameLst>
+                                      </p:cBhvr>
+                                      <p:to>
+                                        <p:strVal val="visible"/>
+                                      </p:to>
+                                    </p:set>
+                                  </p:childTnLst>
+                                </p:cTn>
+                              </p:par>
+                            </p:childTnLst>
+                          </p:cTn>
+                        </p:par>
+                      </p:childTnLst>
+                    </p:cTn>
+                  </p:par>
+                </p:childTnLst>
+              </p:cTn>
+              <p:prevCondLst>
+                <p:cond evt="onPrev" delay="0">
+                  <p:tgtEl>
+                    <p:sldTgt/>
+                  </p:tgtEl>
+                </p:cond>
+              </p:prevCondLst>
+              <p:nextCondLst>
+                <p:cond evt="onNext" delay="0">
+                  <p:tgtEl>
+                    <p:sldTgt/>
+                  </p:tgtEl>
+                </p:cond>
+              </p:nextCondLst>
+            </p:seq>
+          </p:childTnLst>
+        </p:cTn>
+      </p:par>
+    </p:tnLst>
+    <p:bldLst>
+      <p:bldP spid="3" grpId="0" build="p"/>
+    </p:bldLst>
+  </p:timing>
+</p:sld>
+</file>
+
+<file path=ppt/slides/slide45.xml><?xml version="1.0" encoding="utf-8"?>
+<p:sld xmlns:a="http://schemas.openxmlformats.org/drawingml/2006/main" xmlns:r="http://schemas.openxmlformats.org/officeDocument/2006/relationships" xmlns:p="http://schemas.openxmlformats.org/presentationml/2006/main">
+  <p:cSld>
+    <p:spTree>
+      <p:nvGrpSpPr>
+        <p:cNvPr id="1" name=""/>
+        <p:cNvGrpSpPr/>
+        <p:nvPr/>
+      </p:nvGrpSpPr>
+      <p:grpSpPr>
+        <a:xfrm>
+          <a:off x="0" y="0"/>
+          <a:ext cx="0" cy="0"/>
+          <a:chOff x="0" y="0"/>
+          <a:chExt cx="0" cy="0"/>
+        </a:xfrm>
+      </p:grpSpPr>
+      <p:sp>
+        <p:nvSpPr>
+          <p:cNvPr id="2" name="Title 1"/>
+          <p:cNvSpPr>
+            <a:spLocks noGrp="1"/>
+          </p:cNvSpPr>
+          <p:nvPr>
+            <p:ph type="title"/>
+          </p:nvPr>
+        </p:nvSpPr>
+        <p:spPr/>
+        <p:txBody>
+          <a:bodyPr/>
+          <a:lstStyle/>
+          <a:p>
+            <a:r>
+              <a:rPr lang="de-DE" dirty="0"/>
+              <a:t>Modul 2: </a:t>
+            </a:r>
+            <a:r>
+              <a:rPr lang="de-DE" dirty="0" err="1"/>
+              <a:t>Record</a:t>
+            </a:r>
+            <a:r>
+              <a:rPr lang="de-DE" dirty="0"/>
+              <a:t> </a:t>
+            </a:r>
+            <a:endParaRPr lang="en-US" dirty="0"/>
+          </a:p>
+        </p:txBody>
+      </p:sp>
+      <p:sp>
+        <p:nvSpPr>
+          <p:cNvPr id="3" name="Content Placeholder 2"/>
+          <p:cNvSpPr>
+            <a:spLocks noGrp="1"/>
+          </p:cNvSpPr>
+          <p:nvPr>
+            <p:ph idx="1"/>
+          </p:nvPr>
+        </p:nvSpPr>
+        <p:spPr/>
+        <p:txBody>
+          <a:bodyPr>
+            <a:normAutofit/>
+          </a:bodyPr>
+          <a:lstStyle/>
+          <a:p>
+            <a:pPr marL="0" indent="0">
+              <a:buNone/>
+            </a:pPr>
+            <a:r>
+              <a:rPr lang="de-DE" dirty="0"/>
+              <a:t>Zerlegung und Klonen</a:t>
+            </a:r>
+          </a:p>
+          <a:p>
+            <a:r>
+              <a:rPr lang="en-US" sz="2800" dirty="0"/>
+              <a:t>F# </a:t>
+            </a:r>
+            <a:r>
+              <a:rPr lang="en-US" sz="2800" dirty="0" err="1"/>
+              <a:t>bietet</a:t>
+            </a:r>
+            <a:r>
+              <a:rPr lang="en-US" sz="2800" dirty="0"/>
+              <a:t> </a:t>
+            </a:r>
+            <a:r>
+              <a:rPr lang="en-US" sz="2800" dirty="0" err="1"/>
+              <a:t>eigne</a:t>
+            </a:r>
+            <a:r>
+              <a:rPr lang="en-US" sz="2800" dirty="0"/>
+              <a:t> </a:t>
+            </a:r>
+            <a:r>
+              <a:rPr lang="en-US" sz="2800" dirty="0" err="1"/>
+              <a:t>Konstrukte</a:t>
+            </a:r>
+            <a:r>
+              <a:rPr lang="en-US" sz="2800" dirty="0"/>
+              <a:t> </a:t>
+            </a:r>
+            <a:r>
+              <a:rPr lang="en-US" sz="2800" dirty="0" err="1"/>
+              <a:t>hierfür</a:t>
+            </a:r>
+            <a:endParaRPr lang="en-US" sz="2800" dirty="0"/>
+          </a:p>
+          <a:p>
+            <a:r>
+              <a:rPr lang="en-US" sz="2800" dirty="0"/>
+              <a:t>Auch </a:t>
+            </a:r>
+            <a:r>
+              <a:rPr lang="en-US" sz="2800" dirty="0" err="1"/>
+              <a:t>Punkt</a:t>
+            </a:r>
+            <a:r>
+              <a:rPr lang="en-US" sz="2800" dirty="0"/>
+              <a:t> </a:t>
+            </a:r>
+            <a:r>
+              <a:rPr lang="en-US" sz="2800" dirty="0" err="1"/>
+              <a:t>Stil</a:t>
+            </a:r>
+            <a:r>
+              <a:rPr lang="en-US" sz="2800" dirty="0"/>
+              <a:t> </a:t>
+            </a:r>
+            <a:r>
+              <a:rPr lang="en-US" sz="2800" dirty="0" err="1"/>
+              <a:t>ist</a:t>
+            </a:r>
+            <a:r>
+              <a:rPr lang="en-US" sz="2800" dirty="0"/>
+              <a:t> </a:t>
+            </a:r>
+            <a:r>
+              <a:rPr lang="en-US" sz="2800" dirty="0" err="1"/>
+              <a:t>möglich</a:t>
+            </a:r>
+            <a:endParaRPr lang="en-US" sz="2800" dirty="0"/>
+          </a:p>
+          <a:p>
+            <a:r>
+              <a:rPr lang="en-US" sz="2800" dirty="0" err="1"/>
+              <a:t>Möglichkeit</a:t>
+            </a:r>
+            <a:r>
+              <a:rPr lang="en-US" sz="2800" dirty="0"/>
+              <a:t> </a:t>
+            </a:r>
+            <a:r>
+              <a:rPr lang="en-US" sz="2800" dirty="0" err="1"/>
+              <a:t>neue</a:t>
+            </a:r>
+            <a:r>
+              <a:rPr lang="en-US" sz="2800" dirty="0"/>
+              <a:t> </a:t>
+            </a:r>
+            <a:r>
+              <a:rPr lang="en-US" sz="2800" dirty="0" err="1"/>
+              <a:t>Ausdrücke</a:t>
+            </a:r>
+            <a:r>
+              <a:rPr lang="en-US" sz="2800" dirty="0"/>
+              <a:t> </a:t>
+            </a:r>
+            <a:r>
+              <a:rPr lang="en-US" sz="2800" dirty="0" err="1"/>
+              <a:t>zu</a:t>
+            </a:r>
+            <a:r>
+              <a:rPr lang="en-US" sz="2800" dirty="0"/>
+              <a:t> </a:t>
+            </a:r>
+            <a:r>
+              <a:rPr lang="en-US" sz="2800" dirty="0" err="1"/>
+              <a:t>erstellen</a:t>
+            </a:r>
+            <a:r>
+              <a:rPr lang="en-US" sz="2800" dirty="0"/>
+              <a:t> </a:t>
+            </a:r>
+            <a:r>
+              <a:rPr lang="en-US" sz="2800" dirty="0" err="1"/>
+              <a:t>aus</a:t>
+            </a:r>
+            <a:r>
+              <a:rPr lang="en-US" sz="2800" dirty="0"/>
+              <a:t> </a:t>
+            </a:r>
+            <a:r>
+              <a:rPr lang="en-US" sz="2800" dirty="0" err="1"/>
+              <a:t>vorhandenen</a:t>
+            </a:r>
+            <a:endParaRPr lang="en-US" sz="2800" dirty="0"/>
+          </a:p>
+          <a:p>
+            <a:pPr marL="0" indent="0">
+              <a:buNone/>
+            </a:pPr>
+            <a:endParaRPr lang="en-US" sz="2800" dirty="0"/>
+          </a:p>
+        </p:txBody>
+      </p:sp>
+    </p:spTree>
+    <p:extLst>
+      <p:ext uri="{BB962C8B-B14F-4D97-AF65-F5344CB8AC3E}">
+        <p14:creationId xmlns:p14="http://schemas.microsoft.com/office/powerpoint/2010/main" val="4002252904"/>
+      </p:ext>
+    </p:extLst>
+  </p:cSld>
+  <p:clrMapOvr>
+    <a:masterClrMapping/>
+  </p:clrMapOvr>
+  <p:timing>
+    <p:tnLst>
+      <p:par>
+        <p:cTn id="1" dur="indefinite" restart="never" nodeType="tmRoot">
+          <p:childTnLst>
+            <p:seq concurrent="1" nextAc="seek">
+              <p:cTn id="2" dur="indefinite" nodeType="mainSeq">
+                <p:childTnLst>
+                  <p:par>
+                    <p:cTn id="3" fill="hold">
+                      <p:stCondLst>
+                        <p:cond delay="indefinite"/>
+                      </p:stCondLst>
+                      <p:childTnLst>
+                        <p:par>
+                          <p:cTn id="4" fill="hold">
+                            <p:stCondLst>
+                              <p:cond delay="0"/>
+                            </p:stCondLst>
+                            <p:childTnLst>
+                              <p:par>
+                                <p:cTn id="5" presetID="1" presetClass="entr" presetSubtype="0" fill="hold" grpId="0" nodeType="clickEffect">
+                                  <p:stCondLst>
+                                    <p:cond delay="0"/>
+                                  </p:stCondLst>
+                                  <p:childTnLst>
+                                    <p:set>
+                                      <p:cBhvr>
+                                        <p:cTn id="6" dur="1" fill="hold">
+                                          <p:stCondLst>
+                                            <p:cond delay="0"/>
+                                          </p:stCondLst>
+                                        </p:cTn>
+                                        <p:tgtEl>
+                                          <p:spTgt spid="3">
+                                            <p:txEl>
+                                              <p:pRg st="0" end="0"/>
+                                            </p:txEl>
+                                          </p:spTgt>
+                                        </p:tgtEl>
+                                        <p:attrNameLst>
+                                          <p:attrName>style.visibility</p:attrName>
+                                        </p:attrNameLst>
+                                      </p:cBhvr>
+                                      <p:to>
+                                        <p:strVal val="visible"/>
+                                      </p:to>
+                                    </p:set>
+                                  </p:childTnLst>
+                                </p:cTn>
+                              </p:par>
+                            </p:childTnLst>
+                          </p:cTn>
+                        </p:par>
+                      </p:childTnLst>
+                    </p:cTn>
+                  </p:par>
+                  <p:par>
+                    <p:cTn id="7" fill="hold">
+                      <p:stCondLst>
+                        <p:cond delay="indefinite"/>
+                      </p:stCondLst>
+                      <p:childTnLst>
+                        <p:par>
+                          <p:cTn id="8" fill="hold">
+                            <p:stCondLst>
+                              <p:cond delay="0"/>
+                            </p:stCondLst>
+                            <p:childTnLst>
+                              <p:par>
+                                <p:cTn id="9" presetID="1" presetClass="entr" presetSubtype="0" fill="hold" grpId="0" nodeType="clickEffect">
+                                  <p:stCondLst>
+                                    <p:cond delay="0"/>
+                                  </p:stCondLst>
+                                  <p:childTnLst>
+                                    <p:set>
+                                      <p:cBhvr>
+                                        <p:cTn id="10" dur="1" fill="hold">
+                                          <p:stCondLst>
+                                            <p:cond delay="0"/>
+                                          </p:stCondLst>
+                                        </p:cTn>
+                                        <p:tgtEl>
+                                          <p:spTgt spid="3">
+                                            <p:txEl>
+                                              <p:pRg st="1" end="1"/>
+                                            </p:txEl>
+                                          </p:spTgt>
+                                        </p:tgtEl>
+                                        <p:attrNameLst>
+                                          <p:attrName>style.visibility</p:attrName>
+                                        </p:attrNameLst>
+                                      </p:cBhvr>
+                                      <p:to>
+                                        <p:strVal val="visible"/>
+                                      </p:to>
+                                    </p:set>
+                                  </p:childTnLst>
+                                </p:cTn>
+                              </p:par>
+                            </p:childTnLst>
+                          </p:cTn>
+                        </p:par>
+                      </p:childTnLst>
+                    </p:cTn>
+                  </p:par>
+                  <p:par>
+                    <p:cTn id="11" fill="hold">
+                      <p:stCondLst>
+                        <p:cond delay="indefinite"/>
+                      </p:stCondLst>
+                      <p:childTnLst>
+                        <p:par>
+                          <p:cTn id="12" fill="hold">
+                            <p:stCondLst>
+                              <p:cond delay="0"/>
+                            </p:stCondLst>
+                            <p:childTnLst>
+                              <p:par>
+                                <p:cTn id="13" presetID="1" presetClass="entr" presetSubtype="0" fill="hold" grpId="0" nodeType="clickEffect">
+                                  <p:stCondLst>
+                                    <p:cond delay="0"/>
+                                  </p:stCondLst>
+                                  <p:childTnLst>
+                                    <p:set>
+                                      <p:cBhvr>
+                                        <p:cTn id="14" dur="1" fill="hold">
+                                          <p:stCondLst>
+                                            <p:cond delay="0"/>
+                                          </p:stCondLst>
+                                        </p:cTn>
+                                        <p:tgtEl>
+                                          <p:spTgt spid="3">
+                                            <p:txEl>
+                                              <p:pRg st="2" end="2"/>
+                                            </p:txEl>
+                                          </p:spTgt>
+                                        </p:tgtEl>
+                                        <p:attrNameLst>
+                                          <p:attrName>style.visibility</p:attrName>
+                                        </p:attrNameLst>
+                                      </p:cBhvr>
+                                      <p:to>
+                                        <p:strVal val="visible"/>
+                                      </p:to>
+                                    </p:set>
+                                  </p:childTnLst>
+                                </p:cTn>
+                              </p:par>
+                            </p:childTnLst>
+                          </p:cTn>
+                        </p:par>
+                      </p:childTnLst>
+                    </p:cTn>
+                  </p:par>
+                  <p:par>
+                    <p:cTn id="15" fill="hold">
+                      <p:stCondLst>
+                        <p:cond delay="indefinite"/>
+                      </p:stCondLst>
+                      <p:childTnLst>
+                        <p:par>
+                          <p:cTn id="16" fill="hold">
+                            <p:stCondLst>
+                              <p:cond delay="0"/>
+                            </p:stCondLst>
+                            <p:childTnLst>
+                              <p:par>
+                                <p:cTn id="17" presetID="1" presetClass="entr" presetSubtype="0" fill="hold" grpId="0" nodeType="clickEffect">
+                                  <p:stCondLst>
+                                    <p:cond delay="0"/>
+                                  </p:stCondLst>
+                                  <p:childTnLst>
+                                    <p:set>
+                                      <p:cBhvr>
+                                        <p:cTn id="18" dur="1" fill="hold">
+                                          <p:stCondLst>
+                                            <p:cond delay="0"/>
+                                          </p:stCondLst>
+                                        </p:cTn>
+                                        <p:tgtEl>
+                                          <p:spTgt spid="3">
+                                            <p:txEl>
+                                              <p:pRg st="3" end="3"/>
+                                            </p:txEl>
+                                          </p:spTgt>
+                                        </p:tgtEl>
+                                        <p:attrNameLst>
+                                          <p:attrName>style.visibility</p:attrName>
+                                        </p:attrNameLst>
+                                      </p:cBhvr>
+                                      <p:to>
+                                        <p:strVal val="visible"/>
+                                      </p:to>
+                                    </p:set>
+                                  </p:childTnLst>
+                                </p:cTn>
+                              </p:par>
+                            </p:childTnLst>
+                          </p:cTn>
+                        </p:par>
+                      </p:childTnLst>
+                    </p:cTn>
+                  </p:par>
+                </p:childTnLst>
+              </p:cTn>
+              <p:prevCondLst>
+                <p:cond evt="onPrev" delay="0">
+                  <p:tgtEl>
+                    <p:sldTgt/>
+                  </p:tgtEl>
+                </p:cond>
+              </p:prevCondLst>
+              <p:nextCondLst>
+                <p:cond evt="onNext" delay="0">
+                  <p:tgtEl>
+                    <p:sldTgt/>
+                  </p:tgtEl>
+                </p:cond>
+              </p:nextCondLst>
+            </p:seq>
+          </p:childTnLst>
+        </p:cTn>
+      </p:par>
+    </p:tnLst>
+    <p:bldLst>
+      <p:bldP spid="3" grpId="0" build="p"/>
+    </p:bldLst>
+  </p:timing>
+</p:sld>
+</file>
+
+<file path=ppt/slides/slide46.xml><?xml version="1.0" encoding="utf-8"?>
+<p:sld xmlns:a="http://schemas.openxmlformats.org/drawingml/2006/main" xmlns:r="http://schemas.openxmlformats.org/officeDocument/2006/relationships" xmlns:p="http://schemas.openxmlformats.org/presentationml/2006/main">
+  <p:cSld>
+    <p:spTree>
+      <p:nvGrpSpPr>
+        <p:cNvPr id="1" name=""/>
+        <p:cNvGrpSpPr/>
+        <p:nvPr/>
+      </p:nvGrpSpPr>
+      <p:grpSpPr>
+        <a:xfrm>
+          <a:off x="0" y="0"/>
+          <a:ext cx="0" cy="0"/>
+          <a:chOff x="0" y="0"/>
+          <a:chExt cx="0" cy="0"/>
+        </a:xfrm>
+      </p:grpSpPr>
+      <p:sp>
+        <p:nvSpPr>
+          <p:cNvPr id="2" name="Title 1"/>
+          <p:cNvSpPr>
+            <a:spLocks noGrp="1"/>
+          </p:cNvSpPr>
+          <p:nvPr>
+            <p:ph type="title"/>
+          </p:nvPr>
+        </p:nvSpPr>
+        <p:spPr/>
+        <p:txBody>
+          <a:bodyPr/>
+          <a:lstStyle/>
+          <a:p>
+            <a:r>
+              <a:rPr lang="de-DE" dirty="0"/>
+              <a:t>Modul 2: </a:t>
+            </a:r>
+            <a:r>
+              <a:rPr lang="de-DE" dirty="0" err="1"/>
+              <a:t>Record</a:t>
+            </a:r>
+            <a:r>
+              <a:rPr lang="de-DE" dirty="0"/>
+              <a:t> </a:t>
+            </a:r>
+            <a:endParaRPr lang="en-US" dirty="0"/>
+          </a:p>
+        </p:txBody>
+      </p:sp>
+      <p:sp>
+        <p:nvSpPr>
+          <p:cNvPr id="3" name="Content Placeholder 2"/>
+          <p:cNvSpPr>
+            <a:spLocks noGrp="1"/>
+          </p:cNvSpPr>
+          <p:nvPr>
+            <p:ph idx="1"/>
+          </p:nvPr>
+        </p:nvSpPr>
+        <p:spPr/>
+        <p:txBody>
+          <a:bodyPr>
+            <a:normAutofit lnSpcReduction="10000"/>
+          </a:bodyPr>
+          <a:lstStyle/>
+          <a:p>
+            <a:pPr marL="0" indent="0">
+              <a:buNone/>
+            </a:pPr>
+            <a:r>
+              <a:rPr lang="de-DE" dirty="0"/>
+              <a:t>Zwei </a:t>
+            </a:r>
+            <a:r>
+              <a:rPr lang="de-DE" dirty="0" err="1"/>
+              <a:t>Record</a:t>
+            </a:r>
+            <a:r>
+              <a:rPr lang="de-DE" dirty="0"/>
+              <a:t> </a:t>
+            </a:r>
+            <a:r>
+              <a:rPr lang="de-DE" dirty="0" err="1"/>
+              <a:t>Types</a:t>
+            </a:r>
+            <a:r>
+              <a:rPr lang="de-DE" dirty="0"/>
+              <a:t> sind gleich wenn beide die gleichen</a:t>
+            </a:r>
+          </a:p>
+          <a:p>
+            <a:pPr>
+              <a:buFontTx/>
+              <a:buChar char="-"/>
+            </a:pPr>
+            <a:r>
+              <a:rPr lang="de-DE" dirty="0"/>
+              <a:t>Type</a:t>
+            </a:r>
+          </a:p>
+          <a:p>
+            <a:pPr>
+              <a:buFontTx/>
+              <a:buChar char="-"/>
+            </a:pPr>
+            <a:r>
+              <a:rPr lang="de-DE" dirty="0"/>
+              <a:t>Werte</a:t>
+            </a:r>
+          </a:p>
+          <a:p>
+            <a:pPr marL="0" indent="0">
+              <a:buNone/>
+            </a:pPr>
+            <a:r>
+              <a:rPr lang="de-DE" dirty="0"/>
+              <a:t>Im gleichen „Slot“ haben</a:t>
+            </a:r>
+          </a:p>
+          <a:p>
+            <a:pPr marL="0" indent="0">
+              <a:buNone/>
+            </a:pPr>
+            <a:r>
+              <a:rPr lang="de-DE" dirty="0"/>
+              <a:t>ACHTUNG: zwei </a:t>
+            </a:r>
+            <a:r>
+              <a:rPr lang="de-DE" dirty="0" err="1"/>
+              <a:t>Record</a:t>
+            </a:r>
+            <a:r>
+              <a:rPr lang="de-DE" dirty="0"/>
+              <a:t> typen mit unterschiedlichen Namen aber gleiche Bestandteile können nicht gleich sein! F# ist hier nominal!</a:t>
+            </a:r>
+            <a:endParaRPr lang="en-US" dirty="0"/>
+          </a:p>
+          <a:p>
+            <a:endParaRPr lang="en-US" sz="2800" dirty="0"/>
+          </a:p>
+        </p:txBody>
+      </p:sp>
+    </p:spTree>
+    <p:extLst>
+      <p:ext uri="{BB962C8B-B14F-4D97-AF65-F5344CB8AC3E}">
+        <p14:creationId xmlns:p14="http://schemas.microsoft.com/office/powerpoint/2010/main" val="1697047531"/>
       </p:ext>
     </p:extLst>
   </p:cSld>
@@ -23022,56 +25014,7 @@
                                         <p:tgtEl>
                                           <p:spTgt spid="3">
                                             <p:txEl>
-                                              <p:pRg st="5" end="5"/>
-                                            </p:txEl>
-                                          </p:spTgt>
-                                        </p:tgtEl>
-                                        <p:attrNameLst>
-                                          <p:attrName>style.visibility</p:attrName>
-                                        </p:attrNameLst>
-                                      </p:cBhvr>
-                                      <p:to>
-                                        <p:strVal val="visible"/>
-                                      </p:to>
-                                    </p:set>
-                                  </p:childTnLst>
-                                </p:cTn>
-                              </p:par>
-                            </p:childTnLst>
-                          </p:cTn>
-                        </p:par>
-                      </p:childTnLst>
-                    </p:cTn>
-                  </p:par>
-                  <p:par>
-                    <p:cTn id="23" fill="hold">
-                      <p:stCondLst>
-                        <p:cond delay="indefinite"/>
-                      </p:stCondLst>
-                      <p:childTnLst>
-                        <p:par>
-                          <p:cTn id="24" fill="hold">
-                            <p:stCondLst>
-                              <p:cond delay="0"/>
-                            </p:stCondLst>
-                            <p:childTnLst>
-                              <p:par>
-                                <p:cTn id="25" presetID="1" presetClass="entr" presetSubtype="0" fill="hold" grpId="0" nodeType="clickEffect">
-                                  <p:stCondLst>
-                                    <p:cond delay="0"/>
-                                  </p:stCondLst>
-                                  <p:childTnLst>
-                                    <p:set>
-                                      <p:cBhvr>
-                                        <p:cTn id="26" dur="1" fill="hold">
-                                          <p:stCondLst>
-                                            <p:cond delay="0"/>
-                                          </p:stCondLst>
-                                        </p:cTn>
-                                        <p:tgtEl>
-                                          <p:spTgt spid="3">
-                                            <p:txEl>
-                                              <p:pRg st="6" end="6"/>
+                                              <p:pRg st="4" end="4"/>
                                             </p:txEl>
                                           </p:spTgt>
                                         </p:tgtEl>
@@ -23120,1763 +25063,6 @@
 </p:sld>
 </file>
 
-<file path=ppt/slides/slide43.xml><?xml version="1.0" encoding="utf-8"?>
-<p:sld xmlns:a="http://schemas.openxmlformats.org/drawingml/2006/main" xmlns:r="http://schemas.openxmlformats.org/officeDocument/2006/relationships" xmlns:p="http://schemas.openxmlformats.org/presentationml/2006/main">
-  <p:cSld>
-    <p:spTree>
-      <p:nvGrpSpPr>
-        <p:cNvPr id="1" name=""/>
-        <p:cNvGrpSpPr/>
-        <p:nvPr/>
-      </p:nvGrpSpPr>
-      <p:grpSpPr>
-        <a:xfrm>
-          <a:off x="0" y="0"/>
-          <a:ext cx="0" cy="0"/>
-          <a:chOff x="0" y="0"/>
-          <a:chExt cx="0" cy="0"/>
-        </a:xfrm>
-      </p:grpSpPr>
-      <p:sp>
-        <p:nvSpPr>
-          <p:cNvPr id="2" name="Title 1"/>
-          <p:cNvSpPr>
-            <a:spLocks noGrp="1"/>
-          </p:cNvSpPr>
-          <p:nvPr>
-            <p:ph type="title"/>
-          </p:nvPr>
-        </p:nvSpPr>
-        <p:spPr/>
-        <p:txBody>
-          <a:bodyPr/>
-          <a:lstStyle/>
-          <a:p>
-            <a:r>
-              <a:rPr lang="de-DE" dirty="0" err="1"/>
-              <a:t>Record</a:t>
-            </a:r>
-            <a:r>
-              <a:rPr lang="de-DE" dirty="0"/>
-              <a:t>: </a:t>
-            </a:r>
-            <a:r>
-              <a:rPr lang="de-DE" dirty="0" err="1"/>
-              <a:t>Structural</a:t>
-            </a:r>
-            <a:r>
-              <a:rPr lang="de-DE" dirty="0"/>
-              <a:t> </a:t>
-            </a:r>
-            <a:r>
-              <a:rPr lang="de-DE" dirty="0" err="1"/>
-              <a:t>Equality</a:t>
-            </a:r>
-            <a:endParaRPr lang="en-US" dirty="0"/>
-          </a:p>
-        </p:txBody>
-      </p:sp>
-      <p:sp>
-        <p:nvSpPr>
-          <p:cNvPr id="3" name="Content Placeholder 2"/>
-          <p:cNvSpPr>
-            <a:spLocks noGrp="1"/>
-          </p:cNvSpPr>
-          <p:nvPr>
-            <p:ph idx="1"/>
-          </p:nvPr>
-        </p:nvSpPr>
-        <p:spPr/>
-        <p:txBody>
-          <a:bodyPr/>
-          <a:lstStyle/>
-          <a:p>
-            <a:pPr marL="0" indent="0">
-              <a:buNone/>
-            </a:pPr>
-            <a:r>
-              <a:rPr lang="de-DE" dirty="0"/>
-              <a:t>Zwei </a:t>
-            </a:r>
-            <a:r>
-              <a:rPr lang="de-DE" dirty="0" err="1"/>
-              <a:t>Record</a:t>
-            </a:r>
-            <a:r>
-              <a:rPr lang="de-DE" dirty="0"/>
-              <a:t> </a:t>
-            </a:r>
-            <a:r>
-              <a:rPr lang="de-DE" dirty="0" err="1"/>
-              <a:t>Types</a:t>
-            </a:r>
-            <a:r>
-              <a:rPr lang="de-DE" dirty="0"/>
-              <a:t> sind gleich wenn beide die gleichen</a:t>
-            </a:r>
-          </a:p>
-          <a:p>
-            <a:pPr>
-              <a:buFontTx/>
-              <a:buChar char="-"/>
-            </a:pPr>
-            <a:r>
-              <a:rPr lang="de-DE" dirty="0"/>
-              <a:t>Type</a:t>
-            </a:r>
-          </a:p>
-          <a:p>
-            <a:pPr>
-              <a:buFontTx/>
-              <a:buChar char="-"/>
-            </a:pPr>
-            <a:r>
-              <a:rPr lang="de-DE" dirty="0"/>
-              <a:t>Werte</a:t>
-            </a:r>
-          </a:p>
-          <a:p>
-            <a:pPr marL="0" indent="0">
-              <a:buNone/>
-            </a:pPr>
-            <a:r>
-              <a:rPr lang="de-DE" dirty="0"/>
-              <a:t>Im gleichen „Slot“ haben</a:t>
-            </a:r>
-          </a:p>
-          <a:p>
-            <a:pPr marL="0" indent="0">
-              <a:buNone/>
-            </a:pPr>
-            <a:r>
-              <a:rPr lang="de-DE" dirty="0"/>
-              <a:t>ACHTUNG: zwei </a:t>
-            </a:r>
-            <a:r>
-              <a:rPr lang="de-DE" dirty="0" err="1"/>
-              <a:t>Record</a:t>
-            </a:r>
-            <a:r>
-              <a:rPr lang="de-DE" dirty="0"/>
-              <a:t> typen mit unterschiedlichen Namen können nicht gleich sein! F# ist hier nominal!</a:t>
-            </a:r>
-            <a:endParaRPr lang="en-US" dirty="0"/>
-          </a:p>
-        </p:txBody>
-      </p:sp>
-    </p:spTree>
-    <p:extLst>
-      <p:ext uri="{BB962C8B-B14F-4D97-AF65-F5344CB8AC3E}">
-        <p14:creationId xmlns:p14="http://schemas.microsoft.com/office/powerpoint/2010/main" val="3594240934"/>
-      </p:ext>
-    </p:extLst>
-  </p:cSld>
-  <p:clrMapOvr>
-    <a:masterClrMapping/>
-  </p:clrMapOvr>
-</p:sld>
-</file>
-
-<file path=ppt/slides/slide44.xml><?xml version="1.0" encoding="utf-8"?>
-<p:sld xmlns:a="http://schemas.openxmlformats.org/drawingml/2006/main" xmlns:r="http://schemas.openxmlformats.org/officeDocument/2006/relationships" xmlns:p="http://schemas.openxmlformats.org/presentationml/2006/main">
-  <p:cSld>
-    <p:spTree>
-      <p:nvGrpSpPr>
-        <p:cNvPr id="1" name=""/>
-        <p:cNvGrpSpPr/>
-        <p:nvPr/>
-      </p:nvGrpSpPr>
-      <p:grpSpPr>
-        <a:xfrm>
-          <a:off x="0" y="0"/>
-          <a:ext cx="0" cy="0"/>
-          <a:chOff x="0" y="0"/>
-          <a:chExt cx="0" cy="0"/>
-        </a:xfrm>
-      </p:grpSpPr>
-      <p:sp>
-        <p:nvSpPr>
-          <p:cNvPr id="2" name="Title 1"/>
-          <p:cNvSpPr>
-            <a:spLocks noGrp="1"/>
-          </p:cNvSpPr>
-          <p:nvPr>
-            <p:ph type="title"/>
-          </p:nvPr>
-        </p:nvSpPr>
-        <p:spPr/>
-        <p:txBody>
-          <a:bodyPr>
-            <a:normAutofit fontScale="90000"/>
-          </a:bodyPr>
-          <a:lstStyle/>
-          <a:p>
-            <a:r>
-              <a:rPr lang="de-DE" dirty="0"/>
-              <a:t>DU</a:t>
-            </a:r>
-            <a:br>
-              <a:rPr lang="de-DE" dirty="0"/>
-            </a:br>
-            <a:r>
-              <a:rPr lang="de-DE" dirty="0" err="1"/>
-              <a:t>Discriminated</a:t>
-            </a:r>
-            <a:r>
-              <a:rPr lang="de-DE" dirty="0"/>
-              <a:t> Union</a:t>
-            </a:r>
-            <a:endParaRPr lang="en-US" dirty="0"/>
-          </a:p>
-        </p:txBody>
-      </p:sp>
-      <p:sp>
-        <p:nvSpPr>
-          <p:cNvPr id="3" name="Content Placeholder 2"/>
-          <p:cNvSpPr>
-            <a:spLocks noGrp="1"/>
-          </p:cNvSpPr>
-          <p:nvPr>
-            <p:ph idx="1"/>
-          </p:nvPr>
-        </p:nvSpPr>
-        <p:spPr/>
-        <p:txBody>
-          <a:bodyPr>
-            <a:normAutofit/>
-          </a:bodyPr>
-          <a:lstStyle/>
-          <a:p>
-            <a:pPr marL="0" indent="0">
-              <a:buNone/>
-            </a:pPr>
-            <a:r>
-              <a:rPr lang="de-DE" dirty="0"/>
-              <a:t>Unterscheidungs-Union auf deutsch</a:t>
-            </a:r>
-          </a:p>
-          <a:p>
-            <a:pPr marL="0" indent="0">
-              <a:buNone/>
-            </a:pPr>
-            <a:r>
-              <a:rPr lang="de-DE" dirty="0"/>
-              <a:t>Besteht aus einer Anzahl von benannten Fällen</a:t>
-            </a:r>
-          </a:p>
-          <a:p>
-            <a:pPr marL="0" indent="0">
-              <a:buNone/>
-            </a:pPr>
-            <a:r>
-              <a:rPr lang="de-DE" dirty="0"/>
-              <a:t>Nur eines ist gültig für einen Ausdruck</a:t>
-            </a:r>
-          </a:p>
-          <a:p>
-            <a:pPr marL="0" indent="0">
-              <a:buNone/>
-            </a:pPr>
-            <a:r>
-              <a:rPr lang="en-US" sz="2200" dirty="0">
-                <a:solidFill>
-                  <a:srgbClr val="0000FF"/>
-                </a:solidFill>
-                <a:highlight>
-                  <a:srgbClr val="FFFFFF"/>
-                </a:highlight>
-                <a:latin typeface="Consolas"/>
-              </a:rPr>
-              <a:t>type</a:t>
-            </a:r>
-            <a:r>
-              <a:rPr lang="en-US" sz="2200" dirty="0">
-                <a:solidFill>
-                  <a:srgbClr val="000000"/>
-                </a:solidFill>
-                <a:highlight>
-                  <a:srgbClr val="FFFFFF"/>
-                </a:highlight>
-                <a:latin typeface="Consolas"/>
-              </a:rPr>
-              <a:t> </a:t>
-            </a:r>
-            <a:r>
-              <a:rPr lang="en-US" sz="2200" dirty="0">
-                <a:solidFill>
-                  <a:srgbClr val="4EC9B0"/>
-                </a:solidFill>
-                <a:highlight>
-                  <a:srgbClr val="FFFFFF"/>
-                </a:highlight>
-                <a:latin typeface="Consolas"/>
-              </a:rPr>
-              <a:t>Shape</a:t>
-            </a:r>
-            <a:r>
-              <a:rPr lang="en-US" sz="2200" dirty="0">
-                <a:solidFill>
-                  <a:srgbClr val="000000"/>
-                </a:solidFill>
-                <a:highlight>
-                  <a:srgbClr val="FFFFFF"/>
-                </a:highlight>
-                <a:latin typeface="Consolas"/>
-              </a:rPr>
-              <a:t> </a:t>
-            </a:r>
-            <a:r>
-              <a:rPr lang="en-US" sz="2200" dirty="0">
-                <a:solidFill>
-                  <a:srgbClr val="DCDCDC"/>
-                </a:solidFill>
-                <a:highlight>
-                  <a:srgbClr val="FFFFFF"/>
-                </a:highlight>
-                <a:latin typeface="Consolas"/>
-              </a:rPr>
-              <a:t>=</a:t>
-            </a:r>
-            <a:endParaRPr lang="en-US" sz="2200" dirty="0">
-              <a:solidFill>
-                <a:srgbClr val="000000"/>
-              </a:solidFill>
-              <a:highlight>
-                <a:srgbClr val="FFFFFF"/>
-              </a:highlight>
-              <a:latin typeface="Consolas"/>
-            </a:endParaRPr>
-          </a:p>
-          <a:p>
-            <a:pPr marL="0" indent="0">
-              <a:buNone/>
-            </a:pPr>
-            <a:r>
-              <a:rPr lang="en-US" sz="2200" dirty="0">
-                <a:solidFill>
-                  <a:srgbClr val="000000"/>
-                </a:solidFill>
-                <a:highlight>
-                  <a:srgbClr val="FFFFFF"/>
-                </a:highlight>
-                <a:latin typeface="Consolas"/>
-              </a:rPr>
-              <a:t>| </a:t>
-            </a:r>
-            <a:r>
-              <a:rPr lang="en-US" sz="2200" dirty="0">
-                <a:solidFill>
-                  <a:schemeClr val="accent2">
-                    <a:lumMod val="75000"/>
-                  </a:schemeClr>
-                </a:solidFill>
-                <a:highlight>
-                  <a:srgbClr val="FFFFFF"/>
-                </a:highlight>
-                <a:latin typeface="Consolas"/>
-              </a:rPr>
-              <a:t>Rectangle</a:t>
-            </a:r>
-            <a:r>
-              <a:rPr lang="en-US" sz="2200" dirty="0">
-                <a:solidFill>
-                  <a:srgbClr val="000000"/>
-                </a:solidFill>
-                <a:highlight>
-                  <a:srgbClr val="FFFFFF"/>
-                </a:highlight>
-                <a:latin typeface="Consolas"/>
-              </a:rPr>
-              <a:t> </a:t>
-            </a:r>
-            <a:r>
-              <a:rPr lang="en-US" sz="2200" dirty="0">
-                <a:solidFill>
-                  <a:srgbClr val="0000FF"/>
-                </a:solidFill>
-                <a:highlight>
-                  <a:srgbClr val="FFFFFF"/>
-                </a:highlight>
-                <a:latin typeface="Consolas"/>
-              </a:rPr>
-              <a:t>of</a:t>
-            </a:r>
-            <a:r>
-              <a:rPr lang="en-US" sz="2200" dirty="0">
-                <a:solidFill>
-                  <a:srgbClr val="000000"/>
-                </a:solidFill>
-                <a:highlight>
-                  <a:srgbClr val="FFFFFF"/>
-                </a:highlight>
-                <a:latin typeface="Consolas"/>
-              </a:rPr>
-              <a:t> width : </a:t>
-            </a:r>
-            <a:r>
-              <a:rPr lang="en-US" sz="2200" dirty="0">
-                <a:solidFill>
-                  <a:srgbClr val="4EC9B0"/>
-                </a:solidFill>
-                <a:highlight>
-                  <a:srgbClr val="FFFFFF"/>
-                </a:highlight>
-                <a:latin typeface="Consolas"/>
-              </a:rPr>
-              <a:t>float</a:t>
-            </a:r>
-            <a:r>
-              <a:rPr lang="en-US" sz="2200" dirty="0">
-                <a:solidFill>
-                  <a:srgbClr val="000000"/>
-                </a:solidFill>
-                <a:highlight>
-                  <a:srgbClr val="FFFFFF"/>
-                </a:highlight>
-                <a:latin typeface="Consolas"/>
-              </a:rPr>
-              <a:t> * length : </a:t>
-            </a:r>
-            <a:r>
-              <a:rPr lang="en-US" sz="2200" dirty="0">
-                <a:solidFill>
-                  <a:srgbClr val="4EC9B0"/>
-                </a:solidFill>
-                <a:highlight>
-                  <a:srgbClr val="FFFFFF"/>
-                </a:highlight>
-                <a:latin typeface="Consolas"/>
-              </a:rPr>
-              <a:t>float</a:t>
-            </a:r>
-            <a:endParaRPr lang="en-US" sz="2200" dirty="0">
-              <a:solidFill>
-                <a:srgbClr val="000000"/>
-              </a:solidFill>
-              <a:highlight>
-                <a:srgbClr val="FFFFFF"/>
-              </a:highlight>
-              <a:latin typeface="Consolas"/>
-            </a:endParaRPr>
-          </a:p>
-          <a:p>
-            <a:pPr marL="0" indent="0">
-              <a:buNone/>
-            </a:pPr>
-            <a:r>
-              <a:rPr lang="en-US" sz="2200" dirty="0">
-                <a:solidFill>
-                  <a:srgbClr val="000000"/>
-                </a:solidFill>
-                <a:highlight>
-                  <a:srgbClr val="FFFFFF"/>
-                </a:highlight>
-                <a:latin typeface="Consolas"/>
-              </a:rPr>
-              <a:t>| </a:t>
-            </a:r>
-            <a:r>
-              <a:rPr lang="en-US" sz="2200" dirty="0">
-                <a:solidFill>
-                  <a:schemeClr val="accent2">
-                    <a:lumMod val="75000"/>
-                  </a:schemeClr>
-                </a:solidFill>
-                <a:highlight>
-                  <a:srgbClr val="FFFFFF"/>
-                </a:highlight>
-                <a:latin typeface="Consolas"/>
-              </a:rPr>
-              <a:t>Circle</a:t>
-            </a:r>
-            <a:r>
-              <a:rPr lang="en-US" sz="2200" dirty="0">
-                <a:solidFill>
-                  <a:srgbClr val="000000"/>
-                </a:solidFill>
-                <a:highlight>
-                  <a:srgbClr val="FFFFFF"/>
-                </a:highlight>
-                <a:latin typeface="Consolas"/>
-              </a:rPr>
-              <a:t> </a:t>
-            </a:r>
-            <a:r>
-              <a:rPr lang="en-US" sz="2200" dirty="0">
-                <a:solidFill>
-                  <a:srgbClr val="0000FF"/>
-                </a:solidFill>
-                <a:highlight>
-                  <a:srgbClr val="FFFFFF"/>
-                </a:highlight>
-                <a:latin typeface="Consolas"/>
-              </a:rPr>
-              <a:t>of</a:t>
-            </a:r>
-            <a:r>
-              <a:rPr lang="en-US" sz="2200" dirty="0">
-                <a:solidFill>
-                  <a:srgbClr val="000000"/>
-                </a:solidFill>
-                <a:highlight>
-                  <a:srgbClr val="FFFFFF"/>
-                </a:highlight>
-                <a:latin typeface="Consolas"/>
-              </a:rPr>
-              <a:t> radius : </a:t>
-            </a:r>
-            <a:r>
-              <a:rPr lang="en-US" sz="2200" dirty="0">
-                <a:solidFill>
-                  <a:srgbClr val="4EC9B0"/>
-                </a:solidFill>
-                <a:highlight>
-                  <a:srgbClr val="FFFFFF"/>
-                </a:highlight>
-                <a:latin typeface="Consolas"/>
-              </a:rPr>
-              <a:t>float</a:t>
-            </a:r>
-            <a:endParaRPr lang="en-US" sz="2200" dirty="0">
-              <a:solidFill>
-                <a:srgbClr val="000000"/>
-              </a:solidFill>
-              <a:highlight>
-                <a:srgbClr val="FFFFFF"/>
-              </a:highlight>
-              <a:latin typeface="Consolas"/>
-            </a:endParaRPr>
-          </a:p>
-          <a:p>
-            <a:pPr marL="0" indent="0">
-              <a:buNone/>
-            </a:pPr>
-            <a:r>
-              <a:rPr lang="en-US" sz="2200" dirty="0">
-                <a:solidFill>
-                  <a:srgbClr val="000000"/>
-                </a:solidFill>
-                <a:highlight>
-                  <a:srgbClr val="FFFFFF"/>
-                </a:highlight>
-                <a:latin typeface="Consolas"/>
-              </a:rPr>
-              <a:t>| </a:t>
-            </a:r>
-            <a:r>
-              <a:rPr lang="en-US" sz="2200" dirty="0">
-                <a:solidFill>
-                  <a:schemeClr val="accent2">
-                    <a:lumMod val="75000"/>
-                  </a:schemeClr>
-                </a:solidFill>
-                <a:highlight>
-                  <a:srgbClr val="FFFFFF"/>
-                </a:highlight>
-                <a:latin typeface="Consolas"/>
-              </a:rPr>
-              <a:t>Prism</a:t>
-            </a:r>
-            <a:r>
-              <a:rPr lang="en-US" sz="2200" dirty="0">
-                <a:solidFill>
-                  <a:srgbClr val="000000"/>
-                </a:solidFill>
-                <a:highlight>
-                  <a:srgbClr val="FFFFFF"/>
-                </a:highlight>
-                <a:latin typeface="Consolas"/>
-              </a:rPr>
-              <a:t> </a:t>
-            </a:r>
-            <a:r>
-              <a:rPr lang="en-US" sz="2200" dirty="0">
-                <a:solidFill>
-                  <a:srgbClr val="0000FF"/>
-                </a:solidFill>
-                <a:highlight>
-                  <a:srgbClr val="FFFFFF"/>
-                </a:highlight>
-                <a:latin typeface="Consolas"/>
-              </a:rPr>
-              <a:t>of</a:t>
-            </a:r>
-            <a:r>
-              <a:rPr lang="en-US" sz="2200" dirty="0">
-                <a:solidFill>
-                  <a:srgbClr val="000000"/>
-                </a:solidFill>
-                <a:highlight>
-                  <a:srgbClr val="FFFFFF"/>
-                </a:highlight>
-                <a:latin typeface="Consolas"/>
-              </a:rPr>
-              <a:t> width : </a:t>
-            </a:r>
-            <a:r>
-              <a:rPr lang="en-US" sz="2200" dirty="0">
-                <a:solidFill>
-                  <a:srgbClr val="4EC9B0"/>
-                </a:solidFill>
-                <a:highlight>
-                  <a:srgbClr val="FFFFFF"/>
-                </a:highlight>
-                <a:latin typeface="Consolas"/>
-              </a:rPr>
-              <a:t>float</a:t>
-            </a:r>
-            <a:r>
-              <a:rPr lang="en-US" sz="2200" dirty="0">
-                <a:solidFill>
-                  <a:srgbClr val="000000"/>
-                </a:solidFill>
-                <a:highlight>
-                  <a:srgbClr val="FFFFFF"/>
-                </a:highlight>
-                <a:latin typeface="Consolas"/>
-              </a:rPr>
-              <a:t> * </a:t>
-            </a:r>
-            <a:r>
-              <a:rPr lang="en-US" sz="2200" dirty="0">
-                <a:solidFill>
-                  <a:srgbClr val="4EC9B0"/>
-                </a:solidFill>
-                <a:highlight>
-                  <a:srgbClr val="FFFFFF"/>
-                </a:highlight>
-                <a:latin typeface="Consolas"/>
-              </a:rPr>
-              <a:t>float</a:t>
-            </a:r>
-            <a:r>
-              <a:rPr lang="en-US" sz="2200" dirty="0">
-                <a:solidFill>
-                  <a:srgbClr val="000000"/>
-                </a:solidFill>
-                <a:highlight>
-                  <a:srgbClr val="FFFFFF"/>
-                </a:highlight>
-                <a:latin typeface="Consolas"/>
-              </a:rPr>
-              <a:t> * height : </a:t>
-            </a:r>
-            <a:r>
-              <a:rPr lang="en-US" sz="2200" dirty="0">
-                <a:solidFill>
-                  <a:srgbClr val="4EC9B0"/>
-                </a:solidFill>
-                <a:highlight>
-                  <a:srgbClr val="FFFFFF"/>
-                </a:highlight>
-                <a:latin typeface="Consolas"/>
-              </a:rPr>
-              <a:t>float</a:t>
-            </a:r>
-            <a:endParaRPr lang="en-US" sz="2200" dirty="0"/>
-          </a:p>
-        </p:txBody>
-      </p:sp>
-    </p:spTree>
-    <p:extLst>
-      <p:ext uri="{BB962C8B-B14F-4D97-AF65-F5344CB8AC3E}">
-        <p14:creationId xmlns:p14="http://schemas.microsoft.com/office/powerpoint/2010/main" val="3184996216"/>
-      </p:ext>
-    </p:extLst>
-  </p:cSld>
-  <p:clrMapOvr>
-    <a:masterClrMapping/>
-  </p:clrMapOvr>
-</p:sld>
-</file>
-
-<file path=ppt/slides/slide45.xml><?xml version="1.0" encoding="utf-8"?>
-<p:sld xmlns:a="http://schemas.openxmlformats.org/drawingml/2006/main" xmlns:r="http://schemas.openxmlformats.org/officeDocument/2006/relationships" xmlns:p="http://schemas.openxmlformats.org/presentationml/2006/main">
-  <p:cSld>
-    <p:spTree>
-      <p:nvGrpSpPr>
-        <p:cNvPr id="1" name=""/>
-        <p:cNvGrpSpPr/>
-        <p:nvPr/>
-      </p:nvGrpSpPr>
-      <p:grpSpPr>
-        <a:xfrm>
-          <a:off x="0" y="0"/>
-          <a:ext cx="0" cy="0"/>
-          <a:chOff x="0" y="0"/>
-          <a:chExt cx="0" cy="0"/>
-        </a:xfrm>
-      </p:grpSpPr>
-      <p:sp>
-        <p:nvSpPr>
-          <p:cNvPr id="2" name="Title 1"/>
-          <p:cNvSpPr>
-            <a:spLocks noGrp="1"/>
-          </p:cNvSpPr>
-          <p:nvPr>
-            <p:ph type="title"/>
-          </p:nvPr>
-        </p:nvSpPr>
-        <p:spPr/>
-        <p:txBody>
-          <a:bodyPr/>
-          <a:lstStyle/>
-          <a:p>
-            <a:r>
-              <a:rPr lang="de-DE" dirty="0"/>
-              <a:t>DU: Single Case</a:t>
-            </a:r>
-            <a:endParaRPr lang="en-US" dirty="0"/>
-          </a:p>
-        </p:txBody>
-      </p:sp>
-      <p:sp>
-        <p:nvSpPr>
-          <p:cNvPr id="3" name="Content Placeholder 2"/>
-          <p:cNvSpPr>
-            <a:spLocks noGrp="1"/>
-          </p:cNvSpPr>
-          <p:nvPr>
-            <p:ph idx="1"/>
-          </p:nvPr>
-        </p:nvSpPr>
-        <p:spPr/>
-        <p:txBody>
-          <a:bodyPr>
-            <a:normAutofit lnSpcReduction="10000"/>
-          </a:bodyPr>
-          <a:lstStyle/>
-          <a:p>
-            <a:pPr marL="0" indent="0">
-              <a:buNone/>
-            </a:pPr>
-            <a:r>
-              <a:rPr lang="en-US" dirty="0">
-                <a:solidFill>
-                  <a:srgbClr val="0000FF"/>
-                </a:solidFill>
-                <a:highlight>
-                  <a:srgbClr val="FFFFFF"/>
-                </a:highlight>
-                <a:latin typeface="Consolas"/>
-              </a:rPr>
-              <a:t>type</a:t>
-            </a:r>
-            <a:r>
-              <a:rPr lang="en-US" dirty="0">
-                <a:solidFill>
-                  <a:srgbClr val="000000"/>
-                </a:solidFill>
-                <a:highlight>
-                  <a:srgbClr val="FFFFFF"/>
-                </a:highlight>
-                <a:latin typeface="Consolas"/>
-              </a:rPr>
-              <a:t> </a:t>
-            </a:r>
-            <a:r>
-              <a:rPr lang="en-US" dirty="0" err="1">
-                <a:solidFill>
-                  <a:srgbClr val="4EC9B0"/>
-                </a:solidFill>
-                <a:highlight>
-                  <a:srgbClr val="FFFFFF"/>
-                </a:highlight>
-                <a:latin typeface="Consolas"/>
-              </a:rPr>
-              <a:t>CustomerId</a:t>
-            </a:r>
-            <a:r>
-              <a:rPr lang="en-US" dirty="0">
-                <a:solidFill>
-                  <a:srgbClr val="000000"/>
-                </a:solidFill>
-                <a:highlight>
-                  <a:srgbClr val="FFFFFF"/>
-                </a:highlight>
-                <a:latin typeface="Consolas"/>
-              </a:rPr>
-              <a:t> </a:t>
-            </a:r>
-            <a:r>
-              <a:rPr lang="en-US" dirty="0">
-                <a:solidFill>
-                  <a:srgbClr val="DCDCDC"/>
-                </a:solidFill>
-                <a:highlight>
-                  <a:srgbClr val="FFFFFF"/>
-                </a:highlight>
-                <a:latin typeface="Consolas"/>
-              </a:rPr>
-              <a:t>=</a:t>
-            </a:r>
-            <a:r>
-              <a:rPr lang="en-US" dirty="0">
-                <a:solidFill>
-                  <a:srgbClr val="000000"/>
-                </a:solidFill>
-                <a:highlight>
-                  <a:srgbClr val="FFFFFF"/>
-                </a:highlight>
-                <a:latin typeface="Consolas"/>
-              </a:rPr>
-              <a:t> </a:t>
-            </a:r>
-            <a:r>
-              <a:rPr lang="en-US" dirty="0" err="1">
-                <a:solidFill>
-                  <a:srgbClr val="DCDCDC"/>
-                </a:solidFill>
-                <a:highlight>
-                  <a:srgbClr val="FFFFFF"/>
-                </a:highlight>
-                <a:latin typeface="Consolas"/>
-              </a:rPr>
-              <a:t>CustomerId</a:t>
-            </a:r>
-            <a:r>
-              <a:rPr lang="en-US" dirty="0">
-                <a:solidFill>
-                  <a:srgbClr val="000000"/>
-                </a:solidFill>
-                <a:highlight>
-                  <a:srgbClr val="FFFFFF"/>
-                </a:highlight>
-                <a:latin typeface="Consolas"/>
-              </a:rPr>
-              <a:t> </a:t>
-            </a:r>
-            <a:r>
-              <a:rPr lang="en-US" dirty="0">
-                <a:solidFill>
-                  <a:srgbClr val="0000FF"/>
-                </a:solidFill>
-                <a:highlight>
-                  <a:srgbClr val="FFFFFF"/>
-                </a:highlight>
-                <a:latin typeface="Consolas"/>
-              </a:rPr>
-              <a:t>of</a:t>
-            </a:r>
-            <a:r>
-              <a:rPr lang="en-US" dirty="0">
-                <a:solidFill>
-                  <a:srgbClr val="000000"/>
-                </a:solidFill>
-                <a:highlight>
-                  <a:srgbClr val="FFFFFF"/>
-                </a:highlight>
-                <a:latin typeface="Consolas"/>
-              </a:rPr>
-              <a:t> </a:t>
-            </a:r>
-            <a:r>
-              <a:rPr lang="en-US" dirty="0" err="1">
-                <a:solidFill>
-                  <a:srgbClr val="4EC9B0"/>
-                </a:solidFill>
-                <a:highlight>
-                  <a:srgbClr val="FFFFFF"/>
-                </a:highlight>
-                <a:latin typeface="Consolas"/>
-              </a:rPr>
-              <a:t>int</a:t>
-            </a:r>
-            <a:endParaRPr lang="en-US" dirty="0">
-              <a:solidFill>
-                <a:srgbClr val="000000"/>
-              </a:solidFill>
-              <a:highlight>
-                <a:srgbClr val="FFFFFF"/>
-              </a:highlight>
-              <a:latin typeface="Consolas"/>
-            </a:endParaRPr>
-          </a:p>
-          <a:p>
-            <a:pPr marL="0" indent="0">
-              <a:buNone/>
-            </a:pPr>
-            <a:r>
-              <a:rPr lang="en-US" dirty="0">
-                <a:solidFill>
-                  <a:srgbClr val="0000FF"/>
-                </a:solidFill>
-                <a:highlight>
-                  <a:srgbClr val="FFFFFF"/>
-                </a:highlight>
-                <a:latin typeface="Consolas"/>
-              </a:rPr>
-              <a:t>type</a:t>
-            </a:r>
-            <a:r>
-              <a:rPr lang="en-US" dirty="0">
-                <a:solidFill>
-                  <a:srgbClr val="000000"/>
-                </a:solidFill>
-                <a:highlight>
-                  <a:srgbClr val="FFFFFF"/>
-                </a:highlight>
-                <a:latin typeface="Consolas"/>
-              </a:rPr>
-              <a:t> </a:t>
-            </a:r>
-            <a:r>
-              <a:rPr lang="en-US" dirty="0" err="1">
-                <a:solidFill>
-                  <a:srgbClr val="4EC9B0"/>
-                </a:solidFill>
-                <a:highlight>
-                  <a:srgbClr val="FFFFFF"/>
-                </a:highlight>
-                <a:latin typeface="Consolas"/>
-              </a:rPr>
-              <a:t>OrderId</a:t>
-            </a:r>
-            <a:r>
-              <a:rPr lang="en-US" dirty="0">
-                <a:solidFill>
-                  <a:srgbClr val="000000"/>
-                </a:solidFill>
-                <a:highlight>
-                  <a:srgbClr val="FFFFFF"/>
-                </a:highlight>
-                <a:latin typeface="Consolas"/>
-              </a:rPr>
-              <a:t> </a:t>
-            </a:r>
-            <a:r>
-              <a:rPr lang="en-US" dirty="0">
-                <a:solidFill>
-                  <a:srgbClr val="DCDCDC"/>
-                </a:solidFill>
-                <a:highlight>
-                  <a:srgbClr val="FFFFFF"/>
-                </a:highlight>
-                <a:latin typeface="Consolas"/>
-              </a:rPr>
-              <a:t>=</a:t>
-            </a:r>
-            <a:r>
-              <a:rPr lang="en-US" dirty="0">
-                <a:solidFill>
-                  <a:srgbClr val="000000"/>
-                </a:solidFill>
-                <a:highlight>
-                  <a:srgbClr val="FFFFFF"/>
-                </a:highlight>
-                <a:latin typeface="Consolas"/>
-              </a:rPr>
-              <a:t> </a:t>
-            </a:r>
-            <a:r>
-              <a:rPr lang="en-US" dirty="0" err="1">
-                <a:solidFill>
-                  <a:srgbClr val="DCDCDC"/>
-                </a:solidFill>
-                <a:highlight>
-                  <a:srgbClr val="FFFFFF"/>
-                </a:highlight>
-                <a:latin typeface="Consolas"/>
-              </a:rPr>
-              <a:t>OrderId</a:t>
-            </a:r>
-            <a:r>
-              <a:rPr lang="en-US" dirty="0">
-                <a:solidFill>
-                  <a:srgbClr val="000000"/>
-                </a:solidFill>
-                <a:highlight>
-                  <a:srgbClr val="FFFFFF"/>
-                </a:highlight>
-                <a:latin typeface="Consolas"/>
-              </a:rPr>
-              <a:t> </a:t>
-            </a:r>
-            <a:r>
-              <a:rPr lang="en-US" dirty="0">
-                <a:solidFill>
-                  <a:srgbClr val="0000FF"/>
-                </a:solidFill>
-                <a:highlight>
-                  <a:srgbClr val="FFFFFF"/>
-                </a:highlight>
-                <a:latin typeface="Consolas"/>
-              </a:rPr>
-              <a:t>of</a:t>
-            </a:r>
-            <a:r>
-              <a:rPr lang="en-US" dirty="0">
-                <a:solidFill>
-                  <a:srgbClr val="000000"/>
-                </a:solidFill>
-                <a:highlight>
-                  <a:srgbClr val="FFFFFF"/>
-                </a:highlight>
-                <a:latin typeface="Consolas"/>
-              </a:rPr>
-              <a:t> </a:t>
-            </a:r>
-            <a:r>
-              <a:rPr lang="en-US" dirty="0" err="1">
-                <a:solidFill>
-                  <a:srgbClr val="4EC9B0"/>
-                </a:solidFill>
-                <a:highlight>
-                  <a:srgbClr val="FFFFFF"/>
-                </a:highlight>
-                <a:latin typeface="Consolas"/>
-              </a:rPr>
-              <a:t>int</a:t>
-            </a:r>
-            <a:endParaRPr lang="en-US" dirty="0">
-              <a:solidFill>
-                <a:srgbClr val="000000"/>
-              </a:solidFill>
-              <a:highlight>
-                <a:srgbClr val="FFFFFF"/>
-              </a:highlight>
-              <a:latin typeface="Consolas"/>
-            </a:endParaRPr>
-          </a:p>
-          <a:p>
-            <a:endParaRPr lang="en-US" dirty="0">
-              <a:solidFill>
-                <a:srgbClr val="000000"/>
-              </a:solidFill>
-              <a:highlight>
-                <a:srgbClr val="FFFFFF"/>
-              </a:highlight>
-              <a:latin typeface="Consolas"/>
-            </a:endParaRPr>
-          </a:p>
-          <a:p>
-            <a:pPr marL="0" indent="0">
-              <a:buNone/>
-            </a:pPr>
-            <a:r>
-              <a:rPr lang="en-US" dirty="0">
-                <a:solidFill>
-                  <a:srgbClr val="0000FF"/>
-                </a:solidFill>
-                <a:highlight>
-                  <a:srgbClr val="FFFFFF"/>
-                </a:highlight>
-                <a:latin typeface="Consolas"/>
-              </a:rPr>
-              <a:t>let</a:t>
-            </a:r>
-            <a:r>
-              <a:rPr lang="en-US" dirty="0">
-                <a:solidFill>
-                  <a:srgbClr val="000000"/>
-                </a:solidFill>
-                <a:highlight>
-                  <a:srgbClr val="FFFFFF"/>
-                </a:highlight>
-                <a:latin typeface="Consolas"/>
-              </a:rPr>
-              <a:t> </a:t>
-            </a:r>
-            <a:r>
-              <a:rPr lang="en-US" dirty="0" err="1">
-                <a:solidFill>
-                  <a:srgbClr val="000000"/>
-                </a:solidFill>
-                <a:highlight>
-                  <a:srgbClr val="FFFFFF"/>
-                </a:highlight>
-                <a:latin typeface="Consolas"/>
-              </a:rPr>
-              <a:t>cid</a:t>
-            </a:r>
-            <a:r>
-              <a:rPr lang="en-US" dirty="0">
-                <a:solidFill>
-                  <a:srgbClr val="000000"/>
-                </a:solidFill>
-                <a:highlight>
-                  <a:srgbClr val="FFFFFF"/>
-                </a:highlight>
-                <a:latin typeface="Consolas"/>
-              </a:rPr>
-              <a:t> </a:t>
-            </a:r>
-            <a:r>
-              <a:rPr lang="en-US" dirty="0">
-                <a:solidFill>
-                  <a:srgbClr val="DCDCDC"/>
-                </a:solidFill>
-                <a:highlight>
-                  <a:srgbClr val="FFFFFF"/>
-                </a:highlight>
-                <a:latin typeface="Consolas"/>
-              </a:rPr>
-              <a:t>=</a:t>
-            </a:r>
-            <a:r>
-              <a:rPr lang="en-US" dirty="0">
-                <a:solidFill>
-                  <a:srgbClr val="000000"/>
-                </a:solidFill>
-                <a:highlight>
-                  <a:srgbClr val="FFFFFF"/>
-                </a:highlight>
-                <a:latin typeface="Consolas"/>
-              </a:rPr>
-              <a:t> </a:t>
-            </a:r>
-            <a:r>
-              <a:rPr lang="en-US" dirty="0" err="1">
-                <a:solidFill>
-                  <a:srgbClr val="DCDCDC"/>
-                </a:solidFill>
-                <a:highlight>
-                  <a:srgbClr val="FFFFFF"/>
-                </a:highlight>
-                <a:latin typeface="Consolas"/>
-              </a:rPr>
-              <a:t>CustomerId</a:t>
-            </a:r>
-            <a:r>
-              <a:rPr lang="en-US" dirty="0">
-                <a:solidFill>
-                  <a:srgbClr val="000000"/>
-                </a:solidFill>
-                <a:highlight>
-                  <a:srgbClr val="FFFFFF"/>
-                </a:highlight>
-                <a:latin typeface="Consolas"/>
-              </a:rPr>
-              <a:t>(15)</a:t>
-            </a:r>
-          </a:p>
-          <a:p>
-            <a:pPr marL="0" indent="0">
-              <a:buNone/>
-            </a:pPr>
-            <a:r>
-              <a:rPr lang="en-US" dirty="0">
-                <a:solidFill>
-                  <a:srgbClr val="0000FF"/>
-                </a:solidFill>
-                <a:highlight>
-                  <a:srgbClr val="FFFFFF"/>
-                </a:highlight>
-                <a:latin typeface="Consolas"/>
-              </a:rPr>
-              <a:t>let</a:t>
-            </a:r>
-            <a:r>
-              <a:rPr lang="en-US" dirty="0">
-                <a:solidFill>
-                  <a:srgbClr val="000000"/>
-                </a:solidFill>
-                <a:highlight>
-                  <a:srgbClr val="FFFFFF"/>
-                </a:highlight>
-                <a:latin typeface="Consolas"/>
-              </a:rPr>
-              <a:t> </a:t>
-            </a:r>
-            <a:r>
-              <a:rPr lang="en-US" dirty="0" err="1">
-                <a:solidFill>
-                  <a:srgbClr val="000000"/>
-                </a:solidFill>
-                <a:highlight>
-                  <a:srgbClr val="FFFFFF"/>
-                </a:highlight>
-                <a:latin typeface="Consolas"/>
-              </a:rPr>
-              <a:t>oid</a:t>
-            </a:r>
-            <a:r>
-              <a:rPr lang="en-US" dirty="0">
-                <a:solidFill>
-                  <a:srgbClr val="000000"/>
-                </a:solidFill>
-                <a:highlight>
-                  <a:srgbClr val="FFFFFF"/>
-                </a:highlight>
-                <a:latin typeface="Consolas"/>
-              </a:rPr>
-              <a:t> </a:t>
-            </a:r>
-            <a:r>
-              <a:rPr lang="en-US" dirty="0">
-                <a:solidFill>
-                  <a:srgbClr val="DCDCDC"/>
-                </a:solidFill>
-                <a:highlight>
-                  <a:srgbClr val="FFFFFF"/>
-                </a:highlight>
-                <a:latin typeface="Consolas"/>
-              </a:rPr>
-              <a:t>=</a:t>
-            </a:r>
-            <a:r>
-              <a:rPr lang="en-US" dirty="0">
-                <a:solidFill>
-                  <a:srgbClr val="000000"/>
-                </a:solidFill>
-                <a:highlight>
-                  <a:srgbClr val="FFFFFF"/>
-                </a:highlight>
-                <a:latin typeface="Consolas"/>
-              </a:rPr>
-              <a:t> </a:t>
-            </a:r>
-            <a:r>
-              <a:rPr lang="en-US" dirty="0" err="1">
-                <a:solidFill>
-                  <a:srgbClr val="DCDCDC"/>
-                </a:solidFill>
-                <a:highlight>
-                  <a:srgbClr val="FFFFFF"/>
-                </a:highlight>
-                <a:latin typeface="Consolas"/>
-              </a:rPr>
-              <a:t>OrderId</a:t>
-            </a:r>
-            <a:r>
-              <a:rPr lang="en-US" dirty="0">
-                <a:solidFill>
-                  <a:srgbClr val="000000"/>
-                </a:solidFill>
-                <a:highlight>
-                  <a:srgbClr val="FFFFFF"/>
-                </a:highlight>
-                <a:latin typeface="Consolas"/>
-              </a:rPr>
-              <a:t>(15)</a:t>
-            </a:r>
-          </a:p>
-          <a:p>
-            <a:pPr marL="0" indent="0">
-              <a:buNone/>
-            </a:pPr>
-            <a:endParaRPr lang="en-US" dirty="0">
-              <a:solidFill>
-                <a:srgbClr val="000000"/>
-              </a:solidFill>
-              <a:highlight>
-                <a:srgbClr val="FFFFFF"/>
-              </a:highlight>
-              <a:latin typeface="Consolas"/>
-            </a:endParaRPr>
-          </a:p>
-          <a:p>
-            <a:pPr marL="0" indent="0">
-              <a:buNone/>
-            </a:pPr>
-            <a:r>
-              <a:rPr lang="en-US" dirty="0">
-                <a:solidFill>
-                  <a:srgbClr val="0000FF"/>
-                </a:solidFill>
-                <a:highlight>
-                  <a:srgbClr val="FFFFFF"/>
-                </a:highlight>
-                <a:latin typeface="Consolas"/>
-              </a:rPr>
-              <a:t>let</a:t>
-            </a:r>
-            <a:r>
-              <a:rPr lang="en-US" dirty="0">
-                <a:solidFill>
-                  <a:srgbClr val="000000"/>
-                </a:solidFill>
-                <a:highlight>
-                  <a:srgbClr val="FFFFFF"/>
-                </a:highlight>
-                <a:latin typeface="Consolas"/>
-              </a:rPr>
-              <a:t> t </a:t>
-            </a:r>
-            <a:r>
-              <a:rPr lang="en-US" dirty="0">
-                <a:solidFill>
-                  <a:srgbClr val="DCDCDC"/>
-                </a:solidFill>
-                <a:highlight>
-                  <a:srgbClr val="FFFFFF"/>
-                </a:highlight>
-                <a:latin typeface="Consolas"/>
-              </a:rPr>
-              <a:t>=</a:t>
-            </a:r>
-            <a:r>
-              <a:rPr lang="en-US" dirty="0">
-                <a:solidFill>
-                  <a:srgbClr val="000000"/>
-                </a:solidFill>
-                <a:highlight>
-                  <a:srgbClr val="FFFFFF"/>
-                </a:highlight>
-                <a:latin typeface="Consolas"/>
-              </a:rPr>
-              <a:t> </a:t>
-            </a:r>
-            <a:r>
-              <a:rPr lang="en-US" dirty="0" err="1">
-                <a:solidFill>
-                  <a:srgbClr val="000000"/>
-                </a:solidFill>
-                <a:highlight>
-                  <a:srgbClr val="FFFFFF"/>
-                </a:highlight>
-                <a:latin typeface="Consolas"/>
-              </a:rPr>
-              <a:t>cid</a:t>
-            </a:r>
-            <a:r>
-              <a:rPr lang="en-US" dirty="0">
-                <a:solidFill>
-                  <a:srgbClr val="000000"/>
-                </a:solidFill>
-                <a:highlight>
-                  <a:srgbClr val="FFFFFF"/>
-                </a:highlight>
-                <a:latin typeface="Consolas"/>
-              </a:rPr>
-              <a:t> </a:t>
-            </a:r>
-            <a:r>
-              <a:rPr lang="en-US" dirty="0">
-                <a:solidFill>
-                  <a:srgbClr val="DCDCDC"/>
-                </a:solidFill>
-                <a:highlight>
-                  <a:srgbClr val="FFFFFF"/>
-                </a:highlight>
-                <a:latin typeface="Consolas"/>
-              </a:rPr>
-              <a:t>=</a:t>
-            </a:r>
-            <a:r>
-              <a:rPr lang="en-US" dirty="0">
-                <a:solidFill>
-                  <a:srgbClr val="000000"/>
-                </a:solidFill>
-                <a:highlight>
-                  <a:srgbClr val="FFFFFF"/>
-                </a:highlight>
-                <a:latin typeface="Consolas"/>
-              </a:rPr>
-              <a:t> </a:t>
-            </a:r>
-            <a:r>
-              <a:rPr lang="en-US" dirty="0" err="1">
-                <a:solidFill>
-                  <a:srgbClr val="000000"/>
-                </a:solidFill>
-                <a:highlight>
-                  <a:srgbClr val="FFFFFF"/>
-                </a:highlight>
-                <a:latin typeface="Consolas"/>
-              </a:rPr>
-              <a:t>oid</a:t>
-            </a:r>
-            <a:r>
-              <a:rPr lang="en-US" dirty="0">
-                <a:solidFill>
-                  <a:srgbClr val="000000"/>
-                </a:solidFill>
-                <a:highlight>
-                  <a:srgbClr val="FFFFFF"/>
-                </a:highlight>
-                <a:latin typeface="Consolas"/>
-              </a:rPr>
-              <a:t> // ERROR </a:t>
-            </a:r>
-            <a:r>
-              <a:rPr lang="en-US" dirty="0" err="1">
-                <a:solidFill>
-                  <a:srgbClr val="000000"/>
-                </a:solidFill>
-                <a:highlight>
-                  <a:srgbClr val="FFFFFF"/>
-                </a:highlight>
-                <a:latin typeface="Consolas"/>
-              </a:rPr>
-              <a:t>Typen</a:t>
-            </a:r>
-            <a:r>
-              <a:rPr lang="en-US" dirty="0">
-                <a:solidFill>
-                  <a:srgbClr val="000000"/>
-                </a:solidFill>
-                <a:highlight>
-                  <a:srgbClr val="FFFFFF"/>
-                </a:highlight>
-                <a:latin typeface="Consolas"/>
-              </a:rPr>
-              <a:t> </a:t>
-            </a:r>
-            <a:r>
-              <a:rPr lang="en-US" dirty="0" err="1">
-                <a:solidFill>
-                  <a:srgbClr val="000000"/>
-                </a:solidFill>
-                <a:highlight>
-                  <a:srgbClr val="FFFFFF"/>
-                </a:highlight>
-                <a:latin typeface="Consolas"/>
-              </a:rPr>
-              <a:t>nicht</a:t>
-            </a:r>
-            <a:r>
-              <a:rPr lang="en-US" dirty="0">
-                <a:solidFill>
-                  <a:srgbClr val="000000"/>
-                </a:solidFill>
-                <a:highlight>
-                  <a:srgbClr val="FFFFFF"/>
-                </a:highlight>
-                <a:latin typeface="Consolas"/>
-              </a:rPr>
-              <a:t> </a:t>
-            </a:r>
-            <a:r>
-              <a:rPr lang="en-US" dirty="0" err="1">
-                <a:solidFill>
-                  <a:srgbClr val="000000"/>
-                </a:solidFill>
-                <a:highlight>
-                  <a:srgbClr val="FFFFFF"/>
-                </a:highlight>
-                <a:latin typeface="Consolas"/>
-              </a:rPr>
-              <a:t>gleich</a:t>
-            </a:r>
-            <a:r>
-              <a:rPr lang="en-US" dirty="0">
-                <a:solidFill>
-                  <a:srgbClr val="000000"/>
-                </a:solidFill>
-                <a:highlight>
-                  <a:srgbClr val="FFFFFF"/>
-                </a:highlight>
-                <a:latin typeface="Consolas"/>
-              </a:rPr>
-              <a:t>, </a:t>
-            </a:r>
-            <a:r>
-              <a:rPr lang="en-US" dirty="0" err="1">
-                <a:solidFill>
-                  <a:srgbClr val="000000"/>
-                </a:solidFill>
-                <a:highlight>
-                  <a:srgbClr val="FFFFFF"/>
-                </a:highlight>
-                <a:latin typeface="Consolas"/>
-              </a:rPr>
-              <a:t>kein</a:t>
-            </a:r>
-            <a:r>
-              <a:rPr lang="en-US" dirty="0">
-                <a:solidFill>
-                  <a:srgbClr val="000000"/>
-                </a:solidFill>
-                <a:highlight>
-                  <a:srgbClr val="FFFFFF"/>
-                </a:highlight>
-                <a:latin typeface="Consolas"/>
-              </a:rPr>
-              <a:t> </a:t>
-            </a:r>
-            <a:r>
-              <a:rPr lang="en-US" dirty="0" err="1">
-                <a:solidFill>
-                  <a:srgbClr val="000000"/>
-                </a:solidFill>
-                <a:highlight>
-                  <a:srgbClr val="FFFFFF"/>
-                </a:highlight>
-                <a:latin typeface="Consolas"/>
-              </a:rPr>
-              <a:t>Vergleich</a:t>
-            </a:r>
-            <a:endParaRPr lang="en-US" dirty="0"/>
-          </a:p>
-        </p:txBody>
-      </p:sp>
-    </p:spTree>
-    <p:extLst>
-      <p:ext uri="{BB962C8B-B14F-4D97-AF65-F5344CB8AC3E}">
-        <p14:creationId xmlns:p14="http://schemas.microsoft.com/office/powerpoint/2010/main" val="2193518562"/>
-      </p:ext>
-    </p:extLst>
-  </p:cSld>
-  <p:clrMapOvr>
-    <a:masterClrMapping/>
-  </p:clrMapOvr>
-</p:sld>
-</file>
-
-<file path=ppt/slides/slide46.xml><?xml version="1.0" encoding="utf-8"?>
-<p:sld xmlns:a="http://schemas.openxmlformats.org/drawingml/2006/main" xmlns:r="http://schemas.openxmlformats.org/officeDocument/2006/relationships" xmlns:p="http://schemas.openxmlformats.org/presentationml/2006/main">
-  <p:cSld>
-    <p:spTree>
-      <p:nvGrpSpPr>
-        <p:cNvPr id="1" name=""/>
-        <p:cNvGrpSpPr/>
-        <p:nvPr/>
-      </p:nvGrpSpPr>
-      <p:grpSpPr>
-        <a:xfrm>
-          <a:off x="0" y="0"/>
-          <a:ext cx="0" cy="0"/>
-          <a:chOff x="0" y="0"/>
-          <a:chExt cx="0" cy="0"/>
-        </a:xfrm>
-      </p:grpSpPr>
-      <p:sp>
-        <p:nvSpPr>
-          <p:cNvPr id="2" name="Title 1"/>
-          <p:cNvSpPr>
-            <a:spLocks noGrp="1"/>
-          </p:cNvSpPr>
-          <p:nvPr>
-            <p:ph type="title"/>
-          </p:nvPr>
-        </p:nvSpPr>
-        <p:spPr/>
-        <p:txBody>
-          <a:bodyPr/>
-          <a:lstStyle/>
-          <a:p>
-            <a:r>
-              <a:rPr lang="de-DE" dirty="0"/>
-              <a:t>Option</a:t>
-            </a:r>
-            <a:endParaRPr lang="en-US" dirty="0"/>
-          </a:p>
-        </p:txBody>
-      </p:sp>
-      <p:sp>
-        <p:nvSpPr>
-          <p:cNvPr id="3" name="Content Placeholder 2"/>
-          <p:cNvSpPr>
-            <a:spLocks noGrp="1"/>
-          </p:cNvSpPr>
-          <p:nvPr>
-            <p:ph idx="1"/>
-          </p:nvPr>
-        </p:nvSpPr>
-        <p:spPr/>
-        <p:txBody>
-          <a:bodyPr/>
-          <a:lstStyle/>
-          <a:p>
-            <a:pPr marL="0" indent="0">
-              <a:buNone/>
-            </a:pPr>
-            <a:r>
-              <a:rPr lang="de-DE" dirty="0"/>
-              <a:t>Besondere Form des DU</a:t>
-            </a:r>
-          </a:p>
-          <a:p>
-            <a:pPr marL="0" indent="0">
-              <a:buNone/>
-            </a:pPr>
-            <a:r>
-              <a:rPr lang="en-US" b="1" dirty="0">
-                <a:solidFill>
-                  <a:srgbClr val="008000"/>
-                </a:solidFill>
-              </a:rPr>
-              <a:t>type</a:t>
-            </a:r>
-            <a:r>
-              <a:rPr lang="en-US" dirty="0"/>
-              <a:t> </a:t>
-            </a:r>
-            <a:r>
-              <a:rPr lang="en-US" b="1" dirty="0">
-                <a:solidFill>
-                  <a:srgbClr val="0000FF"/>
-                </a:solidFill>
-              </a:rPr>
-              <a:t>Option</a:t>
-            </a:r>
-            <a:r>
-              <a:rPr lang="en-US" dirty="0">
-                <a:solidFill>
-                  <a:srgbClr val="666666"/>
-                </a:solidFill>
-              </a:rPr>
-              <a:t>&lt;</a:t>
-            </a:r>
-            <a:r>
-              <a:rPr lang="en-US" b="1" dirty="0">
-                <a:solidFill>
-                  <a:srgbClr val="008000"/>
-                </a:solidFill>
-              </a:rPr>
-              <a:t>'</a:t>
-            </a:r>
-            <a:r>
-              <a:rPr lang="en-US" dirty="0"/>
-              <a:t>a</a:t>
-            </a:r>
-            <a:r>
-              <a:rPr lang="en-US" dirty="0">
-                <a:solidFill>
-                  <a:srgbClr val="666666"/>
-                </a:solidFill>
-              </a:rPr>
-              <a:t>&gt;</a:t>
-            </a:r>
-            <a:r>
-              <a:rPr lang="en-US" dirty="0"/>
-              <a:t> </a:t>
-            </a:r>
-            <a:r>
-              <a:rPr lang="en-US" dirty="0">
-                <a:solidFill>
-                  <a:srgbClr val="666666"/>
-                </a:solidFill>
-              </a:rPr>
-              <a:t>=</a:t>
-            </a:r>
-            <a:r>
-              <a:rPr lang="en-US" dirty="0"/>
-              <a:t> </a:t>
-            </a:r>
-            <a:r>
-              <a:rPr lang="en-US" i="1" dirty="0">
-                <a:solidFill>
-                  <a:srgbClr val="408080"/>
-                </a:solidFill>
-              </a:rPr>
-              <a:t>// use a generic definition </a:t>
-            </a:r>
-          </a:p>
-          <a:p>
-            <a:pPr marL="0" indent="0">
-              <a:buNone/>
-            </a:pPr>
-            <a:r>
-              <a:rPr lang="en-US" dirty="0">
-                <a:solidFill>
-                  <a:srgbClr val="666666"/>
-                </a:solidFill>
-              </a:rPr>
-              <a:t>|</a:t>
-            </a:r>
-            <a:r>
-              <a:rPr lang="en-US" dirty="0"/>
-              <a:t> </a:t>
-            </a:r>
-            <a:r>
-              <a:rPr lang="en-US" b="1" dirty="0">
-                <a:solidFill>
-                  <a:srgbClr val="0000FF"/>
-                </a:solidFill>
-              </a:rPr>
-              <a:t>Some</a:t>
-            </a:r>
-            <a:r>
-              <a:rPr lang="en-US" dirty="0"/>
-              <a:t> </a:t>
-            </a:r>
-            <a:r>
-              <a:rPr lang="en-US" b="1" dirty="0">
-                <a:solidFill>
-                  <a:srgbClr val="008000"/>
-                </a:solidFill>
-              </a:rPr>
-              <a:t>of</a:t>
-            </a:r>
-            <a:r>
-              <a:rPr lang="en-US" dirty="0"/>
-              <a:t> </a:t>
-            </a:r>
-            <a:r>
-              <a:rPr lang="en-US" b="1" dirty="0">
-                <a:solidFill>
-                  <a:srgbClr val="008000"/>
-                </a:solidFill>
-              </a:rPr>
-              <a:t>'</a:t>
-            </a:r>
-            <a:r>
-              <a:rPr lang="en-US" dirty="0"/>
-              <a:t>a </a:t>
-            </a:r>
-            <a:r>
-              <a:rPr lang="en-US" i="1" dirty="0">
-                <a:solidFill>
-                  <a:srgbClr val="408080"/>
-                </a:solidFill>
-              </a:rPr>
-              <a:t>// valid value</a:t>
-            </a:r>
-            <a:r>
-              <a:rPr lang="en-US" dirty="0"/>
-              <a:t> </a:t>
-            </a:r>
-          </a:p>
-          <a:p>
-            <a:pPr marL="0" indent="0">
-              <a:buNone/>
-            </a:pPr>
-            <a:r>
-              <a:rPr lang="en-US" dirty="0">
-                <a:solidFill>
-                  <a:srgbClr val="666666"/>
-                </a:solidFill>
-              </a:rPr>
-              <a:t>|</a:t>
-            </a:r>
-            <a:r>
-              <a:rPr lang="en-US" dirty="0"/>
-              <a:t> </a:t>
-            </a:r>
-            <a:r>
-              <a:rPr lang="en-US" b="1" dirty="0">
-                <a:solidFill>
-                  <a:srgbClr val="0000FF"/>
-                </a:solidFill>
-              </a:rPr>
-              <a:t>None</a:t>
-            </a:r>
-            <a:r>
-              <a:rPr lang="en-US" dirty="0"/>
-              <a:t> </a:t>
-            </a:r>
-            <a:r>
-              <a:rPr lang="en-US" i="1" dirty="0">
-                <a:solidFill>
-                  <a:srgbClr val="408080"/>
-                </a:solidFill>
-              </a:rPr>
-              <a:t>// missing</a:t>
-            </a:r>
-          </a:p>
-          <a:p>
-            <a:pPr marL="0" indent="0">
-              <a:buNone/>
-            </a:pPr>
-            <a:endParaRPr lang="en-US" dirty="0"/>
-          </a:p>
-        </p:txBody>
-      </p:sp>
-    </p:spTree>
-    <p:extLst>
-      <p:ext uri="{BB962C8B-B14F-4D97-AF65-F5344CB8AC3E}">
-        <p14:creationId xmlns:p14="http://schemas.microsoft.com/office/powerpoint/2010/main" val="1673819925"/>
-      </p:ext>
-    </p:extLst>
-  </p:cSld>
-  <p:clrMapOvr>
-    <a:masterClrMapping/>
-  </p:clrMapOvr>
-</p:sld>
-</file>
-
 <file path=ppt/slides/slide47.xml><?xml version="1.0" encoding="utf-8"?>
 <p:sld xmlns:a="http://schemas.openxmlformats.org/drawingml/2006/main" xmlns:r="http://schemas.openxmlformats.org/officeDocument/2006/relationships" xmlns:p="http://schemas.openxmlformats.org/presentationml/2006/main">
   <p:cSld>
@@ -24907,50 +25093,78 @@
         <p:spPr/>
         <p:txBody>
           <a:bodyPr>
+            <a:normAutofit fontScale="90000"/>
+          </a:bodyPr>
+          <a:lstStyle/>
+          <a:p>
+            <a:r>
+              <a:rPr lang="de-DE" dirty="0"/>
+              <a:t>DU</a:t>
+            </a:r>
+            <a:br>
+              <a:rPr lang="de-DE" dirty="0"/>
+            </a:br>
+            <a:r>
+              <a:rPr lang="de-DE" dirty="0" err="1"/>
+              <a:t>Discriminated</a:t>
+            </a:r>
+            <a:r>
+              <a:rPr lang="de-DE" dirty="0"/>
+              <a:t> Union</a:t>
+            </a:r>
+            <a:endParaRPr lang="en-US" dirty="0"/>
+          </a:p>
+        </p:txBody>
+      </p:sp>
+      <p:sp>
+        <p:nvSpPr>
+          <p:cNvPr id="3" name="Content Placeholder 2"/>
+          <p:cNvSpPr>
+            <a:spLocks noGrp="1"/>
+          </p:cNvSpPr>
+          <p:nvPr>
+            <p:ph idx="1"/>
+          </p:nvPr>
+        </p:nvSpPr>
+        <p:spPr/>
+        <p:txBody>
+          <a:bodyPr>
             <a:normAutofit/>
           </a:bodyPr>
           <a:lstStyle/>
           <a:p>
-            <a:r>
-              <a:rPr lang="de-DE" dirty="0"/>
-              <a:t>Option </a:t>
-            </a:r>
-            <a:r>
-              <a:rPr lang="de-DE" dirty="0" err="1"/>
-              <a:t>vs</a:t>
-            </a:r>
-            <a:r>
-              <a:rPr lang="de-DE" dirty="0"/>
-              <a:t> Null : Type </a:t>
-            </a:r>
-            <a:r>
-              <a:rPr lang="de-DE" dirty="0" err="1"/>
-              <a:t>Safety</a:t>
-            </a:r>
-            <a:endParaRPr lang="en-US" dirty="0"/>
-          </a:p>
-        </p:txBody>
-      </p:sp>
-      <p:sp>
-        <p:nvSpPr>
-          <p:cNvPr id="3" name="Content Placeholder 2"/>
-          <p:cNvSpPr>
-            <a:spLocks noGrp="1"/>
-          </p:cNvSpPr>
-          <p:nvPr>
-            <p:ph idx="1"/>
-          </p:nvPr>
-        </p:nvSpPr>
-        <p:spPr/>
-        <p:txBody>
-          <a:bodyPr/>
-          <a:lstStyle/>
-          <a:p>
             <a:pPr marL="0" indent="0">
               <a:buNone/>
             </a:pPr>
             <a:r>
-              <a:rPr lang="en-US" dirty="0">
+              <a:rPr lang="de-DE" dirty="0"/>
+              <a:t>Unterscheidungs-Union auf deutsch</a:t>
+            </a:r>
+          </a:p>
+          <a:p>
+            <a:pPr marL="0" indent="0">
+              <a:buNone/>
+            </a:pPr>
+            <a:r>
+              <a:rPr lang="de-DE" dirty="0"/>
+              <a:t>Besteht aus einer Anzahl von benannten Fällen</a:t>
+            </a:r>
+          </a:p>
+          <a:p>
+            <a:pPr marL="0" indent="0">
+              <a:buNone/>
+            </a:pPr>
+            <a:r>
+              <a:rPr lang="de-DE" dirty="0"/>
+              <a:t>Nur eines ist gültig für einen Ausdruck</a:t>
+            </a:r>
+          </a:p>
+          <a:p>
+            <a:pPr marL="0" indent="0">
+              <a:buNone/>
+            </a:pPr>
+            <a:r>
+              <a:rPr lang="en-US" sz="2200" dirty="0">
                 <a:solidFill>
                   <a:srgbClr val="0000FF"/>
                 </a:solidFill>
@@ -24959,10 +25173,10 @@
                 </a:highlight>
                 <a:latin typeface="Consolas"/>
               </a:rPr>
-              <a:t>string</a:t>
-            </a:r>
-            <a:r>
-              <a:rPr lang="en-US" dirty="0">
+              <a:t>type</a:t>
+            </a:r>
+            <a:r>
+              <a:rPr lang="en-US" sz="2200" dirty="0">
                 <a:solidFill>
                   <a:srgbClr val="000000"/>
                 </a:solidFill>
@@ -24971,10 +25185,98 @@
                 </a:highlight>
                 <a:latin typeface="Consolas"/>
               </a:rPr>
-              <a:t> s2 = </a:t>
-            </a:r>
-            <a:r>
-              <a:rPr lang="en-US" dirty="0">
+              <a:t> </a:t>
+            </a:r>
+            <a:r>
+              <a:rPr lang="en-US" sz="2200" dirty="0">
+                <a:solidFill>
+                  <a:srgbClr val="4EC9B0"/>
+                </a:solidFill>
+                <a:highlight>
+                  <a:srgbClr val="FFFFFF"/>
+                </a:highlight>
+                <a:latin typeface="Consolas"/>
+              </a:rPr>
+              <a:t>Shape</a:t>
+            </a:r>
+            <a:r>
+              <a:rPr lang="en-US" sz="2200" dirty="0">
+                <a:solidFill>
+                  <a:srgbClr val="000000"/>
+                </a:solidFill>
+                <a:highlight>
+                  <a:srgbClr val="FFFFFF"/>
+                </a:highlight>
+                <a:latin typeface="Consolas"/>
+              </a:rPr>
+              <a:t> </a:t>
+            </a:r>
+            <a:r>
+              <a:rPr lang="en-US" sz="2200" dirty="0">
+                <a:solidFill>
+                  <a:srgbClr val="DCDCDC"/>
+                </a:solidFill>
+                <a:highlight>
+                  <a:srgbClr val="FFFFFF"/>
+                </a:highlight>
+                <a:latin typeface="Consolas"/>
+              </a:rPr>
+              <a:t>=</a:t>
+            </a:r>
+            <a:endParaRPr lang="en-US" sz="2200" dirty="0">
+              <a:solidFill>
+                <a:srgbClr val="000000"/>
+              </a:solidFill>
+              <a:highlight>
+                <a:srgbClr val="FFFFFF"/>
+              </a:highlight>
+              <a:latin typeface="Consolas"/>
+            </a:endParaRPr>
+          </a:p>
+          <a:p>
+            <a:pPr marL="0" indent="0">
+              <a:buNone/>
+            </a:pPr>
+            <a:r>
+              <a:rPr lang="en-US" sz="2200" dirty="0">
+                <a:solidFill>
+                  <a:srgbClr val="000000"/>
+                </a:solidFill>
+                <a:highlight>
+                  <a:srgbClr val="FFFFFF"/>
+                </a:highlight>
+                <a:latin typeface="Consolas"/>
+              </a:rPr>
+              <a:t>| </a:t>
+            </a:r>
+            <a:r>
+              <a:rPr lang="en-US" sz="2200" dirty="0">
+                <a:solidFill>
+                  <a:schemeClr val="accent2">
+                    <a:lumMod val="75000"/>
+                  </a:schemeClr>
+                </a:solidFill>
+                <a:highlight>
+                  <a:srgbClr val="FFFFFF"/>
+                </a:highlight>
+                <a:latin typeface="Consolas"/>
+              </a:rPr>
+              <a:t>Rectangle</a:t>
+            </a:r>
+            <a:r>
+              <a:rPr lang="en-US" sz="2200" dirty="0">
+                <a:solidFill>
+                  <a:srgbClr val="000000"/>
+                </a:solidFill>
+                <a:highlight>
+                  <a:srgbClr val="FFFFFF"/>
+                </a:highlight>
+                <a:latin typeface="Consolas"/>
+              </a:rPr>
+              <a:t> </a:t>
+            </a:r>
+            <a:r>
+              <a:rPr lang="en-US" sz="2200" dirty="0">
                 <a:solidFill>
                   <a:srgbClr val="0000FF"/>
                 </a:solidFill>
@@ -24983,10 +25285,10 @@
                 </a:highlight>
                 <a:latin typeface="Consolas"/>
               </a:rPr>
-              <a:t>null</a:t>
-            </a:r>
-            <a:r>
-              <a:rPr lang="en-US" dirty="0">
+              <a:t>of</a:t>
+            </a:r>
+            <a:r>
+              <a:rPr lang="en-US" sz="2200" dirty="0">
                 <a:solidFill>
                   <a:srgbClr val="000000"/>
                 </a:solidFill>
@@ -24995,15 +25297,98 @@
                 </a:highlight>
                 <a:latin typeface="Consolas"/>
               </a:rPr>
-              <a:t>;</a:t>
-            </a:r>
+              <a:t> width : </a:t>
+            </a:r>
+            <a:r>
+              <a:rPr lang="en-US" sz="2200" dirty="0">
+                <a:solidFill>
+                  <a:srgbClr val="4EC9B0"/>
+                </a:solidFill>
+                <a:highlight>
+                  <a:srgbClr val="FFFFFF"/>
+                </a:highlight>
+                <a:latin typeface="Consolas"/>
+              </a:rPr>
+              <a:t>float</a:t>
+            </a:r>
+            <a:r>
+              <a:rPr lang="en-US" sz="2200" dirty="0">
+                <a:solidFill>
+                  <a:srgbClr val="000000"/>
+                </a:solidFill>
+                <a:highlight>
+                  <a:srgbClr val="FFFFFF"/>
+                </a:highlight>
+                <a:latin typeface="Consolas"/>
+              </a:rPr>
+              <a:t> * length : </a:t>
+            </a:r>
+            <a:r>
+              <a:rPr lang="en-US" sz="2200" dirty="0">
+                <a:solidFill>
+                  <a:srgbClr val="4EC9B0"/>
+                </a:solidFill>
+                <a:highlight>
+                  <a:srgbClr val="FFFFFF"/>
+                </a:highlight>
+                <a:latin typeface="Consolas"/>
+              </a:rPr>
+              <a:t>float</a:t>
+            </a:r>
+            <a:endParaRPr lang="en-US" sz="2200" dirty="0">
+              <a:solidFill>
+                <a:srgbClr val="000000"/>
+              </a:solidFill>
+              <a:highlight>
+                <a:srgbClr val="FFFFFF"/>
+              </a:highlight>
+              <a:latin typeface="Consolas"/>
+            </a:endParaRPr>
           </a:p>
           <a:p>
             <a:pPr marL="0" indent="0">
               <a:buNone/>
             </a:pPr>
             <a:r>
-              <a:rPr lang="en-US" dirty="0" err="1">
+              <a:rPr lang="en-US" sz="2200" dirty="0">
+                <a:solidFill>
+                  <a:srgbClr val="000000"/>
+                </a:solidFill>
+                <a:highlight>
+                  <a:srgbClr val="FFFFFF"/>
+                </a:highlight>
+                <a:latin typeface="Consolas"/>
+              </a:rPr>
+              <a:t>| </a:t>
+            </a:r>
+            <a:r>
+              <a:rPr lang="en-US" sz="2200" dirty="0">
+                <a:solidFill>
+                  <a:schemeClr val="accent2">
+                    <a:lumMod val="75000"/>
+                  </a:schemeClr>
+                </a:solidFill>
+                <a:highlight>
+                  <a:srgbClr val="FFFFFF"/>
+                </a:highlight>
+                <a:latin typeface="Consolas"/>
+              </a:rPr>
+              <a:t>Circle</a:t>
+            </a:r>
+            <a:r>
+              <a:rPr lang="en-US" sz="2200" dirty="0">
+                <a:solidFill>
+                  <a:srgbClr val="000000"/>
+                </a:solidFill>
+                <a:highlight>
+                  <a:srgbClr val="FFFFFF"/>
+                </a:highlight>
+                <a:latin typeface="Consolas"/>
+              </a:rPr>
+              <a:t> </a:t>
+            </a:r>
+            <a:r>
+              <a:rPr lang="en-US" sz="2200" dirty="0">
                 <a:solidFill>
                   <a:srgbClr val="0000FF"/>
                 </a:solidFill>
@@ -25012,10 +25397,10 @@
                 </a:highlight>
                 <a:latin typeface="Consolas"/>
               </a:rPr>
-              <a:t>var</a:t>
-            </a:r>
-            <a:r>
-              <a:rPr lang="en-US" dirty="0">
+              <a:t>of</a:t>
+            </a:r>
+            <a:r>
+              <a:rPr lang="en-US" sz="2200" dirty="0">
                 <a:solidFill>
                   <a:srgbClr val="000000"/>
                 </a:solidFill>
@@ -25024,15 +25409,36 @@
                 </a:highlight>
                 <a:latin typeface="Consolas"/>
               </a:rPr>
-              <a:t> len2 = s2.Length; </a:t>
-            </a:r>
+              <a:t> radius : </a:t>
+            </a:r>
+            <a:r>
+              <a:rPr lang="en-US" sz="2200" dirty="0">
+                <a:solidFill>
+                  <a:srgbClr val="4EC9B0"/>
+                </a:solidFill>
+                <a:highlight>
+                  <a:srgbClr val="FFFFFF"/>
+                </a:highlight>
+                <a:latin typeface="Consolas"/>
+              </a:rPr>
+              <a:t>float</a:t>
+            </a:r>
+            <a:endParaRPr lang="en-US" sz="2200" dirty="0">
+              <a:solidFill>
+                <a:srgbClr val="000000"/>
+              </a:solidFill>
+              <a:highlight>
+                <a:srgbClr val="FFFFFF"/>
+              </a:highlight>
+              <a:latin typeface="Consolas"/>
+            </a:endParaRPr>
           </a:p>
           <a:p>
             <a:pPr marL="0" indent="0">
               <a:buNone/>
             </a:pPr>
             <a:r>
-              <a:rPr lang="de-DE" dirty="0">
+              <a:rPr lang="en-US" sz="2200" dirty="0">
                 <a:solidFill>
                   <a:srgbClr val="000000"/>
                 </a:solidFill>
@@ -25041,26 +25447,126 @@
                 </a:highlight>
                 <a:latin typeface="Consolas"/>
               </a:rPr>
-              <a:t>// WIR wissen dass s2 null ist, der Compiler nicht</a:t>
-            </a:r>
-            <a:endParaRPr lang="en-US" dirty="0">
-              <a:highlight>
-                <a:srgbClr val="FFFFFF"/>
-              </a:highlight>
-            </a:endParaRPr>
-          </a:p>
-          <a:p>
-            <a:pPr marL="0" indent="0">
-              <a:buNone/>
-            </a:pPr>
-            <a:endParaRPr lang="de-DE" dirty="0"/>
+              <a:t>| </a:t>
+            </a:r>
+            <a:r>
+              <a:rPr lang="en-US" sz="2200" dirty="0">
+                <a:solidFill>
+                  <a:schemeClr val="accent2">
+                    <a:lumMod val="75000"/>
+                  </a:schemeClr>
+                </a:solidFill>
+                <a:highlight>
+                  <a:srgbClr val="FFFFFF"/>
+                </a:highlight>
+                <a:latin typeface="Consolas"/>
+              </a:rPr>
+              <a:t>Prism</a:t>
+            </a:r>
+            <a:r>
+              <a:rPr lang="en-US" sz="2200" dirty="0">
+                <a:solidFill>
+                  <a:srgbClr val="000000"/>
+                </a:solidFill>
+                <a:highlight>
+                  <a:srgbClr val="FFFFFF"/>
+                </a:highlight>
+                <a:latin typeface="Consolas"/>
+              </a:rPr>
+              <a:t> </a:t>
+            </a:r>
+            <a:r>
+              <a:rPr lang="en-US" sz="2200" dirty="0">
+                <a:solidFill>
+                  <a:srgbClr val="0000FF"/>
+                </a:solidFill>
+                <a:highlight>
+                  <a:srgbClr val="FFFFFF"/>
+                </a:highlight>
+                <a:latin typeface="Consolas"/>
+              </a:rPr>
+              <a:t>of</a:t>
+            </a:r>
+            <a:r>
+              <a:rPr lang="en-US" sz="2200" dirty="0">
+                <a:solidFill>
+                  <a:srgbClr val="000000"/>
+                </a:solidFill>
+                <a:highlight>
+                  <a:srgbClr val="FFFFFF"/>
+                </a:highlight>
+                <a:latin typeface="Consolas"/>
+              </a:rPr>
+              <a:t> width : </a:t>
+            </a:r>
+            <a:r>
+              <a:rPr lang="en-US" sz="2200" dirty="0">
+                <a:solidFill>
+                  <a:srgbClr val="4EC9B0"/>
+                </a:solidFill>
+                <a:highlight>
+                  <a:srgbClr val="FFFFFF"/>
+                </a:highlight>
+                <a:latin typeface="Consolas"/>
+              </a:rPr>
+              <a:t>float</a:t>
+            </a:r>
+            <a:r>
+              <a:rPr lang="en-US" sz="2200" dirty="0">
+                <a:solidFill>
+                  <a:srgbClr val="000000"/>
+                </a:solidFill>
+                <a:highlight>
+                  <a:srgbClr val="FFFFFF"/>
+                </a:highlight>
+                <a:latin typeface="Consolas"/>
+              </a:rPr>
+              <a:t> * </a:t>
+            </a:r>
+            <a:r>
+              <a:rPr lang="en-US" sz="2200" dirty="0">
+                <a:solidFill>
+                  <a:srgbClr val="4EC9B0"/>
+                </a:solidFill>
+                <a:highlight>
+                  <a:srgbClr val="FFFFFF"/>
+                </a:highlight>
+                <a:latin typeface="Consolas"/>
+              </a:rPr>
+              <a:t>float</a:t>
+            </a:r>
+            <a:r>
+              <a:rPr lang="en-US" sz="2200" dirty="0">
+                <a:solidFill>
+                  <a:srgbClr val="000000"/>
+                </a:solidFill>
+                <a:highlight>
+                  <a:srgbClr val="FFFFFF"/>
+                </a:highlight>
+                <a:latin typeface="Consolas"/>
+              </a:rPr>
+              <a:t> * height : </a:t>
+            </a:r>
+            <a:r>
+              <a:rPr lang="en-US" sz="2200" dirty="0">
+                <a:solidFill>
+                  <a:srgbClr val="4EC9B0"/>
+                </a:solidFill>
+                <a:highlight>
+                  <a:srgbClr val="FFFFFF"/>
+                </a:highlight>
+                <a:latin typeface="Consolas"/>
+              </a:rPr>
+              <a:t>float</a:t>
+            </a:r>
+            <a:endParaRPr lang="en-US" sz="2200" dirty="0"/>
           </a:p>
         </p:txBody>
       </p:sp>
     </p:spTree>
     <p:extLst>
       <p:ext uri="{BB962C8B-B14F-4D97-AF65-F5344CB8AC3E}">
-        <p14:creationId xmlns:p14="http://schemas.microsoft.com/office/powerpoint/2010/main" val="1684138351"/>
+        <p14:creationId xmlns:p14="http://schemas.microsoft.com/office/powerpoint/2010/main" val="3184996216"/>
       </p:ext>
     </p:extLst>
   </p:cSld>
@@ -25099,45 +25605,336 @@
         </p:nvSpPr>
         <p:spPr/>
         <p:txBody>
+          <a:bodyPr/>
+          <a:lstStyle/>
+          <a:p>
+            <a:r>
+              <a:rPr lang="de-DE" dirty="0"/>
+              <a:t>DU: Single Case</a:t>
+            </a:r>
+            <a:endParaRPr lang="en-US" dirty="0"/>
+          </a:p>
+        </p:txBody>
+      </p:sp>
+      <p:sp>
+        <p:nvSpPr>
+          <p:cNvPr id="3" name="Content Placeholder 2"/>
+          <p:cNvSpPr>
+            <a:spLocks noGrp="1"/>
+          </p:cNvSpPr>
+          <p:nvPr>
+            <p:ph idx="1"/>
+          </p:nvPr>
+        </p:nvSpPr>
+        <p:spPr/>
+        <p:txBody>
           <a:bodyPr>
-            <a:normAutofit/>
+            <a:normAutofit lnSpcReduction="10000"/>
           </a:bodyPr>
           <a:lstStyle/>
           <a:p>
-            <a:r>
-              <a:rPr lang="de-DE" dirty="0"/>
-              <a:t>Option </a:t>
-            </a:r>
-            <a:r>
-              <a:rPr lang="de-DE" dirty="0" err="1"/>
-              <a:t>vs</a:t>
-            </a:r>
-            <a:r>
-              <a:rPr lang="de-DE" dirty="0"/>
-              <a:t> Null : Type </a:t>
-            </a:r>
-            <a:r>
-              <a:rPr lang="de-DE" dirty="0" err="1"/>
-              <a:t>Safety</a:t>
-            </a:r>
-            <a:endParaRPr lang="en-US" dirty="0"/>
-          </a:p>
-        </p:txBody>
-      </p:sp>
-      <p:sp>
-        <p:nvSpPr>
-          <p:cNvPr id="3" name="Content Placeholder 2"/>
-          <p:cNvSpPr>
-            <a:spLocks noGrp="1"/>
-          </p:cNvSpPr>
-          <p:nvPr>
-            <p:ph idx="1"/>
-          </p:nvPr>
-        </p:nvSpPr>
-        <p:spPr/>
-        <p:txBody>
-          <a:bodyPr/>
-          <a:lstStyle/>
+            <a:pPr marL="0" indent="0">
+              <a:buNone/>
+            </a:pPr>
+            <a:r>
+              <a:rPr lang="en-US" dirty="0">
+                <a:solidFill>
+                  <a:srgbClr val="0000FF"/>
+                </a:solidFill>
+                <a:highlight>
+                  <a:srgbClr val="FFFFFF"/>
+                </a:highlight>
+                <a:latin typeface="Consolas"/>
+              </a:rPr>
+              <a:t>type</a:t>
+            </a:r>
+            <a:r>
+              <a:rPr lang="en-US" dirty="0">
+                <a:solidFill>
+                  <a:srgbClr val="000000"/>
+                </a:solidFill>
+                <a:highlight>
+                  <a:srgbClr val="FFFFFF"/>
+                </a:highlight>
+                <a:latin typeface="Consolas"/>
+              </a:rPr>
+              <a:t> </a:t>
+            </a:r>
+            <a:r>
+              <a:rPr lang="en-US" dirty="0" err="1">
+                <a:solidFill>
+                  <a:srgbClr val="4EC9B0"/>
+                </a:solidFill>
+                <a:highlight>
+                  <a:srgbClr val="FFFFFF"/>
+                </a:highlight>
+                <a:latin typeface="Consolas"/>
+              </a:rPr>
+              <a:t>CustomerId</a:t>
+            </a:r>
+            <a:r>
+              <a:rPr lang="en-US" dirty="0">
+                <a:solidFill>
+                  <a:srgbClr val="000000"/>
+                </a:solidFill>
+                <a:highlight>
+                  <a:srgbClr val="FFFFFF"/>
+                </a:highlight>
+                <a:latin typeface="Consolas"/>
+              </a:rPr>
+              <a:t> </a:t>
+            </a:r>
+            <a:r>
+              <a:rPr lang="en-US" dirty="0">
+                <a:solidFill>
+                  <a:srgbClr val="DCDCDC"/>
+                </a:solidFill>
+                <a:highlight>
+                  <a:srgbClr val="FFFFFF"/>
+                </a:highlight>
+                <a:latin typeface="Consolas"/>
+              </a:rPr>
+              <a:t>=</a:t>
+            </a:r>
+            <a:r>
+              <a:rPr lang="en-US" dirty="0">
+                <a:solidFill>
+                  <a:srgbClr val="000000"/>
+                </a:solidFill>
+                <a:highlight>
+                  <a:srgbClr val="FFFFFF"/>
+                </a:highlight>
+                <a:latin typeface="Consolas"/>
+              </a:rPr>
+              <a:t> </a:t>
+            </a:r>
+            <a:r>
+              <a:rPr lang="en-US" dirty="0" err="1">
+                <a:solidFill>
+                  <a:srgbClr val="DCDCDC"/>
+                </a:solidFill>
+                <a:highlight>
+                  <a:srgbClr val="FFFFFF"/>
+                </a:highlight>
+                <a:latin typeface="Consolas"/>
+              </a:rPr>
+              <a:t>CustomerId</a:t>
+            </a:r>
+            <a:r>
+              <a:rPr lang="en-US" dirty="0">
+                <a:solidFill>
+                  <a:srgbClr val="000000"/>
+                </a:solidFill>
+                <a:highlight>
+                  <a:srgbClr val="FFFFFF"/>
+                </a:highlight>
+                <a:latin typeface="Consolas"/>
+              </a:rPr>
+              <a:t> </a:t>
+            </a:r>
+            <a:r>
+              <a:rPr lang="en-US" dirty="0">
+                <a:solidFill>
+                  <a:srgbClr val="0000FF"/>
+                </a:solidFill>
+                <a:highlight>
+                  <a:srgbClr val="FFFFFF"/>
+                </a:highlight>
+                <a:latin typeface="Consolas"/>
+              </a:rPr>
+              <a:t>of</a:t>
+            </a:r>
+            <a:r>
+              <a:rPr lang="en-US" dirty="0">
+                <a:solidFill>
+                  <a:srgbClr val="000000"/>
+                </a:solidFill>
+                <a:highlight>
+                  <a:srgbClr val="FFFFFF"/>
+                </a:highlight>
+                <a:latin typeface="Consolas"/>
+              </a:rPr>
+              <a:t> </a:t>
+            </a:r>
+            <a:r>
+              <a:rPr lang="en-US" dirty="0" err="1">
+                <a:solidFill>
+                  <a:srgbClr val="4EC9B0"/>
+                </a:solidFill>
+                <a:highlight>
+                  <a:srgbClr val="FFFFFF"/>
+                </a:highlight>
+                <a:latin typeface="Consolas"/>
+              </a:rPr>
+              <a:t>int</a:t>
+            </a:r>
+            <a:endParaRPr lang="en-US" dirty="0">
+              <a:solidFill>
+                <a:srgbClr val="000000"/>
+              </a:solidFill>
+              <a:highlight>
+                <a:srgbClr val="FFFFFF"/>
+              </a:highlight>
+              <a:latin typeface="Consolas"/>
+            </a:endParaRPr>
+          </a:p>
+          <a:p>
+            <a:pPr marL="0" indent="0">
+              <a:buNone/>
+            </a:pPr>
+            <a:r>
+              <a:rPr lang="en-US" dirty="0">
+                <a:solidFill>
+                  <a:srgbClr val="0000FF"/>
+                </a:solidFill>
+                <a:highlight>
+                  <a:srgbClr val="FFFFFF"/>
+                </a:highlight>
+                <a:latin typeface="Consolas"/>
+              </a:rPr>
+              <a:t>type</a:t>
+            </a:r>
+            <a:r>
+              <a:rPr lang="en-US" dirty="0">
+                <a:solidFill>
+                  <a:srgbClr val="000000"/>
+                </a:solidFill>
+                <a:highlight>
+                  <a:srgbClr val="FFFFFF"/>
+                </a:highlight>
+                <a:latin typeface="Consolas"/>
+              </a:rPr>
+              <a:t> </a:t>
+            </a:r>
+            <a:r>
+              <a:rPr lang="en-US" dirty="0" err="1">
+                <a:solidFill>
+                  <a:srgbClr val="4EC9B0"/>
+                </a:solidFill>
+                <a:highlight>
+                  <a:srgbClr val="FFFFFF"/>
+                </a:highlight>
+                <a:latin typeface="Consolas"/>
+              </a:rPr>
+              <a:t>OrderId</a:t>
+            </a:r>
+            <a:r>
+              <a:rPr lang="en-US" dirty="0">
+                <a:solidFill>
+                  <a:srgbClr val="000000"/>
+                </a:solidFill>
+                <a:highlight>
+                  <a:srgbClr val="FFFFFF"/>
+                </a:highlight>
+                <a:latin typeface="Consolas"/>
+              </a:rPr>
+              <a:t> </a:t>
+            </a:r>
+            <a:r>
+              <a:rPr lang="en-US" dirty="0">
+                <a:solidFill>
+                  <a:srgbClr val="DCDCDC"/>
+                </a:solidFill>
+                <a:highlight>
+                  <a:srgbClr val="FFFFFF"/>
+                </a:highlight>
+                <a:latin typeface="Consolas"/>
+              </a:rPr>
+              <a:t>=</a:t>
+            </a:r>
+            <a:r>
+              <a:rPr lang="en-US" dirty="0">
+                <a:solidFill>
+                  <a:srgbClr val="000000"/>
+                </a:solidFill>
+                <a:highlight>
+                  <a:srgbClr val="FFFFFF"/>
+                </a:highlight>
+                <a:latin typeface="Consolas"/>
+              </a:rPr>
+              <a:t> </a:t>
+            </a:r>
+            <a:r>
+              <a:rPr lang="en-US" dirty="0" err="1">
+                <a:solidFill>
+                  <a:srgbClr val="DCDCDC"/>
+                </a:solidFill>
+                <a:highlight>
+                  <a:srgbClr val="FFFFFF"/>
+                </a:highlight>
+                <a:latin typeface="Consolas"/>
+              </a:rPr>
+              <a:t>OrderId</a:t>
+            </a:r>
+            <a:r>
+              <a:rPr lang="en-US" dirty="0">
+                <a:solidFill>
+                  <a:srgbClr val="000000"/>
+                </a:solidFill>
+                <a:highlight>
+                  <a:srgbClr val="FFFFFF"/>
+                </a:highlight>
+                <a:latin typeface="Consolas"/>
+              </a:rPr>
+              <a:t> </a:t>
+            </a:r>
+            <a:r>
+              <a:rPr lang="en-US" dirty="0">
+                <a:solidFill>
+                  <a:srgbClr val="0000FF"/>
+                </a:solidFill>
+                <a:highlight>
+                  <a:srgbClr val="FFFFFF"/>
+                </a:highlight>
+                <a:latin typeface="Consolas"/>
+              </a:rPr>
+              <a:t>of</a:t>
+            </a:r>
+            <a:r>
+              <a:rPr lang="en-US" dirty="0">
+                <a:solidFill>
+                  <a:srgbClr val="000000"/>
+                </a:solidFill>
+                <a:highlight>
+                  <a:srgbClr val="FFFFFF"/>
+                </a:highlight>
+                <a:latin typeface="Consolas"/>
+              </a:rPr>
+              <a:t> </a:t>
+            </a:r>
+            <a:r>
+              <a:rPr lang="en-US" dirty="0" err="1">
+                <a:solidFill>
+                  <a:srgbClr val="4EC9B0"/>
+                </a:solidFill>
+                <a:highlight>
+                  <a:srgbClr val="FFFFFF"/>
+                </a:highlight>
+                <a:latin typeface="Consolas"/>
+              </a:rPr>
+              <a:t>int</a:t>
+            </a:r>
+            <a:endParaRPr lang="en-US" dirty="0">
+              <a:solidFill>
+                <a:srgbClr val="000000"/>
+              </a:solidFill>
+              <a:highlight>
+                <a:srgbClr val="FFFFFF"/>
+              </a:highlight>
+              <a:latin typeface="Consolas"/>
+            </a:endParaRPr>
+          </a:p>
+          <a:p>
+            <a:endParaRPr lang="en-US" dirty="0">
+              <a:solidFill>
+                <a:srgbClr val="000000"/>
+              </a:solidFill>
+              <a:highlight>
+                <a:srgbClr val="FFFFFF"/>
+              </a:highlight>
+              <a:latin typeface="Consolas"/>
+            </a:endParaRPr>
+          </a:p>
           <a:p>
             <a:pPr marL="0" indent="0">
               <a:buNone/>
@@ -25164,7 +25961,31 @@
                 </a:highlight>
                 <a:latin typeface="Consolas"/>
               </a:rPr>
-              <a:t> s </a:t>
+              <a:t> </a:t>
+            </a:r>
+            <a:r>
+              <a:rPr lang="en-US" dirty="0" err="1">
+                <a:solidFill>
+                  <a:srgbClr val="000000"/>
+                </a:solidFill>
+                <a:highlight>
+                  <a:srgbClr val="FFFFFF"/>
+                </a:highlight>
+                <a:latin typeface="Consolas"/>
+              </a:rPr>
+              <a:t>cid</a:t>
+            </a:r>
+            <a:r>
+              <a:rPr lang="en-US" dirty="0">
+                <a:solidFill>
+                  <a:srgbClr val="000000"/>
+                </a:solidFill>
+                <a:highlight>
+                  <a:srgbClr val="FFFFFF"/>
+                </a:highlight>
+                <a:latin typeface="Consolas"/>
+              </a:rPr>
+              <a:t> </a:t>
             </a:r>
             <a:r>
               <a:rPr lang="en-US" dirty="0">
@@ -25191,26 +26012,29 @@
               <a:t> </a:t>
             </a:r>
             <a:r>
-              <a:rPr lang="en-US" dirty="0">
+              <a:rPr lang="en-US" dirty="0" err="1">
                 <a:solidFill>
-                  <a:srgbClr val="A31515"/>
+                  <a:srgbClr val="DCDCDC"/>
                 </a:solidFill>
                 <a:highlight>
                   <a:srgbClr val="FFFFFF"/>
                 </a:highlight>
                 <a:latin typeface="Consolas"/>
               </a:rPr>
-              <a:t>"string"</a:t>
-            </a:r>
-            <a:endParaRPr lang="en-US" dirty="0">
-              <a:solidFill>
-                <a:srgbClr val="000000"/>
-              </a:solidFill>
-              <a:highlight>
-                <a:srgbClr val="FFFFFF"/>
-              </a:highlight>
-              <a:latin typeface="Consolas"/>
-            </a:endParaRPr>
+              <a:t>CustomerId</a:t>
+            </a:r>
+            <a:r>
+              <a:rPr lang="en-US" dirty="0">
+                <a:solidFill>
+                  <a:srgbClr val="000000"/>
+                </a:solidFill>
+                <a:highlight>
+                  <a:srgbClr val="FFFFFF"/>
+                </a:highlight>
+                <a:latin typeface="Consolas"/>
+              </a:rPr>
+              <a:t>(15)</a:t>
+            </a:r>
           </a:p>
           <a:p>
             <a:pPr marL="0" indent="0">
@@ -25238,7 +26062,31 @@
                 </a:highlight>
                 <a:latin typeface="Consolas"/>
               </a:rPr>
-              <a:t> length </a:t>
+              <a:t> </a:t>
+            </a:r>
+            <a:r>
+              <a:rPr lang="en-US" dirty="0" err="1">
+                <a:solidFill>
+                  <a:srgbClr val="000000"/>
+                </a:solidFill>
+                <a:highlight>
+                  <a:srgbClr val="FFFFFF"/>
+                </a:highlight>
+                <a:latin typeface="Consolas"/>
+              </a:rPr>
+              <a:t>oid</a:t>
+            </a:r>
+            <a:r>
+              <a:rPr lang="en-US" dirty="0">
+                <a:solidFill>
+                  <a:srgbClr val="000000"/>
+                </a:solidFill>
+                <a:highlight>
+                  <a:srgbClr val="FFFFFF"/>
+                </a:highlight>
+                <a:latin typeface="Consolas"/>
+              </a:rPr>
+              <a:t> </a:t>
             </a:r>
             <a:r>
               <a:rPr lang="en-US" dirty="0">
@@ -25267,6 +26115,18 @@
             <a:r>
               <a:rPr lang="en-US" dirty="0" err="1">
                 <a:solidFill>
+                  <a:srgbClr val="DCDCDC"/>
+                </a:solidFill>
+                <a:highlight>
+                  <a:srgbClr val="FFFFFF"/>
+                </a:highlight>
+                <a:latin typeface="Consolas"/>
+              </a:rPr>
+              <a:t>OrderId</a:t>
+            </a:r>
+            <a:r>
+              <a:rPr lang="en-US" dirty="0">
+                <a:solidFill>
                   <a:srgbClr val="000000"/>
                 </a:solidFill>
                 <a:highlight>
@@ -25274,8 +26134,13 @@
                 </a:highlight>
                 <a:latin typeface="Consolas"/>
               </a:rPr>
-              <a:t>s.Length</a:t>
-            </a:r>
+              <a:t>(15)</a:t>
+            </a:r>
+          </a:p>
+          <a:p>
+            <a:pPr marL="0" indent="0">
+              <a:buNone/>
+            </a:pPr>
             <a:endParaRPr lang="en-US" dirty="0">
               <a:solidFill>
                 <a:srgbClr val="000000"/>
@@ -25312,7 +26177,7 @@
                 </a:highlight>
                 <a:latin typeface="Consolas"/>
               </a:rPr>
-              <a:t> s' </a:t>
+              <a:t> t </a:t>
             </a:r>
             <a:r>
               <a:rPr lang="en-US" dirty="0">
@@ -25339,16 +26204,16 @@
               <a:t> </a:t>
             </a:r>
             <a:r>
-              <a:rPr lang="en-US" dirty="0">
+              <a:rPr lang="en-US" dirty="0" err="1">
                 <a:solidFill>
-                  <a:srgbClr val="4EC9B0"/>
+                  <a:srgbClr val="000000"/>
                 </a:solidFill>
                 <a:highlight>
                   <a:srgbClr val="FFFFFF"/>
                 </a:highlight>
                 <a:latin typeface="Consolas"/>
               </a:rPr>
-              <a:t>Option</a:t>
+              <a:t>cid</a:t>
             </a:r>
             <a:r>
               <a:rPr lang="en-US" dirty="0">
@@ -25360,81 +26225,7 @@
                 </a:highlight>
                 <a:latin typeface="Consolas"/>
               </a:rPr>
-              <a:t>&lt;</a:t>
-            </a:r>
-            <a:r>
-              <a:rPr lang="en-US" dirty="0">
-                <a:solidFill>
-                  <a:srgbClr val="4EC9B0"/>
-                </a:solidFill>
-                <a:highlight>
-                  <a:srgbClr val="FFFFFF"/>
-                </a:highlight>
-                <a:latin typeface="Consolas"/>
-              </a:rPr>
-              <a:t>string</a:t>
-            </a:r>
-            <a:r>
-              <a:rPr lang="en-US" dirty="0">
-                <a:solidFill>
-                  <a:srgbClr val="000000"/>
-                </a:solidFill>
-                <a:highlight>
-                  <a:srgbClr val="FFFFFF"/>
-                </a:highlight>
-                <a:latin typeface="Consolas"/>
-              </a:rPr>
-              <a:t>&gt;.</a:t>
-            </a:r>
-            <a:r>
-              <a:rPr lang="en-US" dirty="0">
-                <a:solidFill>
-                  <a:srgbClr val="DCDCDC"/>
-                </a:solidFill>
-                <a:highlight>
-                  <a:srgbClr val="FFFFFF"/>
-                </a:highlight>
-                <a:latin typeface="Consolas"/>
-              </a:rPr>
-              <a:t>None</a:t>
-            </a:r>
-            <a:endParaRPr lang="en-US" dirty="0">
-              <a:solidFill>
-                <a:srgbClr val="000000"/>
-              </a:solidFill>
-              <a:highlight>
-                <a:srgbClr val="FFFFFF"/>
-              </a:highlight>
-              <a:latin typeface="Consolas"/>
-            </a:endParaRPr>
-          </a:p>
-          <a:p>
-            <a:pPr marL="0" indent="0">
-              <a:buNone/>
-            </a:pPr>
-            <a:r>
-              <a:rPr lang="en-US" dirty="0">
-                <a:solidFill>
-                  <a:srgbClr val="0000FF"/>
-                </a:solidFill>
-                <a:highlight>
-                  <a:srgbClr val="FFFFFF"/>
-                </a:highlight>
-                <a:latin typeface="Consolas"/>
-              </a:rPr>
-              <a:t>let</a:t>
-            </a:r>
-            <a:r>
-              <a:rPr lang="en-US" dirty="0">
-                <a:solidFill>
-                  <a:srgbClr val="000000"/>
-                </a:solidFill>
-                <a:highlight>
-                  <a:srgbClr val="FFFFFF"/>
-                </a:highlight>
-                <a:latin typeface="Consolas"/>
-              </a:rPr>
-              <a:t> length' </a:t>
+              <a:t> </a:t>
             </a:r>
             <a:r>
               <a:rPr lang="en-US" dirty="0">
@@ -25470,7 +26261,7 @@
                 </a:highlight>
                 <a:latin typeface="Consolas"/>
               </a:rPr>
-              <a:t>s'.Length</a:t>
+              <a:t>oid</a:t>
             </a:r>
             <a:r>
               <a:rPr lang="en-US" dirty="0">
@@ -25482,16 +26273,387 @@
                 </a:highlight>
                 <a:latin typeface="Consolas"/>
               </a:rPr>
-              <a:t> // ERROR</a:t>
-            </a:r>
-            <a:endParaRPr lang="de-DE" dirty="0"/>
+              <a:t> // ERROR </a:t>
+            </a:r>
+            <a:r>
+              <a:rPr lang="en-US" dirty="0" err="1">
+                <a:solidFill>
+                  <a:srgbClr val="000000"/>
+                </a:solidFill>
+                <a:highlight>
+                  <a:srgbClr val="FFFFFF"/>
+                </a:highlight>
+                <a:latin typeface="Consolas"/>
+              </a:rPr>
+              <a:t>Typen</a:t>
+            </a:r>
+            <a:r>
+              <a:rPr lang="en-US" dirty="0">
+                <a:solidFill>
+                  <a:srgbClr val="000000"/>
+                </a:solidFill>
+                <a:highlight>
+                  <a:srgbClr val="FFFFFF"/>
+                </a:highlight>
+                <a:latin typeface="Consolas"/>
+              </a:rPr>
+              <a:t> </a:t>
+            </a:r>
+            <a:r>
+              <a:rPr lang="en-US" dirty="0" err="1">
+                <a:solidFill>
+                  <a:srgbClr val="000000"/>
+                </a:solidFill>
+                <a:highlight>
+                  <a:srgbClr val="FFFFFF"/>
+                </a:highlight>
+                <a:latin typeface="Consolas"/>
+              </a:rPr>
+              <a:t>nicht</a:t>
+            </a:r>
+            <a:r>
+              <a:rPr lang="en-US" dirty="0">
+                <a:solidFill>
+                  <a:srgbClr val="000000"/>
+                </a:solidFill>
+                <a:highlight>
+                  <a:srgbClr val="FFFFFF"/>
+                </a:highlight>
+                <a:latin typeface="Consolas"/>
+              </a:rPr>
+              <a:t> </a:t>
+            </a:r>
+            <a:r>
+              <a:rPr lang="en-US" dirty="0" err="1">
+                <a:solidFill>
+                  <a:srgbClr val="000000"/>
+                </a:solidFill>
+                <a:highlight>
+                  <a:srgbClr val="FFFFFF"/>
+                </a:highlight>
+                <a:latin typeface="Consolas"/>
+              </a:rPr>
+              <a:t>gleich</a:t>
+            </a:r>
+            <a:r>
+              <a:rPr lang="en-US" dirty="0">
+                <a:solidFill>
+                  <a:srgbClr val="000000"/>
+                </a:solidFill>
+                <a:highlight>
+                  <a:srgbClr val="FFFFFF"/>
+                </a:highlight>
+                <a:latin typeface="Consolas"/>
+              </a:rPr>
+              <a:t>, </a:t>
+            </a:r>
+            <a:r>
+              <a:rPr lang="en-US" dirty="0" err="1">
+                <a:solidFill>
+                  <a:srgbClr val="000000"/>
+                </a:solidFill>
+                <a:highlight>
+                  <a:srgbClr val="FFFFFF"/>
+                </a:highlight>
+                <a:latin typeface="Consolas"/>
+              </a:rPr>
+              <a:t>kein</a:t>
+            </a:r>
+            <a:r>
+              <a:rPr lang="en-US" dirty="0">
+                <a:solidFill>
+                  <a:srgbClr val="000000"/>
+                </a:solidFill>
+                <a:highlight>
+                  <a:srgbClr val="FFFFFF"/>
+                </a:highlight>
+                <a:latin typeface="Consolas"/>
+              </a:rPr>
+              <a:t> </a:t>
+            </a:r>
+            <a:r>
+              <a:rPr lang="en-US" dirty="0" err="1">
+                <a:solidFill>
+                  <a:srgbClr val="000000"/>
+                </a:solidFill>
+                <a:highlight>
+                  <a:srgbClr val="FFFFFF"/>
+                </a:highlight>
+                <a:latin typeface="Consolas"/>
+              </a:rPr>
+              <a:t>Vergleich</a:t>
+            </a:r>
+            <a:endParaRPr lang="en-US" dirty="0"/>
           </a:p>
         </p:txBody>
       </p:sp>
     </p:spTree>
     <p:extLst>
       <p:ext uri="{BB962C8B-B14F-4D97-AF65-F5344CB8AC3E}">
-        <p14:creationId xmlns:p14="http://schemas.microsoft.com/office/powerpoint/2010/main" val="1731058063"/>
+        <p14:creationId xmlns:p14="http://schemas.microsoft.com/office/powerpoint/2010/main" val="2193518562"/>
+      </p:ext>
+    </p:extLst>
+  </p:cSld>
+  <p:clrMapOvr>
+    <a:masterClrMapping/>
+  </p:clrMapOvr>
+</p:sld>
+</file>
+
+<file path=ppt/slides/slide49.xml><?xml version="1.0" encoding="utf-8"?>
+<p:sld xmlns:a="http://schemas.openxmlformats.org/drawingml/2006/main" xmlns:r="http://schemas.openxmlformats.org/officeDocument/2006/relationships" xmlns:p="http://schemas.openxmlformats.org/presentationml/2006/main">
+  <p:cSld>
+    <p:spTree>
+      <p:nvGrpSpPr>
+        <p:cNvPr id="1" name=""/>
+        <p:cNvGrpSpPr/>
+        <p:nvPr/>
+      </p:nvGrpSpPr>
+      <p:grpSpPr>
+        <a:xfrm>
+          <a:off x="0" y="0"/>
+          <a:ext cx="0" cy="0"/>
+          <a:chOff x="0" y="0"/>
+          <a:chExt cx="0" cy="0"/>
+        </a:xfrm>
+      </p:grpSpPr>
+      <p:sp>
+        <p:nvSpPr>
+          <p:cNvPr id="2" name="Title 1"/>
+          <p:cNvSpPr>
+            <a:spLocks noGrp="1"/>
+          </p:cNvSpPr>
+          <p:nvPr>
+            <p:ph type="title"/>
+          </p:nvPr>
+        </p:nvSpPr>
+        <p:spPr/>
+        <p:txBody>
+          <a:bodyPr/>
+          <a:lstStyle/>
+          <a:p>
+            <a:r>
+              <a:rPr lang="de-DE" dirty="0"/>
+              <a:t>Option</a:t>
+            </a:r>
+            <a:endParaRPr lang="en-US" dirty="0"/>
+          </a:p>
+        </p:txBody>
+      </p:sp>
+      <p:sp>
+        <p:nvSpPr>
+          <p:cNvPr id="3" name="Content Placeholder 2"/>
+          <p:cNvSpPr>
+            <a:spLocks noGrp="1"/>
+          </p:cNvSpPr>
+          <p:nvPr>
+            <p:ph idx="1"/>
+          </p:nvPr>
+        </p:nvSpPr>
+        <p:spPr/>
+        <p:txBody>
+          <a:bodyPr/>
+          <a:lstStyle/>
+          <a:p>
+            <a:pPr marL="0" indent="0">
+              <a:buNone/>
+            </a:pPr>
+            <a:r>
+              <a:rPr lang="de-DE" dirty="0"/>
+              <a:t>Besondere Form des DU</a:t>
+            </a:r>
+          </a:p>
+          <a:p>
+            <a:pPr marL="0" indent="0">
+              <a:buNone/>
+            </a:pPr>
+            <a:r>
+              <a:rPr lang="en-US" b="1" dirty="0">
+                <a:solidFill>
+                  <a:srgbClr val="008000"/>
+                </a:solidFill>
+              </a:rPr>
+              <a:t>type</a:t>
+            </a:r>
+            <a:r>
+              <a:rPr lang="en-US" dirty="0"/>
+              <a:t> </a:t>
+            </a:r>
+            <a:r>
+              <a:rPr lang="en-US" b="1" dirty="0">
+                <a:solidFill>
+                  <a:srgbClr val="0000FF"/>
+                </a:solidFill>
+              </a:rPr>
+              <a:t>Option</a:t>
+            </a:r>
+            <a:r>
+              <a:rPr lang="en-US" dirty="0">
+                <a:solidFill>
+                  <a:srgbClr val="666666"/>
+                </a:solidFill>
+              </a:rPr>
+              <a:t>&lt;</a:t>
+            </a:r>
+            <a:r>
+              <a:rPr lang="en-US" b="1" dirty="0">
+                <a:solidFill>
+                  <a:srgbClr val="008000"/>
+                </a:solidFill>
+              </a:rPr>
+              <a:t>'</a:t>
+            </a:r>
+            <a:r>
+              <a:rPr lang="en-US" dirty="0"/>
+              <a:t>a</a:t>
+            </a:r>
+            <a:r>
+              <a:rPr lang="en-US" dirty="0">
+                <a:solidFill>
+                  <a:srgbClr val="666666"/>
+                </a:solidFill>
+              </a:rPr>
+              <a:t>&gt;</a:t>
+            </a:r>
+            <a:r>
+              <a:rPr lang="en-US" dirty="0"/>
+              <a:t> </a:t>
+            </a:r>
+            <a:r>
+              <a:rPr lang="en-US" dirty="0">
+                <a:solidFill>
+                  <a:srgbClr val="666666"/>
+                </a:solidFill>
+              </a:rPr>
+              <a:t>=</a:t>
+            </a:r>
+            <a:r>
+              <a:rPr lang="en-US" dirty="0"/>
+              <a:t> </a:t>
+            </a:r>
+            <a:r>
+              <a:rPr lang="en-US" i="1" dirty="0">
+                <a:solidFill>
+                  <a:srgbClr val="408080"/>
+                </a:solidFill>
+              </a:rPr>
+              <a:t>// use a generic definition </a:t>
+            </a:r>
+          </a:p>
+          <a:p>
+            <a:pPr marL="0" indent="0">
+              <a:buNone/>
+            </a:pPr>
+            <a:r>
+              <a:rPr lang="en-US" dirty="0">
+                <a:solidFill>
+                  <a:srgbClr val="666666"/>
+                </a:solidFill>
+              </a:rPr>
+              <a:t>|</a:t>
+            </a:r>
+            <a:r>
+              <a:rPr lang="en-US" dirty="0"/>
+              <a:t> </a:t>
+            </a:r>
+            <a:r>
+              <a:rPr lang="en-US" b="1" dirty="0">
+                <a:solidFill>
+                  <a:srgbClr val="0000FF"/>
+                </a:solidFill>
+              </a:rPr>
+              <a:t>Some</a:t>
+            </a:r>
+            <a:r>
+              <a:rPr lang="en-US" dirty="0"/>
+              <a:t> </a:t>
+            </a:r>
+            <a:r>
+              <a:rPr lang="en-US" b="1" dirty="0">
+                <a:solidFill>
+                  <a:srgbClr val="008000"/>
+                </a:solidFill>
+              </a:rPr>
+              <a:t>of</a:t>
+            </a:r>
+            <a:r>
+              <a:rPr lang="en-US" dirty="0"/>
+              <a:t> </a:t>
+            </a:r>
+            <a:r>
+              <a:rPr lang="en-US" b="1" dirty="0">
+                <a:solidFill>
+                  <a:srgbClr val="008000"/>
+                </a:solidFill>
+              </a:rPr>
+              <a:t>'</a:t>
+            </a:r>
+            <a:r>
+              <a:rPr lang="en-US" dirty="0"/>
+              <a:t>a </a:t>
+            </a:r>
+            <a:r>
+              <a:rPr lang="en-US" i="1" dirty="0">
+                <a:solidFill>
+                  <a:srgbClr val="408080"/>
+                </a:solidFill>
+              </a:rPr>
+              <a:t>// valid value</a:t>
+            </a:r>
+            <a:r>
+              <a:rPr lang="en-US" dirty="0"/>
+              <a:t> </a:t>
+            </a:r>
+          </a:p>
+          <a:p>
+            <a:pPr marL="0" indent="0">
+              <a:buNone/>
+            </a:pPr>
+            <a:r>
+              <a:rPr lang="en-US" dirty="0">
+                <a:solidFill>
+                  <a:srgbClr val="666666"/>
+                </a:solidFill>
+              </a:rPr>
+              <a:t>|</a:t>
+            </a:r>
+            <a:r>
+              <a:rPr lang="en-US" dirty="0"/>
+              <a:t> </a:t>
+            </a:r>
+            <a:r>
+              <a:rPr lang="en-US" b="1" dirty="0">
+                <a:solidFill>
+                  <a:srgbClr val="0000FF"/>
+                </a:solidFill>
+              </a:rPr>
+              <a:t>None</a:t>
+            </a:r>
+            <a:r>
+              <a:rPr lang="en-US" dirty="0"/>
+              <a:t> </a:t>
+            </a:r>
+            <a:r>
+              <a:rPr lang="en-US" i="1" dirty="0">
+                <a:solidFill>
+                  <a:srgbClr val="408080"/>
+                </a:solidFill>
+              </a:rPr>
+              <a:t>// missing</a:t>
+            </a:r>
+          </a:p>
+          <a:p>
+            <a:pPr marL="0" indent="0">
+              <a:buNone/>
+            </a:pPr>
+            <a:endParaRPr lang="en-US" dirty="0"/>
+          </a:p>
+        </p:txBody>
+      </p:sp>
+    </p:spTree>
+    <p:extLst>
+      <p:ext uri="{BB962C8B-B14F-4D97-AF65-F5344CB8AC3E}">
+        <p14:creationId xmlns:p14="http://schemas.microsoft.com/office/powerpoint/2010/main" val="1673819925"/>
       </p:ext>
     </p:extLst>
   </p:cSld>
@@ -25881,6 +27043,630 @@
       </p:par>
     </p:tnLst>
   </p:timing>
+</p:sld>
+</file>
+
+<file path=ppt/slides/slide50.xml><?xml version="1.0" encoding="utf-8"?>
+<p:sld xmlns:a="http://schemas.openxmlformats.org/drawingml/2006/main" xmlns:r="http://schemas.openxmlformats.org/officeDocument/2006/relationships" xmlns:p="http://schemas.openxmlformats.org/presentationml/2006/main">
+  <p:cSld>
+    <p:spTree>
+      <p:nvGrpSpPr>
+        <p:cNvPr id="1" name=""/>
+        <p:cNvGrpSpPr/>
+        <p:nvPr/>
+      </p:nvGrpSpPr>
+      <p:grpSpPr>
+        <a:xfrm>
+          <a:off x="0" y="0"/>
+          <a:ext cx="0" cy="0"/>
+          <a:chOff x="0" y="0"/>
+          <a:chExt cx="0" cy="0"/>
+        </a:xfrm>
+      </p:grpSpPr>
+      <p:sp>
+        <p:nvSpPr>
+          <p:cNvPr id="2" name="Title 1"/>
+          <p:cNvSpPr>
+            <a:spLocks noGrp="1"/>
+          </p:cNvSpPr>
+          <p:nvPr>
+            <p:ph type="title"/>
+          </p:nvPr>
+        </p:nvSpPr>
+        <p:spPr/>
+        <p:txBody>
+          <a:bodyPr>
+            <a:normAutofit/>
+          </a:bodyPr>
+          <a:lstStyle/>
+          <a:p>
+            <a:r>
+              <a:rPr lang="de-DE" dirty="0"/>
+              <a:t>Option </a:t>
+            </a:r>
+            <a:r>
+              <a:rPr lang="de-DE" dirty="0" err="1"/>
+              <a:t>vs</a:t>
+            </a:r>
+            <a:r>
+              <a:rPr lang="de-DE" dirty="0"/>
+              <a:t> Null : Type </a:t>
+            </a:r>
+            <a:r>
+              <a:rPr lang="de-DE" dirty="0" err="1"/>
+              <a:t>Safety</a:t>
+            </a:r>
+            <a:endParaRPr lang="en-US" dirty="0"/>
+          </a:p>
+        </p:txBody>
+      </p:sp>
+      <p:sp>
+        <p:nvSpPr>
+          <p:cNvPr id="3" name="Content Placeholder 2"/>
+          <p:cNvSpPr>
+            <a:spLocks noGrp="1"/>
+          </p:cNvSpPr>
+          <p:nvPr>
+            <p:ph idx="1"/>
+          </p:nvPr>
+        </p:nvSpPr>
+        <p:spPr/>
+        <p:txBody>
+          <a:bodyPr/>
+          <a:lstStyle/>
+          <a:p>
+            <a:pPr marL="0" indent="0">
+              <a:buNone/>
+            </a:pPr>
+            <a:r>
+              <a:rPr lang="en-US" dirty="0">
+                <a:solidFill>
+                  <a:srgbClr val="0000FF"/>
+                </a:solidFill>
+                <a:highlight>
+                  <a:srgbClr val="FFFFFF"/>
+                </a:highlight>
+                <a:latin typeface="Consolas"/>
+              </a:rPr>
+              <a:t>string</a:t>
+            </a:r>
+            <a:r>
+              <a:rPr lang="en-US" dirty="0">
+                <a:solidFill>
+                  <a:srgbClr val="000000"/>
+                </a:solidFill>
+                <a:highlight>
+                  <a:srgbClr val="FFFFFF"/>
+                </a:highlight>
+                <a:latin typeface="Consolas"/>
+              </a:rPr>
+              <a:t> s2 = </a:t>
+            </a:r>
+            <a:r>
+              <a:rPr lang="en-US" dirty="0">
+                <a:solidFill>
+                  <a:srgbClr val="0000FF"/>
+                </a:solidFill>
+                <a:highlight>
+                  <a:srgbClr val="FFFFFF"/>
+                </a:highlight>
+                <a:latin typeface="Consolas"/>
+              </a:rPr>
+              <a:t>null</a:t>
+            </a:r>
+            <a:r>
+              <a:rPr lang="en-US" dirty="0">
+                <a:solidFill>
+                  <a:srgbClr val="000000"/>
+                </a:solidFill>
+                <a:highlight>
+                  <a:srgbClr val="FFFFFF"/>
+                </a:highlight>
+                <a:latin typeface="Consolas"/>
+              </a:rPr>
+              <a:t>;</a:t>
+            </a:r>
+          </a:p>
+          <a:p>
+            <a:pPr marL="0" indent="0">
+              <a:buNone/>
+            </a:pPr>
+            <a:r>
+              <a:rPr lang="en-US" dirty="0" err="1">
+                <a:solidFill>
+                  <a:srgbClr val="0000FF"/>
+                </a:solidFill>
+                <a:highlight>
+                  <a:srgbClr val="FFFFFF"/>
+                </a:highlight>
+                <a:latin typeface="Consolas"/>
+              </a:rPr>
+              <a:t>var</a:t>
+            </a:r>
+            <a:r>
+              <a:rPr lang="en-US" dirty="0">
+                <a:solidFill>
+                  <a:srgbClr val="000000"/>
+                </a:solidFill>
+                <a:highlight>
+                  <a:srgbClr val="FFFFFF"/>
+                </a:highlight>
+                <a:latin typeface="Consolas"/>
+              </a:rPr>
+              <a:t> len2 = s2.Length; </a:t>
+            </a:r>
+          </a:p>
+          <a:p>
+            <a:pPr marL="0" indent="0">
+              <a:buNone/>
+            </a:pPr>
+            <a:r>
+              <a:rPr lang="de-DE" dirty="0">
+                <a:solidFill>
+                  <a:srgbClr val="000000"/>
+                </a:solidFill>
+                <a:highlight>
+                  <a:srgbClr val="FFFFFF"/>
+                </a:highlight>
+                <a:latin typeface="Consolas"/>
+              </a:rPr>
+              <a:t>// WIR wissen dass s2 null ist, der Compiler nicht</a:t>
+            </a:r>
+            <a:endParaRPr lang="en-US" dirty="0">
+              <a:highlight>
+                <a:srgbClr val="FFFFFF"/>
+              </a:highlight>
+            </a:endParaRPr>
+          </a:p>
+          <a:p>
+            <a:pPr marL="0" indent="0">
+              <a:buNone/>
+            </a:pPr>
+            <a:endParaRPr lang="de-DE" dirty="0"/>
+          </a:p>
+        </p:txBody>
+      </p:sp>
+    </p:spTree>
+    <p:extLst>
+      <p:ext uri="{BB962C8B-B14F-4D97-AF65-F5344CB8AC3E}">
+        <p14:creationId xmlns:p14="http://schemas.microsoft.com/office/powerpoint/2010/main" val="1684138351"/>
+      </p:ext>
+    </p:extLst>
+  </p:cSld>
+  <p:clrMapOvr>
+    <a:masterClrMapping/>
+  </p:clrMapOvr>
+</p:sld>
+</file>
+
+<file path=ppt/slides/slide51.xml><?xml version="1.0" encoding="utf-8"?>
+<p:sld xmlns:a="http://schemas.openxmlformats.org/drawingml/2006/main" xmlns:r="http://schemas.openxmlformats.org/officeDocument/2006/relationships" xmlns:p="http://schemas.openxmlformats.org/presentationml/2006/main">
+  <p:cSld>
+    <p:spTree>
+      <p:nvGrpSpPr>
+        <p:cNvPr id="1" name=""/>
+        <p:cNvGrpSpPr/>
+        <p:nvPr/>
+      </p:nvGrpSpPr>
+      <p:grpSpPr>
+        <a:xfrm>
+          <a:off x="0" y="0"/>
+          <a:ext cx="0" cy="0"/>
+          <a:chOff x="0" y="0"/>
+          <a:chExt cx="0" cy="0"/>
+        </a:xfrm>
+      </p:grpSpPr>
+      <p:sp>
+        <p:nvSpPr>
+          <p:cNvPr id="2" name="Title 1"/>
+          <p:cNvSpPr>
+            <a:spLocks noGrp="1"/>
+          </p:cNvSpPr>
+          <p:nvPr>
+            <p:ph type="title"/>
+          </p:nvPr>
+        </p:nvSpPr>
+        <p:spPr/>
+        <p:txBody>
+          <a:bodyPr>
+            <a:normAutofit/>
+          </a:bodyPr>
+          <a:lstStyle/>
+          <a:p>
+            <a:r>
+              <a:rPr lang="de-DE" dirty="0"/>
+              <a:t>Option </a:t>
+            </a:r>
+            <a:r>
+              <a:rPr lang="de-DE" dirty="0" err="1"/>
+              <a:t>vs</a:t>
+            </a:r>
+            <a:r>
+              <a:rPr lang="de-DE" dirty="0"/>
+              <a:t> Null : Type </a:t>
+            </a:r>
+            <a:r>
+              <a:rPr lang="de-DE" dirty="0" err="1"/>
+              <a:t>Safety</a:t>
+            </a:r>
+            <a:endParaRPr lang="en-US" dirty="0"/>
+          </a:p>
+        </p:txBody>
+      </p:sp>
+      <p:sp>
+        <p:nvSpPr>
+          <p:cNvPr id="3" name="Content Placeholder 2"/>
+          <p:cNvSpPr>
+            <a:spLocks noGrp="1"/>
+          </p:cNvSpPr>
+          <p:nvPr>
+            <p:ph idx="1"/>
+          </p:nvPr>
+        </p:nvSpPr>
+        <p:spPr/>
+        <p:txBody>
+          <a:bodyPr/>
+          <a:lstStyle/>
+          <a:p>
+            <a:pPr marL="0" indent="0">
+              <a:buNone/>
+            </a:pPr>
+            <a:r>
+              <a:rPr lang="en-US" dirty="0">
+                <a:solidFill>
+                  <a:srgbClr val="0000FF"/>
+                </a:solidFill>
+                <a:highlight>
+                  <a:srgbClr val="FFFFFF"/>
+                </a:highlight>
+                <a:latin typeface="Consolas"/>
+              </a:rPr>
+              <a:t>let</a:t>
+            </a:r>
+            <a:r>
+              <a:rPr lang="en-US" dirty="0">
+                <a:solidFill>
+                  <a:srgbClr val="000000"/>
+                </a:solidFill>
+                <a:highlight>
+                  <a:srgbClr val="FFFFFF"/>
+                </a:highlight>
+                <a:latin typeface="Consolas"/>
+              </a:rPr>
+              <a:t> s </a:t>
+            </a:r>
+            <a:r>
+              <a:rPr lang="en-US" dirty="0">
+                <a:solidFill>
+                  <a:srgbClr val="DCDCDC"/>
+                </a:solidFill>
+                <a:highlight>
+                  <a:srgbClr val="FFFFFF"/>
+                </a:highlight>
+                <a:latin typeface="Consolas"/>
+              </a:rPr>
+              <a:t>=</a:t>
+            </a:r>
+            <a:r>
+              <a:rPr lang="en-US" dirty="0">
+                <a:solidFill>
+                  <a:srgbClr val="000000"/>
+                </a:solidFill>
+                <a:highlight>
+                  <a:srgbClr val="FFFFFF"/>
+                </a:highlight>
+                <a:latin typeface="Consolas"/>
+              </a:rPr>
+              <a:t> </a:t>
+            </a:r>
+            <a:r>
+              <a:rPr lang="en-US" dirty="0">
+                <a:solidFill>
+                  <a:srgbClr val="A31515"/>
+                </a:solidFill>
+                <a:highlight>
+                  <a:srgbClr val="FFFFFF"/>
+                </a:highlight>
+                <a:latin typeface="Consolas"/>
+              </a:rPr>
+              <a:t>"string"</a:t>
+            </a:r>
+            <a:endParaRPr lang="en-US" dirty="0">
+              <a:solidFill>
+                <a:srgbClr val="000000"/>
+              </a:solidFill>
+              <a:highlight>
+                <a:srgbClr val="FFFFFF"/>
+              </a:highlight>
+              <a:latin typeface="Consolas"/>
+            </a:endParaRPr>
+          </a:p>
+          <a:p>
+            <a:pPr marL="0" indent="0">
+              <a:buNone/>
+            </a:pPr>
+            <a:r>
+              <a:rPr lang="en-US" dirty="0">
+                <a:solidFill>
+                  <a:srgbClr val="0000FF"/>
+                </a:solidFill>
+                <a:highlight>
+                  <a:srgbClr val="FFFFFF"/>
+                </a:highlight>
+                <a:latin typeface="Consolas"/>
+              </a:rPr>
+              <a:t>let</a:t>
+            </a:r>
+            <a:r>
+              <a:rPr lang="en-US" dirty="0">
+                <a:solidFill>
+                  <a:srgbClr val="000000"/>
+                </a:solidFill>
+                <a:highlight>
+                  <a:srgbClr val="FFFFFF"/>
+                </a:highlight>
+                <a:latin typeface="Consolas"/>
+              </a:rPr>
+              <a:t> length </a:t>
+            </a:r>
+            <a:r>
+              <a:rPr lang="en-US" dirty="0">
+                <a:solidFill>
+                  <a:srgbClr val="DCDCDC"/>
+                </a:solidFill>
+                <a:highlight>
+                  <a:srgbClr val="FFFFFF"/>
+                </a:highlight>
+                <a:latin typeface="Consolas"/>
+              </a:rPr>
+              <a:t>=</a:t>
+            </a:r>
+            <a:r>
+              <a:rPr lang="en-US" dirty="0">
+                <a:solidFill>
+                  <a:srgbClr val="000000"/>
+                </a:solidFill>
+                <a:highlight>
+                  <a:srgbClr val="FFFFFF"/>
+                </a:highlight>
+                <a:latin typeface="Consolas"/>
+              </a:rPr>
+              <a:t> </a:t>
+            </a:r>
+            <a:r>
+              <a:rPr lang="en-US" dirty="0" err="1">
+                <a:solidFill>
+                  <a:srgbClr val="000000"/>
+                </a:solidFill>
+                <a:highlight>
+                  <a:srgbClr val="FFFFFF"/>
+                </a:highlight>
+                <a:latin typeface="Consolas"/>
+              </a:rPr>
+              <a:t>s.Length</a:t>
+            </a:r>
+            <a:endParaRPr lang="en-US" dirty="0">
+              <a:solidFill>
+                <a:srgbClr val="000000"/>
+              </a:solidFill>
+              <a:highlight>
+                <a:srgbClr val="FFFFFF"/>
+              </a:highlight>
+              <a:latin typeface="Consolas"/>
+            </a:endParaRPr>
+          </a:p>
+          <a:p>
+            <a:pPr marL="0" indent="0">
+              <a:buNone/>
+            </a:pPr>
+            <a:r>
+              <a:rPr lang="en-US" dirty="0">
+                <a:solidFill>
+                  <a:srgbClr val="0000FF"/>
+                </a:solidFill>
+                <a:highlight>
+                  <a:srgbClr val="FFFFFF"/>
+                </a:highlight>
+                <a:latin typeface="Consolas"/>
+              </a:rPr>
+              <a:t>let</a:t>
+            </a:r>
+            <a:r>
+              <a:rPr lang="en-US" dirty="0">
+                <a:solidFill>
+                  <a:srgbClr val="000000"/>
+                </a:solidFill>
+                <a:highlight>
+                  <a:srgbClr val="FFFFFF"/>
+                </a:highlight>
+                <a:latin typeface="Consolas"/>
+              </a:rPr>
+              <a:t> s' </a:t>
+            </a:r>
+            <a:r>
+              <a:rPr lang="en-US" dirty="0">
+                <a:solidFill>
+                  <a:srgbClr val="DCDCDC"/>
+                </a:solidFill>
+                <a:highlight>
+                  <a:srgbClr val="FFFFFF"/>
+                </a:highlight>
+                <a:latin typeface="Consolas"/>
+              </a:rPr>
+              <a:t>=</a:t>
+            </a:r>
+            <a:r>
+              <a:rPr lang="en-US" dirty="0">
+                <a:solidFill>
+                  <a:srgbClr val="000000"/>
+                </a:solidFill>
+                <a:highlight>
+                  <a:srgbClr val="FFFFFF"/>
+                </a:highlight>
+                <a:latin typeface="Consolas"/>
+              </a:rPr>
+              <a:t> </a:t>
+            </a:r>
+            <a:r>
+              <a:rPr lang="en-US" dirty="0">
+                <a:solidFill>
+                  <a:srgbClr val="4EC9B0"/>
+                </a:solidFill>
+                <a:highlight>
+                  <a:srgbClr val="FFFFFF"/>
+                </a:highlight>
+                <a:latin typeface="Consolas"/>
+              </a:rPr>
+              <a:t>Option</a:t>
+            </a:r>
+            <a:r>
+              <a:rPr lang="en-US" dirty="0">
+                <a:solidFill>
+                  <a:srgbClr val="000000"/>
+                </a:solidFill>
+                <a:highlight>
+                  <a:srgbClr val="FFFFFF"/>
+                </a:highlight>
+                <a:latin typeface="Consolas"/>
+              </a:rPr>
+              <a:t>&lt;</a:t>
+            </a:r>
+            <a:r>
+              <a:rPr lang="en-US" dirty="0">
+                <a:solidFill>
+                  <a:srgbClr val="4EC9B0"/>
+                </a:solidFill>
+                <a:highlight>
+                  <a:srgbClr val="FFFFFF"/>
+                </a:highlight>
+                <a:latin typeface="Consolas"/>
+              </a:rPr>
+              <a:t>string</a:t>
+            </a:r>
+            <a:r>
+              <a:rPr lang="en-US" dirty="0">
+                <a:solidFill>
+                  <a:srgbClr val="000000"/>
+                </a:solidFill>
+                <a:highlight>
+                  <a:srgbClr val="FFFFFF"/>
+                </a:highlight>
+                <a:latin typeface="Consolas"/>
+              </a:rPr>
+              <a:t>&gt;.</a:t>
+            </a:r>
+            <a:r>
+              <a:rPr lang="en-US" dirty="0">
+                <a:solidFill>
+                  <a:srgbClr val="DCDCDC"/>
+                </a:solidFill>
+                <a:highlight>
+                  <a:srgbClr val="FFFFFF"/>
+                </a:highlight>
+                <a:latin typeface="Consolas"/>
+              </a:rPr>
+              <a:t>None</a:t>
+            </a:r>
+            <a:endParaRPr lang="en-US" dirty="0">
+              <a:solidFill>
+                <a:srgbClr val="000000"/>
+              </a:solidFill>
+              <a:highlight>
+                <a:srgbClr val="FFFFFF"/>
+              </a:highlight>
+              <a:latin typeface="Consolas"/>
+            </a:endParaRPr>
+          </a:p>
+          <a:p>
+            <a:pPr marL="0" indent="0">
+              <a:buNone/>
+            </a:pPr>
+            <a:r>
+              <a:rPr lang="en-US" dirty="0">
+                <a:solidFill>
+                  <a:srgbClr val="0000FF"/>
+                </a:solidFill>
+                <a:highlight>
+                  <a:srgbClr val="FFFFFF"/>
+                </a:highlight>
+                <a:latin typeface="Consolas"/>
+              </a:rPr>
+              <a:t>let</a:t>
+            </a:r>
+            <a:r>
+              <a:rPr lang="en-US" dirty="0">
+                <a:solidFill>
+                  <a:srgbClr val="000000"/>
+                </a:solidFill>
+                <a:highlight>
+                  <a:srgbClr val="FFFFFF"/>
+                </a:highlight>
+                <a:latin typeface="Consolas"/>
+              </a:rPr>
+              <a:t> length' </a:t>
+            </a:r>
+            <a:r>
+              <a:rPr lang="en-US" dirty="0">
+                <a:solidFill>
+                  <a:srgbClr val="DCDCDC"/>
+                </a:solidFill>
+                <a:highlight>
+                  <a:srgbClr val="FFFFFF"/>
+                </a:highlight>
+                <a:latin typeface="Consolas"/>
+              </a:rPr>
+              <a:t>=</a:t>
+            </a:r>
+            <a:r>
+              <a:rPr lang="en-US" dirty="0">
+                <a:solidFill>
+                  <a:srgbClr val="000000"/>
+                </a:solidFill>
+                <a:highlight>
+                  <a:srgbClr val="FFFFFF"/>
+                </a:highlight>
+                <a:latin typeface="Consolas"/>
+              </a:rPr>
+              <a:t> </a:t>
+            </a:r>
+            <a:r>
+              <a:rPr lang="en-US" dirty="0" err="1">
+                <a:solidFill>
+                  <a:srgbClr val="000000"/>
+                </a:solidFill>
+                <a:highlight>
+                  <a:srgbClr val="FFFFFF"/>
+                </a:highlight>
+                <a:latin typeface="Consolas"/>
+              </a:rPr>
+              <a:t>s'.Length</a:t>
+            </a:r>
+            <a:r>
+              <a:rPr lang="en-US" dirty="0">
+                <a:solidFill>
+                  <a:srgbClr val="000000"/>
+                </a:solidFill>
+                <a:highlight>
+                  <a:srgbClr val="FFFFFF"/>
+                </a:highlight>
+                <a:latin typeface="Consolas"/>
+              </a:rPr>
+              <a:t> // ERROR</a:t>
+            </a:r>
+            <a:endParaRPr lang="de-DE" dirty="0"/>
+          </a:p>
+        </p:txBody>
+      </p:sp>
+    </p:spTree>
+    <p:extLst>
+      <p:ext uri="{BB962C8B-B14F-4D97-AF65-F5344CB8AC3E}">
+        <p14:creationId xmlns:p14="http://schemas.microsoft.com/office/powerpoint/2010/main" val="1731058063"/>
+      </p:ext>
+    </p:extLst>
+  </p:cSld>
+  <p:clrMapOvr>
+    <a:masterClrMapping/>
+  </p:clrMapOvr>
 </p:sld>
 </file>
 

--- a/FSharp.pptx
+++ b/FSharp.pptx
@@ -5,7 +5,7 @@
     <p:sldMasterId id="2147483648" r:id="rId1"/>
   </p:sldMasterIdLst>
   <p:notesMasterIdLst>
-    <p:notesMasterId r:id="rId53"/>
+    <p:notesMasterId r:id="rId56"/>
   </p:notesMasterIdLst>
   <p:sldIdLst>
     <p:sldId id="256" r:id="rId2"/>
@@ -47,18 +47,21 @@
     <p:sldId id="320" r:id="rId38"/>
     <p:sldId id="321" r:id="rId39"/>
     <p:sldId id="322" r:id="rId40"/>
-    <p:sldId id="323" r:id="rId41"/>
-    <p:sldId id="319" r:id="rId42"/>
-    <p:sldId id="270" r:id="rId43"/>
-    <p:sldId id="324" r:id="rId44"/>
-    <p:sldId id="327" r:id="rId45"/>
-    <p:sldId id="325" r:id="rId46"/>
-    <p:sldId id="326" r:id="rId47"/>
-    <p:sldId id="276" r:id="rId48"/>
+    <p:sldId id="319" r:id="rId41"/>
+    <p:sldId id="270" r:id="rId42"/>
+    <p:sldId id="324" r:id="rId43"/>
+    <p:sldId id="327" r:id="rId44"/>
+    <p:sldId id="325" r:id="rId45"/>
+    <p:sldId id="326" r:id="rId46"/>
+    <p:sldId id="276" r:id="rId47"/>
+    <p:sldId id="328" r:id="rId48"/>
     <p:sldId id="278" r:id="rId49"/>
-    <p:sldId id="280" r:id="rId50"/>
-    <p:sldId id="281" r:id="rId51"/>
-    <p:sldId id="283" r:id="rId52"/>
+    <p:sldId id="329" r:id="rId50"/>
+    <p:sldId id="331" r:id="rId51"/>
+    <p:sldId id="330" r:id="rId52"/>
+    <p:sldId id="280" r:id="rId53"/>
+    <p:sldId id="281" r:id="rId54"/>
+    <p:sldId id="283" r:id="rId55"/>
   </p:sldIdLst>
   <p:sldSz cx="9144000" cy="6858000" type="screen4x3"/>
   <p:notesSz cx="6858000" cy="9144000"/>
@@ -5174,6 +5177,34 @@
             <a:endParaRPr lang="de-DE" dirty="0"/>
           </a:p>
           <a:p>
+            <a:pPr marL="0" marR="0" lvl="0" indent="0" algn="l" defTabSz="914400" rtl="0" eaLnBrk="1" fontAlgn="auto" latinLnBrk="0" hangingPunct="1">
+              <a:lnSpc>
+                <a:spcPct val="100000"/>
+              </a:lnSpc>
+              <a:spcBef>
+                <a:spcPts val="0"/>
+              </a:spcBef>
+              <a:spcAft>
+                <a:spcPts val="0"/>
+              </a:spcAft>
+              <a:buClrTx/>
+              <a:buSzTx/>
+              <a:buFontTx/>
+              <a:buNone/>
+              <a:tabLst/>
+              <a:defRPr/>
+            </a:pPr>
+            <a:r>
+              <a:rPr lang="de-DE" dirty="0"/>
+              <a:t>Modul 2: Übung Pattern </a:t>
+            </a:r>
+            <a:r>
+              <a:rPr lang="de-DE" dirty="0" err="1"/>
+              <a:t>Matching</a:t>
+            </a:r>
+            <a:endParaRPr lang="de-DE" dirty="0"/>
+          </a:p>
+          <a:p>
             <a:endParaRPr lang="en-US" dirty="0"/>
           </a:p>
         </p:txBody>
@@ -5259,21 +5290,41 @@
           <a:lstStyle/>
           <a:p>
             <a:r>
-              <a:rPr lang="de-DE" dirty="0"/>
-              <a:t>Modul 2: Übung </a:t>
-            </a:r>
-            <a:r>
-              <a:rPr lang="de-DE" dirty="0"/>
-              <a:t>Pattern </a:t>
-            </a:r>
-            <a:r>
-              <a:rPr lang="de-DE" dirty="0" err="1"/>
-              <a:t>Matching</a:t>
-            </a:r>
-            <a:endParaRPr lang="de-DE" dirty="0"/>
-          </a:p>
-          <a:p>
-            <a:endParaRPr lang="en-US" dirty="0"/>
+              <a:rPr lang="de-DE" sz="1200" b="1" kern="1200" dirty="0">
+                <a:solidFill>
+                  <a:schemeClr val="tx1"/>
+                </a:solidFill>
+                <a:effectLst/>
+                <a:latin typeface="+mn-lt"/>
+                <a:ea typeface="+mn-ea"/>
+                <a:cs typeface="+mn-cs"/>
+              </a:rPr>
+              <a:t>Übung: </a:t>
+            </a:r>
+            <a:r>
+              <a:rPr lang="de-DE" sz="1200" b="1" kern="1200" dirty="0" err="1">
+                <a:solidFill>
+                  <a:schemeClr val="tx1"/>
+                </a:solidFill>
+                <a:effectLst/>
+                <a:latin typeface="+mn-lt"/>
+                <a:ea typeface="+mn-ea"/>
+                <a:cs typeface="+mn-cs"/>
+              </a:rPr>
+              <a:t>Tuple</a:t>
+            </a:r>
+            <a:r>
+              <a:rPr lang="de-DE" sz="1200" b="1" kern="1200" dirty="0">
+                <a:solidFill>
+                  <a:schemeClr val="tx1"/>
+                </a:solidFill>
+                <a:effectLst/>
+                <a:latin typeface="+mn-lt"/>
+                <a:ea typeface="+mn-ea"/>
+                <a:cs typeface="+mn-cs"/>
+              </a:rPr>
+              <a:t> - .net API</a:t>
+            </a:r>
           </a:p>
         </p:txBody>
       </p:sp>
@@ -5303,7 +5354,7 @@
     </p:spTree>
     <p:extLst>
       <p:ext uri="{BB962C8B-B14F-4D97-AF65-F5344CB8AC3E}">
-        <p14:creationId xmlns:p14="http://schemas.microsoft.com/office/powerpoint/2010/main" val="3881108460"/>
+        <p14:creationId xmlns:p14="http://schemas.microsoft.com/office/powerpoint/2010/main" val="1194034453"/>
       </p:ext>
     </p:extLst>
   </p:cSld>
@@ -5358,7 +5409,11 @@
           <a:lstStyle/>
           <a:p>
             <a:r>
-              <a:rPr lang="de-DE" sz="1200" b="1" kern="1200" dirty="0">
+              <a:rPr lang="de-DE" dirty="0"/>
+              <a:t>Übung Modul 2: </a:t>
+            </a:r>
+            <a:r>
+              <a:rPr lang="en-US" sz="1200" kern="1200" dirty="0">
                 <a:solidFill>
                   <a:schemeClr val="tx1"/>
                 </a:solidFill>
@@ -5367,10 +5422,10 @@
                 <a:ea typeface="+mn-ea"/>
                 <a:cs typeface="+mn-cs"/>
               </a:rPr>
-              <a:t>Übung: </a:t>
-            </a:r>
-            <a:r>
-              <a:rPr lang="de-DE" sz="1200" b="1" kern="1200" dirty="0" err="1">
+              <a:t>Record </a:t>
+            </a:r>
+            <a:r>
+              <a:rPr lang="en-US" sz="1200" kern="1200" dirty="0" err="1">
                 <a:solidFill>
                   <a:schemeClr val="tx1"/>
                 </a:solidFill>
@@ -5379,10 +5434,10 @@
                 <a:ea typeface="+mn-ea"/>
                 <a:cs typeface="+mn-cs"/>
               </a:rPr>
-              <a:t>Tuple</a:t>
-            </a:r>
-            <a:r>
-              <a:rPr lang="de-DE" sz="1200" b="1" kern="1200" dirty="0">
+              <a:t>Deklaration</a:t>
+            </a:r>
+            <a:r>
+              <a:rPr lang="en-US" sz="1200" kern="1200" dirty="0">
                 <a:solidFill>
                   <a:schemeClr val="tx1"/>
                 </a:solidFill>
@@ -5391,8 +5446,53 @@
                 <a:ea typeface="+mn-ea"/>
                 <a:cs typeface="+mn-cs"/>
               </a:rPr>
-              <a:t> - .net API</a:t>
-            </a:r>
+              <a:t> und Construction</a:t>
+            </a:r>
+          </a:p>
+          <a:p>
+            <a:pPr marL="0" marR="0" lvl="0" indent="0" algn="l" defTabSz="914400" rtl="0" eaLnBrk="1" fontAlgn="auto" latinLnBrk="0" hangingPunct="1">
+              <a:lnSpc>
+                <a:spcPct val="100000"/>
+              </a:lnSpc>
+              <a:spcBef>
+                <a:spcPts val="0"/>
+              </a:spcBef>
+              <a:spcAft>
+                <a:spcPts val="0"/>
+              </a:spcAft>
+              <a:buClrTx/>
+              <a:buSzTx/>
+              <a:buFontTx/>
+              <a:buNone/>
+              <a:tabLst/>
+              <a:defRPr/>
+            </a:pPr>
+            <a:r>
+              <a:rPr lang="de-DE" dirty="0"/>
+              <a:t>Keine </a:t>
+            </a:r>
+            <a:r>
+              <a:rPr lang="de-DE" dirty="0" err="1"/>
+              <a:t>Adhoc</a:t>
+            </a:r>
+            <a:r>
+              <a:rPr lang="de-DE" dirty="0"/>
+              <a:t> Erstellung</a:t>
+            </a:r>
+          </a:p>
+          <a:p>
+            <a:endParaRPr lang="de-DE" dirty="0"/>
+          </a:p>
+          <a:p>
+            <a:r>
+              <a:rPr lang="de-DE" dirty="0"/>
+              <a:t>Ich kann pro Deklaration</a:t>
+            </a:r>
+            <a:r>
+              <a:rPr lang="de-DE" baseline="0" dirty="0"/>
+              <a:t> eine andere Funktion angeben.  Reihenfolge der Deklarationen ist nicht relevant.</a:t>
+            </a:r>
+            <a:endParaRPr lang="en-US" dirty="0"/>
           </a:p>
         </p:txBody>
       </p:sp>
@@ -5422,7 +5522,7 @@
     </p:spTree>
     <p:extLst>
       <p:ext uri="{BB962C8B-B14F-4D97-AF65-F5344CB8AC3E}">
-        <p14:creationId xmlns:p14="http://schemas.microsoft.com/office/powerpoint/2010/main" val="1194034453"/>
+        <p14:creationId xmlns:p14="http://schemas.microsoft.com/office/powerpoint/2010/main" val="827611547"/>
       </p:ext>
     </p:extLst>
   </p:cSld>
@@ -5639,39 +5739,6 @@
               </a:rPr>
               <a:t> und Construction</a:t>
             </a:r>
-          </a:p>
-          <a:p>
-            <a:pPr marL="0" marR="0" lvl="0" indent="0" algn="l" defTabSz="914400" rtl="0" eaLnBrk="1" fontAlgn="auto" latinLnBrk="0" hangingPunct="1">
-              <a:lnSpc>
-                <a:spcPct val="100000"/>
-              </a:lnSpc>
-              <a:spcBef>
-                <a:spcPts val="0"/>
-              </a:spcBef>
-              <a:spcAft>
-                <a:spcPts val="0"/>
-              </a:spcAft>
-              <a:buClrTx/>
-              <a:buSzTx/>
-              <a:buFontTx/>
-              <a:buNone/>
-              <a:tabLst/>
-              <a:defRPr/>
-            </a:pPr>
-            <a:r>
-              <a:rPr lang="de-DE" dirty="0"/>
-              <a:t>Keine </a:t>
-            </a:r>
-            <a:r>
-              <a:rPr lang="de-DE" dirty="0" err="1"/>
-              <a:t>Adhoc</a:t>
-            </a:r>
-            <a:r>
-              <a:rPr lang="de-DE" dirty="0"/>
-              <a:t> Erstellung</a:t>
-            </a:r>
-          </a:p>
-          <a:p>
             <a:endParaRPr lang="de-DE" dirty="0"/>
           </a:p>
           <a:p>
@@ -5713,7 +5780,7 @@
     </p:spTree>
     <p:extLst>
       <p:ext uri="{BB962C8B-B14F-4D97-AF65-F5344CB8AC3E}">
-        <p14:creationId xmlns:p14="http://schemas.microsoft.com/office/powerpoint/2010/main" val="827611547"/>
+        <p14:creationId xmlns:p14="http://schemas.microsoft.com/office/powerpoint/2010/main" val="4249111469"/>
       </p:ext>
     </p:extLst>
   </p:cSld>
@@ -5848,7 +5915,7 @@
     </p:spTree>
     <p:extLst>
       <p:ext uri="{BB962C8B-B14F-4D97-AF65-F5344CB8AC3E}">
-        <p14:creationId xmlns:p14="http://schemas.microsoft.com/office/powerpoint/2010/main" val="4249111469"/>
+        <p14:creationId xmlns:p14="http://schemas.microsoft.com/office/powerpoint/2010/main" val="404333598"/>
       </p:ext>
     </p:extLst>
   </p:cSld>
@@ -5907,7 +5974,7 @@
               <a:t>Übung Modul 2: </a:t>
             </a:r>
             <a:r>
-              <a:rPr lang="en-US" sz="1200" kern="1200" dirty="0">
+              <a:rPr lang="de-DE" sz="1200" kern="1200" dirty="0" err="1">
                 <a:solidFill>
                   <a:schemeClr val="tx1"/>
                 </a:solidFill>
@@ -5916,10 +5983,10 @@
                 <a:ea typeface="+mn-ea"/>
                 <a:cs typeface="+mn-cs"/>
               </a:rPr>
-              <a:t>Record </a:t>
-            </a:r>
-            <a:r>
-              <a:rPr lang="en-US" sz="1200" kern="1200" dirty="0" err="1">
+              <a:t>Record</a:t>
+            </a:r>
+            <a:r>
+              <a:rPr lang="de-DE" sz="1200" kern="1200" dirty="0">
                 <a:solidFill>
                   <a:schemeClr val="tx1"/>
                 </a:solidFill>
@@ -5928,19 +5995,7 @@
                 <a:ea typeface="+mn-ea"/>
                 <a:cs typeface="+mn-cs"/>
               </a:rPr>
-              <a:t>Deklaration</a:t>
-            </a:r>
-            <a:r>
-              <a:rPr lang="en-US" sz="1200" kern="1200" dirty="0">
-                <a:solidFill>
-                  <a:schemeClr val="tx1"/>
-                </a:solidFill>
-                <a:effectLst/>
-                <a:latin typeface="+mn-lt"/>
-                <a:ea typeface="+mn-ea"/>
-                <a:cs typeface="+mn-cs"/>
-              </a:rPr>
-              <a:t> und Construction</a:t>
+              <a:t> Zerlegung und Klonen</a:t>
             </a:r>
             <a:endParaRPr lang="de-DE" dirty="0"/>
           </a:p>
@@ -5983,7 +6038,7 @@
     </p:spTree>
     <p:extLst>
       <p:ext uri="{BB962C8B-B14F-4D97-AF65-F5344CB8AC3E}">
-        <p14:creationId xmlns:p14="http://schemas.microsoft.com/office/powerpoint/2010/main" val="404333598"/>
+        <p14:creationId xmlns:p14="http://schemas.microsoft.com/office/powerpoint/2010/main" val="250556038"/>
       </p:ext>
     </p:extLst>
   </p:cSld>
@@ -6038,22 +6093,6 @@
           <a:lstStyle/>
           <a:p>
             <a:r>
-              <a:rPr lang="de-DE" dirty="0"/>
-              <a:t>Übung Modul 2: </a:t>
-            </a:r>
-            <a:r>
-              <a:rPr lang="de-DE" sz="1200" kern="1200" dirty="0" err="1">
-                <a:solidFill>
-                  <a:schemeClr val="tx1"/>
-                </a:solidFill>
-                <a:effectLst/>
-                <a:latin typeface="+mn-lt"/>
-                <a:ea typeface="+mn-ea"/>
-                <a:cs typeface="+mn-cs"/>
-              </a:rPr>
-              <a:t>Record</a:t>
-            </a:r>
-            <a:r>
               <a:rPr lang="de-DE" sz="1200" kern="1200" dirty="0">
                 <a:solidFill>
                   <a:schemeClr val="tx1"/>
@@ -6063,20 +6102,15 @@
                 <a:ea typeface="+mn-ea"/>
                 <a:cs typeface="+mn-cs"/>
               </a:rPr>
-              <a:t> Zerlegung und Klonen</a:t>
+              <a:t>Übung Modul 2: Gleichheit</a:t>
+            </a:r>
+          </a:p>
+          <a:p>
+            <a:r>
+              <a:rPr lang="de-DE" dirty="0"/>
+              <a:t>F# ist hier nominal!</a:t>
             </a:r>
             <a:endParaRPr lang="de-DE" dirty="0"/>
-          </a:p>
-          <a:p>
-            <a:r>
-              <a:rPr lang="de-DE" dirty="0"/>
-              <a:t>Ich kann pro Deklaration</a:t>
-            </a:r>
-            <a:r>
-              <a:rPr lang="de-DE" baseline="0" dirty="0"/>
-              <a:t> eine andere Funktion angeben.  Reihenfolge der Deklarationen ist nicht relevant.</a:t>
-            </a:r>
-            <a:endParaRPr lang="en-US" dirty="0"/>
           </a:p>
         </p:txBody>
       </p:sp>
@@ -6106,7 +6140,7 @@
     </p:spTree>
     <p:extLst>
       <p:ext uri="{BB962C8B-B14F-4D97-AF65-F5344CB8AC3E}">
-        <p14:creationId xmlns:p14="http://schemas.microsoft.com/office/powerpoint/2010/main" val="250556038"/>
+        <p14:creationId xmlns:p14="http://schemas.microsoft.com/office/powerpoint/2010/main" val="2002878727"/>
       </p:ext>
     </p:extLst>
   </p:cSld>
@@ -6161,54 +6195,149 @@
           <a:lstStyle/>
           <a:p>
             <a:r>
-              <a:rPr lang="de-DE" sz="1200" kern="1200" dirty="0">
-                <a:solidFill>
-                  <a:schemeClr val="tx1"/>
-                </a:solidFill>
-                <a:effectLst/>
-                <a:latin typeface="+mn-lt"/>
-                <a:ea typeface="+mn-ea"/>
-                <a:cs typeface="+mn-cs"/>
-              </a:rPr>
-              <a:t>Übung Modul 2: </a:t>
-            </a:r>
-            <a:r>
-              <a:rPr lang="de-DE" sz="1200" kern="1200" dirty="0" err="1">
-                <a:solidFill>
-                  <a:schemeClr val="tx1"/>
-                </a:solidFill>
-                <a:effectLst/>
-                <a:latin typeface="+mn-lt"/>
-                <a:ea typeface="+mn-ea"/>
-                <a:cs typeface="+mn-cs"/>
-              </a:rPr>
-              <a:t>Record</a:t>
-            </a:r>
-            <a:r>
-              <a:rPr lang="de-DE" sz="1200" kern="1200" dirty="0">
-                <a:solidFill>
-                  <a:schemeClr val="tx1"/>
-                </a:solidFill>
-                <a:effectLst/>
-                <a:latin typeface="+mn-lt"/>
-                <a:ea typeface="+mn-ea"/>
-                <a:cs typeface="+mn-cs"/>
-              </a:rPr>
-              <a:t> Pattern </a:t>
-            </a:r>
-            <a:r>
-              <a:rPr lang="de-DE" sz="1200" kern="1200" dirty="0" err="1">
-                <a:solidFill>
-                  <a:schemeClr val="tx1"/>
-                </a:solidFill>
-                <a:effectLst/>
-                <a:latin typeface="+mn-lt"/>
-                <a:ea typeface="+mn-ea"/>
-                <a:cs typeface="+mn-cs"/>
-              </a:rPr>
-              <a:t>Matching</a:t>
-            </a:r>
+              <a:rPr lang="de-DE" dirty="0"/>
+              <a:t>Modul 2:</a:t>
+            </a:r>
+            <a:r>
+              <a:rPr lang="de-DE" baseline="0" dirty="0"/>
+              <a:t> </a:t>
+            </a:r>
+            <a:r>
+              <a:rPr lang="de-DE" dirty="0"/>
+              <a:t>Übung DU Deklaration</a:t>
+            </a:r>
+          </a:p>
+          <a:p>
             <a:endParaRPr lang="de-DE" dirty="0"/>
+          </a:p>
+          <a:p>
+            <a:r>
+              <a:rPr lang="de-DE" dirty="0"/>
+              <a:t>Und da Ausdrucke </a:t>
+            </a:r>
+            <a:r>
+              <a:rPr lang="de-DE" dirty="0" err="1"/>
+              <a:t>immutable</a:t>
+            </a:r>
+            <a:r>
+              <a:rPr lang="de-DE" dirty="0"/>
+              <a:t> sind, ändert sich der Wert nicht.  Bitte nicht mit einem Variant (vb.net) verwechseln</a:t>
+            </a:r>
+          </a:p>
+          <a:p>
+            <a:r>
+              <a:rPr lang="de-DE" dirty="0"/>
+              <a:t>DU ist das ganze.  Die einzelnen möglichen Werte heißen Union</a:t>
+            </a:r>
+            <a:r>
+              <a:rPr lang="de-DE" baseline="0" dirty="0"/>
+              <a:t> Case</a:t>
+            </a:r>
+          </a:p>
+          <a:p>
+            <a:r>
+              <a:rPr lang="de-DE" baseline="0" dirty="0"/>
+              <a:t>Empty Case </a:t>
+            </a:r>
+            <a:r>
+              <a:rPr lang="de-DE" baseline="0" dirty="0" err="1"/>
+              <a:t>is</a:t>
+            </a:r>
+            <a:r>
+              <a:rPr lang="de-DE" baseline="0" dirty="0"/>
+              <a:t> </a:t>
+            </a:r>
+            <a:r>
+              <a:rPr lang="de-DE" baseline="0" dirty="0" err="1"/>
+              <a:t>possible</a:t>
+            </a:r>
+            <a:r>
+              <a:rPr lang="de-DE" baseline="0" dirty="0"/>
+              <a:t>.  </a:t>
+            </a:r>
+          </a:p>
+          <a:p>
+            <a:r>
+              <a:rPr lang="de-DE" baseline="0" dirty="0"/>
+              <a:t>Wenn es nur Empty </a:t>
+            </a:r>
+            <a:r>
+              <a:rPr lang="de-DE" baseline="0" dirty="0" err="1"/>
+              <a:t>cases</a:t>
+            </a:r>
+            <a:r>
+              <a:rPr lang="de-DE" baseline="0" dirty="0"/>
+              <a:t> gibt, dann handelt es sich um einen „</a:t>
+            </a:r>
+            <a:r>
+              <a:rPr lang="de-DE" baseline="0" dirty="0" err="1"/>
+              <a:t>Enum</a:t>
+            </a:r>
+            <a:r>
+              <a:rPr lang="de-DE" baseline="0" dirty="0"/>
+              <a:t> Style“ DU.  </a:t>
+            </a:r>
+          </a:p>
+          <a:p>
+            <a:r>
+              <a:rPr lang="de-DE" baseline="0" dirty="0"/>
+              <a:t>Ein „Echter“ </a:t>
+            </a:r>
+            <a:r>
+              <a:rPr lang="de-DE" baseline="0" dirty="0" err="1"/>
+              <a:t>Enum</a:t>
+            </a:r>
+            <a:r>
+              <a:rPr lang="de-DE" baseline="0" dirty="0"/>
+              <a:t> aber muss anders definiert werden um das gleiche zu erhalten was das IL darstellt wenn ich in C# einen </a:t>
+            </a:r>
+            <a:r>
+              <a:rPr lang="de-DE" baseline="0" dirty="0" err="1"/>
+              <a:t>Enum</a:t>
+            </a:r>
+            <a:r>
+              <a:rPr lang="de-DE" baseline="0" dirty="0"/>
+              <a:t> definiere.</a:t>
+            </a:r>
+          </a:p>
+          <a:p>
+            <a:r>
+              <a:rPr lang="de-DE" baseline="0" dirty="0"/>
+              <a:t>Single Case gibt es auch und sind sehr schön zu verwenden um Werte die eine bestimmte Funktion in meinem Domain haben darzustellen.  Z.B. </a:t>
+            </a:r>
+            <a:r>
+              <a:rPr lang="de-DE" baseline="0" dirty="0" err="1"/>
+              <a:t>int</a:t>
+            </a:r>
+            <a:r>
+              <a:rPr lang="de-DE" baseline="0" dirty="0"/>
+              <a:t> als </a:t>
+            </a:r>
+            <a:r>
+              <a:rPr lang="de-DE" baseline="0" dirty="0" err="1"/>
+              <a:t>KundeID</a:t>
+            </a:r>
+            <a:r>
+              <a:rPr lang="de-DE" baseline="0" dirty="0"/>
+              <a:t> und </a:t>
+            </a:r>
+            <a:r>
+              <a:rPr lang="de-DE" baseline="0" dirty="0" err="1"/>
+              <a:t>ProduktID</a:t>
+            </a:r>
+            <a:r>
+              <a:rPr lang="de-DE" baseline="0" dirty="0"/>
+              <a:t>.  Dann ist es kein </a:t>
+            </a:r>
+            <a:r>
+              <a:rPr lang="de-DE" baseline="0" dirty="0" err="1"/>
+              <a:t>int</a:t>
+            </a:r>
+            <a:r>
+              <a:rPr lang="de-DE" baseline="0" dirty="0"/>
+              <a:t> mehr sondern das genannte typ und ich kann diese z.B. nicht mehr vergleichen</a:t>
+            </a:r>
+            <a:endParaRPr lang="en-US" dirty="0"/>
           </a:p>
         </p:txBody>
       </p:sp>
@@ -6238,7 +6367,7 @@
     </p:spTree>
     <p:extLst>
       <p:ext uri="{BB962C8B-B14F-4D97-AF65-F5344CB8AC3E}">
-        <p14:creationId xmlns:p14="http://schemas.microsoft.com/office/powerpoint/2010/main" val="2002878727"/>
+        <p14:creationId xmlns:p14="http://schemas.microsoft.com/office/powerpoint/2010/main" val="3285654297"/>
       </p:ext>
     </p:extLst>
   </p:cSld>
@@ -6294,119 +6423,19 @@
           <a:p>
             <a:r>
               <a:rPr lang="de-DE" dirty="0"/>
-              <a:t>Und da Ausdrucke </a:t>
-            </a:r>
-            <a:r>
-              <a:rPr lang="de-DE" dirty="0" err="1"/>
-              <a:t>immutable</a:t>
-            </a:r>
-            <a:r>
-              <a:rPr lang="de-DE" dirty="0"/>
-              <a:t> sind, ändert sich der Wert nicht.  Bitte nicht mit einem Variant (vb.net) verwechseln</a:t>
-            </a:r>
-          </a:p>
-          <a:p>
-            <a:r>
-              <a:rPr lang="de-DE" dirty="0"/>
-              <a:t>DU ist das ganze.  Die einzelnen möglichen Werte heißen Union</a:t>
-            </a:r>
-            <a:r>
-              <a:rPr lang="de-DE" baseline="0" dirty="0"/>
-              <a:t> Case</a:t>
-            </a:r>
-          </a:p>
-          <a:p>
-            <a:r>
-              <a:rPr lang="de-DE" baseline="0" dirty="0"/>
-              <a:t>Empty Case </a:t>
-            </a:r>
-            <a:r>
-              <a:rPr lang="de-DE" baseline="0" dirty="0" err="1"/>
-              <a:t>is</a:t>
+              <a:t>Modul 2:</a:t>
             </a:r>
             <a:r>
               <a:rPr lang="de-DE" baseline="0" dirty="0"/>
               <a:t> </a:t>
             </a:r>
             <a:r>
-              <a:rPr lang="de-DE" baseline="0" dirty="0" err="1"/>
-              <a:t>possible</a:t>
-            </a:r>
-            <a:r>
-              <a:rPr lang="de-DE" baseline="0" dirty="0"/>
-              <a:t>.  Wenn es nur Empty </a:t>
-            </a:r>
-            <a:r>
-              <a:rPr lang="de-DE" baseline="0" dirty="0" err="1"/>
-              <a:t>cases</a:t>
-            </a:r>
-            <a:r>
-              <a:rPr lang="de-DE" baseline="0" dirty="0"/>
-              <a:t> gibt, dann handelt es sich um einen „</a:t>
-            </a:r>
-            <a:r>
-              <a:rPr lang="de-DE" baseline="0" dirty="0" err="1"/>
-              <a:t>Enum</a:t>
-            </a:r>
-            <a:r>
-              <a:rPr lang="de-DE" baseline="0" dirty="0"/>
-              <a:t> Style“ DU.  Ein „Echter“ </a:t>
-            </a:r>
-            <a:r>
-              <a:rPr lang="de-DE" baseline="0" dirty="0" err="1"/>
-              <a:t>Enum</a:t>
-            </a:r>
-            <a:r>
-              <a:rPr lang="de-DE" baseline="0" dirty="0"/>
-              <a:t> aber muss anders definiert werden um das gleiche zu erhalten was das IL darstellt wenn ich in C# einen </a:t>
-            </a:r>
-            <a:r>
-              <a:rPr lang="de-DE" baseline="0" dirty="0" err="1"/>
-              <a:t>Enum</a:t>
-            </a:r>
-            <a:r>
-              <a:rPr lang="de-DE" baseline="0" dirty="0"/>
-              <a:t> definiere</a:t>
-            </a:r>
-          </a:p>
-          <a:p>
-            <a:r>
-              <a:rPr lang="de-DE" baseline="0" dirty="0"/>
-              <a:t>Single Case gibt es auch und sind sehr schön zu verwenden um Werte die eine bestimmte Funktion in meinem Domain haben darzustellen.  Z.B. </a:t>
-            </a:r>
-            <a:r>
-              <a:rPr lang="de-DE" baseline="0" dirty="0" err="1"/>
-              <a:t>int</a:t>
-            </a:r>
-            <a:r>
-              <a:rPr lang="de-DE" baseline="0" dirty="0"/>
-              <a:t> als </a:t>
-            </a:r>
-            <a:r>
-              <a:rPr lang="de-DE" baseline="0" dirty="0" err="1"/>
-              <a:t>KundeID</a:t>
-            </a:r>
-            <a:r>
-              <a:rPr lang="de-DE" baseline="0" dirty="0"/>
-              <a:t> und </a:t>
-            </a:r>
-            <a:r>
-              <a:rPr lang="de-DE" baseline="0" dirty="0" err="1"/>
-              <a:t>ProduktID</a:t>
-            </a:r>
-            <a:r>
-              <a:rPr lang="de-DE" baseline="0" dirty="0"/>
-              <a:t>.  Dann ist es kein </a:t>
-            </a:r>
-            <a:r>
-              <a:rPr lang="de-DE" baseline="0" dirty="0" err="1"/>
-              <a:t>int</a:t>
-            </a:r>
-            <a:r>
-              <a:rPr lang="de-DE" baseline="0" dirty="0"/>
-              <a:t> mehr sondern das genannte typ und ich kann diese z.B. nicht mehr vergleichen</a:t>
-            </a:r>
-            <a:endParaRPr lang="en-US" dirty="0"/>
+              <a:rPr lang="de-DE" dirty="0"/>
+              <a:t>Übung DU Deklaration</a:t>
+            </a:r>
+          </a:p>
+          <a:p>
+            <a:endParaRPr lang="de-DE" dirty="0"/>
           </a:p>
         </p:txBody>
       </p:sp>
@@ -6436,7 +6465,7 @@
     </p:spTree>
     <p:extLst>
       <p:ext uri="{BB962C8B-B14F-4D97-AF65-F5344CB8AC3E}">
-        <p14:creationId xmlns:p14="http://schemas.microsoft.com/office/powerpoint/2010/main" val="3285654297"/>
+        <p14:creationId xmlns:p14="http://schemas.microsoft.com/office/powerpoint/2010/main" val="3497006593"/>
       </p:ext>
     </p:extLst>
   </p:cSld>
@@ -6490,6 +6519,46 @@
           <a:bodyPr/>
           <a:lstStyle/>
           <a:p>
+            <a:pPr marL="0" marR="0" lvl="0" indent="0" algn="l" defTabSz="914400" rtl="0" eaLnBrk="1" fontAlgn="auto" latinLnBrk="0" hangingPunct="1">
+              <a:lnSpc>
+                <a:spcPct val="100000"/>
+              </a:lnSpc>
+              <a:spcBef>
+                <a:spcPts val="0"/>
+              </a:spcBef>
+              <a:spcAft>
+                <a:spcPts val="0"/>
+              </a:spcAft>
+              <a:buClrTx/>
+              <a:buSzTx/>
+              <a:buFontTx/>
+              <a:buNone/>
+              <a:tabLst/>
+              <a:defRPr/>
+            </a:pPr>
+            <a:r>
+              <a:rPr lang="de-DE" dirty="0"/>
+              <a:t>Modul</a:t>
+            </a:r>
+            <a:r>
+              <a:rPr lang="de-DE" baseline="0" dirty="0"/>
+              <a:t> 2: </a:t>
+            </a:r>
+            <a:r>
+              <a:rPr lang="de-DE" sz="1200" b="0" kern="1200" dirty="0">
+                <a:solidFill>
+                  <a:schemeClr val="tx1"/>
+                </a:solidFill>
+                <a:effectLst/>
+                <a:latin typeface="+mn-lt"/>
+                <a:ea typeface="+mn-ea"/>
+                <a:cs typeface="+mn-cs"/>
+              </a:rPr>
+              <a:t>Übung: DU – Single Case</a:t>
+            </a:r>
+            <a:endParaRPr lang="de-DE" b="0" dirty="0"/>
+          </a:p>
+          <a:p>
             <a:r>
               <a:rPr lang="de-DE" dirty="0"/>
               <a:t>In DDD (Domain </a:t>
@@ -6505,6 +6574,30 @@
             <a:r>
               <a:rPr lang="de-DE" baseline="0" dirty="0"/>
               <a:t> so definieren dass diese untereinander nicht „kompatibel“ sind, auch wenn diese vom gleichen Typ sind.</a:t>
+            </a:r>
+          </a:p>
+          <a:p>
+            <a:r>
+              <a:rPr lang="en-US" dirty="0"/>
+              <a:t>Primitives often possess a special meaning in a business system</a:t>
+            </a:r>
+          </a:p>
+          <a:p>
+            <a:r>
+              <a:rPr lang="en-US" dirty="0"/>
+              <a:t>In a system of coordinates, both latitude and longitude are floats</a:t>
+            </a:r>
+          </a:p>
+          <a:p>
+            <a:r>
+              <a:rPr lang="en-US" dirty="0"/>
+              <a:t>Each, however, represents a distinct set of values</a:t>
+            </a:r>
+          </a:p>
+          <a:p>
+            <a:r>
+              <a:rPr lang="en-US" dirty="0"/>
+              <a:t>Designating single case unions renders operations involving both illegal</a:t>
             </a:r>
             <a:endParaRPr lang="en-US" dirty="0"/>
           </a:p>
@@ -6592,37 +6685,19 @@
           <a:p>
             <a:r>
               <a:rPr lang="de-DE" dirty="0"/>
-              <a:t>In </a:t>
-            </a:r>
-            <a:r>
-              <a:rPr lang="de-DE" dirty="0" err="1"/>
-              <a:t>Haskel</a:t>
-            </a:r>
-            <a:r>
-              <a:rPr lang="de-DE" dirty="0"/>
-              <a:t> heißt dieser Typ </a:t>
-            </a:r>
-            <a:r>
-              <a:rPr lang="de-DE" dirty="0" err="1"/>
-              <a:t>Maybe</a:t>
-            </a:r>
-            <a:r>
-              <a:rPr lang="de-DE" dirty="0"/>
-              <a:t>, in Scala heißt</a:t>
+              <a:t>Modul 2:</a:t>
             </a:r>
             <a:r>
               <a:rPr lang="de-DE" baseline="0" dirty="0"/>
-              <a:t> es auch </a:t>
-            </a:r>
-            <a:r>
-              <a:rPr lang="de-DE" baseline="0" dirty="0" err="1"/>
-              <a:t>option</a:t>
-            </a:r>
-            <a:r>
-              <a:rPr lang="de-DE" baseline="0" dirty="0"/>
-              <a:t>.</a:t>
-            </a:r>
-            <a:endParaRPr lang="en-US" dirty="0"/>
+              <a:t> </a:t>
+            </a:r>
+            <a:r>
+              <a:rPr lang="de-DE" dirty="0"/>
+              <a:t>Übung DU Deklaration und Konstruktion</a:t>
+            </a:r>
+          </a:p>
+          <a:p>
+            <a:endParaRPr lang="de-DE" dirty="0"/>
           </a:p>
         </p:txBody>
       </p:sp>
@@ -6652,7 +6727,7 @@
     </p:spTree>
     <p:extLst>
       <p:ext uri="{BB962C8B-B14F-4D97-AF65-F5344CB8AC3E}">
-        <p14:creationId xmlns:p14="http://schemas.microsoft.com/office/powerpoint/2010/main" val="1558731010"/>
+        <p14:creationId xmlns:p14="http://schemas.microsoft.com/office/powerpoint/2010/main" val="4134075438"/>
       </p:ext>
     </p:extLst>
   </p:cSld>
@@ -6708,62 +6783,32 @@
           <a:p>
             <a:r>
               <a:rPr lang="de-DE" dirty="0"/>
-              <a:t>null</a:t>
+              <a:t>Modul 2:</a:t>
             </a:r>
             <a:r>
               <a:rPr lang="de-DE" baseline="0" dirty="0"/>
-              <a:t> ist eine Reference zu einem nicht-vorhandenen Objekt</a:t>
-            </a:r>
-          </a:p>
-          <a:p>
-            <a:pPr marL="0" marR="0" indent="0" algn="l" defTabSz="914400" rtl="0" eaLnBrk="1" fontAlgn="auto" latinLnBrk="0" hangingPunct="1">
-              <a:lnSpc>
-                <a:spcPct val="100000"/>
-              </a:lnSpc>
-              <a:spcBef>
-                <a:spcPts val="0"/>
-              </a:spcBef>
-              <a:spcAft>
-                <a:spcPts val="0"/>
-              </a:spcAft>
-              <a:buClrTx/>
-              <a:buSzTx/>
-              <a:buFontTx/>
-              <a:buNone/>
-              <a:tabLst/>
-              <a:defRPr/>
-            </a:pPr>
-            <a:r>
-              <a:rPr lang="de-DE" dirty="0"/>
-              <a:t>null</a:t>
+              <a:t> </a:t>
+            </a:r>
+            <a:r>
+              <a:rPr lang="de-DE" dirty="0"/>
+              <a:t>Übung DU Pattern</a:t>
             </a:r>
             <a:r>
               <a:rPr lang="de-DE" baseline="0" dirty="0"/>
-              <a:t> hat den gleichen Typ, ich kann </a:t>
-            </a:r>
-            <a:r>
-              <a:rPr lang="de-DE" baseline="0" dirty="0" err="1">
-                <a:solidFill>
-                  <a:schemeClr val="accent2">
-                    <a:lumMod val="75000"/>
-                  </a:schemeClr>
-                </a:solidFill>
-              </a:rPr>
-              <a:t>Length</a:t>
-            </a:r>
-            <a:r>
-              <a:rPr lang="de-DE" baseline="0" dirty="0">
-                <a:solidFill>
-                  <a:schemeClr val="accent2">
-                    <a:lumMod val="75000"/>
-                  </a:schemeClr>
-                </a:solidFill>
-              </a:rPr>
-              <a:t> aufrufen auf einen Reference zu Nichts!</a:t>
-            </a:r>
-          </a:p>
-          <a:p>
-            <a:endParaRPr lang="en-US" dirty="0"/>
+              <a:t> </a:t>
+            </a:r>
+            <a:r>
+              <a:rPr lang="de-DE" baseline="0" dirty="0" err="1"/>
+              <a:t>Matching</a:t>
+            </a:r>
+            <a:r>
+              <a:rPr lang="de-DE" baseline="0" dirty="0"/>
+              <a:t> und Zerlegung</a:t>
+            </a:r>
+            <a:endParaRPr lang="de-DE" dirty="0"/>
+          </a:p>
+          <a:p>
+            <a:endParaRPr lang="de-DE" dirty="0"/>
           </a:p>
         </p:txBody>
       </p:sp>
@@ -6793,7 +6838,7 @@
     </p:spTree>
     <p:extLst>
       <p:ext uri="{BB962C8B-B14F-4D97-AF65-F5344CB8AC3E}">
-        <p14:creationId xmlns:p14="http://schemas.microsoft.com/office/powerpoint/2010/main" val="2749551638"/>
+        <p14:creationId xmlns:p14="http://schemas.microsoft.com/office/powerpoint/2010/main" val="157938884"/>
       </p:ext>
     </p:extLst>
   </p:cSld>
@@ -6849,30 +6894,19 @@
           <a:p>
             <a:r>
               <a:rPr lang="de-DE" dirty="0"/>
-              <a:t>Der Compiler erkennt einen Aufruf zu einem None</a:t>
+              <a:t>Modul 2:</a:t>
             </a:r>
             <a:r>
               <a:rPr lang="de-DE" baseline="0" dirty="0"/>
-              <a:t> als solches und verhindert diesen Aufruf zur </a:t>
-            </a:r>
-            <a:r>
-              <a:rPr lang="de-DE" baseline="0" dirty="0" err="1"/>
-              <a:t>Compile</a:t>
-            </a:r>
-            <a:r>
-              <a:rPr lang="de-DE" baseline="0" dirty="0"/>
-              <a:t>-Zeit</a:t>
-            </a:r>
-            <a:endParaRPr lang="de-DE" baseline="0" dirty="0">
-              <a:solidFill>
-                <a:schemeClr val="accent2">
-                  <a:lumMod val="75000"/>
-                </a:schemeClr>
-              </a:solidFill>
-            </a:endParaRPr>
-          </a:p>
-          <a:p>
-            <a:endParaRPr lang="en-US" dirty="0"/>
+              <a:t> </a:t>
+            </a:r>
+            <a:r>
+              <a:rPr lang="de-DE" dirty="0"/>
+              <a:t>Übung DU Deklaration</a:t>
+            </a:r>
+          </a:p>
+          <a:p>
+            <a:endParaRPr lang="de-DE" dirty="0"/>
           </a:p>
         </p:txBody>
       </p:sp>
@@ -6902,7 +6936,7 @@
     </p:spTree>
     <p:extLst>
       <p:ext uri="{BB962C8B-B14F-4D97-AF65-F5344CB8AC3E}">
-        <p14:creationId xmlns:p14="http://schemas.microsoft.com/office/powerpoint/2010/main" val="2749551638"/>
+        <p14:creationId xmlns:p14="http://schemas.microsoft.com/office/powerpoint/2010/main" val="987050772"/>
       </p:ext>
     </p:extLst>
   </p:cSld>
@@ -7176,6 +7210,372 @@
     <p:extLst>
       <p:ext uri="{BB962C8B-B14F-4D97-AF65-F5344CB8AC3E}">
         <p14:creationId xmlns:p14="http://schemas.microsoft.com/office/powerpoint/2010/main" val="1139320735"/>
+      </p:ext>
+    </p:extLst>
+  </p:cSld>
+  <p:clrMapOvr>
+    <a:masterClrMapping/>
+  </p:clrMapOvr>
+</p:notes>
+</file>
+
+<file path=ppt/notesSlides/notesSlide50.xml><?xml version="1.0" encoding="utf-8"?>
+<p:notes xmlns:a="http://schemas.openxmlformats.org/drawingml/2006/main" xmlns:r="http://schemas.openxmlformats.org/officeDocument/2006/relationships" xmlns:p="http://schemas.openxmlformats.org/presentationml/2006/main">
+  <p:cSld>
+    <p:spTree>
+      <p:nvGrpSpPr>
+        <p:cNvPr id="1" name=""/>
+        <p:cNvGrpSpPr/>
+        <p:nvPr/>
+      </p:nvGrpSpPr>
+      <p:grpSpPr>
+        <a:xfrm>
+          <a:off x="0" y="0"/>
+          <a:ext cx="0" cy="0"/>
+          <a:chOff x="0" y="0"/>
+          <a:chExt cx="0" cy="0"/>
+        </a:xfrm>
+      </p:grpSpPr>
+      <p:sp>
+        <p:nvSpPr>
+          <p:cNvPr id="2" name="Slide Image Placeholder 1"/>
+          <p:cNvSpPr>
+            <a:spLocks noGrp="1" noRot="1" noChangeAspect="1"/>
+          </p:cNvSpPr>
+          <p:nvPr>
+            <p:ph type="sldImg"/>
+          </p:nvPr>
+        </p:nvSpPr>
+        <p:spPr/>
+      </p:sp>
+      <p:sp>
+        <p:nvSpPr>
+          <p:cNvPr id="3" name="Notes Placeholder 2"/>
+          <p:cNvSpPr>
+            <a:spLocks noGrp="1"/>
+          </p:cNvSpPr>
+          <p:nvPr>
+            <p:ph type="body" idx="1"/>
+          </p:nvPr>
+        </p:nvSpPr>
+        <p:spPr/>
+        <p:txBody>
+          <a:bodyPr/>
+          <a:lstStyle/>
+          <a:p>
+            <a:r>
+              <a:rPr lang="de-DE" dirty="0"/>
+              <a:t>In </a:t>
+            </a:r>
+            <a:r>
+              <a:rPr lang="de-DE" dirty="0" err="1"/>
+              <a:t>Haskel</a:t>
+            </a:r>
+            <a:r>
+              <a:rPr lang="de-DE" dirty="0"/>
+              <a:t> heißt dieser Typ </a:t>
+            </a:r>
+            <a:r>
+              <a:rPr lang="de-DE" dirty="0" err="1"/>
+              <a:t>Maybe</a:t>
+            </a:r>
+            <a:r>
+              <a:rPr lang="de-DE" dirty="0"/>
+              <a:t>, in Scala heißt</a:t>
+            </a:r>
+            <a:r>
+              <a:rPr lang="de-DE" baseline="0" dirty="0"/>
+              <a:t> es auch </a:t>
+            </a:r>
+            <a:r>
+              <a:rPr lang="de-DE" baseline="0" dirty="0" err="1"/>
+              <a:t>option</a:t>
+            </a:r>
+            <a:r>
+              <a:rPr lang="de-DE" baseline="0" dirty="0"/>
+              <a:t>.</a:t>
+            </a:r>
+            <a:endParaRPr lang="en-US" dirty="0"/>
+          </a:p>
+        </p:txBody>
+      </p:sp>
+      <p:sp>
+        <p:nvSpPr>
+          <p:cNvPr id="4" name="Slide Number Placeholder 3"/>
+          <p:cNvSpPr>
+            <a:spLocks noGrp="1"/>
+          </p:cNvSpPr>
+          <p:nvPr>
+            <p:ph type="sldNum" sz="quarter" idx="10"/>
+          </p:nvPr>
+        </p:nvSpPr>
+        <p:spPr/>
+        <p:txBody>
+          <a:bodyPr/>
+          <a:lstStyle/>
+          <a:p>
+            <a:fld id="{4775FDF9-2A53-4261-A0AF-3B6A9698D365}" type="slidenum">
+              <a:rPr lang="en-US" smtClean="0"/>
+              <a:t>52</a:t>
+            </a:fld>
+            <a:endParaRPr lang="en-US"/>
+          </a:p>
+        </p:txBody>
+      </p:sp>
+    </p:spTree>
+    <p:extLst>
+      <p:ext uri="{BB962C8B-B14F-4D97-AF65-F5344CB8AC3E}">
+        <p14:creationId xmlns:p14="http://schemas.microsoft.com/office/powerpoint/2010/main" val="1558731010"/>
+      </p:ext>
+    </p:extLst>
+  </p:cSld>
+  <p:clrMapOvr>
+    <a:masterClrMapping/>
+  </p:clrMapOvr>
+</p:notes>
+</file>
+
+<file path=ppt/notesSlides/notesSlide51.xml><?xml version="1.0" encoding="utf-8"?>
+<p:notes xmlns:a="http://schemas.openxmlformats.org/drawingml/2006/main" xmlns:r="http://schemas.openxmlformats.org/officeDocument/2006/relationships" xmlns:p="http://schemas.openxmlformats.org/presentationml/2006/main">
+  <p:cSld>
+    <p:spTree>
+      <p:nvGrpSpPr>
+        <p:cNvPr id="1" name=""/>
+        <p:cNvGrpSpPr/>
+        <p:nvPr/>
+      </p:nvGrpSpPr>
+      <p:grpSpPr>
+        <a:xfrm>
+          <a:off x="0" y="0"/>
+          <a:ext cx="0" cy="0"/>
+          <a:chOff x="0" y="0"/>
+          <a:chExt cx="0" cy="0"/>
+        </a:xfrm>
+      </p:grpSpPr>
+      <p:sp>
+        <p:nvSpPr>
+          <p:cNvPr id="2" name="Slide Image Placeholder 1"/>
+          <p:cNvSpPr>
+            <a:spLocks noGrp="1" noRot="1" noChangeAspect="1"/>
+          </p:cNvSpPr>
+          <p:nvPr>
+            <p:ph type="sldImg"/>
+          </p:nvPr>
+        </p:nvSpPr>
+        <p:spPr/>
+      </p:sp>
+      <p:sp>
+        <p:nvSpPr>
+          <p:cNvPr id="3" name="Notes Placeholder 2"/>
+          <p:cNvSpPr>
+            <a:spLocks noGrp="1"/>
+          </p:cNvSpPr>
+          <p:nvPr>
+            <p:ph type="body" idx="1"/>
+          </p:nvPr>
+        </p:nvSpPr>
+        <p:spPr/>
+        <p:txBody>
+          <a:bodyPr/>
+          <a:lstStyle/>
+          <a:p>
+            <a:r>
+              <a:rPr lang="de-DE" dirty="0"/>
+              <a:t>null</a:t>
+            </a:r>
+            <a:r>
+              <a:rPr lang="de-DE" baseline="0" dirty="0"/>
+              <a:t> ist eine Reference zu einem nicht-vorhandenen Objekt</a:t>
+            </a:r>
+          </a:p>
+          <a:p>
+            <a:pPr marL="0" marR="0" indent="0" algn="l" defTabSz="914400" rtl="0" eaLnBrk="1" fontAlgn="auto" latinLnBrk="0" hangingPunct="1">
+              <a:lnSpc>
+                <a:spcPct val="100000"/>
+              </a:lnSpc>
+              <a:spcBef>
+                <a:spcPts val="0"/>
+              </a:spcBef>
+              <a:spcAft>
+                <a:spcPts val="0"/>
+              </a:spcAft>
+              <a:buClrTx/>
+              <a:buSzTx/>
+              <a:buFontTx/>
+              <a:buNone/>
+              <a:tabLst/>
+              <a:defRPr/>
+            </a:pPr>
+            <a:r>
+              <a:rPr lang="de-DE" dirty="0"/>
+              <a:t>null</a:t>
+            </a:r>
+            <a:r>
+              <a:rPr lang="de-DE" baseline="0" dirty="0"/>
+              <a:t> hat den gleichen Typ, ich kann </a:t>
+            </a:r>
+            <a:r>
+              <a:rPr lang="de-DE" baseline="0" dirty="0" err="1">
+                <a:solidFill>
+                  <a:schemeClr val="accent2">
+                    <a:lumMod val="75000"/>
+                  </a:schemeClr>
+                </a:solidFill>
+              </a:rPr>
+              <a:t>Length</a:t>
+            </a:r>
+            <a:r>
+              <a:rPr lang="de-DE" baseline="0" dirty="0">
+                <a:solidFill>
+                  <a:schemeClr val="accent2">
+                    <a:lumMod val="75000"/>
+                  </a:schemeClr>
+                </a:solidFill>
+              </a:rPr>
+              <a:t> aufrufen auf einen Reference zu Nichts!</a:t>
+            </a:r>
+          </a:p>
+          <a:p>
+            <a:endParaRPr lang="en-US" dirty="0"/>
+          </a:p>
+        </p:txBody>
+      </p:sp>
+      <p:sp>
+        <p:nvSpPr>
+          <p:cNvPr id="4" name="Slide Number Placeholder 3"/>
+          <p:cNvSpPr>
+            <a:spLocks noGrp="1"/>
+          </p:cNvSpPr>
+          <p:nvPr>
+            <p:ph type="sldNum" sz="quarter" idx="10"/>
+          </p:nvPr>
+        </p:nvSpPr>
+        <p:spPr/>
+        <p:txBody>
+          <a:bodyPr/>
+          <a:lstStyle/>
+          <a:p>
+            <a:fld id="{4775FDF9-2A53-4261-A0AF-3B6A9698D365}" type="slidenum">
+              <a:rPr lang="en-US" smtClean="0"/>
+              <a:t>53</a:t>
+            </a:fld>
+            <a:endParaRPr lang="en-US"/>
+          </a:p>
+        </p:txBody>
+      </p:sp>
+    </p:spTree>
+    <p:extLst>
+      <p:ext uri="{BB962C8B-B14F-4D97-AF65-F5344CB8AC3E}">
+        <p14:creationId xmlns:p14="http://schemas.microsoft.com/office/powerpoint/2010/main" val="2749551638"/>
+      </p:ext>
+    </p:extLst>
+  </p:cSld>
+  <p:clrMapOvr>
+    <a:masterClrMapping/>
+  </p:clrMapOvr>
+</p:notes>
+</file>
+
+<file path=ppt/notesSlides/notesSlide52.xml><?xml version="1.0" encoding="utf-8"?>
+<p:notes xmlns:a="http://schemas.openxmlformats.org/drawingml/2006/main" xmlns:r="http://schemas.openxmlformats.org/officeDocument/2006/relationships" xmlns:p="http://schemas.openxmlformats.org/presentationml/2006/main">
+  <p:cSld>
+    <p:spTree>
+      <p:nvGrpSpPr>
+        <p:cNvPr id="1" name=""/>
+        <p:cNvGrpSpPr/>
+        <p:nvPr/>
+      </p:nvGrpSpPr>
+      <p:grpSpPr>
+        <a:xfrm>
+          <a:off x="0" y="0"/>
+          <a:ext cx="0" cy="0"/>
+          <a:chOff x="0" y="0"/>
+          <a:chExt cx="0" cy="0"/>
+        </a:xfrm>
+      </p:grpSpPr>
+      <p:sp>
+        <p:nvSpPr>
+          <p:cNvPr id="2" name="Slide Image Placeholder 1"/>
+          <p:cNvSpPr>
+            <a:spLocks noGrp="1" noRot="1" noChangeAspect="1"/>
+          </p:cNvSpPr>
+          <p:nvPr>
+            <p:ph type="sldImg"/>
+          </p:nvPr>
+        </p:nvSpPr>
+        <p:spPr/>
+      </p:sp>
+      <p:sp>
+        <p:nvSpPr>
+          <p:cNvPr id="3" name="Notes Placeholder 2"/>
+          <p:cNvSpPr>
+            <a:spLocks noGrp="1"/>
+          </p:cNvSpPr>
+          <p:nvPr>
+            <p:ph type="body" idx="1"/>
+          </p:nvPr>
+        </p:nvSpPr>
+        <p:spPr/>
+        <p:txBody>
+          <a:bodyPr/>
+          <a:lstStyle/>
+          <a:p>
+            <a:r>
+              <a:rPr lang="de-DE" dirty="0"/>
+              <a:t>Der Compiler erkennt einen Aufruf zu einem None</a:t>
+            </a:r>
+            <a:r>
+              <a:rPr lang="de-DE" baseline="0" dirty="0"/>
+              <a:t> als solches und verhindert diesen Aufruf zur </a:t>
+            </a:r>
+            <a:r>
+              <a:rPr lang="de-DE" baseline="0" dirty="0" err="1"/>
+              <a:t>Compile</a:t>
+            </a:r>
+            <a:r>
+              <a:rPr lang="de-DE" baseline="0" dirty="0"/>
+              <a:t>-Zeit</a:t>
+            </a:r>
+            <a:endParaRPr lang="de-DE" baseline="0" dirty="0">
+              <a:solidFill>
+                <a:schemeClr val="accent2">
+                  <a:lumMod val="75000"/>
+                </a:schemeClr>
+              </a:solidFill>
+            </a:endParaRPr>
+          </a:p>
+          <a:p>
+            <a:endParaRPr lang="en-US" dirty="0"/>
+          </a:p>
+        </p:txBody>
+      </p:sp>
+      <p:sp>
+        <p:nvSpPr>
+          <p:cNvPr id="4" name="Slide Number Placeholder 3"/>
+          <p:cNvSpPr>
+            <a:spLocks noGrp="1"/>
+          </p:cNvSpPr>
+          <p:nvPr>
+            <p:ph type="sldNum" sz="quarter" idx="10"/>
+          </p:nvPr>
+        </p:nvSpPr>
+        <p:spPr/>
+        <p:txBody>
+          <a:bodyPr/>
+          <a:lstStyle/>
+          <a:p>
+            <a:fld id="{4775FDF9-2A53-4261-A0AF-3B6A9698D365}" type="slidenum">
+              <a:rPr lang="en-US" smtClean="0"/>
+              <a:t>54</a:t>
+            </a:fld>
+            <a:endParaRPr lang="en-US"/>
+          </a:p>
+        </p:txBody>
+      </p:sp>
+    </p:spTree>
+    <p:extLst>
+      <p:ext uri="{BB962C8B-B14F-4D97-AF65-F5344CB8AC3E}">
+        <p14:creationId xmlns:p14="http://schemas.microsoft.com/office/powerpoint/2010/main" val="2749551638"/>
       </p:ext>
     </p:extLst>
   </p:cSld>
@@ -19884,7 +20284,7 @@
         <p:spPr>
           <a:xfrm>
             <a:off x="971599" y="4005064"/>
-            <a:ext cx="7409849" cy="2308324"/>
+            <a:ext cx="7409849" cy="2677656"/>
           </a:xfrm>
           <a:prstGeom prst="rect">
             <a:avLst/>
@@ -19964,6 +20364,16 @@
             <a:r>
               <a:rPr lang="de-DE" sz="2400" dirty="0"/>
               <a:t>Angepasst für die F# Datentypen, weniger für OO</a:t>
+            </a:r>
+          </a:p>
+          <a:p>
+            <a:pPr marL="285750" indent="-285750">
+              <a:buFont typeface="Arial" panose="020B0604020202020204" pitchFamily="34" charset="0"/>
+              <a:buChar char="•"/>
+            </a:pPr>
+            <a:r>
+              <a:rPr lang="de-DE" sz="2400" dirty="0"/>
+              <a:t>Wildcard als letzten Element definieren</a:t>
             </a:r>
           </a:p>
           <a:p>
@@ -20333,6 +20743,55 @@
                       </p:childTnLst>
                     </p:cTn>
                   </p:par>
+                  <p:par>
+                    <p:cTn id="27" fill="hold">
+                      <p:stCondLst>
+                        <p:cond delay="indefinite"/>
+                      </p:stCondLst>
+                      <p:childTnLst>
+                        <p:par>
+                          <p:cTn id="28" fill="hold">
+                            <p:stCondLst>
+                              <p:cond delay="0"/>
+                            </p:stCondLst>
+                            <p:childTnLst>
+                              <p:par>
+                                <p:cTn id="29" presetID="1" presetClass="entr" presetSubtype="0" fill="hold" grpId="0" nodeType="clickEffect">
+                                  <p:stCondLst>
+                                    <p:cond delay="0"/>
+                                  </p:stCondLst>
+                                  <p:childTnLst>
+                                    <p:set>
+                                      <p:cBhvr>
+                                        <p:cTn id="30" dur="1" fill="hold">
+                                          <p:stCondLst>
+                                            <p:cond delay="0"/>
+                                          </p:stCondLst>
+                                        </p:cTn>
+                                        <p:tgtEl>
+                                          <p:spTgt spid="4">
+                                            <p:txEl>
+                                              <p:pRg st="5" end="5"/>
+                                            </p:txEl>
+                                          </p:spTgt>
+                                        </p:tgtEl>
+                                        <p:attrNameLst>
+                                          <p:attrName>style.visibility</p:attrName>
+                                        </p:attrNameLst>
+                                      </p:cBhvr>
+                                      <p:to>
+                                        <p:strVal val="visible"/>
+                                      </p:to>
+                                    </p:set>
+                                  </p:childTnLst>
+                                </p:cTn>
+                              </p:par>
+                            </p:childTnLst>
+                          </p:cTn>
+                        </p:par>
+                      </p:childTnLst>
+                    </p:cTn>
+                  </p:par>
                 </p:childTnLst>
               </p:cTn>
               <p:prevCondLst>
@@ -22257,291 +22716,6 @@
 </file>
 
 <file path=ppt/slides/slide40.xml><?xml version="1.0" encoding="utf-8"?>
-<p:sld xmlns:a="http://schemas.openxmlformats.org/drawingml/2006/main" xmlns:r="http://schemas.openxmlformats.org/officeDocument/2006/relationships" xmlns:p="http://schemas.openxmlformats.org/presentationml/2006/main">
-  <p:cSld>
-    <p:spTree>
-      <p:nvGrpSpPr>
-        <p:cNvPr id="1" name=""/>
-        <p:cNvGrpSpPr/>
-        <p:nvPr/>
-      </p:nvGrpSpPr>
-      <p:grpSpPr>
-        <a:xfrm>
-          <a:off x="0" y="0"/>
-          <a:ext cx="0" cy="0"/>
-          <a:chOff x="0" y="0"/>
-          <a:chExt cx="0" cy="0"/>
-        </a:xfrm>
-      </p:grpSpPr>
-      <p:sp>
-        <p:nvSpPr>
-          <p:cNvPr id="2" name="Title 1"/>
-          <p:cNvSpPr>
-            <a:spLocks noGrp="1"/>
-          </p:cNvSpPr>
-          <p:nvPr>
-            <p:ph type="title"/>
-          </p:nvPr>
-        </p:nvSpPr>
-        <p:spPr/>
-        <p:txBody>
-          <a:bodyPr/>
-          <a:lstStyle/>
-          <a:p>
-            <a:r>
-              <a:rPr lang="de-DE" dirty="0"/>
-              <a:t>Modul 2: </a:t>
-            </a:r>
-            <a:r>
-              <a:rPr lang="de-DE" dirty="0" err="1"/>
-              <a:t>Tuple</a:t>
-            </a:r>
-            <a:endParaRPr lang="en-US" dirty="0"/>
-          </a:p>
-        </p:txBody>
-      </p:sp>
-      <p:sp>
-        <p:nvSpPr>
-          <p:cNvPr id="3" name="Content Placeholder 2"/>
-          <p:cNvSpPr>
-            <a:spLocks noGrp="1"/>
-          </p:cNvSpPr>
-          <p:nvPr>
-            <p:ph idx="1"/>
-          </p:nvPr>
-        </p:nvSpPr>
-        <p:spPr/>
-        <p:txBody>
-          <a:bodyPr>
-            <a:normAutofit/>
-          </a:bodyPr>
-          <a:lstStyle/>
-          <a:p>
-            <a:pPr marL="0" indent="0">
-              <a:buNone/>
-            </a:pPr>
-            <a:r>
-              <a:rPr lang="de-DE" dirty="0"/>
-              <a:t>Pattern </a:t>
-            </a:r>
-            <a:r>
-              <a:rPr lang="de-DE" dirty="0" err="1"/>
-              <a:t>Matching</a:t>
-            </a:r>
-            <a:endParaRPr lang="de-DE" dirty="0"/>
-          </a:p>
-          <a:p>
-            <a:r>
-              <a:rPr lang="de-DE" dirty="0" err="1"/>
-              <a:t>Reihnfolge</a:t>
-            </a:r>
-            <a:r>
-              <a:rPr lang="de-DE" dirty="0"/>
-              <a:t> und Typ sind entscheidend</a:t>
-            </a:r>
-          </a:p>
-          <a:p>
-            <a:r>
-              <a:rPr lang="de-DE" dirty="0"/>
-              <a:t>F# vergleicht Werte und keine Referenzen</a:t>
-            </a:r>
-          </a:p>
-        </p:txBody>
-      </p:sp>
-    </p:spTree>
-    <p:extLst>
-      <p:ext uri="{BB962C8B-B14F-4D97-AF65-F5344CB8AC3E}">
-        <p14:creationId xmlns:p14="http://schemas.microsoft.com/office/powerpoint/2010/main" val="1935471834"/>
-      </p:ext>
-    </p:extLst>
-  </p:cSld>
-  <p:clrMapOvr>
-    <a:masterClrMapping/>
-  </p:clrMapOvr>
-  <p:timing>
-    <p:tnLst>
-      <p:par>
-        <p:cTn id="1" dur="indefinite" restart="never" nodeType="tmRoot">
-          <p:childTnLst>
-            <p:seq concurrent="1" nextAc="seek">
-              <p:cTn id="2" dur="indefinite" nodeType="mainSeq">
-                <p:childTnLst>
-                  <p:par>
-                    <p:cTn id="3" fill="hold">
-                      <p:stCondLst>
-                        <p:cond delay="indefinite"/>
-                      </p:stCondLst>
-                      <p:childTnLst>
-                        <p:par>
-                          <p:cTn id="4" fill="hold">
-                            <p:stCondLst>
-                              <p:cond delay="0"/>
-                            </p:stCondLst>
-                            <p:childTnLst>
-                              <p:par>
-                                <p:cTn id="5" presetID="1" presetClass="entr" presetSubtype="0" fill="hold" grpId="0" nodeType="clickEffect">
-                                  <p:stCondLst>
-                                    <p:cond delay="0"/>
-                                  </p:stCondLst>
-                                  <p:childTnLst>
-                                    <p:set>
-                                      <p:cBhvr>
-                                        <p:cTn id="6" dur="1" fill="hold">
-                                          <p:stCondLst>
-                                            <p:cond delay="0"/>
-                                          </p:stCondLst>
-                                        </p:cTn>
-                                        <p:tgtEl>
-                                          <p:spTgt spid="3">
-                                            <p:txEl>
-                                              <p:pRg st="0" end="0"/>
-                                            </p:txEl>
-                                          </p:spTgt>
-                                        </p:tgtEl>
-                                        <p:attrNameLst>
-                                          <p:attrName>style.visibility</p:attrName>
-                                        </p:attrNameLst>
-                                      </p:cBhvr>
-                                      <p:to>
-                                        <p:strVal val="visible"/>
-                                      </p:to>
-                                    </p:set>
-                                  </p:childTnLst>
-                                </p:cTn>
-                              </p:par>
-                            </p:childTnLst>
-                          </p:cTn>
-                        </p:par>
-                      </p:childTnLst>
-                    </p:cTn>
-                  </p:par>
-                  <p:par>
-                    <p:cTn id="7" fill="hold">
-                      <p:stCondLst>
-                        <p:cond delay="indefinite"/>
-                      </p:stCondLst>
-                      <p:childTnLst>
-                        <p:par>
-                          <p:cTn id="8" fill="hold">
-                            <p:stCondLst>
-                              <p:cond delay="0"/>
-                            </p:stCondLst>
-                            <p:childTnLst>
-                              <p:par>
-                                <p:cTn id="9" presetID="1" presetClass="entr" presetSubtype="0" fill="hold" grpId="0" nodeType="clickEffect">
-                                  <p:stCondLst>
-                                    <p:cond delay="0"/>
-                                  </p:stCondLst>
-                                  <p:childTnLst>
-                                    <p:set>
-                                      <p:cBhvr>
-                                        <p:cTn id="10" dur="1" fill="hold">
-                                          <p:stCondLst>
-                                            <p:cond delay="0"/>
-                                          </p:stCondLst>
-                                        </p:cTn>
-                                        <p:tgtEl>
-                                          <p:spTgt spid="3">
-                                            <p:txEl>
-                                              <p:pRg st="1" end="1"/>
-                                            </p:txEl>
-                                          </p:spTgt>
-                                        </p:tgtEl>
-                                        <p:attrNameLst>
-                                          <p:attrName>style.visibility</p:attrName>
-                                        </p:attrNameLst>
-                                      </p:cBhvr>
-                                      <p:to>
-                                        <p:strVal val="visible"/>
-                                      </p:to>
-                                    </p:set>
-                                  </p:childTnLst>
-                                </p:cTn>
-                              </p:par>
-                            </p:childTnLst>
-                          </p:cTn>
-                        </p:par>
-                      </p:childTnLst>
-                    </p:cTn>
-                  </p:par>
-                  <p:par>
-                    <p:cTn id="11" fill="hold">
-                      <p:stCondLst>
-                        <p:cond delay="indefinite"/>
-                      </p:stCondLst>
-                      <p:childTnLst>
-                        <p:par>
-                          <p:cTn id="12" fill="hold">
-                            <p:stCondLst>
-                              <p:cond delay="0"/>
-                            </p:stCondLst>
-                            <p:childTnLst>
-                              <p:par>
-                                <p:cTn id="13" presetID="1" presetClass="entr" presetSubtype="0" fill="hold" grpId="0" nodeType="clickEffect">
-                                  <p:stCondLst>
-                                    <p:cond delay="0"/>
-                                  </p:stCondLst>
-                                  <p:childTnLst>
-                                    <p:set>
-                                      <p:cBhvr>
-                                        <p:cTn id="14" dur="1" fill="hold">
-                                          <p:stCondLst>
-                                            <p:cond delay="0"/>
-                                          </p:stCondLst>
-                                        </p:cTn>
-                                        <p:tgtEl>
-                                          <p:spTgt spid="3">
-                                            <p:txEl>
-                                              <p:pRg st="2" end="2"/>
-                                            </p:txEl>
-                                          </p:spTgt>
-                                        </p:tgtEl>
-                                        <p:attrNameLst>
-                                          <p:attrName>style.visibility</p:attrName>
-                                        </p:attrNameLst>
-                                      </p:cBhvr>
-                                      <p:to>
-                                        <p:strVal val="visible"/>
-                                      </p:to>
-                                    </p:set>
-                                  </p:childTnLst>
-                                </p:cTn>
-                              </p:par>
-                            </p:childTnLst>
-                          </p:cTn>
-                        </p:par>
-                      </p:childTnLst>
-                    </p:cTn>
-                  </p:par>
-                </p:childTnLst>
-              </p:cTn>
-              <p:prevCondLst>
-                <p:cond evt="onPrev" delay="0">
-                  <p:tgtEl>
-                    <p:sldTgt/>
-                  </p:tgtEl>
-                </p:cond>
-              </p:prevCondLst>
-              <p:nextCondLst>
-                <p:cond evt="onNext" delay="0">
-                  <p:tgtEl>
-                    <p:sldTgt/>
-                  </p:tgtEl>
-                </p:cond>
-              </p:nextCondLst>
-            </p:seq>
-          </p:childTnLst>
-        </p:cTn>
-      </p:par>
-    </p:tnLst>
-    <p:bldLst>
-      <p:bldP spid="3" grpId="0" uiExpand="1" build="p"/>
-    </p:bldLst>
-  </p:timing>
-</p:sld>
-</file>
-
-<file path=ppt/slides/slide41.xml><?xml version="1.0" encoding="utf-8"?>
 <p:sld xmlns:a="http://schemas.openxmlformats.org/drawingml/2006/main" xmlns:r="http://schemas.openxmlformats.org/officeDocument/2006/relationships" xmlns:p="http://schemas.openxmlformats.org/presentationml/2006/main">
   <p:cSld>
     <p:spTree>
@@ -23131,7 +23305,7 @@
 </p:sld>
 </file>
 
-<file path=ppt/slides/slide42.xml><?xml version="1.0" encoding="utf-8"?>
+<file path=ppt/slides/slide41.xml><?xml version="1.0" encoding="utf-8"?>
 <p:sld xmlns:a="http://schemas.openxmlformats.org/drawingml/2006/main" xmlns:r="http://schemas.openxmlformats.org/officeDocument/2006/relationships" xmlns:p="http://schemas.openxmlformats.org/presentationml/2006/main">
   <p:cSld>
     <p:spTree>
@@ -23422,7 +23596,7 @@
 </p:sld>
 </file>
 
-<file path=ppt/slides/slide43.xml><?xml version="1.0" encoding="utf-8"?>
+<file path=ppt/slides/slide42.xml><?xml version="1.0" encoding="utf-8"?>
 <p:sld xmlns:a="http://schemas.openxmlformats.org/drawingml/2006/main" xmlns:r="http://schemas.openxmlformats.org/officeDocument/2006/relationships" xmlns:p="http://schemas.openxmlformats.org/presentationml/2006/main">
   <p:cSld>
     <p:spTree>
@@ -23820,7 +23994,7 @@
 </p:sld>
 </file>
 
-<file path=ppt/slides/slide44.xml><?xml version="1.0" encoding="utf-8"?>
+<file path=ppt/slides/slide43.xml><?xml version="1.0" encoding="utf-8"?>
 <p:sld xmlns:a="http://schemas.openxmlformats.org/drawingml/2006/main" xmlns:r="http://schemas.openxmlformats.org/officeDocument/2006/relationships" xmlns:p="http://schemas.openxmlformats.org/presentationml/2006/main">
   <p:cSld>
     <p:spTree>
@@ -23974,10 +24148,9 @@
               <a:t>wird</a:t>
             </a:r>
             <a:r>
-              <a:rPr lang="en-US" sz="2800"/>
+              <a:rPr lang="en-US" sz="2800" dirty="0"/>
               <a:t>.</a:t>
             </a:r>
-            <a:endParaRPr lang="en-US" sz="2800" dirty="0"/>
           </a:p>
           <a:p>
             <a:endParaRPr lang="en-US" sz="2800" dirty="0"/>
@@ -24183,7 +24356,7 @@
 </p:sld>
 </file>
 
-<file path=ppt/slides/slide45.xml><?xml version="1.0" encoding="utf-8"?>
+<file path=ppt/slides/slide44.xml><?xml version="1.0" encoding="utf-8"?>
 <p:sld xmlns:a="http://schemas.openxmlformats.org/drawingml/2006/main" xmlns:r="http://schemas.openxmlformats.org/officeDocument/2006/relationships" xmlns:p="http://schemas.openxmlformats.org/presentationml/2006/main">
   <p:cSld>
     <p:spTree>
@@ -24631,7 +24804,7 @@
 </p:sld>
 </file>
 
-<file path=ppt/slides/slide46.xml><?xml version="1.0" encoding="utf-8"?>
+<file path=ppt/slides/slide45.xml><?xml version="1.0" encoding="utf-8"?>
 <p:sld xmlns:a="http://schemas.openxmlformats.org/drawingml/2006/main" xmlns:r="http://schemas.openxmlformats.org/officeDocument/2006/relationships" xmlns:p="http://schemas.openxmlformats.org/presentationml/2006/main">
   <p:cSld>
     <p:spTree>
@@ -24692,7 +24865,7 @@
         <p:spPr/>
         <p:txBody>
           <a:bodyPr>
-            <a:normAutofit lnSpcReduction="10000"/>
+            <a:normAutofit/>
           </a:bodyPr>
           <a:lstStyle/>
           <a:p>
@@ -24701,6 +24874,12 @@
             </a:pPr>
             <a:r>
               <a:rPr lang="de-DE" dirty="0"/>
+              <a:t>Strukturelle Gleichheit</a:t>
+            </a:r>
+          </a:p>
+          <a:p>
+            <a:r>
+              <a:rPr lang="de-DE" dirty="0"/>
               <a:t>Zwei </a:t>
             </a:r>
             <a:r>
@@ -24717,42 +24896,10 @@
             </a:r>
             <a:r>
               <a:rPr lang="de-DE" dirty="0"/>
-              <a:t> sind gleich wenn beide die gleichen</a:t>
-            </a:r>
-          </a:p>
-          <a:p>
-            <a:pPr>
-              <a:buFontTx/>
-              <a:buChar char="-"/>
-            </a:pPr>
-            <a:r>
-              <a:rPr lang="de-DE" dirty="0"/>
-              <a:t>Type</a:t>
-            </a:r>
-          </a:p>
-          <a:p>
-            <a:pPr>
-              <a:buFontTx/>
-              <a:buChar char="-"/>
-            </a:pPr>
-            <a:r>
-              <a:rPr lang="de-DE" dirty="0"/>
-              <a:t>Werte</a:t>
-            </a:r>
-          </a:p>
-          <a:p>
-            <a:pPr marL="0" indent="0">
-              <a:buNone/>
-            </a:pPr>
-            <a:r>
-              <a:rPr lang="de-DE" dirty="0"/>
-              <a:t>Im gleichen „Slot“ haben</a:t>
-            </a:r>
-          </a:p>
-          <a:p>
-            <a:pPr marL="0" indent="0">
-              <a:buNone/>
-            </a:pPr>
+              <a:t> sind gleich wenn beide die gleichen Typ und Wert in jedem Wert haben</a:t>
+            </a:r>
+          </a:p>
+          <a:p>
             <a:r>
               <a:rPr lang="de-DE" dirty="0"/>
               <a:t>ACHTUNG: zwei </a:t>
@@ -24763,12 +24910,9 @@
             </a:r>
             <a:r>
               <a:rPr lang="de-DE" dirty="0"/>
-              <a:t> typen mit unterschiedlichen Namen aber gleiche Bestandteile können nicht gleich sein! F# ist hier nominal!</a:t>
+              <a:t> typen mit unterschiedlichen Namen aber gleiche Bestandteile können nicht gleich sein! </a:t>
             </a:r>
             <a:endParaRPr lang="en-US" dirty="0"/>
-          </a:p>
-          <a:p>
-            <a:endParaRPr lang="en-US" sz="2800" dirty="0"/>
           </a:p>
         </p:txBody>
       </p:sp>
@@ -24937,27 +25081,1574 @@
                       </p:childTnLst>
                     </p:cTn>
                   </p:par>
+                </p:childTnLst>
+              </p:cTn>
+              <p:prevCondLst>
+                <p:cond evt="onPrev" delay="0">
+                  <p:tgtEl>
+                    <p:sldTgt/>
+                  </p:tgtEl>
+                </p:cond>
+              </p:prevCondLst>
+              <p:nextCondLst>
+                <p:cond evt="onNext" delay="0">
+                  <p:tgtEl>
+                    <p:sldTgt/>
+                  </p:tgtEl>
+                </p:cond>
+              </p:nextCondLst>
+            </p:seq>
+          </p:childTnLst>
+        </p:cTn>
+      </p:par>
+    </p:tnLst>
+    <p:bldLst>
+      <p:bldP spid="3" grpId="0" build="p"/>
+    </p:bldLst>
+  </p:timing>
+</p:sld>
+</file>
+
+<file path=ppt/slides/slide46.xml><?xml version="1.0" encoding="utf-8"?>
+<p:sld xmlns:a="http://schemas.openxmlformats.org/drawingml/2006/main" xmlns:r="http://schemas.openxmlformats.org/officeDocument/2006/relationships" xmlns:p="http://schemas.openxmlformats.org/presentationml/2006/main">
+  <p:cSld>
+    <p:spTree>
+      <p:nvGrpSpPr>
+        <p:cNvPr id="1" name=""/>
+        <p:cNvGrpSpPr/>
+        <p:nvPr/>
+      </p:nvGrpSpPr>
+      <p:grpSpPr>
+        <a:xfrm>
+          <a:off x="0" y="0"/>
+          <a:ext cx="0" cy="0"/>
+          <a:chOff x="0" y="0"/>
+          <a:chExt cx="0" cy="0"/>
+        </a:xfrm>
+      </p:grpSpPr>
+      <p:sp>
+        <p:nvSpPr>
+          <p:cNvPr id="2" name="Title 1"/>
+          <p:cNvSpPr>
+            <a:spLocks noGrp="1"/>
+          </p:cNvSpPr>
+          <p:nvPr>
+            <p:ph type="title"/>
+          </p:nvPr>
+        </p:nvSpPr>
+        <p:spPr/>
+        <p:txBody>
+          <a:bodyPr>
+            <a:normAutofit/>
+          </a:bodyPr>
+          <a:lstStyle/>
+          <a:p>
+            <a:r>
+              <a:rPr lang="de-DE" dirty="0"/>
+              <a:t>Modul 2: </a:t>
+            </a:r>
+            <a:r>
+              <a:rPr lang="de-DE" dirty="0" err="1"/>
+              <a:t>Discriminated</a:t>
+            </a:r>
+            <a:r>
+              <a:rPr lang="de-DE" dirty="0"/>
+              <a:t> Union</a:t>
+            </a:r>
+            <a:endParaRPr lang="en-US" dirty="0"/>
+          </a:p>
+        </p:txBody>
+      </p:sp>
+      <p:sp>
+        <p:nvSpPr>
+          <p:cNvPr id="3" name="Content Placeholder 2"/>
+          <p:cNvSpPr>
+            <a:spLocks noGrp="1"/>
+          </p:cNvSpPr>
+          <p:nvPr>
+            <p:ph idx="1"/>
+          </p:nvPr>
+        </p:nvSpPr>
+        <p:spPr/>
+        <p:txBody>
+          <a:bodyPr>
+            <a:normAutofit/>
+          </a:bodyPr>
+          <a:lstStyle/>
+          <a:p>
+            <a:pPr marL="0" indent="0">
+              <a:buNone/>
+            </a:pPr>
+            <a:r>
+              <a:rPr lang="de-DE" dirty="0"/>
+              <a:t>Unterscheidungs-Union auf deutsch</a:t>
+            </a:r>
+          </a:p>
+          <a:p>
+            <a:pPr marL="0" indent="0">
+              <a:buNone/>
+            </a:pPr>
+            <a:r>
+              <a:rPr lang="de-DE" dirty="0"/>
+              <a:t>Besteht aus einer Anzahl von benannten Fällen</a:t>
+            </a:r>
+          </a:p>
+          <a:p>
+            <a:pPr marL="0" indent="0">
+              <a:buNone/>
+            </a:pPr>
+            <a:r>
+              <a:rPr lang="de-DE" dirty="0"/>
+              <a:t>Nur eines ist gültig für einen Ausdruck</a:t>
+            </a:r>
+          </a:p>
+          <a:p>
+            <a:pPr marL="0" indent="0">
+              <a:buNone/>
+            </a:pPr>
+            <a:r>
+              <a:rPr lang="en-US" sz="2200" dirty="0">
+                <a:solidFill>
+                  <a:srgbClr val="0000FF"/>
+                </a:solidFill>
+                <a:highlight>
+                  <a:srgbClr val="FFFFFF"/>
+                </a:highlight>
+                <a:latin typeface="Consolas"/>
+              </a:rPr>
+              <a:t>type</a:t>
+            </a:r>
+            <a:r>
+              <a:rPr lang="en-US" sz="2200" dirty="0">
+                <a:solidFill>
+                  <a:srgbClr val="000000"/>
+                </a:solidFill>
+                <a:highlight>
+                  <a:srgbClr val="FFFFFF"/>
+                </a:highlight>
+                <a:latin typeface="Consolas"/>
+              </a:rPr>
+              <a:t> </a:t>
+            </a:r>
+            <a:r>
+              <a:rPr lang="en-US" sz="2200" dirty="0">
+                <a:solidFill>
+                  <a:srgbClr val="4EC9B0"/>
+                </a:solidFill>
+                <a:highlight>
+                  <a:srgbClr val="FFFFFF"/>
+                </a:highlight>
+                <a:latin typeface="Consolas"/>
+              </a:rPr>
+              <a:t>Shape</a:t>
+            </a:r>
+            <a:r>
+              <a:rPr lang="en-US" sz="2200" dirty="0">
+                <a:solidFill>
+                  <a:srgbClr val="000000"/>
+                </a:solidFill>
+                <a:highlight>
+                  <a:srgbClr val="FFFFFF"/>
+                </a:highlight>
+                <a:latin typeface="Consolas"/>
+              </a:rPr>
+              <a:t> </a:t>
+            </a:r>
+            <a:r>
+              <a:rPr lang="en-US" sz="2200" dirty="0">
+                <a:solidFill>
+                  <a:srgbClr val="DCDCDC"/>
+                </a:solidFill>
+                <a:highlight>
+                  <a:srgbClr val="FFFFFF"/>
+                </a:highlight>
+                <a:latin typeface="Consolas"/>
+              </a:rPr>
+              <a:t>=</a:t>
+            </a:r>
+            <a:endParaRPr lang="en-US" sz="2200" dirty="0">
+              <a:solidFill>
+                <a:srgbClr val="000000"/>
+              </a:solidFill>
+              <a:highlight>
+                <a:srgbClr val="FFFFFF"/>
+              </a:highlight>
+              <a:latin typeface="Consolas"/>
+            </a:endParaRPr>
+          </a:p>
+          <a:p>
+            <a:pPr marL="0" indent="0">
+              <a:buNone/>
+            </a:pPr>
+            <a:r>
+              <a:rPr lang="en-US" sz="2200" dirty="0">
+                <a:solidFill>
+                  <a:srgbClr val="000000"/>
+                </a:solidFill>
+                <a:highlight>
+                  <a:srgbClr val="FFFFFF"/>
+                </a:highlight>
+                <a:latin typeface="Consolas"/>
+              </a:rPr>
+              <a:t>| </a:t>
+            </a:r>
+            <a:r>
+              <a:rPr lang="en-US" sz="2200" dirty="0">
+                <a:solidFill>
+                  <a:schemeClr val="accent2">
+                    <a:lumMod val="75000"/>
+                  </a:schemeClr>
+                </a:solidFill>
+                <a:highlight>
+                  <a:srgbClr val="FFFFFF"/>
+                </a:highlight>
+                <a:latin typeface="Consolas"/>
+              </a:rPr>
+              <a:t>Rectangle</a:t>
+            </a:r>
+            <a:r>
+              <a:rPr lang="en-US" sz="2200" dirty="0">
+                <a:solidFill>
+                  <a:srgbClr val="000000"/>
+                </a:solidFill>
+                <a:highlight>
+                  <a:srgbClr val="FFFFFF"/>
+                </a:highlight>
+                <a:latin typeface="Consolas"/>
+              </a:rPr>
+              <a:t> </a:t>
+            </a:r>
+            <a:r>
+              <a:rPr lang="en-US" sz="2200" dirty="0">
+                <a:solidFill>
+                  <a:srgbClr val="0000FF"/>
+                </a:solidFill>
+                <a:highlight>
+                  <a:srgbClr val="FFFFFF"/>
+                </a:highlight>
+                <a:latin typeface="Consolas"/>
+              </a:rPr>
+              <a:t>of</a:t>
+            </a:r>
+            <a:r>
+              <a:rPr lang="en-US" sz="2200" dirty="0">
+                <a:solidFill>
+                  <a:srgbClr val="000000"/>
+                </a:solidFill>
+                <a:highlight>
+                  <a:srgbClr val="FFFFFF"/>
+                </a:highlight>
+                <a:latin typeface="Consolas"/>
+              </a:rPr>
+              <a:t> width : </a:t>
+            </a:r>
+            <a:r>
+              <a:rPr lang="en-US" sz="2200" dirty="0">
+                <a:solidFill>
+                  <a:srgbClr val="4EC9B0"/>
+                </a:solidFill>
+                <a:highlight>
+                  <a:srgbClr val="FFFFFF"/>
+                </a:highlight>
+                <a:latin typeface="Consolas"/>
+              </a:rPr>
+              <a:t>float</a:t>
+            </a:r>
+            <a:r>
+              <a:rPr lang="en-US" sz="2200" dirty="0">
+                <a:solidFill>
+                  <a:srgbClr val="000000"/>
+                </a:solidFill>
+                <a:highlight>
+                  <a:srgbClr val="FFFFFF"/>
+                </a:highlight>
+                <a:latin typeface="Consolas"/>
+              </a:rPr>
+              <a:t> * length : </a:t>
+            </a:r>
+            <a:r>
+              <a:rPr lang="en-US" sz="2200" dirty="0">
+                <a:solidFill>
+                  <a:srgbClr val="4EC9B0"/>
+                </a:solidFill>
+                <a:highlight>
+                  <a:srgbClr val="FFFFFF"/>
+                </a:highlight>
+                <a:latin typeface="Consolas"/>
+              </a:rPr>
+              <a:t>float</a:t>
+            </a:r>
+            <a:endParaRPr lang="en-US" sz="2200" dirty="0">
+              <a:solidFill>
+                <a:srgbClr val="000000"/>
+              </a:solidFill>
+              <a:highlight>
+                <a:srgbClr val="FFFFFF"/>
+              </a:highlight>
+              <a:latin typeface="Consolas"/>
+            </a:endParaRPr>
+          </a:p>
+          <a:p>
+            <a:pPr marL="0" indent="0">
+              <a:buNone/>
+            </a:pPr>
+            <a:r>
+              <a:rPr lang="en-US" sz="2200" dirty="0">
+                <a:solidFill>
+                  <a:srgbClr val="000000"/>
+                </a:solidFill>
+                <a:highlight>
+                  <a:srgbClr val="FFFFFF"/>
+                </a:highlight>
+                <a:latin typeface="Consolas"/>
+              </a:rPr>
+              <a:t>| </a:t>
+            </a:r>
+            <a:r>
+              <a:rPr lang="en-US" sz="2200" dirty="0">
+                <a:solidFill>
+                  <a:schemeClr val="accent2">
+                    <a:lumMod val="75000"/>
+                  </a:schemeClr>
+                </a:solidFill>
+                <a:highlight>
+                  <a:srgbClr val="FFFFFF"/>
+                </a:highlight>
+                <a:latin typeface="Consolas"/>
+              </a:rPr>
+              <a:t>Circle</a:t>
+            </a:r>
+            <a:r>
+              <a:rPr lang="en-US" sz="2200" dirty="0">
+                <a:solidFill>
+                  <a:srgbClr val="000000"/>
+                </a:solidFill>
+                <a:highlight>
+                  <a:srgbClr val="FFFFFF"/>
+                </a:highlight>
+                <a:latin typeface="Consolas"/>
+              </a:rPr>
+              <a:t> </a:t>
+            </a:r>
+            <a:r>
+              <a:rPr lang="en-US" sz="2200" dirty="0">
+                <a:solidFill>
+                  <a:srgbClr val="0000FF"/>
+                </a:solidFill>
+                <a:highlight>
+                  <a:srgbClr val="FFFFFF"/>
+                </a:highlight>
+                <a:latin typeface="Consolas"/>
+              </a:rPr>
+              <a:t>of</a:t>
+            </a:r>
+            <a:r>
+              <a:rPr lang="en-US" sz="2200" dirty="0">
+                <a:solidFill>
+                  <a:srgbClr val="000000"/>
+                </a:solidFill>
+                <a:highlight>
+                  <a:srgbClr val="FFFFFF"/>
+                </a:highlight>
+                <a:latin typeface="Consolas"/>
+              </a:rPr>
+              <a:t> radius : </a:t>
+            </a:r>
+            <a:r>
+              <a:rPr lang="en-US" sz="2200" dirty="0">
+                <a:solidFill>
+                  <a:srgbClr val="4EC9B0"/>
+                </a:solidFill>
+                <a:highlight>
+                  <a:srgbClr val="FFFFFF"/>
+                </a:highlight>
+                <a:latin typeface="Consolas"/>
+              </a:rPr>
+              <a:t>float</a:t>
+            </a:r>
+            <a:endParaRPr lang="en-US" sz="2200" dirty="0">
+              <a:solidFill>
+                <a:srgbClr val="000000"/>
+              </a:solidFill>
+              <a:highlight>
+                <a:srgbClr val="FFFFFF"/>
+              </a:highlight>
+              <a:latin typeface="Consolas"/>
+            </a:endParaRPr>
+          </a:p>
+          <a:p>
+            <a:pPr marL="0" indent="0">
+              <a:buNone/>
+            </a:pPr>
+            <a:r>
+              <a:rPr lang="en-US" sz="2200" dirty="0">
+                <a:solidFill>
+                  <a:srgbClr val="000000"/>
+                </a:solidFill>
+                <a:highlight>
+                  <a:srgbClr val="FFFFFF"/>
+                </a:highlight>
+                <a:latin typeface="Consolas"/>
+              </a:rPr>
+              <a:t>| </a:t>
+            </a:r>
+            <a:r>
+              <a:rPr lang="en-US" sz="2200" dirty="0">
+                <a:solidFill>
+                  <a:schemeClr val="accent2">
+                    <a:lumMod val="75000"/>
+                  </a:schemeClr>
+                </a:solidFill>
+                <a:highlight>
+                  <a:srgbClr val="FFFFFF"/>
+                </a:highlight>
+                <a:latin typeface="Consolas"/>
+              </a:rPr>
+              <a:t>Square</a:t>
+            </a:r>
+            <a:r>
+              <a:rPr lang="en-US" sz="2200" dirty="0">
+                <a:solidFill>
+                  <a:srgbClr val="000000"/>
+                </a:solidFill>
+                <a:highlight>
+                  <a:srgbClr val="FFFFFF"/>
+                </a:highlight>
+                <a:latin typeface="Consolas"/>
+              </a:rPr>
+              <a:t> </a:t>
+            </a:r>
+            <a:r>
+              <a:rPr lang="en-US" sz="2200" dirty="0">
+                <a:solidFill>
+                  <a:srgbClr val="0000FF"/>
+                </a:solidFill>
+                <a:highlight>
+                  <a:srgbClr val="FFFFFF"/>
+                </a:highlight>
+                <a:latin typeface="Consolas"/>
+              </a:rPr>
+              <a:t>of</a:t>
+            </a:r>
+            <a:r>
+              <a:rPr lang="en-US" sz="2200" dirty="0">
+                <a:solidFill>
+                  <a:srgbClr val="000000"/>
+                </a:solidFill>
+                <a:highlight>
+                  <a:srgbClr val="FFFFFF"/>
+                </a:highlight>
+                <a:latin typeface="Consolas"/>
+              </a:rPr>
+              <a:t> side : </a:t>
+            </a:r>
+            <a:r>
+              <a:rPr lang="en-US" sz="2200" dirty="0">
+                <a:solidFill>
+                  <a:srgbClr val="4EC9B0"/>
+                </a:solidFill>
+                <a:highlight>
+                  <a:srgbClr val="FFFFFF"/>
+                </a:highlight>
+                <a:latin typeface="Consolas"/>
+              </a:rPr>
+              <a:t>float</a:t>
+            </a:r>
+            <a:endParaRPr lang="en-US" sz="2200" dirty="0"/>
+          </a:p>
+        </p:txBody>
+      </p:sp>
+    </p:spTree>
+    <p:extLst>
+      <p:ext uri="{BB962C8B-B14F-4D97-AF65-F5344CB8AC3E}">
+        <p14:creationId xmlns:p14="http://schemas.microsoft.com/office/powerpoint/2010/main" val="3184996216"/>
+      </p:ext>
+    </p:extLst>
+  </p:cSld>
+  <p:clrMapOvr>
+    <a:masterClrMapping/>
+  </p:clrMapOvr>
+</p:sld>
+</file>
+
+<file path=ppt/slides/slide47.xml><?xml version="1.0" encoding="utf-8"?>
+<p:sld xmlns:a="http://schemas.openxmlformats.org/drawingml/2006/main" xmlns:r="http://schemas.openxmlformats.org/officeDocument/2006/relationships" xmlns:p="http://schemas.openxmlformats.org/presentationml/2006/main">
+  <p:cSld>
+    <p:spTree>
+      <p:nvGrpSpPr>
+        <p:cNvPr id="1" name=""/>
+        <p:cNvGrpSpPr/>
+        <p:nvPr/>
+      </p:nvGrpSpPr>
+      <p:grpSpPr>
+        <a:xfrm>
+          <a:off x="0" y="0"/>
+          <a:ext cx="0" cy="0"/>
+          <a:chOff x="0" y="0"/>
+          <a:chExt cx="0" cy="0"/>
+        </a:xfrm>
+      </p:grpSpPr>
+      <p:sp>
+        <p:nvSpPr>
+          <p:cNvPr id="2" name="Title 1"/>
+          <p:cNvSpPr>
+            <a:spLocks noGrp="1"/>
+          </p:cNvSpPr>
+          <p:nvPr>
+            <p:ph type="title"/>
+          </p:nvPr>
+        </p:nvSpPr>
+        <p:spPr/>
+        <p:txBody>
+          <a:bodyPr>
+            <a:normAutofit/>
+          </a:bodyPr>
+          <a:lstStyle/>
+          <a:p>
+            <a:r>
+              <a:rPr lang="de-DE" dirty="0"/>
+              <a:t>Modul 2: </a:t>
+            </a:r>
+            <a:r>
+              <a:rPr lang="de-DE" dirty="0" err="1"/>
+              <a:t>Discriminated</a:t>
+            </a:r>
+            <a:r>
+              <a:rPr lang="de-DE" dirty="0"/>
+              <a:t> Union</a:t>
+            </a:r>
+            <a:endParaRPr lang="en-US" dirty="0"/>
+          </a:p>
+        </p:txBody>
+      </p:sp>
+      <p:sp>
+        <p:nvSpPr>
+          <p:cNvPr id="3" name="Content Placeholder 2"/>
+          <p:cNvSpPr>
+            <a:spLocks noGrp="1"/>
+          </p:cNvSpPr>
+          <p:nvPr>
+            <p:ph idx="1"/>
+          </p:nvPr>
+        </p:nvSpPr>
+        <p:spPr/>
+        <p:txBody>
+          <a:bodyPr>
+            <a:normAutofit/>
+          </a:bodyPr>
+          <a:lstStyle/>
+          <a:p>
+            <a:r>
+              <a:rPr lang="de-DE" dirty="0"/>
+              <a:t>Ein union-</a:t>
+            </a:r>
+            <a:r>
+              <a:rPr lang="de-DE" dirty="0" err="1"/>
+              <a:t>case</a:t>
+            </a:r>
+            <a:r>
+              <a:rPr lang="de-DE" dirty="0"/>
+              <a:t> kann auch aus eine </a:t>
+            </a:r>
+            <a:r>
+              <a:rPr lang="de-DE" dirty="0" err="1"/>
+              <a:t>Tuple</a:t>
+            </a:r>
+            <a:r>
+              <a:rPr lang="de-DE" dirty="0"/>
+              <a:t>, </a:t>
+            </a:r>
+            <a:r>
+              <a:rPr lang="de-DE" dirty="0" err="1"/>
+              <a:t>Record</a:t>
+            </a:r>
+            <a:r>
+              <a:rPr lang="de-DE" dirty="0"/>
+              <a:t>, anderer DU bestehen</a:t>
+            </a:r>
+          </a:p>
+          <a:p>
+            <a:r>
+              <a:rPr lang="de-DE" dirty="0"/>
+              <a:t>Die Bezeichner der einzelnen Fälle müssen mit einem Großbuchstaben beginnen</a:t>
+            </a:r>
+          </a:p>
+          <a:p>
+            <a:r>
+              <a:rPr lang="de-DE" dirty="0"/>
+              <a:t>Ein Wert kann nicht den Typen des DU haben, sondern nur einem der union-</a:t>
+            </a:r>
+            <a:r>
+              <a:rPr lang="de-DE" dirty="0" err="1"/>
+              <a:t>cases</a:t>
+            </a:r>
+            <a:endParaRPr lang="de-DE" dirty="0"/>
+          </a:p>
+        </p:txBody>
+      </p:sp>
+    </p:spTree>
+    <p:extLst>
+      <p:ext uri="{BB962C8B-B14F-4D97-AF65-F5344CB8AC3E}">
+        <p14:creationId xmlns:p14="http://schemas.microsoft.com/office/powerpoint/2010/main" val="4132026800"/>
+      </p:ext>
+    </p:extLst>
+  </p:cSld>
+  <p:clrMapOvr>
+    <a:masterClrMapping/>
+  </p:clrMapOvr>
+</p:sld>
+</file>
+
+<file path=ppt/slides/slide48.xml><?xml version="1.0" encoding="utf-8"?>
+<p:sld xmlns:a="http://schemas.openxmlformats.org/drawingml/2006/main" xmlns:r="http://schemas.openxmlformats.org/officeDocument/2006/relationships" xmlns:p="http://schemas.openxmlformats.org/presentationml/2006/main">
+  <p:cSld>
+    <p:spTree>
+      <p:nvGrpSpPr>
+        <p:cNvPr id="1" name=""/>
+        <p:cNvGrpSpPr/>
+        <p:nvPr/>
+      </p:nvGrpSpPr>
+      <p:grpSpPr>
+        <a:xfrm>
+          <a:off x="0" y="0"/>
+          <a:ext cx="0" cy="0"/>
+          <a:chOff x="0" y="0"/>
+          <a:chExt cx="0" cy="0"/>
+        </a:xfrm>
+      </p:grpSpPr>
+      <p:sp>
+        <p:nvSpPr>
+          <p:cNvPr id="2" name="Title 1"/>
+          <p:cNvSpPr>
+            <a:spLocks noGrp="1"/>
+          </p:cNvSpPr>
+          <p:nvPr>
+            <p:ph type="title"/>
+          </p:nvPr>
+        </p:nvSpPr>
+        <p:spPr/>
+        <p:txBody>
+          <a:bodyPr/>
+          <a:lstStyle/>
+          <a:p>
+            <a:r>
+              <a:rPr lang="de-DE" dirty="0"/>
+              <a:t>Modul 2: </a:t>
+            </a:r>
+            <a:r>
+              <a:rPr lang="de-DE" dirty="0"/>
+              <a:t>DU - Single Case</a:t>
+            </a:r>
+            <a:endParaRPr lang="en-US" dirty="0"/>
+          </a:p>
+        </p:txBody>
+      </p:sp>
+      <p:sp>
+        <p:nvSpPr>
+          <p:cNvPr id="3" name="Content Placeholder 2"/>
+          <p:cNvSpPr>
+            <a:spLocks noGrp="1"/>
+          </p:cNvSpPr>
+          <p:nvPr>
+            <p:ph idx="1"/>
+          </p:nvPr>
+        </p:nvSpPr>
+        <p:spPr/>
+        <p:txBody>
+          <a:bodyPr>
+            <a:normAutofit lnSpcReduction="10000"/>
+          </a:bodyPr>
+          <a:lstStyle/>
+          <a:p>
+            <a:pPr marL="0" indent="0">
+              <a:buNone/>
+            </a:pPr>
+            <a:r>
+              <a:rPr lang="en-US" dirty="0">
+                <a:solidFill>
+                  <a:srgbClr val="0000FF"/>
+                </a:solidFill>
+                <a:highlight>
+                  <a:srgbClr val="FFFFFF"/>
+                </a:highlight>
+                <a:latin typeface="Consolas"/>
+              </a:rPr>
+              <a:t>type</a:t>
+            </a:r>
+            <a:r>
+              <a:rPr lang="en-US" dirty="0">
+                <a:solidFill>
+                  <a:srgbClr val="000000"/>
+                </a:solidFill>
+                <a:highlight>
+                  <a:srgbClr val="FFFFFF"/>
+                </a:highlight>
+                <a:latin typeface="Consolas"/>
+              </a:rPr>
+              <a:t> </a:t>
+            </a:r>
+            <a:r>
+              <a:rPr lang="en-US" dirty="0" err="1">
+                <a:solidFill>
+                  <a:srgbClr val="4EC9B0"/>
+                </a:solidFill>
+                <a:highlight>
+                  <a:srgbClr val="FFFFFF"/>
+                </a:highlight>
+                <a:latin typeface="Consolas"/>
+              </a:rPr>
+              <a:t>CustomerId</a:t>
+            </a:r>
+            <a:r>
+              <a:rPr lang="en-US" dirty="0">
+                <a:solidFill>
+                  <a:srgbClr val="000000"/>
+                </a:solidFill>
+                <a:highlight>
+                  <a:srgbClr val="FFFFFF"/>
+                </a:highlight>
+                <a:latin typeface="Consolas"/>
+              </a:rPr>
+              <a:t> </a:t>
+            </a:r>
+            <a:r>
+              <a:rPr lang="en-US" dirty="0">
+                <a:solidFill>
+                  <a:srgbClr val="DCDCDC"/>
+                </a:solidFill>
+                <a:highlight>
+                  <a:srgbClr val="FFFFFF"/>
+                </a:highlight>
+                <a:latin typeface="Consolas"/>
+              </a:rPr>
+              <a:t>=</a:t>
+            </a:r>
+            <a:r>
+              <a:rPr lang="en-US" dirty="0">
+                <a:solidFill>
+                  <a:srgbClr val="000000"/>
+                </a:solidFill>
+                <a:highlight>
+                  <a:srgbClr val="FFFFFF"/>
+                </a:highlight>
+                <a:latin typeface="Consolas"/>
+              </a:rPr>
+              <a:t> </a:t>
+            </a:r>
+            <a:r>
+              <a:rPr lang="en-US" dirty="0" err="1">
+                <a:solidFill>
+                  <a:srgbClr val="DCDCDC"/>
+                </a:solidFill>
+                <a:highlight>
+                  <a:srgbClr val="FFFFFF"/>
+                </a:highlight>
+                <a:latin typeface="Consolas"/>
+              </a:rPr>
+              <a:t>CustomerId</a:t>
+            </a:r>
+            <a:r>
+              <a:rPr lang="en-US" dirty="0">
+                <a:solidFill>
+                  <a:srgbClr val="000000"/>
+                </a:solidFill>
+                <a:highlight>
+                  <a:srgbClr val="FFFFFF"/>
+                </a:highlight>
+                <a:latin typeface="Consolas"/>
+              </a:rPr>
+              <a:t> </a:t>
+            </a:r>
+            <a:r>
+              <a:rPr lang="en-US" dirty="0">
+                <a:solidFill>
+                  <a:srgbClr val="0000FF"/>
+                </a:solidFill>
+                <a:highlight>
+                  <a:srgbClr val="FFFFFF"/>
+                </a:highlight>
+                <a:latin typeface="Consolas"/>
+              </a:rPr>
+              <a:t>of</a:t>
+            </a:r>
+            <a:r>
+              <a:rPr lang="en-US" dirty="0">
+                <a:solidFill>
+                  <a:srgbClr val="000000"/>
+                </a:solidFill>
+                <a:highlight>
+                  <a:srgbClr val="FFFFFF"/>
+                </a:highlight>
+                <a:latin typeface="Consolas"/>
+              </a:rPr>
+              <a:t> </a:t>
+            </a:r>
+            <a:r>
+              <a:rPr lang="en-US" dirty="0" err="1">
+                <a:solidFill>
+                  <a:srgbClr val="4EC9B0"/>
+                </a:solidFill>
+                <a:highlight>
+                  <a:srgbClr val="FFFFFF"/>
+                </a:highlight>
+                <a:latin typeface="Consolas"/>
+              </a:rPr>
+              <a:t>int</a:t>
+            </a:r>
+            <a:endParaRPr lang="en-US" dirty="0">
+              <a:solidFill>
+                <a:srgbClr val="000000"/>
+              </a:solidFill>
+              <a:highlight>
+                <a:srgbClr val="FFFFFF"/>
+              </a:highlight>
+              <a:latin typeface="Consolas"/>
+            </a:endParaRPr>
+          </a:p>
+          <a:p>
+            <a:pPr marL="0" indent="0">
+              <a:buNone/>
+            </a:pPr>
+            <a:r>
+              <a:rPr lang="en-US" dirty="0">
+                <a:solidFill>
+                  <a:srgbClr val="0000FF"/>
+                </a:solidFill>
+                <a:highlight>
+                  <a:srgbClr val="FFFFFF"/>
+                </a:highlight>
+                <a:latin typeface="Consolas"/>
+              </a:rPr>
+              <a:t>type</a:t>
+            </a:r>
+            <a:r>
+              <a:rPr lang="en-US" dirty="0">
+                <a:solidFill>
+                  <a:srgbClr val="000000"/>
+                </a:solidFill>
+                <a:highlight>
+                  <a:srgbClr val="FFFFFF"/>
+                </a:highlight>
+                <a:latin typeface="Consolas"/>
+              </a:rPr>
+              <a:t> </a:t>
+            </a:r>
+            <a:r>
+              <a:rPr lang="en-US" dirty="0" err="1">
+                <a:solidFill>
+                  <a:srgbClr val="4EC9B0"/>
+                </a:solidFill>
+                <a:highlight>
+                  <a:srgbClr val="FFFFFF"/>
+                </a:highlight>
+                <a:latin typeface="Consolas"/>
+              </a:rPr>
+              <a:t>OrderId</a:t>
+            </a:r>
+            <a:r>
+              <a:rPr lang="en-US" dirty="0">
+                <a:solidFill>
+                  <a:srgbClr val="000000"/>
+                </a:solidFill>
+                <a:highlight>
+                  <a:srgbClr val="FFFFFF"/>
+                </a:highlight>
+                <a:latin typeface="Consolas"/>
+              </a:rPr>
+              <a:t> </a:t>
+            </a:r>
+            <a:r>
+              <a:rPr lang="en-US" dirty="0">
+                <a:solidFill>
+                  <a:srgbClr val="DCDCDC"/>
+                </a:solidFill>
+                <a:highlight>
+                  <a:srgbClr val="FFFFFF"/>
+                </a:highlight>
+                <a:latin typeface="Consolas"/>
+              </a:rPr>
+              <a:t>=</a:t>
+            </a:r>
+            <a:r>
+              <a:rPr lang="en-US" dirty="0">
+                <a:solidFill>
+                  <a:srgbClr val="000000"/>
+                </a:solidFill>
+                <a:highlight>
+                  <a:srgbClr val="FFFFFF"/>
+                </a:highlight>
+                <a:latin typeface="Consolas"/>
+              </a:rPr>
+              <a:t> </a:t>
+            </a:r>
+            <a:r>
+              <a:rPr lang="en-US" dirty="0" err="1">
+                <a:solidFill>
+                  <a:srgbClr val="DCDCDC"/>
+                </a:solidFill>
+                <a:highlight>
+                  <a:srgbClr val="FFFFFF"/>
+                </a:highlight>
+                <a:latin typeface="Consolas"/>
+              </a:rPr>
+              <a:t>OrderId</a:t>
+            </a:r>
+            <a:r>
+              <a:rPr lang="en-US" dirty="0">
+                <a:solidFill>
+                  <a:srgbClr val="000000"/>
+                </a:solidFill>
+                <a:highlight>
+                  <a:srgbClr val="FFFFFF"/>
+                </a:highlight>
+                <a:latin typeface="Consolas"/>
+              </a:rPr>
+              <a:t> </a:t>
+            </a:r>
+            <a:r>
+              <a:rPr lang="en-US" dirty="0">
+                <a:solidFill>
+                  <a:srgbClr val="0000FF"/>
+                </a:solidFill>
+                <a:highlight>
+                  <a:srgbClr val="FFFFFF"/>
+                </a:highlight>
+                <a:latin typeface="Consolas"/>
+              </a:rPr>
+              <a:t>of</a:t>
+            </a:r>
+            <a:r>
+              <a:rPr lang="en-US" dirty="0">
+                <a:solidFill>
+                  <a:srgbClr val="000000"/>
+                </a:solidFill>
+                <a:highlight>
+                  <a:srgbClr val="FFFFFF"/>
+                </a:highlight>
+                <a:latin typeface="Consolas"/>
+              </a:rPr>
+              <a:t> </a:t>
+            </a:r>
+            <a:r>
+              <a:rPr lang="en-US" dirty="0" err="1">
+                <a:solidFill>
+                  <a:srgbClr val="4EC9B0"/>
+                </a:solidFill>
+                <a:highlight>
+                  <a:srgbClr val="FFFFFF"/>
+                </a:highlight>
+                <a:latin typeface="Consolas"/>
+              </a:rPr>
+              <a:t>int</a:t>
+            </a:r>
+            <a:endParaRPr lang="en-US" dirty="0">
+              <a:solidFill>
+                <a:srgbClr val="000000"/>
+              </a:solidFill>
+              <a:highlight>
+                <a:srgbClr val="FFFFFF"/>
+              </a:highlight>
+              <a:latin typeface="Consolas"/>
+            </a:endParaRPr>
+          </a:p>
+          <a:p>
+            <a:endParaRPr lang="en-US" dirty="0">
+              <a:solidFill>
+                <a:srgbClr val="000000"/>
+              </a:solidFill>
+              <a:highlight>
+                <a:srgbClr val="FFFFFF"/>
+              </a:highlight>
+              <a:latin typeface="Consolas"/>
+            </a:endParaRPr>
+          </a:p>
+          <a:p>
+            <a:pPr marL="0" indent="0">
+              <a:buNone/>
+            </a:pPr>
+            <a:r>
+              <a:rPr lang="en-US" dirty="0">
+                <a:solidFill>
+                  <a:srgbClr val="0000FF"/>
+                </a:solidFill>
+                <a:highlight>
+                  <a:srgbClr val="FFFFFF"/>
+                </a:highlight>
+                <a:latin typeface="Consolas"/>
+              </a:rPr>
+              <a:t>let</a:t>
+            </a:r>
+            <a:r>
+              <a:rPr lang="en-US" dirty="0">
+                <a:solidFill>
+                  <a:srgbClr val="000000"/>
+                </a:solidFill>
+                <a:highlight>
+                  <a:srgbClr val="FFFFFF"/>
+                </a:highlight>
+                <a:latin typeface="Consolas"/>
+              </a:rPr>
+              <a:t> </a:t>
+            </a:r>
+            <a:r>
+              <a:rPr lang="en-US" dirty="0" err="1">
+                <a:solidFill>
+                  <a:srgbClr val="000000"/>
+                </a:solidFill>
+                <a:highlight>
+                  <a:srgbClr val="FFFFFF"/>
+                </a:highlight>
+                <a:latin typeface="Consolas"/>
+              </a:rPr>
+              <a:t>cid</a:t>
+            </a:r>
+            <a:r>
+              <a:rPr lang="en-US" dirty="0">
+                <a:solidFill>
+                  <a:srgbClr val="000000"/>
+                </a:solidFill>
+                <a:highlight>
+                  <a:srgbClr val="FFFFFF"/>
+                </a:highlight>
+                <a:latin typeface="Consolas"/>
+              </a:rPr>
+              <a:t> </a:t>
+            </a:r>
+            <a:r>
+              <a:rPr lang="en-US" dirty="0">
+                <a:solidFill>
+                  <a:srgbClr val="DCDCDC"/>
+                </a:solidFill>
+                <a:highlight>
+                  <a:srgbClr val="FFFFFF"/>
+                </a:highlight>
+                <a:latin typeface="Consolas"/>
+              </a:rPr>
+              <a:t>=</a:t>
+            </a:r>
+            <a:r>
+              <a:rPr lang="en-US" dirty="0">
+                <a:solidFill>
+                  <a:srgbClr val="000000"/>
+                </a:solidFill>
+                <a:highlight>
+                  <a:srgbClr val="FFFFFF"/>
+                </a:highlight>
+                <a:latin typeface="Consolas"/>
+              </a:rPr>
+              <a:t> </a:t>
+            </a:r>
+            <a:r>
+              <a:rPr lang="en-US" dirty="0" err="1">
+                <a:solidFill>
+                  <a:srgbClr val="DCDCDC"/>
+                </a:solidFill>
+                <a:highlight>
+                  <a:srgbClr val="FFFFFF"/>
+                </a:highlight>
+                <a:latin typeface="Consolas"/>
+              </a:rPr>
+              <a:t>CustomerId</a:t>
+            </a:r>
+            <a:r>
+              <a:rPr lang="en-US" dirty="0">
+                <a:solidFill>
+                  <a:srgbClr val="000000"/>
+                </a:solidFill>
+                <a:highlight>
+                  <a:srgbClr val="FFFFFF"/>
+                </a:highlight>
+                <a:latin typeface="Consolas"/>
+              </a:rPr>
+              <a:t>(15)</a:t>
+            </a:r>
+          </a:p>
+          <a:p>
+            <a:pPr marL="0" indent="0">
+              <a:buNone/>
+            </a:pPr>
+            <a:r>
+              <a:rPr lang="en-US" dirty="0">
+                <a:solidFill>
+                  <a:srgbClr val="0000FF"/>
+                </a:solidFill>
+                <a:highlight>
+                  <a:srgbClr val="FFFFFF"/>
+                </a:highlight>
+                <a:latin typeface="Consolas"/>
+              </a:rPr>
+              <a:t>let</a:t>
+            </a:r>
+            <a:r>
+              <a:rPr lang="en-US" dirty="0">
+                <a:solidFill>
+                  <a:srgbClr val="000000"/>
+                </a:solidFill>
+                <a:highlight>
+                  <a:srgbClr val="FFFFFF"/>
+                </a:highlight>
+                <a:latin typeface="Consolas"/>
+              </a:rPr>
+              <a:t> </a:t>
+            </a:r>
+            <a:r>
+              <a:rPr lang="en-US" dirty="0" err="1">
+                <a:solidFill>
+                  <a:srgbClr val="000000"/>
+                </a:solidFill>
+                <a:highlight>
+                  <a:srgbClr val="FFFFFF"/>
+                </a:highlight>
+                <a:latin typeface="Consolas"/>
+              </a:rPr>
+              <a:t>oid</a:t>
+            </a:r>
+            <a:r>
+              <a:rPr lang="en-US" dirty="0">
+                <a:solidFill>
+                  <a:srgbClr val="000000"/>
+                </a:solidFill>
+                <a:highlight>
+                  <a:srgbClr val="FFFFFF"/>
+                </a:highlight>
+                <a:latin typeface="Consolas"/>
+              </a:rPr>
+              <a:t> </a:t>
+            </a:r>
+            <a:r>
+              <a:rPr lang="en-US" dirty="0">
+                <a:solidFill>
+                  <a:srgbClr val="DCDCDC"/>
+                </a:solidFill>
+                <a:highlight>
+                  <a:srgbClr val="FFFFFF"/>
+                </a:highlight>
+                <a:latin typeface="Consolas"/>
+              </a:rPr>
+              <a:t>=</a:t>
+            </a:r>
+            <a:r>
+              <a:rPr lang="en-US" dirty="0">
+                <a:solidFill>
+                  <a:srgbClr val="000000"/>
+                </a:solidFill>
+                <a:highlight>
+                  <a:srgbClr val="FFFFFF"/>
+                </a:highlight>
+                <a:latin typeface="Consolas"/>
+              </a:rPr>
+              <a:t> </a:t>
+            </a:r>
+            <a:r>
+              <a:rPr lang="en-US" dirty="0" err="1">
+                <a:solidFill>
+                  <a:srgbClr val="DCDCDC"/>
+                </a:solidFill>
+                <a:highlight>
+                  <a:srgbClr val="FFFFFF"/>
+                </a:highlight>
+                <a:latin typeface="Consolas"/>
+              </a:rPr>
+              <a:t>OrderId</a:t>
+            </a:r>
+            <a:r>
+              <a:rPr lang="en-US" dirty="0">
+                <a:solidFill>
+                  <a:srgbClr val="000000"/>
+                </a:solidFill>
+                <a:highlight>
+                  <a:srgbClr val="FFFFFF"/>
+                </a:highlight>
+                <a:latin typeface="Consolas"/>
+              </a:rPr>
+              <a:t>(15)</a:t>
+            </a:r>
+          </a:p>
+          <a:p>
+            <a:pPr marL="0" indent="0">
+              <a:buNone/>
+            </a:pPr>
+            <a:endParaRPr lang="en-US" dirty="0">
+              <a:solidFill>
+                <a:srgbClr val="000000"/>
+              </a:solidFill>
+              <a:highlight>
+                <a:srgbClr val="FFFFFF"/>
+              </a:highlight>
+              <a:latin typeface="Consolas"/>
+            </a:endParaRPr>
+          </a:p>
+          <a:p>
+            <a:pPr marL="0" indent="0">
+              <a:buNone/>
+            </a:pPr>
+            <a:r>
+              <a:rPr lang="en-US" dirty="0">
+                <a:solidFill>
+                  <a:srgbClr val="0000FF"/>
+                </a:solidFill>
+                <a:highlight>
+                  <a:srgbClr val="FFFFFF"/>
+                </a:highlight>
+                <a:latin typeface="Consolas"/>
+              </a:rPr>
+              <a:t>let</a:t>
+            </a:r>
+            <a:r>
+              <a:rPr lang="en-US" dirty="0">
+                <a:solidFill>
+                  <a:srgbClr val="000000"/>
+                </a:solidFill>
+                <a:highlight>
+                  <a:srgbClr val="FFFFFF"/>
+                </a:highlight>
+                <a:latin typeface="Consolas"/>
+              </a:rPr>
+              <a:t> t </a:t>
+            </a:r>
+            <a:r>
+              <a:rPr lang="en-US" dirty="0">
+                <a:solidFill>
+                  <a:srgbClr val="DCDCDC"/>
+                </a:solidFill>
+                <a:highlight>
+                  <a:srgbClr val="FFFFFF"/>
+                </a:highlight>
+                <a:latin typeface="Consolas"/>
+              </a:rPr>
+              <a:t>=</a:t>
+            </a:r>
+            <a:r>
+              <a:rPr lang="en-US" dirty="0">
+                <a:solidFill>
+                  <a:srgbClr val="000000"/>
+                </a:solidFill>
+                <a:highlight>
+                  <a:srgbClr val="FFFFFF"/>
+                </a:highlight>
+                <a:latin typeface="Consolas"/>
+              </a:rPr>
+              <a:t> </a:t>
+            </a:r>
+            <a:r>
+              <a:rPr lang="en-US" dirty="0" err="1">
+                <a:solidFill>
+                  <a:srgbClr val="000000"/>
+                </a:solidFill>
+                <a:highlight>
+                  <a:srgbClr val="FFFFFF"/>
+                </a:highlight>
+                <a:latin typeface="Consolas"/>
+              </a:rPr>
+              <a:t>cid</a:t>
+            </a:r>
+            <a:r>
+              <a:rPr lang="en-US" dirty="0">
+                <a:solidFill>
+                  <a:srgbClr val="000000"/>
+                </a:solidFill>
+                <a:highlight>
+                  <a:srgbClr val="FFFFFF"/>
+                </a:highlight>
+                <a:latin typeface="Consolas"/>
+              </a:rPr>
+              <a:t> </a:t>
+            </a:r>
+            <a:r>
+              <a:rPr lang="en-US" dirty="0">
+                <a:solidFill>
+                  <a:srgbClr val="DCDCDC"/>
+                </a:solidFill>
+                <a:highlight>
+                  <a:srgbClr val="FFFFFF"/>
+                </a:highlight>
+                <a:latin typeface="Consolas"/>
+              </a:rPr>
+              <a:t>=</a:t>
+            </a:r>
+            <a:r>
+              <a:rPr lang="en-US" dirty="0">
+                <a:solidFill>
+                  <a:srgbClr val="000000"/>
+                </a:solidFill>
+                <a:highlight>
+                  <a:srgbClr val="FFFFFF"/>
+                </a:highlight>
+                <a:latin typeface="Consolas"/>
+              </a:rPr>
+              <a:t> </a:t>
+            </a:r>
+            <a:r>
+              <a:rPr lang="en-US" dirty="0" err="1">
+                <a:solidFill>
+                  <a:srgbClr val="000000"/>
+                </a:solidFill>
+                <a:highlight>
+                  <a:srgbClr val="FFFFFF"/>
+                </a:highlight>
+                <a:latin typeface="Consolas"/>
+              </a:rPr>
+              <a:t>oid</a:t>
+            </a:r>
+            <a:r>
+              <a:rPr lang="en-US" dirty="0">
+                <a:solidFill>
+                  <a:srgbClr val="000000"/>
+                </a:solidFill>
+                <a:highlight>
+                  <a:srgbClr val="FFFFFF"/>
+                </a:highlight>
+                <a:latin typeface="Consolas"/>
+              </a:rPr>
+              <a:t> // ERROR </a:t>
+            </a:r>
+            <a:r>
+              <a:rPr lang="en-US" dirty="0" err="1">
+                <a:solidFill>
+                  <a:srgbClr val="000000"/>
+                </a:solidFill>
+                <a:highlight>
+                  <a:srgbClr val="FFFFFF"/>
+                </a:highlight>
+                <a:latin typeface="Consolas"/>
+              </a:rPr>
+              <a:t>Typen</a:t>
+            </a:r>
+            <a:r>
+              <a:rPr lang="en-US" dirty="0">
+                <a:solidFill>
+                  <a:srgbClr val="000000"/>
+                </a:solidFill>
+                <a:highlight>
+                  <a:srgbClr val="FFFFFF"/>
+                </a:highlight>
+                <a:latin typeface="Consolas"/>
+              </a:rPr>
+              <a:t> </a:t>
+            </a:r>
+            <a:r>
+              <a:rPr lang="en-US" dirty="0" err="1">
+                <a:solidFill>
+                  <a:srgbClr val="000000"/>
+                </a:solidFill>
+                <a:highlight>
+                  <a:srgbClr val="FFFFFF"/>
+                </a:highlight>
+                <a:latin typeface="Consolas"/>
+              </a:rPr>
+              <a:t>nicht</a:t>
+            </a:r>
+            <a:r>
+              <a:rPr lang="en-US" dirty="0">
+                <a:solidFill>
+                  <a:srgbClr val="000000"/>
+                </a:solidFill>
+                <a:highlight>
+                  <a:srgbClr val="FFFFFF"/>
+                </a:highlight>
+                <a:latin typeface="Consolas"/>
+              </a:rPr>
+              <a:t> </a:t>
+            </a:r>
+            <a:r>
+              <a:rPr lang="en-US" dirty="0" err="1">
+                <a:solidFill>
+                  <a:srgbClr val="000000"/>
+                </a:solidFill>
+                <a:highlight>
+                  <a:srgbClr val="FFFFFF"/>
+                </a:highlight>
+                <a:latin typeface="Consolas"/>
+              </a:rPr>
+              <a:t>gleich</a:t>
+            </a:r>
+            <a:r>
+              <a:rPr lang="en-US" dirty="0">
+                <a:solidFill>
+                  <a:srgbClr val="000000"/>
+                </a:solidFill>
+                <a:highlight>
+                  <a:srgbClr val="FFFFFF"/>
+                </a:highlight>
+                <a:latin typeface="Consolas"/>
+              </a:rPr>
+              <a:t>, </a:t>
+            </a:r>
+            <a:r>
+              <a:rPr lang="en-US" dirty="0" err="1">
+                <a:solidFill>
+                  <a:srgbClr val="000000"/>
+                </a:solidFill>
+                <a:highlight>
+                  <a:srgbClr val="FFFFFF"/>
+                </a:highlight>
+                <a:latin typeface="Consolas"/>
+              </a:rPr>
+              <a:t>kein</a:t>
+            </a:r>
+            <a:r>
+              <a:rPr lang="en-US" dirty="0">
+                <a:solidFill>
+                  <a:srgbClr val="000000"/>
+                </a:solidFill>
+                <a:highlight>
+                  <a:srgbClr val="FFFFFF"/>
+                </a:highlight>
+                <a:latin typeface="Consolas"/>
+              </a:rPr>
+              <a:t> </a:t>
+            </a:r>
+            <a:r>
+              <a:rPr lang="en-US" dirty="0" err="1">
+                <a:solidFill>
+                  <a:srgbClr val="000000"/>
+                </a:solidFill>
+                <a:highlight>
+                  <a:srgbClr val="FFFFFF"/>
+                </a:highlight>
+                <a:latin typeface="Consolas"/>
+              </a:rPr>
+              <a:t>Vergleich</a:t>
+            </a:r>
+            <a:endParaRPr lang="en-US" dirty="0"/>
+          </a:p>
+        </p:txBody>
+      </p:sp>
+    </p:spTree>
+    <p:extLst>
+      <p:ext uri="{BB962C8B-B14F-4D97-AF65-F5344CB8AC3E}">
+        <p14:creationId xmlns:p14="http://schemas.microsoft.com/office/powerpoint/2010/main" val="2193518562"/>
+      </p:ext>
+    </p:extLst>
+  </p:cSld>
+  <p:clrMapOvr>
+    <a:masterClrMapping/>
+  </p:clrMapOvr>
+</p:sld>
+</file>
+
+<file path=ppt/slides/slide49.xml><?xml version="1.0" encoding="utf-8"?>
+<p:sld xmlns:a="http://schemas.openxmlformats.org/drawingml/2006/main" xmlns:r="http://schemas.openxmlformats.org/officeDocument/2006/relationships" xmlns:p="http://schemas.openxmlformats.org/presentationml/2006/main">
+  <p:cSld>
+    <p:spTree>
+      <p:nvGrpSpPr>
+        <p:cNvPr id="1" name=""/>
+        <p:cNvGrpSpPr/>
+        <p:nvPr/>
+      </p:nvGrpSpPr>
+      <p:grpSpPr>
+        <a:xfrm>
+          <a:off x="0" y="0"/>
+          <a:ext cx="0" cy="0"/>
+          <a:chOff x="0" y="0"/>
+          <a:chExt cx="0" cy="0"/>
+        </a:xfrm>
+      </p:grpSpPr>
+      <p:sp>
+        <p:nvSpPr>
+          <p:cNvPr id="2" name="Title 1"/>
+          <p:cNvSpPr>
+            <a:spLocks noGrp="1"/>
+          </p:cNvSpPr>
+          <p:nvPr>
+            <p:ph type="title"/>
+          </p:nvPr>
+        </p:nvSpPr>
+        <p:spPr/>
+        <p:txBody>
+          <a:bodyPr>
+            <a:normAutofit/>
+          </a:bodyPr>
+          <a:lstStyle/>
+          <a:p>
+            <a:r>
+              <a:rPr lang="de-DE" dirty="0"/>
+              <a:t>Modul 2: </a:t>
+            </a:r>
+            <a:r>
+              <a:rPr lang="de-DE" dirty="0" err="1"/>
+              <a:t>Discriminated</a:t>
+            </a:r>
+            <a:r>
+              <a:rPr lang="de-DE" dirty="0"/>
+              <a:t> Union</a:t>
+            </a:r>
+            <a:endParaRPr lang="en-US" dirty="0"/>
+          </a:p>
+        </p:txBody>
+      </p:sp>
+      <p:sp>
+        <p:nvSpPr>
+          <p:cNvPr id="3" name="Content Placeholder 2"/>
+          <p:cNvSpPr>
+            <a:spLocks noGrp="1"/>
+          </p:cNvSpPr>
+          <p:nvPr>
+            <p:ph idx="1"/>
+          </p:nvPr>
+        </p:nvSpPr>
+        <p:spPr/>
+        <p:txBody>
+          <a:bodyPr>
+            <a:normAutofit/>
+          </a:bodyPr>
+          <a:lstStyle/>
+          <a:p>
+            <a:pPr marL="0" indent="0">
+              <a:buNone/>
+            </a:pPr>
+            <a:r>
+              <a:rPr lang="de-DE" dirty="0"/>
+              <a:t>Strukturelle Gleichheit</a:t>
+            </a:r>
+          </a:p>
+          <a:p>
+            <a:r>
+              <a:rPr lang="de-DE" dirty="0"/>
+              <a:t>Wird vom F# Compiler gewährleistet</a:t>
+            </a:r>
+          </a:p>
+        </p:txBody>
+      </p:sp>
+    </p:spTree>
+    <p:extLst>
+      <p:ext uri="{BB962C8B-B14F-4D97-AF65-F5344CB8AC3E}">
+        <p14:creationId xmlns:p14="http://schemas.microsoft.com/office/powerpoint/2010/main" val="4124146795"/>
+      </p:ext>
+    </p:extLst>
+  </p:cSld>
+  <p:clrMapOvr>
+    <a:masterClrMapping/>
+  </p:clrMapOvr>
+  <p:timing>
+    <p:tnLst>
+      <p:par>
+        <p:cTn id="1" dur="indefinite" restart="never" nodeType="tmRoot">
+          <p:childTnLst>
+            <p:seq concurrent="1" nextAc="seek">
+              <p:cTn id="2" dur="indefinite" nodeType="mainSeq">
+                <p:childTnLst>
                   <p:par>
-                    <p:cTn id="15" fill="hold">
+                    <p:cTn id="3" fill="hold">
                       <p:stCondLst>
                         <p:cond delay="indefinite"/>
                       </p:stCondLst>
                       <p:childTnLst>
                         <p:par>
-                          <p:cTn id="16" fill="hold">
+                          <p:cTn id="4" fill="hold">
                             <p:stCondLst>
                               <p:cond delay="0"/>
                             </p:stCondLst>
                             <p:childTnLst>
                               <p:par>
-                                <p:cTn id="17" presetID="1" presetClass="entr" presetSubtype="0" fill="hold" grpId="0" nodeType="clickEffect">
+                                <p:cTn id="5" presetID="1" presetClass="entr" presetSubtype="0" fill="hold" grpId="0" nodeType="clickEffect">
                                   <p:stCondLst>
                                     <p:cond delay="0"/>
                                   </p:stCondLst>
                                   <p:childTnLst>
                                     <p:set>
                                       <p:cBhvr>
-                                        <p:cTn id="18" dur="1" fill="hold">
+                                        <p:cTn id="6" dur="1" fill="hold">
                                           <p:stCondLst>
                                             <p:cond delay="0"/>
                                           </p:stCondLst>
@@ -24965,7 +26656,7 @@
                                         <p:tgtEl>
                                           <p:spTgt spid="3">
                                             <p:txEl>
-                                              <p:pRg st="3" end="3"/>
+                                              <p:pRg st="0" end="0"/>
                                             </p:txEl>
                                           </p:spTgt>
                                         </p:tgtEl>
@@ -24987,26 +26678,26 @@
                     </p:cTn>
                   </p:par>
                   <p:par>
-                    <p:cTn id="19" fill="hold">
+                    <p:cTn id="7" fill="hold">
                       <p:stCondLst>
                         <p:cond delay="indefinite"/>
                       </p:stCondLst>
                       <p:childTnLst>
                         <p:par>
-                          <p:cTn id="20" fill="hold">
+                          <p:cTn id="8" fill="hold">
                             <p:stCondLst>
                               <p:cond delay="0"/>
                             </p:stCondLst>
                             <p:childTnLst>
                               <p:par>
-                                <p:cTn id="21" presetID="1" presetClass="entr" presetSubtype="0" fill="hold" grpId="0" nodeType="clickEffect">
+                                <p:cTn id="9" presetID="1" presetClass="entr" presetSubtype="0" fill="hold" grpId="0" nodeType="clickEffect">
                                   <p:stCondLst>
                                     <p:cond delay="0"/>
                                   </p:stCondLst>
                                   <p:childTnLst>
                                     <p:set>
                                       <p:cBhvr>
-                                        <p:cTn id="22" dur="1" fill="hold">
+                                        <p:cTn id="10" dur="1" fill="hold">
                                           <p:stCondLst>
                                             <p:cond delay="0"/>
                                           </p:stCondLst>
@@ -25014,7 +26705,7 @@
                                         <p:tgtEl>
                                           <p:spTgt spid="3">
                                             <p:txEl>
-                                              <p:pRg st="4" end="4"/>
+                                              <p:pRg st="1" end="1"/>
                                             </p:txEl>
                                           </p:spTgt>
                                         </p:tgtEl>
@@ -25060,1606 +26751,6 @@
       <p:bldP spid="3" grpId="0" build="p"/>
     </p:bldLst>
   </p:timing>
-</p:sld>
-</file>
-
-<file path=ppt/slides/slide47.xml><?xml version="1.0" encoding="utf-8"?>
-<p:sld xmlns:a="http://schemas.openxmlformats.org/drawingml/2006/main" xmlns:r="http://schemas.openxmlformats.org/officeDocument/2006/relationships" xmlns:p="http://schemas.openxmlformats.org/presentationml/2006/main">
-  <p:cSld>
-    <p:spTree>
-      <p:nvGrpSpPr>
-        <p:cNvPr id="1" name=""/>
-        <p:cNvGrpSpPr/>
-        <p:nvPr/>
-      </p:nvGrpSpPr>
-      <p:grpSpPr>
-        <a:xfrm>
-          <a:off x="0" y="0"/>
-          <a:ext cx="0" cy="0"/>
-          <a:chOff x="0" y="0"/>
-          <a:chExt cx="0" cy="0"/>
-        </a:xfrm>
-      </p:grpSpPr>
-      <p:sp>
-        <p:nvSpPr>
-          <p:cNvPr id="2" name="Title 1"/>
-          <p:cNvSpPr>
-            <a:spLocks noGrp="1"/>
-          </p:cNvSpPr>
-          <p:nvPr>
-            <p:ph type="title"/>
-          </p:nvPr>
-        </p:nvSpPr>
-        <p:spPr/>
-        <p:txBody>
-          <a:bodyPr>
-            <a:normAutofit fontScale="90000"/>
-          </a:bodyPr>
-          <a:lstStyle/>
-          <a:p>
-            <a:r>
-              <a:rPr lang="de-DE" dirty="0"/>
-              <a:t>DU</a:t>
-            </a:r>
-            <a:br>
-              <a:rPr lang="de-DE" dirty="0"/>
-            </a:br>
-            <a:r>
-              <a:rPr lang="de-DE" dirty="0" err="1"/>
-              <a:t>Discriminated</a:t>
-            </a:r>
-            <a:r>
-              <a:rPr lang="de-DE" dirty="0"/>
-              <a:t> Union</a:t>
-            </a:r>
-            <a:endParaRPr lang="en-US" dirty="0"/>
-          </a:p>
-        </p:txBody>
-      </p:sp>
-      <p:sp>
-        <p:nvSpPr>
-          <p:cNvPr id="3" name="Content Placeholder 2"/>
-          <p:cNvSpPr>
-            <a:spLocks noGrp="1"/>
-          </p:cNvSpPr>
-          <p:nvPr>
-            <p:ph idx="1"/>
-          </p:nvPr>
-        </p:nvSpPr>
-        <p:spPr/>
-        <p:txBody>
-          <a:bodyPr>
-            <a:normAutofit/>
-          </a:bodyPr>
-          <a:lstStyle/>
-          <a:p>
-            <a:pPr marL="0" indent="0">
-              <a:buNone/>
-            </a:pPr>
-            <a:r>
-              <a:rPr lang="de-DE" dirty="0"/>
-              <a:t>Unterscheidungs-Union auf deutsch</a:t>
-            </a:r>
-          </a:p>
-          <a:p>
-            <a:pPr marL="0" indent="0">
-              <a:buNone/>
-            </a:pPr>
-            <a:r>
-              <a:rPr lang="de-DE" dirty="0"/>
-              <a:t>Besteht aus einer Anzahl von benannten Fällen</a:t>
-            </a:r>
-          </a:p>
-          <a:p>
-            <a:pPr marL="0" indent="0">
-              <a:buNone/>
-            </a:pPr>
-            <a:r>
-              <a:rPr lang="de-DE" dirty="0"/>
-              <a:t>Nur eines ist gültig für einen Ausdruck</a:t>
-            </a:r>
-          </a:p>
-          <a:p>
-            <a:pPr marL="0" indent="0">
-              <a:buNone/>
-            </a:pPr>
-            <a:r>
-              <a:rPr lang="en-US" sz="2200" dirty="0">
-                <a:solidFill>
-                  <a:srgbClr val="0000FF"/>
-                </a:solidFill>
-                <a:highlight>
-                  <a:srgbClr val="FFFFFF"/>
-                </a:highlight>
-                <a:latin typeface="Consolas"/>
-              </a:rPr>
-              <a:t>type</a:t>
-            </a:r>
-            <a:r>
-              <a:rPr lang="en-US" sz="2200" dirty="0">
-                <a:solidFill>
-                  <a:srgbClr val="000000"/>
-                </a:solidFill>
-                <a:highlight>
-                  <a:srgbClr val="FFFFFF"/>
-                </a:highlight>
-                <a:latin typeface="Consolas"/>
-              </a:rPr>
-              <a:t> </a:t>
-            </a:r>
-            <a:r>
-              <a:rPr lang="en-US" sz="2200" dirty="0">
-                <a:solidFill>
-                  <a:srgbClr val="4EC9B0"/>
-                </a:solidFill>
-                <a:highlight>
-                  <a:srgbClr val="FFFFFF"/>
-                </a:highlight>
-                <a:latin typeface="Consolas"/>
-              </a:rPr>
-              <a:t>Shape</a:t>
-            </a:r>
-            <a:r>
-              <a:rPr lang="en-US" sz="2200" dirty="0">
-                <a:solidFill>
-                  <a:srgbClr val="000000"/>
-                </a:solidFill>
-                <a:highlight>
-                  <a:srgbClr val="FFFFFF"/>
-                </a:highlight>
-                <a:latin typeface="Consolas"/>
-              </a:rPr>
-              <a:t> </a:t>
-            </a:r>
-            <a:r>
-              <a:rPr lang="en-US" sz="2200" dirty="0">
-                <a:solidFill>
-                  <a:srgbClr val="DCDCDC"/>
-                </a:solidFill>
-                <a:highlight>
-                  <a:srgbClr val="FFFFFF"/>
-                </a:highlight>
-                <a:latin typeface="Consolas"/>
-              </a:rPr>
-              <a:t>=</a:t>
-            </a:r>
-            <a:endParaRPr lang="en-US" sz="2200" dirty="0">
-              <a:solidFill>
-                <a:srgbClr val="000000"/>
-              </a:solidFill>
-              <a:highlight>
-                <a:srgbClr val="FFFFFF"/>
-              </a:highlight>
-              <a:latin typeface="Consolas"/>
-            </a:endParaRPr>
-          </a:p>
-          <a:p>
-            <a:pPr marL="0" indent="0">
-              <a:buNone/>
-            </a:pPr>
-            <a:r>
-              <a:rPr lang="en-US" sz="2200" dirty="0">
-                <a:solidFill>
-                  <a:srgbClr val="000000"/>
-                </a:solidFill>
-                <a:highlight>
-                  <a:srgbClr val="FFFFFF"/>
-                </a:highlight>
-                <a:latin typeface="Consolas"/>
-              </a:rPr>
-              <a:t>| </a:t>
-            </a:r>
-            <a:r>
-              <a:rPr lang="en-US" sz="2200" dirty="0">
-                <a:solidFill>
-                  <a:schemeClr val="accent2">
-                    <a:lumMod val="75000"/>
-                  </a:schemeClr>
-                </a:solidFill>
-                <a:highlight>
-                  <a:srgbClr val="FFFFFF"/>
-                </a:highlight>
-                <a:latin typeface="Consolas"/>
-              </a:rPr>
-              <a:t>Rectangle</a:t>
-            </a:r>
-            <a:r>
-              <a:rPr lang="en-US" sz="2200" dirty="0">
-                <a:solidFill>
-                  <a:srgbClr val="000000"/>
-                </a:solidFill>
-                <a:highlight>
-                  <a:srgbClr val="FFFFFF"/>
-                </a:highlight>
-                <a:latin typeface="Consolas"/>
-              </a:rPr>
-              <a:t> </a:t>
-            </a:r>
-            <a:r>
-              <a:rPr lang="en-US" sz="2200" dirty="0">
-                <a:solidFill>
-                  <a:srgbClr val="0000FF"/>
-                </a:solidFill>
-                <a:highlight>
-                  <a:srgbClr val="FFFFFF"/>
-                </a:highlight>
-                <a:latin typeface="Consolas"/>
-              </a:rPr>
-              <a:t>of</a:t>
-            </a:r>
-            <a:r>
-              <a:rPr lang="en-US" sz="2200" dirty="0">
-                <a:solidFill>
-                  <a:srgbClr val="000000"/>
-                </a:solidFill>
-                <a:highlight>
-                  <a:srgbClr val="FFFFFF"/>
-                </a:highlight>
-                <a:latin typeface="Consolas"/>
-              </a:rPr>
-              <a:t> width : </a:t>
-            </a:r>
-            <a:r>
-              <a:rPr lang="en-US" sz="2200" dirty="0">
-                <a:solidFill>
-                  <a:srgbClr val="4EC9B0"/>
-                </a:solidFill>
-                <a:highlight>
-                  <a:srgbClr val="FFFFFF"/>
-                </a:highlight>
-                <a:latin typeface="Consolas"/>
-              </a:rPr>
-              <a:t>float</a:t>
-            </a:r>
-            <a:r>
-              <a:rPr lang="en-US" sz="2200" dirty="0">
-                <a:solidFill>
-                  <a:srgbClr val="000000"/>
-                </a:solidFill>
-                <a:highlight>
-                  <a:srgbClr val="FFFFFF"/>
-                </a:highlight>
-                <a:latin typeface="Consolas"/>
-              </a:rPr>
-              <a:t> * length : </a:t>
-            </a:r>
-            <a:r>
-              <a:rPr lang="en-US" sz="2200" dirty="0">
-                <a:solidFill>
-                  <a:srgbClr val="4EC9B0"/>
-                </a:solidFill>
-                <a:highlight>
-                  <a:srgbClr val="FFFFFF"/>
-                </a:highlight>
-                <a:latin typeface="Consolas"/>
-              </a:rPr>
-              <a:t>float</a:t>
-            </a:r>
-            <a:endParaRPr lang="en-US" sz="2200" dirty="0">
-              <a:solidFill>
-                <a:srgbClr val="000000"/>
-              </a:solidFill>
-              <a:highlight>
-                <a:srgbClr val="FFFFFF"/>
-              </a:highlight>
-              <a:latin typeface="Consolas"/>
-            </a:endParaRPr>
-          </a:p>
-          <a:p>
-            <a:pPr marL="0" indent="0">
-              <a:buNone/>
-            </a:pPr>
-            <a:r>
-              <a:rPr lang="en-US" sz="2200" dirty="0">
-                <a:solidFill>
-                  <a:srgbClr val="000000"/>
-                </a:solidFill>
-                <a:highlight>
-                  <a:srgbClr val="FFFFFF"/>
-                </a:highlight>
-                <a:latin typeface="Consolas"/>
-              </a:rPr>
-              <a:t>| </a:t>
-            </a:r>
-            <a:r>
-              <a:rPr lang="en-US" sz="2200" dirty="0">
-                <a:solidFill>
-                  <a:schemeClr val="accent2">
-                    <a:lumMod val="75000"/>
-                  </a:schemeClr>
-                </a:solidFill>
-                <a:highlight>
-                  <a:srgbClr val="FFFFFF"/>
-                </a:highlight>
-                <a:latin typeface="Consolas"/>
-              </a:rPr>
-              <a:t>Circle</a:t>
-            </a:r>
-            <a:r>
-              <a:rPr lang="en-US" sz="2200" dirty="0">
-                <a:solidFill>
-                  <a:srgbClr val="000000"/>
-                </a:solidFill>
-                <a:highlight>
-                  <a:srgbClr val="FFFFFF"/>
-                </a:highlight>
-                <a:latin typeface="Consolas"/>
-              </a:rPr>
-              <a:t> </a:t>
-            </a:r>
-            <a:r>
-              <a:rPr lang="en-US" sz="2200" dirty="0">
-                <a:solidFill>
-                  <a:srgbClr val="0000FF"/>
-                </a:solidFill>
-                <a:highlight>
-                  <a:srgbClr val="FFFFFF"/>
-                </a:highlight>
-                <a:latin typeface="Consolas"/>
-              </a:rPr>
-              <a:t>of</a:t>
-            </a:r>
-            <a:r>
-              <a:rPr lang="en-US" sz="2200" dirty="0">
-                <a:solidFill>
-                  <a:srgbClr val="000000"/>
-                </a:solidFill>
-                <a:highlight>
-                  <a:srgbClr val="FFFFFF"/>
-                </a:highlight>
-                <a:latin typeface="Consolas"/>
-              </a:rPr>
-              <a:t> radius : </a:t>
-            </a:r>
-            <a:r>
-              <a:rPr lang="en-US" sz="2200" dirty="0">
-                <a:solidFill>
-                  <a:srgbClr val="4EC9B0"/>
-                </a:solidFill>
-                <a:highlight>
-                  <a:srgbClr val="FFFFFF"/>
-                </a:highlight>
-                <a:latin typeface="Consolas"/>
-              </a:rPr>
-              <a:t>float</a:t>
-            </a:r>
-            <a:endParaRPr lang="en-US" sz="2200" dirty="0">
-              <a:solidFill>
-                <a:srgbClr val="000000"/>
-              </a:solidFill>
-              <a:highlight>
-                <a:srgbClr val="FFFFFF"/>
-              </a:highlight>
-              <a:latin typeface="Consolas"/>
-            </a:endParaRPr>
-          </a:p>
-          <a:p>
-            <a:pPr marL="0" indent="0">
-              <a:buNone/>
-            </a:pPr>
-            <a:r>
-              <a:rPr lang="en-US" sz="2200" dirty="0">
-                <a:solidFill>
-                  <a:srgbClr val="000000"/>
-                </a:solidFill>
-                <a:highlight>
-                  <a:srgbClr val="FFFFFF"/>
-                </a:highlight>
-                <a:latin typeface="Consolas"/>
-              </a:rPr>
-              <a:t>| </a:t>
-            </a:r>
-            <a:r>
-              <a:rPr lang="en-US" sz="2200" dirty="0">
-                <a:solidFill>
-                  <a:schemeClr val="accent2">
-                    <a:lumMod val="75000"/>
-                  </a:schemeClr>
-                </a:solidFill>
-                <a:highlight>
-                  <a:srgbClr val="FFFFFF"/>
-                </a:highlight>
-                <a:latin typeface="Consolas"/>
-              </a:rPr>
-              <a:t>Prism</a:t>
-            </a:r>
-            <a:r>
-              <a:rPr lang="en-US" sz="2200" dirty="0">
-                <a:solidFill>
-                  <a:srgbClr val="000000"/>
-                </a:solidFill>
-                <a:highlight>
-                  <a:srgbClr val="FFFFFF"/>
-                </a:highlight>
-                <a:latin typeface="Consolas"/>
-              </a:rPr>
-              <a:t> </a:t>
-            </a:r>
-            <a:r>
-              <a:rPr lang="en-US" sz="2200" dirty="0">
-                <a:solidFill>
-                  <a:srgbClr val="0000FF"/>
-                </a:solidFill>
-                <a:highlight>
-                  <a:srgbClr val="FFFFFF"/>
-                </a:highlight>
-                <a:latin typeface="Consolas"/>
-              </a:rPr>
-              <a:t>of</a:t>
-            </a:r>
-            <a:r>
-              <a:rPr lang="en-US" sz="2200" dirty="0">
-                <a:solidFill>
-                  <a:srgbClr val="000000"/>
-                </a:solidFill>
-                <a:highlight>
-                  <a:srgbClr val="FFFFFF"/>
-                </a:highlight>
-                <a:latin typeface="Consolas"/>
-              </a:rPr>
-              <a:t> width : </a:t>
-            </a:r>
-            <a:r>
-              <a:rPr lang="en-US" sz="2200" dirty="0">
-                <a:solidFill>
-                  <a:srgbClr val="4EC9B0"/>
-                </a:solidFill>
-                <a:highlight>
-                  <a:srgbClr val="FFFFFF"/>
-                </a:highlight>
-                <a:latin typeface="Consolas"/>
-              </a:rPr>
-              <a:t>float</a:t>
-            </a:r>
-            <a:r>
-              <a:rPr lang="en-US" sz="2200" dirty="0">
-                <a:solidFill>
-                  <a:srgbClr val="000000"/>
-                </a:solidFill>
-                <a:highlight>
-                  <a:srgbClr val="FFFFFF"/>
-                </a:highlight>
-                <a:latin typeface="Consolas"/>
-              </a:rPr>
-              <a:t> * </a:t>
-            </a:r>
-            <a:r>
-              <a:rPr lang="en-US" sz="2200" dirty="0">
-                <a:solidFill>
-                  <a:srgbClr val="4EC9B0"/>
-                </a:solidFill>
-                <a:highlight>
-                  <a:srgbClr val="FFFFFF"/>
-                </a:highlight>
-                <a:latin typeface="Consolas"/>
-              </a:rPr>
-              <a:t>float</a:t>
-            </a:r>
-            <a:r>
-              <a:rPr lang="en-US" sz="2200" dirty="0">
-                <a:solidFill>
-                  <a:srgbClr val="000000"/>
-                </a:solidFill>
-                <a:highlight>
-                  <a:srgbClr val="FFFFFF"/>
-                </a:highlight>
-                <a:latin typeface="Consolas"/>
-              </a:rPr>
-              <a:t> * height : </a:t>
-            </a:r>
-            <a:r>
-              <a:rPr lang="en-US" sz="2200" dirty="0">
-                <a:solidFill>
-                  <a:srgbClr val="4EC9B0"/>
-                </a:solidFill>
-                <a:highlight>
-                  <a:srgbClr val="FFFFFF"/>
-                </a:highlight>
-                <a:latin typeface="Consolas"/>
-              </a:rPr>
-              <a:t>float</a:t>
-            </a:r>
-            <a:endParaRPr lang="en-US" sz="2200" dirty="0"/>
-          </a:p>
-        </p:txBody>
-      </p:sp>
-    </p:spTree>
-    <p:extLst>
-      <p:ext uri="{BB962C8B-B14F-4D97-AF65-F5344CB8AC3E}">
-        <p14:creationId xmlns:p14="http://schemas.microsoft.com/office/powerpoint/2010/main" val="3184996216"/>
-      </p:ext>
-    </p:extLst>
-  </p:cSld>
-  <p:clrMapOvr>
-    <a:masterClrMapping/>
-  </p:clrMapOvr>
-</p:sld>
-</file>
-
-<file path=ppt/slides/slide48.xml><?xml version="1.0" encoding="utf-8"?>
-<p:sld xmlns:a="http://schemas.openxmlformats.org/drawingml/2006/main" xmlns:r="http://schemas.openxmlformats.org/officeDocument/2006/relationships" xmlns:p="http://schemas.openxmlformats.org/presentationml/2006/main">
-  <p:cSld>
-    <p:spTree>
-      <p:nvGrpSpPr>
-        <p:cNvPr id="1" name=""/>
-        <p:cNvGrpSpPr/>
-        <p:nvPr/>
-      </p:nvGrpSpPr>
-      <p:grpSpPr>
-        <a:xfrm>
-          <a:off x="0" y="0"/>
-          <a:ext cx="0" cy="0"/>
-          <a:chOff x="0" y="0"/>
-          <a:chExt cx="0" cy="0"/>
-        </a:xfrm>
-      </p:grpSpPr>
-      <p:sp>
-        <p:nvSpPr>
-          <p:cNvPr id="2" name="Title 1"/>
-          <p:cNvSpPr>
-            <a:spLocks noGrp="1"/>
-          </p:cNvSpPr>
-          <p:nvPr>
-            <p:ph type="title"/>
-          </p:nvPr>
-        </p:nvSpPr>
-        <p:spPr/>
-        <p:txBody>
-          <a:bodyPr/>
-          <a:lstStyle/>
-          <a:p>
-            <a:r>
-              <a:rPr lang="de-DE" dirty="0"/>
-              <a:t>DU: Single Case</a:t>
-            </a:r>
-            <a:endParaRPr lang="en-US" dirty="0"/>
-          </a:p>
-        </p:txBody>
-      </p:sp>
-      <p:sp>
-        <p:nvSpPr>
-          <p:cNvPr id="3" name="Content Placeholder 2"/>
-          <p:cNvSpPr>
-            <a:spLocks noGrp="1"/>
-          </p:cNvSpPr>
-          <p:nvPr>
-            <p:ph idx="1"/>
-          </p:nvPr>
-        </p:nvSpPr>
-        <p:spPr/>
-        <p:txBody>
-          <a:bodyPr>
-            <a:normAutofit lnSpcReduction="10000"/>
-          </a:bodyPr>
-          <a:lstStyle/>
-          <a:p>
-            <a:pPr marL="0" indent="0">
-              <a:buNone/>
-            </a:pPr>
-            <a:r>
-              <a:rPr lang="en-US" dirty="0">
-                <a:solidFill>
-                  <a:srgbClr val="0000FF"/>
-                </a:solidFill>
-                <a:highlight>
-                  <a:srgbClr val="FFFFFF"/>
-                </a:highlight>
-                <a:latin typeface="Consolas"/>
-              </a:rPr>
-              <a:t>type</a:t>
-            </a:r>
-            <a:r>
-              <a:rPr lang="en-US" dirty="0">
-                <a:solidFill>
-                  <a:srgbClr val="000000"/>
-                </a:solidFill>
-                <a:highlight>
-                  <a:srgbClr val="FFFFFF"/>
-                </a:highlight>
-                <a:latin typeface="Consolas"/>
-              </a:rPr>
-              <a:t> </a:t>
-            </a:r>
-            <a:r>
-              <a:rPr lang="en-US" dirty="0" err="1">
-                <a:solidFill>
-                  <a:srgbClr val="4EC9B0"/>
-                </a:solidFill>
-                <a:highlight>
-                  <a:srgbClr val="FFFFFF"/>
-                </a:highlight>
-                <a:latin typeface="Consolas"/>
-              </a:rPr>
-              <a:t>CustomerId</a:t>
-            </a:r>
-            <a:r>
-              <a:rPr lang="en-US" dirty="0">
-                <a:solidFill>
-                  <a:srgbClr val="000000"/>
-                </a:solidFill>
-                <a:highlight>
-                  <a:srgbClr val="FFFFFF"/>
-                </a:highlight>
-                <a:latin typeface="Consolas"/>
-              </a:rPr>
-              <a:t> </a:t>
-            </a:r>
-            <a:r>
-              <a:rPr lang="en-US" dirty="0">
-                <a:solidFill>
-                  <a:srgbClr val="DCDCDC"/>
-                </a:solidFill>
-                <a:highlight>
-                  <a:srgbClr val="FFFFFF"/>
-                </a:highlight>
-                <a:latin typeface="Consolas"/>
-              </a:rPr>
-              <a:t>=</a:t>
-            </a:r>
-            <a:r>
-              <a:rPr lang="en-US" dirty="0">
-                <a:solidFill>
-                  <a:srgbClr val="000000"/>
-                </a:solidFill>
-                <a:highlight>
-                  <a:srgbClr val="FFFFFF"/>
-                </a:highlight>
-                <a:latin typeface="Consolas"/>
-              </a:rPr>
-              <a:t> </a:t>
-            </a:r>
-            <a:r>
-              <a:rPr lang="en-US" dirty="0" err="1">
-                <a:solidFill>
-                  <a:srgbClr val="DCDCDC"/>
-                </a:solidFill>
-                <a:highlight>
-                  <a:srgbClr val="FFFFFF"/>
-                </a:highlight>
-                <a:latin typeface="Consolas"/>
-              </a:rPr>
-              <a:t>CustomerId</a:t>
-            </a:r>
-            <a:r>
-              <a:rPr lang="en-US" dirty="0">
-                <a:solidFill>
-                  <a:srgbClr val="000000"/>
-                </a:solidFill>
-                <a:highlight>
-                  <a:srgbClr val="FFFFFF"/>
-                </a:highlight>
-                <a:latin typeface="Consolas"/>
-              </a:rPr>
-              <a:t> </a:t>
-            </a:r>
-            <a:r>
-              <a:rPr lang="en-US" dirty="0">
-                <a:solidFill>
-                  <a:srgbClr val="0000FF"/>
-                </a:solidFill>
-                <a:highlight>
-                  <a:srgbClr val="FFFFFF"/>
-                </a:highlight>
-                <a:latin typeface="Consolas"/>
-              </a:rPr>
-              <a:t>of</a:t>
-            </a:r>
-            <a:r>
-              <a:rPr lang="en-US" dirty="0">
-                <a:solidFill>
-                  <a:srgbClr val="000000"/>
-                </a:solidFill>
-                <a:highlight>
-                  <a:srgbClr val="FFFFFF"/>
-                </a:highlight>
-                <a:latin typeface="Consolas"/>
-              </a:rPr>
-              <a:t> </a:t>
-            </a:r>
-            <a:r>
-              <a:rPr lang="en-US" dirty="0" err="1">
-                <a:solidFill>
-                  <a:srgbClr val="4EC9B0"/>
-                </a:solidFill>
-                <a:highlight>
-                  <a:srgbClr val="FFFFFF"/>
-                </a:highlight>
-                <a:latin typeface="Consolas"/>
-              </a:rPr>
-              <a:t>int</a:t>
-            </a:r>
-            <a:endParaRPr lang="en-US" dirty="0">
-              <a:solidFill>
-                <a:srgbClr val="000000"/>
-              </a:solidFill>
-              <a:highlight>
-                <a:srgbClr val="FFFFFF"/>
-              </a:highlight>
-              <a:latin typeface="Consolas"/>
-            </a:endParaRPr>
-          </a:p>
-          <a:p>
-            <a:pPr marL="0" indent="0">
-              <a:buNone/>
-            </a:pPr>
-            <a:r>
-              <a:rPr lang="en-US" dirty="0">
-                <a:solidFill>
-                  <a:srgbClr val="0000FF"/>
-                </a:solidFill>
-                <a:highlight>
-                  <a:srgbClr val="FFFFFF"/>
-                </a:highlight>
-                <a:latin typeface="Consolas"/>
-              </a:rPr>
-              <a:t>type</a:t>
-            </a:r>
-            <a:r>
-              <a:rPr lang="en-US" dirty="0">
-                <a:solidFill>
-                  <a:srgbClr val="000000"/>
-                </a:solidFill>
-                <a:highlight>
-                  <a:srgbClr val="FFFFFF"/>
-                </a:highlight>
-                <a:latin typeface="Consolas"/>
-              </a:rPr>
-              <a:t> </a:t>
-            </a:r>
-            <a:r>
-              <a:rPr lang="en-US" dirty="0" err="1">
-                <a:solidFill>
-                  <a:srgbClr val="4EC9B0"/>
-                </a:solidFill>
-                <a:highlight>
-                  <a:srgbClr val="FFFFFF"/>
-                </a:highlight>
-                <a:latin typeface="Consolas"/>
-              </a:rPr>
-              <a:t>OrderId</a:t>
-            </a:r>
-            <a:r>
-              <a:rPr lang="en-US" dirty="0">
-                <a:solidFill>
-                  <a:srgbClr val="000000"/>
-                </a:solidFill>
-                <a:highlight>
-                  <a:srgbClr val="FFFFFF"/>
-                </a:highlight>
-                <a:latin typeface="Consolas"/>
-              </a:rPr>
-              <a:t> </a:t>
-            </a:r>
-            <a:r>
-              <a:rPr lang="en-US" dirty="0">
-                <a:solidFill>
-                  <a:srgbClr val="DCDCDC"/>
-                </a:solidFill>
-                <a:highlight>
-                  <a:srgbClr val="FFFFFF"/>
-                </a:highlight>
-                <a:latin typeface="Consolas"/>
-              </a:rPr>
-              <a:t>=</a:t>
-            </a:r>
-            <a:r>
-              <a:rPr lang="en-US" dirty="0">
-                <a:solidFill>
-                  <a:srgbClr val="000000"/>
-                </a:solidFill>
-                <a:highlight>
-                  <a:srgbClr val="FFFFFF"/>
-                </a:highlight>
-                <a:latin typeface="Consolas"/>
-              </a:rPr>
-              <a:t> </a:t>
-            </a:r>
-            <a:r>
-              <a:rPr lang="en-US" dirty="0" err="1">
-                <a:solidFill>
-                  <a:srgbClr val="DCDCDC"/>
-                </a:solidFill>
-                <a:highlight>
-                  <a:srgbClr val="FFFFFF"/>
-                </a:highlight>
-                <a:latin typeface="Consolas"/>
-              </a:rPr>
-              <a:t>OrderId</a:t>
-            </a:r>
-            <a:r>
-              <a:rPr lang="en-US" dirty="0">
-                <a:solidFill>
-                  <a:srgbClr val="000000"/>
-                </a:solidFill>
-                <a:highlight>
-                  <a:srgbClr val="FFFFFF"/>
-                </a:highlight>
-                <a:latin typeface="Consolas"/>
-              </a:rPr>
-              <a:t> </a:t>
-            </a:r>
-            <a:r>
-              <a:rPr lang="en-US" dirty="0">
-                <a:solidFill>
-                  <a:srgbClr val="0000FF"/>
-                </a:solidFill>
-                <a:highlight>
-                  <a:srgbClr val="FFFFFF"/>
-                </a:highlight>
-                <a:latin typeface="Consolas"/>
-              </a:rPr>
-              <a:t>of</a:t>
-            </a:r>
-            <a:r>
-              <a:rPr lang="en-US" dirty="0">
-                <a:solidFill>
-                  <a:srgbClr val="000000"/>
-                </a:solidFill>
-                <a:highlight>
-                  <a:srgbClr val="FFFFFF"/>
-                </a:highlight>
-                <a:latin typeface="Consolas"/>
-              </a:rPr>
-              <a:t> </a:t>
-            </a:r>
-            <a:r>
-              <a:rPr lang="en-US" dirty="0" err="1">
-                <a:solidFill>
-                  <a:srgbClr val="4EC9B0"/>
-                </a:solidFill>
-                <a:highlight>
-                  <a:srgbClr val="FFFFFF"/>
-                </a:highlight>
-                <a:latin typeface="Consolas"/>
-              </a:rPr>
-              <a:t>int</a:t>
-            </a:r>
-            <a:endParaRPr lang="en-US" dirty="0">
-              <a:solidFill>
-                <a:srgbClr val="000000"/>
-              </a:solidFill>
-              <a:highlight>
-                <a:srgbClr val="FFFFFF"/>
-              </a:highlight>
-              <a:latin typeface="Consolas"/>
-            </a:endParaRPr>
-          </a:p>
-          <a:p>
-            <a:endParaRPr lang="en-US" dirty="0">
-              <a:solidFill>
-                <a:srgbClr val="000000"/>
-              </a:solidFill>
-              <a:highlight>
-                <a:srgbClr val="FFFFFF"/>
-              </a:highlight>
-              <a:latin typeface="Consolas"/>
-            </a:endParaRPr>
-          </a:p>
-          <a:p>
-            <a:pPr marL="0" indent="0">
-              <a:buNone/>
-            </a:pPr>
-            <a:r>
-              <a:rPr lang="en-US" dirty="0">
-                <a:solidFill>
-                  <a:srgbClr val="0000FF"/>
-                </a:solidFill>
-                <a:highlight>
-                  <a:srgbClr val="FFFFFF"/>
-                </a:highlight>
-                <a:latin typeface="Consolas"/>
-              </a:rPr>
-              <a:t>let</a:t>
-            </a:r>
-            <a:r>
-              <a:rPr lang="en-US" dirty="0">
-                <a:solidFill>
-                  <a:srgbClr val="000000"/>
-                </a:solidFill>
-                <a:highlight>
-                  <a:srgbClr val="FFFFFF"/>
-                </a:highlight>
-                <a:latin typeface="Consolas"/>
-              </a:rPr>
-              <a:t> </a:t>
-            </a:r>
-            <a:r>
-              <a:rPr lang="en-US" dirty="0" err="1">
-                <a:solidFill>
-                  <a:srgbClr val="000000"/>
-                </a:solidFill>
-                <a:highlight>
-                  <a:srgbClr val="FFFFFF"/>
-                </a:highlight>
-                <a:latin typeface="Consolas"/>
-              </a:rPr>
-              <a:t>cid</a:t>
-            </a:r>
-            <a:r>
-              <a:rPr lang="en-US" dirty="0">
-                <a:solidFill>
-                  <a:srgbClr val="000000"/>
-                </a:solidFill>
-                <a:highlight>
-                  <a:srgbClr val="FFFFFF"/>
-                </a:highlight>
-                <a:latin typeface="Consolas"/>
-              </a:rPr>
-              <a:t> </a:t>
-            </a:r>
-            <a:r>
-              <a:rPr lang="en-US" dirty="0">
-                <a:solidFill>
-                  <a:srgbClr val="DCDCDC"/>
-                </a:solidFill>
-                <a:highlight>
-                  <a:srgbClr val="FFFFFF"/>
-                </a:highlight>
-                <a:latin typeface="Consolas"/>
-              </a:rPr>
-              <a:t>=</a:t>
-            </a:r>
-            <a:r>
-              <a:rPr lang="en-US" dirty="0">
-                <a:solidFill>
-                  <a:srgbClr val="000000"/>
-                </a:solidFill>
-                <a:highlight>
-                  <a:srgbClr val="FFFFFF"/>
-                </a:highlight>
-                <a:latin typeface="Consolas"/>
-              </a:rPr>
-              <a:t> </a:t>
-            </a:r>
-            <a:r>
-              <a:rPr lang="en-US" dirty="0" err="1">
-                <a:solidFill>
-                  <a:srgbClr val="DCDCDC"/>
-                </a:solidFill>
-                <a:highlight>
-                  <a:srgbClr val="FFFFFF"/>
-                </a:highlight>
-                <a:latin typeface="Consolas"/>
-              </a:rPr>
-              <a:t>CustomerId</a:t>
-            </a:r>
-            <a:r>
-              <a:rPr lang="en-US" dirty="0">
-                <a:solidFill>
-                  <a:srgbClr val="000000"/>
-                </a:solidFill>
-                <a:highlight>
-                  <a:srgbClr val="FFFFFF"/>
-                </a:highlight>
-                <a:latin typeface="Consolas"/>
-              </a:rPr>
-              <a:t>(15)</a:t>
-            </a:r>
-          </a:p>
-          <a:p>
-            <a:pPr marL="0" indent="0">
-              <a:buNone/>
-            </a:pPr>
-            <a:r>
-              <a:rPr lang="en-US" dirty="0">
-                <a:solidFill>
-                  <a:srgbClr val="0000FF"/>
-                </a:solidFill>
-                <a:highlight>
-                  <a:srgbClr val="FFFFFF"/>
-                </a:highlight>
-                <a:latin typeface="Consolas"/>
-              </a:rPr>
-              <a:t>let</a:t>
-            </a:r>
-            <a:r>
-              <a:rPr lang="en-US" dirty="0">
-                <a:solidFill>
-                  <a:srgbClr val="000000"/>
-                </a:solidFill>
-                <a:highlight>
-                  <a:srgbClr val="FFFFFF"/>
-                </a:highlight>
-                <a:latin typeface="Consolas"/>
-              </a:rPr>
-              <a:t> </a:t>
-            </a:r>
-            <a:r>
-              <a:rPr lang="en-US" dirty="0" err="1">
-                <a:solidFill>
-                  <a:srgbClr val="000000"/>
-                </a:solidFill>
-                <a:highlight>
-                  <a:srgbClr val="FFFFFF"/>
-                </a:highlight>
-                <a:latin typeface="Consolas"/>
-              </a:rPr>
-              <a:t>oid</a:t>
-            </a:r>
-            <a:r>
-              <a:rPr lang="en-US" dirty="0">
-                <a:solidFill>
-                  <a:srgbClr val="000000"/>
-                </a:solidFill>
-                <a:highlight>
-                  <a:srgbClr val="FFFFFF"/>
-                </a:highlight>
-                <a:latin typeface="Consolas"/>
-              </a:rPr>
-              <a:t> </a:t>
-            </a:r>
-            <a:r>
-              <a:rPr lang="en-US" dirty="0">
-                <a:solidFill>
-                  <a:srgbClr val="DCDCDC"/>
-                </a:solidFill>
-                <a:highlight>
-                  <a:srgbClr val="FFFFFF"/>
-                </a:highlight>
-                <a:latin typeface="Consolas"/>
-              </a:rPr>
-              <a:t>=</a:t>
-            </a:r>
-            <a:r>
-              <a:rPr lang="en-US" dirty="0">
-                <a:solidFill>
-                  <a:srgbClr val="000000"/>
-                </a:solidFill>
-                <a:highlight>
-                  <a:srgbClr val="FFFFFF"/>
-                </a:highlight>
-                <a:latin typeface="Consolas"/>
-              </a:rPr>
-              <a:t> </a:t>
-            </a:r>
-            <a:r>
-              <a:rPr lang="en-US" dirty="0" err="1">
-                <a:solidFill>
-                  <a:srgbClr val="DCDCDC"/>
-                </a:solidFill>
-                <a:highlight>
-                  <a:srgbClr val="FFFFFF"/>
-                </a:highlight>
-                <a:latin typeface="Consolas"/>
-              </a:rPr>
-              <a:t>OrderId</a:t>
-            </a:r>
-            <a:r>
-              <a:rPr lang="en-US" dirty="0">
-                <a:solidFill>
-                  <a:srgbClr val="000000"/>
-                </a:solidFill>
-                <a:highlight>
-                  <a:srgbClr val="FFFFFF"/>
-                </a:highlight>
-                <a:latin typeface="Consolas"/>
-              </a:rPr>
-              <a:t>(15)</a:t>
-            </a:r>
-          </a:p>
-          <a:p>
-            <a:pPr marL="0" indent="0">
-              <a:buNone/>
-            </a:pPr>
-            <a:endParaRPr lang="en-US" dirty="0">
-              <a:solidFill>
-                <a:srgbClr val="000000"/>
-              </a:solidFill>
-              <a:highlight>
-                <a:srgbClr val="FFFFFF"/>
-              </a:highlight>
-              <a:latin typeface="Consolas"/>
-            </a:endParaRPr>
-          </a:p>
-          <a:p>
-            <a:pPr marL="0" indent="0">
-              <a:buNone/>
-            </a:pPr>
-            <a:r>
-              <a:rPr lang="en-US" dirty="0">
-                <a:solidFill>
-                  <a:srgbClr val="0000FF"/>
-                </a:solidFill>
-                <a:highlight>
-                  <a:srgbClr val="FFFFFF"/>
-                </a:highlight>
-                <a:latin typeface="Consolas"/>
-              </a:rPr>
-              <a:t>let</a:t>
-            </a:r>
-            <a:r>
-              <a:rPr lang="en-US" dirty="0">
-                <a:solidFill>
-                  <a:srgbClr val="000000"/>
-                </a:solidFill>
-                <a:highlight>
-                  <a:srgbClr val="FFFFFF"/>
-                </a:highlight>
-                <a:latin typeface="Consolas"/>
-              </a:rPr>
-              <a:t> t </a:t>
-            </a:r>
-            <a:r>
-              <a:rPr lang="en-US" dirty="0">
-                <a:solidFill>
-                  <a:srgbClr val="DCDCDC"/>
-                </a:solidFill>
-                <a:highlight>
-                  <a:srgbClr val="FFFFFF"/>
-                </a:highlight>
-                <a:latin typeface="Consolas"/>
-              </a:rPr>
-              <a:t>=</a:t>
-            </a:r>
-            <a:r>
-              <a:rPr lang="en-US" dirty="0">
-                <a:solidFill>
-                  <a:srgbClr val="000000"/>
-                </a:solidFill>
-                <a:highlight>
-                  <a:srgbClr val="FFFFFF"/>
-                </a:highlight>
-                <a:latin typeface="Consolas"/>
-              </a:rPr>
-              <a:t> </a:t>
-            </a:r>
-            <a:r>
-              <a:rPr lang="en-US" dirty="0" err="1">
-                <a:solidFill>
-                  <a:srgbClr val="000000"/>
-                </a:solidFill>
-                <a:highlight>
-                  <a:srgbClr val="FFFFFF"/>
-                </a:highlight>
-                <a:latin typeface="Consolas"/>
-              </a:rPr>
-              <a:t>cid</a:t>
-            </a:r>
-            <a:r>
-              <a:rPr lang="en-US" dirty="0">
-                <a:solidFill>
-                  <a:srgbClr val="000000"/>
-                </a:solidFill>
-                <a:highlight>
-                  <a:srgbClr val="FFFFFF"/>
-                </a:highlight>
-                <a:latin typeface="Consolas"/>
-              </a:rPr>
-              <a:t> </a:t>
-            </a:r>
-            <a:r>
-              <a:rPr lang="en-US" dirty="0">
-                <a:solidFill>
-                  <a:srgbClr val="DCDCDC"/>
-                </a:solidFill>
-                <a:highlight>
-                  <a:srgbClr val="FFFFFF"/>
-                </a:highlight>
-                <a:latin typeface="Consolas"/>
-              </a:rPr>
-              <a:t>=</a:t>
-            </a:r>
-            <a:r>
-              <a:rPr lang="en-US" dirty="0">
-                <a:solidFill>
-                  <a:srgbClr val="000000"/>
-                </a:solidFill>
-                <a:highlight>
-                  <a:srgbClr val="FFFFFF"/>
-                </a:highlight>
-                <a:latin typeface="Consolas"/>
-              </a:rPr>
-              <a:t> </a:t>
-            </a:r>
-            <a:r>
-              <a:rPr lang="en-US" dirty="0" err="1">
-                <a:solidFill>
-                  <a:srgbClr val="000000"/>
-                </a:solidFill>
-                <a:highlight>
-                  <a:srgbClr val="FFFFFF"/>
-                </a:highlight>
-                <a:latin typeface="Consolas"/>
-              </a:rPr>
-              <a:t>oid</a:t>
-            </a:r>
-            <a:r>
-              <a:rPr lang="en-US" dirty="0">
-                <a:solidFill>
-                  <a:srgbClr val="000000"/>
-                </a:solidFill>
-                <a:highlight>
-                  <a:srgbClr val="FFFFFF"/>
-                </a:highlight>
-                <a:latin typeface="Consolas"/>
-              </a:rPr>
-              <a:t> // ERROR </a:t>
-            </a:r>
-            <a:r>
-              <a:rPr lang="en-US" dirty="0" err="1">
-                <a:solidFill>
-                  <a:srgbClr val="000000"/>
-                </a:solidFill>
-                <a:highlight>
-                  <a:srgbClr val="FFFFFF"/>
-                </a:highlight>
-                <a:latin typeface="Consolas"/>
-              </a:rPr>
-              <a:t>Typen</a:t>
-            </a:r>
-            <a:r>
-              <a:rPr lang="en-US" dirty="0">
-                <a:solidFill>
-                  <a:srgbClr val="000000"/>
-                </a:solidFill>
-                <a:highlight>
-                  <a:srgbClr val="FFFFFF"/>
-                </a:highlight>
-                <a:latin typeface="Consolas"/>
-              </a:rPr>
-              <a:t> </a:t>
-            </a:r>
-            <a:r>
-              <a:rPr lang="en-US" dirty="0" err="1">
-                <a:solidFill>
-                  <a:srgbClr val="000000"/>
-                </a:solidFill>
-                <a:highlight>
-                  <a:srgbClr val="FFFFFF"/>
-                </a:highlight>
-                <a:latin typeface="Consolas"/>
-              </a:rPr>
-              <a:t>nicht</a:t>
-            </a:r>
-            <a:r>
-              <a:rPr lang="en-US" dirty="0">
-                <a:solidFill>
-                  <a:srgbClr val="000000"/>
-                </a:solidFill>
-                <a:highlight>
-                  <a:srgbClr val="FFFFFF"/>
-                </a:highlight>
-                <a:latin typeface="Consolas"/>
-              </a:rPr>
-              <a:t> </a:t>
-            </a:r>
-            <a:r>
-              <a:rPr lang="en-US" dirty="0" err="1">
-                <a:solidFill>
-                  <a:srgbClr val="000000"/>
-                </a:solidFill>
-                <a:highlight>
-                  <a:srgbClr val="FFFFFF"/>
-                </a:highlight>
-                <a:latin typeface="Consolas"/>
-              </a:rPr>
-              <a:t>gleich</a:t>
-            </a:r>
-            <a:r>
-              <a:rPr lang="en-US" dirty="0">
-                <a:solidFill>
-                  <a:srgbClr val="000000"/>
-                </a:solidFill>
-                <a:highlight>
-                  <a:srgbClr val="FFFFFF"/>
-                </a:highlight>
-                <a:latin typeface="Consolas"/>
-              </a:rPr>
-              <a:t>, </a:t>
-            </a:r>
-            <a:r>
-              <a:rPr lang="en-US" dirty="0" err="1">
-                <a:solidFill>
-                  <a:srgbClr val="000000"/>
-                </a:solidFill>
-                <a:highlight>
-                  <a:srgbClr val="FFFFFF"/>
-                </a:highlight>
-                <a:latin typeface="Consolas"/>
-              </a:rPr>
-              <a:t>kein</a:t>
-            </a:r>
-            <a:r>
-              <a:rPr lang="en-US" dirty="0">
-                <a:solidFill>
-                  <a:srgbClr val="000000"/>
-                </a:solidFill>
-                <a:highlight>
-                  <a:srgbClr val="FFFFFF"/>
-                </a:highlight>
-                <a:latin typeface="Consolas"/>
-              </a:rPr>
-              <a:t> </a:t>
-            </a:r>
-            <a:r>
-              <a:rPr lang="en-US" dirty="0" err="1">
-                <a:solidFill>
-                  <a:srgbClr val="000000"/>
-                </a:solidFill>
-                <a:highlight>
-                  <a:srgbClr val="FFFFFF"/>
-                </a:highlight>
-                <a:latin typeface="Consolas"/>
-              </a:rPr>
-              <a:t>Vergleich</a:t>
-            </a:r>
-            <a:endParaRPr lang="en-US" dirty="0"/>
-          </a:p>
-        </p:txBody>
-      </p:sp>
-    </p:spTree>
-    <p:extLst>
-      <p:ext uri="{BB962C8B-B14F-4D97-AF65-F5344CB8AC3E}">
-        <p14:creationId xmlns:p14="http://schemas.microsoft.com/office/powerpoint/2010/main" val="2193518562"/>
-      </p:ext>
-    </p:extLst>
-  </p:cSld>
-  <p:clrMapOvr>
-    <a:masterClrMapping/>
-  </p:clrMapOvr>
-</p:sld>
-</file>
-
-<file path=ppt/slides/slide49.xml><?xml version="1.0" encoding="utf-8"?>
-<p:sld xmlns:a="http://schemas.openxmlformats.org/drawingml/2006/main" xmlns:r="http://schemas.openxmlformats.org/officeDocument/2006/relationships" xmlns:p="http://schemas.openxmlformats.org/presentationml/2006/main">
-  <p:cSld>
-    <p:spTree>
-      <p:nvGrpSpPr>
-        <p:cNvPr id="1" name=""/>
-        <p:cNvGrpSpPr/>
-        <p:nvPr/>
-      </p:nvGrpSpPr>
-      <p:grpSpPr>
-        <a:xfrm>
-          <a:off x="0" y="0"/>
-          <a:ext cx="0" cy="0"/>
-          <a:chOff x="0" y="0"/>
-          <a:chExt cx="0" cy="0"/>
-        </a:xfrm>
-      </p:grpSpPr>
-      <p:sp>
-        <p:nvSpPr>
-          <p:cNvPr id="2" name="Title 1"/>
-          <p:cNvSpPr>
-            <a:spLocks noGrp="1"/>
-          </p:cNvSpPr>
-          <p:nvPr>
-            <p:ph type="title"/>
-          </p:nvPr>
-        </p:nvSpPr>
-        <p:spPr/>
-        <p:txBody>
-          <a:bodyPr/>
-          <a:lstStyle/>
-          <a:p>
-            <a:r>
-              <a:rPr lang="de-DE" dirty="0"/>
-              <a:t>Option</a:t>
-            </a:r>
-            <a:endParaRPr lang="en-US" dirty="0"/>
-          </a:p>
-        </p:txBody>
-      </p:sp>
-      <p:sp>
-        <p:nvSpPr>
-          <p:cNvPr id="3" name="Content Placeholder 2"/>
-          <p:cNvSpPr>
-            <a:spLocks noGrp="1"/>
-          </p:cNvSpPr>
-          <p:nvPr>
-            <p:ph idx="1"/>
-          </p:nvPr>
-        </p:nvSpPr>
-        <p:spPr/>
-        <p:txBody>
-          <a:bodyPr/>
-          <a:lstStyle/>
-          <a:p>
-            <a:pPr marL="0" indent="0">
-              <a:buNone/>
-            </a:pPr>
-            <a:r>
-              <a:rPr lang="de-DE" dirty="0"/>
-              <a:t>Besondere Form des DU</a:t>
-            </a:r>
-          </a:p>
-          <a:p>
-            <a:pPr marL="0" indent="0">
-              <a:buNone/>
-            </a:pPr>
-            <a:r>
-              <a:rPr lang="en-US" b="1" dirty="0">
-                <a:solidFill>
-                  <a:srgbClr val="008000"/>
-                </a:solidFill>
-              </a:rPr>
-              <a:t>type</a:t>
-            </a:r>
-            <a:r>
-              <a:rPr lang="en-US" dirty="0"/>
-              <a:t> </a:t>
-            </a:r>
-            <a:r>
-              <a:rPr lang="en-US" b="1" dirty="0">
-                <a:solidFill>
-                  <a:srgbClr val="0000FF"/>
-                </a:solidFill>
-              </a:rPr>
-              <a:t>Option</a:t>
-            </a:r>
-            <a:r>
-              <a:rPr lang="en-US" dirty="0">
-                <a:solidFill>
-                  <a:srgbClr val="666666"/>
-                </a:solidFill>
-              </a:rPr>
-              <a:t>&lt;</a:t>
-            </a:r>
-            <a:r>
-              <a:rPr lang="en-US" b="1" dirty="0">
-                <a:solidFill>
-                  <a:srgbClr val="008000"/>
-                </a:solidFill>
-              </a:rPr>
-              <a:t>'</a:t>
-            </a:r>
-            <a:r>
-              <a:rPr lang="en-US" dirty="0"/>
-              <a:t>a</a:t>
-            </a:r>
-            <a:r>
-              <a:rPr lang="en-US" dirty="0">
-                <a:solidFill>
-                  <a:srgbClr val="666666"/>
-                </a:solidFill>
-              </a:rPr>
-              <a:t>&gt;</a:t>
-            </a:r>
-            <a:r>
-              <a:rPr lang="en-US" dirty="0"/>
-              <a:t> </a:t>
-            </a:r>
-            <a:r>
-              <a:rPr lang="en-US" dirty="0">
-                <a:solidFill>
-                  <a:srgbClr val="666666"/>
-                </a:solidFill>
-              </a:rPr>
-              <a:t>=</a:t>
-            </a:r>
-            <a:r>
-              <a:rPr lang="en-US" dirty="0"/>
-              <a:t> </a:t>
-            </a:r>
-            <a:r>
-              <a:rPr lang="en-US" i="1" dirty="0">
-                <a:solidFill>
-                  <a:srgbClr val="408080"/>
-                </a:solidFill>
-              </a:rPr>
-              <a:t>// use a generic definition </a:t>
-            </a:r>
-          </a:p>
-          <a:p>
-            <a:pPr marL="0" indent="0">
-              <a:buNone/>
-            </a:pPr>
-            <a:r>
-              <a:rPr lang="en-US" dirty="0">
-                <a:solidFill>
-                  <a:srgbClr val="666666"/>
-                </a:solidFill>
-              </a:rPr>
-              <a:t>|</a:t>
-            </a:r>
-            <a:r>
-              <a:rPr lang="en-US" dirty="0"/>
-              <a:t> </a:t>
-            </a:r>
-            <a:r>
-              <a:rPr lang="en-US" b="1" dirty="0">
-                <a:solidFill>
-                  <a:srgbClr val="0000FF"/>
-                </a:solidFill>
-              </a:rPr>
-              <a:t>Some</a:t>
-            </a:r>
-            <a:r>
-              <a:rPr lang="en-US" dirty="0"/>
-              <a:t> </a:t>
-            </a:r>
-            <a:r>
-              <a:rPr lang="en-US" b="1" dirty="0">
-                <a:solidFill>
-                  <a:srgbClr val="008000"/>
-                </a:solidFill>
-              </a:rPr>
-              <a:t>of</a:t>
-            </a:r>
-            <a:r>
-              <a:rPr lang="en-US" dirty="0"/>
-              <a:t> </a:t>
-            </a:r>
-            <a:r>
-              <a:rPr lang="en-US" b="1" dirty="0">
-                <a:solidFill>
-                  <a:srgbClr val="008000"/>
-                </a:solidFill>
-              </a:rPr>
-              <a:t>'</a:t>
-            </a:r>
-            <a:r>
-              <a:rPr lang="en-US" dirty="0"/>
-              <a:t>a </a:t>
-            </a:r>
-            <a:r>
-              <a:rPr lang="en-US" i="1" dirty="0">
-                <a:solidFill>
-                  <a:srgbClr val="408080"/>
-                </a:solidFill>
-              </a:rPr>
-              <a:t>// valid value</a:t>
-            </a:r>
-            <a:r>
-              <a:rPr lang="en-US" dirty="0"/>
-              <a:t> </a:t>
-            </a:r>
-          </a:p>
-          <a:p>
-            <a:pPr marL="0" indent="0">
-              <a:buNone/>
-            </a:pPr>
-            <a:r>
-              <a:rPr lang="en-US" dirty="0">
-                <a:solidFill>
-                  <a:srgbClr val="666666"/>
-                </a:solidFill>
-              </a:rPr>
-              <a:t>|</a:t>
-            </a:r>
-            <a:r>
-              <a:rPr lang="en-US" dirty="0"/>
-              <a:t> </a:t>
-            </a:r>
-            <a:r>
-              <a:rPr lang="en-US" b="1" dirty="0">
-                <a:solidFill>
-                  <a:srgbClr val="0000FF"/>
-                </a:solidFill>
-              </a:rPr>
-              <a:t>None</a:t>
-            </a:r>
-            <a:r>
-              <a:rPr lang="en-US" dirty="0"/>
-              <a:t> </a:t>
-            </a:r>
-            <a:r>
-              <a:rPr lang="en-US" i="1" dirty="0">
-                <a:solidFill>
-                  <a:srgbClr val="408080"/>
-                </a:solidFill>
-              </a:rPr>
-              <a:t>// missing</a:t>
-            </a:r>
-          </a:p>
-          <a:p>
-            <a:pPr marL="0" indent="0">
-              <a:buNone/>
-            </a:pPr>
-            <a:endParaRPr lang="en-US" dirty="0"/>
-          </a:p>
-        </p:txBody>
-      </p:sp>
-    </p:spTree>
-    <p:extLst>
-      <p:ext uri="{BB962C8B-B14F-4D97-AF65-F5344CB8AC3E}">
-        <p14:creationId xmlns:p14="http://schemas.microsoft.com/office/powerpoint/2010/main" val="1673819925"/>
-      </p:ext>
-    </p:extLst>
-  </p:cSld>
-  <p:clrMapOvr>
-    <a:masterClrMapping/>
-  </p:clrMapOvr>
 </p:sld>
 </file>
 
@@ -27082,6 +27173,1002 @@
           <a:p>
             <a:r>
               <a:rPr lang="de-DE" dirty="0"/>
+              <a:t>Modul 2: </a:t>
+            </a:r>
+            <a:r>
+              <a:rPr lang="de-DE" dirty="0" err="1"/>
+              <a:t>Discriminated</a:t>
+            </a:r>
+            <a:r>
+              <a:rPr lang="de-DE" dirty="0"/>
+              <a:t> Union</a:t>
+            </a:r>
+            <a:endParaRPr lang="en-US" dirty="0"/>
+          </a:p>
+        </p:txBody>
+      </p:sp>
+      <p:sp>
+        <p:nvSpPr>
+          <p:cNvPr id="3" name="Content Placeholder 2"/>
+          <p:cNvSpPr>
+            <a:spLocks noGrp="1"/>
+          </p:cNvSpPr>
+          <p:nvPr>
+            <p:ph idx="1"/>
+          </p:nvPr>
+        </p:nvSpPr>
+        <p:spPr/>
+        <p:txBody>
+          <a:bodyPr>
+            <a:normAutofit/>
+          </a:bodyPr>
+          <a:lstStyle/>
+          <a:p>
+            <a:pPr marL="0" indent="0">
+              <a:buNone/>
+            </a:pPr>
+            <a:r>
+              <a:rPr lang="de-DE" dirty="0"/>
+              <a:t>Pattern </a:t>
+            </a:r>
+            <a:r>
+              <a:rPr lang="de-DE" dirty="0" err="1"/>
+              <a:t>Matching</a:t>
+            </a:r>
+            <a:r>
+              <a:rPr lang="de-DE" dirty="0"/>
+              <a:t> und Zerlegung</a:t>
+            </a:r>
+          </a:p>
+          <a:p>
+            <a:r>
+              <a:rPr lang="de-DE" dirty="0"/>
+              <a:t>Stellt auch die einzige Möglichkeit einen Wert zu zerlegen</a:t>
+            </a:r>
+          </a:p>
+          <a:p>
+            <a:r>
+              <a:rPr lang="de-DE" dirty="0"/>
+              <a:t>Alle Fälle müssen berücksichtigt werden, oder einen </a:t>
+            </a:r>
+            <a:r>
+              <a:rPr lang="de-DE" dirty="0" err="1"/>
+              <a:t>wildcard</a:t>
+            </a:r>
+            <a:r>
+              <a:rPr lang="de-DE" dirty="0"/>
+              <a:t> angeben</a:t>
+            </a:r>
+          </a:p>
+          <a:p>
+            <a:r>
+              <a:rPr lang="de-DE" dirty="0"/>
+              <a:t>Zerlegung erlaubt die Nutzung der Werte in einer Funktion</a:t>
+            </a:r>
+          </a:p>
+          <a:p>
+            <a:endParaRPr lang="de-DE" dirty="0"/>
+          </a:p>
+        </p:txBody>
+      </p:sp>
+    </p:spTree>
+    <p:extLst>
+      <p:ext uri="{BB962C8B-B14F-4D97-AF65-F5344CB8AC3E}">
+        <p14:creationId xmlns:p14="http://schemas.microsoft.com/office/powerpoint/2010/main" val="4036106731"/>
+      </p:ext>
+    </p:extLst>
+  </p:cSld>
+  <p:clrMapOvr>
+    <a:masterClrMapping/>
+  </p:clrMapOvr>
+  <p:timing>
+    <p:tnLst>
+      <p:par>
+        <p:cTn id="1" dur="indefinite" restart="never" nodeType="tmRoot">
+          <p:childTnLst>
+            <p:seq concurrent="1" nextAc="seek">
+              <p:cTn id="2" dur="indefinite" nodeType="mainSeq">
+                <p:childTnLst>
+                  <p:par>
+                    <p:cTn id="3" fill="hold">
+                      <p:stCondLst>
+                        <p:cond delay="indefinite"/>
+                      </p:stCondLst>
+                      <p:childTnLst>
+                        <p:par>
+                          <p:cTn id="4" fill="hold">
+                            <p:stCondLst>
+                              <p:cond delay="0"/>
+                            </p:stCondLst>
+                            <p:childTnLst>
+                              <p:par>
+                                <p:cTn id="5" presetID="1" presetClass="entr" presetSubtype="0" fill="hold" grpId="0" nodeType="clickEffect">
+                                  <p:stCondLst>
+                                    <p:cond delay="0"/>
+                                  </p:stCondLst>
+                                  <p:childTnLst>
+                                    <p:set>
+                                      <p:cBhvr>
+                                        <p:cTn id="6" dur="1" fill="hold">
+                                          <p:stCondLst>
+                                            <p:cond delay="0"/>
+                                          </p:stCondLst>
+                                        </p:cTn>
+                                        <p:tgtEl>
+                                          <p:spTgt spid="3">
+                                            <p:txEl>
+                                              <p:pRg st="0" end="0"/>
+                                            </p:txEl>
+                                          </p:spTgt>
+                                        </p:tgtEl>
+                                        <p:attrNameLst>
+                                          <p:attrName>style.visibility</p:attrName>
+                                        </p:attrNameLst>
+                                      </p:cBhvr>
+                                      <p:to>
+                                        <p:strVal val="visible"/>
+                                      </p:to>
+                                    </p:set>
+                                  </p:childTnLst>
+                                </p:cTn>
+                              </p:par>
+                            </p:childTnLst>
+                          </p:cTn>
+                        </p:par>
+                      </p:childTnLst>
+                    </p:cTn>
+                  </p:par>
+                  <p:par>
+                    <p:cTn id="7" fill="hold">
+                      <p:stCondLst>
+                        <p:cond delay="indefinite"/>
+                      </p:stCondLst>
+                      <p:childTnLst>
+                        <p:par>
+                          <p:cTn id="8" fill="hold">
+                            <p:stCondLst>
+                              <p:cond delay="0"/>
+                            </p:stCondLst>
+                            <p:childTnLst>
+                              <p:par>
+                                <p:cTn id="9" presetID="1" presetClass="entr" presetSubtype="0" fill="hold" grpId="0" nodeType="clickEffect">
+                                  <p:stCondLst>
+                                    <p:cond delay="0"/>
+                                  </p:stCondLst>
+                                  <p:childTnLst>
+                                    <p:set>
+                                      <p:cBhvr>
+                                        <p:cTn id="10" dur="1" fill="hold">
+                                          <p:stCondLst>
+                                            <p:cond delay="0"/>
+                                          </p:stCondLst>
+                                        </p:cTn>
+                                        <p:tgtEl>
+                                          <p:spTgt spid="3">
+                                            <p:txEl>
+                                              <p:pRg st="1" end="1"/>
+                                            </p:txEl>
+                                          </p:spTgt>
+                                        </p:tgtEl>
+                                        <p:attrNameLst>
+                                          <p:attrName>style.visibility</p:attrName>
+                                        </p:attrNameLst>
+                                      </p:cBhvr>
+                                      <p:to>
+                                        <p:strVal val="visible"/>
+                                      </p:to>
+                                    </p:set>
+                                  </p:childTnLst>
+                                </p:cTn>
+                              </p:par>
+                            </p:childTnLst>
+                          </p:cTn>
+                        </p:par>
+                      </p:childTnLst>
+                    </p:cTn>
+                  </p:par>
+                  <p:par>
+                    <p:cTn id="11" fill="hold">
+                      <p:stCondLst>
+                        <p:cond delay="indefinite"/>
+                      </p:stCondLst>
+                      <p:childTnLst>
+                        <p:par>
+                          <p:cTn id="12" fill="hold">
+                            <p:stCondLst>
+                              <p:cond delay="0"/>
+                            </p:stCondLst>
+                            <p:childTnLst>
+                              <p:par>
+                                <p:cTn id="13" presetID="1" presetClass="entr" presetSubtype="0" fill="hold" grpId="0" nodeType="clickEffect">
+                                  <p:stCondLst>
+                                    <p:cond delay="0"/>
+                                  </p:stCondLst>
+                                  <p:childTnLst>
+                                    <p:set>
+                                      <p:cBhvr>
+                                        <p:cTn id="14" dur="1" fill="hold">
+                                          <p:stCondLst>
+                                            <p:cond delay="0"/>
+                                          </p:stCondLst>
+                                        </p:cTn>
+                                        <p:tgtEl>
+                                          <p:spTgt spid="3">
+                                            <p:txEl>
+                                              <p:pRg st="2" end="2"/>
+                                            </p:txEl>
+                                          </p:spTgt>
+                                        </p:tgtEl>
+                                        <p:attrNameLst>
+                                          <p:attrName>style.visibility</p:attrName>
+                                        </p:attrNameLst>
+                                      </p:cBhvr>
+                                      <p:to>
+                                        <p:strVal val="visible"/>
+                                      </p:to>
+                                    </p:set>
+                                  </p:childTnLst>
+                                </p:cTn>
+                              </p:par>
+                            </p:childTnLst>
+                          </p:cTn>
+                        </p:par>
+                      </p:childTnLst>
+                    </p:cTn>
+                  </p:par>
+                  <p:par>
+                    <p:cTn id="15" fill="hold">
+                      <p:stCondLst>
+                        <p:cond delay="indefinite"/>
+                      </p:stCondLst>
+                      <p:childTnLst>
+                        <p:par>
+                          <p:cTn id="16" fill="hold">
+                            <p:stCondLst>
+                              <p:cond delay="0"/>
+                            </p:stCondLst>
+                            <p:childTnLst>
+                              <p:par>
+                                <p:cTn id="17" presetID="1" presetClass="entr" presetSubtype="0" fill="hold" grpId="0" nodeType="clickEffect">
+                                  <p:stCondLst>
+                                    <p:cond delay="0"/>
+                                  </p:stCondLst>
+                                  <p:childTnLst>
+                                    <p:set>
+                                      <p:cBhvr>
+                                        <p:cTn id="18" dur="1" fill="hold">
+                                          <p:stCondLst>
+                                            <p:cond delay="0"/>
+                                          </p:stCondLst>
+                                        </p:cTn>
+                                        <p:tgtEl>
+                                          <p:spTgt spid="3">
+                                            <p:txEl>
+                                              <p:pRg st="3" end="3"/>
+                                            </p:txEl>
+                                          </p:spTgt>
+                                        </p:tgtEl>
+                                        <p:attrNameLst>
+                                          <p:attrName>style.visibility</p:attrName>
+                                        </p:attrNameLst>
+                                      </p:cBhvr>
+                                      <p:to>
+                                        <p:strVal val="visible"/>
+                                      </p:to>
+                                    </p:set>
+                                  </p:childTnLst>
+                                </p:cTn>
+                              </p:par>
+                            </p:childTnLst>
+                          </p:cTn>
+                        </p:par>
+                      </p:childTnLst>
+                    </p:cTn>
+                  </p:par>
+                </p:childTnLst>
+              </p:cTn>
+              <p:prevCondLst>
+                <p:cond evt="onPrev" delay="0">
+                  <p:tgtEl>
+                    <p:sldTgt/>
+                  </p:tgtEl>
+                </p:cond>
+              </p:prevCondLst>
+              <p:nextCondLst>
+                <p:cond evt="onNext" delay="0">
+                  <p:tgtEl>
+                    <p:sldTgt/>
+                  </p:tgtEl>
+                </p:cond>
+              </p:nextCondLst>
+            </p:seq>
+          </p:childTnLst>
+        </p:cTn>
+      </p:par>
+    </p:tnLst>
+    <p:bldLst>
+      <p:bldP spid="3" grpId="0" build="p"/>
+    </p:bldLst>
+  </p:timing>
+</p:sld>
+</file>
+
+<file path=ppt/slides/slide51.xml><?xml version="1.0" encoding="utf-8"?>
+<p:sld xmlns:a="http://schemas.openxmlformats.org/drawingml/2006/main" xmlns:r="http://schemas.openxmlformats.org/officeDocument/2006/relationships" xmlns:p="http://schemas.openxmlformats.org/presentationml/2006/main">
+  <p:cSld>
+    <p:spTree>
+      <p:nvGrpSpPr>
+        <p:cNvPr id="1" name=""/>
+        <p:cNvGrpSpPr/>
+        <p:nvPr/>
+      </p:nvGrpSpPr>
+      <p:grpSpPr>
+        <a:xfrm>
+          <a:off x="0" y="0"/>
+          <a:ext cx="0" cy="0"/>
+          <a:chOff x="0" y="0"/>
+          <a:chExt cx="0" cy="0"/>
+        </a:xfrm>
+      </p:grpSpPr>
+      <p:sp>
+        <p:nvSpPr>
+          <p:cNvPr id="2" name="Title 1"/>
+          <p:cNvSpPr>
+            <a:spLocks noGrp="1"/>
+          </p:cNvSpPr>
+          <p:nvPr>
+            <p:ph type="title"/>
+          </p:nvPr>
+        </p:nvSpPr>
+        <p:spPr/>
+        <p:txBody>
+          <a:bodyPr>
+            <a:normAutofit/>
+          </a:bodyPr>
+          <a:lstStyle/>
+          <a:p>
+            <a:r>
+              <a:rPr lang="de-DE" dirty="0"/>
+              <a:t>Modul 2: </a:t>
+            </a:r>
+            <a:r>
+              <a:rPr lang="de-DE" dirty="0" err="1"/>
+              <a:t>Discriminated</a:t>
+            </a:r>
+            <a:r>
+              <a:rPr lang="de-DE" dirty="0"/>
+              <a:t> Union</a:t>
+            </a:r>
+            <a:endParaRPr lang="en-US" dirty="0"/>
+          </a:p>
+        </p:txBody>
+      </p:sp>
+      <p:sp>
+        <p:nvSpPr>
+          <p:cNvPr id="3" name="Content Placeholder 2"/>
+          <p:cNvSpPr>
+            <a:spLocks noGrp="1"/>
+          </p:cNvSpPr>
+          <p:nvPr>
+            <p:ph idx="1"/>
+          </p:nvPr>
+        </p:nvSpPr>
+        <p:spPr/>
+        <p:txBody>
+          <a:bodyPr>
+            <a:normAutofit/>
+          </a:bodyPr>
+          <a:lstStyle/>
+          <a:p>
+            <a:pPr marL="0" indent="0">
+              <a:buNone/>
+            </a:pPr>
+            <a:r>
+              <a:rPr lang="de-DE" dirty="0"/>
+              <a:t>Verwendung</a:t>
+            </a:r>
+          </a:p>
+          <a:p>
+            <a:r>
+              <a:rPr lang="de-DE" dirty="0"/>
+              <a:t>Eignen sich sehr gut für die Darstellung von Zustände</a:t>
+            </a:r>
+          </a:p>
+          <a:p>
+            <a:r>
+              <a:rPr lang="de-DE" dirty="0"/>
+              <a:t>Die Übergänge können dann strikt definiert werden</a:t>
+            </a:r>
+          </a:p>
+          <a:p>
+            <a:r>
+              <a:rPr lang="de-DE" dirty="0"/>
+              <a:t>Ausschöpfender Pattern </a:t>
+            </a:r>
+            <a:r>
+              <a:rPr lang="de-DE" dirty="0" err="1"/>
+              <a:t>Matching</a:t>
+            </a:r>
+            <a:r>
+              <a:rPr lang="de-DE" dirty="0"/>
+              <a:t> bedeutet weniger Fehler: </a:t>
+            </a:r>
+            <a:r>
+              <a:rPr lang="de-DE" dirty="0" err="1"/>
+              <a:t>No</a:t>
+            </a:r>
+            <a:r>
+              <a:rPr lang="de-DE" dirty="0"/>
+              <a:t> </a:t>
+            </a:r>
+            <a:r>
+              <a:rPr lang="de-DE" dirty="0" err="1"/>
+              <a:t>case</a:t>
+            </a:r>
+            <a:r>
+              <a:rPr lang="de-DE" dirty="0"/>
+              <a:t> </a:t>
+            </a:r>
+            <a:r>
+              <a:rPr lang="de-DE" dirty="0" err="1"/>
+              <a:t>left</a:t>
+            </a:r>
+            <a:r>
+              <a:rPr lang="de-DE" dirty="0"/>
+              <a:t> </a:t>
+            </a:r>
+            <a:r>
+              <a:rPr lang="de-DE" dirty="0" err="1"/>
+              <a:t>behind</a:t>
+            </a:r>
+            <a:r>
+              <a:rPr lang="de-DE" dirty="0"/>
+              <a:t>!</a:t>
+            </a:r>
+          </a:p>
+        </p:txBody>
+      </p:sp>
+    </p:spTree>
+    <p:extLst>
+      <p:ext uri="{BB962C8B-B14F-4D97-AF65-F5344CB8AC3E}">
+        <p14:creationId xmlns:p14="http://schemas.microsoft.com/office/powerpoint/2010/main" val="3384008295"/>
+      </p:ext>
+    </p:extLst>
+  </p:cSld>
+  <p:clrMapOvr>
+    <a:masterClrMapping/>
+  </p:clrMapOvr>
+  <p:timing>
+    <p:tnLst>
+      <p:par>
+        <p:cTn id="1" dur="indefinite" restart="never" nodeType="tmRoot">
+          <p:childTnLst>
+            <p:seq concurrent="1" nextAc="seek">
+              <p:cTn id="2" dur="indefinite" nodeType="mainSeq">
+                <p:childTnLst>
+                  <p:par>
+                    <p:cTn id="3" fill="hold">
+                      <p:stCondLst>
+                        <p:cond delay="indefinite"/>
+                      </p:stCondLst>
+                      <p:childTnLst>
+                        <p:par>
+                          <p:cTn id="4" fill="hold">
+                            <p:stCondLst>
+                              <p:cond delay="0"/>
+                            </p:stCondLst>
+                            <p:childTnLst>
+                              <p:par>
+                                <p:cTn id="5" presetID="1" presetClass="entr" presetSubtype="0" fill="hold" grpId="0" nodeType="clickEffect">
+                                  <p:stCondLst>
+                                    <p:cond delay="0"/>
+                                  </p:stCondLst>
+                                  <p:childTnLst>
+                                    <p:set>
+                                      <p:cBhvr>
+                                        <p:cTn id="6" dur="1" fill="hold">
+                                          <p:stCondLst>
+                                            <p:cond delay="0"/>
+                                          </p:stCondLst>
+                                        </p:cTn>
+                                        <p:tgtEl>
+                                          <p:spTgt spid="3">
+                                            <p:txEl>
+                                              <p:pRg st="0" end="0"/>
+                                            </p:txEl>
+                                          </p:spTgt>
+                                        </p:tgtEl>
+                                        <p:attrNameLst>
+                                          <p:attrName>style.visibility</p:attrName>
+                                        </p:attrNameLst>
+                                      </p:cBhvr>
+                                      <p:to>
+                                        <p:strVal val="visible"/>
+                                      </p:to>
+                                    </p:set>
+                                  </p:childTnLst>
+                                </p:cTn>
+                              </p:par>
+                            </p:childTnLst>
+                          </p:cTn>
+                        </p:par>
+                      </p:childTnLst>
+                    </p:cTn>
+                  </p:par>
+                  <p:par>
+                    <p:cTn id="7" fill="hold">
+                      <p:stCondLst>
+                        <p:cond delay="indefinite"/>
+                      </p:stCondLst>
+                      <p:childTnLst>
+                        <p:par>
+                          <p:cTn id="8" fill="hold">
+                            <p:stCondLst>
+                              <p:cond delay="0"/>
+                            </p:stCondLst>
+                            <p:childTnLst>
+                              <p:par>
+                                <p:cTn id="9" presetID="1" presetClass="entr" presetSubtype="0" fill="hold" grpId="0" nodeType="clickEffect">
+                                  <p:stCondLst>
+                                    <p:cond delay="0"/>
+                                  </p:stCondLst>
+                                  <p:childTnLst>
+                                    <p:set>
+                                      <p:cBhvr>
+                                        <p:cTn id="10" dur="1" fill="hold">
+                                          <p:stCondLst>
+                                            <p:cond delay="0"/>
+                                          </p:stCondLst>
+                                        </p:cTn>
+                                        <p:tgtEl>
+                                          <p:spTgt spid="3">
+                                            <p:txEl>
+                                              <p:pRg st="1" end="1"/>
+                                            </p:txEl>
+                                          </p:spTgt>
+                                        </p:tgtEl>
+                                        <p:attrNameLst>
+                                          <p:attrName>style.visibility</p:attrName>
+                                        </p:attrNameLst>
+                                      </p:cBhvr>
+                                      <p:to>
+                                        <p:strVal val="visible"/>
+                                      </p:to>
+                                    </p:set>
+                                  </p:childTnLst>
+                                </p:cTn>
+                              </p:par>
+                            </p:childTnLst>
+                          </p:cTn>
+                        </p:par>
+                      </p:childTnLst>
+                    </p:cTn>
+                  </p:par>
+                  <p:par>
+                    <p:cTn id="11" fill="hold">
+                      <p:stCondLst>
+                        <p:cond delay="indefinite"/>
+                      </p:stCondLst>
+                      <p:childTnLst>
+                        <p:par>
+                          <p:cTn id="12" fill="hold">
+                            <p:stCondLst>
+                              <p:cond delay="0"/>
+                            </p:stCondLst>
+                            <p:childTnLst>
+                              <p:par>
+                                <p:cTn id="13" presetID="1" presetClass="entr" presetSubtype="0" fill="hold" grpId="0" nodeType="clickEffect">
+                                  <p:stCondLst>
+                                    <p:cond delay="0"/>
+                                  </p:stCondLst>
+                                  <p:childTnLst>
+                                    <p:set>
+                                      <p:cBhvr>
+                                        <p:cTn id="14" dur="1" fill="hold">
+                                          <p:stCondLst>
+                                            <p:cond delay="0"/>
+                                          </p:stCondLst>
+                                        </p:cTn>
+                                        <p:tgtEl>
+                                          <p:spTgt spid="3">
+                                            <p:txEl>
+                                              <p:pRg st="2" end="2"/>
+                                            </p:txEl>
+                                          </p:spTgt>
+                                        </p:tgtEl>
+                                        <p:attrNameLst>
+                                          <p:attrName>style.visibility</p:attrName>
+                                        </p:attrNameLst>
+                                      </p:cBhvr>
+                                      <p:to>
+                                        <p:strVal val="visible"/>
+                                      </p:to>
+                                    </p:set>
+                                  </p:childTnLst>
+                                </p:cTn>
+                              </p:par>
+                            </p:childTnLst>
+                          </p:cTn>
+                        </p:par>
+                      </p:childTnLst>
+                    </p:cTn>
+                  </p:par>
+                  <p:par>
+                    <p:cTn id="15" fill="hold">
+                      <p:stCondLst>
+                        <p:cond delay="indefinite"/>
+                      </p:stCondLst>
+                      <p:childTnLst>
+                        <p:par>
+                          <p:cTn id="16" fill="hold">
+                            <p:stCondLst>
+                              <p:cond delay="0"/>
+                            </p:stCondLst>
+                            <p:childTnLst>
+                              <p:par>
+                                <p:cTn id="17" presetID="1" presetClass="entr" presetSubtype="0" fill="hold" grpId="0" nodeType="clickEffect">
+                                  <p:stCondLst>
+                                    <p:cond delay="0"/>
+                                  </p:stCondLst>
+                                  <p:childTnLst>
+                                    <p:set>
+                                      <p:cBhvr>
+                                        <p:cTn id="18" dur="1" fill="hold">
+                                          <p:stCondLst>
+                                            <p:cond delay="0"/>
+                                          </p:stCondLst>
+                                        </p:cTn>
+                                        <p:tgtEl>
+                                          <p:spTgt spid="3">
+                                            <p:txEl>
+                                              <p:pRg st="3" end="3"/>
+                                            </p:txEl>
+                                          </p:spTgt>
+                                        </p:tgtEl>
+                                        <p:attrNameLst>
+                                          <p:attrName>style.visibility</p:attrName>
+                                        </p:attrNameLst>
+                                      </p:cBhvr>
+                                      <p:to>
+                                        <p:strVal val="visible"/>
+                                      </p:to>
+                                    </p:set>
+                                  </p:childTnLst>
+                                </p:cTn>
+                              </p:par>
+                            </p:childTnLst>
+                          </p:cTn>
+                        </p:par>
+                      </p:childTnLst>
+                    </p:cTn>
+                  </p:par>
+                </p:childTnLst>
+              </p:cTn>
+              <p:prevCondLst>
+                <p:cond evt="onPrev" delay="0">
+                  <p:tgtEl>
+                    <p:sldTgt/>
+                  </p:tgtEl>
+                </p:cond>
+              </p:prevCondLst>
+              <p:nextCondLst>
+                <p:cond evt="onNext" delay="0">
+                  <p:tgtEl>
+                    <p:sldTgt/>
+                  </p:tgtEl>
+                </p:cond>
+              </p:nextCondLst>
+            </p:seq>
+          </p:childTnLst>
+        </p:cTn>
+      </p:par>
+    </p:tnLst>
+    <p:bldLst>
+      <p:bldP spid="3" grpId="0" build="p"/>
+    </p:bldLst>
+  </p:timing>
+</p:sld>
+</file>
+
+<file path=ppt/slides/slide52.xml><?xml version="1.0" encoding="utf-8"?>
+<p:sld xmlns:a="http://schemas.openxmlformats.org/drawingml/2006/main" xmlns:r="http://schemas.openxmlformats.org/officeDocument/2006/relationships" xmlns:p="http://schemas.openxmlformats.org/presentationml/2006/main">
+  <p:cSld>
+    <p:spTree>
+      <p:nvGrpSpPr>
+        <p:cNvPr id="1" name=""/>
+        <p:cNvGrpSpPr/>
+        <p:nvPr/>
+      </p:nvGrpSpPr>
+      <p:grpSpPr>
+        <a:xfrm>
+          <a:off x="0" y="0"/>
+          <a:ext cx="0" cy="0"/>
+          <a:chOff x="0" y="0"/>
+          <a:chExt cx="0" cy="0"/>
+        </a:xfrm>
+      </p:grpSpPr>
+      <p:sp>
+        <p:nvSpPr>
+          <p:cNvPr id="2" name="Title 1"/>
+          <p:cNvSpPr>
+            <a:spLocks noGrp="1"/>
+          </p:cNvSpPr>
+          <p:nvPr>
+            <p:ph type="title"/>
+          </p:nvPr>
+        </p:nvSpPr>
+        <p:spPr/>
+        <p:txBody>
+          <a:bodyPr/>
+          <a:lstStyle/>
+          <a:p>
+            <a:r>
+              <a:rPr lang="de-DE" dirty="0"/>
+              <a:t>Option</a:t>
+            </a:r>
+            <a:endParaRPr lang="en-US" dirty="0"/>
+          </a:p>
+        </p:txBody>
+      </p:sp>
+      <p:sp>
+        <p:nvSpPr>
+          <p:cNvPr id="3" name="Content Placeholder 2"/>
+          <p:cNvSpPr>
+            <a:spLocks noGrp="1"/>
+          </p:cNvSpPr>
+          <p:nvPr>
+            <p:ph idx="1"/>
+          </p:nvPr>
+        </p:nvSpPr>
+        <p:spPr/>
+        <p:txBody>
+          <a:bodyPr/>
+          <a:lstStyle/>
+          <a:p>
+            <a:pPr marL="0" indent="0">
+              <a:buNone/>
+            </a:pPr>
+            <a:r>
+              <a:rPr lang="de-DE" dirty="0"/>
+              <a:t>Besondere Form des DU</a:t>
+            </a:r>
+          </a:p>
+          <a:p>
+            <a:pPr marL="0" indent="0">
+              <a:buNone/>
+            </a:pPr>
+            <a:r>
+              <a:rPr lang="en-US" b="1" dirty="0">
+                <a:solidFill>
+                  <a:srgbClr val="008000"/>
+                </a:solidFill>
+              </a:rPr>
+              <a:t>type</a:t>
+            </a:r>
+            <a:r>
+              <a:rPr lang="en-US" dirty="0"/>
+              <a:t> </a:t>
+            </a:r>
+            <a:r>
+              <a:rPr lang="en-US" b="1" dirty="0">
+                <a:solidFill>
+                  <a:srgbClr val="0000FF"/>
+                </a:solidFill>
+              </a:rPr>
+              <a:t>Option</a:t>
+            </a:r>
+            <a:r>
+              <a:rPr lang="en-US" dirty="0">
+                <a:solidFill>
+                  <a:srgbClr val="666666"/>
+                </a:solidFill>
+              </a:rPr>
+              <a:t>&lt;</a:t>
+            </a:r>
+            <a:r>
+              <a:rPr lang="en-US" b="1" dirty="0">
+                <a:solidFill>
+                  <a:srgbClr val="008000"/>
+                </a:solidFill>
+              </a:rPr>
+              <a:t>'</a:t>
+            </a:r>
+            <a:r>
+              <a:rPr lang="en-US" dirty="0"/>
+              <a:t>a</a:t>
+            </a:r>
+            <a:r>
+              <a:rPr lang="en-US" dirty="0">
+                <a:solidFill>
+                  <a:srgbClr val="666666"/>
+                </a:solidFill>
+              </a:rPr>
+              <a:t>&gt;</a:t>
+            </a:r>
+            <a:r>
+              <a:rPr lang="en-US" dirty="0"/>
+              <a:t> </a:t>
+            </a:r>
+            <a:r>
+              <a:rPr lang="en-US" dirty="0">
+                <a:solidFill>
+                  <a:srgbClr val="666666"/>
+                </a:solidFill>
+              </a:rPr>
+              <a:t>=</a:t>
+            </a:r>
+            <a:r>
+              <a:rPr lang="en-US" dirty="0"/>
+              <a:t> </a:t>
+            </a:r>
+            <a:r>
+              <a:rPr lang="en-US" i="1" dirty="0">
+                <a:solidFill>
+                  <a:srgbClr val="408080"/>
+                </a:solidFill>
+              </a:rPr>
+              <a:t>// use a generic definition </a:t>
+            </a:r>
+          </a:p>
+          <a:p>
+            <a:pPr marL="0" indent="0">
+              <a:buNone/>
+            </a:pPr>
+            <a:r>
+              <a:rPr lang="en-US" dirty="0">
+                <a:solidFill>
+                  <a:srgbClr val="666666"/>
+                </a:solidFill>
+              </a:rPr>
+              <a:t>|</a:t>
+            </a:r>
+            <a:r>
+              <a:rPr lang="en-US" dirty="0"/>
+              <a:t> </a:t>
+            </a:r>
+            <a:r>
+              <a:rPr lang="en-US" b="1" dirty="0">
+                <a:solidFill>
+                  <a:srgbClr val="0000FF"/>
+                </a:solidFill>
+              </a:rPr>
+              <a:t>Some</a:t>
+            </a:r>
+            <a:r>
+              <a:rPr lang="en-US" dirty="0"/>
+              <a:t> </a:t>
+            </a:r>
+            <a:r>
+              <a:rPr lang="en-US" b="1" dirty="0">
+                <a:solidFill>
+                  <a:srgbClr val="008000"/>
+                </a:solidFill>
+              </a:rPr>
+              <a:t>of</a:t>
+            </a:r>
+            <a:r>
+              <a:rPr lang="en-US" dirty="0"/>
+              <a:t> </a:t>
+            </a:r>
+            <a:r>
+              <a:rPr lang="en-US" b="1" dirty="0">
+                <a:solidFill>
+                  <a:srgbClr val="008000"/>
+                </a:solidFill>
+              </a:rPr>
+              <a:t>'</a:t>
+            </a:r>
+            <a:r>
+              <a:rPr lang="en-US" dirty="0"/>
+              <a:t>a </a:t>
+            </a:r>
+            <a:r>
+              <a:rPr lang="en-US" i="1" dirty="0">
+                <a:solidFill>
+                  <a:srgbClr val="408080"/>
+                </a:solidFill>
+              </a:rPr>
+              <a:t>// valid value</a:t>
+            </a:r>
+            <a:r>
+              <a:rPr lang="en-US" dirty="0"/>
+              <a:t> </a:t>
+            </a:r>
+          </a:p>
+          <a:p>
+            <a:pPr marL="0" indent="0">
+              <a:buNone/>
+            </a:pPr>
+            <a:r>
+              <a:rPr lang="en-US" dirty="0">
+                <a:solidFill>
+                  <a:srgbClr val="666666"/>
+                </a:solidFill>
+              </a:rPr>
+              <a:t>|</a:t>
+            </a:r>
+            <a:r>
+              <a:rPr lang="en-US" dirty="0"/>
+              <a:t> </a:t>
+            </a:r>
+            <a:r>
+              <a:rPr lang="en-US" b="1" dirty="0">
+                <a:solidFill>
+                  <a:srgbClr val="0000FF"/>
+                </a:solidFill>
+              </a:rPr>
+              <a:t>None</a:t>
+            </a:r>
+            <a:r>
+              <a:rPr lang="en-US" dirty="0"/>
+              <a:t> </a:t>
+            </a:r>
+            <a:r>
+              <a:rPr lang="en-US" i="1" dirty="0">
+                <a:solidFill>
+                  <a:srgbClr val="408080"/>
+                </a:solidFill>
+              </a:rPr>
+              <a:t>// missing</a:t>
+            </a:r>
+          </a:p>
+          <a:p>
+            <a:pPr marL="0" indent="0">
+              <a:buNone/>
+            </a:pPr>
+            <a:endParaRPr lang="en-US" dirty="0"/>
+          </a:p>
+        </p:txBody>
+      </p:sp>
+    </p:spTree>
+    <p:extLst>
+      <p:ext uri="{BB962C8B-B14F-4D97-AF65-F5344CB8AC3E}">
+        <p14:creationId xmlns:p14="http://schemas.microsoft.com/office/powerpoint/2010/main" val="1673819925"/>
+      </p:ext>
+    </p:extLst>
+  </p:cSld>
+  <p:clrMapOvr>
+    <a:masterClrMapping/>
+  </p:clrMapOvr>
+</p:sld>
+</file>
+
+<file path=ppt/slides/slide53.xml><?xml version="1.0" encoding="utf-8"?>
+<p:sld xmlns:a="http://schemas.openxmlformats.org/drawingml/2006/main" xmlns:r="http://schemas.openxmlformats.org/officeDocument/2006/relationships" xmlns:p="http://schemas.openxmlformats.org/presentationml/2006/main">
+  <p:cSld>
+    <p:spTree>
+      <p:nvGrpSpPr>
+        <p:cNvPr id="1" name=""/>
+        <p:cNvGrpSpPr/>
+        <p:nvPr/>
+      </p:nvGrpSpPr>
+      <p:grpSpPr>
+        <a:xfrm>
+          <a:off x="0" y="0"/>
+          <a:ext cx="0" cy="0"/>
+          <a:chOff x="0" y="0"/>
+          <a:chExt cx="0" cy="0"/>
+        </a:xfrm>
+      </p:grpSpPr>
+      <p:sp>
+        <p:nvSpPr>
+          <p:cNvPr id="2" name="Title 1"/>
+          <p:cNvSpPr>
+            <a:spLocks noGrp="1"/>
+          </p:cNvSpPr>
+          <p:nvPr>
+            <p:ph type="title"/>
+          </p:nvPr>
+        </p:nvSpPr>
+        <p:spPr/>
+        <p:txBody>
+          <a:bodyPr>
+            <a:normAutofit/>
+          </a:bodyPr>
+          <a:lstStyle/>
+          <a:p>
+            <a:r>
+              <a:rPr lang="de-DE" dirty="0"/>
               <a:t>Option </a:t>
             </a:r>
             <a:r>
@@ -27239,7 +28326,7 @@
 </p:sld>
 </file>
 
-<file path=ppt/slides/slide51.xml><?xml version="1.0" encoding="utf-8"?>
+<file path=ppt/slides/slide54.xml><?xml version="1.0" encoding="utf-8"?>
 <p:sld xmlns:a="http://schemas.openxmlformats.org/drawingml/2006/main" xmlns:r="http://schemas.openxmlformats.org/officeDocument/2006/relationships" xmlns:p="http://schemas.openxmlformats.org/presentationml/2006/main">
   <p:cSld>
     <p:spTree>

--- a/FSharp.pptx
+++ b/FSharp.pptx
@@ -5,7 +5,7 @@
     <p:sldMasterId id="2147483648" r:id="rId1"/>
   </p:sldMasterIdLst>
   <p:notesMasterIdLst>
-    <p:notesMasterId r:id="rId56"/>
+    <p:notesMasterId r:id="rId57"/>
   </p:notesMasterIdLst>
   <p:sldIdLst>
     <p:sldId id="256" r:id="rId2"/>
@@ -60,8 +60,9 @@
     <p:sldId id="331" r:id="rId51"/>
     <p:sldId id="330" r:id="rId52"/>
     <p:sldId id="280" r:id="rId53"/>
-    <p:sldId id="281" r:id="rId54"/>
-    <p:sldId id="283" r:id="rId55"/>
+    <p:sldId id="332" r:id="rId54"/>
+    <p:sldId id="281" r:id="rId55"/>
+    <p:sldId id="283" r:id="rId56"/>
   </p:sldIdLst>
   <p:sldSz cx="9144000" cy="6858000" type="screen4x3"/>
   <p:notesSz cx="6858000" cy="9144000"/>
@@ -7381,61 +7382,36 @@
           <a:p>
             <a:r>
               <a:rPr lang="de-DE" dirty="0"/>
-              <a:t>null</a:t>
+              <a:t>In </a:t>
+            </a:r>
+            <a:r>
+              <a:rPr lang="de-DE" dirty="0" err="1"/>
+              <a:t>Haskel</a:t>
+            </a:r>
+            <a:r>
+              <a:rPr lang="de-DE" dirty="0"/>
+              <a:t> heißt dieser Typ </a:t>
+            </a:r>
+            <a:r>
+              <a:rPr lang="de-DE" dirty="0" err="1"/>
+              <a:t>Maybe</a:t>
+            </a:r>
+            <a:r>
+              <a:rPr lang="de-DE" dirty="0"/>
+              <a:t>, in Scala heißt</a:t>
             </a:r>
             <a:r>
               <a:rPr lang="de-DE" baseline="0" dirty="0"/>
-              <a:t> ist eine Reference zu einem nicht-vorhandenen Objekt</a:t>
-            </a:r>
-          </a:p>
-          <a:p>
-            <a:pPr marL="0" marR="0" indent="0" algn="l" defTabSz="914400" rtl="0" eaLnBrk="1" fontAlgn="auto" latinLnBrk="0" hangingPunct="1">
-              <a:lnSpc>
-                <a:spcPct val="100000"/>
-              </a:lnSpc>
-              <a:spcBef>
-                <a:spcPts val="0"/>
-              </a:spcBef>
-              <a:spcAft>
-                <a:spcPts val="0"/>
-              </a:spcAft>
-              <a:buClrTx/>
-              <a:buSzTx/>
-              <a:buFontTx/>
-              <a:buNone/>
-              <a:tabLst/>
-              <a:defRPr/>
-            </a:pPr>
-            <a:r>
-              <a:rPr lang="de-DE" dirty="0"/>
-              <a:t>null</a:t>
+              <a:t> es auch </a:t>
+            </a:r>
+            <a:r>
+              <a:rPr lang="de-DE" baseline="0" dirty="0" err="1"/>
+              <a:t>option</a:t>
             </a:r>
             <a:r>
               <a:rPr lang="de-DE" baseline="0" dirty="0"/>
-              <a:t> hat den gleichen Typ, ich kann </a:t>
-            </a:r>
-            <a:r>
-              <a:rPr lang="de-DE" baseline="0" dirty="0" err="1">
-                <a:solidFill>
-                  <a:schemeClr val="accent2">
-                    <a:lumMod val="75000"/>
-                  </a:schemeClr>
-                </a:solidFill>
-              </a:rPr>
-              <a:t>Length</a:t>
-            </a:r>
-            <a:r>
-              <a:rPr lang="de-DE" baseline="0" dirty="0">
-                <a:solidFill>
-                  <a:schemeClr val="accent2">
-                    <a:lumMod val="75000"/>
-                  </a:schemeClr>
-                </a:solidFill>
-              </a:rPr>
-              <a:t> aufrufen auf einen Reference zu Nichts!</a:t>
-            </a:r>
-          </a:p>
-          <a:p>
+              <a:t>.</a:t>
+            </a:r>
             <a:endParaRPr lang="en-US" dirty="0"/>
           </a:p>
         </p:txBody>
@@ -7466,7 +7442,7 @@
     </p:spTree>
     <p:extLst>
       <p:ext uri="{BB962C8B-B14F-4D97-AF65-F5344CB8AC3E}">
-        <p14:creationId xmlns:p14="http://schemas.microsoft.com/office/powerpoint/2010/main" val="2749551638"/>
+        <p14:creationId xmlns:p14="http://schemas.microsoft.com/office/powerpoint/2010/main" val="2147625168"/>
       </p:ext>
     </p:extLst>
   </p:cSld>
@@ -7522,6 +7498,147 @@
           <a:p>
             <a:r>
               <a:rPr lang="de-DE" dirty="0"/>
+              <a:t>null</a:t>
+            </a:r>
+            <a:r>
+              <a:rPr lang="de-DE" baseline="0" dirty="0"/>
+              <a:t> ist eine Reference zu einem nicht-vorhandenen Objekt</a:t>
+            </a:r>
+          </a:p>
+          <a:p>
+            <a:pPr marL="0" marR="0" indent="0" algn="l" defTabSz="914400" rtl="0" eaLnBrk="1" fontAlgn="auto" latinLnBrk="0" hangingPunct="1">
+              <a:lnSpc>
+                <a:spcPct val="100000"/>
+              </a:lnSpc>
+              <a:spcBef>
+                <a:spcPts val="0"/>
+              </a:spcBef>
+              <a:spcAft>
+                <a:spcPts val="0"/>
+              </a:spcAft>
+              <a:buClrTx/>
+              <a:buSzTx/>
+              <a:buFontTx/>
+              <a:buNone/>
+              <a:tabLst/>
+              <a:defRPr/>
+            </a:pPr>
+            <a:r>
+              <a:rPr lang="de-DE" dirty="0"/>
+              <a:t>null</a:t>
+            </a:r>
+            <a:r>
+              <a:rPr lang="de-DE" baseline="0" dirty="0"/>
+              <a:t> hat den gleichen Typ, ich kann </a:t>
+            </a:r>
+            <a:r>
+              <a:rPr lang="de-DE" baseline="0" dirty="0" err="1">
+                <a:solidFill>
+                  <a:schemeClr val="accent2">
+                    <a:lumMod val="75000"/>
+                  </a:schemeClr>
+                </a:solidFill>
+              </a:rPr>
+              <a:t>Length</a:t>
+            </a:r>
+            <a:r>
+              <a:rPr lang="de-DE" baseline="0" dirty="0">
+                <a:solidFill>
+                  <a:schemeClr val="accent2">
+                    <a:lumMod val="75000"/>
+                  </a:schemeClr>
+                </a:solidFill>
+              </a:rPr>
+              <a:t> aufrufen auf einen Reference zu Nichts!</a:t>
+            </a:r>
+          </a:p>
+          <a:p>
+            <a:endParaRPr lang="en-US" dirty="0"/>
+          </a:p>
+        </p:txBody>
+      </p:sp>
+      <p:sp>
+        <p:nvSpPr>
+          <p:cNvPr id="4" name="Slide Number Placeholder 3"/>
+          <p:cNvSpPr>
+            <a:spLocks noGrp="1"/>
+          </p:cNvSpPr>
+          <p:nvPr>
+            <p:ph type="sldNum" sz="quarter" idx="10"/>
+          </p:nvPr>
+        </p:nvSpPr>
+        <p:spPr/>
+        <p:txBody>
+          <a:bodyPr/>
+          <a:lstStyle/>
+          <a:p>
+            <a:fld id="{4775FDF9-2A53-4261-A0AF-3B6A9698D365}" type="slidenum">
+              <a:rPr lang="en-US" smtClean="0"/>
+              <a:t>54</a:t>
+            </a:fld>
+            <a:endParaRPr lang="en-US"/>
+          </a:p>
+        </p:txBody>
+      </p:sp>
+    </p:spTree>
+    <p:extLst>
+      <p:ext uri="{BB962C8B-B14F-4D97-AF65-F5344CB8AC3E}">
+        <p14:creationId xmlns:p14="http://schemas.microsoft.com/office/powerpoint/2010/main" val="2749551638"/>
+      </p:ext>
+    </p:extLst>
+  </p:cSld>
+  <p:clrMapOvr>
+    <a:masterClrMapping/>
+  </p:clrMapOvr>
+</p:notes>
+</file>
+
+<file path=ppt/notesSlides/notesSlide53.xml><?xml version="1.0" encoding="utf-8"?>
+<p:notes xmlns:a="http://schemas.openxmlformats.org/drawingml/2006/main" xmlns:r="http://schemas.openxmlformats.org/officeDocument/2006/relationships" xmlns:p="http://schemas.openxmlformats.org/presentationml/2006/main">
+  <p:cSld>
+    <p:spTree>
+      <p:nvGrpSpPr>
+        <p:cNvPr id="1" name=""/>
+        <p:cNvGrpSpPr/>
+        <p:nvPr/>
+      </p:nvGrpSpPr>
+      <p:grpSpPr>
+        <a:xfrm>
+          <a:off x="0" y="0"/>
+          <a:ext cx="0" cy="0"/>
+          <a:chOff x="0" y="0"/>
+          <a:chExt cx="0" cy="0"/>
+        </a:xfrm>
+      </p:grpSpPr>
+      <p:sp>
+        <p:nvSpPr>
+          <p:cNvPr id="2" name="Slide Image Placeholder 1"/>
+          <p:cNvSpPr>
+            <a:spLocks noGrp="1" noRot="1" noChangeAspect="1"/>
+          </p:cNvSpPr>
+          <p:nvPr>
+            <p:ph type="sldImg"/>
+          </p:nvPr>
+        </p:nvSpPr>
+        <p:spPr/>
+      </p:sp>
+      <p:sp>
+        <p:nvSpPr>
+          <p:cNvPr id="3" name="Notes Placeholder 2"/>
+          <p:cNvSpPr>
+            <a:spLocks noGrp="1"/>
+          </p:cNvSpPr>
+          <p:nvPr>
+            <p:ph type="body" idx="1"/>
+          </p:nvPr>
+        </p:nvSpPr>
+        <p:spPr/>
+        <p:txBody>
+          <a:bodyPr/>
+          <a:lstStyle/>
+          <a:p>
+            <a:r>
+              <a:rPr lang="de-DE" dirty="0"/>
               <a:t>Der Compiler erkennt einen Aufruf zu einem None</a:t>
             </a:r>
             <a:r>
@@ -7535,6 +7652,24 @@
             <a:r>
               <a:rPr lang="de-DE" baseline="0" dirty="0"/>
               <a:t>-Zeit</a:t>
+            </a:r>
+          </a:p>
+          <a:p>
+            <a:r>
+              <a:rPr lang="en-US" dirty="0"/>
+              <a:t>null is a reference to an object that doesn't exist</a:t>
+            </a:r>
+          </a:p>
+          <a:p>
+            <a:r>
+              <a:rPr lang="en-US" dirty="0"/>
+              <a:t>The type system is unable to verify if a value equals null</a:t>
+            </a:r>
+          </a:p>
+          <a:p>
+            <a:r>
+              <a:rPr lang="en-US" dirty="0"/>
+              <a:t>I can call .Length on a variable that has value null</a:t>
             </a:r>
             <a:endParaRPr lang="de-DE" baseline="0" dirty="0">
               <a:solidFill>
@@ -7566,7 +7701,7 @@
           <a:p>
             <a:fld id="{4775FDF9-2A53-4261-A0AF-3B6A9698D365}" type="slidenum">
               <a:rPr lang="en-US" smtClean="0"/>
-              <a:t>54</a:t>
+              <a:t>55</a:t>
             </a:fld>
             <a:endParaRPr lang="en-US"/>
           </a:p>
@@ -27904,7 +28039,7 @@
           <a:p>
             <a:r>
               <a:rPr lang="de-DE" dirty="0"/>
-              <a:t>Option</a:t>
+              <a:t>Modul 2: Option</a:t>
             </a:r>
             <a:endParaRPr lang="en-US" dirty="0"/>
           </a:p>
@@ -28007,8 +28142,37 @@
                   <a:srgbClr val="408080"/>
                 </a:solidFill>
               </a:rPr>
-              <a:t>// use a generic definition </a:t>
-            </a:r>
+              <a:t>// </a:t>
+            </a:r>
+            <a:r>
+              <a:rPr lang="en-US" i="1" dirty="0" err="1">
+                <a:solidFill>
+                  <a:srgbClr val="408080"/>
+                </a:solidFill>
+              </a:rPr>
+              <a:t>generisch</a:t>
+            </a:r>
+            <a:r>
+              <a:rPr lang="en-US" i="1" dirty="0">
+                <a:solidFill>
+                  <a:srgbClr val="408080"/>
+                </a:solidFill>
+              </a:rPr>
+              <a:t> </a:t>
+            </a:r>
+            <a:r>
+              <a:rPr lang="en-US" i="1" dirty="0" err="1">
+                <a:solidFill>
+                  <a:srgbClr val="408080"/>
+                </a:solidFill>
+              </a:rPr>
+              <a:t>definiert</a:t>
+            </a:r>
+            <a:endParaRPr lang="en-US" i="1" dirty="0">
+              <a:solidFill>
+                <a:srgbClr val="408080"/>
+              </a:solidFill>
+            </a:endParaRPr>
           </a:p>
           <a:p>
             <a:pPr marL="0" indent="0">
@@ -28068,12 +28232,25 @@
                   <a:srgbClr val="408080"/>
                 </a:solidFill>
               </a:rPr>
-              <a:t>// valid value</a:t>
-            </a:r>
-            <a:r>
-              <a:rPr lang="en-US" dirty="0"/>
-              <a:t> </a:t>
-            </a:r>
+              <a:t>// </a:t>
+            </a:r>
+            <a:r>
+              <a:rPr lang="en-US" i="1" dirty="0" err="1">
+                <a:solidFill>
+                  <a:srgbClr val="408080"/>
+                </a:solidFill>
+              </a:rPr>
+              <a:t>gültiger</a:t>
+            </a:r>
+            <a:r>
+              <a:rPr lang="en-US" i="1" dirty="0">
+                <a:solidFill>
+                  <a:srgbClr val="408080"/>
+                </a:solidFill>
+              </a:rPr>
+              <a:t> Wert</a:t>
+            </a:r>
+            <a:endParaRPr lang="en-US" dirty="0"/>
           </a:p>
           <a:p>
             <a:pPr marL="0" indent="0">
@@ -28109,7 +28286,23 @@
                   <a:srgbClr val="408080"/>
                 </a:solidFill>
               </a:rPr>
-              <a:t>// missing</a:t>
+              <a:t>// </a:t>
+            </a:r>
+            <a:r>
+              <a:rPr lang="en-US" i="1" dirty="0" err="1">
+                <a:solidFill>
+                  <a:srgbClr val="408080"/>
+                </a:solidFill>
+              </a:rPr>
+              <a:t>fehlender</a:t>
+            </a:r>
+            <a:r>
+              <a:rPr lang="en-US" i="1" dirty="0">
+                <a:solidFill>
+                  <a:srgbClr val="408080"/>
+                </a:solidFill>
+              </a:rPr>
+              <a:t> Wert</a:t>
             </a:r>
           </a:p>
           <a:p>
@@ -28162,14 +28355,322 @@
         </p:nvSpPr>
         <p:spPr/>
         <p:txBody>
+          <a:bodyPr/>
+          <a:lstStyle/>
+          <a:p>
+            <a:r>
+              <a:rPr lang="de-DE" dirty="0"/>
+              <a:t>Modul 2: Option</a:t>
+            </a:r>
+            <a:endParaRPr lang="en-US" dirty="0"/>
+          </a:p>
+        </p:txBody>
+      </p:sp>
+      <p:sp>
+        <p:nvSpPr>
+          <p:cNvPr id="3" name="Content Placeholder 2"/>
+          <p:cNvSpPr>
+            <a:spLocks noGrp="1"/>
+          </p:cNvSpPr>
+          <p:nvPr>
+            <p:ph idx="1"/>
+          </p:nvPr>
+        </p:nvSpPr>
+        <p:spPr/>
+        <p:txBody>
+          <a:bodyPr/>
+          <a:lstStyle/>
+          <a:p>
+            <a:r>
+              <a:rPr lang="de-DE" dirty="0" err="1"/>
+              <a:t>Kontruktion</a:t>
+            </a:r>
+            <a:r>
+              <a:rPr lang="de-DE" dirty="0"/>
+              <a:t>, Zerlegung und Pattern </a:t>
+            </a:r>
+            <a:r>
+              <a:rPr lang="de-DE" dirty="0" err="1"/>
+              <a:t>Matching</a:t>
+            </a:r>
+            <a:r>
+              <a:rPr lang="de-DE" dirty="0"/>
+              <a:t> sind wie bei einem DU</a:t>
+            </a:r>
+          </a:p>
+          <a:p>
+            <a:r>
+              <a:rPr lang="de-DE" dirty="0"/>
+              <a:t>Anders als </a:t>
+            </a:r>
+            <a:r>
+              <a:rPr lang="de-DE" dirty="0" err="1"/>
+              <a:t>nullable</a:t>
+            </a:r>
+            <a:r>
+              <a:rPr lang="de-DE" dirty="0"/>
+              <a:t>, kann auch mit Reference Werten arbeiten</a:t>
+            </a:r>
+          </a:p>
+          <a:p>
+            <a:r>
+              <a:rPr lang="de-DE" dirty="0"/>
+              <a:t>F# bietet umfangreiche Unterstützung im </a:t>
+            </a:r>
+            <a:r>
+              <a:rPr lang="de-DE"/>
+              <a:t>Module Option</a:t>
+            </a:r>
+            <a:endParaRPr lang="de-DE" dirty="0"/>
+          </a:p>
+          <a:p>
+            <a:pPr marL="0" indent="0">
+              <a:buNone/>
+            </a:pPr>
+            <a:endParaRPr lang="en-US" i="1" dirty="0">
+              <a:solidFill>
+                <a:srgbClr val="408080"/>
+              </a:solidFill>
+            </a:endParaRPr>
+          </a:p>
+          <a:p>
+            <a:pPr marL="0" indent="0">
+              <a:buNone/>
+            </a:pPr>
+            <a:endParaRPr lang="en-US" dirty="0"/>
+          </a:p>
+        </p:txBody>
+      </p:sp>
+    </p:spTree>
+    <p:extLst>
+      <p:ext uri="{BB962C8B-B14F-4D97-AF65-F5344CB8AC3E}">
+        <p14:creationId xmlns:p14="http://schemas.microsoft.com/office/powerpoint/2010/main" val="117469070"/>
+      </p:ext>
+    </p:extLst>
+  </p:cSld>
+  <p:clrMapOvr>
+    <a:masterClrMapping/>
+  </p:clrMapOvr>
+  <p:timing>
+    <p:tnLst>
+      <p:par>
+        <p:cTn id="1" dur="indefinite" restart="never" nodeType="tmRoot">
+          <p:childTnLst>
+            <p:seq concurrent="1" nextAc="seek">
+              <p:cTn id="2" dur="indefinite" nodeType="mainSeq">
+                <p:childTnLst>
+                  <p:par>
+                    <p:cTn id="3" fill="hold">
+                      <p:stCondLst>
+                        <p:cond delay="indefinite"/>
+                      </p:stCondLst>
+                      <p:childTnLst>
+                        <p:par>
+                          <p:cTn id="4" fill="hold">
+                            <p:stCondLst>
+                              <p:cond delay="0"/>
+                            </p:stCondLst>
+                            <p:childTnLst>
+                              <p:par>
+                                <p:cTn id="5" presetID="1" presetClass="entr" presetSubtype="0" fill="hold" grpId="0" nodeType="clickEffect">
+                                  <p:stCondLst>
+                                    <p:cond delay="0"/>
+                                  </p:stCondLst>
+                                  <p:childTnLst>
+                                    <p:set>
+                                      <p:cBhvr>
+                                        <p:cTn id="6" dur="1" fill="hold">
+                                          <p:stCondLst>
+                                            <p:cond delay="0"/>
+                                          </p:stCondLst>
+                                        </p:cTn>
+                                        <p:tgtEl>
+                                          <p:spTgt spid="3">
+                                            <p:txEl>
+                                              <p:pRg st="0" end="0"/>
+                                            </p:txEl>
+                                          </p:spTgt>
+                                        </p:tgtEl>
+                                        <p:attrNameLst>
+                                          <p:attrName>style.visibility</p:attrName>
+                                        </p:attrNameLst>
+                                      </p:cBhvr>
+                                      <p:to>
+                                        <p:strVal val="visible"/>
+                                      </p:to>
+                                    </p:set>
+                                  </p:childTnLst>
+                                </p:cTn>
+                              </p:par>
+                            </p:childTnLst>
+                          </p:cTn>
+                        </p:par>
+                      </p:childTnLst>
+                    </p:cTn>
+                  </p:par>
+                  <p:par>
+                    <p:cTn id="7" fill="hold">
+                      <p:stCondLst>
+                        <p:cond delay="indefinite"/>
+                      </p:stCondLst>
+                      <p:childTnLst>
+                        <p:par>
+                          <p:cTn id="8" fill="hold">
+                            <p:stCondLst>
+                              <p:cond delay="0"/>
+                            </p:stCondLst>
+                            <p:childTnLst>
+                              <p:par>
+                                <p:cTn id="9" presetID="1" presetClass="entr" presetSubtype="0" fill="hold" grpId="0" nodeType="clickEffect">
+                                  <p:stCondLst>
+                                    <p:cond delay="0"/>
+                                  </p:stCondLst>
+                                  <p:childTnLst>
+                                    <p:set>
+                                      <p:cBhvr>
+                                        <p:cTn id="10" dur="1" fill="hold">
+                                          <p:stCondLst>
+                                            <p:cond delay="0"/>
+                                          </p:stCondLst>
+                                        </p:cTn>
+                                        <p:tgtEl>
+                                          <p:spTgt spid="3">
+                                            <p:txEl>
+                                              <p:pRg st="1" end="1"/>
+                                            </p:txEl>
+                                          </p:spTgt>
+                                        </p:tgtEl>
+                                        <p:attrNameLst>
+                                          <p:attrName>style.visibility</p:attrName>
+                                        </p:attrNameLst>
+                                      </p:cBhvr>
+                                      <p:to>
+                                        <p:strVal val="visible"/>
+                                      </p:to>
+                                    </p:set>
+                                  </p:childTnLst>
+                                </p:cTn>
+                              </p:par>
+                            </p:childTnLst>
+                          </p:cTn>
+                        </p:par>
+                      </p:childTnLst>
+                    </p:cTn>
+                  </p:par>
+                  <p:par>
+                    <p:cTn id="11" fill="hold">
+                      <p:stCondLst>
+                        <p:cond delay="indefinite"/>
+                      </p:stCondLst>
+                      <p:childTnLst>
+                        <p:par>
+                          <p:cTn id="12" fill="hold">
+                            <p:stCondLst>
+                              <p:cond delay="0"/>
+                            </p:stCondLst>
+                            <p:childTnLst>
+                              <p:par>
+                                <p:cTn id="13" presetID="1" presetClass="entr" presetSubtype="0" fill="hold" grpId="0" nodeType="clickEffect">
+                                  <p:stCondLst>
+                                    <p:cond delay="0"/>
+                                  </p:stCondLst>
+                                  <p:childTnLst>
+                                    <p:set>
+                                      <p:cBhvr>
+                                        <p:cTn id="14" dur="1" fill="hold">
+                                          <p:stCondLst>
+                                            <p:cond delay="0"/>
+                                          </p:stCondLst>
+                                        </p:cTn>
+                                        <p:tgtEl>
+                                          <p:spTgt spid="3">
+                                            <p:txEl>
+                                              <p:pRg st="2" end="2"/>
+                                            </p:txEl>
+                                          </p:spTgt>
+                                        </p:tgtEl>
+                                        <p:attrNameLst>
+                                          <p:attrName>style.visibility</p:attrName>
+                                        </p:attrNameLst>
+                                      </p:cBhvr>
+                                      <p:to>
+                                        <p:strVal val="visible"/>
+                                      </p:to>
+                                    </p:set>
+                                  </p:childTnLst>
+                                </p:cTn>
+                              </p:par>
+                            </p:childTnLst>
+                          </p:cTn>
+                        </p:par>
+                      </p:childTnLst>
+                    </p:cTn>
+                  </p:par>
+                </p:childTnLst>
+              </p:cTn>
+              <p:prevCondLst>
+                <p:cond evt="onPrev" delay="0">
+                  <p:tgtEl>
+                    <p:sldTgt/>
+                  </p:tgtEl>
+                </p:cond>
+              </p:prevCondLst>
+              <p:nextCondLst>
+                <p:cond evt="onNext" delay="0">
+                  <p:tgtEl>
+                    <p:sldTgt/>
+                  </p:tgtEl>
+                </p:cond>
+              </p:nextCondLst>
+            </p:seq>
+          </p:childTnLst>
+        </p:cTn>
+      </p:par>
+    </p:tnLst>
+    <p:bldLst>
+      <p:bldP spid="3" grpId="0" build="p"/>
+    </p:bldLst>
+  </p:timing>
+</p:sld>
+</file>
+
+<file path=ppt/slides/slide54.xml><?xml version="1.0" encoding="utf-8"?>
+<p:sld xmlns:a="http://schemas.openxmlformats.org/drawingml/2006/main" xmlns:r="http://schemas.openxmlformats.org/officeDocument/2006/relationships" xmlns:p="http://schemas.openxmlformats.org/presentationml/2006/main">
+  <p:cSld>
+    <p:spTree>
+      <p:nvGrpSpPr>
+        <p:cNvPr id="1" name=""/>
+        <p:cNvGrpSpPr/>
+        <p:nvPr/>
+      </p:nvGrpSpPr>
+      <p:grpSpPr>
+        <a:xfrm>
+          <a:off x="0" y="0"/>
+          <a:ext cx="0" cy="0"/>
+          <a:chOff x="0" y="0"/>
+          <a:chExt cx="0" cy="0"/>
+        </a:xfrm>
+      </p:grpSpPr>
+      <p:sp>
+        <p:nvSpPr>
+          <p:cNvPr id="2" name="Title 1"/>
+          <p:cNvSpPr>
+            <a:spLocks noGrp="1"/>
+          </p:cNvSpPr>
+          <p:nvPr>
+            <p:ph type="title"/>
+          </p:nvPr>
+        </p:nvSpPr>
+        <p:spPr/>
+        <p:txBody>
           <a:bodyPr>
-            <a:normAutofit/>
+            <a:normAutofit fontScale="90000"/>
           </a:bodyPr>
           <a:lstStyle/>
           <a:p>
             <a:r>
               <a:rPr lang="de-DE" dirty="0"/>
-              <a:t>Option </a:t>
+              <a:t>Modul 2: Option </a:t>
             </a:r>
             <a:r>
               <a:rPr lang="de-DE" dirty="0" err="1"/>
@@ -28177,7 +28678,7 @@
             </a:r>
             <a:r>
               <a:rPr lang="de-DE" dirty="0"/>
-              <a:t> Null : Type </a:t>
+              <a:t> Null - Type </a:t>
             </a:r>
             <a:r>
               <a:rPr lang="de-DE" dirty="0" err="1"/>
@@ -28326,7 +28827,7 @@
 </p:sld>
 </file>
 
-<file path=ppt/slides/slide54.xml><?xml version="1.0" encoding="utf-8"?>
+<file path=ppt/slides/slide55.xml><?xml version="1.0" encoding="utf-8"?>
 <p:sld xmlns:a="http://schemas.openxmlformats.org/drawingml/2006/main" xmlns:r="http://schemas.openxmlformats.org/officeDocument/2006/relationships" xmlns:p="http://schemas.openxmlformats.org/presentationml/2006/main">
   <p:cSld>
     <p:spTree>

--- a/FSharp.pptx
+++ b/FSharp.pptx
@@ -5,7 +5,7 @@
     <p:sldMasterId id="2147483648" r:id="rId1"/>
   </p:sldMasterIdLst>
   <p:notesMasterIdLst>
-    <p:notesMasterId r:id="rId59"/>
+    <p:notesMasterId r:id="rId61"/>
   </p:notesMasterIdLst>
   <p:sldIdLst>
     <p:sldId id="256" r:id="rId2"/>
@@ -43,28 +43,30 @@
     <p:sldId id="310" r:id="rId34"/>
     <p:sldId id="313" r:id="rId35"/>
     <p:sldId id="314" r:id="rId36"/>
-    <p:sldId id="316" r:id="rId37"/>
-    <p:sldId id="317" r:id="rId38"/>
-    <p:sldId id="265" r:id="rId39"/>
-    <p:sldId id="320" r:id="rId40"/>
-    <p:sldId id="321" r:id="rId41"/>
-    <p:sldId id="322" r:id="rId42"/>
-    <p:sldId id="319" r:id="rId43"/>
-    <p:sldId id="270" r:id="rId44"/>
-    <p:sldId id="324" r:id="rId45"/>
-    <p:sldId id="327" r:id="rId46"/>
-    <p:sldId id="325" r:id="rId47"/>
-    <p:sldId id="326" r:id="rId48"/>
-    <p:sldId id="276" r:id="rId49"/>
-    <p:sldId id="328" r:id="rId50"/>
-    <p:sldId id="278" r:id="rId51"/>
-    <p:sldId id="329" r:id="rId52"/>
-    <p:sldId id="331" r:id="rId53"/>
-    <p:sldId id="330" r:id="rId54"/>
-    <p:sldId id="280" r:id="rId55"/>
-    <p:sldId id="332" r:id="rId56"/>
-    <p:sldId id="281" r:id="rId57"/>
-    <p:sldId id="283" r:id="rId58"/>
+    <p:sldId id="335" r:id="rId37"/>
+    <p:sldId id="316" r:id="rId38"/>
+    <p:sldId id="317" r:id="rId39"/>
+    <p:sldId id="265" r:id="rId40"/>
+    <p:sldId id="320" r:id="rId41"/>
+    <p:sldId id="321" r:id="rId42"/>
+    <p:sldId id="336" r:id="rId43"/>
+    <p:sldId id="322" r:id="rId44"/>
+    <p:sldId id="319" r:id="rId45"/>
+    <p:sldId id="270" r:id="rId46"/>
+    <p:sldId id="324" r:id="rId47"/>
+    <p:sldId id="327" r:id="rId48"/>
+    <p:sldId id="325" r:id="rId49"/>
+    <p:sldId id="326" r:id="rId50"/>
+    <p:sldId id="276" r:id="rId51"/>
+    <p:sldId id="328" r:id="rId52"/>
+    <p:sldId id="278" r:id="rId53"/>
+    <p:sldId id="329" r:id="rId54"/>
+    <p:sldId id="331" r:id="rId55"/>
+    <p:sldId id="330" r:id="rId56"/>
+    <p:sldId id="280" r:id="rId57"/>
+    <p:sldId id="332" r:id="rId58"/>
+    <p:sldId id="281" r:id="rId59"/>
+    <p:sldId id="283" r:id="rId60"/>
   </p:sldIdLst>
   <p:sldSz cx="9144000" cy="6858000" type="screen4x3"/>
   <p:notesSz cx="6858000" cy="9144000"/>
@@ -4812,7 +4814,7 @@
     </p:spTree>
     <p:extLst>
       <p:ext uri="{BB962C8B-B14F-4D97-AF65-F5344CB8AC3E}">
-        <p14:creationId xmlns:p14="http://schemas.microsoft.com/office/powerpoint/2010/main" val="1544906498"/>
+        <p14:creationId xmlns:p14="http://schemas.microsoft.com/office/powerpoint/2010/main" val="957866015"/>
       </p:ext>
     </p:extLst>
   </p:cSld>
@@ -4867,56 +4869,34 @@
           <a:lstStyle/>
           <a:p>
             <a:r>
-              <a:rPr lang="en-US" dirty="0" err="1"/>
-              <a:t>Für</a:t>
-            </a:r>
-            <a:r>
-              <a:rPr lang="en-US" dirty="0"/>
-              <a:t> </a:t>
-            </a:r>
-            <a:r>
-              <a:rPr lang="en-US" dirty="0" err="1"/>
-              <a:t>jeden</a:t>
-            </a:r>
-            <a:r>
-              <a:rPr lang="en-US" dirty="0"/>
-              <a:t> </a:t>
-            </a:r>
-            <a:r>
-              <a:rPr lang="en-US" dirty="0" err="1"/>
-              <a:t>Datentyp</a:t>
-            </a:r>
-            <a:r>
-              <a:rPr lang="en-US" dirty="0"/>
-              <a:t> warden </a:t>
-            </a:r>
-            <a:r>
-              <a:rPr lang="en-US" dirty="0" err="1"/>
-              <a:t>wir</a:t>
-            </a:r>
-            <a:r>
-              <a:rPr lang="en-US" dirty="0"/>
-              <a:t> </a:t>
-            </a:r>
-            <a:r>
-              <a:rPr lang="en-US" dirty="0" err="1"/>
-              <a:t>diese</a:t>
-            </a:r>
-            <a:r>
-              <a:rPr lang="en-US" dirty="0"/>
-              <a:t> </a:t>
-            </a:r>
-            <a:r>
-              <a:rPr lang="en-US" dirty="0" err="1"/>
-              <a:t>Eigenschaften</a:t>
-            </a:r>
-            <a:r>
-              <a:rPr lang="en-US" dirty="0"/>
-              <a:t> </a:t>
-            </a:r>
-            <a:r>
-              <a:rPr lang="en-US" dirty="0" err="1"/>
-              <a:t>untersuchen</a:t>
+              <a:rPr lang="de-DE" dirty="0"/>
+              <a:t>Pattern </a:t>
+            </a:r>
+            <a:r>
+              <a:rPr lang="de-DE" dirty="0" err="1"/>
+              <a:t>Matching</a:t>
+            </a:r>
+            <a:r>
+              <a:rPr lang="de-DE" dirty="0"/>
+              <a:t> (in etwa) kommt angedacht für C# 7.0.</a:t>
+            </a:r>
+          </a:p>
+          <a:p>
+            <a:r>
+              <a:rPr lang="de-DE" dirty="0"/>
+              <a:t>F# Pattern </a:t>
+            </a:r>
+            <a:r>
+              <a:rPr lang="de-DE" dirty="0" err="1"/>
+              <a:t>Matching</a:t>
+            </a:r>
+            <a:r>
+              <a:rPr lang="de-DE" dirty="0"/>
+              <a:t> ist aber erschöpfend.  Oft</a:t>
+            </a:r>
+            <a:r>
+              <a:rPr lang="de-DE" baseline="0" dirty="0"/>
+              <a:t> erkennt der Compiler dass ein Fall nicht berücksichtigt wurde und benennt Beispiele dafür.</a:t>
             </a:r>
             <a:endParaRPr lang="en-US" dirty="0"/>
           </a:p>
@@ -4948,7 +4928,7 @@
     </p:spTree>
     <p:extLst>
       <p:ext uri="{BB962C8B-B14F-4D97-AF65-F5344CB8AC3E}">
-        <p14:creationId xmlns:p14="http://schemas.microsoft.com/office/powerpoint/2010/main" val="909130044"/>
+        <p14:creationId xmlns:p14="http://schemas.microsoft.com/office/powerpoint/2010/main" val="1544906498"/>
       </p:ext>
     </p:extLst>
   </p:cSld>
@@ -5003,12 +4983,56 @@
           <a:lstStyle/>
           <a:p>
             <a:r>
-              <a:rPr lang="de-DE" dirty="0" err="1"/>
-              <a:t>Adhoc</a:t>
-            </a:r>
-            <a:r>
-              <a:rPr lang="de-DE" dirty="0"/>
-              <a:t> Data Type.</a:t>
+              <a:rPr lang="en-US" dirty="0" err="1"/>
+              <a:t>Für</a:t>
+            </a:r>
+            <a:r>
+              <a:rPr lang="en-US" dirty="0"/>
+              <a:t> </a:t>
+            </a:r>
+            <a:r>
+              <a:rPr lang="en-US" dirty="0" err="1"/>
+              <a:t>jeden</a:t>
+            </a:r>
+            <a:r>
+              <a:rPr lang="en-US" dirty="0"/>
+              <a:t> </a:t>
+            </a:r>
+            <a:r>
+              <a:rPr lang="en-US" dirty="0" err="1"/>
+              <a:t>Datentyp</a:t>
+            </a:r>
+            <a:r>
+              <a:rPr lang="en-US" dirty="0"/>
+              <a:t> warden </a:t>
+            </a:r>
+            <a:r>
+              <a:rPr lang="en-US" dirty="0" err="1"/>
+              <a:t>wir</a:t>
+            </a:r>
+            <a:r>
+              <a:rPr lang="en-US" dirty="0"/>
+              <a:t> </a:t>
+            </a:r>
+            <a:r>
+              <a:rPr lang="en-US" dirty="0" err="1"/>
+              <a:t>diese</a:t>
+            </a:r>
+            <a:r>
+              <a:rPr lang="en-US" dirty="0"/>
+              <a:t> </a:t>
+            </a:r>
+            <a:r>
+              <a:rPr lang="en-US" dirty="0" err="1"/>
+              <a:t>Eigenschaften</a:t>
+            </a:r>
+            <a:r>
+              <a:rPr lang="en-US" dirty="0"/>
+              <a:t> </a:t>
+            </a:r>
+            <a:r>
+              <a:rPr lang="en-US" dirty="0" err="1"/>
+              <a:t>untersuchen</a:t>
             </a:r>
             <a:endParaRPr lang="en-US" dirty="0"/>
           </a:p>
@@ -5040,7 +5064,7 @@
     </p:spTree>
     <p:extLst>
       <p:ext uri="{BB962C8B-B14F-4D97-AF65-F5344CB8AC3E}">
-        <p14:creationId xmlns:p14="http://schemas.microsoft.com/office/powerpoint/2010/main" val="3351844412"/>
+        <p14:creationId xmlns:p14="http://schemas.microsoft.com/office/powerpoint/2010/main" val="909130044"/>
       </p:ext>
     </p:extLst>
   </p:cSld>
@@ -5095,60 +5119,13 @@
           <a:lstStyle/>
           <a:p>
             <a:r>
-              <a:rPr lang="de-DE" dirty="0"/>
-              <a:t>Modul 2: Übung </a:t>
-            </a:r>
-            <a:r>
               <a:rPr lang="de-DE" dirty="0" err="1"/>
-              <a:t>Tuple</a:t>
-            </a:r>
-            <a:r>
-              <a:rPr lang="de-DE" dirty="0"/>
-              <a:t> </a:t>
-            </a:r>
-            <a:r>
-              <a:rPr lang="de-DE" dirty="0" err="1"/>
-              <a:t>Construction</a:t>
-            </a:r>
-            <a:endParaRPr lang="de-DE" dirty="0"/>
-          </a:p>
-          <a:p>
-            <a:pPr marL="0" marR="0" lvl="0" indent="0" algn="l" defTabSz="914400" rtl="0" eaLnBrk="1" fontAlgn="auto" latinLnBrk="0" hangingPunct="1">
-              <a:lnSpc>
-                <a:spcPct val="100000"/>
-              </a:lnSpc>
-              <a:spcBef>
-                <a:spcPts val="0"/>
-              </a:spcBef>
-              <a:spcAft>
-                <a:spcPts val="0"/>
-              </a:spcAft>
-              <a:buClrTx/>
-              <a:buSzTx/>
-              <a:buFontTx/>
-              <a:buNone/>
-              <a:tabLst/>
-              <a:defRPr/>
-            </a:pPr>
-            <a:r>
-              <a:rPr lang="de-DE" dirty="0"/>
-              <a:t>Modul 2: Übung </a:t>
-            </a:r>
-            <a:r>
-              <a:rPr lang="de-DE" dirty="0" err="1"/>
-              <a:t>Tuple</a:t>
-            </a:r>
-            <a:r>
-              <a:rPr lang="de-DE" dirty="0"/>
-              <a:t> </a:t>
-            </a:r>
-            <a:r>
-              <a:rPr lang="de-DE" dirty="0" err="1"/>
-              <a:t>Composition</a:t>
-            </a:r>
-            <a:endParaRPr lang="de-DE" dirty="0"/>
-          </a:p>
-          <a:p>
+              <a:t>Adhoc</a:t>
+            </a:r>
+            <a:r>
+              <a:rPr lang="de-DE" dirty="0"/>
+              <a:t> Data Type.</a:t>
+            </a:r>
             <a:endParaRPr lang="en-US" dirty="0"/>
           </a:p>
         </p:txBody>
@@ -5179,7 +5156,7 @@
     </p:spTree>
     <p:extLst>
       <p:ext uri="{BB962C8B-B14F-4D97-AF65-F5344CB8AC3E}">
-        <p14:creationId xmlns:p14="http://schemas.microsoft.com/office/powerpoint/2010/main" val="3800565360"/>
+        <p14:creationId xmlns:p14="http://schemas.microsoft.com/office/powerpoint/2010/main" val="3351844412"/>
       </p:ext>
     </p:extLst>
   </p:cSld>
@@ -5247,12 +5224,45 @@
             </a:r>
             <a:r>
               <a:rPr lang="de-DE" dirty="0" err="1"/>
-              <a:t>Deconstruction</a:t>
-            </a:r>
-            <a:r>
-              <a:rPr lang="de-DE" dirty="0"/>
-              <a:t>/Zerlegung</a:t>
-            </a:r>
+              <a:t>Construction</a:t>
+            </a:r>
+            <a:endParaRPr lang="de-DE" dirty="0"/>
+          </a:p>
+          <a:p>
+            <a:pPr marL="0" marR="0" lvl="0" indent="0" algn="l" defTabSz="914400" rtl="0" eaLnBrk="1" fontAlgn="auto" latinLnBrk="0" hangingPunct="1">
+              <a:lnSpc>
+                <a:spcPct val="100000"/>
+              </a:lnSpc>
+              <a:spcBef>
+                <a:spcPts val="0"/>
+              </a:spcBef>
+              <a:spcAft>
+                <a:spcPts val="0"/>
+              </a:spcAft>
+              <a:buClrTx/>
+              <a:buSzTx/>
+              <a:buFontTx/>
+              <a:buNone/>
+              <a:tabLst/>
+              <a:defRPr/>
+            </a:pPr>
+            <a:r>
+              <a:rPr lang="de-DE" dirty="0"/>
+              <a:t>Modul 2: Übung </a:t>
+            </a:r>
+            <a:r>
+              <a:rPr lang="de-DE" dirty="0" err="1"/>
+              <a:t>Tuple</a:t>
+            </a:r>
+            <a:r>
+              <a:rPr lang="de-DE" dirty="0"/>
+              <a:t> </a:t>
+            </a:r>
+            <a:r>
+              <a:rPr lang="de-DE" dirty="0" err="1"/>
+              <a:t>Composition</a:t>
+            </a:r>
+            <a:endParaRPr lang="de-DE" dirty="0"/>
           </a:p>
           <a:p>
             <a:endParaRPr lang="en-US" dirty="0"/>
@@ -5285,7 +5295,7 @@
     </p:spTree>
     <p:extLst>
       <p:ext uri="{BB962C8B-B14F-4D97-AF65-F5344CB8AC3E}">
-        <p14:creationId xmlns:p14="http://schemas.microsoft.com/office/powerpoint/2010/main" val="2981117746"/>
+        <p14:creationId xmlns:p14="http://schemas.microsoft.com/office/powerpoint/2010/main" val="3800565360"/>
       </p:ext>
     </p:extLst>
   </p:cSld>
@@ -5353,37 +5363,12 @@
             </a:r>
             <a:r>
               <a:rPr lang="de-DE" dirty="0" err="1"/>
-              <a:t>Gleicheit</a:t>
-            </a:r>
-            <a:endParaRPr lang="de-DE" dirty="0"/>
-          </a:p>
-          <a:p>
-            <a:pPr marL="0" marR="0" lvl="0" indent="0" algn="l" defTabSz="914400" rtl="0" eaLnBrk="1" fontAlgn="auto" latinLnBrk="0" hangingPunct="1">
-              <a:lnSpc>
-                <a:spcPct val="100000"/>
-              </a:lnSpc>
-              <a:spcBef>
-                <a:spcPts val="0"/>
-              </a:spcBef>
-              <a:spcAft>
-                <a:spcPts val="0"/>
-              </a:spcAft>
-              <a:buClrTx/>
-              <a:buSzTx/>
-              <a:buFontTx/>
-              <a:buNone/>
-              <a:tabLst/>
-              <a:defRPr/>
-            </a:pPr>
-            <a:r>
-              <a:rPr lang="de-DE" dirty="0"/>
-              <a:t>Modul 2: Übung Pattern </a:t>
-            </a:r>
-            <a:r>
-              <a:rPr lang="de-DE" dirty="0" err="1"/>
-              <a:t>Matching</a:t>
-            </a:r>
-            <a:endParaRPr lang="de-DE" dirty="0"/>
+              <a:t>Deconstruction</a:t>
+            </a:r>
+            <a:r>
+              <a:rPr lang="de-DE" dirty="0"/>
+              <a:t>/Zerlegung</a:t>
+            </a:r>
           </a:p>
           <a:p>
             <a:endParaRPr lang="en-US" dirty="0"/>
@@ -5416,7 +5401,7 @@
     </p:spTree>
     <p:extLst>
       <p:ext uri="{BB962C8B-B14F-4D97-AF65-F5344CB8AC3E}">
-        <p14:creationId xmlns:p14="http://schemas.microsoft.com/office/powerpoint/2010/main" val="2616971528"/>
+        <p14:creationId xmlns:p14="http://schemas.microsoft.com/office/powerpoint/2010/main" val="2981117746"/>
       </p:ext>
     </p:extLst>
   </p:cSld>
@@ -5594,41 +5579,28 @@
           <a:lstStyle/>
           <a:p>
             <a:r>
-              <a:rPr lang="de-DE" sz="1200" b="1" kern="1200" dirty="0">
-                <a:solidFill>
-                  <a:schemeClr val="tx1"/>
-                </a:solidFill>
-                <a:effectLst/>
-                <a:latin typeface="+mn-lt"/>
-                <a:ea typeface="+mn-ea"/>
-                <a:cs typeface="+mn-cs"/>
-              </a:rPr>
-              <a:t>Übung: </a:t>
-            </a:r>
-            <a:r>
-              <a:rPr lang="de-DE" sz="1200" b="1" kern="1200" dirty="0" err="1">
-                <a:solidFill>
-                  <a:schemeClr val="tx1"/>
-                </a:solidFill>
-                <a:effectLst/>
-                <a:latin typeface="+mn-lt"/>
-                <a:ea typeface="+mn-ea"/>
-                <a:cs typeface="+mn-cs"/>
-              </a:rPr>
+              <a:rPr lang="de-DE" dirty="0"/>
+              <a:t>Modul 2: Übung </a:t>
+            </a:r>
+            <a:r>
+              <a:rPr lang="de-DE" dirty="0" err="1"/>
               <a:t>Tuple</a:t>
             </a:r>
             <a:r>
-              <a:rPr lang="de-DE" sz="1200" b="1" kern="1200" dirty="0">
-                <a:solidFill>
-                  <a:schemeClr val="tx1"/>
-                </a:solidFill>
-                <a:effectLst/>
-                <a:latin typeface="+mn-lt"/>
-                <a:ea typeface="+mn-ea"/>
-                <a:cs typeface="+mn-cs"/>
-              </a:rPr>
-              <a:t> - .net API</a:t>
-            </a:r>
+              <a:rPr lang="de-DE" dirty="0"/>
+              <a:t> </a:t>
+            </a:r>
+            <a:r>
+              <a:rPr lang="de-DE" dirty="0" err="1"/>
+              <a:t>Deconstruction</a:t>
+            </a:r>
+            <a:r>
+              <a:rPr lang="de-DE" dirty="0"/>
+              <a:t>/Zerlegung</a:t>
+            </a:r>
+          </a:p>
+          <a:p>
+            <a:endParaRPr lang="en-US" dirty="0"/>
           </a:p>
         </p:txBody>
       </p:sp>
@@ -5658,7 +5630,7 @@
     </p:spTree>
     <p:extLst>
       <p:ext uri="{BB962C8B-B14F-4D97-AF65-F5344CB8AC3E}">
-        <p14:creationId xmlns:p14="http://schemas.microsoft.com/office/powerpoint/2010/main" val="1194034453"/>
+        <p14:creationId xmlns:p14="http://schemas.microsoft.com/office/powerpoint/2010/main" val="3411060570"/>
       </p:ext>
     </p:extLst>
   </p:cSld>
@@ -5714,44 +5686,21 @@
           <a:p>
             <a:r>
               <a:rPr lang="de-DE" dirty="0"/>
-              <a:t>Übung Modul 2: </a:t>
-            </a:r>
-            <a:r>
-              <a:rPr lang="en-US" sz="1200" kern="1200" dirty="0">
-                <a:solidFill>
-                  <a:schemeClr val="tx1"/>
-                </a:solidFill>
-                <a:effectLst/>
-                <a:latin typeface="+mn-lt"/>
-                <a:ea typeface="+mn-ea"/>
-                <a:cs typeface="+mn-cs"/>
-              </a:rPr>
-              <a:t>Record </a:t>
-            </a:r>
-            <a:r>
-              <a:rPr lang="en-US" sz="1200" kern="1200" dirty="0" err="1">
-                <a:solidFill>
-                  <a:schemeClr val="tx1"/>
-                </a:solidFill>
-                <a:effectLst/>
-                <a:latin typeface="+mn-lt"/>
-                <a:ea typeface="+mn-ea"/>
-                <a:cs typeface="+mn-cs"/>
-              </a:rPr>
-              <a:t>Deklaration</a:t>
-            </a:r>
-            <a:r>
-              <a:rPr lang="en-US" sz="1200" kern="1200" dirty="0">
-                <a:solidFill>
-                  <a:schemeClr val="tx1"/>
-                </a:solidFill>
-                <a:effectLst/>
-                <a:latin typeface="+mn-lt"/>
-                <a:ea typeface="+mn-ea"/>
-                <a:cs typeface="+mn-cs"/>
-              </a:rPr>
-              <a:t> und Construction</a:t>
-            </a:r>
+              <a:t>Modul 2: Übung </a:t>
+            </a:r>
+            <a:r>
+              <a:rPr lang="de-DE" dirty="0" err="1"/>
+              <a:t>Tuple</a:t>
+            </a:r>
+            <a:r>
+              <a:rPr lang="de-DE" dirty="0"/>
+              <a:t> </a:t>
+            </a:r>
+            <a:r>
+              <a:rPr lang="de-DE" dirty="0" err="1"/>
+              <a:t>Gleicheit</a:t>
+            </a:r>
+            <a:endParaRPr lang="de-DE" dirty="0"/>
           </a:p>
           <a:p>
             <a:pPr marL="0" marR="0" lvl="0" indent="0" algn="l" defTabSz="914400" rtl="0" eaLnBrk="1" fontAlgn="auto" latinLnBrk="0" hangingPunct="1">
@@ -5773,29 +5722,15 @@
             </a:pPr>
             <a:r>
               <a:rPr lang="de-DE" dirty="0"/>
-              <a:t>Keine </a:t>
+              <a:t>Modul 2: Übung Pattern </a:t>
             </a:r>
             <a:r>
               <a:rPr lang="de-DE" dirty="0" err="1"/>
-              <a:t>Adhoc</a:t>
-            </a:r>
-            <a:r>
-              <a:rPr lang="de-DE" dirty="0"/>
-              <a:t> Erstellung</a:t>
-            </a:r>
-          </a:p>
-          <a:p>
+              <a:t>Matching</a:t>
+            </a:r>
             <a:endParaRPr lang="de-DE" dirty="0"/>
           </a:p>
           <a:p>
-            <a:r>
-              <a:rPr lang="de-DE" dirty="0"/>
-              <a:t>Ich kann pro Deklaration</a:t>
-            </a:r>
-            <a:r>
-              <a:rPr lang="de-DE" baseline="0" dirty="0"/>
-              <a:t> eine andere Funktion angeben.  Reihenfolge der Deklarationen ist nicht relevant.</a:t>
-            </a:r>
             <a:endParaRPr lang="en-US" dirty="0"/>
           </a:p>
         </p:txBody>
@@ -5826,7 +5761,7 @@
     </p:spTree>
     <p:extLst>
       <p:ext uri="{BB962C8B-B14F-4D97-AF65-F5344CB8AC3E}">
-        <p14:creationId xmlns:p14="http://schemas.microsoft.com/office/powerpoint/2010/main" val="827611547"/>
+        <p14:creationId xmlns:p14="http://schemas.microsoft.com/office/powerpoint/2010/main" val="2616971528"/>
       </p:ext>
     </p:extLst>
   </p:cSld>
@@ -5881,11 +5816,7 @@
           <a:lstStyle/>
           <a:p>
             <a:r>
-              <a:rPr lang="de-DE" dirty="0"/>
-              <a:t>Übung Modul 2: </a:t>
-            </a:r>
-            <a:r>
-              <a:rPr lang="en-US" sz="1200" kern="1200" dirty="0">
+              <a:rPr lang="de-DE" sz="1200" b="1" kern="1200" dirty="0">
                 <a:solidFill>
                   <a:schemeClr val="tx1"/>
                 </a:solidFill>
@@ -5894,10 +5825,10 @@
                 <a:ea typeface="+mn-ea"/>
                 <a:cs typeface="+mn-cs"/>
               </a:rPr>
-              <a:t>Record </a:t>
-            </a:r>
-            <a:r>
-              <a:rPr lang="en-US" sz="1200" kern="1200" dirty="0" err="1">
+              <a:t>Übung: </a:t>
+            </a:r>
+            <a:r>
+              <a:rPr lang="de-DE" sz="1200" b="1" kern="1200" dirty="0" err="1">
                 <a:solidFill>
                   <a:schemeClr val="tx1"/>
                 </a:solidFill>
@@ -5906,10 +5837,10 @@
                 <a:ea typeface="+mn-ea"/>
                 <a:cs typeface="+mn-cs"/>
               </a:rPr>
-              <a:t>Deklaration</a:t>
-            </a:r>
-            <a:r>
-              <a:rPr lang="en-US" sz="1200" kern="1200" dirty="0">
+              <a:t>Tuple</a:t>
+            </a:r>
+            <a:r>
+              <a:rPr lang="de-DE" sz="1200" b="1" kern="1200" dirty="0">
                 <a:solidFill>
                   <a:schemeClr val="tx1"/>
                 </a:solidFill>
@@ -5918,20 +5849,8 @@
                 <a:ea typeface="+mn-ea"/>
                 <a:cs typeface="+mn-cs"/>
               </a:rPr>
-              <a:t> und Construction</a:t>
-            </a:r>
-            <a:endParaRPr lang="de-DE" dirty="0"/>
-          </a:p>
-          <a:p>
-            <a:r>
-              <a:rPr lang="de-DE" dirty="0"/>
-              <a:t>Ich kann pro Deklaration</a:t>
-            </a:r>
-            <a:r>
-              <a:rPr lang="de-DE" baseline="0" dirty="0"/>
-              <a:t> eine andere Funktion angeben.  Reihenfolge der Deklarationen ist nicht relevant.</a:t>
-            </a:r>
-            <a:endParaRPr lang="en-US" dirty="0"/>
+              <a:t> - .net API</a:t>
+            </a:r>
           </a:p>
         </p:txBody>
       </p:sp>
@@ -5961,7 +5880,7 @@
     </p:spTree>
     <p:extLst>
       <p:ext uri="{BB962C8B-B14F-4D97-AF65-F5344CB8AC3E}">
-        <p14:creationId xmlns:p14="http://schemas.microsoft.com/office/powerpoint/2010/main" val="4249111469"/>
+        <p14:creationId xmlns:p14="http://schemas.microsoft.com/office/powerpoint/2010/main" val="1194034453"/>
       </p:ext>
     </p:extLst>
   </p:cSld>
@@ -6055,6 +5974,39 @@
               </a:rPr>
               <a:t> und Construction</a:t>
             </a:r>
+          </a:p>
+          <a:p>
+            <a:pPr marL="0" marR="0" lvl="0" indent="0" algn="l" defTabSz="914400" rtl="0" eaLnBrk="1" fontAlgn="auto" latinLnBrk="0" hangingPunct="1">
+              <a:lnSpc>
+                <a:spcPct val="100000"/>
+              </a:lnSpc>
+              <a:spcBef>
+                <a:spcPts val="0"/>
+              </a:spcBef>
+              <a:spcAft>
+                <a:spcPts val="0"/>
+              </a:spcAft>
+              <a:buClrTx/>
+              <a:buSzTx/>
+              <a:buFontTx/>
+              <a:buNone/>
+              <a:tabLst/>
+              <a:defRPr/>
+            </a:pPr>
+            <a:r>
+              <a:rPr lang="de-DE" dirty="0"/>
+              <a:t>Keine </a:t>
+            </a:r>
+            <a:r>
+              <a:rPr lang="de-DE" dirty="0" err="1"/>
+              <a:t>Adhoc</a:t>
+            </a:r>
+            <a:r>
+              <a:rPr lang="de-DE" dirty="0"/>
+              <a:t> Erstellung</a:t>
+            </a:r>
+          </a:p>
+          <a:p>
             <a:endParaRPr lang="de-DE" dirty="0"/>
           </a:p>
           <a:p>
@@ -6096,7 +6048,7 @@
     </p:spTree>
     <p:extLst>
       <p:ext uri="{BB962C8B-B14F-4D97-AF65-F5344CB8AC3E}">
-        <p14:creationId xmlns:p14="http://schemas.microsoft.com/office/powerpoint/2010/main" val="404333598"/>
+        <p14:creationId xmlns:p14="http://schemas.microsoft.com/office/powerpoint/2010/main" val="827611547"/>
       </p:ext>
     </p:extLst>
   </p:cSld>
@@ -6155,7 +6107,7 @@
               <a:t>Übung Modul 2: </a:t>
             </a:r>
             <a:r>
-              <a:rPr lang="de-DE" sz="1200" kern="1200" dirty="0" err="1">
+              <a:rPr lang="en-US" sz="1200" kern="1200" dirty="0">
                 <a:solidFill>
                   <a:schemeClr val="tx1"/>
                 </a:solidFill>
@@ -6164,10 +6116,10 @@
                 <a:ea typeface="+mn-ea"/>
                 <a:cs typeface="+mn-cs"/>
               </a:rPr>
-              <a:t>Record</a:t>
-            </a:r>
-            <a:r>
-              <a:rPr lang="de-DE" sz="1200" kern="1200" dirty="0">
+              <a:t>Record </a:t>
+            </a:r>
+            <a:r>
+              <a:rPr lang="en-US" sz="1200" kern="1200" dirty="0" err="1">
                 <a:solidFill>
                   <a:schemeClr val="tx1"/>
                 </a:solidFill>
@@ -6176,7 +6128,19 @@
                 <a:ea typeface="+mn-ea"/>
                 <a:cs typeface="+mn-cs"/>
               </a:rPr>
-              <a:t> Zerlegung und Klonen</a:t>
+              <a:t>Deklaration</a:t>
+            </a:r>
+            <a:r>
+              <a:rPr lang="en-US" sz="1200" kern="1200" dirty="0">
+                <a:solidFill>
+                  <a:schemeClr val="tx1"/>
+                </a:solidFill>
+                <a:effectLst/>
+                <a:latin typeface="+mn-lt"/>
+                <a:ea typeface="+mn-ea"/>
+                <a:cs typeface="+mn-cs"/>
+              </a:rPr>
+              <a:t> und Construction</a:t>
             </a:r>
             <a:endParaRPr lang="de-DE" dirty="0"/>
           </a:p>
@@ -6219,7 +6183,7 @@
     </p:spTree>
     <p:extLst>
       <p:ext uri="{BB962C8B-B14F-4D97-AF65-F5344CB8AC3E}">
-        <p14:creationId xmlns:p14="http://schemas.microsoft.com/office/powerpoint/2010/main" val="250556038"/>
+        <p14:creationId xmlns:p14="http://schemas.microsoft.com/office/powerpoint/2010/main" val="4249111469"/>
       </p:ext>
     </p:extLst>
   </p:cSld>
@@ -6274,7 +6238,11 @@
           <a:lstStyle/>
           <a:p>
             <a:r>
-              <a:rPr lang="de-DE" sz="1200" kern="1200" dirty="0">
+              <a:rPr lang="de-DE" dirty="0"/>
+              <a:t>Übung Modul 2: </a:t>
+            </a:r>
+            <a:r>
+              <a:rPr lang="en-US" sz="1200" kern="1200" dirty="0">
                 <a:solidFill>
                   <a:schemeClr val="tx1"/>
                 </a:solidFill>
@@ -6283,14 +6251,44 @@
                 <a:ea typeface="+mn-ea"/>
                 <a:cs typeface="+mn-cs"/>
               </a:rPr>
-              <a:t>Übung Modul 2: Gleichheit</a:t>
-            </a:r>
-          </a:p>
-          <a:p>
-            <a:r>
-              <a:rPr lang="de-DE" dirty="0"/>
-              <a:t>F# ist hier nominal!</a:t>
-            </a:r>
+              <a:t>Record </a:t>
+            </a:r>
+            <a:r>
+              <a:rPr lang="en-US" sz="1200" kern="1200" dirty="0" err="1">
+                <a:solidFill>
+                  <a:schemeClr val="tx1"/>
+                </a:solidFill>
+                <a:effectLst/>
+                <a:latin typeface="+mn-lt"/>
+                <a:ea typeface="+mn-ea"/>
+                <a:cs typeface="+mn-cs"/>
+              </a:rPr>
+              <a:t>Deklaration</a:t>
+            </a:r>
+            <a:r>
+              <a:rPr lang="en-US" sz="1200" kern="1200" dirty="0">
+                <a:solidFill>
+                  <a:schemeClr val="tx1"/>
+                </a:solidFill>
+                <a:effectLst/>
+                <a:latin typeface="+mn-lt"/>
+                <a:ea typeface="+mn-ea"/>
+                <a:cs typeface="+mn-cs"/>
+              </a:rPr>
+              <a:t> und Construction</a:t>
+            </a:r>
+            <a:endParaRPr lang="de-DE" dirty="0"/>
+          </a:p>
+          <a:p>
+            <a:r>
+              <a:rPr lang="de-DE" dirty="0"/>
+              <a:t>Ich kann pro Deklaration</a:t>
+            </a:r>
+            <a:r>
+              <a:rPr lang="de-DE" baseline="0" dirty="0"/>
+              <a:t> eine andere Funktion angeben.  Reihenfolge der Deklarationen ist nicht relevant.</a:t>
+            </a:r>
+            <a:endParaRPr lang="en-US" dirty="0"/>
           </a:p>
         </p:txBody>
       </p:sp>
@@ -6320,7 +6318,7 @@
     </p:spTree>
     <p:extLst>
       <p:ext uri="{BB962C8B-B14F-4D97-AF65-F5344CB8AC3E}">
-        <p14:creationId xmlns:p14="http://schemas.microsoft.com/office/powerpoint/2010/main" val="2002878727"/>
+        <p14:creationId xmlns:p14="http://schemas.microsoft.com/office/powerpoint/2010/main" val="404333598"/>
       </p:ext>
     </p:extLst>
   </p:cSld>
@@ -6376,146 +6374,42 @@
           <a:p>
             <a:r>
               <a:rPr lang="de-DE" dirty="0"/>
-              <a:t>Modul 2:</a:t>
+              <a:t>Übung Modul 2: </a:t>
+            </a:r>
+            <a:r>
+              <a:rPr lang="de-DE" sz="1200" kern="1200" dirty="0" err="1">
+                <a:solidFill>
+                  <a:schemeClr val="tx1"/>
+                </a:solidFill>
+                <a:effectLst/>
+                <a:latin typeface="+mn-lt"/>
+                <a:ea typeface="+mn-ea"/>
+                <a:cs typeface="+mn-cs"/>
+              </a:rPr>
+              <a:t>Record</a:t>
+            </a:r>
+            <a:r>
+              <a:rPr lang="de-DE" sz="1200" kern="1200" dirty="0">
+                <a:solidFill>
+                  <a:schemeClr val="tx1"/>
+                </a:solidFill>
+                <a:effectLst/>
+                <a:latin typeface="+mn-lt"/>
+                <a:ea typeface="+mn-ea"/>
+                <a:cs typeface="+mn-cs"/>
+              </a:rPr>
+              <a:t> Zerlegung und Klonen</a:t>
+            </a:r>
+            <a:endParaRPr lang="de-DE" dirty="0"/>
+          </a:p>
+          <a:p>
+            <a:r>
+              <a:rPr lang="de-DE" dirty="0"/>
+              <a:t>Ich kann pro Deklaration</a:t>
             </a:r>
             <a:r>
               <a:rPr lang="de-DE" baseline="0" dirty="0"/>
-              <a:t> </a:t>
-            </a:r>
-            <a:r>
-              <a:rPr lang="de-DE" dirty="0"/>
-              <a:t>Übung DU Deklaration</a:t>
-            </a:r>
-          </a:p>
-          <a:p>
-            <a:endParaRPr lang="de-DE" dirty="0"/>
-          </a:p>
-          <a:p>
-            <a:r>
-              <a:rPr lang="de-DE" dirty="0"/>
-              <a:t>Und da Ausdrucke </a:t>
-            </a:r>
-            <a:r>
-              <a:rPr lang="de-DE" dirty="0" err="1"/>
-              <a:t>immutable</a:t>
-            </a:r>
-            <a:r>
-              <a:rPr lang="de-DE" dirty="0"/>
-              <a:t> sind, ändert sich der Wert nicht.  Bitte nicht mit einem Variant (vb.net) verwechseln</a:t>
-            </a:r>
-          </a:p>
-          <a:p>
-            <a:r>
-              <a:rPr lang="de-DE" dirty="0"/>
-              <a:t>DU ist das ganze.  Die einzelnen möglichen Werte heißen Union</a:t>
-            </a:r>
-            <a:r>
-              <a:rPr lang="de-DE" baseline="0" dirty="0"/>
-              <a:t> Case</a:t>
-            </a:r>
-          </a:p>
-          <a:p>
-            <a:r>
-              <a:rPr lang="de-DE" baseline="0" dirty="0"/>
-              <a:t>Empty Case </a:t>
-            </a:r>
-            <a:r>
-              <a:rPr lang="de-DE" baseline="0" dirty="0" err="1"/>
-              <a:t>is</a:t>
-            </a:r>
-            <a:r>
-              <a:rPr lang="de-DE" baseline="0" dirty="0"/>
-              <a:t> </a:t>
-            </a:r>
-            <a:r>
-              <a:rPr lang="de-DE" baseline="0" dirty="0" err="1"/>
-              <a:t>possible</a:t>
-            </a:r>
-            <a:r>
-              <a:rPr lang="de-DE" baseline="0" dirty="0"/>
-              <a:t>.  </a:t>
-            </a:r>
-          </a:p>
-          <a:p>
-            <a:r>
-              <a:rPr lang="de-DE" baseline="0" dirty="0"/>
-              <a:t>Wenn es nur Empty </a:t>
-            </a:r>
-            <a:r>
-              <a:rPr lang="de-DE" baseline="0" dirty="0" err="1"/>
-              <a:t>cases</a:t>
-            </a:r>
-            <a:r>
-              <a:rPr lang="de-DE" baseline="0" dirty="0"/>
-              <a:t> gibt, dann handelt es sich um einen „</a:t>
-            </a:r>
-            <a:r>
-              <a:rPr lang="de-DE" baseline="0" dirty="0" err="1"/>
-              <a:t>Enum</a:t>
-            </a:r>
-            <a:r>
-              <a:rPr lang="de-DE" baseline="0" dirty="0"/>
-              <a:t> Style“ DU.  </a:t>
-            </a:r>
-          </a:p>
-          <a:p>
-            <a:r>
-              <a:rPr lang="de-DE" baseline="0" dirty="0"/>
-              <a:t>Ein „Echter“ </a:t>
-            </a:r>
-            <a:r>
-              <a:rPr lang="de-DE" baseline="0" dirty="0" err="1"/>
-              <a:t>Enum</a:t>
-            </a:r>
-            <a:r>
-              <a:rPr lang="de-DE" baseline="0" dirty="0"/>
-              <a:t> aber muss anders definiert werden um das gleiche zu erhalten was das IL darstellt wenn ich in C# einen </a:t>
-            </a:r>
-            <a:r>
-              <a:rPr lang="de-DE" baseline="0" dirty="0" err="1"/>
-              <a:t>Enum</a:t>
-            </a:r>
-            <a:r>
-              <a:rPr lang="de-DE" baseline="0" dirty="0"/>
-              <a:t> definiere.</a:t>
-            </a:r>
-          </a:p>
-          <a:p>
-            <a:r>
-              <a:rPr lang="de-DE" baseline="0" dirty="0"/>
-              <a:t>Single Case gibt es auch und sind sehr schön zu verwenden um Werte die eine bestimmte Funktion in meinem Domain haben darzustellen.  Z.B. </a:t>
-            </a:r>
-            <a:r>
-              <a:rPr lang="de-DE" baseline="0" dirty="0" err="1"/>
-              <a:t>int</a:t>
-            </a:r>
-            <a:r>
-              <a:rPr lang="de-DE" baseline="0" dirty="0"/>
-              <a:t> als </a:t>
-            </a:r>
-            <a:r>
-              <a:rPr lang="de-DE" baseline="0" dirty="0" err="1"/>
-              <a:t>KundeID</a:t>
-            </a:r>
-            <a:r>
-              <a:rPr lang="de-DE" baseline="0" dirty="0"/>
-              <a:t> und </a:t>
-            </a:r>
-            <a:r>
-              <a:rPr lang="de-DE" baseline="0" dirty="0" err="1"/>
-              <a:t>ProduktID</a:t>
-            </a:r>
-            <a:r>
-              <a:rPr lang="de-DE" baseline="0" dirty="0"/>
-              <a:t>.  Dann ist es kein </a:t>
-            </a:r>
-            <a:r>
-              <a:rPr lang="de-DE" baseline="0" dirty="0" err="1"/>
-              <a:t>int</a:t>
-            </a:r>
-            <a:r>
-              <a:rPr lang="de-DE" baseline="0" dirty="0"/>
-              <a:t> mehr sondern das genannte typ und ich kann diese z.B. nicht mehr vergleichen</a:t>
+              <a:t> eine andere Funktion angeben.  Reihenfolge der Deklarationen ist nicht relevant.</a:t>
             </a:r>
             <a:endParaRPr lang="en-US" dirty="0"/>
           </a:p>
@@ -6547,7 +6441,7 @@
     </p:spTree>
     <p:extLst>
       <p:ext uri="{BB962C8B-B14F-4D97-AF65-F5344CB8AC3E}">
-        <p14:creationId xmlns:p14="http://schemas.microsoft.com/office/powerpoint/2010/main" val="3285654297"/>
+        <p14:creationId xmlns:p14="http://schemas.microsoft.com/office/powerpoint/2010/main" val="250556038"/>
       </p:ext>
     </p:extLst>
   </p:cSld>
@@ -6602,20 +6496,23 @@
           <a:lstStyle/>
           <a:p>
             <a:r>
-              <a:rPr lang="de-DE" dirty="0"/>
-              <a:t>Modul 2:</a:t>
-            </a:r>
-            <a:r>
-              <a:rPr lang="de-DE" baseline="0" dirty="0"/>
-              <a:t> </a:t>
-            </a:r>
-            <a:r>
-              <a:rPr lang="de-DE" dirty="0"/>
-              <a:t>Übung DU Deklaration</a:t>
-            </a:r>
-          </a:p>
-          <a:p>
-            <a:endParaRPr lang="de-DE" dirty="0"/>
+              <a:rPr lang="de-DE" sz="1200" kern="1200" dirty="0">
+                <a:solidFill>
+                  <a:schemeClr val="tx1"/>
+                </a:solidFill>
+                <a:effectLst/>
+                <a:latin typeface="+mn-lt"/>
+                <a:ea typeface="+mn-ea"/>
+                <a:cs typeface="+mn-cs"/>
+              </a:rPr>
+              <a:t>Übung Modul 2: Gleichheit</a:t>
+            </a:r>
+          </a:p>
+          <a:p>
+            <a:r>
+              <a:rPr lang="de-DE" dirty="0"/>
+              <a:t>F# ist hier nominal!</a:t>
+            </a:r>
           </a:p>
         </p:txBody>
       </p:sp>
@@ -6645,7 +6542,7 @@
     </p:spTree>
     <p:extLst>
       <p:ext uri="{BB962C8B-B14F-4D97-AF65-F5344CB8AC3E}">
-        <p14:creationId xmlns:p14="http://schemas.microsoft.com/office/powerpoint/2010/main" val="3497006593"/>
+        <p14:creationId xmlns:p14="http://schemas.microsoft.com/office/powerpoint/2010/main" val="2002878727"/>
       </p:ext>
     </p:extLst>
   </p:cSld>
@@ -6699,86 +6596,150 @@
           <a:bodyPr/>
           <a:lstStyle/>
           <a:p>
-            <a:pPr marL="0" marR="0" lvl="0" indent="0" algn="l" defTabSz="914400" rtl="0" eaLnBrk="1" fontAlgn="auto" latinLnBrk="0" hangingPunct="1">
-              <a:lnSpc>
-                <a:spcPct val="100000"/>
-              </a:lnSpc>
-              <a:spcBef>
-                <a:spcPts val="0"/>
-              </a:spcBef>
-              <a:spcAft>
-                <a:spcPts val="0"/>
-              </a:spcAft>
-              <a:buClrTx/>
-              <a:buSzTx/>
-              <a:buFontTx/>
-              <a:buNone/>
-              <a:tabLst/>
-              <a:defRPr/>
-            </a:pPr>
-            <a:r>
-              <a:rPr lang="de-DE" dirty="0"/>
-              <a:t>Modul</a:t>
+            <a:r>
+              <a:rPr lang="de-DE" dirty="0"/>
+              <a:t>Modul 2:</a:t>
             </a:r>
             <a:r>
               <a:rPr lang="de-DE" baseline="0" dirty="0"/>
-              <a:t> 2: </a:t>
-            </a:r>
-            <a:r>
-              <a:rPr lang="de-DE" sz="1200" b="0" kern="1200" dirty="0">
-                <a:solidFill>
-                  <a:schemeClr val="tx1"/>
-                </a:solidFill>
-                <a:effectLst/>
-                <a:latin typeface="+mn-lt"/>
-                <a:ea typeface="+mn-ea"/>
-                <a:cs typeface="+mn-cs"/>
-              </a:rPr>
-              <a:t>Übung: DU – Single Case</a:t>
-            </a:r>
-            <a:endParaRPr lang="de-DE" b="0" dirty="0"/>
-          </a:p>
-          <a:p>
-            <a:r>
-              <a:rPr lang="de-DE" dirty="0"/>
-              <a:t>In DDD (Domain </a:t>
+              <a:t> </a:t>
+            </a:r>
+            <a:r>
+              <a:rPr lang="de-DE" dirty="0"/>
+              <a:t>Übung DU Deklaration</a:t>
+            </a:r>
+          </a:p>
+          <a:p>
+            <a:endParaRPr lang="de-DE" dirty="0"/>
+          </a:p>
+          <a:p>
+            <a:r>
+              <a:rPr lang="de-DE" dirty="0"/>
+              <a:t>Und da Ausdrucke </a:t>
             </a:r>
             <a:r>
               <a:rPr lang="de-DE" dirty="0" err="1"/>
-              <a:t>Driven</a:t>
-            </a:r>
-            <a:r>
-              <a:rPr lang="de-DE" dirty="0"/>
-              <a:t> Design) spielen diese oft eine wichtige Rolle.  Z.B. kann ich dadurch Primitives</a:t>
+              <a:t>immutable</a:t>
+            </a:r>
+            <a:r>
+              <a:rPr lang="de-DE" dirty="0"/>
+              <a:t> sind, ändert sich der Wert nicht.  Bitte nicht mit einem Variant (vb.net) verwechseln</a:t>
+            </a:r>
+          </a:p>
+          <a:p>
+            <a:r>
+              <a:rPr lang="de-DE" dirty="0"/>
+              <a:t>DU ist das ganze.  Die einzelnen möglichen Werte heißen Union</a:t>
             </a:r>
             <a:r>
               <a:rPr lang="de-DE" baseline="0" dirty="0"/>
-              <a:t> so definieren dass diese untereinander nicht „kompatibel“ sind, auch wenn diese vom gleichen Typ sind.</a:t>
-            </a:r>
-          </a:p>
-          <a:p>
-            <a:r>
-              <a:rPr lang="en-US" dirty="0"/>
-              <a:t>Primitives often possess a special meaning in a business system</a:t>
-            </a:r>
-          </a:p>
-          <a:p>
-            <a:r>
-              <a:rPr lang="en-US" dirty="0"/>
-              <a:t>In a system of coordinates, both latitude and longitude are floats</a:t>
-            </a:r>
-          </a:p>
-          <a:p>
-            <a:r>
-              <a:rPr lang="en-US" dirty="0"/>
-              <a:t>Each, however, represents a distinct set of values</a:t>
-            </a:r>
-          </a:p>
-          <a:p>
-            <a:r>
-              <a:rPr lang="en-US" dirty="0"/>
-              <a:t>Designating single case unions renders operations involving both illegal</a:t>
-            </a:r>
+              <a:t> Case</a:t>
+            </a:r>
+          </a:p>
+          <a:p>
+            <a:r>
+              <a:rPr lang="de-DE" baseline="0" dirty="0"/>
+              <a:t>Empty Case </a:t>
+            </a:r>
+            <a:r>
+              <a:rPr lang="de-DE" baseline="0" dirty="0" err="1"/>
+              <a:t>is</a:t>
+            </a:r>
+            <a:r>
+              <a:rPr lang="de-DE" baseline="0" dirty="0"/>
+              <a:t> </a:t>
+            </a:r>
+            <a:r>
+              <a:rPr lang="de-DE" baseline="0" dirty="0" err="1"/>
+              <a:t>possible</a:t>
+            </a:r>
+            <a:r>
+              <a:rPr lang="de-DE" baseline="0" dirty="0"/>
+              <a:t>.  </a:t>
+            </a:r>
+          </a:p>
+          <a:p>
+            <a:r>
+              <a:rPr lang="de-DE" baseline="0" dirty="0"/>
+              <a:t>Wenn es nur Empty </a:t>
+            </a:r>
+            <a:r>
+              <a:rPr lang="de-DE" baseline="0" dirty="0" err="1"/>
+              <a:t>cases</a:t>
+            </a:r>
+            <a:r>
+              <a:rPr lang="de-DE" baseline="0" dirty="0"/>
+              <a:t> gibt, dann handelt es sich um einen „</a:t>
+            </a:r>
+            <a:r>
+              <a:rPr lang="de-DE" baseline="0" dirty="0" err="1"/>
+              <a:t>Enum</a:t>
+            </a:r>
+            <a:r>
+              <a:rPr lang="de-DE" baseline="0" dirty="0"/>
+              <a:t> Style“ DU.  </a:t>
+            </a:r>
+          </a:p>
+          <a:p>
+            <a:r>
+              <a:rPr lang="de-DE" baseline="0" dirty="0"/>
+              <a:t>Ein „Echter“ </a:t>
+            </a:r>
+            <a:r>
+              <a:rPr lang="de-DE" baseline="0" dirty="0" err="1"/>
+              <a:t>Enum</a:t>
+            </a:r>
+            <a:r>
+              <a:rPr lang="de-DE" baseline="0" dirty="0"/>
+              <a:t> aber muss anders definiert werden um das gleiche zu erhalten was das IL darstellt wenn ich in C# einen </a:t>
+            </a:r>
+            <a:r>
+              <a:rPr lang="de-DE" baseline="0" dirty="0" err="1"/>
+              <a:t>Enum</a:t>
+            </a:r>
+            <a:r>
+              <a:rPr lang="de-DE" baseline="0" dirty="0"/>
+              <a:t> definiere.</a:t>
+            </a:r>
+          </a:p>
+          <a:p>
+            <a:r>
+              <a:rPr lang="de-DE" baseline="0" dirty="0"/>
+              <a:t>Single Case gibt es auch und sind sehr schön zu verwenden um Werte die eine bestimmte Funktion in meinem Domain haben darzustellen.  Z.B. </a:t>
+            </a:r>
+            <a:r>
+              <a:rPr lang="de-DE" baseline="0" dirty="0" err="1"/>
+              <a:t>int</a:t>
+            </a:r>
+            <a:r>
+              <a:rPr lang="de-DE" baseline="0" dirty="0"/>
+              <a:t> als </a:t>
+            </a:r>
+            <a:r>
+              <a:rPr lang="de-DE" baseline="0" dirty="0" err="1"/>
+              <a:t>KundeID</a:t>
+            </a:r>
+            <a:r>
+              <a:rPr lang="de-DE" baseline="0" dirty="0"/>
+              <a:t> und </a:t>
+            </a:r>
+            <a:r>
+              <a:rPr lang="de-DE" baseline="0" dirty="0" err="1"/>
+              <a:t>ProduktID</a:t>
+            </a:r>
+            <a:r>
+              <a:rPr lang="de-DE" baseline="0" dirty="0"/>
+              <a:t>.  Dann ist es kein </a:t>
+            </a:r>
+            <a:r>
+              <a:rPr lang="de-DE" baseline="0" dirty="0" err="1"/>
+              <a:t>int</a:t>
+            </a:r>
+            <a:r>
+              <a:rPr lang="de-DE" baseline="0" dirty="0"/>
+              <a:t> mehr sondern das genannte typ und ich kann diese z.B. nicht mehr vergleichen</a:t>
+            </a:r>
+            <a:endParaRPr lang="en-US" dirty="0"/>
           </a:p>
         </p:txBody>
       </p:sp>
@@ -6808,7 +6769,7 @@
     </p:spTree>
     <p:extLst>
       <p:ext uri="{BB962C8B-B14F-4D97-AF65-F5344CB8AC3E}">
-        <p14:creationId xmlns:p14="http://schemas.microsoft.com/office/powerpoint/2010/main" val="2117330388"/>
+        <p14:creationId xmlns:p14="http://schemas.microsoft.com/office/powerpoint/2010/main" val="3285654297"/>
       </p:ext>
     </p:extLst>
   </p:cSld>
@@ -6872,7 +6833,7 @@
             </a:r>
             <a:r>
               <a:rPr lang="de-DE" dirty="0"/>
-              <a:t>Übung DU Deklaration und Konstruktion</a:t>
+              <a:t>Übung DU Deklaration</a:t>
             </a:r>
           </a:p>
           <a:p>
@@ -6906,7 +6867,7 @@
     </p:spTree>
     <p:extLst>
       <p:ext uri="{BB962C8B-B14F-4D97-AF65-F5344CB8AC3E}">
-        <p14:creationId xmlns:p14="http://schemas.microsoft.com/office/powerpoint/2010/main" val="4134075438"/>
+        <p14:creationId xmlns:p14="http://schemas.microsoft.com/office/powerpoint/2010/main" val="3497006593"/>
       </p:ext>
     </p:extLst>
   </p:cSld>
@@ -7233,34 +7194,86 @@
           <a:bodyPr/>
           <a:lstStyle/>
           <a:p>
-            <a:r>
-              <a:rPr lang="de-DE" dirty="0"/>
-              <a:t>Modul 2:</a:t>
+            <a:pPr marL="0" marR="0" lvl="0" indent="0" algn="l" defTabSz="914400" rtl="0" eaLnBrk="1" fontAlgn="auto" latinLnBrk="0" hangingPunct="1">
+              <a:lnSpc>
+                <a:spcPct val="100000"/>
+              </a:lnSpc>
+              <a:spcBef>
+                <a:spcPts val="0"/>
+              </a:spcBef>
+              <a:spcAft>
+                <a:spcPts val="0"/>
+              </a:spcAft>
+              <a:buClrTx/>
+              <a:buSzTx/>
+              <a:buFontTx/>
+              <a:buNone/>
+              <a:tabLst/>
+              <a:defRPr/>
+            </a:pPr>
+            <a:r>
+              <a:rPr lang="de-DE" dirty="0"/>
+              <a:t>Modul</a:t>
             </a:r>
             <a:r>
               <a:rPr lang="de-DE" baseline="0" dirty="0"/>
-              <a:t> </a:t>
-            </a:r>
-            <a:r>
-              <a:rPr lang="de-DE" dirty="0"/>
-              <a:t>Übung DU Pattern</a:t>
+              <a:t> 2: </a:t>
+            </a:r>
+            <a:r>
+              <a:rPr lang="de-DE" sz="1200" b="0" kern="1200" dirty="0">
+                <a:solidFill>
+                  <a:schemeClr val="tx1"/>
+                </a:solidFill>
+                <a:effectLst/>
+                <a:latin typeface="+mn-lt"/>
+                <a:ea typeface="+mn-ea"/>
+                <a:cs typeface="+mn-cs"/>
+              </a:rPr>
+              <a:t>Übung: DU – Single Case</a:t>
+            </a:r>
+            <a:endParaRPr lang="de-DE" b="0" dirty="0"/>
+          </a:p>
+          <a:p>
+            <a:r>
+              <a:rPr lang="de-DE" dirty="0"/>
+              <a:t>In DDD (Domain </a:t>
+            </a:r>
+            <a:r>
+              <a:rPr lang="de-DE" dirty="0" err="1"/>
+              <a:t>Driven</a:t>
+            </a:r>
+            <a:r>
+              <a:rPr lang="de-DE" dirty="0"/>
+              <a:t> Design) spielen diese oft eine wichtige Rolle.  Z.B. kann ich dadurch Primitives</a:t>
             </a:r>
             <a:r>
               <a:rPr lang="de-DE" baseline="0" dirty="0"/>
-              <a:t> </a:t>
-            </a:r>
-            <a:r>
-              <a:rPr lang="de-DE" baseline="0" dirty="0" err="1"/>
-              <a:t>Matching</a:t>
-            </a:r>
-            <a:r>
-              <a:rPr lang="de-DE" baseline="0" dirty="0"/>
-              <a:t> und Zerlegung</a:t>
-            </a:r>
-            <a:endParaRPr lang="de-DE" dirty="0"/>
-          </a:p>
-          <a:p>
-            <a:endParaRPr lang="de-DE" dirty="0"/>
+              <a:t> so definieren dass diese untereinander nicht „kompatibel“ sind, auch wenn diese vom gleichen Typ sind.</a:t>
+            </a:r>
+          </a:p>
+          <a:p>
+            <a:r>
+              <a:rPr lang="en-US" dirty="0"/>
+              <a:t>Primitives often possess a special meaning in a business system</a:t>
+            </a:r>
+          </a:p>
+          <a:p>
+            <a:r>
+              <a:rPr lang="en-US" dirty="0"/>
+              <a:t>In a system of coordinates, both latitude and longitude are floats</a:t>
+            </a:r>
+          </a:p>
+          <a:p>
+            <a:r>
+              <a:rPr lang="en-US" dirty="0"/>
+              <a:t>Each, however, represents a distinct set of values</a:t>
+            </a:r>
+          </a:p>
+          <a:p>
+            <a:r>
+              <a:rPr lang="en-US" dirty="0"/>
+              <a:t>Designating single case unions renders operations involving both illegal</a:t>
+            </a:r>
           </a:p>
         </p:txBody>
       </p:sp>
@@ -7290,7 +7303,7 @@
     </p:spTree>
     <p:extLst>
       <p:ext uri="{BB962C8B-B14F-4D97-AF65-F5344CB8AC3E}">
-        <p14:creationId xmlns:p14="http://schemas.microsoft.com/office/powerpoint/2010/main" val="157938884"/>
+        <p14:creationId xmlns:p14="http://schemas.microsoft.com/office/powerpoint/2010/main" val="2117330388"/>
       </p:ext>
     </p:extLst>
   </p:cSld>
@@ -7354,7 +7367,7 @@
             </a:r>
             <a:r>
               <a:rPr lang="de-DE" dirty="0"/>
-              <a:t>Übung DU Deklaration</a:t>
+              <a:t>Übung DU Deklaration und Konstruktion</a:t>
             </a:r>
           </a:p>
           <a:p>
@@ -7388,7 +7401,7 @@
     </p:spTree>
     <p:extLst>
       <p:ext uri="{BB962C8B-B14F-4D97-AF65-F5344CB8AC3E}">
-        <p14:creationId xmlns:p14="http://schemas.microsoft.com/office/powerpoint/2010/main" val="987050772"/>
+        <p14:creationId xmlns:p14="http://schemas.microsoft.com/office/powerpoint/2010/main" val="4134075438"/>
       </p:ext>
     </p:extLst>
   </p:cSld>
@@ -7444,37 +7457,32 @@
           <a:p>
             <a:r>
               <a:rPr lang="de-DE" dirty="0"/>
-              <a:t>In </a:t>
-            </a:r>
-            <a:r>
-              <a:rPr lang="de-DE" dirty="0" err="1"/>
-              <a:t>Haskel</a:t>
-            </a:r>
-            <a:r>
-              <a:rPr lang="de-DE" dirty="0"/>
-              <a:t> heißt dieser Typ </a:t>
-            </a:r>
-            <a:r>
-              <a:rPr lang="de-DE" dirty="0" err="1"/>
-              <a:t>Maybe</a:t>
-            </a:r>
-            <a:r>
-              <a:rPr lang="de-DE" dirty="0"/>
-              <a:t>, in Scala heißt</a:t>
+              <a:t>Modul 2:</a:t>
             </a:r>
             <a:r>
               <a:rPr lang="de-DE" baseline="0" dirty="0"/>
-              <a:t> es auch </a:t>
+              <a:t> </a:t>
+            </a:r>
+            <a:r>
+              <a:rPr lang="de-DE" dirty="0"/>
+              <a:t>Übung DU Pattern</a:t>
+            </a:r>
+            <a:r>
+              <a:rPr lang="de-DE" baseline="0" dirty="0"/>
+              <a:t> </a:t>
             </a:r>
             <a:r>
               <a:rPr lang="de-DE" baseline="0" dirty="0" err="1"/>
-              <a:t>option</a:t>
+              <a:t>Matching</a:t>
             </a:r>
             <a:r>
               <a:rPr lang="de-DE" baseline="0" dirty="0"/>
-              <a:t>.</a:t>
-            </a:r>
-            <a:endParaRPr lang="en-US" dirty="0"/>
+              <a:t> und Zerlegung</a:t>
+            </a:r>
+            <a:endParaRPr lang="de-DE" dirty="0"/>
+          </a:p>
+          <a:p>
+            <a:endParaRPr lang="de-DE" dirty="0"/>
           </a:p>
         </p:txBody>
       </p:sp>
@@ -7504,7 +7512,7 @@
     </p:spTree>
     <p:extLst>
       <p:ext uri="{BB962C8B-B14F-4D97-AF65-F5344CB8AC3E}">
-        <p14:creationId xmlns:p14="http://schemas.microsoft.com/office/powerpoint/2010/main" val="1558731010"/>
+        <p14:creationId xmlns:p14="http://schemas.microsoft.com/office/powerpoint/2010/main" val="157938884"/>
       </p:ext>
     </p:extLst>
   </p:cSld>
@@ -7560,37 +7568,19 @@
           <a:p>
             <a:r>
               <a:rPr lang="de-DE" dirty="0"/>
-              <a:t>In </a:t>
-            </a:r>
-            <a:r>
-              <a:rPr lang="de-DE" dirty="0" err="1"/>
-              <a:t>Haskel</a:t>
-            </a:r>
-            <a:r>
-              <a:rPr lang="de-DE" dirty="0"/>
-              <a:t> heißt dieser Typ </a:t>
-            </a:r>
-            <a:r>
-              <a:rPr lang="de-DE" dirty="0" err="1"/>
-              <a:t>Maybe</a:t>
-            </a:r>
-            <a:r>
-              <a:rPr lang="de-DE" dirty="0"/>
-              <a:t>, in Scala heißt</a:t>
+              <a:t>Modul 2:</a:t>
             </a:r>
             <a:r>
               <a:rPr lang="de-DE" baseline="0" dirty="0"/>
-              <a:t> es auch </a:t>
-            </a:r>
-            <a:r>
-              <a:rPr lang="de-DE" baseline="0" dirty="0" err="1"/>
-              <a:t>option</a:t>
-            </a:r>
-            <a:r>
-              <a:rPr lang="de-DE" baseline="0" dirty="0"/>
-              <a:t>.</a:t>
-            </a:r>
-            <a:endParaRPr lang="en-US" dirty="0"/>
+              <a:t> </a:t>
+            </a:r>
+            <a:r>
+              <a:rPr lang="de-DE" dirty="0"/>
+              <a:t>Übung DU Deklaration</a:t>
+            </a:r>
+          </a:p>
+          <a:p>
+            <a:endParaRPr lang="de-DE" dirty="0"/>
           </a:p>
         </p:txBody>
       </p:sp>
@@ -7620,7 +7610,7 @@
     </p:spTree>
     <p:extLst>
       <p:ext uri="{BB962C8B-B14F-4D97-AF65-F5344CB8AC3E}">
-        <p14:creationId xmlns:p14="http://schemas.microsoft.com/office/powerpoint/2010/main" val="2147625168"/>
+        <p14:creationId xmlns:p14="http://schemas.microsoft.com/office/powerpoint/2010/main" val="987050772"/>
       </p:ext>
     </p:extLst>
   </p:cSld>
@@ -7676,61 +7666,36 @@
           <a:p>
             <a:r>
               <a:rPr lang="de-DE" dirty="0"/>
-              <a:t>null</a:t>
+              <a:t>In </a:t>
+            </a:r>
+            <a:r>
+              <a:rPr lang="de-DE" dirty="0" err="1"/>
+              <a:t>Haskel</a:t>
+            </a:r>
+            <a:r>
+              <a:rPr lang="de-DE" dirty="0"/>
+              <a:t> heißt dieser Typ </a:t>
+            </a:r>
+            <a:r>
+              <a:rPr lang="de-DE" dirty="0" err="1"/>
+              <a:t>Maybe</a:t>
+            </a:r>
+            <a:r>
+              <a:rPr lang="de-DE" dirty="0"/>
+              <a:t>, in Scala heißt</a:t>
             </a:r>
             <a:r>
               <a:rPr lang="de-DE" baseline="0" dirty="0"/>
-              <a:t> ist eine Reference zu einem nicht-vorhandenen Objekt</a:t>
-            </a:r>
-          </a:p>
-          <a:p>
-            <a:pPr marL="0" marR="0" indent="0" algn="l" defTabSz="914400" rtl="0" eaLnBrk="1" fontAlgn="auto" latinLnBrk="0" hangingPunct="1">
-              <a:lnSpc>
-                <a:spcPct val="100000"/>
-              </a:lnSpc>
-              <a:spcBef>
-                <a:spcPts val="0"/>
-              </a:spcBef>
-              <a:spcAft>
-                <a:spcPts val="0"/>
-              </a:spcAft>
-              <a:buClrTx/>
-              <a:buSzTx/>
-              <a:buFontTx/>
-              <a:buNone/>
-              <a:tabLst/>
-              <a:defRPr/>
-            </a:pPr>
-            <a:r>
-              <a:rPr lang="de-DE" dirty="0"/>
-              <a:t>null</a:t>
+              <a:t> es auch </a:t>
+            </a:r>
+            <a:r>
+              <a:rPr lang="de-DE" baseline="0" dirty="0" err="1"/>
+              <a:t>option</a:t>
             </a:r>
             <a:r>
               <a:rPr lang="de-DE" baseline="0" dirty="0"/>
-              <a:t> hat den gleichen Typ, ich kann </a:t>
-            </a:r>
-            <a:r>
-              <a:rPr lang="de-DE" baseline="0" dirty="0" err="1">
-                <a:solidFill>
-                  <a:schemeClr val="accent2">
-                    <a:lumMod val="75000"/>
-                  </a:schemeClr>
-                </a:solidFill>
-              </a:rPr>
-              <a:t>Length</a:t>
-            </a:r>
-            <a:r>
-              <a:rPr lang="de-DE" baseline="0" dirty="0">
-                <a:solidFill>
-                  <a:schemeClr val="accent2">
-                    <a:lumMod val="75000"/>
-                  </a:schemeClr>
-                </a:solidFill>
-              </a:rPr>
-              <a:t> aufrufen auf einen Reference zu Nichts!</a:t>
-            </a:r>
-          </a:p>
-          <a:p>
+              <a:t>.</a:t>
+            </a:r>
             <a:endParaRPr lang="en-US" dirty="0"/>
           </a:p>
         </p:txBody>
@@ -7761,7 +7726,7 @@
     </p:spTree>
     <p:extLst>
       <p:ext uri="{BB962C8B-B14F-4D97-AF65-F5344CB8AC3E}">
-        <p14:creationId xmlns:p14="http://schemas.microsoft.com/office/powerpoint/2010/main" val="2749551638"/>
+        <p14:creationId xmlns:p14="http://schemas.microsoft.com/office/powerpoint/2010/main" val="1558731010"/>
       </p:ext>
     </p:extLst>
   </p:cSld>
@@ -7817,6 +7782,263 @@
           <a:p>
             <a:r>
               <a:rPr lang="de-DE" dirty="0"/>
+              <a:t>In </a:t>
+            </a:r>
+            <a:r>
+              <a:rPr lang="de-DE" dirty="0" err="1"/>
+              <a:t>Haskel</a:t>
+            </a:r>
+            <a:r>
+              <a:rPr lang="de-DE" dirty="0"/>
+              <a:t> heißt dieser Typ </a:t>
+            </a:r>
+            <a:r>
+              <a:rPr lang="de-DE" dirty="0" err="1"/>
+              <a:t>Maybe</a:t>
+            </a:r>
+            <a:r>
+              <a:rPr lang="de-DE" dirty="0"/>
+              <a:t>, in Scala heißt</a:t>
+            </a:r>
+            <a:r>
+              <a:rPr lang="de-DE" baseline="0" dirty="0"/>
+              <a:t> es auch </a:t>
+            </a:r>
+            <a:r>
+              <a:rPr lang="de-DE" baseline="0" dirty="0" err="1"/>
+              <a:t>option</a:t>
+            </a:r>
+            <a:r>
+              <a:rPr lang="de-DE" baseline="0" dirty="0"/>
+              <a:t>.</a:t>
+            </a:r>
+            <a:endParaRPr lang="en-US" dirty="0"/>
+          </a:p>
+        </p:txBody>
+      </p:sp>
+      <p:sp>
+        <p:nvSpPr>
+          <p:cNvPr id="4" name="Slide Number Placeholder 3"/>
+          <p:cNvSpPr>
+            <a:spLocks noGrp="1"/>
+          </p:cNvSpPr>
+          <p:nvPr>
+            <p:ph type="sldNum" sz="quarter" idx="10"/>
+          </p:nvPr>
+        </p:nvSpPr>
+        <p:spPr/>
+        <p:txBody>
+          <a:bodyPr/>
+          <a:lstStyle/>
+          <a:p>
+            <a:fld id="{4775FDF9-2A53-4261-A0AF-3B6A9698D365}" type="slidenum">
+              <a:rPr lang="en-US" smtClean="0"/>
+              <a:t>57</a:t>
+            </a:fld>
+            <a:endParaRPr lang="en-US"/>
+          </a:p>
+        </p:txBody>
+      </p:sp>
+    </p:spTree>
+    <p:extLst>
+      <p:ext uri="{BB962C8B-B14F-4D97-AF65-F5344CB8AC3E}">
+        <p14:creationId xmlns:p14="http://schemas.microsoft.com/office/powerpoint/2010/main" val="2147625168"/>
+      </p:ext>
+    </p:extLst>
+  </p:cSld>
+  <p:clrMapOvr>
+    <a:masterClrMapping/>
+  </p:clrMapOvr>
+</p:notes>
+</file>
+
+<file path=ppt/notesSlides/notesSlide56.xml><?xml version="1.0" encoding="utf-8"?>
+<p:notes xmlns:a="http://schemas.openxmlformats.org/drawingml/2006/main" xmlns:r="http://schemas.openxmlformats.org/officeDocument/2006/relationships" xmlns:p="http://schemas.openxmlformats.org/presentationml/2006/main">
+  <p:cSld>
+    <p:spTree>
+      <p:nvGrpSpPr>
+        <p:cNvPr id="1" name=""/>
+        <p:cNvGrpSpPr/>
+        <p:nvPr/>
+      </p:nvGrpSpPr>
+      <p:grpSpPr>
+        <a:xfrm>
+          <a:off x="0" y="0"/>
+          <a:ext cx="0" cy="0"/>
+          <a:chOff x="0" y="0"/>
+          <a:chExt cx="0" cy="0"/>
+        </a:xfrm>
+      </p:grpSpPr>
+      <p:sp>
+        <p:nvSpPr>
+          <p:cNvPr id="2" name="Slide Image Placeholder 1"/>
+          <p:cNvSpPr>
+            <a:spLocks noGrp="1" noRot="1" noChangeAspect="1"/>
+          </p:cNvSpPr>
+          <p:nvPr>
+            <p:ph type="sldImg"/>
+          </p:nvPr>
+        </p:nvSpPr>
+        <p:spPr/>
+      </p:sp>
+      <p:sp>
+        <p:nvSpPr>
+          <p:cNvPr id="3" name="Notes Placeholder 2"/>
+          <p:cNvSpPr>
+            <a:spLocks noGrp="1"/>
+          </p:cNvSpPr>
+          <p:nvPr>
+            <p:ph type="body" idx="1"/>
+          </p:nvPr>
+        </p:nvSpPr>
+        <p:spPr/>
+        <p:txBody>
+          <a:bodyPr/>
+          <a:lstStyle/>
+          <a:p>
+            <a:r>
+              <a:rPr lang="de-DE" dirty="0"/>
+              <a:t>null</a:t>
+            </a:r>
+            <a:r>
+              <a:rPr lang="de-DE" baseline="0" dirty="0"/>
+              <a:t> ist eine Reference zu einem nicht-vorhandenen Objekt</a:t>
+            </a:r>
+          </a:p>
+          <a:p>
+            <a:pPr marL="0" marR="0" indent="0" algn="l" defTabSz="914400" rtl="0" eaLnBrk="1" fontAlgn="auto" latinLnBrk="0" hangingPunct="1">
+              <a:lnSpc>
+                <a:spcPct val="100000"/>
+              </a:lnSpc>
+              <a:spcBef>
+                <a:spcPts val="0"/>
+              </a:spcBef>
+              <a:spcAft>
+                <a:spcPts val="0"/>
+              </a:spcAft>
+              <a:buClrTx/>
+              <a:buSzTx/>
+              <a:buFontTx/>
+              <a:buNone/>
+              <a:tabLst/>
+              <a:defRPr/>
+            </a:pPr>
+            <a:r>
+              <a:rPr lang="de-DE" dirty="0"/>
+              <a:t>null</a:t>
+            </a:r>
+            <a:r>
+              <a:rPr lang="de-DE" baseline="0" dirty="0"/>
+              <a:t> hat den gleichen Typ, ich kann </a:t>
+            </a:r>
+            <a:r>
+              <a:rPr lang="de-DE" baseline="0" dirty="0" err="1">
+                <a:solidFill>
+                  <a:schemeClr val="accent2">
+                    <a:lumMod val="75000"/>
+                  </a:schemeClr>
+                </a:solidFill>
+              </a:rPr>
+              <a:t>Length</a:t>
+            </a:r>
+            <a:r>
+              <a:rPr lang="de-DE" baseline="0" dirty="0">
+                <a:solidFill>
+                  <a:schemeClr val="accent2">
+                    <a:lumMod val="75000"/>
+                  </a:schemeClr>
+                </a:solidFill>
+              </a:rPr>
+              <a:t> aufrufen auf einen Reference zu Nichts!</a:t>
+            </a:r>
+          </a:p>
+          <a:p>
+            <a:endParaRPr lang="en-US" dirty="0"/>
+          </a:p>
+        </p:txBody>
+      </p:sp>
+      <p:sp>
+        <p:nvSpPr>
+          <p:cNvPr id="4" name="Slide Number Placeholder 3"/>
+          <p:cNvSpPr>
+            <a:spLocks noGrp="1"/>
+          </p:cNvSpPr>
+          <p:nvPr>
+            <p:ph type="sldNum" sz="quarter" idx="10"/>
+          </p:nvPr>
+        </p:nvSpPr>
+        <p:spPr/>
+        <p:txBody>
+          <a:bodyPr/>
+          <a:lstStyle/>
+          <a:p>
+            <a:fld id="{4775FDF9-2A53-4261-A0AF-3B6A9698D365}" type="slidenum">
+              <a:rPr lang="en-US" smtClean="0"/>
+              <a:t>58</a:t>
+            </a:fld>
+            <a:endParaRPr lang="en-US"/>
+          </a:p>
+        </p:txBody>
+      </p:sp>
+    </p:spTree>
+    <p:extLst>
+      <p:ext uri="{BB962C8B-B14F-4D97-AF65-F5344CB8AC3E}">
+        <p14:creationId xmlns:p14="http://schemas.microsoft.com/office/powerpoint/2010/main" val="2749551638"/>
+      </p:ext>
+    </p:extLst>
+  </p:cSld>
+  <p:clrMapOvr>
+    <a:masterClrMapping/>
+  </p:clrMapOvr>
+</p:notes>
+</file>
+
+<file path=ppt/notesSlides/notesSlide57.xml><?xml version="1.0" encoding="utf-8"?>
+<p:notes xmlns:a="http://schemas.openxmlformats.org/drawingml/2006/main" xmlns:r="http://schemas.openxmlformats.org/officeDocument/2006/relationships" xmlns:p="http://schemas.openxmlformats.org/presentationml/2006/main">
+  <p:cSld>
+    <p:spTree>
+      <p:nvGrpSpPr>
+        <p:cNvPr id="1" name=""/>
+        <p:cNvGrpSpPr/>
+        <p:nvPr/>
+      </p:nvGrpSpPr>
+      <p:grpSpPr>
+        <a:xfrm>
+          <a:off x="0" y="0"/>
+          <a:ext cx="0" cy="0"/>
+          <a:chOff x="0" y="0"/>
+          <a:chExt cx="0" cy="0"/>
+        </a:xfrm>
+      </p:grpSpPr>
+      <p:sp>
+        <p:nvSpPr>
+          <p:cNvPr id="2" name="Slide Image Placeholder 1"/>
+          <p:cNvSpPr>
+            <a:spLocks noGrp="1" noRot="1" noChangeAspect="1"/>
+          </p:cNvSpPr>
+          <p:nvPr>
+            <p:ph type="sldImg"/>
+          </p:nvPr>
+        </p:nvSpPr>
+        <p:spPr/>
+      </p:sp>
+      <p:sp>
+        <p:nvSpPr>
+          <p:cNvPr id="3" name="Notes Placeholder 2"/>
+          <p:cNvSpPr>
+            <a:spLocks noGrp="1"/>
+          </p:cNvSpPr>
+          <p:nvPr>
+            <p:ph type="body" idx="1"/>
+          </p:nvPr>
+        </p:nvSpPr>
+        <p:spPr/>
+        <p:txBody>
+          <a:bodyPr/>
+          <a:lstStyle/>
+          <a:p>
+            <a:r>
+              <a:rPr lang="de-DE" dirty="0"/>
               <a:t>Der Compiler erkennt einen Aufruf zu einem None</a:t>
             </a:r>
             <a:r>
@@ -7879,7 +8101,7 @@
           <a:p>
             <a:fld id="{4775FDF9-2A53-4261-A0AF-3B6A9698D365}" type="slidenum">
               <a:rPr lang="en-US" smtClean="0"/>
-              <a:t>57</a:t>
+              <a:t>59</a:t>
             </a:fld>
             <a:endParaRPr lang="en-US"/>
           </a:p>
@@ -22206,6 +22428,239 @@
           <a:p>
             <a:r>
               <a:rPr lang="de-DE" dirty="0"/>
+              <a:t>Modul 1: Pattern </a:t>
+            </a:r>
+            <a:r>
+              <a:rPr lang="de-DE" dirty="0" err="1"/>
+              <a:t>Matching</a:t>
+            </a:r>
+            <a:endParaRPr lang="en-US" dirty="0"/>
+          </a:p>
+        </p:txBody>
+      </p:sp>
+      <p:sp>
+        <p:nvSpPr>
+          <p:cNvPr id="5" name="Inhaltsplatzhalter 2"/>
+          <p:cNvSpPr>
+            <a:spLocks noGrp="1"/>
+          </p:cNvSpPr>
+          <p:nvPr>
+            <p:ph idx="1"/>
+          </p:nvPr>
+        </p:nvSpPr>
+        <p:spPr>
+          <a:xfrm>
+            <a:off x="457200" y="1600200"/>
+            <a:ext cx="8229600" cy="4525963"/>
+          </a:xfrm>
+        </p:spPr>
+        <p:txBody>
+          <a:bodyPr/>
+          <a:lstStyle/>
+          <a:p>
+            <a:r>
+              <a:rPr lang="de-DE" dirty="0"/>
+              <a:t>Unterstützt OR, AND</a:t>
+            </a:r>
+          </a:p>
+          <a:p>
+            <a:r>
+              <a:rPr lang="de-DE" dirty="0" err="1"/>
+              <a:t>Unterstüzut</a:t>
+            </a:r>
+            <a:r>
+              <a:rPr lang="de-DE" dirty="0"/>
+              <a:t> beliebige Operationen die einen </a:t>
+            </a:r>
+            <a:r>
+              <a:rPr lang="de-DE" dirty="0" err="1"/>
+              <a:t>bool</a:t>
+            </a:r>
+            <a:r>
+              <a:rPr lang="de-DE" dirty="0"/>
+              <a:t> zurück geben</a:t>
+            </a:r>
+          </a:p>
+        </p:txBody>
+      </p:sp>
+    </p:spTree>
+    <p:extLst>
+      <p:ext uri="{BB962C8B-B14F-4D97-AF65-F5344CB8AC3E}">
+        <p14:creationId xmlns:p14="http://schemas.microsoft.com/office/powerpoint/2010/main" val="4154891752"/>
+      </p:ext>
+    </p:extLst>
+  </p:cSld>
+  <p:clrMapOvr>
+    <a:masterClrMapping/>
+  </p:clrMapOvr>
+  <p:timing>
+    <p:tnLst>
+      <p:par>
+        <p:cTn id="1" dur="indefinite" restart="never" nodeType="tmRoot">
+          <p:childTnLst>
+            <p:seq concurrent="1" nextAc="seek">
+              <p:cTn id="2" dur="indefinite" nodeType="mainSeq">
+                <p:childTnLst>
+                  <p:par>
+                    <p:cTn id="3" fill="hold">
+                      <p:stCondLst>
+                        <p:cond delay="indefinite"/>
+                      </p:stCondLst>
+                      <p:childTnLst>
+                        <p:par>
+                          <p:cTn id="4" fill="hold">
+                            <p:stCondLst>
+                              <p:cond delay="0"/>
+                            </p:stCondLst>
+                            <p:childTnLst>
+                              <p:par>
+                                <p:cTn id="5" presetID="1" presetClass="entr" presetSubtype="0" fill="hold" grpId="0" nodeType="clickEffect">
+                                  <p:stCondLst>
+                                    <p:cond delay="0"/>
+                                  </p:stCondLst>
+                                  <p:childTnLst>
+                                    <p:set>
+                                      <p:cBhvr>
+                                        <p:cTn id="6" dur="1" fill="hold">
+                                          <p:stCondLst>
+                                            <p:cond delay="0"/>
+                                          </p:stCondLst>
+                                        </p:cTn>
+                                        <p:tgtEl>
+                                          <p:spTgt spid="5">
+                                            <p:txEl>
+                                              <p:pRg st="0" end="0"/>
+                                            </p:txEl>
+                                          </p:spTgt>
+                                        </p:tgtEl>
+                                        <p:attrNameLst>
+                                          <p:attrName>style.visibility</p:attrName>
+                                        </p:attrNameLst>
+                                      </p:cBhvr>
+                                      <p:to>
+                                        <p:strVal val="visible"/>
+                                      </p:to>
+                                    </p:set>
+                                  </p:childTnLst>
+                                </p:cTn>
+                              </p:par>
+                            </p:childTnLst>
+                          </p:cTn>
+                        </p:par>
+                      </p:childTnLst>
+                    </p:cTn>
+                  </p:par>
+                  <p:par>
+                    <p:cTn id="7" fill="hold">
+                      <p:stCondLst>
+                        <p:cond delay="indefinite"/>
+                      </p:stCondLst>
+                      <p:childTnLst>
+                        <p:par>
+                          <p:cTn id="8" fill="hold">
+                            <p:stCondLst>
+                              <p:cond delay="0"/>
+                            </p:stCondLst>
+                            <p:childTnLst>
+                              <p:par>
+                                <p:cTn id="9" presetID="1" presetClass="entr" presetSubtype="0" fill="hold" grpId="0" nodeType="clickEffect">
+                                  <p:stCondLst>
+                                    <p:cond delay="0"/>
+                                  </p:stCondLst>
+                                  <p:childTnLst>
+                                    <p:set>
+                                      <p:cBhvr>
+                                        <p:cTn id="10" dur="1" fill="hold">
+                                          <p:stCondLst>
+                                            <p:cond delay="0"/>
+                                          </p:stCondLst>
+                                        </p:cTn>
+                                        <p:tgtEl>
+                                          <p:spTgt spid="5">
+                                            <p:txEl>
+                                              <p:pRg st="1" end="1"/>
+                                            </p:txEl>
+                                          </p:spTgt>
+                                        </p:tgtEl>
+                                        <p:attrNameLst>
+                                          <p:attrName>style.visibility</p:attrName>
+                                        </p:attrNameLst>
+                                      </p:cBhvr>
+                                      <p:to>
+                                        <p:strVal val="visible"/>
+                                      </p:to>
+                                    </p:set>
+                                  </p:childTnLst>
+                                </p:cTn>
+                              </p:par>
+                            </p:childTnLst>
+                          </p:cTn>
+                        </p:par>
+                      </p:childTnLst>
+                    </p:cTn>
+                  </p:par>
+                </p:childTnLst>
+              </p:cTn>
+              <p:prevCondLst>
+                <p:cond evt="onPrev" delay="0">
+                  <p:tgtEl>
+                    <p:sldTgt/>
+                  </p:tgtEl>
+                </p:cond>
+              </p:prevCondLst>
+              <p:nextCondLst>
+                <p:cond evt="onNext" delay="0">
+                  <p:tgtEl>
+                    <p:sldTgt/>
+                  </p:tgtEl>
+                </p:cond>
+              </p:nextCondLst>
+            </p:seq>
+          </p:childTnLst>
+        </p:cTn>
+      </p:par>
+    </p:tnLst>
+    <p:bldLst>
+      <p:bldP spid="5" grpId="0" build="p"/>
+    </p:bldLst>
+  </p:timing>
+</p:sld>
+</file>
+
+<file path=ppt/slides/slide37.xml><?xml version="1.0" encoding="utf-8"?>
+<p:sld xmlns:a="http://schemas.openxmlformats.org/drawingml/2006/main" xmlns:r="http://schemas.openxmlformats.org/officeDocument/2006/relationships" xmlns:p="http://schemas.openxmlformats.org/presentationml/2006/main">
+  <p:cSld>
+    <p:spTree>
+      <p:nvGrpSpPr>
+        <p:cNvPr id="1" name=""/>
+        <p:cNvGrpSpPr/>
+        <p:nvPr/>
+      </p:nvGrpSpPr>
+      <p:grpSpPr>
+        <a:xfrm>
+          <a:off x="0" y="0"/>
+          <a:ext cx="0" cy="0"/>
+          <a:chOff x="0" y="0"/>
+          <a:chExt cx="0" cy="0"/>
+        </a:xfrm>
+      </p:grpSpPr>
+      <p:sp>
+        <p:nvSpPr>
+          <p:cNvPr id="2" name="Title 1"/>
+          <p:cNvSpPr>
+            <a:spLocks noGrp="1"/>
+          </p:cNvSpPr>
+          <p:nvPr>
+            <p:ph type="title"/>
+          </p:nvPr>
+        </p:nvSpPr>
+        <p:spPr/>
+        <p:txBody>
+          <a:bodyPr/>
+          <a:lstStyle/>
+          <a:p>
+            <a:r>
+              <a:rPr lang="de-DE" dirty="0"/>
               <a:t>Pause!</a:t>
             </a:r>
             <a:endParaRPr lang="en-US" dirty="0"/>
@@ -22225,7 +22680,7 @@
 </p:sld>
 </file>
 
-<file path=ppt/slides/slide37.xml><?xml version="1.0" encoding="utf-8"?>
+<file path=ppt/slides/slide38.xml><?xml version="1.0" encoding="utf-8"?>
 <p:sld xmlns:a="http://schemas.openxmlformats.org/drawingml/2006/main" xmlns:r="http://schemas.openxmlformats.org/officeDocument/2006/relationships" xmlns:p="http://schemas.openxmlformats.org/presentationml/2006/main">
   <p:cSld>
     <p:spTree>
@@ -22627,7 +23082,7 @@
 </p:sld>
 </file>
 
-<file path=ppt/slides/slide38.xml><?xml version="1.0" encoding="utf-8"?>
+<file path=ppt/slides/slide39.xml><?xml version="1.0" encoding="utf-8"?>
 <p:sld xmlns:a="http://schemas.openxmlformats.org/drawingml/2006/main" xmlns:r="http://schemas.openxmlformats.org/officeDocument/2006/relationships" xmlns:p="http://schemas.openxmlformats.org/presentationml/2006/main">
   <p:cSld>
     <p:spTree>
@@ -23143,7 +23598,90 @@
 </p:sld>
 </file>
 
-<file path=ppt/slides/slide39.xml><?xml version="1.0" encoding="utf-8"?>
+<file path=ppt/slides/slide4.xml><?xml version="1.0" encoding="utf-8"?>
+<p:sld xmlns:a="http://schemas.openxmlformats.org/drawingml/2006/main" xmlns:r="http://schemas.openxmlformats.org/officeDocument/2006/relationships" xmlns:p="http://schemas.openxmlformats.org/presentationml/2006/main">
+  <p:cSld>
+    <p:spTree>
+      <p:nvGrpSpPr>
+        <p:cNvPr id="1" name=""/>
+        <p:cNvGrpSpPr/>
+        <p:nvPr/>
+      </p:nvGrpSpPr>
+      <p:grpSpPr>
+        <a:xfrm>
+          <a:off x="0" y="0"/>
+          <a:ext cx="0" cy="0"/>
+          <a:chOff x="0" y="0"/>
+          <a:chExt cx="0" cy="0"/>
+        </a:xfrm>
+      </p:grpSpPr>
+      <p:sp>
+        <p:nvSpPr>
+          <p:cNvPr id="2" name="Title 1"/>
+          <p:cNvSpPr>
+            <a:spLocks noGrp="1"/>
+          </p:cNvSpPr>
+          <p:nvPr>
+            <p:ph type="title"/>
+          </p:nvPr>
+        </p:nvSpPr>
+        <p:spPr/>
+        <p:txBody>
+          <a:bodyPr/>
+          <a:lstStyle/>
+          <a:p>
+            <a:r>
+              <a:rPr lang="de-DE" dirty="0"/>
+              <a:t>Funktional ist alt</a:t>
+            </a:r>
+            <a:endParaRPr lang="en-US" dirty="0"/>
+          </a:p>
+        </p:txBody>
+      </p:sp>
+      <p:pic>
+        <p:nvPicPr>
+          <p:cNvPr id="4" name="Picture 3"/>
+          <p:cNvPicPr>
+            <a:picLocks noChangeAspect="1"/>
+          </p:cNvPicPr>
+          <p:nvPr/>
+        </p:nvPicPr>
+        <p:blipFill>
+          <a:blip r:embed="rId3" cstate="print">
+            <a:extLst>
+              <a:ext uri="{28A0092B-C50C-407E-A947-70E740481C1C}">
+                <a14:useLocalDpi xmlns:a14="http://schemas.microsoft.com/office/drawing/2010/main" val="0"/>
+              </a:ext>
+            </a:extLst>
+          </a:blip>
+          <a:stretch>
+            <a:fillRect/>
+          </a:stretch>
+        </p:blipFill>
+        <p:spPr>
+          <a:xfrm>
+            <a:off x="1331640" y="1268760"/>
+            <a:ext cx="6227064" cy="4940808"/>
+          </a:xfrm>
+          <a:prstGeom prst="rect">
+            <a:avLst/>
+          </a:prstGeom>
+        </p:spPr>
+      </p:pic>
+    </p:spTree>
+    <p:extLst>
+      <p:ext uri="{BB962C8B-B14F-4D97-AF65-F5344CB8AC3E}">
+        <p14:creationId xmlns:p14="http://schemas.microsoft.com/office/powerpoint/2010/main" val="1452978565"/>
+      </p:ext>
+    </p:extLst>
+  </p:cSld>
+  <p:clrMapOvr>
+    <a:masterClrMapping/>
+  </p:clrMapOvr>
+</p:sld>
+</file>
+
+<file path=ppt/slides/slide40.xml><?xml version="1.0" encoding="utf-8"?>
 <p:sld xmlns:a="http://schemas.openxmlformats.org/drawingml/2006/main" xmlns:r="http://schemas.openxmlformats.org/officeDocument/2006/relationships" xmlns:p="http://schemas.openxmlformats.org/presentationml/2006/main">
   <p:cSld>
     <p:spTree>
@@ -23478,7 +24016,7 @@
 </p:sld>
 </file>
 
-<file path=ppt/slides/slide4.xml><?xml version="1.0" encoding="utf-8"?>
+<file path=ppt/slides/slide41.xml><?xml version="1.0" encoding="utf-8"?>
 <p:sld xmlns:a="http://schemas.openxmlformats.org/drawingml/2006/main" xmlns:r="http://schemas.openxmlformats.org/officeDocument/2006/relationships" xmlns:p="http://schemas.openxmlformats.org/presentationml/2006/main">
   <p:cSld>
     <p:spTree>
@@ -23512,89 +24050,6 @@
           <a:p>
             <a:r>
               <a:rPr lang="de-DE" dirty="0"/>
-              <a:t>Funktional ist alt</a:t>
-            </a:r>
-            <a:endParaRPr lang="en-US" dirty="0"/>
-          </a:p>
-        </p:txBody>
-      </p:sp>
-      <p:pic>
-        <p:nvPicPr>
-          <p:cNvPr id="4" name="Picture 3"/>
-          <p:cNvPicPr>
-            <a:picLocks noChangeAspect="1"/>
-          </p:cNvPicPr>
-          <p:nvPr/>
-        </p:nvPicPr>
-        <p:blipFill>
-          <a:blip r:embed="rId3" cstate="print">
-            <a:extLst>
-              <a:ext uri="{28A0092B-C50C-407E-A947-70E740481C1C}">
-                <a14:useLocalDpi xmlns:a14="http://schemas.microsoft.com/office/drawing/2010/main" val="0"/>
-              </a:ext>
-            </a:extLst>
-          </a:blip>
-          <a:stretch>
-            <a:fillRect/>
-          </a:stretch>
-        </p:blipFill>
-        <p:spPr>
-          <a:xfrm>
-            <a:off x="1331640" y="1268760"/>
-            <a:ext cx="6227064" cy="4940808"/>
-          </a:xfrm>
-          <a:prstGeom prst="rect">
-            <a:avLst/>
-          </a:prstGeom>
-        </p:spPr>
-      </p:pic>
-    </p:spTree>
-    <p:extLst>
-      <p:ext uri="{BB962C8B-B14F-4D97-AF65-F5344CB8AC3E}">
-        <p14:creationId xmlns:p14="http://schemas.microsoft.com/office/powerpoint/2010/main" val="1452978565"/>
-      </p:ext>
-    </p:extLst>
-  </p:cSld>
-  <p:clrMapOvr>
-    <a:masterClrMapping/>
-  </p:clrMapOvr>
-</p:sld>
-</file>
-
-<file path=ppt/slides/slide40.xml><?xml version="1.0" encoding="utf-8"?>
-<p:sld xmlns:a="http://schemas.openxmlformats.org/drawingml/2006/main" xmlns:r="http://schemas.openxmlformats.org/officeDocument/2006/relationships" xmlns:p="http://schemas.openxmlformats.org/presentationml/2006/main">
-  <p:cSld>
-    <p:spTree>
-      <p:nvGrpSpPr>
-        <p:cNvPr id="1" name=""/>
-        <p:cNvGrpSpPr/>
-        <p:nvPr/>
-      </p:nvGrpSpPr>
-      <p:grpSpPr>
-        <a:xfrm>
-          <a:off x="0" y="0"/>
-          <a:ext cx="0" cy="0"/>
-          <a:chOff x="0" y="0"/>
-          <a:chExt cx="0" cy="0"/>
-        </a:xfrm>
-      </p:grpSpPr>
-      <p:sp>
-        <p:nvSpPr>
-          <p:cNvPr id="2" name="Title 1"/>
-          <p:cNvSpPr>
-            <a:spLocks noGrp="1"/>
-          </p:cNvSpPr>
-          <p:nvPr>
-            <p:ph type="title"/>
-          </p:nvPr>
-        </p:nvSpPr>
-        <p:spPr/>
-        <p:txBody>
-          <a:bodyPr/>
-          <a:lstStyle/>
-          <a:p>
-            <a:r>
-              <a:rPr lang="de-DE" dirty="0"/>
               <a:t>Modul 2: </a:t>
             </a:r>
             <a:r>
@@ -23631,9 +24086,94 @@
             </a:r>
           </a:p>
           <a:p>
-            <a:r>
-              <a:rPr lang="de-DE" dirty="0"/>
-              <a:t>F# bietet besondere Konstrukte hierfür</a:t>
+            <a:pPr marL="0" indent="0">
+              <a:buNone/>
+            </a:pPr>
+            <a:r>
+              <a:rPr lang="de-DE" dirty="0">
+                <a:solidFill>
+                  <a:srgbClr val="0000FF"/>
+                </a:solidFill>
+                <a:latin typeface="Consolas" panose="020B0609020204030204" pitchFamily="49" charset="0"/>
+              </a:rPr>
+              <a:t>let</a:t>
+            </a:r>
+            <a:r>
+              <a:rPr lang="de-DE" dirty="0">
+                <a:solidFill>
+                  <a:srgbClr val="000000"/>
+                </a:solidFill>
+                <a:latin typeface="Consolas" panose="020B0609020204030204" pitchFamily="49" charset="0"/>
+              </a:rPr>
+              <a:t> </a:t>
+            </a:r>
+            <a:r>
+              <a:rPr lang="de-DE" dirty="0" err="1">
+                <a:solidFill>
+                  <a:srgbClr val="000000"/>
+                </a:solidFill>
+                <a:latin typeface="Consolas" panose="020B0609020204030204" pitchFamily="49" charset="0"/>
+              </a:rPr>
+              <a:t>triple</a:t>
+            </a:r>
+            <a:r>
+              <a:rPr lang="de-DE" dirty="0">
+                <a:solidFill>
+                  <a:srgbClr val="000000"/>
+                </a:solidFill>
+                <a:latin typeface="Consolas" panose="020B0609020204030204" pitchFamily="49" charset="0"/>
+              </a:rPr>
+              <a:t> = 1,2,3</a:t>
+            </a:r>
+          </a:p>
+          <a:p>
+            <a:pPr marL="0" indent="0">
+              <a:buNone/>
+            </a:pPr>
+            <a:r>
+              <a:rPr lang="en-US" dirty="0">
+                <a:solidFill>
+                  <a:srgbClr val="0000FF"/>
+                </a:solidFill>
+                <a:latin typeface="Consolas" panose="020B0609020204030204" pitchFamily="49" charset="0"/>
+              </a:rPr>
+              <a:t>let</a:t>
+            </a:r>
+            <a:r>
+              <a:rPr lang="en-US" dirty="0">
+                <a:solidFill>
+                  <a:srgbClr val="000000"/>
+                </a:solidFill>
+                <a:latin typeface="Consolas" panose="020B0609020204030204" pitchFamily="49" charset="0"/>
+              </a:rPr>
+              <a:t> </a:t>
+            </a:r>
+            <a:r>
+              <a:rPr lang="en-US" dirty="0" err="1">
+                <a:solidFill>
+                  <a:srgbClr val="000000"/>
+                </a:solidFill>
+                <a:latin typeface="Consolas" panose="020B0609020204030204" pitchFamily="49" charset="0"/>
+              </a:rPr>
+              <a:t>first,second,third</a:t>
+            </a:r>
+            <a:r>
+              <a:rPr lang="en-US" dirty="0">
+                <a:solidFill>
+                  <a:srgbClr val="000000"/>
+                </a:solidFill>
+                <a:latin typeface="Consolas" panose="020B0609020204030204" pitchFamily="49" charset="0"/>
+              </a:rPr>
+              <a:t> = triple</a:t>
+            </a:r>
+          </a:p>
+          <a:p>
+            <a:pPr marL="0" indent="0">
+              <a:buNone/>
+            </a:pPr>
+            <a:r>
+              <a:rPr lang="de-DE" dirty="0"/>
+              <a:t>Achtung: muss die Ausdrücke nicht vorab deklarieren</a:t>
             </a:r>
           </a:p>
         </p:txBody>
@@ -23754,6 +24294,104 @@
                       </p:childTnLst>
                     </p:cTn>
                   </p:par>
+                  <p:par>
+                    <p:cTn id="11" fill="hold">
+                      <p:stCondLst>
+                        <p:cond delay="indefinite"/>
+                      </p:stCondLst>
+                      <p:childTnLst>
+                        <p:par>
+                          <p:cTn id="12" fill="hold">
+                            <p:stCondLst>
+                              <p:cond delay="0"/>
+                            </p:stCondLst>
+                            <p:childTnLst>
+                              <p:par>
+                                <p:cTn id="13" presetID="1" presetClass="entr" presetSubtype="0" fill="hold" grpId="0" nodeType="clickEffect">
+                                  <p:stCondLst>
+                                    <p:cond delay="0"/>
+                                  </p:stCondLst>
+                                  <p:childTnLst>
+                                    <p:set>
+                                      <p:cBhvr>
+                                        <p:cTn id="14" dur="1" fill="hold">
+                                          <p:stCondLst>
+                                            <p:cond delay="0"/>
+                                          </p:stCondLst>
+                                        </p:cTn>
+                                        <p:tgtEl>
+                                          <p:spTgt spid="3">
+                                            <p:txEl>
+                                              <p:pRg st="2" end="2"/>
+                                            </p:txEl>
+                                          </p:spTgt>
+                                        </p:tgtEl>
+                                        <p:attrNameLst>
+                                          <p:attrName>style.visibility</p:attrName>
+                                        </p:attrNameLst>
+                                      </p:cBhvr>
+                                      <p:to>
+                                        <p:strVal val="visible"/>
+                                      </p:to>
+                                    </p:set>
+                                  </p:childTnLst>
+                                </p:cTn>
+                              </p:par>
+                            </p:childTnLst>
+                          </p:cTn>
+                        </p:par>
+                      </p:childTnLst>
+                    </p:cTn>
+                  </p:par>
+                  <p:par>
+                    <p:cTn id="15" fill="hold">
+                      <p:stCondLst>
+                        <p:cond delay="indefinite"/>
+                      </p:stCondLst>
+                      <p:childTnLst>
+                        <p:par>
+                          <p:cTn id="16" fill="hold">
+                            <p:stCondLst>
+                              <p:cond delay="0"/>
+                            </p:stCondLst>
+                            <p:childTnLst>
+                              <p:par>
+                                <p:cTn id="17" presetID="1" presetClass="entr" presetSubtype="0" fill="hold" grpId="0" nodeType="clickEffect">
+                                  <p:stCondLst>
+                                    <p:cond delay="0"/>
+                                  </p:stCondLst>
+                                  <p:childTnLst>
+                                    <p:set>
+                                      <p:cBhvr>
+                                        <p:cTn id="18" dur="1" fill="hold">
+                                          <p:stCondLst>
+                                            <p:cond delay="0"/>
+                                          </p:stCondLst>
+                                        </p:cTn>
+                                        <p:tgtEl>
+                                          <p:spTgt spid="3">
+                                            <p:txEl>
+                                              <p:pRg st="3" end="3"/>
+                                            </p:txEl>
+                                          </p:spTgt>
+                                        </p:tgtEl>
+                                        <p:attrNameLst>
+                                          <p:attrName>style.visibility</p:attrName>
+                                        </p:attrNameLst>
+                                      </p:cBhvr>
+                                      <p:to>
+                                        <p:strVal val="visible"/>
+                                      </p:to>
+                                    </p:set>
+                                  </p:childTnLst>
+                                </p:cTn>
+                              </p:par>
+                            </p:childTnLst>
+                          </p:cTn>
+                        </p:par>
+                      </p:childTnLst>
+                    </p:cTn>
+                  </p:par>
                 </p:childTnLst>
               </p:cTn>
               <p:prevCondLst>
@@ -23782,7 +24420,526 @@
 </p:sld>
 </file>
 
-<file path=ppt/slides/slide41.xml><?xml version="1.0" encoding="utf-8"?>
+<file path=ppt/slides/slide42.xml><?xml version="1.0" encoding="utf-8"?>
+<p:sld xmlns:a="http://schemas.openxmlformats.org/drawingml/2006/main" xmlns:r="http://schemas.openxmlformats.org/officeDocument/2006/relationships" xmlns:p="http://schemas.openxmlformats.org/presentationml/2006/main">
+  <p:cSld>
+    <p:spTree>
+      <p:nvGrpSpPr>
+        <p:cNvPr id="1" name=""/>
+        <p:cNvGrpSpPr/>
+        <p:nvPr/>
+      </p:nvGrpSpPr>
+      <p:grpSpPr>
+        <a:xfrm>
+          <a:off x="0" y="0"/>
+          <a:ext cx="0" cy="0"/>
+          <a:chOff x="0" y="0"/>
+          <a:chExt cx="0" cy="0"/>
+        </a:xfrm>
+      </p:grpSpPr>
+      <p:sp>
+        <p:nvSpPr>
+          <p:cNvPr id="2" name="Title 1"/>
+          <p:cNvSpPr>
+            <a:spLocks noGrp="1"/>
+          </p:cNvSpPr>
+          <p:nvPr>
+            <p:ph type="title"/>
+          </p:nvPr>
+        </p:nvSpPr>
+        <p:spPr/>
+        <p:txBody>
+          <a:bodyPr/>
+          <a:lstStyle/>
+          <a:p>
+            <a:r>
+              <a:rPr lang="de-DE" dirty="0"/>
+              <a:t>Modul 2: </a:t>
+            </a:r>
+            <a:r>
+              <a:rPr lang="de-DE" dirty="0" err="1"/>
+              <a:t>Tuple</a:t>
+            </a:r>
+            <a:endParaRPr lang="en-US" dirty="0"/>
+          </a:p>
+        </p:txBody>
+      </p:sp>
+      <p:sp>
+        <p:nvSpPr>
+          <p:cNvPr id="3" name="Content Placeholder 2"/>
+          <p:cNvSpPr>
+            <a:spLocks noGrp="1"/>
+          </p:cNvSpPr>
+          <p:nvPr>
+            <p:ph idx="1"/>
+          </p:nvPr>
+        </p:nvSpPr>
+        <p:spPr/>
+        <p:txBody>
+          <a:bodyPr>
+            <a:normAutofit/>
+          </a:bodyPr>
+          <a:lstStyle/>
+          <a:p>
+            <a:pPr marL="0" indent="0">
+              <a:buNone/>
+            </a:pPr>
+            <a:r>
+              <a:rPr lang="de-DE" dirty="0"/>
+              <a:t>Zerlegung in Bestandteile</a:t>
+            </a:r>
+          </a:p>
+          <a:p>
+            <a:pPr marL="0" indent="0">
+              <a:buNone/>
+            </a:pPr>
+            <a:r>
+              <a:rPr lang="de-DE" dirty="0">
+                <a:solidFill>
+                  <a:srgbClr val="0000FF"/>
+                </a:solidFill>
+                <a:latin typeface="Consolas" panose="020B0609020204030204" pitchFamily="49" charset="0"/>
+              </a:rPr>
+              <a:t>let</a:t>
+            </a:r>
+            <a:r>
+              <a:rPr lang="de-DE" dirty="0">
+                <a:solidFill>
+                  <a:srgbClr val="000000"/>
+                </a:solidFill>
+                <a:latin typeface="Consolas" panose="020B0609020204030204" pitchFamily="49" charset="0"/>
+              </a:rPr>
+              <a:t> </a:t>
+            </a:r>
+            <a:r>
+              <a:rPr lang="de-DE" dirty="0" err="1">
+                <a:solidFill>
+                  <a:srgbClr val="000000"/>
+                </a:solidFill>
+                <a:latin typeface="Consolas" panose="020B0609020204030204" pitchFamily="49" charset="0"/>
+              </a:rPr>
+              <a:t>doubleIntTuple</a:t>
+            </a:r>
+            <a:r>
+              <a:rPr lang="de-DE" dirty="0">
+                <a:solidFill>
+                  <a:srgbClr val="000000"/>
+                </a:solidFill>
+                <a:latin typeface="Consolas" panose="020B0609020204030204" pitchFamily="49" charset="0"/>
+              </a:rPr>
+              <a:t> = 1,2</a:t>
+            </a:r>
+          </a:p>
+          <a:p>
+            <a:pPr marL="0" indent="0">
+              <a:buNone/>
+            </a:pPr>
+            <a:r>
+              <a:rPr lang="de-DE" dirty="0">
+                <a:solidFill>
+                  <a:srgbClr val="0000FF"/>
+                </a:solidFill>
+                <a:latin typeface="Consolas" panose="020B0609020204030204" pitchFamily="49" charset="0"/>
+              </a:rPr>
+              <a:t>let</a:t>
+            </a:r>
+            <a:r>
+              <a:rPr lang="de-DE" dirty="0">
+                <a:solidFill>
+                  <a:srgbClr val="000000"/>
+                </a:solidFill>
+                <a:latin typeface="Consolas" panose="020B0609020204030204" pitchFamily="49" charset="0"/>
+              </a:rPr>
+              <a:t> first0 = </a:t>
+            </a:r>
+            <a:r>
+              <a:rPr lang="de-DE" dirty="0" err="1">
+                <a:solidFill>
+                  <a:srgbClr val="000000"/>
+                </a:solidFill>
+                <a:latin typeface="Consolas" panose="020B0609020204030204" pitchFamily="49" charset="0"/>
+              </a:rPr>
+              <a:t>fst</a:t>
+            </a:r>
+            <a:r>
+              <a:rPr lang="de-DE" dirty="0">
+                <a:solidFill>
+                  <a:srgbClr val="000000"/>
+                </a:solidFill>
+                <a:latin typeface="Consolas" panose="020B0609020204030204" pitchFamily="49" charset="0"/>
+              </a:rPr>
+              <a:t> </a:t>
+            </a:r>
+            <a:r>
+              <a:rPr lang="de-DE" dirty="0" err="1">
+                <a:solidFill>
+                  <a:srgbClr val="000000"/>
+                </a:solidFill>
+                <a:latin typeface="Consolas" panose="020B0609020204030204" pitchFamily="49" charset="0"/>
+              </a:rPr>
+              <a:t>doubleIntTuple</a:t>
+            </a:r>
+            <a:endParaRPr lang="de-DE" dirty="0">
+              <a:solidFill>
+                <a:srgbClr val="000000"/>
+              </a:solidFill>
+              <a:latin typeface="Consolas" panose="020B0609020204030204" pitchFamily="49" charset="0"/>
+            </a:endParaRPr>
+          </a:p>
+          <a:p>
+            <a:pPr marL="0" indent="0">
+              <a:buNone/>
+            </a:pPr>
+            <a:r>
+              <a:rPr lang="de-DE" dirty="0">
+                <a:solidFill>
+                  <a:srgbClr val="0000FF"/>
+                </a:solidFill>
+                <a:latin typeface="Consolas" panose="020B0609020204030204" pitchFamily="49" charset="0"/>
+              </a:rPr>
+              <a:t>let</a:t>
+            </a:r>
+            <a:r>
+              <a:rPr lang="de-DE" dirty="0">
+                <a:solidFill>
+                  <a:srgbClr val="000000"/>
+                </a:solidFill>
+                <a:latin typeface="Consolas" panose="020B0609020204030204" pitchFamily="49" charset="0"/>
+              </a:rPr>
+              <a:t> second0 = </a:t>
+            </a:r>
+            <a:r>
+              <a:rPr lang="de-DE" dirty="0" err="1">
+                <a:solidFill>
+                  <a:srgbClr val="000000"/>
+                </a:solidFill>
+                <a:latin typeface="Consolas" panose="020B0609020204030204" pitchFamily="49" charset="0"/>
+              </a:rPr>
+              <a:t>snd</a:t>
+            </a:r>
+            <a:endParaRPr lang="de-DE" dirty="0">
+              <a:solidFill>
+                <a:srgbClr val="000000"/>
+              </a:solidFill>
+              <a:latin typeface="Consolas" panose="020B0609020204030204" pitchFamily="49" charset="0"/>
+            </a:endParaRPr>
+          </a:p>
+          <a:p>
+            <a:pPr marL="0" indent="0">
+              <a:buNone/>
+            </a:pPr>
+            <a:r>
+              <a:rPr lang="de-DE" dirty="0"/>
+              <a:t>Gibt es nur für </a:t>
+            </a:r>
+            <a:r>
+              <a:rPr lang="de-DE" dirty="0" err="1"/>
+              <a:t>Tuple</a:t>
+            </a:r>
+            <a:r>
+              <a:rPr lang="de-DE" dirty="0"/>
+              <a:t> mit </a:t>
+            </a:r>
+            <a:r>
+              <a:rPr lang="de-DE"/>
+              <a:t>2 Werten!</a:t>
+            </a:r>
+            <a:endParaRPr lang="de-DE" dirty="0"/>
+          </a:p>
+        </p:txBody>
+      </p:sp>
+    </p:spTree>
+    <p:extLst>
+      <p:ext uri="{BB962C8B-B14F-4D97-AF65-F5344CB8AC3E}">
+        <p14:creationId xmlns:p14="http://schemas.microsoft.com/office/powerpoint/2010/main" val="5261664"/>
+      </p:ext>
+    </p:extLst>
+  </p:cSld>
+  <p:clrMapOvr>
+    <a:masterClrMapping/>
+  </p:clrMapOvr>
+  <p:timing>
+    <p:tnLst>
+      <p:par>
+        <p:cTn id="1" dur="indefinite" restart="never" nodeType="tmRoot">
+          <p:childTnLst>
+            <p:seq concurrent="1" nextAc="seek">
+              <p:cTn id="2" dur="indefinite" nodeType="mainSeq">
+                <p:childTnLst>
+                  <p:par>
+                    <p:cTn id="3" fill="hold">
+                      <p:stCondLst>
+                        <p:cond delay="indefinite"/>
+                      </p:stCondLst>
+                      <p:childTnLst>
+                        <p:par>
+                          <p:cTn id="4" fill="hold">
+                            <p:stCondLst>
+                              <p:cond delay="0"/>
+                            </p:stCondLst>
+                            <p:childTnLst>
+                              <p:par>
+                                <p:cTn id="5" presetID="1" presetClass="entr" presetSubtype="0" fill="hold" grpId="0" nodeType="clickEffect">
+                                  <p:stCondLst>
+                                    <p:cond delay="0"/>
+                                  </p:stCondLst>
+                                  <p:childTnLst>
+                                    <p:set>
+                                      <p:cBhvr>
+                                        <p:cTn id="6" dur="1" fill="hold">
+                                          <p:stCondLst>
+                                            <p:cond delay="0"/>
+                                          </p:stCondLst>
+                                        </p:cTn>
+                                        <p:tgtEl>
+                                          <p:spTgt spid="3">
+                                            <p:txEl>
+                                              <p:pRg st="0" end="0"/>
+                                            </p:txEl>
+                                          </p:spTgt>
+                                        </p:tgtEl>
+                                        <p:attrNameLst>
+                                          <p:attrName>style.visibility</p:attrName>
+                                        </p:attrNameLst>
+                                      </p:cBhvr>
+                                      <p:to>
+                                        <p:strVal val="visible"/>
+                                      </p:to>
+                                    </p:set>
+                                  </p:childTnLst>
+                                </p:cTn>
+                              </p:par>
+                            </p:childTnLst>
+                          </p:cTn>
+                        </p:par>
+                      </p:childTnLst>
+                    </p:cTn>
+                  </p:par>
+                  <p:par>
+                    <p:cTn id="7" fill="hold">
+                      <p:stCondLst>
+                        <p:cond delay="indefinite"/>
+                      </p:stCondLst>
+                      <p:childTnLst>
+                        <p:par>
+                          <p:cTn id="8" fill="hold">
+                            <p:stCondLst>
+                              <p:cond delay="0"/>
+                            </p:stCondLst>
+                            <p:childTnLst>
+                              <p:par>
+                                <p:cTn id="9" presetID="1" presetClass="entr" presetSubtype="0" fill="hold" grpId="0" nodeType="clickEffect">
+                                  <p:stCondLst>
+                                    <p:cond delay="0"/>
+                                  </p:stCondLst>
+                                  <p:childTnLst>
+                                    <p:set>
+                                      <p:cBhvr>
+                                        <p:cTn id="10" dur="1" fill="hold">
+                                          <p:stCondLst>
+                                            <p:cond delay="0"/>
+                                          </p:stCondLst>
+                                        </p:cTn>
+                                        <p:tgtEl>
+                                          <p:spTgt spid="3">
+                                            <p:txEl>
+                                              <p:pRg st="1" end="1"/>
+                                            </p:txEl>
+                                          </p:spTgt>
+                                        </p:tgtEl>
+                                        <p:attrNameLst>
+                                          <p:attrName>style.visibility</p:attrName>
+                                        </p:attrNameLst>
+                                      </p:cBhvr>
+                                      <p:to>
+                                        <p:strVal val="visible"/>
+                                      </p:to>
+                                    </p:set>
+                                  </p:childTnLst>
+                                </p:cTn>
+                              </p:par>
+                            </p:childTnLst>
+                          </p:cTn>
+                        </p:par>
+                      </p:childTnLst>
+                    </p:cTn>
+                  </p:par>
+                  <p:par>
+                    <p:cTn id="11" fill="hold">
+                      <p:stCondLst>
+                        <p:cond delay="indefinite"/>
+                      </p:stCondLst>
+                      <p:childTnLst>
+                        <p:par>
+                          <p:cTn id="12" fill="hold">
+                            <p:stCondLst>
+                              <p:cond delay="0"/>
+                            </p:stCondLst>
+                            <p:childTnLst>
+                              <p:par>
+                                <p:cTn id="13" presetID="1" presetClass="entr" presetSubtype="0" fill="hold" grpId="0" nodeType="clickEffect">
+                                  <p:stCondLst>
+                                    <p:cond delay="0"/>
+                                  </p:stCondLst>
+                                  <p:childTnLst>
+                                    <p:set>
+                                      <p:cBhvr>
+                                        <p:cTn id="14" dur="1" fill="hold">
+                                          <p:stCondLst>
+                                            <p:cond delay="0"/>
+                                          </p:stCondLst>
+                                        </p:cTn>
+                                        <p:tgtEl>
+                                          <p:spTgt spid="3">
+                                            <p:txEl>
+                                              <p:pRg st="2" end="2"/>
+                                            </p:txEl>
+                                          </p:spTgt>
+                                        </p:tgtEl>
+                                        <p:attrNameLst>
+                                          <p:attrName>style.visibility</p:attrName>
+                                        </p:attrNameLst>
+                                      </p:cBhvr>
+                                      <p:to>
+                                        <p:strVal val="visible"/>
+                                      </p:to>
+                                    </p:set>
+                                  </p:childTnLst>
+                                </p:cTn>
+                              </p:par>
+                            </p:childTnLst>
+                          </p:cTn>
+                        </p:par>
+                      </p:childTnLst>
+                    </p:cTn>
+                  </p:par>
+                  <p:par>
+                    <p:cTn id="15" fill="hold">
+                      <p:stCondLst>
+                        <p:cond delay="indefinite"/>
+                      </p:stCondLst>
+                      <p:childTnLst>
+                        <p:par>
+                          <p:cTn id="16" fill="hold">
+                            <p:stCondLst>
+                              <p:cond delay="0"/>
+                            </p:stCondLst>
+                            <p:childTnLst>
+                              <p:par>
+                                <p:cTn id="17" presetID="1" presetClass="entr" presetSubtype="0" fill="hold" grpId="0" nodeType="clickEffect">
+                                  <p:stCondLst>
+                                    <p:cond delay="0"/>
+                                  </p:stCondLst>
+                                  <p:childTnLst>
+                                    <p:set>
+                                      <p:cBhvr>
+                                        <p:cTn id="18" dur="1" fill="hold">
+                                          <p:stCondLst>
+                                            <p:cond delay="0"/>
+                                          </p:stCondLst>
+                                        </p:cTn>
+                                        <p:tgtEl>
+                                          <p:spTgt spid="3">
+                                            <p:txEl>
+                                              <p:pRg st="3" end="3"/>
+                                            </p:txEl>
+                                          </p:spTgt>
+                                        </p:tgtEl>
+                                        <p:attrNameLst>
+                                          <p:attrName>style.visibility</p:attrName>
+                                        </p:attrNameLst>
+                                      </p:cBhvr>
+                                      <p:to>
+                                        <p:strVal val="visible"/>
+                                      </p:to>
+                                    </p:set>
+                                  </p:childTnLst>
+                                </p:cTn>
+                              </p:par>
+                            </p:childTnLst>
+                          </p:cTn>
+                        </p:par>
+                      </p:childTnLst>
+                    </p:cTn>
+                  </p:par>
+                  <p:par>
+                    <p:cTn id="19" fill="hold">
+                      <p:stCondLst>
+                        <p:cond delay="indefinite"/>
+                      </p:stCondLst>
+                      <p:childTnLst>
+                        <p:par>
+                          <p:cTn id="20" fill="hold">
+                            <p:stCondLst>
+                              <p:cond delay="0"/>
+                            </p:stCondLst>
+                            <p:childTnLst>
+                              <p:par>
+                                <p:cTn id="21" presetID="1" presetClass="entr" presetSubtype="0" fill="hold" grpId="0" nodeType="clickEffect">
+                                  <p:stCondLst>
+                                    <p:cond delay="0"/>
+                                  </p:stCondLst>
+                                  <p:childTnLst>
+                                    <p:set>
+                                      <p:cBhvr>
+                                        <p:cTn id="22" dur="1" fill="hold">
+                                          <p:stCondLst>
+                                            <p:cond delay="0"/>
+                                          </p:stCondLst>
+                                        </p:cTn>
+                                        <p:tgtEl>
+                                          <p:spTgt spid="3">
+                                            <p:txEl>
+                                              <p:pRg st="4" end="4"/>
+                                            </p:txEl>
+                                          </p:spTgt>
+                                        </p:tgtEl>
+                                        <p:attrNameLst>
+                                          <p:attrName>style.visibility</p:attrName>
+                                        </p:attrNameLst>
+                                      </p:cBhvr>
+                                      <p:to>
+                                        <p:strVal val="visible"/>
+                                      </p:to>
+                                    </p:set>
+                                  </p:childTnLst>
+                                </p:cTn>
+                              </p:par>
+                            </p:childTnLst>
+                          </p:cTn>
+                        </p:par>
+                      </p:childTnLst>
+                    </p:cTn>
+                  </p:par>
+                </p:childTnLst>
+              </p:cTn>
+              <p:prevCondLst>
+                <p:cond evt="onPrev" delay="0">
+                  <p:tgtEl>
+                    <p:sldTgt/>
+                  </p:tgtEl>
+                </p:cond>
+              </p:prevCondLst>
+              <p:nextCondLst>
+                <p:cond evt="onNext" delay="0">
+                  <p:tgtEl>
+                    <p:sldTgt/>
+                  </p:tgtEl>
+                </p:cond>
+              </p:nextCondLst>
+            </p:seq>
+          </p:childTnLst>
+        </p:cTn>
+      </p:par>
+    </p:tnLst>
+    <p:bldLst>
+      <p:bldP spid="3" grpId="0" uiExpand="1" build="p"/>
+    </p:bldLst>
+  </p:timing>
+</p:sld>
+</file>
+
+<file path=ppt/slides/slide43.xml><?xml version="1.0" encoding="utf-8"?>
 <p:sld xmlns:a="http://schemas.openxmlformats.org/drawingml/2006/main" xmlns:r="http://schemas.openxmlformats.org/officeDocument/2006/relationships" xmlns:p="http://schemas.openxmlformats.org/presentationml/2006/main">
   <p:cSld>
     <p:spTree>
@@ -24067,7 +25224,7 @@
 </p:sld>
 </file>
 
-<file path=ppt/slides/slide42.xml><?xml version="1.0" encoding="utf-8"?>
+<file path=ppt/slides/slide44.xml><?xml version="1.0" encoding="utf-8"?>
 <p:sld xmlns:a="http://schemas.openxmlformats.org/drawingml/2006/main" xmlns:r="http://schemas.openxmlformats.org/officeDocument/2006/relationships" xmlns:p="http://schemas.openxmlformats.org/presentationml/2006/main">
   <p:cSld>
     <p:spTree>
@@ -24653,7 +25810,7 @@
 </p:sld>
 </file>
 
-<file path=ppt/slides/slide43.xml><?xml version="1.0" encoding="utf-8"?>
+<file path=ppt/slides/slide45.xml><?xml version="1.0" encoding="utf-8"?>
 <p:sld xmlns:a="http://schemas.openxmlformats.org/drawingml/2006/main" xmlns:r="http://schemas.openxmlformats.org/officeDocument/2006/relationships" xmlns:p="http://schemas.openxmlformats.org/presentationml/2006/main">
   <p:cSld>
     <p:spTree>
@@ -24944,766 +26101,6 @@
 </p:sld>
 </file>
 
-<file path=ppt/slides/slide44.xml><?xml version="1.0" encoding="utf-8"?>
-<p:sld xmlns:a="http://schemas.openxmlformats.org/drawingml/2006/main" xmlns:r="http://schemas.openxmlformats.org/officeDocument/2006/relationships" xmlns:p="http://schemas.openxmlformats.org/presentationml/2006/main">
-  <p:cSld>
-    <p:spTree>
-      <p:nvGrpSpPr>
-        <p:cNvPr id="1" name=""/>
-        <p:cNvGrpSpPr/>
-        <p:nvPr/>
-      </p:nvGrpSpPr>
-      <p:grpSpPr>
-        <a:xfrm>
-          <a:off x="0" y="0"/>
-          <a:ext cx="0" cy="0"/>
-          <a:chOff x="0" y="0"/>
-          <a:chExt cx="0" cy="0"/>
-        </a:xfrm>
-      </p:grpSpPr>
-      <p:sp>
-        <p:nvSpPr>
-          <p:cNvPr id="2" name="Title 1"/>
-          <p:cNvSpPr>
-            <a:spLocks noGrp="1"/>
-          </p:cNvSpPr>
-          <p:nvPr>
-            <p:ph type="title"/>
-          </p:nvPr>
-        </p:nvSpPr>
-        <p:spPr/>
-        <p:txBody>
-          <a:bodyPr/>
-          <a:lstStyle/>
-          <a:p>
-            <a:r>
-              <a:rPr lang="de-DE" dirty="0"/>
-              <a:t>Modul 2: </a:t>
-            </a:r>
-            <a:r>
-              <a:rPr lang="de-DE" dirty="0" err="1"/>
-              <a:t>Record</a:t>
-            </a:r>
-            <a:r>
-              <a:rPr lang="de-DE" dirty="0"/>
-              <a:t> </a:t>
-            </a:r>
-            <a:endParaRPr lang="en-US" dirty="0"/>
-          </a:p>
-        </p:txBody>
-      </p:sp>
-      <p:sp>
-        <p:nvSpPr>
-          <p:cNvPr id="3" name="Content Placeholder 2"/>
-          <p:cNvSpPr>
-            <a:spLocks noGrp="1"/>
-          </p:cNvSpPr>
-          <p:nvPr>
-            <p:ph idx="1"/>
-          </p:nvPr>
-        </p:nvSpPr>
-        <p:spPr/>
-        <p:txBody>
-          <a:bodyPr>
-            <a:normAutofit/>
-          </a:bodyPr>
-          <a:lstStyle/>
-          <a:p>
-            <a:pPr marL="0" indent="0">
-              <a:buNone/>
-            </a:pPr>
-            <a:r>
-              <a:rPr lang="de-DE" dirty="0"/>
-              <a:t>Deklaration</a:t>
-            </a:r>
-          </a:p>
-          <a:p>
-            <a:r>
-              <a:rPr lang="en-US" sz="2800" dirty="0" err="1"/>
-              <a:t>Begrenzung</a:t>
-            </a:r>
-            <a:r>
-              <a:rPr lang="en-US" sz="2800" dirty="0"/>
-              <a:t> </a:t>
-            </a:r>
-            <a:r>
-              <a:rPr lang="en-US" sz="2800" dirty="0" err="1"/>
-              <a:t>duruch</a:t>
-            </a:r>
-            <a:r>
-              <a:rPr lang="en-US" sz="2800" dirty="0"/>
-              <a:t> {}</a:t>
-            </a:r>
-          </a:p>
-          <a:p>
-            <a:r>
-              <a:rPr lang="en-US" sz="2800" dirty="0" err="1"/>
-              <a:t>Einzelne</a:t>
-            </a:r>
-            <a:r>
-              <a:rPr lang="en-US" sz="2800" dirty="0"/>
-              <a:t> </a:t>
-            </a:r>
-            <a:r>
-              <a:rPr lang="en-US" sz="2800" dirty="0" err="1"/>
-              <a:t>Bestandteile</a:t>
-            </a:r>
-            <a:r>
-              <a:rPr lang="en-US" sz="2800" dirty="0"/>
-              <a:t> </a:t>
-            </a:r>
-            <a:r>
-              <a:rPr lang="en-US" sz="2800" dirty="0" err="1"/>
-              <a:t>durch</a:t>
-            </a:r>
-            <a:r>
-              <a:rPr lang="en-US" sz="2800" dirty="0"/>
-              <a:t> ; </a:t>
-            </a:r>
-            <a:r>
-              <a:rPr lang="en-US" sz="2800" dirty="0" err="1"/>
-              <a:t>getrennt</a:t>
-            </a:r>
-            <a:endParaRPr lang="en-US" sz="2800" dirty="0"/>
-          </a:p>
-          <a:p>
-            <a:r>
-              <a:rPr lang="en-US" sz="2800" dirty="0" err="1"/>
-              <a:t>Alle</a:t>
-            </a:r>
-            <a:r>
-              <a:rPr lang="en-US" sz="2800" dirty="0"/>
-              <a:t> </a:t>
-            </a:r>
-            <a:r>
-              <a:rPr lang="en-US" sz="2800" dirty="0" err="1"/>
-              <a:t>Bestandteile</a:t>
-            </a:r>
-            <a:r>
-              <a:rPr lang="en-US" sz="2800" dirty="0"/>
-              <a:t> </a:t>
-            </a:r>
-            <a:r>
-              <a:rPr lang="en-US" sz="2800" dirty="0" err="1"/>
-              <a:t>benannt</a:t>
-            </a:r>
-            <a:endParaRPr lang="en-US" sz="2800" dirty="0"/>
-          </a:p>
-          <a:p>
-            <a:endParaRPr lang="en-US" sz="2800" dirty="0"/>
-          </a:p>
-          <a:p>
-            <a:pPr marL="0" indent="0">
-              <a:buNone/>
-            </a:pPr>
-            <a:endParaRPr lang="en-US" sz="2800" dirty="0"/>
-          </a:p>
-        </p:txBody>
-      </p:sp>
-    </p:spTree>
-    <p:extLst>
-      <p:ext uri="{BB962C8B-B14F-4D97-AF65-F5344CB8AC3E}">
-        <p14:creationId xmlns:p14="http://schemas.microsoft.com/office/powerpoint/2010/main" val="1553873765"/>
-      </p:ext>
-    </p:extLst>
-  </p:cSld>
-  <p:clrMapOvr>
-    <a:masterClrMapping/>
-  </p:clrMapOvr>
-  <p:timing>
-    <p:tnLst>
-      <p:par>
-        <p:cTn id="1" dur="indefinite" restart="never" nodeType="tmRoot">
-          <p:childTnLst>
-            <p:seq concurrent="1" nextAc="seek">
-              <p:cTn id="2" dur="indefinite" nodeType="mainSeq">
-                <p:childTnLst>
-                  <p:par>
-                    <p:cTn id="3" fill="hold">
-                      <p:stCondLst>
-                        <p:cond delay="indefinite"/>
-                      </p:stCondLst>
-                      <p:childTnLst>
-                        <p:par>
-                          <p:cTn id="4" fill="hold">
-                            <p:stCondLst>
-                              <p:cond delay="0"/>
-                            </p:stCondLst>
-                            <p:childTnLst>
-                              <p:par>
-                                <p:cTn id="5" presetID="1" presetClass="entr" presetSubtype="0" fill="hold" grpId="0" nodeType="clickEffect">
-                                  <p:stCondLst>
-                                    <p:cond delay="0"/>
-                                  </p:stCondLst>
-                                  <p:childTnLst>
-                                    <p:set>
-                                      <p:cBhvr>
-                                        <p:cTn id="6" dur="1" fill="hold">
-                                          <p:stCondLst>
-                                            <p:cond delay="0"/>
-                                          </p:stCondLst>
-                                        </p:cTn>
-                                        <p:tgtEl>
-                                          <p:spTgt spid="3">
-                                            <p:txEl>
-                                              <p:pRg st="0" end="0"/>
-                                            </p:txEl>
-                                          </p:spTgt>
-                                        </p:tgtEl>
-                                        <p:attrNameLst>
-                                          <p:attrName>style.visibility</p:attrName>
-                                        </p:attrNameLst>
-                                      </p:cBhvr>
-                                      <p:to>
-                                        <p:strVal val="visible"/>
-                                      </p:to>
-                                    </p:set>
-                                  </p:childTnLst>
-                                </p:cTn>
-                              </p:par>
-                            </p:childTnLst>
-                          </p:cTn>
-                        </p:par>
-                      </p:childTnLst>
-                    </p:cTn>
-                  </p:par>
-                  <p:par>
-                    <p:cTn id="7" fill="hold">
-                      <p:stCondLst>
-                        <p:cond delay="indefinite"/>
-                      </p:stCondLst>
-                      <p:childTnLst>
-                        <p:par>
-                          <p:cTn id="8" fill="hold">
-                            <p:stCondLst>
-                              <p:cond delay="0"/>
-                            </p:stCondLst>
-                            <p:childTnLst>
-                              <p:par>
-                                <p:cTn id="9" presetID="1" presetClass="entr" presetSubtype="0" fill="hold" grpId="0" nodeType="clickEffect">
-                                  <p:stCondLst>
-                                    <p:cond delay="0"/>
-                                  </p:stCondLst>
-                                  <p:childTnLst>
-                                    <p:set>
-                                      <p:cBhvr>
-                                        <p:cTn id="10" dur="1" fill="hold">
-                                          <p:stCondLst>
-                                            <p:cond delay="0"/>
-                                          </p:stCondLst>
-                                        </p:cTn>
-                                        <p:tgtEl>
-                                          <p:spTgt spid="3">
-                                            <p:txEl>
-                                              <p:pRg st="1" end="1"/>
-                                            </p:txEl>
-                                          </p:spTgt>
-                                        </p:tgtEl>
-                                        <p:attrNameLst>
-                                          <p:attrName>style.visibility</p:attrName>
-                                        </p:attrNameLst>
-                                      </p:cBhvr>
-                                      <p:to>
-                                        <p:strVal val="visible"/>
-                                      </p:to>
-                                    </p:set>
-                                  </p:childTnLst>
-                                </p:cTn>
-                              </p:par>
-                            </p:childTnLst>
-                          </p:cTn>
-                        </p:par>
-                      </p:childTnLst>
-                    </p:cTn>
-                  </p:par>
-                  <p:par>
-                    <p:cTn id="11" fill="hold">
-                      <p:stCondLst>
-                        <p:cond delay="indefinite"/>
-                      </p:stCondLst>
-                      <p:childTnLst>
-                        <p:par>
-                          <p:cTn id="12" fill="hold">
-                            <p:stCondLst>
-                              <p:cond delay="0"/>
-                            </p:stCondLst>
-                            <p:childTnLst>
-                              <p:par>
-                                <p:cTn id="13" presetID="1" presetClass="entr" presetSubtype="0" fill="hold" grpId="0" nodeType="clickEffect">
-                                  <p:stCondLst>
-                                    <p:cond delay="0"/>
-                                  </p:stCondLst>
-                                  <p:childTnLst>
-                                    <p:set>
-                                      <p:cBhvr>
-                                        <p:cTn id="14" dur="1" fill="hold">
-                                          <p:stCondLst>
-                                            <p:cond delay="0"/>
-                                          </p:stCondLst>
-                                        </p:cTn>
-                                        <p:tgtEl>
-                                          <p:spTgt spid="3">
-                                            <p:txEl>
-                                              <p:pRg st="2" end="2"/>
-                                            </p:txEl>
-                                          </p:spTgt>
-                                        </p:tgtEl>
-                                        <p:attrNameLst>
-                                          <p:attrName>style.visibility</p:attrName>
-                                        </p:attrNameLst>
-                                      </p:cBhvr>
-                                      <p:to>
-                                        <p:strVal val="visible"/>
-                                      </p:to>
-                                    </p:set>
-                                  </p:childTnLst>
-                                </p:cTn>
-                              </p:par>
-                            </p:childTnLst>
-                          </p:cTn>
-                        </p:par>
-                      </p:childTnLst>
-                    </p:cTn>
-                  </p:par>
-                  <p:par>
-                    <p:cTn id="15" fill="hold">
-                      <p:stCondLst>
-                        <p:cond delay="indefinite"/>
-                      </p:stCondLst>
-                      <p:childTnLst>
-                        <p:par>
-                          <p:cTn id="16" fill="hold">
-                            <p:stCondLst>
-                              <p:cond delay="0"/>
-                            </p:stCondLst>
-                            <p:childTnLst>
-                              <p:par>
-                                <p:cTn id="17" presetID="1" presetClass="entr" presetSubtype="0" fill="hold" grpId="0" nodeType="clickEffect">
-                                  <p:stCondLst>
-                                    <p:cond delay="0"/>
-                                  </p:stCondLst>
-                                  <p:childTnLst>
-                                    <p:set>
-                                      <p:cBhvr>
-                                        <p:cTn id="18" dur="1" fill="hold">
-                                          <p:stCondLst>
-                                            <p:cond delay="0"/>
-                                          </p:stCondLst>
-                                        </p:cTn>
-                                        <p:tgtEl>
-                                          <p:spTgt spid="3">
-                                            <p:txEl>
-                                              <p:pRg st="3" end="3"/>
-                                            </p:txEl>
-                                          </p:spTgt>
-                                        </p:tgtEl>
-                                        <p:attrNameLst>
-                                          <p:attrName>style.visibility</p:attrName>
-                                        </p:attrNameLst>
-                                      </p:cBhvr>
-                                      <p:to>
-                                        <p:strVal val="visible"/>
-                                      </p:to>
-                                    </p:set>
-                                  </p:childTnLst>
-                                </p:cTn>
-                              </p:par>
-                            </p:childTnLst>
-                          </p:cTn>
-                        </p:par>
-                      </p:childTnLst>
-                    </p:cTn>
-                  </p:par>
-                </p:childTnLst>
-              </p:cTn>
-              <p:prevCondLst>
-                <p:cond evt="onPrev" delay="0">
-                  <p:tgtEl>
-                    <p:sldTgt/>
-                  </p:tgtEl>
-                </p:cond>
-              </p:prevCondLst>
-              <p:nextCondLst>
-                <p:cond evt="onNext" delay="0">
-                  <p:tgtEl>
-                    <p:sldTgt/>
-                  </p:tgtEl>
-                </p:cond>
-              </p:nextCondLst>
-            </p:seq>
-          </p:childTnLst>
-        </p:cTn>
-      </p:par>
-    </p:tnLst>
-    <p:bldLst>
-      <p:bldP spid="3" grpId="0" build="p"/>
-    </p:bldLst>
-  </p:timing>
-</p:sld>
-</file>
-
-<file path=ppt/slides/slide45.xml><?xml version="1.0" encoding="utf-8"?>
-<p:sld xmlns:a="http://schemas.openxmlformats.org/drawingml/2006/main" xmlns:r="http://schemas.openxmlformats.org/officeDocument/2006/relationships" xmlns:p="http://schemas.openxmlformats.org/presentationml/2006/main">
-  <p:cSld>
-    <p:spTree>
-      <p:nvGrpSpPr>
-        <p:cNvPr id="1" name=""/>
-        <p:cNvGrpSpPr/>
-        <p:nvPr/>
-      </p:nvGrpSpPr>
-      <p:grpSpPr>
-        <a:xfrm>
-          <a:off x="0" y="0"/>
-          <a:ext cx="0" cy="0"/>
-          <a:chOff x="0" y="0"/>
-          <a:chExt cx="0" cy="0"/>
-        </a:xfrm>
-      </p:grpSpPr>
-      <p:sp>
-        <p:nvSpPr>
-          <p:cNvPr id="2" name="Title 1"/>
-          <p:cNvSpPr>
-            <a:spLocks noGrp="1"/>
-          </p:cNvSpPr>
-          <p:nvPr>
-            <p:ph type="title"/>
-          </p:nvPr>
-        </p:nvSpPr>
-        <p:spPr/>
-        <p:txBody>
-          <a:bodyPr/>
-          <a:lstStyle/>
-          <a:p>
-            <a:r>
-              <a:rPr lang="de-DE" dirty="0"/>
-              <a:t>Modul 2: </a:t>
-            </a:r>
-            <a:r>
-              <a:rPr lang="de-DE" dirty="0" err="1"/>
-              <a:t>Record</a:t>
-            </a:r>
-            <a:r>
-              <a:rPr lang="de-DE" dirty="0"/>
-              <a:t> </a:t>
-            </a:r>
-            <a:endParaRPr lang="en-US" dirty="0"/>
-          </a:p>
-        </p:txBody>
-      </p:sp>
-      <p:sp>
-        <p:nvSpPr>
-          <p:cNvPr id="3" name="Content Placeholder 2"/>
-          <p:cNvSpPr>
-            <a:spLocks noGrp="1"/>
-          </p:cNvSpPr>
-          <p:nvPr>
-            <p:ph idx="1"/>
-          </p:nvPr>
-        </p:nvSpPr>
-        <p:spPr/>
-        <p:txBody>
-          <a:bodyPr>
-            <a:normAutofit/>
-          </a:bodyPr>
-          <a:lstStyle/>
-          <a:p>
-            <a:pPr marL="0" indent="0">
-              <a:buNone/>
-            </a:pPr>
-            <a:r>
-              <a:rPr lang="de-DE" dirty="0"/>
-              <a:t>Konstruktion</a:t>
-            </a:r>
-          </a:p>
-          <a:p>
-            <a:r>
-              <a:rPr lang="en-US" sz="2800" dirty="0" err="1"/>
-              <a:t>Zuweisung</a:t>
-            </a:r>
-            <a:r>
-              <a:rPr lang="en-US" sz="2800" dirty="0"/>
-              <a:t> der </a:t>
-            </a:r>
-            <a:r>
-              <a:rPr lang="en-US" sz="2800" dirty="0" err="1"/>
-              <a:t>Werte</a:t>
-            </a:r>
-            <a:r>
-              <a:rPr lang="en-US" sz="2800" dirty="0"/>
-              <a:t> </a:t>
-            </a:r>
-            <a:r>
-              <a:rPr lang="en-US" sz="2800" dirty="0" err="1"/>
-              <a:t>nach</a:t>
-            </a:r>
-            <a:r>
-              <a:rPr lang="en-US" sz="2800" dirty="0"/>
-              <a:t> </a:t>
-            </a:r>
-            <a:r>
-              <a:rPr lang="en-US" sz="2800" dirty="0" err="1"/>
-              <a:t>Namen</a:t>
-            </a:r>
-            <a:endParaRPr lang="en-US" sz="2800" dirty="0"/>
-          </a:p>
-          <a:p>
-            <a:r>
-              <a:rPr lang="en-US" sz="2800" dirty="0"/>
-              <a:t>Compiler </a:t>
-            </a:r>
-            <a:r>
-              <a:rPr lang="en-US" sz="2800" dirty="0" err="1"/>
-              <a:t>unterstüzt</a:t>
-            </a:r>
-            <a:r>
-              <a:rPr lang="en-US" sz="2800" dirty="0"/>
-              <a:t> die </a:t>
-            </a:r>
-            <a:r>
-              <a:rPr lang="en-US" sz="2800" dirty="0" err="1"/>
-              <a:t>Konstruktion</a:t>
-            </a:r>
-            <a:r>
-              <a:rPr lang="en-US" sz="2800" dirty="0"/>
-              <a:t> in </a:t>
-            </a:r>
-            <a:r>
-              <a:rPr lang="en-US" sz="2800" dirty="0" err="1"/>
-              <a:t>dem</a:t>
-            </a:r>
-            <a:r>
-              <a:rPr lang="en-US" sz="2800" dirty="0"/>
-              <a:t> der </a:t>
-            </a:r>
-            <a:r>
-              <a:rPr lang="en-US" sz="2800" dirty="0" err="1"/>
-              <a:t>Typ</a:t>
-            </a:r>
-            <a:r>
-              <a:rPr lang="en-US" sz="2800" dirty="0"/>
-              <a:t> </a:t>
-            </a:r>
-            <a:r>
-              <a:rPr lang="en-US" sz="2800" dirty="0" err="1"/>
-              <a:t>ermittelt</a:t>
-            </a:r>
-            <a:r>
-              <a:rPr lang="en-US" sz="2800" dirty="0"/>
-              <a:t> </a:t>
-            </a:r>
-            <a:r>
-              <a:rPr lang="en-US" sz="2800" dirty="0" err="1"/>
-              <a:t>wird</a:t>
-            </a:r>
-            <a:r>
-              <a:rPr lang="en-US" sz="2800" dirty="0"/>
-              <a:t>.</a:t>
-            </a:r>
-          </a:p>
-          <a:p>
-            <a:endParaRPr lang="en-US" sz="2800" dirty="0"/>
-          </a:p>
-          <a:p>
-            <a:pPr marL="0" indent="0">
-              <a:buNone/>
-            </a:pPr>
-            <a:endParaRPr lang="en-US" sz="2800" dirty="0"/>
-          </a:p>
-        </p:txBody>
-      </p:sp>
-    </p:spTree>
-    <p:extLst>
-      <p:ext uri="{BB962C8B-B14F-4D97-AF65-F5344CB8AC3E}">
-        <p14:creationId xmlns:p14="http://schemas.microsoft.com/office/powerpoint/2010/main" val="1808667170"/>
-      </p:ext>
-    </p:extLst>
-  </p:cSld>
-  <p:clrMapOvr>
-    <a:masterClrMapping/>
-  </p:clrMapOvr>
-  <p:timing>
-    <p:tnLst>
-      <p:par>
-        <p:cTn id="1" dur="indefinite" restart="never" nodeType="tmRoot">
-          <p:childTnLst>
-            <p:seq concurrent="1" nextAc="seek">
-              <p:cTn id="2" dur="indefinite" nodeType="mainSeq">
-                <p:childTnLst>
-                  <p:par>
-                    <p:cTn id="3" fill="hold">
-                      <p:stCondLst>
-                        <p:cond delay="indefinite"/>
-                      </p:stCondLst>
-                      <p:childTnLst>
-                        <p:par>
-                          <p:cTn id="4" fill="hold">
-                            <p:stCondLst>
-                              <p:cond delay="0"/>
-                            </p:stCondLst>
-                            <p:childTnLst>
-                              <p:par>
-                                <p:cTn id="5" presetID="1" presetClass="entr" presetSubtype="0" fill="hold" grpId="0" nodeType="clickEffect">
-                                  <p:stCondLst>
-                                    <p:cond delay="0"/>
-                                  </p:stCondLst>
-                                  <p:childTnLst>
-                                    <p:set>
-                                      <p:cBhvr>
-                                        <p:cTn id="6" dur="1" fill="hold">
-                                          <p:stCondLst>
-                                            <p:cond delay="0"/>
-                                          </p:stCondLst>
-                                        </p:cTn>
-                                        <p:tgtEl>
-                                          <p:spTgt spid="3">
-                                            <p:txEl>
-                                              <p:pRg st="0" end="0"/>
-                                            </p:txEl>
-                                          </p:spTgt>
-                                        </p:tgtEl>
-                                        <p:attrNameLst>
-                                          <p:attrName>style.visibility</p:attrName>
-                                        </p:attrNameLst>
-                                      </p:cBhvr>
-                                      <p:to>
-                                        <p:strVal val="visible"/>
-                                      </p:to>
-                                    </p:set>
-                                  </p:childTnLst>
-                                </p:cTn>
-                              </p:par>
-                            </p:childTnLst>
-                          </p:cTn>
-                        </p:par>
-                      </p:childTnLst>
-                    </p:cTn>
-                  </p:par>
-                  <p:par>
-                    <p:cTn id="7" fill="hold">
-                      <p:stCondLst>
-                        <p:cond delay="indefinite"/>
-                      </p:stCondLst>
-                      <p:childTnLst>
-                        <p:par>
-                          <p:cTn id="8" fill="hold">
-                            <p:stCondLst>
-                              <p:cond delay="0"/>
-                            </p:stCondLst>
-                            <p:childTnLst>
-                              <p:par>
-                                <p:cTn id="9" presetID="1" presetClass="entr" presetSubtype="0" fill="hold" grpId="0" nodeType="clickEffect">
-                                  <p:stCondLst>
-                                    <p:cond delay="0"/>
-                                  </p:stCondLst>
-                                  <p:childTnLst>
-                                    <p:set>
-                                      <p:cBhvr>
-                                        <p:cTn id="10" dur="1" fill="hold">
-                                          <p:stCondLst>
-                                            <p:cond delay="0"/>
-                                          </p:stCondLst>
-                                        </p:cTn>
-                                        <p:tgtEl>
-                                          <p:spTgt spid="3">
-                                            <p:txEl>
-                                              <p:pRg st="1" end="1"/>
-                                            </p:txEl>
-                                          </p:spTgt>
-                                        </p:tgtEl>
-                                        <p:attrNameLst>
-                                          <p:attrName>style.visibility</p:attrName>
-                                        </p:attrNameLst>
-                                      </p:cBhvr>
-                                      <p:to>
-                                        <p:strVal val="visible"/>
-                                      </p:to>
-                                    </p:set>
-                                  </p:childTnLst>
-                                </p:cTn>
-                              </p:par>
-                            </p:childTnLst>
-                          </p:cTn>
-                        </p:par>
-                      </p:childTnLst>
-                    </p:cTn>
-                  </p:par>
-                  <p:par>
-                    <p:cTn id="11" fill="hold">
-                      <p:stCondLst>
-                        <p:cond delay="indefinite"/>
-                      </p:stCondLst>
-                      <p:childTnLst>
-                        <p:par>
-                          <p:cTn id="12" fill="hold">
-                            <p:stCondLst>
-                              <p:cond delay="0"/>
-                            </p:stCondLst>
-                            <p:childTnLst>
-                              <p:par>
-                                <p:cTn id="13" presetID="1" presetClass="entr" presetSubtype="0" fill="hold" grpId="0" nodeType="clickEffect">
-                                  <p:stCondLst>
-                                    <p:cond delay="0"/>
-                                  </p:stCondLst>
-                                  <p:childTnLst>
-                                    <p:set>
-                                      <p:cBhvr>
-                                        <p:cTn id="14" dur="1" fill="hold">
-                                          <p:stCondLst>
-                                            <p:cond delay="0"/>
-                                          </p:stCondLst>
-                                        </p:cTn>
-                                        <p:tgtEl>
-                                          <p:spTgt spid="3">
-                                            <p:txEl>
-                                              <p:pRg st="2" end="2"/>
-                                            </p:txEl>
-                                          </p:spTgt>
-                                        </p:tgtEl>
-                                        <p:attrNameLst>
-                                          <p:attrName>style.visibility</p:attrName>
-                                        </p:attrNameLst>
-                                      </p:cBhvr>
-                                      <p:to>
-                                        <p:strVal val="visible"/>
-                                      </p:to>
-                                    </p:set>
-                                  </p:childTnLst>
-                                </p:cTn>
-                              </p:par>
-                            </p:childTnLst>
-                          </p:cTn>
-                        </p:par>
-                      </p:childTnLst>
-                    </p:cTn>
-                  </p:par>
-                </p:childTnLst>
-              </p:cTn>
-              <p:prevCondLst>
-                <p:cond evt="onPrev" delay="0">
-                  <p:tgtEl>
-                    <p:sldTgt/>
-                  </p:tgtEl>
-                </p:cond>
-              </p:prevCondLst>
-              <p:nextCondLst>
-                <p:cond evt="onNext" delay="0">
-                  <p:tgtEl>
-                    <p:sldTgt/>
-                  </p:tgtEl>
-                </p:cond>
-              </p:nextCondLst>
-            </p:seq>
-          </p:childTnLst>
-        </p:cTn>
-      </p:par>
-    </p:tnLst>
-    <p:bldLst>
-      <p:bldP spid="3" grpId="0" build="p"/>
-    </p:bldLst>
-  </p:timing>
-</p:sld>
-</file>
-
 <file path=ppt/slides/slide46.xml><?xml version="1.0" encoding="utf-8"?>
 <p:sld xmlns:a="http://schemas.openxmlformats.org/drawingml/2006/main" xmlns:r="http://schemas.openxmlformats.org/officeDocument/2006/relationships" xmlns:p="http://schemas.openxmlformats.org/presentationml/2006/main">
   <p:cSld>
@@ -25774,17 +26171,13 @@
             </a:pPr>
             <a:r>
               <a:rPr lang="de-DE" dirty="0"/>
-              <a:t>Zerlegung und Klonen</a:t>
-            </a:r>
-          </a:p>
-          <a:p>
-            <a:r>
-              <a:rPr lang="en-US" sz="2800" dirty="0"/>
-              <a:t>F# </a:t>
-            </a:r>
+              <a:t>Deklaration</a:t>
+            </a:r>
+          </a:p>
+          <a:p>
             <a:r>
               <a:rPr lang="en-US" sz="2800" dirty="0" err="1"/>
-              <a:t>bietet</a:t>
+              <a:t>Begrenzung</a:t>
             </a:r>
             <a:r>
               <a:rPr lang="en-US" sz="2800" dirty="0"/>
@@ -25792,7 +26185,17 @@
             </a:r>
             <a:r>
               <a:rPr lang="en-US" sz="2800" dirty="0" err="1"/>
-              <a:t>eigne</a:t>
+              <a:t>duruch</a:t>
+            </a:r>
+            <a:r>
+              <a:rPr lang="en-US" sz="2800" dirty="0"/>
+              <a:t> {}</a:t>
+            </a:r>
+          </a:p>
+          <a:p>
+            <a:r>
+              <a:rPr lang="en-US" sz="2800" dirty="0" err="1"/>
+              <a:t>Einzelne</a:t>
             </a:r>
             <a:r>
               <a:rPr lang="en-US" sz="2800" dirty="0"/>
@@ -25800,7 +26203,7 @@
             </a:r>
             <a:r>
               <a:rPr lang="en-US" sz="2800" dirty="0" err="1"/>
-              <a:t>Konstrukte</a:t>
+              <a:t>Bestandteile</a:t>
             </a:r>
             <a:r>
               <a:rPr lang="en-US" sz="2800" dirty="0"/>
@@ -25808,18 +26211,22 @@
             </a:r>
             <a:r>
               <a:rPr lang="en-US" sz="2800" dirty="0" err="1"/>
-              <a:t>hierfür</a:t>
+              <a:t>durch</a:t>
+            </a:r>
+            <a:r>
+              <a:rPr lang="en-US" sz="2800" dirty="0"/>
+              <a:t> ; </a:t>
+            </a:r>
+            <a:r>
+              <a:rPr lang="en-US" sz="2800" dirty="0" err="1"/>
+              <a:t>getrennt</a:t>
             </a:r>
             <a:endParaRPr lang="en-US" sz="2800" dirty="0"/>
           </a:p>
           <a:p>
             <a:r>
-              <a:rPr lang="en-US" sz="2800" dirty="0"/>
-              <a:t>Auch </a:t>
-            </a:r>
-            <a:r>
               <a:rPr lang="en-US" sz="2800" dirty="0" err="1"/>
-              <a:t>Punkt</a:t>
+              <a:t>Alle</a:t>
             </a:r>
             <a:r>
               <a:rPr lang="en-US" sz="2800" dirty="0"/>
@@ -25827,7 +26234,7 @@
             </a:r>
             <a:r>
               <a:rPr lang="en-US" sz="2800" dirty="0" err="1"/>
-              <a:t>Stil</a:t>
+              <a:t>Bestandteile</a:t>
             </a:r>
             <a:r>
               <a:rPr lang="en-US" sz="2800" dirty="0"/>
@@ -25835,71 +26242,11 @@
             </a:r>
             <a:r>
               <a:rPr lang="en-US" sz="2800" dirty="0" err="1"/>
-              <a:t>ist</a:t>
-            </a:r>
-            <a:r>
-              <a:rPr lang="en-US" sz="2800" dirty="0"/>
-              <a:t> </a:t>
-            </a:r>
-            <a:r>
-              <a:rPr lang="en-US" sz="2800" dirty="0" err="1"/>
-              <a:t>möglich</a:t>
+              <a:t>benannt</a:t>
             </a:r>
             <a:endParaRPr lang="en-US" sz="2800" dirty="0"/>
           </a:p>
           <a:p>
-            <a:r>
-              <a:rPr lang="en-US" sz="2800" dirty="0" err="1"/>
-              <a:t>Möglichkeit</a:t>
-            </a:r>
-            <a:r>
-              <a:rPr lang="en-US" sz="2800" dirty="0"/>
-              <a:t> </a:t>
-            </a:r>
-            <a:r>
-              <a:rPr lang="en-US" sz="2800" dirty="0" err="1"/>
-              <a:t>neue</a:t>
-            </a:r>
-            <a:r>
-              <a:rPr lang="en-US" sz="2800" dirty="0"/>
-              <a:t> </a:t>
-            </a:r>
-            <a:r>
-              <a:rPr lang="en-US" sz="2800" dirty="0" err="1"/>
-              <a:t>Ausdrücke</a:t>
-            </a:r>
-            <a:r>
-              <a:rPr lang="en-US" sz="2800" dirty="0"/>
-              <a:t> </a:t>
-            </a:r>
-            <a:r>
-              <a:rPr lang="en-US" sz="2800" dirty="0" err="1"/>
-              <a:t>zu</a:t>
-            </a:r>
-            <a:r>
-              <a:rPr lang="en-US" sz="2800" dirty="0"/>
-              <a:t> </a:t>
-            </a:r>
-            <a:r>
-              <a:rPr lang="en-US" sz="2800" dirty="0" err="1"/>
-              <a:t>erstellen</a:t>
-            </a:r>
-            <a:r>
-              <a:rPr lang="en-US" sz="2800" dirty="0"/>
-              <a:t> </a:t>
-            </a:r>
-            <a:r>
-              <a:rPr lang="en-US" sz="2800" dirty="0" err="1"/>
-              <a:t>aus</a:t>
-            </a:r>
-            <a:r>
-              <a:rPr lang="en-US" sz="2800" dirty="0"/>
-              <a:t> </a:t>
-            </a:r>
-            <a:r>
-              <a:rPr lang="en-US" sz="2800" dirty="0" err="1"/>
-              <a:t>vorhandenen</a:t>
-            </a:r>
             <a:endParaRPr lang="en-US" sz="2800" dirty="0"/>
           </a:p>
           <a:p>
@@ -25913,7 +26260,7 @@
     </p:spTree>
     <p:extLst>
       <p:ext uri="{BB962C8B-B14F-4D97-AF65-F5344CB8AC3E}">
-        <p14:creationId xmlns:p14="http://schemas.microsoft.com/office/powerpoint/2010/main" val="4002252904"/>
+        <p14:creationId xmlns:p14="http://schemas.microsoft.com/office/powerpoint/2010/main" val="1553873765"/>
       </p:ext>
     </p:extLst>
   </p:cSld>
@@ -26222,52 +26569,109 @@
             </a:pPr>
             <a:r>
               <a:rPr lang="de-DE" dirty="0"/>
-              <a:t>Strukturelle Gleichheit</a:t>
-            </a:r>
-          </a:p>
-          <a:p>
-            <a:r>
-              <a:rPr lang="de-DE" dirty="0"/>
-              <a:t>Zwei </a:t>
-            </a:r>
-            <a:r>
-              <a:rPr lang="de-DE" dirty="0" err="1"/>
-              <a:t>Record</a:t>
-            </a:r>
-            <a:r>
-              <a:rPr lang="de-DE" dirty="0"/>
+              <a:t>Konstruktion</a:t>
+            </a:r>
+          </a:p>
+          <a:p>
+            <a:r>
+              <a:rPr lang="en-US" sz="2800" dirty="0" err="1"/>
+              <a:t>Zuweisung</a:t>
+            </a:r>
+            <a:r>
+              <a:rPr lang="en-US" sz="2800" dirty="0"/>
+              <a:t> der </a:t>
+            </a:r>
+            <a:r>
+              <a:rPr lang="en-US" sz="2800" dirty="0" err="1"/>
+              <a:t>Werte</a:t>
+            </a:r>
+            <a:r>
+              <a:rPr lang="en-US" sz="2800" dirty="0"/>
               <a:t> </a:t>
             </a:r>
             <a:r>
-              <a:rPr lang="de-DE" dirty="0" err="1"/>
-              <a:t>Types</a:t>
-            </a:r>
-            <a:r>
-              <a:rPr lang="de-DE" dirty="0"/>
-              <a:t> sind gleich wenn beide die gleichen Typ und Wert in jedem Wert haben</a:t>
-            </a:r>
-          </a:p>
-          <a:p>
-            <a:r>
-              <a:rPr lang="de-DE" dirty="0"/>
-              <a:t>ACHTUNG: zwei </a:t>
-            </a:r>
-            <a:r>
-              <a:rPr lang="de-DE" dirty="0" err="1"/>
-              <a:t>Record</a:t>
-            </a:r>
-            <a:r>
-              <a:rPr lang="de-DE" dirty="0"/>
-              <a:t> typen mit unterschiedlichen Namen aber gleiche Bestandteile können nicht gleich sein! </a:t>
-            </a:r>
-            <a:endParaRPr lang="en-US" dirty="0"/>
+              <a:rPr lang="en-US" sz="2800" dirty="0" err="1"/>
+              <a:t>nach</a:t>
+            </a:r>
+            <a:r>
+              <a:rPr lang="en-US" sz="2800" dirty="0"/>
+              <a:t> </a:t>
+            </a:r>
+            <a:r>
+              <a:rPr lang="en-US" sz="2800" dirty="0" err="1"/>
+              <a:t>Namen</a:t>
+            </a:r>
+            <a:endParaRPr lang="en-US" sz="2800" dirty="0"/>
+          </a:p>
+          <a:p>
+            <a:r>
+              <a:rPr lang="en-US" sz="2800" dirty="0"/>
+              <a:t>Compiler </a:t>
+            </a:r>
+            <a:r>
+              <a:rPr lang="en-US" sz="2800" dirty="0" err="1"/>
+              <a:t>unterstüzt</a:t>
+            </a:r>
+            <a:r>
+              <a:rPr lang="en-US" sz="2800" dirty="0"/>
+              <a:t> die </a:t>
+            </a:r>
+            <a:r>
+              <a:rPr lang="en-US" sz="2800" dirty="0" err="1"/>
+              <a:t>Konstruktion</a:t>
+            </a:r>
+            <a:r>
+              <a:rPr lang="en-US" sz="2800" dirty="0"/>
+              <a:t> in </a:t>
+            </a:r>
+            <a:r>
+              <a:rPr lang="en-US" sz="2800" dirty="0" err="1"/>
+              <a:t>dem</a:t>
+            </a:r>
+            <a:r>
+              <a:rPr lang="en-US" sz="2800" dirty="0"/>
+              <a:t> der </a:t>
+            </a:r>
+            <a:r>
+              <a:rPr lang="en-US" sz="2800" dirty="0" err="1"/>
+              <a:t>Typ</a:t>
+            </a:r>
+            <a:r>
+              <a:rPr lang="en-US" sz="2800" dirty="0"/>
+              <a:t> </a:t>
+            </a:r>
+            <a:r>
+              <a:rPr lang="en-US" sz="2800" dirty="0" err="1"/>
+              <a:t>ermittelt</a:t>
+            </a:r>
+            <a:r>
+              <a:rPr lang="en-US" sz="2800" dirty="0"/>
+              <a:t> </a:t>
+            </a:r>
+            <a:r>
+              <a:rPr lang="en-US" sz="2800" dirty="0" err="1"/>
+              <a:t>wird</a:t>
+            </a:r>
+            <a:r>
+              <a:rPr lang="en-US" sz="2800" dirty="0"/>
+              <a:t>.</a:t>
+            </a:r>
+          </a:p>
+          <a:p>
+            <a:endParaRPr lang="en-US" sz="2800" dirty="0"/>
+          </a:p>
+          <a:p>
+            <a:pPr marL="0" indent="0">
+              <a:buNone/>
+            </a:pPr>
+            <a:endParaRPr lang="en-US" sz="2800" dirty="0"/>
           </a:p>
         </p:txBody>
       </p:sp>
     </p:spTree>
     <p:extLst>
       <p:ext uri="{BB962C8B-B14F-4D97-AF65-F5344CB8AC3E}">
-        <p14:creationId xmlns:p14="http://schemas.microsoft.com/office/powerpoint/2010/main" val="1697047531"/>
+        <p14:creationId xmlns:p14="http://schemas.microsoft.com/office/powerpoint/2010/main" val="1808667170"/>
       </p:ext>
     </p:extLst>
   </p:cSld>
@@ -26486,9 +26890,7 @@
         </p:nvSpPr>
         <p:spPr/>
         <p:txBody>
-          <a:bodyPr>
-            <a:normAutofit/>
-          </a:bodyPr>
+          <a:bodyPr/>
           <a:lstStyle/>
           <a:p>
             <a:r>
@@ -26497,11 +26899,11 @@
             </a:r>
             <a:r>
               <a:rPr lang="de-DE" dirty="0" err="1"/>
-              <a:t>Discriminated</a:t>
-            </a:r>
-            <a:r>
-              <a:rPr lang="de-DE" dirty="0"/>
-              <a:t> Union</a:t>
+              <a:t>Record</a:t>
+            </a:r>
+            <a:r>
+              <a:rPr lang="de-DE" dirty="0"/>
+              <a:t> </a:t>
             </a:r>
             <a:endParaRPr lang="en-US" dirty="0"/>
           </a:p>
@@ -26529,393 +26931,381 @@
             </a:pPr>
             <a:r>
               <a:rPr lang="de-DE" dirty="0"/>
-              <a:t>Unterscheidungs-Union auf deutsch</a:t>
-            </a:r>
+              <a:t>Zerlegung und Klonen</a:t>
+            </a:r>
+          </a:p>
+          <a:p>
+            <a:r>
+              <a:rPr lang="en-US" sz="2800" dirty="0"/>
+              <a:t>F# </a:t>
+            </a:r>
+            <a:r>
+              <a:rPr lang="en-US" sz="2800" dirty="0" err="1"/>
+              <a:t>bietet</a:t>
+            </a:r>
+            <a:r>
+              <a:rPr lang="en-US" sz="2800" dirty="0"/>
+              <a:t> </a:t>
+            </a:r>
+            <a:r>
+              <a:rPr lang="en-US" sz="2800" dirty="0" err="1"/>
+              <a:t>eigne</a:t>
+            </a:r>
+            <a:r>
+              <a:rPr lang="en-US" sz="2800" dirty="0"/>
+              <a:t> </a:t>
+            </a:r>
+            <a:r>
+              <a:rPr lang="en-US" sz="2800" dirty="0" err="1"/>
+              <a:t>Konstrukte</a:t>
+            </a:r>
+            <a:r>
+              <a:rPr lang="en-US" sz="2800" dirty="0"/>
+              <a:t> </a:t>
+            </a:r>
+            <a:r>
+              <a:rPr lang="en-US" sz="2800" dirty="0" err="1"/>
+              <a:t>hierfür</a:t>
+            </a:r>
+            <a:endParaRPr lang="en-US" sz="2800" dirty="0"/>
+          </a:p>
+          <a:p>
+            <a:r>
+              <a:rPr lang="en-US" sz="2800" dirty="0"/>
+              <a:t>Auch </a:t>
+            </a:r>
+            <a:r>
+              <a:rPr lang="en-US" sz="2800" dirty="0" err="1"/>
+              <a:t>Punkt</a:t>
+            </a:r>
+            <a:r>
+              <a:rPr lang="en-US" sz="2800" dirty="0"/>
+              <a:t> </a:t>
+            </a:r>
+            <a:r>
+              <a:rPr lang="en-US" sz="2800" dirty="0" err="1"/>
+              <a:t>Stil</a:t>
+            </a:r>
+            <a:r>
+              <a:rPr lang="en-US" sz="2800" dirty="0"/>
+              <a:t> </a:t>
+            </a:r>
+            <a:r>
+              <a:rPr lang="en-US" sz="2800" dirty="0" err="1"/>
+              <a:t>ist</a:t>
+            </a:r>
+            <a:r>
+              <a:rPr lang="en-US" sz="2800" dirty="0"/>
+              <a:t> </a:t>
+            </a:r>
+            <a:r>
+              <a:rPr lang="en-US" sz="2800" dirty="0" err="1"/>
+              <a:t>möglich</a:t>
+            </a:r>
+            <a:endParaRPr lang="en-US" sz="2800" dirty="0"/>
+          </a:p>
+          <a:p>
+            <a:r>
+              <a:rPr lang="en-US" sz="2800" dirty="0" err="1"/>
+              <a:t>Möglichkeit</a:t>
+            </a:r>
+            <a:r>
+              <a:rPr lang="en-US" sz="2800" dirty="0"/>
+              <a:t> </a:t>
+            </a:r>
+            <a:r>
+              <a:rPr lang="en-US" sz="2800" dirty="0" err="1"/>
+              <a:t>neue</a:t>
+            </a:r>
+            <a:r>
+              <a:rPr lang="en-US" sz="2800" dirty="0"/>
+              <a:t> </a:t>
+            </a:r>
+            <a:r>
+              <a:rPr lang="en-US" sz="2800" dirty="0" err="1"/>
+              <a:t>Ausdrücke</a:t>
+            </a:r>
+            <a:r>
+              <a:rPr lang="en-US" sz="2800" dirty="0"/>
+              <a:t> </a:t>
+            </a:r>
+            <a:r>
+              <a:rPr lang="en-US" sz="2800" dirty="0" err="1"/>
+              <a:t>zu</a:t>
+            </a:r>
+            <a:r>
+              <a:rPr lang="en-US" sz="2800" dirty="0"/>
+              <a:t> </a:t>
+            </a:r>
+            <a:r>
+              <a:rPr lang="en-US" sz="2800" dirty="0" err="1"/>
+              <a:t>erstellen</a:t>
+            </a:r>
+            <a:r>
+              <a:rPr lang="en-US" sz="2800" dirty="0"/>
+              <a:t> </a:t>
+            </a:r>
+            <a:r>
+              <a:rPr lang="en-US" sz="2800" dirty="0" err="1"/>
+              <a:t>aus</a:t>
+            </a:r>
+            <a:r>
+              <a:rPr lang="en-US" sz="2800" dirty="0"/>
+              <a:t> </a:t>
+            </a:r>
+            <a:r>
+              <a:rPr lang="en-US" sz="2800" dirty="0" err="1"/>
+              <a:t>vorhandenen</a:t>
+            </a:r>
+            <a:endParaRPr lang="en-US" sz="2800" dirty="0"/>
           </a:p>
           <a:p>
             <a:pPr marL="0" indent="0">
               <a:buNone/>
             </a:pPr>
-            <a:r>
-              <a:rPr lang="de-DE" dirty="0"/>
-              <a:t>Besteht aus einer Anzahl von benannten Fällen</a:t>
-            </a:r>
-          </a:p>
-          <a:p>
-            <a:pPr marL="0" indent="0">
-              <a:buNone/>
-            </a:pPr>
-            <a:r>
-              <a:rPr lang="de-DE" dirty="0"/>
-              <a:t>Nur eines ist gültig für einen Ausdruck</a:t>
-            </a:r>
-          </a:p>
-          <a:p>
-            <a:pPr marL="0" indent="0">
-              <a:buNone/>
-            </a:pPr>
-            <a:r>
-              <a:rPr lang="en-US" sz="2200" dirty="0">
-                <a:solidFill>
-                  <a:srgbClr val="0000FF"/>
-                </a:solidFill>
-                <a:highlight>
-                  <a:srgbClr val="FFFFFF"/>
-                </a:highlight>
-                <a:latin typeface="Consolas"/>
-              </a:rPr>
-              <a:t>type</a:t>
-            </a:r>
-            <a:r>
-              <a:rPr lang="en-US" sz="2200" dirty="0">
-                <a:solidFill>
-                  <a:srgbClr val="000000"/>
-                </a:solidFill>
-                <a:highlight>
-                  <a:srgbClr val="FFFFFF"/>
-                </a:highlight>
-                <a:latin typeface="Consolas"/>
-              </a:rPr>
-              <a:t> </a:t>
-            </a:r>
-            <a:r>
-              <a:rPr lang="en-US" sz="2200" dirty="0">
-                <a:solidFill>
-                  <a:srgbClr val="4EC9B0"/>
-                </a:solidFill>
-                <a:highlight>
-                  <a:srgbClr val="FFFFFF"/>
-                </a:highlight>
-                <a:latin typeface="Consolas"/>
-              </a:rPr>
-              <a:t>Shape</a:t>
-            </a:r>
-            <a:r>
-              <a:rPr lang="en-US" sz="2200" dirty="0">
-                <a:solidFill>
-                  <a:srgbClr val="000000"/>
-                </a:solidFill>
-                <a:highlight>
-                  <a:srgbClr val="FFFFFF"/>
-                </a:highlight>
-                <a:latin typeface="Consolas"/>
-              </a:rPr>
-              <a:t> </a:t>
-            </a:r>
-            <a:r>
-              <a:rPr lang="en-US" sz="2200" dirty="0">
-                <a:solidFill>
-                  <a:srgbClr val="DCDCDC"/>
-                </a:solidFill>
-                <a:highlight>
-                  <a:srgbClr val="FFFFFF"/>
-                </a:highlight>
-                <a:latin typeface="Consolas"/>
-              </a:rPr>
-              <a:t>=</a:t>
-            </a:r>
-            <a:endParaRPr lang="en-US" sz="2200" dirty="0">
-              <a:solidFill>
-                <a:srgbClr val="000000"/>
-              </a:solidFill>
-              <a:highlight>
-                <a:srgbClr val="FFFFFF"/>
-              </a:highlight>
-              <a:latin typeface="Consolas"/>
-            </a:endParaRPr>
-          </a:p>
-          <a:p>
-            <a:pPr marL="0" indent="0">
-              <a:buNone/>
-            </a:pPr>
-            <a:r>
-              <a:rPr lang="en-US" sz="2200" dirty="0">
-                <a:solidFill>
-                  <a:srgbClr val="000000"/>
-                </a:solidFill>
-                <a:highlight>
-                  <a:srgbClr val="FFFFFF"/>
-                </a:highlight>
-                <a:latin typeface="Consolas"/>
-              </a:rPr>
-              <a:t>| </a:t>
-            </a:r>
-            <a:r>
-              <a:rPr lang="en-US" sz="2200" dirty="0">
-                <a:solidFill>
-                  <a:schemeClr val="accent2">
-                    <a:lumMod val="75000"/>
-                  </a:schemeClr>
-                </a:solidFill>
-                <a:highlight>
-                  <a:srgbClr val="FFFFFF"/>
-                </a:highlight>
-                <a:latin typeface="Consolas"/>
-              </a:rPr>
-              <a:t>Rectangle</a:t>
-            </a:r>
-            <a:r>
-              <a:rPr lang="en-US" sz="2200" dirty="0">
-                <a:solidFill>
-                  <a:srgbClr val="000000"/>
-                </a:solidFill>
-                <a:highlight>
-                  <a:srgbClr val="FFFFFF"/>
-                </a:highlight>
-                <a:latin typeface="Consolas"/>
-              </a:rPr>
-              <a:t> </a:t>
-            </a:r>
-            <a:r>
-              <a:rPr lang="en-US" sz="2200" dirty="0">
-                <a:solidFill>
-                  <a:srgbClr val="0000FF"/>
-                </a:solidFill>
-                <a:highlight>
-                  <a:srgbClr val="FFFFFF"/>
-                </a:highlight>
-                <a:latin typeface="Consolas"/>
-              </a:rPr>
-              <a:t>of</a:t>
-            </a:r>
-            <a:r>
-              <a:rPr lang="en-US" sz="2200" dirty="0">
-                <a:solidFill>
-                  <a:srgbClr val="000000"/>
-                </a:solidFill>
-                <a:highlight>
-                  <a:srgbClr val="FFFFFF"/>
-                </a:highlight>
-                <a:latin typeface="Consolas"/>
-              </a:rPr>
-              <a:t> width : </a:t>
-            </a:r>
-            <a:r>
-              <a:rPr lang="en-US" sz="2200" dirty="0">
-                <a:solidFill>
-                  <a:srgbClr val="4EC9B0"/>
-                </a:solidFill>
-                <a:highlight>
-                  <a:srgbClr val="FFFFFF"/>
-                </a:highlight>
-                <a:latin typeface="Consolas"/>
-              </a:rPr>
-              <a:t>float</a:t>
-            </a:r>
-            <a:r>
-              <a:rPr lang="en-US" sz="2200" dirty="0">
-                <a:solidFill>
-                  <a:srgbClr val="000000"/>
-                </a:solidFill>
-                <a:highlight>
-                  <a:srgbClr val="FFFFFF"/>
-                </a:highlight>
-                <a:latin typeface="Consolas"/>
-              </a:rPr>
-              <a:t> * length : </a:t>
-            </a:r>
-            <a:r>
-              <a:rPr lang="en-US" sz="2200" dirty="0">
-                <a:solidFill>
-                  <a:srgbClr val="4EC9B0"/>
-                </a:solidFill>
-                <a:highlight>
-                  <a:srgbClr val="FFFFFF"/>
-                </a:highlight>
-                <a:latin typeface="Consolas"/>
-              </a:rPr>
-              <a:t>float</a:t>
-            </a:r>
-            <a:endParaRPr lang="en-US" sz="2200" dirty="0">
-              <a:solidFill>
-                <a:srgbClr val="000000"/>
-              </a:solidFill>
-              <a:highlight>
-                <a:srgbClr val="FFFFFF"/>
-              </a:highlight>
-              <a:latin typeface="Consolas"/>
-            </a:endParaRPr>
-          </a:p>
-          <a:p>
-            <a:pPr marL="0" indent="0">
-              <a:buNone/>
-            </a:pPr>
-            <a:r>
-              <a:rPr lang="en-US" sz="2200" dirty="0">
-                <a:solidFill>
-                  <a:srgbClr val="000000"/>
-                </a:solidFill>
-                <a:highlight>
-                  <a:srgbClr val="FFFFFF"/>
-                </a:highlight>
-                <a:latin typeface="Consolas"/>
-              </a:rPr>
-              <a:t>| </a:t>
-            </a:r>
-            <a:r>
-              <a:rPr lang="en-US" sz="2200" dirty="0">
-                <a:solidFill>
-                  <a:schemeClr val="accent2">
-                    <a:lumMod val="75000"/>
-                  </a:schemeClr>
-                </a:solidFill>
-                <a:highlight>
-                  <a:srgbClr val="FFFFFF"/>
-                </a:highlight>
-                <a:latin typeface="Consolas"/>
-              </a:rPr>
-              <a:t>Circle</a:t>
-            </a:r>
-            <a:r>
-              <a:rPr lang="en-US" sz="2200" dirty="0">
-                <a:solidFill>
-                  <a:srgbClr val="000000"/>
-                </a:solidFill>
-                <a:highlight>
-                  <a:srgbClr val="FFFFFF"/>
-                </a:highlight>
-                <a:latin typeface="Consolas"/>
-              </a:rPr>
-              <a:t> </a:t>
-            </a:r>
-            <a:r>
-              <a:rPr lang="en-US" sz="2200" dirty="0">
-                <a:solidFill>
-                  <a:srgbClr val="0000FF"/>
-                </a:solidFill>
-                <a:highlight>
-                  <a:srgbClr val="FFFFFF"/>
-                </a:highlight>
-                <a:latin typeface="Consolas"/>
-              </a:rPr>
-              <a:t>of</a:t>
-            </a:r>
-            <a:r>
-              <a:rPr lang="en-US" sz="2200" dirty="0">
-                <a:solidFill>
-                  <a:srgbClr val="000000"/>
-                </a:solidFill>
-                <a:highlight>
-                  <a:srgbClr val="FFFFFF"/>
-                </a:highlight>
-                <a:latin typeface="Consolas"/>
-              </a:rPr>
-              <a:t> radius : </a:t>
-            </a:r>
-            <a:r>
-              <a:rPr lang="en-US" sz="2200" dirty="0">
-                <a:solidFill>
-                  <a:srgbClr val="4EC9B0"/>
-                </a:solidFill>
-                <a:highlight>
-                  <a:srgbClr val="FFFFFF"/>
-                </a:highlight>
-                <a:latin typeface="Consolas"/>
-              </a:rPr>
-              <a:t>float</a:t>
-            </a:r>
-            <a:endParaRPr lang="en-US" sz="2200" dirty="0">
-              <a:solidFill>
-                <a:srgbClr val="000000"/>
-              </a:solidFill>
-              <a:highlight>
-                <a:srgbClr val="FFFFFF"/>
-              </a:highlight>
-              <a:latin typeface="Consolas"/>
-            </a:endParaRPr>
-          </a:p>
-          <a:p>
-            <a:pPr marL="0" indent="0">
-              <a:buNone/>
-            </a:pPr>
-            <a:r>
-              <a:rPr lang="en-US" sz="2200" dirty="0">
-                <a:solidFill>
-                  <a:srgbClr val="000000"/>
-                </a:solidFill>
-                <a:highlight>
-                  <a:srgbClr val="FFFFFF"/>
-                </a:highlight>
-                <a:latin typeface="Consolas"/>
-              </a:rPr>
-              <a:t>| </a:t>
-            </a:r>
-            <a:r>
-              <a:rPr lang="en-US" sz="2200" dirty="0">
-                <a:solidFill>
-                  <a:schemeClr val="accent2">
-                    <a:lumMod val="75000"/>
-                  </a:schemeClr>
-                </a:solidFill>
-                <a:highlight>
-                  <a:srgbClr val="FFFFFF"/>
-                </a:highlight>
-                <a:latin typeface="Consolas"/>
-              </a:rPr>
-              <a:t>Square</a:t>
-            </a:r>
-            <a:r>
-              <a:rPr lang="en-US" sz="2200" dirty="0">
-                <a:solidFill>
-                  <a:srgbClr val="000000"/>
-                </a:solidFill>
-                <a:highlight>
-                  <a:srgbClr val="FFFFFF"/>
-                </a:highlight>
-                <a:latin typeface="Consolas"/>
-              </a:rPr>
-              <a:t> </a:t>
-            </a:r>
-            <a:r>
-              <a:rPr lang="en-US" sz="2200" dirty="0">
-                <a:solidFill>
-                  <a:srgbClr val="0000FF"/>
-                </a:solidFill>
-                <a:highlight>
-                  <a:srgbClr val="FFFFFF"/>
-                </a:highlight>
-                <a:latin typeface="Consolas"/>
-              </a:rPr>
-              <a:t>of</a:t>
-            </a:r>
-            <a:r>
-              <a:rPr lang="en-US" sz="2200" dirty="0">
-                <a:solidFill>
-                  <a:srgbClr val="000000"/>
-                </a:solidFill>
-                <a:highlight>
-                  <a:srgbClr val="FFFFFF"/>
-                </a:highlight>
-                <a:latin typeface="Consolas"/>
-              </a:rPr>
-              <a:t> side : </a:t>
-            </a:r>
-            <a:r>
-              <a:rPr lang="en-US" sz="2200" dirty="0">
-                <a:solidFill>
-                  <a:srgbClr val="4EC9B0"/>
-                </a:solidFill>
-                <a:highlight>
-                  <a:srgbClr val="FFFFFF"/>
-                </a:highlight>
-                <a:latin typeface="Consolas"/>
-              </a:rPr>
-              <a:t>float</a:t>
-            </a:r>
-            <a:endParaRPr lang="en-US" sz="2200" dirty="0"/>
+            <a:endParaRPr lang="en-US" sz="2800" dirty="0"/>
           </a:p>
         </p:txBody>
       </p:sp>
     </p:spTree>
     <p:extLst>
       <p:ext uri="{BB962C8B-B14F-4D97-AF65-F5344CB8AC3E}">
-        <p14:creationId xmlns:p14="http://schemas.microsoft.com/office/powerpoint/2010/main" val="3184996216"/>
+        <p14:creationId xmlns:p14="http://schemas.microsoft.com/office/powerpoint/2010/main" val="4002252904"/>
       </p:ext>
     </p:extLst>
   </p:cSld>
   <p:clrMapOvr>
     <a:masterClrMapping/>
   </p:clrMapOvr>
+  <p:timing>
+    <p:tnLst>
+      <p:par>
+        <p:cTn id="1" dur="indefinite" restart="never" nodeType="tmRoot">
+          <p:childTnLst>
+            <p:seq concurrent="1" nextAc="seek">
+              <p:cTn id="2" dur="indefinite" nodeType="mainSeq">
+                <p:childTnLst>
+                  <p:par>
+                    <p:cTn id="3" fill="hold">
+                      <p:stCondLst>
+                        <p:cond delay="indefinite"/>
+                      </p:stCondLst>
+                      <p:childTnLst>
+                        <p:par>
+                          <p:cTn id="4" fill="hold">
+                            <p:stCondLst>
+                              <p:cond delay="0"/>
+                            </p:stCondLst>
+                            <p:childTnLst>
+                              <p:par>
+                                <p:cTn id="5" presetID="1" presetClass="entr" presetSubtype="0" fill="hold" grpId="0" nodeType="clickEffect">
+                                  <p:stCondLst>
+                                    <p:cond delay="0"/>
+                                  </p:stCondLst>
+                                  <p:childTnLst>
+                                    <p:set>
+                                      <p:cBhvr>
+                                        <p:cTn id="6" dur="1" fill="hold">
+                                          <p:stCondLst>
+                                            <p:cond delay="0"/>
+                                          </p:stCondLst>
+                                        </p:cTn>
+                                        <p:tgtEl>
+                                          <p:spTgt spid="3">
+                                            <p:txEl>
+                                              <p:pRg st="0" end="0"/>
+                                            </p:txEl>
+                                          </p:spTgt>
+                                        </p:tgtEl>
+                                        <p:attrNameLst>
+                                          <p:attrName>style.visibility</p:attrName>
+                                        </p:attrNameLst>
+                                      </p:cBhvr>
+                                      <p:to>
+                                        <p:strVal val="visible"/>
+                                      </p:to>
+                                    </p:set>
+                                  </p:childTnLst>
+                                </p:cTn>
+                              </p:par>
+                            </p:childTnLst>
+                          </p:cTn>
+                        </p:par>
+                      </p:childTnLst>
+                    </p:cTn>
+                  </p:par>
+                  <p:par>
+                    <p:cTn id="7" fill="hold">
+                      <p:stCondLst>
+                        <p:cond delay="indefinite"/>
+                      </p:stCondLst>
+                      <p:childTnLst>
+                        <p:par>
+                          <p:cTn id="8" fill="hold">
+                            <p:stCondLst>
+                              <p:cond delay="0"/>
+                            </p:stCondLst>
+                            <p:childTnLst>
+                              <p:par>
+                                <p:cTn id="9" presetID="1" presetClass="entr" presetSubtype="0" fill="hold" grpId="0" nodeType="clickEffect">
+                                  <p:stCondLst>
+                                    <p:cond delay="0"/>
+                                  </p:stCondLst>
+                                  <p:childTnLst>
+                                    <p:set>
+                                      <p:cBhvr>
+                                        <p:cTn id="10" dur="1" fill="hold">
+                                          <p:stCondLst>
+                                            <p:cond delay="0"/>
+                                          </p:stCondLst>
+                                        </p:cTn>
+                                        <p:tgtEl>
+                                          <p:spTgt spid="3">
+                                            <p:txEl>
+                                              <p:pRg st="1" end="1"/>
+                                            </p:txEl>
+                                          </p:spTgt>
+                                        </p:tgtEl>
+                                        <p:attrNameLst>
+                                          <p:attrName>style.visibility</p:attrName>
+                                        </p:attrNameLst>
+                                      </p:cBhvr>
+                                      <p:to>
+                                        <p:strVal val="visible"/>
+                                      </p:to>
+                                    </p:set>
+                                  </p:childTnLst>
+                                </p:cTn>
+                              </p:par>
+                            </p:childTnLst>
+                          </p:cTn>
+                        </p:par>
+                      </p:childTnLst>
+                    </p:cTn>
+                  </p:par>
+                  <p:par>
+                    <p:cTn id="11" fill="hold">
+                      <p:stCondLst>
+                        <p:cond delay="indefinite"/>
+                      </p:stCondLst>
+                      <p:childTnLst>
+                        <p:par>
+                          <p:cTn id="12" fill="hold">
+                            <p:stCondLst>
+                              <p:cond delay="0"/>
+                            </p:stCondLst>
+                            <p:childTnLst>
+                              <p:par>
+                                <p:cTn id="13" presetID="1" presetClass="entr" presetSubtype="0" fill="hold" grpId="0" nodeType="clickEffect">
+                                  <p:stCondLst>
+                                    <p:cond delay="0"/>
+                                  </p:stCondLst>
+                                  <p:childTnLst>
+                                    <p:set>
+                                      <p:cBhvr>
+                                        <p:cTn id="14" dur="1" fill="hold">
+                                          <p:stCondLst>
+                                            <p:cond delay="0"/>
+                                          </p:stCondLst>
+                                        </p:cTn>
+                                        <p:tgtEl>
+                                          <p:spTgt spid="3">
+                                            <p:txEl>
+                                              <p:pRg st="2" end="2"/>
+                                            </p:txEl>
+                                          </p:spTgt>
+                                        </p:tgtEl>
+                                        <p:attrNameLst>
+                                          <p:attrName>style.visibility</p:attrName>
+                                        </p:attrNameLst>
+                                      </p:cBhvr>
+                                      <p:to>
+                                        <p:strVal val="visible"/>
+                                      </p:to>
+                                    </p:set>
+                                  </p:childTnLst>
+                                </p:cTn>
+                              </p:par>
+                            </p:childTnLst>
+                          </p:cTn>
+                        </p:par>
+                      </p:childTnLst>
+                    </p:cTn>
+                  </p:par>
+                  <p:par>
+                    <p:cTn id="15" fill="hold">
+                      <p:stCondLst>
+                        <p:cond delay="indefinite"/>
+                      </p:stCondLst>
+                      <p:childTnLst>
+                        <p:par>
+                          <p:cTn id="16" fill="hold">
+                            <p:stCondLst>
+                              <p:cond delay="0"/>
+                            </p:stCondLst>
+                            <p:childTnLst>
+                              <p:par>
+                                <p:cTn id="17" presetID="1" presetClass="entr" presetSubtype="0" fill="hold" grpId="0" nodeType="clickEffect">
+                                  <p:stCondLst>
+                                    <p:cond delay="0"/>
+                                  </p:stCondLst>
+                                  <p:childTnLst>
+                                    <p:set>
+                                      <p:cBhvr>
+                                        <p:cTn id="18" dur="1" fill="hold">
+                                          <p:stCondLst>
+                                            <p:cond delay="0"/>
+                                          </p:stCondLst>
+                                        </p:cTn>
+                                        <p:tgtEl>
+                                          <p:spTgt spid="3">
+                                            <p:txEl>
+                                              <p:pRg st="3" end="3"/>
+                                            </p:txEl>
+                                          </p:spTgt>
+                                        </p:tgtEl>
+                                        <p:attrNameLst>
+                                          <p:attrName>style.visibility</p:attrName>
+                                        </p:attrNameLst>
+                                      </p:cBhvr>
+                                      <p:to>
+                                        <p:strVal val="visible"/>
+                                      </p:to>
+                                    </p:set>
+                                  </p:childTnLst>
+                                </p:cTn>
+                              </p:par>
+                            </p:childTnLst>
+                          </p:cTn>
+                        </p:par>
+                      </p:childTnLst>
+                    </p:cTn>
+                  </p:par>
+                </p:childTnLst>
+              </p:cTn>
+              <p:prevCondLst>
+                <p:cond evt="onPrev" delay="0">
+                  <p:tgtEl>
+                    <p:sldTgt/>
+                  </p:tgtEl>
+                </p:cond>
+              </p:prevCondLst>
+              <p:nextCondLst>
+                <p:cond evt="onNext" delay="0">
+                  <p:tgtEl>
+                    <p:sldTgt/>
+                  </p:tgtEl>
+                </p:cond>
+              </p:nextCondLst>
+            </p:seq>
+          </p:childTnLst>
+        </p:cTn>
+      </p:par>
+    </p:tnLst>
+    <p:bldLst>
+      <p:bldP spid="3" grpId="0" build="p"/>
+    </p:bldLst>
+  </p:timing>
 </p:sld>
 </file>
 
@@ -26948,9 +27338,7 @@
         </p:nvSpPr>
         <p:spPr/>
         <p:txBody>
-          <a:bodyPr>
-            <a:normAutofit/>
-          </a:bodyPr>
+          <a:bodyPr/>
           <a:lstStyle/>
           <a:p>
             <a:r>
@@ -26959,11 +27347,11 @@
             </a:r>
             <a:r>
               <a:rPr lang="de-DE" dirty="0" err="1"/>
-              <a:t>Discriminated</a:t>
-            </a:r>
-            <a:r>
-              <a:rPr lang="de-DE" dirty="0"/>
-              <a:t> Union</a:t>
+              <a:t>Record</a:t>
+            </a:r>
+            <a:r>
+              <a:rPr lang="de-DE" dirty="0"/>
+              <a:t> </a:t>
             </a:r>
             <a:endParaRPr lang="en-US" dirty="0"/>
           </a:p>
@@ -26986,25 +27374,18 @@
           </a:bodyPr>
           <a:lstStyle/>
           <a:p>
-            <a:r>
-              <a:rPr lang="de-DE" dirty="0"/>
-              <a:t>Ein union-</a:t>
-            </a:r>
-            <a:r>
-              <a:rPr lang="de-DE" dirty="0" err="1"/>
-              <a:t>case</a:t>
-            </a:r>
-            <a:r>
-              <a:rPr lang="de-DE" dirty="0"/>
-              <a:t> kann auch aus eine </a:t>
-            </a:r>
-            <a:r>
-              <a:rPr lang="de-DE" dirty="0" err="1"/>
-              <a:t>Tuple</a:t>
-            </a:r>
-            <a:r>
-              <a:rPr lang="de-DE" dirty="0"/>
-              <a:t>, </a:t>
+            <a:pPr marL="0" indent="0">
+              <a:buNone/>
+            </a:pPr>
+            <a:r>
+              <a:rPr lang="de-DE" dirty="0"/>
+              <a:t>Strukturelle Gleichheit</a:t>
+            </a:r>
+          </a:p>
+          <a:p>
+            <a:r>
+              <a:rPr lang="de-DE" dirty="0"/>
+              <a:t>Zwei </a:t>
             </a:r>
             <a:r>
               <a:rPr lang="de-DE" dirty="0" err="1"/>
@@ -27012,38 +27393,224 @@
             </a:r>
             <a:r>
               <a:rPr lang="de-DE" dirty="0"/>
-              <a:t>, anderer DU bestehen</a:t>
-            </a:r>
-          </a:p>
-          <a:p>
-            <a:r>
-              <a:rPr lang="de-DE" dirty="0"/>
-              <a:t>Die Bezeichner der einzelnen Fälle müssen mit einem Großbuchstaben beginnen</a:t>
-            </a:r>
-          </a:p>
-          <a:p>
-            <a:r>
-              <a:rPr lang="de-DE" dirty="0"/>
-              <a:t>Ein Wert kann nicht den Typen des DU haben, sondern nur einem der union-</a:t>
+              <a:t> </a:t>
             </a:r>
             <a:r>
               <a:rPr lang="de-DE" dirty="0" err="1"/>
-              <a:t>cases</a:t>
-            </a:r>
-            <a:endParaRPr lang="de-DE" dirty="0"/>
+              <a:t>Types</a:t>
+            </a:r>
+            <a:r>
+              <a:rPr lang="de-DE" dirty="0"/>
+              <a:t> sind gleich wenn beide die gleichen Typ und Wert in jedem Wert haben</a:t>
+            </a:r>
+          </a:p>
+          <a:p>
+            <a:r>
+              <a:rPr lang="de-DE" dirty="0"/>
+              <a:t>ACHTUNG: zwei </a:t>
+            </a:r>
+            <a:r>
+              <a:rPr lang="de-DE" dirty="0" err="1"/>
+              <a:t>Record</a:t>
+            </a:r>
+            <a:r>
+              <a:rPr lang="de-DE" dirty="0"/>
+              <a:t> typen mit unterschiedlichen Namen aber gleiche Bestandteile können nicht gleich sein! </a:t>
+            </a:r>
+            <a:endParaRPr lang="en-US" dirty="0"/>
           </a:p>
         </p:txBody>
       </p:sp>
     </p:spTree>
     <p:extLst>
       <p:ext uri="{BB962C8B-B14F-4D97-AF65-F5344CB8AC3E}">
-        <p14:creationId xmlns:p14="http://schemas.microsoft.com/office/powerpoint/2010/main" val="4132026800"/>
+        <p14:creationId xmlns:p14="http://schemas.microsoft.com/office/powerpoint/2010/main" val="1697047531"/>
       </p:ext>
     </p:extLst>
   </p:cSld>
   <p:clrMapOvr>
     <a:masterClrMapping/>
   </p:clrMapOvr>
+  <p:timing>
+    <p:tnLst>
+      <p:par>
+        <p:cTn id="1" dur="indefinite" restart="never" nodeType="tmRoot">
+          <p:childTnLst>
+            <p:seq concurrent="1" nextAc="seek">
+              <p:cTn id="2" dur="indefinite" nodeType="mainSeq">
+                <p:childTnLst>
+                  <p:par>
+                    <p:cTn id="3" fill="hold">
+                      <p:stCondLst>
+                        <p:cond delay="indefinite"/>
+                      </p:stCondLst>
+                      <p:childTnLst>
+                        <p:par>
+                          <p:cTn id="4" fill="hold">
+                            <p:stCondLst>
+                              <p:cond delay="0"/>
+                            </p:stCondLst>
+                            <p:childTnLst>
+                              <p:par>
+                                <p:cTn id="5" presetID="1" presetClass="entr" presetSubtype="0" fill="hold" grpId="0" nodeType="clickEffect">
+                                  <p:stCondLst>
+                                    <p:cond delay="0"/>
+                                  </p:stCondLst>
+                                  <p:childTnLst>
+                                    <p:set>
+                                      <p:cBhvr>
+                                        <p:cTn id="6" dur="1" fill="hold">
+                                          <p:stCondLst>
+                                            <p:cond delay="0"/>
+                                          </p:stCondLst>
+                                        </p:cTn>
+                                        <p:tgtEl>
+                                          <p:spTgt spid="3">
+                                            <p:txEl>
+                                              <p:pRg st="0" end="0"/>
+                                            </p:txEl>
+                                          </p:spTgt>
+                                        </p:tgtEl>
+                                        <p:attrNameLst>
+                                          <p:attrName>style.visibility</p:attrName>
+                                        </p:attrNameLst>
+                                      </p:cBhvr>
+                                      <p:to>
+                                        <p:strVal val="visible"/>
+                                      </p:to>
+                                    </p:set>
+                                  </p:childTnLst>
+                                </p:cTn>
+                              </p:par>
+                            </p:childTnLst>
+                          </p:cTn>
+                        </p:par>
+                      </p:childTnLst>
+                    </p:cTn>
+                  </p:par>
+                  <p:par>
+                    <p:cTn id="7" fill="hold">
+                      <p:stCondLst>
+                        <p:cond delay="indefinite"/>
+                      </p:stCondLst>
+                      <p:childTnLst>
+                        <p:par>
+                          <p:cTn id="8" fill="hold">
+                            <p:stCondLst>
+                              <p:cond delay="0"/>
+                            </p:stCondLst>
+                            <p:childTnLst>
+                              <p:par>
+                                <p:cTn id="9" presetID="1" presetClass="entr" presetSubtype="0" fill="hold" grpId="0" nodeType="clickEffect">
+                                  <p:stCondLst>
+                                    <p:cond delay="0"/>
+                                  </p:stCondLst>
+                                  <p:childTnLst>
+                                    <p:set>
+                                      <p:cBhvr>
+                                        <p:cTn id="10" dur="1" fill="hold">
+                                          <p:stCondLst>
+                                            <p:cond delay="0"/>
+                                          </p:stCondLst>
+                                        </p:cTn>
+                                        <p:tgtEl>
+                                          <p:spTgt spid="3">
+                                            <p:txEl>
+                                              <p:pRg st="1" end="1"/>
+                                            </p:txEl>
+                                          </p:spTgt>
+                                        </p:tgtEl>
+                                        <p:attrNameLst>
+                                          <p:attrName>style.visibility</p:attrName>
+                                        </p:attrNameLst>
+                                      </p:cBhvr>
+                                      <p:to>
+                                        <p:strVal val="visible"/>
+                                      </p:to>
+                                    </p:set>
+                                  </p:childTnLst>
+                                </p:cTn>
+                              </p:par>
+                            </p:childTnLst>
+                          </p:cTn>
+                        </p:par>
+                      </p:childTnLst>
+                    </p:cTn>
+                  </p:par>
+                  <p:par>
+                    <p:cTn id="11" fill="hold">
+                      <p:stCondLst>
+                        <p:cond delay="indefinite"/>
+                      </p:stCondLst>
+                      <p:childTnLst>
+                        <p:par>
+                          <p:cTn id="12" fill="hold">
+                            <p:stCondLst>
+                              <p:cond delay="0"/>
+                            </p:stCondLst>
+                            <p:childTnLst>
+                              <p:par>
+                                <p:cTn id="13" presetID="1" presetClass="entr" presetSubtype="0" fill="hold" grpId="0" nodeType="clickEffect">
+                                  <p:stCondLst>
+                                    <p:cond delay="0"/>
+                                  </p:stCondLst>
+                                  <p:childTnLst>
+                                    <p:set>
+                                      <p:cBhvr>
+                                        <p:cTn id="14" dur="1" fill="hold">
+                                          <p:stCondLst>
+                                            <p:cond delay="0"/>
+                                          </p:stCondLst>
+                                        </p:cTn>
+                                        <p:tgtEl>
+                                          <p:spTgt spid="3">
+                                            <p:txEl>
+                                              <p:pRg st="2" end="2"/>
+                                            </p:txEl>
+                                          </p:spTgt>
+                                        </p:tgtEl>
+                                        <p:attrNameLst>
+                                          <p:attrName>style.visibility</p:attrName>
+                                        </p:attrNameLst>
+                                      </p:cBhvr>
+                                      <p:to>
+                                        <p:strVal val="visible"/>
+                                      </p:to>
+                                    </p:set>
+                                  </p:childTnLst>
+                                </p:cTn>
+                              </p:par>
+                            </p:childTnLst>
+                          </p:cTn>
+                        </p:par>
+                      </p:childTnLst>
+                    </p:cTn>
+                  </p:par>
+                </p:childTnLst>
+              </p:cTn>
+              <p:prevCondLst>
+                <p:cond evt="onPrev" delay="0">
+                  <p:tgtEl>
+                    <p:sldTgt/>
+                  </p:tgtEl>
+                </p:cond>
+              </p:prevCondLst>
+              <p:nextCondLst>
+                <p:cond evt="onNext" delay="0">
+                  <p:tgtEl>
+                    <p:sldTgt/>
+                  </p:tgtEl>
+                </p:cond>
+              </p:nextCondLst>
+            </p:seq>
+          </p:childTnLst>
+        </p:cTn>
+      </p:par>
+    </p:tnLst>
+    <p:bldLst>
+      <p:bldP spid="3" grpId="0" build="p"/>
+    </p:bldLst>
+  </p:timing>
 </p:sld>
 </file>
 
@@ -27459,6 +28026,596 @@
         </p:nvSpPr>
         <p:spPr/>
         <p:txBody>
+          <a:bodyPr>
+            <a:normAutofit/>
+          </a:bodyPr>
+          <a:lstStyle/>
+          <a:p>
+            <a:r>
+              <a:rPr lang="de-DE" dirty="0"/>
+              <a:t>Modul 2: </a:t>
+            </a:r>
+            <a:r>
+              <a:rPr lang="de-DE" dirty="0" err="1"/>
+              <a:t>Discriminated</a:t>
+            </a:r>
+            <a:r>
+              <a:rPr lang="de-DE" dirty="0"/>
+              <a:t> Union</a:t>
+            </a:r>
+            <a:endParaRPr lang="en-US" dirty="0"/>
+          </a:p>
+        </p:txBody>
+      </p:sp>
+      <p:sp>
+        <p:nvSpPr>
+          <p:cNvPr id="3" name="Content Placeholder 2"/>
+          <p:cNvSpPr>
+            <a:spLocks noGrp="1"/>
+          </p:cNvSpPr>
+          <p:nvPr>
+            <p:ph idx="1"/>
+          </p:nvPr>
+        </p:nvSpPr>
+        <p:spPr/>
+        <p:txBody>
+          <a:bodyPr>
+            <a:normAutofit/>
+          </a:bodyPr>
+          <a:lstStyle/>
+          <a:p>
+            <a:pPr marL="0" indent="0">
+              <a:buNone/>
+            </a:pPr>
+            <a:r>
+              <a:rPr lang="de-DE" dirty="0"/>
+              <a:t>Unterscheidungs-Union auf deutsch</a:t>
+            </a:r>
+          </a:p>
+          <a:p>
+            <a:pPr marL="0" indent="0">
+              <a:buNone/>
+            </a:pPr>
+            <a:r>
+              <a:rPr lang="de-DE" dirty="0"/>
+              <a:t>Besteht aus einer Anzahl von benannten Fällen</a:t>
+            </a:r>
+          </a:p>
+          <a:p>
+            <a:pPr marL="0" indent="0">
+              <a:buNone/>
+            </a:pPr>
+            <a:r>
+              <a:rPr lang="de-DE" dirty="0"/>
+              <a:t>Nur eines ist gültig für einen Ausdruck</a:t>
+            </a:r>
+          </a:p>
+          <a:p>
+            <a:pPr marL="0" indent="0">
+              <a:buNone/>
+            </a:pPr>
+            <a:r>
+              <a:rPr lang="en-US" sz="2200" dirty="0">
+                <a:solidFill>
+                  <a:srgbClr val="0000FF"/>
+                </a:solidFill>
+                <a:highlight>
+                  <a:srgbClr val="FFFFFF"/>
+                </a:highlight>
+                <a:latin typeface="Consolas"/>
+              </a:rPr>
+              <a:t>type</a:t>
+            </a:r>
+            <a:r>
+              <a:rPr lang="en-US" sz="2200" dirty="0">
+                <a:solidFill>
+                  <a:srgbClr val="000000"/>
+                </a:solidFill>
+                <a:highlight>
+                  <a:srgbClr val="FFFFFF"/>
+                </a:highlight>
+                <a:latin typeface="Consolas"/>
+              </a:rPr>
+              <a:t> </a:t>
+            </a:r>
+            <a:r>
+              <a:rPr lang="en-US" sz="2200" dirty="0">
+                <a:solidFill>
+                  <a:srgbClr val="4EC9B0"/>
+                </a:solidFill>
+                <a:highlight>
+                  <a:srgbClr val="FFFFFF"/>
+                </a:highlight>
+                <a:latin typeface="Consolas"/>
+              </a:rPr>
+              <a:t>Shape</a:t>
+            </a:r>
+            <a:r>
+              <a:rPr lang="en-US" sz="2200" dirty="0">
+                <a:solidFill>
+                  <a:srgbClr val="000000"/>
+                </a:solidFill>
+                <a:highlight>
+                  <a:srgbClr val="FFFFFF"/>
+                </a:highlight>
+                <a:latin typeface="Consolas"/>
+              </a:rPr>
+              <a:t> </a:t>
+            </a:r>
+            <a:r>
+              <a:rPr lang="en-US" sz="2200" dirty="0">
+                <a:solidFill>
+                  <a:srgbClr val="DCDCDC"/>
+                </a:solidFill>
+                <a:highlight>
+                  <a:srgbClr val="FFFFFF"/>
+                </a:highlight>
+                <a:latin typeface="Consolas"/>
+              </a:rPr>
+              <a:t>=</a:t>
+            </a:r>
+            <a:endParaRPr lang="en-US" sz="2200" dirty="0">
+              <a:solidFill>
+                <a:srgbClr val="000000"/>
+              </a:solidFill>
+              <a:highlight>
+                <a:srgbClr val="FFFFFF"/>
+              </a:highlight>
+              <a:latin typeface="Consolas"/>
+            </a:endParaRPr>
+          </a:p>
+          <a:p>
+            <a:pPr marL="0" indent="0">
+              <a:buNone/>
+            </a:pPr>
+            <a:r>
+              <a:rPr lang="en-US" sz="2200" dirty="0">
+                <a:solidFill>
+                  <a:srgbClr val="000000"/>
+                </a:solidFill>
+                <a:highlight>
+                  <a:srgbClr val="FFFFFF"/>
+                </a:highlight>
+                <a:latin typeface="Consolas"/>
+              </a:rPr>
+              <a:t>| </a:t>
+            </a:r>
+            <a:r>
+              <a:rPr lang="en-US" sz="2200" dirty="0">
+                <a:solidFill>
+                  <a:schemeClr val="accent2">
+                    <a:lumMod val="75000"/>
+                  </a:schemeClr>
+                </a:solidFill>
+                <a:highlight>
+                  <a:srgbClr val="FFFFFF"/>
+                </a:highlight>
+                <a:latin typeface="Consolas"/>
+              </a:rPr>
+              <a:t>Rectangle</a:t>
+            </a:r>
+            <a:r>
+              <a:rPr lang="en-US" sz="2200" dirty="0">
+                <a:solidFill>
+                  <a:srgbClr val="000000"/>
+                </a:solidFill>
+                <a:highlight>
+                  <a:srgbClr val="FFFFFF"/>
+                </a:highlight>
+                <a:latin typeface="Consolas"/>
+              </a:rPr>
+              <a:t> </a:t>
+            </a:r>
+            <a:r>
+              <a:rPr lang="en-US" sz="2200" dirty="0">
+                <a:solidFill>
+                  <a:srgbClr val="0000FF"/>
+                </a:solidFill>
+                <a:highlight>
+                  <a:srgbClr val="FFFFFF"/>
+                </a:highlight>
+                <a:latin typeface="Consolas"/>
+              </a:rPr>
+              <a:t>of</a:t>
+            </a:r>
+            <a:r>
+              <a:rPr lang="en-US" sz="2200" dirty="0">
+                <a:solidFill>
+                  <a:srgbClr val="000000"/>
+                </a:solidFill>
+                <a:highlight>
+                  <a:srgbClr val="FFFFFF"/>
+                </a:highlight>
+                <a:latin typeface="Consolas"/>
+              </a:rPr>
+              <a:t> width : </a:t>
+            </a:r>
+            <a:r>
+              <a:rPr lang="en-US" sz="2200" dirty="0">
+                <a:solidFill>
+                  <a:srgbClr val="4EC9B0"/>
+                </a:solidFill>
+                <a:highlight>
+                  <a:srgbClr val="FFFFFF"/>
+                </a:highlight>
+                <a:latin typeface="Consolas"/>
+              </a:rPr>
+              <a:t>float</a:t>
+            </a:r>
+            <a:r>
+              <a:rPr lang="en-US" sz="2200" dirty="0">
+                <a:solidFill>
+                  <a:srgbClr val="000000"/>
+                </a:solidFill>
+                <a:highlight>
+                  <a:srgbClr val="FFFFFF"/>
+                </a:highlight>
+                <a:latin typeface="Consolas"/>
+              </a:rPr>
+              <a:t> * length : </a:t>
+            </a:r>
+            <a:r>
+              <a:rPr lang="en-US" sz="2200" dirty="0">
+                <a:solidFill>
+                  <a:srgbClr val="4EC9B0"/>
+                </a:solidFill>
+                <a:highlight>
+                  <a:srgbClr val="FFFFFF"/>
+                </a:highlight>
+                <a:latin typeface="Consolas"/>
+              </a:rPr>
+              <a:t>float</a:t>
+            </a:r>
+            <a:endParaRPr lang="en-US" sz="2200" dirty="0">
+              <a:solidFill>
+                <a:srgbClr val="000000"/>
+              </a:solidFill>
+              <a:highlight>
+                <a:srgbClr val="FFFFFF"/>
+              </a:highlight>
+              <a:latin typeface="Consolas"/>
+            </a:endParaRPr>
+          </a:p>
+          <a:p>
+            <a:pPr marL="0" indent="0">
+              <a:buNone/>
+            </a:pPr>
+            <a:r>
+              <a:rPr lang="en-US" sz="2200" dirty="0">
+                <a:solidFill>
+                  <a:srgbClr val="000000"/>
+                </a:solidFill>
+                <a:highlight>
+                  <a:srgbClr val="FFFFFF"/>
+                </a:highlight>
+                <a:latin typeface="Consolas"/>
+              </a:rPr>
+              <a:t>| </a:t>
+            </a:r>
+            <a:r>
+              <a:rPr lang="en-US" sz="2200" dirty="0">
+                <a:solidFill>
+                  <a:schemeClr val="accent2">
+                    <a:lumMod val="75000"/>
+                  </a:schemeClr>
+                </a:solidFill>
+                <a:highlight>
+                  <a:srgbClr val="FFFFFF"/>
+                </a:highlight>
+                <a:latin typeface="Consolas"/>
+              </a:rPr>
+              <a:t>Circle</a:t>
+            </a:r>
+            <a:r>
+              <a:rPr lang="en-US" sz="2200" dirty="0">
+                <a:solidFill>
+                  <a:srgbClr val="000000"/>
+                </a:solidFill>
+                <a:highlight>
+                  <a:srgbClr val="FFFFFF"/>
+                </a:highlight>
+                <a:latin typeface="Consolas"/>
+              </a:rPr>
+              <a:t> </a:t>
+            </a:r>
+            <a:r>
+              <a:rPr lang="en-US" sz="2200" dirty="0">
+                <a:solidFill>
+                  <a:srgbClr val="0000FF"/>
+                </a:solidFill>
+                <a:highlight>
+                  <a:srgbClr val="FFFFFF"/>
+                </a:highlight>
+                <a:latin typeface="Consolas"/>
+              </a:rPr>
+              <a:t>of</a:t>
+            </a:r>
+            <a:r>
+              <a:rPr lang="en-US" sz="2200" dirty="0">
+                <a:solidFill>
+                  <a:srgbClr val="000000"/>
+                </a:solidFill>
+                <a:highlight>
+                  <a:srgbClr val="FFFFFF"/>
+                </a:highlight>
+                <a:latin typeface="Consolas"/>
+              </a:rPr>
+              <a:t> radius : </a:t>
+            </a:r>
+            <a:r>
+              <a:rPr lang="en-US" sz="2200" dirty="0">
+                <a:solidFill>
+                  <a:srgbClr val="4EC9B0"/>
+                </a:solidFill>
+                <a:highlight>
+                  <a:srgbClr val="FFFFFF"/>
+                </a:highlight>
+                <a:latin typeface="Consolas"/>
+              </a:rPr>
+              <a:t>float</a:t>
+            </a:r>
+            <a:endParaRPr lang="en-US" sz="2200" dirty="0">
+              <a:solidFill>
+                <a:srgbClr val="000000"/>
+              </a:solidFill>
+              <a:highlight>
+                <a:srgbClr val="FFFFFF"/>
+              </a:highlight>
+              <a:latin typeface="Consolas"/>
+            </a:endParaRPr>
+          </a:p>
+          <a:p>
+            <a:pPr marL="0" indent="0">
+              <a:buNone/>
+            </a:pPr>
+            <a:r>
+              <a:rPr lang="en-US" sz="2200" dirty="0">
+                <a:solidFill>
+                  <a:srgbClr val="000000"/>
+                </a:solidFill>
+                <a:highlight>
+                  <a:srgbClr val="FFFFFF"/>
+                </a:highlight>
+                <a:latin typeface="Consolas"/>
+              </a:rPr>
+              <a:t>| </a:t>
+            </a:r>
+            <a:r>
+              <a:rPr lang="en-US" sz="2200" dirty="0">
+                <a:solidFill>
+                  <a:schemeClr val="accent2">
+                    <a:lumMod val="75000"/>
+                  </a:schemeClr>
+                </a:solidFill>
+                <a:highlight>
+                  <a:srgbClr val="FFFFFF"/>
+                </a:highlight>
+                <a:latin typeface="Consolas"/>
+              </a:rPr>
+              <a:t>Square</a:t>
+            </a:r>
+            <a:r>
+              <a:rPr lang="en-US" sz="2200" dirty="0">
+                <a:solidFill>
+                  <a:srgbClr val="000000"/>
+                </a:solidFill>
+                <a:highlight>
+                  <a:srgbClr val="FFFFFF"/>
+                </a:highlight>
+                <a:latin typeface="Consolas"/>
+              </a:rPr>
+              <a:t> </a:t>
+            </a:r>
+            <a:r>
+              <a:rPr lang="en-US" sz="2200" dirty="0">
+                <a:solidFill>
+                  <a:srgbClr val="0000FF"/>
+                </a:solidFill>
+                <a:highlight>
+                  <a:srgbClr val="FFFFFF"/>
+                </a:highlight>
+                <a:latin typeface="Consolas"/>
+              </a:rPr>
+              <a:t>of</a:t>
+            </a:r>
+            <a:r>
+              <a:rPr lang="en-US" sz="2200" dirty="0">
+                <a:solidFill>
+                  <a:srgbClr val="000000"/>
+                </a:solidFill>
+                <a:highlight>
+                  <a:srgbClr val="FFFFFF"/>
+                </a:highlight>
+                <a:latin typeface="Consolas"/>
+              </a:rPr>
+              <a:t> side : </a:t>
+            </a:r>
+            <a:r>
+              <a:rPr lang="en-US" sz="2200" dirty="0">
+                <a:solidFill>
+                  <a:srgbClr val="4EC9B0"/>
+                </a:solidFill>
+                <a:highlight>
+                  <a:srgbClr val="FFFFFF"/>
+                </a:highlight>
+                <a:latin typeface="Consolas"/>
+              </a:rPr>
+              <a:t>float</a:t>
+            </a:r>
+            <a:endParaRPr lang="en-US" sz="2200" dirty="0"/>
+          </a:p>
+        </p:txBody>
+      </p:sp>
+    </p:spTree>
+    <p:extLst>
+      <p:ext uri="{BB962C8B-B14F-4D97-AF65-F5344CB8AC3E}">
+        <p14:creationId xmlns:p14="http://schemas.microsoft.com/office/powerpoint/2010/main" val="3184996216"/>
+      </p:ext>
+    </p:extLst>
+  </p:cSld>
+  <p:clrMapOvr>
+    <a:masterClrMapping/>
+  </p:clrMapOvr>
+</p:sld>
+</file>
+
+<file path=ppt/slides/slide51.xml><?xml version="1.0" encoding="utf-8"?>
+<p:sld xmlns:a="http://schemas.openxmlformats.org/drawingml/2006/main" xmlns:r="http://schemas.openxmlformats.org/officeDocument/2006/relationships" xmlns:p="http://schemas.openxmlformats.org/presentationml/2006/main">
+  <p:cSld>
+    <p:spTree>
+      <p:nvGrpSpPr>
+        <p:cNvPr id="1" name=""/>
+        <p:cNvGrpSpPr/>
+        <p:nvPr/>
+      </p:nvGrpSpPr>
+      <p:grpSpPr>
+        <a:xfrm>
+          <a:off x="0" y="0"/>
+          <a:ext cx="0" cy="0"/>
+          <a:chOff x="0" y="0"/>
+          <a:chExt cx="0" cy="0"/>
+        </a:xfrm>
+      </p:grpSpPr>
+      <p:sp>
+        <p:nvSpPr>
+          <p:cNvPr id="2" name="Title 1"/>
+          <p:cNvSpPr>
+            <a:spLocks noGrp="1"/>
+          </p:cNvSpPr>
+          <p:nvPr>
+            <p:ph type="title"/>
+          </p:nvPr>
+        </p:nvSpPr>
+        <p:spPr/>
+        <p:txBody>
+          <a:bodyPr>
+            <a:normAutofit/>
+          </a:bodyPr>
+          <a:lstStyle/>
+          <a:p>
+            <a:r>
+              <a:rPr lang="de-DE" dirty="0"/>
+              <a:t>Modul 2: </a:t>
+            </a:r>
+            <a:r>
+              <a:rPr lang="de-DE" dirty="0" err="1"/>
+              <a:t>Discriminated</a:t>
+            </a:r>
+            <a:r>
+              <a:rPr lang="de-DE" dirty="0"/>
+              <a:t> Union</a:t>
+            </a:r>
+            <a:endParaRPr lang="en-US" dirty="0"/>
+          </a:p>
+        </p:txBody>
+      </p:sp>
+      <p:sp>
+        <p:nvSpPr>
+          <p:cNvPr id="3" name="Content Placeholder 2"/>
+          <p:cNvSpPr>
+            <a:spLocks noGrp="1"/>
+          </p:cNvSpPr>
+          <p:nvPr>
+            <p:ph idx="1"/>
+          </p:nvPr>
+        </p:nvSpPr>
+        <p:spPr/>
+        <p:txBody>
+          <a:bodyPr>
+            <a:normAutofit/>
+          </a:bodyPr>
+          <a:lstStyle/>
+          <a:p>
+            <a:r>
+              <a:rPr lang="de-DE" dirty="0"/>
+              <a:t>Ein union-</a:t>
+            </a:r>
+            <a:r>
+              <a:rPr lang="de-DE" dirty="0" err="1"/>
+              <a:t>case</a:t>
+            </a:r>
+            <a:r>
+              <a:rPr lang="de-DE" dirty="0"/>
+              <a:t> kann auch aus eine </a:t>
+            </a:r>
+            <a:r>
+              <a:rPr lang="de-DE" dirty="0" err="1"/>
+              <a:t>Tuple</a:t>
+            </a:r>
+            <a:r>
+              <a:rPr lang="de-DE" dirty="0"/>
+              <a:t>, </a:t>
+            </a:r>
+            <a:r>
+              <a:rPr lang="de-DE" dirty="0" err="1"/>
+              <a:t>Record</a:t>
+            </a:r>
+            <a:r>
+              <a:rPr lang="de-DE" dirty="0"/>
+              <a:t>, anderer DU bestehen</a:t>
+            </a:r>
+          </a:p>
+          <a:p>
+            <a:r>
+              <a:rPr lang="de-DE" dirty="0"/>
+              <a:t>Die Bezeichner der einzelnen Fälle müssen mit einem Großbuchstaben beginnen</a:t>
+            </a:r>
+          </a:p>
+          <a:p>
+            <a:r>
+              <a:rPr lang="de-DE" dirty="0"/>
+              <a:t>Ein Wert kann nicht den Typen des DU haben, sondern nur einem der union-</a:t>
+            </a:r>
+            <a:r>
+              <a:rPr lang="de-DE" dirty="0" err="1"/>
+              <a:t>cases</a:t>
+            </a:r>
+            <a:endParaRPr lang="de-DE" dirty="0"/>
+          </a:p>
+        </p:txBody>
+      </p:sp>
+    </p:spTree>
+    <p:extLst>
+      <p:ext uri="{BB962C8B-B14F-4D97-AF65-F5344CB8AC3E}">
+        <p14:creationId xmlns:p14="http://schemas.microsoft.com/office/powerpoint/2010/main" val="4132026800"/>
+      </p:ext>
+    </p:extLst>
+  </p:cSld>
+  <p:clrMapOvr>
+    <a:masterClrMapping/>
+  </p:clrMapOvr>
+</p:sld>
+</file>
+
+<file path=ppt/slides/slide52.xml><?xml version="1.0" encoding="utf-8"?>
+<p:sld xmlns:a="http://schemas.openxmlformats.org/drawingml/2006/main" xmlns:r="http://schemas.openxmlformats.org/officeDocument/2006/relationships" xmlns:p="http://schemas.openxmlformats.org/presentationml/2006/main">
+  <p:cSld>
+    <p:spTree>
+      <p:nvGrpSpPr>
+        <p:cNvPr id="1" name=""/>
+        <p:cNvGrpSpPr/>
+        <p:nvPr/>
+      </p:nvGrpSpPr>
+      <p:grpSpPr>
+        <a:xfrm>
+          <a:off x="0" y="0"/>
+          <a:ext cx="0" cy="0"/>
+          <a:chOff x="0" y="0"/>
+          <a:chExt cx="0" cy="0"/>
+        </a:xfrm>
+      </p:grpSpPr>
+      <p:sp>
+        <p:nvSpPr>
+          <p:cNvPr id="2" name="Title 1"/>
+          <p:cNvSpPr>
+            <a:spLocks noGrp="1"/>
+          </p:cNvSpPr>
+          <p:nvPr>
+            <p:ph type="title"/>
+          </p:nvPr>
+        </p:nvSpPr>
+        <p:spPr/>
+        <p:txBody>
           <a:bodyPr/>
           <a:lstStyle/>
           <a:p>
@@ -28254,7 +29411,7 @@
 </p:sld>
 </file>
 
-<file path=ppt/slides/slide51.xml><?xml version="1.0" encoding="utf-8"?>
+<file path=ppt/slides/slide53.xml><?xml version="1.0" encoding="utf-8"?>
 <p:sld xmlns:a="http://schemas.openxmlformats.org/drawingml/2006/main" xmlns:r="http://schemas.openxmlformats.org/officeDocument/2006/relationships" xmlns:p="http://schemas.openxmlformats.org/presentationml/2006/main">
   <p:cSld>
     <p:spTree>
@@ -28481,7 +29638,7 @@
 </p:sld>
 </file>
 
-<file path=ppt/slides/slide52.xml><?xml version="1.0" encoding="utf-8"?>
+<file path=ppt/slides/slide54.xml><?xml version="1.0" encoding="utf-8"?>
 <p:sld xmlns:a="http://schemas.openxmlformats.org/drawingml/2006/main" xmlns:r="http://schemas.openxmlformats.org/officeDocument/2006/relationships" xmlns:p="http://schemas.openxmlformats.org/presentationml/2006/main">
   <p:cSld>
     <p:spTree>
@@ -28837,7 +29994,7 @@
 </p:sld>
 </file>
 
-<file path=ppt/slides/slide53.xml><?xml version="1.0" encoding="utf-8"?>
+<file path=ppt/slides/slide55.xml><?xml version="1.0" encoding="utf-8"?>
 <p:sld xmlns:a="http://schemas.openxmlformats.org/drawingml/2006/main" xmlns:r="http://schemas.openxmlformats.org/officeDocument/2006/relationships" xmlns:p="http://schemas.openxmlformats.org/presentationml/2006/main">
   <p:cSld>
     <p:spTree>
@@ -29214,7 +30371,7 @@
 </p:sld>
 </file>
 
-<file path=ppt/slides/slide54.xml><?xml version="1.0" encoding="utf-8"?>
+<file path=ppt/slides/slide56.xml><?xml version="1.0" encoding="utf-8"?>
 <p:sld xmlns:a="http://schemas.openxmlformats.org/drawingml/2006/main" xmlns:r="http://schemas.openxmlformats.org/officeDocument/2006/relationships" xmlns:p="http://schemas.openxmlformats.org/presentationml/2006/main">
   <p:cSld>
     <p:spTree>
@@ -29535,7 +30692,7 @@
 </p:sld>
 </file>
 
-<file path=ppt/slides/slide55.xml><?xml version="1.0" encoding="utf-8"?>
+<file path=ppt/slides/slide57.xml><?xml version="1.0" encoding="utf-8"?>
 <p:sld xmlns:a="http://schemas.openxmlformats.org/drawingml/2006/main" xmlns:r="http://schemas.openxmlformats.org/officeDocument/2006/relationships" xmlns:p="http://schemas.openxmlformats.org/presentationml/2006/main">
   <p:cSld>
     <p:spTree>
@@ -29843,7 +31000,7 @@
 </p:sld>
 </file>
 
-<file path=ppt/slides/slide56.xml><?xml version="1.0" encoding="utf-8"?>
+<file path=ppt/slides/slide58.xml><?xml version="1.0" encoding="utf-8"?>
 <p:sld xmlns:a="http://schemas.openxmlformats.org/drawingml/2006/main" xmlns:r="http://schemas.openxmlformats.org/officeDocument/2006/relationships" xmlns:p="http://schemas.openxmlformats.org/presentationml/2006/main">
   <p:cSld>
     <p:spTree>
@@ -30036,7 +31193,7 @@
 </p:sld>
 </file>
 
-<file path=ppt/slides/slide57.xml><?xml version="1.0" encoding="utf-8"?>
+<file path=ppt/slides/slide59.xml><?xml version="1.0" encoding="utf-8"?>
 <p:sld xmlns:a="http://schemas.openxmlformats.org/drawingml/2006/main" xmlns:r="http://schemas.openxmlformats.org/officeDocument/2006/relationships" xmlns:p="http://schemas.openxmlformats.org/presentationml/2006/main">
   <p:cSld>
     <p:spTree>

--- a/FSharp.pptx
+++ b/FSharp.pptx
@@ -5,7 +5,7 @@
     <p:sldMasterId id="2147483648" r:id="rId1"/>
   </p:sldMasterIdLst>
   <p:notesMasterIdLst>
-    <p:notesMasterId r:id="rId61"/>
+    <p:notesMasterId r:id="rId62"/>
   </p:notesMasterIdLst>
   <p:sldIdLst>
     <p:sldId id="256" r:id="rId2"/>
@@ -66,7 +66,8 @@
     <p:sldId id="280" r:id="rId57"/>
     <p:sldId id="332" r:id="rId58"/>
     <p:sldId id="281" r:id="rId59"/>
-    <p:sldId id="283" r:id="rId60"/>
+    <p:sldId id="337" r:id="rId60"/>
+    <p:sldId id="283" r:id="rId61"/>
   </p:sldIdLst>
   <p:sldSz cx="9144000" cy="6858000" type="screen4x3"/>
   <p:notesSz cx="6858000" cy="9144000"/>
@@ -266,7 +267,7 @@
           <a:p>
             <a:fld id="{8583A242-7230-4070-B2AF-A33EB304C08D}" type="datetimeFigureOut">
               <a:rPr lang="en-US" smtClean="0"/>
-              <a:t>3/12/2017</a:t>
+              <a:t>3/14/2017</a:t>
             </a:fld>
             <a:endParaRPr lang="en-US"/>
           </a:p>
@@ -8110,6 +8111,133 @@
     </p:spTree>
     <p:extLst>
       <p:ext uri="{BB962C8B-B14F-4D97-AF65-F5344CB8AC3E}">
+        <p14:creationId xmlns:p14="http://schemas.microsoft.com/office/powerpoint/2010/main" val="1066195677"/>
+      </p:ext>
+    </p:extLst>
+  </p:cSld>
+  <p:clrMapOvr>
+    <a:masterClrMapping/>
+  </p:clrMapOvr>
+</p:notes>
+</file>
+
+<file path=ppt/notesSlides/notesSlide58.xml><?xml version="1.0" encoding="utf-8"?>
+<p:notes xmlns:a="http://schemas.openxmlformats.org/drawingml/2006/main" xmlns:r="http://schemas.openxmlformats.org/officeDocument/2006/relationships" xmlns:p="http://schemas.openxmlformats.org/presentationml/2006/main">
+  <p:cSld>
+    <p:spTree>
+      <p:nvGrpSpPr>
+        <p:cNvPr id="1" name=""/>
+        <p:cNvGrpSpPr/>
+        <p:nvPr/>
+      </p:nvGrpSpPr>
+      <p:grpSpPr>
+        <a:xfrm>
+          <a:off x="0" y="0"/>
+          <a:ext cx="0" cy="0"/>
+          <a:chOff x="0" y="0"/>
+          <a:chExt cx="0" cy="0"/>
+        </a:xfrm>
+      </p:grpSpPr>
+      <p:sp>
+        <p:nvSpPr>
+          <p:cNvPr id="2" name="Slide Image Placeholder 1"/>
+          <p:cNvSpPr>
+            <a:spLocks noGrp="1" noRot="1" noChangeAspect="1"/>
+          </p:cNvSpPr>
+          <p:nvPr>
+            <p:ph type="sldImg"/>
+          </p:nvPr>
+        </p:nvSpPr>
+        <p:spPr/>
+      </p:sp>
+      <p:sp>
+        <p:nvSpPr>
+          <p:cNvPr id="3" name="Notes Placeholder 2"/>
+          <p:cNvSpPr>
+            <a:spLocks noGrp="1"/>
+          </p:cNvSpPr>
+          <p:nvPr>
+            <p:ph type="body" idx="1"/>
+          </p:nvPr>
+        </p:nvSpPr>
+        <p:spPr/>
+        <p:txBody>
+          <a:bodyPr/>
+          <a:lstStyle/>
+          <a:p>
+            <a:r>
+              <a:rPr lang="de-DE" dirty="0"/>
+              <a:t>Der Compiler erkennt einen Aufruf zu einem None</a:t>
+            </a:r>
+            <a:r>
+              <a:rPr lang="de-DE" baseline="0" dirty="0"/>
+              <a:t> als solches und verhindert diesen Aufruf zur </a:t>
+            </a:r>
+            <a:r>
+              <a:rPr lang="de-DE" baseline="0" dirty="0" err="1"/>
+              <a:t>Compile</a:t>
+            </a:r>
+            <a:r>
+              <a:rPr lang="de-DE" baseline="0" dirty="0"/>
+              <a:t>-Zeit</a:t>
+            </a:r>
+          </a:p>
+          <a:p>
+            <a:r>
+              <a:rPr lang="en-US" dirty="0"/>
+              <a:t>null is a reference to an object that doesn't exist</a:t>
+            </a:r>
+          </a:p>
+          <a:p>
+            <a:r>
+              <a:rPr lang="en-US" dirty="0"/>
+              <a:t>The type system is unable to verify if a value equals null</a:t>
+            </a:r>
+          </a:p>
+          <a:p>
+            <a:r>
+              <a:rPr lang="en-US" dirty="0"/>
+              <a:t>I can call .Length on a variable that has value null</a:t>
+            </a:r>
+            <a:endParaRPr lang="de-DE" baseline="0" dirty="0">
+              <a:solidFill>
+                <a:schemeClr val="accent2">
+                  <a:lumMod val="75000"/>
+                </a:schemeClr>
+              </a:solidFill>
+            </a:endParaRPr>
+          </a:p>
+          <a:p>
+            <a:endParaRPr lang="en-US" dirty="0"/>
+          </a:p>
+        </p:txBody>
+      </p:sp>
+      <p:sp>
+        <p:nvSpPr>
+          <p:cNvPr id="4" name="Slide Number Placeholder 3"/>
+          <p:cNvSpPr>
+            <a:spLocks noGrp="1"/>
+          </p:cNvSpPr>
+          <p:nvPr>
+            <p:ph type="sldNum" sz="quarter" idx="10"/>
+          </p:nvPr>
+        </p:nvSpPr>
+        <p:spPr/>
+        <p:txBody>
+          <a:bodyPr/>
+          <a:lstStyle/>
+          <a:p>
+            <a:fld id="{4775FDF9-2A53-4261-A0AF-3B6A9698D365}" type="slidenum">
+              <a:rPr lang="en-US" smtClean="0"/>
+              <a:t>60</a:t>
+            </a:fld>
+            <a:endParaRPr lang="en-US"/>
+          </a:p>
+        </p:txBody>
+      </p:sp>
+    </p:spTree>
+    <p:extLst>
+      <p:ext uri="{BB962C8B-B14F-4D97-AF65-F5344CB8AC3E}">
         <p14:creationId xmlns:p14="http://schemas.microsoft.com/office/powerpoint/2010/main" val="2749551638"/>
       </p:ext>
     </p:extLst>
@@ -9548,7 +9676,7 @@
           <a:p>
             <a:fld id="{28CA3B8B-C56F-4663-93D1-BECEDA7EAF67}" type="datetimeFigureOut">
               <a:rPr lang="en-US" smtClean="0"/>
-              <a:t>3/12/2017</a:t>
+              <a:t>3/14/2017</a:t>
             </a:fld>
             <a:endParaRPr lang="en-US"/>
           </a:p>
@@ -9716,7 +9844,7 @@
           <a:p>
             <a:fld id="{28CA3B8B-C56F-4663-93D1-BECEDA7EAF67}" type="datetimeFigureOut">
               <a:rPr lang="en-US" smtClean="0"/>
-              <a:t>3/12/2017</a:t>
+              <a:t>3/14/2017</a:t>
             </a:fld>
             <a:endParaRPr lang="en-US"/>
           </a:p>
@@ -9894,7 +10022,7 @@
           <a:p>
             <a:fld id="{28CA3B8B-C56F-4663-93D1-BECEDA7EAF67}" type="datetimeFigureOut">
               <a:rPr lang="en-US" smtClean="0"/>
-              <a:t>3/12/2017</a:t>
+              <a:t>3/14/2017</a:t>
             </a:fld>
             <a:endParaRPr lang="en-US"/>
           </a:p>
@@ -10062,7 +10190,7 @@
           <a:p>
             <a:fld id="{28CA3B8B-C56F-4663-93D1-BECEDA7EAF67}" type="datetimeFigureOut">
               <a:rPr lang="en-US" smtClean="0"/>
-              <a:t>3/12/2017</a:t>
+              <a:t>3/14/2017</a:t>
             </a:fld>
             <a:endParaRPr lang="en-US"/>
           </a:p>
@@ -10307,7 +10435,7 @@
           <a:p>
             <a:fld id="{28CA3B8B-C56F-4663-93D1-BECEDA7EAF67}" type="datetimeFigureOut">
               <a:rPr lang="en-US" smtClean="0"/>
-              <a:t>3/12/2017</a:t>
+              <a:t>3/14/2017</a:t>
             </a:fld>
             <a:endParaRPr lang="en-US"/>
           </a:p>
@@ -10592,7 +10720,7 @@
           <a:p>
             <a:fld id="{28CA3B8B-C56F-4663-93D1-BECEDA7EAF67}" type="datetimeFigureOut">
               <a:rPr lang="en-US" smtClean="0"/>
-              <a:t>3/12/2017</a:t>
+              <a:t>3/14/2017</a:t>
             </a:fld>
             <a:endParaRPr lang="en-US"/>
           </a:p>
@@ -11011,7 +11139,7 @@
           <a:p>
             <a:fld id="{28CA3B8B-C56F-4663-93D1-BECEDA7EAF67}" type="datetimeFigureOut">
               <a:rPr lang="en-US" smtClean="0"/>
-              <a:t>3/12/2017</a:t>
+              <a:t>3/14/2017</a:t>
             </a:fld>
             <a:endParaRPr lang="en-US"/>
           </a:p>
@@ -11128,7 +11256,7 @@
           <a:p>
             <a:fld id="{28CA3B8B-C56F-4663-93D1-BECEDA7EAF67}" type="datetimeFigureOut">
               <a:rPr lang="en-US" smtClean="0"/>
-              <a:t>3/12/2017</a:t>
+              <a:t>3/14/2017</a:t>
             </a:fld>
             <a:endParaRPr lang="en-US"/>
           </a:p>
@@ -11223,7 +11351,7 @@
           <a:p>
             <a:fld id="{28CA3B8B-C56F-4663-93D1-BECEDA7EAF67}" type="datetimeFigureOut">
               <a:rPr lang="en-US" smtClean="0"/>
-              <a:t>3/12/2017</a:t>
+              <a:t>3/14/2017</a:t>
             </a:fld>
             <a:endParaRPr lang="en-US"/>
           </a:p>
@@ -11498,7 +11626,7 @@
           <a:p>
             <a:fld id="{28CA3B8B-C56F-4663-93D1-BECEDA7EAF67}" type="datetimeFigureOut">
               <a:rPr lang="en-US" smtClean="0"/>
-              <a:t>3/12/2017</a:t>
+              <a:t>3/14/2017</a:t>
             </a:fld>
             <a:endParaRPr lang="en-US"/>
           </a:p>
@@ -11750,7 +11878,7 @@
           <a:p>
             <a:fld id="{28CA3B8B-C56F-4663-93D1-BECEDA7EAF67}" type="datetimeFigureOut">
               <a:rPr lang="en-US" smtClean="0"/>
-              <a:t>3/12/2017</a:t>
+              <a:t>3/14/2017</a:t>
             </a:fld>
             <a:endParaRPr lang="en-US"/>
           </a:p>
@@ -11961,7 +12089,7 @@
           <a:p>
             <a:fld id="{28CA3B8B-C56F-4663-93D1-BECEDA7EAF67}" type="datetimeFigureOut">
               <a:rPr lang="en-US" smtClean="0"/>
-              <a:t>3/12/2017</a:t>
+              <a:t>3/14/2017</a:t>
             </a:fld>
             <a:endParaRPr lang="en-US"/>
           </a:p>
@@ -24638,13 +24766,8 @@
             </a:r>
             <a:r>
               <a:rPr lang="de-DE" dirty="0"/>
-              <a:t> mit </a:t>
-            </a:r>
-            <a:r>
-              <a:rPr lang="de-DE"/>
-              <a:t>2 Werten!</a:t>
-            </a:r>
-            <a:endParaRPr lang="de-DE" dirty="0"/>
+              <a:t> mit 2 Werten!</a:t>
+            </a:r>
           </a:p>
         </p:txBody>
       </p:sp>
@@ -30781,13 +30904,22 @@
           <a:p>
             <a:r>
               <a:rPr lang="de-DE" dirty="0"/>
-              <a:t>F# bietet umfangreiche Unterstützung im </a:t>
-            </a:r>
-            <a:r>
-              <a:rPr lang="de-DE"/>
-              <a:t>Module Option</a:t>
-            </a:r>
-            <a:endParaRPr lang="de-DE" dirty="0"/>
+              <a:t>Zugriffe auf nicht-vorhandene Werte sind </a:t>
+            </a:r>
+            <a:r>
+              <a:rPr lang="de-DE" dirty="0" err="1"/>
+              <a:t>compile</a:t>
+            </a:r>
+            <a:r>
+              <a:rPr lang="de-DE" dirty="0"/>
+              <a:t>-time Fehler (design-time)</a:t>
+            </a:r>
+          </a:p>
+          <a:p>
+            <a:r>
+              <a:rPr lang="de-DE" dirty="0"/>
+              <a:t>F# bietet umfangreiche Unterstützung im Module Option</a:t>
+            </a:r>
           </a:p>
           <a:p>
             <a:pPr marL="0" indent="0">
@@ -30972,6 +31104,55 @@
                       </p:childTnLst>
                     </p:cTn>
                   </p:par>
+                  <p:par>
+                    <p:cTn id="15" fill="hold">
+                      <p:stCondLst>
+                        <p:cond delay="indefinite"/>
+                      </p:stCondLst>
+                      <p:childTnLst>
+                        <p:par>
+                          <p:cTn id="16" fill="hold">
+                            <p:stCondLst>
+                              <p:cond delay="0"/>
+                            </p:stCondLst>
+                            <p:childTnLst>
+                              <p:par>
+                                <p:cTn id="17" presetID="1" presetClass="entr" presetSubtype="0" fill="hold" grpId="0" nodeType="clickEffect">
+                                  <p:stCondLst>
+                                    <p:cond delay="0"/>
+                                  </p:stCondLst>
+                                  <p:childTnLst>
+                                    <p:set>
+                                      <p:cBhvr>
+                                        <p:cTn id="18" dur="1" fill="hold">
+                                          <p:stCondLst>
+                                            <p:cond delay="0"/>
+                                          </p:stCondLst>
+                                        </p:cTn>
+                                        <p:tgtEl>
+                                          <p:spTgt spid="3">
+                                            <p:txEl>
+                                              <p:pRg st="3" end="3"/>
+                                            </p:txEl>
+                                          </p:spTgt>
+                                        </p:tgtEl>
+                                        <p:attrNameLst>
+                                          <p:attrName>style.visibility</p:attrName>
+                                        </p:attrNameLst>
+                                      </p:cBhvr>
+                                      <p:to>
+                                        <p:strVal val="visible"/>
+                                      </p:to>
+                                    </p:set>
+                                  </p:childTnLst>
+                                </p:cTn>
+                              </p:par>
+                            </p:childTnLst>
+                          </p:cTn>
+                        </p:par>
+                      </p:childTnLst>
+                    </p:cTn>
+                  </p:par>
                 </p:childTnLst>
               </p:cTn>
               <p:prevCondLst>
@@ -31223,13 +31404,13 @@
         <p:spPr/>
         <p:txBody>
           <a:bodyPr>
-            <a:normAutofit/>
+            <a:normAutofit fontScale="90000"/>
           </a:bodyPr>
           <a:lstStyle/>
           <a:p>
             <a:r>
               <a:rPr lang="de-DE" dirty="0"/>
-              <a:t>Option </a:t>
+              <a:t>Modul 2: Option </a:t>
             </a:r>
             <a:r>
               <a:rPr lang="de-DE" dirty="0" err="1"/>
@@ -31237,7 +31418,7 @@
             </a:r>
             <a:r>
               <a:rPr lang="de-DE" dirty="0"/>
-              <a:t> Null : Type </a:t>
+              <a:t> Null - Type </a:t>
             </a:r>
             <a:r>
               <a:rPr lang="de-DE" dirty="0" err="1"/>
@@ -31614,7 +31795,7 @@
     </p:spTree>
     <p:extLst>
       <p:ext uri="{BB962C8B-B14F-4D97-AF65-F5344CB8AC3E}">
-        <p14:creationId xmlns:p14="http://schemas.microsoft.com/office/powerpoint/2010/main" val="1731058063"/>
+        <p14:creationId xmlns:p14="http://schemas.microsoft.com/office/powerpoint/2010/main" val="456670778"/>
       </p:ext>
     </p:extLst>
   </p:cSld>
@@ -32100,6 +32281,124 @@
       </p:par>
     </p:tnLst>
   </p:timing>
+</p:sld>
+</file>
+
+<file path=ppt/slides/slide60.xml><?xml version="1.0" encoding="utf-8"?>
+<p:sld xmlns:a="http://schemas.openxmlformats.org/drawingml/2006/main" xmlns:r="http://schemas.openxmlformats.org/officeDocument/2006/relationships" xmlns:p="http://schemas.openxmlformats.org/presentationml/2006/main">
+  <p:cSld>
+    <p:spTree>
+      <p:nvGrpSpPr>
+        <p:cNvPr id="1" name=""/>
+        <p:cNvGrpSpPr/>
+        <p:nvPr/>
+      </p:nvGrpSpPr>
+      <p:grpSpPr>
+        <a:xfrm>
+          <a:off x="0" y="0"/>
+          <a:ext cx="0" cy="0"/>
+          <a:chOff x="0" y="0"/>
+          <a:chExt cx="0" cy="0"/>
+        </a:xfrm>
+      </p:grpSpPr>
+      <p:sp>
+        <p:nvSpPr>
+          <p:cNvPr id="2" name="Title 1"/>
+          <p:cNvSpPr>
+            <a:spLocks noGrp="1"/>
+          </p:cNvSpPr>
+          <p:nvPr>
+            <p:ph type="title"/>
+          </p:nvPr>
+        </p:nvSpPr>
+        <p:spPr/>
+        <p:txBody>
+          <a:bodyPr>
+            <a:normAutofit fontScale="90000"/>
+          </a:bodyPr>
+          <a:lstStyle/>
+          <a:p>
+            <a:r>
+              <a:rPr lang="de-DE" dirty="0"/>
+              <a:t>Modul 2: Option Modul Funktionen</a:t>
+            </a:r>
+            <a:endParaRPr lang="en-US" dirty="0"/>
+          </a:p>
+        </p:txBody>
+      </p:sp>
+      <p:sp>
+        <p:nvSpPr>
+          <p:cNvPr id="3" name="Content Placeholder 2"/>
+          <p:cNvSpPr>
+            <a:spLocks noGrp="1"/>
+          </p:cNvSpPr>
+          <p:nvPr>
+            <p:ph idx="1"/>
+          </p:nvPr>
+        </p:nvSpPr>
+        <p:spPr/>
+        <p:txBody>
+          <a:bodyPr/>
+          <a:lstStyle/>
+          <a:p>
+            <a:r>
+              <a:rPr lang="de-DE" dirty="0"/>
+              <a:t>F# bietet einige Funktion im Module Option</a:t>
+            </a:r>
+          </a:p>
+          <a:p>
+            <a:r>
+              <a:rPr lang="de-DE" dirty="0"/>
+              <a:t>Haben das </a:t>
+            </a:r>
+            <a:r>
+              <a:rPr lang="de-DE" dirty="0" err="1"/>
+              <a:t>pattern</a:t>
+            </a:r>
+            <a:r>
+              <a:rPr lang="de-DE" dirty="0"/>
+              <a:t> </a:t>
+            </a:r>
+            <a:r>
+              <a:rPr lang="de-DE" dirty="0" err="1"/>
+              <a:t>matching</a:t>
+            </a:r>
+            <a:r>
+              <a:rPr lang="de-DE" dirty="0"/>
+              <a:t> eingebaut</a:t>
+            </a:r>
+          </a:p>
+          <a:p>
+            <a:r>
+              <a:rPr lang="de-DE" dirty="0"/>
+              <a:t>bind</a:t>
+            </a:r>
+          </a:p>
+          <a:p>
+            <a:r>
+              <a:rPr lang="de-DE" dirty="0" err="1"/>
+              <a:t>map</a:t>
+            </a:r>
+            <a:endParaRPr lang="de-DE" dirty="0"/>
+          </a:p>
+          <a:p>
+            <a:endParaRPr lang="de-DE" dirty="0"/>
+          </a:p>
+          <a:p>
+            <a:endParaRPr lang="de-DE" dirty="0"/>
+          </a:p>
+        </p:txBody>
+      </p:sp>
+    </p:spTree>
+    <p:extLst>
+      <p:ext uri="{BB962C8B-B14F-4D97-AF65-F5344CB8AC3E}">
+        <p14:creationId xmlns:p14="http://schemas.microsoft.com/office/powerpoint/2010/main" val="1731058063"/>
+      </p:ext>
+    </p:extLst>
+  </p:cSld>
+  <p:clrMapOvr>
+    <a:masterClrMapping/>
+  </p:clrMapOvr>
 </p:sld>
 </file>
 

--- a/FSharp.pptx
+++ b/FSharp.pptx
@@ -5,7 +5,7 @@
     <p:sldMasterId id="2147483648" r:id="rId1"/>
   </p:sldMasterIdLst>
   <p:notesMasterIdLst>
-    <p:notesMasterId r:id="rId63"/>
+    <p:notesMasterId r:id="rId66"/>
   </p:notesMasterIdLst>
   <p:sldIdLst>
     <p:sldId id="256" r:id="rId2"/>
@@ -69,6 +69,9 @@
     <p:sldId id="281" r:id="rId60"/>
     <p:sldId id="337" r:id="rId61"/>
     <p:sldId id="283" r:id="rId62"/>
+    <p:sldId id="339" r:id="rId63"/>
+    <p:sldId id="340" r:id="rId64"/>
+    <p:sldId id="341" r:id="rId65"/>
   </p:sldIdLst>
   <p:sldSz cx="9144000" cy="6858000" type="screen4x3"/>
   <p:notesSz cx="6858000" cy="9144000"/>
@@ -268,7 +271,7 @@
           <a:p>
             <a:fld id="{8583A242-7230-4070-B2AF-A33EB304C08D}" type="datetimeFigureOut">
               <a:rPr lang="en-US" smtClean="0"/>
-              <a:t>3/15/2017</a:t>
+              <a:t>3/17/2017</a:t>
             </a:fld>
             <a:endParaRPr lang="en-US"/>
           </a:p>
@@ -8950,6 +8953,326 @@
 </p:notes>
 </file>
 
+<file path=ppt/notesSlides/notesSlide60.xml><?xml version="1.0" encoding="utf-8"?>
+<p:notes xmlns:a="http://schemas.openxmlformats.org/drawingml/2006/main" xmlns:r="http://schemas.openxmlformats.org/officeDocument/2006/relationships" xmlns:p="http://schemas.openxmlformats.org/presentationml/2006/main">
+  <p:cSld>
+    <p:spTree>
+      <p:nvGrpSpPr>
+        <p:cNvPr id="1" name=""/>
+        <p:cNvGrpSpPr/>
+        <p:nvPr/>
+      </p:nvGrpSpPr>
+      <p:grpSpPr>
+        <a:xfrm>
+          <a:off x="0" y="0"/>
+          <a:ext cx="0" cy="0"/>
+          <a:chOff x="0" y="0"/>
+          <a:chExt cx="0" cy="0"/>
+        </a:xfrm>
+      </p:grpSpPr>
+      <p:sp>
+        <p:nvSpPr>
+          <p:cNvPr id="2" name="Slide Image Placeholder 1"/>
+          <p:cNvSpPr>
+            <a:spLocks noGrp="1" noRot="1" noChangeAspect="1"/>
+          </p:cNvSpPr>
+          <p:nvPr>
+            <p:ph type="sldImg"/>
+          </p:nvPr>
+        </p:nvSpPr>
+        <p:spPr/>
+      </p:sp>
+      <p:sp>
+        <p:nvSpPr>
+          <p:cNvPr id="3" name="Notes Placeholder 2"/>
+          <p:cNvSpPr>
+            <a:spLocks noGrp="1"/>
+          </p:cNvSpPr>
+          <p:nvPr>
+            <p:ph type="body" idx="1"/>
+          </p:nvPr>
+        </p:nvSpPr>
+        <p:spPr/>
+        <p:txBody>
+          <a:bodyPr/>
+          <a:lstStyle/>
+          <a:p>
+            <a:endParaRPr lang="en-US" dirty="0"/>
+          </a:p>
+        </p:txBody>
+      </p:sp>
+      <p:sp>
+        <p:nvSpPr>
+          <p:cNvPr id="4" name="Slide Number Placeholder 3"/>
+          <p:cNvSpPr>
+            <a:spLocks noGrp="1"/>
+          </p:cNvSpPr>
+          <p:nvPr>
+            <p:ph type="sldNum" sz="quarter" idx="10"/>
+          </p:nvPr>
+        </p:nvSpPr>
+        <p:spPr/>
+        <p:txBody>
+          <a:bodyPr/>
+          <a:lstStyle/>
+          <a:p>
+            <a:fld id="{4775FDF9-2A53-4261-A0AF-3B6A9698D365}" type="slidenum">
+              <a:rPr lang="en-US" smtClean="0"/>
+              <a:t>62</a:t>
+            </a:fld>
+            <a:endParaRPr lang="en-US"/>
+          </a:p>
+        </p:txBody>
+      </p:sp>
+    </p:spTree>
+    <p:extLst>
+      <p:ext uri="{BB962C8B-B14F-4D97-AF65-F5344CB8AC3E}">
+        <p14:creationId xmlns:p14="http://schemas.microsoft.com/office/powerpoint/2010/main" val="2948381229"/>
+      </p:ext>
+    </p:extLst>
+  </p:cSld>
+  <p:clrMapOvr>
+    <a:masterClrMapping/>
+  </p:clrMapOvr>
+</p:notes>
+</file>
+
+<file path=ppt/notesSlides/notesSlide61.xml><?xml version="1.0" encoding="utf-8"?>
+<p:notes xmlns:a="http://schemas.openxmlformats.org/drawingml/2006/main" xmlns:r="http://schemas.openxmlformats.org/officeDocument/2006/relationships" xmlns:p="http://schemas.openxmlformats.org/presentationml/2006/main">
+  <p:cSld>
+    <p:spTree>
+      <p:nvGrpSpPr>
+        <p:cNvPr id="1" name=""/>
+        <p:cNvGrpSpPr/>
+        <p:nvPr/>
+      </p:nvGrpSpPr>
+      <p:grpSpPr>
+        <a:xfrm>
+          <a:off x="0" y="0"/>
+          <a:ext cx="0" cy="0"/>
+          <a:chOff x="0" y="0"/>
+          <a:chExt cx="0" cy="0"/>
+        </a:xfrm>
+      </p:grpSpPr>
+      <p:sp>
+        <p:nvSpPr>
+          <p:cNvPr id="2" name="Slide Image Placeholder 1"/>
+          <p:cNvSpPr>
+            <a:spLocks noGrp="1" noRot="1" noChangeAspect="1"/>
+          </p:cNvSpPr>
+          <p:nvPr>
+            <p:ph type="sldImg"/>
+          </p:nvPr>
+        </p:nvSpPr>
+        <p:spPr/>
+      </p:sp>
+      <p:sp>
+        <p:nvSpPr>
+          <p:cNvPr id="3" name="Notes Placeholder 2"/>
+          <p:cNvSpPr>
+            <a:spLocks noGrp="1"/>
+          </p:cNvSpPr>
+          <p:nvPr>
+            <p:ph type="body" idx="1"/>
+          </p:nvPr>
+        </p:nvSpPr>
+        <p:spPr/>
+        <p:txBody>
+          <a:bodyPr/>
+          <a:lstStyle/>
+          <a:p>
+            <a:endParaRPr lang="en-US" dirty="0"/>
+          </a:p>
+        </p:txBody>
+      </p:sp>
+      <p:sp>
+        <p:nvSpPr>
+          <p:cNvPr id="4" name="Slide Number Placeholder 3"/>
+          <p:cNvSpPr>
+            <a:spLocks noGrp="1"/>
+          </p:cNvSpPr>
+          <p:nvPr>
+            <p:ph type="sldNum" sz="quarter" idx="10"/>
+          </p:nvPr>
+        </p:nvSpPr>
+        <p:spPr/>
+        <p:txBody>
+          <a:bodyPr/>
+          <a:lstStyle/>
+          <a:p>
+            <a:fld id="{4775FDF9-2A53-4261-A0AF-3B6A9698D365}" type="slidenum">
+              <a:rPr lang="en-US" smtClean="0"/>
+              <a:t>63</a:t>
+            </a:fld>
+            <a:endParaRPr lang="en-US"/>
+          </a:p>
+        </p:txBody>
+      </p:sp>
+    </p:spTree>
+    <p:extLst>
+      <p:ext uri="{BB962C8B-B14F-4D97-AF65-F5344CB8AC3E}">
+        <p14:creationId xmlns:p14="http://schemas.microsoft.com/office/powerpoint/2010/main" val="1629474085"/>
+      </p:ext>
+    </p:extLst>
+  </p:cSld>
+  <p:clrMapOvr>
+    <a:masterClrMapping/>
+  </p:clrMapOvr>
+</p:notes>
+</file>
+
+<file path=ppt/notesSlides/notesSlide62.xml><?xml version="1.0" encoding="utf-8"?>
+<p:notes xmlns:a="http://schemas.openxmlformats.org/drawingml/2006/main" xmlns:r="http://schemas.openxmlformats.org/officeDocument/2006/relationships" xmlns:p="http://schemas.openxmlformats.org/presentationml/2006/main">
+  <p:cSld>
+    <p:spTree>
+      <p:nvGrpSpPr>
+        <p:cNvPr id="1" name=""/>
+        <p:cNvGrpSpPr/>
+        <p:nvPr/>
+      </p:nvGrpSpPr>
+      <p:grpSpPr>
+        <a:xfrm>
+          <a:off x="0" y="0"/>
+          <a:ext cx="0" cy="0"/>
+          <a:chOff x="0" y="0"/>
+          <a:chExt cx="0" cy="0"/>
+        </a:xfrm>
+      </p:grpSpPr>
+      <p:sp>
+        <p:nvSpPr>
+          <p:cNvPr id="2" name="Slide Image Placeholder 1"/>
+          <p:cNvSpPr>
+            <a:spLocks noGrp="1" noRot="1" noChangeAspect="1"/>
+          </p:cNvSpPr>
+          <p:nvPr>
+            <p:ph type="sldImg"/>
+          </p:nvPr>
+        </p:nvSpPr>
+        <p:spPr/>
+      </p:sp>
+      <p:sp>
+        <p:nvSpPr>
+          <p:cNvPr id="3" name="Notes Placeholder 2"/>
+          <p:cNvSpPr>
+            <a:spLocks noGrp="1"/>
+          </p:cNvSpPr>
+          <p:nvPr>
+            <p:ph type="body" idx="1"/>
+          </p:nvPr>
+        </p:nvSpPr>
+        <p:spPr/>
+        <p:txBody>
+          <a:bodyPr/>
+          <a:lstStyle/>
+          <a:p>
+            <a:r>
+              <a:rPr lang="en-US" dirty="0" err="1"/>
+              <a:t>Wie</a:t>
+            </a:r>
+            <a:r>
+              <a:rPr lang="en-US" dirty="0"/>
+              <a:t> </a:t>
+            </a:r>
+            <a:r>
+              <a:rPr lang="en-US" dirty="0" err="1"/>
+              <a:t>erzeuge</a:t>
+            </a:r>
+            <a:r>
+              <a:rPr lang="en-US" dirty="0"/>
+              <a:t> </a:t>
+            </a:r>
+            <a:r>
+              <a:rPr lang="en-US" dirty="0" err="1"/>
+              <a:t>ich</a:t>
+            </a:r>
+            <a:r>
+              <a:rPr lang="en-US" dirty="0"/>
+              <a:t> </a:t>
+            </a:r>
+            <a:r>
+              <a:rPr lang="en-US" dirty="0" err="1"/>
+              <a:t>eine</a:t>
+            </a:r>
+            <a:r>
+              <a:rPr lang="en-US" dirty="0"/>
+              <a:t> </a:t>
+            </a:r>
+            <a:r>
+              <a:rPr lang="en-US" dirty="0" err="1"/>
+              <a:t>Funktion</a:t>
+            </a:r>
+            <a:r>
+              <a:rPr lang="en-US" dirty="0"/>
+              <a:t> die 5</a:t>
+            </a:r>
+            <a:r>
+              <a:rPr lang="en-US" baseline="0" dirty="0"/>
+              <a:t> </a:t>
+            </a:r>
+            <a:r>
+              <a:rPr lang="en-US" baseline="0" dirty="0" err="1"/>
+              <a:t>zum</a:t>
+            </a:r>
+            <a:r>
+              <a:rPr lang="en-US" baseline="0" dirty="0"/>
+              <a:t> </a:t>
+            </a:r>
+            <a:r>
+              <a:rPr lang="en-US" baseline="0" dirty="0" err="1"/>
+              <a:t>angegebenen</a:t>
+            </a:r>
+            <a:r>
+              <a:rPr lang="en-US" baseline="0" dirty="0"/>
+              <a:t> Wert </a:t>
+            </a:r>
+            <a:r>
+              <a:rPr lang="en-US" baseline="0" dirty="0" err="1"/>
+              <a:t>addiert</a:t>
+            </a:r>
+            <a:r>
+              <a:rPr lang="en-US" baseline="0" dirty="0"/>
+              <a:t>?</a:t>
+            </a:r>
+            <a:endParaRPr lang="en-US" dirty="0"/>
+          </a:p>
+        </p:txBody>
+      </p:sp>
+      <p:sp>
+        <p:nvSpPr>
+          <p:cNvPr id="4" name="Slide Number Placeholder 3"/>
+          <p:cNvSpPr>
+            <a:spLocks noGrp="1"/>
+          </p:cNvSpPr>
+          <p:nvPr>
+            <p:ph type="sldNum" sz="quarter" idx="10"/>
+          </p:nvPr>
+        </p:nvSpPr>
+        <p:spPr/>
+        <p:txBody>
+          <a:bodyPr/>
+          <a:lstStyle/>
+          <a:p>
+            <a:fld id="{4775FDF9-2A53-4261-A0AF-3B6A9698D365}" type="slidenum">
+              <a:rPr lang="en-US" smtClean="0"/>
+              <a:t>64</a:t>
+            </a:fld>
+            <a:endParaRPr lang="en-US"/>
+          </a:p>
+        </p:txBody>
+      </p:sp>
+    </p:spTree>
+    <p:extLst>
+      <p:ext uri="{BB962C8B-B14F-4D97-AF65-F5344CB8AC3E}">
+        <p14:creationId xmlns:p14="http://schemas.microsoft.com/office/powerpoint/2010/main" val="2673347796"/>
+      </p:ext>
+    </p:extLst>
+  </p:cSld>
+  <p:clrMapOvr>
+    <a:masterClrMapping/>
+  </p:clrMapOvr>
+</p:notes>
+</file>
+
 <file path=ppt/notesSlides/notesSlide7.xml><?xml version="1.0" encoding="utf-8"?>
 <p:notes xmlns:a="http://schemas.openxmlformats.org/drawingml/2006/main" xmlns:r="http://schemas.openxmlformats.org/officeDocument/2006/relationships" xmlns:p="http://schemas.openxmlformats.org/presentationml/2006/main">
   <p:cSld>
@@ -10106,7 +10429,7 @@
           <a:p>
             <a:fld id="{28CA3B8B-C56F-4663-93D1-BECEDA7EAF67}" type="datetimeFigureOut">
               <a:rPr lang="en-US" smtClean="0"/>
-              <a:t>3/15/2017</a:t>
+              <a:t>3/17/2017</a:t>
             </a:fld>
             <a:endParaRPr lang="en-US"/>
           </a:p>
@@ -10274,7 +10597,7 @@
           <a:p>
             <a:fld id="{28CA3B8B-C56F-4663-93D1-BECEDA7EAF67}" type="datetimeFigureOut">
               <a:rPr lang="en-US" smtClean="0"/>
-              <a:t>3/15/2017</a:t>
+              <a:t>3/17/2017</a:t>
             </a:fld>
             <a:endParaRPr lang="en-US"/>
           </a:p>
@@ -10452,7 +10775,7 @@
           <a:p>
             <a:fld id="{28CA3B8B-C56F-4663-93D1-BECEDA7EAF67}" type="datetimeFigureOut">
               <a:rPr lang="en-US" smtClean="0"/>
-              <a:t>3/15/2017</a:t>
+              <a:t>3/17/2017</a:t>
             </a:fld>
             <a:endParaRPr lang="en-US"/>
           </a:p>
@@ -10620,7 +10943,7 @@
           <a:p>
             <a:fld id="{28CA3B8B-C56F-4663-93D1-BECEDA7EAF67}" type="datetimeFigureOut">
               <a:rPr lang="en-US" smtClean="0"/>
-              <a:t>3/15/2017</a:t>
+              <a:t>3/17/2017</a:t>
             </a:fld>
             <a:endParaRPr lang="en-US"/>
           </a:p>
@@ -10865,7 +11188,7 @@
           <a:p>
             <a:fld id="{28CA3B8B-C56F-4663-93D1-BECEDA7EAF67}" type="datetimeFigureOut">
               <a:rPr lang="en-US" smtClean="0"/>
-              <a:t>3/15/2017</a:t>
+              <a:t>3/17/2017</a:t>
             </a:fld>
             <a:endParaRPr lang="en-US"/>
           </a:p>
@@ -11150,7 +11473,7 @@
           <a:p>
             <a:fld id="{28CA3B8B-C56F-4663-93D1-BECEDA7EAF67}" type="datetimeFigureOut">
               <a:rPr lang="en-US" smtClean="0"/>
-              <a:t>3/15/2017</a:t>
+              <a:t>3/17/2017</a:t>
             </a:fld>
             <a:endParaRPr lang="en-US"/>
           </a:p>
@@ -11569,7 +11892,7 @@
           <a:p>
             <a:fld id="{28CA3B8B-C56F-4663-93D1-BECEDA7EAF67}" type="datetimeFigureOut">
               <a:rPr lang="en-US" smtClean="0"/>
-              <a:t>3/15/2017</a:t>
+              <a:t>3/17/2017</a:t>
             </a:fld>
             <a:endParaRPr lang="en-US"/>
           </a:p>
@@ -11686,7 +12009,7 @@
           <a:p>
             <a:fld id="{28CA3B8B-C56F-4663-93D1-BECEDA7EAF67}" type="datetimeFigureOut">
               <a:rPr lang="en-US" smtClean="0"/>
-              <a:t>3/15/2017</a:t>
+              <a:t>3/17/2017</a:t>
             </a:fld>
             <a:endParaRPr lang="en-US"/>
           </a:p>
@@ -11781,7 +12104,7 @@
           <a:p>
             <a:fld id="{28CA3B8B-C56F-4663-93D1-BECEDA7EAF67}" type="datetimeFigureOut">
               <a:rPr lang="en-US" smtClean="0"/>
-              <a:t>3/15/2017</a:t>
+              <a:t>3/17/2017</a:t>
             </a:fld>
             <a:endParaRPr lang="en-US"/>
           </a:p>
@@ -12056,7 +12379,7 @@
           <a:p>
             <a:fld id="{28CA3B8B-C56F-4663-93D1-BECEDA7EAF67}" type="datetimeFigureOut">
               <a:rPr lang="en-US" smtClean="0"/>
-              <a:t>3/15/2017</a:t>
+              <a:t>3/17/2017</a:t>
             </a:fld>
             <a:endParaRPr lang="en-US"/>
           </a:p>
@@ -12308,7 +12631,7 @@
           <a:p>
             <a:fld id="{28CA3B8B-C56F-4663-93D1-BECEDA7EAF67}" type="datetimeFigureOut">
               <a:rPr lang="en-US" smtClean="0"/>
-              <a:t>3/15/2017</a:t>
+              <a:t>3/17/2017</a:t>
             </a:fld>
             <a:endParaRPr lang="en-US"/>
           </a:p>
@@ -12519,7 +12842,7 @@
           <a:p>
             <a:fld id="{28CA3B8B-C56F-4663-93D1-BECEDA7EAF67}" type="datetimeFigureOut">
               <a:rPr lang="en-US" smtClean="0"/>
-              <a:t>3/15/2017</a:t>
+              <a:t>3/17/2017</a:t>
             </a:fld>
             <a:endParaRPr lang="en-US"/>
           </a:p>
@@ -23719,7 +24042,7 @@
           <a:p>
             <a:r>
               <a:rPr lang="de-DE" dirty="0"/>
-              <a:t>Datentypen</a:t>
+              <a:t>Modul 2: Datentypen</a:t>
             </a:r>
             <a:endParaRPr lang="en-US" dirty="0"/>
           </a:p>
@@ -33274,6 +33597,691 @@
   <p:clrMapOvr>
     <a:masterClrMapping/>
   </p:clrMapOvr>
+</p:sld>
+</file>
+
+<file path=ppt/slides/slide62.xml><?xml version="1.0" encoding="utf-8"?>
+<p:sld xmlns:a="http://schemas.openxmlformats.org/drawingml/2006/main" xmlns:r="http://schemas.openxmlformats.org/officeDocument/2006/relationships" xmlns:p="http://schemas.openxmlformats.org/presentationml/2006/main">
+  <p:cSld>
+    <p:spTree>
+      <p:nvGrpSpPr>
+        <p:cNvPr id="1" name=""/>
+        <p:cNvGrpSpPr/>
+        <p:nvPr/>
+      </p:nvGrpSpPr>
+      <p:grpSpPr>
+        <a:xfrm>
+          <a:off x="0" y="0"/>
+          <a:ext cx="0" cy="0"/>
+          <a:chOff x="0" y="0"/>
+          <a:chExt cx="0" cy="0"/>
+        </a:xfrm>
+      </p:grpSpPr>
+      <p:sp>
+        <p:nvSpPr>
+          <p:cNvPr id="2" name="Title 1"/>
+          <p:cNvSpPr>
+            <a:spLocks noGrp="1"/>
+          </p:cNvSpPr>
+          <p:nvPr>
+            <p:ph type="title"/>
+          </p:nvPr>
+        </p:nvSpPr>
+        <p:spPr/>
+        <p:txBody>
+          <a:bodyPr>
+            <a:normAutofit/>
+          </a:bodyPr>
+          <a:lstStyle/>
+          <a:p>
+            <a:r>
+              <a:rPr lang="de-DE" dirty="0"/>
+              <a:t>Modul 3</a:t>
+            </a:r>
+            <a:endParaRPr lang="en-US" dirty="0"/>
+          </a:p>
+        </p:txBody>
+      </p:sp>
+      <p:sp>
+        <p:nvSpPr>
+          <p:cNvPr id="3" name="Content Placeholder 2"/>
+          <p:cNvSpPr>
+            <a:spLocks noGrp="1"/>
+          </p:cNvSpPr>
+          <p:nvPr>
+            <p:ph idx="1"/>
+          </p:nvPr>
+        </p:nvSpPr>
+        <p:spPr/>
+        <p:txBody>
+          <a:bodyPr/>
+          <a:lstStyle/>
+          <a:p>
+            <a:r>
+              <a:rPr lang="de-DE" dirty="0"/>
+              <a:t>Mehr zu Funktionen</a:t>
+            </a:r>
+          </a:p>
+          <a:p>
+            <a:r>
+              <a:rPr lang="de-DE" dirty="0"/>
+              <a:t>Praktische Beispiele</a:t>
+            </a:r>
+          </a:p>
+          <a:p>
+            <a:endParaRPr lang="de-DE" dirty="0"/>
+          </a:p>
+          <a:p>
+            <a:endParaRPr lang="de-DE" dirty="0"/>
+          </a:p>
+          <a:p>
+            <a:endParaRPr lang="de-DE" dirty="0"/>
+          </a:p>
+        </p:txBody>
+      </p:sp>
+    </p:spTree>
+    <p:extLst>
+      <p:ext uri="{BB962C8B-B14F-4D97-AF65-F5344CB8AC3E}">
+        <p14:creationId xmlns:p14="http://schemas.microsoft.com/office/powerpoint/2010/main" val="295319926"/>
+      </p:ext>
+    </p:extLst>
+  </p:cSld>
+  <p:clrMapOvr>
+    <a:masterClrMapping/>
+  </p:clrMapOvr>
+</p:sld>
+</file>
+
+<file path=ppt/slides/slide63.xml><?xml version="1.0" encoding="utf-8"?>
+<p:sld xmlns:a="http://schemas.openxmlformats.org/drawingml/2006/main" xmlns:r="http://schemas.openxmlformats.org/officeDocument/2006/relationships" xmlns:p="http://schemas.openxmlformats.org/presentationml/2006/main">
+  <p:cSld>
+    <p:spTree>
+      <p:nvGrpSpPr>
+        <p:cNvPr id="1" name=""/>
+        <p:cNvGrpSpPr/>
+        <p:nvPr/>
+      </p:nvGrpSpPr>
+      <p:grpSpPr>
+        <a:xfrm>
+          <a:off x="0" y="0"/>
+          <a:ext cx="0" cy="0"/>
+          <a:chOff x="0" y="0"/>
+          <a:chExt cx="0" cy="0"/>
+        </a:xfrm>
+      </p:grpSpPr>
+      <p:sp>
+        <p:nvSpPr>
+          <p:cNvPr id="2" name="Title 1"/>
+          <p:cNvSpPr>
+            <a:spLocks noGrp="1"/>
+          </p:cNvSpPr>
+          <p:nvPr>
+            <p:ph type="title"/>
+          </p:nvPr>
+        </p:nvSpPr>
+        <p:spPr/>
+        <p:txBody>
+          <a:bodyPr>
+            <a:normAutofit/>
+          </a:bodyPr>
+          <a:lstStyle/>
+          <a:p>
+            <a:r>
+              <a:rPr lang="de-DE" dirty="0"/>
+              <a:t>Modul 3: partial </a:t>
+            </a:r>
+            <a:r>
+              <a:rPr lang="de-DE" dirty="0" err="1"/>
+              <a:t>application</a:t>
+            </a:r>
+            <a:endParaRPr lang="en-US" dirty="0"/>
+          </a:p>
+        </p:txBody>
+      </p:sp>
+      <p:sp>
+        <p:nvSpPr>
+          <p:cNvPr id="3" name="Content Placeholder 2"/>
+          <p:cNvSpPr>
+            <a:spLocks noGrp="1"/>
+          </p:cNvSpPr>
+          <p:nvPr>
+            <p:ph idx="1"/>
+          </p:nvPr>
+        </p:nvSpPr>
+        <p:spPr/>
+        <p:txBody>
+          <a:bodyPr/>
+          <a:lstStyle/>
+          <a:p>
+            <a:pPr marL="0" indent="0">
+              <a:buNone/>
+            </a:pPr>
+            <a:r>
+              <a:rPr lang="de-DE" dirty="0"/>
+              <a:t>Stell dir eine Funktion mit 3 Parametern vor</a:t>
+            </a:r>
+          </a:p>
+          <a:p>
+            <a:pPr marL="0" indent="0">
+              <a:buNone/>
+            </a:pPr>
+            <a:r>
+              <a:rPr lang="de-DE" dirty="0"/>
+              <a:t>Erzeuge eine!</a:t>
+            </a:r>
+          </a:p>
+          <a:p>
+            <a:pPr marL="0" indent="0">
+              <a:buNone/>
+            </a:pPr>
+            <a:r>
+              <a:rPr lang="de-DE" dirty="0"/>
+              <a:t>Rufe diese mit nur zwei Parametern auf</a:t>
+            </a:r>
+          </a:p>
+          <a:p>
+            <a:pPr marL="0" indent="0">
+              <a:buNone/>
+            </a:pPr>
+            <a:r>
+              <a:rPr lang="de-DE" dirty="0"/>
+              <a:t>Untersuche das Ergebnis</a:t>
+            </a:r>
+          </a:p>
+          <a:p>
+            <a:pPr marL="0" indent="0">
+              <a:buNone/>
+            </a:pPr>
+            <a:endParaRPr lang="de-DE" dirty="0"/>
+          </a:p>
+          <a:p>
+            <a:endParaRPr lang="de-DE" dirty="0"/>
+          </a:p>
+          <a:p>
+            <a:endParaRPr lang="de-DE" dirty="0"/>
+          </a:p>
+          <a:p>
+            <a:endParaRPr lang="de-DE" dirty="0"/>
+          </a:p>
+        </p:txBody>
+      </p:sp>
+    </p:spTree>
+    <p:extLst>
+      <p:ext uri="{BB962C8B-B14F-4D97-AF65-F5344CB8AC3E}">
+        <p14:creationId xmlns:p14="http://schemas.microsoft.com/office/powerpoint/2010/main" val="2963438847"/>
+      </p:ext>
+    </p:extLst>
+  </p:cSld>
+  <p:clrMapOvr>
+    <a:masterClrMapping/>
+  </p:clrMapOvr>
+</p:sld>
+</file>
+
+<file path=ppt/slides/slide64.xml><?xml version="1.0" encoding="utf-8"?>
+<p:sld xmlns:a="http://schemas.openxmlformats.org/drawingml/2006/main" xmlns:r="http://schemas.openxmlformats.org/officeDocument/2006/relationships" xmlns:p="http://schemas.openxmlformats.org/presentationml/2006/main">
+  <p:cSld>
+    <p:spTree>
+      <p:nvGrpSpPr>
+        <p:cNvPr id="1" name=""/>
+        <p:cNvGrpSpPr/>
+        <p:nvPr/>
+      </p:nvGrpSpPr>
+      <p:grpSpPr>
+        <a:xfrm>
+          <a:off x="0" y="0"/>
+          <a:ext cx="0" cy="0"/>
+          <a:chOff x="0" y="0"/>
+          <a:chExt cx="0" cy="0"/>
+        </a:xfrm>
+      </p:grpSpPr>
+      <p:sp>
+        <p:nvSpPr>
+          <p:cNvPr id="2" name="Title 1"/>
+          <p:cNvSpPr>
+            <a:spLocks noGrp="1"/>
+          </p:cNvSpPr>
+          <p:nvPr>
+            <p:ph type="title"/>
+          </p:nvPr>
+        </p:nvSpPr>
+        <p:spPr/>
+        <p:txBody>
+          <a:bodyPr>
+            <a:normAutofit/>
+          </a:bodyPr>
+          <a:lstStyle/>
+          <a:p>
+            <a:r>
+              <a:rPr lang="de-DE" dirty="0"/>
+              <a:t>Modul 3: partial </a:t>
+            </a:r>
+            <a:r>
+              <a:rPr lang="de-DE" dirty="0" err="1"/>
+              <a:t>application</a:t>
+            </a:r>
+            <a:endParaRPr lang="en-US" dirty="0"/>
+          </a:p>
+        </p:txBody>
+      </p:sp>
+      <p:sp>
+        <p:nvSpPr>
+          <p:cNvPr id="3" name="Content Placeholder 2"/>
+          <p:cNvSpPr>
+            <a:spLocks noGrp="1"/>
+          </p:cNvSpPr>
+          <p:nvPr>
+            <p:ph idx="1"/>
+          </p:nvPr>
+        </p:nvSpPr>
+        <p:spPr/>
+        <p:txBody>
+          <a:bodyPr/>
+          <a:lstStyle/>
+          <a:p>
+            <a:pPr marL="0" indent="0">
+              <a:buNone/>
+            </a:pPr>
+            <a:r>
+              <a:rPr lang="de-DE" dirty="0"/>
+              <a:t>Partial </a:t>
+            </a:r>
+            <a:r>
+              <a:rPr lang="de-DE" dirty="0" err="1"/>
+              <a:t>application</a:t>
+            </a:r>
+            <a:r>
+              <a:rPr lang="de-DE" dirty="0"/>
+              <a:t> macht Werte zum Teil einer neuen Funktion</a:t>
+            </a:r>
+          </a:p>
+          <a:p>
+            <a:pPr marL="0" indent="0">
+              <a:buNone/>
+            </a:pPr>
+            <a:r>
+              <a:rPr lang="es-ES" dirty="0">
+                <a:solidFill>
+                  <a:srgbClr val="0000FF"/>
+                </a:solidFill>
+                <a:latin typeface="Consolas" panose="020B0609020204030204" pitchFamily="49" charset="0"/>
+              </a:rPr>
+              <a:t>let</a:t>
+            </a:r>
+            <a:r>
+              <a:rPr lang="es-ES" dirty="0">
+                <a:solidFill>
+                  <a:srgbClr val="000000"/>
+                </a:solidFill>
+                <a:latin typeface="Consolas" panose="020B0609020204030204" pitchFamily="49" charset="0"/>
+              </a:rPr>
+              <a:t> add x y = x + y (</a:t>
+            </a:r>
+            <a:r>
+              <a:rPr lang="fr-FR" dirty="0"/>
+              <a:t>x:int -&gt; y:int -&gt; int)</a:t>
+            </a:r>
+            <a:endParaRPr lang="es-ES" dirty="0">
+              <a:solidFill>
+                <a:srgbClr val="000000"/>
+              </a:solidFill>
+              <a:latin typeface="Consolas" panose="020B0609020204030204" pitchFamily="49" charset="0"/>
+            </a:endParaRPr>
+          </a:p>
+          <a:p>
+            <a:pPr marL="0" indent="0">
+              <a:buNone/>
+            </a:pPr>
+            <a:r>
+              <a:rPr lang="de-DE" dirty="0">
+                <a:solidFill>
+                  <a:srgbClr val="0000FF"/>
+                </a:solidFill>
+                <a:latin typeface="Consolas" panose="020B0609020204030204" pitchFamily="49" charset="0"/>
+              </a:rPr>
+              <a:t>let</a:t>
+            </a:r>
+            <a:r>
+              <a:rPr lang="de-DE" dirty="0">
+                <a:solidFill>
+                  <a:srgbClr val="000000"/>
+                </a:solidFill>
+                <a:latin typeface="Consolas" panose="020B0609020204030204" pitchFamily="49" charset="0"/>
+              </a:rPr>
+              <a:t> add5 = </a:t>
+            </a:r>
+            <a:r>
+              <a:rPr lang="de-DE" dirty="0" err="1">
+                <a:solidFill>
+                  <a:srgbClr val="000000"/>
+                </a:solidFill>
+                <a:latin typeface="Consolas" panose="020B0609020204030204" pitchFamily="49" charset="0"/>
+              </a:rPr>
+              <a:t>add</a:t>
+            </a:r>
+            <a:r>
+              <a:rPr lang="de-DE" dirty="0">
+                <a:solidFill>
+                  <a:srgbClr val="000000"/>
+                </a:solidFill>
+                <a:latin typeface="Consolas" panose="020B0609020204030204" pitchFamily="49" charset="0"/>
+              </a:rPr>
+              <a:t> 5 </a:t>
+            </a:r>
+          </a:p>
+          <a:p>
+            <a:pPr marL="0" indent="0">
+              <a:buNone/>
+            </a:pPr>
+            <a:r>
+              <a:rPr lang="de-DE" dirty="0"/>
+              <a:t>int -&gt; int</a:t>
+            </a:r>
+          </a:p>
+          <a:p>
+            <a:pPr marL="0" indent="0">
+              <a:buNone/>
+            </a:pPr>
+            <a:r>
+              <a:rPr lang="de-DE" dirty="0"/>
+              <a:t>Funktion als </a:t>
+            </a:r>
+            <a:r>
+              <a:rPr lang="de-DE" dirty="0" err="1"/>
+              <a:t>output</a:t>
+            </a:r>
+            <a:endParaRPr lang="de-DE" dirty="0"/>
+          </a:p>
+        </p:txBody>
+      </p:sp>
+    </p:spTree>
+    <p:extLst>
+      <p:ext uri="{BB962C8B-B14F-4D97-AF65-F5344CB8AC3E}">
+        <p14:creationId xmlns:p14="http://schemas.microsoft.com/office/powerpoint/2010/main" val="2710775953"/>
+      </p:ext>
+    </p:extLst>
+  </p:cSld>
+  <p:clrMapOvr>
+    <a:masterClrMapping/>
+  </p:clrMapOvr>
+  <p:timing>
+    <p:tnLst>
+      <p:par>
+        <p:cTn id="1" dur="indefinite" restart="never" nodeType="tmRoot">
+          <p:childTnLst>
+            <p:seq concurrent="1" nextAc="seek">
+              <p:cTn id="2" dur="indefinite" nodeType="mainSeq">
+                <p:childTnLst>
+                  <p:par>
+                    <p:cTn id="3" fill="hold">
+                      <p:stCondLst>
+                        <p:cond delay="indefinite"/>
+                      </p:stCondLst>
+                      <p:childTnLst>
+                        <p:par>
+                          <p:cTn id="4" fill="hold">
+                            <p:stCondLst>
+                              <p:cond delay="0"/>
+                            </p:stCondLst>
+                            <p:childTnLst>
+                              <p:par>
+                                <p:cTn id="5" presetID="1" presetClass="entr" presetSubtype="0" fill="hold" grpId="0" nodeType="clickEffect">
+                                  <p:stCondLst>
+                                    <p:cond delay="0"/>
+                                  </p:stCondLst>
+                                  <p:childTnLst>
+                                    <p:set>
+                                      <p:cBhvr>
+                                        <p:cTn id="6" dur="1" fill="hold">
+                                          <p:stCondLst>
+                                            <p:cond delay="0"/>
+                                          </p:stCondLst>
+                                        </p:cTn>
+                                        <p:tgtEl>
+                                          <p:spTgt spid="3">
+                                            <p:txEl>
+                                              <p:pRg st="0" end="0"/>
+                                            </p:txEl>
+                                          </p:spTgt>
+                                        </p:tgtEl>
+                                        <p:attrNameLst>
+                                          <p:attrName>style.visibility</p:attrName>
+                                        </p:attrNameLst>
+                                      </p:cBhvr>
+                                      <p:to>
+                                        <p:strVal val="visible"/>
+                                      </p:to>
+                                    </p:set>
+                                  </p:childTnLst>
+                                </p:cTn>
+                              </p:par>
+                            </p:childTnLst>
+                          </p:cTn>
+                        </p:par>
+                      </p:childTnLst>
+                    </p:cTn>
+                  </p:par>
+                  <p:par>
+                    <p:cTn id="7" fill="hold">
+                      <p:stCondLst>
+                        <p:cond delay="indefinite"/>
+                      </p:stCondLst>
+                      <p:childTnLst>
+                        <p:par>
+                          <p:cTn id="8" fill="hold">
+                            <p:stCondLst>
+                              <p:cond delay="0"/>
+                            </p:stCondLst>
+                            <p:childTnLst>
+                              <p:par>
+                                <p:cTn id="9" presetID="1" presetClass="entr" presetSubtype="0" fill="hold" grpId="0" nodeType="clickEffect">
+                                  <p:stCondLst>
+                                    <p:cond delay="0"/>
+                                  </p:stCondLst>
+                                  <p:childTnLst>
+                                    <p:set>
+                                      <p:cBhvr>
+                                        <p:cTn id="10" dur="1" fill="hold">
+                                          <p:stCondLst>
+                                            <p:cond delay="0"/>
+                                          </p:stCondLst>
+                                        </p:cTn>
+                                        <p:tgtEl>
+                                          <p:spTgt spid="3">
+                                            <p:txEl>
+                                              <p:pRg st="1" end="1"/>
+                                            </p:txEl>
+                                          </p:spTgt>
+                                        </p:tgtEl>
+                                        <p:attrNameLst>
+                                          <p:attrName>style.visibility</p:attrName>
+                                        </p:attrNameLst>
+                                      </p:cBhvr>
+                                      <p:to>
+                                        <p:strVal val="visible"/>
+                                      </p:to>
+                                    </p:set>
+                                  </p:childTnLst>
+                                </p:cTn>
+                              </p:par>
+                            </p:childTnLst>
+                          </p:cTn>
+                        </p:par>
+                      </p:childTnLst>
+                    </p:cTn>
+                  </p:par>
+                  <p:par>
+                    <p:cTn id="11" fill="hold">
+                      <p:stCondLst>
+                        <p:cond delay="indefinite"/>
+                      </p:stCondLst>
+                      <p:childTnLst>
+                        <p:par>
+                          <p:cTn id="12" fill="hold">
+                            <p:stCondLst>
+                              <p:cond delay="0"/>
+                            </p:stCondLst>
+                            <p:childTnLst>
+                              <p:par>
+                                <p:cTn id="13" presetID="1" presetClass="entr" presetSubtype="0" fill="hold" grpId="0" nodeType="clickEffect">
+                                  <p:stCondLst>
+                                    <p:cond delay="0"/>
+                                  </p:stCondLst>
+                                  <p:childTnLst>
+                                    <p:set>
+                                      <p:cBhvr>
+                                        <p:cTn id="14" dur="1" fill="hold">
+                                          <p:stCondLst>
+                                            <p:cond delay="0"/>
+                                          </p:stCondLst>
+                                        </p:cTn>
+                                        <p:tgtEl>
+                                          <p:spTgt spid="3">
+                                            <p:txEl>
+                                              <p:pRg st="2" end="2"/>
+                                            </p:txEl>
+                                          </p:spTgt>
+                                        </p:tgtEl>
+                                        <p:attrNameLst>
+                                          <p:attrName>style.visibility</p:attrName>
+                                        </p:attrNameLst>
+                                      </p:cBhvr>
+                                      <p:to>
+                                        <p:strVal val="visible"/>
+                                      </p:to>
+                                    </p:set>
+                                  </p:childTnLst>
+                                </p:cTn>
+                              </p:par>
+                            </p:childTnLst>
+                          </p:cTn>
+                        </p:par>
+                      </p:childTnLst>
+                    </p:cTn>
+                  </p:par>
+                  <p:par>
+                    <p:cTn id="15" fill="hold">
+                      <p:stCondLst>
+                        <p:cond delay="indefinite"/>
+                      </p:stCondLst>
+                      <p:childTnLst>
+                        <p:par>
+                          <p:cTn id="16" fill="hold">
+                            <p:stCondLst>
+                              <p:cond delay="0"/>
+                            </p:stCondLst>
+                            <p:childTnLst>
+                              <p:par>
+                                <p:cTn id="17" presetID="1" presetClass="entr" presetSubtype="0" fill="hold" grpId="0" nodeType="clickEffect">
+                                  <p:stCondLst>
+                                    <p:cond delay="0"/>
+                                  </p:stCondLst>
+                                  <p:childTnLst>
+                                    <p:set>
+                                      <p:cBhvr>
+                                        <p:cTn id="18" dur="1" fill="hold">
+                                          <p:stCondLst>
+                                            <p:cond delay="0"/>
+                                          </p:stCondLst>
+                                        </p:cTn>
+                                        <p:tgtEl>
+                                          <p:spTgt spid="3">
+                                            <p:txEl>
+                                              <p:pRg st="3" end="3"/>
+                                            </p:txEl>
+                                          </p:spTgt>
+                                        </p:tgtEl>
+                                        <p:attrNameLst>
+                                          <p:attrName>style.visibility</p:attrName>
+                                        </p:attrNameLst>
+                                      </p:cBhvr>
+                                      <p:to>
+                                        <p:strVal val="visible"/>
+                                      </p:to>
+                                    </p:set>
+                                  </p:childTnLst>
+                                </p:cTn>
+                              </p:par>
+                            </p:childTnLst>
+                          </p:cTn>
+                        </p:par>
+                      </p:childTnLst>
+                    </p:cTn>
+                  </p:par>
+                  <p:par>
+                    <p:cTn id="19" fill="hold">
+                      <p:stCondLst>
+                        <p:cond delay="indefinite"/>
+                      </p:stCondLst>
+                      <p:childTnLst>
+                        <p:par>
+                          <p:cTn id="20" fill="hold">
+                            <p:stCondLst>
+                              <p:cond delay="0"/>
+                            </p:stCondLst>
+                            <p:childTnLst>
+                              <p:par>
+                                <p:cTn id="21" presetID="1" presetClass="entr" presetSubtype="0" fill="hold" grpId="0" nodeType="clickEffect">
+                                  <p:stCondLst>
+                                    <p:cond delay="0"/>
+                                  </p:stCondLst>
+                                  <p:childTnLst>
+                                    <p:set>
+                                      <p:cBhvr>
+                                        <p:cTn id="22" dur="1" fill="hold">
+                                          <p:stCondLst>
+                                            <p:cond delay="0"/>
+                                          </p:stCondLst>
+                                        </p:cTn>
+                                        <p:tgtEl>
+                                          <p:spTgt spid="3">
+                                            <p:txEl>
+                                              <p:pRg st="4" end="4"/>
+                                            </p:txEl>
+                                          </p:spTgt>
+                                        </p:tgtEl>
+                                        <p:attrNameLst>
+                                          <p:attrName>style.visibility</p:attrName>
+                                        </p:attrNameLst>
+                                      </p:cBhvr>
+                                      <p:to>
+                                        <p:strVal val="visible"/>
+                                      </p:to>
+                                    </p:set>
+                                  </p:childTnLst>
+                                </p:cTn>
+                              </p:par>
+                            </p:childTnLst>
+                          </p:cTn>
+                        </p:par>
+                      </p:childTnLst>
+                    </p:cTn>
+                  </p:par>
+                </p:childTnLst>
+              </p:cTn>
+              <p:prevCondLst>
+                <p:cond evt="onPrev" delay="0">
+                  <p:tgtEl>
+                    <p:sldTgt/>
+                  </p:tgtEl>
+                </p:cond>
+              </p:prevCondLst>
+              <p:nextCondLst>
+                <p:cond evt="onNext" delay="0">
+                  <p:tgtEl>
+                    <p:sldTgt/>
+                  </p:tgtEl>
+                </p:cond>
+              </p:nextCondLst>
+            </p:seq>
+          </p:childTnLst>
+        </p:cTn>
+      </p:par>
+    </p:tnLst>
+    <p:bldLst>
+      <p:bldP spid="3" grpId="0" build="p"/>
+    </p:bldLst>
+  </p:timing>
 </p:sld>
 </file>
 

--- a/FSharp.pptx
+++ b/FSharp.pptx
@@ -5,7 +5,7 @@
     <p:sldMasterId id="2147483648" r:id="rId1"/>
   </p:sldMasterIdLst>
   <p:notesMasterIdLst>
-    <p:notesMasterId r:id="rId66"/>
+    <p:notesMasterId r:id="rId67"/>
   </p:notesMasterIdLst>
   <p:sldIdLst>
     <p:sldId id="256" r:id="rId2"/>
@@ -72,6 +72,7 @@
     <p:sldId id="340" r:id="rId63"/>
     <p:sldId id="341" r:id="rId64"/>
     <p:sldId id="342" r:id="rId65"/>
+    <p:sldId id="343" r:id="rId66"/>
   </p:sldIdLst>
   <p:sldSz cx="9144000" cy="6858000" type="screen4x3"/>
   <p:notesSz cx="6858000" cy="9144000"/>
@@ -9726,6 +9727,90 @@
     <p:extLst>
       <p:ext uri="{BB962C8B-B14F-4D97-AF65-F5344CB8AC3E}">
         <p14:creationId xmlns:p14="http://schemas.microsoft.com/office/powerpoint/2010/main" val="3393973432"/>
+      </p:ext>
+    </p:extLst>
+  </p:cSld>
+  <p:clrMapOvr>
+    <a:masterClrMapping/>
+  </p:clrMapOvr>
+</p:notes>
+</file>
+
+<file path=ppt/notesSlides/notesSlide63.xml><?xml version="1.0" encoding="utf-8"?>
+<p:notes xmlns:a="http://schemas.openxmlformats.org/drawingml/2006/main" xmlns:r="http://schemas.openxmlformats.org/officeDocument/2006/relationships" xmlns:p="http://schemas.openxmlformats.org/presentationml/2006/main">
+  <p:cSld>
+    <p:spTree>
+      <p:nvGrpSpPr>
+        <p:cNvPr id="1" name=""/>
+        <p:cNvGrpSpPr/>
+        <p:nvPr/>
+      </p:nvGrpSpPr>
+      <p:grpSpPr>
+        <a:xfrm>
+          <a:off x="0" y="0"/>
+          <a:ext cx="0" cy="0"/>
+          <a:chOff x="0" y="0"/>
+          <a:chExt cx="0" cy="0"/>
+        </a:xfrm>
+      </p:grpSpPr>
+      <p:sp>
+        <p:nvSpPr>
+          <p:cNvPr id="2" name="Slide Image Placeholder 1"/>
+          <p:cNvSpPr>
+            <a:spLocks noGrp="1" noRot="1" noChangeAspect="1"/>
+          </p:cNvSpPr>
+          <p:nvPr>
+            <p:ph type="sldImg"/>
+          </p:nvPr>
+        </p:nvSpPr>
+        <p:spPr/>
+      </p:sp>
+      <p:sp>
+        <p:nvSpPr>
+          <p:cNvPr id="3" name="Notes Placeholder 2"/>
+          <p:cNvSpPr>
+            <a:spLocks noGrp="1"/>
+          </p:cNvSpPr>
+          <p:nvPr>
+            <p:ph type="body" idx="1"/>
+          </p:nvPr>
+        </p:nvSpPr>
+        <p:spPr/>
+        <p:txBody>
+          <a:bodyPr/>
+          <a:lstStyle/>
+          <a:p>
+            <a:endParaRPr lang="en-US" dirty="0"/>
+          </a:p>
+        </p:txBody>
+      </p:sp>
+      <p:sp>
+        <p:nvSpPr>
+          <p:cNvPr id="4" name="Slide Number Placeholder 3"/>
+          <p:cNvSpPr>
+            <a:spLocks noGrp="1"/>
+          </p:cNvSpPr>
+          <p:nvPr>
+            <p:ph type="sldNum" sz="quarter" idx="10"/>
+          </p:nvPr>
+        </p:nvSpPr>
+        <p:spPr/>
+        <p:txBody>
+          <a:bodyPr/>
+          <a:lstStyle/>
+          <a:p>
+            <a:fld id="{4775FDF9-2A53-4261-A0AF-3B6A9698D365}" type="slidenum">
+              <a:rPr lang="en-US" smtClean="0"/>
+              <a:t>65</a:t>
+            </a:fld>
+            <a:endParaRPr lang="en-US"/>
+          </a:p>
+        </p:txBody>
+      </p:sp>
+    </p:spTree>
+    <p:extLst>
+      <p:ext uri="{BB962C8B-B14F-4D97-AF65-F5344CB8AC3E}">
+        <p14:creationId xmlns:p14="http://schemas.microsoft.com/office/powerpoint/2010/main" val="3910091908"/>
       </p:ext>
     </p:extLst>
   </p:cSld>
@@ -22081,15 +22166,7 @@
           <a:p>
             <a:r>
               <a:rPr lang="de-DE" dirty="0"/>
-              <a:t>Die </a:t>
-            </a:r>
-            <a:r>
-              <a:rPr lang="de-DE" dirty="0" err="1"/>
-              <a:t>Reihnfolge</a:t>
-            </a:r>
-            <a:r>
-              <a:rPr lang="de-DE" dirty="0"/>
-              <a:t> der Dateien in VS ist </a:t>
+              <a:t>Die Reihenfolge der Dateien in VS ist </a:t>
             </a:r>
             <a:r>
               <a:rPr lang="de-DE" b="1" dirty="0"/>
@@ -24695,7 +24772,7 @@
             </a:r>
             <a:r>
               <a:rPr lang="en-US" dirty="0" err="1"/>
-              <a:t>Reihnfolge</a:t>
+              <a:t>Reihenfolge</a:t>
             </a:r>
             <a:r>
               <a:rPr lang="en-US" dirty="0"/>
@@ -24782,7 +24859,7 @@
             <a:pPr lvl="1"/>
             <a:r>
               <a:rPr lang="en-US" dirty="0" err="1"/>
-              <a:t>Reihnfolge</a:t>
+              <a:t>Reihenfolge</a:t>
             </a:r>
             <a:endParaRPr lang="en-US" dirty="0"/>
           </a:p>
@@ -26535,12 +26612,8 @@
           </a:p>
           <a:p>
             <a:r>
-              <a:rPr lang="de-DE" dirty="0" err="1"/>
-              <a:t>Reihnfolge</a:t>
-            </a:r>
-            <a:r>
-              <a:rPr lang="de-DE" dirty="0"/>
-              <a:t> und Typ sind entscheidend</a:t>
+              <a:rPr lang="de-DE" dirty="0"/>
+              <a:t>Reihenfolge und Typ sind entscheidend</a:t>
             </a:r>
           </a:p>
           <a:p>
@@ -34668,6 +34741,675 @@
                                           <p:spTgt spid="3">
                                             <p:txEl>
                                               <p:pRg st="2" end="2"/>
+                                            </p:txEl>
+                                          </p:spTgt>
+                                        </p:tgtEl>
+                                        <p:attrNameLst>
+                                          <p:attrName>style.visibility</p:attrName>
+                                        </p:attrNameLst>
+                                      </p:cBhvr>
+                                      <p:to>
+                                        <p:strVal val="visible"/>
+                                      </p:to>
+                                    </p:set>
+                                  </p:childTnLst>
+                                </p:cTn>
+                              </p:par>
+                            </p:childTnLst>
+                          </p:cTn>
+                        </p:par>
+                      </p:childTnLst>
+                    </p:cTn>
+                  </p:par>
+                </p:childTnLst>
+              </p:cTn>
+              <p:prevCondLst>
+                <p:cond evt="onPrev" delay="0">
+                  <p:tgtEl>
+                    <p:sldTgt/>
+                  </p:tgtEl>
+                </p:cond>
+              </p:prevCondLst>
+              <p:nextCondLst>
+                <p:cond evt="onNext" delay="0">
+                  <p:tgtEl>
+                    <p:sldTgt/>
+                  </p:tgtEl>
+                </p:cond>
+              </p:nextCondLst>
+            </p:seq>
+          </p:childTnLst>
+        </p:cTn>
+      </p:par>
+    </p:tnLst>
+    <p:bldLst>
+      <p:bldP spid="3" grpId="0" build="p"/>
+    </p:bldLst>
+  </p:timing>
+</p:sld>
+</file>
+
+<file path=ppt/slides/slide65.xml><?xml version="1.0" encoding="utf-8"?>
+<p:sld xmlns:a="http://schemas.openxmlformats.org/drawingml/2006/main" xmlns:r="http://schemas.openxmlformats.org/officeDocument/2006/relationships" xmlns:p="http://schemas.openxmlformats.org/presentationml/2006/main">
+  <p:cSld>
+    <p:spTree>
+      <p:nvGrpSpPr>
+        <p:cNvPr id="1" name=""/>
+        <p:cNvGrpSpPr/>
+        <p:nvPr/>
+      </p:nvGrpSpPr>
+      <p:grpSpPr>
+        <a:xfrm>
+          <a:off x="0" y="0"/>
+          <a:ext cx="0" cy="0"/>
+          <a:chOff x="0" y="0"/>
+          <a:chExt cx="0" cy="0"/>
+        </a:xfrm>
+      </p:grpSpPr>
+      <p:sp>
+        <p:nvSpPr>
+          <p:cNvPr id="2" name="Title 1"/>
+          <p:cNvSpPr>
+            <a:spLocks noGrp="1"/>
+          </p:cNvSpPr>
+          <p:nvPr>
+            <p:ph type="title"/>
+          </p:nvPr>
+        </p:nvSpPr>
+        <p:spPr/>
+        <p:txBody>
+          <a:bodyPr>
+            <a:normAutofit/>
+          </a:bodyPr>
+          <a:lstStyle/>
+          <a:p>
+            <a:r>
+              <a:rPr lang="de-DE" dirty="0"/>
+              <a:t>F# </a:t>
+            </a:r>
+            <a:r>
+              <a:rPr lang="de-DE" dirty="0" err="1"/>
+              <a:t>Resourcen</a:t>
+            </a:r>
+            <a:endParaRPr lang="en-US" dirty="0"/>
+          </a:p>
+        </p:txBody>
+      </p:sp>
+      <p:sp>
+        <p:nvSpPr>
+          <p:cNvPr id="3" name="Content Placeholder 2"/>
+          <p:cNvSpPr>
+            <a:spLocks noGrp="1"/>
+          </p:cNvSpPr>
+          <p:nvPr>
+            <p:ph idx="1"/>
+          </p:nvPr>
+        </p:nvSpPr>
+        <p:spPr/>
+        <p:txBody>
+          <a:bodyPr/>
+          <a:lstStyle/>
+          <a:p>
+            <a:pPr marL="0" indent="0">
+              <a:buNone/>
+            </a:pPr>
+            <a:endParaRPr lang="de-DE" dirty="0"/>
+          </a:p>
+          <a:p>
+            <a:pPr marL="0" indent="0">
+              <a:buNone/>
+            </a:pPr>
+            <a:r>
+              <a:rPr lang="de-DE" dirty="0"/>
+              <a:t> </a:t>
+            </a:r>
+          </a:p>
+          <a:p>
+            <a:pPr marL="0" indent="0">
+              <a:buNone/>
+            </a:pPr>
+            <a:endParaRPr lang="de-DE" dirty="0"/>
+          </a:p>
+        </p:txBody>
+      </p:sp>
+      <p:pic>
+        <p:nvPicPr>
+          <p:cNvPr id="4" name="Picture 2" descr="http://www.manning.com/petricek/petricek_cover150.jpg"/>
+          <p:cNvPicPr>
+            <a:picLocks noChangeAspect="1" noChangeArrowheads="1"/>
+          </p:cNvPicPr>
+          <p:nvPr/>
+        </p:nvPicPr>
+        <p:blipFill rotWithShape="1">
+          <a:blip r:embed="rId3">
+            <a:extLst>
+              <a:ext uri="{28A0092B-C50C-407E-A947-70E740481C1C}">
+                <a14:useLocalDpi xmlns:a14="http://schemas.microsoft.com/office/drawing/2010/main" val="0"/>
+              </a:ext>
+            </a:extLst>
+          </a:blip>
+          <a:srcRect r="2703" b="2962"/>
+          <a:stretch/>
+        </p:blipFill>
+        <p:spPr bwMode="auto">
+          <a:xfrm>
+            <a:off x="1335769" y="2287478"/>
+            <a:ext cx="791827" cy="989784"/>
+          </a:xfrm>
+          <a:prstGeom prst="rect">
+            <a:avLst/>
+          </a:prstGeom>
+          <a:noFill/>
+          <a:extLst>
+            <a:ext uri="{909E8E84-426E-40DD-AFC4-6F175D3DCCD1}">
+              <a14:hiddenFill xmlns:a14="http://schemas.microsoft.com/office/drawing/2010/main">
+                <a:solidFill>
+                  <a:srgbClr val="FFFFFF"/>
+                </a:solidFill>
+              </a14:hiddenFill>
+            </a:ext>
+          </a:extLst>
+        </p:spPr>
+      </p:pic>
+      <p:sp>
+        <p:nvSpPr>
+          <p:cNvPr id="5" name="Rectangle 2"/>
+          <p:cNvSpPr/>
+          <p:nvPr/>
+        </p:nvSpPr>
+        <p:spPr>
+          <a:xfrm>
+            <a:off x="2526608" y="2507264"/>
+            <a:ext cx="5162824" cy="769441"/>
+          </a:xfrm>
+          <a:prstGeom prst="rect">
+            <a:avLst/>
+          </a:prstGeom>
+        </p:spPr>
+        <p:txBody>
+          <a:bodyPr wrap="none">
+            <a:spAutoFit/>
+          </a:bodyPr>
+          <a:lstStyle/>
+          <a:p>
+            <a:r>
+              <a:rPr lang="en-AU" sz="2400" dirty="0">
+                <a:latin typeface="Arial" panose="020B0604020202020204" pitchFamily="34" charset="0"/>
+              </a:rPr>
+              <a:t>Real-World Functional Programming</a:t>
+            </a:r>
+          </a:p>
+          <a:p>
+            <a:r>
+              <a:rPr lang="en-AU" sz="2000">
+                <a:latin typeface="Arial" panose="020B0604020202020204" pitchFamily="34" charset="0"/>
+              </a:rPr>
+              <a:t>von </a:t>
+            </a:r>
+            <a:r>
+              <a:rPr lang="en-AU" sz="2000" dirty="0">
+                <a:latin typeface="Arial" panose="020B0604020202020204" pitchFamily="34" charset="0"/>
+              </a:rPr>
+              <a:t>Jon Skeet und Tomas </a:t>
+            </a:r>
+            <a:r>
+              <a:rPr lang="en-AU" sz="2000" dirty="0" err="1">
+                <a:latin typeface="Arial" panose="020B0604020202020204" pitchFamily="34" charset="0"/>
+              </a:rPr>
+              <a:t>Petricek</a:t>
+            </a:r>
+            <a:endParaRPr lang="en-AU" sz="2000" dirty="0"/>
+          </a:p>
+        </p:txBody>
+      </p:sp>
+      <p:sp>
+        <p:nvSpPr>
+          <p:cNvPr id="6" name="Rectangle 5"/>
+          <p:cNvSpPr/>
+          <p:nvPr/>
+        </p:nvSpPr>
+        <p:spPr>
+          <a:xfrm>
+            <a:off x="2572053" y="5622740"/>
+            <a:ext cx="5441361" cy="461665"/>
+          </a:xfrm>
+          <a:prstGeom prst="rect">
+            <a:avLst/>
+          </a:prstGeom>
+        </p:spPr>
+        <p:txBody>
+          <a:bodyPr wrap="none">
+            <a:spAutoFit/>
+          </a:bodyPr>
+          <a:lstStyle/>
+          <a:p>
+            <a:r>
+              <a:rPr lang="en-AU" sz="2400" dirty="0">
+                <a:latin typeface="Arial" panose="020B0604020202020204" pitchFamily="34" charset="0"/>
+              </a:rPr>
+              <a:t>Skills Matter: skillsmatter.com (tag: f#)</a:t>
+            </a:r>
+            <a:endParaRPr lang="en-AU" sz="2000" dirty="0"/>
+          </a:p>
+        </p:txBody>
+      </p:sp>
+      <p:sp>
+        <p:nvSpPr>
+          <p:cNvPr id="7" name="Rectangle 6"/>
+          <p:cNvSpPr/>
+          <p:nvPr/>
+        </p:nvSpPr>
+        <p:spPr>
+          <a:xfrm>
+            <a:off x="4729576" y="3426468"/>
+            <a:ext cx="3797835" cy="461665"/>
+          </a:xfrm>
+          <a:prstGeom prst="rect">
+            <a:avLst/>
+          </a:prstGeom>
+        </p:spPr>
+        <p:txBody>
+          <a:bodyPr wrap="none">
+            <a:spAutoFit/>
+          </a:bodyPr>
+          <a:lstStyle/>
+          <a:p>
+            <a:r>
+              <a:rPr lang="en-AU" sz="2400" dirty="0">
+                <a:latin typeface="Arial" panose="020B0604020202020204" pitchFamily="34" charset="0"/>
+              </a:rPr>
+              <a:t>fsharpforfunandprofit.com</a:t>
+            </a:r>
+            <a:endParaRPr lang="en-AU" dirty="0"/>
+          </a:p>
+        </p:txBody>
+      </p:sp>
+      <p:pic>
+        <p:nvPicPr>
+          <p:cNvPr id="8" name="Picture 7" descr="http://fsharpworks.com/paris/images/Scott-Wlaschin.jpeg"/>
+          <p:cNvPicPr>
+            <a:picLocks noChangeAspect="1" noChangeArrowheads="1"/>
+          </p:cNvPicPr>
+          <p:nvPr/>
+        </p:nvPicPr>
+        <p:blipFill>
+          <a:blip r:embed="rId4" cstate="print">
+            <a:extLst>
+              <a:ext uri="{28A0092B-C50C-407E-A947-70E740481C1C}">
+                <a14:useLocalDpi xmlns:a14="http://schemas.microsoft.com/office/drawing/2010/main" val="0"/>
+              </a:ext>
+            </a:extLst>
+          </a:blip>
+          <a:srcRect/>
+          <a:stretch>
+            <a:fillRect/>
+          </a:stretch>
+        </p:blipFill>
+        <p:spPr bwMode="auto">
+          <a:xfrm>
+            <a:off x="1335769" y="3365490"/>
+            <a:ext cx="791827" cy="791827"/>
+          </a:xfrm>
+          <a:prstGeom prst="rect">
+            <a:avLst/>
+          </a:prstGeom>
+          <a:noFill/>
+          <a:extLst>
+            <a:ext uri="{909E8E84-426E-40DD-AFC4-6F175D3DCCD1}">
+              <a14:hiddenFill xmlns:a14="http://schemas.microsoft.com/office/drawing/2010/main">
+                <a:solidFill>
+                  <a:srgbClr val="FFFFFF"/>
+                </a:solidFill>
+              </a14:hiddenFill>
+            </a:ext>
+          </a:extLst>
+        </p:spPr>
+      </p:pic>
+      <p:sp>
+        <p:nvSpPr>
+          <p:cNvPr id="9" name="Rectangle 9"/>
+          <p:cNvSpPr/>
+          <p:nvPr/>
+        </p:nvSpPr>
+        <p:spPr>
+          <a:xfrm>
+            <a:off x="2515653" y="3583528"/>
+            <a:ext cx="2220480" cy="461665"/>
+          </a:xfrm>
+          <a:prstGeom prst="rect">
+            <a:avLst/>
+          </a:prstGeom>
+        </p:spPr>
+        <p:txBody>
+          <a:bodyPr wrap="none">
+            <a:spAutoFit/>
+          </a:bodyPr>
+          <a:lstStyle/>
+          <a:p>
+            <a:r>
+              <a:rPr lang="en-AU" sz="2400" dirty="0">
+                <a:latin typeface="Arial" panose="020B0604020202020204" pitchFamily="34" charset="0"/>
+              </a:rPr>
+              <a:t>Scott Wlaschin</a:t>
+            </a:r>
+            <a:endParaRPr lang="en-AU" dirty="0"/>
+          </a:p>
+        </p:txBody>
+      </p:sp>
+      <p:pic>
+        <p:nvPicPr>
+          <p:cNvPr id="10" name="Picture 2" descr="Logo proper"/>
+          <p:cNvPicPr>
+            <a:picLocks noChangeAspect="1" noChangeArrowheads="1"/>
+          </p:cNvPicPr>
+          <p:nvPr/>
+        </p:nvPicPr>
+        <p:blipFill>
+          <a:blip r:embed="rId5">
+            <a:extLst>
+              <a:ext uri="{28A0092B-C50C-407E-A947-70E740481C1C}">
+                <a14:useLocalDpi xmlns:a14="http://schemas.microsoft.com/office/drawing/2010/main" val="0"/>
+              </a:ext>
+            </a:extLst>
+          </a:blip>
+          <a:srcRect/>
+          <a:stretch>
+            <a:fillRect/>
+          </a:stretch>
+        </p:blipFill>
+        <p:spPr bwMode="auto">
+          <a:xfrm>
+            <a:off x="1310112" y="5540130"/>
+            <a:ext cx="817484" cy="698731"/>
+          </a:xfrm>
+          <a:prstGeom prst="rect">
+            <a:avLst/>
+          </a:prstGeom>
+          <a:noFill/>
+          <a:extLst>
+            <a:ext uri="{909E8E84-426E-40DD-AFC4-6F175D3DCCD1}">
+              <a14:hiddenFill xmlns:a14="http://schemas.microsoft.com/office/drawing/2010/main">
+                <a:solidFill>
+                  <a:srgbClr val="FFFFFF"/>
+                </a:solidFill>
+              </a14:hiddenFill>
+            </a:ext>
+          </a:extLst>
+        </p:spPr>
+      </p:pic>
+      <p:sp>
+        <p:nvSpPr>
+          <p:cNvPr id="11" name="Rectangle 11"/>
+          <p:cNvSpPr/>
+          <p:nvPr/>
+        </p:nvSpPr>
+        <p:spPr>
+          <a:xfrm>
+            <a:off x="2533721" y="1618675"/>
+            <a:ext cx="3520516" cy="461665"/>
+          </a:xfrm>
+          <a:prstGeom prst="rect">
+            <a:avLst/>
+          </a:prstGeom>
+        </p:spPr>
+        <p:txBody>
+          <a:bodyPr wrap="none">
+            <a:spAutoFit/>
+          </a:bodyPr>
+          <a:lstStyle/>
+          <a:p>
+            <a:r>
+              <a:rPr lang="en-AU" sz="2400" dirty="0">
+                <a:latin typeface="Arial" panose="020B0604020202020204" pitchFamily="34" charset="0"/>
+              </a:rPr>
+              <a:t>fsharp.org / c4fsharp.net</a:t>
+            </a:r>
+            <a:endParaRPr lang="en-AU" sz="2000" dirty="0"/>
+          </a:p>
+        </p:txBody>
+      </p:sp>
+      <p:pic>
+        <p:nvPicPr>
+          <p:cNvPr id="12" name="Picture 2" descr="F# Logo"/>
+          <p:cNvPicPr>
+            <a:picLocks noChangeAspect="1" noChangeArrowheads="1"/>
+          </p:cNvPicPr>
+          <p:nvPr/>
+        </p:nvPicPr>
+        <p:blipFill>
+          <a:blip r:embed="rId6" cstate="print">
+            <a:extLst>
+              <a:ext uri="{28A0092B-C50C-407E-A947-70E740481C1C}">
+                <a14:useLocalDpi xmlns:a14="http://schemas.microsoft.com/office/drawing/2010/main" val="0"/>
+              </a:ext>
+            </a:extLst>
+          </a:blip>
+          <a:srcRect/>
+          <a:stretch>
+            <a:fillRect/>
+          </a:stretch>
+        </p:blipFill>
+        <p:spPr bwMode="auto">
+          <a:xfrm>
+            <a:off x="1262593" y="1325667"/>
+            <a:ext cx="938177" cy="938177"/>
+          </a:xfrm>
+          <a:prstGeom prst="rect">
+            <a:avLst/>
+          </a:prstGeom>
+          <a:noFill/>
+          <a:extLst>
+            <a:ext uri="{909E8E84-426E-40DD-AFC4-6F175D3DCCD1}">
+              <a14:hiddenFill xmlns:a14="http://schemas.microsoft.com/office/drawing/2010/main">
+                <a:solidFill>
+                  <a:srgbClr val="FFFFFF"/>
+                </a:solidFill>
+              </a14:hiddenFill>
+            </a:ext>
+          </a:extLst>
+        </p:spPr>
+      </p:pic>
+      <p:sp>
+        <p:nvSpPr>
+          <p:cNvPr id="13" name="Rectangle 15"/>
+          <p:cNvSpPr/>
+          <p:nvPr/>
+        </p:nvSpPr>
+        <p:spPr>
+          <a:xfrm>
+            <a:off x="2523639" y="4302396"/>
+            <a:ext cx="1364476" cy="461665"/>
+          </a:xfrm>
+          <a:prstGeom prst="rect">
+            <a:avLst/>
+          </a:prstGeom>
+        </p:spPr>
+        <p:txBody>
+          <a:bodyPr wrap="none">
+            <a:spAutoFit/>
+          </a:bodyPr>
+          <a:lstStyle/>
+          <a:p>
+            <a:r>
+              <a:rPr lang="en-AU" sz="2400" dirty="0">
+                <a:latin typeface="Arial" panose="020B0604020202020204" pitchFamily="34" charset="0"/>
+              </a:rPr>
+              <a:t>fsharp.tv</a:t>
+            </a:r>
+            <a:endParaRPr lang="en-AU" sz="2000" dirty="0"/>
+          </a:p>
+        </p:txBody>
+      </p:sp>
+      <p:pic>
+        <p:nvPicPr>
+          <p:cNvPr id="14" name="Picture 2" descr="https://fsharp.tv/wp-content/uploads/2016/02/logo.png"/>
+          <p:cNvPicPr>
+            <a:picLocks noChangeAspect="1" noChangeArrowheads="1"/>
+          </p:cNvPicPr>
+          <p:nvPr/>
+        </p:nvPicPr>
+        <p:blipFill>
+          <a:blip r:embed="rId7">
+            <a:extLst>
+              <a:ext uri="{28A0092B-C50C-407E-A947-70E740481C1C}">
+                <a14:useLocalDpi xmlns:a14="http://schemas.microsoft.com/office/drawing/2010/main" val="0"/>
+              </a:ext>
+            </a:extLst>
+          </a:blip>
+          <a:srcRect/>
+          <a:stretch>
+            <a:fillRect/>
+          </a:stretch>
+        </p:blipFill>
+        <p:spPr bwMode="auto">
+          <a:xfrm>
+            <a:off x="1335769" y="4290483"/>
+            <a:ext cx="1187870" cy="464819"/>
+          </a:xfrm>
+          <a:prstGeom prst="rect">
+            <a:avLst/>
+          </a:prstGeom>
+          <a:noFill/>
+          <a:extLst>
+            <a:ext uri="{909E8E84-426E-40DD-AFC4-6F175D3DCCD1}">
+              <a14:hiddenFill xmlns:a14="http://schemas.microsoft.com/office/drawing/2010/main">
+                <a:solidFill>
+                  <a:srgbClr val="FFFFFF"/>
+                </a:solidFill>
+              </a14:hiddenFill>
+            </a:ext>
+          </a:extLst>
+        </p:spPr>
+      </p:pic>
+      <p:pic>
+        <p:nvPicPr>
+          <p:cNvPr id="15" name="Picture 4" descr="https://lh3.googleusercontent.com/-ZORtyZGwP8c/AAAAAAAAAAI/AAAAAAAAHjg/Hu-5E_mJYNs/s0-c-k-no-ns/photo.jpg"/>
+          <p:cNvPicPr>
+            <a:picLocks noChangeAspect="1" noChangeArrowheads="1"/>
+          </p:cNvPicPr>
+          <p:nvPr/>
+        </p:nvPicPr>
+        <p:blipFill rotWithShape="1">
+          <a:blip r:embed="rId8" cstate="print">
+            <a:extLst>
+              <a:ext uri="{28A0092B-C50C-407E-A947-70E740481C1C}">
+                <a14:useLocalDpi xmlns:a14="http://schemas.microsoft.com/office/drawing/2010/main" val="0"/>
+              </a:ext>
+            </a:extLst>
+          </a:blip>
+          <a:srcRect l="3870" t="-11245" r="-2614" b="2626"/>
+          <a:stretch/>
+        </p:blipFill>
+        <p:spPr bwMode="auto">
+          <a:xfrm>
+            <a:off x="1401785" y="4744100"/>
+            <a:ext cx="659792" cy="725771"/>
+          </a:xfrm>
+          <a:prstGeom prst="rect">
+            <a:avLst/>
+          </a:prstGeom>
+          <a:noFill/>
+          <a:extLst>
+            <a:ext uri="{909E8E84-426E-40DD-AFC4-6F175D3DCCD1}">
+              <a14:hiddenFill xmlns:a14="http://schemas.microsoft.com/office/drawing/2010/main">
+                <a:solidFill>
+                  <a:srgbClr val="FFFFFF"/>
+                </a:solidFill>
+              </a14:hiddenFill>
+            </a:ext>
+          </a:extLst>
+        </p:spPr>
+      </p:pic>
+      <p:sp>
+        <p:nvSpPr>
+          <p:cNvPr id="16" name="Rectangle 20"/>
+          <p:cNvSpPr/>
+          <p:nvPr/>
+        </p:nvSpPr>
+        <p:spPr>
+          <a:xfrm>
+            <a:off x="2512689" y="4957349"/>
+            <a:ext cx="6848350" cy="461665"/>
+          </a:xfrm>
+          <a:prstGeom prst="rect">
+            <a:avLst/>
+          </a:prstGeom>
+        </p:spPr>
+        <p:txBody>
+          <a:bodyPr wrap="none">
+            <a:spAutoFit/>
+          </a:bodyPr>
+          <a:lstStyle/>
+          <a:p>
+            <a:r>
+              <a:rPr lang="en-AU" sz="2400" dirty="0">
+                <a:latin typeface="Arial" panose="020B0604020202020204" pitchFamily="34" charset="0"/>
+              </a:rPr>
+              <a:t>pluralsight.com/</a:t>
+            </a:r>
+            <a:r>
+              <a:rPr lang="en-AU" sz="2400" dirty="0" err="1">
+                <a:latin typeface="Arial" panose="020B0604020202020204" pitchFamily="34" charset="0"/>
+              </a:rPr>
+              <a:t>search?q</a:t>
+            </a:r>
+            <a:r>
+              <a:rPr lang="en-AU" sz="2400" dirty="0">
+                <a:latin typeface="Arial" panose="020B0604020202020204" pitchFamily="34" charset="0"/>
+              </a:rPr>
+              <a:t>=f%23&amp;categories=all</a:t>
+            </a:r>
+            <a:endParaRPr lang="en-AU" sz="2000" dirty="0"/>
+          </a:p>
+        </p:txBody>
+      </p:sp>
+    </p:spTree>
+    <p:extLst>
+      <p:ext uri="{BB962C8B-B14F-4D97-AF65-F5344CB8AC3E}">
+        <p14:creationId xmlns:p14="http://schemas.microsoft.com/office/powerpoint/2010/main" val="14755262"/>
+      </p:ext>
+    </p:extLst>
+  </p:cSld>
+  <p:clrMapOvr>
+    <a:masterClrMapping/>
+  </p:clrMapOvr>
+  <p:timing>
+    <p:tnLst>
+      <p:par>
+        <p:cTn id="1" dur="indefinite" restart="never" nodeType="tmRoot">
+          <p:childTnLst>
+            <p:seq concurrent="1" nextAc="seek">
+              <p:cTn id="2" dur="indefinite" nodeType="mainSeq">
+                <p:childTnLst>
+                  <p:par>
+                    <p:cTn id="3" fill="hold">
+                      <p:stCondLst>
+                        <p:cond delay="indefinite"/>
+                      </p:stCondLst>
+                      <p:childTnLst>
+                        <p:par>
+                          <p:cTn id="4" fill="hold">
+                            <p:stCondLst>
+                              <p:cond delay="0"/>
+                            </p:stCondLst>
+                            <p:childTnLst>
+                              <p:par>
+                                <p:cTn id="5" presetID="1" presetClass="entr" presetSubtype="0" fill="hold" grpId="0" nodeType="clickEffect">
+                                  <p:stCondLst>
+                                    <p:cond delay="0"/>
+                                  </p:stCondLst>
+                                  <p:childTnLst>
+                                    <p:set>
+                                      <p:cBhvr>
+                                        <p:cTn id="6" dur="1" fill="hold">
+                                          <p:stCondLst>
+                                            <p:cond delay="0"/>
+                                          </p:stCondLst>
+                                        </p:cTn>
+                                        <p:tgtEl>
+                                          <p:spTgt spid="3">
+                                            <p:txEl>
+                                              <p:pRg st="1" end="1"/>
                                             </p:txEl>
                                           </p:spTgt>
                                         </p:tgtEl>
